--- a/Наработки/диздоки/Никарагуа/Никарагуа.pptx
+++ b/Наработки/диздоки/Никарагуа/Никарагуа.pptx
@@ -3531,68 +3531,6 @@
           </a:fontRef>
         </p:style>
       </p:cxnSp>
-      <p:sp>
-        <p:nvSpPr>
-          <p:cNvPr id="667" name="Прямоугольник 666"/>
-          <p:cNvSpPr/>
-          <p:nvPr/>
-        </p:nvSpPr>
-        <p:spPr>
-          <a:xfrm>
-            <a:off x="2895110" y="249700"/>
-            <a:ext cx="926325" cy="540000"/>
-          </a:xfrm>
-          <a:prstGeom prst="rect">
-            <a:avLst/>
-          </a:prstGeom>
-          <a:solidFill>
-            <a:srgbClr val="FF0000"/>
-          </a:solidFill>
-          <a:ln w="19050"/>
-        </p:spPr>
-        <p:style>
-          <a:lnRef idx="2">
-            <a:schemeClr val="accent1"/>
-          </a:lnRef>
-          <a:fillRef idx="1">
-            <a:schemeClr val="lt1"/>
-          </a:fillRef>
-          <a:effectRef idx="0">
-            <a:schemeClr val="accent1"/>
-          </a:effectRef>
-          <a:fontRef idx="minor">
-            <a:schemeClr val="dk1"/>
-          </a:fontRef>
-        </p:style>
-        <p:txBody>
-          <a:bodyPr lIns="124733" tIns="62367" rIns="124733" bIns="62367" rtlCol="0" anchor="ctr"/>
-          <a:lstStyle/>
-          <a:p>
-            <a:pPr algn="ctr"/>
-            <a:r>
-              <a:rPr lang="ru-RU" sz="700" dirty="0"/>
-              <a:t>Формирование Народного Фронта (</a:t>
-            </a:r>
-            <a:r>
-              <a:rPr lang="en-US" sz="700" dirty="0" err="1"/>
-              <a:t>Revolta</a:t>
-            </a:r>
-            <a:r>
-              <a:rPr lang="en-US" sz="700" dirty="0"/>
-              <a:t> dos </a:t>
-            </a:r>
-            <a:r>
-              <a:rPr lang="en-US" sz="700" dirty="0" err="1"/>
-              <a:t>marinheiros</a:t>
-            </a:r>
-            <a:r>
-              <a:rPr lang="ru-RU" sz="700" dirty="0"/>
-              <a:t>)</a:t>
-            </a:r>
-            <a:endParaRPr lang="ru-RU" sz="400" dirty="0"/>
-          </a:p>
-        </p:txBody>
-      </p:sp>
       <p:cxnSp>
         <p:nvCxnSpPr>
           <p:cNvPr id="718" name="Прямая со стрелкой 717"/>
@@ -3630,44 +3568,6 @@
           </a:fontRef>
         </p:style>
       </p:cxnSp>
-      <p:cxnSp>
-        <p:nvCxnSpPr>
-          <p:cNvPr id="904" name="Соединительная линия уступом 903"/>
-          <p:cNvCxnSpPr>
-            <a:cxnSpLocks/>
-            <a:stCxn id="667" idx="2"/>
-          </p:cNvCxnSpPr>
-          <p:nvPr/>
-        </p:nvCxnSpPr>
-        <p:spPr>
-          <a:xfrm rot="16200000" flipH="1">
-            <a:off x="4603664" y="-455691"/>
-            <a:ext cx="247400" cy="2738182"/>
-          </a:xfrm>
-          <a:prstGeom prst="bentConnector3">
-            <a:avLst>
-              <a:gd name="adj1" fmla="val 50000"/>
-            </a:avLst>
-          </a:prstGeom>
-          <a:ln w="19050">
-            <a:tailEnd type="arrow"/>
-          </a:ln>
-        </p:spPr>
-        <p:style>
-          <a:lnRef idx="1">
-            <a:schemeClr val="accent1"/>
-          </a:lnRef>
-          <a:fillRef idx="0">
-            <a:schemeClr val="accent1"/>
-          </a:fillRef>
-          <a:effectRef idx="0">
-            <a:schemeClr val="accent1"/>
-          </a:effectRef>
-          <a:fontRef idx="minor">
-            <a:schemeClr val="tx1"/>
-          </a:fontRef>
-        </p:style>
-      </p:cxnSp>
       <p:sp>
         <p:nvSpPr>
           <p:cNvPr id="860" name="Прямоугольник 859">
@@ -4717,7 +4617,7 @@
         </p:nvSpPr>
         <p:spPr>
           <a:xfrm>
-            <a:off x="6487073" y="587482"/>
+            <a:off x="9039204" y="5937415"/>
             <a:ext cx="926325" cy="540000"/>
           </a:xfrm>
           <a:prstGeom prst="rect">
@@ -5256,7 +5156,7 @@
         </p:nvSpPr>
         <p:spPr>
           <a:xfrm>
-            <a:off x="4134295" y="5885810"/>
+            <a:off x="2277330" y="6629613"/>
             <a:ext cx="926325" cy="540000"/>
           </a:xfrm>
           <a:prstGeom prst="rect">
@@ -5306,7 +5206,7 @@
         </p:nvSpPr>
         <p:spPr>
           <a:xfrm>
-            <a:off x="4134294" y="6756125"/>
+            <a:off x="2277329" y="7499928"/>
             <a:ext cx="926325" cy="540000"/>
           </a:xfrm>
           <a:prstGeom prst="rect">
@@ -5356,7 +5256,7 @@
         </p:nvSpPr>
         <p:spPr>
           <a:xfrm>
-            <a:off x="1187011" y="6646132"/>
+            <a:off x="651029" y="7530277"/>
             <a:ext cx="926325" cy="540000"/>
           </a:xfrm>
           <a:prstGeom prst="rect">
@@ -5406,7 +5306,7 @@
         </p:nvSpPr>
         <p:spPr>
           <a:xfrm>
-            <a:off x="2673015" y="6603203"/>
+            <a:off x="784215" y="6629613"/>
             <a:ext cx="926325" cy="540000"/>
           </a:xfrm>
           <a:prstGeom prst="rect">
@@ -5445,6 +5345,332 @@
             <a:r>
               <a:rPr lang="ru-RU" sz="700" dirty="0"/>
               <a:t> в Леоне</a:t>
+            </a:r>
+            <a:endParaRPr lang="ru-RU" sz="400" dirty="0"/>
+          </a:p>
+        </p:txBody>
+      </p:sp>
+      <p:sp>
+        <p:nvSpPr>
+          <p:cNvPr id="38" name="Прямоугольник 37">
+            <a:extLst>
+              <a:ext uri="{FF2B5EF4-FFF2-40B4-BE49-F238E27FC236}">
+                <a16:creationId xmlns:a16="http://schemas.microsoft.com/office/drawing/2014/main" id="{9C02A14C-DE5F-49AD-A4EE-A27966D0EFDC}"/>
+              </a:ext>
+            </a:extLst>
+          </p:cNvPr>
+          <p:cNvSpPr/>
+          <p:nvPr/>
+        </p:nvSpPr>
+        <p:spPr>
+          <a:xfrm>
+            <a:off x="6586748" y="5991943"/>
+            <a:ext cx="926325" cy="540000"/>
+          </a:xfrm>
+          <a:prstGeom prst="rect">
+            <a:avLst/>
+          </a:prstGeom>
+          <a:noFill/>
+          <a:ln w="19050"/>
+        </p:spPr>
+        <p:style>
+          <a:lnRef idx="2">
+            <a:schemeClr val="accent1"/>
+          </a:lnRef>
+          <a:fillRef idx="1">
+            <a:schemeClr val="lt1"/>
+          </a:fillRef>
+          <a:effectRef idx="0">
+            <a:schemeClr val="accent1"/>
+          </a:effectRef>
+          <a:fontRef idx="minor">
+            <a:schemeClr val="dk1"/>
+          </a:fontRef>
+        </p:style>
+        <p:txBody>
+          <a:bodyPr lIns="124733" tIns="62367" rIns="124733" bIns="62367" rtlCol="0" anchor="ctr"/>
+          <a:lstStyle/>
+          <a:p>
+            <a:pPr algn="ctr"/>
+            <a:r>
+              <a:rPr lang="ru-RU" sz="700" dirty="0"/>
+              <a:t>Ликвидировать договор Брайана-Чаморро</a:t>
+            </a:r>
+            <a:endParaRPr lang="ru-RU" sz="400" dirty="0"/>
+          </a:p>
+        </p:txBody>
+      </p:sp>
+      <p:sp>
+        <p:nvSpPr>
+          <p:cNvPr id="39" name="Прямоугольник 38">
+            <a:extLst>
+              <a:ext uri="{FF2B5EF4-FFF2-40B4-BE49-F238E27FC236}">
+                <a16:creationId xmlns:a16="http://schemas.microsoft.com/office/drawing/2014/main" id="{CCC56779-6173-48FC-B7E9-574156FA22BE}"/>
+              </a:ext>
+            </a:extLst>
+          </p:cNvPr>
+          <p:cNvSpPr/>
+          <p:nvPr/>
+        </p:nvSpPr>
+        <p:spPr>
+          <a:xfrm>
+            <a:off x="6586748" y="6752265"/>
+            <a:ext cx="926325" cy="540000"/>
+          </a:xfrm>
+          <a:prstGeom prst="rect">
+            <a:avLst/>
+          </a:prstGeom>
+          <a:noFill/>
+          <a:ln w="19050"/>
+        </p:spPr>
+        <p:style>
+          <a:lnRef idx="2">
+            <a:schemeClr val="accent1"/>
+          </a:lnRef>
+          <a:fillRef idx="1">
+            <a:schemeClr val="lt1"/>
+          </a:fillRef>
+          <a:effectRef idx="0">
+            <a:schemeClr val="accent1"/>
+          </a:effectRef>
+          <a:fontRef idx="minor">
+            <a:schemeClr val="dk1"/>
+          </a:fontRef>
+        </p:style>
+        <p:txBody>
+          <a:bodyPr lIns="124733" tIns="62367" rIns="124733" bIns="62367" rtlCol="0" anchor="ctr"/>
+          <a:lstStyle/>
+          <a:p>
+            <a:pPr algn="ctr"/>
+            <a:r>
+              <a:rPr lang="ru-RU" sz="700" dirty="0"/>
+              <a:t>Возобновить строительство Никарагуанского канала </a:t>
+            </a:r>
+            <a:r>
+              <a:rPr lang="ru-RU" sz="400" dirty="0"/>
+              <a:t>(нужен союзник, или США должны потерять влияние на Панаму)</a:t>
+            </a:r>
+          </a:p>
+        </p:txBody>
+      </p:sp>
+      <p:sp>
+        <p:nvSpPr>
+          <p:cNvPr id="40" name="Прямоугольник 39">
+            <a:extLst>
+              <a:ext uri="{FF2B5EF4-FFF2-40B4-BE49-F238E27FC236}">
+                <a16:creationId xmlns:a16="http://schemas.microsoft.com/office/drawing/2014/main" id="{5A430988-1DD9-4ED0-BDCA-E2441F8AB779}"/>
+              </a:ext>
+            </a:extLst>
+          </p:cNvPr>
+          <p:cNvSpPr/>
+          <p:nvPr/>
+        </p:nvSpPr>
+        <p:spPr>
+          <a:xfrm>
+            <a:off x="7824553" y="5941275"/>
+            <a:ext cx="926325" cy="540000"/>
+          </a:xfrm>
+          <a:prstGeom prst="rect">
+            <a:avLst/>
+          </a:prstGeom>
+          <a:solidFill>
+            <a:schemeClr val="bg1">
+              <a:lumMod val="65000"/>
+            </a:schemeClr>
+          </a:solidFill>
+          <a:ln w="19050"/>
+        </p:spPr>
+        <p:style>
+          <a:lnRef idx="2">
+            <a:schemeClr val="accent1"/>
+          </a:lnRef>
+          <a:fillRef idx="1">
+            <a:schemeClr val="lt1"/>
+          </a:fillRef>
+          <a:effectRef idx="0">
+            <a:schemeClr val="accent1"/>
+          </a:effectRef>
+          <a:fontRef idx="minor">
+            <a:schemeClr val="dk1"/>
+          </a:fontRef>
+        </p:style>
+        <p:txBody>
+          <a:bodyPr lIns="124733" tIns="62367" rIns="124733" bIns="62367" rtlCol="0" anchor="ctr"/>
+          <a:lstStyle/>
+          <a:p>
+            <a:pPr algn="ctr"/>
+            <a:r>
+              <a:rPr lang="ru-RU" sz="700" dirty="0"/>
+              <a:t>Присоединиться к странам антигитлеровской коалиции </a:t>
+            </a:r>
+            <a:r>
+              <a:rPr lang="ru-RU" sz="300" dirty="0"/>
+              <a:t>(8 декабря 1941 Никарагуа присоединилась к странам Антигитлеровской коалиции)</a:t>
+            </a:r>
+            <a:endParaRPr lang="ru-RU" sz="400" dirty="0"/>
+          </a:p>
+        </p:txBody>
+      </p:sp>
+      <p:sp>
+        <p:nvSpPr>
+          <p:cNvPr id="42" name="Прямоугольник 41">
+            <a:extLst>
+              <a:ext uri="{FF2B5EF4-FFF2-40B4-BE49-F238E27FC236}">
+                <a16:creationId xmlns:a16="http://schemas.microsoft.com/office/drawing/2014/main" id="{03F7D570-4EE1-495E-9294-D367F2E7763E}"/>
+              </a:ext>
+            </a:extLst>
+          </p:cNvPr>
+          <p:cNvSpPr/>
+          <p:nvPr/>
+        </p:nvSpPr>
+        <p:spPr>
+          <a:xfrm>
+            <a:off x="5267875" y="5953526"/>
+            <a:ext cx="926325" cy="540000"/>
+          </a:xfrm>
+          <a:prstGeom prst="rect">
+            <a:avLst/>
+          </a:prstGeom>
+          <a:noFill/>
+          <a:ln w="19050"/>
+        </p:spPr>
+        <p:style>
+          <a:lnRef idx="2">
+            <a:schemeClr val="accent1"/>
+          </a:lnRef>
+          <a:fillRef idx="1">
+            <a:schemeClr val="lt1"/>
+          </a:fillRef>
+          <a:effectRef idx="0">
+            <a:schemeClr val="accent1"/>
+          </a:effectRef>
+          <a:fontRef idx="minor">
+            <a:schemeClr val="dk1"/>
+          </a:fontRef>
+        </p:style>
+        <p:txBody>
+          <a:bodyPr lIns="124733" tIns="62367" rIns="124733" bIns="62367" rtlCol="0" anchor="ctr"/>
+          <a:lstStyle/>
+          <a:p>
+            <a:pPr algn="ctr"/>
+            <a:r>
+              <a:rPr lang="ru-RU" sz="700" dirty="0"/>
+              <a:t>Нарастить импорт из Германии</a:t>
+            </a:r>
+            <a:endParaRPr lang="ru-RU" sz="400" dirty="0"/>
+          </a:p>
+        </p:txBody>
+      </p:sp>
+      <p:sp>
+        <p:nvSpPr>
+          <p:cNvPr id="43" name="Прямоугольник 42">
+            <a:extLst>
+              <a:ext uri="{FF2B5EF4-FFF2-40B4-BE49-F238E27FC236}">
+                <a16:creationId xmlns:a16="http://schemas.microsoft.com/office/drawing/2014/main" id="{5858A8E5-3EFA-419C-99B9-6773CA7E1501}"/>
+              </a:ext>
+            </a:extLst>
+          </p:cNvPr>
+          <p:cNvSpPr/>
+          <p:nvPr/>
+        </p:nvSpPr>
+        <p:spPr>
+          <a:xfrm>
+            <a:off x="5267867" y="6752265"/>
+            <a:ext cx="926325" cy="540000"/>
+          </a:xfrm>
+          <a:prstGeom prst="rect">
+            <a:avLst/>
+          </a:prstGeom>
+          <a:noFill/>
+          <a:ln w="19050"/>
+        </p:spPr>
+        <p:style>
+          <a:lnRef idx="2">
+            <a:schemeClr val="accent1"/>
+          </a:lnRef>
+          <a:fillRef idx="1">
+            <a:schemeClr val="lt1"/>
+          </a:fillRef>
+          <a:effectRef idx="0">
+            <a:schemeClr val="accent1"/>
+          </a:effectRef>
+          <a:fontRef idx="minor">
+            <a:schemeClr val="dk1"/>
+          </a:fontRef>
+        </p:style>
+        <p:txBody>
+          <a:bodyPr lIns="124733" tIns="62367" rIns="124733" bIns="62367" rtlCol="0" anchor="ctr"/>
+          <a:lstStyle/>
+          <a:p>
+            <a:pPr algn="ctr"/>
+            <a:r>
+              <a:rPr lang="ru-RU" sz="700" dirty="0"/>
+              <a:t>Германские вложения в сельское хозяйство </a:t>
+            </a:r>
+            <a:r>
+              <a:rPr lang="ru-RU" sz="200" dirty="0"/>
+              <a:t>(после чего германская собственность на территории страны (46 кофейных плантаций и 51 скотоводческое хозяйство) была конфискована)</a:t>
+            </a:r>
+            <a:endParaRPr lang="ru-RU" sz="400" dirty="0"/>
+          </a:p>
+        </p:txBody>
+      </p:sp>
+      <p:sp>
+        <p:nvSpPr>
+          <p:cNvPr id="44" name="Прямоугольник 43">
+            <a:extLst>
+              <a:ext uri="{FF2B5EF4-FFF2-40B4-BE49-F238E27FC236}">
+                <a16:creationId xmlns:a16="http://schemas.microsoft.com/office/drawing/2014/main" id="{8EC9DFFC-D7E2-4E98-A7C4-9C8790D6A729}"/>
+              </a:ext>
+            </a:extLst>
+          </p:cNvPr>
+          <p:cNvSpPr/>
+          <p:nvPr/>
+        </p:nvSpPr>
+        <p:spPr>
+          <a:xfrm>
+            <a:off x="7824552" y="6717743"/>
+            <a:ext cx="926325" cy="540000"/>
+          </a:xfrm>
+          <a:prstGeom prst="rect">
+            <a:avLst/>
+          </a:prstGeom>
+          <a:solidFill>
+            <a:schemeClr val="bg1">
+              <a:lumMod val="65000"/>
+            </a:schemeClr>
+          </a:solidFill>
+          <a:ln w="19050"/>
+        </p:spPr>
+        <p:style>
+          <a:lnRef idx="2">
+            <a:schemeClr val="accent1"/>
+          </a:lnRef>
+          <a:fillRef idx="1">
+            <a:schemeClr val="lt1"/>
+          </a:fillRef>
+          <a:effectRef idx="0">
+            <a:schemeClr val="accent1"/>
+          </a:effectRef>
+          <a:fontRef idx="minor">
+            <a:schemeClr val="dk1"/>
+          </a:fontRef>
+        </p:style>
+        <p:txBody>
+          <a:bodyPr lIns="124733" tIns="62367" rIns="124733" bIns="62367" rtlCol="0" anchor="ctr"/>
+          <a:lstStyle/>
+          <a:p>
+            <a:pPr algn="ctr"/>
+            <a:r>
+              <a:rPr lang="ru-RU" sz="700" dirty="0"/>
+              <a:t>Конфискация германского имущества </a:t>
+            </a:r>
+            <a:br>
+              <a:rPr lang="ru-RU" sz="700" dirty="0"/>
+            </a:br>
+            <a:r>
+              <a:rPr lang="ru-RU" sz="300" dirty="0"/>
+              <a:t>(после чего германская собственность на территории страны (46 кофейных плантаций и 51 скотоводческое хозяйство) была конфискована)</a:t>
             </a:r>
             <a:endParaRPr lang="ru-RU" sz="400" dirty="0"/>
           </a:p>

--- a/Наработки/диздоки/Никарагуа/Никарагуа.pptx
+++ b/Наработки/диздоки/Никарагуа/Никарагуа.pptx
@@ -209,7 +209,7 @@
             <a:fld id="{33E3D7F9-E251-484C-A6FF-FA958879DF69}" type="datetimeFigureOut">
               <a:rPr lang="ru-RU" smtClean="0"/>
               <a:pPr/>
-              <a:t>21.06.2023</a:t>
+              <a:t>22.06.2023</a:t>
             </a:fld>
             <a:endParaRPr lang="ru-RU"/>
           </a:p>
@@ -699,7 +699,7 @@
             <a:fld id="{85A5DE44-605B-4D3B-B2B7-94543DF81A36}" type="datetimeFigureOut">
               <a:rPr lang="ru-RU" smtClean="0"/>
               <a:pPr/>
-              <a:t>21.06.2023</a:t>
+              <a:t>22.06.2023</a:t>
             </a:fld>
             <a:endParaRPr lang="ru-RU"/>
           </a:p>
@@ -871,7 +871,7 @@
             <a:fld id="{85A5DE44-605B-4D3B-B2B7-94543DF81A36}" type="datetimeFigureOut">
               <a:rPr lang="ru-RU" smtClean="0"/>
               <a:pPr/>
-              <a:t>21.06.2023</a:t>
+              <a:t>22.06.2023</a:t>
             </a:fld>
             <a:endParaRPr lang="ru-RU"/>
           </a:p>
@@ -1053,7 +1053,7 @@
             <a:fld id="{85A5DE44-605B-4D3B-B2B7-94543DF81A36}" type="datetimeFigureOut">
               <a:rPr lang="ru-RU" smtClean="0"/>
               <a:pPr/>
-              <a:t>21.06.2023</a:t>
+              <a:t>22.06.2023</a:t>
             </a:fld>
             <a:endParaRPr lang="ru-RU"/>
           </a:p>
@@ -1225,7 +1225,7 @@
             <a:fld id="{85A5DE44-605B-4D3B-B2B7-94543DF81A36}" type="datetimeFigureOut">
               <a:rPr lang="ru-RU" smtClean="0"/>
               <a:pPr/>
-              <a:t>21.06.2023</a:t>
+              <a:t>22.06.2023</a:t>
             </a:fld>
             <a:endParaRPr lang="ru-RU"/>
           </a:p>
@@ -1473,7 +1473,7 @@
             <a:fld id="{85A5DE44-605B-4D3B-B2B7-94543DF81A36}" type="datetimeFigureOut">
               <a:rPr lang="ru-RU" smtClean="0"/>
               <a:pPr/>
-              <a:t>21.06.2023</a:t>
+              <a:t>22.06.2023</a:t>
             </a:fld>
             <a:endParaRPr lang="ru-RU"/>
           </a:p>
@@ -1707,7 +1707,7 @@
             <a:fld id="{85A5DE44-605B-4D3B-B2B7-94543DF81A36}" type="datetimeFigureOut">
               <a:rPr lang="ru-RU" smtClean="0"/>
               <a:pPr/>
-              <a:t>21.06.2023</a:t>
+              <a:t>22.06.2023</a:t>
             </a:fld>
             <a:endParaRPr lang="ru-RU"/>
           </a:p>
@@ -2076,7 +2076,7 @@
             <a:fld id="{85A5DE44-605B-4D3B-B2B7-94543DF81A36}" type="datetimeFigureOut">
               <a:rPr lang="ru-RU" smtClean="0"/>
               <a:pPr/>
-              <a:t>21.06.2023</a:t>
+              <a:t>22.06.2023</a:t>
             </a:fld>
             <a:endParaRPr lang="ru-RU"/>
           </a:p>
@@ -2196,7 +2196,7 @@
             <a:fld id="{85A5DE44-605B-4D3B-B2B7-94543DF81A36}" type="datetimeFigureOut">
               <a:rPr lang="ru-RU" smtClean="0"/>
               <a:pPr/>
-              <a:t>21.06.2023</a:t>
+              <a:t>22.06.2023</a:t>
             </a:fld>
             <a:endParaRPr lang="ru-RU"/>
           </a:p>
@@ -2293,7 +2293,7 @@
             <a:fld id="{85A5DE44-605B-4D3B-B2B7-94543DF81A36}" type="datetimeFigureOut">
               <a:rPr lang="ru-RU" smtClean="0"/>
               <a:pPr/>
-              <a:t>21.06.2023</a:t>
+              <a:t>22.06.2023</a:t>
             </a:fld>
             <a:endParaRPr lang="ru-RU"/>
           </a:p>
@@ -2572,7 +2572,7 @@
             <a:fld id="{85A5DE44-605B-4D3B-B2B7-94543DF81A36}" type="datetimeFigureOut">
               <a:rPr lang="ru-RU" smtClean="0"/>
               <a:pPr/>
-              <a:t>21.06.2023</a:t>
+              <a:t>22.06.2023</a:t>
             </a:fld>
             <a:endParaRPr lang="ru-RU"/>
           </a:p>
@@ -2831,7 +2831,7 @@
             <a:fld id="{85A5DE44-605B-4D3B-B2B7-94543DF81A36}" type="datetimeFigureOut">
               <a:rPr lang="ru-RU" smtClean="0"/>
               <a:pPr/>
-              <a:t>21.06.2023</a:t>
+              <a:t>22.06.2023</a:t>
             </a:fld>
             <a:endParaRPr lang="ru-RU"/>
           </a:p>
@@ -3046,7 +3046,7 @@
             <a:fld id="{85A5DE44-605B-4D3B-B2B7-94543DF81A36}" type="datetimeFigureOut">
               <a:rPr lang="ru-RU" smtClean="0"/>
               <a:pPr/>
-              <a:t>21.06.2023</a:t>
+              <a:t>22.06.2023</a:t>
             </a:fld>
             <a:endParaRPr lang="ru-RU"/>
           </a:p>
@@ -3499,13 +3499,15 @@
           <p:cNvPr id="643" name="Прямая соединительная линия 642"/>
           <p:cNvCxnSpPr>
             <a:cxnSpLocks/>
+            <a:stCxn id="55" idx="3"/>
+            <a:endCxn id="56" idx="1"/>
           </p:cNvCxnSpPr>
           <p:nvPr/>
         </p:nvCxnSpPr>
         <p:spPr>
           <a:xfrm>
-            <a:off x="639064" y="1297224"/>
-            <a:ext cx="4994228" cy="9876"/>
+            <a:off x="3271248" y="7828724"/>
+            <a:ext cx="6025701" cy="0"/>
           </a:xfrm>
           <a:prstGeom prst="line">
             <a:avLst/>
@@ -4617,7 +4619,7 @@
         </p:nvSpPr>
         <p:spPr>
           <a:xfrm>
-            <a:off x="9039204" y="5937415"/>
+            <a:off x="955431" y="8355769"/>
             <a:ext cx="926325" cy="540000"/>
           </a:xfrm>
           <a:prstGeom prst="rect">
@@ -4651,11 +4653,43 @@
             <a:pPr algn="ctr"/>
             <a:r>
               <a:rPr lang="ru-RU" sz="700" dirty="0"/>
-              <a:t>Союз с </a:t>
-            </a:r>
-            <a:r>
-              <a:rPr lang="ru-RU" sz="700" dirty="0" err="1"/>
-              <a:t>Доминиканой</a:t>
+              <a:t>Упростить обмен валюты (октябрь 1936) </a:t>
+            </a:r>
+            <a:r>
+              <a:rPr lang="ru-RU" sz="100" dirty="0"/>
+              <a:t>(Первое, что сделал новый фактический хозяин страны, — внимательно прислушался к пожеланиям крупного бизнеса относительно изменения </a:t>
+            </a:r>
+            <a:r>
+              <a:rPr lang="ru-RU" sz="100" dirty="0" err="1"/>
+              <a:t>ва</a:t>
+            </a:r>
+            <a:r>
+              <a:rPr lang="ru-RU" sz="100" dirty="0"/>
+              <a:t>-</a:t>
+            </a:r>
+            <a:r>
+              <a:rPr lang="ru-RU" sz="100" dirty="0" err="1"/>
+              <a:t>лютно</a:t>
+            </a:r>
+            <a:r>
+              <a:rPr lang="ru-RU" sz="100" dirty="0"/>
+              <a:t>-финансовой политики. В октябре 1936 года был упрощен обмен кордоб на доллары. Экспортеры отныне могли сохранять 70% своей валютной </a:t>
+            </a:r>
+            <a:r>
+              <a:rPr lang="ru-RU" sz="100" dirty="0" err="1"/>
+              <a:t>выруч¬ки</a:t>
+            </a:r>
+            <a:r>
+              <a:rPr lang="ru-RU" sz="100" dirty="0"/>
+              <a:t> в долларах и продавать их по рыночному курсу. Остальные 30% надо было по-прежнему сдавать в Национальный банк по официальному курсу 1:1 (ранее сдавалась вся выручка). Таким образом, экспортеры могли существенно </a:t>
+            </a:r>
+            <a:r>
+              <a:rPr lang="ru-RU" sz="100" dirty="0" err="1"/>
+              <a:t>увели¬чить</a:t>
+            </a:r>
+            <a:r>
+              <a:rPr lang="ru-RU" sz="100" dirty="0"/>
+              <a:t> свои доходы, поскольку курс черного рынка был 1,75 кордобы за доллар)</a:t>
             </a:r>
             <a:endParaRPr lang="ru-RU" sz="400" dirty="0"/>
           </a:p>
@@ -5156,7 +5190,7 @@
         </p:nvSpPr>
         <p:spPr>
           <a:xfrm>
-            <a:off x="2277330" y="6629613"/>
+            <a:off x="7208130" y="5781553"/>
             <a:ext cx="926325" cy="540000"/>
           </a:xfrm>
           <a:prstGeom prst="rect">
@@ -5206,7 +5240,7 @@
         </p:nvSpPr>
         <p:spPr>
           <a:xfrm>
-            <a:off x="2277329" y="7499928"/>
+            <a:off x="7208129" y="6570566"/>
             <a:ext cx="926325" cy="540000"/>
           </a:xfrm>
           <a:prstGeom prst="rect">
@@ -5256,7 +5290,7 @@
         </p:nvSpPr>
         <p:spPr>
           <a:xfrm>
-            <a:off x="651029" y="7530277"/>
+            <a:off x="5818647" y="6570566"/>
             <a:ext cx="926325" cy="540000"/>
           </a:xfrm>
           <a:prstGeom prst="rect">
@@ -5306,7 +5340,7 @@
         </p:nvSpPr>
         <p:spPr>
           <a:xfrm>
-            <a:off x="784215" y="6629613"/>
+            <a:off x="4429151" y="5781553"/>
             <a:ext cx="926325" cy="540000"/>
           </a:xfrm>
           <a:prstGeom prst="rect">
@@ -5364,7 +5398,7 @@
         </p:nvSpPr>
         <p:spPr>
           <a:xfrm>
-            <a:off x="6586748" y="5991943"/>
+            <a:off x="12932563" y="5211792"/>
             <a:ext cx="926325" cy="540000"/>
           </a:xfrm>
           <a:prstGeom prst="rect">
@@ -5414,7 +5448,7 @@
         </p:nvSpPr>
         <p:spPr>
           <a:xfrm>
-            <a:off x="6586748" y="6752265"/>
+            <a:off x="12932563" y="5972114"/>
             <a:ext cx="926325" cy="540000"/>
           </a:xfrm>
           <a:prstGeom prst="rect">
@@ -5444,21 +5478,291 @@
             <a:pPr algn="ctr"/>
             <a:r>
               <a:rPr lang="ru-RU" sz="700" dirty="0"/>
-              <a:t>Возобновить строительство Никарагуанского канала </a:t>
-            </a:r>
+              <a:t>Возобновить строительство Никарагуанского канала</a:t>
+            </a:r>
+            <a:endParaRPr lang="ru-RU" sz="400" dirty="0"/>
+          </a:p>
+        </p:txBody>
+      </p:sp>
+      <p:sp>
+        <p:nvSpPr>
+          <p:cNvPr id="42" name="Прямоугольник 41">
+            <a:extLst>
+              <a:ext uri="{FF2B5EF4-FFF2-40B4-BE49-F238E27FC236}">
+                <a16:creationId xmlns:a16="http://schemas.microsoft.com/office/drawing/2014/main" id="{03F7D570-4EE1-495E-9294-D367F2E7763E}"/>
+              </a:ext>
+            </a:extLst>
+          </p:cNvPr>
+          <p:cNvSpPr/>
+          <p:nvPr/>
+        </p:nvSpPr>
+        <p:spPr>
+          <a:xfrm>
+            <a:off x="9296949" y="2561574"/>
+            <a:ext cx="926325" cy="540000"/>
+          </a:xfrm>
+          <a:prstGeom prst="rect">
+            <a:avLst/>
+          </a:prstGeom>
+          <a:noFill/>
+          <a:ln w="19050"/>
+        </p:spPr>
+        <p:style>
+          <a:lnRef idx="2">
+            <a:schemeClr val="accent1"/>
+          </a:lnRef>
+          <a:fillRef idx="1">
+            <a:schemeClr val="lt1"/>
+          </a:fillRef>
+          <a:effectRef idx="0">
+            <a:schemeClr val="accent1"/>
+          </a:effectRef>
+          <a:fontRef idx="minor">
+            <a:schemeClr val="dk1"/>
+          </a:fontRef>
+        </p:style>
+        <p:txBody>
+          <a:bodyPr lIns="124733" tIns="62367" rIns="124733" bIns="62367" rtlCol="0" anchor="ctr"/>
+          <a:lstStyle/>
+          <a:p>
+            <a:pPr algn="ctr"/>
+            <a:r>
+              <a:rPr lang="ru-RU" sz="700" dirty="0"/>
+              <a:t>Нарастить импорт из Германии</a:t>
+            </a:r>
+            <a:endParaRPr lang="ru-RU" sz="400" dirty="0"/>
+          </a:p>
+        </p:txBody>
+      </p:sp>
+      <p:sp>
+        <p:nvSpPr>
+          <p:cNvPr id="43" name="Прямоугольник 42">
+            <a:extLst>
+              <a:ext uri="{FF2B5EF4-FFF2-40B4-BE49-F238E27FC236}">
+                <a16:creationId xmlns:a16="http://schemas.microsoft.com/office/drawing/2014/main" id="{5858A8E5-3EFA-419C-99B9-6773CA7E1501}"/>
+              </a:ext>
+            </a:extLst>
+          </p:cNvPr>
+          <p:cNvSpPr/>
+          <p:nvPr/>
+        </p:nvSpPr>
+        <p:spPr>
+          <a:xfrm>
+            <a:off x="9987099" y="3355376"/>
+            <a:ext cx="926325" cy="540000"/>
+          </a:xfrm>
+          <a:prstGeom prst="rect">
+            <a:avLst/>
+          </a:prstGeom>
+          <a:noFill/>
+          <a:ln w="19050"/>
+        </p:spPr>
+        <p:style>
+          <a:lnRef idx="2">
+            <a:schemeClr val="accent1"/>
+          </a:lnRef>
+          <a:fillRef idx="1">
+            <a:schemeClr val="lt1"/>
+          </a:fillRef>
+          <a:effectRef idx="0">
+            <a:schemeClr val="accent1"/>
+          </a:effectRef>
+          <a:fontRef idx="minor">
+            <a:schemeClr val="dk1"/>
+          </a:fontRef>
+        </p:style>
+        <p:txBody>
+          <a:bodyPr lIns="124733" tIns="62367" rIns="124733" bIns="62367" rtlCol="0" anchor="ctr"/>
+          <a:lstStyle/>
+          <a:p>
+            <a:pPr algn="ctr"/>
+            <a:r>
+              <a:rPr lang="ru-RU" sz="700" dirty="0"/>
+              <a:t>Германские вложения в сельское хозяйство </a:t>
+            </a:r>
+            <a:r>
+              <a:rPr lang="ru-RU" sz="200" dirty="0"/>
+              <a:t>(после чего германская собственность на территории страны (46 кофейных плантаций и 51 скотоводческое хозяйство) была конфискована)</a:t>
+            </a:r>
+            <a:endParaRPr lang="ru-RU" sz="400" dirty="0"/>
+          </a:p>
+        </p:txBody>
+      </p:sp>
+      <p:sp>
+        <p:nvSpPr>
+          <p:cNvPr id="45" name="Прямоугольник 44">
+            <a:extLst>
+              <a:ext uri="{FF2B5EF4-FFF2-40B4-BE49-F238E27FC236}">
+                <a16:creationId xmlns:a16="http://schemas.microsoft.com/office/drawing/2014/main" id="{29CBE310-5100-413A-B4C1-EA4E28F411B1}"/>
+              </a:ext>
+            </a:extLst>
+          </p:cNvPr>
+          <p:cNvSpPr/>
+          <p:nvPr/>
+        </p:nvSpPr>
+        <p:spPr>
+          <a:xfrm>
+            <a:off x="8597615" y="3360313"/>
+            <a:ext cx="926325" cy="540000"/>
+          </a:xfrm>
+          <a:prstGeom prst="rect">
+            <a:avLst/>
+          </a:prstGeom>
+          <a:noFill/>
+          <a:ln w="19050"/>
+        </p:spPr>
+        <p:style>
+          <a:lnRef idx="2">
+            <a:schemeClr val="accent1"/>
+          </a:lnRef>
+          <a:fillRef idx="1">
+            <a:schemeClr val="lt1"/>
+          </a:fillRef>
+          <a:effectRef idx="0">
+            <a:schemeClr val="accent1"/>
+          </a:effectRef>
+          <a:fontRef idx="minor">
+            <a:schemeClr val="dk1"/>
+          </a:fontRef>
+        </p:style>
+        <p:txBody>
+          <a:bodyPr lIns="124733" tIns="62367" rIns="124733" bIns="62367" rtlCol="0" anchor="ctr"/>
+          <a:lstStyle/>
+          <a:p>
+            <a:pPr algn="ctr"/>
+            <a:r>
+              <a:rPr lang="ru-RU" sz="700" dirty="0"/>
+              <a:t>Нарастить экспорт кофе</a:t>
+            </a:r>
+            <a:endParaRPr lang="ru-RU" sz="400" dirty="0"/>
+          </a:p>
+        </p:txBody>
+      </p:sp>
+      <p:sp>
+        <p:nvSpPr>
+          <p:cNvPr id="46" name="Прямоугольник 45">
+            <a:extLst>
+              <a:ext uri="{FF2B5EF4-FFF2-40B4-BE49-F238E27FC236}">
+                <a16:creationId xmlns:a16="http://schemas.microsoft.com/office/drawing/2014/main" id="{4518A036-F097-41EC-A960-D49579F30834}"/>
+              </a:ext>
+            </a:extLst>
+          </p:cNvPr>
+          <p:cNvSpPr/>
+          <p:nvPr/>
+        </p:nvSpPr>
+        <p:spPr>
+          <a:xfrm>
+            <a:off x="14221973" y="2380415"/>
+            <a:ext cx="2674908" cy="974962"/>
+          </a:xfrm>
+          <a:prstGeom prst="rect">
+            <a:avLst/>
+          </a:prstGeom>
+          <a:noFill/>
+          <a:ln w="19050"/>
+        </p:spPr>
+        <p:style>
+          <a:lnRef idx="2">
+            <a:schemeClr val="accent1"/>
+          </a:lnRef>
+          <a:fillRef idx="1">
+            <a:schemeClr val="lt1"/>
+          </a:fillRef>
+          <a:effectRef idx="0">
+            <a:schemeClr val="accent1"/>
+          </a:effectRef>
+          <a:fontRef idx="minor">
+            <a:schemeClr val="dk1"/>
+          </a:fontRef>
+        </p:style>
+        <p:txBody>
+          <a:bodyPr lIns="124733" tIns="62367" rIns="124733" bIns="62367" rtlCol="0" anchor="ctr"/>
+          <a:lstStyle/>
+          <a:p>
+            <a:pPr algn="ctr"/>
             <a:r>
               <a:rPr lang="ru-RU" sz="400" dirty="0"/>
-              <a:t>(нужен союзник, или США должны потерять влияние на Панаму)</a:t>
-            </a:r>
-          </a:p>
-        </p:txBody>
-      </p:sp>
-      <p:sp>
-        <p:nvSpPr>
-          <p:cNvPr id="40" name="Прямоугольник 39">
-            <a:extLst>
-              <a:ext uri="{FF2B5EF4-FFF2-40B4-BE49-F238E27FC236}">
-                <a16:creationId xmlns:a16="http://schemas.microsoft.com/office/drawing/2014/main" id="{5A430988-1DD9-4ED0-BDCA-E2441F8AB779}"/>
+              <a:t>Вся экономика Никарагуа была </a:t>
+            </a:r>
+            <a:r>
+              <a:rPr lang="ru-RU" sz="400" dirty="0" err="1"/>
+              <a:t>завя¬зана</a:t>
+            </a:r>
+            <a:r>
+              <a:rPr lang="ru-RU" sz="400" dirty="0"/>
+              <a:t> на экспорт (прежде всего кофе), и без коммерческих кредитов в долларах внешняя торговля постоянно находилась под угрозой </a:t>
+            </a:r>
+            <a:r>
+              <a:rPr lang="ru-RU" sz="400" dirty="0" err="1"/>
+              <a:t>крахаАмериканские</a:t>
+            </a:r>
+            <a:r>
+              <a:rPr lang="ru-RU" sz="400" dirty="0"/>
+              <a:t> же хозяева Национального банка выпускали в обращение столько кордоб, сколько у банка было долларов (курс никарагуанской валюты к американской был один к одному). Но так как экспорт кофе в условиях </a:t>
+            </a:r>
+            <a:r>
+              <a:rPr lang="ru-RU" sz="400" dirty="0" err="1"/>
+              <a:t>ми¬рового</a:t>
+            </a:r>
+            <a:r>
+              <a:rPr lang="ru-RU" sz="400" dirty="0"/>
+              <a:t> экономического кризиса 1929-1933 годов упал, долларов в страну </a:t>
+            </a:r>
+            <a:r>
+              <a:rPr lang="ru-RU" sz="400" dirty="0" err="1"/>
+              <a:t>по¬падало</a:t>
+            </a:r>
+            <a:r>
+              <a:rPr lang="ru-RU" sz="400" dirty="0"/>
+              <a:t> мало. К тому же американские акционеры Национального банка (сами держатели облигаций никарагуанского долга) сразу же переводили валюту за рубеж (фактически самим себе) в счет погашения долга. </a:t>
+            </a:r>
+            <a:br>
+              <a:rPr lang="ru-RU" sz="400" dirty="0"/>
+            </a:br>
+            <a:r>
+              <a:rPr lang="ru-RU" sz="400" dirty="0"/>
+              <a:t>Отсутствие в Никарагуа достаточного количества денег в обращении вело к резкому росту процентных ставок по кредитам и вгоняло в банкротство </a:t>
+            </a:r>
+            <a:r>
+              <a:rPr lang="ru-RU" sz="400" dirty="0" err="1"/>
+              <a:t>мел¬ких</a:t>
+            </a:r>
+            <a:r>
+              <a:rPr lang="ru-RU" sz="400" dirty="0"/>
+              <a:t> и средних производителей, которым такие проценты были не по силам.</a:t>
+            </a:r>
+            <a:br>
+              <a:rPr lang="ru-RU" sz="400" dirty="0"/>
+            </a:br>
+            <a:r>
+              <a:rPr lang="ru-RU" sz="400" dirty="0"/>
+              <a:t>В условиях жесткого кризиса экспорта правильной политикой было бы де-</a:t>
+            </a:r>
+            <a:r>
+              <a:rPr lang="ru-RU" sz="400" dirty="0" err="1"/>
+              <a:t>вальвировать</a:t>
+            </a:r>
+            <a:r>
+              <a:rPr lang="ru-RU" sz="400" dirty="0"/>
+              <a:t> кордобу, чтобы сделать никарагуанский кофе более доступным для иностранных импортеров. Но американцы были против девальвации, </a:t>
+            </a:r>
+            <a:r>
+              <a:rPr lang="ru-RU" sz="400" dirty="0" err="1"/>
+              <a:t>яко¬бы</a:t>
+            </a:r>
+            <a:r>
+              <a:rPr lang="ru-RU" sz="400" dirty="0"/>
+              <a:t> стремясь не допустить инфляции.</a:t>
+            </a:r>
+          </a:p>
+        </p:txBody>
+      </p:sp>
+      <p:sp>
+        <p:nvSpPr>
+          <p:cNvPr id="47" name="Прямоугольник 46">
+            <a:extLst>
+              <a:ext uri="{FF2B5EF4-FFF2-40B4-BE49-F238E27FC236}">
+                <a16:creationId xmlns:a16="http://schemas.microsoft.com/office/drawing/2014/main" id="{1163C105-465F-453D-9A47-C92FC2A2CB52}"/>
               </a:ext>
             </a:extLst>
           </p:cNvPr>
@@ -5467,7 +5771,321 @@
         </p:nvSpPr>
         <p:spPr>
           <a:xfrm>
-            <a:off x="7824553" y="5941275"/>
+            <a:off x="12081125" y="2561573"/>
+            <a:ext cx="926325" cy="540000"/>
+          </a:xfrm>
+          <a:prstGeom prst="rect">
+            <a:avLst/>
+          </a:prstGeom>
+          <a:noFill/>
+          <a:ln w="19050"/>
+        </p:spPr>
+        <p:style>
+          <a:lnRef idx="2">
+            <a:schemeClr val="accent1"/>
+          </a:lnRef>
+          <a:fillRef idx="1">
+            <a:schemeClr val="lt1"/>
+          </a:fillRef>
+          <a:effectRef idx="0">
+            <a:schemeClr val="accent1"/>
+          </a:effectRef>
+          <a:fontRef idx="minor">
+            <a:schemeClr val="dk1"/>
+          </a:fontRef>
+        </p:style>
+        <p:txBody>
+          <a:bodyPr lIns="124733" tIns="62367" rIns="124733" bIns="62367" rtlCol="0" anchor="ctr"/>
+          <a:lstStyle/>
+          <a:p>
+            <a:pPr algn="ctr"/>
+            <a:r>
+              <a:rPr lang="ru-RU" sz="700" dirty="0"/>
+              <a:t>Американские вложения в промышленность</a:t>
+            </a:r>
+            <a:r>
+              <a:rPr lang="ru-RU" sz="100" dirty="0"/>
+              <a:t>(. К тому же именно американский капитал и представлял собой фактически всю рудиментарную промышленность Никарагуа.13 миллионов долларов американских инвестиций было </a:t>
+            </a:r>
+            <a:r>
+              <a:rPr lang="ru-RU" sz="100" dirty="0" err="1"/>
+              <a:t>сосредоточе¬но</a:t>
+            </a:r>
+            <a:r>
+              <a:rPr lang="ru-RU" sz="100" dirty="0"/>
+              <a:t> в </a:t>
+            </a:r>
+            <a:r>
+              <a:rPr lang="ru-RU" sz="100" dirty="0" err="1"/>
+              <a:t>Москитии</a:t>
+            </a:r>
+            <a:r>
+              <a:rPr lang="ru-RU" sz="100" dirty="0"/>
+              <a:t> — добыча золота, заготовка древесины, банановые </a:t>
+            </a:r>
+            <a:r>
+              <a:rPr lang="ru-RU" sz="100" dirty="0" err="1"/>
+              <a:t>планта¬ции</a:t>
+            </a:r>
+            <a:r>
+              <a:rPr lang="ru-RU" sz="100" dirty="0"/>
+              <a:t>. Там у американских компаний были собственные портовые сооружения и железные дороги. В западной части Никарагуа американцы вложили только 2 миллиона долларов — в плантации кофе, хлопка и коммунальное хозяйство Манагуа.)</a:t>
+            </a:r>
+            <a:endParaRPr lang="ru-RU" sz="400" dirty="0"/>
+          </a:p>
+        </p:txBody>
+      </p:sp>
+      <p:sp>
+        <p:nvSpPr>
+          <p:cNvPr id="48" name="Прямоугольник 47">
+            <a:extLst>
+              <a:ext uri="{FF2B5EF4-FFF2-40B4-BE49-F238E27FC236}">
+                <a16:creationId xmlns:a16="http://schemas.microsoft.com/office/drawing/2014/main" id="{D53819E8-2FF6-4FFA-A7E4-75D55AADB8B5}"/>
+              </a:ext>
+            </a:extLst>
+          </p:cNvPr>
+          <p:cNvSpPr/>
+          <p:nvPr/>
+        </p:nvSpPr>
+        <p:spPr>
+          <a:xfrm>
+            <a:off x="11376583" y="3362242"/>
+            <a:ext cx="926325" cy="540000"/>
+          </a:xfrm>
+          <a:prstGeom prst="rect">
+            <a:avLst/>
+          </a:prstGeom>
+          <a:noFill/>
+          <a:ln w="19050"/>
+        </p:spPr>
+        <p:style>
+          <a:lnRef idx="2">
+            <a:schemeClr val="accent1"/>
+          </a:lnRef>
+          <a:fillRef idx="1">
+            <a:schemeClr val="lt1"/>
+          </a:fillRef>
+          <a:effectRef idx="0">
+            <a:schemeClr val="accent1"/>
+          </a:effectRef>
+          <a:fontRef idx="minor">
+            <a:schemeClr val="dk1"/>
+          </a:fontRef>
+        </p:style>
+        <p:txBody>
+          <a:bodyPr lIns="124733" tIns="62367" rIns="124733" bIns="62367" rtlCol="0" anchor="ctr"/>
+          <a:lstStyle/>
+          <a:p>
+            <a:pPr algn="ctr"/>
+            <a:r>
+              <a:rPr lang="ru-RU" sz="700" dirty="0"/>
+              <a:t>Золотодобывающие кампании</a:t>
+            </a:r>
+            <a:endParaRPr lang="ru-RU" sz="400" dirty="0"/>
+          </a:p>
+        </p:txBody>
+      </p:sp>
+      <p:sp>
+        <p:nvSpPr>
+          <p:cNvPr id="49" name="Прямоугольник 48">
+            <a:extLst>
+              <a:ext uri="{FF2B5EF4-FFF2-40B4-BE49-F238E27FC236}">
+                <a16:creationId xmlns:a16="http://schemas.microsoft.com/office/drawing/2014/main" id="{F9117D70-446E-4EA7-820C-5F0C5AE4BB1B}"/>
+              </a:ext>
+            </a:extLst>
+          </p:cNvPr>
+          <p:cNvSpPr/>
+          <p:nvPr/>
+        </p:nvSpPr>
+        <p:spPr>
+          <a:xfrm>
+            <a:off x="12766067" y="3355376"/>
+            <a:ext cx="926325" cy="540000"/>
+          </a:xfrm>
+          <a:prstGeom prst="rect">
+            <a:avLst/>
+          </a:prstGeom>
+          <a:noFill/>
+          <a:ln w="19050"/>
+        </p:spPr>
+        <p:style>
+          <a:lnRef idx="2">
+            <a:schemeClr val="accent1"/>
+          </a:lnRef>
+          <a:fillRef idx="1">
+            <a:schemeClr val="lt1"/>
+          </a:fillRef>
+          <a:effectRef idx="0">
+            <a:schemeClr val="accent1"/>
+          </a:effectRef>
+          <a:fontRef idx="minor">
+            <a:schemeClr val="dk1"/>
+          </a:fontRef>
+        </p:style>
+        <p:txBody>
+          <a:bodyPr lIns="124733" tIns="62367" rIns="124733" bIns="62367" rtlCol="0" anchor="ctr"/>
+          <a:lstStyle/>
+          <a:p>
+            <a:pPr algn="ctr"/>
+            <a:r>
+              <a:rPr lang="ru-RU" sz="700" dirty="0"/>
+              <a:t>Банановые плантации</a:t>
+            </a:r>
+            <a:endParaRPr lang="ru-RU" sz="400" dirty="0"/>
+          </a:p>
+        </p:txBody>
+      </p:sp>
+      <p:sp>
+        <p:nvSpPr>
+          <p:cNvPr id="50" name="Прямоугольник 49">
+            <a:extLst>
+              <a:ext uri="{FF2B5EF4-FFF2-40B4-BE49-F238E27FC236}">
+                <a16:creationId xmlns:a16="http://schemas.microsoft.com/office/drawing/2014/main" id="{357E437B-3536-45BE-A3D0-3F539D983768}"/>
+              </a:ext>
+            </a:extLst>
+          </p:cNvPr>
+          <p:cNvSpPr/>
+          <p:nvPr/>
+        </p:nvSpPr>
+        <p:spPr>
+          <a:xfrm>
+            <a:off x="4429150" y="6570566"/>
+            <a:ext cx="926325" cy="540000"/>
+          </a:xfrm>
+          <a:prstGeom prst="rect">
+            <a:avLst/>
+          </a:prstGeom>
+          <a:noFill/>
+          <a:ln w="19050"/>
+        </p:spPr>
+        <p:style>
+          <a:lnRef idx="2">
+            <a:schemeClr val="accent1"/>
+          </a:lnRef>
+          <a:fillRef idx="1">
+            <a:schemeClr val="lt1"/>
+          </a:fillRef>
+          <a:effectRef idx="0">
+            <a:schemeClr val="accent1"/>
+          </a:effectRef>
+          <a:fontRef idx="minor">
+            <a:schemeClr val="dk1"/>
+          </a:fontRef>
+        </p:style>
+        <p:txBody>
+          <a:bodyPr lIns="124733" tIns="62367" rIns="124733" bIns="62367" rtlCol="0" anchor="ctr"/>
+          <a:lstStyle/>
+          <a:p>
+            <a:pPr algn="ctr"/>
+            <a:r>
+              <a:rPr lang="ru-RU" sz="700" dirty="0"/>
+              <a:t>Восстановление после землетрясения 1931 года</a:t>
+            </a:r>
+            <a:endParaRPr lang="ru-RU" sz="400" dirty="0"/>
+          </a:p>
+        </p:txBody>
+      </p:sp>
+      <p:cxnSp>
+        <p:nvCxnSpPr>
+          <p:cNvPr id="51" name="Прямая со стрелкой 50">
+            <a:extLst>
+              <a:ext uri="{FF2B5EF4-FFF2-40B4-BE49-F238E27FC236}">
+                <a16:creationId xmlns:a16="http://schemas.microsoft.com/office/drawing/2014/main" id="{F822F6CB-0335-40A1-921A-29544F834AD9}"/>
+              </a:ext>
+            </a:extLst>
+          </p:cNvPr>
+          <p:cNvCxnSpPr>
+            <a:cxnSpLocks/>
+            <a:stCxn id="37" idx="2"/>
+            <a:endCxn id="50" idx="0"/>
+          </p:cNvCxnSpPr>
+          <p:nvPr/>
+        </p:nvCxnSpPr>
+        <p:spPr>
+          <a:xfrm flipH="1">
+            <a:off x="4892313" y="6321553"/>
+            <a:ext cx="1" cy="249013"/>
+          </a:xfrm>
+          <a:prstGeom prst="straightConnector1">
+            <a:avLst/>
+          </a:prstGeom>
+          <a:ln w="19050">
+            <a:tailEnd type="arrow"/>
+          </a:ln>
+        </p:spPr>
+        <p:style>
+          <a:lnRef idx="1">
+            <a:schemeClr val="accent1"/>
+          </a:lnRef>
+          <a:fillRef idx="0">
+            <a:schemeClr val="accent1"/>
+          </a:fillRef>
+          <a:effectRef idx="0">
+            <a:schemeClr val="accent1"/>
+          </a:effectRef>
+          <a:fontRef idx="minor">
+            <a:schemeClr val="tx1"/>
+          </a:fontRef>
+        </p:style>
+      </p:cxnSp>
+      <p:cxnSp>
+        <p:nvCxnSpPr>
+          <p:cNvPr id="52" name="Прямая со стрелкой 51">
+            <a:extLst>
+              <a:ext uri="{FF2B5EF4-FFF2-40B4-BE49-F238E27FC236}">
+                <a16:creationId xmlns:a16="http://schemas.microsoft.com/office/drawing/2014/main" id="{5BCAF6D7-5BA1-4C42-82B8-95F6B189B961}"/>
+              </a:ext>
+            </a:extLst>
+          </p:cNvPr>
+          <p:cNvCxnSpPr>
+            <a:cxnSpLocks/>
+            <a:stCxn id="34" idx="2"/>
+            <a:endCxn id="35" idx="0"/>
+          </p:cNvCxnSpPr>
+          <p:nvPr/>
+        </p:nvCxnSpPr>
+        <p:spPr>
+          <a:xfrm flipH="1">
+            <a:off x="7671292" y="6321553"/>
+            <a:ext cx="1" cy="249013"/>
+          </a:xfrm>
+          <a:prstGeom prst="straightConnector1">
+            <a:avLst/>
+          </a:prstGeom>
+          <a:ln w="19050">
+            <a:tailEnd type="arrow"/>
+          </a:ln>
+        </p:spPr>
+        <p:style>
+          <a:lnRef idx="1">
+            <a:schemeClr val="accent1"/>
+          </a:lnRef>
+          <a:fillRef idx="0">
+            <a:schemeClr val="accent1"/>
+          </a:fillRef>
+          <a:effectRef idx="0">
+            <a:schemeClr val="accent1"/>
+          </a:effectRef>
+          <a:fontRef idx="minor">
+            <a:schemeClr val="tx1"/>
+          </a:fontRef>
+        </p:style>
+      </p:cxnSp>
+      <p:sp>
+        <p:nvSpPr>
+          <p:cNvPr id="55" name="Прямоугольник 54">
+            <a:extLst>
+              <a:ext uri="{FF2B5EF4-FFF2-40B4-BE49-F238E27FC236}">
+                <a16:creationId xmlns:a16="http://schemas.microsoft.com/office/drawing/2014/main" id="{59913842-712E-4C78-8382-3186E11F9969}"/>
+              </a:ext>
+            </a:extLst>
+          </p:cNvPr>
+          <p:cNvSpPr/>
+          <p:nvPr/>
+        </p:nvSpPr>
+        <p:spPr>
+          <a:xfrm>
+            <a:off x="2344923" y="7558724"/>
             <a:ext cx="926325" cy="540000"/>
           </a:xfrm>
           <a:prstGeom prst="rect">
@@ -5501,11 +6119,11 @@
             <a:pPr algn="ctr"/>
             <a:r>
               <a:rPr lang="ru-RU" sz="700" dirty="0"/>
-              <a:t>Присоединиться к странам антигитлеровской коалиции </a:t>
-            </a:r>
-            <a:r>
-              <a:rPr lang="ru-RU" sz="300" dirty="0"/>
-              <a:t>(8 декабря 1941 Никарагуа присоединилась к странам Антигитлеровской коалиции)</a:t>
+              <a:t>Отставка </a:t>
+            </a:r>
+            <a:r>
+              <a:rPr lang="ru-RU" sz="700" dirty="0" err="1"/>
+              <a:t>Сакасы</a:t>
             </a:r>
             <a:endParaRPr lang="ru-RU" sz="400" dirty="0"/>
           </a:p>
@@ -5513,10 +6131,10 @@
       </p:sp>
       <p:sp>
         <p:nvSpPr>
-          <p:cNvPr id="42" name="Прямоугольник 41">
-            <a:extLst>
-              <a:ext uri="{FF2B5EF4-FFF2-40B4-BE49-F238E27FC236}">
-                <a16:creationId xmlns:a16="http://schemas.microsoft.com/office/drawing/2014/main" id="{03F7D570-4EE1-495E-9294-D367F2E7763E}"/>
+          <p:cNvPr id="56" name="Прямоугольник 55">
+            <a:extLst>
+              <a:ext uri="{FF2B5EF4-FFF2-40B4-BE49-F238E27FC236}">
+                <a16:creationId xmlns:a16="http://schemas.microsoft.com/office/drawing/2014/main" id="{6C5218F4-B4FE-4973-B0D1-795F69898B06}"/>
               </a:ext>
             </a:extLst>
           </p:cNvPr>
@@ -5525,13 +6143,18 @@
         </p:nvSpPr>
         <p:spPr>
           <a:xfrm>
-            <a:off x="5267875" y="5953526"/>
+            <a:off x="9296949" y="7558724"/>
             <a:ext cx="926325" cy="540000"/>
           </a:xfrm>
           <a:prstGeom prst="rect">
             <a:avLst/>
           </a:prstGeom>
-          <a:noFill/>
+          <a:solidFill>
+            <a:schemeClr val="accent1">
+              <a:lumMod val="40000"/>
+              <a:lumOff val="60000"/>
+            </a:schemeClr>
+          </a:solidFill>
           <a:ln w="19050"/>
         </p:spPr>
         <p:style>
@@ -5555,18 +6178,294 @@
             <a:pPr algn="ctr"/>
             <a:r>
               <a:rPr lang="ru-RU" sz="700" dirty="0"/>
-              <a:t>Нарастить импорт из Германии</a:t>
+              <a:t>Июньские всеобщие выборы</a:t>
             </a:r>
             <a:endParaRPr lang="ru-RU" sz="400" dirty="0"/>
           </a:p>
         </p:txBody>
       </p:sp>
-      <p:sp>
-        <p:nvSpPr>
-          <p:cNvPr id="43" name="Прямоугольник 42">
-            <a:extLst>
-              <a:ext uri="{FF2B5EF4-FFF2-40B4-BE49-F238E27FC236}">
-                <a16:creationId xmlns:a16="http://schemas.microsoft.com/office/drawing/2014/main" id="{5858A8E5-3EFA-419C-99B9-6773CA7E1501}"/>
+      <p:cxnSp>
+        <p:nvCxnSpPr>
+          <p:cNvPr id="59" name="Соединительная линия уступом 903">
+            <a:extLst>
+              <a:ext uri="{FF2B5EF4-FFF2-40B4-BE49-F238E27FC236}">
+                <a16:creationId xmlns:a16="http://schemas.microsoft.com/office/drawing/2014/main" id="{109A067E-CE15-4E03-9773-91E0273879C6}"/>
+              </a:ext>
+            </a:extLst>
+          </p:cNvPr>
+          <p:cNvCxnSpPr>
+            <a:cxnSpLocks/>
+            <a:stCxn id="50" idx="2"/>
+            <a:endCxn id="55" idx="0"/>
+          </p:cNvCxnSpPr>
+          <p:nvPr/>
+        </p:nvCxnSpPr>
+        <p:spPr>
+          <a:xfrm rot="5400000">
+            <a:off x="3626121" y="6292532"/>
+            <a:ext cx="448158" cy="2084227"/>
+          </a:xfrm>
+          <a:prstGeom prst="bentConnector3">
+            <a:avLst>
+              <a:gd name="adj1" fmla="val 50000"/>
+            </a:avLst>
+          </a:prstGeom>
+          <a:ln w="19050">
+            <a:prstDash val="dash"/>
+            <a:tailEnd type="arrow"/>
+          </a:ln>
+        </p:spPr>
+        <p:style>
+          <a:lnRef idx="1">
+            <a:schemeClr val="accent1"/>
+          </a:lnRef>
+          <a:fillRef idx="0">
+            <a:schemeClr val="accent1"/>
+          </a:fillRef>
+          <a:effectRef idx="0">
+            <a:schemeClr val="accent1"/>
+          </a:effectRef>
+          <a:fontRef idx="minor">
+            <a:schemeClr val="tx1"/>
+          </a:fontRef>
+        </p:style>
+      </p:cxnSp>
+      <p:cxnSp>
+        <p:nvCxnSpPr>
+          <p:cNvPr id="62" name="Соединительная линия уступом 903">
+            <a:extLst>
+              <a:ext uri="{FF2B5EF4-FFF2-40B4-BE49-F238E27FC236}">
+                <a16:creationId xmlns:a16="http://schemas.microsoft.com/office/drawing/2014/main" id="{6C07AA97-4525-4DE7-ADCC-04D2CBE84DB2}"/>
+              </a:ext>
+            </a:extLst>
+          </p:cNvPr>
+          <p:cNvCxnSpPr>
+            <a:cxnSpLocks/>
+            <a:stCxn id="36" idx="2"/>
+            <a:endCxn id="55" idx="0"/>
+          </p:cNvCxnSpPr>
+          <p:nvPr/>
+        </p:nvCxnSpPr>
+        <p:spPr>
+          <a:xfrm rot="5400000">
+            <a:off x="4320869" y="5597783"/>
+            <a:ext cx="448158" cy="3473724"/>
+          </a:xfrm>
+          <a:prstGeom prst="bentConnector3">
+            <a:avLst>
+              <a:gd name="adj1" fmla="val 50000"/>
+            </a:avLst>
+          </a:prstGeom>
+          <a:ln w="19050">
+            <a:prstDash val="dash"/>
+            <a:tailEnd type="arrow"/>
+          </a:ln>
+        </p:spPr>
+        <p:style>
+          <a:lnRef idx="1">
+            <a:schemeClr val="accent1"/>
+          </a:lnRef>
+          <a:fillRef idx="0">
+            <a:schemeClr val="accent1"/>
+          </a:fillRef>
+          <a:effectRef idx="0">
+            <a:schemeClr val="accent1"/>
+          </a:effectRef>
+          <a:fontRef idx="minor">
+            <a:schemeClr val="tx1"/>
+          </a:fontRef>
+        </p:style>
+      </p:cxnSp>
+      <p:cxnSp>
+        <p:nvCxnSpPr>
+          <p:cNvPr id="65" name="Соединительная линия уступом 903">
+            <a:extLst>
+              <a:ext uri="{FF2B5EF4-FFF2-40B4-BE49-F238E27FC236}">
+                <a16:creationId xmlns:a16="http://schemas.microsoft.com/office/drawing/2014/main" id="{43EDEE73-8E0A-4B11-A556-528A0A52CC3F}"/>
+              </a:ext>
+            </a:extLst>
+          </p:cNvPr>
+          <p:cNvCxnSpPr>
+            <a:cxnSpLocks/>
+            <a:stCxn id="35" idx="2"/>
+            <a:endCxn id="55" idx="0"/>
+          </p:cNvCxnSpPr>
+          <p:nvPr/>
+        </p:nvCxnSpPr>
+        <p:spPr>
+          <a:xfrm rot="5400000">
+            <a:off x="5015610" y="4903042"/>
+            <a:ext cx="448158" cy="4863206"/>
+          </a:xfrm>
+          <a:prstGeom prst="bentConnector3">
+            <a:avLst>
+              <a:gd name="adj1" fmla="val 50000"/>
+            </a:avLst>
+          </a:prstGeom>
+          <a:ln w="19050">
+            <a:prstDash val="dash"/>
+            <a:tailEnd type="arrow"/>
+          </a:ln>
+        </p:spPr>
+        <p:style>
+          <a:lnRef idx="1">
+            <a:schemeClr val="accent1"/>
+          </a:lnRef>
+          <a:fillRef idx="0">
+            <a:schemeClr val="accent1"/>
+          </a:fillRef>
+          <a:effectRef idx="0">
+            <a:schemeClr val="accent1"/>
+          </a:effectRef>
+          <a:fontRef idx="minor">
+            <a:schemeClr val="tx1"/>
+          </a:fontRef>
+        </p:style>
+      </p:cxnSp>
+      <p:cxnSp>
+        <p:nvCxnSpPr>
+          <p:cNvPr id="68" name="Соединительная линия уступом 903">
+            <a:extLst>
+              <a:ext uri="{FF2B5EF4-FFF2-40B4-BE49-F238E27FC236}">
+                <a16:creationId xmlns:a16="http://schemas.microsoft.com/office/drawing/2014/main" id="{59D2BA6A-BD9D-4F57-A305-E873010A82F4}"/>
+              </a:ext>
+            </a:extLst>
+          </p:cNvPr>
+          <p:cNvCxnSpPr>
+            <a:cxnSpLocks/>
+            <a:stCxn id="50" idx="2"/>
+            <a:endCxn id="56" idx="0"/>
+          </p:cNvCxnSpPr>
+          <p:nvPr/>
+        </p:nvCxnSpPr>
+        <p:spPr>
+          <a:xfrm rot="16200000" flipH="1">
+            <a:off x="7102133" y="4900745"/>
+            <a:ext cx="448158" cy="4867799"/>
+          </a:xfrm>
+          <a:prstGeom prst="bentConnector3">
+            <a:avLst>
+              <a:gd name="adj1" fmla="val 50000"/>
+            </a:avLst>
+          </a:prstGeom>
+          <a:ln w="19050">
+            <a:prstDash val="dash"/>
+            <a:tailEnd type="arrow"/>
+          </a:ln>
+        </p:spPr>
+        <p:style>
+          <a:lnRef idx="1">
+            <a:schemeClr val="accent1"/>
+          </a:lnRef>
+          <a:fillRef idx="0">
+            <a:schemeClr val="accent1"/>
+          </a:fillRef>
+          <a:effectRef idx="0">
+            <a:schemeClr val="accent1"/>
+          </a:effectRef>
+          <a:fontRef idx="minor">
+            <a:schemeClr val="tx1"/>
+          </a:fontRef>
+        </p:style>
+      </p:cxnSp>
+      <p:cxnSp>
+        <p:nvCxnSpPr>
+          <p:cNvPr id="71" name="Соединительная линия уступом 903">
+            <a:extLst>
+              <a:ext uri="{FF2B5EF4-FFF2-40B4-BE49-F238E27FC236}">
+                <a16:creationId xmlns:a16="http://schemas.microsoft.com/office/drawing/2014/main" id="{00B11476-6764-4576-A5AA-307DE0B54FA8}"/>
+              </a:ext>
+            </a:extLst>
+          </p:cNvPr>
+          <p:cNvCxnSpPr>
+            <a:cxnSpLocks/>
+            <a:stCxn id="36" idx="2"/>
+            <a:endCxn id="56" idx="0"/>
+          </p:cNvCxnSpPr>
+          <p:nvPr/>
+        </p:nvCxnSpPr>
+        <p:spPr>
+          <a:xfrm rot="16200000" flipH="1">
+            <a:off x="7796882" y="5595494"/>
+            <a:ext cx="448158" cy="3478302"/>
+          </a:xfrm>
+          <a:prstGeom prst="bentConnector3">
+            <a:avLst>
+              <a:gd name="adj1" fmla="val 50000"/>
+            </a:avLst>
+          </a:prstGeom>
+          <a:ln w="19050">
+            <a:prstDash val="dash"/>
+            <a:tailEnd type="arrow"/>
+          </a:ln>
+        </p:spPr>
+        <p:style>
+          <a:lnRef idx="1">
+            <a:schemeClr val="accent1"/>
+          </a:lnRef>
+          <a:fillRef idx="0">
+            <a:schemeClr val="accent1"/>
+          </a:fillRef>
+          <a:effectRef idx="0">
+            <a:schemeClr val="accent1"/>
+          </a:effectRef>
+          <a:fontRef idx="minor">
+            <a:schemeClr val="tx1"/>
+          </a:fontRef>
+        </p:style>
+      </p:cxnSp>
+      <p:cxnSp>
+        <p:nvCxnSpPr>
+          <p:cNvPr id="74" name="Соединительная линия уступом 903">
+            <a:extLst>
+              <a:ext uri="{FF2B5EF4-FFF2-40B4-BE49-F238E27FC236}">
+                <a16:creationId xmlns:a16="http://schemas.microsoft.com/office/drawing/2014/main" id="{F1EE0CAA-C3CE-4369-8DB1-59C2A23436F1}"/>
+              </a:ext>
+            </a:extLst>
+          </p:cNvPr>
+          <p:cNvCxnSpPr>
+            <a:cxnSpLocks/>
+            <a:stCxn id="35" idx="2"/>
+            <a:endCxn id="56" idx="0"/>
+          </p:cNvCxnSpPr>
+          <p:nvPr/>
+        </p:nvCxnSpPr>
+        <p:spPr>
+          <a:xfrm rot="16200000" flipH="1">
+            <a:off x="8491623" y="6290235"/>
+            <a:ext cx="448158" cy="2088820"/>
+          </a:xfrm>
+          <a:prstGeom prst="bentConnector3">
+            <a:avLst>
+              <a:gd name="adj1" fmla="val 50000"/>
+            </a:avLst>
+          </a:prstGeom>
+          <a:ln w="19050">
+            <a:prstDash val="dash"/>
+            <a:tailEnd type="arrow"/>
+          </a:ln>
+        </p:spPr>
+        <p:style>
+          <a:lnRef idx="1">
+            <a:schemeClr val="accent1"/>
+          </a:lnRef>
+          <a:fillRef idx="0">
+            <a:schemeClr val="accent1"/>
+          </a:fillRef>
+          <a:effectRef idx="0">
+            <a:schemeClr val="accent1"/>
+          </a:effectRef>
+          <a:fontRef idx="minor">
+            <a:schemeClr val="tx1"/>
+          </a:fontRef>
+        </p:style>
+      </p:cxnSp>
+      <p:sp>
+        <p:nvSpPr>
+          <p:cNvPr id="77" name="Прямоугольник 76">
+            <a:extLst>
+              <a:ext uri="{FF2B5EF4-FFF2-40B4-BE49-F238E27FC236}">
+                <a16:creationId xmlns:a16="http://schemas.microsoft.com/office/drawing/2014/main" id="{F492B8D6-39F0-4D20-92A4-58A3AE1323E7}"/>
               </a:ext>
             </a:extLst>
           </p:cNvPr>
@@ -5575,61 +6474,7 @@
         </p:nvSpPr>
         <p:spPr>
           <a:xfrm>
-            <a:off x="5267867" y="6752265"/>
-            <a:ext cx="926325" cy="540000"/>
-          </a:xfrm>
-          <a:prstGeom prst="rect">
-            <a:avLst/>
-          </a:prstGeom>
-          <a:noFill/>
-          <a:ln w="19050"/>
-        </p:spPr>
-        <p:style>
-          <a:lnRef idx="2">
-            <a:schemeClr val="accent1"/>
-          </a:lnRef>
-          <a:fillRef idx="1">
-            <a:schemeClr val="lt1"/>
-          </a:fillRef>
-          <a:effectRef idx="0">
-            <a:schemeClr val="accent1"/>
-          </a:effectRef>
-          <a:fontRef idx="minor">
-            <a:schemeClr val="dk1"/>
-          </a:fontRef>
-        </p:style>
-        <p:txBody>
-          <a:bodyPr lIns="124733" tIns="62367" rIns="124733" bIns="62367" rtlCol="0" anchor="ctr"/>
-          <a:lstStyle/>
-          <a:p>
-            <a:pPr algn="ctr"/>
-            <a:r>
-              <a:rPr lang="ru-RU" sz="700" dirty="0"/>
-              <a:t>Германские вложения в сельское хозяйство </a:t>
-            </a:r>
-            <a:r>
-              <a:rPr lang="ru-RU" sz="200" dirty="0"/>
-              <a:t>(после чего германская собственность на территории страны (46 кофейных плантаций и 51 скотоводческое хозяйство) была конфискована)</a:t>
-            </a:r>
-            <a:endParaRPr lang="ru-RU" sz="400" dirty="0"/>
-          </a:p>
-        </p:txBody>
-      </p:sp>
-      <p:sp>
-        <p:nvSpPr>
-          <p:cNvPr id="44" name="Прямоугольник 43">
-            <a:extLst>
-              <a:ext uri="{FF2B5EF4-FFF2-40B4-BE49-F238E27FC236}">
-                <a16:creationId xmlns:a16="http://schemas.microsoft.com/office/drawing/2014/main" id="{8EC9DFFC-D7E2-4E98-A7C4-9C8790D6A729}"/>
-              </a:ext>
-            </a:extLst>
-          </p:cNvPr>
-          <p:cNvSpPr/>
-          <p:nvPr/>
-        </p:nvSpPr>
-        <p:spPr>
-          <a:xfrm>
-            <a:off x="7824552" y="6717743"/>
+            <a:off x="3030566" y="10757048"/>
             <a:ext cx="926325" cy="540000"/>
           </a:xfrm>
           <a:prstGeom prst="rect">
@@ -5663,19 +6508,4488 @@
             <a:pPr algn="ctr"/>
             <a:r>
               <a:rPr lang="ru-RU" sz="700" dirty="0"/>
-              <a:t>Конфискация германского имущества </a:t>
+              <a:t>Присоединиться к гитлеровской коалиции</a:t>
+            </a:r>
+            <a:endParaRPr lang="ru-RU" sz="400" dirty="0"/>
+          </a:p>
+        </p:txBody>
+      </p:sp>
+      <p:sp>
+        <p:nvSpPr>
+          <p:cNvPr id="78" name="Прямоугольник 77">
+            <a:extLst>
+              <a:ext uri="{FF2B5EF4-FFF2-40B4-BE49-F238E27FC236}">
+                <a16:creationId xmlns:a16="http://schemas.microsoft.com/office/drawing/2014/main" id="{AE8DBF0B-DB9F-42C3-8B1F-A688891403FA}"/>
+              </a:ext>
+            </a:extLst>
+          </p:cNvPr>
+          <p:cNvSpPr/>
+          <p:nvPr/>
+        </p:nvSpPr>
+        <p:spPr>
+          <a:xfrm>
+            <a:off x="955426" y="9150306"/>
+            <a:ext cx="926325" cy="540000"/>
+          </a:xfrm>
+          <a:prstGeom prst="rect">
+            <a:avLst/>
+          </a:prstGeom>
+          <a:solidFill>
+            <a:schemeClr val="bg1">
+              <a:lumMod val="65000"/>
+            </a:schemeClr>
+          </a:solidFill>
+          <a:ln w="19050"/>
+        </p:spPr>
+        <p:style>
+          <a:lnRef idx="2">
+            <a:schemeClr val="accent1"/>
+          </a:lnRef>
+          <a:fillRef idx="1">
+            <a:schemeClr val="lt1"/>
+          </a:fillRef>
+          <a:effectRef idx="0">
+            <a:schemeClr val="accent1"/>
+          </a:effectRef>
+          <a:fontRef idx="minor">
+            <a:schemeClr val="dk1"/>
+          </a:fontRef>
+        </p:style>
+        <p:txBody>
+          <a:bodyPr lIns="124733" tIns="62367" rIns="124733" bIns="62367" rtlCol="0" anchor="ctr"/>
+          <a:lstStyle/>
+          <a:p>
+            <a:pPr algn="ctr"/>
+            <a:r>
+              <a:rPr lang="ru-RU" sz="700" dirty="0"/>
+              <a:t>Усилить контроль над сбором налогов</a:t>
+            </a:r>
+            <a:r>
+              <a:rPr lang="ru-RU" sz="200" dirty="0"/>
+              <a:t> (Для балансировки бюджета (который сводился в Никарагуа с дефицитом) </a:t>
+            </a:r>
+            <a:r>
+              <a:rPr lang="ru-RU" sz="200" dirty="0" err="1"/>
+              <a:t>Сомоса</a:t>
+            </a:r>
+            <a:r>
+              <a:rPr lang="ru-RU" sz="200" dirty="0"/>
+              <a:t> прислушался к рекомендациям американцев и усилил контроль над сбором налогов (американцы считали, что одна лишь ликвидация </a:t>
+            </a:r>
+            <a:r>
+              <a:rPr lang="ru-RU" sz="200" dirty="0" err="1"/>
+              <a:t>фаворитиз¬ма</a:t>
+            </a:r>
+            <a:r>
+              <a:rPr lang="ru-RU" sz="200" dirty="0"/>
+              <a:t> в этой сфере может легко увеличить доходы правительства вдвое).)</a:t>
+            </a:r>
+            <a:endParaRPr lang="ru-RU" sz="400" dirty="0"/>
+          </a:p>
+        </p:txBody>
+      </p:sp>
+      <p:sp>
+        <p:nvSpPr>
+          <p:cNvPr id="80" name="Прямоугольник 79">
+            <a:extLst>
+              <a:ext uri="{FF2B5EF4-FFF2-40B4-BE49-F238E27FC236}">
+                <a16:creationId xmlns:a16="http://schemas.microsoft.com/office/drawing/2014/main" id="{51DDA96E-A685-43FC-845D-8C9265EE929A}"/>
+              </a:ext>
+            </a:extLst>
+          </p:cNvPr>
+          <p:cNvSpPr/>
+          <p:nvPr/>
+        </p:nvSpPr>
+        <p:spPr>
+          <a:xfrm>
+            <a:off x="18966178" y="6038704"/>
+            <a:ext cx="926325" cy="540000"/>
+          </a:xfrm>
+          <a:prstGeom prst="rect">
+            <a:avLst/>
+          </a:prstGeom>
+          <a:solidFill>
+            <a:srgbClr val="FF0000"/>
+          </a:solidFill>
+          <a:ln w="19050"/>
+        </p:spPr>
+        <p:style>
+          <a:lnRef idx="2">
+            <a:schemeClr val="accent1"/>
+          </a:lnRef>
+          <a:fillRef idx="1">
+            <a:schemeClr val="lt1"/>
+          </a:fillRef>
+          <a:effectRef idx="0">
+            <a:schemeClr val="accent1"/>
+          </a:effectRef>
+          <a:fontRef idx="minor">
+            <a:schemeClr val="dk1"/>
+          </a:fontRef>
+        </p:style>
+        <p:txBody>
+          <a:bodyPr lIns="124733" tIns="62367" rIns="124733" bIns="62367" rtlCol="0" anchor="ctr"/>
+          <a:lstStyle/>
+          <a:p>
+            <a:pPr algn="ctr"/>
+            <a:r>
+              <a:rPr lang="ru-RU" sz="700" dirty="0"/>
+              <a:t>Установление минимальной заработной платы</a:t>
+            </a:r>
+            <a:endParaRPr lang="ru-RU" sz="400" dirty="0"/>
+          </a:p>
+        </p:txBody>
+      </p:sp>
+      <p:sp>
+        <p:nvSpPr>
+          <p:cNvPr id="81" name="Прямоугольник 80">
+            <a:extLst>
+              <a:ext uri="{FF2B5EF4-FFF2-40B4-BE49-F238E27FC236}">
+                <a16:creationId xmlns:a16="http://schemas.microsoft.com/office/drawing/2014/main" id="{FC846415-2760-43A4-A1A1-795C4968509B}"/>
+              </a:ext>
+            </a:extLst>
+          </p:cNvPr>
+          <p:cNvSpPr/>
+          <p:nvPr/>
+        </p:nvSpPr>
+        <p:spPr>
+          <a:xfrm>
+            <a:off x="20124078" y="6038704"/>
+            <a:ext cx="926325" cy="540000"/>
+          </a:xfrm>
+          <a:prstGeom prst="rect">
+            <a:avLst/>
+          </a:prstGeom>
+          <a:solidFill>
+            <a:srgbClr val="FF0000"/>
+          </a:solidFill>
+          <a:ln w="19050"/>
+        </p:spPr>
+        <p:style>
+          <a:lnRef idx="2">
+            <a:schemeClr val="accent1"/>
+          </a:lnRef>
+          <a:fillRef idx="1">
+            <a:schemeClr val="lt1"/>
+          </a:fillRef>
+          <a:effectRef idx="0">
+            <a:schemeClr val="accent1"/>
+          </a:effectRef>
+          <a:fontRef idx="minor">
+            <a:schemeClr val="dk1"/>
+          </a:fontRef>
+        </p:style>
+        <p:txBody>
+          <a:bodyPr lIns="124733" tIns="62367" rIns="124733" bIns="62367" rtlCol="0" anchor="ctr"/>
+          <a:lstStyle/>
+          <a:p>
+            <a:pPr algn="ctr"/>
+            <a:r>
+              <a:rPr lang="ru-RU" sz="700" dirty="0"/>
+              <a:t>Налог на капитал</a:t>
+            </a:r>
+            <a:endParaRPr lang="ru-RU" sz="400" dirty="0"/>
+          </a:p>
+        </p:txBody>
+      </p:sp>
+      <p:sp>
+        <p:nvSpPr>
+          <p:cNvPr id="82" name="Прямоугольник 81">
+            <a:extLst>
+              <a:ext uri="{FF2B5EF4-FFF2-40B4-BE49-F238E27FC236}">
+                <a16:creationId xmlns:a16="http://schemas.microsoft.com/office/drawing/2014/main" id="{BF5DE4AD-D7D4-4C86-9704-BFA8884FD2C7}"/>
+              </a:ext>
+            </a:extLst>
+          </p:cNvPr>
+          <p:cNvSpPr/>
+          <p:nvPr/>
+        </p:nvSpPr>
+        <p:spPr>
+          <a:xfrm>
+            <a:off x="17972161" y="5972114"/>
+            <a:ext cx="926325" cy="540000"/>
+          </a:xfrm>
+          <a:prstGeom prst="rect">
+            <a:avLst/>
+          </a:prstGeom>
+          <a:solidFill>
+            <a:srgbClr val="FF0000"/>
+          </a:solidFill>
+          <a:ln w="19050"/>
+        </p:spPr>
+        <p:style>
+          <a:lnRef idx="2">
+            <a:schemeClr val="accent1"/>
+          </a:lnRef>
+          <a:fillRef idx="1">
+            <a:schemeClr val="lt1"/>
+          </a:fillRef>
+          <a:effectRef idx="0">
+            <a:schemeClr val="accent1"/>
+          </a:effectRef>
+          <a:fontRef idx="minor">
+            <a:schemeClr val="dk1"/>
+          </a:fontRef>
+        </p:style>
+        <p:txBody>
+          <a:bodyPr lIns="124733" tIns="62367" rIns="124733" bIns="62367" rtlCol="0" anchor="ctr"/>
+          <a:lstStyle/>
+          <a:p>
+            <a:pPr algn="ctr"/>
+            <a:r>
+              <a:rPr lang="ru-RU" sz="700" dirty="0"/>
+              <a:t>Признание права на забастовку</a:t>
+            </a:r>
+            <a:endParaRPr lang="ru-RU" sz="400" dirty="0"/>
+          </a:p>
+        </p:txBody>
+      </p:sp>
+      <p:sp>
+        <p:nvSpPr>
+          <p:cNvPr id="83" name="Прямоугольник 82">
+            <a:extLst>
+              <a:ext uri="{FF2B5EF4-FFF2-40B4-BE49-F238E27FC236}">
+                <a16:creationId xmlns:a16="http://schemas.microsoft.com/office/drawing/2014/main" id="{FFDF3200-07AF-4F88-9AFA-E895A9EB463F}"/>
+              </a:ext>
+            </a:extLst>
+          </p:cNvPr>
+          <p:cNvSpPr/>
+          <p:nvPr/>
+        </p:nvSpPr>
+        <p:spPr>
+          <a:xfrm>
+            <a:off x="19429340" y="6665351"/>
+            <a:ext cx="926325" cy="540000"/>
+          </a:xfrm>
+          <a:prstGeom prst="rect">
+            <a:avLst/>
+          </a:prstGeom>
+          <a:solidFill>
+            <a:srgbClr val="FF0000"/>
+          </a:solidFill>
+          <a:ln w="19050"/>
+        </p:spPr>
+        <p:style>
+          <a:lnRef idx="2">
+            <a:schemeClr val="accent1"/>
+          </a:lnRef>
+          <a:fillRef idx="1">
+            <a:schemeClr val="lt1"/>
+          </a:fillRef>
+          <a:effectRef idx="0">
+            <a:schemeClr val="accent1"/>
+          </a:effectRef>
+          <a:fontRef idx="minor">
+            <a:schemeClr val="dk1"/>
+          </a:fontRef>
+        </p:style>
+        <p:txBody>
+          <a:bodyPr lIns="124733" tIns="62367" rIns="124733" bIns="62367" rtlCol="0" anchor="ctr"/>
+          <a:lstStyle/>
+          <a:p>
+            <a:pPr algn="ctr"/>
+            <a:r>
+              <a:rPr lang="ru-RU" sz="700" dirty="0"/>
+              <a:t>Национализация земли</a:t>
+            </a:r>
+            <a:endParaRPr lang="ru-RU" sz="400" dirty="0"/>
+          </a:p>
+        </p:txBody>
+      </p:sp>
+      <p:sp>
+        <p:nvSpPr>
+          <p:cNvPr id="84" name="Прямоугольник 83">
+            <a:extLst>
+              <a:ext uri="{FF2B5EF4-FFF2-40B4-BE49-F238E27FC236}">
+                <a16:creationId xmlns:a16="http://schemas.microsoft.com/office/drawing/2014/main" id="{CA07F76D-4941-4BBE-8B5A-F0348C4D0FB6}"/>
+              </a:ext>
+            </a:extLst>
+          </p:cNvPr>
+          <p:cNvSpPr/>
+          <p:nvPr/>
+        </p:nvSpPr>
+        <p:spPr>
+          <a:xfrm>
+            <a:off x="18203742" y="6832506"/>
+            <a:ext cx="926325" cy="540000"/>
+          </a:xfrm>
+          <a:prstGeom prst="rect">
+            <a:avLst/>
+          </a:prstGeom>
+          <a:solidFill>
+            <a:srgbClr val="FF0000"/>
+          </a:solidFill>
+          <a:ln w="19050"/>
+        </p:spPr>
+        <p:style>
+          <a:lnRef idx="2">
+            <a:schemeClr val="accent1"/>
+          </a:lnRef>
+          <a:fillRef idx="1">
+            <a:schemeClr val="lt1"/>
+          </a:fillRef>
+          <a:effectRef idx="0">
+            <a:schemeClr val="accent1"/>
+          </a:effectRef>
+          <a:fontRef idx="minor">
+            <a:schemeClr val="dk1"/>
+          </a:fontRef>
+        </p:style>
+        <p:txBody>
+          <a:bodyPr lIns="124733" tIns="62367" rIns="124733" bIns="62367" rtlCol="0" anchor="ctr"/>
+          <a:lstStyle/>
+          <a:p>
+            <a:pPr algn="ctr"/>
+            <a:r>
+              <a:rPr lang="ru-RU" sz="700" dirty="0"/>
+              <a:t>Национализация крупных предприятий</a:t>
+            </a:r>
+            <a:endParaRPr lang="ru-RU" sz="400" dirty="0"/>
+          </a:p>
+        </p:txBody>
+      </p:sp>
+      <p:sp>
+        <p:nvSpPr>
+          <p:cNvPr id="85" name="Прямоугольник 84">
+            <a:extLst>
+              <a:ext uri="{FF2B5EF4-FFF2-40B4-BE49-F238E27FC236}">
+                <a16:creationId xmlns:a16="http://schemas.microsoft.com/office/drawing/2014/main" id="{B4C6B690-1886-4211-AFBE-6C0A99C1C73F}"/>
+              </a:ext>
+            </a:extLst>
+          </p:cNvPr>
+          <p:cNvSpPr/>
+          <p:nvPr/>
+        </p:nvSpPr>
+        <p:spPr>
+          <a:xfrm>
+            <a:off x="18835383" y="7560647"/>
+            <a:ext cx="926325" cy="540000"/>
+          </a:xfrm>
+          <a:prstGeom prst="rect">
+            <a:avLst/>
+          </a:prstGeom>
+          <a:solidFill>
+            <a:srgbClr val="FF0000"/>
+          </a:solidFill>
+          <a:ln w="19050"/>
+        </p:spPr>
+        <p:style>
+          <a:lnRef idx="2">
+            <a:schemeClr val="accent1"/>
+          </a:lnRef>
+          <a:fillRef idx="1">
+            <a:schemeClr val="lt1"/>
+          </a:fillRef>
+          <a:effectRef idx="0">
+            <a:schemeClr val="accent1"/>
+          </a:effectRef>
+          <a:fontRef idx="minor">
+            <a:schemeClr val="dk1"/>
+          </a:fontRef>
+        </p:style>
+        <p:txBody>
+          <a:bodyPr lIns="124733" tIns="62367" rIns="124733" bIns="62367" rtlCol="0" anchor="ctr"/>
+          <a:lstStyle/>
+          <a:p>
+            <a:pPr algn="ctr"/>
+            <a:r>
+              <a:rPr lang="ru-RU" sz="700" dirty="0"/>
+              <a:t>Отказ от обслуживания внешнего долга</a:t>
+            </a:r>
+            <a:endParaRPr lang="ru-RU" sz="400" dirty="0"/>
+          </a:p>
+        </p:txBody>
+      </p:sp>
+      <p:sp>
+        <p:nvSpPr>
+          <p:cNvPr id="86" name="Прямоугольник 85">
+            <a:extLst>
+              <a:ext uri="{FF2B5EF4-FFF2-40B4-BE49-F238E27FC236}">
+                <a16:creationId xmlns:a16="http://schemas.microsoft.com/office/drawing/2014/main" id="{D4D526C2-9053-416E-9EDD-C32F7B959DFA}"/>
+              </a:ext>
+            </a:extLst>
+          </p:cNvPr>
+          <p:cNvSpPr/>
+          <p:nvPr/>
+        </p:nvSpPr>
+        <p:spPr>
+          <a:xfrm>
+            <a:off x="20403767" y="6711053"/>
+            <a:ext cx="926325" cy="540000"/>
+          </a:xfrm>
+          <a:prstGeom prst="rect">
+            <a:avLst/>
+          </a:prstGeom>
+          <a:solidFill>
+            <a:srgbClr val="FF0000"/>
+          </a:solidFill>
+          <a:ln w="19050"/>
+        </p:spPr>
+        <p:style>
+          <a:lnRef idx="2">
+            <a:schemeClr val="accent1"/>
+          </a:lnRef>
+          <a:fillRef idx="1">
+            <a:schemeClr val="lt1"/>
+          </a:fillRef>
+          <a:effectRef idx="0">
+            <a:schemeClr val="accent1"/>
+          </a:effectRef>
+          <a:fontRef idx="minor">
+            <a:schemeClr val="dk1"/>
+          </a:fontRef>
+        </p:style>
+        <p:txBody>
+          <a:bodyPr lIns="124733" tIns="62367" rIns="124733" bIns="62367" rtlCol="0" anchor="ctr"/>
+          <a:lstStyle/>
+          <a:p>
+            <a:pPr algn="ctr"/>
+            <a:r>
+              <a:rPr lang="ru-RU" sz="700" dirty="0"/>
+              <a:t>Пропаганда социализма в государственном образовании</a:t>
+            </a:r>
+            <a:endParaRPr lang="ru-RU" sz="400" dirty="0"/>
+          </a:p>
+        </p:txBody>
+      </p:sp>
+      <p:sp>
+        <p:nvSpPr>
+          <p:cNvPr id="87" name="Прямоугольник 86">
+            <a:extLst>
+              <a:ext uri="{FF2B5EF4-FFF2-40B4-BE49-F238E27FC236}">
+                <a16:creationId xmlns:a16="http://schemas.microsoft.com/office/drawing/2014/main" id="{05781F45-96BD-4772-A7F8-D0C0E48CF0C4}"/>
+              </a:ext>
+            </a:extLst>
+          </p:cNvPr>
+          <p:cNvSpPr/>
+          <p:nvPr/>
+        </p:nvSpPr>
+        <p:spPr>
+          <a:xfrm>
+            <a:off x="20097526" y="7576451"/>
+            <a:ext cx="926325" cy="540000"/>
+          </a:xfrm>
+          <a:prstGeom prst="rect">
+            <a:avLst/>
+          </a:prstGeom>
+          <a:solidFill>
+            <a:srgbClr val="FF0000"/>
+          </a:solidFill>
+          <a:ln w="19050"/>
+        </p:spPr>
+        <p:style>
+          <a:lnRef idx="2">
+            <a:schemeClr val="accent1"/>
+          </a:lnRef>
+          <a:fillRef idx="1">
+            <a:schemeClr val="lt1"/>
+          </a:fillRef>
+          <a:effectRef idx="0">
+            <a:schemeClr val="accent1"/>
+          </a:effectRef>
+          <a:fontRef idx="minor">
+            <a:schemeClr val="dk1"/>
+          </a:fontRef>
+        </p:style>
+        <p:txBody>
+          <a:bodyPr lIns="124733" tIns="62367" rIns="124733" bIns="62367" rtlCol="0" anchor="ctr"/>
+          <a:lstStyle/>
+          <a:p>
+            <a:pPr algn="ctr"/>
+            <a:r>
+              <a:rPr lang="ru-RU" sz="700" dirty="0"/>
+              <a:t>Государство рабочих </a:t>
+            </a:r>
+            <a:r>
+              <a:rPr lang="ru-RU" sz="300" dirty="0"/>
+              <a:t>(В программе НПТ говорилось, что «государство признает право на жизнь только тех, кто работает; кто не работает — тот не ест».)</a:t>
+            </a:r>
+            <a:endParaRPr lang="ru-RU" sz="400" dirty="0"/>
+          </a:p>
+        </p:txBody>
+      </p:sp>
+      <p:sp>
+        <p:nvSpPr>
+          <p:cNvPr id="88" name="Прямоугольник 87">
+            <a:extLst>
+              <a:ext uri="{FF2B5EF4-FFF2-40B4-BE49-F238E27FC236}">
+                <a16:creationId xmlns:a16="http://schemas.microsoft.com/office/drawing/2014/main" id="{422F676B-23F7-43EE-A95A-69895A18F0AD}"/>
+              </a:ext>
+            </a:extLst>
+          </p:cNvPr>
+          <p:cNvSpPr/>
+          <p:nvPr/>
+        </p:nvSpPr>
+        <p:spPr>
+          <a:xfrm>
+            <a:off x="15180033" y="6135747"/>
+            <a:ext cx="1918902" cy="1962976"/>
+          </a:xfrm>
+          <a:prstGeom prst="rect">
+            <a:avLst/>
+          </a:prstGeom>
+          <a:solidFill>
+            <a:srgbClr val="FF0000"/>
+          </a:solidFill>
+          <a:ln w="19050"/>
+        </p:spPr>
+        <p:style>
+          <a:lnRef idx="2">
+            <a:schemeClr val="accent1"/>
+          </a:lnRef>
+          <a:fillRef idx="1">
+            <a:schemeClr val="lt1"/>
+          </a:fillRef>
+          <a:effectRef idx="0">
+            <a:schemeClr val="accent1"/>
+          </a:effectRef>
+          <a:fontRef idx="minor">
+            <a:schemeClr val="dk1"/>
+          </a:fontRef>
+        </p:style>
+        <p:txBody>
+          <a:bodyPr lIns="124733" tIns="62367" rIns="124733" bIns="62367" rtlCol="0" anchor="ctr"/>
+          <a:lstStyle/>
+          <a:p>
+            <a:pPr algn="ctr"/>
+            <a:r>
+              <a:rPr lang="ru-RU" sz="700" dirty="0"/>
+              <a:t>ИВЕНТЫ НА ТО ЧТОБЫ ДАВИТЬ ЛЕВЫХ</a:t>
             </a:r>
             <a:br>
               <a:rPr lang="ru-RU" sz="700" dirty="0"/>
             </a:br>
             <a:r>
+              <a:rPr lang="ru-RU" sz="400" dirty="0"/>
+              <a:t>После свержения </a:t>
+            </a:r>
+            <a:r>
+              <a:rPr lang="ru-RU" sz="400" dirty="0" err="1"/>
+              <a:t>Сакасы</a:t>
+            </a:r>
+            <a:r>
+              <a:rPr lang="ru-RU" sz="400" dirty="0"/>
+              <a:t> </a:t>
+            </a:r>
+            <a:r>
+              <a:rPr lang="ru-RU" sz="400" dirty="0" err="1"/>
+              <a:t>Сомоса</a:t>
+            </a:r>
+            <a:r>
+              <a:rPr lang="ru-RU" sz="400" dirty="0"/>
+              <a:t> в августе 1936 года бросил нескольких </a:t>
+            </a:r>
+            <a:r>
+              <a:rPr lang="ru-RU" sz="400" dirty="0" err="1"/>
+              <a:t>ли¬деров</a:t>
+            </a:r>
+            <a:r>
+              <a:rPr lang="ru-RU" sz="400" dirty="0"/>
+              <a:t> НПТ в тюрьму на острова Корн. В 1937-м такой же участи подверглись и оставшиеся на свободе руководители НПТ. В 1938 году диктатор расколол очередное руководство НПТ, а в 1939-му отправил всех более или менее </a:t>
+            </a:r>
+            <a:r>
+              <a:rPr lang="ru-RU" sz="400" dirty="0" err="1"/>
+              <a:t>актив¬ных</a:t>
+            </a:r>
+            <a:r>
+              <a:rPr lang="ru-RU" sz="400" dirty="0"/>
+              <a:t> членов партии либо в тюрьму, либо в </a:t>
+            </a:r>
+            <a:r>
+              <a:rPr lang="ru-RU" sz="400" dirty="0" err="1"/>
+              <a:t>эмиграцию.Сомосе</a:t>
+            </a:r>
+            <a:r>
+              <a:rPr lang="ru-RU" sz="400" dirty="0"/>
+              <a:t> не нравились политические рабочие организации, так как </a:t>
+            </a:r>
+            <a:r>
+              <a:rPr lang="ru-RU" sz="400" dirty="0" err="1"/>
+              <a:t>полити¬ку</a:t>
+            </a:r>
+            <a:r>
+              <a:rPr lang="ru-RU" sz="400" dirty="0"/>
+              <a:t> в Никарагуа он хотел определять единолично. Больше по душе диктатору были организации вроде «</a:t>
+            </a:r>
+            <a:r>
+              <a:rPr lang="ru-RU" sz="400" dirty="0" err="1"/>
+              <a:t>зубатовских</a:t>
+            </a:r>
+            <a:r>
+              <a:rPr lang="ru-RU" sz="400" dirty="0"/>
+              <a:t> профсоюзов» в царской России. </a:t>
+            </a:r>
+            <a:r>
+              <a:rPr lang="ru-RU" sz="400" dirty="0" err="1"/>
+              <a:t>Рабо¬чие</a:t>
+            </a:r>
+            <a:r>
+              <a:rPr lang="ru-RU" sz="400" dirty="0"/>
+              <a:t>, с точки зрения </a:t>
+            </a:r>
+            <a:r>
+              <a:rPr lang="ru-RU" sz="400" dirty="0" err="1"/>
+              <a:t>Сомосы</a:t>
+            </a:r>
+            <a:r>
+              <a:rPr lang="ru-RU" sz="400" dirty="0"/>
+              <a:t>, должны были заниматься самообразованием, </a:t>
+            </a:r>
+            <a:r>
+              <a:rPr lang="ru-RU" sz="400" dirty="0" err="1"/>
+              <a:t>тан¬цами</a:t>
+            </a:r>
+            <a:r>
+              <a:rPr lang="ru-RU" sz="400" dirty="0"/>
+              <a:t> и другими культурными формами досуга. В августе 1936 года был введен налог на алкоголь, сборы от которого должны были пойти на строительство в Манагуа и каждом центре департаментов «Рабочего дома». Именно в таких домах рабочие и должны были «культурно отдыхать» вместо того, чтобы </a:t>
+            </a:r>
+            <a:r>
+              <a:rPr lang="ru-RU" sz="400" dirty="0" err="1"/>
+              <a:t>зани¬маться</a:t>
+            </a:r>
+            <a:r>
+              <a:rPr lang="ru-RU" sz="400" dirty="0"/>
+              <a:t> политикой.</a:t>
+            </a:r>
+            <a:br>
+              <a:rPr lang="ru-RU" sz="400" dirty="0"/>
+            </a:br>
+            <a:r>
+              <a:rPr lang="ru-RU" sz="400" dirty="0"/>
+              <a:t>В январе 1943 года появился антифашистский «Конгресс за мир, единство и </a:t>
+            </a:r>
+            <a:r>
+              <a:rPr lang="ru-RU" sz="400" dirty="0" err="1"/>
+              <a:t>освобожде¬ние</a:t>
+            </a:r>
+            <a:r>
+              <a:rPr lang="ru-RU" sz="400" dirty="0"/>
+              <a:t>», за которым стояли коммунисты. Они пытались объединить в этой </a:t>
+            </a:r>
+            <a:r>
+              <a:rPr lang="ru-RU" sz="400" dirty="0" err="1"/>
+              <a:t>орга¬низации</a:t>
+            </a:r>
+            <a:r>
+              <a:rPr lang="ru-RU" sz="400" dirty="0"/>
+              <a:t> рабочих, студентов и представителей городских средних слоев. </a:t>
+            </a:r>
+            <a:r>
+              <a:rPr lang="ru-RU" sz="400" dirty="0" err="1"/>
+              <a:t>Одна¬ко</a:t>
+            </a:r>
+            <a:r>
+              <a:rPr lang="ru-RU" sz="400" dirty="0"/>
+              <a:t> по указанию </a:t>
+            </a:r>
+            <a:r>
+              <a:rPr lang="ru-RU" sz="400" dirty="0" err="1"/>
+              <a:t>Сомосы</a:t>
+            </a:r>
+            <a:r>
+              <a:rPr lang="ru-RU" sz="400" dirty="0"/>
+              <a:t> конгресс был разгромлен национальной гвардией</a:t>
+            </a:r>
+            <a:br>
+              <a:rPr lang="ru-RU" sz="400" dirty="0"/>
+            </a:br>
+            <a:r>
+              <a:rPr lang="ru-RU" sz="400" dirty="0"/>
+              <a:t>Коммунисты тем не менее образовали Блок антифашистских трудящихся, </a:t>
+            </a:r>
+            <a:r>
+              <a:rPr lang="ru-RU" sz="400" dirty="0" err="1"/>
+              <a:t>ко¬торый</a:t>
+            </a:r>
+            <a:r>
+              <a:rPr lang="ru-RU" sz="400" dirty="0"/>
+              <a:t> во время празднования 1 мая 1943 года потребовал снижения цен и </a:t>
+            </a:r>
+            <a:r>
+              <a:rPr lang="ru-RU" sz="400" dirty="0" err="1"/>
+              <a:t>раз¬дачу</a:t>
+            </a:r>
+            <a:r>
+              <a:rPr lang="ru-RU" sz="400" dirty="0"/>
+              <a:t> земли крестьянам. После этого все руководители блока были арестованы.</a:t>
+            </a:r>
+          </a:p>
+        </p:txBody>
+      </p:sp>
+      <p:sp>
+        <p:nvSpPr>
+          <p:cNvPr id="89" name="Прямоугольник 88">
+            <a:extLst>
+              <a:ext uri="{FF2B5EF4-FFF2-40B4-BE49-F238E27FC236}">
+                <a16:creationId xmlns:a16="http://schemas.microsoft.com/office/drawing/2014/main" id="{F33E5A38-0B16-4D37-89E1-19C913A5BC13}"/>
+              </a:ext>
+            </a:extLst>
+          </p:cNvPr>
+          <p:cNvSpPr/>
+          <p:nvPr/>
+        </p:nvSpPr>
+        <p:spPr>
+          <a:xfrm>
+            <a:off x="1629450" y="9952374"/>
+            <a:ext cx="926325" cy="540000"/>
+          </a:xfrm>
+          <a:prstGeom prst="rect">
+            <a:avLst/>
+          </a:prstGeom>
+          <a:solidFill>
+            <a:schemeClr val="bg1">
+              <a:lumMod val="65000"/>
+            </a:schemeClr>
+          </a:solidFill>
+          <a:ln w="19050"/>
+        </p:spPr>
+        <p:style>
+          <a:lnRef idx="2">
+            <a:schemeClr val="accent1"/>
+          </a:lnRef>
+          <a:fillRef idx="1">
+            <a:schemeClr val="lt1"/>
+          </a:fillRef>
+          <a:effectRef idx="0">
+            <a:schemeClr val="accent1"/>
+          </a:effectRef>
+          <a:fontRef idx="minor">
+            <a:schemeClr val="dk1"/>
+          </a:fontRef>
+        </p:style>
+        <p:txBody>
+          <a:bodyPr lIns="124733" tIns="62367" rIns="124733" bIns="62367" rtlCol="0" anchor="ctr"/>
+          <a:lstStyle/>
+          <a:p>
+            <a:pPr algn="ctr"/>
+            <a:r>
+              <a:rPr lang="ru-RU" sz="700" dirty="0"/>
+              <a:t>Налог на алкоголь </a:t>
+            </a:r>
+            <a:r>
+              <a:rPr lang="ru-RU" sz="200" dirty="0"/>
+              <a:t>(В августе 1936 года был введен налог на алкоголь, сборы от которого должны были пойти на строительство в Манагуа и каждом центре департаментов «Рабочего дома». Именно в таких домах рабочие и должны были «культурно отдыхать» вместо того, чтобы </a:t>
+            </a:r>
+            <a:r>
+              <a:rPr lang="ru-RU" sz="200" dirty="0" err="1"/>
+              <a:t>зани¬маться</a:t>
+            </a:r>
+            <a:r>
+              <a:rPr lang="ru-RU" sz="200" dirty="0"/>
+              <a:t> политикой.)</a:t>
+            </a:r>
+            <a:endParaRPr lang="ru-RU" sz="400" dirty="0"/>
+          </a:p>
+        </p:txBody>
+      </p:sp>
+      <p:sp>
+        <p:nvSpPr>
+          <p:cNvPr id="90" name="Прямоугольник 89">
+            <a:extLst>
+              <a:ext uri="{FF2B5EF4-FFF2-40B4-BE49-F238E27FC236}">
+                <a16:creationId xmlns:a16="http://schemas.microsoft.com/office/drawing/2014/main" id="{8C2287E1-C065-4042-BB84-91F0CF7A3A74}"/>
+              </a:ext>
+            </a:extLst>
+          </p:cNvPr>
+          <p:cNvSpPr/>
+          <p:nvPr/>
+        </p:nvSpPr>
+        <p:spPr>
+          <a:xfrm>
+            <a:off x="2344919" y="8351660"/>
+            <a:ext cx="926325" cy="540000"/>
+          </a:xfrm>
+          <a:prstGeom prst="rect">
+            <a:avLst/>
+          </a:prstGeom>
+          <a:solidFill>
+            <a:schemeClr val="bg1">
+              <a:lumMod val="65000"/>
+            </a:schemeClr>
+          </a:solidFill>
+          <a:ln w="19050"/>
+        </p:spPr>
+        <p:style>
+          <a:lnRef idx="2">
+            <a:schemeClr val="accent1"/>
+          </a:lnRef>
+          <a:fillRef idx="1">
+            <a:schemeClr val="lt1"/>
+          </a:fillRef>
+          <a:effectRef idx="0">
+            <a:schemeClr val="accent1"/>
+          </a:effectRef>
+          <a:fontRef idx="minor">
+            <a:schemeClr val="dk1"/>
+          </a:fontRef>
+        </p:style>
+        <p:txBody>
+          <a:bodyPr lIns="124733" tIns="62367" rIns="124733" bIns="62367" rtlCol="0" anchor="ctr"/>
+          <a:lstStyle/>
+          <a:p>
+            <a:pPr algn="ctr"/>
+            <a:r>
+              <a:rPr lang="ru-RU" sz="700" dirty="0"/>
+              <a:t>Синие рубашки </a:t>
+            </a:r>
+            <a:r>
+              <a:rPr lang="ru-RU" sz="100" dirty="0"/>
+              <a:t>(Кроме несознательных рабочих и неопытной молодежи </a:t>
+            </a:r>
+            <a:r>
+              <a:rPr lang="ru-RU" sz="100" dirty="0" err="1"/>
+              <a:t>Сомоса</a:t>
+            </a:r>
+            <a:r>
+              <a:rPr lang="ru-RU" sz="100" dirty="0"/>
+              <a:t> опирался на различные правые и националистические организации, самыми </a:t>
+            </a:r>
+            <a:r>
+              <a:rPr lang="ru-RU" sz="100" dirty="0" err="1"/>
+              <a:t>известны¬ми</a:t>
+            </a:r>
+            <a:r>
+              <a:rPr lang="ru-RU" sz="100" dirty="0"/>
+              <a:t> из которых были «синие рубашки». Уже сама форма этой военизированной организации говорила о стремлении следовать примеру испанской </a:t>
+            </a:r>
+            <a:r>
+              <a:rPr lang="ru-RU" sz="100" dirty="0" err="1"/>
+              <a:t>фашист¬ской</a:t>
+            </a:r>
+            <a:r>
+              <a:rPr lang="ru-RU" sz="100" dirty="0"/>
+              <a:t> фаланги (ее члены тоже носили синие рубашки).«Синие рубашки» состояли из обеспеченной городской молодежи и имели местные организации в Манагуа, Гранаде, Леоне и ряде мелких городов </a:t>
+            </a:r>
+            <a:r>
+              <a:rPr lang="ru-RU" sz="100" dirty="0" err="1"/>
+              <a:t>не¬далеко</a:t>
+            </a:r>
+            <a:r>
+              <a:rPr lang="ru-RU" sz="100" dirty="0"/>
+              <a:t> от столицы. Организация была малочисленной — например, в Манагуа в ней состояли около 80 человек .Еще до прихода </a:t>
+            </a:r>
+            <a:r>
+              <a:rPr lang="ru-RU" sz="100" dirty="0" err="1"/>
+              <a:t>Сомосы</a:t>
+            </a:r>
+            <a:r>
+              <a:rPr lang="ru-RU" sz="100" dirty="0"/>
+              <a:t> к власти в июне 1936 года «синие рубашки» </a:t>
+            </a:r>
+            <a:r>
+              <a:rPr lang="ru-RU" sz="100" dirty="0" err="1"/>
+              <a:t>поль¬зовались</a:t>
+            </a:r>
+            <a:r>
+              <a:rPr lang="ru-RU" sz="100" dirty="0"/>
+              <a:t> поддержкой национальной гвардии, у которой они проходили </a:t>
+            </a:r>
+            <a:r>
+              <a:rPr lang="ru-RU" sz="100" dirty="0" err="1"/>
+              <a:t>воен¬ную</a:t>
+            </a:r>
+            <a:r>
+              <a:rPr lang="ru-RU" sz="100" dirty="0"/>
+              <a:t> подготовку. Именно «синих рубашек» </a:t>
+            </a:r>
+            <a:r>
+              <a:rPr lang="ru-RU" sz="100" dirty="0" err="1"/>
+              <a:t>Сомоса</a:t>
+            </a:r>
+            <a:r>
+              <a:rPr lang="ru-RU" sz="100" dirty="0"/>
+              <a:t> использовал в 1936-м для организации беспорядков в ходе забастовки таксистов и при разгроме </a:t>
+            </a:r>
+            <a:r>
+              <a:rPr lang="ru-RU" sz="100" dirty="0" err="1"/>
+              <a:t>мест¬ных</a:t>
+            </a:r>
+            <a:r>
+              <a:rPr lang="ru-RU" sz="100" dirty="0"/>
+              <a:t> органов власти, а также редакций оппозиционных </a:t>
+            </a:r>
+            <a:r>
+              <a:rPr lang="ru-RU" sz="100" dirty="0" err="1"/>
+              <a:t>Сомосе</a:t>
+            </a:r>
+            <a:r>
+              <a:rPr lang="ru-RU" sz="100" dirty="0"/>
+              <a:t> газет в мае — июне. Например, «синие рубашки» угрожали убить оппозиционного </a:t>
+            </a:r>
+            <a:r>
+              <a:rPr lang="ru-RU" sz="100" dirty="0" err="1"/>
+              <a:t>журнали¬ста</a:t>
+            </a:r>
+            <a:r>
+              <a:rPr lang="ru-RU" sz="100" dirty="0"/>
+              <a:t> Хуана </a:t>
+            </a:r>
+            <a:r>
+              <a:rPr lang="ru-RU" sz="100" dirty="0" err="1"/>
+              <a:t>Рамона</a:t>
+            </a:r>
+            <a:r>
+              <a:rPr lang="ru-RU" sz="100" dirty="0"/>
+              <a:t> </a:t>
+            </a:r>
+            <a:r>
+              <a:rPr lang="ru-RU" sz="100" dirty="0" err="1"/>
+              <a:t>Авилеса</a:t>
+            </a:r>
+            <a:r>
+              <a:rPr lang="ru-RU" sz="100" dirty="0"/>
+              <a:t>, и как только он пообещал прекратить публиковать статьи против </a:t>
+            </a:r>
+            <a:r>
+              <a:rPr lang="ru-RU" sz="100" dirty="0" err="1"/>
+              <a:t>Сомосы</a:t>
+            </a:r>
+            <a:r>
+              <a:rPr lang="ru-RU" sz="100" dirty="0"/>
+              <a:t>, ему для острастки выстрелили в </a:t>
+            </a:r>
+            <a:r>
+              <a:rPr lang="ru-RU" sz="100" dirty="0" err="1"/>
+              <a:t>ногу.«Синие</a:t>
+            </a:r>
+            <a:r>
+              <a:rPr lang="ru-RU" sz="100" dirty="0"/>
+              <a:t> рубашки» были выражением «тропического», или креольского </a:t>
+            </a:r>
+            <a:r>
+              <a:rPr lang="ru-RU" sz="100" dirty="0" err="1"/>
+              <a:t>фа¬шизма</a:t>
+            </a:r>
+            <a:r>
+              <a:rPr lang="ru-RU" sz="100" dirty="0"/>
+              <a:t>, или «национал-</a:t>
+            </a:r>
+            <a:r>
+              <a:rPr lang="ru-RU" sz="100" dirty="0" err="1"/>
+              <a:t>сомосизма</a:t>
+            </a:r>
+            <a:r>
+              <a:rPr lang="ru-RU" sz="100" dirty="0"/>
+              <a:t>», как его еще называли. </a:t>
+            </a:r>
+            <a:r>
+              <a:rPr lang="ru-RU" sz="100" dirty="0" err="1"/>
+              <a:t>Сомоса</a:t>
+            </a:r>
+            <a:r>
+              <a:rPr lang="ru-RU" sz="100" dirty="0"/>
+              <a:t> каждый </a:t>
+            </a:r>
+            <a:r>
+              <a:rPr lang="ru-RU" sz="100" dirty="0" err="1"/>
+              <a:t>ме¬сяц</a:t>
+            </a:r>
+            <a:r>
+              <a:rPr lang="ru-RU" sz="100" dirty="0"/>
+              <a:t> получал доклад о деятельности «синих рубашек» и давал им те или иные поручения по запугиванию своих оппонентов. «Синие рубашки» стали одной из основных сил во время предвыборной кампании </a:t>
+            </a:r>
+            <a:r>
+              <a:rPr lang="ru-RU" sz="100" dirty="0" err="1"/>
+              <a:t>Сомосы</a:t>
+            </a:r>
+            <a:r>
+              <a:rPr lang="ru-RU" sz="100" dirty="0"/>
+              <a:t> в 1936 году. Они расклеивали листовки, устраивали торжественные марши и запугивали всех </a:t>
+            </a:r>
+            <a:r>
+              <a:rPr lang="ru-RU" sz="100" dirty="0" err="1"/>
+              <a:t>несогласных.И</a:t>
+            </a:r>
+            <a:r>
+              <a:rPr lang="ru-RU" sz="100" dirty="0"/>
+              <a:t> «синие рубашки», и рабочие, и молодежь были нужны </a:t>
+            </a:r>
+            <a:r>
+              <a:rPr lang="ru-RU" sz="100" dirty="0" err="1"/>
+              <a:t>Сомосе</a:t>
+            </a:r>
+            <a:r>
+              <a:rPr lang="ru-RU" sz="100" dirty="0"/>
+              <a:t> лишь </a:t>
+            </a:r>
+            <a:r>
+              <a:rPr lang="ru-RU" sz="100" dirty="0" err="1"/>
+              <a:t>по¬стольку</a:t>
+            </a:r>
+            <a:r>
+              <a:rPr lang="ru-RU" sz="100" dirty="0"/>
+              <a:t>, поскольку позволяли ему представлять себя «народным вождем» и «популистом». На самом деле основой власти этого человека были </a:t>
+            </a:r>
+            <a:r>
+              <a:rPr lang="ru-RU" sz="100" dirty="0" err="1"/>
+              <a:t>националь¬ная</a:t>
+            </a:r>
+            <a:r>
+              <a:rPr lang="ru-RU" sz="100" dirty="0"/>
+              <a:t> гвардия и крупный бизнес, впрочем, как и в случае с любым фашистским движением.)</a:t>
+            </a:r>
+            <a:endParaRPr lang="ru-RU" sz="400" dirty="0"/>
+          </a:p>
+        </p:txBody>
+      </p:sp>
+      <p:sp>
+        <p:nvSpPr>
+          <p:cNvPr id="91" name="Прямоугольник 90">
+            <a:extLst>
+              <a:ext uri="{FF2B5EF4-FFF2-40B4-BE49-F238E27FC236}">
+                <a16:creationId xmlns:a16="http://schemas.microsoft.com/office/drawing/2014/main" id="{58596D98-69F8-48F5-B5AF-D2569C87ECDC}"/>
+              </a:ext>
+            </a:extLst>
+          </p:cNvPr>
+          <p:cNvSpPr/>
+          <p:nvPr/>
+        </p:nvSpPr>
+        <p:spPr>
+          <a:xfrm>
+            <a:off x="260692" y="9955896"/>
+            <a:ext cx="926325" cy="540000"/>
+          </a:xfrm>
+          <a:prstGeom prst="rect">
+            <a:avLst/>
+          </a:prstGeom>
+          <a:solidFill>
+            <a:schemeClr val="bg1">
+              <a:lumMod val="65000"/>
+            </a:schemeClr>
+          </a:solidFill>
+          <a:ln w="19050"/>
+        </p:spPr>
+        <p:style>
+          <a:lnRef idx="2">
+            <a:schemeClr val="accent1"/>
+          </a:lnRef>
+          <a:fillRef idx="1">
+            <a:schemeClr val="lt1"/>
+          </a:fillRef>
+          <a:effectRef idx="0">
+            <a:schemeClr val="accent1"/>
+          </a:effectRef>
+          <a:fontRef idx="minor">
+            <a:schemeClr val="dk1"/>
+          </a:fontRef>
+        </p:style>
+        <p:txBody>
+          <a:bodyPr lIns="124733" tIns="62367" rIns="124733" bIns="62367" rtlCol="0" anchor="ctr"/>
+          <a:lstStyle/>
+          <a:p>
+            <a:pPr algn="ctr"/>
+            <a:r>
+              <a:rPr lang="ru-RU" sz="700" dirty="0"/>
+              <a:t>Национализация железных дорог (1937) </a:t>
+            </a:r>
+            <a:r>
+              <a:rPr lang="ru-RU" sz="200" dirty="0"/>
+              <a:t>(</a:t>
+            </a:r>
+            <a:r>
+              <a:rPr lang="ru-RU" sz="200" dirty="0" err="1"/>
+              <a:t>Сомоса</a:t>
+            </a:r>
+            <a:r>
+              <a:rPr lang="ru-RU" sz="200" dirty="0"/>
+              <a:t>, который позиционировал себя как «</a:t>
+            </a:r>
+            <a:r>
+              <a:rPr lang="ru-RU" sz="200" dirty="0" err="1"/>
+              <a:t>национа¬листа-государственника</a:t>
+            </a:r>
+            <a:r>
+              <a:rPr lang="ru-RU" sz="200" dirty="0"/>
+              <a:t>», национализировал в 1937 году железные дороги, но доходы от них только частично шли в казну государства. Большую часть </a:t>
+            </a:r>
+            <a:r>
+              <a:rPr lang="ru-RU" sz="200" dirty="0" err="1"/>
+              <a:t>дик¬татор</a:t>
+            </a:r>
+            <a:r>
+              <a:rPr lang="ru-RU" sz="200" dirty="0"/>
+              <a:t> оставлял за собой. Он официально являлся главой железных дорог с </a:t>
+            </a:r>
+            <a:r>
+              <a:rPr lang="ru-RU" sz="200" dirty="0" err="1"/>
+              <a:t>ти¬тулом</a:t>
+            </a:r>
+            <a:r>
+              <a:rPr lang="ru-RU" sz="200" dirty="0"/>
+              <a:t> «Верховный руководитель»)</a:t>
+            </a:r>
+            <a:endParaRPr lang="ru-RU" sz="400" dirty="0"/>
+          </a:p>
+        </p:txBody>
+      </p:sp>
+      <p:sp>
+        <p:nvSpPr>
+          <p:cNvPr id="92" name="Прямоугольник 91">
+            <a:extLst>
+              <a:ext uri="{FF2B5EF4-FFF2-40B4-BE49-F238E27FC236}">
+                <a16:creationId xmlns:a16="http://schemas.microsoft.com/office/drawing/2014/main" id="{A0E90C58-DFD9-4550-AC8D-DED87F819668}"/>
+              </a:ext>
+            </a:extLst>
+          </p:cNvPr>
+          <p:cNvSpPr/>
+          <p:nvPr/>
+        </p:nvSpPr>
+        <p:spPr>
+          <a:xfrm>
+            <a:off x="2344922" y="9152813"/>
+            <a:ext cx="926325" cy="540000"/>
+          </a:xfrm>
+          <a:prstGeom prst="rect">
+            <a:avLst/>
+          </a:prstGeom>
+          <a:solidFill>
+            <a:schemeClr val="bg1">
+              <a:lumMod val="65000"/>
+            </a:schemeClr>
+          </a:solidFill>
+          <a:ln w="19050"/>
+        </p:spPr>
+        <p:style>
+          <a:lnRef idx="2">
+            <a:schemeClr val="accent1"/>
+          </a:lnRef>
+          <a:fillRef idx="1">
+            <a:schemeClr val="lt1"/>
+          </a:fillRef>
+          <a:effectRef idx="0">
+            <a:schemeClr val="accent1"/>
+          </a:effectRef>
+          <a:fontRef idx="minor">
+            <a:schemeClr val="dk1"/>
+          </a:fontRef>
+        </p:style>
+        <p:txBody>
+          <a:bodyPr lIns="124733" tIns="62367" rIns="124733" bIns="62367" rtlCol="0" anchor="ctr"/>
+          <a:lstStyle/>
+          <a:p>
+            <a:pPr algn="ctr"/>
+            <a:r>
+              <a:rPr lang="ru-RU" sz="700" dirty="0"/>
+              <a:t>Запрет муниципальных выборов (август 1937 </a:t>
+            </a:r>
+            <a:r>
+              <a:rPr lang="ru-RU" sz="100" dirty="0"/>
+              <a:t>(Все выборные органы власти были замены «комитетами соседей», находившимися под жестким контролем центрального правительства. Даже бюджеты муниципалитетов теперь тоже утверждали в Манагуа. Причем в столице санкционировали единое для всей страны процентное соотношение тех или иных расходов. Например, на </a:t>
+            </a:r>
+            <a:r>
+              <a:rPr lang="ru-RU" sz="100" dirty="0" err="1"/>
+              <a:t>адми¬нистративные</a:t>
+            </a:r>
+            <a:r>
+              <a:rPr lang="ru-RU" sz="100" dirty="0"/>
+              <a:t> расходы полагалось тратить не более 35% бюджета, на </a:t>
+            </a:r>
+            <a:r>
+              <a:rPr lang="ru-RU" sz="100" dirty="0" err="1"/>
+              <a:t>жилищ¬но-коммунальные</a:t>
+            </a:r>
+            <a:r>
+              <a:rPr lang="ru-RU" sz="100" dirty="0"/>
+              <a:t> услуги и развитие инфраструктуры — 40%, на </a:t>
+            </a:r>
+            <a:r>
+              <a:rPr lang="ru-RU" sz="100" dirty="0" err="1"/>
+              <a:t>здравоохра¬нение</a:t>
+            </a:r>
+            <a:r>
+              <a:rPr lang="ru-RU" sz="100" dirty="0"/>
+              <a:t> и гигиену — 10% и т.д.)</a:t>
+            </a:r>
+            <a:endParaRPr lang="ru-RU" sz="400" dirty="0"/>
+          </a:p>
+        </p:txBody>
+      </p:sp>
+      <p:sp>
+        <p:nvSpPr>
+          <p:cNvPr id="93" name="Прямоугольник 92">
+            <a:extLst>
+              <a:ext uri="{FF2B5EF4-FFF2-40B4-BE49-F238E27FC236}">
+                <a16:creationId xmlns:a16="http://schemas.microsoft.com/office/drawing/2014/main" id="{905EFC66-02B2-49ED-A696-FAEF4A1D6416}"/>
+              </a:ext>
+            </a:extLst>
+          </p:cNvPr>
+          <p:cNvSpPr/>
+          <p:nvPr/>
+        </p:nvSpPr>
+        <p:spPr>
+          <a:xfrm>
+            <a:off x="3734406" y="9152813"/>
+            <a:ext cx="926325" cy="540000"/>
+          </a:xfrm>
+          <a:prstGeom prst="rect">
+            <a:avLst/>
+          </a:prstGeom>
+          <a:solidFill>
+            <a:schemeClr val="bg1">
+              <a:lumMod val="65000"/>
+            </a:schemeClr>
+          </a:solidFill>
+          <a:ln w="19050"/>
+        </p:spPr>
+        <p:style>
+          <a:lnRef idx="2">
+            <a:schemeClr val="accent1"/>
+          </a:lnRef>
+          <a:fillRef idx="1">
+            <a:schemeClr val="lt1"/>
+          </a:fillRef>
+          <a:effectRef idx="0">
+            <a:schemeClr val="accent1"/>
+          </a:effectRef>
+          <a:fontRef idx="minor">
+            <a:schemeClr val="dk1"/>
+          </a:fontRef>
+        </p:style>
+        <p:txBody>
+          <a:bodyPr lIns="124733" tIns="62367" rIns="124733" bIns="62367" rtlCol="0" anchor="ctr"/>
+          <a:lstStyle/>
+          <a:p>
+            <a:pPr algn="ctr"/>
+            <a:r>
+              <a:rPr lang="ru-RU" sz="700" dirty="0"/>
+              <a:t>Военная Либеральная Лига </a:t>
+            </a:r>
+            <a:r>
+              <a:rPr lang="ru-RU" sz="100" dirty="0"/>
+              <a:t>(</a:t>
+            </a:r>
+            <a:r>
+              <a:rPr lang="ru-RU" sz="100" dirty="0" err="1"/>
+              <a:t>Сомоса</a:t>
+            </a:r>
+            <a:r>
+              <a:rPr lang="ru-RU" sz="100" dirty="0"/>
+              <a:t> решил также милитаризовать часть либеральной партии. В 1937 году так называемой Военной либеральной лиге (в ней состояли члены </a:t>
+            </a:r>
+            <a:r>
+              <a:rPr lang="ru-RU" sz="100" dirty="0" err="1"/>
+              <a:t>либераль¬ной</a:t>
+            </a:r>
+            <a:r>
+              <a:rPr lang="ru-RU" sz="100" dirty="0"/>
+              <a:t> партии — ветераны гражданских войн) был присвоен статус </a:t>
+            </a:r>
+            <a:r>
+              <a:rPr lang="ru-RU" sz="100" dirty="0" err="1"/>
+              <a:t>вспомога¬тельных</a:t>
+            </a:r>
+            <a:r>
+              <a:rPr lang="ru-RU" sz="100" dirty="0"/>
+              <a:t> военных формирований национальной гвардии. Всего в лиге было примерно 2600 членов, и ее боевые отряды были распределены по городам и поселкам . Главой лиги был сам </a:t>
+            </a:r>
+            <a:r>
+              <a:rPr lang="ru-RU" sz="100" dirty="0" err="1"/>
+              <a:t>Сомоса</a:t>
+            </a:r>
+            <a:r>
+              <a:rPr lang="ru-RU" sz="100" dirty="0"/>
+              <a:t>.)</a:t>
+            </a:r>
+            <a:endParaRPr lang="ru-RU" sz="400" dirty="0"/>
+          </a:p>
+        </p:txBody>
+      </p:sp>
+      <p:sp>
+        <p:nvSpPr>
+          <p:cNvPr id="94" name="Прямоугольник 93">
+            <a:extLst>
+              <a:ext uri="{FF2B5EF4-FFF2-40B4-BE49-F238E27FC236}">
+                <a16:creationId xmlns:a16="http://schemas.microsoft.com/office/drawing/2014/main" id="{9261C47C-5EE1-4F56-8101-3DF5265766CF}"/>
+              </a:ext>
+            </a:extLst>
+          </p:cNvPr>
+          <p:cNvSpPr/>
+          <p:nvPr/>
+        </p:nvSpPr>
+        <p:spPr>
+          <a:xfrm>
+            <a:off x="3033276" y="9955896"/>
+            <a:ext cx="926325" cy="540000"/>
+          </a:xfrm>
+          <a:prstGeom prst="rect">
+            <a:avLst/>
+          </a:prstGeom>
+          <a:solidFill>
+            <a:schemeClr val="bg1">
+              <a:lumMod val="65000"/>
+            </a:schemeClr>
+          </a:solidFill>
+          <a:ln w="19050"/>
+        </p:spPr>
+        <p:style>
+          <a:lnRef idx="2">
+            <a:schemeClr val="accent1"/>
+          </a:lnRef>
+          <a:fillRef idx="1">
+            <a:schemeClr val="lt1"/>
+          </a:fillRef>
+          <a:effectRef idx="0">
+            <a:schemeClr val="accent1"/>
+          </a:effectRef>
+          <a:fontRef idx="minor">
+            <a:schemeClr val="dk1"/>
+          </a:fontRef>
+        </p:style>
+        <p:txBody>
+          <a:bodyPr lIns="124733" tIns="62367" rIns="124733" bIns="62367" rtlCol="0" anchor="ctr"/>
+          <a:lstStyle/>
+          <a:p>
+            <a:pPr algn="ctr"/>
+            <a:r>
+              <a:rPr lang="ru-RU" sz="700" dirty="0"/>
+              <a:t>Конституция </a:t>
+            </a:r>
+            <a:r>
+              <a:rPr lang="ru-RU" sz="700" dirty="0" err="1"/>
+              <a:t>Сомосы</a:t>
+            </a:r>
+            <a:r>
+              <a:rPr lang="ru-RU" sz="700" dirty="0"/>
+              <a:t> (ноябрь 1938)</a:t>
+            </a:r>
+            <a:endParaRPr lang="ru-RU" sz="400" dirty="0"/>
+          </a:p>
+        </p:txBody>
+      </p:sp>
+      <p:sp>
+        <p:nvSpPr>
+          <p:cNvPr id="95" name="Прямоугольник 94">
+            <a:extLst>
+              <a:ext uri="{FF2B5EF4-FFF2-40B4-BE49-F238E27FC236}">
+                <a16:creationId xmlns:a16="http://schemas.microsoft.com/office/drawing/2014/main" id="{C2DE2667-AAF6-4947-B73A-9F430C79018E}"/>
+              </a:ext>
+            </a:extLst>
+          </p:cNvPr>
+          <p:cNvSpPr/>
+          <p:nvPr/>
+        </p:nvSpPr>
+        <p:spPr>
+          <a:xfrm>
+            <a:off x="955425" y="11532641"/>
+            <a:ext cx="926325" cy="540000"/>
+          </a:xfrm>
+          <a:prstGeom prst="rect">
+            <a:avLst/>
+          </a:prstGeom>
+          <a:solidFill>
+            <a:schemeClr val="bg1">
+              <a:lumMod val="65000"/>
+            </a:schemeClr>
+          </a:solidFill>
+          <a:ln w="19050"/>
+        </p:spPr>
+        <p:style>
+          <a:lnRef idx="2">
+            <a:schemeClr val="accent1"/>
+          </a:lnRef>
+          <a:fillRef idx="1">
+            <a:schemeClr val="lt1"/>
+          </a:fillRef>
+          <a:effectRef idx="0">
+            <a:schemeClr val="accent1"/>
+          </a:effectRef>
+          <a:fontRef idx="minor">
+            <a:schemeClr val="dk1"/>
+          </a:fontRef>
+        </p:style>
+        <p:txBody>
+          <a:bodyPr lIns="124733" tIns="62367" rIns="124733" bIns="62367" rtlCol="0" anchor="ctr"/>
+          <a:lstStyle/>
+          <a:p>
+            <a:pPr algn="ctr"/>
+            <a:r>
+              <a:rPr lang="ru-RU" sz="700" dirty="0"/>
+              <a:t>Поблажки рабочим </a:t>
+            </a:r>
+            <a:r>
+              <a:rPr lang="ru-RU" sz="300" dirty="0"/>
+              <a:t>(Рабочим впервые в истории Никарагуа </a:t>
+            </a:r>
+            <a:r>
+              <a:rPr lang="ru-RU" sz="300" dirty="0" err="1"/>
+              <a:t>га¬рантировались</a:t>
+            </a:r>
+            <a:r>
+              <a:rPr lang="ru-RU" sz="300" dirty="0"/>
+              <a:t> один выходной день в неделю, минимальная заработная плата, ограничение продолжительности рабочего дня и выплата пособий при </a:t>
+            </a:r>
+            <a:r>
+              <a:rPr lang="ru-RU" sz="300" dirty="0" err="1"/>
+              <a:t>не¬счастном</a:t>
+            </a:r>
+            <a:r>
+              <a:rPr lang="ru-RU" sz="300" dirty="0"/>
+              <a:t> случае на производстве)</a:t>
+            </a:r>
+            <a:endParaRPr lang="ru-RU" sz="400" dirty="0"/>
+          </a:p>
+        </p:txBody>
+      </p:sp>
+      <p:sp>
+        <p:nvSpPr>
+          <p:cNvPr id="96" name="Прямоугольник 95">
+            <a:extLst>
+              <a:ext uri="{FF2B5EF4-FFF2-40B4-BE49-F238E27FC236}">
+                <a16:creationId xmlns:a16="http://schemas.microsoft.com/office/drawing/2014/main" id="{F057BD5D-D5FA-4727-B502-9F95624798B4}"/>
+              </a:ext>
+            </a:extLst>
+          </p:cNvPr>
+          <p:cNvSpPr/>
+          <p:nvPr/>
+        </p:nvSpPr>
+        <p:spPr>
+          <a:xfrm>
+            <a:off x="3734407" y="8355769"/>
+            <a:ext cx="926325" cy="540000"/>
+          </a:xfrm>
+          <a:prstGeom prst="rect">
+            <a:avLst/>
+          </a:prstGeom>
+          <a:solidFill>
+            <a:schemeClr val="bg1">
+              <a:lumMod val="65000"/>
+            </a:schemeClr>
+          </a:solidFill>
+          <a:ln w="19050"/>
+        </p:spPr>
+        <p:style>
+          <a:lnRef idx="2">
+            <a:schemeClr val="accent1"/>
+          </a:lnRef>
+          <a:fillRef idx="1">
+            <a:schemeClr val="lt1"/>
+          </a:fillRef>
+          <a:effectRef idx="0">
+            <a:schemeClr val="accent1"/>
+          </a:effectRef>
+          <a:fontRef idx="minor">
+            <a:schemeClr val="dk1"/>
+          </a:fontRef>
+        </p:style>
+        <p:txBody>
+          <a:bodyPr lIns="124733" tIns="62367" rIns="124733" bIns="62367" rtlCol="0" anchor="ctr"/>
+          <a:lstStyle/>
+          <a:p>
+            <a:pPr algn="ctr"/>
+            <a:r>
+              <a:rPr lang="ru-RU" sz="700" dirty="0"/>
+              <a:t>Примириться с либеральной партией (июль 1937) </a:t>
+            </a:r>
+            <a:r>
+              <a:rPr lang="ru-RU" sz="100" dirty="0"/>
+              <a:t>(С самого начала своего пребывания у власти </a:t>
+            </a:r>
+            <a:r>
+              <a:rPr lang="ru-RU" sz="100" dirty="0" err="1"/>
+              <a:t>Сомоса</a:t>
+            </a:r>
+            <a:r>
+              <a:rPr lang="ru-RU" sz="100" dirty="0"/>
+              <a:t> хотел объединить ли-</a:t>
+            </a:r>
+            <a:r>
+              <a:rPr lang="ru-RU" sz="100" dirty="0" err="1"/>
+              <a:t>беральную</a:t>
+            </a:r>
+            <a:r>
+              <a:rPr lang="ru-RU" sz="100" dirty="0"/>
+              <a:t> партию под своим руководством. В 1937 году он послал </a:t>
+            </a:r>
+            <a:r>
+              <a:rPr lang="ru-RU" sz="100" dirty="0" err="1"/>
+              <a:t>специаль¬ную</a:t>
+            </a:r>
+            <a:r>
+              <a:rPr lang="ru-RU" sz="100" dirty="0"/>
+              <a:t> делегацию в Сальвадор, где жил в эмиграции лидер «</a:t>
+            </a:r>
+            <a:r>
+              <a:rPr lang="ru-RU" sz="100" dirty="0" err="1"/>
+              <a:t>сакасовского</a:t>
+            </a:r>
+            <a:r>
+              <a:rPr lang="ru-RU" sz="100" dirty="0"/>
+              <a:t>» крыла либералов и неудавшийся преемник самого </a:t>
+            </a:r>
+            <a:r>
+              <a:rPr lang="ru-RU" sz="100" dirty="0" err="1"/>
+              <a:t>Сакасы</a:t>
+            </a:r>
+            <a:r>
+              <a:rPr lang="ru-RU" sz="100" dirty="0"/>
+              <a:t> </a:t>
+            </a:r>
+            <a:r>
+              <a:rPr lang="ru-RU" sz="100" dirty="0" err="1"/>
+              <a:t>Аргуэльо</a:t>
+            </a:r>
+            <a:r>
+              <a:rPr lang="ru-RU" sz="100" dirty="0"/>
+              <a:t>. </a:t>
+            </a:r>
+            <a:r>
+              <a:rPr lang="ru-RU" sz="100" dirty="0" err="1"/>
+              <a:t>Сомоса</a:t>
+            </a:r>
+            <a:r>
+              <a:rPr lang="ru-RU" sz="100" dirty="0"/>
+              <a:t> </a:t>
+            </a:r>
+            <a:r>
+              <a:rPr lang="ru-RU" sz="100" dirty="0" err="1"/>
+              <a:t>пре¬красно</a:t>
+            </a:r>
+            <a:r>
+              <a:rPr lang="ru-RU" sz="100" dirty="0"/>
+              <a:t> знал цену «принципиальности» лидеров старой либеральной партии. В обмен на обещание министерских постов своим людям </a:t>
+            </a:r>
+            <a:r>
+              <a:rPr lang="ru-RU" sz="100" dirty="0" err="1"/>
+              <a:t>Аргуэльо</a:t>
+            </a:r>
+            <a:r>
+              <a:rPr lang="ru-RU" sz="100" dirty="0"/>
+              <a:t> уже в июле 1937 года приехал в Манагуа.)</a:t>
+            </a:r>
+            <a:endParaRPr lang="ru-RU" sz="400" dirty="0"/>
+          </a:p>
+        </p:txBody>
+      </p:sp>
+      <p:sp>
+        <p:nvSpPr>
+          <p:cNvPr id="97" name="Прямоугольник 96">
+            <a:extLst>
+              <a:ext uri="{FF2B5EF4-FFF2-40B4-BE49-F238E27FC236}">
+                <a16:creationId xmlns:a16="http://schemas.microsoft.com/office/drawing/2014/main" id="{BE32C799-1429-4853-B5A8-AE3345E90D8D}"/>
+              </a:ext>
+            </a:extLst>
+          </p:cNvPr>
+          <p:cNvSpPr/>
+          <p:nvPr/>
+        </p:nvSpPr>
+        <p:spPr>
+          <a:xfrm>
+            <a:off x="5818638" y="8355769"/>
+            <a:ext cx="926325" cy="540000"/>
+          </a:xfrm>
+          <a:prstGeom prst="rect">
+            <a:avLst/>
+          </a:prstGeom>
+          <a:gradFill flip="none" rotWithShape="1">
+            <a:gsLst>
+              <a:gs pos="0">
+                <a:schemeClr val="accent1">
+                  <a:lumMod val="75000"/>
+                </a:schemeClr>
+              </a:gs>
+              <a:gs pos="100000">
+                <a:schemeClr val="bg1">
+                  <a:lumMod val="50000"/>
+                </a:schemeClr>
+              </a:gs>
+            </a:gsLst>
+            <a:lin ang="5400000" scaled="1"/>
+            <a:tileRect/>
+          </a:gradFill>
+          <a:ln w="19050"/>
+        </p:spPr>
+        <p:style>
+          <a:lnRef idx="2">
+            <a:schemeClr val="accent1"/>
+          </a:lnRef>
+          <a:fillRef idx="1">
+            <a:schemeClr val="lt1"/>
+          </a:fillRef>
+          <a:effectRef idx="0">
+            <a:schemeClr val="accent1"/>
+          </a:effectRef>
+          <a:fontRef idx="minor">
+            <a:schemeClr val="dk1"/>
+          </a:fontRef>
+        </p:style>
+        <p:txBody>
+          <a:bodyPr lIns="124733" tIns="62367" rIns="124733" bIns="62367" rtlCol="0" anchor="ctr"/>
+          <a:lstStyle/>
+          <a:p>
+            <a:pPr algn="ctr"/>
+            <a:r>
+              <a:rPr lang="ru-RU" sz="700" dirty="0"/>
+              <a:t>Расширить сотрудничество с США</a:t>
+            </a:r>
+            <a:endParaRPr lang="ru-RU" sz="400" dirty="0"/>
+          </a:p>
+        </p:txBody>
+      </p:sp>
+      <p:sp>
+        <p:nvSpPr>
+          <p:cNvPr id="98" name="Прямоугольник 97">
+            <a:extLst>
+              <a:ext uri="{FF2B5EF4-FFF2-40B4-BE49-F238E27FC236}">
+                <a16:creationId xmlns:a16="http://schemas.microsoft.com/office/drawing/2014/main" id="{21F111C9-B52C-460E-AD39-A8B9F798CB25}"/>
+              </a:ext>
+            </a:extLst>
+          </p:cNvPr>
+          <p:cNvSpPr/>
+          <p:nvPr/>
+        </p:nvSpPr>
+        <p:spPr>
+          <a:xfrm>
+            <a:off x="5121994" y="9152813"/>
+            <a:ext cx="926325" cy="540000"/>
+          </a:xfrm>
+          <a:prstGeom prst="rect">
+            <a:avLst/>
+          </a:prstGeom>
+          <a:gradFill flip="none" rotWithShape="1">
+            <a:gsLst>
+              <a:gs pos="0">
+                <a:schemeClr val="accent1">
+                  <a:lumMod val="75000"/>
+                </a:schemeClr>
+              </a:gs>
+              <a:gs pos="100000">
+                <a:schemeClr val="bg1">
+                  <a:lumMod val="50000"/>
+                </a:schemeClr>
+              </a:gs>
+            </a:gsLst>
+            <a:lin ang="5400000" scaled="1"/>
+            <a:tileRect/>
+          </a:gradFill>
+          <a:ln w="19050"/>
+        </p:spPr>
+        <p:style>
+          <a:lnRef idx="2">
+            <a:schemeClr val="accent1"/>
+          </a:lnRef>
+          <a:fillRef idx="1">
+            <a:schemeClr val="lt1"/>
+          </a:fillRef>
+          <a:effectRef idx="0">
+            <a:schemeClr val="accent1"/>
+          </a:effectRef>
+          <a:fontRef idx="minor">
+            <a:schemeClr val="dk1"/>
+          </a:fontRef>
+        </p:style>
+        <p:txBody>
+          <a:bodyPr lIns="124733" tIns="62367" rIns="124733" bIns="62367" rtlCol="0" anchor="ctr"/>
+          <a:lstStyle/>
+          <a:p>
+            <a:pPr algn="ctr"/>
+            <a:r>
+              <a:rPr lang="ru-RU" sz="700" dirty="0"/>
+              <a:t>Получить кредит для стабилизации курса кордобы</a:t>
+            </a:r>
+            <a:endParaRPr lang="ru-RU" sz="400" dirty="0"/>
+          </a:p>
+        </p:txBody>
+      </p:sp>
+      <p:sp>
+        <p:nvSpPr>
+          <p:cNvPr id="99" name="Прямоугольник 98">
+            <a:extLst>
+              <a:ext uri="{FF2B5EF4-FFF2-40B4-BE49-F238E27FC236}">
+                <a16:creationId xmlns:a16="http://schemas.microsoft.com/office/drawing/2014/main" id="{3CDEA90A-403D-44E8-BD63-5F728A857464}"/>
+              </a:ext>
+            </a:extLst>
+          </p:cNvPr>
+          <p:cNvSpPr/>
+          <p:nvPr/>
+        </p:nvSpPr>
+        <p:spPr>
+          <a:xfrm>
+            <a:off x="6515040" y="9150306"/>
+            <a:ext cx="926325" cy="540000"/>
+          </a:xfrm>
+          <a:prstGeom prst="rect">
+            <a:avLst/>
+          </a:prstGeom>
+          <a:gradFill flip="none" rotWithShape="1">
+            <a:gsLst>
+              <a:gs pos="0">
+                <a:schemeClr val="accent1">
+                  <a:lumMod val="75000"/>
+                </a:schemeClr>
+              </a:gs>
+              <a:gs pos="100000">
+                <a:schemeClr val="bg1">
+                  <a:lumMod val="50000"/>
+                </a:schemeClr>
+              </a:gs>
+            </a:gsLst>
+            <a:lin ang="5400000" scaled="1"/>
+            <a:tileRect/>
+          </a:gradFill>
+          <a:ln w="19050"/>
+        </p:spPr>
+        <p:style>
+          <a:lnRef idx="2">
+            <a:schemeClr val="accent1"/>
+          </a:lnRef>
+          <a:fillRef idx="1">
+            <a:schemeClr val="lt1"/>
+          </a:fillRef>
+          <a:effectRef idx="0">
+            <a:schemeClr val="accent1"/>
+          </a:effectRef>
+          <a:fontRef idx="minor">
+            <a:schemeClr val="dk1"/>
+          </a:fontRef>
+        </p:style>
+        <p:txBody>
+          <a:bodyPr lIns="124733" tIns="62367" rIns="124733" bIns="62367" rtlCol="0" anchor="ctr"/>
+          <a:lstStyle/>
+          <a:p>
+            <a:pPr algn="ctr"/>
+            <a:r>
+              <a:rPr lang="ru-RU" sz="700" dirty="0"/>
+              <a:t>Экспорт каучука в США </a:t>
+            </a:r>
+            <a:r>
+              <a:rPr lang="ru-RU" sz="300" dirty="0"/>
+              <a:t>(- американцы готовы закупать в Никарагуа каучук и манильскую </a:t>
+            </a:r>
+            <a:r>
+              <a:rPr lang="ru-RU" sz="300" dirty="0" err="1"/>
+              <a:t>пень¬ку</a:t>
+            </a:r>
+            <a:r>
+              <a:rPr lang="ru-RU" sz="300" dirty="0"/>
+              <a:t> (товары явно военного назначения);)</a:t>
+            </a:r>
+            <a:endParaRPr lang="ru-RU" sz="400" dirty="0"/>
+          </a:p>
+        </p:txBody>
+      </p:sp>
+      <p:sp>
+        <p:nvSpPr>
+          <p:cNvPr id="100" name="Прямоугольник 99">
+            <a:extLst>
+              <a:ext uri="{FF2B5EF4-FFF2-40B4-BE49-F238E27FC236}">
+                <a16:creationId xmlns:a16="http://schemas.microsoft.com/office/drawing/2014/main" id="{8B70D98A-AAC5-4F3D-938D-F15D11AC9F90}"/>
+              </a:ext>
+            </a:extLst>
+          </p:cNvPr>
+          <p:cNvSpPr/>
+          <p:nvPr/>
+        </p:nvSpPr>
+        <p:spPr>
+          <a:xfrm>
+            <a:off x="4426568" y="9950031"/>
+            <a:ext cx="926325" cy="540000"/>
+          </a:xfrm>
+          <a:prstGeom prst="rect">
+            <a:avLst/>
+          </a:prstGeom>
+          <a:gradFill flip="none" rotWithShape="1">
+            <a:gsLst>
+              <a:gs pos="0">
+                <a:schemeClr val="accent1">
+                  <a:lumMod val="75000"/>
+                </a:schemeClr>
+              </a:gs>
+              <a:gs pos="100000">
+                <a:schemeClr val="bg1">
+                  <a:lumMod val="50000"/>
+                </a:schemeClr>
+              </a:gs>
+            </a:gsLst>
+            <a:lin ang="5400000" scaled="1"/>
+            <a:tileRect/>
+          </a:gradFill>
+          <a:ln w="19050"/>
+        </p:spPr>
+        <p:style>
+          <a:lnRef idx="2">
+            <a:schemeClr val="accent1"/>
+          </a:lnRef>
+          <a:fillRef idx="1">
+            <a:schemeClr val="lt1"/>
+          </a:fillRef>
+          <a:effectRef idx="0">
+            <a:schemeClr val="accent1"/>
+          </a:effectRef>
+          <a:fontRef idx="minor">
+            <a:schemeClr val="dk1"/>
+          </a:fontRef>
+        </p:style>
+        <p:txBody>
+          <a:bodyPr lIns="124733" tIns="62367" rIns="124733" bIns="62367" rtlCol="0" anchor="ctr"/>
+          <a:lstStyle/>
+          <a:p>
+            <a:pPr algn="ctr"/>
+            <a:r>
+              <a:rPr lang="ru-RU" sz="700" dirty="0"/>
+              <a:t>Военные советники для академий </a:t>
+            </a:r>
+            <a:r>
+              <a:rPr lang="ru-RU" sz="300" dirty="0"/>
+              <a:t>(- Рузвельт обещает подобрать директоров для военной академии и авиационного училища)</a:t>
+            </a:r>
+            <a:endParaRPr lang="ru-RU" sz="400" dirty="0"/>
+          </a:p>
+        </p:txBody>
+      </p:sp>
+      <p:sp>
+        <p:nvSpPr>
+          <p:cNvPr id="101" name="Прямоугольник 100">
+            <a:extLst>
+              <a:ext uri="{FF2B5EF4-FFF2-40B4-BE49-F238E27FC236}">
+                <a16:creationId xmlns:a16="http://schemas.microsoft.com/office/drawing/2014/main" id="{F402EBBD-5722-48B1-9BBA-587E5C4DFB4D}"/>
+              </a:ext>
+            </a:extLst>
+          </p:cNvPr>
+          <p:cNvSpPr/>
+          <p:nvPr/>
+        </p:nvSpPr>
+        <p:spPr>
+          <a:xfrm>
+            <a:off x="5813475" y="9947945"/>
+            <a:ext cx="926325" cy="540000"/>
+          </a:xfrm>
+          <a:prstGeom prst="rect">
+            <a:avLst/>
+          </a:prstGeom>
+          <a:gradFill flip="none" rotWithShape="1">
+            <a:gsLst>
+              <a:gs pos="0">
+                <a:schemeClr val="accent1">
+                  <a:lumMod val="75000"/>
+                </a:schemeClr>
+              </a:gs>
+              <a:gs pos="100000">
+                <a:schemeClr val="bg1">
+                  <a:lumMod val="50000"/>
+                </a:schemeClr>
+              </a:gs>
+            </a:gsLst>
+            <a:lin ang="5400000" scaled="1"/>
+            <a:tileRect/>
+          </a:gradFill>
+          <a:ln w="19050"/>
+        </p:spPr>
+        <p:style>
+          <a:lnRef idx="2">
+            <a:schemeClr val="accent1"/>
+          </a:lnRef>
+          <a:fillRef idx="1">
+            <a:schemeClr val="lt1"/>
+          </a:fillRef>
+          <a:effectRef idx="0">
+            <a:schemeClr val="accent1"/>
+          </a:effectRef>
+          <a:fontRef idx="minor">
+            <a:schemeClr val="dk1"/>
+          </a:fontRef>
+        </p:style>
+        <p:txBody>
+          <a:bodyPr lIns="124733" tIns="62367" rIns="124733" bIns="62367" rtlCol="0" anchor="ctr"/>
+          <a:lstStyle/>
+          <a:p>
+            <a:pPr algn="ctr"/>
+            <a:r>
+              <a:rPr lang="ru-RU" sz="700" dirty="0"/>
+              <a:t>Проект углубления реки Сан-Хуан </a:t>
+            </a:r>
+            <a:r>
+              <a:rPr lang="ru-RU" sz="200" dirty="0"/>
+              <a:t>(- инженерной службе армии США будет дано поручение оценить </a:t>
+            </a:r>
+            <a:r>
+              <a:rPr lang="ru-RU" sz="200" dirty="0" err="1"/>
+              <a:t>про¬ект</a:t>
+            </a:r>
+            <a:r>
+              <a:rPr lang="ru-RU" sz="200" dirty="0"/>
+              <a:t> углубления реки Сан-Хуан, с тем, чтобы она могла принимать </a:t>
+            </a:r>
+            <a:r>
+              <a:rPr lang="ru-RU" sz="200" dirty="0" err="1"/>
+              <a:t>ко¬рабли</a:t>
+            </a:r>
+            <a:r>
+              <a:rPr lang="ru-RU" sz="200" dirty="0"/>
+              <a:t> крупного водоизмещения (река Сан-Хуан рассматривалась как часть будущего трансокеанского канала) ;</a:t>
+            </a:r>
+            <a:endParaRPr lang="ru-RU" sz="400" dirty="0"/>
+          </a:p>
+        </p:txBody>
+      </p:sp>
+      <p:sp>
+        <p:nvSpPr>
+          <p:cNvPr id="102" name="Прямоугольник 101">
+            <a:extLst>
+              <a:ext uri="{FF2B5EF4-FFF2-40B4-BE49-F238E27FC236}">
+                <a16:creationId xmlns:a16="http://schemas.microsoft.com/office/drawing/2014/main" id="{62E65D83-9718-4B14-AFE2-F1D04B420F81}"/>
+              </a:ext>
+            </a:extLst>
+          </p:cNvPr>
+          <p:cNvSpPr/>
+          <p:nvPr/>
+        </p:nvSpPr>
+        <p:spPr>
+          <a:xfrm>
+            <a:off x="7208129" y="9944843"/>
+            <a:ext cx="926325" cy="540000"/>
+          </a:xfrm>
+          <a:prstGeom prst="rect">
+            <a:avLst/>
+          </a:prstGeom>
+          <a:gradFill flip="none" rotWithShape="1">
+            <a:gsLst>
+              <a:gs pos="0">
+                <a:schemeClr val="accent1">
+                  <a:lumMod val="75000"/>
+                </a:schemeClr>
+              </a:gs>
+              <a:gs pos="100000">
+                <a:schemeClr val="bg1">
+                  <a:lumMod val="50000"/>
+                </a:schemeClr>
+              </a:gs>
+            </a:gsLst>
+            <a:lin ang="5400000" scaled="1"/>
+            <a:tileRect/>
+          </a:gradFill>
+          <a:ln w="19050"/>
+        </p:spPr>
+        <p:style>
+          <a:lnRef idx="2">
+            <a:schemeClr val="accent1"/>
+          </a:lnRef>
+          <a:fillRef idx="1">
+            <a:schemeClr val="lt1"/>
+          </a:fillRef>
+          <a:effectRef idx="0">
+            <a:schemeClr val="accent1"/>
+          </a:effectRef>
+          <a:fontRef idx="minor">
+            <a:schemeClr val="dk1"/>
+          </a:fontRef>
+        </p:style>
+        <p:txBody>
+          <a:bodyPr lIns="124733" tIns="62367" rIns="124733" bIns="62367" rtlCol="0" anchor="ctr"/>
+          <a:lstStyle/>
+          <a:p>
+            <a:pPr algn="ctr"/>
+            <a:r>
+              <a:rPr lang="ru-RU" sz="700" dirty="0"/>
+              <a:t>Строительства Панамериканского шоссе в Никарагуа </a:t>
+            </a:r>
+            <a:r>
+              <a:rPr lang="ru-RU" sz="200" dirty="0"/>
+              <a:t>(- США готовы оказать инженерную и финансовую поддержку </a:t>
+            </a:r>
+            <a:r>
+              <a:rPr lang="ru-RU" sz="200" dirty="0" err="1"/>
+              <a:t>строи¬тельству</a:t>
+            </a:r>
+            <a:r>
+              <a:rPr lang="ru-RU" sz="200" dirty="0"/>
+              <a:t> участка Панамериканского шоссе в Никарагуа;)</a:t>
+            </a:r>
+            <a:endParaRPr lang="ru-RU" sz="400" dirty="0"/>
+          </a:p>
+        </p:txBody>
+      </p:sp>
+      <p:sp>
+        <p:nvSpPr>
+          <p:cNvPr id="103" name="Прямоугольник 102">
+            <a:extLst>
+              <a:ext uri="{FF2B5EF4-FFF2-40B4-BE49-F238E27FC236}">
+                <a16:creationId xmlns:a16="http://schemas.microsoft.com/office/drawing/2014/main" id="{C6BDA37E-3E81-4B99-A54A-C631250D3A33}"/>
+              </a:ext>
+            </a:extLst>
+          </p:cNvPr>
+          <p:cNvSpPr/>
+          <p:nvPr/>
+        </p:nvSpPr>
+        <p:spPr>
+          <a:xfrm>
+            <a:off x="6515040" y="10750105"/>
+            <a:ext cx="926325" cy="540000"/>
+          </a:xfrm>
+          <a:prstGeom prst="rect">
+            <a:avLst/>
+          </a:prstGeom>
+          <a:gradFill flip="none" rotWithShape="1">
+            <a:gsLst>
+              <a:gs pos="0">
+                <a:schemeClr val="accent1">
+                  <a:lumMod val="75000"/>
+                </a:schemeClr>
+              </a:gs>
+              <a:gs pos="100000">
+                <a:schemeClr val="bg1">
+                  <a:lumMod val="50000"/>
+                </a:schemeClr>
+              </a:gs>
+            </a:gsLst>
+            <a:lin ang="5400000" scaled="1"/>
+            <a:tileRect/>
+          </a:gradFill>
+          <a:ln w="19050"/>
+        </p:spPr>
+        <p:style>
+          <a:lnRef idx="2">
+            <a:schemeClr val="accent1"/>
+          </a:lnRef>
+          <a:fillRef idx="1">
+            <a:schemeClr val="lt1"/>
+          </a:fillRef>
+          <a:effectRef idx="0">
+            <a:schemeClr val="accent1"/>
+          </a:effectRef>
+          <a:fontRef idx="minor">
+            <a:schemeClr val="dk1"/>
+          </a:fontRef>
+        </p:style>
+        <p:txBody>
+          <a:bodyPr lIns="124733" tIns="62367" rIns="124733" bIns="62367" rtlCol="0" anchor="ctr"/>
+          <a:lstStyle/>
+          <a:p>
+            <a:pPr algn="ctr"/>
+            <a:r>
+              <a:rPr lang="ru-RU" sz="700" dirty="0"/>
+              <a:t>Совместное строительства Никарагуанского канала (</a:t>
+            </a:r>
+            <a:r>
+              <a:rPr lang="ru-RU" sz="400" dirty="0"/>
+              <a:t>(нужен союзник, или США должны потерять влияние на Панаму))</a:t>
+            </a:r>
+          </a:p>
+        </p:txBody>
+      </p:sp>
+      <p:sp>
+        <p:nvSpPr>
+          <p:cNvPr id="112" name="Прямоугольник 111">
+            <a:extLst>
+              <a:ext uri="{FF2B5EF4-FFF2-40B4-BE49-F238E27FC236}">
+                <a16:creationId xmlns:a16="http://schemas.microsoft.com/office/drawing/2014/main" id="{9B5A9C46-C31A-401D-9EBF-78AE38F570DF}"/>
+              </a:ext>
+            </a:extLst>
+          </p:cNvPr>
+          <p:cNvSpPr/>
+          <p:nvPr/>
+        </p:nvSpPr>
+        <p:spPr>
+          <a:xfrm>
+            <a:off x="4429149" y="10758455"/>
+            <a:ext cx="926325" cy="540000"/>
+          </a:xfrm>
+          <a:prstGeom prst="rect">
+            <a:avLst/>
+          </a:prstGeom>
+          <a:gradFill flip="none" rotWithShape="1">
+            <a:gsLst>
+              <a:gs pos="0">
+                <a:schemeClr val="accent1">
+                  <a:lumMod val="75000"/>
+                </a:schemeClr>
+              </a:gs>
+              <a:gs pos="100000">
+                <a:schemeClr val="bg1">
+                  <a:lumMod val="50000"/>
+                </a:schemeClr>
+              </a:gs>
+            </a:gsLst>
+            <a:lin ang="5400000" scaled="1"/>
+            <a:tileRect/>
+          </a:gradFill>
+          <a:ln w="19050"/>
+        </p:spPr>
+        <p:style>
+          <a:lnRef idx="2">
+            <a:schemeClr val="accent1"/>
+          </a:lnRef>
+          <a:fillRef idx="1">
+            <a:schemeClr val="lt1"/>
+          </a:fillRef>
+          <a:effectRef idx="0">
+            <a:schemeClr val="accent1"/>
+          </a:effectRef>
+          <a:fontRef idx="minor">
+            <a:schemeClr val="dk1"/>
+          </a:fontRef>
+        </p:style>
+        <p:txBody>
+          <a:bodyPr lIns="124733" tIns="62367" rIns="124733" bIns="62367" rtlCol="0" anchor="ctr"/>
+          <a:lstStyle/>
+          <a:p>
+            <a:pPr algn="ctr"/>
+            <a:r>
+              <a:rPr lang="ru-RU" sz="700" dirty="0"/>
+              <a:t>Присоединиться к странам антигитлеровской коалиции </a:t>
+            </a:r>
+            <a:r>
+              <a:rPr lang="ru-RU" sz="300" dirty="0"/>
+              <a:t>(8 декабря 1941 Никарагуа присоединилась к странам Антигитлеровской коалиции)</a:t>
+            </a:r>
+            <a:endParaRPr lang="ru-RU" sz="500" dirty="0"/>
+          </a:p>
+        </p:txBody>
+      </p:sp>
+      <p:cxnSp>
+        <p:nvCxnSpPr>
+          <p:cNvPr id="117" name="Соединительная линия уступом 903">
+            <a:extLst>
+              <a:ext uri="{FF2B5EF4-FFF2-40B4-BE49-F238E27FC236}">
+                <a16:creationId xmlns:a16="http://schemas.microsoft.com/office/drawing/2014/main" id="{7F550792-EE6C-4B6F-B826-22E45DB79321}"/>
+              </a:ext>
+            </a:extLst>
+          </p:cNvPr>
+          <p:cNvCxnSpPr>
+            <a:cxnSpLocks/>
+            <a:stCxn id="55" idx="2"/>
+            <a:endCxn id="97" idx="0"/>
+          </p:cNvCxnSpPr>
+          <p:nvPr/>
+        </p:nvCxnSpPr>
+        <p:spPr>
+          <a:xfrm rot="16200000" flipH="1">
+            <a:off x="4416421" y="6490388"/>
+            <a:ext cx="257045" cy="3473715"/>
+          </a:xfrm>
+          <a:prstGeom prst="bentConnector3">
+            <a:avLst>
+              <a:gd name="adj1" fmla="val 50000"/>
+            </a:avLst>
+          </a:prstGeom>
+          <a:ln w="19050">
+            <a:prstDash val="dash"/>
+            <a:tailEnd type="arrow"/>
+          </a:ln>
+        </p:spPr>
+        <p:style>
+          <a:lnRef idx="1">
+            <a:schemeClr val="accent1"/>
+          </a:lnRef>
+          <a:fillRef idx="0">
+            <a:schemeClr val="accent1"/>
+          </a:fillRef>
+          <a:effectRef idx="0">
+            <a:schemeClr val="accent1"/>
+          </a:effectRef>
+          <a:fontRef idx="minor">
+            <a:schemeClr val="tx1"/>
+          </a:fontRef>
+        </p:style>
+      </p:cxnSp>
+      <p:cxnSp>
+        <p:nvCxnSpPr>
+          <p:cNvPr id="120" name="Соединительная линия уступом 903">
+            <a:extLst>
+              <a:ext uri="{FF2B5EF4-FFF2-40B4-BE49-F238E27FC236}">
+                <a16:creationId xmlns:a16="http://schemas.microsoft.com/office/drawing/2014/main" id="{42BA63A1-F902-44BD-AEC4-6A00A7DD5215}"/>
+              </a:ext>
+            </a:extLst>
+          </p:cNvPr>
+          <p:cNvCxnSpPr>
+            <a:cxnSpLocks/>
+            <a:stCxn id="56" idx="2"/>
+            <a:endCxn id="97" idx="0"/>
+          </p:cNvCxnSpPr>
+          <p:nvPr/>
+        </p:nvCxnSpPr>
+        <p:spPr>
+          <a:xfrm rot="5400000">
+            <a:off x="7892435" y="6488091"/>
+            <a:ext cx="257045" cy="3478311"/>
+          </a:xfrm>
+          <a:prstGeom prst="bentConnector3">
+            <a:avLst>
+              <a:gd name="adj1" fmla="val 50000"/>
+            </a:avLst>
+          </a:prstGeom>
+          <a:ln w="19050">
+            <a:prstDash val="dash"/>
+            <a:tailEnd type="arrow"/>
+          </a:ln>
+        </p:spPr>
+        <p:style>
+          <a:lnRef idx="1">
+            <a:schemeClr val="accent1"/>
+          </a:lnRef>
+          <a:fillRef idx="0">
+            <a:schemeClr val="accent1"/>
+          </a:fillRef>
+          <a:effectRef idx="0">
+            <a:schemeClr val="accent1"/>
+          </a:effectRef>
+          <a:fontRef idx="minor">
+            <a:schemeClr val="tx1"/>
+          </a:fontRef>
+        </p:style>
+      </p:cxnSp>
+      <p:cxnSp>
+        <p:nvCxnSpPr>
+          <p:cNvPr id="123" name="Соединительная линия уступом 903">
+            <a:extLst>
+              <a:ext uri="{FF2B5EF4-FFF2-40B4-BE49-F238E27FC236}">
+                <a16:creationId xmlns:a16="http://schemas.microsoft.com/office/drawing/2014/main" id="{52CF7390-DEEA-4782-9037-6AAA2FAB1267}"/>
+              </a:ext>
+            </a:extLst>
+          </p:cNvPr>
+          <p:cNvCxnSpPr>
+            <a:cxnSpLocks/>
+            <a:stCxn id="97" idx="2"/>
+            <a:endCxn id="98" idx="0"/>
+          </p:cNvCxnSpPr>
+          <p:nvPr/>
+        </p:nvCxnSpPr>
+        <p:spPr>
+          <a:xfrm rot="5400000">
+            <a:off x="5804957" y="8675969"/>
+            <a:ext cx="257044" cy="696644"/>
+          </a:xfrm>
+          <a:prstGeom prst="bentConnector3">
+            <a:avLst>
+              <a:gd name="adj1" fmla="val 50000"/>
+            </a:avLst>
+          </a:prstGeom>
+          <a:ln w="19050">
+            <a:tailEnd type="arrow"/>
+          </a:ln>
+        </p:spPr>
+        <p:style>
+          <a:lnRef idx="1">
+            <a:schemeClr val="accent1"/>
+          </a:lnRef>
+          <a:fillRef idx="0">
+            <a:schemeClr val="accent1"/>
+          </a:fillRef>
+          <a:effectRef idx="0">
+            <a:schemeClr val="accent1"/>
+          </a:effectRef>
+          <a:fontRef idx="minor">
+            <a:schemeClr val="tx1"/>
+          </a:fontRef>
+        </p:style>
+      </p:cxnSp>
+      <p:cxnSp>
+        <p:nvCxnSpPr>
+          <p:cNvPr id="128" name="Соединительная линия уступом 903">
+            <a:extLst>
+              <a:ext uri="{FF2B5EF4-FFF2-40B4-BE49-F238E27FC236}">
+                <a16:creationId xmlns:a16="http://schemas.microsoft.com/office/drawing/2014/main" id="{7A113AE3-4577-430A-BA26-EF4235023FFA}"/>
+              </a:ext>
+            </a:extLst>
+          </p:cNvPr>
+          <p:cNvCxnSpPr>
+            <a:cxnSpLocks/>
+            <a:stCxn id="97" idx="2"/>
+            <a:endCxn id="99" idx="0"/>
+          </p:cNvCxnSpPr>
+          <p:nvPr/>
+        </p:nvCxnSpPr>
+        <p:spPr>
+          <a:xfrm rot="16200000" flipH="1">
+            <a:off x="6502734" y="8674836"/>
+            <a:ext cx="254537" cy="696402"/>
+          </a:xfrm>
+          <a:prstGeom prst="bentConnector3">
+            <a:avLst>
+              <a:gd name="adj1" fmla="val 50000"/>
+            </a:avLst>
+          </a:prstGeom>
+          <a:ln w="19050">
+            <a:tailEnd type="arrow"/>
+          </a:ln>
+        </p:spPr>
+        <p:style>
+          <a:lnRef idx="1">
+            <a:schemeClr val="accent1"/>
+          </a:lnRef>
+          <a:fillRef idx="0">
+            <a:schemeClr val="accent1"/>
+          </a:fillRef>
+          <a:effectRef idx="0">
+            <a:schemeClr val="accent1"/>
+          </a:effectRef>
+          <a:fontRef idx="minor">
+            <a:schemeClr val="tx1"/>
+          </a:fontRef>
+        </p:style>
+      </p:cxnSp>
+      <p:cxnSp>
+        <p:nvCxnSpPr>
+          <p:cNvPr id="131" name="Соединительная линия уступом 903">
+            <a:extLst>
+              <a:ext uri="{FF2B5EF4-FFF2-40B4-BE49-F238E27FC236}">
+                <a16:creationId xmlns:a16="http://schemas.microsoft.com/office/drawing/2014/main" id="{40147503-E638-42DF-A929-5C7B9F2B48B1}"/>
+              </a:ext>
+            </a:extLst>
+          </p:cNvPr>
+          <p:cNvCxnSpPr>
+            <a:cxnSpLocks/>
+            <a:stCxn id="98" idx="2"/>
+            <a:endCxn id="100" idx="0"/>
+          </p:cNvCxnSpPr>
+          <p:nvPr/>
+        </p:nvCxnSpPr>
+        <p:spPr>
+          <a:xfrm rot="5400000">
+            <a:off x="5108835" y="9473709"/>
+            <a:ext cx="257218" cy="695426"/>
+          </a:xfrm>
+          <a:prstGeom prst="bentConnector3">
+            <a:avLst>
+              <a:gd name="adj1" fmla="val 50000"/>
+            </a:avLst>
+          </a:prstGeom>
+          <a:ln w="19050">
+            <a:tailEnd type="arrow"/>
+          </a:ln>
+        </p:spPr>
+        <p:style>
+          <a:lnRef idx="1">
+            <a:schemeClr val="accent1"/>
+          </a:lnRef>
+          <a:fillRef idx="0">
+            <a:schemeClr val="accent1"/>
+          </a:fillRef>
+          <a:effectRef idx="0">
+            <a:schemeClr val="accent1"/>
+          </a:effectRef>
+          <a:fontRef idx="minor">
+            <a:schemeClr val="tx1"/>
+          </a:fontRef>
+        </p:style>
+      </p:cxnSp>
+      <p:cxnSp>
+        <p:nvCxnSpPr>
+          <p:cNvPr id="134" name="Соединительная линия уступом 903">
+            <a:extLst>
+              <a:ext uri="{FF2B5EF4-FFF2-40B4-BE49-F238E27FC236}">
+                <a16:creationId xmlns:a16="http://schemas.microsoft.com/office/drawing/2014/main" id="{B109EAAA-04CC-455A-9A24-9F6792FBCCC4}"/>
+              </a:ext>
+            </a:extLst>
+          </p:cNvPr>
+          <p:cNvCxnSpPr>
+            <a:cxnSpLocks/>
+            <a:stCxn id="102" idx="2"/>
+            <a:endCxn id="103" idx="0"/>
+          </p:cNvCxnSpPr>
+          <p:nvPr/>
+        </p:nvCxnSpPr>
+        <p:spPr>
+          <a:xfrm rot="5400000">
+            <a:off x="7192117" y="10270930"/>
+            <a:ext cx="265262" cy="693089"/>
+          </a:xfrm>
+          <a:prstGeom prst="bentConnector3">
+            <a:avLst>
+              <a:gd name="adj1" fmla="val 50000"/>
+            </a:avLst>
+          </a:prstGeom>
+          <a:ln w="19050">
+            <a:tailEnd type="arrow"/>
+          </a:ln>
+        </p:spPr>
+        <p:style>
+          <a:lnRef idx="1">
+            <a:schemeClr val="accent1"/>
+          </a:lnRef>
+          <a:fillRef idx="0">
+            <a:schemeClr val="accent1"/>
+          </a:fillRef>
+          <a:effectRef idx="0">
+            <a:schemeClr val="accent1"/>
+          </a:effectRef>
+          <a:fontRef idx="minor">
+            <a:schemeClr val="tx1"/>
+          </a:fontRef>
+        </p:style>
+      </p:cxnSp>
+      <p:cxnSp>
+        <p:nvCxnSpPr>
+          <p:cNvPr id="138" name="Соединительная линия уступом 903">
+            <a:extLst>
+              <a:ext uri="{FF2B5EF4-FFF2-40B4-BE49-F238E27FC236}">
+                <a16:creationId xmlns:a16="http://schemas.microsoft.com/office/drawing/2014/main" id="{BB75BD33-58E7-4B2D-9AE8-736000AF5996}"/>
+              </a:ext>
+            </a:extLst>
+          </p:cNvPr>
+          <p:cNvCxnSpPr>
+            <a:cxnSpLocks/>
+            <a:stCxn id="101" idx="2"/>
+            <a:endCxn id="103" idx="0"/>
+          </p:cNvCxnSpPr>
+          <p:nvPr/>
+        </p:nvCxnSpPr>
+        <p:spPr>
+          <a:xfrm rot="16200000" flipH="1">
+            <a:off x="6496340" y="10268242"/>
+            <a:ext cx="262160" cy="701565"/>
+          </a:xfrm>
+          <a:prstGeom prst="bentConnector3">
+            <a:avLst>
+              <a:gd name="adj1" fmla="val 50000"/>
+            </a:avLst>
+          </a:prstGeom>
+          <a:ln w="19050">
+            <a:tailEnd type="arrow"/>
+          </a:ln>
+        </p:spPr>
+        <p:style>
+          <a:lnRef idx="1">
+            <a:schemeClr val="accent1"/>
+          </a:lnRef>
+          <a:fillRef idx="0">
+            <a:schemeClr val="accent1"/>
+          </a:fillRef>
+          <a:effectRef idx="0">
+            <a:schemeClr val="accent1"/>
+          </a:effectRef>
+          <a:fontRef idx="minor">
+            <a:schemeClr val="tx1"/>
+          </a:fontRef>
+        </p:style>
+      </p:cxnSp>
+      <p:cxnSp>
+        <p:nvCxnSpPr>
+          <p:cNvPr id="141" name="Прямая со стрелкой 140">
+            <a:extLst>
+              <a:ext uri="{FF2B5EF4-FFF2-40B4-BE49-F238E27FC236}">
+                <a16:creationId xmlns:a16="http://schemas.microsoft.com/office/drawing/2014/main" id="{F0204958-F3C4-46F5-A7B8-B2E525B442E3}"/>
+              </a:ext>
+            </a:extLst>
+          </p:cNvPr>
+          <p:cNvCxnSpPr>
+            <a:cxnSpLocks/>
+            <a:stCxn id="100" idx="2"/>
+            <a:endCxn id="112" idx="0"/>
+          </p:cNvCxnSpPr>
+          <p:nvPr/>
+        </p:nvCxnSpPr>
+        <p:spPr>
+          <a:xfrm>
+            <a:off x="4889731" y="10490031"/>
+            <a:ext cx="2581" cy="268424"/>
+          </a:xfrm>
+          <a:prstGeom prst="straightConnector1">
+            <a:avLst/>
+          </a:prstGeom>
+          <a:ln w="19050">
+            <a:tailEnd type="arrow"/>
+          </a:ln>
+        </p:spPr>
+        <p:style>
+          <a:lnRef idx="1">
+            <a:schemeClr val="accent1"/>
+          </a:lnRef>
+          <a:fillRef idx="0">
+            <a:schemeClr val="accent1"/>
+          </a:fillRef>
+          <a:effectRef idx="0">
+            <a:schemeClr val="accent1"/>
+          </a:effectRef>
+          <a:fontRef idx="minor">
+            <a:schemeClr val="tx1"/>
+          </a:fontRef>
+        </p:style>
+      </p:cxnSp>
+      <p:cxnSp>
+        <p:nvCxnSpPr>
+          <p:cNvPr id="144" name="Соединительная линия уступом 903">
+            <a:extLst>
+              <a:ext uri="{FF2B5EF4-FFF2-40B4-BE49-F238E27FC236}">
+                <a16:creationId xmlns:a16="http://schemas.microsoft.com/office/drawing/2014/main" id="{5C748310-8A24-4A37-94AD-69E898DBB5BF}"/>
+              </a:ext>
+            </a:extLst>
+          </p:cNvPr>
+          <p:cNvCxnSpPr>
+            <a:cxnSpLocks/>
+            <a:stCxn id="98" idx="2"/>
+            <a:endCxn id="101" idx="0"/>
+          </p:cNvCxnSpPr>
+          <p:nvPr/>
+        </p:nvCxnSpPr>
+        <p:spPr>
+          <a:xfrm rot="16200000" flipH="1">
+            <a:off x="5803331" y="9474638"/>
+            <a:ext cx="255132" cy="691481"/>
+          </a:xfrm>
+          <a:prstGeom prst="bentConnector3">
+            <a:avLst>
+              <a:gd name="adj1" fmla="val 50000"/>
+            </a:avLst>
+          </a:prstGeom>
+          <a:ln w="19050">
+            <a:prstDash val="dash"/>
+            <a:tailEnd type="arrow"/>
+          </a:ln>
+        </p:spPr>
+        <p:style>
+          <a:lnRef idx="1">
+            <a:schemeClr val="accent1"/>
+          </a:lnRef>
+          <a:fillRef idx="0">
+            <a:schemeClr val="accent1"/>
+          </a:fillRef>
+          <a:effectRef idx="0">
+            <a:schemeClr val="accent1"/>
+          </a:effectRef>
+          <a:fontRef idx="minor">
+            <a:schemeClr val="tx1"/>
+          </a:fontRef>
+        </p:style>
+      </p:cxnSp>
+      <p:cxnSp>
+        <p:nvCxnSpPr>
+          <p:cNvPr id="147" name="Соединительная линия уступом 903">
+            <a:extLst>
+              <a:ext uri="{FF2B5EF4-FFF2-40B4-BE49-F238E27FC236}">
+                <a16:creationId xmlns:a16="http://schemas.microsoft.com/office/drawing/2014/main" id="{6247459E-8D36-4B32-A142-C426692F0DC9}"/>
+              </a:ext>
+            </a:extLst>
+          </p:cNvPr>
+          <p:cNvCxnSpPr>
+            <a:cxnSpLocks/>
+            <a:stCxn id="99" idx="2"/>
+            <a:endCxn id="101" idx="0"/>
+          </p:cNvCxnSpPr>
+          <p:nvPr/>
+        </p:nvCxnSpPr>
+        <p:spPr>
+          <a:xfrm rot="5400000">
+            <a:off x="6498602" y="9468343"/>
+            <a:ext cx="257639" cy="701565"/>
+          </a:xfrm>
+          <a:prstGeom prst="bentConnector3">
+            <a:avLst>
+              <a:gd name="adj1" fmla="val 50000"/>
+            </a:avLst>
+          </a:prstGeom>
+          <a:ln w="19050">
+            <a:prstDash val="dash"/>
+            <a:tailEnd type="arrow"/>
+          </a:ln>
+        </p:spPr>
+        <p:style>
+          <a:lnRef idx="1">
+            <a:schemeClr val="accent1"/>
+          </a:lnRef>
+          <a:fillRef idx="0">
+            <a:schemeClr val="accent1"/>
+          </a:fillRef>
+          <a:effectRef idx="0">
+            <a:schemeClr val="accent1"/>
+          </a:effectRef>
+          <a:fontRef idx="minor">
+            <a:schemeClr val="tx1"/>
+          </a:fontRef>
+        </p:style>
+      </p:cxnSp>
+      <p:cxnSp>
+        <p:nvCxnSpPr>
+          <p:cNvPr id="150" name="Соединительная линия уступом 903">
+            <a:extLst>
+              <a:ext uri="{FF2B5EF4-FFF2-40B4-BE49-F238E27FC236}">
+                <a16:creationId xmlns:a16="http://schemas.microsoft.com/office/drawing/2014/main" id="{B5229C84-1524-4F6C-8C6B-E4AA146420CD}"/>
+              </a:ext>
+            </a:extLst>
+          </p:cNvPr>
+          <p:cNvCxnSpPr>
+            <a:cxnSpLocks/>
+            <a:stCxn id="98" idx="2"/>
+            <a:endCxn id="102" idx="0"/>
+          </p:cNvCxnSpPr>
+          <p:nvPr/>
+        </p:nvCxnSpPr>
+        <p:spPr>
+          <a:xfrm rot="16200000" flipH="1">
+            <a:off x="6502209" y="8775760"/>
+            <a:ext cx="252030" cy="2086135"/>
+          </a:xfrm>
+          <a:prstGeom prst="bentConnector3">
+            <a:avLst>
+              <a:gd name="adj1" fmla="val 50000"/>
+            </a:avLst>
+          </a:prstGeom>
+          <a:ln w="19050">
+            <a:prstDash val="dash"/>
+            <a:tailEnd type="arrow"/>
+          </a:ln>
+        </p:spPr>
+        <p:style>
+          <a:lnRef idx="1">
+            <a:schemeClr val="accent1"/>
+          </a:lnRef>
+          <a:fillRef idx="0">
+            <a:schemeClr val="accent1"/>
+          </a:fillRef>
+          <a:effectRef idx="0">
+            <a:schemeClr val="accent1"/>
+          </a:effectRef>
+          <a:fontRef idx="minor">
+            <a:schemeClr val="tx1"/>
+          </a:fontRef>
+        </p:style>
+      </p:cxnSp>
+      <p:cxnSp>
+        <p:nvCxnSpPr>
+          <p:cNvPr id="153" name="Соединительная линия уступом 903">
+            <a:extLst>
+              <a:ext uri="{FF2B5EF4-FFF2-40B4-BE49-F238E27FC236}">
+                <a16:creationId xmlns:a16="http://schemas.microsoft.com/office/drawing/2014/main" id="{2D2CC445-D083-4638-B348-AE346D452DE8}"/>
+              </a:ext>
+            </a:extLst>
+          </p:cNvPr>
+          <p:cNvCxnSpPr>
+            <a:cxnSpLocks/>
+            <a:stCxn id="99" idx="2"/>
+            <a:endCxn id="102" idx="0"/>
+          </p:cNvCxnSpPr>
+          <p:nvPr/>
+        </p:nvCxnSpPr>
+        <p:spPr>
+          <a:xfrm rot="16200000" flipH="1">
+            <a:off x="7197479" y="9471029"/>
+            <a:ext cx="254537" cy="693089"/>
+          </a:xfrm>
+          <a:prstGeom prst="bentConnector3">
+            <a:avLst>
+              <a:gd name="adj1" fmla="val 50000"/>
+            </a:avLst>
+          </a:prstGeom>
+          <a:ln w="19050">
+            <a:prstDash val="dash"/>
+            <a:tailEnd type="arrow"/>
+          </a:ln>
+        </p:spPr>
+        <p:style>
+          <a:lnRef idx="1">
+            <a:schemeClr val="accent1"/>
+          </a:lnRef>
+          <a:fillRef idx="0">
+            <a:schemeClr val="accent1"/>
+          </a:fillRef>
+          <a:effectRef idx="0">
+            <a:schemeClr val="accent1"/>
+          </a:effectRef>
+          <a:fontRef idx="minor">
+            <a:schemeClr val="tx1"/>
+          </a:fontRef>
+        </p:style>
+      </p:cxnSp>
+      <p:sp>
+        <p:nvSpPr>
+          <p:cNvPr id="156" name="Прямоугольник 155">
+            <a:extLst>
+              <a:ext uri="{FF2B5EF4-FFF2-40B4-BE49-F238E27FC236}">
+                <a16:creationId xmlns:a16="http://schemas.microsoft.com/office/drawing/2014/main" id="{70F2E1EB-331E-413E-A7A7-863A2E76F5D1}"/>
+              </a:ext>
+            </a:extLst>
+          </p:cNvPr>
+          <p:cNvSpPr/>
+          <p:nvPr/>
+        </p:nvSpPr>
+        <p:spPr>
+          <a:xfrm>
+            <a:off x="257741" y="10752940"/>
+            <a:ext cx="926325" cy="540000"/>
+          </a:xfrm>
+          <a:prstGeom prst="rect">
+            <a:avLst/>
+          </a:prstGeom>
+          <a:solidFill>
+            <a:schemeClr val="bg1">
+              <a:lumMod val="65000"/>
+            </a:schemeClr>
+          </a:solidFill>
+          <a:ln w="19050"/>
+        </p:spPr>
+        <p:style>
+          <a:lnRef idx="2">
+            <a:schemeClr val="accent1"/>
+          </a:lnRef>
+          <a:fillRef idx="1">
+            <a:schemeClr val="lt1"/>
+          </a:fillRef>
+          <a:effectRef idx="0">
+            <a:schemeClr val="accent1"/>
+          </a:effectRef>
+          <a:fontRef idx="minor">
+            <a:schemeClr val="dk1"/>
+          </a:fontRef>
+        </p:style>
+        <p:txBody>
+          <a:bodyPr lIns="124733" tIns="62367" rIns="124733" bIns="62367" rtlCol="0" anchor="ctr"/>
+          <a:lstStyle/>
+          <a:p>
+            <a:pPr algn="ctr"/>
+            <a:r>
+              <a:rPr lang="ru-RU" sz="700" dirty="0"/>
+              <a:t>Подчинить национальный банк </a:t>
+            </a:r>
+            <a:r>
+              <a:rPr lang="ru-RU" sz="200" dirty="0"/>
+              <a:t>(</a:t>
+            </a:r>
+            <a:r>
+              <a:rPr lang="ru-RU" sz="200" dirty="0" err="1"/>
+              <a:t>Сомосе</a:t>
+            </a:r>
+            <a:r>
+              <a:rPr lang="ru-RU" sz="200" dirty="0"/>
+              <a:t> удалось подчинить правительству Национальный банк, который с 1938 года был зарегистрирован в Манагуа (ранее — в США). Совет директоров банка теперь назначался лично президентом.)</a:t>
+            </a:r>
+            <a:endParaRPr lang="ru-RU" sz="400" dirty="0"/>
+          </a:p>
+        </p:txBody>
+      </p:sp>
+      <p:sp>
+        <p:nvSpPr>
+          <p:cNvPr id="157" name="Прямоугольник 156">
+            <a:extLst>
+              <a:ext uri="{FF2B5EF4-FFF2-40B4-BE49-F238E27FC236}">
+                <a16:creationId xmlns:a16="http://schemas.microsoft.com/office/drawing/2014/main" id="{7B62B550-46D1-4E62-ABB5-B8EF59547B9A}"/>
+              </a:ext>
+            </a:extLst>
+          </p:cNvPr>
+          <p:cNvSpPr/>
+          <p:nvPr/>
+        </p:nvSpPr>
+        <p:spPr>
+          <a:xfrm>
+            <a:off x="257740" y="206894"/>
+            <a:ext cx="926325" cy="540000"/>
+          </a:xfrm>
+          <a:prstGeom prst="rect">
+            <a:avLst/>
+          </a:prstGeom>
+          <a:noFill/>
+          <a:ln w="19050"/>
+        </p:spPr>
+        <p:style>
+          <a:lnRef idx="2">
+            <a:schemeClr val="accent1"/>
+          </a:lnRef>
+          <a:fillRef idx="1">
+            <a:schemeClr val="lt1"/>
+          </a:fillRef>
+          <a:effectRef idx="0">
+            <a:schemeClr val="accent1"/>
+          </a:effectRef>
+          <a:fontRef idx="minor">
+            <a:schemeClr val="dk1"/>
+          </a:fontRef>
+        </p:style>
+        <p:txBody>
+          <a:bodyPr lIns="124733" tIns="62367" rIns="124733" bIns="62367" rtlCol="0" anchor="ctr"/>
+          <a:lstStyle/>
+          <a:p>
+            <a:pPr algn="ctr"/>
+            <a:r>
+              <a:rPr lang="ru-RU" sz="700" dirty="0"/>
+              <a:t>НД Внешний долг перед США </a:t>
+            </a:r>
+            <a:r>
+              <a:rPr lang="ru-RU" sz="200" dirty="0"/>
+              <a:t>(В годы войны экономика Никарагуа наконец-то вышла из кризиса. Однако причина резко поправившегося экономического положения страны </a:t>
+            </a:r>
+            <a:r>
+              <a:rPr lang="ru-RU" sz="200" dirty="0" err="1"/>
+              <a:t>корени¬лась</a:t>
+            </a:r>
+            <a:r>
+              <a:rPr lang="ru-RU" sz="200" dirty="0"/>
+              <a:t> совсем в другом: существенно выросли цены на производимые в </a:t>
+            </a:r>
+            <a:r>
+              <a:rPr lang="ru-RU" sz="200" dirty="0" err="1"/>
+              <a:t>Ника¬рагуа</a:t>
+            </a:r>
+            <a:r>
+              <a:rPr lang="ru-RU" sz="200" dirty="0"/>
+              <a:t> товары, которые охотно закупали американцы. В 1943 году торговый </a:t>
+            </a:r>
+            <a:r>
+              <a:rPr lang="ru-RU" sz="200" dirty="0" err="1"/>
+              <a:t>ба¬ланс</a:t>
+            </a:r>
+            <a:r>
+              <a:rPr lang="ru-RU" sz="200" dirty="0"/>
+              <a:t> Никарагуа стал положительным и был полностью погашен внешний долг (причем часть — раньше срока).)</a:t>
+            </a:r>
+            <a:endParaRPr lang="ru-RU" sz="400" dirty="0"/>
+          </a:p>
+        </p:txBody>
+      </p:sp>
+      <p:sp>
+        <p:nvSpPr>
+          <p:cNvPr id="158" name="Прямоугольник 157">
+            <a:extLst>
+              <a:ext uri="{FF2B5EF4-FFF2-40B4-BE49-F238E27FC236}">
+                <a16:creationId xmlns:a16="http://schemas.microsoft.com/office/drawing/2014/main" id="{39373D37-652A-432A-AF2C-81923E65FD74}"/>
+              </a:ext>
+            </a:extLst>
+          </p:cNvPr>
+          <p:cNvSpPr/>
+          <p:nvPr/>
+        </p:nvSpPr>
+        <p:spPr>
+          <a:xfrm>
+            <a:off x="4429149" y="11532641"/>
+            <a:ext cx="926325" cy="540000"/>
+          </a:xfrm>
+          <a:prstGeom prst="rect">
+            <a:avLst/>
+          </a:prstGeom>
+          <a:gradFill flip="none" rotWithShape="1">
+            <a:gsLst>
+              <a:gs pos="0">
+                <a:schemeClr val="accent1">
+                  <a:lumMod val="75000"/>
+                </a:schemeClr>
+              </a:gs>
+              <a:gs pos="100000">
+                <a:schemeClr val="bg1">
+                  <a:lumMod val="50000"/>
+                </a:schemeClr>
+              </a:gs>
+            </a:gsLst>
+            <a:lin ang="5400000" scaled="1"/>
+            <a:tileRect/>
+          </a:gradFill>
+          <a:ln w="19050"/>
+        </p:spPr>
+        <p:style>
+          <a:lnRef idx="2">
+            <a:schemeClr val="accent1"/>
+          </a:lnRef>
+          <a:fillRef idx="1">
+            <a:schemeClr val="lt1"/>
+          </a:fillRef>
+          <a:effectRef idx="0">
+            <a:schemeClr val="accent1"/>
+          </a:effectRef>
+          <a:fontRef idx="minor">
+            <a:schemeClr val="dk1"/>
+          </a:fontRef>
+        </p:style>
+        <p:txBody>
+          <a:bodyPr lIns="124733" tIns="62367" rIns="124733" bIns="62367" rtlCol="0" anchor="ctr"/>
+          <a:lstStyle/>
+          <a:p>
+            <a:pPr algn="ctr"/>
+            <a:r>
+              <a:rPr lang="ru-RU" sz="700" dirty="0"/>
+              <a:t>Конфискация германского имущества </a:t>
+            </a:r>
+            <a:br>
+              <a:rPr lang="ru-RU" sz="800" dirty="0"/>
+            </a:br>
+            <a:r>
               <a:rPr lang="ru-RU" sz="300" dirty="0"/>
               <a:t>(после чего германская собственность на территории страны (46 кофейных плантаций и 51 скотоводческое хозяйство) была конфискована)</a:t>
             </a:r>
+            <a:endParaRPr lang="ru-RU" sz="500" dirty="0"/>
+          </a:p>
+        </p:txBody>
+      </p:sp>
+      <p:sp>
+        <p:nvSpPr>
+          <p:cNvPr id="162" name="Прямоугольник 161">
+            <a:extLst>
+              <a:ext uri="{FF2B5EF4-FFF2-40B4-BE49-F238E27FC236}">
+                <a16:creationId xmlns:a16="http://schemas.microsoft.com/office/drawing/2014/main" id="{D21D4960-F203-4755-9FED-7CFC800F902A}"/>
+              </a:ext>
+            </a:extLst>
+          </p:cNvPr>
+          <p:cNvSpPr/>
+          <p:nvPr/>
+        </p:nvSpPr>
+        <p:spPr>
+          <a:xfrm>
+            <a:off x="3026887" y="11532641"/>
+            <a:ext cx="926325" cy="540000"/>
+          </a:xfrm>
+          <a:prstGeom prst="rect">
+            <a:avLst/>
+          </a:prstGeom>
+          <a:solidFill>
+            <a:schemeClr val="bg1">
+              <a:lumMod val="65000"/>
+            </a:schemeClr>
+          </a:solidFill>
+          <a:ln w="19050"/>
+        </p:spPr>
+        <p:style>
+          <a:lnRef idx="2">
+            <a:schemeClr val="accent1"/>
+          </a:lnRef>
+          <a:fillRef idx="1">
+            <a:schemeClr val="lt1"/>
+          </a:fillRef>
+          <a:effectRef idx="0">
+            <a:schemeClr val="accent1"/>
+          </a:effectRef>
+          <a:fontRef idx="minor">
+            <a:schemeClr val="dk1"/>
+          </a:fontRef>
+        </p:style>
+        <p:txBody>
+          <a:bodyPr lIns="124733" tIns="62367" rIns="124733" bIns="62367" rtlCol="0" anchor="ctr"/>
+          <a:lstStyle/>
+          <a:p>
+            <a:pPr algn="ctr"/>
+            <a:r>
+              <a:rPr lang="ru-RU" sz="700" dirty="0"/>
+              <a:t>Ввести военное положение (в состоянии войны)</a:t>
+            </a:r>
             <a:endParaRPr lang="ru-RU" sz="400" dirty="0"/>
           </a:p>
         </p:txBody>
       </p:sp>
+      <p:sp>
+        <p:nvSpPr>
+          <p:cNvPr id="163" name="Прямоугольник 162">
+            <a:extLst>
+              <a:ext uri="{FF2B5EF4-FFF2-40B4-BE49-F238E27FC236}">
+                <a16:creationId xmlns:a16="http://schemas.microsoft.com/office/drawing/2014/main" id="{BD849E57-A12E-42AE-AA12-4FB9BA687E1A}"/>
+              </a:ext>
+            </a:extLst>
+          </p:cNvPr>
+          <p:cNvSpPr/>
+          <p:nvPr/>
+        </p:nvSpPr>
+        <p:spPr>
+          <a:xfrm>
+            <a:off x="257739" y="12272494"/>
+            <a:ext cx="926325" cy="540000"/>
+          </a:xfrm>
+          <a:prstGeom prst="rect">
+            <a:avLst/>
+          </a:prstGeom>
+          <a:solidFill>
+            <a:schemeClr val="bg1">
+              <a:lumMod val="65000"/>
+            </a:schemeClr>
+          </a:solidFill>
+          <a:ln w="19050"/>
+        </p:spPr>
+        <p:style>
+          <a:lnRef idx="2">
+            <a:schemeClr val="accent1"/>
+          </a:lnRef>
+          <a:fillRef idx="1">
+            <a:schemeClr val="lt1"/>
+          </a:fillRef>
+          <a:effectRef idx="0">
+            <a:schemeClr val="accent1"/>
+          </a:effectRef>
+          <a:fontRef idx="minor">
+            <a:schemeClr val="dk1"/>
+          </a:fontRef>
+        </p:style>
+        <p:txBody>
+          <a:bodyPr lIns="124733" tIns="62367" rIns="124733" bIns="62367" rtlCol="0" anchor="ctr"/>
+          <a:lstStyle/>
+          <a:p>
+            <a:pPr algn="ctr"/>
+            <a:r>
+              <a:rPr lang="ru-RU" sz="700" dirty="0"/>
+              <a:t>Закон о защите демократии (1941) </a:t>
+            </a:r>
+            <a:br>
+              <a:rPr lang="ru-RU" sz="700" dirty="0"/>
+            </a:br>
+            <a:r>
+              <a:rPr lang="ru-RU" sz="200" dirty="0"/>
+              <a:t>(В 1941 году конгресс Никарагуа одобрил «закон о защите демократии». </a:t>
+            </a:r>
+            <a:r>
+              <a:rPr lang="ru-RU" sz="200" dirty="0" err="1"/>
+              <a:t>Со¬гласно</a:t>
+            </a:r>
+            <a:r>
+              <a:rPr lang="ru-RU" sz="200" dirty="0"/>
+              <a:t> этому документу, запрещались и коммунистическая, и нацистская </a:t>
+            </a:r>
+            <a:r>
+              <a:rPr lang="ru-RU" sz="200" dirty="0" err="1"/>
+              <a:t>иде¬ологии</a:t>
+            </a:r>
+            <a:r>
+              <a:rPr lang="ru-RU" sz="200" dirty="0"/>
+              <a:t> как противоречащие социальному строю Никарагуа.)</a:t>
+            </a:r>
+            <a:endParaRPr lang="ru-RU" sz="400" dirty="0"/>
+          </a:p>
+        </p:txBody>
+      </p:sp>
+      <p:cxnSp>
+        <p:nvCxnSpPr>
+          <p:cNvPr id="164" name="Прямая со стрелкой 163">
+            <a:extLst>
+              <a:ext uri="{FF2B5EF4-FFF2-40B4-BE49-F238E27FC236}">
+                <a16:creationId xmlns:a16="http://schemas.microsoft.com/office/drawing/2014/main" id="{B048244F-EB49-46C4-A9EC-3C9E6EB26FD0}"/>
+              </a:ext>
+            </a:extLst>
+          </p:cNvPr>
+          <p:cNvCxnSpPr>
+            <a:cxnSpLocks/>
+            <a:stCxn id="112" idx="2"/>
+            <a:endCxn id="158" idx="0"/>
+          </p:cNvCxnSpPr>
+          <p:nvPr/>
+        </p:nvCxnSpPr>
+        <p:spPr>
+          <a:xfrm>
+            <a:off x="4892312" y="11298455"/>
+            <a:ext cx="0" cy="234186"/>
+          </a:xfrm>
+          <a:prstGeom prst="straightConnector1">
+            <a:avLst/>
+          </a:prstGeom>
+          <a:ln w="19050">
+            <a:tailEnd type="arrow"/>
+          </a:ln>
+        </p:spPr>
+        <p:style>
+          <a:lnRef idx="1">
+            <a:schemeClr val="accent1"/>
+          </a:lnRef>
+          <a:fillRef idx="0">
+            <a:schemeClr val="accent1"/>
+          </a:fillRef>
+          <a:effectRef idx="0">
+            <a:schemeClr val="accent1"/>
+          </a:effectRef>
+          <a:fontRef idx="minor">
+            <a:schemeClr val="tx1"/>
+          </a:fontRef>
+        </p:style>
+      </p:cxnSp>
+      <p:cxnSp>
+        <p:nvCxnSpPr>
+          <p:cNvPr id="169" name="Соединительная линия уступом 903">
+            <a:extLst>
+              <a:ext uri="{FF2B5EF4-FFF2-40B4-BE49-F238E27FC236}">
+                <a16:creationId xmlns:a16="http://schemas.microsoft.com/office/drawing/2014/main" id="{3BF92898-1A8D-44CD-90AE-9ED96D3CC103}"/>
+              </a:ext>
+            </a:extLst>
+          </p:cNvPr>
+          <p:cNvCxnSpPr>
+            <a:cxnSpLocks/>
+            <a:stCxn id="96" idx="2"/>
+            <a:endCxn id="94" idx="0"/>
+          </p:cNvCxnSpPr>
+          <p:nvPr/>
+        </p:nvCxnSpPr>
+        <p:spPr>
+          <a:xfrm rot="5400000">
+            <a:off x="3316942" y="9075267"/>
+            <a:ext cx="1060127" cy="701131"/>
+          </a:xfrm>
+          <a:prstGeom prst="bentConnector3">
+            <a:avLst>
+              <a:gd name="adj1" fmla="val 13248"/>
+            </a:avLst>
+          </a:prstGeom>
+          <a:ln w="19050">
+            <a:tailEnd type="arrow"/>
+          </a:ln>
+        </p:spPr>
+        <p:style>
+          <a:lnRef idx="1">
+            <a:schemeClr val="accent1"/>
+          </a:lnRef>
+          <a:fillRef idx="0">
+            <a:schemeClr val="accent1"/>
+          </a:fillRef>
+          <a:effectRef idx="0">
+            <a:schemeClr val="accent1"/>
+          </a:effectRef>
+          <a:fontRef idx="minor">
+            <a:schemeClr val="tx1"/>
+          </a:fontRef>
+        </p:style>
+      </p:cxnSp>
+      <p:cxnSp>
+        <p:nvCxnSpPr>
+          <p:cNvPr id="173" name="Соединительная линия уступом 903">
+            <a:extLst>
+              <a:ext uri="{FF2B5EF4-FFF2-40B4-BE49-F238E27FC236}">
+                <a16:creationId xmlns:a16="http://schemas.microsoft.com/office/drawing/2014/main" id="{EF7071D1-BE49-4A1B-8811-FFC6268219EF}"/>
+              </a:ext>
+            </a:extLst>
+          </p:cNvPr>
+          <p:cNvCxnSpPr>
+            <a:cxnSpLocks/>
+            <a:stCxn id="92" idx="2"/>
+            <a:endCxn id="94" idx="0"/>
+          </p:cNvCxnSpPr>
+          <p:nvPr/>
+        </p:nvCxnSpPr>
+        <p:spPr>
+          <a:xfrm rot="16200000" flipH="1">
+            <a:off x="3020721" y="9480177"/>
+            <a:ext cx="263083" cy="688354"/>
+          </a:xfrm>
+          <a:prstGeom prst="bentConnector3">
+            <a:avLst>
+              <a:gd name="adj1" fmla="val 50000"/>
+            </a:avLst>
+          </a:prstGeom>
+          <a:ln w="19050">
+            <a:tailEnd type="arrow"/>
+          </a:ln>
+        </p:spPr>
+        <p:style>
+          <a:lnRef idx="1">
+            <a:schemeClr val="accent1"/>
+          </a:lnRef>
+          <a:fillRef idx="0">
+            <a:schemeClr val="accent1"/>
+          </a:fillRef>
+          <a:effectRef idx="0">
+            <a:schemeClr val="accent1"/>
+          </a:effectRef>
+          <a:fontRef idx="minor">
+            <a:schemeClr val="tx1"/>
+          </a:fontRef>
+        </p:style>
+      </p:cxnSp>
+      <p:cxnSp>
+        <p:nvCxnSpPr>
+          <p:cNvPr id="176" name="Соединительная линия уступом 903">
+            <a:extLst>
+              <a:ext uri="{FF2B5EF4-FFF2-40B4-BE49-F238E27FC236}">
+                <a16:creationId xmlns:a16="http://schemas.microsoft.com/office/drawing/2014/main" id="{30D330E8-189B-403C-83EF-0C1AB67953A6}"/>
+              </a:ext>
+            </a:extLst>
+          </p:cNvPr>
+          <p:cNvCxnSpPr>
+            <a:cxnSpLocks/>
+            <a:stCxn id="55" idx="2"/>
+            <a:endCxn id="1010" idx="0"/>
+          </p:cNvCxnSpPr>
+          <p:nvPr/>
+        </p:nvCxnSpPr>
+        <p:spPr>
+          <a:xfrm rot="5400000">
+            <a:off x="1984818" y="7532500"/>
+            <a:ext cx="257045" cy="1389492"/>
+          </a:xfrm>
+          <a:prstGeom prst="bentConnector3">
+            <a:avLst>
+              <a:gd name="adj1" fmla="val 50000"/>
+            </a:avLst>
+          </a:prstGeom>
+          <a:ln w="19050">
+            <a:tailEnd type="arrow"/>
+          </a:ln>
+        </p:spPr>
+        <p:style>
+          <a:lnRef idx="1">
+            <a:schemeClr val="accent1"/>
+          </a:lnRef>
+          <a:fillRef idx="0">
+            <a:schemeClr val="accent1"/>
+          </a:fillRef>
+          <a:effectRef idx="0">
+            <a:schemeClr val="accent1"/>
+          </a:effectRef>
+          <a:fontRef idx="minor">
+            <a:schemeClr val="tx1"/>
+          </a:fontRef>
+        </p:style>
+      </p:cxnSp>
+      <p:cxnSp>
+        <p:nvCxnSpPr>
+          <p:cNvPr id="179" name="Соединительная линия уступом 903">
+            <a:extLst>
+              <a:ext uri="{FF2B5EF4-FFF2-40B4-BE49-F238E27FC236}">
+                <a16:creationId xmlns:a16="http://schemas.microsoft.com/office/drawing/2014/main" id="{1B345060-1C77-489A-A3B6-573436341CD2}"/>
+              </a:ext>
+            </a:extLst>
+          </p:cNvPr>
+          <p:cNvCxnSpPr>
+            <a:cxnSpLocks/>
+            <a:stCxn id="78" idx="2"/>
+            <a:endCxn id="91" idx="0"/>
+          </p:cNvCxnSpPr>
+          <p:nvPr/>
+        </p:nvCxnSpPr>
+        <p:spPr>
+          <a:xfrm rot="5400000">
+            <a:off x="938427" y="9475734"/>
+            <a:ext cx="265590" cy="694734"/>
+          </a:xfrm>
+          <a:prstGeom prst="bentConnector3">
+            <a:avLst>
+              <a:gd name="adj1" fmla="val 50000"/>
+            </a:avLst>
+          </a:prstGeom>
+          <a:ln w="19050">
+            <a:tailEnd type="arrow"/>
+          </a:ln>
+        </p:spPr>
+        <p:style>
+          <a:lnRef idx="1">
+            <a:schemeClr val="accent1"/>
+          </a:lnRef>
+          <a:fillRef idx="0">
+            <a:schemeClr val="accent1"/>
+          </a:fillRef>
+          <a:effectRef idx="0">
+            <a:schemeClr val="accent1"/>
+          </a:effectRef>
+          <a:fontRef idx="minor">
+            <a:schemeClr val="tx1"/>
+          </a:fontRef>
+        </p:style>
+      </p:cxnSp>
+      <p:cxnSp>
+        <p:nvCxnSpPr>
+          <p:cNvPr id="194" name="Соединительная линия уступом 903">
+            <a:extLst>
+              <a:ext uri="{FF2B5EF4-FFF2-40B4-BE49-F238E27FC236}">
+                <a16:creationId xmlns:a16="http://schemas.microsoft.com/office/drawing/2014/main" id="{47EFD662-D8F0-4D46-B8BE-62DAF2481AC2}"/>
+              </a:ext>
+            </a:extLst>
+          </p:cNvPr>
+          <p:cNvCxnSpPr>
+            <a:cxnSpLocks/>
+            <a:stCxn id="78" idx="2"/>
+            <a:endCxn id="89" idx="0"/>
+          </p:cNvCxnSpPr>
+          <p:nvPr/>
+        </p:nvCxnSpPr>
+        <p:spPr>
+          <a:xfrm rot="16200000" flipH="1">
+            <a:off x="1624567" y="9484328"/>
+            <a:ext cx="262068" cy="674024"/>
+          </a:xfrm>
+          <a:prstGeom prst="bentConnector3">
+            <a:avLst>
+              <a:gd name="adj1" fmla="val 50000"/>
+            </a:avLst>
+          </a:prstGeom>
+          <a:ln w="19050">
+            <a:tailEnd type="arrow"/>
+          </a:ln>
+        </p:spPr>
+        <p:style>
+          <a:lnRef idx="1">
+            <a:schemeClr val="accent1"/>
+          </a:lnRef>
+          <a:fillRef idx="0">
+            <a:schemeClr val="accent1"/>
+          </a:fillRef>
+          <a:effectRef idx="0">
+            <a:schemeClr val="accent1"/>
+          </a:effectRef>
+          <a:fontRef idx="minor">
+            <a:schemeClr val="tx1"/>
+          </a:fontRef>
+        </p:style>
+      </p:cxnSp>
+      <p:cxnSp>
+        <p:nvCxnSpPr>
+          <p:cNvPr id="197" name="Соединительная линия уступом 903">
+            <a:extLst>
+              <a:ext uri="{FF2B5EF4-FFF2-40B4-BE49-F238E27FC236}">
+                <a16:creationId xmlns:a16="http://schemas.microsoft.com/office/drawing/2014/main" id="{42EC46F3-1198-439C-9201-297275403091}"/>
+              </a:ext>
+            </a:extLst>
+          </p:cNvPr>
+          <p:cNvCxnSpPr>
+            <a:cxnSpLocks/>
+            <a:stCxn id="94" idx="2"/>
+            <a:endCxn id="95" idx="0"/>
+          </p:cNvCxnSpPr>
+          <p:nvPr/>
+        </p:nvCxnSpPr>
+        <p:spPr>
+          <a:xfrm rot="5400000">
+            <a:off x="1939142" y="9975343"/>
+            <a:ext cx="1036745" cy="2077851"/>
+          </a:xfrm>
+          <a:prstGeom prst="bentConnector3">
+            <a:avLst>
+              <a:gd name="adj1" fmla="val 13187"/>
+            </a:avLst>
+          </a:prstGeom>
+          <a:ln w="19050">
+            <a:tailEnd type="arrow"/>
+          </a:ln>
+        </p:spPr>
+        <p:style>
+          <a:lnRef idx="1">
+            <a:schemeClr val="accent1"/>
+          </a:lnRef>
+          <a:fillRef idx="0">
+            <a:schemeClr val="accent1"/>
+          </a:fillRef>
+          <a:effectRef idx="0">
+            <a:schemeClr val="accent1"/>
+          </a:effectRef>
+          <a:fontRef idx="minor">
+            <a:schemeClr val="tx1"/>
+          </a:fontRef>
+        </p:style>
+      </p:cxnSp>
+      <p:cxnSp>
+        <p:nvCxnSpPr>
+          <p:cNvPr id="200" name="Прямая со стрелкой 199">
+            <a:extLst>
+              <a:ext uri="{FF2B5EF4-FFF2-40B4-BE49-F238E27FC236}">
+                <a16:creationId xmlns:a16="http://schemas.microsoft.com/office/drawing/2014/main" id="{C65B3E6E-D325-417D-A60E-CBAC49A6F0BD}"/>
+              </a:ext>
+            </a:extLst>
+          </p:cNvPr>
+          <p:cNvCxnSpPr>
+            <a:cxnSpLocks/>
+            <a:stCxn id="96" idx="2"/>
+            <a:endCxn id="93" idx="0"/>
+          </p:cNvCxnSpPr>
+          <p:nvPr/>
+        </p:nvCxnSpPr>
+        <p:spPr>
+          <a:xfrm flipH="1">
+            <a:off x="4197569" y="8895769"/>
+            <a:ext cx="1" cy="257044"/>
+          </a:xfrm>
+          <a:prstGeom prst="straightConnector1">
+            <a:avLst/>
+          </a:prstGeom>
+          <a:ln w="19050">
+            <a:tailEnd type="arrow"/>
+          </a:ln>
+        </p:spPr>
+        <p:style>
+          <a:lnRef idx="1">
+            <a:schemeClr val="accent1"/>
+          </a:lnRef>
+          <a:fillRef idx="0">
+            <a:schemeClr val="accent1"/>
+          </a:fillRef>
+          <a:effectRef idx="0">
+            <a:schemeClr val="accent1"/>
+          </a:effectRef>
+          <a:fontRef idx="minor">
+            <a:schemeClr val="tx1"/>
+          </a:fontRef>
+        </p:style>
+      </p:cxnSp>
+      <p:cxnSp>
+        <p:nvCxnSpPr>
+          <p:cNvPr id="203" name="Прямая со стрелкой 202">
+            <a:extLst>
+              <a:ext uri="{FF2B5EF4-FFF2-40B4-BE49-F238E27FC236}">
+                <a16:creationId xmlns:a16="http://schemas.microsoft.com/office/drawing/2014/main" id="{D3A51449-15E2-4BEA-88A5-B2691A1B3690}"/>
+              </a:ext>
+            </a:extLst>
+          </p:cNvPr>
+          <p:cNvCxnSpPr>
+            <a:cxnSpLocks/>
+            <a:stCxn id="55" idx="2"/>
+            <a:endCxn id="90" idx="0"/>
+          </p:cNvCxnSpPr>
+          <p:nvPr/>
+        </p:nvCxnSpPr>
+        <p:spPr>
+          <a:xfrm flipH="1">
+            <a:off x="2808082" y="8098724"/>
+            <a:ext cx="4" cy="252936"/>
+          </a:xfrm>
+          <a:prstGeom prst="straightConnector1">
+            <a:avLst/>
+          </a:prstGeom>
+          <a:ln w="19050">
+            <a:tailEnd type="arrow"/>
+          </a:ln>
+        </p:spPr>
+        <p:style>
+          <a:lnRef idx="1">
+            <a:schemeClr val="accent1"/>
+          </a:lnRef>
+          <a:fillRef idx="0">
+            <a:schemeClr val="accent1"/>
+          </a:fillRef>
+          <a:effectRef idx="0">
+            <a:schemeClr val="accent1"/>
+          </a:effectRef>
+          <a:fontRef idx="minor">
+            <a:schemeClr val="tx1"/>
+          </a:fontRef>
+        </p:style>
+      </p:cxnSp>
+      <p:cxnSp>
+        <p:nvCxnSpPr>
+          <p:cNvPr id="206" name="Прямая со стрелкой 205">
+            <a:extLst>
+              <a:ext uri="{FF2B5EF4-FFF2-40B4-BE49-F238E27FC236}">
+                <a16:creationId xmlns:a16="http://schemas.microsoft.com/office/drawing/2014/main" id="{AFD4E665-A61D-46C2-A133-3412690F30F3}"/>
+              </a:ext>
+            </a:extLst>
+          </p:cNvPr>
+          <p:cNvCxnSpPr>
+            <a:cxnSpLocks/>
+            <a:stCxn id="90" idx="2"/>
+            <a:endCxn id="92" idx="0"/>
+          </p:cNvCxnSpPr>
+          <p:nvPr/>
+        </p:nvCxnSpPr>
+        <p:spPr>
+          <a:xfrm>
+            <a:off x="2808082" y="8891660"/>
+            <a:ext cx="3" cy="261153"/>
+          </a:xfrm>
+          <a:prstGeom prst="straightConnector1">
+            <a:avLst/>
+          </a:prstGeom>
+          <a:ln w="19050">
+            <a:tailEnd type="arrow"/>
+          </a:ln>
+        </p:spPr>
+        <p:style>
+          <a:lnRef idx="1">
+            <a:schemeClr val="accent1"/>
+          </a:lnRef>
+          <a:fillRef idx="0">
+            <a:schemeClr val="accent1"/>
+          </a:fillRef>
+          <a:effectRef idx="0">
+            <a:schemeClr val="accent1"/>
+          </a:effectRef>
+          <a:fontRef idx="minor">
+            <a:schemeClr val="tx1"/>
+          </a:fontRef>
+        </p:style>
+      </p:cxnSp>
+      <p:cxnSp>
+        <p:nvCxnSpPr>
+          <p:cNvPr id="209" name="Прямая со стрелкой 208">
+            <a:extLst>
+              <a:ext uri="{FF2B5EF4-FFF2-40B4-BE49-F238E27FC236}">
+                <a16:creationId xmlns:a16="http://schemas.microsoft.com/office/drawing/2014/main" id="{6B358EC7-E053-4570-B92E-4C044AC26D2C}"/>
+              </a:ext>
+            </a:extLst>
+          </p:cNvPr>
+          <p:cNvCxnSpPr>
+            <a:cxnSpLocks/>
+            <a:stCxn id="1010" idx="2"/>
+            <a:endCxn id="78" idx="0"/>
+          </p:cNvCxnSpPr>
+          <p:nvPr/>
+        </p:nvCxnSpPr>
+        <p:spPr>
+          <a:xfrm flipH="1">
+            <a:off x="1418589" y="8895769"/>
+            <a:ext cx="5" cy="254537"/>
+          </a:xfrm>
+          <a:prstGeom prst="straightConnector1">
+            <a:avLst/>
+          </a:prstGeom>
+          <a:ln w="19050">
+            <a:tailEnd type="arrow"/>
+          </a:ln>
+        </p:spPr>
+        <p:style>
+          <a:lnRef idx="1">
+            <a:schemeClr val="accent1"/>
+          </a:lnRef>
+          <a:fillRef idx="0">
+            <a:schemeClr val="accent1"/>
+          </a:fillRef>
+          <a:effectRef idx="0">
+            <a:schemeClr val="accent1"/>
+          </a:effectRef>
+          <a:fontRef idx="minor">
+            <a:schemeClr val="tx1"/>
+          </a:fontRef>
+        </p:style>
+      </p:cxnSp>
+      <p:cxnSp>
+        <p:nvCxnSpPr>
+          <p:cNvPr id="212" name="Прямая со стрелкой 211">
+            <a:extLst>
+              <a:ext uri="{FF2B5EF4-FFF2-40B4-BE49-F238E27FC236}">
+                <a16:creationId xmlns:a16="http://schemas.microsoft.com/office/drawing/2014/main" id="{929707B4-0ED3-4FF6-B9DB-8E849B5466B2}"/>
+              </a:ext>
+            </a:extLst>
+          </p:cNvPr>
+          <p:cNvCxnSpPr>
+            <a:cxnSpLocks/>
+            <a:stCxn id="91" idx="2"/>
+            <a:endCxn id="156" idx="0"/>
+          </p:cNvCxnSpPr>
+          <p:nvPr/>
+        </p:nvCxnSpPr>
+        <p:spPr>
+          <a:xfrm flipH="1">
+            <a:off x="720904" y="10495896"/>
+            <a:ext cx="2951" cy="257044"/>
+          </a:xfrm>
+          <a:prstGeom prst="straightConnector1">
+            <a:avLst/>
+          </a:prstGeom>
+          <a:ln w="19050">
+            <a:tailEnd type="arrow"/>
+          </a:ln>
+        </p:spPr>
+        <p:style>
+          <a:lnRef idx="1">
+            <a:schemeClr val="accent1"/>
+          </a:lnRef>
+          <a:fillRef idx="0">
+            <a:schemeClr val="accent1"/>
+          </a:fillRef>
+          <a:effectRef idx="0">
+            <a:schemeClr val="accent1"/>
+          </a:effectRef>
+          <a:fontRef idx="minor">
+            <a:schemeClr val="tx1"/>
+          </a:fontRef>
+        </p:style>
+      </p:cxnSp>
+      <p:cxnSp>
+        <p:nvCxnSpPr>
+          <p:cNvPr id="215" name="Прямая со стрелкой 214">
+            <a:extLst>
+              <a:ext uri="{FF2B5EF4-FFF2-40B4-BE49-F238E27FC236}">
+                <a16:creationId xmlns:a16="http://schemas.microsoft.com/office/drawing/2014/main" id="{3763D6CD-8165-4195-A229-9E111149C4E6}"/>
+              </a:ext>
+            </a:extLst>
+          </p:cNvPr>
+          <p:cNvCxnSpPr>
+            <a:cxnSpLocks/>
+            <a:stCxn id="94" idx="2"/>
+            <a:endCxn id="77" idx="0"/>
+          </p:cNvCxnSpPr>
+          <p:nvPr/>
+        </p:nvCxnSpPr>
+        <p:spPr>
+          <a:xfrm flipH="1">
+            <a:off x="3493729" y="10495896"/>
+            <a:ext cx="2710" cy="261152"/>
+          </a:xfrm>
+          <a:prstGeom prst="straightConnector1">
+            <a:avLst/>
+          </a:prstGeom>
+          <a:ln w="19050">
+            <a:tailEnd type="arrow"/>
+          </a:ln>
+        </p:spPr>
+        <p:style>
+          <a:lnRef idx="1">
+            <a:schemeClr val="accent1"/>
+          </a:lnRef>
+          <a:fillRef idx="0">
+            <a:schemeClr val="accent1"/>
+          </a:fillRef>
+          <a:effectRef idx="0">
+            <a:schemeClr val="accent1"/>
+          </a:effectRef>
+          <a:fontRef idx="minor">
+            <a:schemeClr val="tx1"/>
+          </a:fontRef>
+        </p:style>
+      </p:cxnSp>
+      <p:sp>
+        <p:nvSpPr>
+          <p:cNvPr id="226" name="Прямоугольник 225">
+            <a:extLst>
+              <a:ext uri="{FF2B5EF4-FFF2-40B4-BE49-F238E27FC236}">
+                <a16:creationId xmlns:a16="http://schemas.microsoft.com/office/drawing/2014/main" id="{8F90957D-3F70-4F7D-A50B-157EE934D6F5}"/>
+              </a:ext>
+            </a:extLst>
+          </p:cNvPr>
+          <p:cNvSpPr/>
+          <p:nvPr/>
+        </p:nvSpPr>
+        <p:spPr>
+          <a:xfrm>
+            <a:off x="12081124" y="4159052"/>
+            <a:ext cx="926325" cy="540000"/>
+          </a:xfrm>
+          <a:prstGeom prst="rect">
+            <a:avLst/>
+          </a:prstGeom>
+          <a:noFill/>
+          <a:ln w="19050"/>
+        </p:spPr>
+        <p:style>
+          <a:lnRef idx="2">
+            <a:schemeClr val="accent1"/>
+          </a:lnRef>
+          <a:fillRef idx="1">
+            <a:schemeClr val="lt1"/>
+          </a:fillRef>
+          <a:effectRef idx="0">
+            <a:schemeClr val="accent1"/>
+          </a:effectRef>
+          <a:fontRef idx="minor">
+            <a:schemeClr val="dk1"/>
+          </a:fontRef>
+        </p:style>
+        <p:txBody>
+          <a:bodyPr lIns="124733" tIns="62367" rIns="124733" bIns="62367" rtlCol="0" anchor="ctr"/>
+          <a:lstStyle/>
+          <a:p>
+            <a:pPr algn="ctr"/>
+            <a:r>
+              <a:rPr lang="ru-RU" sz="700" dirty="0"/>
+              <a:t>Расширить производство хлопка (1950)</a:t>
+            </a:r>
+            <a:endParaRPr lang="ru-RU" sz="400" dirty="0"/>
+          </a:p>
+        </p:txBody>
+      </p:sp>
+      <p:sp>
+        <p:nvSpPr>
+          <p:cNvPr id="227" name="Прямоугольник 226">
+            <a:extLst>
+              <a:ext uri="{FF2B5EF4-FFF2-40B4-BE49-F238E27FC236}">
+                <a16:creationId xmlns:a16="http://schemas.microsoft.com/office/drawing/2014/main" id="{77B2829B-9A73-48A5-B93C-36696747ADD9}"/>
+              </a:ext>
+            </a:extLst>
+          </p:cNvPr>
+          <p:cNvSpPr/>
+          <p:nvPr/>
+        </p:nvSpPr>
+        <p:spPr>
+          <a:xfrm>
+            <a:off x="1629449" y="12270675"/>
+            <a:ext cx="926325" cy="540000"/>
+          </a:xfrm>
+          <a:prstGeom prst="rect">
+            <a:avLst/>
+          </a:prstGeom>
+          <a:solidFill>
+            <a:schemeClr val="bg1">
+              <a:lumMod val="65000"/>
+            </a:schemeClr>
+          </a:solidFill>
+          <a:ln w="19050"/>
+        </p:spPr>
+        <p:style>
+          <a:lnRef idx="2">
+            <a:schemeClr val="accent1"/>
+          </a:lnRef>
+          <a:fillRef idx="1">
+            <a:schemeClr val="lt1"/>
+          </a:fillRef>
+          <a:effectRef idx="0">
+            <a:schemeClr val="accent1"/>
+          </a:effectRef>
+          <a:fontRef idx="minor">
+            <a:schemeClr val="dk1"/>
+          </a:fontRef>
+        </p:style>
+        <p:txBody>
+          <a:bodyPr lIns="124733" tIns="62367" rIns="124733" bIns="62367" rtlCol="0" anchor="ctr"/>
+          <a:lstStyle/>
+          <a:p>
+            <a:pPr algn="ctr"/>
+            <a:r>
+              <a:rPr lang="ru-RU" sz="700" dirty="0"/>
+              <a:t>Устранение коммунистических угроз в ЦА </a:t>
+            </a:r>
+            <a:r>
+              <a:rPr lang="ru-RU" sz="100" dirty="0"/>
+              <a:t>(Так же считал и сам </a:t>
+            </a:r>
+            <a:r>
+              <a:rPr lang="ru-RU" sz="100" dirty="0" err="1"/>
+              <a:t>Сомоса</a:t>
+            </a:r>
+            <a:r>
+              <a:rPr lang="ru-RU" sz="100" dirty="0"/>
+              <a:t>, который, уверовав в собственные силы, стал претендовать на роль регионального наместника США в Центральной </a:t>
+            </a:r>
+            <a:r>
+              <a:rPr lang="ru-RU" sz="100" dirty="0" err="1"/>
+              <a:t>Амери¬ке</a:t>
+            </a:r>
+            <a:r>
+              <a:rPr lang="ru-RU" sz="100" dirty="0"/>
+              <a:t> в качестве главного борца против «коммунистической угрозы». США </a:t>
+            </a:r>
+            <a:r>
+              <a:rPr lang="ru-RU" sz="100" dirty="0" err="1"/>
+              <a:t>каж¬дый</a:t>
+            </a:r>
+            <a:r>
+              <a:rPr lang="ru-RU" sz="100" dirty="0"/>
+              <a:t> год в виде военной помощи предоставляли Никарагуа не менее 200 </a:t>
+            </a:r>
+            <a:r>
+              <a:rPr lang="ru-RU" sz="100" dirty="0" err="1"/>
+              <a:t>ты¬сяч</a:t>
+            </a:r>
+            <a:r>
+              <a:rPr lang="ru-RU" sz="100" dirty="0"/>
+              <a:t> долларов, благодаря чему </a:t>
+            </a:r>
+            <a:r>
+              <a:rPr lang="ru-RU" sz="100" dirty="0" err="1"/>
+              <a:t>Сомоса</a:t>
+            </a:r>
+            <a:r>
+              <a:rPr lang="ru-RU" sz="100" dirty="0"/>
+              <a:t> превратил свою армию в самую сильную в Центральной Америке (в этом отношении с ним мог соперничать разве что его друг доминиканский диктатор </a:t>
+            </a:r>
+            <a:r>
+              <a:rPr lang="ru-RU" sz="100" dirty="0" err="1"/>
+              <a:t>Трухильо</a:t>
+            </a:r>
+            <a:r>
+              <a:rPr lang="ru-RU" sz="100" dirty="0"/>
+              <a:t>). Во время войны в Корее </a:t>
+            </a:r>
+            <a:r>
+              <a:rPr lang="ru-RU" sz="100" dirty="0" err="1"/>
+              <a:t>Сомо¬са</a:t>
+            </a:r>
+            <a:r>
+              <a:rPr lang="ru-RU" sz="100" dirty="0"/>
+              <a:t> предлагал американцам направить туда никарагуанский воинский </a:t>
+            </a:r>
+            <a:r>
+              <a:rPr lang="ru-RU" sz="100" dirty="0" err="1"/>
+              <a:t>контин¬гент</a:t>
+            </a:r>
+            <a:r>
+              <a:rPr lang="ru-RU" sz="100" dirty="0"/>
+              <a:t>. С 1953 года Никарагуа была официально включена в Программу </a:t>
+            </a:r>
+            <a:r>
+              <a:rPr lang="ru-RU" sz="100" dirty="0" err="1"/>
+              <a:t>амери¬канской</a:t>
+            </a:r>
+            <a:r>
+              <a:rPr lang="ru-RU" sz="100" dirty="0"/>
+              <a:t> военной помощи.)</a:t>
+            </a:r>
+            <a:endParaRPr lang="ru-RU" sz="400" dirty="0"/>
+          </a:p>
+        </p:txBody>
+      </p:sp>
+      <p:cxnSp>
+        <p:nvCxnSpPr>
+          <p:cNvPr id="231" name="Соединительная линия уступом 903">
+            <a:extLst>
+              <a:ext uri="{FF2B5EF4-FFF2-40B4-BE49-F238E27FC236}">
+                <a16:creationId xmlns:a16="http://schemas.microsoft.com/office/drawing/2014/main" id="{4F66CE16-F4D4-4BEA-B35B-7CA503F701C0}"/>
+              </a:ext>
+            </a:extLst>
+          </p:cNvPr>
+          <p:cNvCxnSpPr>
+            <a:cxnSpLocks/>
+            <a:stCxn id="95" idx="2"/>
+            <a:endCxn id="163" idx="0"/>
+          </p:cNvCxnSpPr>
+          <p:nvPr/>
+        </p:nvCxnSpPr>
+        <p:spPr>
+          <a:xfrm rot="5400000">
+            <a:off x="969819" y="11823724"/>
+            <a:ext cx="199853" cy="697686"/>
+          </a:xfrm>
+          <a:prstGeom prst="bentConnector3">
+            <a:avLst>
+              <a:gd name="adj1" fmla="val 50000"/>
+            </a:avLst>
+          </a:prstGeom>
+          <a:ln w="19050">
+            <a:tailEnd type="arrow"/>
+          </a:ln>
+        </p:spPr>
+        <p:style>
+          <a:lnRef idx="1">
+            <a:schemeClr val="accent1"/>
+          </a:lnRef>
+          <a:fillRef idx="0">
+            <a:schemeClr val="accent1"/>
+          </a:fillRef>
+          <a:effectRef idx="0">
+            <a:schemeClr val="accent1"/>
+          </a:effectRef>
+          <a:fontRef idx="minor">
+            <a:schemeClr val="tx1"/>
+          </a:fontRef>
+        </p:style>
+      </p:cxnSp>
+      <p:cxnSp>
+        <p:nvCxnSpPr>
+          <p:cNvPr id="238" name="Прямая соединительная линия 237">
+            <a:extLst>
+              <a:ext uri="{FF2B5EF4-FFF2-40B4-BE49-F238E27FC236}">
+                <a16:creationId xmlns:a16="http://schemas.microsoft.com/office/drawing/2014/main" id="{FD347516-2278-4B85-B9D1-D49EF200F440}"/>
+              </a:ext>
+            </a:extLst>
+          </p:cNvPr>
+          <p:cNvCxnSpPr>
+            <a:cxnSpLocks/>
+            <a:stCxn id="77" idx="3"/>
+            <a:endCxn id="112" idx="1"/>
+          </p:cNvCxnSpPr>
+          <p:nvPr/>
+        </p:nvCxnSpPr>
+        <p:spPr>
+          <a:xfrm>
+            <a:off x="3956891" y="11027048"/>
+            <a:ext cx="472258" cy="1407"/>
+          </a:xfrm>
+          <a:prstGeom prst="line">
+            <a:avLst/>
+          </a:prstGeom>
+          <a:ln w="19050">
+            <a:solidFill>
+              <a:srgbClr val="FF0000"/>
+            </a:solidFill>
+          </a:ln>
+        </p:spPr>
+        <p:style>
+          <a:lnRef idx="1">
+            <a:schemeClr val="accent1"/>
+          </a:lnRef>
+          <a:fillRef idx="0">
+            <a:schemeClr val="accent1"/>
+          </a:fillRef>
+          <a:effectRef idx="0">
+            <a:schemeClr val="accent1"/>
+          </a:effectRef>
+          <a:fontRef idx="minor">
+            <a:schemeClr val="tx1"/>
+          </a:fontRef>
+        </p:style>
+      </p:cxnSp>
+      <p:cxnSp>
+        <p:nvCxnSpPr>
+          <p:cNvPr id="266" name="Соединительная линия уступом 903">
+            <a:extLst>
+              <a:ext uri="{FF2B5EF4-FFF2-40B4-BE49-F238E27FC236}">
+                <a16:creationId xmlns:a16="http://schemas.microsoft.com/office/drawing/2014/main" id="{FD352671-4213-4DF2-A335-A0D96AEF3058}"/>
+              </a:ext>
+            </a:extLst>
+          </p:cNvPr>
+          <p:cNvCxnSpPr>
+            <a:cxnSpLocks/>
+            <a:stCxn id="89" idx="2"/>
+            <a:endCxn id="95" idx="0"/>
+          </p:cNvCxnSpPr>
+          <p:nvPr/>
+        </p:nvCxnSpPr>
+        <p:spPr>
+          <a:xfrm rot="5400000">
+            <a:off x="1235468" y="10675495"/>
+            <a:ext cx="1040267" cy="674025"/>
+          </a:xfrm>
+          <a:prstGeom prst="bentConnector3">
+            <a:avLst>
+              <a:gd name="adj1" fmla="val 12547"/>
+            </a:avLst>
+          </a:prstGeom>
+          <a:ln w="19050">
+            <a:tailEnd type="arrow"/>
+          </a:ln>
+        </p:spPr>
+        <p:style>
+          <a:lnRef idx="1">
+            <a:schemeClr val="accent1"/>
+          </a:lnRef>
+          <a:fillRef idx="0">
+            <a:schemeClr val="accent1"/>
+          </a:fillRef>
+          <a:effectRef idx="0">
+            <a:schemeClr val="accent1"/>
+          </a:effectRef>
+          <a:fontRef idx="minor">
+            <a:schemeClr val="tx1"/>
+          </a:fontRef>
+        </p:style>
+      </p:cxnSp>
+      <p:sp>
+        <p:nvSpPr>
+          <p:cNvPr id="270" name="Прямоугольник 269">
+            <a:extLst>
+              <a:ext uri="{FF2B5EF4-FFF2-40B4-BE49-F238E27FC236}">
+                <a16:creationId xmlns:a16="http://schemas.microsoft.com/office/drawing/2014/main" id="{A5342E2A-ECF3-4482-981E-FB362358AC03}"/>
+              </a:ext>
+            </a:extLst>
+          </p:cNvPr>
+          <p:cNvSpPr/>
+          <p:nvPr/>
+        </p:nvSpPr>
+        <p:spPr>
+          <a:xfrm>
+            <a:off x="1631983" y="10763464"/>
+            <a:ext cx="926325" cy="540000"/>
+          </a:xfrm>
+          <a:prstGeom prst="rect">
+            <a:avLst/>
+          </a:prstGeom>
+          <a:solidFill>
+            <a:schemeClr val="bg1">
+              <a:lumMod val="65000"/>
+            </a:schemeClr>
+          </a:solidFill>
+          <a:ln w="19050"/>
+        </p:spPr>
+        <p:style>
+          <a:lnRef idx="2">
+            <a:schemeClr val="accent1"/>
+          </a:lnRef>
+          <a:fillRef idx="1">
+            <a:schemeClr val="lt1"/>
+          </a:fillRef>
+          <a:effectRef idx="0">
+            <a:schemeClr val="accent1"/>
+          </a:effectRef>
+          <a:fontRef idx="minor">
+            <a:schemeClr val="dk1"/>
+          </a:fontRef>
+        </p:style>
+        <p:txBody>
+          <a:bodyPr lIns="124733" tIns="62367" rIns="124733" bIns="62367" rtlCol="0" anchor="ctr"/>
+          <a:lstStyle/>
+          <a:p>
+            <a:pPr algn="ctr"/>
+            <a:r>
+              <a:rPr lang="ru-RU" sz="700" dirty="0"/>
+              <a:t>Союз с </a:t>
+            </a:r>
+            <a:r>
+              <a:rPr lang="ru-RU" sz="700" dirty="0" err="1"/>
+              <a:t>Доминиканой</a:t>
+            </a:r>
+            <a:endParaRPr lang="ru-RU" sz="400" dirty="0"/>
+          </a:p>
+        </p:txBody>
+      </p:sp>
+      <p:cxnSp>
+        <p:nvCxnSpPr>
+          <p:cNvPr id="271" name="Прямая соединительная линия 270">
+            <a:extLst>
+              <a:ext uri="{FF2B5EF4-FFF2-40B4-BE49-F238E27FC236}">
+                <a16:creationId xmlns:a16="http://schemas.microsoft.com/office/drawing/2014/main" id="{A658E4AD-DAE9-412E-8260-CC41A0C2A1E1}"/>
+              </a:ext>
+            </a:extLst>
+          </p:cNvPr>
+          <p:cNvCxnSpPr>
+            <a:cxnSpLocks/>
+            <a:stCxn id="270" idx="3"/>
+            <a:endCxn id="77" idx="1"/>
+          </p:cNvCxnSpPr>
+          <p:nvPr/>
+        </p:nvCxnSpPr>
+        <p:spPr>
+          <a:xfrm flipV="1">
+            <a:off x="2558308" y="11027048"/>
+            <a:ext cx="472258" cy="6416"/>
+          </a:xfrm>
+          <a:prstGeom prst="line">
+            <a:avLst/>
+          </a:prstGeom>
+          <a:ln w="19050">
+            <a:solidFill>
+              <a:srgbClr val="FF0000"/>
+            </a:solidFill>
+          </a:ln>
+        </p:spPr>
+        <p:style>
+          <a:lnRef idx="1">
+            <a:schemeClr val="accent1"/>
+          </a:lnRef>
+          <a:fillRef idx="0">
+            <a:schemeClr val="accent1"/>
+          </a:fillRef>
+          <a:effectRef idx="0">
+            <a:schemeClr val="accent1"/>
+          </a:effectRef>
+          <a:fontRef idx="minor">
+            <a:schemeClr val="tx1"/>
+          </a:fontRef>
+        </p:style>
+      </p:cxnSp>
+      <p:cxnSp>
+        <p:nvCxnSpPr>
+          <p:cNvPr id="279" name="Соединительная линия уступом 903">
+            <a:extLst>
+              <a:ext uri="{FF2B5EF4-FFF2-40B4-BE49-F238E27FC236}">
+                <a16:creationId xmlns:a16="http://schemas.microsoft.com/office/drawing/2014/main" id="{572840DF-3EA8-46E1-931A-FA2FFC7D98A4}"/>
+              </a:ext>
+            </a:extLst>
+          </p:cNvPr>
+          <p:cNvCxnSpPr>
+            <a:cxnSpLocks/>
+            <a:stCxn id="94" idx="2"/>
+            <a:endCxn id="270" idx="0"/>
+          </p:cNvCxnSpPr>
+          <p:nvPr/>
+        </p:nvCxnSpPr>
+        <p:spPr>
+          <a:xfrm rot="5400000">
+            <a:off x="2662009" y="9929034"/>
+            <a:ext cx="267568" cy="1401293"/>
+          </a:xfrm>
+          <a:prstGeom prst="bentConnector3">
+            <a:avLst>
+              <a:gd name="adj1" fmla="val 50000"/>
+            </a:avLst>
+          </a:prstGeom>
+          <a:ln w="19050">
+            <a:tailEnd type="arrow"/>
+          </a:ln>
+        </p:spPr>
+        <p:style>
+          <a:lnRef idx="1">
+            <a:schemeClr val="accent1"/>
+          </a:lnRef>
+          <a:fillRef idx="0">
+            <a:schemeClr val="accent1"/>
+          </a:fillRef>
+          <a:effectRef idx="0">
+            <a:schemeClr val="accent1"/>
+          </a:effectRef>
+          <a:fontRef idx="minor">
+            <a:schemeClr val="tx1"/>
+          </a:fontRef>
+        </p:style>
+      </p:cxnSp>
+      <p:cxnSp>
+        <p:nvCxnSpPr>
+          <p:cNvPr id="286" name="Соединительная линия уступом 903">
+            <a:extLst>
+              <a:ext uri="{FF2B5EF4-FFF2-40B4-BE49-F238E27FC236}">
+                <a16:creationId xmlns:a16="http://schemas.microsoft.com/office/drawing/2014/main" id="{576D432B-14DD-4A6D-AB31-394D7535A00A}"/>
+              </a:ext>
+            </a:extLst>
+          </p:cNvPr>
+          <p:cNvCxnSpPr>
+            <a:cxnSpLocks/>
+            <a:stCxn id="95" idx="2"/>
+            <a:endCxn id="227" idx="0"/>
+          </p:cNvCxnSpPr>
+          <p:nvPr/>
+        </p:nvCxnSpPr>
+        <p:spPr>
+          <a:xfrm rot="16200000" flipH="1">
+            <a:off x="1656583" y="11834646"/>
+            <a:ext cx="198034" cy="674024"/>
+          </a:xfrm>
+          <a:prstGeom prst="bentConnector3">
+            <a:avLst>
+              <a:gd name="adj1" fmla="val 50000"/>
+            </a:avLst>
+          </a:prstGeom>
+          <a:ln w="19050">
+            <a:tailEnd type="arrow"/>
+          </a:ln>
+        </p:spPr>
+        <p:style>
+          <a:lnRef idx="1">
+            <a:schemeClr val="accent1"/>
+          </a:lnRef>
+          <a:fillRef idx="0">
+            <a:schemeClr val="accent1"/>
+          </a:fillRef>
+          <a:effectRef idx="0">
+            <a:schemeClr val="accent1"/>
+          </a:effectRef>
+          <a:fontRef idx="minor">
+            <a:schemeClr val="tx1"/>
+          </a:fontRef>
+        </p:style>
+      </p:cxnSp>
+      <p:cxnSp>
+        <p:nvCxnSpPr>
+          <p:cNvPr id="295" name="Соединительная линия уступом 903">
+            <a:extLst>
+              <a:ext uri="{FF2B5EF4-FFF2-40B4-BE49-F238E27FC236}">
+                <a16:creationId xmlns:a16="http://schemas.microsoft.com/office/drawing/2014/main" id="{2A1524CC-F749-457E-8785-AFB89CF85AC6}"/>
+              </a:ext>
+            </a:extLst>
+          </p:cNvPr>
+          <p:cNvCxnSpPr>
+            <a:cxnSpLocks/>
+            <a:stCxn id="270" idx="2"/>
+            <a:endCxn id="162" idx="0"/>
+          </p:cNvCxnSpPr>
+          <p:nvPr/>
+        </p:nvCxnSpPr>
+        <p:spPr>
+          <a:xfrm rot="16200000" flipH="1">
+            <a:off x="2678010" y="10720600"/>
+            <a:ext cx="229177" cy="1394904"/>
+          </a:xfrm>
+          <a:prstGeom prst="bentConnector3">
+            <a:avLst>
+              <a:gd name="adj1" fmla="val 50000"/>
+            </a:avLst>
+          </a:prstGeom>
+          <a:ln w="19050">
+            <a:prstDash val="dash"/>
+            <a:tailEnd type="arrow"/>
+          </a:ln>
+        </p:spPr>
+        <p:style>
+          <a:lnRef idx="1">
+            <a:schemeClr val="accent1"/>
+          </a:lnRef>
+          <a:fillRef idx="0">
+            <a:schemeClr val="accent1"/>
+          </a:fillRef>
+          <a:effectRef idx="0">
+            <a:schemeClr val="accent1"/>
+          </a:effectRef>
+          <a:fontRef idx="minor">
+            <a:schemeClr val="tx1"/>
+          </a:fontRef>
+        </p:style>
+      </p:cxnSp>
+      <p:cxnSp>
+        <p:nvCxnSpPr>
+          <p:cNvPr id="298" name="Соединительная линия уступом 903">
+            <a:extLst>
+              <a:ext uri="{FF2B5EF4-FFF2-40B4-BE49-F238E27FC236}">
+                <a16:creationId xmlns:a16="http://schemas.microsoft.com/office/drawing/2014/main" id="{034CF559-3849-42CF-A3F3-E3159A936C70}"/>
+              </a:ext>
+            </a:extLst>
+          </p:cNvPr>
+          <p:cNvCxnSpPr>
+            <a:cxnSpLocks/>
+            <a:stCxn id="112" idx="2"/>
+            <a:endCxn id="162" idx="0"/>
+          </p:cNvCxnSpPr>
+          <p:nvPr/>
+        </p:nvCxnSpPr>
+        <p:spPr>
+          <a:xfrm rot="5400000">
+            <a:off x="4074088" y="10714417"/>
+            <a:ext cx="234186" cy="1402262"/>
+          </a:xfrm>
+          <a:prstGeom prst="bentConnector3">
+            <a:avLst>
+              <a:gd name="adj1" fmla="val 50000"/>
+            </a:avLst>
+          </a:prstGeom>
+          <a:ln w="19050">
+            <a:prstDash val="dash"/>
+            <a:tailEnd type="arrow"/>
+          </a:ln>
+        </p:spPr>
+        <p:style>
+          <a:lnRef idx="1">
+            <a:schemeClr val="accent1"/>
+          </a:lnRef>
+          <a:fillRef idx="0">
+            <a:schemeClr val="accent1"/>
+          </a:fillRef>
+          <a:effectRef idx="0">
+            <a:schemeClr val="accent1"/>
+          </a:effectRef>
+          <a:fontRef idx="minor">
+            <a:schemeClr val="tx1"/>
+          </a:fontRef>
+        </p:style>
+      </p:cxnSp>
+      <p:cxnSp>
+        <p:nvCxnSpPr>
+          <p:cNvPr id="301" name="Соединительная линия уступом 903">
+            <a:extLst>
+              <a:ext uri="{FF2B5EF4-FFF2-40B4-BE49-F238E27FC236}">
+                <a16:creationId xmlns:a16="http://schemas.microsoft.com/office/drawing/2014/main" id="{7672BA52-6BCF-494F-8AA2-A64772CE3CC0}"/>
+              </a:ext>
+            </a:extLst>
+          </p:cNvPr>
+          <p:cNvCxnSpPr>
+            <a:cxnSpLocks/>
+            <a:stCxn id="77" idx="2"/>
+            <a:endCxn id="162" idx="0"/>
+          </p:cNvCxnSpPr>
+          <p:nvPr/>
+        </p:nvCxnSpPr>
+        <p:spPr>
+          <a:xfrm rot="5400000">
+            <a:off x="3374094" y="11413005"/>
+            <a:ext cx="235593" cy="3679"/>
+          </a:xfrm>
+          <a:prstGeom prst="bentConnector3">
+            <a:avLst>
+              <a:gd name="adj1" fmla="val 50000"/>
+            </a:avLst>
+          </a:prstGeom>
+          <a:ln w="19050">
+            <a:prstDash val="dash"/>
+            <a:tailEnd type="arrow"/>
+          </a:ln>
+        </p:spPr>
+        <p:style>
+          <a:lnRef idx="1">
+            <a:schemeClr val="accent1"/>
+          </a:lnRef>
+          <a:fillRef idx="0">
+            <a:schemeClr val="accent1"/>
+          </a:fillRef>
+          <a:effectRef idx="0">
+            <a:schemeClr val="accent1"/>
+          </a:effectRef>
+          <a:fontRef idx="minor">
+            <a:schemeClr val="tx1"/>
+          </a:fontRef>
+        </p:style>
+      </p:cxnSp>
+      <p:sp>
+        <p:nvSpPr>
+          <p:cNvPr id="304" name="Прямоугольник 303">
+            <a:extLst>
+              <a:ext uri="{FF2B5EF4-FFF2-40B4-BE49-F238E27FC236}">
+                <a16:creationId xmlns:a16="http://schemas.microsoft.com/office/drawing/2014/main" id="{5A90479D-BFEC-4250-A8B4-175610005B0C}"/>
+              </a:ext>
+            </a:extLst>
+          </p:cNvPr>
+          <p:cNvSpPr/>
+          <p:nvPr/>
+        </p:nvSpPr>
+        <p:spPr>
+          <a:xfrm>
+            <a:off x="7902869" y="8351660"/>
+            <a:ext cx="926325" cy="540000"/>
+          </a:xfrm>
+          <a:prstGeom prst="rect">
+            <a:avLst/>
+          </a:prstGeom>
+          <a:solidFill>
+            <a:schemeClr val="accent1">
+              <a:lumMod val="40000"/>
+              <a:lumOff val="60000"/>
+            </a:schemeClr>
+          </a:solidFill>
+          <a:ln w="19050"/>
+        </p:spPr>
+        <p:style>
+          <a:lnRef idx="2">
+            <a:schemeClr val="accent1"/>
+          </a:lnRef>
+          <a:fillRef idx="1">
+            <a:schemeClr val="lt1"/>
+          </a:fillRef>
+          <a:effectRef idx="0">
+            <a:schemeClr val="accent1"/>
+          </a:effectRef>
+          <a:fontRef idx="minor">
+            <a:schemeClr val="dk1"/>
+          </a:fontRef>
+        </p:style>
+        <p:txBody>
+          <a:bodyPr lIns="124733" tIns="62367" rIns="124733" bIns="62367" rtlCol="0" anchor="ctr"/>
+          <a:lstStyle/>
+          <a:p>
+            <a:pPr algn="ctr"/>
+            <a:r>
+              <a:rPr lang="ru-RU" sz="700" dirty="0"/>
+              <a:t>Отстранить клан </a:t>
+            </a:r>
+            <a:r>
+              <a:rPr lang="ru-RU" sz="700" dirty="0" err="1"/>
+              <a:t>Сомосы</a:t>
+            </a:r>
+            <a:endParaRPr lang="ru-RU" sz="400" dirty="0"/>
+          </a:p>
+        </p:txBody>
+      </p:sp>
+      <p:sp>
+        <p:nvSpPr>
+          <p:cNvPr id="305" name="Прямоугольник 304">
+            <a:extLst>
+              <a:ext uri="{FF2B5EF4-FFF2-40B4-BE49-F238E27FC236}">
+                <a16:creationId xmlns:a16="http://schemas.microsoft.com/office/drawing/2014/main" id="{73C6584F-AB91-413A-9C68-4ACD181B75C0}"/>
+              </a:ext>
+            </a:extLst>
+          </p:cNvPr>
+          <p:cNvSpPr/>
+          <p:nvPr/>
+        </p:nvSpPr>
+        <p:spPr>
+          <a:xfrm>
+            <a:off x="7908086" y="9147799"/>
+            <a:ext cx="926325" cy="540000"/>
+          </a:xfrm>
+          <a:prstGeom prst="rect">
+            <a:avLst/>
+          </a:prstGeom>
+          <a:solidFill>
+            <a:schemeClr val="accent1">
+              <a:lumMod val="40000"/>
+              <a:lumOff val="60000"/>
+            </a:schemeClr>
+          </a:solidFill>
+          <a:ln w="19050"/>
+        </p:spPr>
+        <p:style>
+          <a:lnRef idx="2">
+            <a:schemeClr val="accent1"/>
+          </a:lnRef>
+          <a:fillRef idx="1">
+            <a:schemeClr val="lt1"/>
+          </a:fillRef>
+          <a:effectRef idx="0">
+            <a:schemeClr val="accent1"/>
+          </a:effectRef>
+          <a:fontRef idx="minor">
+            <a:schemeClr val="dk1"/>
+          </a:fontRef>
+        </p:style>
+        <p:txBody>
+          <a:bodyPr lIns="124733" tIns="62367" rIns="124733" bIns="62367" rtlCol="0" anchor="ctr"/>
+          <a:lstStyle/>
+          <a:p>
+            <a:pPr algn="ctr"/>
+            <a:r>
+              <a:rPr lang="ru-RU" sz="700" dirty="0"/>
+              <a:t>Восстановить контроль над национальной гвардией</a:t>
+            </a:r>
+            <a:endParaRPr lang="ru-RU" sz="400" dirty="0"/>
+          </a:p>
+        </p:txBody>
+      </p:sp>
+      <p:cxnSp>
+        <p:nvCxnSpPr>
+          <p:cNvPr id="306" name="Соединительная линия уступом 903">
+            <a:extLst>
+              <a:ext uri="{FF2B5EF4-FFF2-40B4-BE49-F238E27FC236}">
+                <a16:creationId xmlns:a16="http://schemas.microsoft.com/office/drawing/2014/main" id="{8BEF26C8-19FF-4ACF-94F5-4225C4EB8246}"/>
+              </a:ext>
+            </a:extLst>
+          </p:cNvPr>
+          <p:cNvCxnSpPr>
+            <a:cxnSpLocks/>
+            <a:stCxn id="56" idx="2"/>
+            <a:endCxn id="304" idx="0"/>
+          </p:cNvCxnSpPr>
+          <p:nvPr/>
+        </p:nvCxnSpPr>
+        <p:spPr>
+          <a:xfrm rot="5400000">
+            <a:off x="8936604" y="7528152"/>
+            <a:ext cx="252936" cy="1394080"/>
+          </a:xfrm>
+          <a:prstGeom prst="bentConnector3">
+            <a:avLst>
+              <a:gd name="adj1" fmla="val 50000"/>
+            </a:avLst>
+          </a:prstGeom>
+          <a:ln w="19050">
+            <a:tailEnd type="arrow"/>
+          </a:ln>
+        </p:spPr>
+        <p:style>
+          <a:lnRef idx="1">
+            <a:schemeClr val="accent1"/>
+          </a:lnRef>
+          <a:fillRef idx="0">
+            <a:schemeClr val="accent1"/>
+          </a:fillRef>
+          <a:effectRef idx="0">
+            <a:schemeClr val="accent1"/>
+          </a:effectRef>
+          <a:fontRef idx="minor">
+            <a:schemeClr val="tx1"/>
+          </a:fontRef>
+        </p:style>
+      </p:cxnSp>
+      <p:cxnSp>
+        <p:nvCxnSpPr>
+          <p:cNvPr id="309" name="Прямая со стрелкой 308">
+            <a:extLst>
+              <a:ext uri="{FF2B5EF4-FFF2-40B4-BE49-F238E27FC236}">
+                <a16:creationId xmlns:a16="http://schemas.microsoft.com/office/drawing/2014/main" id="{4F994BCD-25E2-41AE-B84C-2F9962E702F3}"/>
+              </a:ext>
+            </a:extLst>
+          </p:cNvPr>
+          <p:cNvCxnSpPr>
+            <a:cxnSpLocks/>
+            <a:stCxn id="304" idx="2"/>
+            <a:endCxn id="305" idx="0"/>
+          </p:cNvCxnSpPr>
+          <p:nvPr/>
+        </p:nvCxnSpPr>
+        <p:spPr>
+          <a:xfrm>
+            <a:off x="8366032" y="8891660"/>
+            <a:ext cx="5217" cy="256139"/>
+          </a:xfrm>
+          <a:prstGeom prst="straightConnector1">
+            <a:avLst/>
+          </a:prstGeom>
+          <a:ln w="19050">
+            <a:tailEnd type="arrow"/>
+          </a:ln>
+        </p:spPr>
+        <p:style>
+          <a:lnRef idx="1">
+            <a:schemeClr val="accent1"/>
+          </a:lnRef>
+          <a:fillRef idx="0">
+            <a:schemeClr val="accent1"/>
+          </a:fillRef>
+          <a:effectRef idx="0">
+            <a:schemeClr val="accent1"/>
+          </a:effectRef>
+          <a:fontRef idx="minor">
+            <a:schemeClr val="tx1"/>
+          </a:fontRef>
+        </p:style>
+      </p:cxnSp>
+      <p:cxnSp>
+        <p:nvCxnSpPr>
+          <p:cNvPr id="312" name="Соединительная линия уступом 903">
+            <a:extLst>
+              <a:ext uri="{FF2B5EF4-FFF2-40B4-BE49-F238E27FC236}">
+                <a16:creationId xmlns:a16="http://schemas.microsoft.com/office/drawing/2014/main" id="{07137075-E005-4218-9DD1-C16A5EBE52A6}"/>
+              </a:ext>
+            </a:extLst>
+          </p:cNvPr>
+          <p:cNvCxnSpPr>
+            <a:cxnSpLocks/>
+            <a:stCxn id="55" idx="2"/>
+            <a:endCxn id="96" idx="0"/>
+          </p:cNvCxnSpPr>
+          <p:nvPr/>
+        </p:nvCxnSpPr>
+        <p:spPr>
+          <a:xfrm rot="16200000" flipH="1">
+            <a:off x="3374306" y="7532504"/>
+            <a:ext cx="257045" cy="1389484"/>
+          </a:xfrm>
+          <a:prstGeom prst="bentConnector3">
+            <a:avLst>
+              <a:gd name="adj1" fmla="val 50000"/>
+            </a:avLst>
+          </a:prstGeom>
+          <a:ln w="19050">
+            <a:tailEnd type="arrow"/>
+          </a:ln>
+        </p:spPr>
+        <p:style>
+          <a:lnRef idx="1">
+            <a:schemeClr val="accent1"/>
+          </a:lnRef>
+          <a:fillRef idx="0">
+            <a:schemeClr val="accent1"/>
+          </a:fillRef>
+          <a:effectRef idx="0">
+            <a:schemeClr val="accent1"/>
+          </a:effectRef>
+          <a:fontRef idx="minor">
+            <a:schemeClr val="tx1"/>
+          </a:fontRef>
+        </p:style>
+      </p:cxnSp>
     </p:spTree>
     <p:extLst>
       <p:ext uri="{BB962C8B-B14F-4D97-AF65-F5344CB8AC3E}">

--- a/Наработки/диздоки/Никарагуа/Никарагуа.pptx
+++ b/Наработки/диздоки/Никарагуа/Никарагуа.pptx
@@ -209,7 +209,7 @@
             <a:fld id="{33E3D7F9-E251-484C-A6FF-FA958879DF69}" type="datetimeFigureOut">
               <a:rPr lang="ru-RU" smtClean="0"/>
               <a:pPr/>
-              <a:t>22.06.2023</a:t>
+              <a:t>23.06.2023</a:t>
             </a:fld>
             <a:endParaRPr lang="ru-RU"/>
           </a:p>
@@ -699,7 +699,7 @@
             <a:fld id="{85A5DE44-605B-4D3B-B2B7-94543DF81A36}" type="datetimeFigureOut">
               <a:rPr lang="ru-RU" smtClean="0"/>
               <a:pPr/>
-              <a:t>22.06.2023</a:t>
+              <a:t>23.06.2023</a:t>
             </a:fld>
             <a:endParaRPr lang="ru-RU"/>
           </a:p>
@@ -871,7 +871,7 @@
             <a:fld id="{85A5DE44-605B-4D3B-B2B7-94543DF81A36}" type="datetimeFigureOut">
               <a:rPr lang="ru-RU" smtClean="0"/>
               <a:pPr/>
-              <a:t>22.06.2023</a:t>
+              <a:t>23.06.2023</a:t>
             </a:fld>
             <a:endParaRPr lang="ru-RU"/>
           </a:p>
@@ -1053,7 +1053,7 @@
             <a:fld id="{85A5DE44-605B-4D3B-B2B7-94543DF81A36}" type="datetimeFigureOut">
               <a:rPr lang="ru-RU" smtClean="0"/>
               <a:pPr/>
-              <a:t>22.06.2023</a:t>
+              <a:t>23.06.2023</a:t>
             </a:fld>
             <a:endParaRPr lang="ru-RU"/>
           </a:p>
@@ -1225,7 +1225,7 @@
             <a:fld id="{85A5DE44-605B-4D3B-B2B7-94543DF81A36}" type="datetimeFigureOut">
               <a:rPr lang="ru-RU" smtClean="0"/>
               <a:pPr/>
-              <a:t>22.06.2023</a:t>
+              <a:t>23.06.2023</a:t>
             </a:fld>
             <a:endParaRPr lang="ru-RU"/>
           </a:p>
@@ -1473,7 +1473,7 @@
             <a:fld id="{85A5DE44-605B-4D3B-B2B7-94543DF81A36}" type="datetimeFigureOut">
               <a:rPr lang="ru-RU" smtClean="0"/>
               <a:pPr/>
-              <a:t>22.06.2023</a:t>
+              <a:t>23.06.2023</a:t>
             </a:fld>
             <a:endParaRPr lang="ru-RU"/>
           </a:p>
@@ -1707,7 +1707,7 @@
             <a:fld id="{85A5DE44-605B-4D3B-B2B7-94543DF81A36}" type="datetimeFigureOut">
               <a:rPr lang="ru-RU" smtClean="0"/>
               <a:pPr/>
-              <a:t>22.06.2023</a:t>
+              <a:t>23.06.2023</a:t>
             </a:fld>
             <a:endParaRPr lang="ru-RU"/>
           </a:p>
@@ -2076,7 +2076,7 @@
             <a:fld id="{85A5DE44-605B-4D3B-B2B7-94543DF81A36}" type="datetimeFigureOut">
               <a:rPr lang="ru-RU" smtClean="0"/>
               <a:pPr/>
-              <a:t>22.06.2023</a:t>
+              <a:t>23.06.2023</a:t>
             </a:fld>
             <a:endParaRPr lang="ru-RU"/>
           </a:p>
@@ -2196,7 +2196,7 @@
             <a:fld id="{85A5DE44-605B-4D3B-B2B7-94543DF81A36}" type="datetimeFigureOut">
               <a:rPr lang="ru-RU" smtClean="0"/>
               <a:pPr/>
-              <a:t>22.06.2023</a:t>
+              <a:t>23.06.2023</a:t>
             </a:fld>
             <a:endParaRPr lang="ru-RU"/>
           </a:p>
@@ -2293,7 +2293,7 @@
             <a:fld id="{85A5DE44-605B-4D3B-B2B7-94543DF81A36}" type="datetimeFigureOut">
               <a:rPr lang="ru-RU" smtClean="0"/>
               <a:pPr/>
-              <a:t>22.06.2023</a:t>
+              <a:t>23.06.2023</a:t>
             </a:fld>
             <a:endParaRPr lang="ru-RU"/>
           </a:p>
@@ -2572,7 +2572,7 @@
             <a:fld id="{85A5DE44-605B-4D3B-B2B7-94543DF81A36}" type="datetimeFigureOut">
               <a:rPr lang="ru-RU" smtClean="0"/>
               <a:pPr/>
-              <a:t>22.06.2023</a:t>
+              <a:t>23.06.2023</a:t>
             </a:fld>
             <a:endParaRPr lang="ru-RU"/>
           </a:p>
@@ -2831,7 +2831,7 @@
             <a:fld id="{85A5DE44-605B-4D3B-B2B7-94543DF81A36}" type="datetimeFigureOut">
               <a:rPr lang="ru-RU" smtClean="0"/>
               <a:pPr/>
-              <a:t>22.06.2023</a:t>
+              <a:t>23.06.2023</a:t>
             </a:fld>
             <a:endParaRPr lang="ru-RU"/>
           </a:p>
@@ -3046,7 +3046,7 @@
             <a:fld id="{85A5DE44-605B-4D3B-B2B7-94543DF81A36}" type="datetimeFigureOut">
               <a:rPr lang="ru-RU" smtClean="0"/>
               <a:pPr/>
-              <a:t>22.06.2023</a:t>
+              <a:t>23.06.2023</a:t>
             </a:fld>
             <a:endParaRPr lang="ru-RU"/>
           </a:p>
@@ -5899,7 +5899,7 @@
         </p:nvSpPr>
         <p:spPr>
           <a:xfrm>
-            <a:off x="12766067" y="3355376"/>
+            <a:off x="10689037" y="2558566"/>
             <a:ext cx="926325" cy="540000"/>
           </a:xfrm>
           <a:prstGeom prst="rect">
@@ -5929,7 +5929,7 @@
             <a:pPr algn="ctr"/>
             <a:r>
               <a:rPr lang="ru-RU" sz="700" dirty="0"/>
-              <a:t>Банановые плантации</a:t>
+              <a:t>Стабилизация курса кордобы</a:t>
             </a:r>
             <a:endParaRPr lang="ru-RU" sz="400" dirty="0"/>
           </a:p>
@@ -5979,7 +5979,11 @@
             <a:pPr algn="ctr"/>
             <a:r>
               <a:rPr lang="ru-RU" sz="700" dirty="0"/>
-              <a:t>Восстановление после землетрясения 1931 года</a:t>
+              <a:t>Восстановление после землетрясения 1931 года </a:t>
+            </a:r>
+            <a:r>
+              <a:rPr lang="ru-RU" sz="300" dirty="0"/>
+              <a:t>(При нём были восстановлены некоторые общественные здания, разрушенные землетрясением 1931 года[)</a:t>
             </a:r>
             <a:endParaRPr lang="ru-RU" sz="400" dirty="0"/>
           </a:p>
@@ -9443,7 +9447,35 @@
             <a:pPr algn="ctr"/>
             <a:r>
               <a:rPr lang="ru-RU" sz="700" dirty="0"/>
-              <a:t>Ввести военное положение (в состоянии войны)</a:t>
+              <a:t>Вернуть </a:t>
+            </a:r>
+            <a:r>
+              <a:rPr lang="ru-RU" sz="700" dirty="0" err="1"/>
+              <a:t>Гуанакасте</a:t>
+            </a:r>
+            <a:r>
+              <a:rPr lang="ru-RU" sz="700" dirty="0"/>
+              <a:t> </a:t>
+            </a:r>
+            <a:r>
+              <a:rPr lang="ru-RU" sz="200" dirty="0"/>
+              <a:t>(«Вернуть </a:t>
+            </a:r>
+            <a:r>
+              <a:rPr lang="ru-RU" sz="200" dirty="0" err="1"/>
+              <a:t>Гуанакасте</a:t>
+            </a:r>
+            <a:r>
+              <a:rPr lang="ru-RU" sz="200" dirty="0"/>
+              <a:t>» в 1814 году провинция </a:t>
+            </a:r>
+            <a:r>
+              <a:rPr lang="ru-RU" sz="200" dirty="0" err="1"/>
+              <a:t>Гуанакасте</a:t>
+            </a:r>
+            <a:r>
+              <a:rPr lang="ru-RU" sz="200" dirty="0"/>
+              <a:t> вместе с полуостровом добровольно отделилась от Никарагуа и присоединилась к Коста-Рике.)</a:t>
             </a:r>
             <a:endParaRPr lang="ru-RU" sz="400" dirty="0"/>
           </a:p>
@@ -10851,7 +10883,19 @@
             <a:pPr algn="ctr"/>
             <a:r>
               <a:rPr lang="ru-RU" sz="700" dirty="0"/>
-              <a:t>Восстановить контроль над национальной гвардией</a:t>
+              <a:t>Реорганизовать Национальную гвардию </a:t>
+            </a:r>
+            <a:r>
+              <a:rPr lang="ru-RU" sz="300" dirty="0"/>
+              <a:t>(</a:t>
+            </a:r>
+            <a:r>
+              <a:rPr lang="ru-RU" sz="300" dirty="0" err="1"/>
+              <a:t>Сакаса</a:t>
+            </a:r>
+            <a:r>
+              <a:rPr lang="ru-RU" sz="300" dirty="0"/>
+              <a:t> пообещал реорганизовать Национальную гвардию и полностью переподчинить её главе государства.)</a:t>
             </a:r>
             <a:endParaRPr lang="ru-RU" sz="400" dirty="0"/>
           </a:p>
@@ -10970,6 +11014,487 @@
             <a:avLst>
               <a:gd name="adj1" fmla="val 50000"/>
             </a:avLst>
+          </a:prstGeom>
+          <a:ln w="19050">
+            <a:tailEnd type="arrow"/>
+          </a:ln>
+        </p:spPr>
+        <p:style>
+          <a:lnRef idx="1">
+            <a:schemeClr val="accent1"/>
+          </a:lnRef>
+          <a:fillRef idx="0">
+            <a:schemeClr val="accent1"/>
+          </a:fillRef>
+          <a:effectRef idx="0">
+            <a:schemeClr val="accent1"/>
+          </a:effectRef>
+          <a:fontRef idx="minor">
+            <a:schemeClr val="tx1"/>
+          </a:fontRef>
+        </p:style>
+      </p:cxnSp>
+      <p:sp>
+        <p:nvSpPr>
+          <p:cNvPr id="130" name="Прямоугольник 129">
+            <a:extLst>
+              <a:ext uri="{FF2B5EF4-FFF2-40B4-BE49-F238E27FC236}">
+                <a16:creationId xmlns:a16="http://schemas.microsoft.com/office/drawing/2014/main" id="{ABFF5B51-3609-4286-A116-20D114007F6D}"/>
+              </a:ext>
+            </a:extLst>
+          </p:cNvPr>
+          <p:cNvSpPr/>
+          <p:nvPr/>
+        </p:nvSpPr>
+        <p:spPr>
+          <a:xfrm>
+            <a:off x="9292357" y="8349423"/>
+            <a:ext cx="926325" cy="540000"/>
+          </a:xfrm>
+          <a:prstGeom prst="rect">
+            <a:avLst/>
+          </a:prstGeom>
+          <a:solidFill>
+            <a:schemeClr val="accent1">
+              <a:lumMod val="40000"/>
+              <a:lumOff val="60000"/>
+            </a:schemeClr>
+          </a:solidFill>
+          <a:ln w="19050"/>
+        </p:spPr>
+        <p:style>
+          <a:lnRef idx="2">
+            <a:schemeClr val="accent1"/>
+          </a:lnRef>
+          <a:fillRef idx="1">
+            <a:schemeClr val="lt1"/>
+          </a:fillRef>
+          <a:effectRef idx="0">
+            <a:schemeClr val="accent1"/>
+          </a:effectRef>
+          <a:fontRef idx="minor">
+            <a:schemeClr val="dk1"/>
+          </a:fontRef>
+        </p:style>
+        <p:txBody>
+          <a:bodyPr lIns="124733" tIns="62367" rIns="124733" bIns="62367" rtlCol="0" anchor="ctr"/>
+          <a:lstStyle/>
+          <a:p>
+            <a:pPr algn="ctr"/>
+            <a:r>
+              <a:rPr lang="ru-RU" sz="700" dirty="0"/>
+              <a:t>Объединить социальные слои общества </a:t>
+            </a:r>
+            <a:r>
+              <a:rPr lang="ru-RU" sz="200" dirty="0"/>
+              <a:t>(В первые годы своего существования PLI добилась объединения различных социальных слоев: рабочих, студентов, торговцев, домохозяек, крестьян и т. д.)</a:t>
+            </a:r>
+            <a:endParaRPr lang="ru-RU" sz="400" dirty="0"/>
+          </a:p>
+        </p:txBody>
+      </p:sp>
+      <p:sp>
+        <p:nvSpPr>
+          <p:cNvPr id="132" name="Прямоугольник 131">
+            <a:extLst>
+              <a:ext uri="{FF2B5EF4-FFF2-40B4-BE49-F238E27FC236}">
+                <a16:creationId xmlns:a16="http://schemas.microsoft.com/office/drawing/2014/main" id="{42471CBD-413A-4A3C-B6F6-DCD88E55B78D}"/>
+              </a:ext>
+            </a:extLst>
+          </p:cNvPr>
+          <p:cNvSpPr/>
+          <p:nvPr/>
+        </p:nvSpPr>
+        <p:spPr>
+          <a:xfrm>
+            <a:off x="12918467" y="3507776"/>
+            <a:ext cx="926325" cy="540000"/>
+          </a:xfrm>
+          <a:prstGeom prst="rect">
+            <a:avLst/>
+          </a:prstGeom>
+          <a:noFill/>
+          <a:ln w="19050"/>
+        </p:spPr>
+        <p:style>
+          <a:lnRef idx="2">
+            <a:schemeClr val="accent1"/>
+          </a:lnRef>
+          <a:fillRef idx="1">
+            <a:schemeClr val="lt1"/>
+          </a:fillRef>
+          <a:effectRef idx="0">
+            <a:schemeClr val="accent1"/>
+          </a:effectRef>
+          <a:fontRef idx="minor">
+            <a:schemeClr val="dk1"/>
+          </a:fontRef>
+        </p:style>
+        <p:txBody>
+          <a:bodyPr lIns="124733" tIns="62367" rIns="124733" bIns="62367" rtlCol="0" anchor="ctr"/>
+          <a:lstStyle/>
+          <a:p>
+            <a:pPr algn="ctr"/>
+            <a:r>
+              <a:rPr lang="ru-RU" sz="700" dirty="0"/>
+              <a:t>Банановые плантации</a:t>
+            </a:r>
+            <a:endParaRPr lang="ru-RU" sz="400" dirty="0"/>
+          </a:p>
+        </p:txBody>
+      </p:sp>
+      <p:sp>
+        <p:nvSpPr>
+          <p:cNvPr id="133" name="Прямоугольник 132">
+            <a:extLst>
+              <a:ext uri="{FF2B5EF4-FFF2-40B4-BE49-F238E27FC236}">
+                <a16:creationId xmlns:a16="http://schemas.microsoft.com/office/drawing/2014/main" id="{5A02DB7D-6E57-4AEF-9913-B75B2F02E27D}"/>
+              </a:ext>
+            </a:extLst>
+          </p:cNvPr>
+          <p:cNvSpPr/>
+          <p:nvPr/>
+        </p:nvSpPr>
+        <p:spPr>
+          <a:xfrm>
+            <a:off x="9292355" y="10750105"/>
+            <a:ext cx="926325" cy="540000"/>
+          </a:xfrm>
+          <a:prstGeom prst="rect">
+            <a:avLst/>
+          </a:prstGeom>
+          <a:solidFill>
+            <a:schemeClr val="accent1">
+              <a:lumMod val="40000"/>
+              <a:lumOff val="60000"/>
+            </a:schemeClr>
+          </a:solidFill>
+          <a:ln w="19050"/>
+        </p:spPr>
+        <p:style>
+          <a:lnRef idx="2">
+            <a:schemeClr val="accent1"/>
+          </a:lnRef>
+          <a:fillRef idx="1">
+            <a:schemeClr val="lt1"/>
+          </a:fillRef>
+          <a:effectRef idx="0">
+            <a:schemeClr val="accent1"/>
+          </a:effectRef>
+          <a:fontRef idx="minor">
+            <a:schemeClr val="dk1"/>
+          </a:fontRef>
+        </p:style>
+        <p:txBody>
+          <a:bodyPr lIns="124733" tIns="62367" rIns="124733" bIns="62367" rtlCol="0" anchor="ctr"/>
+          <a:lstStyle/>
+          <a:p>
+            <a:pPr algn="ctr"/>
+            <a:r>
+              <a:rPr lang="ru-RU" sz="700" dirty="0"/>
+              <a:t>Вторая Великая Республика Центральной Америки</a:t>
+            </a:r>
+            <a:endParaRPr lang="ru-RU" sz="400" dirty="0"/>
+          </a:p>
+        </p:txBody>
+      </p:sp>
+      <p:sp>
+        <p:nvSpPr>
+          <p:cNvPr id="135" name="Прямоугольник 134">
+            <a:extLst>
+              <a:ext uri="{FF2B5EF4-FFF2-40B4-BE49-F238E27FC236}">
+                <a16:creationId xmlns:a16="http://schemas.microsoft.com/office/drawing/2014/main" id="{D80463F0-008D-4836-8F9E-3D2D6E66AB47}"/>
+              </a:ext>
+            </a:extLst>
+          </p:cNvPr>
+          <p:cNvSpPr/>
+          <p:nvPr/>
+        </p:nvSpPr>
+        <p:spPr>
+          <a:xfrm>
+            <a:off x="9296949" y="9952374"/>
+            <a:ext cx="926325" cy="540000"/>
+          </a:xfrm>
+          <a:prstGeom prst="rect">
+            <a:avLst/>
+          </a:prstGeom>
+          <a:solidFill>
+            <a:schemeClr val="accent1">
+              <a:lumMod val="40000"/>
+              <a:lumOff val="60000"/>
+            </a:schemeClr>
+          </a:solidFill>
+          <a:ln w="19050"/>
+        </p:spPr>
+        <p:style>
+          <a:lnRef idx="2">
+            <a:schemeClr val="accent1"/>
+          </a:lnRef>
+          <a:fillRef idx="1">
+            <a:schemeClr val="lt1"/>
+          </a:fillRef>
+          <a:effectRef idx="0">
+            <a:schemeClr val="accent1"/>
+          </a:effectRef>
+          <a:fontRef idx="minor">
+            <a:schemeClr val="dk1"/>
+          </a:fontRef>
+        </p:style>
+        <p:txBody>
+          <a:bodyPr lIns="124733" tIns="62367" rIns="124733" bIns="62367" rtlCol="0" anchor="ctr"/>
+          <a:lstStyle/>
+          <a:p>
+            <a:pPr algn="ctr"/>
+            <a:r>
+              <a:rPr lang="ru-RU" sz="700" dirty="0"/>
+              <a:t>Центральноамериканский союз</a:t>
+            </a:r>
+            <a:endParaRPr lang="ru-RU" sz="400" dirty="0"/>
+          </a:p>
+        </p:txBody>
+      </p:sp>
+      <p:sp>
+        <p:nvSpPr>
+          <p:cNvPr id="136" name="Прямоугольник 135">
+            <a:extLst>
+              <a:ext uri="{FF2B5EF4-FFF2-40B4-BE49-F238E27FC236}">
+                <a16:creationId xmlns:a16="http://schemas.microsoft.com/office/drawing/2014/main" id="{C758B007-0C96-4689-82E4-6C593885F846}"/>
+              </a:ext>
+            </a:extLst>
+          </p:cNvPr>
+          <p:cNvSpPr/>
+          <p:nvPr/>
+        </p:nvSpPr>
+        <p:spPr>
+          <a:xfrm>
+            <a:off x="9292354" y="11532641"/>
+            <a:ext cx="926325" cy="540000"/>
+          </a:xfrm>
+          <a:prstGeom prst="rect">
+            <a:avLst/>
+          </a:prstGeom>
+          <a:solidFill>
+            <a:schemeClr val="accent1">
+              <a:lumMod val="40000"/>
+              <a:lumOff val="60000"/>
+            </a:schemeClr>
+          </a:solidFill>
+          <a:ln w="19050"/>
+        </p:spPr>
+        <p:style>
+          <a:lnRef idx="2">
+            <a:schemeClr val="accent1"/>
+          </a:lnRef>
+          <a:fillRef idx="1">
+            <a:schemeClr val="lt1"/>
+          </a:fillRef>
+          <a:effectRef idx="0">
+            <a:schemeClr val="accent1"/>
+          </a:effectRef>
+          <a:fontRef idx="minor">
+            <a:schemeClr val="dk1"/>
+          </a:fontRef>
+        </p:style>
+        <p:txBody>
+          <a:bodyPr lIns="124733" tIns="62367" rIns="124733" bIns="62367" rtlCol="0" anchor="ctr"/>
+          <a:lstStyle/>
+          <a:p>
+            <a:pPr algn="ctr"/>
+            <a:r>
+              <a:rPr lang="ru-RU" sz="700" dirty="0"/>
+              <a:t>Великая конституция  </a:t>
+            </a:r>
+            <a:r>
+              <a:rPr lang="ru-RU" sz="100" dirty="0"/>
+              <a:t>(Договор не был конституцией, и существование республики зависело исключительно от готовности каждого члена остаться в союзе, но, тем не менее, была создана Великая Республика Центральной Америки со столицей в </a:t>
+            </a:r>
+            <a:r>
+              <a:rPr lang="ru-RU" sz="100" dirty="0" err="1"/>
+              <a:t>Амапале</a:t>
+            </a:r>
+            <a:r>
+              <a:rPr lang="ru-RU" sz="100" dirty="0"/>
+              <a:t> .) Подписавшие настоящий договор правительства не отказываются от своей автономии и независимости в отношении управления своими внутренними делами, и конституция и законы каждого штата остаются в силе, поскольку они не противоречат положениям настоящего договора. . Для исполнения положений, содержащихся в Статье I, должен быть сейм, состоящий из одного члена и одного заместителя, избираемых каждым из съездов подписавших республик сроком на три года. 27 августа 1898 года представители собрались в Манагуа , чтобы разработать и подписать конституцию Великой республики. Конституция Великой Республики Центральной Америки была ратифицирована 1 ноября 1898 года, официально изменив название страны на Соединенные Штаты Центральной Америки .</a:t>
+            </a:r>
+            <a:endParaRPr lang="ru-RU" sz="400" dirty="0"/>
+          </a:p>
+        </p:txBody>
+      </p:sp>
+      <p:sp>
+        <p:nvSpPr>
+          <p:cNvPr id="137" name="Прямоугольник 136">
+            <a:extLst>
+              <a:ext uri="{FF2B5EF4-FFF2-40B4-BE49-F238E27FC236}">
+                <a16:creationId xmlns:a16="http://schemas.microsoft.com/office/drawing/2014/main" id="{E020E2C7-D9ED-4AF5-8ED7-87763F3522B4}"/>
+              </a:ext>
+            </a:extLst>
+          </p:cNvPr>
+          <p:cNvSpPr/>
+          <p:nvPr/>
+        </p:nvSpPr>
+        <p:spPr>
+          <a:xfrm>
+            <a:off x="10689037" y="9952374"/>
+            <a:ext cx="926325" cy="540000"/>
+          </a:xfrm>
+          <a:prstGeom prst="rect">
+            <a:avLst/>
+          </a:prstGeom>
+          <a:solidFill>
+            <a:schemeClr val="accent1">
+              <a:lumMod val="40000"/>
+              <a:lumOff val="60000"/>
+            </a:schemeClr>
+          </a:solidFill>
+          <a:ln w="19050"/>
+        </p:spPr>
+        <p:style>
+          <a:lnRef idx="2">
+            <a:schemeClr val="accent1"/>
+          </a:lnRef>
+          <a:fillRef idx="1">
+            <a:schemeClr val="lt1"/>
+          </a:fillRef>
+          <a:effectRef idx="0">
+            <a:schemeClr val="accent1"/>
+          </a:effectRef>
+          <a:fontRef idx="minor">
+            <a:schemeClr val="dk1"/>
+          </a:fontRef>
+        </p:style>
+        <p:txBody>
+          <a:bodyPr lIns="124733" tIns="62367" rIns="124733" bIns="62367" rtlCol="0" anchor="ctr"/>
+          <a:lstStyle/>
+          <a:p>
+            <a:pPr algn="ctr"/>
+            <a:r>
+              <a:rPr lang="ru-RU" sz="700" dirty="0"/>
+              <a:t>Укрепить отношения со странами Центральной Америки</a:t>
+            </a:r>
+            <a:endParaRPr lang="ru-RU" sz="400" dirty="0"/>
+          </a:p>
+        </p:txBody>
+      </p:sp>
+      <p:sp>
+        <p:nvSpPr>
+          <p:cNvPr id="139" name="Прямоугольник 138">
+            <a:extLst>
+              <a:ext uri="{FF2B5EF4-FFF2-40B4-BE49-F238E27FC236}">
+                <a16:creationId xmlns:a16="http://schemas.microsoft.com/office/drawing/2014/main" id="{2772F863-F97F-446C-9EF5-E9FBA76BA105}"/>
+              </a:ext>
+            </a:extLst>
+          </p:cNvPr>
+          <p:cNvSpPr/>
+          <p:nvPr/>
+        </p:nvSpPr>
+        <p:spPr>
+          <a:xfrm>
+            <a:off x="3026887" y="12270675"/>
+            <a:ext cx="926325" cy="540000"/>
+          </a:xfrm>
+          <a:prstGeom prst="rect">
+            <a:avLst/>
+          </a:prstGeom>
+          <a:solidFill>
+            <a:schemeClr val="bg1">
+              <a:lumMod val="65000"/>
+            </a:schemeClr>
+          </a:solidFill>
+          <a:ln w="19050"/>
+        </p:spPr>
+        <p:style>
+          <a:lnRef idx="2">
+            <a:schemeClr val="accent1"/>
+          </a:lnRef>
+          <a:fillRef idx="1">
+            <a:schemeClr val="lt1"/>
+          </a:fillRef>
+          <a:effectRef idx="0">
+            <a:schemeClr val="accent1"/>
+          </a:effectRef>
+          <a:fontRef idx="minor">
+            <a:schemeClr val="dk1"/>
+          </a:fontRef>
+        </p:style>
+        <p:txBody>
+          <a:bodyPr lIns="124733" tIns="62367" rIns="124733" bIns="62367" rtlCol="0" anchor="ctr"/>
+          <a:lstStyle/>
+          <a:p>
+            <a:pPr algn="ctr"/>
+            <a:r>
+              <a:rPr lang="ru-RU" sz="700" dirty="0"/>
+              <a:t>Ввести военное положение (в состоянии войны)</a:t>
+            </a:r>
+            <a:endParaRPr lang="ru-RU" sz="400" dirty="0"/>
+          </a:p>
+        </p:txBody>
+      </p:sp>
+      <p:cxnSp>
+        <p:nvCxnSpPr>
+          <p:cNvPr id="140" name="Прямая со стрелкой 139">
+            <a:extLst>
+              <a:ext uri="{FF2B5EF4-FFF2-40B4-BE49-F238E27FC236}">
+                <a16:creationId xmlns:a16="http://schemas.microsoft.com/office/drawing/2014/main" id="{B3FCE5AB-B549-43E5-94DB-B0838C67B62E}"/>
+              </a:ext>
+            </a:extLst>
+          </p:cNvPr>
+          <p:cNvCxnSpPr>
+            <a:cxnSpLocks/>
+            <a:stCxn id="162" idx="2"/>
+            <a:endCxn id="139" idx="0"/>
+          </p:cNvCxnSpPr>
+          <p:nvPr/>
+        </p:nvCxnSpPr>
+        <p:spPr>
+          <a:xfrm>
+            <a:off x="3490050" y="12072641"/>
+            <a:ext cx="0" cy="198034"/>
+          </a:xfrm>
+          <a:prstGeom prst="straightConnector1">
+            <a:avLst/>
+          </a:prstGeom>
+          <a:ln w="19050">
+            <a:tailEnd type="arrow"/>
+          </a:ln>
+        </p:spPr>
+        <p:style>
+          <a:lnRef idx="1">
+            <a:schemeClr val="accent1"/>
+          </a:lnRef>
+          <a:fillRef idx="0">
+            <a:schemeClr val="accent1"/>
+          </a:fillRef>
+          <a:effectRef idx="0">
+            <a:schemeClr val="accent1"/>
+          </a:effectRef>
+          <a:fontRef idx="minor">
+            <a:schemeClr val="tx1"/>
+          </a:fontRef>
+        </p:style>
+      </p:cxnSp>
+      <p:cxnSp>
+        <p:nvCxnSpPr>
+          <p:cNvPr id="142" name="Прямая со стрелкой 141">
+            <a:extLst>
+              <a:ext uri="{FF2B5EF4-FFF2-40B4-BE49-F238E27FC236}">
+                <a16:creationId xmlns:a16="http://schemas.microsoft.com/office/drawing/2014/main" id="{6DB489FB-B7F5-4424-8C73-6D37DF418426}"/>
+              </a:ext>
+            </a:extLst>
+          </p:cNvPr>
+          <p:cNvCxnSpPr>
+            <a:cxnSpLocks/>
+            <a:stCxn id="56" idx="2"/>
+            <a:endCxn id="130" idx="0"/>
+          </p:cNvCxnSpPr>
+          <p:nvPr/>
+        </p:nvCxnSpPr>
+        <p:spPr>
+          <a:xfrm flipH="1">
+            <a:off x="9755520" y="8098724"/>
+            <a:ext cx="4592" cy="250699"/>
+          </a:xfrm>
+          <a:prstGeom prst="straightConnector1">
+            <a:avLst/>
           </a:prstGeom>
           <a:ln w="19050">
             <a:tailEnd type="arrow"/>

--- a/Наработки/диздоки/Никарагуа/Никарагуа.pptx
+++ b/Наработки/диздоки/Никарагуа/Никарагуа.pptx
@@ -209,7 +209,7 @@
             <a:fld id="{33E3D7F9-E251-484C-A6FF-FA958879DF69}" type="datetimeFigureOut">
               <a:rPr lang="ru-RU" smtClean="0"/>
               <a:pPr/>
-              <a:t>23.06.2023</a:t>
+              <a:t>25.06.2023</a:t>
             </a:fld>
             <a:endParaRPr lang="ru-RU"/>
           </a:p>
@@ -699,7 +699,7 @@
             <a:fld id="{85A5DE44-605B-4D3B-B2B7-94543DF81A36}" type="datetimeFigureOut">
               <a:rPr lang="ru-RU" smtClean="0"/>
               <a:pPr/>
-              <a:t>23.06.2023</a:t>
+              <a:t>25.06.2023</a:t>
             </a:fld>
             <a:endParaRPr lang="ru-RU"/>
           </a:p>
@@ -871,7 +871,7 @@
             <a:fld id="{85A5DE44-605B-4D3B-B2B7-94543DF81A36}" type="datetimeFigureOut">
               <a:rPr lang="ru-RU" smtClean="0"/>
               <a:pPr/>
-              <a:t>23.06.2023</a:t>
+              <a:t>25.06.2023</a:t>
             </a:fld>
             <a:endParaRPr lang="ru-RU"/>
           </a:p>
@@ -1053,7 +1053,7 @@
             <a:fld id="{85A5DE44-605B-4D3B-B2B7-94543DF81A36}" type="datetimeFigureOut">
               <a:rPr lang="ru-RU" smtClean="0"/>
               <a:pPr/>
-              <a:t>23.06.2023</a:t>
+              <a:t>25.06.2023</a:t>
             </a:fld>
             <a:endParaRPr lang="ru-RU"/>
           </a:p>
@@ -1225,7 +1225,7 @@
             <a:fld id="{85A5DE44-605B-4D3B-B2B7-94543DF81A36}" type="datetimeFigureOut">
               <a:rPr lang="ru-RU" smtClean="0"/>
               <a:pPr/>
-              <a:t>23.06.2023</a:t>
+              <a:t>25.06.2023</a:t>
             </a:fld>
             <a:endParaRPr lang="ru-RU"/>
           </a:p>
@@ -1473,7 +1473,7 @@
             <a:fld id="{85A5DE44-605B-4D3B-B2B7-94543DF81A36}" type="datetimeFigureOut">
               <a:rPr lang="ru-RU" smtClean="0"/>
               <a:pPr/>
-              <a:t>23.06.2023</a:t>
+              <a:t>25.06.2023</a:t>
             </a:fld>
             <a:endParaRPr lang="ru-RU"/>
           </a:p>
@@ -1707,7 +1707,7 @@
             <a:fld id="{85A5DE44-605B-4D3B-B2B7-94543DF81A36}" type="datetimeFigureOut">
               <a:rPr lang="ru-RU" smtClean="0"/>
               <a:pPr/>
-              <a:t>23.06.2023</a:t>
+              <a:t>25.06.2023</a:t>
             </a:fld>
             <a:endParaRPr lang="ru-RU"/>
           </a:p>
@@ -2076,7 +2076,7 @@
             <a:fld id="{85A5DE44-605B-4D3B-B2B7-94543DF81A36}" type="datetimeFigureOut">
               <a:rPr lang="ru-RU" smtClean="0"/>
               <a:pPr/>
-              <a:t>23.06.2023</a:t>
+              <a:t>25.06.2023</a:t>
             </a:fld>
             <a:endParaRPr lang="ru-RU"/>
           </a:p>
@@ -2196,7 +2196,7 @@
             <a:fld id="{85A5DE44-605B-4D3B-B2B7-94543DF81A36}" type="datetimeFigureOut">
               <a:rPr lang="ru-RU" smtClean="0"/>
               <a:pPr/>
-              <a:t>23.06.2023</a:t>
+              <a:t>25.06.2023</a:t>
             </a:fld>
             <a:endParaRPr lang="ru-RU"/>
           </a:p>
@@ -2293,7 +2293,7 @@
             <a:fld id="{85A5DE44-605B-4D3B-B2B7-94543DF81A36}" type="datetimeFigureOut">
               <a:rPr lang="ru-RU" smtClean="0"/>
               <a:pPr/>
-              <a:t>23.06.2023</a:t>
+              <a:t>25.06.2023</a:t>
             </a:fld>
             <a:endParaRPr lang="ru-RU"/>
           </a:p>
@@ -2572,7 +2572,7 @@
             <a:fld id="{85A5DE44-605B-4D3B-B2B7-94543DF81A36}" type="datetimeFigureOut">
               <a:rPr lang="ru-RU" smtClean="0"/>
               <a:pPr/>
-              <a:t>23.06.2023</a:t>
+              <a:t>25.06.2023</a:t>
             </a:fld>
             <a:endParaRPr lang="ru-RU"/>
           </a:p>
@@ -2831,7 +2831,7 @@
             <a:fld id="{85A5DE44-605B-4D3B-B2B7-94543DF81A36}" type="datetimeFigureOut">
               <a:rPr lang="ru-RU" smtClean="0"/>
               <a:pPr/>
-              <a:t>23.06.2023</a:t>
+              <a:t>25.06.2023</a:t>
             </a:fld>
             <a:endParaRPr lang="ru-RU"/>
           </a:p>
@@ -3046,7 +3046,7 @@
             <a:fld id="{85A5DE44-605B-4D3B-B2B7-94543DF81A36}" type="datetimeFigureOut">
               <a:rPr lang="ru-RU" smtClean="0"/>
               <a:pPr/>
-              <a:t>23.06.2023</a:t>
+              <a:t>25.06.2023</a:t>
             </a:fld>
             <a:endParaRPr lang="ru-RU"/>
           </a:p>
@@ -6606,7 +6606,7 @@
         </p:nvSpPr>
         <p:spPr>
           <a:xfrm>
-            <a:off x="18966178" y="6038704"/>
+            <a:off x="12148816" y="14206870"/>
             <a:ext cx="926325" cy="540000"/>
           </a:xfrm>
           <a:prstGeom prst="rect">
@@ -6658,7 +6658,7 @@
         </p:nvSpPr>
         <p:spPr>
           <a:xfrm>
-            <a:off x="20124078" y="6038704"/>
+            <a:off x="13306716" y="14206870"/>
             <a:ext cx="926325" cy="540000"/>
           </a:xfrm>
           <a:prstGeom prst="rect">
@@ -6710,7 +6710,7 @@
         </p:nvSpPr>
         <p:spPr>
           <a:xfrm>
-            <a:off x="17972161" y="5972114"/>
+            <a:off x="11154799" y="14140280"/>
             <a:ext cx="926325" cy="540000"/>
           </a:xfrm>
           <a:prstGeom prst="rect">
@@ -6762,7 +6762,7 @@
         </p:nvSpPr>
         <p:spPr>
           <a:xfrm>
-            <a:off x="19429340" y="6665351"/>
+            <a:off x="12611978" y="14833517"/>
             <a:ext cx="926325" cy="540000"/>
           </a:xfrm>
           <a:prstGeom prst="rect">
@@ -6814,7 +6814,7 @@
         </p:nvSpPr>
         <p:spPr>
           <a:xfrm>
-            <a:off x="18203742" y="6832506"/>
+            <a:off x="11386380" y="15000672"/>
             <a:ext cx="926325" cy="540000"/>
           </a:xfrm>
           <a:prstGeom prst="rect">
@@ -6866,7 +6866,7 @@
         </p:nvSpPr>
         <p:spPr>
           <a:xfrm>
-            <a:off x="18835383" y="7560647"/>
+            <a:off x="12018021" y="15728813"/>
             <a:ext cx="926325" cy="540000"/>
           </a:xfrm>
           <a:prstGeom prst="rect">
@@ -6918,7 +6918,7 @@
         </p:nvSpPr>
         <p:spPr>
           <a:xfrm>
-            <a:off x="20403767" y="6711053"/>
+            <a:off x="13586405" y="14879219"/>
             <a:ext cx="926325" cy="540000"/>
           </a:xfrm>
           <a:prstGeom prst="rect">
@@ -6970,7 +6970,7 @@
         </p:nvSpPr>
         <p:spPr>
           <a:xfrm>
-            <a:off x="20097526" y="7576451"/>
+            <a:off x="13280164" y="15744617"/>
             <a:ext cx="926325" cy="540000"/>
           </a:xfrm>
           <a:prstGeom prst="rect">
@@ -11157,7 +11157,7 @@
         </p:nvSpPr>
         <p:spPr>
           <a:xfrm>
-            <a:off x="9292355" y="10750105"/>
+            <a:off x="9292357" y="11532641"/>
             <a:ext cx="926325" cy="540000"/>
           </a:xfrm>
           <a:prstGeom prst="rect">
@@ -11212,7 +11212,7 @@
         </p:nvSpPr>
         <p:spPr>
           <a:xfrm>
-            <a:off x="9296949" y="9952374"/>
+            <a:off x="9292357" y="10749674"/>
             <a:ext cx="926325" cy="540000"/>
           </a:xfrm>
           <a:prstGeom prst="rect">
@@ -11267,7 +11267,7 @@
         </p:nvSpPr>
         <p:spPr>
           <a:xfrm>
-            <a:off x="9292354" y="11532641"/>
+            <a:off x="9292356" y="12270675"/>
             <a:ext cx="926325" cy="540000"/>
           </a:xfrm>
           <a:prstGeom prst="rect">
@@ -11322,10 +11322,10 @@
       </p:sp>
       <p:sp>
         <p:nvSpPr>
-          <p:cNvPr id="137" name="Прямоугольник 136">
-            <a:extLst>
-              <a:ext uri="{FF2B5EF4-FFF2-40B4-BE49-F238E27FC236}">
-                <a16:creationId xmlns:a16="http://schemas.microsoft.com/office/drawing/2014/main" id="{E020E2C7-D9ED-4AF5-8ED7-87763F3522B4}"/>
+          <p:cNvPr id="139" name="Прямоугольник 138">
+            <a:extLst>
+              <a:ext uri="{FF2B5EF4-FFF2-40B4-BE49-F238E27FC236}">
+                <a16:creationId xmlns:a16="http://schemas.microsoft.com/office/drawing/2014/main" id="{2772F863-F97F-446C-9EF5-E9FBA76BA105}"/>
               </a:ext>
             </a:extLst>
           </p:cNvPr>
@@ -11334,7 +11334,147 @@
         </p:nvSpPr>
         <p:spPr>
           <a:xfrm>
-            <a:off x="10689037" y="9952374"/>
+            <a:off x="3026887" y="12270675"/>
+            <a:ext cx="926325" cy="540000"/>
+          </a:xfrm>
+          <a:prstGeom prst="rect">
+            <a:avLst/>
+          </a:prstGeom>
+          <a:solidFill>
+            <a:schemeClr val="bg1">
+              <a:lumMod val="65000"/>
+            </a:schemeClr>
+          </a:solidFill>
+          <a:ln w="19050"/>
+        </p:spPr>
+        <p:style>
+          <a:lnRef idx="2">
+            <a:schemeClr val="accent1"/>
+          </a:lnRef>
+          <a:fillRef idx="1">
+            <a:schemeClr val="lt1"/>
+          </a:fillRef>
+          <a:effectRef idx="0">
+            <a:schemeClr val="accent1"/>
+          </a:effectRef>
+          <a:fontRef idx="minor">
+            <a:schemeClr val="dk1"/>
+          </a:fontRef>
+        </p:style>
+        <p:txBody>
+          <a:bodyPr lIns="124733" tIns="62367" rIns="124733" bIns="62367" rtlCol="0" anchor="ctr"/>
+          <a:lstStyle/>
+          <a:p>
+            <a:pPr algn="ctr"/>
+            <a:r>
+              <a:rPr lang="ru-RU" sz="700" dirty="0"/>
+              <a:t>Ввести военное положение (в состоянии войны)</a:t>
+            </a:r>
+            <a:endParaRPr lang="ru-RU" sz="400" dirty="0"/>
+          </a:p>
+        </p:txBody>
+      </p:sp>
+      <p:cxnSp>
+        <p:nvCxnSpPr>
+          <p:cNvPr id="140" name="Прямая со стрелкой 139">
+            <a:extLst>
+              <a:ext uri="{FF2B5EF4-FFF2-40B4-BE49-F238E27FC236}">
+                <a16:creationId xmlns:a16="http://schemas.microsoft.com/office/drawing/2014/main" id="{B3FCE5AB-B549-43E5-94DB-B0838C67B62E}"/>
+              </a:ext>
+            </a:extLst>
+          </p:cNvPr>
+          <p:cNvCxnSpPr>
+            <a:cxnSpLocks/>
+            <a:stCxn id="162" idx="2"/>
+            <a:endCxn id="139" idx="0"/>
+          </p:cNvCxnSpPr>
+          <p:nvPr/>
+        </p:nvCxnSpPr>
+        <p:spPr>
+          <a:xfrm>
+            <a:off x="3490050" y="12072641"/>
+            <a:ext cx="0" cy="198034"/>
+          </a:xfrm>
+          <a:prstGeom prst="straightConnector1">
+            <a:avLst/>
+          </a:prstGeom>
+          <a:ln w="19050">
+            <a:tailEnd type="arrow"/>
+          </a:ln>
+        </p:spPr>
+        <p:style>
+          <a:lnRef idx="1">
+            <a:schemeClr val="accent1"/>
+          </a:lnRef>
+          <a:fillRef idx="0">
+            <a:schemeClr val="accent1"/>
+          </a:fillRef>
+          <a:effectRef idx="0">
+            <a:schemeClr val="accent1"/>
+          </a:effectRef>
+          <a:fontRef idx="minor">
+            <a:schemeClr val="tx1"/>
+          </a:fontRef>
+        </p:style>
+      </p:cxnSp>
+      <p:cxnSp>
+        <p:nvCxnSpPr>
+          <p:cNvPr id="142" name="Прямая со стрелкой 141">
+            <a:extLst>
+              <a:ext uri="{FF2B5EF4-FFF2-40B4-BE49-F238E27FC236}">
+                <a16:creationId xmlns:a16="http://schemas.microsoft.com/office/drawing/2014/main" id="{6DB489FB-B7F5-4424-8C73-6D37DF418426}"/>
+              </a:ext>
+            </a:extLst>
+          </p:cNvPr>
+          <p:cNvCxnSpPr>
+            <a:cxnSpLocks/>
+            <a:stCxn id="56" idx="2"/>
+            <a:endCxn id="130" idx="0"/>
+          </p:cNvCxnSpPr>
+          <p:nvPr/>
+        </p:nvCxnSpPr>
+        <p:spPr>
+          <a:xfrm flipH="1">
+            <a:off x="9755520" y="8098724"/>
+            <a:ext cx="4592" cy="250699"/>
+          </a:xfrm>
+          <a:prstGeom prst="straightConnector1">
+            <a:avLst/>
+          </a:prstGeom>
+          <a:ln w="19050">
+            <a:tailEnd type="arrow"/>
+          </a:ln>
+        </p:spPr>
+        <p:style>
+          <a:lnRef idx="1">
+            <a:schemeClr val="accent1"/>
+          </a:lnRef>
+          <a:fillRef idx="0">
+            <a:schemeClr val="accent1"/>
+          </a:fillRef>
+          <a:effectRef idx="0">
+            <a:schemeClr val="accent1"/>
+          </a:effectRef>
+          <a:fontRef idx="minor">
+            <a:schemeClr val="tx1"/>
+          </a:fontRef>
+        </p:style>
+      </p:cxnSp>
+      <p:sp>
+        <p:nvSpPr>
+          <p:cNvPr id="143" name="Прямоугольник 142">
+            <a:extLst>
+              <a:ext uri="{FF2B5EF4-FFF2-40B4-BE49-F238E27FC236}">
+                <a16:creationId xmlns:a16="http://schemas.microsoft.com/office/drawing/2014/main" id="{D8560F03-D7E5-4EAE-8AB6-25DD52B13299}"/>
+              </a:ext>
+            </a:extLst>
+          </p:cNvPr>
+          <p:cNvSpPr/>
+          <p:nvPr/>
+        </p:nvSpPr>
+        <p:spPr>
+          <a:xfrm>
+            <a:off x="10677253" y="8349423"/>
             <a:ext cx="926325" cy="540000"/>
           </a:xfrm>
           <a:prstGeom prst="rect">
@@ -11369,7 +11509,27 @@
             <a:pPr algn="ctr"/>
             <a:r>
               <a:rPr lang="ru-RU" sz="700" dirty="0"/>
-              <a:t>Укрепить отношения со странами Центральной Америки</a:t>
+              <a:t>Вернуть </a:t>
+            </a:r>
+            <a:r>
+              <a:rPr lang="ru-RU" sz="700" dirty="0" err="1"/>
+              <a:t>Монкаду</a:t>
+            </a:r>
+            <a:r>
+              <a:rPr lang="ru-RU" sz="700" dirty="0"/>
+              <a:t> на службу </a:t>
+            </a:r>
+            <a:r>
+              <a:rPr lang="ru-RU" sz="500" dirty="0"/>
+              <a:t>(может ему передать пост директора </a:t>
+            </a:r>
+            <a:r>
+              <a:rPr lang="ru-RU" sz="500" dirty="0" err="1"/>
+              <a:t>нац</a:t>
+            </a:r>
+            <a:r>
+              <a:rPr lang="ru-RU" sz="500" dirty="0"/>
+              <a:t> гвардии)</a:t>
             </a:r>
             <a:endParaRPr lang="ru-RU" sz="400" dirty="0"/>
           </a:p>
@@ -11377,10 +11537,10 @@
       </p:sp>
       <p:sp>
         <p:nvSpPr>
-          <p:cNvPr id="139" name="Прямоугольник 138">
-            <a:extLst>
-              <a:ext uri="{FF2B5EF4-FFF2-40B4-BE49-F238E27FC236}">
-                <a16:creationId xmlns:a16="http://schemas.microsoft.com/office/drawing/2014/main" id="{2772F863-F97F-446C-9EF5-E9FBA76BA105}"/>
+          <p:cNvPr id="145" name="Прямоугольник 144">
+            <a:extLst>
+              <a:ext uri="{FF2B5EF4-FFF2-40B4-BE49-F238E27FC236}">
+                <a16:creationId xmlns:a16="http://schemas.microsoft.com/office/drawing/2014/main" id="{9B2FDAB2-B211-4434-9C5B-E5DF44A10A33}"/>
               </a:ext>
             </a:extLst>
           </p:cNvPr>
@@ -11389,7 +11549,7 @@
         </p:nvSpPr>
         <p:spPr>
           <a:xfrm>
-            <a:off x="3026887" y="12270675"/>
+            <a:off x="4424325" y="12270675"/>
             <a:ext cx="926325" cy="540000"/>
           </a:xfrm>
           <a:prstGeom prst="rect">
@@ -11423,7 +11583,83 @@
             <a:pPr algn="ctr"/>
             <a:r>
               <a:rPr lang="ru-RU" sz="700" dirty="0"/>
-              <a:t>Ввести военное положение (в состоянии войны)</a:t>
+              <a:t>Денонсировать договор </a:t>
+            </a:r>
+            <a:r>
+              <a:rPr lang="ru-RU" sz="700" dirty="0" err="1"/>
+              <a:t>Эсгуэрры-Баркенаса</a:t>
+            </a:r>
+            <a:r>
+              <a:rPr lang="ru-RU" sz="700" dirty="0"/>
+              <a:t> </a:t>
+            </a:r>
+            <a:r>
+              <a:rPr lang="ru-RU" sz="100" dirty="0"/>
+              <a:t>(</a:t>
+            </a:r>
+            <a:r>
+              <a:rPr lang="ru-RU" sz="100" dirty="0" err="1"/>
+              <a:t>Монкада</a:t>
+            </a:r>
+            <a:r>
+              <a:rPr lang="ru-RU" sz="100" dirty="0"/>
+              <a:t> продолжил „политику добрососедства“ (исп. </a:t>
+            </a:r>
+            <a:r>
+              <a:rPr lang="ru-RU" sz="100" dirty="0" err="1"/>
+              <a:t>Política</a:t>
+            </a:r>
+            <a:r>
+              <a:rPr lang="ru-RU" sz="100" dirty="0"/>
+              <a:t> </a:t>
+            </a:r>
+            <a:r>
+              <a:rPr lang="ru-RU" sz="100" dirty="0" err="1"/>
+              <a:t>de</a:t>
+            </a:r>
+            <a:r>
+              <a:rPr lang="ru-RU" sz="100" dirty="0"/>
+              <a:t> </a:t>
+            </a:r>
+            <a:r>
+              <a:rPr lang="ru-RU" sz="100" dirty="0" err="1"/>
+              <a:t>Buena</a:t>
+            </a:r>
+            <a:r>
+              <a:rPr lang="ru-RU" sz="100" dirty="0"/>
+              <a:t> </a:t>
+            </a:r>
+            <a:r>
+              <a:rPr lang="ru-RU" sz="100" dirty="0" err="1"/>
+              <a:t>Vecindad</a:t>
+            </a:r>
+            <a:r>
+              <a:rPr lang="ru-RU" sz="100" dirty="0"/>
+              <a:t>) с США и другими странами региона. В мае 1930 года он ратифицировал Договор </a:t>
+            </a:r>
+            <a:r>
+              <a:rPr lang="ru-RU" sz="100" dirty="0" err="1"/>
+              <a:t>Эсгуэрры-Баркенаса</a:t>
+            </a:r>
+            <a:r>
+              <a:rPr lang="ru-RU" sz="100" dirty="0"/>
+              <a:t> от 1928 года, по которому Никарагуа передала Колумбии спорные острова Сан-</a:t>
+            </a:r>
+            <a:r>
+              <a:rPr lang="ru-RU" sz="100" dirty="0" err="1"/>
+              <a:t>Андрес</a:t>
+            </a:r>
+            <a:r>
+              <a:rPr lang="ru-RU" sz="100" dirty="0"/>
+              <a:t> и </a:t>
+            </a:r>
+            <a:r>
+              <a:rPr lang="ru-RU" sz="100" dirty="0" err="1"/>
+              <a:t>Провиденсия</a:t>
+            </a:r>
+            <a:r>
+              <a:rPr lang="ru-RU" sz="100" dirty="0"/>
+              <a:t>.)</a:t>
             </a:r>
             <a:endParaRPr lang="ru-RU" sz="400" dirty="0"/>
           </a:p>
@@ -11431,27 +11667,29 @@
       </p:sp>
       <p:cxnSp>
         <p:nvCxnSpPr>
-          <p:cNvPr id="140" name="Прямая со стрелкой 139">
-            <a:extLst>
-              <a:ext uri="{FF2B5EF4-FFF2-40B4-BE49-F238E27FC236}">
-                <a16:creationId xmlns:a16="http://schemas.microsoft.com/office/drawing/2014/main" id="{B3FCE5AB-B549-43E5-94DB-B0838C67B62E}"/>
+          <p:cNvPr id="146" name="Соединительная линия уступом 903">
+            <a:extLst>
+              <a:ext uri="{FF2B5EF4-FFF2-40B4-BE49-F238E27FC236}">
+                <a16:creationId xmlns:a16="http://schemas.microsoft.com/office/drawing/2014/main" id="{7F2B1BD7-0FDF-4BD9-834C-72911F99D650}"/>
               </a:ext>
             </a:extLst>
           </p:cNvPr>
           <p:cNvCxnSpPr>
             <a:cxnSpLocks/>
             <a:stCxn id="162" idx="2"/>
-            <a:endCxn id="139" idx="0"/>
+            <a:endCxn id="145" idx="0"/>
           </p:cNvCxnSpPr>
           <p:nvPr/>
         </p:nvCxnSpPr>
         <p:spPr>
-          <a:xfrm>
-            <a:off x="3490050" y="12072641"/>
-            <a:ext cx="0" cy="198034"/>
-          </a:xfrm>
-          <a:prstGeom prst="straightConnector1">
-            <a:avLst/>
+          <a:xfrm rot="16200000" flipH="1">
+            <a:off x="4089752" y="11472939"/>
+            <a:ext cx="198034" cy="1397438"/>
+          </a:xfrm>
+          <a:prstGeom prst="bentConnector3">
+            <a:avLst>
+              <a:gd name="adj1" fmla="val 50000"/>
+            </a:avLst>
           </a:prstGeom>
           <a:ln w="19050">
             <a:tailEnd type="arrow"/>
@@ -11472,49 +11710,155 @@
           </a:fontRef>
         </p:style>
       </p:cxnSp>
-      <p:cxnSp>
-        <p:nvCxnSpPr>
-          <p:cNvPr id="142" name="Прямая со стрелкой 141">
-            <a:extLst>
-              <a:ext uri="{FF2B5EF4-FFF2-40B4-BE49-F238E27FC236}">
-                <a16:creationId xmlns:a16="http://schemas.microsoft.com/office/drawing/2014/main" id="{6DB489FB-B7F5-4424-8C73-6D37DF418426}"/>
-              </a:ext>
-            </a:extLst>
-          </p:cNvPr>
-          <p:cNvCxnSpPr>
-            <a:cxnSpLocks/>
-            <a:stCxn id="56" idx="2"/>
-            <a:endCxn id="130" idx="0"/>
-          </p:cNvCxnSpPr>
-          <p:nvPr/>
-        </p:nvCxnSpPr>
-        <p:spPr>
-          <a:xfrm flipH="1">
-            <a:off x="9755520" y="8098724"/>
-            <a:ext cx="4592" cy="250699"/>
-          </a:xfrm>
-          <a:prstGeom prst="straightConnector1">
+      <p:sp>
+        <p:nvSpPr>
+          <p:cNvPr id="148" name="Прямоугольник 147">
+            <a:extLst>
+              <a:ext uri="{FF2B5EF4-FFF2-40B4-BE49-F238E27FC236}">
+                <a16:creationId xmlns:a16="http://schemas.microsoft.com/office/drawing/2014/main" id="{5F0353F8-E21C-4F18-BE59-BB22D272D767}"/>
+              </a:ext>
+            </a:extLst>
+          </p:cNvPr>
+          <p:cNvSpPr/>
+          <p:nvPr/>
+        </p:nvSpPr>
+        <p:spPr>
+          <a:xfrm>
+            <a:off x="9292356" y="9947945"/>
+            <a:ext cx="926325" cy="540000"/>
+          </a:xfrm>
+          <a:prstGeom prst="rect">
             <a:avLst/>
           </a:prstGeom>
-          <a:ln w="19050">
-            <a:tailEnd type="arrow"/>
-          </a:ln>
-        </p:spPr>
-        <p:style>
-          <a:lnRef idx="1">
-            <a:schemeClr val="accent1"/>
-          </a:lnRef>
-          <a:fillRef idx="0">
-            <a:schemeClr val="accent1"/>
-          </a:fillRef>
-          <a:effectRef idx="0">
-            <a:schemeClr val="accent1"/>
-          </a:effectRef>
-          <a:fontRef idx="minor">
-            <a:schemeClr val="tx1"/>
-          </a:fontRef>
-        </p:style>
-      </p:cxnSp>
+          <a:solidFill>
+            <a:schemeClr val="accent1">
+              <a:lumMod val="40000"/>
+              <a:lumOff val="60000"/>
+            </a:schemeClr>
+          </a:solidFill>
+          <a:ln w="19050"/>
+        </p:spPr>
+        <p:style>
+          <a:lnRef idx="2">
+            <a:schemeClr val="accent1"/>
+          </a:lnRef>
+          <a:fillRef idx="1">
+            <a:schemeClr val="lt1"/>
+          </a:fillRef>
+          <a:effectRef idx="0">
+            <a:schemeClr val="accent1"/>
+          </a:effectRef>
+          <a:fontRef idx="minor">
+            <a:schemeClr val="dk1"/>
+          </a:fontRef>
+        </p:style>
+        <p:txBody>
+          <a:bodyPr lIns="124733" tIns="62367" rIns="124733" bIns="62367" rtlCol="0" anchor="ctr"/>
+          <a:lstStyle/>
+          <a:p>
+            <a:pPr algn="ctr"/>
+            <a:r>
+              <a:rPr lang="ru-RU" sz="700" dirty="0"/>
+              <a:t>Продолжить «политику добрососедства» </a:t>
+            </a:r>
+            <a:r>
+              <a:rPr lang="ru-RU" sz="400" dirty="0"/>
+              <a:t>(Укрепить отношения со странами Центральной Америки)</a:t>
+            </a:r>
+          </a:p>
+        </p:txBody>
+      </p:sp>
+      <p:sp>
+        <p:nvSpPr>
+          <p:cNvPr id="149" name="Прямоугольник 148">
+            <a:extLst>
+              <a:ext uri="{FF2B5EF4-FFF2-40B4-BE49-F238E27FC236}">
+                <a16:creationId xmlns:a16="http://schemas.microsoft.com/office/drawing/2014/main" id="{4A8FCB66-A700-49E8-963C-C94CA0CCF5FD}"/>
+              </a:ext>
+            </a:extLst>
+          </p:cNvPr>
+          <p:cNvSpPr/>
+          <p:nvPr/>
+        </p:nvSpPr>
+        <p:spPr>
+          <a:xfrm>
+            <a:off x="10677253" y="9146233"/>
+            <a:ext cx="926325" cy="540000"/>
+          </a:xfrm>
+          <a:prstGeom prst="rect">
+            <a:avLst/>
+          </a:prstGeom>
+          <a:solidFill>
+            <a:schemeClr val="accent1">
+              <a:lumMod val="40000"/>
+              <a:lumOff val="60000"/>
+            </a:schemeClr>
+          </a:solidFill>
+          <a:ln w="19050"/>
+        </p:spPr>
+        <p:style>
+          <a:lnRef idx="2">
+            <a:schemeClr val="accent1"/>
+          </a:lnRef>
+          <a:fillRef idx="1">
+            <a:schemeClr val="lt1"/>
+          </a:fillRef>
+          <a:effectRef idx="0">
+            <a:schemeClr val="accent1"/>
+          </a:effectRef>
+          <a:fontRef idx="minor">
+            <a:schemeClr val="dk1"/>
+          </a:fontRef>
+        </p:style>
+        <p:txBody>
+          <a:bodyPr lIns="124733" tIns="62367" rIns="124733" bIns="62367" rtlCol="0" anchor="ctr"/>
+          <a:lstStyle/>
+          <a:p>
+            <a:pPr algn="ctr"/>
+            <a:r>
+              <a:rPr lang="ru-RU" sz="700" dirty="0"/>
+              <a:t>Военная Либеральная Лига </a:t>
+            </a:r>
+            <a:r>
+              <a:rPr lang="ru-RU" sz="100" dirty="0"/>
+              <a:t>(</a:t>
+            </a:r>
+            <a:r>
+              <a:rPr lang="ru-RU" sz="100" dirty="0" err="1"/>
+              <a:t>Сомоса</a:t>
+            </a:r>
+            <a:r>
+              <a:rPr lang="ru-RU" sz="100" dirty="0"/>
+              <a:t> решил также милитаризовать часть либеральной партии. В 1937 году так называемой Военной либеральной лиге (в ней состояли члены </a:t>
+            </a:r>
+            <a:r>
+              <a:rPr lang="ru-RU" sz="100" dirty="0" err="1"/>
+              <a:t>либераль¬ной</a:t>
+            </a:r>
+            <a:r>
+              <a:rPr lang="ru-RU" sz="100" dirty="0"/>
+              <a:t> партии — ветераны гражданских войн) был присвоен статус </a:t>
+            </a:r>
+            <a:r>
+              <a:rPr lang="ru-RU" sz="100" dirty="0" err="1"/>
+              <a:t>вспомога¬тельных</a:t>
+            </a:r>
+            <a:r>
+              <a:rPr lang="ru-RU" sz="100" dirty="0"/>
+              <a:t> военных формирований национальной гвардии. Всего в лиге было примерно 2600 членов, и ее боевые отряды были распределены по городам и поселкам . Главой лиги был сам </a:t>
+            </a:r>
+            <a:r>
+              <a:rPr lang="ru-RU" sz="100" dirty="0" err="1"/>
+              <a:t>Сомоса</a:t>
+            </a:r>
+            <a:r>
+              <a:rPr lang="ru-RU" sz="100" dirty="0"/>
+              <a:t>.)</a:t>
+            </a:r>
+            <a:endParaRPr lang="ru-RU" sz="400" dirty="0"/>
+          </a:p>
+        </p:txBody>
+      </p:sp>
     </p:spTree>
     <p:extLst>
       <p:ext uri="{BB962C8B-B14F-4D97-AF65-F5344CB8AC3E}">

--- a/Наработки/диздоки/Никарагуа/Никарагуа.pptx
+++ b/Наработки/диздоки/Никарагуа/Никарагуа.pptx
@@ -109,7 +109,7 @@
   </p:defaultTextStyle>
   <p:extLst>
     <p:ext uri="{EFAFB233-063F-42B5-8137-9DF3F51BA10A}">
-      <p15:sldGuideLst xmlns:p15="http://schemas.microsoft.com/office/powerpoint/2012/main">
+      <p15:sldGuideLst xmlns:p15="http://schemas.microsoft.com/office/powerpoint/2012/main" xmlns="">
         <p15:guide id="1" orient="horz" pos="11344">
           <p15:clr>
             <a:srgbClr val="A4A3A4"/>
@@ -209,7 +209,7 @@
             <a:fld id="{33E3D7F9-E251-484C-A6FF-FA958879DF69}" type="datetimeFigureOut">
               <a:rPr lang="ru-RU" smtClean="0"/>
               <a:pPr/>
-              <a:t>25.06.2023</a:t>
+              <a:t>10.10.2023</a:t>
             </a:fld>
             <a:endParaRPr lang="ru-RU"/>
           </a:p>
@@ -699,7 +699,7 @@
             <a:fld id="{85A5DE44-605B-4D3B-B2B7-94543DF81A36}" type="datetimeFigureOut">
               <a:rPr lang="ru-RU" smtClean="0"/>
               <a:pPr/>
-              <a:t>25.06.2023</a:t>
+              <a:t>10.10.2023</a:t>
             </a:fld>
             <a:endParaRPr lang="ru-RU"/>
           </a:p>
@@ -871,7 +871,7 @@
             <a:fld id="{85A5DE44-605B-4D3B-B2B7-94543DF81A36}" type="datetimeFigureOut">
               <a:rPr lang="ru-RU" smtClean="0"/>
               <a:pPr/>
-              <a:t>25.06.2023</a:t>
+              <a:t>10.10.2023</a:t>
             </a:fld>
             <a:endParaRPr lang="ru-RU"/>
           </a:p>
@@ -1053,7 +1053,7 @@
             <a:fld id="{85A5DE44-605B-4D3B-B2B7-94543DF81A36}" type="datetimeFigureOut">
               <a:rPr lang="ru-RU" smtClean="0"/>
               <a:pPr/>
-              <a:t>25.06.2023</a:t>
+              <a:t>10.10.2023</a:t>
             </a:fld>
             <a:endParaRPr lang="ru-RU"/>
           </a:p>
@@ -1225,7 +1225,7 @@
             <a:fld id="{85A5DE44-605B-4D3B-B2B7-94543DF81A36}" type="datetimeFigureOut">
               <a:rPr lang="ru-RU" smtClean="0"/>
               <a:pPr/>
-              <a:t>25.06.2023</a:t>
+              <a:t>10.10.2023</a:t>
             </a:fld>
             <a:endParaRPr lang="ru-RU"/>
           </a:p>
@@ -1473,7 +1473,7 @@
             <a:fld id="{85A5DE44-605B-4D3B-B2B7-94543DF81A36}" type="datetimeFigureOut">
               <a:rPr lang="ru-RU" smtClean="0"/>
               <a:pPr/>
-              <a:t>25.06.2023</a:t>
+              <a:t>10.10.2023</a:t>
             </a:fld>
             <a:endParaRPr lang="ru-RU"/>
           </a:p>
@@ -1707,7 +1707,7 @@
             <a:fld id="{85A5DE44-605B-4D3B-B2B7-94543DF81A36}" type="datetimeFigureOut">
               <a:rPr lang="ru-RU" smtClean="0"/>
               <a:pPr/>
-              <a:t>25.06.2023</a:t>
+              <a:t>10.10.2023</a:t>
             </a:fld>
             <a:endParaRPr lang="ru-RU"/>
           </a:p>
@@ -2076,7 +2076,7 @@
             <a:fld id="{85A5DE44-605B-4D3B-B2B7-94543DF81A36}" type="datetimeFigureOut">
               <a:rPr lang="ru-RU" smtClean="0"/>
               <a:pPr/>
-              <a:t>25.06.2023</a:t>
+              <a:t>10.10.2023</a:t>
             </a:fld>
             <a:endParaRPr lang="ru-RU"/>
           </a:p>
@@ -2196,7 +2196,7 @@
             <a:fld id="{85A5DE44-605B-4D3B-B2B7-94543DF81A36}" type="datetimeFigureOut">
               <a:rPr lang="ru-RU" smtClean="0"/>
               <a:pPr/>
-              <a:t>25.06.2023</a:t>
+              <a:t>10.10.2023</a:t>
             </a:fld>
             <a:endParaRPr lang="ru-RU"/>
           </a:p>
@@ -2293,7 +2293,7 @@
             <a:fld id="{85A5DE44-605B-4D3B-B2B7-94543DF81A36}" type="datetimeFigureOut">
               <a:rPr lang="ru-RU" smtClean="0"/>
               <a:pPr/>
-              <a:t>25.06.2023</a:t>
+              <a:t>10.10.2023</a:t>
             </a:fld>
             <a:endParaRPr lang="ru-RU"/>
           </a:p>
@@ -2572,7 +2572,7 @@
             <a:fld id="{85A5DE44-605B-4D3B-B2B7-94543DF81A36}" type="datetimeFigureOut">
               <a:rPr lang="ru-RU" smtClean="0"/>
               <a:pPr/>
-              <a:t>25.06.2023</a:t>
+              <a:t>10.10.2023</a:t>
             </a:fld>
             <a:endParaRPr lang="ru-RU"/>
           </a:p>
@@ -2831,7 +2831,7 @@
             <a:fld id="{85A5DE44-605B-4D3B-B2B7-94543DF81A36}" type="datetimeFigureOut">
               <a:rPr lang="ru-RU" smtClean="0"/>
               <a:pPr/>
-              <a:t>25.06.2023</a:t>
+              <a:t>10.10.2023</a:t>
             </a:fld>
             <a:endParaRPr lang="ru-RU"/>
           </a:p>
@@ -3046,7 +3046,7 @@
             <a:fld id="{85A5DE44-605B-4D3B-B2B7-94543DF81A36}" type="datetimeFigureOut">
               <a:rPr lang="ru-RU" smtClean="0"/>
               <a:pPr/>
-              <a:t>25.06.2023</a:t>
+              <a:t>10.10.2023</a:t>
             </a:fld>
             <a:endParaRPr lang="ru-RU"/>
           </a:p>
@@ -3575,7 +3575,7 @@
           <p:cNvPr id="860" name="Прямоугольник 859">
             <a:extLst>
               <a:ext uri="{FF2B5EF4-FFF2-40B4-BE49-F238E27FC236}">
-                <a16:creationId xmlns:a16="http://schemas.microsoft.com/office/drawing/2014/main" id="{6192B7C6-55FD-4881-A7C8-B46143BFCF64}"/>
+                <a16:creationId xmlns:a16="http://schemas.microsoft.com/office/drawing/2014/main" xmlns="" id="{6192B7C6-55FD-4881-A7C8-B46143BFCF64}"/>
               </a:ext>
             </a:extLst>
           </p:cNvPr>
@@ -3625,7 +3625,7 @@
           <p:cNvPr id="987" name="Прямоугольник 986">
             <a:extLst>
               <a:ext uri="{FF2B5EF4-FFF2-40B4-BE49-F238E27FC236}">
-                <a16:creationId xmlns:a16="http://schemas.microsoft.com/office/drawing/2014/main" id="{67193EE9-417B-43C2-AB81-CA3693D3020C}"/>
+                <a16:creationId xmlns:a16="http://schemas.microsoft.com/office/drawing/2014/main" xmlns="" id="{67193EE9-417B-43C2-AB81-CA3693D3020C}"/>
               </a:ext>
             </a:extLst>
           </p:cNvPr>
@@ -3675,7 +3675,7 @@
           <p:cNvPr id="991" name="Прямоугольник 990">
             <a:extLst>
               <a:ext uri="{FF2B5EF4-FFF2-40B4-BE49-F238E27FC236}">
-                <a16:creationId xmlns:a16="http://schemas.microsoft.com/office/drawing/2014/main" id="{DF4FA738-4588-47B9-8CCD-BD1F596377F3}"/>
+                <a16:creationId xmlns:a16="http://schemas.microsoft.com/office/drawing/2014/main" xmlns="" id="{DF4FA738-4588-47B9-8CCD-BD1F596377F3}"/>
               </a:ext>
             </a:extLst>
           </p:cNvPr>
@@ -3780,7 +3780,7 @@
           <p:cNvPr id="994" name="Прямоугольник 993">
             <a:extLst>
               <a:ext uri="{FF2B5EF4-FFF2-40B4-BE49-F238E27FC236}">
-                <a16:creationId xmlns:a16="http://schemas.microsoft.com/office/drawing/2014/main" id="{2C61400B-484B-4957-B0B2-641DF530B9A0}"/>
+                <a16:creationId xmlns:a16="http://schemas.microsoft.com/office/drawing/2014/main" xmlns="" id="{2C61400B-484B-4957-B0B2-641DF530B9A0}"/>
               </a:ext>
             </a:extLst>
           </p:cNvPr>
@@ -3837,7 +3837,7 @@
           <p:cNvPr id="995" name="Прямоугольник 994">
             <a:extLst>
               <a:ext uri="{FF2B5EF4-FFF2-40B4-BE49-F238E27FC236}">
-                <a16:creationId xmlns:a16="http://schemas.microsoft.com/office/drawing/2014/main" id="{F18E07CC-8B9D-421A-926B-156E5FCEBD1B}"/>
+                <a16:creationId xmlns:a16="http://schemas.microsoft.com/office/drawing/2014/main" xmlns="" id="{F18E07CC-8B9D-421A-926B-156E5FCEBD1B}"/>
               </a:ext>
             </a:extLst>
           </p:cNvPr>
@@ -3931,7 +3931,7 @@
           <p:cNvPr id="996" name="Прямоугольник 995">
             <a:extLst>
               <a:ext uri="{FF2B5EF4-FFF2-40B4-BE49-F238E27FC236}">
-                <a16:creationId xmlns:a16="http://schemas.microsoft.com/office/drawing/2014/main" id="{0A3E31CE-1F95-493B-99B8-75E1E74691B0}"/>
+                <a16:creationId xmlns:a16="http://schemas.microsoft.com/office/drawing/2014/main" xmlns="" id="{0A3E31CE-1F95-493B-99B8-75E1E74691B0}"/>
               </a:ext>
             </a:extLst>
           </p:cNvPr>
@@ -4065,7 +4065,7 @@
           <p:cNvPr id="998" name="Прямоугольник 997">
             <a:extLst>
               <a:ext uri="{FF2B5EF4-FFF2-40B4-BE49-F238E27FC236}">
-                <a16:creationId xmlns:a16="http://schemas.microsoft.com/office/drawing/2014/main" id="{D1BF57CA-E69C-44E3-AAB9-85050AFD605D}"/>
+                <a16:creationId xmlns:a16="http://schemas.microsoft.com/office/drawing/2014/main" xmlns="" id="{D1BF57CA-E69C-44E3-AAB9-85050AFD605D}"/>
               </a:ext>
             </a:extLst>
           </p:cNvPr>
@@ -4115,7 +4115,7 @@
           <p:cNvPr id="999" name="Прямоугольник 998">
             <a:extLst>
               <a:ext uri="{FF2B5EF4-FFF2-40B4-BE49-F238E27FC236}">
-                <a16:creationId xmlns:a16="http://schemas.microsoft.com/office/drawing/2014/main" id="{ED20F934-4F09-47D0-A5C3-475497C89CA8}"/>
+                <a16:creationId xmlns:a16="http://schemas.microsoft.com/office/drawing/2014/main" xmlns="" id="{ED20F934-4F09-47D0-A5C3-475497C89CA8}"/>
               </a:ext>
             </a:extLst>
           </p:cNvPr>
@@ -4172,7 +4172,7 @@
           <p:cNvPr id="1000" name="Прямоугольник 999">
             <a:extLst>
               <a:ext uri="{FF2B5EF4-FFF2-40B4-BE49-F238E27FC236}">
-                <a16:creationId xmlns:a16="http://schemas.microsoft.com/office/drawing/2014/main" id="{3031F683-9F5E-4938-B59B-3FA74405AA5D}"/>
+                <a16:creationId xmlns:a16="http://schemas.microsoft.com/office/drawing/2014/main" xmlns="" id="{3031F683-9F5E-4938-B59B-3FA74405AA5D}"/>
               </a:ext>
             </a:extLst>
           </p:cNvPr>
@@ -4265,7 +4265,7 @@
           <p:cNvPr id="1003" name="Прямоугольник 1002">
             <a:extLst>
               <a:ext uri="{FF2B5EF4-FFF2-40B4-BE49-F238E27FC236}">
-                <a16:creationId xmlns:a16="http://schemas.microsoft.com/office/drawing/2014/main" id="{6902397C-BDFE-4DCF-A1A2-FAE0B2626BDA}"/>
+                <a16:creationId xmlns:a16="http://schemas.microsoft.com/office/drawing/2014/main" xmlns="" id="{6902397C-BDFE-4DCF-A1A2-FAE0B2626BDA}"/>
               </a:ext>
             </a:extLst>
           </p:cNvPr>
@@ -4330,7 +4330,7 @@
           <p:cNvPr id="1004" name="Прямоугольник 1003">
             <a:extLst>
               <a:ext uri="{FF2B5EF4-FFF2-40B4-BE49-F238E27FC236}">
-                <a16:creationId xmlns:a16="http://schemas.microsoft.com/office/drawing/2014/main" id="{69B79668-F64A-48E7-B6D8-046B42C5083A}"/>
+                <a16:creationId xmlns:a16="http://schemas.microsoft.com/office/drawing/2014/main" xmlns="" id="{69B79668-F64A-48E7-B6D8-046B42C5083A}"/>
               </a:ext>
             </a:extLst>
           </p:cNvPr>
@@ -4392,7 +4392,7 @@
           <p:cNvPr id="1006" name="Прямоугольник 1005">
             <a:extLst>
               <a:ext uri="{FF2B5EF4-FFF2-40B4-BE49-F238E27FC236}">
-                <a16:creationId xmlns:a16="http://schemas.microsoft.com/office/drawing/2014/main" id="{DBC3419A-22FA-43FF-B8B9-DD68FEBDCE02}"/>
+                <a16:creationId xmlns:a16="http://schemas.microsoft.com/office/drawing/2014/main" xmlns="" id="{DBC3419A-22FA-43FF-B8B9-DD68FEBDCE02}"/>
               </a:ext>
             </a:extLst>
           </p:cNvPr>
@@ -4442,7 +4442,7 @@
           <p:cNvPr id="1007" name="Прямоугольник 1006">
             <a:extLst>
               <a:ext uri="{FF2B5EF4-FFF2-40B4-BE49-F238E27FC236}">
-                <a16:creationId xmlns:a16="http://schemas.microsoft.com/office/drawing/2014/main" id="{16A1A0CD-EC27-4841-9CAC-A2951FA574D9}"/>
+                <a16:creationId xmlns:a16="http://schemas.microsoft.com/office/drawing/2014/main" xmlns="" id="{16A1A0CD-EC27-4841-9CAC-A2951FA574D9}"/>
               </a:ext>
             </a:extLst>
           </p:cNvPr>
@@ -4499,7 +4499,7 @@
           <p:cNvPr id="1008" name="Прямоугольник 1007">
             <a:extLst>
               <a:ext uri="{FF2B5EF4-FFF2-40B4-BE49-F238E27FC236}">
-                <a16:creationId xmlns:a16="http://schemas.microsoft.com/office/drawing/2014/main" id="{E382042E-E28F-4CC0-86C4-7327A76B1C30}"/>
+                <a16:creationId xmlns:a16="http://schemas.microsoft.com/office/drawing/2014/main" xmlns="" id="{E382042E-E28F-4CC0-86C4-7327A76B1C30}"/>
               </a:ext>
             </a:extLst>
           </p:cNvPr>
@@ -4549,7 +4549,7 @@
           <p:cNvPr id="1009" name="Прямоугольник 1008">
             <a:extLst>
               <a:ext uri="{FF2B5EF4-FFF2-40B4-BE49-F238E27FC236}">
-                <a16:creationId xmlns:a16="http://schemas.microsoft.com/office/drawing/2014/main" id="{D6B9B13E-4EC1-48C5-9D81-8A7DC0201F74}"/>
+                <a16:creationId xmlns:a16="http://schemas.microsoft.com/office/drawing/2014/main" xmlns="" id="{D6B9B13E-4EC1-48C5-9D81-8A7DC0201F74}"/>
               </a:ext>
             </a:extLst>
           </p:cNvPr>
@@ -4610,7 +4610,7 @@
           <p:cNvPr id="1010" name="Прямоугольник 1009">
             <a:extLst>
               <a:ext uri="{FF2B5EF4-FFF2-40B4-BE49-F238E27FC236}">
-                <a16:creationId xmlns:a16="http://schemas.microsoft.com/office/drawing/2014/main" id="{EB093940-7B32-4F48-90D9-92C619CCC27C}"/>
+                <a16:creationId xmlns:a16="http://schemas.microsoft.com/office/drawing/2014/main" xmlns="" id="{EB093940-7B32-4F48-90D9-92C619CCC27C}"/>
               </a:ext>
             </a:extLst>
           </p:cNvPr>
@@ -4700,7 +4700,7 @@
           <p:cNvPr id="1011" name="Прямая со стрелкой 1010">
             <a:extLst>
               <a:ext uri="{FF2B5EF4-FFF2-40B4-BE49-F238E27FC236}">
-                <a16:creationId xmlns:a16="http://schemas.microsoft.com/office/drawing/2014/main" id="{6FF1BA7F-812C-44A5-BEC2-31F4B6F55538}"/>
+                <a16:creationId xmlns:a16="http://schemas.microsoft.com/office/drawing/2014/main" xmlns="" id="{6FF1BA7F-812C-44A5-BEC2-31F4B6F55538}"/>
               </a:ext>
             </a:extLst>
           </p:cNvPr>
@@ -4743,7 +4743,7 @@
           <p:cNvPr id="1012" name="Соединительная линия уступом 903">
             <a:extLst>
               <a:ext uri="{FF2B5EF4-FFF2-40B4-BE49-F238E27FC236}">
-                <a16:creationId xmlns:a16="http://schemas.microsoft.com/office/drawing/2014/main" id="{61CC6BA5-39EA-4B23-A209-0E7E8DB14AB7}"/>
+                <a16:creationId xmlns:a16="http://schemas.microsoft.com/office/drawing/2014/main" xmlns="" id="{61CC6BA5-39EA-4B23-A209-0E7E8DB14AB7}"/>
               </a:ext>
             </a:extLst>
           </p:cNvPr>
@@ -4788,7 +4788,7 @@
           <p:cNvPr id="1014" name="Прямая со стрелкой 1013">
             <a:extLst>
               <a:ext uri="{FF2B5EF4-FFF2-40B4-BE49-F238E27FC236}">
-                <a16:creationId xmlns:a16="http://schemas.microsoft.com/office/drawing/2014/main" id="{DE622A39-F9DB-4104-B64D-4660F6424C79}"/>
+                <a16:creationId xmlns:a16="http://schemas.microsoft.com/office/drawing/2014/main" xmlns="" id="{DE622A39-F9DB-4104-B64D-4660F6424C79}"/>
               </a:ext>
             </a:extLst>
           </p:cNvPr>
@@ -4831,7 +4831,7 @@
           <p:cNvPr id="1015" name="Прямая со стрелкой 1014">
             <a:extLst>
               <a:ext uri="{FF2B5EF4-FFF2-40B4-BE49-F238E27FC236}">
-                <a16:creationId xmlns:a16="http://schemas.microsoft.com/office/drawing/2014/main" id="{F4E65FFA-5006-43A8-9BFD-FFB14F085370}"/>
+                <a16:creationId xmlns:a16="http://schemas.microsoft.com/office/drawing/2014/main" xmlns="" id="{F4E65FFA-5006-43A8-9BFD-FFB14F085370}"/>
               </a:ext>
             </a:extLst>
           </p:cNvPr>
@@ -4874,7 +4874,7 @@
           <p:cNvPr id="1016" name="Прямая со стрелкой 1015">
             <a:extLst>
               <a:ext uri="{FF2B5EF4-FFF2-40B4-BE49-F238E27FC236}">
-                <a16:creationId xmlns:a16="http://schemas.microsoft.com/office/drawing/2014/main" id="{CC2FBAD9-0DAC-475C-84AF-B8C4D7F7CD36}"/>
+                <a16:creationId xmlns:a16="http://schemas.microsoft.com/office/drawing/2014/main" xmlns="" id="{CC2FBAD9-0DAC-475C-84AF-B8C4D7F7CD36}"/>
               </a:ext>
             </a:extLst>
           </p:cNvPr>
@@ -4917,7 +4917,7 @@
           <p:cNvPr id="1017" name="Прямая со стрелкой 1016">
             <a:extLst>
               <a:ext uri="{FF2B5EF4-FFF2-40B4-BE49-F238E27FC236}">
-                <a16:creationId xmlns:a16="http://schemas.microsoft.com/office/drawing/2014/main" id="{7F5BA024-9E61-46B2-B19B-838E6AB850FD}"/>
+                <a16:creationId xmlns:a16="http://schemas.microsoft.com/office/drawing/2014/main" xmlns="" id="{7F5BA024-9E61-46B2-B19B-838E6AB850FD}"/>
               </a:ext>
             </a:extLst>
           </p:cNvPr>
@@ -4960,7 +4960,7 @@
           <p:cNvPr id="1018" name="Соединительная линия уступом 903">
             <a:extLst>
               <a:ext uri="{FF2B5EF4-FFF2-40B4-BE49-F238E27FC236}">
-                <a16:creationId xmlns:a16="http://schemas.microsoft.com/office/drawing/2014/main" id="{D9E9FE67-1272-43E5-98D8-86DDB97DE61E}"/>
+                <a16:creationId xmlns:a16="http://schemas.microsoft.com/office/drawing/2014/main" xmlns="" id="{D9E9FE67-1272-43E5-98D8-86DDB97DE61E}"/>
               </a:ext>
             </a:extLst>
           </p:cNvPr>
@@ -5005,7 +5005,7 @@
           <p:cNvPr id="1019" name="Прямая со стрелкой 1018">
             <a:extLst>
               <a:ext uri="{FF2B5EF4-FFF2-40B4-BE49-F238E27FC236}">
-                <a16:creationId xmlns:a16="http://schemas.microsoft.com/office/drawing/2014/main" id="{59266080-AC10-42CA-B68E-CEDF802FA3D3}"/>
+                <a16:creationId xmlns:a16="http://schemas.microsoft.com/office/drawing/2014/main" xmlns="" id="{59266080-AC10-42CA-B68E-CEDF802FA3D3}"/>
               </a:ext>
             </a:extLst>
           </p:cNvPr>
@@ -5048,7 +5048,7 @@
           <p:cNvPr id="1020" name="Соединительная линия уступом 903">
             <a:extLst>
               <a:ext uri="{FF2B5EF4-FFF2-40B4-BE49-F238E27FC236}">
-                <a16:creationId xmlns:a16="http://schemas.microsoft.com/office/drawing/2014/main" id="{62E8E398-7627-44D2-9D70-5C4E18D9492C}"/>
+                <a16:creationId xmlns:a16="http://schemas.microsoft.com/office/drawing/2014/main" xmlns="" id="{62E8E398-7627-44D2-9D70-5C4E18D9492C}"/>
               </a:ext>
             </a:extLst>
           </p:cNvPr>
@@ -5093,7 +5093,7 @@
           <p:cNvPr id="1021" name="Соединительная линия уступом 903">
             <a:extLst>
               <a:ext uri="{FF2B5EF4-FFF2-40B4-BE49-F238E27FC236}">
-                <a16:creationId xmlns:a16="http://schemas.microsoft.com/office/drawing/2014/main" id="{BDC7F8CB-0052-4FAE-993D-F1332955CF43}"/>
+                <a16:creationId xmlns:a16="http://schemas.microsoft.com/office/drawing/2014/main" xmlns="" id="{BDC7F8CB-0052-4FAE-993D-F1332955CF43}"/>
               </a:ext>
             </a:extLst>
           </p:cNvPr>
@@ -5138,7 +5138,7 @@
           <p:cNvPr id="1022" name="Прямая со стрелкой 1021">
             <a:extLst>
               <a:ext uri="{FF2B5EF4-FFF2-40B4-BE49-F238E27FC236}">
-                <a16:creationId xmlns:a16="http://schemas.microsoft.com/office/drawing/2014/main" id="{11E09268-6642-4446-BE40-6FEF2498A4ED}"/>
+                <a16:creationId xmlns:a16="http://schemas.microsoft.com/office/drawing/2014/main" xmlns="" id="{11E09268-6642-4446-BE40-6FEF2498A4ED}"/>
               </a:ext>
             </a:extLst>
           </p:cNvPr>
@@ -5181,7 +5181,7 @@
           <p:cNvPr id="34" name="Прямоугольник 33">
             <a:extLst>
               <a:ext uri="{FF2B5EF4-FFF2-40B4-BE49-F238E27FC236}">
-                <a16:creationId xmlns:a16="http://schemas.microsoft.com/office/drawing/2014/main" id="{59ACB422-97FE-4024-8EC7-A17F82AC2F7B}"/>
+                <a16:creationId xmlns:a16="http://schemas.microsoft.com/office/drawing/2014/main" xmlns="" id="{59ACB422-97FE-4024-8EC7-A17F82AC2F7B}"/>
               </a:ext>
             </a:extLst>
           </p:cNvPr>
@@ -5231,7 +5231,7 @@
           <p:cNvPr id="35" name="Прямоугольник 34">
             <a:extLst>
               <a:ext uri="{FF2B5EF4-FFF2-40B4-BE49-F238E27FC236}">
-                <a16:creationId xmlns:a16="http://schemas.microsoft.com/office/drawing/2014/main" id="{8F6B01E8-2051-4659-A9F2-6CCFEACACA21}"/>
+                <a16:creationId xmlns:a16="http://schemas.microsoft.com/office/drawing/2014/main" xmlns="" id="{8F6B01E8-2051-4659-A9F2-6CCFEACACA21}"/>
               </a:ext>
             </a:extLst>
           </p:cNvPr>
@@ -5281,7 +5281,7 @@
           <p:cNvPr id="36" name="Прямоугольник 35">
             <a:extLst>
               <a:ext uri="{FF2B5EF4-FFF2-40B4-BE49-F238E27FC236}">
-                <a16:creationId xmlns:a16="http://schemas.microsoft.com/office/drawing/2014/main" id="{9367D27D-AEBB-46B0-A932-DCEBE1910C36}"/>
+                <a16:creationId xmlns:a16="http://schemas.microsoft.com/office/drawing/2014/main" xmlns="" id="{9367D27D-AEBB-46B0-A932-DCEBE1910C36}"/>
               </a:ext>
             </a:extLst>
           </p:cNvPr>
@@ -5331,7 +5331,7 @@
           <p:cNvPr id="37" name="Прямоугольник 36">
             <a:extLst>
               <a:ext uri="{FF2B5EF4-FFF2-40B4-BE49-F238E27FC236}">
-                <a16:creationId xmlns:a16="http://schemas.microsoft.com/office/drawing/2014/main" id="{97D21FA9-0A99-4302-9C8A-886C2A95D444}"/>
+                <a16:creationId xmlns:a16="http://schemas.microsoft.com/office/drawing/2014/main" xmlns="" id="{97D21FA9-0A99-4302-9C8A-886C2A95D444}"/>
               </a:ext>
             </a:extLst>
           </p:cNvPr>
@@ -5389,7 +5389,7 @@
           <p:cNvPr id="38" name="Прямоугольник 37">
             <a:extLst>
               <a:ext uri="{FF2B5EF4-FFF2-40B4-BE49-F238E27FC236}">
-                <a16:creationId xmlns:a16="http://schemas.microsoft.com/office/drawing/2014/main" id="{9C02A14C-DE5F-49AD-A4EE-A27966D0EFDC}"/>
+                <a16:creationId xmlns:a16="http://schemas.microsoft.com/office/drawing/2014/main" xmlns="" id="{9C02A14C-DE5F-49AD-A4EE-A27966D0EFDC}"/>
               </a:ext>
             </a:extLst>
           </p:cNvPr>
@@ -5439,7 +5439,7 @@
           <p:cNvPr id="39" name="Прямоугольник 38">
             <a:extLst>
               <a:ext uri="{FF2B5EF4-FFF2-40B4-BE49-F238E27FC236}">
-                <a16:creationId xmlns:a16="http://schemas.microsoft.com/office/drawing/2014/main" id="{CCC56779-6173-48FC-B7E9-574156FA22BE}"/>
+                <a16:creationId xmlns:a16="http://schemas.microsoft.com/office/drawing/2014/main" xmlns="" id="{CCC56779-6173-48FC-B7E9-574156FA22BE}"/>
               </a:ext>
             </a:extLst>
           </p:cNvPr>
@@ -5489,7 +5489,7 @@
           <p:cNvPr id="42" name="Прямоугольник 41">
             <a:extLst>
               <a:ext uri="{FF2B5EF4-FFF2-40B4-BE49-F238E27FC236}">
-                <a16:creationId xmlns:a16="http://schemas.microsoft.com/office/drawing/2014/main" id="{03F7D570-4EE1-495E-9294-D367F2E7763E}"/>
+                <a16:creationId xmlns:a16="http://schemas.microsoft.com/office/drawing/2014/main" xmlns="" id="{03F7D570-4EE1-495E-9294-D367F2E7763E}"/>
               </a:ext>
             </a:extLst>
           </p:cNvPr>
@@ -5539,7 +5539,7 @@
           <p:cNvPr id="43" name="Прямоугольник 42">
             <a:extLst>
               <a:ext uri="{FF2B5EF4-FFF2-40B4-BE49-F238E27FC236}">
-                <a16:creationId xmlns:a16="http://schemas.microsoft.com/office/drawing/2014/main" id="{5858A8E5-3EFA-419C-99B9-6773CA7E1501}"/>
+                <a16:creationId xmlns:a16="http://schemas.microsoft.com/office/drawing/2014/main" xmlns="" id="{5858A8E5-3EFA-419C-99B9-6773CA7E1501}"/>
               </a:ext>
             </a:extLst>
           </p:cNvPr>
@@ -5593,7 +5593,7 @@
           <p:cNvPr id="45" name="Прямоугольник 44">
             <a:extLst>
               <a:ext uri="{FF2B5EF4-FFF2-40B4-BE49-F238E27FC236}">
-                <a16:creationId xmlns:a16="http://schemas.microsoft.com/office/drawing/2014/main" id="{29CBE310-5100-413A-B4C1-EA4E28F411B1}"/>
+                <a16:creationId xmlns:a16="http://schemas.microsoft.com/office/drawing/2014/main" xmlns="" id="{29CBE310-5100-413A-B4C1-EA4E28F411B1}"/>
               </a:ext>
             </a:extLst>
           </p:cNvPr>
@@ -5643,7 +5643,7 @@
           <p:cNvPr id="46" name="Прямоугольник 45">
             <a:extLst>
               <a:ext uri="{FF2B5EF4-FFF2-40B4-BE49-F238E27FC236}">
-                <a16:creationId xmlns:a16="http://schemas.microsoft.com/office/drawing/2014/main" id="{4518A036-F097-41EC-A960-D49579F30834}"/>
+                <a16:creationId xmlns:a16="http://schemas.microsoft.com/office/drawing/2014/main" xmlns="" id="{4518A036-F097-41EC-A960-D49579F30834}"/>
               </a:ext>
             </a:extLst>
           </p:cNvPr>
@@ -5762,7 +5762,7 @@
           <p:cNvPr id="47" name="Прямоугольник 46">
             <a:extLst>
               <a:ext uri="{FF2B5EF4-FFF2-40B4-BE49-F238E27FC236}">
-                <a16:creationId xmlns:a16="http://schemas.microsoft.com/office/drawing/2014/main" id="{1163C105-465F-453D-9A47-C92FC2A2CB52}"/>
+                <a16:creationId xmlns:a16="http://schemas.microsoft.com/office/drawing/2014/main" xmlns="" id="{1163C105-465F-453D-9A47-C92FC2A2CB52}"/>
               </a:ext>
             </a:extLst>
           </p:cNvPr>
@@ -5840,7 +5840,7 @@
           <p:cNvPr id="48" name="Прямоугольник 47">
             <a:extLst>
               <a:ext uri="{FF2B5EF4-FFF2-40B4-BE49-F238E27FC236}">
-                <a16:creationId xmlns:a16="http://schemas.microsoft.com/office/drawing/2014/main" id="{D53819E8-2FF6-4FFA-A7E4-75D55AADB8B5}"/>
+                <a16:creationId xmlns:a16="http://schemas.microsoft.com/office/drawing/2014/main" xmlns="" id="{D53819E8-2FF6-4FFA-A7E4-75D55AADB8B5}"/>
               </a:ext>
             </a:extLst>
           </p:cNvPr>
@@ -5890,7 +5890,7 @@
           <p:cNvPr id="49" name="Прямоугольник 48">
             <a:extLst>
               <a:ext uri="{FF2B5EF4-FFF2-40B4-BE49-F238E27FC236}">
-                <a16:creationId xmlns:a16="http://schemas.microsoft.com/office/drawing/2014/main" id="{F9117D70-446E-4EA7-820C-5F0C5AE4BB1B}"/>
+                <a16:creationId xmlns:a16="http://schemas.microsoft.com/office/drawing/2014/main" xmlns="" id="{F9117D70-446E-4EA7-820C-5F0C5AE4BB1B}"/>
               </a:ext>
             </a:extLst>
           </p:cNvPr>
@@ -5940,7 +5940,7 @@
           <p:cNvPr id="50" name="Прямоугольник 49">
             <a:extLst>
               <a:ext uri="{FF2B5EF4-FFF2-40B4-BE49-F238E27FC236}">
-                <a16:creationId xmlns:a16="http://schemas.microsoft.com/office/drawing/2014/main" id="{357E437B-3536-45BE-A3D0-3F539D983768}"/>
+                <a16:creationId xmlns:a16="http://schemas.microsoft.com/office/drawing/2014/main" xmlns="" id="{357E437B-3536-45BE-A3D0-3F539D983768}"/>
               </a:ext>
             </a:extLst>
           </p:cNvPr>
@@ -5994,7 +5994,7 @@
           <p:cNvPr id="51" name="Прямая со стрелкой 50">
             <a:extLst>
               <a:ext uri="{FF2B5EF4-FFF2-40B4-BE49-F238E27FC236}">
-                <a16:creationId xmlns:a16="http://schemas.microsoft.com/office/drawing/2014/main" id="{F822F6CB-0335-40A1-921A-29544F834AD9}"/>
+                <a16:creationId xmlns:a16="http://schemas.microsoft.com/office/drawing/2014/main" xmlns="" id="{F822F6CB-0335-40A1-921A-29544F834AD9}"/>
               </a:ext>
             </a:extLst>
           </p:cNvPr>
@@ -6037,7 +6037,7 @@
           <p:cNvPr id="52" name="Прямая со стрелкой 51">
             <a:extLst>
               <a:ext uri="{FF2B5EF4-FFF2-40B4-BE49-F238E27FC236}">
-                <a16:creationId xmlns:a16="http://schemas.microsoft.com/office/drawing/2014/main" id="{5BCAF6D7-5BA1-4C42-82B8-95F6B189B961}"/>
+                <a16:creationId xmlns:a16="http://schemas.microsoft.com/office/drawing/2014/main" xmlns="" id="{5BCAF6D7-5BA1-4C42-82B8-95F6B189B961}"/>
               </a:ext>
             </a:extLst>
           </p:cNvPr>
@@ -6080,7 +6080,7 @@
           <p:cNvPr id="55" name="Прямоугольник 54">
             <a:extLst>
               <a:ext uri="{FF2B5EF4-FFF2-40B4-BE49-F238E27FC236}">
-                <a16:creationId xmlns:a16="http://schemas.microsoft.com/office/drawing/2014/main" id="{59913842-712E-4C78-8382-3186E11F9969}"/>
+                <a16:creationId xmlns:a16="http://schemas.microsoft.com/office/drawing/2014/main" xmlns="" id="{59913842-712E-4C78-8382-3186E11F9969}"/>
               </a:ext>
             </a:extLst>
           </p:cNvPr>
@@ -6138,7 +6138,7 @@
           <p:cNvPr id="56" name="Прямоугольник 55">
             <a:extLst>
               <a:ext uri="{FF2B5EF4-FFF2-40B4-BE49-F238E27FC236}">
-                <a16:creationId xmlns:a16="http://schemas.microsoft.com/office/drawing/2014/main" id="{6C5218F4-B4FE-4973-B0D1-795F69898B06}"/>
+                <a16:creationId xmlns:a16="http://schemas.microsoft.com/office/drawing/2014/main" xmlns="" id="{6C5218F4-B4FE-4973-B0D1-795F69898B06}"/>
               </a:ext>
             </a:extLst>
           </p:cNvPr>
@@ -6193,7 +6193,7 @@
           <p:cNvPr id="59" name="Соединительная линия уступом 903">
             <a:extLst>
               <a:ext uri="{FF2B5EF4-FFF2-40B4-BE49-F238E27FC236}">
-                <a16:creationId xmlns:a16="http://schemas.microsoft.com/office/drawing/2014/main" id="{109A067E-CE15-4E03-9773-91E0273879C6}"/>
+                <a16:creationId xmlns:a16="http://schemas.microsoft.com/office/drawing/2014/main" xmlns="" id="{109A067E-CE15-4E03-9773-91E0273879C6}"/>
               </a:ext>
             </a:extLst>
           </p:cNvPr>
@@ -6239,7 +6239,7 @@
           <p:cNvPr id="62" name="Соединительная линия уступом 903">
             <a:extLst>
               <a:ext uri="{FF2B5EF4-FFF2-40B4-BE49-F238E27FC236}">
-                <a16:creationId xmlns:a16="http://schemas.microsoft.com/office/drawing/2014/main" id="{6C07AA97-4525-4DE7-ADCC-04D2CBE84DB2}"/>
+                <a16:creationId xmlns:a16="http://schemas.microsoft.com/office/drawing/2014/main" xmlns="" id="{6C07AA97-4525-4DE7-ADCC-04D2CBE84DB2}"/>
               </a:ext>
             </a:extLst>
           </p:cNvPr>
@@ -6285,7 +6285,7 @@
           <p:cNvPr id="65" name="Соединительная линия уступом 903">
             <a:extLst>
               <a:ext uri="{FF2B5EF4-FFF2-40B4-BE49-F238E27FC236}">
-                <a16:creationId xmlns:a16="http://schemas.microsoft.com/office/drawing/2014/main" id="{43EDEE73-8E0A-4B11-A556-528A0A52CC3F}"/>
+                <a16:creationId xmlns:a16="http://schemas.microsoft.com/office/drawing/2014/main" xmlns="" id="{43EDEE73-8E0A-4B11-A556-528A0A52CC3F}"/>
               </a:ext>
             </a:extLst>
           </p:cNvPr>
@@ -6331,7 +6331,7 @@
           <p:cNvPr id="68" name="Соединительная линия уступом 903">
             <a:extLst>
               <a:ext uri="{FF2B5EF4-FFF2-40B4-BE49-F238E27FC236}">
-                <a16:creationId xmlns:a16="http://schemas.microsoft.com/office/drawing/2014/main" id="{59D2BA6A-BD9D-4F57-A305-E873010A82F4}"/>
+                <a16:creationId xmlns:a16="http://schemas.microsoft.com/office/drawing/2014/main" xmlns="" id="{59D2BA6A-BD9D-4F57-A305-E873010A82F4}"/>
               </a:ext>
             </a:extLst>
           </p:cNvPr>
@@ -6377,7 +6377,7 @@
           <p:cNvPr id="71" name="Соединительная линия уступом 903">
             <a:extLst>
               <a:ext uri="{FF2B5EF4-FFF2-40B4-BE49-F238E27FC236}">
-                <a16:creationId xmlns:a16="http://schemas.microsoft.com/office/drawing/2014/main" id="{00B11476-6764-4576-A5AA-307DE0B54FA8}"/>
+                <a16:creationId xmlns:a16="http://schemas.microsoft.com/office/drawing/2014/main" xmlns="" id="{00B11476-6764-4576-A5AA-307DE0B54FA8}"/>
               </a:ext>
             </a:extLst>
           </p:cNvPr>
@@ -6423,7 +6423,7 @@
           <p:cNvPr id="74" name="Соединительная линия уступом 903">
             <a:extLst>
               <a:ext uri="{FF2B5EF4-FFF2-40B4-BE49-F238E27FC236}">
-                <a16:creationId xmlns:a16="http://schemas.microsoft.com/office/drawing/2014/main" id="{F1EE0CAA-C3CE-4369-8DB1-59C2A23436F1}"/>
+                <a16:creationId xmlns:a16="http://schemas.microsoft.com/office/drawing/2014/main" xmlns="" id="{F1EE0CAA-C3CE-4369-8DB1-59C2A23436F1}"/>
               </a:ext>
             </a:extLst>
           </p:cNvPr>
@@ -6469,7 +6469,7 @@
           <p:cNvPr id="77" name="Прямоугольник 76">
             <a:extLst>
               <a:ext uri="{FF2B5EF4-FFF2-40B4-BE49-F238E27FC236}">
-                <a16:creationId xmlns:a16="http://schemas.microsoft.com/office/drawing/2014/main" id="{F492B8D6-39F0-4D20-92A4-58A3AE1323E7}"/>
+                <a16:creationId xmlns:a16="http://schemas.microsoft.com/office/drawing/2014/main" xmlns="" id="{F492B8D6-39F0-4D20-92A4-58A3AE1323E7}"/>
               </a:ext>
             </a:extLst>
           </p:cNvPr>
@@ -6523,7 +6523,7 @@
           <p:cNvPr id="78" name="Прямоугольник 77">
             <a:extLst>
               <a:ext uri="{FF2B5EF4-FFF2-40B4-BE49-F238E27FC236}">
-                <a16:creationId xmlns:a16="http://schemas.microsoft.com/office/drawing/2014/main" id="{AE8DBF0B-DB9F-42C3-8B1F-A688891403FA}"/>
+                <a16:creationId xmlns:a16="http://schemas.microsoft.com/office/drawing/2014/main" xmlns="" id="{AE8DBF0B-DB9F-42C3-8B1F-A688891403FA}"/>
               </a:ext>
             </a:extLst>
           </p:cNvPr>
@@ -6597,7 +6597,7 @@
           <p:cNvPr id="80" name="Прямоугольник 79">
             <a:extLst>
               <a:ext uri="{FF2B5EF4-FFF2-40B4-BE49-F238E27FC236}">
-                <a16:creationId xmlns:a16="http://schemas.microsoft.com/office/drawing/2014/main" id="{51DDA96E-A685-43FC-845D-8C9265EE929A}"/>
+                <a16:creationId xmlns:a16="http://schemas.microsoft.com/office/drawing/2014/main" xmlns="" id="{51DDA96E-A685-43FC-845D-8C9265EE929A}"/>
               </a:ext>
             </a:extLst>
           </p:cNvPr>
@@ -6649,7 +6649,7 @@
           <p:cNvPr id="81" name="Прямоугольник 80">
             <a:extLst>
               <a:ext uri="{FF2B5EF4-FFF2-40B4-BE49-F238E27FC236}">
-                <a16:creationId xmlns:a16="http://schemas.microsoft.com/office/drawing/2014/main" id="{FC846415-2760-43A4-A1A1-795C4968509B}"/>
+                <a16:creationId xmlns:a16="http://schemas.microsoft.com/office/drawing/2014/main" xmlns="" id="{FC846415-2760-43A4-A1A1-795C4968509B}"/>
               </a:ext>
             </a:extLst>
           </p:cNvPr>
@@ -6701,7 +6701,7 @@
           <p:cNvPr id="82" name="Прямоугольник 81">
             <a:extLst>
               <a:ext uri="{FF2B5EF4-FFF2-40B4-BE49-F238E27FC236}">
-                <a16:creationId xmlns:a16="http://schemas.microsoft.com/office/drawing/2014/main" id="{BF5DE4AD-D7D4-4C86-9704-BFA8884FD2C7}"/>
+                <a16:creationId xmlns:a16="http://schemas.microsoft.com/office/drawing/2014/main" xmlns="" id="{BF5DE4AD-D7D4-4C86-9704-BFA8884FD2C7}"/>
               </a:ext>
             </a:extLst>
           </p:cNvPr>
@@ -6753,7 +6753,7 @@
           <p:cNvPr id="83" name="Прямоугольник 82">
             <a:extLst>
               <a:ext uri="{FF2B5EF4-FFF2-40B4-BE49-F238E27FC236}">
-                <a16:creationId xmlns:a16="http://schemas.microsoft.com/office/drawing/2014/main" id="{FFDF3200-07AF-4F88-9AFA-E895A9EB463F}"/>
+                <a16:creationId xmlns:a16="http://schemas.microsoft.com/office/drawing/2014/main" xmlns="" id="{FFDF3200-07AF-4F88-9AFA-E895A9EB463F}"/>
               </a:ext>
             </a:extLst>
           </p:cNvPr>
@@ -6805,7 +6805,7 @@
           <p:cNvPr id="84" name="Прямоугольник 83">
             <a:extLst>
               <a:ext uri="{FF2B5EF4-FFF2-40B4-BE49-F238E27FC236}">
-                <a16:creationId xmlns:a16="http://schemas.microsoft.com/office/drawing/2014/main" id="{CA07F76D-4941-4BBE-8B5A-F0348C4D0FB6}"/>
+                <a16:creationId xmlns:a16="http://schemas.microsoft.com/office/drawing/2014/main" xmlns="" id="{CA07F76D-4941-4BBE-8B5A-F0348C4D0FB6}"/>
               </a:ext>
             </a:extLst>
           </p:cNvPr>
@@ -6857,7 +6857,7 @@
           <p:cNvPr id="85" name="Прямоугольник 84">
             <a:extLst>
               <a:ext uri="{FF2B5EF4-FFF2-40B4-BE49-F238E27FC236}">
-                <a16:creationId xmlns:a16="http://schemas.microsoft.com/office/drawing/2014/main" id="{B4C6B690-1886-4211-AFBE-6C0A99C1C73F}"/>
+                <a16:creationId xmlns:a16="http://schemas.microsoft.com/office/drawing/2014/main" xmlns="" id="{B4C6B690-1886-4211-AFBE-6C0A99C1C73F}"/>
               </a:ext>
             </a:extLst>
           </p:cNvPr>
@@ -6909,7 +6909,7 @@
           <p:cNvPr id="86" name="Прямоугольник 85">
             <a:extLst>
               <a:ext uri="{FF2B5EF4-FFF2-40B4-BE49-F238E27FC236}">
-                <a16:creationId xmlns:a16="http://schemas.microsoft.com/office/drawing/2014/main" id="{D4D526C2-9053-416E-9EDD-C32F7B959DFA}"/>
+                <a16:creationId xmlns:a16="http://schemas.microsoft.com/office/drawing/2014/main" xmlns="" id="{D4D526C2-9053-416E-9EDD-C32F7B959DFA}"/>
               </a:ext>
             </a:extLst>
           </p:cNvPr>
@@ -6961,7 +6961,7 @@
           <p:cNvPr id="87" name="Прямоугольник 86">
             <a:extLst>
               <a:ext uri="{FF2B5EF4-FFF2-40B4-BE49-F238E27FC236}">
-                <a16:creationId xmlns:a16="http://schemas.microsoft.com/office/drawing/2014/main" id="{05781F45-96BD-4772-A7F8-D0C0E48CF0C4}"/>
+                <a16:creationId xmlns:a16="http://schemas.microsoft.com/office/drawing/2014/main" xmlns="" id="{05781F45-96BD-4772-A7F8-D0C0E48CF0C4}"/>
               </a:ext>
             </a:extLst>
           </p:cNvPr>
@@ -7017,7 +7017,7 @@
           <p:cNvPr id="88" name="Прямоугольник 87">
             <a:extLst>
               <a:ext uri="{FF2B5EF4-FFF2-40B4-BE49-F238E27FC236}">
-                <a16:creationId xmlns:a16="http://schemas.microsoft.com/office/drawing/2014/main" id="{422F676B-23F7-43EE-A95A-69895A18F0AD}"/>
+                <a16:creationId xmlns:a16="http://schemas.microsoft.com/office/drawing/2014/main" xmlns="" id="{422F676B-23F7-43EE-A95A-69895A18F0AD}"/>
               </a:ext>
             </a:extLst>
           </p:cNvPr>
@@ -7225,7 +7225,7 @@
           <p:cNvPr id="89" name="Прямоугольник 88">
             <a:extLst>
               <a:ext uri="{FF2B5EF4-FFF2-40B4-BE49-F238E27FC236}">
-                <a16:creationId xmlns:a16="http://schemas.microsoft.com/office/drawing/2014/main" id="{F33E5A38-0B16-4D37-89E1-19C913A5BC13}"/>
+                <a16:creationId xmlns:a16="http://schemas.microsoft.com/office/drawing/2014/main" xmlns="" id="{F33E5A38-0B16-4D37-89E1-19C913A5BC13}"/>
               </a:ext>
             </a:extLst>
           </p:cNvPr>
@@ -7291,7 +7291,7 @@
           <p:cNvPr id="90" name="Прямоугольник 89">
             <a:extLst>
               <a:ext uri="{FF2B5EF4-FFF2-40B4-BE49-F238E27FC236}">
-                <a16:creationId xmlns:a16="http://schemas.microsoft.com/office/drawing/2014/main" id="{8C2287E1-C065-4042-BB84-91F0CF7A3A74}"/>
+                <a16:creationId xmlns:a16="http://schemas.microsoft.com/office/drawing/2014/main" xmlns="" id="{8C2287E1-C065-4042-BB84-91F0CF7A3A74}"/>
               </a:ext>
             </a:extLst>
           </p:cNvPr>
@@ -7541,7 +7541,7 @@
           <p:cNvPr id="91" name="Прямоугольник 90">
             <a:extLst>
               <a:ext uri="{FF2B5EF4-FFF2-40B4-BE49-F238E27FC236}">
-                <a16:creationId xmlns:a16="http://schemas.microsoft.com/office/drawing/2014/main" id="{58596D98-69F8-48F5-B5AF-D2569C87ECDC}"/>
+                <a16:creationId xmlns:a16="http://schemas.microsoft.com/office/drawing/2014/main" xmlns="" id="{58596D98-69F8-48F5-B5AF-D2569C87ECDC}"/>
               </a:ext>
             </a:extLst>
           </p:cNvPr>
@@ -7631,7 +7631,7 @@
           <p:cNvPr id="92" name="Прямоугольник 91">
             <a:extLst>
               <a:ext uri="{FF2B5EF4-FFF2-40B4-BE49-F238E27FC236}">
-                <a16:creationId xmlns:a16="http://schemas.microsoft.com/office/drawing/2014/main" id="{A0E90C58-DFD9-4550-AC8D-DED87F819668}"/>
+                <a16:creationId xmlns:a16="http://schemas.microsoft.com/office/drawing/2014/main" xmlns="" id="{A0E90C58-DFD9-4550-AC8D-DED87F819668}"/>
               </a:ext>
             </a:extLst>
           </p:cNvPr>
@@ -7713,7 +7713,7 @@
           <p:cNvPr id="93" name="Прямоугольник 92">
             <a:extLst>
               <a:ext uri="{FF2B5EF4-FFF2-40B4-BE49-F238E27FC236}">
-                <a16:creationId xmlns:a16="http://schemas.microsoft.com/office/drawing/2014/main" id="{905EFC66-02B2-49ED-A696-FAEF4A1D6416}"/>
+                <a16:creationId xmlns:a16="http://schemas.microsoft.com/office/drawing/2014/main" xmlns="" id="{905EFC66-02B2-49ED-A696-FAEF4A1D6416}"/>
               </a:ext>
             </a:extLst>
           </p:cNvPr>
@@ -7803,7 +7803,7 @@
           <p:cNvPr id="94" name="Прямоугольник 93">
             <a:extLst>
               <a:ext uri="{FF2B5EF4-FFF2-40B4-BE49-F238E27FC236}">
-                <a16:creationId xmlns:a16="http://schemas.microsoft.com/office/drawing/2014/main" id="{9261C47C-5EE1-4F56-8101-3DF5265766CF}"/>
+                <a16:creationId xmlns:a16="http://schemas.microsoft.com/office/drawing/2014/main" xmlns="" id="{9261C47C-5EE1-4F56-8101-3DF5265766CF}"/>
               </a:ext>
             </a:extLst>
           </p:cNvPr>
@@ -7865,7 +7865,7 @@
           <p:cNvPr id="95" name="Прямоугольник 94">
             <a:extLst>
               <a:ext uri="{FF2B5EF4-FFF2-40B4-BE49-F238E27FC236}">
-                <a16:creationId xmlns:a16="http://schemas.microsoft.com/office/drawing/2014/main" id="{C2DE2667-AAF6-4947-B73A-9F430C79018E}"/>
+                <a16:creationId xmlns:a16="http://schemas.microsoft.com/office/drawing/2014/main" xmlns="" id="{C2DE2667-AAF6-4947-B73A-9F430C79018E}"/>
               </a:ext>
             </a:extLst>
           </p:cNvPr>
@@ -7939,7 +7939,7 @@
           <p:cNvPr id="96" name="Прямоугольник 95">
             <a:extLst>
               <a:ext uri="{FF2B5EF4-FFF2-40B4-BE49-F238E27FC236}">
-                <a16:creationId xmlns:a16="http://schemas.microsoft.com/office/drawing/2014/main" id="{F057BD5D-D5FA-4727-B502-9F95624798B4}"/>
+                <a16:creationId xmlns:a16="http://schemas.microsoft.com/office/drawing/2014/main" xmlns="" id="{F057BD5D-D5FA-4727-B502-9F95624798B4}"/>
               </a:ext>
             </a:extLst>
           </p:cNvPr>
@@ -8069,7 +8069,7 @@
           <p:cNvPr id="97" name="Прямоугольник 96">
             <a:extLst>
               <a:ext uri="{FF2B5EF4-FFF2-40B4-BE49-F238E27FC236}">
-                <a16:creationId xmlns:a16="http://schemas.microsoft.com/office/drawing/2014/main" id="{BE32C799-1429-4853-B5A8-AE3345E90D8D}"/>
+                <a16:creationId xmlns:a16="http://schemas.microsoft.com/office/drawing/2014/main" xmlns="" id="{BE32C799-1429-4853-B5A8-AE3345E90D8D}"/>
               </a:ext>
             </a:extLst>
           </p:cNvPr>
@@ -8134,7 +8134,7 @@
           <p:cNvPr id="98" name="Прямоугольник 97">
             <a:extLst>
               <a:ext uri="{FF2B5EF4-FFF2-40B4-BE49-F238E27FC236}">
-                <a16:creationId xmlns:a16="http://schemas.microsoft.com/office/drawing/2014/main" id="{21F111C9-B52C-460E-AD39-A8B9F798CB25}"/>
+                <a16:creationId xmlns:a16="http://schemas.microsoft.com/office/drawing/2014/main" xmlns="" id="{21F111C9-B52C-460E-AD39-A8B9F798CB25}"/>
               </a:ext>
             </a:extLst>
           </p:cNvPr>
@@ -8199,7 +8199,7 @@
           <p:cNvPr id="99" name="Прямоугольник 98">
             <a:extLst>
               <a:ext uri="{FF2B5EF4-FFF2-40B4-BE49-F238E27FC236}">
-                <a16:creationId xmlns:a16="http://schemas.microsoft.com/office/drawing/2014/main" id="{3CDEA90A-403D-44E8-BD63-5F728A857464}"/>
+                <a16:creationId xmlns:a16="http://schemas.microsoft.com/office/drawing/2014/main" xmlns="" id="{3CDEA90A-403D-44E8-BD63-5F728A857464}"/>
               </a:ext>
             </a:extLst>
           </p:cNvPr>
@@ -8276,7 +8276,7 @@
           <p:cNvPr id="100" name="Прямоугольник 99">
             <a:extLst>
               <a:ext uri="{FF2B5EF4-FFF2-40B4-BE49-F238E27FC236}">
-                <a16:creationId xmlns:a16="http://schemas.microsoft.com/office/drawing/2014/main" id="{8B70D98A-AAC5-4F3D-938D-F15D11AC9F90}"/>
+                <a16:creationId xmlns:a16="http://schemas.microsoft.com/office/drawing/2014/main" xmlns="" id="{8B70D98A-AAC5-4F3D-938D-F15D11AC9F90}"/>
               </a:ext>
             </a:extLst>
           </p:cNvPr>
@@ -8345,7 +8345,7 @@
           <p:cNvPr id="101" name="Прямоугольник 100">
             <a:extLst>
               <a:ext uri="{FF2B5EF4-FFF2-40B4-BE49-F238E27FC236}">
-                <a16:creationId xmlns:a16="http://schemas.microsoft.com/office/drawing/2014/main" id="{F402EBBD-5722-48B1-9BBA-587E5C4DFB4D}"/>
+                <a16:creationId xmlns:a16="http://schemas.microsoft.com/office/drawing/2014/main" xmlns="" id="{F402EBBD-5722-48B1-9BBA-587E5C4DFB4D}"/>
               </a:ext>
             </a:extLst>
           </p:cNvPr>
@@ -8430,7 +8430,7 @@
           <p:cNvPr id="102" name="Прямоугольник 101">
             <a:extLst>
               <a:ext uri="{FF2B5EF4-FFF2-40B4-BE49-F238E27FC236}">
-                <a16:creationId xmlns:a16="http://schemas.microsoft.com/office/drawing/2014/main" id="{62E65D83-9718-4B14-AFE2-F1D04B420F81}"/>
+                <a16:creationId xmlns:a16="http://schemas.microsoft.com/office/drawing/2014/main" xmlns="" id="{62E65D83-9718-4B14-AFE2-F1D04B420F81}"/>
               </a:ext>
             </a:extLst>
           </p:cNvPr>
@@ -8507,7 +8507,7 @@
           <p:cNvPr id="103" name="Прямоугольник 102">
             <a:extLst>
               <a:ext uri="{FF2B5EF4-FFF2-40B4-BE49-F238E27FC236}">
-                <a16:creationId xmlns:a16="http://schemas.microsoft.com/office/drawing/2014/main" id="{C6BDA37E-3E81-4B99-A54A-C631250D3A33}"/>
+                <a16:creationId xmlns:a16="http://schemas.microsoft.com/office/drawing/2014/main" xmlns="" id="{C6BDA37E-3E81-4B99-A54A-C631250D3A33}"/>
               </a:ext>
             </a:extLst>
           </p:cNvPr>
@@ -8575,7 +8575,7 @@
           <p:cNvPr id="112" name="Прямоугольник 111">
             <a:extLst>
               <a:ext uri="{FF2B5EF4-FFF2-40B4-BE49-F238E27FC236}">
-                <a16:creationId xmlns:a16="http://schemas.microsoft.com/office/drawing/2014/main" id="{9B5A9C46-C31A-401D-9EBF-78AE38F570DF}"/>
+                <a16:creationId xmlns:a16="http://schemas.microsoft.com/office/drawing/2014/main" xmlns="" id="{9B5A9C46-C31A-401D-9EBF-78AE38F570DF}"/>
               </a:ext>
             </a:extLst>
           </p:cNvPr>
@@ -8644,7 +8644,7 @@
           <p:cNvPr id="117" name="Соединительная линия уступом 903">
             <a:extLst>
               <a:ext uri="{FF2B5EF4-FFF2-40B4-BE49-F238E27FC236}">
-                <a16:creationId xmlns:a16="http://schemas.microsoft.com/office/drawing/2014/main" id="{7F550792-EE6C-4B6F-B826-22E45DB79321}"/>
+                <a16:creationId xmlns:a16="http://schemas.microsoft.com/office/drawing/2014/main" xmlns="" id="{7F550792-EE6C-4B6F-B826-22E45DB79321}"/>
               </a:ext>
             </a:extLst>
           </p:cNvPr>
@@ -8690,7 +8690,7 @@
           <p:cNvPr id="120" name="Соединительная линия уступом 903">
             <a:extLst>
               <a:ext uri="{FF2B5EF4-FFF2-40B4-BE49-F238E27FC236}">
-                <a16:creationId xmlns:a16="http://schemas.microsoft.com/office/drawing/2014/main" id="{42BA63A1-F902-44BD-AEC4-6A00A7DD5215}"/>
+                <a16:creationId xmlns:a16="http://schemas.microsoft.com/office/drawing/2014/main" xmlns="" id="{42BA63A1-F902-44BD-AEC4-6A00A7DD5215}"/>
               </a:ext>
             </a:extLst>
           </p:cNvPr>
@@ -8736,7 +8736,7 @@
           <p:cNvPr id="123" name="Соединительная линия уступом 903">
             <a:extLst>
               <a:ext uri="{FF2B5EF4-FFF2-40B4-BE49-F238E27FC236}">
-                <a16:creationId xmlns:a16="http://schemas.microsoft.com/office/drawing/2014/main" id="{52CF7390-DEEA-4782-9037-6AAA2FAB1267}"/>
+                <a16:creationId xmlns:a16="http://schemas.microsoft.com/office/drawing/2014/main" xmlns="" id="{52CF7390-DEEA-4782-9037-6AAA2FAB1267}"/>
               </a:ext>
             </a:extLst>
           </p:cNvPr>
@@ -8781,7 +8781,7 @@
           <p:cNvPr id="128" name="Соединительная линия уступом 903">
             <a:extLst>
               <a:ext uri="{FF2B5EF4-FFF2-40B4-BE49-F238E27FC236}">
-                <a16:creationId xmlns:a16="http://schemas.microsoft.com/office/drawing/2014/main" id="{7A113AE3-4577-430A-BA26-EF4235023FFA}"/>
+                <a16:creationId xmlns:a16="http://schemas.microsoft.com/office/drawing/2014/main" xmlns="" id="{7A113AE3-4577-430A-BA26-EF4235023FFA}"/>
               </a:ext>
             </a:extLst>
           </p:cNvPr>
@@ -8826,7 +8826,7 @@
           <p:cNvPr id="131" name="Соединительная линия уступом 903">
             <a:extLst>
               <a:ext uri="{FF2B5EF4-FFF2-40B4-BE49-F238E27FC236}">
-                <a16:creationId xmlns:a16="http://schemas.microsoft.com/office/drawing/2014/main" id="{40147503-E638-42DF-A929-5C7B9F2B48B1}"/>
+                <a16:creationId xmlns:a16="http://schemas.microsoft.com/office/drawing/2014/main" xmlns="" id="{40147503-E638-42DF-A929-5C7B9F2B48B1}"/>
               </a:ext>
             </a:extLst>
           </p:cNvPr>
@@ -8871,7 +8871,7 @@
           <p:cNvPr id="134" name="Соединительная линия уступом 903">
             <a:extLst>
               <a:ext uri="{FF2B5EF4-FFF2-40B4-BE49-F238E27FC236}">
-                <a16:creationId xmlns:a16="http://schemas.microsoft.com/office/drawing/2014/main" id="{B109EAAA-04CC-455A-9A24-9F6792FBCCC4}"/>
+                <a16:creationId xmlns:a16="http://schemas.microsoft.com/office/drawing/2014/main" xmlns="" id="{B109EAAA-04CC-455A-9A24-9F6792FBCCC4}"/>
               </a:ext>
             </a:extLst>
           </p:cNvPr>
@@ -8916,7 +8916,7 @@
           <p:cNvPr id="138" name="Соединительная линия уступом 903">
             <a:extLst>
               <a:ext uri="{FF2B5EF4-FFF2-40B4-BE49-F238E27FC236}">
-                <a16:creationId xmlns:a16="http://schemas.microsoft.com/office/drawing/2014/main" id="{BB75BD33-58E7-4B2D-9AE8-736000AF5996}"/>
+                <a16:creationId xmlns:a16="http://schemas.microsoft.com/office/drawing/2014/main" xmlns="" id="{BB75BD33-58E7-4B2D-9AE8-736000AF5996}"/>
               </a:ext>
             </a:extLst>
           </p:cNvPr>
@@ -8961,7 +8961,7 @@
           <p:cNvPr id="141" name="Прямая со стрелкой 140">
             <a:extLst>
               <a:ext uri="{FF2B5EF4-FFF2-40B4-BE49-F238E27FC236}">
-                <a16:creationId xmlns:a16="http://schemas.microsoft.com/office/drawing/2014/main" id="{F0204958-F3C4-46F5-A7B8-B2E525B442E3}"/>
+                <a16:creationId xmlns:a16="http://schemas.microsoft.com/office/drawing/2014/main" xmlns="" id="{F0204958-F3C4-46F5-A7B8-B2E525B442E3}"/>
               </a:ext>
             </a:extLst>
           </p:cNvPr>
@@ -9004,7 +9004,7 @@
           <p:cNvPr id="144" name="Соединительная линия уступом 903">
             <a:extLst>
               <a:ext uri="{FF2B5EF4-FFF2-40B4-BE49-F238E27FC236}">
-                <a16:creationId xmlns:a16="http://schemas.microsoft.com/office/drawing/2014/main" id="{5C748310-8A24-4A37-94AD-69E898DBB5BF}"/>
+                <a16:creationId xmlns:a16="http://schemas.microsoft.com/office/drawing/2014/main" xmlns="" id="{5C748310-8A24-4A37-94AD-69E898DBB5BF}"/>
               </a:ext>
             </a:extLst>
           </p:cNvPr>
@@ -9050,7 +9050,7 @@
           <p:cNvPr id="147" name="Соединительная линия уступом 903">
             <a:extLst>
               <a:ext uri="{FF2B5EF4-FFF2-40B4-BE49-F238E27FC236}">
-                <a16:creationId xmlns:a16="http://schemas.microsoft.com/office/drawing/2014/main" id="{6247459E-8D36-4B32-A142-C426692F0DC9}"/>
+                <a16:creationId xmlns:a16="http://schemas.microsoft.com/office/drawing/2014/main" xmlns="" id="{6247459E-8D36-4B32-A142-C426692F0DC9}"/>
               </a:ext>
             </a:extLst>
           </p:cNvPr>
@@ -9096,7 +9096,7 @@
           <p:cNvPr id="150" name="Соединительная линия уступом 903">
             <a:extLst>
               <a:ext uri="{FF2B5EF4-FFF2-40B4-BE49-F238E27FC236}">
-                <a16:creationId xmlns:a16="http://schemas.microsoft.com/office/drawing/2014/main" id="{B5229C84-1524-4F6C-8C6B-E4AA146420CD}"/>
+                <a16:creationId xmlns:a16="http://schemas.microsoft.com/office/drawing/2014/main" xmlns="" id="{B5229C84-1524-4F6C-8C6B-E4AA146420CD}"/>
               </a:ext>
             </a:extLst>
           </p:cNvPr>
@@ -9142,7 +9142,7 @@
           <p:cNvPr id="153" name="Соединительная линия уступом 903">
             <a:extLst>
               <a:ext uri="{FF2B5EF4-FFF2-40B4-BE49-F238E27FC236}">
-                <a16:creationId xmlns:a16="http://schemas.microsoft.com/office/drawing/2014/main" id="{2D2CC445-D083-4638-B348-AE346D452DE8}"/>
+                <a16:creationId xmlns:a16="http://schemas.microsoft.com/office/drawing/2014/main" xmlns="" id="{2D2CC445-D083-4638-B348-AE346D452DE8}"/>
               </a:ext>
             </a:extLst>
           </p:cNvPr>
@@ -9188,7 +9188,7 @@
           <p:cNvPr id="156" name="Прямоугольник 155">
             <a:extLst>
               <a:ext uri="{FF2B5EF4-FFF2-40B4-BE49-F238E27FC236}">
-                <a16:creationId xmlns:a16="http://schemas.microsoft.com/office/drawing/2014/main" id="{70F2E1EB-331E-413E-A7A7-863A2E76F5D1}"/>
+                <a16:creationId xmlns:a16="http://schemas.microsoft.com/office/drawing/2014/main" xmlns="" id="{70F2E1EB-331E-413E-A7A7-863A2E76F5D1}"/>
               </a:ext>
             </a:extLst>
           </p:cNvPr>
@@ -9254,7 +9254,7 @@
           <p:cNvPr id="157" name="Прямоугольник 156">
             <a:extLst>
               <a:ext uri="{FF2B5EF4-FFF2-40B4-BE49-F238E27FC236}">
-                <a16:creationId xmlns:a16="http://schemas.microsoft.com/office/drawing/2014/main" id="{7B62B550-46D1-4E62-ABB5-B8EF59547B9A}"/>
+                <a16:creationId xmlns:a16="http://schemas.microsoft.com/office/drawing/2014/main" xmlns="" id="{7B62B550-46D1-4E62-ABB5-B8EF59547B9A}"/>
               </a:ext>
             </a:extLst>
           </p:cNvPr>
@@ -9332,7 +9332,7 @@
           <p:cNvPr id="158" name="Прямоугольник 157">
             <a:extLst>
               <a:ext uri="{FF2B5EF4-FFF2-40B4-BE49-F238E27FC236}">
-                <a16:creationId xmlns:a16="http://schemas.microsoft.com/office/drawing/2014/main" id="{39373D37-652A-432A-AF2C-81923E65FD74}"/>
+                <a16:creationId xmlns:a16="http://schemas.microsoft.com/office/drawing/2014/main" xmlns="" id="{39373D37-652A-432A-AF2C-81923E65FD74}"/>
               </a:ext>
             </a:extLst>
           </p:cNvPr>
@@ -9388,6 +9388,10 @@
               <a:rPr lang="ru-RU" sz="700" dirty="0"/>
               <a:t>Конфискация германского имущества </a:t>
             </a:r>
+            <a:r>
+              <a:rPr lang="ru-RU" sz="800" dirty="0"/>
+              <a:t/>
+            </a:r>
             <a:br>
               <a:rPr lang="ru-RU" sz="800" dirty="0"/>
             </a:br>
@@ -9404,7 +9408,7 @@
           <p:cNvPr id="162" name="Прямоугольник 161">
             <a:extLst>
               <a:ext uri="{FF2B5EF4-FFF2-40B4-BE49-F238E27FC236}">
-                <a16:creationId xmlns:a16="http://schemas.microsoft.com/office/drawing/2014/main" id="{D21D4960-F203-4755-9FED-7CFC800F902A}"/>
+                <a16:creationId xmlns:a16="http://schemas.microsoft.com/office/drawing/2014/main" xmlns="" id="{D21D4960-F203-4755-9FED-7CFC800F902A}"/>
               </a:ext>
             </a:extLst>
           </p:cNvPr>
@@ -9486,7 +9490,7 @@
           <p:cNvPr id="163" name="Прямоугольник 162">
             <a:extLst>
               <a:ext uri="{FF2B5EF4-FFF2-40B4-BE49-F238E27FC236}">
-                <a16:creationId xmlns:a16="http://schemas.microsoft.com/office/drawing/2014/main" id="{BD849E57-A12E-42AE-AA12-4FB9BA687E1A}"/>
+                <a16:creationId xmlns:a16="http://schemas.microsoft.com/office/drawing/2014/main" xmlns="" id="{BD849E57-A12E-42AE-AA12-4FB9BA687E1A}"/>
               </a:ext>
             </a:extLst>
           </p:cNvPr>
@@ -9563,7 +9567,7 @@
           <p:cNvPr id="164" name="Прямая со стрелкой 163">
             <a:extLst>
               <a:ext uri="{FF2B5EF4-FFF2-40B4-BE49-F238E27FC236}">
-                <a16:creationId xmlns:a16="http://schemas.microsoft.com/office/drawing/2014/main" id="{B048244F-EB49-46C4-A9EC-3C9E6EB26FD0}"/>
+                <a16:creationId xmlns:a16="http://schemas.microsoft.com/office/drawing/2014/main" xmlns="" id="{B048244F-EB49-46C4-A9EC-3C9E6EB26FD0}"/>
               </a:ext>
             </a:extLst>
           </p:cNvPr>
@@ -9606,7 +9610,7 @@
           <p:cNvPr id="169" name="Соединительная линия уступом 903">
             <a:extLst>
               <a:ext uri="{FF2B5EF4-FFF2-40B4-BE49-F238E27FC236}">
-                <a16:creationId xmlns:a16="http://schemas.microsoft.com/office/drawing/2014/main" id="{3BF92898-1A8D-44CD-90AE-9ED96D3CC103}"/>
+                <a16:creationId xmlns:a16="http://schemas.microsoft.com/office/drawing/2014/main" xmlns="" id="{3BF92898-1A8D-44CD-90AE-9ED96D3CC103}"/>
               </a:ext>
             </a:extLst>
           </p:cNvPr>
@@ -9651,7 +9655,7 @@
           <p:cNvPr id="173" name="Соединительная линия уступом 903">
             <a:extLst>
               <a:ext uri="{FF2B5EF4-FFF2-40B4-BE49-F238E27FC236}">
-                <a16:creationId xmlns:a16="http://schemas.microsoft.com/office/drawing/2014/main" id="{EF7071D1-BE49-4A1B-8811-FFC6268219EF}"/>
+                <a16:creationId xmlns:a16="http://schemas.microsoft.com/office/drawing/2014/main" xmlns="" id="{EF7071D1-BE49-4A1B-8811-FFC6268219EF}"/>
               </a:ext>
             </a:extLst>
           </p:cNvPr>
@@ -9696,7 +9700,7 @@
           <p:cNvPr id="176" name="Соединительная линия уступом 903">
             <a:extLst>
               <a:ext uri="{FF2B5EF4-FFF2-40B4-BE49-F238E27FC236}">
-                <a16:creationId xmlns:a16="http://schemas.microsoft.com/office/drawing/2014/main" id="{30D330E8-189B-403C-83EF-0C1AB67953A6}"/>
+                <a16:creationId xmlns:a16="http://schemas.microsoft.com/office/drawing/2014/main" xmlns="" id="{30D330E8-189B-403C-83EF-0C1AB67953A6}"/>
               </a:ext>
             </a:extLst>
           </p:cNvPr>
@@ -9741,7 +9745,7 @@
           <p:cNvPr id="179" name="Соединительная линия уступом 903">
             <a:extLst>
               <a:ext uri="{FF2B5EF4-FFF2-40B4-BE49-F238E27FC236}">
-                <a16:creationId xmlns:a16="http://schemas.microsoft.com/office/drawing/2014/main" id="{1B345060-1C77-489A-A3B6-573436341CD2}"/>
+                <a16:creationId xmlns:a16="http://schemas.microsoft.com/office/drawing/2014/main" xmlns="" id="{1B345060-1C77-489A-A3B6-573436341CD2}"/>
               </a:ext>
             </a:extLst>
           </p:cNvPr>
@@ -9786,7 +9790,7 @@
           <p:cNvPr id="194" name="Соединительная линия уступом 903">
             <a:extLst>
               <a:ext uri="{FF2B5EF4-FFF2-40B4-BE49-F238E27FC236}">
-                <a16:creationId xmlns:a16="http://schemas.microsoft.com/office/drawing/2014/main" id="{47EFD662-D8F0-4D46-B8BE-62DAF2481AC2}"/>
+                <a16:creationId xmlns:a16="http://schemas.microsoft.com/office/drawing/2014/main" xmlns="" id="{47EFD662-D8F0-4D46-B8BE-62DAF2481AC2}"/>
               </a:ext>
             </a:extLst>
           </p:cNvPr>
@@ -9831,7 +9835,7 @@
           <p:cNvPr id="197" name="Соединительная линия уступом 903">
             <a:extLst>
               <a:ext uri="{FF2B5EF4-FFF2-40B4-BE49-F238E27FC236}">
-                <a16:creationId xmlns:a16="http://schemas.microsoft.com/office/drawing/2014/main" id="{42EC46F3-1198-439C-9201-297275403091}"/>
+                <a16:creationId xmlns:a16="http://schemas.microsoft.com/office/drawing/2014/main" xmlns="" id="{42EC46F3-1198-439C-9201-297275403091}"/>
               </a:ext>
             </a:extLst>
           </p:cNvPr>
@@ -9876,7 +9880,7 @@
           <p:cNvPr id="200" name="Прямая со стрелкой 199">
             <a:extLst>
               <a:ext uri="{FF2B5EF4-FFF2-40B4-BE49-F238E27FC236}">
-                <a16:creationId xmlns:a16="http://schemas.microsoft.com/office/drawing/2014/main" id="{C65B3E6E-D325-417D-A60E-CBAC49A6F0BD}"/>
+                <a16:creationId xmlns:a16="http://schemas.microsoft.com/office/drawing/2014/main" xmlns="" id="{C65B3E6E-D325-417D-A60E-CBAC49A6F0BD}"/>
               </a:ext>
             </a:extLst>
           </p:cNvPr>
@@ -9919,7 +9923,7 @@
           <p:cNvPr id="203" name="Прямая со стрелкой 202">
             <a:extLst>
               <a:ext uri="{FF2B5EF4-FFF2-40B4-BE49-F238E27FC236}">
-                <a16:creationId xmlns:a16="http://schemas.microsoft.com/office/drawing/2014/main" id="{D3A51449-15E2-4BEA-88A5-B2691A1B3690}"/>
+                <a16:creationId xmlns:a16="http://schemas.microsoft.com/office/drawing/2014/main" xmlns="" id="{D3A51449-15E2-4BEA-88A5-B2691A1B3690}"/>
               </a:ext>
             </a:extLst>
           </p:cNvPr>
@@ -9962,7 +9966,7 @@
           <p:cNvPr id="206" name="Прямая со стрелкой 205">
             <a:extLst>
               <a:ext uri="{FF2B5EF4-FFF2-40B4-BE49-F238E27FC236}">
-                <a16:creationId xmlns:a16="http://schemas.microsoft.com/office/drawing/2014/main" id="{AFD4E665-A61D-46C2-A133-3412690F30F3}"/>
+                <a16:creationId xmlns:a16="http://schemas.microsoft.com/office/drawing/2014/main" xmlns="" id="{AFD4E665-A61D-46C2-A133-3412690F30F3}"/>
               </a:ext>
             </a:extLst>
           </p:cNvPr>
@@ -10005,7 +10009,7 @@
           <p:cNvPr id="209" name="Прямая со стрелкой 208">
             <a:extLst>
               <a:ext uri="{FF2B5EF4-FFF2-40B4-BE49-F238E27FC236}">
-                <a16:creationId xmlns:a16="http://schemas.microsoft.com/office/drawing/2014/main" id="{6B358EC7-E053-4570-B92E-4C044AC26D2C}"/>
+                <a16:creationId xmlns:a16="http://schemas.microsoft.com/office/drawing/2014/main" xmlns="" id="{6B358EC7-E053-4570-B92E-4C044AC26D2C}"/>
               </a:ext>
             </a:extLst>
           </p:cNvPr>
@@ -10048,7 +10052,7 @@
           <p:cNvPr id="212" name="Прямая со стрелкой 211">
             <a:extLst>
               <a:ext uri="{FF2B5EF4-FFF2-40B4-BE49-F238E27FC236}">
-                <a16:creationId xmlns:a16="http://schemas.microsoft.com/office/drawing/2014/main" id="{929707B4-0ED3-4FF6-B9DB-8E849B5466B2}"/>
+                <a16:creationId xmlns:a16="http://schemas.microsoft.com/office/drawing/2014/main" xmlns="" id="{929707B4-0ED3-4FF6-B9DB-8E849B5466B2}"/>
               </a:ext>
             </a:extLst>
           </p:cNvPr>
@@ -10091,7 +10095,7 @@
           <p:cNvPr id="215" name="Прямая со стрелкой 214">
             <a:extLst>
               <a:ext uri="{FF2B5EF4-FFF2-40B4-BE49-F238E27FC236}">
-                <a16:creationId xmlns:a16="http://schemas.microsoft.com/office/drawing/2014/main" id="{3763D6CD-8165-4195-A229-9E111149C4E6}"/>
+                <a16:creationId xmlns:a16="http://schemas.microsoft.com/office/drawing/2014/main" xmlns="" id="{3763D6CD-8165-4195-A229-9E111149C4E6}"/>
               </a:ext>
             </a:extLst>
           </p:cNvPr>
@@ -10134,7 +10138,7 @@
           <p:cNvPr id="226" name="Прямоугольник 225">
             <a:extLst>
               <a:ext uri="{FF2B5EF4-FFF2-40B4-BE49-F238E27FC236}">
-                <a16:creationId xmlns:a16="http://schemas.microsoft.com/office/drawing/2014/main" id="{8F90957D-3F70-4F7D-A50B-157EE934D6F5}"/>
+                <a16:creationId xmlns:a16="http://schemas.microsoft.com/office/drawing/2014/main" xmlns="" id="{8F90957D-3F70-4F7D-A50B-157EE934D6F5}"/>
               </a:ext>
             </a:extLst>
           </p:cNvPr>
@@ -10184,7 +10188,7 @@
           <p:cNvPr id="227" name="Прямоугольник 226">
             <a:extLst>
               <a:ext uri="{FF2B5EF4-FFF2-40B4-BE49-F238E27FC236}">
-                <a16:creationId xmlns:a16="http://schemas.microsoft.com/office/drawing/2014/main" id="{77B2829B-9A73-48A5-B93C-36696747ADD9}"/>
+                <a16:creationId xmlns:a16="http://schemas.microsoft.com/office/drawing/2014/main" xmlns="" id="{77B2829B-9A73-48A5-B93C-36696747ADD9}"/>
               </a:ext>
             </a:extLst>
           </p:cNvPr>
@@ -10314,7 +10318,7 @@
           <p:cNvPr id="231" name="Соединительная линия уступом 903">
             <a:extLst>
               <a:ext uri="{FF2B5EF4-FFF2-40B4-BE49-F238E27FC236}">
-                <a16:creationId xmlns:a16="http://schemas.microsoft.com/office/drawing/2014/main" id="{4F66CE16-F4D4-4BEA-B35B-7CA503F701C0}"/>
+                <a16:creationId xmlns:a16="http://schemas.microsoft.com/office/drawing/2014/main" xmlns="" id="{4F66CE16-F4D4-4BEA-B35B-7CA503F701C0}"/>
               </a:ext>
             </a:extLst>
           </p:cNvPr>
@@ -10359,7 +10363,7 @@
           <p:cNvPr id="238" name="Прямая соединительная линия 237">
             <a:extLst>
               <a:ext uri="{FF2B5EF4-FFF2-40B4-BE49-F238E27FC236}">
-                <a16:creationId xmlns:a16="http://schemas.microsoft.com/office/drawing/2014/main" id="{FD347516-2278-4B85-B9D1-D49EF200F440}"/>
+                <a16:creationId xmlns:a16="http://schemas.microsoft.com/office/drawing/2014/main" xmlns="" id="{FD347516-2278-4B85-B9D1-D49EF200F440}"/>
               </a:ext>
             </a:extLst>
           </p:cNvPr>
@@ -10404,7 +10408,7 @@
           <p:cNvPr id="266" name="Соединительная линия уступом 903">
             <a:extLst>
               <a:ext uri="{FF2B5EF4-FFF2-40B4-BE49-F238E27FC236}">
-                <a16:creationId xmlns:a16="http://schemas.microsoft.com/office/drawing/2014/main" id="{FD352671-4213-4DF2-A335-A0D96AEF3058}"/>
+                <a16:creationId xmlns:a16="http://schemas.microsoft.com/office/drawing/2014/main" xmlns="" id="{FD352671-4213-4DF2-A335-A0D96AEF3058}"/>
               </a:ext>
             </a:extLst>
           </p:cNvPr>
@@ -10449,7 +10453,7 @@
           <p:cNvPr id="270" name="Прямоугольник 269">
             <a:extLst>
               <a:ext uri="{FF2B5EF4-FFF2-40B4-BE49-F238E27FC236}">
-                <a16:creationId xmlns:a16="http://schemas.microsoft.com/office/drawing/2014/main" id="{A5342E2A-ECF3-4482-981E-FB362358AC03}"/>
+                <a16:creationId xmlns:a16="http://schemas.microsoft.com/office/drawing/2014/main" xmlns="" id="{A5342E2A-ECF3-4482-981E-FB362358AC03}"/>
               </a:ext>
             </a:extLst>
           </p:cNvPr>
@@ -10507,7 +10511,7 @@
           <p:cNvPr id="271" name="Прямая соединительная линия 270">
             <a:extLst>
               <a:ext uri="{FF2B5EF4-FFF2-40B4-BE49-F238E27FC236}">
-                <a16:creationId xmlns:a16="http://schemas.microsoft.com/office/drawing/2014/main" id="{A658E4AD-DAE9-412E-8260-CC41A0C2A1E1}"/>
+                <a16:creationId xmlns:a16="http://schemas.microsoft.com/office/drawing/2014/main" xmlns="" id="{A658E4AD-DAE9-412E-8260-CC41A0C2A1E1}"/>
               </a:ext>
             </a:extLst>
           </p:cNvPr>
@@ -10552,7 +10556,7 @@
           <p:cNvPr id="279" name="Соединительная линия уступом 903">
             <a:extLst>
               <a:ext uri="{FF2B5EF4-FFF2-40B4-BE49-F238E27FC236}">
-                <a16:creationId xmlns:a16="http://schemas.microsoft.com/office/drawing/2014/main" id="{572840DF-3EA8-46E1-931A-FA2FFC7D98A4}"/>
+                <a16:creationId xmlns:a16="http://schemas.microsoft.com/office/drawing/2014/main" xmlns="" id="{572840DF-3EA8-46E1-931A-FA2FFC7D98A4}"/>
               </a:ext>
             </a:extLst>
           </p:cNvPr>
@@ -10597,7 +10601,7 @@
           <p:cNvPr id="286" name="Соединительная линия уступом 903">
             <a:extLst>
               <a:ext uri="{FF2B5EF4-FFF2-40B4-BE49-F238E27FC236}">
-                <a16:creationId xmlns:a16="http://schemas.microsoft.com/office/drawing/2014/main" id="{576D432B-14DD-4A6D-AB31-394D7535A00A}"/>
+                <a16:creationId xmlns:a16="http://schemas.microsoft.com/office/drawing/2014/main" xmlns="" id="{576D432B-14DD-4A6D-AB31-394D7535A00A}"/>
               </a:ext>
             </a:extLst>
           </p:cNvPr>
@@ -10642,7 +10646,7 @@
           <p:cNvPr id="295" name="Соединительная линия уступом 903">
             <a:extLst>
               <a:ext uri="{FF2B5EF4-FFF2-40B4-BE49-F238E27FC236}">
-                <a16:creationId xmlns:a16="http://schemas.microsoft.com/office/drawing/2014/main" id="{2A1524CC-F749-457E-8785-AFB89CF85AC6}"/>
+                <a16:creationId xmlns:a16="http://schemas.microsoft.com/office/drawing/2014/main" xmlns="" id="{2A1524CC-F749-457E-8785-AFB89CF85AC6}"/>
               </a:ext>
             </a:extLst>
           </p:cNvPr>
@@ -10688,7 +10692,7 @@
           <p:cNvPr id="298" name="Соединительная линия уступом 903">
             <a:extLst>
               <a:ext uri="{FF2B5EF4-FFF2-40B4-BE49-F238E27FC236}">
-                <a16:creationId xmlns:a16="http://schemas.microsoft.com/office/drawing/2014/main" id="{034CF559-3849-42CF-A3F3-E3159A936C70}"/>
+                <a16:creationId xmlns:a16="http://schemas.microsoft.com/office/drawing/2014/main" xmlns="" id="{034CF559-3849-42CF-A3F3-E3159A936C70}"/>
               </a:ext>
             </a:extLst>
           </p:cNvPr>
@@ -10734,7 +10738,7 @@
           <p:cNvPr id="301" name="Соединительная линия уступом 903">
             <a:extLst>
               <a:ext uri="{FF2B5EF4-FFF2-40B4-BE49-F238E27FC236}">
-                <a16:creationId xmlns:a16="http://schemas.microsoft.com/office/drawing/2014/main" id="{7672BA52-6BCF-494F-8AA2-A64772CE3CC0}"/>
+                <a16:creationId xmlns:a16="http://schemas.microsoft.com/office/drawing/2014/main" xmlns="" id="{7672BA52-6BCF-494F-8AA2-A64772CE3CC0}"/>
               </a:ext>
             </a:extLst>
           </p:cNvPr>
@@ -10780,7 +10784,7 @@
           <p:cNvPr id="304" name="Прямоугольник 303">
             <a:extLst>
               <a:ext uri="{FF2B5EF4-FFF2-40B4-BE49-F238E27FC236}">
-                <a16:creationId xmlns:a16="http://schemas.microsoft.com/office/drawing/2014/main" id="{5A90479D-BFEC-4250-A8B4-175610005B0C}"/>
+                <a16:creationId xmlns:a16="http://schemas.microsoft.com/office/drawing/2014/main" xmlns="" id="{5A90479D-BFEC-4250-A8B4-175610005B0C}"/>
               </a:ext>
             </a:extLst>
           </p:cNvPr>
@@ -10839,7 +10843,7 @@
           <p:cNvPr id="305" name="Прямоугольник 304">
             <a:extLst>
               <a:ext uri="{FF2B5EF4-FFF2-40B4-BE49-F238E27FC236}">
-                <a16:creationId xmlns:a16="http://schemas.microsoft.com/office/drawing/2014/main" id="{73C6584F-AB91-413A-9C68-4ACD181B75C0}"/>
+                <a16:creationId xmlns:a16="http://schemas.microsoft.com/office/drawing/2014/main" xmlns="" id="{73C6584F-AB91-413A-9C68-4ACD181B75C0}"/>
               </a:ext>
             </a:extLst>
           </p:cNvPr>
@@ -10906,7 +10910,7 @@
           <p:cNvPr id="306" name="Соединительная линия уступом 903">
             <a:extLst>
               <a:ext uri="{FF2B5EF4-FFF2-40B4-BE49-F238E27FC236}">
-                <a16:creationId xmlns:a16="http://schemas.microsoft.com/office/drawing/2014/main" id="{8BEF26C8-19FF-4ACF-94F5-4225C4EB8246}"/>
+                <a16:creationId xmlns:a16="http://schemas.microsoft.com/office/drawing/2014/main" xmlns="" id="{8BEF26C8-19FF-4ACF-94F5-4225C4EB8246}"/>
               </a:ext>
             </a:extLst>
           </p:cNvPr>
@@ -10951,7 +10955,7 @@
           <p:cNvPr id="309" name="Прямая со стрелкой 308">
             <a:extLst>
               <a:ext uri="{FF2B5EF4-FFF2-40B4-BE49-F238E27FC236}">
-                <a16:creationId xmlns:a16="http://schemas.microsoft.com/office/drawing/2014/main" id="{4F994BCD-25E2-41AE-B84C-2F9962E702F3}"/>
+                <a16:creationId xmlns:a16="http://schemas.microsoft.com/office/drawing/2014/main" xmlns="" id="{4F994BCD-25E2-41AE-B84C-2F9962E702F3}"/>
               </a:ext>
             </a:extLst>
           </p:cNvPr>
@@ -10994,7 +10998,7 @@
           <p:cNvPr id="312" name="Соединительная линия уступом 903">
             <a:extLst>
               <a:ext uri="{FF2B5EF4-FFF2-40B4-BE49-F238E27FC236}">
-                <a16:creationId xmlns:a16="http://schemas.microsoft.com/office/drawing/2014/main" id="{07137075-E005-4218-9DD1-C16A5EBE52A6}"/>
+                <a16:creationId xmlns:a16="http://schemas.microsoft.com/office/drawing/2014/main" xmlns="" id="{07137075-E005-4218-9DD1-C16A5EBE52A6}"/>
               </a:ext>
             </a:extLst>
           </p:cNvPr>
@@ -11039,7 +11043,7 @@
           <p:cNvPr id="130" name="Прямоугольник 129">
             <a:extLst>
               <a:ext uri="{FF2B5EF4-FFF2-40B4-BE49-F238E27FC236}">
-                <a16:creationId xmlns:a16="http://schemas.microsoft.com/office/drawing/2014/main" id="{ABFF5B51-3609-4286-A116-20D114007F6D}"/>
+                <a16:creationId xmlns:a16="http://schemas.microsoft.com/office/drawing/2014/main" xmlns="" id="{ABFF5B51-3609-4286-A116-20D114007F6D}"/>
               </a:ext>
             </a:extLst>
           </p:cNvPr>
@@ -11098,7 +11102,7 @@
           <p:cNvPr id="132" name="Прямоугольник 131">
             <a:extLst>
               <a:ext uri="{FF2B5EF4-FFF2-40B4-BE49-F238E27FC236}">
-                <a16:creationId xmlns:a16="http://schemas.microsoft.com/office/drawing/2014/main" id="{42471CBD-413A-4A3C-B6F6-DCD88E55B78D}"/>
+                <a16:creationId xmlns:a16="http://schemas.microsoft.com/office/drawing/2014/main" xmlns="" id="{42471CBD-413A-4A3C-B6F6-DCD88E55B78D}"/>
               </a:ext>
             </a:extLst>
           </p:cNvPr>
@@ -11148,7 +11152,7 @@
           <p:cNvPr id="133" name="Прямоугольник 132">
             <a:extLst>
               <a:ext uri="{FF2B5EF4-FFF2-40B4-BE49-F238E27FC236}">
-                <a16:creationId xmlns:a16="http://schemas.microsoft.com/office/drawing/2014/main" id="{5A02DB7D-6E57-4AEF-9913-B75B2F02E27D}"/>
+                <a16:creationId xmlns:a16="http://schemas.microsoft.com/office/drawing/2014/main" xmlns="" id="{5A02DB7D-6E57-4AEF-9913-B75B2F02E27D}"/>
               </a:ext>
             </a:extLst>
           </p:cNvPr>
@@ -11203,7 +11207,7 @@
           <p:cNvPr id="135" name="Прямоугольник 134">
             <a:extLst>
               <a:ext uri="{FF2B5EF4-FFF2-40B4-BE49-F238E27FC236}">
-                <a16:creationId xmlns:a16="http://schemas.microsoft.com/office/drawing/2014/main" id="{D80463F0-008D-4836-8F9E-3D2D6E66AB47}"/>
+                <a16:creationId xmlns:a16="http://schemas.microsoft.com/office/drawing/2014/main" xmlns="" id="{D80463F0-008D-4836-8F9E-3D2D6E66AB47}"/>
               </a:ext>
             </a:extLst>
           </p:cNvPr>
@@ -11258,7 +11262,7 @@
           <p:cNvPr id="136" name="Прямоугольник 135">
             <a:extLst>
               <a:ext uri="{FF2B5EF4-FFF2-40B4-BE49-F238E27FC236}">
-                <a16:creationId xmlns:a16="http://schemas.microsoft.com/office/drawing/2014/main" id="{C758B007-0C96-4689-82E4-6C593885F846}"/>
+                <a16:creationId xmlns:a16="http://schemas.microsoft.com/office/drawing/2014/main" xmlns="" id="{C758B007-0C96-4689-82E4-6C593885F846}"/>
               </a:ext>
             </a:extLst>
           </p:cNvPr>
@@ -11325,7 +11329,7 @@
           <p:cNvPr id="139" name="Прямоугольник 138">
             <a:extLst>
               <a:ext uri="{FF2B5EF4-FFF2-40B4-BE49-F238E27FC236}">
-                <a16:creationId xmlns:a16="http://schemas.microsoft.com/office/drawing/2014/main" id="{2772F863-F97F-446C-9EF5-E9FBA76BA105}"/>
+                <a16:creationId xmlns:a16="http://schemas.microsoft.com/office/drawing/2014/main" xmlns="" id="{2772F863-F97F-446C-9EF5-E9FBA76BA105}"/>
               </a:ext>
             </a:extLst>
           </p:cNvPr>
@@ -11379,7 +11383,7 @@
           <p:cNvPr id="140" name="Прямая со стрелкой 139">
             <a:extLst>
               <a:ext uri="{FF2B5EF4-FFF2-40B4-BE49-F238E27FC236}">
-                <a16:creationId xmlns:a16="http://schemas.microsoft.com/office/drawing/2014/main" id="{B3FCE5AB-B549-43E5-94DB-B0838C67B62E}"/>
+                <a16:creationId xmlns:a16="http://schemas.microsoft.com/office/drawing/2014/main" xmlns="" id="{B3FCE5AB-B549-43E5-94DB-B0838C67B62E}"/>
               </a:ext>
             </a:extLst>
           </p:cNvPr>
@@ -11422,7 +11426,7 @@
           <p:cNvPr id="142" name="Прямая со стрелкой 141">
             <a:extLst>
               <a:ext uri="{FF2B5EF4-FFF2-40B4-BE49-F238E27FC236}">
-                <a16:creationId xmlns:a16="http://schemas.microsoft.com/office/drawing/2014/main" id="{6DB489FB-B7F5-4424-8C73-6D37DF418426}"/>
+                <a16:creationId xmlns:a16="http://schemas.microsoft.com/office/drawing/2014/main" xmlns="" id="{6DB489FB-B7F5-4424-8C73-6D37DF418426}"/>
               </a:ext>
             </a:extLst>
           </p:cNvPr>
@@ -11465,7 +11469,7 @@
           <p:cNvPr id="143" name="Прямоугольник 142">
             <a:extLst>
               <a:ext uri="{FF2B5EF4-FFF2-40B4-BE49-F238E27FC236}">
-                <a16:creationId xmlns:a16="http://schemas.microsoft.com/office/drawing/2014/main" id="{D8560F03-D7E5-4EAE-8AB6-25DD52B13299}"/>
+                <a16:creationId xmlns:a16="http://schemas.microsoft.com/office/drawing/2014/main" xmlns="" id="{D8560F03-D7E5-4EAE-8AB6-25DD52B13299}"/>
               </a:ext>
             </a:extLst>
           </p:cNvPr>
@@ -11540,7 +11544,7 @@
           <p:cNvPr id="145" name="Прямоугольник 144">
             <a:extLst>
               <a:ext uri="{FF2B5EF4-FFF2-40B4-BE49-F238E27FC236}">
-                <a16:creationId xmlns:a16="http://schemas.microsoft.com/office/drawing/2014/main" id="{9B2FDAB2-B211-4434-9C5B-E5DF44A10A33}"/>
+                <a16:creationId xmlns:a16="http://schemas.microsoft.com/office/drawing/2014/main" xmlns="" id="{9B2FDAB2-B211-4434-9C5B-E5DF44A10A33}"/>
               </a:ext>
             </a:extLst>
           </p:cNvPr>
@@ -11670,7 +11674,7 @@
           <p:cNvPr id="146" name="Соединительная линия уступом 903">
             <a:extLst>
               <a:ext uri="{FF2B5EF4-FFF2-40B4-BE49-F238E27FC236}">
-                <a16:creationId xmlns:a16="http://schemas.microsoft.com/office/drawing/2014/main" id="{7F2B1BD7-0FDF-4BD9-834C-72911F99D650}"/>
+                <a16:creationId xmlns:a16="http://schemas.microsoft.com/office/drawing/2014/main" xmlns="" id="{7F2B1BD7-0FDF-4BD9-834C-72911F99D650}"/>
               </a:ext>
             </a:extLst>
           </p:cNvPr>
@@ -11715,7 +11719,7 @@
           <p:cNvPr id="148" name="Прямоугольник 147">
             <a:extLst>
               <a:ext uri="{FF2B5EF4-FFF2-40B4-BE49-F238E27FC236}">
-                <a16:creationId xmlns:a16="http://schemas.microsoft.com/office/drawing/2014/main" id="{5F0353F8-E21C-4F18-BE59-BB22D272D767}"/>
+                <a16:creationId xmlns:a16="http://schemas.microsoft.com/office/drawing/2014/main" xmlns="" id="{5F0353F8-E21C-4F18-BE59-BB22D272D767}"/>
               </a:ext>
             </a:extLst>
           </p:cNvPr>
@@ -11773,7 +11777,7 @@
           <p:cNvPr id="149" name="Прямоугольник 148">
             <a:extLst>
               <a:ext uri="{FF2B5EF4-FFF2-40B4-BE49-F238E27FC236}">
-                <a16:creationId xmlns:a16="http://schemas.microsoft.com/office/drawing/2014/main" id="{4A8FCB66-A700-49E8-963C-C94CA0CCF5FD}"/>
+                <a16:creationId xmlns:a16="http://schemas.microsoft.com/office/drawing/2014/main" xmlns="" id="{4A8FCB66-A700-49E8-963C-C94CA0CCF5FD}"/>
               </a:ext>
             </a:extLst>
           </p:cNvPr>
@@ -12127,7 +12131,7 @@
   <a:extraClrSchemeLst/>
   <a:extLst>
     <a:ext uri="{05A4C25C-085E-4340-85A3-A5531E510DB2}">
-      <thm15:themeFamily xmlns:thm15="http://schemas.microsoft.com/office/thememl/2012/main" name="Office Theme" id="{62F939B6-93AF-4DB8-9C6B-D6C7DFDC589F}" vid="{4A3C46E8-61CC-4603-A589-7422A47A8E4A}"/>
+      <thm15:themeFamily xmlns:thm15="http://schemas.microsoft.com/office/thememl/2012/main" xmlns="" name="Office Theme" id="{62F939B6-93AF-4DB8-9C6B-D6C7DFDC589F}" vid="{4A3C46E8-61CC-4603-A589-7422A47A8E4A}"/>
     </a:ext>
   </a:extLst>
 </a:theme>
@@ -12388,7 +12392,7 @@
   <a:extraClrSchemeLst/>
   <a:extLst>
     <a:ext uri="{05A4C25C-085E-4340-85A3-A5531E510DB2}">
-      <thm15:themeFamily xmlns:thm15="http://schemas.microsoft.com/office/thememl/2012/main" name="Office Theme" id="{62F939B6-93AF-4DB8-9C6B-D6C7DFDC589F}" vid="{4A3C46E8-61CC-4603-A589-7422A47A8E4A}"/>
+      <thm15:themeFamily xmlns:thm15="http://schemas.microsoft.com/office/thememl/2012/main" xmlns="" name="Office Theme" id="{62F939B6-93AF-4DB8-9C6B-D6C7DFDC589F}" vid="{4A3C46E8-61CC-4603-A589-7422A47A8E4A}"/>
     </a:ext>
   </a:extLst>
 </a:theme>

--- a/Наработки/диздоки/Никарагуа/Никарагуа.pptx
+++ b/Наработки/диздоки/Никарагуа/Никарагуа.pptx
@@ -109,7 +109,7 @@
   </p:defaultTextStyle>
   <p:extLst>
     <p:ext uri="{EFAFB233-063F-42B5-8137-9DF3F51BA10A}">
-      <p15:sldGuideLst xmlns:p15="http://schemas.microsoft.com/office/powerpoint/2012/main" xmlns="">
+      <p15:sldGuideLst xmlns:p15="http://schemas.microsoft.com/office/powerpoint/2012/main">
         <p15:guide id="1" orient="horz" pos="11344">
           <p15:clr>
             <a:srgbClr val="A4A3A4"/>
@@ -3575,7 +3575,7 @@
           <p:cNvPr id="860" name="Прямоугольник 859">
             <a:extLst>
               <a:ext uri="{FF2B5EF4-FFF2-40B4-BE49-F238E27FC236}">
-                <a16:creationId xmlns:a16="http://schemas.microsoft.com/office/drawing/2014/main" xmlns="" id="{6192B7C6-55FD-4881-A7C8-B46143BFCF64}"/>
+                <a16:creationId xmlns:a16="http://schemas.microsoft.com/office/drawing/2014/main" id="{6192B7C6-55FD-4881-A7C8-B46143BFCF64}"/>
               </a:ext>
             </a:extLst>
           </p:cNvPr>
@@ -3625,7 +3625,7 @@
           <p:cNvPr id="987" name="Прямоугольник 986">
             <a:extLst>
               <a:ext uri="{FF2B5EF4-FFF2-40B4-BE49-F238E27FC236}">
-                <a16:creationId xmlns:a16="http://schemas.microsoft.com/office/drawing/2014/main" xmlns="" id="{67193EE9-417B-43C2-AB81-CA3693D3020C}"/>
+                <a16:creationId xmlns:a16="http://schemas.microsoft.com/office/drawing/2014/main" id="{67193EE9-417B-43C2-AB81-CA3693D3020C}"/>
               </a:ext>
             </a:extLst>
           </p:cNvPr>
@@ -3675,7 +3675,7 @@
           <p:cNvPr id="991" name="Прямоугольник 990">
             <a:extLst>
               <a:ext uri="{FF2B5EF4-FFF2-40B4-BE49-F238E27FC236}">
-                <a16:creationId xmlns:a16="http://schemas.microsoft.com/office/drawing/2014/main" xmlns="" id="{DF4FA738-4588-47B9-8CCD-BD1F596377F3}"/>
+                <a16:creationId xmlns:a16="http://schemas.microsoft.com/office/drawing/2014/main" id="{DF4FA738-4588-47B9-8CCD-BD1F596377F3}"/>
               </a:ext>
             </a:extLst>
           </p:cNvPr>
@@ -3780,7 +3780,7 @@
           <p:cNvPr id="994" name="Прямоугольник 993">
             <a:extLst>
               <a:ext uri="{FF2B5EF4-FFF2-40B4-BE49-F238E27FC236}">
-                <a16:creationId xmlns:a16="http://schemas.microsoft.com/office/drawing/2014/main" xmlns="" id="{2C61400B-484B-4957-B0B2-641DF530B9A0}"/>
+                <a16:creationId xmlns:a16="http://schemas.microsoft.com/office/drawing/2014/main" id="{2C61400B-484B-4957-B0B2-641DF530B9A0}"/>
               </a:ext>
             </a:extLst>
           </p:cNvPr>
@@ -3837,7 +3837,7 @@
           <p:cNvPr id="995" name="Прямоугольник 994">
             <a:extLst>
               <a:ext uri="{FF2B5EF4-FFF2-40B4-BE49-F238E27FC236}">
-                <a16:creationId xmlns:a16="http://schemas.microsoft.com/office/drawing/2014/main" xmlns="" id="{F18E07CC-8B9D-421A-926B-156E5FCEBD1B}"/>
+                <a16:creationId xmlns:a16="http://schemas.microsoft.com/office/drawing/2014/main" id="{F18E07CC-8B9D-421A-926B-156E5FCEBD1B}"/>
               </a:ext>
             </a:extLst>
           </p:cNvPr>
@@ -3931,7 +3931,7 @@
           <p:cNvPr id="996" name="Прямоугольник 995">
             <a:extLst>
               <a:ext uri="{FF2B5EF4-FFF2-40B4-BE49-F238E27FC236}">
-                <a16:creationId xmlns:a16="http://schemas.microsoft.com/office/drawing/2014/main" xmlns="" id="{0A3E31CE-1F95-493B-99B8-75E1E74691B0}"/>
+                <a16:creationId xmlns:a16="http://schemas.microsoft.com/office/drawing/2014/main" id="{0A3E31CE-1F95-493B-99B8-75E1E74691B0}"/>
               </a:ext>
             </a:extLst>
           </p:cNvPr>
@@ -4065,7 +4065,7 @@
           <p:cNvPr id="998" name="Прямоугольник 997">
             <a:extLst>
               <a:ext uri="{FF2B5EF4-FFF2-40B4-BE49-F238E27FC236}">
-                <a16:creationId xmlns:a16="http://schemas.microsoft.com/office/drawing/2014/main" xmlns="" id="{D1BF57CA-E69C-44E3-AAB9-85050AFD605D}"/>
+                <a16:creationId xmlns:a16="http://schemas.microsoft.com/office/drawing/2014/main" id="{D1BF57CA-E69C-44E3-AAB9-85050AFD605D}"/>
               </a:ext>
             </a:extLst>
           </p:cNvPr>
@@ -4115,7 +4115,7 @@
           <p:cNvPr id="999" name="Прямоугольник 998">
             <a:extLst>
               <a:ext uri="{FF2B5EF4-FFF2-40B4-BE49-F238E27FC236}">
-                <a16:creationId xmlns:a16="http://schemas.microsoft.com/office/drawing/2014/main" xmlns="" id="{ED20F934-4F09-47D0-A5C3-475497C89CA8}"/>
+                <a16:creationId xmlns:a16="http://schemas.microsoft.com/office/drawing/2014/main" id="{ED20F934-4F09-47D0-A5C3-475497C89CA8}"/>
               </a:ext>
             </a:extLst>
           </p:cNvPr>
@@ -4172,7 +4172,7 @@
           <p:cNvPr id="1000" name="Прямоугольник 999">
             <a:extLst>
               <a:ext uri="{FF2B5EF4-FFF2-40B4-BE49-F238E27FC236}">
-                <a16:creationId xmlns:a16="http://schemas.microsoft.com/office/drawing/2014/main" xmlns="" id="{3031F683-9F5E-4938-B59B-3FA74405AA5D}"/>
+                <a16:creationId xmlns:a16="http://schemas.microsoft.com/office/drawing/2014/main" id="{3031F683-9F5E-4938-B59B-3FA74405AA5D}"/>
               </a:ext>
             </a:extLst>
           </p:cNvPr>
@@ -4265,7 +4265,7 @@
           <p:cNvPr id="1003" name="Прямоугольник 1002">
             <a:extLst>
               <a:ext uri="{FF2B5EF4-FFF2-40B4-BE49-F238E27FC236}">
-                <a16:creationId xmlns:a16="http://schemas.microsoft.com/office/drawing/2014/main" xmlns="" id="{6902397C-BDFE-4DCF-A1A2-FAE0B2626BDA}"/>
+                <a16:creationId xmlns:a16="http://schemas.microsoft.com/office/drawing/2014/main" id="{6902397C-BDFE-4DCF-A1A2-FAE0B2626BDA}"/>
               </a:ext>
             </a:extLst>
           </p:cNvPr>
@@ -4330,7 +4330,7 @@
           <p:cNvPr id="1004" name="Прямоугольник 1003">
             <a:extLst>
               <a:ext uri="{FF2B5EF4-FFF2-40B4-BE49-F238E27FC236}">
-                <a16:creationId xmlns:a16="http://schemas.microsoft.com/office/drawing/2014/main" xmlns="" id="{69B79668-F64A-48E7-B6D8-046B42C5083A}"/>
+                <a16:creationId xmlns:a16="http://schemas.microsoft.com/office/drawing/2014/main" id="{69B79668-F64A-48E7-B6D8-046B42C5083A}"/>
               </a:ext>
             </a:extLst>
           </p:cNvPr>
@@ -4392,7 +4392,7 @@
           <p:cNvPr id="1006" name="Прямоугольник 1005">
             <a:extLst>
               <a:ext uri="{FF2B5EF4-FFF2-40B4-BE49-F238E27FC236}">
-                <a16:creationId xmlns:a16="http://schemas.microsoft.com/office/drawing/2014/main" xmlns="" id="{DBC3419A-22FA-43FF-B8B9-DD68FEBDCE02}"/>
+                <a16:creationId xmlns:a16="http://schemas.microsoft.com/office/drawing/2014/main" id="{DBC3419A-22FA-43FF-B8B9-DD68FEBDCE02}"/>
               </a:ext>
             </a:extLst>
           </p:cNvPr>
@@ -4442,7 +4442,7 @@
           <p:cNvPr id="1007" name="Прямоугольник 1006">
             <a:extLst>
               <a:ext uri="{FF2B5EF4-FFF2-40B4-BE49-F238E27FC236}">
-                <a16:creationId xmlns:a16="http://schemas.microsoft.com/office/drawing/2014/main" xmlns="" id="{16A1A0CD-EC27-4841-9CAC-A2951FA574D9}"/>
+                <a16:creationId xmlns:a16="http://schemas.microsoft.com/office/drawing/2014/main" id="{16A1A0CD-EC27-4841-9CAC-A2951FA574D9}"/>
               </a:ext>
             </a:extLst>
           </p:cNvPr>
@@ -4499,7 +4499,7 @@
           <p:cNvPr id="1008" name="Прямоугольник 1007">
             <a:extLst>
               <a:ext uri="{FF2B5EF4-FFF2-40B4-BE49-F238E27FC236}">
-                <a16:creationId xmlns:a16="http://schemas.microsoft.com/office/drawing/2014/main" xmlns="" id="{E382042E-E28F-4CC0-86C4-7327A76B1C30}"/>
+                <a16:creationId xmlns:a16="http://schemas.microsoft.com/office/drawing/2014/main" id="{E382042E-E28F-4CC0-86C4-7327A76B1C30}"/>
               </a:ext>
             </a:extLst>
           </p:cNvPr>
@@ -4549,7 +4549,7 @@
           <p:cNvPr id="1009" name="Прямоугольник 1008">
             <a:extLst>
               <a:ext uri="{FF2B5EF4-FFF2-40B4-BE49-F238E27FC236}">
-                <a16:creationId xmlns:a16="http://schemas.microsoft.com/office/drawing/2014/main" xmlns="" id="{D6B9B13E-4EC1-48C5-9D81-8A7DC0201F74}"/>
+                <a16:creationId xmlns:a16="http://schemas.microsoft.com/office/drawing/2014/main" id="{D6B9B13E-4EC1-48C5-9D81-8A7DC0201F74}"/>
               </a:ext>
             </a:extLst>
           </p:cNvPr>
@@ -4610,7 +4610,7 @@
           <p:cNvPr id="1010" name="Прямоугольник 1009">
             <a:extLst>
               <a:ext uri="{FF2B5EF4-FFF2-40B4-BE49-F238E27FC236}">
-                <a16:creationId xmlns:a16="http://schemas.microsoft.com/office/drawing/2014/main" xmlns="" id="{EB093940-7B32-4F48-90D9-92C619CCC27C}"/>
+                <a16:creationId xmlns:a16="http://schemas.microsoft.com/office/drawing/2014/main" id="{EB093940-7B32-4F48-90D9-92C619CCC27C}"/>
               </a:ext>
             </a:extLst>
           </p:cNvPr>
@@ -4700,7 +4700,7 @@
           <p:cNvPr id="1011" name="Прямая со стрелкой 1010">
             <a:extLst>
               <a:ext uri="{FF2B5EF4-FFF2-40B4-BE49-F238E27FC236}">
-                <a16:creationId xmlns:a16="http://schemas.microsoft.com/office/drawing/2014/main" xmlns="" id="{6FF1BA7F-812C-44A5-BEC2-31F4B6F55538}"/>
+                <a16:creationId xmlns:a16="http://schemas.microsoft.com/office/drawing/2014/main" id="{6FF1BA7F-812C-44A5-BEC2-31F4B6F55538}"/>
               </a:ext>
             </a:extLst>
           </p:cNvPr>
@@ -4743,7 +4743,7 @@
           <p:cNvPr id="1012" name="Соединительная линия уступом 903">
             <a:extLst>
               <a:ext uri="{FF2B5EF4-FFF2-40B4-BE49-F238E27FC236}">
-                <a16:creationId xmlns:a16="http://schemas.microsoft.com/office/drawing/2014/main" xmlns="" id="{61CC6BA5-39EA-4B23-A209-0E7E8DB14AB7}"/>
+                <a16:creationId xmlns:a16="http://schemas.microsoft.com/office/drawing/2014/main" id="{61CC6BA5-39EA-4B23-A209-0E7E8DB14AB7}"/>
               </a:ext>
             </a:extLst>
           </p:cNvPr>
@@ -4788,7 +4788,7 @@
           <p:cNvPr id="1014" name="Прямая со стрелкой 1013">
             <a:extLst>
               <a:ext uri="{FF2B5EF4-FFF2-40B4-BE49-F238E27FC236}">
-                <a16:creationId xmlns:a16="http://schemas.microsoft.com/office/drawing/2014/main" xmlns="" id="{DE622A39-F9DB-4104-B64D-4660F6424C79}"/>
+                <a16:creationId xmlns:a16="http://schemas.microsoft.com/office/drawing/2014/main" id="{DE622A39-F9DB-4104-B64D-4660F6424C79}"/>
               </a:ext>
             </a:extLst>
           </p:cNvPr>
@@ -4831,7 +4831,7 @@
           <p:cNvPr id="1015" name="Прямая со стрелкой 1014">
             <a:extLst>
               <a:ext uri="{FF2B5EF4-FFF2-40B4-BE49-F238E27FC236}">
-                <a16:creationId xmlns:a16="http://schemas.microsoft.com/office/drawing/2014/main" xmlns="" id="{F4E65FFA-5006-43A8-9BFD-FFB14F085370}"/>
+                <a16:creationId xmlns:a16="http://schemas.microsoft.com/office/drawing/2014/main" id="{F4E65FFA-5006-43A8-9BFD-FFB14F085370}"/>
               </a:ext>
             </a:extLst>
           </p:cNvPr>
@@ -4874,7 +4874,7 @@
           <p:cNvPr id="1016" name="Прямая со стрелкой 1015">
             <a:extLst>
               <a:ext uri="{FF2B5EF4-FFF2-40B4-BE49-F238E27FC236}">
-                <a16:creationId xmlns:a16="http://schemas.microsoft.com/office/drawing/2014/main" xmlns="" id="{CC2FBAD9-0DAC-475C-84AF-B8C4D7F7CD36}"/>
+                <a16:creationId xmlns:a16="http://schemas.microsoft.com/office/drawing/2014/main" id="{CC2FBAD9-0DAC-475C-84AF-B8C4D7F7CD36}"/>
               </a:ext>
             </a:extLst>
           </p:cNvPr>
@@ -4917,7 +4917,7 @@
           <p:cNvPr id="1017" name="Прямая со стрелкой 1016">
             <a:extLst>
               <a:ext uri="{FF2B5EF4-FFF2-40B4-BE49-F238E27FC236}">
-                <a16:creationId xmlns:a16="http://schemas.microsoft.com/office/drawing/2014/main" xmlns="" id="{7F5BA024-9E61-46B2-B19B-838E6AB850FD}"/>
+                <a16:creationId xmlns:a16="http://schemas.microsoft.com/office/drawing/2014/main" id="{7F5BA024-9E61-46B2-B19B-838E6AB850FD}"/>
               </a:ext>
             </a:extLst>
           </p:cNvPr>
@@ -4960,7 +4960,7 @@
           <p:cNvPr id="1018" name="Соединительная линия уступом 903">
             <a:extLst>
               <a:ext uri="{FF2B5EF4-FFF2-40B4-BE49-F238E27FC236}">
-                <a16:creationId xmlns:a16="http://schemas.microsoft.com/office/drawing/2014/main" xmlns="" id="{D9E9FE67-1272-43E5-98D8-86DDB97DE61E}"/>
+                <a16:creationId xmlns:a16="http://schemas.microsoft.com/office/drawing/2014/main" id="{D9E9FE67-1272-43E5-98D8-86DDB97DE61E}"/>
               </a:ext>
             </a:extLst>
           </p:cNvPr>
@@ -5005,7 +5005,7 @@
           <p:cNvPr id="1019" name="Прямая со стрелкой 1018">
             <a:extLst>
               <a:ext uri="{FF2B5EF4-FFF2-40B4-BE49-F238E27FC236}">
-                <a16:creationId xmlns:a16="http://schemas.microsoft.com/office/drawing/2014/main" xmlns="" id="{59266080-AC10-42CA-B68E-CEDF802FA3D3}"/>
+                <a16:creationId xmlns:a16="http://schemas.microsoft.com/office/drawing/2014/main" id="{59266080-AC10-42CA-B68E-CEDF802FA3D3}"/>
               </a:ext>
             </a:extLst>
           </p:cNvPr>
@@ -5048,7 +5048,7 @@
           <p:cNvPr id="1020" name="Соединительная линия уступом 903">
             <a:extLst>
               <a:ext uri="{FF2B5EF4-FFF2-40B4-BE49-F238E27FC236}">
-                <a16:creationId xmlns:a16="http://schemas.microsoft.com/office/drawing/2014/main" xmlns="" id="{62E8E398-7627-44D2-9D70-5C4E18D9492C}"/>
+                <a16:creationId xmlns:a16="http://schemas.microsoft.com/office/drawing/2014/main" id="{62E8E398-7627-44D2-9D70-5C4E18D9492C}"/>
               </a:ext>
             </a:extLst>
           </p:cNvPr>
@@ -5093,7 +5093,7 @@
           <p:cNvPr id="1021" name="Соединительная линия уступом 903">
             <a:extLst>
               <a:ext uri="{FF2B5EF4-FFF2-40B4-BE49-F238E27FC236}">
-                <a16:creationId xmlns:a16="http://schemas.microsoft.com/office/drawing/2014/main" xmlns="" id="{BDC7F8CB-0052-4FAE-993D-F1332955CF43}"/>
+                <a16:creationId xmlns:a16="http://schemas.microsoft.com/office/drawing/2014/main" id="{BDC7F8CB-0052-4FAE-993D-F1332955CF43}"/>
               </a:ext>
             </a:extLst>
           </p:cNvPr>
@@ -5138,7 +5138,7 @@
           <p:cNvPr id="1022" name="Прямая со стрелкой 1021">
             <a:extLst>
               <a:ext uri="{FF2B5EF4-FFF2-40B4-BE49-F238E27FC236}">
-                <a16:creationId xmlns:a16="http://schemas.microsoft.com/office/drawing/2014/main" xmlns="" id="{11E09268-6642-4446-BE40-6FEF2498A4ED}"/>
+                <a16:creationId xmlns:a16="http://schemas.microsoft.com/office/drawing/2014/main" id="{11E09268-6642-4446-BE40-6FEF2498A4ED}"/>
               </a:ext>
             </a:extLst>
           </p:cNvPr>
@@ -5181,7 +5181,7 @@
           <p:cNvPr id="34" name="Прямоугольник 33">
             <a:extLst>
               <a:ext uri="{FF2B5EF4-FFF2-40B4-BE49-F238E27FC236}">
-                <a16:creationId xmlns:a16="http://schemas.microsoft.com/office/drawing/2014/main" xmlns="" id="{59ACB422-97FE-4024-8EC7-A17F82AC2F7B}"/>
+                <a16:creationId xmlns:a16="http://schemas.microsoft.com/office/drawing/2014/main" id="{59ACB422-97FE-4024-8EC7-A17F82AC2F7B}"/>
               </a:ext>
             </a:extLst>
           </p:cNvPr>
@@ -5231,7 +5231,7 @@
           <p:cNvPr id="35" name="Прямоугольник 34">
             <a:extLst>
               <a:ext uri="{FF2B5EF4-FFF2-40B4-BE49-F238E27FC236}">
-                <a16:creationId xmlns:a16="http://schemas.microsoft.com/office/drawing/2014/main" xmlns="" id="{8F6B01E8-2051-4659-A9F2-6CCFEACACA21}"/>
+                <a16:creationId xmlns:a16="http://schemas.microsoft.com/office/drawing/2014/main" id="{8F6B01E8-2051-4659-A9F2-6CCFEACACA21}"/>
               </a:ext>
             </a:extLst>
           </p:cNvPr>
@@ -5281,7 +5281,7 @@
           <p:cNvPr id="36" name="Прямоугольник 35">
             <a:extLst>
               <a:ext uri="{FF2B5EF4-FFF2-40B4-BE49-F238E27FC236}">
-                <a16:creationId xmlns:a16="http://schemas.microsoft.com/office/drawing/2014/main" xmlns="" id="{9367D27D-AEBB-46B0-A932-DCEBE1910C36}"/>
+                <a16:creationId xmlns:a16="http://schemas.microsoft.com/office/drawing/2014/main" id="{9367D27D-AEBB-46B0-A932-DCEBE1910C36}"/>
               </a:ext>
             </a:extLst>
           </p:cNvPr>
@@ -5331,7 +5331,7 @@
           <p:cNvPr id="37" name="Прямоугольник 36">
             <a:extLst>
               <a:ext uri="{FF2B5EF4-FFF2-40B4-BE49-F238E27FC236}">
-                <a16:creationId xmlns:a16="http://schemas.microsoft.com/office/drawing/2014/main" xmlns="" id="{97D21FA9-0A99-4302-9C8A-886C2A95D444}"/>
+                <a16:creationId xmlns:a16="http://schemas.microsoft.com/office/drawing/2014/main" id="{97D21FA9-0A99-4302-9C8A-886C2A95D444}"/>
               </a:ext>
             </a:extLst>
           </p:cNvPr>
@@ -5389,7 +5389,7 @@
           <p:cNvPr id="38" name="Прямоугольник 37">
             <a:extLst>
               <a:ext uri="{FF2B5EF4-FFF2-40B4-BE49-F238E27FC236}">
-                <a16:creationId xmlns:a16="http://schemas.microsoft.com/office/drawing/2014/main" xmlns="" id="{9C02A14C-DE5F-49AD-A4EE-A27966D0EFDC}"/>
+                <a16:creationId xmlns:a16="http://schemas.microsoft.com/office/drawing/2014/main" id="{9C02A14C-DE5F-49AD-A4EE-A27966D0EFDC}"/>
               </a:ext>
             </a:extLst>
           </p:cNvPr>
@@ -5439,7 +5439,7 @@
           <p:cNvPr id="39" name="Прямоугольник 38">
             <a:extLst>
               <a:ext uri="{FF2B5EF4-FFF2-40B4-BE49-F238E27FC236}">
-                <a16:creationId xmlns:a16="http://schemas.microsoft.com/office/drawing/2014/main" xmlns="" id="{CCC56779-6173-48FC-B7E9-574156FA22BE}"/>
+                <a16:creationId xmlns:a16="http://schemas.microsoft.com/office/drawing/2014/main" id="{CCC56779-6173-48FC-B7E9-574156FA22BE}"/>
               </a:ext>
             </a:extLst>
           </p:cNvPr>
@@ -5489,7 +5489,7 @@
           <p:cNvPr id="42" name="Прямоугольник 41">
             <a:extLst>
               <a:ext uri="{FF2B5EF4-FFF2-40B4-BE49-F238E27FC236}">
-                <a16:creationId xmlns:a16="http://schemas.microsoft.com/office/drawing/2014/main" xmlns="" id="{03F7D570-4EE1-495E-9294-D367F2E7763E}"/>
+                <a16:creationId xmlns:a16="http://schemas.microsoft.com/office/drawing/2014/main" id="{03F7D570-4EE1-495E-9294-D367F2E7763E}"/>
               </a:ext>
             </a:extLst>
           </p:cNvPr>
@@ -5539,7 +5539,7 @@
           <p:cNvPr id="43" name="Прямоугольник 42">
             <a:extLst>
               <a:ext uri="{FF2B5EF4-FFF2-40B4-BE49-F238E27FC236}">
-                <a16:creationId xmlns:a16="http://schemas.microsoft.com/office/drawing/2014/main" xmlns="" id="{5858A8E5-3EFA-419C-99B9-6773CA7E1501}"/>
+                <a16:creationId xmlns:a16="http://schemas.microsoft.com/office/drawing/2014/main" id="{5858A8E5-3EFA-419C-99B9-6773CA7E1501}"/>
               </a:ext>
             </a:extLst>
           </p:cNvPr>
@@ -5593,7 +5593,7 @@
           <p:cNvPr id="45" name="Прямоугольник 44">
             <a:extLst>
               <a:ext uri="{FF2B5EF4-FFF2-40B4-BE49-F238E27FC236}">
-                <a16:creationId xmlns:a16="http://schemas.microsoft.com/office/drawing/2014/main" xmlns="" id="{29CBE310-5100-413A-B4C1-EA4E28F411B1}"/>
+                <a16:creationId xmlns:a16="http://schemas.microsoft.com/office/drawing/2014/main" id="{29CBE310-5100-413A-B4C1-EA4E28F411B1}"/>
               </a:ext>
             </a:extLst>
           </p:cNvPr>
@@ -5643,7 +5643,7 @@
           <p:cNvPr id="46" name="Прямоугольник 45">
             <a:extLst>
               <a:ext uri="{FF2B5EF4-FFF2-40B4-BE49-F238E27FC236}">
-                <a16:creationId xmlns:a16="http://schemas.microsoft.com/office/drawing/2014/main" xmlns="" id="{4518A036-F097-41EC-A960-D49579F30834}"/>
+                <a16:creationId xmlns:a16="http://schemas.microsoft.com/office/drawing/2014/main" id="{4518A036-F097-41EC-A960-D49579F30834}"/>
               </a:ext>
             </a:extLst>
           </p:cNvPr>
@@ -5762,7 +5762,7 @@
           <p:cNvPr id="47" name="Прямоугольник 46">
             <a:extLst>
               <a:ext uri="{FF2B5EF4-FFF2-40B4-BE49-F238E27FC236}">
-                <a16:creationId xmlns:a16="http://schemas.microsoft.com/office/drawing/2014/main" xmlns="" id="{1163C105-465F-453D-9A47-C92FC2A2CB52}"/>
+                <a16:creationId xmlns:a16="http://schemas.microsoft.com/office/drawing/2014/main" id="{1163C105-465F-453D-9A47-C92FC2A2CB52}"/>
               </a:ext>
             </a:extLst>
           </p:cNvPr>
@@ -5840,7 +5840,7 @@
           <p:cNvPr id="48" name="Прямоугольник 47">
             <a:extLst>
               <a:ext uri="{FF2B5EF4-FFF2-40B4-BE49-F238E27FC236}">
-                <a16:creationId xmlns:a16="http://schemas.microsoft.com/office/drawing/2014/main" xmlns="" id="{D53819E8-2FF6-4FFA-A7E4-75D55AADB8B5}"/>
+                <a16:creationId xmlns:a16="http://schemas.microsoft.com/office/drawing/2014/main" id="{D53819E8-2FF6-4FFA-A7E4-75D55AADB8B5}"/>
               </a:ext>
             </a:extLst>
           </p:cNvPr>
@@ -5890,7 +5890,7 @@
           <p:cNvPr id="49" name="Прямоугольник 48">
             <a:extLst>
               <a:ext uri="{FF2B5EF4-FFF2-40B4-BE49-F238E27FC236}">
-                <a16:creationId xmlns:a16="http://schemas.microsoft.com/office/drawing/2014/main" xmlns="" id="{F9117D70-446E-4EA7-820C-5F0C5AE4BB1B}"/>
+                <a16:creationId xmlns:a16="http://schemas.microsoft.com/office/drawing/2014/main" id="{F9117D70-446E-4EA7-820C-5F0C5AE4BB1B}"/>
               </a:ext>
             </a:extLst>
           </p:cNvPr>
@@ -5940,7 +5940,7 @@
           <p:cNvPr id="50" name="Прямоугольник 49">
             <a:extLst>
               <a:ext uri="{FF2B5EF4-FFF2-40B4-BE49-F238E27FC236}">
-                <a16:creationId xmlns:a16="http://schemas.microsoft.com/office/drawing/2014/main" xmlns="" id="{357E437B-3536-45BE-A3D0-3F539D983768}"/>
+                <a16:creationId xmlns:a16="http://schemas.microsoft.com/office/drawing/2014/main" id="{357E437B-3536-45BE-A3D0-3F539D983768}"/>
               </a:ext>
             </a:extLst>
           </p:cNvPr>
@@ -5994,7 +5994,7 @@
           <p:cNvPr id="51" name="Прямая со стрелкой 50">
             <a:extLst>
               <a:ext uri="{FF2B5EF4-FFF2-40B4-BE49-F238E27FC236}">
-                <a16:creationId xmlns:a16="http://schemas.microsoft.com/office/drawing/2014/main" xmlns="" id="{F822F6CB-0335-40A1-921A-29544F834AD9}"/>
+                <a16:creationId xmlns:a16="http://schemas.microsoft.com/office/drawing/2014/main" id="{F822F6CB-0335-40A1-921A-29544F834AD9}"/>
               </a:ext>
             </a:extLst>
           </p:cNvPr>
@@ -6037,7 +6037,7 @@
           <p:cNvPr id="52" name="Прямая со стрелкой 51">
             <a:extLst>
               <a:ext uri="{FF2B5EF4-FFF2-40B4-BE49-F238E27FC236}">
-                <a16:creationId xmlns:a16="http://schemas.microsoft.com/office/drawing/2014/main" xmlns="" id="{5BCAF6D7-5BA1-4C42-82B8-95F6B189B961}"/>
+                <a16:creationId xmlns:a16="http://schemas.microsoft.com/office/drawing/2014/main" id="{5BCAF6D7-5BA1-4C42-82B8-95F6B189B961}"/>
               </a:ext>
             </a:extLst>
           </p:cNvPr>
@@ -6080,7 +6080,7 @@
           <p:cNvPr id="55" name="Прямоугольник 54">
             <a:extLst>
               <a:ext uri="{FF2B5EF4-FFF2-40B4-BE49-F238E27FC236}">
-                <a16:creationId xmlns:a16="http://schemas.microsoft.com/office/drawing/2014/main" xmlns="" id="{59913842-712E-4C78-8382-3186E11F9969}"/>
+                <a16:creationId xmlns:a16="http://schemas.microsoft.com/office/drawing/2014/main" id="{59913842-712E-4C78-8382-3186E11F9969}"/>
               </a:ext>
             </a:extLst>
           </p:cNvPr>
@@ -6138,7 +6138,7 @@
           <p:cNvPr id="56" name="Прямоугольник 55">
             <a:extLst>
               <a:ext uri="{FF2B5EF4-FFF2-40B4-BE49-F238E27FC236}">
-                <a16:creationId xmlns:a16="http://schemas.microsoft.com/office/drawing/2014/main" xmlns="" id="{6C5218F4-B4FE-4973-B0D1-795F69898B06}"/>
+                <a16:creationId xmlns:a16="http://schemas.microsoft.com/office/drawing/2014/main" id="{6C5218F4-B4FE-4973-B0D1-795F69898B06}"/>
               </a:ext>
             </a:extLst>
           </p:cNvPr>
@@ -6193,7 +6193,7 @@
           <p:cNvPr id="59" name="Соединительная линия уступом 903">
             <a:extLst>
               <a:ext uri="{FF2B5EF4-FFF2-40B4-BE49-F238E27FC236}">
-                <a16:creationId xmlns:a16="http://schemas.microsoft.com/office/drawing/2014/main" xmlns="" id="{109A067E-CE15-4E03-9773-91E0273879C6}"/>
+                <a16:creationId xmlns:a16="http://schemas.microsoft.com/office/drawing/2014/main" id="{109A067E-CE15-4E03-9773-91E0273879C6}"/>
               </a:ext>
             </a:extLst>
           </p:cNvPr>
@@ -6239,7 +6239,7 @@
           <p:cNvPr id="62" name="Соединительная линия уступом 903">
             <a:extLst>
               <a:ext uri="{FF2B5EF4-FFF2-40B4-BE49-F238E27FC236}">
-                <a16:creationId xmlns:a16="http://schemas.microsoft.com/office/drawing/2014/main" xmlns="" id="{6C07AA97-4525-4DE7-ADCC-04D2CBE84DB2}"/>
+                <a16:creationId xmlns:a16="http://schemas.microsoft.com/office/drawing/2014/main" id="{6C07AA97-4525-4DE7-ADCC-04D2CBE84DB2}"/>
               </a:ext>
             </a:extLst>
           </p:cNvPr>
@@ -6285,7 +6285,7 @@
           <p:cNvPr id="65" name="Соединительная линия уступом 903">
             <a:extLst>
               <a:ext uri="{FF2B5EF4-FFF2-40B4-BE49-F238E27FC236}">
-                <a16:creationId xmlns:a16="http://schemas.microsoft.com/office/drawing/2014/main" xmlns="" id="{43EDEE73-8E0A-4B11-A556-528A0A52CC3F}"/>
+                <a16:creationId xmlns:a16="http://schemas.microsoft.com/office/drawing/2014/main" id="{43EDEE73-8E0A-4B11-A556-528A0A52CC3F}"/>
               </a:ext>
             </a:extLst>
           </p:cNvPr>
@@ -6331,7 +6331,7 @@
           <p:cNvPr id="68" name="Соединительная линия уступом 903">
             <a:extLst>
               <a:ext uri="{FF2B5EF4-FFF2-40B4-BE49-F238E27FC236}">
-                <a16:creationId xmlns:a16="http://schemas.microsoft.com/office/drawing/2014/main" xmlns="" id="{59D2BA6A-BD9D-4F57-A305-E873010A82F4}"/>
+                <a16:creationId xmlns:a16="http://schemas.microsoft.com/office/drawing/2014/main" id="{59D2BA6A-BD9D-4F57-A305-E873010A82F4}"/>
               </a:ext>
             </a:extLst>
           </p:cNvPr>
@@ -6377,7 +6377,7 @@
           <p:cNvPr id="71" name="Соединительная линия уступом 903">
             <a:extLst>
               <a:ext uri="{FF2B5EF4-FFF2-40B4-BE49-F238E27FC236}">
-                <a16:creationId xmlns:a16="http://schemas.microsoft.com/office/drawing/2014/main" xmlns="" id="{00B11476-6764-4576-A5AA-307DE0B54FA8}"/>
+                <a16:creationId xmlns:a16="http://schemas.microsoft.com/office/drawing/2014/main" id="{00B11476-6764-4576-A5AA-307DE0B54FA8}"/>
               </a:ext>
             </a:extLst>
           </p:cNvPr>
@@ -6423,7 +6423,7 @@
           <p:cNvPr id="74" name="Соединительная линия уступом 903">
             <a:extLst>
               <a:ext uri="{FF2B5EF4-FFF2-40B4-BE49-F238E27FC236}">
-                <a16:creationId xmlns:a16="http://schemas.microsoft.com/office/drawing/2014/main" xmlns="" id="{F1EE0CAA-C3CE-4369-8DB1-59C2A23436F1}"/>
+                <a16:creationId xmlns:a16="http://schemas.microsoft.com/office/drawing/2014/main" id="{F1EE0CAA-C3CE-4369-8DB1-59C2A23436F1}"/>
               </a:ext>
             </a:extLst>
           </p:cNvPr>
@@ -6469,7 +6469,7 @@
           <p:cNvPr id="77" name="Прямоугольник 76">
             <a:extLst>
               <a:ext uri="{FF2B5EF4-FFF2-40B4-BE49-F238E27FC236}">
-                <a16:creationId xmlns:a16="http://schemas.microsoft.com/office/drawing/2014/main" xmlns="" id="{F492B8D6-39F0-4D20-92A4-58A3AE1323E7}"/>
+                <a16:creationId xmlns:a16="http://schemas.microsoft.com/office/drawing/2014/main" id="{F492B8D6-39F0-4D20-92A4-58A3AE1323E7}"/>
               </a:ext>
             </a:extLst>
           </p:cNvPr>
@@ -6523,7 +6523,7 @@
           <p:cNvPr id="78" name="Прямоугольник 77">
             <a:extLst>
               <a:ext uri="{FF2B5EF4-FFF2-40B4-BE49-F238E27FC236}">
-                <a16:creationId xmlns:a16="http://schemas.microsoft.com/office/drawing/2014/main" xmlns="" id="{AE8DBF0B-DB9F-42C3-8B1F-A688891403FA}"/>
+                <a16:creationId xmlns:a16="http://schemas.microsoft.com/office/drawing/2014/main" id="{AE8DBF0B-DB9F-42C3-8B1F-A688891403FA}"/>
               </a:ext>
             </a:extLst>
           </p:cNvPr>
@@ -6597,7 +6597,7 @@
           <p:cNvPr id="80" name="Прямоугольник 79">
             <a:extLst>
               <a:ext uri="{FF2B5EF4-FFF2-40B4-BE49-F238E27FC236}">
-                <a16:creationId xmlns:a16="http://schemas.microsoft.com/office/drawing/2014/main" xmlns="" id="{51DDA96E-A685-43FC-845D-8C9265EE929A}"/>
+                <a16:creationId xmlns:a16="http://schemas.microsoft.com/office/drawing/2014/main" id="{51DDA96E-A685-43FC-845D-8C9265EE929A}"/>
               </a:ext>
             </a:extLst>
           </p:cNvPr>
@@ -6649,7 +6649,7 @@
           <p:cNvPr id="81" name="Прямоугольник 80">
             <a:extLst>
               <a:ext uri="{FF2B5EF4-FFF2-40B4-BE49-F238E27FC236}">
-                <a16:creationId xmlns:a16="http://schemas.microsoft.com/office/drawing/2014/main" xmlns="" id="{FC846415-2760-43A4-A1A1-795C4968509B}"/>
+                <a16:creationId xmlns:a16="http://schemas.microsoft.com/office/drawing/2014/main" id="{FC846415-2760-43A4-A1A1-795C4968509B}"/>
               </a:ext>
             </a:extLst>
           </p:cNvPr>
@@ -6701,7 +6701,7 @@
           <p:cNvPr id="82" name="Прямоугольник 81">
             <a:extLst>
               <a:ext uri="{FF2B5EF4-FFF2-40B4-BE49-F238E27FC236}">
-                <a16:creationId xmlns:a16="http://schemas.microsoft.com/office/drawing/2014/main" xmlns="" id="{BF5DE4AD-D7D4-4C86-9704-BFA8884FD2C7}"/>
+                <a16:creationId xmlns:a16="http://schemas.microsoft.com/office/drawing/2014/main" id="{BF5DE4AD-D7D4-4C86-9704-BFA8884FD2C7}"/>
               </a:ext>
             </a:extLst>
           </p:cNvPr>
@@ -6753,7 +6753,7 @@
           <p:cNvPr id="83" name="Прямоугольник 82">
             <a:extLst>
               <a:ext uri="{FF2B5EF4-FFF2-40B4-BE49-F238E27FC236}">
-                <a16:creationId xmlns:a16="http://schemas.microsoft.com/office/drawing/2014/main" xmlns="" id="{FFDF3200-07AF-4F88-9AFA-E895A9EB463F}"/>
+                <a16:creationId xmlns:a16="http://schemas.microsoft.com/office/drawing/2014/main" id="{FFDF3200-07AF-4F88-9AFA-E895A9EB463F}"/>
               </a:ext>
             </a:extLst>
           </p:cNvPr>
@@ -6805,7 +6805,7 @@
           <p:cNvPr id="84" name="Прямоугольник 83">
             <a:extLst>
               <a:ext uri="{FF2B5EF4-FFF2-40B4-BE49-F238E27FC236}">
-                <a16:creationId xmlns:a16="http://schemas.microsoft.com/office/drawing/2014/main" xmlns="" id="{CA07F76D-4941-4BBE-8B5A-F0348C4D0FB6}"/>
+                <a16:creationId xmlns:a16="http://schemas.microsoft.com/office/drawing/2014/main" id="{CA07F76D-4941-4BBE-8B5A-F0348C4D0FB6}"/>
               </a:ext>
             </a:extLst>
           </p:cNvPr>
@@ -6857,7 +6857,7 @@
           <p:cNvPr id="85" name="Прямоугольник 84">
             <a:extLst>
               <a:ext uri="{FF2B5EF4-FFF2-40B4-BE49-F238E27FC236}">
-                <a16:creationId xmlns:a16="http://schemas.microsoft.com/office/drawing/2014/main" xmlns="" id="{B4C6B690-1886-4211-AFBE-6C0A99C1C73F}"/>
+                <a16:creationId xmlns:a16="http://schemas.microsoft.com/office/drawing/2014/main" id="{B4C6B690-1886-4211-AFBE-6C0A99C1C73F}"/>
               </a:ext>
             </a:extLst>
           </p:cNvPr>
@@ -6909,7 +6909,7 @@
           <p:cNvPr id="86" name="Прямоугольник 85">
             <a:extLst>
               <a:ext uri="{FF2B5EF4-FFF2-40B4-BE49-F238E27FC236}">
-                <a16:creationId xmlns:a16="http://schemas.microsoft.com/office/drawing/2014/main" xmlns="" id="{D4D526C2-9053-416E-9EDD-C32F7B959DFA}"/>
+                <a16:creationId xmlns:a16="http://schemas.microsoft.com/office/drawing/2014/main" id="{D4D526C2-9053-416E-9EDD-C32F7B959DFA}"/>
               </a:ext>
             </a:extLst>
           </p:cNvPr>
@@ -6961,7 +6961,7 @@
           <p:cNvPr id="87" name="Прямоугольник 86">
             <a:extLst>
               <a:ext uri="{FF2B5EF4-FFF2-40B4-BE49-F238E27FC236}">
-                <a16:creationId xmlns:a16="http://schemas.microsoft.com/office/drawing/2014/main" xmlns="" id="{05781F45-96BD-4772-A7F8-D0C0E48CF0C4}"/>
+                <a16:creationId xmlns:a16="http://schemas.microsoft.com/office/drawing/2014/main" id="{05781F45-96BD-4772-A7F8-D0C0E48CF0C4}"/>
               </a:ext>
             </a:extLst>
           </p:cNvPr>
@@ -7017,7 +7017,7 @@
           <p:cNvPr id="88" name="Прямоугольник 87">
             <a:extLst>
               <a:ext uri="{FF2B5EF4-FFF2-40B4-BE49-F238E27FC236}">
-                <a16:creationId xmlns:a16="http://schemas.microsoft.com/office/drawing/2014/main" xmlns="" id="{422F676B-23F7-43EE-A95A-69895A18F0AD}"/>
+                <a16:creationId xmlns:a16="http://schemas.microsoft.com/office/drawing/2014/main" id="{422F676B-23F7-43EE-A95A-69895A18F0AD}"/>
               </a:ext>
             </a:extLst>
           </p:cNvPr>
@@ -7225,7 +7225,7 @@
           <p:cNvPr id="89" name="Прямоугольник 88">
             <a:extLst>
               <a:ext uri="{FF2B5EF4-FFF2-40B4-BE49-F238E27FC236}">
-                <a16:creationId xmlns:a16="http://schemas.microsoft.com/office/drawing/2014/main" xmlns="" id="{F33E5A38-0B16-4D37-89E1-19C913A5BC13}"/>
+                <a16:creationId xmlns:a16="http://schemas.microsoft.com/office/drawing/2014/main" id="{F33E5A38-0B16-4D37-89E1-19C913A5BC13}"/>
               </a:ext>
             </a:extLst>
           </p:cNvPr>
@@ -7291,7 +7291,7 @@
           <p:cNvPr id="90" name="Прямоугольник 89">
             <a:extLst>
               <a:ext uri="{FF2B5EF4-FFF2-40B4-BE49-F238E27FC236}">
-                <a16:creationId xmlns:a16="http://schemas.microsoft.com/office/drawing/2014/main" xmlns="" id="{8C2287E1-C065-4042-BB84-91F0CF7A3A74}"/>
+                <a16:creationId xmlns:a16="http://schemas.microsoft.com/office/drawing/2014/main" id="{8C2287E1-C065-4042-BB84-91F0CF7A3A74}"/>
               </a:ext>
             </a:extLst>
           </p:cNvPr>
@@ -7541,7 +7541,7 @@
           <p:cNvPr id="91" name="Прямоугольник 90">
             <a:extLst>
               <a:ext uri="{FF2B5EF4-FFF2-40B4-BE49-F238E27FC236}">
-                <a16:creationId xmlns:a16="http://schemas.microsoft.com/office/drawing/2014/main" xmlns="" id="{58596D98-69F8-48F5-B5AF-D2569C87ECDC}"/>
+                <a16:creationId xmlns:a16="http://schemas.microsoft.com/office/drawing/2014/main" id="{58596D98-69F8-48F5-B5AF-D2569C87ECDC}"/>
               </a:ext>
             </a:extLst>
           </p:cNvPr>
@@ -7631,7 +7631,7 @@
           <p:cNvPr id="92" name="Прямоугольник 91">
             <a:extLst>
               <a:ext uri="{FF2B5EF4-FFF2-40B4-BE49-F238E27FC236}">
-                <a16:creationId xmlns:a16="http://schemas.microsoft.com/office/drawing/2014/main" xmlns="" id="{A0E90C58-DFD9-4550-AC8D-DED87F819668}"/>
+                <a16:creationId xmlns:a16="http://schemas.microsoft.com/office/drawing/2014/main" id="{A0E90C58-DFD9-4550-AC8D-DED87F819668}"/>
               </a:ext>
             </a:extLst>
           </p:cNvPr>
@@ -7713,7 +7713,7 @@
           <p:cNvPr id="93" name="Прямоугольник 92">
             <a:extLst>
               <a:ext uri="{FF2B5EF4-FFF2-40B4-BE49-F238E27FC236}">
-                <a16:creationId xmlns:a16="http://schemas.microsoft.com/office/drawing/2014/main" xmlns="" id="{905EFC66-02B2-49ED-A696-FAEF4A1D6416}"/>
+                <a16:creationId xmlns:a16="http://schemas.microsoft.com/office/drawing/2014/main" id="{905EFC66-02B2-49ED-A696-FAEF4A1D6416}"/>
               </a:ext>
             </a:extLst>
           </p:cNvPr>
@@ -7803,7 +7803,7 @@
           <p:cNvPr id="94" name="Прямоугольник 93">
             <a:extLst>
               <a:ext uri="{FF2B5EF4-FFF2-40B4-BE49-F238E27FC236}">
-                <a16:creationId xmlns:a16="http://schemas.microsoft.com/office/drawing/2014/main" xmlns="" id="{9261C47C-5EE1-4F56-8101-3DF5265766CF}"/>
+                <a16:creationId xmlns:a16="http://schemas.microsoft.com/office/drawing/2014/main" id="{9261C47C-5EE1-4F56-8101-3DF5265766CF}"/>
               </a:ext>
             </a:extLst>
           </p:cNvPr>
@@ -7865,7 +7865,7 @@
           <p:cNvPr id="95" name="Прямоугольник 94">
             <a:extLst>
               <a:ext uri="{FF2B5EF4-FFF2-40B4-BE49-F238E27FC236}">
-                <a16:creationId xmlns:a16="http://schemas.microsoft.com/office/drawing/2014/main" xmlns="" id="{C2DE2667-AAF6-4947-B73A-9F430C79018E}"/>
+                <a16:creationId xmlns:a16="http://schemas.microsoft.com/office/drawing/2014/main" id="{C2DE2667-AAF6-4947-B73A-9F430C79018E}"/>
               </a:ext>
             </a:extLst>
           </p:cNvPr>
@@ -7939,7 +7939,7 @@
           <p:cNvPr id="96" name="Прямоугольник 95">
             <a:extLst>
               <a:ext uri="{FF2B5EF4-FFF2-40B4-BE49-F238E27FC236}">
-                <a16:creationId xmlns:a16="http://schemas.microsoft.com/office/drawing/2014/main" xmlns="" id="{F057BD5D-D5FA-4727-B502-9F95624798B4}"/>
+                <a16:creationId xmlns:a16="http://schemas.microsoft.com/office/drawing/2014/main" id="{F057BD5D-D5FA-4727-B502-9F95624798B4}"/>
               </a:ext>
             </a:extLst>
           </p:cNvPr>
@@ -8069,7 +8069,7 @@
           <p:cNvPr id="97" name="Прямоугольник 96">
             <a:extLst>
               <a:ext uri="{FF2B5EF4-FFF2-40B4-BE49-F238E27FC236}">
-                <a16:creationId xmlns:a16="http://schemas.microsoft.com/office/drawing/2014/main" xmlns="" id="{BE32C799-1429-4853-B5A8-AE3345E90D8D}"/>
+                <a16:creationId xmlns:a16="http://schemas.microsoft.com/office/drawing/2014/main" id="{BE32C799-1429-4853-B5A8-AE3345E90D8D}"/>
               </a:ext>
             </a:extLst>
           </p:cNvPr>
@@ -8134,7 +8134,7 @@
           <p:cNvPr id="98" name="Прямоугольник 97">
             <a:extLst>
               <a:ext uri="{FF2B5EF4-FFF2-40B4-BE49-F238E27FC236}">
-                <a16:creationId xmlns:a16="http://schemas.microsoft.com/office/drawing/2014/main" xmlns="" id="{21F111C9-B52C-460E-AD39-A8B9F798CB25}"/>
+                <a16:creationId xmlns:a16="http://schemas.microsoft.com/office/drawing/2014/main" id="{21F111C9-B52C-460E-AD39-A8B9F798CB25}"/>
               </a:ext>
             </a:extLst>
           </p:cNvPr>
@@ -8199,7 +8199,7 @@
           <p:cNvPr id="99" name="Прямоугольник 98">
             <a:extLst>
               <a:ext uri="{FF2B5EF4-FFF2-40B4-BE49-F238E27FC236}">
-                <a16:creationId xmlns:a16="http://schemas.microsoft.com/office/drawing/2014/main" xmlns="" id="{3CDEA90A-403D-44E8-BD63-5F728A857464}"/>
+                <a16:creationId xmlns:a16="http://schemas.microsoft.com/office/drawing/2014/main" id="{3CDEA90A-403D-44E8-BD63-5F728A857464}"/>
               </a:ext>
             </a:extLst>
           </p:cNvPr>
@@ -8276,7 +8276,7 @@
           <p:cNvPr id="100" name="Прямоугольник 99">
             <a:extLst>
               <a:ext uri="{FF2B5EF4-FFF2-40B4-BE49-F238E27FC236}">
-                <a16:creationId xmlns:a16="http://schemas.microsoft.com/office/drawing/2014/main" xmlns="" id="{8B70D98A-AAC5-4F3D-938D-F15D11AC9F90}"/>
+                <a16:creationId xmlns:a16="http://schemas.microsoft.com/office/drawing/2014/main" id="{8B70D98A-AAC5-4F3D-938D-F15D11AC9F90}"/>
               </a:ext>
             </a:extLst>
           </p:cNvPr>
@@ -8345,7 +8345,7 @@
           <p:cNvPr id="101" name="Прямоугольник 100">
             <a:extLst>
               <a:ext uri="{FF2B5EF4-FFF2-40B4-BE49-F238E27FC236}">
-                <a16:creationId xmlns:a16="http://schemas.microsoft.com/office/drawing/2014/main" xmlns="" id="{F402EBBD-5722-48B1-9BBA-587E5C4DFB4D}"/>
+                <a16:creationId xmlns:a16="http://schemas.microsoft.com/office/drawing/2014/main" id="{F402EBBD-5722-48B1-9BBA-587E5C4DFB4D}"/>
               </a:ext>
             </a:extLst>
           </p:cNvPr>
@@ -8430,7 +8430,7 @@
           <p:cNvPr id="102" name="Прямоугольник 101">
             <a:extLst>
               <a:ext uri="{FF2B5EF4-FFF2-40B4-BE49-F238E27FC236}">
-                <a16:creationId xmlns:a16="http://schemas.microsoft.com/office/drawing/2014/main" xmlns="" id="{62E65D83-9718-4B14-AFE2-F1D04B420F81}"/>
+                <a16:creationId xmlns:a16="http://schemas.microsoft.com/office/drawing/2014/main" id="{62E65D83-9718-4B14-AFE2-F1D04B420F81}"/>
               </a:ext>
             </a:extLst>
           </p:cNvPr>
@@ -8507,7 +8507,7 @@
           <p:cNvPr id="103" name="Прямоугольник 102">
             <a:extLst>
               <a:ext uri="{FF2B5EF4-FFF2-40B4-BE49-F238E27FC236}">
-                <a16:creationId xmlns:a16="http://schemas.microsoft.com/office/drawing/2014/main" xmlns="" id="{C6BDA37E-3E81-4B99-A54A-C631250D3A33}"/>
+                <a16:creationId xmlns:a16="http://schemas.microsoft.com/office/drawing/2014/main" id="{C6BDA37E-3E81-4B99-A54A-C631250D3A33}"/>
               </a:ext>
             </a:extLst>
           </p:cNvPr>
@@ -8575,7 +8575,7 @@
           <p:cNvPr id="112" name="Прямоугольник 111">
             <a:extLst>
               <a:ext uri="{FF2B5EF4-FFF2-40B4-BE49-F238E27FC236}">
-                <a16:creationId xmlns:a16="http://schemas.microsoft.com/office/drawing/2014/main" xmlns="" id="{9B5A9C46-C31A-401D-9EBF-78AE38F570DF}"/>
+                <a16:creationId xmlns:a16="http://schemas.microsoft.com/office/drawing/2014/main" id="{9B5A9C46-C31A-401D-9EBF-78AE38F570DF}"/>
               </a:ext>
             </a:extLst>
           </p:cNvPr>
@@ -8644,7 +8644,7 @@
           <p:cNvPr id="117" name="Соединительная линия уступом 903">
             <a:extLst>
               <a:ext uri="{FF2B5EF4-FFF2-40B4-BE49-F238E27FC236}">
-                <a16:creationId xmlns:a16="http://schemas.microsoft.com/office/drawing/2014/main" xmlns="" id="{7F550792-EE6C-4B6F-B826-22E45DB79321}"/>
+                <a16:creationId xmlns:a16="http://schemas.microsoft.com/office/drawing/2014/main" id="{7F550792-EE6C-4B6F-B826-22E45DB79321}"/>
               </a:ext>
             </a:extLst>
           </p:cNvPr>
@@ -8690,7 +8690,7 @@
           <p:cNvPr id="120" name="Соединительная линия уступом 903">
             <a:extLst>
               <a:ext uri="{FF2B5EF4-FFF2-40B4-BE49-F238E27FC236}">
-                <a16:creationId xmlns:a16="http://schemas.microsoft.com/office/drawing/2014/main" xmlns="" id="{42BA63A1-F902-44BD-AEC4-6A00A7DD5215}"/>
+                <a16:creationId xmlns:a16="http://schemas.microsoft.com/office/drawing/2014/main" id="{42BA63A1-F902-44BD-AEC4-6A00A7DD5215}"/>
               </a:ext>
             </a:extLst>
           </p:cNvPr>
@@ -8736,7 +8736,7 @@
           <p:cNvPr id="123" name="Соединительная линия уступом 903">
             <a:extLst>
               <a:ext uri="{FF2B5EF4-FFF2-40B4-BE49-F238E27FC236}">
-                <a16:creationId xmlns:a16="http://schemas.microsoft.com/office/drawing/2014/main" xmlns="" id="{52CF7390-DEEA-4782-9037-6AAA2FAB1267}"/>
+                <a16:creationId xmlns:a16="http://schemas.microsoft.com/office/drawing/2014/main" id="{52CF7390-DEEA-4782-9037-6AAA2FAB1267}"/>
               </a:ext>
             </a:extLst>
           </p:cNvPr>
@@ -8781,7 +8781,7 @@
           <p:cNvPr id="128" name="Соединительная линия уступом 903">
             <a:extLst>
               <a:ext uri="{FF2B5EF4-FFF2-40B4-BE49-F238E27FC236}">
-                <a16:creationId xmlns:a16="http://schemas.microsoft.com/office/drawing/2014/main" xmlns="" id="{7A113AE3-4577-430A-BA26-EF4235023FFA}"/>
+                <a16:creationId xmlns:a16="http://schemas.microsoft.com/office/drawing/2014/main" id="{7A113AE3-4577-430A-BA26-EF4235023FFA}"/>
               </a:ext>
             </a:extLst>
           </p:cNvPr>
@@ -8826,7 +8826,7 @@
           <p:cNvPr id="131" name="Соединительная линия уступом 903">
             <a:extLst>
               <a:ext uri="{FF2B5EF4-FFF2-40B4-BE49-F238E27FC236}">
-                <a16:creationId xmlns:a16="http://schemas.microsoft.com/office/drawing/2014/main" xmlns="" id="{40147503-E638-42DF-A929-5C7B9F2B48B1}"/>
+                <a16:creationId xmlns:a16="http://schemas.microsoft.com/office/drawing/2014/main" id="{40147503-E638-42DF-A929-5C7B9F2B48B1}"/>
               </a:ext>
             </a:extLst>
           </p:cNvPr>
@@ -8871,7 +8871,7 @@
           <p:cNvPr id="134" name="Соединительная линия уступом 903">
             <a:extLst>
               <a:ext uri="{FF2B5EF4-FFF2-40B4-BE49-F238E27FC236}">
-                <a16:creationId xmlns:a16="http://schemas.microsoft.com/office/drawing/2014/main" xmlns="" id="{B109EAAA-04CC-455A-9A24-9F6792FBCCC4}"/>
+                <a16:creationId xmlns:a16="http://schemas.microsoft.com/office/drawing/2014/main" id="{B109EAAA-04CC-455A-9A24-9F6792FBCCC4}"/>
               </a:ext>
             </a:extLst>
           </p:cNvPr>
@@ -8916,7 +8916,7 @@
           <p:cNvPr id="138" name="Соединительная линия уступом 903">
             <a:extLst>
               <a:ext uri="{FF2B5EF4-FFF2-40B4-BE49-F238E27FC236}">
-                <a16:creationId xmlns:a16="http://schemas.microsoft.com/office/drawing/2014/main" xmlns="" id="{BB75BD33-58E7-4B2D-9AE8-736000AF5996}"/>
+                <a16:creationId xmlns:a16="http://schemas.microsoft.com/office/drawing/2014/main" id="{BB75BD33-58E7-4B2D-9AE8-736000AF5996}"/>
               </a:ext>
             </a:extLst>
           </p:cNvPr>
@@ -8961,7 +8961,7 @@
           <p:cNvPr id="141" name="Прямая со стрелкой 140">
             <a:extLst>
               <a:ext uri="{FF2B5EF4-FFF2-40B4-BE49-F238E27FC236}">
-                <a16:creationId xmlns:a16="http://schemas.microsoft.com/office/drawing/2014/main" xmlns="" id="{F0204958-F3C4-46F5-A7B8-B2E525B442E3}"/>
+                <a16:creationId xmlns:a16="http://schemas.microsoft.com/office/drawing/2014/main" id="{F0204958-F3C4-46F5-A7B8-B2E525B442E3}"/>
               </a:ext>
             </a:extLst>
           </p:cNvPr>
@@ -9004,7 +9004,7 @@
           <p:cNvPr id="144" name="Соединительная линия уступом 903">
             <a:extLst>
               <a:ext uri="{FF2B5EF4-FFF2-40B4-BE49-F238E27FC236}">
-                <a16:creationId xmlns:a16="http://schemas.microsoft.com/office/drawing/2014/main" xmlns="" id="{5C748310-8A24-4A37-94AD-69E898DBB5BF}"/>
+                <a16:creationId xmlns:a16="http://schemas.microsoft.com/office/drawing/2014/main" id="{5C748310-8A24-4A37-94AD-69E898DBB5BF}"/>
               </a:ext>
             </a:extLst>
           </p:cNvPr>
@@ -9050,7 +9050,7 @@
           <p:cNvPr id="147" name="Соединительная линия уступом 903">
             <a:extLst>
               <a:ext uri="{FF2B5EF4-FFF2-40B4-BE49-F238E27FC236}">
-                <a16:creationId xmlns:a16="http://schemas.microsoft.com/office/drawing/2014/main" xmlns="" id="{6247459E-8D36-4B32-A142-C426692F0DC9}"/>
+                <a16:creationId xmlns:a16="http://schemas.microsoft.com/office/drawing/2014/main" id="{6247459E-8D36-4B32-A142-C426692F0DC9}"/>
               </a:ext>
             </a:extLst>
           </p:cNvPr>
@@ -9096,7 +9096,7 @@
           <p:cNvPr id="150" name="Соединительная линия уступом 903">
             <a:extLst>
               <a:ext uri="{FF2B5EF4-FFF2-40B4-BE49-F238E27FC236}">
-                <a16:creationId xmlns:a16="http://schemas.microsoft.com/office/drawing/2014/main" xmlns="" id="{B5229C84-1524-4F6C-8C6B-E4AA146420CD}"/>
+                <a16:creationId xmlns:a16="http://schemas.microsoft.com/office/drawing/2014/main" id="{B5229C84-1524-4F6C-8C6B-E4AA146420CD}"/>
               </a:ext>
             </a:extLst>
           </p:cNvPr>
@@ -9142,7 +9142,7 @@
           <p:cNvPr id="153" name="Соединительная линия уступом 903">
             <a:extLst>
               <a:ext uri="{FF2B5EF4-FFF2-40B4-BE49-F238E27FC236}">
-                <a16:creationId xmlns:a16="http://schemas.microsoft.com/office/drawing/2014/main" xmlns="" id="{2D2CC445-D083-4638-B348-AE346D452DE8}"/>
+                <a16:creationId xmlns:a16="http://schemas.microsoft.com/office/drawing/2014/main" id="{2D2CC445-D083-4638-B348-AE346D452DE8}"/>
               </a:ext>
             </a:extLst>
           </p:cNvPr>
@@ -9188,7 +9188,7 @@
           <p:cNvPr id="156" name="Прямоугольник 155">
             <a:extLst>
               <a:ext uri="{FF2B5EF4-FFF2-40B4-BE49-F238E27FC236}">
-                <a16:creationId xmlns:a16="http://schemas.microsoft.com/office/drawing/2014/main" xmlns="" id="{70F2E1EB-331E-413E-A7A7-863A2E76F5D1}"/>
+                <a16:creationId xmlns:a16="http://schemas.microsoft.com/office/drawing/2014/main" id="{70F2E1EB-331E-413E-A7A7-863A2E76F5D1}"/>
               </a:ext>
             </a:extLst>
           </p:cNvPr>
@@ -9254,7 +9254,7 @@
           <p:cNvPr id="157" name="Прямоугольник 156">
             <a:extLst>
               <a:ext uri="{FF2B5EF4-FFF2-40B4-BE49-F238E27FC236}">
-                <a16:creationId xmlns:a16="http://schemas.microsoft.com/office/drawing/2014/main" xmlns="" id="{7B62B550-46D1-4E62-ABB5-B8EF59547B9A}"/>
+                <a16:creationId xmlns:a16="http://schemas.microsoft.com/office/drawing/2014/main" id="{7B62B550-46D1-4E62-ABB5-B8EF59547B9A}"/>
               </a:ext>
             </a:extLst>
           </p:cNvPr>
@@ -9332,7 +9332,7 @@
           <p:cNvPr id="158" name="Прямоугольник 157">
             <a:extLst>
               <a:ext uri="{FF2B5EF4-FFF2-40B4-BE49-F238E27FC236}">
-                <a16:creationId xmlns:a16="http://schemas.microsoft.com/office/drawing/2014/main" xmlns="" id="{39373D37-652A-432A-AF2C-81923E65FD74}"/>
+                <a16:creationId xmlns:a16="http://schemas.microsoft.com/office/drawing/2014/main" id="{39373D37-652A-432A-AF2C-81923E65FD74}"/>
               </a:ext>
             </a:extLst>
           </p:cNvPr>
@@ -9388,10 +9388,6 @@
               <a:rPr lang="ru-RU" sz="700" dirty="0"/>
               <a:t>Конфискация германского имущества </a:t>
             </a:r>
-            <a:r>
-              <a:rPr lang="ru-RU" sz="800" dirty="0"/>
-              <a:t/>
-            </a:r>
             <a:br>
               <a:rPr lang="ru-RU" sz="800" dirty="0"/>
             </a:br>
@@ -9408,7 +9404,7 @@
           <p:cNvPr id="162" name="Прямоугольник 161">
             <a:extLst>
               <a:ext uri="{FF2B5EF4-FFF2-40B4-BE49-F238E27FC236}">
-                <a16:creationId xmlns:a16="http://schemas.microsoft.com/office/drawing/2014/main" xmlns="" id="{D21D4960-F203-4755-9FED-7CFC800F902A}"/>
+                <a16:creationId xmlns:a16="http://schemas.microsoft.com/office/drawing/2014/main" id="{D21D4960-F203-4755-9FED-7CFC800F902A}"/>
               </a:ext>
             </a:extLst>
           </p:cNvPr>
@@ -9490,7 +9486,7 @@
           <p:cNvPr id="163" name="Прямоугольник 162">
             <a:extLst>
               <a:ext uri="{FF2B5EF4-FFF2-40B4-BE49-F238E27FC236}">
-                <a16:creationId xmlns:a16="http://schemas.microsoft.com/office/drawing/2014/main" xmlns="" id="{BD849E57-A12E-42AE-AA12-4FB9BA687E1A}"/>
+                <a16:creationId xmlns:a16="http://schemas.microsoft.com/office/drawing/2014/main" id="{BD849E57-A12E-42AE-AA12-4FB9BA687E1A}"/>
               </a:ext>
             </a:extLst>
           </p:cNvPr>
@@ -9567,7 +9563,7 @@
           <p:cNvPr id="164" name="Прямая со стрелкой 163">
             <a:extLst>
               <a:ext uri="{FF2B5EF4-FFF2-40B4-BE49-F238E27FC236}">
-                <a16:creationId xmlns:a16="http://schemas.microsoft.com/office/drawing/2014/main" xmlns="" id="{B048244F-EB49-46C4-A9EC-3C9E6EB26FD0}"/>
+                <a16:creationId xmlns:a16="http://schemas.microsoft.com/office/drawing/2014/main" id="{B048244F-EB49-46C4-A9EC-3C9E6EB26FD0}"/>
               </a:ext>
             </a:extLst>
           </p:cNvPr>
@@ -9610,7 +9606,7 @@
           <p:cNvPr id="169" name="Соединительная линия уступом 903">
             <a:extLst>
               <a:ext uri="{FF2B5EF4-FFF2-40B4-BE49-F238E27FC236}">
-                <a16:creationId xmlns:a16="http://schemas.microsoft.com/office/drawing/2014/main" xmlns="" id="{3BF92898-1A8D-44CD-90AE-9ED96D3CC103}"/>
+                <a16:creationId xmlns:a16="http://schemas.microsoft.com/office/drawing/2014/main" id="{3BF92898-1A8D-44CD-90AE-9ED96D3CC103}"/>
               </a:ext>
             </a:extLst>
           </p:cNvPr>
@@ -9655,7 +9651,7 @@
           <p:cNvPr id="173" name="Соединительная линия уступом 903">
             <a:extLst>
               <a:ext uri="{FF2B5EF4-FFF2-40B4-BE49-F238E27FC236}">
-                <a16:creationId xmlns:a16="http://schemas.microsoft.com/office/drawing/2014/main" xmlns="" id="{EF7071D1-BE49-4A1B-8811-FFC6268219EF}"/>
+                <a16:creationId xmlns:a16="http://schemas.microsoft.com/office/drawing/2014/main" id="{EF7071D1-BE49-4A1B-8811-FFC6268219EF}"/>
               </a:ext>
             </a:extLst>
           </p:cNvPr>
@@ -9700,7 +9696,7 @@
           <p:cNvPr id="176" name="Соединительная линия уступом 903">
             <a:extLst>
               <a:ext uri="{FF2B5EF4-FFF2-40B4-BE49-F238E27FC236}">
-                <a16:creationId xmlns:a16="http://schemas.microsoft.com/office/drawing/2014/main" xmlns="" id="{30D330E8-189B-403C-83EF-0C1AB67953A6}"/>
+                <a16:creationId xmlns:a16="http://schemas.microsoft.com/office/drawing/2014/main" id="{30D330E8-189B-403C-83EF-0C1AB67953A6}"/>
               </a:ext>
             </a:extLst>
           </p:cNvPr>
@@ -9745,7 +9741,7 @@
           <p:cNvPr id="179" name="Соединительная линия уступом 903">
             <a:extLst>
               <a:ext uri="{FF2B5EF4-FFF2-40B4-BE49-F238E27FC236}">
-                <a16:creationId xmlns:a16="http://schemas.microsoft.com/office/drawing/2014/main" xmlns="" id="{1B345060-1C77-489A-A3B6-573436341CD2}"/>
+                <a16:creationId xmlns:a16="http://schemas.microsoft.com/office/drawing/2014/main" id="{1B345060-1C77-489A-A3B6-573436341CD2}"/>
               </a:ext>
             </a:extLst>
           </p:cNvPr>
@@ -9790,7 +9786,7 @@
           <p:cNvPr id="194" name="Соединительная линия уступом 903">
             <a:extLst>
               <a:ext uri="{FF2B5EF4-FFF2-40B4-BE49-F238E27FC236}">
-                <a16:creationId xmlns:a16="http://schemas.microsoft.com/office/drawing/2014/main" xmlns="" id="{47EFD662-D8F0-4D46-B8BE-62DAF2481AC2}"/>
+                <a16:creationId xmlns:a16="http://schemas.microsoft.com/office/drawing/2014/main" id="{47EFD662-D8F0-4D46-B8BE-62DAF2481AC2}"/>
               </a:ext>
             </a:extLst>
           </p:cNvPr>
@@ -9835,7 +9831,7 @@
           <p:cNvPr id="197" name="Соединительная линия уступом 903">
             <a:extLst>
               <a:ext uri="{FF2B5EF4-FFF2-40B4-BE49-F238E27FC236}">
-                <a16:creationId xmlns:a16="http://schemas.microsoft.com/office/drawing/2014/main" xmlns="" id="{42EC46F3-1198-439C-9201-297275403091}"/>
+                <a16:creationId xmlns:a16="http://schemas.microsoft.com/office/drawing/2014/main" id="{42EC46F3-1198-439C-9201-297275403091}"/>
               </a:ext>
             </a:extLst>
           </p:cNvPr>
@@ -9880,7 +9876,7 @@
           <p:cNvPr id="200" name="Прямая со стрелкой 199">
             <a:extLst>
               <a:ext uri="{FF2B5EF4-FFF2-40B4-BE49-F238E27FC236}">
-                <a16:creationId xmlns:a16="http://schemas.microsoft.com/office/drawing/2014/main" xmlns="" id="{C65B3E6E-D325-417D-A60E-CBAC49A6F0BD}"/>
+                <a16:creationId xmlns:a16="http://schemas.microsoft.com/office/drawing/2014/main" id="{C65B3E6E-D325-417D-A60E-CBAC49A6F0BD}"/>
               </a:ext>
             </a:extLst>
           </p:cNvPr>
@@ -9923,7 +9919,7 @@
           <p:cNvPr id="203" name="Прямая со стрелкой 202">
             <a:extLst>
               <a:ext uri="{FF2B5EF4-FFF2-40B4-BE49-F238E27FC236}">
-                <a16:creationId xmlns:a16="http://schemas.microsoft.com/office/drawing/2014/main" xmlns="" id="{D3A51449-15E2-4BEA-88A5-B2691A1B3690}"/>
+                <a16:creationId xmlns:a16="http://schemas.microsoft.com/office/drawing/2014/main" id="{D3A51449-15E2-4BEA-88A5-B2691A1B3690}"/>
               </a:ext>
             </a:extLst>
           </p:cNvPr>
@@ -9966,7 +9962,7 @@
           <p:cNvPr id="206" name="Прямая со стрелкой 205">
             <a:extLst>
               <a:ext uri="{FF2B5EF4-FFF2-40B4-BE49-F238E27FC236}">
-                <a16:creationId xmlns:a16="http://schemas.microsoft.com/office/drawing/2014/main" xmlns="" id="{AFD4E665-A61D-46C2-A133-3412690F30F3}"/>
+                <a16:creationId xmlns:a16="http://schemas.microsoft.com/office/drawing/2014/main" id="{AFD4E665-A61D-46C2-A133-3412690F30F3}"/>
               </a:ext>
             </a:extLst>
           </p:cNvPr>
@@ -10009,7 +10005,7 @@
           <p:cNvPr id="209" name="Прямая со стрелкой 208">
             <a:extLst>
               <a:ext uri="{FF2B5EF4-FFF2-40B4-BE49-F238E27FC236}">
-                <a16:creationId xmlns:a16="http://schemas.microsoft.com/office/drawing/2014/main" xmlns="" id="{6B358EC7-E053-4570-B92E-4C044AC26D2C}"/>
+                <a16:creationId xmlns:a16="http://schemas.microsoft.com/office/drawing/2014/main" id="{6B358EC7-E053-4570-B92E-4C044AC26D2C}"/>
               </a:ext>
             </a:extLst>
           </p:cNvPr>
@@ -10052,7 +10048,7 @@
           <p:cNvPr id="212" name="Прямая со стрелкой 211">
             <a:extLst>
               <a:ext uri="{FF2B5EF4-FFF2-40B4-BE49-F238E27FC236}">
-                <a16:creationId xmlns:a16="http://schemas.microsoft.com/office/drawing/2014/main" xmlns="" id="{929707B4-0ED3-4FF6-B9DB-8E849B5466B2}"/>
+                <a16:creationId xmlns:a16="http://schemas.microsoft.com/office/drawing/2014/main" id="{929707B4-0ED3-4FF6-B9DB-8E849B5466B2}"/>
               </a:ext>
             </a:extLst>
           </p:cNvPr>
@@ -10095,7 +10091,7 @@
           <p:cNvPr id="215" name="Прямая со стрелкой 214">
             <a:extLst>
               <a:ext uri="{FF2B5EF4-FFF2-40B4-BE49-F238E27FC236}">
-                <a16:creationId xmlns:a16="http://schemas.microsoft.com/office/drawing/2014/main" xmlns="" id="{3763D6CD-8165-4195-A229-9E111149C4E6}"/>
+                <a16:creationId xmlns:a16="http://schemas.microsoft.com/office/drawing/2014/main" id="{3763D6CD-8165-4195-A229-9E111149C4E6}"/>
               </a:ext>
             </a:extLst>
           </p:cNvPr>
@@ -10138,7 +10134,7 @@
           <p:cNvPr id="226" name="Прямоугольник 225">
             <a:extLst>
               <a:ext uri="{FF2B5EF4-FFF2-40B4-BE49-F238E27FC236}">
-                <a16:creationId xmlns:a16="http://schemas.microsoft.com/office/drawing/2014/main" xmlns="" id="{8F90957D-3F70-4F7D-A50B-157EE934D6F5}"/>
+                <a16:creationId xmlns:a16="http://schemas.microsoft.com/office/drawing/2014/main" id="{8F90957D-3F70-4F7D-A50B-157EE934D6F5}"/>
               </a:ext>
             </a:extLst>
           </p:cNvPr>
@@ -10188,7 +10184,7 @@
           <p:cNvPr id="227" name="Прямоугольник 226">
             <a:extLst>
               <a:ext uri="{FF2B5EF4-FFF2-40B4-BE49-F238E27FC236}">
-                <a16:creationId xmlns:a16="http://schemas.microsoft.com/office/drawing/2014/main" xmlns="" id="{77B2829B-9A73-48A5-B93C-36696747ADD9}"/>
+                <a16:creationId xmlns:a16="http://schemas.microsoft.com/office/drawing/2014/main" id="{77B2829B-9A73-48A5-B93C-36696747ADD9}"/>
               </a:ext>
             </a:extLst>
           </p:cNvPr>
@@ -10318,7 +10314,7 @@
           <p:cNvPr id="231" name="Соединительная линия уступом 903">
             <a:extLst>
               <a:ext uri="{FF2B5EF4-FFF2-40B4-BE49-F238E27FC236}">
-                <a16:creationId xmlns:a16="http://schemas.microsoft.com/office/drawing/2014/main" xmlns="" id="{4F66CE16-F4D4-4BEA-B35B-7CA503F701C0}"/>
+                <a16:creationId xmlns:a16="http://schemas.microsoft.com/office/drawing/2014/main" id="{4F66CE16-F4D4-4BEA-B35B-7CA503F701C0}"/>
               </a:ext>
             </a:extLst>
           </p:cNvPr>
@@ -10363,7 +10359,7 @@
           <p:cNvPr id="238" name="Прямая соединительная линия 237">
             <a:extLst>
               <a:ext uri="{FF2B5EF4-FFF2-40B4-BE49-F238E27FC236}">
-                <a16:creationId xmlns:a16="http://schemas.microsoft.com/office/drawing/2014/main" xmlns="" id="{FD347516-2278-4B85-B9D1-D49EF200F440}"/>
+                <a16:creationId xmlns:a16="http://schemas.microsoft.com/office/drawing/2014/main" id="{FD347516-2278-4B85-B9D1-D49EF200F440}"/>
               </a:ext>
             </a:extLst>
           </p:cNvPr>
@@ -10408,7 +10404,7 @@
           <p:cNvPr id="266" name="Соединительная линия уступом 903">
             <a:extLst>
               <a:ext uri="{FF2B5EF4-FFF2-40B4-BE49-F238E27FC236}">
-                <a16:creationId xmlns:a16="http://schemas.microsoft.com/office/drawing/2014/main" xmlns="" id="{FD352671-4213-4DF2-A335-A0D96AEF3058}"/>
+                <a16:creationId xmlns:a16="http://schemas.microsoft.com/office/drawing/2014/main" id="{FD352671-4213-4DF2-A335-A0D96AEF3058}"/>
               </a:ext>
             </a:extLst>
           </p:cNvPr>
@@ -10453,7 +10449,7 @@
           <p:cNvPr id="270" name="Прямоугольник 269">
             <a:extLst>
               <a:ext uri="{FF2B5EF4-FFF2-40B4-BE49-F238E27FC236}">
-                <a16:creationId xmlns:a16="http://schemas.microsoft.com/office/drawing/2014/main" xmlns="" id="{A5342E2A-ECF3-4482-981E-FB362358AC03}"/>
+                <a16:creationId xmlns:a16="http://schemas.microsoft.com/office/drawing/2014/main" id="{A5342E2A-ECF3-4482-981E-FB362358AC03}"/>
               </a:ext>
             </a:extLst>
           </p:cNvPr>
@@ -10511,7 +10507,7 @@
           <p:cNvPr id="271" name="Прямая соединительная линия 270">
             <a:extLst>
               <a:ext uri="{FF2B5EF4-FFF2-40B4-BE49-F238E27FC236}">
-                <a16:creationId xmlns:a16="http://schemas.microsoft.com/office/drawing/2014/main" xmlns="" id="{A658E4AD-DAE9-412E-8260-CC41A0C2A1E1}"/>
+                <a16:creationId xmlns:a16="http://schemas.microsoft.com/office/drawing/2014/main" id="{A658E4AD-DAE9-412E-8260-CC41A0C2A1E1}"/>
               </a:ext>
             </a:extLst>
           </p:cNvPr>
@@ -10556,7 +10552,7 @@
           <p:cNvPr id="279" name="Соединительная линия уступом 903">
             <a:extLst>
               <a:ext uri="{FF2B5EF4-FFF2-40B4-BE49-F238E27FC236}">
-                <a16:creationId xmlns:a16="http://schemas.microsoft.com/office/drawing/2014/main" xmlns="" id="{572840DF-3EA8-46E1-931A-FA2FFC7D98A4}"/>
+                <a16:creationId xmlns:a16="http://schemas.microsoft.com/office/drawing/2014/main" id="{572840DF-3EA8-46E1-931A-FA2FFC7D98A4}"/>
               </a:ext>
             </a:extLst>
           </p:cNvPr>
@@ -10601,7 +10597,7 @@
           <p:cNvPr id="286" name="Соединительная линия уступом 903">
             <a:extLst>
               <a:ext uri="{FF2B5EF4-FFF2-40B4-BE49-F238E27FC236}">
-                <a16:creationId xmlns:a16="http://schemas.microsoft.com/office/drawing/2014/main" xmlns="" id="{576D432B-14DD-4A6D-AB31-394D7535A00A}"/>
+                <a16:creationId xmlns:a16="http://schemas.microsoft.com/office/drawing/2014/main" id="{576D432B-14DD-4A6D-AB31-394D7535A00A}"/>
               </a:ext>
             </a:extLst>
           </p:cNvPr>
@@ -10646,7 +10642,7 @@
           <p:cNvPr id="295" name="Соединительная линия уступом 903">
             <a:extLst>
               <a:ext uri="{FF2B5EF4-FFF2-40B4-BE49-F238E27FC236}">
-                <a16:creationId xmlns:a16="http://schemas.microsoft.com/office/drawing/2014/main" xmlns="" id="{2A1524CC-F749-457E-8785-AFB89CF85AC6}"/>
+                <a16:creationId xmlns:a16="http://schemas.microsoft.com/office/drawing/2014/main" id="{2A1524CC-F749-457E-8785-AFB89CF85AC6}"/>
               </a:ext>
             </a:extLst>
           </p:cNvPr>
@@ -10692,7 +10688,7 @@
           <p:cNvPr id="298" name="Соединительная линия уступом 903">
             <a:extLst>
               <a:ext uri="{FF2B5EF4-FFF2-40B4-BE49-F238E27FC236}">
-                <a16:creationId xmlns:a16="http://schemas.microsoft.com/office/drawing/2014/main" xmlns="" id="{034CF559-3849-42CF-A3F3-E3159A936C70}"/>
+                <a16:creationId xmlns:a16="http://schemas.microsoft.com/office/drawing/2014/main" id="{034CF559-3849-42CF-A3F3-E3159A936C70}"/>
               </a:ext>
             </a:extLst>
           </p:cNvPr>
@@ -10738,7 +10734,7 @@
           <p:cNvPr id="301" name="Соединительная линия уступом 903">
             <a:extLst>
               <a:ext uri="{FF2B5EF4-FFF2-40B4-BE49-F238E27FC236}">
-                <a16:creationId xmlns:a16="http://schemas.microsoft.com/office/drawing/2014/main" xmlns="" id="{7672BA52-6BCF-494F-8AA2-A64772CE3CC0}"/>
+                <a16:creationId xmlns:a16="http://schemas.microsoft.com/office/drawing/2014/main" id="{7672BA52-6BCF-494F-8AA2-A64772CE3CC0}"/>
               </a:ext>
             </a:extLst>
           </p:cNvPr>
@@ -10784,7 +10780,7 @@
           <p:cNvPr id="304" name="Прямоугольник 303">
             <a:extLst>
               <a:ext uri="{FF2B5EF4-FFF2-40B4-BE49-F238E27FC236}">
-                <a16:creationId xmlns:a16="http://schemas.microsoft.com/office/drawing/2014/main" xmlns="" id="{5A90479D-BFEC-4250-A8B4-175610005B0C}"/>
+                <a16:creationId xmlns:a16="http://schemas.microsoft.com/office/drawing/2014/main" id="{5A90479D-BFEC-4250-A8B4-175610005B0C}"/>
               </a:ext>
             </a:extLst>
           </p:cNvPr>
@@ -10843,7 +10839,7 @@
           <p:cNvPr id="305" name="Прямоугольник 304">
             <a:extLst>
               <a:ext uri="{FF2B5EF4-FFF2-40B4-BE49-F238E27FC236}">
-                <a16:creationId xmlns:a16="http://schemas.microsoft.com/office/drawing/2014/main" xmlns="" id="{73C6584F-AB91-413A-9C68-4ACD181B75C0}"/>
+                <a16:creationId xmlns:a16="http://schemas.microsoft.com/office/drawing/2014/main" id="{73C6584F-AB91-413A-9C68-4ACD181B75C0}"/>
               </a:ext>
             </a:extLst>
           </p:cNvPr>
@@ -10910,7 +10906,7 @@
           <p:cNvPr id="306" name="Соединительная линия уступом 903">
             <a:extLst>
               <a:ext uri="{FF2B5EF4-FFF2-40B4-BE49-F238E27FC236}">
-                <a16:creationId xmlns:a16="http://schemas.microsoft.com/office/drawing/2014/main" xmlns="" id="{8BEF26C8-19FF-4ACF-94F5-4225C4EB8246}"/>
+                <a16:creationId xmlns:a16="http://schemas.microsoft.com/office/drawing/2014/main" id="{8BEF26C8-19FF-4ACF-94F5-4225C4EB8246}"/>
               </a:ext>
             </a:extLst>
           </p:cNvPr>
@@ -10955,7 +10951,7 @@
           <p:cNvPr id="309" name="Прямая со стрелкой 308">
             <a:extLst>
               <a:ext uri="{FF2B5EF4-FFF2-40B4-BE49-F238E27FC236}">
-                <a16:creationId xmlns:a16="http://schemas.microsoft.com/office/drawing/2014/main" xmlns="" id="{4F994BCD-25E2-41AE-B84C-2F9962E702F3}"/>
+                <a16:creationId xmlns:a16="http://schemas.microsoft.com/office/drawing/2014/main" id="{4F994BCD-25E2-41AE-B84C-2F9962E702F3}"/>
               </a:ext>
             </a:extLst>
           </p:cNvPr>
@@ -10998,7 +10994,7 @@
           <p:cNvPr id="312" name="Соединительная линия уступом 903">
             <a:extLst>
               <a:ext uri="{FF2B5EF4-FFF2-40B4-BE49-F238E27FC236}">
-                <a16:creationId xmlns:a16="http://schemas.microsoft.com/office/drawing/2014/main" xmlns="" id="{07137075-E005-4218-9DD1-C16A5EBE52A6}"/>
+                <a16:creationId xmlns:a16="http://schemas.microsoft.com/office/drawing/2014/main" id="{07137075-E005-4218-9DD1-C16A5EBE52A6}"/>
               </a:ext>
             </a:extLst>
           </p:cNvPr>
@@ -11043,7 +11039,7 @@
           <p:cNvPr id="130" name="Прямоугольник 129">
             <a:extLst>
               <a:ext uri="{FF2B5EF4-FFF2-40B4-BE49-F238E27FC236}">
-                <a16:creationId xmlns:a16="http://schemas.microsoft.com/office/drawing/2014/main" xmlns="" id="{ABFF5B51-3609-4286-A116-20D114007F6D}"/>
+                <a16:creationId xmlns:a16="http://schemas.microsoft.com/office/drawing/2014/main" id="{ABFF5B51-3609-4286-A116-20D114007F6D}"/>
               </a:ext>
             </a:extLst>
           </p:cNvPr>
@@ -11102,7 +11098,7 @@
           <p:cNvPr id="132" name="Прямоугольник 131">
             <a:extLst>
               <a:ext uri="{FF2B5EF4-FFF2-40B4-BE49-F238E27FC236}">
-                <a16:creationId xmlns:a16="http://schemas.microsoft.com/office/drawing/2014/main" xmlns="" id="{42471CBD-413A-4A3C-B6F6-DCD88E55B78D}"/>
+                <a16:creationId xmlns:a16="http://schemas.microsoft.com/office/drawing/2014/main" id="{42471CBD-413A-4A3C-B6F6-DCD88E55B78D}"/>
               </a:ext>
             </a:extLst>
           </p:cNvPr>
@@ -11152,7 +11148,7 @@
           <p:cNvPr id="133" name="Прямоугольник 132">
             <a:extLst>
               <a:ext uri="{FF2B5EF4-FFF2-40B4-BE49-F238E27FC236}">
-                <a16:creationId xmlns:a16="http://schemas.microsoft.com/office/drawing/2014/main" xmlns="" id="{5A02DB7D-6E57-4AEF-9913-B75B2F02E27D}"/>
+                <a16:creationId xmlns:a16="http://schemas.microsoft.com/office/drawing/2014/main" id="{5A02DB7D-6E57-4AEF-9913-B75B2F02E27D}"/>
               </a:ext>
             </a:extLst>
           </p:cNvPr>
@@ -11207,7 +11203,7 @@
           <p:cNvPr id="135" name="Прямоугольник 134">
             <a:extLst>
               <a:ext uri="{FF2B5EF4-FFF2-40B4-BE49-F238E27FC236}">
-                <a16:creationId xmlns:a16="http://schemas.microsoft.com/office/drawing/2014/main" xmlns="" id="{D80463F0-008D-4836-8F9E-3D2D6E66AB47}"/>
+                <a16:creationId xmlns:a16="http://schemas.microsoft.com/office/drawing/2014/main" id="{D80463F0-008D-4836-8F9E-3D2D6E66AB47}"/>
               </a:ext>
             </a:extLst>
           </p:cNvPr>
@@ -11262,7 +11258,7 @@
           <p:cNvPr id="136" name="Прямоугольник 135">
             <a:extLst>
               <a:ext uri="{FF2B5EF4-FFF2-40B4-BE49-F238E27FC236}">
-                <a16:creationId xmlns:a16="http://schemas.microsoft.com/office/drawing/2014/main" xmlns="" id="{C758B007-0C96-4689-82E4-6C593885F846}"/>
+                <a16:creationId xmlns:a16="http://schemas.microsoft.com/office/drawing/2014/main" id="{C758B007-0C96-4689-82E4-6C593885F846}"/>
               </a:ext>
             </a:extLst>
           </p:cNvPr>
@@ -11329,7 +11325,7 @@
           <p:cNvPr id="139" name="Прямоугольник 138">
             <a:extLst>
               <a:ext uri="{FF2B5EF4-FFF2-40B4-BE49-F238E27FC236}">
-                <a16:creationId xmlns:a16="http://schemas.microsoft.com/office/drawing/2014/main" xmlns="" id="{2772F863-F97F-446C-9EF5-E9FBA76BA105}"/>
+                <a16:creationId xmlns:a16="http://schemas.microsoft.com/office/drawing/2014/main" id="{2772F863-F97F-446C-9EF5-E9FBA76BA105}"/>
               </a:ext>
             </a:extLst>
           </p:cNvPr>
@@ -11383,7 +11379,7 @@
           <p:cNvPr id="140" name="Прямая со стрелкой 139">
             <a:extLst>
               <a:ext uri="{FF2B5EF4-FFF2-40B4-BE49-F238E27FC236}">
-                <a16:creationId xmlns:a16="http://schemas.microsoft.com/office/drawing/2014/main" xmlns="" id="{B3FCE5AB-B549-43E5-94DB-B0838C67B62E}"/>
+                <a16:creationId xmlns:a16="http://schemas.microsoft.com/office/drawing/2014/main" id="{B3FCE5AB-B549-43E5-94DB-B0838C67B62E}"/>
               </a:ext>
             </a:extLst>
           </p:cNvPr>
@@ -11426,7 +11422,7 @@
           <p:cNvPr id="142" name="Прямая со стрелкой 141">
             <a:extLst>
               <a:ext uri="{FF2B5EF4-FFF2-40B4-BE49-F238E27FC236}">
-                <a16:creationId xmlns:a16="http://schemas.microsoft.com/office/drawing/2014/main" xmlns="" id="{6DB489FB-B7F5-4424-8C73-6D37DF418426}"/>
+                <a16:creationId xmlns:a16="http://schemas.microsoft.com/office/drawing/2014/main" id="{6DB489FB-B7F5-4424-8C73-6D37DF418426}"/>
               </a:ext>
             </a:extLst>
           </p:cNvPr>
@@ -11469,7 +11465,7 @@
           <p:cNvPr id="143" name="Прямоугольник 142">
             <a:extLst>
               <a:ext uri="{FF2B5EF4-FFF2-40B4-BE49-F238E27FC236}">
-                <a16:creationId xmlns:a16="http://schemas.microsoft.com/office/drawing/2014/main" xmlns="" id="{D8560F03-D7E5-4EAE-8AB6-25DD52B13299}"/>
+                <a16:creationId xmlns:a16="http://schemas.microsoft.com/office/drawing/2014/main" id="{D8560F03-D7E5-4EAE-8AB6-25DD52B13299}"/>
               </a:ext>
             </a:extLst>
           </p:cNvPr>
@@ -11544,7 +11540,7 @@
           <p:cNvPr id="145" name="Прямоугольник 144">
             <a:extLst>
               <a:ext uri="{FF2B5EF4-FFF2-40B4-BE49-F238E27FC236}">
-                <a16:creationId xmlns:a16="http://schemas.microsoft.com/office/drawing/2014/main" xmlns="" id="{9B2FDAB2-B211-4434-9C5B-E5DF44A10A33}"/>
+                <a16:creationId xmlns:a16="http://schemas.microsoft.com/office/drawing/2014/main" id="{9B2FDAB2-B211-4434-9C5B-E5DF44A10A33}"/>
               </a:ext>
             </a:extLst>
           </p:cNvPr>
@@ -11674,7 +11670,7 @@
           <p:cNvPr id="146" name="Соединительная линия уступом 903">
             <a:extLst>
               <a:ext uri="{FF2B5EF4-FFF2-40B4-BE49-F238E27FC236}">
-                <a16:creationId xmlns:a16="http://schemas.microsoft.com/office/drawing/2014/main" xmlns="" id="{7F2B1BD7-0FDF-4BD9-834C-72911F99D650}"/>
+                <a16:creationId xmlns:a16="http://schemas.microsoft.com/office/drawing/2014/main" id="{7F2B1BD7-0FDF-4BD9-834C-72911F99D650}"/>
               </a:ext>
             </a:extLst>
           </p:cNvPr>
@@ -11719,7 +11715,7 @@
           <p:cNvPr id="148" name="Прямоугольник 147">
             <a:extLst>
               <a:ext uri="{FF2B5EF4-FFF2-40B4-BE49-F238E27FC236}">
-                <a16:creationId xmlns:a16="http://schemas.microsoft.com/office/drawing/2014/main" xmlns="" id="{5F0353F8-E21C-4F18-BE59-BB22D272D767}"/>
+                <a16:creationId xmlns:a16="http://schemas.microsoft.com/office/drawing/2014/main" id="{5F0353F8-E21C-4F18-BE59-BB22D272D767}"/>
               </a:ext>
             </a:extLst>
           </p:cNvPr>
@@ -11777,7 +11773,7 @@
           <p:cNvPr id="149" name="Прямоугольник 148">
             <a:extLst>
               <a:ext uri="{FF2B5EF4-FFF2-40B4-BE49-F238E27FC236}">
-                <a16:creationId xmlns:a16="http://schemas.microsoft.com/office/drawing/2014/main" xmlns="" id="{4A8FCB66-A700-49E8-963C-C94CA0CCF5FD}"/>
+                <a16:creationId xmlns:a16="http://schemas.microsoft.com/office/drawing/2014/main" id="{4A8FCB66-A700-49E8-963C-C94CA0CCF5FD}"/>
               </a:ext>
             </a:extLst>
           </p:cNvPr>
@@ -12131,7 +12127,7 @@
   <a:extraClrSchemeLst/>
   <a:extLst>
     <a:ext uri="{05A4C25C-085E-4340-85A3-A5531E510DB2}">
-      <thm15:themeFamily xmlns:thm15="http://schemas.microsoft.com/office/thememl/2012/main" xmlns="" name="Office Theme" id="{62F939B6-93AF-4DB8-9C6B-D6C7DFDC589F}" vid="{4A3C46E8-61CC-4603-A589-7422A47A8E4A}"/>
+      <thm15:themeFamily xmlns:thm15="http://schemas.microsoft.com/office/thememl/2012/main" name="Office Theme" id="{62F939B6-93AF-4DB8-9C6B-D6C7DFDC589F}" vid="{4A3C46E8-61CC-4603-A589-7422A47A8E4A}"/>
     </a:ext>
   </a:extLst>
 </a:theme>
@@ -12392,7 +12388,7 @@
   <a:extraClrSchemeLst/>
   <a:extLst>
     <a:ext uri="{05A4C25C-085E-4340-85A3-A5531E510DB2}">
-      <thm15:themeFamily xmlns:thm15="http://schemas.microsoft.com/office/thememl/2012/main" xmlns="" name="Office Theme" id="{62F939B6-93AF-4DB8-9C6B-D6C7DFDC589F}" vid="{4A3C46E8-61CC-4603-A589-7422A47A8E4A}"/>
+      <thm15:themeFamily xmlns:thm15="http://schemas.microsoft.com/office/thememl/2012/main" name="Office Theme" id="{62F939B6-93AF-4DB8-9C6B-D6C7DFDC589F}" vid="{4A3C46E8-61CC-4603-A589-7422A47A8E4A}"/>
     </a:ext>
   </a:extLst>
 </a:theme>

--- a/Наработки/диздоки/Никарагуа/Никарагуа.pptx
+++ b/Наработки/диздоки/Никарагуа/Никарагуа.pptx
@@ -109,7 +109,7 @@
   </p:defaultTextStyle>
   <p:extLst>
     <p:ext uri="{EFAFB233-063F-42B5-8137-9DF3F51BA10A}">
-      <p15:sldGuideLst xmlns:p15="http://schemas.microsoft.com/office/powerpoint/2012/main">
+      <p15:sldGuideLst xmlns="" xmlns:p15="http://schemas.microsoft.com/office/powerpoint/2012/main">
         <p15:guide id="1" orient="horz" pos="11344">
           <p15:clr>
             <a:srgbClr val="A4A3A4"/>
@@ -209,7 +209,7 @@
             <a:fld id="{33E3D7F9-E251-484C-A6FF-FA958879DF69}" type="datetimeFigureOut">
               <a:rPr lang="ru-RU" smtClean="0"/>
               <a:pPr/>
-              <a:t>10.10.2023</a:t>
+              <a:t>11.10.2023</a:t>
             </a:fld>
             <a:endParaRPr lang="ru-RU"/>
           </a:p>
@@ -699,7 +699,7 @@
             <a:fld id="{85A5DE44-605B-4D3B-B2B7-94543DF81A36}" type="datetimeFigureOut">
               <a:rPr lang="ru-RU" smtClean="0"/>
               <a:pPr/>
-              <a:t>10.10.2023</a:t>
+              <a:t>11.10.2023</a:t>
             </a:fld>
             <a:endParaRPr lang="ru-RU"/>
           </a:p>
@@ -871,7 +871,7 @@
             <a:fld id="{85A5DE44-605B-4D3B-B2B7-94543DF81A36}" type="datetimeFigureOut">
               <a:rPr lang="ru-RU" smtClean="0"/>
               <a:pPr/>
-              <a:t>10.10.2023</a:t>
+              <a:t>11.10.2023</a:t>
             </a:fld>
             <a:endParaRPr lang="ru-RU"/>
           </a:p>
@@ -1053,7 +1053,7 @@
             <a:fld id="{85A5DE44-605B-4D3B-B2B7-94543DF81A36}" type="datetimeFigureOut">
               <a:rPr lang="ru-RU" smtClean="0"/>
               <a:pPr/>
-              <a:t>10.10.2023</a:t>
+              <a:t>11.10.2023</a:t>
             </a:fld>
             <a:endParaRPr lang="ru-RU"/>
           </a:p>
@@ -1225,7 +1225,7 @@
             <a:fld id="{85A5DE44-605B-4D3B-B2B7-94543DF81A36}" type="datetimeFigureOut">
               <a:rPr lang="ru-RU" smtClean="0"/>
               <a:pPr/>
-              <a:t>10.10.2023</a:t>
+              <a:t>11.10.2023</a:t>
             </a:fld>
             <a:endParaRPr lang="ru-RU"/>
           </a:p>
@@ -1473,7 +1473,7 @@
             <a:fld id="{85A5DE44-605B-4D3B-B2B7-94543DF81A36}" type="datetimeFigureOut">
               <a:rPr lang="ru-RU" smtClean="0"/>
               <a:pPr/>
-              <a:t>10.10.2023</a:t>
+              <a:t>11.10.2023</a:t>
             </a:fld>
             <a:endParaRPr lang="ru-RU"/>
           </a:p>
@@ -1707,7 +1707,7 @@
             <a:fld id="{85A5DE44-605B-4D3B-B2B7-94543DF81A36}" type="datetimeFigureOut">
               <a:rPr lang="ru-RU" smtClean="0"/>
               <a:pPr/>
-              <a:t>10.10.2023</a:t>
+              <a:t>11.10.2023</a:t>
             </a:fld>
             <a:endParaRPr lang="ru-RU"/>
           </a:p>
@@ -2076,7 +2076,7 @@
             <a:fld id="{85A5DE44-605B-4D3B-B2B7-94543DF81A36}" type="datetimeFigureOut">
               <a:rPr lang="ru-RU" smtClean="0"/>
               <a:pPr/>
-              <a:t>10.10.2023</a:t>
+              <a:t>11.10.2023</a:t>
             </a:fld>
             <a:endParaRPr lang="ru-RU"/>
           </a:p>
@@ -2196,7 +2196,7 @@
             <a:fld id="{85A5DE44-605B-4D3B-B2B7-94543DF81A36}" type="datetimeFigureOut">
               <a:rPr lang="ru-RU" smtClean="0"/>
               <a:pPr/>
-              <a:t>10.10.2023</a:t>
+              <a:t>11.10.2023</a:t>
             </a:fld>
             <a:endParaRPr lang="ru-RU"/>
           </a:p>
@@ -2293,7 +2293,7 @@
             <a:fld id="{85A5DE44-605B-4D3B-B2B7-94543DF81A36}" type="datetimeFigureOut">
               <a:rPr lang="ru-RU" smtClean="0"/>
               <a:pPr/>
-              <a:t>10.10.2023</a:t>
+              <a:t>11.10.2023</a:t>
             </a:fld>
             <a:endParaRPr lang="ru-RU"/>
           </a:p>
@@ -2572,7 +2572,7 @@
             <a:fld id="{85A5DE44-605B-4D3B-B2B7-94543DF81A36}" type="datetimeFigureOut">
               <a:rPr lang="ru-RU" smtClean="0"/>
               <a:pPr/>
-              <a:t>10.10.2023</a:t>
+              <a:t>11.10.2023</a:t>
             </a:fld>
             <a:endParaRPr lang="ru-RU"/>
           </a:p>
@@ -2831,7 +2831,7 @@
             <a:fld id="{85A5DE44-605B-4D3B-B2B7-94543DF81A36}" type="datetimeFigureOut">
               <a:rPr lang="ru-RU" smtClean="0"/>
               <a:pPr/>
-              <a:t>10.10.2023</a:t>
+              <a:t>11.10.2023</a:t>
             </a:fld>
             <a:endParaRPr lang="ru-RU"/>
           </a:p>
@@ -3046,7 +3046,7 @@
             <a:fld id="{85A5DE44-605B-4D3B-B2B7-94543DF81A36}" type="datetimeFigureOut">
               <a:rPr lang="ru-RU" smtClean="0"/>
               <a:pPr/>
-              <a:t>10.10.2023</a:t>
+              <a:t>11.10.2023</a:t>
             </a:fld>
             <a:endParaRPr lang="ru-RU"/>
           </a:p>
@@ -3575,7 +3575,7 @@
           <p:cNvPr id="860" name="Прямоугольник 859">
             <a:extLst>
               <a:ext uri="{FF2B5EF4-FFF2-40B4-BE49-F238E27FC236}">
-                <a16:creationId xmlns:a16="http://schemas.microsoft.com/office/drawing/2014/main" id="{6192B7C6-55FD-4881-A7C8-B46143BFCF64}"/>
+                <a16:creationId xmlns="" xmlns:a16="http://schemas.microsoft.com/office/drawing/2014/main" id="{6192B7C6-55FD-4881-A7C8-B46143BFCF64}"/>
               </a:ext>
             </a:extLst>
           </p:cNvPr>
@@ -3614,7 +3614,27 @@
             <a:pPr algn="ctr"/>
             <a:r>
               <a:rPr lang="ru-RU" sz="700" dirty="0"/>
-              <a:t>Сформировать «Воздушный корпус Национальной гвардии» (1936)</a:t>
+              <a:t>Сформировать «Воздушный </a:t>
+            </a:r>
+            <a:r>
+              <a:rPr lang="ru-RU" sz="700" dirty="0" smtClean="0"/>
+              <a:t>корпус» </a:t>
+            </a:r>
+            <a:r>
+              <a:rPr lang="ru-RU" sz="700" dirty="0"/>
+              <a:t>(</a:t>
+            </a:r>
+            <a:r>
+              <a:rPr lang="ru-RU" sz="700" dirty="0" smtClean="0"/>
+              <a:t>193</a:t>
+            </a:r>
+            <a:r>
+              <a:rPr lang="ru-RU" sz="700" dirty="0" smtClean="0"/>
+              <a:t>6 после июня</a:t>
+            </a:r>
+            <a:r>
+              <a:rPr lang="ru-RU" sz="700" dirty="0" smtClean="0"/>
+              <a:t>)</a:t>
             </a:r>
             <a:endParaRPr lang="ru-RU" sz="400" dirty="0"/>
           </a:p>
@@ -3625,7 +3645,7 @@
           <p:cNvPr id="987" name="Прямоугольник 986">
             <a:extLst>
               <a:ext uri="{FF2B5EF4-FFF2-40B4-BE49-F238E27FC236}">
-                <a16:creationId xmlns:a16="http://schemas.microsoft.com/office/drawing/2014/main" id="{67193EE9-417B-43C2-AB81-CA3693D3020C}"/>
+                <a16:creationId xmlns="" xmlns:a16="http://schemas.microsoft.com/office/drawing/2014/main" id="{67193EE9-417B-43C2-AB81-CA3693D3020C}"/>
               </a:ext>
             </a:extLst>
           </p:cNvPr>
@@ -3675,7 +3695,7 @@
           <p:cNvPr id="991" name="Прямоугольник 990">
             <a:extLst>
               <a:ext uri="{FF2B5EF4-FFF2-40B4-BE49-F238E27FC236}">
-                <a16:creationId xmlns:a16="http://schemas.microsoft.com/office/drawing/2014/main" id="{DF4FA738-4588-47B9-8CCD-BD1F596377F3}"/>
+                <a16:creationId xmlns="" xmlns:a16="http://schemas.microsoft.com/office/drawing/2014/main" id="{DF4FA738-4588-47B9-8CCD-BD1F596377F3}"/>
               </a:ext>
             </a:extLst>
           </p:cNvPr>
@@ -3722,56 +3742,13 @@
             </a:r>
             <a:r>
               <a:rPr lang="ru-RU" sz="700" dirty="0"/>
-              <a:t>(1942) </a:t>
-            </a:r>
-          </a:p>
-          <a:p>
-            <a:pPr algn="ctr"/>
-            <a:r>
-              <a:rPr lang="ru-RU" sz="200" dirty="0"/>
-              <a:t>22 января 1942 года правительство Никарагуа подписало контракт с авиакомпанией </a:t>
-            </a:r>
-            <a:r>
-              <a:rPr lang="ru-RU" sz="200" dirty="0" err="1"/>
-              <a:t>Pan</a:t>
-            </a:r>
-            <a:r>
-              <a:rPr lang="ru-RU" sz="200" dirty="0"/>
-              <a:t> </a:t>
-            </a:r>
-            <a:r>
-              <a:rPr lang="ru-RU" sz="200" dirty="0" err="1"/>
-              <a:t>American</a:t>
-            </a:r>
-            <a:r>
-              <a:rPr lang="ru-RU" sz="200" dirty="0"/>
-              <a:t> </a:t>
-            </a:r>
-            <a:r>
-              <a:rPr lang="ru-RU" sz="200" dirty="0" err="1"/>
-              <a:t>Airways</a:t>
-            </a:r>
-            <a:r>
-              <a:rPr lang="ru-RU" sz="200" dirty="0"/>
-              <a:t> (США) на строительство аэропорта под названием </a:t>
-            </a:r>
-            <a:r>
-              <a:rPr lang="ru-RU" sz="200" dirty="0" err="1"/>
-              <a:t>Las</a:t>
-            </a:r>
-            <a:r>
-              <a:rPr lang="ru-RU" sz="200" dirty="0"/>
-              <a:t> </a:t>
-            </a:r>
-            <a:r>
-              <a:rPr lang="ru-RU" sz="200" dirty="0" err="1"/>
-              <a:t>Mercedes</a:t>
-            </a:r>
-            <a:r>
-              <a:rPr lang="ru-RU" sz="200" dirty="0"/>
-              <a:t>. После окончания строительства помимо единственной никарагуанской авиакомпании LANICA аэропорт использовали иностранные авиакомпании, также он являлся местом базирования военно-воздушных сил страны.</a:t>
-            </a:r>
-            <a:endParaRPr lang="ru-RU" sz="400" dirty="0"/>
+              <a:t>(1942</a:t>
+            </a:r>
+            <a:r>
+              <a:rPr lang="ru-RU" sz="700" dirty="0" smtClean="0"/>
+              <a:t>)</a:t>
+            </a:r>
+            <a:endParaRPr lang="ru-RU" sz="700" dirty="0"/>
           </a:p>
         </p:txBody>
       </p:sp>
@@ -3780,7 +3757,7 @@
           <p:cNvPr id="994" name="Прямоугольник 993">
             <a:extLst>
               <a:ext uri="{FF2B5EF4-FFF2-40B4-BE49-F238E27FC236}">
-                <a16:creationId xmlns:a16="http://schemas.microsoft.com/office/drawing/2014/main" id="{2C61400B-484B-4957-B0B2-641DF530B9A0}"/>
+                <a16:creationId xmlns="" xmlns:a16="http://schemas.microsoft.com/office/drawing/2014/main" id="{2C61400B-484B-4957-B0B2-641DF530B9A0}"/>
               </a:ext>
             </a:extLst>
           </p:cNvPr>
@@ -3819,16 +3796,13 @@
             <a:pPr algn="ctr"/>
             <a:r>
               <a:rPr lang="ru-RU" sz="700" dirty="0"/>
-              <a:t>Авиационная миссия США (1952)</a:t>
-            </a:r>
-          </a:p>
-          <a:p>
-            <a:pPr algn="ctr"/>
-            <a:r>
-              <a:rPr lang="ru-RU" sz="200" dirty="0"/>
-              <a:t>(В 1952 году прибыла авиационная миссия США, которая увеличила количество доставленных учебных и транспортных самолетов, за которыми последовали боевые самолеты, такие как P-38, P-51 и P-47.</a:t>
-            </a:r>
-            <a:endParaRPr lang="ru-RU" sz="400" dirty="0"/>
+              <a:t>Авиационная миссия США (1952</a:t>
+            </a:r>
+            <a:r>
+              <a:rPr lang="ru-RU" sz="700" dirty="0" smtClean="0"/>
+              <a:t>)</a:t>
+            </a:r>
+            <a:endParaRPr lang="ru-RU" sz="700" dirty="0"/>
           </a:p>
         </p:txBody>
       </p:sp>
@@ -3837,7 +3811,7 @@
           <p:cNvPr id="995" name="Прямоугольник 994">
             <a:extLst>
               <a:ext uri="{FF2B5EF4-FFF2-40B4-BE49-F238E27FC236}">
-                <a16:creationId xmlns:a16="http://schemas.microsoft.com/office/drawing/2014/main" id="{F18E07CC-8B9D-421A-926B-156E5FCEBD1B}"/>
+                <a16:creationId xmlns="" xmlns:a16="http://schemas.microsoft.com/office/drawing/2014/main" id="{F18E07CC-8B9D-421A-926B-156E5FCEBD1B}"/>
               </a:ext>
             </a:extLst>
           </p:cNvPr>
@@ -3846,780 +3820,7 @@
         </p:nvSpPr>
         <p:spPr>
           <a:xfrm>
-            <a:off x="5818647" y="2561574"/>
-            <a:ext cx="926325" cy="540000"/>
-          </a:xfrm>
-          <a:prstGeom prst="rect">
-            <a:avLst/>
-          </a:prstGeom>
-          <a:noFill/>
-          <a:ln w="19050"/>
-        </p:spPr>
-        <p:style>
-          <a:lnRef idx="2">
-            <a:schemeClr val="accent1"/>
-          </a:lnRef>
-          <a:fillRef idx="1">
-            <a:schemeClr val="lt1"/>
-          </a:fillRef>
-          <a:effectRef idx="0">
-            <a:schemeClr val="accent1"/>
-          </a:effectRef>
-          <a:fontRef idx="minor">
-            <a:schemeClr val="dk1"/>
-          </a:fontRef>
-        </p:style>
-        <p:txBody>
-          <a:bodyPr lIns="124733" tIns="62367" rIns="124733" bIns="62367" rtlCol="0" anchor="ctr"/>
-          <a:lstStyle/>
-          <a:p>
-            <a:pPr algn="ctr"/>
-            <a:r>
-              <a:rPr lang="ru-RU" sz="700" dirty="0"/>
-              <a:t>Национальная гвардия (1936) </a:t>
-            </a:r>
-            <a:r>
-              <a:rPr lang="ru-RU" sz="200" dirty="0"/>
-              <a:t>(Национальная гвардия (исп. </a:t>
-            </a:r>
-            <a:r>
-              <a:rPr lang="ru-RU" sz="200" dirty="0" err="1"/>
-              <a:t>Guardia</a:t>
-            </a:r>
-            <a:r>
-              <a:rPr lang="ru-RU" sz="200" dirty="0"/>
-              <a:t> </a:t>
-            </a:r>
-            <a:r>
-              <a:rPr lang="ru-RU" sz="200" dirty="0" err="1"/>
-              <a:t>Nacional</a:t>
-            </a:r>
-            <a:r>
-              <a:rPr lang="ru-RU" sz="200" dirty="0"/>
-              <a:t> , иначе известная как </a:t>
-            </a:r>
-            <a:r>
-              <a:rPr lang="ru-RU" sz="200" dirty="0" err="1"/>
-              <a:t>la</a:t>
-            </a:r>
-            <a:r>
-              <a:rPr lang="ru-RU" sz="200" dirty="0"/>
-              <a:t> </a:t>
-            </a:r>
-            <a:r>
-              <a:rPr lang="ru-RU" sz="200" dirty="0" err="1"/>
-              <a:t>Guardia</a:t>
-            </a:r>
-            <a:r>
-              <a:rPr lang="ru-RU" sz="200" dirty="0"/>
-              <a:t> ) — ополчение и жандармерия , созданная в 1925 году во время оккупации Никарагуа США . Он стал известен нарушениями прав человека и коррупцией при режиме семьи </a:t>
-            </a:r>
-            <a:r>
-              <a:rPr lang="ru-RU" sz="200" dirty="0" err="1"/>
-              <a:t>Сомоса</a:t>
-            </a:r>
-            <a:r>
-              <a:rPr lang="ru-RU" sz="200" dirty="0"/>
-              <a:t> (1936–1979))</a:t>
-            </a:r>
-            <a:endParaRPr lang="ru-RU" sz="400" dirty="0"/>
-          </a:p>
-        </p:txBody>
-      </p:sp>
-      <p:sp>
-        <p:nvSpPr>
-          <p:cNvPr id="996" name="Прямоугольник 995">
-            <a:extLst>
-              <a:ext uri="{FF2B5EF4-FFF2-40B4-BE49-F238E27FC236}">
-                <a16:creationId xmlns:a16="http://schemas.microsoft.com/office/drawing/2014/main" id="{0A3E31CE-1F95-493B-99B8-75E1E74691B0}"/>
-              </a:ext>
-            </a:extLst>
-          </p:cNvPr>
-          <p:cNvSpPr/>
-          <p:nvPr/>
-        </p:nvSpPr>
-        <p:spPr>
-          <a:xfrm>
-            <a:off x="5818647" y="3360313"/>
-            <a:ext cx="926325" cy="540000"/>
-          </a:xfrm>
-          <a:prstGeom prst="rect">
-            <a:avLst/>
-          </a:prstGeom>
-          <a:noFill/>
-          <a:ln w="19050"/>
-        </p:spPr>
-        <p:style>
-          <a:lnRef idx="2">
-            <a:schemeClr val="accent1"/>
-          </a:lnRef>
-          <a:fillRef idx="1">
-            <a:schemeClr val="lt1"/>
-          </a:fillRef>
-          <a:effectRef idx="0">
-            <a:schemeClr val="accent1"/>
-          </a:effectRef>
-          <a:fontRef idx="minor">
-            <a:schemeClr val="dk1"/>
-          </a:fontRef>
-        </p:style>
-        <p:txBody>
-          <a:bodyPr lIns="124733" tIns="62367" rIns="124733" bIns="62367" rtlCol="0" anchor="ctr"/>
-          <a:lstStyle/>
-          <a:p>
-            <a:pPr algn="ctr"/>
-            <a:r>
-              <a:rPr lang="ru-RU" sz="700" dirty="0"/>
-              <a:t>Никарагуанская военная академия (1939) </a:t>
-            </a:r>
-            <a:r>
-              <a:rPr lang="ru-RU" sz="100" dirty="0"/>
-              <a:t>(Созданная 9 ноября 1939 года, </a:t>
-            </a:r>
-            <a:r>
-              <a:rPr lang="ru-RU" sz="100" dirty="0" err="1"/>
-              <a:t>Academia</a:t>
-            </a:r>
-            <a:r>
-              <a:rPr lang="ru-RU" sz="100" dirty="0"/>
-              <a:t> </a:t>
-            </a:r>
-            <a:r>
-              <a:rPr lang="ru-RU" sz="100" dirty="0" err="1"/>
-              <a:t>Militar</a:t>
-            </a:r>
-            <a:r>
-              <a:rPr lang="ru-RU" sz="100" dirty="0"/>
-              <a:t> </a:t>
-            </a:r>
-            <a:r>
-              <a:rPr lang="ru-RU" sz="100" dirty="0" err="1"/>
-              <a:t>de</a:t>
-            </a:r>
-            <a:r>
-              <a:rPr lang="ru-RU" sz="100" dirty="0"/>
-              <a:t> </a:t>
-            </a:r>
-            <a:r>
-              <a:rPr lang="ru-RU" sz="100" dirty="0" err="1"/>
-              <a:t>Nicaragua</a:t>
-            </a:r>
-            <a:r>
-              <a:rPr lang="ru-RU" sz="100" dirty="0"/>
-              <a:t> (AMN, Никарагуанская военная академия) была школой унтер-офицеров и кандидатов в офицеры и штабным колледжем Национальной гвардии. Созданный по образцу Академии Вест-Пойнт , AMN первоначально был укомплектован кадрами инструкторов армии США во главе с бригадным генералом Чарльзом Л. </a:t>
-            </a:r>
-            <a:r>
-              <a:rPr lang="ru-RU" sz="100" dirty="0" err="1"/>
-              <a:t>Маллинзом</a:t>
-            </a:r>
-            <a:r>
-              <a:rPr lang="ru-RU" sz="100" dirty="0"/>
-              <a:t> (1939–1942), который сам был выпускником Вест-Пойнта. Его сменили на посту директора AMN три других старших офицера армии США: бригадный генерал Фред Т. </a:t>
-            </a:r>
-            <a:r>
-              <a:rPr lang="ru-RU" sz="100" dirty="0" err="1"/>
-              <a:t>Круз</a:t>
-            </a:r>
-            <a:r>
-              <a:rPr lang="ru-RU" sz="100" dirty="0"/>
-              <a:t> (1942–1943), бригадный генерал Лерой </a:t>
-            </a:r>
-            <a:r>
-              <a:rPr lang="ru-RU" sz="100" dirty="0" err="1"/>
-              <a:t>Бартлетт</a:t>
-            </a:r>
-            <a:r>
-              <a:rPr lang="ru-RU" sz="100" dirty="0"/>
-              <a:t>-младший. (1943–1946) и бригадный генерал Джон Ф. Греко(1947), пока полковник пехоты GN </a:t>
-            </a:r>
-            <a:r>
-              <a:rPr lang="ru-RU" sz="100" dirty="0" err="1"/>
-              <a:t>Анастасио</a:t>
-            </a:r>
-            <a:r>
-              <a:rPr lang="ru-RU" sz="100" dirty="0"/>
-              <a:t> </a:t>
-            </a:r>
-            <a:r>
-              <a:rPr lang="ru-RU" sz="100" dirty="0" err="1"/>
-              <a:t>Сомоса</a:t>
-            </a:r>
-            <a:r>
-              <a:rPr lang="ru-RU" sz="100" dirty="0"/>
-              <a:t> </a:t>
-            </a:r>
-            <a:r>
-              <a:rPr lang="ru-RU" sz="100" dirty="0" err="1"/>
-              <a:t>Дебайле</a:t>
-            </a:r>
-            <a:r>
-              <a:rPr lang="ru-RU" sz="100" dirty="0"/>
-              <a:t> не был назначен его первым директором никарагуанского происхождения в 1948 году.)</a:t>
-            </a:r>
-            <a:endParaRPr lang="ru-RU" sz="400" dirty="0"/>
-          </a:p>
-        </p:txBody>
-      </p:sp>
-      <p:sp>
-        <p:nvSpPr>
-          <p:cNvPr id="998" name="Прямоугольник 997">
-            <a:extLst>
-              <a:ext uri="{FF2B5EF4-FFF2-40B4-BE49-F238E27FC236}">
-                <a16:creationId xmlns:a16="http://schemas.microsoft.com/office/drawing/2014/main" id="{D1BF57CA-E69C-44E3-AAB9-85050AFD605D}"/>
-              </a:ext>
-            </a:extLst>
-          </p:cNvPr>
-          <p:cNvSpPr/>
-          <p:nvPr/>
-        </p:nvSpPr>
-        <p:spPr>
-          <a:xfrm>
-            <a:off x="260691" y="3362243"/>
-            <a:ext cx="926325" cy="540000"/>
-          </a:xfrm>
-          <a:prstGeom prst="rect">
-            <a:avLst/>
-          </a:prstGeom>
-          <a:noFill/>
-          <a:ln w="19050"/>
-        </p:spPr>
-        <p:style>
-          <a:lnRef idx="2">
-            <a:schemeClr val="accent1"/>
-          </a:lnRef>
-          <a:fillRef idx="1">
-            <a:schemeClr val="lt1"/>
-          </a:fillRef>
-          <a:effectRef idx="0">
-            <a:schemeClr val="accent1"/>
-          </a:effectRef>
-          <a:fontRef idx="minor">
-            <a:schemeClr val="dk1"/>
-          </a:fontRef>
-        </p:style>
-        <p:txBody>
-          <a:bodyPr lIns="124733" tIns="62367" rIns="124733" bIns="62367" rtlCol="0" anchor="ctr"/>
-          <a:lstStyle/>
-          <a:p>
-            <a:pPr algn="ctr"/>
-            <a:r>
-              <a:rPr lang="ru-RU" sz="700" dirty="0"/>
-              <a:t>Военное авиационное училище (август 1940)</a:t>
-            </a:r>
-            <a:endParaRPr lang="ru-RU" sz="400" dirty="0"/>
-          </a:p>
-        </p:txBody>
-      </p:sp>
-      <p:sp>
-        <p:nvSpPr>
-          <p:cNvPr id="999" name="Прямоугольник 998">
-            <a:extLst>
-              <a:ext uri="{FF2B5EF4-FFF2-40B4-BE49-F238E27FC236}">
-                <a16:creationId xmlns:a16="http://schemas.microsoft.com/office/drawing/2014/main" id="{ED20F934-4F09-47D0-A5C3-475497C89CA8}"/>
-              </a:ext>
-            </a:extLst>
-          </p:cNvPr>
-          <p:cNvSpPr/>
-          <p:nvPr/>
-        </p:nvSpPr>
-        <p:spPr>
-          <a:xfrm>
-            <a:off x="260691" y="4162912"/>
-            <a:ext cx="926325" cy="540000"/>
-          </a:xfrm>
-          <a:prstGeom prst="rect">
-            <a:avLst/>
-          </a:prstGeom>
-          <a:noFill/>
-          <a:ln w="19050"/>
-        </p:spPr>
-        <p:style>
-          <a:lnRef idx="2">
-            <a:schemeClr val="accent1"/>
-          </a:lnRef>
-          <a:fillRef idx="1">
-            <a:schemeClr val="lt1"/>
-          </a:fillRef>
-          <a:effectRef idx="0">
-            <a:schemeClr val="accent1"/>
-          </a:effectRef>
-          <a:fontRef idx="minor">
-            <a:schemeClr val="dk1"/>
-          </a:fontRef>
-        </p:style>
-        <p:txBody>
-          <a:bodyPr lIns="124733" tIns="62367" rIns="124733" bIns="62367" rtlCol="0" anchor="ctr"/>
-          <a:lstStyle/>
-          <a:p>
-            <a:pPr algn="ctr"/>
-            <a:r>
-              <a:rPr lang="ru-RU" sz="700" dirty="0"/>
-              <a:t>Приобрести самолёты у США (1942) </a:t>
-            </a:r>
-          </a:p>
-          <a:p>
-            <a:pPr algn="ctr"/>
-            <a:r>
-              <a:rPr lang="ru-RU" sz="200" dirty="0"/>
-              <a:t>(С 1942 года небольшое количество учебно-тренировочных и транспортных средств было приобретено в Соединенных Штатах, а к 1945 году в общей сложности насчитывалось 20 самолетов)</a:t>
-            </a:r>
-            <a:endParaRPr lang="ru-RU" sz="400" dirty="0"/>
-          </a:p>
-        </p:txBody>
-      </p:sp>
-      <p:sp>
-        <p:nvSpPr>
-          <p:cNvPr id="1000" name="Прямоугольник 999">
-            <a:extLst>
-              <a:ext uri="{FF2B5EF4-FFF2-40B4-BE49-F238E27FC236}">
-                <a16:creationId xmlns:a16="http://schemas.microsoft.com/office/drawing/2014/main" id="{3031F683-9F5E-4938-B59B-3FA74405AA5D}"/>
-              </a:ext>
-            </a:extLst>
-          </p:cNvPr>
-          <p:cNvSpPr/>
-          <p:nvPr/>
-        </p:nvSpPr>
-        <p:spPr>
-          <a:xfrm>
-            <a:off x="1650174" y="4963581"/>
-            <a:ext cx="926325" cy="540000"/>
-          </a:xfrm>
-          <a:prstGeom prst="rect">
-            <a:avLst/>
-          </a:prstGeom>
-          <a:noFill/>
-          <a:ln w="19050"/>
-        </p:spPr>
-        <p:style>
-          <a:lnRef idx="2">
-            <a:schemeClr val="accent1"/>
-          </a:lnRef>
-          <a:fillRef idx="1">
-            <a:schemeClr val="lt1"/>
-          </a:fillRef>
-          <a:effectRef idx="0">
-            <a:schemeClr val="accent1"/>
-          </a:effectRef>
-          <a:fontRef idx="minor">
-            <a:schemeClr val="dk1"/>
-          </a:fontRef>
-        </p:style>
-        <p:txBody>
-          <a:bodyPr lIns="124733" tIns="62367" rIns="124733" bIns="62367" rtlCol="0" anchor="ctr"/>
-          <a:lstStyle/>
-          <a:p>
-            <a:pPr algn="ctr"/>
-            <a:r>
-              <a:rPr lang="ru-RU" sz="700" dirty="0"/>
-              <a:t>«Авиакомпания «</a:t>
-            </a:r>
-            <a:r>
-              <a:rPr lang="en-US" sz="700" dirty="0"/>
-              <a:t>LANICA»</a:t>
-            </a:r>
-            <a:r>
-              <a:rPr lang="ru-RU" sz="700" dirty="0"/>
-              <a:t> (июнь 1945) </a:t>
-            </a:r>
-          </a:p>
-          <a:p>
-            <a:pPr algn="ctr"/>
-            <a:r>
-              <a:rPr lang="ru-RU" sz="200" dirty="0" err="1"/>
-              <a:t>Líneas</a:t>
-            </a:r>
-            <a:r>
-              <a:rPr lang="ru-RU" sz="200" dirty="0"/>
-              <a:t> </a:t>
-            </a:r>
-            <a:r>
-              <a:rPr lang="ru-RU" sz="200" dirty="0" err="1"/>
-              <a:t>Aéreas</a:t>
-            </a:r>
-            <a:r>
-              <a:rPr lang="ru-RU" sz="200" dirty="0"/>
-              <a:t> </a:t>
-            </a:r>
-            <a:r>
-              <a:rPr lang="ru-RU" sz="200" dirty="0" err="1"/>
-              <a:t>de</a:t>
-            </a:r>
-            <a:r>
-              <a:rPr lang="ru-RU" sz="200" dirty="0"/>
-              <a:t> </a:t>
-            </a:r>
-            <a:r>
-              <a:rPr lang="ru-RU" sz="200" dirty="0" err="1"/>
-              <a:t>Nicaragua</a:t>
-            </a:r>
-            <a:r>
-              <a:rPr lang="ru-RU" sz="200" dirty="0"/>
-              <a:t> , действующая как LANICA , была авиакомпанией из Никарагуа . Штаб-квартира находится в столице Манагуа , она выполняла регулярные пассажирские рейсы в пределах Южной и Центральной Америки, а также в Соединенные Штаты.</a:t>
-            </a:r>
-            <a:endParaRPr lang="ru-RU" sz="400" dirty="0"/>
-          </a:p>
-        </p:txBody>
-      </p:sp>
-      <p:sp>
-        <p:nvSpPr>
-          <p:cNvPr id="1003" name="Прямоугольник 1002">
-            <a:extLst>
-              <a:ext uri="{FF2B5EF4-FFF2-40B4-BE49-F238E27FC236}">
-                <a16:creationId xmlns:a16="http://schemas.microsoft.com/office/drawing/2014/main" id="{6902397C-BDFE-4DCF-A1A2-FAE0B2626BDA}"/>
-              </a:ext>
-            </a:extLst>
-          </p:cNvPr>
-          <p:cNvSpPr/>
-          <p:nvPr/>
-        </p:nvSpPr>
-        <p:spPr>
-          <a:xfrm>
-            <a:off x="3728020" y="4162912"/>
-            <a:ext cx="926325" cy="540000"/>
-          </a:xfrm>
-          <a:prstGeom prst="rect">
-            <a:avLst/>
-          </a:prstGeom>
-          <a:noFill/>
-          <a:ln w="19050"/>
-        </p:spPr>
-        <p:style>
-          <a:lnRef idx="2">
-            <a:schemeClr val="accent1"/>
-          </a:lnRef>
-          <a:fillRef idx="1">
-            <a:schemeClr val="lt1"/>
-          </a:fillRef>
-          <a:effectRef idx="0">
-            <a:schemeClr val="accent1"/>
-          </a:effectRef>
-          <a:fontRef idx="minor">
-            <a:schemeClr val="dk1"/>
-          </a:fontRef>
-        </p:style>
-        <p:txBody>
-          <a:bodyPr lIns="124733" tIns="62367" rIns="124733" bIns="62367" rtlCol="0" anchor="ctr"/>
-          <a:lstStyle/>
-          <a:p>
-            <a:pPr algn="ctr"/>
-            <a:r>
-              <a:rPr lang="ru-RU" sz="700" dirty="0"/>
-              <a:t>Военно-морская база Атлантического побережья </a:t>
-            </a:r>
-            <a:br>
-              <a:rPr lang="ru-RU" sz="700" dirty="0"/>
-            </a:br>
-            <a:r>
-              <a:rPr lang="ru-RU" sz="200" dirty="0"/>
-              <a:t>(военно-морская база в Пуэрто-</a:t>
-            </a:r>
-            <a:r>
-              <a:rPr lang="ru-RU" sz="200" dirty="0" err="1"/>
-              <a:t>Кабесас</a:t>
-            </a:r>
-            <a:r>
-              <a:rPr lang="ru-RU" sz="200" dirty="0"/>
-              <a:t> — основное место базирования военно-морских сил на Атлантическом побережье)</a:t>
-            </a:r>
-            <a:endParaRPr lang="ru-RU" sz="400" dirty="0"/>
-          </a:p>
-        </p:txBody>
-      </p:sp>
-      <p:sp>
-        <p:nvSpPr>
-          <p:cNvPr id="1004" name="Прямоугольник 1003">
-            <a:extLst>
-              <a:ext uri="{FF2B5EF4-FFF2-40B4-BE49-F238E27FC236}">
-                <a16:creationId xmlns:a16="http://schemas.microsoft.com/office/drawing/2014/main" id="{69B79668-F64A-48E7-B6D8-046B42C5083A}"/>
-              </a:ext>
-            </a:extLst>
-          </p:cNvPr>
-          <p:cNvSpPr/>
-          <p:nvPr/>
-        </p:nvSpPr>
-        <p:spPr>
-          <a:xfrm>
-            <a:off x="3039666" y="3360313"/>
-            <a:ext cx="926325" cy="540000"/>
-          </a:xfrm>
-          <a:prstGeom prst="rect">
-            <a:avLst/>
-          </a:prstGeom>
-          <a:noFill/>
-          <a:ln w="19050"/>
-        </p:spPr>
-        <p:style>
-          <a:lnRef idx="2">
-            <a:schemeClr val="accent1"/>
-          </a:lnRef>
-          <a:fillRef idx="1">
-            <a:schemeClr val="lt1"/>
-          </a:fillRef>
-          <a:effectRef idx="0">
-            <a:schemeClr val="accent1"/>
-          </a:effectRef>
-          <a:fontRef idx="minor">
-            <a:schemeClr val="dk1"/>
-          </a:fontRef>
-        </p:style>
-        <p:txBody>
-          <a:bodyPr lIns="124733" tIns="62367" rIns="124733" bIns="62367" rtlCol="0" anchor="ctr"/>
-          <a:lstStyle/>
-          <a:p>
-            <a:pPr algn="ctr"/>
-            <a:r>
-              <a:rPr lang="ru-RU" sz="700" dirty="0"/>
-              <a:t>Военно-морская база Тихоокеанского побережья (1945) </a:t>
-            </a:r>
-            <a:r>
-              <a:rPr lang="ru-RU" sz="200" dirty="0"/>
-              <a:t>(В 1945 году США начали строительство военно-морской базы в порту </a:t>
-            </a:r>
-            <a:r>
-              <a:rPr lang="ru-RU" sz="200" dirty="0" err="1"/>
-              <a:t>Коринто</a:t>
-            </a:r>
-            <a:r>
-              <a:rPr lang="ru-RU" sz="200" dirty="0"/>
-              <a:t> на Тихоокеанском побережье Никарагуа.)</a:t>
-            </a:r>
-            <a:endParaRPr lang="ru-RU" sz="400" dirty="0"/>
-          </a:p>
-        </p:txBody>
-      </p:sp>
-      <p:sp>
-        <p:nvSpPr>
-          <p:cNvPr id="1006" name="Прямоугольник 1005">
-            <a:extLst>
-              <a:ext uri="{FF2B5EF4-FFF2-40B4-BE49-F238E27FC236}">
-                <a16:creationId xmlns:a16="http://schemas.microsoft.com/office/drawing/2014/main" id="{DBC3419A-22FA-43FF-B8B9-DD68FEBDCE02}"/>
-              </a:ext>
-            </a:extLst>
-          </p:cNvPr>
-          <p:cNvSpPr/>
-          <p:nvPr/>
-        </p:nvSpPr>
-        <p:spPr>
-          <a:xfrm>
-            <a:off x="3039666" y="2561574"/>
-            <a:ext cx="926325" cy="540000"/>
-          </a:xfrm>
-          <a:prstGeom prst="rect">
-            <a:avLst/>
-          </a:prstGeom>
-          <a:noFill/>
-          <a:ln w="19050"/>
-        </p:spPr>
-        <p:style>
-          <a:lnRef idx="2">
-            <a:schemeClr val="accent1"/>
-          </a:lnRef>
-          <a:fillRef idx="1">
-            <a:schemeClr val="lt1"/>
-          </a:fillRef>
-          <a:effectRef idx="0">
-            <a:schemeClr val="accent1"/>
-          </a:effectRef>
-          <a:fontRef idx="minor">
-            <a:schemeClr val="dk1"/>
-          </a:fontRef>
-        </p:style>
-        <p:txBody>
-          <a:bodyPr lIns="124733" tIns="62367" rIns="124733" bIns="62367" rtlCol="0" anchor="ctr"/>
-          <a:lstStyle/>
-          <a:p>
-            <a:pPr algn="ctr"/>
-            <a:r>
-              <a:rPr lang="ru-RU" sz="700" dirty="0"/>
-              <a:t>ВМС Никарагуа</a:t>
-            </a:r>
-            <a:endParaRPr lang="ru-RU" sz="400" dirty="0"/>
-          </a:p>
-        </p:txBody>
-      </p:sp>
-      <p:sp>
-        <p:nvSpPr>
-          <p:cNvPr id="1007" name="Прямоугольник 1006">
-            <a:extLst>
-              <a:ext uri="{FF2B5EF4-FFF2-40B4-BE49-F238E27FC236}">
-                <a16:creationId xmlns:a16="http://schemas.microsoft.com/office/drawing/2014/main" id="{16A1A0CD-EC27-4841-9CAC-A2951FA574D9}"/>
-              </a:ext>
-            </a:extLst>
-          </p:cNvPr>
-          <p:cNvSpPr/>
-          <p:nvPr/>
-        </p:nvSpPr>
-        <p:spPr>
-          <a:xfrm>
-            <a:off x="4429151" y="3360313"/>
-            <a:ext cx="926325" cy="540000"/>
-          </a:xfrm>
-          <a:prstGeom prst="rect">
-            <a:avLst/>
-          </a:prstGeom>
-          <a:noFill/>
-          <a:ln w="19050"/>
-        </p:spPr>
-        <p:style>
-          <a:lnRef idx="2">
-            <a:schemeClr val="accent1"/>
-          </a:lnRef>
-          <a:fillRef idx="1">
-            <a:schemeClr val="lt1"/>
-          </a:fillRef>
-          <a:effectRef idx="0">
-            <a:schemeClr val="accent1"/>
-          </a:effectRef>
-          <a:fontRef idx="minor">
-            <a:schemeClr val="dk1"/>
-          </a:fontRef>
-        </p:style>
-        <p:txBody>
-          <a:bodyPr lIns="124733" tIns="62367" rIns="124733" bIns="62367" rtlCol="0" anchor="ctr"/>
-          <a:lstStyle/>
-          <a:p>
-            <a:pPr algn="ctr"/>
-            <a:r>
-              <a:rPr lang="ru-RU" sz="700" dirty="0"/>
-              <a:t>Закупка чехословацких винтовок (1937) </a:t>
-            </a:r>
-          </a:p>
-          <a:p>
-            <a:pPr algn="ctr"/>
-            <a:r>
-              <a:rPr lang="ru-RU" sz="300" dirty="0"/>
-              <a:t>(В 1937 году в Чехословакии было куплено 1 тыс. 7,92-мм винтовок "vz.24"[7].)</a:t>
-            </a:r>
-            <a:endParaRPr lang="ru-RU" sz="400" dirty="0"/>
-          </a:p>
-        </p:txBody>
-      </p:sp>
-      <p:sp>
-        <p:nvSpPr>
-          <p:cNvPr id="1008" name="Прямоугольник 1007">
-            <a:extLst>
-              <a:ext uri="{FF2B5EF4-FFF2-40B4-BE49-F238E27FC236}">
-                <a16:creationId xmlns:a16="http://schemas.microsoft.com/office/drawing/2014/main" id="{E382042E-E28F-4CC0-86C4-7327A76B1C30}"/>
-              </a:ext>
-            </a:extLst>
-          </p:cNvPr>
-          <p:cNvSpPr/>
-          <p:nvPr/>
-        </p:nvSpPr>
-        <p:spPr>
-          <a:xfrm>
-            <a:off x="5818647" y="4159052"/>
-            <a:ext cx="926325" cy="540000"/>
-          </a:xfrm>
-          <a:prstGeom prst="rect">
-            <a:avLst/>
-          </a:prstGeom>
-          <a:noFill/>
-          <a:ln w="19050"/>
-        </p:spPr>
-        <p:style>
-          <a:lnRef idx="2">
-            <a:schemeClr val="accent1"/>
-          </a:lnRef>
-          <a:fillRef idx="1">
-            <a:schemeClr val="lt1"/>
-          </a:fillRef>
-          <a:effectRef idx="0">
-            <a:schemeClr val="accent1"/>
-          </a:effectRef>
-          <a:fontRef idx="minor">
-            <a:schemeClr val="dk1"/>
-          </a:fontRef>
-        </p:style>
-        <p:txBody>
-          <a:bodyPr lIns="124733" tIns="62367" rIns="124733" bIns="62367" rtlCol="0" anchor="ctr"/>
-          <a:lstStyle/>
-          <a:p>
-            <a:pPr algn="ctr"/>
-            <a:r>
-              <a:rPr lang="ru-RU" sz="700" dirty="0"/>
-              <a:t>Американский ленд-лиз</a:t>
-            </a:r>
-            <a:endParaRPr lang="ru-RU" sz="400" dirty="0"/>
-          </a:p>
-        </p:txBody>
-      </p:sp>
-      <p:sp>
-        <p:nvSpPr>
-          <p:cNvPr id="1009" name="Прямоугольник 1008">
-            <a:extLst>
-              <a:ext uri="{FF2B5EF4-FFF2-40B4-BE49-F238E27FC236}">
-                <a16:creationId xmlns:a16="http://schemas.microsoft.com/office/drawing/2014/main" id="{D6B9B13E-4EC1-48C5-9D81-8A7DC0201F74}"/>
-              </a:ext>
-            </a:extLst>
-          </p:cNvPr>
-          <p:cNvSpPr/>
-          <p:nvPr/>
-        </p:nvSpPr>
-        <p:spPr>
-          <a:xfrm>
-            <a:off x="7208131" y="3360313"/>
-            <a:ext cx="926325" cy="540000"/>
-          </a:xfrm>
-          <a:prstGeom prst="rect">
-            <a:avLst/>
-          </a:prstGeom>
-          <a:noFill/>
-          <a:ln w="19050"/>
-        </p:spPr>
-        <p:style>
-          <a:lnRef idx="2">
-            <a:schemeClr val="accent1"/>
-          </a:lnRef>
-          <a:fillRef idx="1">
-            <a:schemeClr val="lt1"/>
-          </a:fillRef>
-          <a:effectRef idx="0">
-            <a:schemeClr val="accent1"/>
-          </a:effectRef>
-          <a:fontRef idx="minor">
-            <a:schemeClr val="dk1"/>
-          </a:fontRef>
-        </p:style>
-        <p:txBody>
-          <a:bodyPr lIns="124733" tIns="62367" rIns="124733" bIns="62367" rtlCol="0" anchor="ctr"/>
-          <a:lstStyle/>
-          <a:p>
-            <a:pPr algn="ctr"/>
-            <a:r>
-              <a:rPr lang="ru-RU" sz="700" dirty="0"/>
-              <a:t>Сотрудничество с Италией </a:t>
-            </a:r>
-            <a:r>
-              <a:rPr lang="ru-RU" sz="400" dirty="0"/>
-              <a:t>(В 1930-е годы из Италии было получено две танкетки </a:t>
-            </a:r>
-            <a:r>
-              <a:rPr lang="ru-RU" sz="400" dirty="0" err="1"/>
-              <a:t>Carro</a:t>
-            </a:r>
-            <a:r>
-              <a:rPr lang="ru-RU" sz="400" dirty="0"/>
-              <a:t> CV3/33.)</a:t>
-            </a:r>
-          </a:p>
-        </p:txBody>
-      </p:sp>
-      <p:sp>
-        <p:nvSpPr>
-          <p:cNvPr id="1010" name="Прямоугольник 1009">
-            <a:extLst>
-              <a:ext uri="{FF2B5EF4-FFF2-40B4-BE49-F238E27FC236}">
-                <a16:creationId xmlns:a16="http://schemas.microsoft.com/office/drawing/2014/main" id="{EB093940-7B32-4F48-90D9-92C619CCC27C}"/>
-              </a:ext>
-            </a:extLst>
-          </p:cNvPr>
-          <p:cNvSpPr/>
-          <p:nvPr/>
-        </p:nvSpPr>
-        <p:spPr>
-          <a:xfrm>
-            <a:off x="955431" y="8355769"/>
+            <a:off x="4429151" y="2555738"/>
             <a:ext cx="926325" cy="540000"/>
           </a:xfrm>
           <a:prstGeom prst="rect">
@@ -4653,544 +3854,31 @@
             <a:pPr algn="ctr"/>
             <a:r>
               <a:rPr lang="ru-RU" sz="700" dirty="0"/>
-              <a:t>Упростить обмен валюты (октябрь 1936) </a:t>
-            </a:r>
-            <a:r>
-              <a:rPr lang="ru-RU" sz="100" dirty="0"/>
-              <a:t>(Первое, что сделал новый фактический хозяин страны, — внимательно прислушался к пожеланиям крупного бизнеса относительно изменения </a:t>
-            </a:r>
-            <a:r>
-              <a:rPr lang="ru-RU" sz="100" dirty="0" err="1"/>
-              <a:t>ва</a:t>
-            </a:r>
-            <a:r>
-              <a:rPr lang="ru-RU" sz="100" dirty="0"/>
-              <a:t>-</a:t>
-            </a:r>
-            <a:r>
-              <a:rPr lang="ru-RU" sz="100" dirty="0" err="1"/>
-              <a:t>лютно</a:t>
-            </a:r>
-            <a:r>
-              <a:rPr lang="ru-RU" sz="100" dirty="0"/>
-              <a:t>-финансовой политики. В октябре 1936 года был упрощен обмен кордоб на доллары. Экспортеры отныне могли сохранять 70% своей валютной </a:t>
-            </a:r>
-            <a:r>
-              <a:rPr lang="ru-RU" sz="100" dirty="0" err="1"/>
-              <a:t>выруч¬ки</a:t>
-            </a:r>
-            <a:r>
-              <a:rPr lang="ru-RU" sz="100" dirty="0"/>
-              <a:t> в долларах и продавать их по рыночному курсу. Остальные 30% надо было по-прежнему сдавать в Национальный банк по официальному курсу 1:1 (ранее сдавалась вся выручка). Таким образом, экспортеры могли существенно </a:t>
-            </a:r>
-            <a:r>
-              <a:rPr lang="ru-RU" sz="100" dirty="0" err="1"/>
-              <a:t>увели¬чить</a:t>
-            </a:r>
-            <a:r>
-              <a:rPr lang="ru-RU" sz="100" dirty="0"/>
-              <a:t> свои доходы, поскольку курс черного рынка был 1,75 кордобы за доллар)</a:t>
+              <a:t>Национальная гвардия (1936</a:t>
+            </a:r>
+            <a:r>
+              <a:rPr lang="ru-RU" sz="700" dirty="0" smtClean="0"/>
+              <a:t>)</a:t>
             </a:r>
             <a:endParaRPr lang="ru-RU" sz="400" dirty="0"/>
           </a:p>
         </p:txBody>
       </p:sp>
-      <p:cxnSp>
-        <p:nvCxnSpPr>
-          <p:cNvPr id="1011" name="Прямая со стрелкой 1010">
-            <a:extLst>
-              <a:ext uri="{FF2B5EF4-FFF2-40B4-BE49-F238E27FC236}">
-                <a16:creationId xmlns:a16="http://schemas.microsoft.com/office/drawing/2014/main" id="{6FF1BA7F-812C-44A5-BEC2-31F4B6F55538}"/>
-              </a:ext>
-            </a:extLst>
-          </p:cNvPr>
-          <p:cNvCxnSpPr>
-            <a:cxnSpLocks/>
-            <a:stCxn id="1006" idx="2"/>
-            <a:endCxn id="1004" idx="0"/>
-          </p:cNvCxnSpPr>
-          <p:nvPr/>
-        </p:nvCxnSpPr>
+      <p:sp>
+        <p:nvSpPr>
+          <p:cNvPr id="996" name="Прямоугольник 995">
+            <a:extLst>
+              <a:ext uri="{FF2B5EF4-FFF2-40B4-BE49-F238E27FC236}">
+                <a16:creationId xmlns="" xmlns:a16="http://schemas.microsoft.com/office/drawing/2014/main" id="{0A3E31CE-1F95-493B-99B8-75E1E74691B0}"/>
+              </a:ext>
+            </a:extLst>
+          </p:cNvPr>
+          <p:cNvSpPr/>
+          <p:nvPr/>
+        </p:nvSpPr>
         <p:spPr>
           <a:xfrm>
-            <a:off x="3502829" y="3101574"/>
-            <a:ext cx="0" cy="258739"/>
-          </a:xfrm>
-          <a:prstGeom prst="straightConnector1">
-            <a:avLst/>
-          </a:prstGeom>
-          <a:ln w="19050">
-            <a:tailEnd type="arrow"/>
-          </a:ln>
-        </p:spPr>
-        <p:style>
-          <a:lnRef idx="1">
-            <a:schemeClr val="accent1"/>
-          </a:lnRef>
-          <a:fillRef idx="0">
-            <a:schemeClr val="accent1"/>
-          </a:fillRef>
-          <a:effectRef idx="0">
-            <a:schemeClr val="accent1"/>
-          </a:effectRef>
-          <a:fontRef idx="minor">
-            <a:schemeClr val="tx1"/>
-          </a:fontRef>
-        </p:style>
-      </p:cxnSp>
-      <p:cxnSp>
-        <p:nvCxnSpPr>
-          <p:cNvPr id="1012" name="Соединительная линия уступом 903">
-            <a:extLst>
-              <a:ext uri="{FF2B5EF4-FFF2-40B4-BE49-F238E27FC236}">
-                <a16:creationId xmlns:a16="http://schemas.microsoft.com/office/drawing/2014/main" id="{61CC6BA5-39EA-4B23-A209-0E7E8DB14AB7}"/>
-              </a:ext>
-            </a:extLst>
-          </p:cNvPr>
-          <p:cNvCxnSpPr>
-            <a:cxnSpLocks/>
-            <a:stCxn id="860" idx="2"/>
-            <a:endCxn id="998" idx="0"/>
-          </p:cNvCxnSpPr>
-          <p:nvPr/>
-        </p:nvCxnSpPr>
-        <p:spPr>
-          <a:xfrm rot="5400000">
-            <a:off x="1288264" y="2537164"/>
-            <a:ext cx="260669" cy="1389488"/>
-          </a:xfrm>
-          <a:prstGeom prst="bentConnector3">
-            <a:avLst>
-              <a:gd name="adj1" fmla="val 50000"/>
-            </a:avLst>
-          </a:prstGeom>
-          <a:ln w="19050">
-            <a:tailEnd type="arrow"/>
-          </a:ln>
-        </p:spPr>
-        <p:style>
-          <a:lnRef idx="1">
-            <a:schemeClr val="accent1"/>
-          </a:lnRef>
-          <a:fillRef idx="0">
-            <a:schemeClr val="accent1"/>
-          </a:fillRef>
-          <a:effectRef idx="0">
-            <a:schemeClr val="accent1"/>
-          </a:effectRef>
-          <a:fontRef idx="minor">
-            <a:schemeClr val="tx1"/>
-          </a:fontRef>
-        </p:style>
-      </p:cxnSp>
-      <p:cxnSp>
-        <p:nvCxnSpPr>
-          <p:cNvPr id="1014" name="Прямая со стрелкой 1013">
-            <a:extLst>
-              <a:ext uri="{FF2B5EF4-FFF2-40B4-BE49-F238E27FC236}">
-                <a16:creationId xmlns:a16="http://schemas.microsoft.com/office/drawing/2014/main" id="{DE622A39-F9DB-4104-B64D-4660F6424C79}"/>
-              </a:ext>
-            </a:extLst>
-          </p:cNvPr>
-          <p:cNvCxnSpPr>
-            <a:cxnSpLocks/>
-            <a:stCxn id="998" idx="2"/>
-            <a:endCxn id="999" idx="0"/>
-          </p:cNvCxnSpPr>
-          <p:nvPr/>
-        </p:nvCxnSpPr>
-        <p:spPr>
-          <a:xfrm>
-            <a:off x="723854" y="3902243"/>
-            <a:ext cx="0" cy="260669"/>
-          </a:xfrm>
-          <a:prstGeom prst="straightConnector1">
-            <a:avLst/>
-          </a:prstGeom>
-          <a:ln w="19050">
-            <a:tailEnd type="arrow"/>
-          </a:ln>
-        </p:spPr>
-        <p:style>
-          <a:lnRef idx="1">
-            <a:schemeClr val="accent1"/>
-          </a:lnRef>
-          <a:fillRef idx="0">
-            <a:schemeClr val="accent1"/>
-          </a:fillRef>
-          <a:effectRef idx="0">
-            <a:schemeClr val="accent1"/>
-          </a:effectRef>
-          <a:fontRef idx="minor">
-            <a:schemeClr val="tx1"/>
-          </a:fontRef>
-        </p:style>
-      </p:cxnSp>
-      <p:cxnSp>
-        <p:nvCxnSpPr>
-          <p:cNvPr id="1015" name="Прямая со стрелкой 1014">
-            <a:extLst>
-              <a:ext uri="{FF2B5EF4-FFF2-40B4-BE49-F238E27FC236}">
-                <a16:creationId xmlns:a16="http://schemas.microsoft.com/office/drawing/2014/main" id="{F4E65FFA-5006-43A8-9BFD-FFB14F085370}"/>
-              </a:ext>
-            </a:extLst>
-          </p:cNvPr>
-          <p:cNvCxnSpPr>
-            <a:cxnSpLocks/>
-            <a:stCxn id="999" idx="2"/>
-            <a:endCxn id="994" idx="0"/>
-          </p:cNvCxnSpPr>
-          <p:nvPr/>
-        </p:nvCxnSpPr>
-        <p:spPr>
-          <a:xfrm>
-            <a:off x="723854" y="4702912"/>
-            <a:ext cx="0" cy="260669"/>
-          </a:xfrm>
-          <a:prstGeom prst="straightConnector1">
-            <a:avLst/>
-          </a:prstGeom>
-          <a:ln w="19050">
-            <a:tailEnd type="arrow"/>
-          </a:ln>
-        </p:spPr>
-        <p:style>
-          <a:lnRef idx="1">
-            <a:schemeClr val="accent1"/>
-          </a:lnRef>
-          <a:fillRef idx="0">
-            <a:schemeClr val="accent1"/>
-          </a:fillRef>
-          <a:effectRef idx="0">
-            <a:schemeClr val="accent1"/>
-          </a:effectRef>
-          <a:fontRef idx="minor">
-            <a:schemeClr val="tx1"/>
-          </a:fontRef>
-        </p:style>
-      </p:cxnSp>
-      <p:cxnSp>
-        <p:nvCxnSpPr>
-          <p:cNvPr id="1016" name="Прямая со стрелкой 1015">
-            <a:extLst>
-              <a:ext uri="{FF2B5EF4-FFF2-40B4-BE49-F238E27FC236}">
-                <a16:creationId xmlns:a16="http://schemas.microsoft.com/office/drawing/2014/main" id="{CC2FBAD9-0DAC-475C-84AF-B8C4D7F7CD36}"/>
-              </a:ext>
-            </a:extLst>
-          </p:cNvPr>
-          <p:cNvCxnSpPr>
-            <a:cxnSpLocks/>
-            <a:stCxn id="987" idx="2"/>
-            <a:endCxn id="991" idx="0"/>
-          </p:cNvCxnSpPr>
-          <p:nvPr/>
-        </p:nvCxnSpPr>
-        <p:spPr>
-          <a:xfrm flipH="1">
-            <a:off x="2113337" y="3902243"/>
-            <a:ext cx="5" cy="260669"/>
-          </a:xfrm>
-          <a:prstGeom prst="straightConnector1">
-            <a:avLst/>
-          </a:prstGeom>
-          <a:ln w="19050">
-            <a:tailEnd type="arrow"/>
-          </a:ln>
-        </p:spPr>
-        <p:style>
-          <a:lnRef idx="1">
-            <a:schemeClr val="accent1"/>
-          </a:lnRef>
-          <a:fillRef idx="0">
-            <a:schemeClr val="accent1"/>
-          </a:fillRef>
-          <a:effectRef idx="0">
-            <a:schemeClr val="accent1"/>
-          </a:effectRef>
-          <a:fontRef idx="minor">
-            <a:schemeClr val="tx1"/>
-          </a:fontRef>
-        </p:style>
-      </p:cxnSp>
-      <p:cxnSp>
-        <p:nvCxnSpPr>
-          <p:cNvPr id="1017" name="Прямая со стрелкой 1016">
-            <a:extLst>
-              <a:ext uri="{FF2B5EF4-FFF2-40B4-BE49-F238E27FC236}">
-                <a16:creationId xmlns:a16="http://schemas.microsoft.com/office/drawing/2014/main" id="{7F5BA024-9E61-46B2-B19B-838E6AB850FD}"/>
-              </a:ext>
-            </a:extLst>
-          </p:cNvPr>
-          <p:cNvCxnSpPr>
-            <a:cxnSpLocks/>
-            <a:stCxn id="991" idx="2"/>
-            <a:endCxn id="1000" idx="0"/>
-          </p:cNvCxnSpPr>
-          <p:nvPr/>
-        </p:nvCxnSpPr>
-        <p:spPr>
-          <a:xfrm>
-            <a:off x="2113337" y="4702912"/>
-            <a:ext cx="0" cy="260669"/>
-          </a:xfrm>
-          <a:prstGeom prst="straightConnector1">
-            <a:avLst/>
-          </a:prstGeom>
-          <a:ln w="19050">
-            <a:tailEnd type="arrow"/>
-          </a:ln>
-        </p:spPr>
-        <p:style>
-          <a:lnRef idx="1">
-            <a:schemeClr val="accent1"/>
-          </a:lnRef>
-          <a:fillRef idx="0">
-            <a:schemeClr val="accent1"/>
-          </a:fillRef>
-          <a:effectRef idx="0">
-            <a:schemeClr val="accent1"/>
-          </a:effectRef>
-          <a:fontRef idx="minor">
-            <a:schemeClr val="tx1"/>
-          </a:fontRef>
-        </p:style>
-      </p:cxnSp>
-      <p:cxnSp>
-        <p:nvCxnSpPr>
-          <p:cNvPr id="1018" name="Соединительная линия уступом 903">
-            <a:extLst>
-              <a:ext uri="{FF2B5EF4-FFF2-40B4-BE49-F238E27FC236}">
-                <a16:creationId xmlns:a16="http://schemas.microsoft.com/office/drawing/2014/main" id="{D9E9FE67-1272-43E5-98D8-86DDB97DE61E}"/>
-              </a:ext>
-            </a:extLst>
-          </p:cNvPr>
-          <p:cNvCxnSpPr>
-            <a:cxnSpLocks/>
-            <a:stCxn id="1006" idx="2"/>
-            <a:endCxn id="1003" idx="0"/>
-          </p:cNvCxnSpPr>
-          <p:nvPr/>
-        </p:nvCxnSpPr>
-        <p:spPr>
-          <a:xfrm rot="16200000" flipH="1">
-            <a:off x="3316337" y="3288066"/>
-            <a:ext cx="1061338" cy="688354"/>
-          </a:xfrm>
-          <a:prstGeom prst="bentConnector3">
-            <a:avLst>
-              <a:gd name="adj1" fmla="val 8851"/>
-            </a:avLst>
-          </a:prstGeom>
-          <a:ln w="19050">
-            <a:tailEnd type="arrow"/>
-          </a:ln>
-        </p:spPr>
-        <p:style>
-          <a:lnRef idx="1">
-            <a:schemeClr val="accent1"/>
-          </a:lnRef>
-          <a:fillRef idx="0">
-            <a:schemeClr val="accent1"/>
-          </a:fillRef>
-          <a:effectRef idx="0">
-            <a:schemeClr val="accent1"/>
-          </a:effectRef>
-          <a:fontRef idx="minor">
-            <a:schemeClr val="tx1"/>
-          </a:fontRef>
-        </p:style>
-      </p:cxnSp>
-      <p:cxnSp>
-        <p:nvCxnSpPr>
-          <p:cNvPr id="1019" name="Прямая со стрелкой 1018">
-            <a:extLst>
-              <a:ext uri="{FF2B5EF4-FFF2-40B4-BE49-F238E27FC236}">
-                <a16:creationId xmlns:a16="http://schemas.microsoft.com/office/drawing/2014/main" id="{59266080-AC10-42CA-B68E-CEDF802FA3D3}"/>
-              </a:ext>
-            </a:extLst>
-          </p:cNvPr>
-          <p:cNvCxnSpPr>
-            <a:cxnSpLocks/>
-            <a:stCxn id="995" idx="2"/>
-            <a:endCxn id="996" idx="0"/>
-          </p:cNvCxnSpPr>
-          <p:nvPr/>
-        </p:nvCxnSpPr>
-        <p:spPr>
-          <a:xfrm>
-            <a:off x="6281810" y="3101574"/>
-            <a:ext cx="0" cy="258739"/>
-          </a:xfrm>
-          <a:prstGeom prst="straightConnector1">
-            <a:avLst/>
-          </a:prstGeom>
-          <a:ln w="19050">
-            <a:tailEnd type="arrow"/>
-          </a:ln>
-        </p:spPr>
-        <p:style>
-          <a:lnRef idx="1">
-            <a:schemeClr val="accent1"/>
-          </a:lnRef>
-          <a:fillRef idx="0">
-            <a:schemeClr val="accent1"/>
-          </a:fillRef>
-          <a:effectRef idx="0">
-            <a:schemeClr val="accent1"/>
-          </a:effectRef>
-          <a:fontRef idx="minor">
-            <a:schemeClr val="tx1"/>
-          </a:fontRef>
-        </p:style>
-      </p:cxnSp>
-      <p:cxnSp>
-        <p:nvCxnSpPr>
-          <p:cNvPr id="1020" name="Соединительная линия уступом 903">
-            <a:extLst>
-              <a:ext uri="{FF2B5EF4-FFF2-40B4-BE49-F238E27FC236}">
-                <a16:creationId xmlns:a16="http://schemas.microsoft.com/office/drawing/2014/main" id="{62E8E398-7627-44D2-9D70-5C4E18D9492C}"/>
-              </a:ext>
-            </a:extLst>
-          </p:cNvPr>
-          <p:cNvCxnSpPr>
-            <a:cxnSpLocks/>
-            <a:stCxn id="995" idx="2"/>
-            <a:endCxn id="1007" idx="0"/>
-          </p:cNvCxnSpPr>
-          <p:nvPr/>
-        </p:nvCxnSpPr>
-        <p:spPr>
-          <a:xfrm rot="5400000">
-            <a:off x="5457693" y="2536195"/>
-            <a:ext cx="258739" cy="1389496"/>
-          </a:xfrm>
-          <a:prstGeom prst="bentConnector3">
-            <a:avLst>
-              <a:gd name="adj1" fmla="val 50000"/>
-            </a:avLst>
-          </a:prstGeom>
-          <a:ln w="19050">
-            <a:tailEnd type="arrow"/>
-          </a:ln>
-        </p:spPr>
-        <p:style>
-          <a:lnRef idx="1">
-            <a:schemeClr val="accent1"/>
-          </a:lnRef>
-          <a:fillRef idx="0">
-            <a:schemeClr val="accent1"/>
-          </a:fillRef>
-          <a:effectRef idx="0">
-            <a:schemeClr val="accent1"/>
-          </a:effectRef>
-          <a:fontRef idx="minor">
-            <a:schemeClr val="tx1"/>
-          </a:fontRef>
-        </p:style>
-      </p:cxnSp>
-      <p:cxnSp>
-        <p:nvCxnSpPr>
-          <p:cNvPr id="1021" name="Соединительная линия уступом 903">
-            <a:extLst>
-              <a:ext uri="{FF2B5EF4-FFF2-40B4-BE49-F238E27FC236}">
-                <a16:creationId xmlns:a16="http://schemas.microsoft.com/office/drawing/2014/main" id="{BDC7F8CB-0052-4FAE-993D-F1332955CF43}"/>
-              </a:ext>
-            </a:extLst>
-          </p:cNvPr>
-          <p:cNvCxnSpPr>
-            <a:cxnSpLocks/>
-            <a:stCxn id="995" idx="2"/>
-            <a:endCxn id="1009" idx="0"/>
-          </p:cNvCxnSpPr>
-          <p:nvPr/>
-        </p:nvCxnSpPr>
-        <p:spPr>
-          <a:xfrm rot="16200000" flipH="1">
-            <a:off x="6847183" y="2536201"/>
-            <a:ext cx="258739" cy="1389484"/>
-          </a:xfrm>
-          <a:prstGeom prst="bentConnector3">
-            <a:avLst>
-              <a:gd name="adj1" fmla="val 50000"/>
-            </a:avLst>
-          </a:prstGeom>
-          <a:ln w="19050">
-            <a:tailEnd type="arrow"/>
-          </a:ln>
-        </p:spPr>
-        <p:style>
-          <a:lnRef idx="1">
-            <a:schemeClr val="accent1"/>
-          </a:lnRef>
-          <a:fillRef idx="0">
-            <a:schemeClr val="accent1"/>
-          </a:fillRef>
-          <a:effectRef idx="0">
-            <a:schemeClr val="accent1"/>
-          </a:effectRef>
-          <a:fontRef idx="minor">
-            <a:schemeClr val="tx1"/>
-          </a:fontRef>
-        </p:style>
-      </p:cxnSp>
-      <p:cxnSp>
-        <p:nvCxnSpPr>
-          <p:cNvPr id="1022" name="Прямая со стрелкой 1021">
-            <a:extLst>
-              <a:ext uri="{FF2B5EF4-FFF2-40B4-BE49-F238E27FC236}">
-                <a16:creationId xmlns:a16="http://schemas.microsoft.com/office/drawing/2014/main" id="{11E09268-6642-4446-BE40-6FEF2498A4ED}"/>
-              </a:ext>
-            </a:extLst>
-          </p:cNvPr>
-          <p:cNvCxnSpPr>
-            <a:cxnSpLocks/>
-            <a:stCxn id="996" idx="2"/>
-            <a:endCxn id="1008" idx="0"/>
-          </p:cNvCxnSpPr>
-          <p:nvPr/>
-        </p:nvCxnSpPr>
-        <p:spPr>
-          <a:xfrm>
-            <a:off x="6281810" y="3900313"/>
-            <a:ext cx="0" cy="258739"/>
-          </a:xfrm>
-          <a:prstGeom prst="straightConnector1">
-            <a:avLst/>
-          </a:prstGeom>
-          <a:ln w="19050">
-            <a:tailEnd type="arrow"/>
-          </a:ln>
-        </p:spPr>
-        <p:style>
-          <a:lnRef idx="1">
-            <a:schemeClr val="accent1"/>
-          </a:lnRef>
-          <a:fillRef idx="0">
-            <a:schemeClr val="accent1"/>
-          </a:fillRef>
-          <a:effectRef idx="0">
-            <a:schemeClr val="accent1"/>
-          </a:effectRef>
-          <a:fontRef idx="minor">
-            <a:schemeClr val="tx1"/>
-          </a:fontRef>
-        </p:style>
-      </p:cxnSp>
-      <p:sp>
-        <p:nvSpPr>
-          <p:cNvPr id="34" name="Прямоугольник 33">
-            <a:extLst>
-              <a:ext uri="{FF2B5EF4-FFF2-40B4-BE49-F238E27FC236}">
-                <a16:creationId xmlns:a16="http://schemas.microsoft.com/office/drawing/2014/main" id="{59ACB422-97FE-4024-8EC7-A17F82AC2F7B}"/>
-              </a:ext>
-            </a:extLst>
-          </p:cNvPr>
-          <p:cNvSpPr/>
-          <p:nvPr/>
-        </p:nvSpPr>
-        <p:spPr>
-          <a:xfrm>
-            <a:off x="7208130" y="5781553"/>
+            <a:off x="5127603" y="3364173"/>
             <a:ext cx="926325" cy="540000"/>
           </a:xfrm>
           <a:prstGeom prst="rect">
@@ -5220,7 +3908,11 @@
             <a:pPr algn="ctr"/>
             <a:r>
               <a:rPr lang="ru-RU" sz="700" dirty="0"/>
-              <a:t>Основать ипотечный банк</a:t>
+              <a:t>Никарагуанская военная академия (1939) </a:t>
+            </a:r>
+            <a:r>
+              <a:rPr lang="ru-RU" sz="100" dirty="0" smtClean="0"/>
+              <a:t>(</a:t>
             </a:r>
             <a:endParaRPr lang="ru-RU" sz="400" dirty="0"/>
           </a:p>
@@ -5228,10 +3920,10 @@
       </p:sp>
       <p:sp>
         <p:nvSpPr>
-          <p:cNvPr id="35" name="Прямоугольник 34">
-            <a:extLst>
-              <a:ext uri="{FF2B5EF4-FFF2-40B4-BE49-F238E27FC236}">
-                <a16:creationId xmlns:a16="http://schemas.microsoft.com/office/drawing/2014/main" id="{8F6B01E8-2051-4659-A9F2-6CCFEACACA21}"/>
+          <p:cNvPr id="998" name="Прямоугольник 997">
+            <a:extLst>
+              <a:ext uri="{FF2B5EF4-FFF2-40B4-BE49-F238E27FC236}">
+                <a16:creationId xmlns="" xmlns:a16="http://schemas.microsoft.com/office/drawing/2014/main" id="{D1BF57CA-E69C-44E3-AAB9-85050AFD605D}"/>
               </a:ext>
             </a:extLst>
           </p:cNvPr>
@@ -5240,7 +3932,7 @@
         </p:nvSpPr>
         <p:spPr>
           <a:xfrm>
-            <a:off x="7208129" y="6570566"/>
+            <a:off x="260691" y="3362243"/>
             <a:ext cx="926325" cy="540000"/>
           </a:xfrm>
           <a:prstGeom prst="rect">
@@ -5270,7 +3962,7 @@
             <a:pPr algn="ctr"/>
             <a:r>
               <a:rPr lang="ru-RU" sz="700" dirty="0"/>
-              <a:t>Основать национальную кассу народного кредитования</a:t>
+              <a:t>Военное авиационное училище (август 1940)</a:t>
             </a:r>
             <a:endParaRPr lang="ru-RU" sz="400" dirty="0"/>
           </a:p>
@@ -5278,10 +3970,10 @@
       </p:sp>
       <p:sp>
         <p:nvSpPr>
-          <p:cNvPr id="36" name="Прямоугольник 35">
-            <a:extLst>
-              <a:ext uri="{FF2B5EF4-FFF2-40B4-BE49-F238E27FC236}">
-                <a16:creationId xmlns:a16="http://schemas.microsoft.com/office/drawing/2014/main" id="{9367D27D-AEBB-46B0-A932-DCEBE1910C36}"/>
+          <p:cNvPr id="999" name="Прямоугольник 998">
+            <a:extLst>
+              <a:ext uri="{FF2B5EF4-FFF2-40B4-BE49-F238E27FC236}">
+                <a16:creationId xmlns="" xmlns:a16="http://schemas.microsoft.com/office/drawing/2014/main" id="{ED20F934-4F09-47D0-A5C3-475497C89CA8}"/>
               </a:ext>
             </a:extLst>
           </p:cNvPr>
@@ -5290,7 +3982,7 @@
         </p:nvSpPr>
         <p:spPr>
           <a:xfrm>
-            <a:off x="5818647" y="6570566"/>
+            <a:off x="260691" y="4162912"/>
             <a:ext cx="926325" cy="540000"/>
           </a:xfrm>
           <a:prstGeom prst="rect">
@@ -5320,18 +4012,22 @@
             <a:pPr algn="ctr"/>
             <a:r>
               <a:rPr lang="ru-RU" sz="700" dirty="0"/>
-              <a:t>Учредить национальное издательство</a:t>
-            </a:r>
-            <a:endParaRPr lang="ru-RU" sz="400" dirty="0"/>
-          </a:p>
-        </p:txBody>
-      </p:sp>
-      <p:sp>
-        <p:nvSpPr>
-          <p:cNvPr id="37" name="Прямоугольник 36">
-            <a:extLst>
-              <a:ext uri="{FF2B5EF4-FFF2-40B4-BE49-F238E27FC236}">
-                <a16:creationId xmlns:a16="http://schemas.microsoft.com/office/drawing/2014/main" id="{97D21FA9-0A99-4302-9C8A-886C2A95D444}"/>
+              <a:t>Приобрести самолёты у США (1942</a:t>
+            </a:r>
+            <a:r>
+              <a:rPr lang="ru-RU" sz="700" dirty="0" smtClean="0"/>
+              <a:t>)</a:t>
+            </a:r>
+            <a:endParaRPr lang="ru-RU" sz="700" dirty="0"/>
+          </a:p>
+        </p:txBody>
+      </p:sp>
+      <p:sp>
+        <p:nvSpPr>
+          <p:cNvPr id="1000" name="Прямоугольник 999">
+            <a:extLst>
+              <a:ext uri="{FF2B5EF4-FFF2-40B4-BE49-F238E27FC236}">
+                <a16:creationId xmlns="" xmlns:a16="http://schemas.microsoft.com/office/drawing/2014/main" id="{3031F683-9F5E-4938-B59B-3FA74405AA5D}"/>
               </a:ext>
             </a:extLst>
           </p:cNvPr>
@@ -5340,7 +4036,7 @@
         </p:nvSpPr>
         <p:spPr>
           <a:xfrm>
-            <a:off x="4429151" y="5781553"/>
+            <a:off x="1650174" y="4963581"/>
             <a:ext cx="926325" cy="540000"/>
           </a:xfrm>
           <a:prstGeom prst="rect">
@@ -5369,27 +4065,30 @@
           <a:p>
             <a:pPr algn="ctr"/>
             <a:r>
+              <a:rPr lang="ru-RU" sz="700" dirty="0" smtClean="0"/>
+              <a:t>Авиакомпания </a:t>
+            </a:r>
+            <a:r>
               <a:rPr lang="ru-RU" sz="700" dirty="0"/>
-              <a:t>Больница Сан-</a:t>
-            </a:r>
-            <a:r>
-              <a:rPr lang="ru-RU" sz="700" dirty="0" err="1"/>
-              <a:t>Висенте</a:t>
+              <a:t>«</a:t>
+            </a:r>
+            <a:r>
+              <a:rPr lang="en-US" sz="700" dirty="0"/>
+              <a:t>LANICA»</a:t>
             </a:r>
             <a:r>
               <a:rPr lang="ru-RU" sz="700" dirty="0"/>
-              <a:t> в Леоне</a:t>
-            </a:r>
-            <a:endParaRPr lang="ru-RU" sz="400" dirty="0"/>
-          </a:p>
-        </p:txBody>
-      </p:sp>
-      <p:sp>
-        <p:nvSpPr>
-          <p:cNvPr id="38" name="Прямоугольник 37">
-            <a:extLst>
-              <a:ext uri="{FF2B5EF4-FFF2-40B4-BE49-F238E27FC236}">
-                <a16:creationId xmlns:a16="http://schemas.microsoft.com/office/drawing/2014/main" id="{9C02A14C-DE5F-49AD-A4EE-A27966D0EFDC}"/>
+              <a:t> (июнь 1945) </a:t>
+            </a:r>
+          </a:p>
+        </p:txBody>
+      </p:sp>
+      <p:sp>
+        <p:nvSpPr>
+          <p:cNvPr id="1003" name="Прямоугольник 1002">
+            <a:extLst>
+              <a:ext uri="{FF2B5EF4-FFF2-40B4-BE49-F238E27FC236}">
+                <a16:creationId xmlns="" xmlns:a16="http://schemas.microsoft.com/office/drawing/2014/main" id="{6902397C-BDFE-4DCF-A1A2-FAE0B2626BDA}"/>
               </a:ext>
             </a:extLst>
           </p:cNvPr>
@@ -5398,7 +4097,7 @@
         </p:nvSpPr>
         <p:spPr>
           <a:xfrm>
-            <a:off x="12932563" y="5211792"/>
+            <a:off x="3728020" y="4162912"/>
             <a:ext cx="926325" cy="540000"/>
           </a:xfrm>
           <a:prstGeom prst="rect">
@@ -5428,18 +4127,29 @@
             <a:pPr algn="ctr"/>
             <a:r>
               <a:rPr lang="ru-RU" sz="700" dirty="0"/>
-              <a:t>Ликвидировать договор Брайана-Чаморро</a:t>
-            </a:r>
+              <a:t>Военно-морская база Атлантического побережья </a:t>
+            </a:r>
+            <a:r>
+              <a:rPr lang="ru-RU" sz="700" dirty="0" smtClean="0"/>
+              <a:t>(1945)</a:t>
+            </a:r>
+            <a:r>
+              <a:rPr lang="ru-RU" sz="700" dirty="0"/>
+              <a:t/>
+            </a:r>
+            <a:br>
+              <a:rPr lang="ru-RU" sz="700" dirty="0"/>
+            </a:br>
             <a:endParaRPr lang="ru-RU" sz="400" dirty="0"/>
           </a:p>
         </p:txBody>
       </p:sp>
       <p:sp>
         <p:nvSpPr>
-          <p:cNvPr id="39" name="Прямоугольник 38">
-            <a:extLst>
-              <a:ext uri="{FF2B5EF4-FFF2-40B4-BE49-F238E27FC236}">
-                <a16:creationId xmlns:a16="http://schemas.microsoft.com/office/drawing/2014/main" id="{CCC56779-6173-48FC-B7E9-574156FA22BE}"/>
+          <p:cNvPr id="1004" name="Прямоугольник 1003">
+            <a:extLst>
+              <a:ext uri="{FF2B5EF4-FFF2-40B4-BE49-F238E27FC236}">
+                <a16:creationId xmlns="" xmlns:a16="http://schemas.microsoft.com/office/drawing/2014/main" id="{69B79668-F64A-48E7-B6D8-046B42C5083A}"/>
               </a:ext>
             </a:extLst>
           </p:cNvPr>
@@ -5448,7 +4158,7 @@
         </p:nvSpPr>
         <p:spPr>
           <a:xfrm>
-            <a:off x="12932563" y="5972114"/>
+            <a:off x="3039666" y="3360313"/>
             <a:ext cx="926325" cy="540000"/>
           </a:xfrm>
           <a:prstGeom prst="rect">
@@ -5478,7 +4188,11 @@
             <a:pPr algn="ctr"/>
             <a:r>
               <a:rPr lang="ru-RU" sz="700" dirty="0"/>
-              <a:t>Возобновить строительство Никарагуанского канала</a:t>
+              <a:t>Военно-морская база Тихоокеанского побережья (1945</a:t>
+            </a:r>
+            <a:r>
+              <a:rPr lang="ru-RU" sz="700" dirty="0" smtClean="0"/>
+              <a:t>)</a:t>
             </a:r>
             <a:endParaRPr lang="ru-RU" sz="400" dirty="0"/>
           </a:p>
@@ -5486,10 +4200,10 @@
       </p:sp>
       <p:sp>
         <p:nvSpPr>
-          <p:cNvPr id="42" name="Прямоугольник 41">
-            <a:extLst>
-              <a:ext uri="{FF2B5EF4-FFF2-40B4-BE49-F238E27FC236}">
-                <a16:creationId xmlns:a16="http://schemas.microsoft.com/office/drawing/2014/main" id="{03F7D570-4EE1-495E-9294-D367F2E7763E}"/>
+          <p:cNvPr id="1006" name="Прямоугольник 1005">
+            <a:extLst>
+              <a:ext uri="{FF2B5EF4-FFF2-40B4-BE49-F238E27FC236}">
+                <a16:creationId xmlns="" xmlns:a16="http://schemas.microsoft.com/office/drawing/2014/main" id="{DBC3419A-22FA-43FF-B8B9-DD68FEBDCE02}"/>
               </a:ext>
             </a:extLst>
           </p:cNvPr>
@@ -5498,7 +4212,7 @@
         </p:nvSpPr>
         <p:spPr>
           <a:xfrm>
-            <a:off x="9296949" y="2561574"/>
+            <a:off x="3039666" y="2561574"/>
             <a:ext cx="926325" cy="540000"/>
           </a:xfrm>
           <a:prstGeom prst="rect">
@@ -5528,7 +4242,15 @@
             <a:pPr algn="ctr"/>
             <a:r>
               <a:rPr lang="ru-RU" sz="700" dirty="0"/>
-              <a:t>Нарастить импорт из Германии</a:t>
+              <a:t>ВМС </a:t>
+            </a:r>
+            <a:r>
+              <a:rPr lang="ru-RU" sz="700" dirty="0" smtClean="0"/>
+              <a:t>Никарагуа</a:t>
+            </a:r>
+            <a:r>
+              <a:rPr lang="en-US" sz="700" dirty="0" smtClean="0"/>
+              <a:t> (1938)</a:t>
             </a:r>
             <a:endParaRPr lang="ru-RU" sz="400" dirty="0"/>
           </a:p>
@@ -5536,10 +4258,10 @@
       </p:sp>
       <p:sp>
         <p:nvSpPr>
-          <p:cNvPr id="43" name="Прямоугольник 42">
-            <a:extLst>
-              <a:ext uri="{FF2B5EF4-FFF2-40B4-BE49-F238E27FC236}">
-                <a16:creationId xmlns:a16="http://schemas.microsoft.com/office/drawing/2014/main" id="{5858A8E5-3EFA-419C-99B9-6773CA7E1501}"/>
+          <p:cNvPr id="1007" name="Прямоугольник 1006">
+            <a:extLst>
+              <a:ext uri="{FF2B5EF4-FFF2-40B4-BE49-F238E27FC236}">
+                <a16:creationId xmlns="" xmlns:a16="http://schemas.microsoft.com/office/drawing/2014/main" id="{16A1A0CD-EC27-4841-9CAC-A2951FA574D9}"/>
               </a:ext>
             </a:extLst>
           </p:cNvPr>
@@ -5548,7 +4270,7 @@
         </p:nvSpPr>
         <p:spPr>
           <a:xfrm>
-            <a:off x="9987099" y="3355376"/>
+            <a:off x="4429151" y="4963581"/>
             <a:ext cx="926325" cy="540000"/>
           </a:xfrm>
           <a:prstGeom prst="rect">
@@ -5578,11 +4300,14 @@
             <a:pPr algn="ctr"/>
             <a:r>
               <a:rPr lang="ru-RU" sz="700" dirty="0"/>
-              <a:t>Германские вложения в сельское хозяйство </a:t>
-            </a:r>
-            <a:r>
-              <a:rPr lang="ru-RU" sz="200" dirty="0"/>
-              <a:t>(после чего германская собственность на территории страны (46 кофейных плантаций и 51 скотоводческое хозяйство) была конфискована)</a:t>
+              <a:t>Закупка чехословацких винтовок (1937) </a:t>
+            </a:r>
+          </a:p>
+          <a:p>
+            <a:pPr algn="ctr"/>
+            <a:r>
+              <a:rPr lang="ru-RU" sz="300" dirty="0"/>
+              <a:t>(В 1937 году в Чехословакии было куплено 1 тыс. 7,92-мм винтовок "vz.24"[7].)</a:t>
             </a:r>
             <a:endParaRPr lang="ru-RU" sz="400" dirty="0"/>
           </a:p>
@@ -5590,10 +4315,10 @@
       </p:sp>
       <p:sp>
         <p:nvSpPr>
-          <p:cNvPr id="45" name="Прямоугольник 44">
-            <a:extLst>
-              <a:ext uri="{FF2B5EF4-FFF2-40B4-BE49-F238E27FC236}">
-                <a16:creationId xmlns:a16="http://schemas.microsoft.com/office/drawing/2014/main" id="{29CBE310-5100-413A-B4C1-EA4E28F411B1}"/>
+          <p:cNvPr id="1008" name="Прямоугольник 1007">
+            <a:extLst>
+              <a:ext uri="{FF2B5EF4-FFF2-40B4-BE49-F238E27FC236}">
+                <a16:creationId xmlns="" xmlns:a16="http://schemas.microsoft.com/office/drawing/2014/main" id="{E382042E-E28F-4CC0-86C4-7327A76B1C30}"/>
               </a:ext>
             </a:extLst>
           </p:cNvPr>
@@ -5602,7 +4327,7 @@
         </p:nvSpPr>
         <p:spPr>
           <a:xfrm>
-            <a:off x="8597615" y="3360313"/>
+            <a:off x="5127603" y="4162912"/>
             <a:ext cx="926325" cy="540000"/>
           </a:xfrm>
           <a:prstGeom prst="rect">
@@ -5632,7 +4357,7 @@
             <a:pPr algn="ctr"/>
             <a:r>
               <a:rPr lang="ru-RU" sz="700" dirty="0"/>
-              <a:t>Нарастить экспорт кофе</a:t>
+              <a:t>Американский ленд-лиз</a:t>
             </a:r>
             <a:endParaRPr lang="ru-RU" sz="400" dirty="0"/>
           </a:p>
@@ -5640,10 +4365,10 @@
       </p:sp>
       <p:sp>
         <p:nvSpPr>
-          <p:cNvPr id="46" name="Прямоугольник 45">
-            <a:extLst>
-              <a:ext uri="{FF2B5EF4-FFF2-40B4-BE49-F238E27FC236}">
-                <a16:creationId xmlns:a16="http://schemas.microsoft.com/office/drawing/2014/main" id="{4518A036-F097-41EC-A960-D49579F30834}"/>
+          <p:cNvPr id="1009" name="Прямоугольник 1008">
+            <a:extLst>
+              <a:ext uri="{FF2B5EF4-FFF2-40B4-BE49-F238E27FC236}">
+                <a16:creationId xmlns="" xmlns:a16="http://schemas.microsoft.com/office/drawing/2014/main" id="{D6B9B13E-4EC1-48C5-9D81-8A7DC0201F74}"/>
               </a:ext>
             </a:extLst>
           </p:cNvPr>
@@ -5652,8 +4377,8 @@
         </p:nvSpPr>
         <p:spPr>
           <a:xfrm>
-            <a:off x="14221973" y="2380415"/>
-            <a:ext cx="2674908" cy="974962"/>
+            <a:off x="5813474" y="4963581"/>
+            <a:ext cx="926325" cy="540000"/>
           </a:xfrm>
           <a:prstGeom prst="rect">
             <a:avLst/>
@@ -5681,88 +4406,30 @@
           <a:p>
             <a:pPr algn="ctr"/>
             <a:r>
+              <a:rPr lang="ru-RU" sz="700" dirty="0"/>
+              <a:t>Сотрудничество с Италией </a:t>
+            </a:r>
+            <a:r>
               <a:rPr lang="ru-RU" sz="400" dirty="0"/>
-              <a:t>Вся экономика Никарагуа была </a:t>
+              <a:t>(В 1930-е годы из Италии было получено две танкетки </a:t>
             </a:r>
             <a:r>
               <a:rPr lang="ru-RU" sz="400" dirty="0" err="1"/>
-              <a:t>завя¬зана</a:t>
+              <a:t>Carro</a:t>
             </a:r>
             <a:r>
               <a:rPr lang="ru-RU" sz="400" dirty="0"/>
-              <a:t> на экспорт (прежде всего кофе), и без коммерческих кредитов в долларах внешняя торговля постоянно находилась под угрозой </a:t>
-            </a:r>
-            <a:r>
-              <a:rPr lang="ru-RU" sz="400" dirty="0" err="1"/>
-              <a:t>крахаАмериканские</a:t>
-            </a:r>
-            <a:r>
-              <a:rPr lang="ru-RU" sz="400" dirty="0"/>
-              <a:t> же хозяева Национального банка выпускали в обращение столько кордоб, сколько у банка было долларов (курс никарагуанской валюты к американской был один к одному). Но так как экспорт кофе в условиях </a:t>
-            </a:r>
-            <a:r>
-              <a:rPr lang="ru-RU" sz="400" dirty="0" err="1"/>
-              <a:t>ми¬рового</a:t>
-            </a:r>
-            <a:r>
-              <a:rPr lang="ru-RU" sz="400" dirty="0"/>
-              <a:t> экономического кризиса 1929-1933 годов упал, долларов в страну </a:t>
-            </a:r>
-            <a:r>
-              <a:rPr lang="ru-RU" sz="400" dirty="0" err="1"/>
-              <a:t>по¬падало</a:t>
-            </a:r>
-            <a:r>
-              <a:rPr lang="ru-RU" sz="400" dirty="0"/>
-              <a:t> мало. К тому же американские акционеры Национального банка (сами держатели облигаций никарагуанского долга) сразу же переводили валюту за рубеж (фактически самим себе) в счет погашения долга. </a:t>
-            </a:r>
-            <a:br>
-              <a:rPr lang="ru-RU" sz="400" dirty="0"/>
-            </a:br>
-            <a:r>
-              <a:rPr lang="ru-RU" sz="400" dirty="0"/>
-              <a:t>Отсутствие в Никарагуа достаточного количества денег в обращении вело к резкому росту процентных ставок по кредитам и вгоняло в банкротство </a:t>
-            </a:r>
-            <a:r>
-              <a:rPr lang="ru-RU" sz="400" dirty="0" err="1"/>
-              <a:t>мел¬ких</a:t>
-            </a:r>
-            <a:r>
-              <a:rPr lang="ru-RU" sz="400" dirty="0"/>
-              <a:t> и средних производителей, которым такие проценты были не по силам.</a:t>
-            </a:r>
-            <a:br>
-              <a:rPr lang="ru-RU" sz="400" dirty="0"/>
-            </a:br>
-            <a:r>
-              <a:rPr lang="ru-RU" sz="400" dirty="0"/>
-              <a:t>В условиях жесткого кризиса экспорта правильной политикой было бы де-</a:t>
-            </a:r>
-            <a:r>
-              <a:rPr lang="ru-RU" sz="400" dirty="0" err="1"/>
-              <a:t>вальвировать</a:t>
-            </a:r>
-            <a:r>
-              <a:rPr lang="ru-RU" sz="400" dirty="0"/>
-              <a:t> кордобу, чтобы сделать никарагуанский кофе более доступным для иностранных импортеров. Но американцы были против девальвации, </a:t>
-            </a:r>
-            <a:r>
-              <a:rPr lang="ru-RU" sz="400" dirty="0" err="1"/>
-              <a:t>яко¬бы</a:t>
-            </a:r>
-            <a:r>
-              <a:rPr lang="ru-RU" sz="400" dirty="0"/>
-              <a:t> стремясь не допустить инфляции.</a:t>
-            </a:r>
-          </a:p>
-        </p:txBody>
-      </p:sp>
-      <p:sp>
-        <p:nvSpPr>
-          <p:cNvPr id="47" name="Прямоугольник 46">
-            <a:extLst>
-              <a:ext uri="{FF2B5EF4-FFF2-40B4-BE49-F238E27FC236}">
-                <a16:creationId xmlns:a16="http://schemas.microsoft.com/office/drawing/2014/main" id="{1163C105-465F-453D-9A47-C92FC2A2CB52}"/>
+              <a:t> CV3/33.)</a:t>
+            </a:r>
+          </a:p>
+        </p:txBody>
+      </p:sp>
+      <p:sp>
+        <p:nvSpPr>
+          <p:cNvPr id="1010" name="Прямоугольник 1009">
+            <a:extLst>
+              <a:ext uri="{FF2B5EF4-FFF2-40B4-BE49-F238E27FC236}">
+                <a16:creationId xmlns="" xmlns:a16="http://schemas.microsoft.com/office/drawing/2014/main" id="{EB093940-7B32-4F48-90D9-92C619CCC27C}"/>
               </a:ext>
             </a:extLst>
           </p:cNvPr>
@@ -5771,325 +4438,7 @@
         </p:nvSpPr>
         <p:spPr>
           <a:xfrm>
-            <a:off x="12081125" y="2561573"/>
-            <a:ext cx="926325" cy="540000"/>
-          </a:xfrm>
-          <a:prstGeom prst="rect">
-            <a:avLst/>
-          </a:prstGeom>
-          <a:noFill/>
-          <a:ln w="19050"/>
-        </p:spPr>
-        <p:style>
-          <a:lnRef idx="2">
-            <a:schemeClr val="accent1"/>
-          </a:lnRef>
-          <a:fillRef idx="1">
-            <a:schemeClr val="lt1"/>
-          </a:fillRef>
-          <a:effectRef idx="0">
-            <a:schemeClr val="accent1"/>
-          </a:effectRef>
-          <a:fontRef idx="minor">
-            <a:schemeClr val="dk1"/>
-          </a:fontRef>
-        </p:style>
-        <p:txBody>
-          <a:bodyPr lIns="124733" tIns="62367" rIns="124733" bIns="62367" rtlCol="0" anchor="ctr"/>
-          <a:lstStyle/>
-          <a:p>
-            <a:pPr algn="ctr"/>
-            <a:r>
-              <a:rPr lang="ru-RU" sz="700" dirty="0"/>
-              <a:t>Американские вложения в промышленность</a:t>
-            </a:r>
-            <a:r>
-              <a:rPr lang="ru-RU" sz="100" dirty="0"/>
-              <a:t>(. К тому же именно американский капитал и представлял собой фактически всю рудиментарную промышленность Никарагуа.13 миллионов долларов американских инвестиций было </a:t>
-            </a:r>
-            <a:r>
-              <a:rPr lang="ru-RU" sz="100" dirty="0" err="1"/>
-              <a:t>сосредоточе¬но</a:t>
-            </a:r>
-            <a:r>
-              <a:rPr lang="ru-RU" sz="100" dirty="0"/>
-              <a:t> в </a:t>
-            </a:r>
-            <a:r>
-              <a:rPr lang="ru-RU" sz="100" dirty="0" err="1"/>
-              <a:t>Москитии</a:t>
-            </a:r>
-            <a:r>
-              <a:rPr lang="ru-RU" sz="100" dirty="0"/>
-              <a:t> — добыча золота, заготовка древесины, банановые </a:t>
-            </a:r>
-            <a:r>
-              <a:rPr lang="ru-RU" sz="100" dirty="0" err="1"/>
-              <a:t>планта¬ции</a:t>
-            </a:r>
-            <a:r>
-              <a:rPr lang="ru-RU" sz="100" dirty="0"/>
-              <a:t>. Там у американских компаний были собственные портовые сооружения и железные дороги. В западной части Никарагуа американцы вложили только 2 миллиона долларов — в плантации кофе, хлопка и коммунальное хозяйство Манагуа.)</a:t>
-            </a:r>
-            <a:endParaRPr lang="ru-RU" sz="400" dirty="0"/>
-          </a:p>
-        </p:txBody>
-      </p:sp>
-      <p:sp>
-        <p:nvSpPr>
-          <p:cNvPr id="48" name="Прямоугольник 47">
-            <a:extLst>
-              <a:ext uri="{FF2B5EF4-FFF2-40B4-BE49-F238E27FC236}">
-                <a16:creationId xmlns:a16="http://schemas.microsoft.com/office/drawing/2014/main" id="{D53819E8-2FF6-4FFA-A7E4-75D55AADB8B5}"/>
-              </a:ext>
-            </a:extLst>
-          </p:cNvPr>
-          <p:cNvSpPr/>
-          <p:nvPr/>
-        </p:nvSpPr>
-        <p:spPr>
-          <a:xfrm>
-            <a:off x="11376583" y="3362242"/>
-            <a:ext cx="926325" cy="540000"/>
-          </a:xfrm>
-          <a:prstGeom prst="rect">
-            <a:avLst/>
-          </a:prstGeom>
-          <a:noFill/>
-          <a:ln w="19050"/>
-        </p:spPr>
-        <p:style>
-          <a:lnRef idx="2">
-            <a:schemeClr val="accent1"/>
-          </a:lnRef>
-          <a:fillRef idx="1">
-            <a:schemeClr val="lt1"/>
-          </a:fillRef>
-          <a:effectRef idx="0">
-            <a:schemeClr val="accent1"/>
-          </a:effectRef>
-          <a:fontRef idx="minor">
-            <a:schemeClr val="dk1"/>
-          </a:fontRef>
-        </p:style>
-        <p:txBody>
-          <a:bodyPr lIns="124733" tIns="62367" rIns="124733" bIns="62367" rtlCol="0" anchor="ctr"/>
-          <a:lstStyle/>
-          <a:p>
-            <a:pPr algn="ctr"/>
-            <a:r>
-              <a:rPr lang="ru-RU" sz="700" dirty="0"/>
-              <a:t>Золотодобывающие кампании</a:t>
-            </a:r>
-            <a:endParaRPr lang="ru-RU" sz="400" dirty="0"/>
-          </a:p>
-        </p:txBody>
-      </p:sp>
-      <p:sp>
-        <p:nvSpPr>
-          <p:cNvPr id="49" name="Прямоугольник 48">
-            <a:extLst>
-              <a:ext uri="{FF2B5EF4-FFF2-40B4-BE49-F238E27FC236}">
-                <a16:creationId xmlns:a16="http://schemas.microsoft.com/office/drawing/2014/main" id="{F9117D70-446E-4EA7-820C-5F0C5AE4BB1B}"/>
-              </a:ext>
-            </a:extLst>
-          </p:cNvPr>
-          <p:cNvSpPr/>
-          <p:nvPr/>
-        </p:nvSpPr>
-        <p:spPr>
-          <a:xfrm>
-            <a:off x="10689037" y="2558566"/>
-            <a:ext cx="926325" cy="540000"/>
-          </a:xfrm>
-          <a:prstGeom prst="rect">
-            <a:avLst/>
-          </a:prstGeom>
-          <a:noFill/>
-          <a:ln w="19050"/>
-        </p:spPr>
-        <p:style>
-          <a:lnRef idx="2">
-            <a:schemeClr val="accent1"/>
-          </a:lnRef>
-          <a:fillRef idx="1">
-            <a:schemeClr val="lt1"/>
-          </a:fillRef>
-          <a:effectRef idx="0">
-            <a:schemeClr val="accent1"/>
-          </a:effectRef>
-          <a:fontRef idx="minor">
-            <a:schemeClr val="dk1"/>
-          </a:fontRef>
-        </p:style>
-        <p:txBody>
-          <a:bodyPr lIns="124733" tIns="62367" rIns="124733" bIns="62367" rtlCol="0" anchor="ctr"/>
-          <a:lstStyle/>
-          <a:p>
-            <a:pPr algn="ctr"/>
-            <a:r>
-              <a:rPr lang="ru-RU" sz="700" dirty="0"/>
-              <a:t>Стабилизация курса кордобы</a:t>
-            </a:r>
-            <a:endParaRPr lang="ru-RU" sz="400" dirty="0"/>
-          </a:p>
-        </p:txBody>
-      </p:sp>
-      <p:sp>
-        <p:nvSpPr>
-          <p:cNvPr id="50" name="Прямоугольник 49">
-            <a:extLst>
-              <a:ext uri="{FF2B5EF4-FFF2-40B4-BE49-F238E27FC236}">
-                <a16:creationId xmlns:a16="http://schemas.microsoft.com/office/drawing/2014/main" id="{357E437B-3536-45BE-A3D0-3F539D983768}"/>
-              </a:ext>
-            </a:extLst>
-          </p:cNvPr>
-          <p:cNvSpPr/>
-          <p:nvPr/>
-        </p:nvSpPr>
-        <p:spPr>
-          <a:xfrm>
-            <a:off x="4429150" y="6570566"/>
-            <a:ext cx="926325" cy="540000"/>
-          </a:xfrm>
-          <a:prstGeom prst="rect">
-            <a:avLst/>
-          </a:prstGeom>
-          <a:noFill/>
-          <a:ln w="19050"/>
-        </p:spPr>
-        <p:style>
-          <a:lnRef idx="2">
-            <a:schemeClr val="accent1"/>
-          </a:lnRef>
-          <a:fillRef idx="1">
-            <a:schemeClr val="lt1"/>
-          </a:fillRef>
-          <a:effectRef idx="0">
-            <a:schemeClr val="accent1"/>
-          </a:effectRef>
-          <a:fontRef idx="minor">
-            <a:schemeClr val="dk1"/>
-          </a:fontRef>
-        </p:style>
-        <p:txBody>
-          <a:bodyPr lIns="124733" tIns="62367" rIns="124733" bIns="62367" rtlCol="0" anchor="ctr"/>
-          <a:lstStyle/>
-          <a:p>
-            <a:pPr algn="ctr"/>
-            <a:r>
-              <a:rPr lang="ru-RU" sz="700" dirty="0"/>
-              <a:t>Восстановление после землетрясения 1931 года </a:t>
-            </a:r>
-            <a:r>
-              <a:rPr lang="ru-RU" sz="300" dirty="0"/>
-              <a:t>(При нём были восстановлены некоторые общественные здания, разрушенные землетрясением 1931 года[)</a:t>
-            </a:r>
-            <a:endParaRPr lang="ru-RU" sz="400" dirty="0"/>
-          </a:p>
-        </p:txBody>
-      </p:sp>
-      <p:cxnSp>
-        <p:nvCxnSpPr>
-          <p:cNvPr id="51" name="Прямая со стрелкой 50">
-            <a:extLst>
-              <a:ext uri="{FF2B5EF4-FFF2-40B4-BE49-F238E27FC236}">
-                <a16:creationId xmlns:a16="http://schemas.microsoft.com/office/drawing/2014/main" id="{F822F6CB-0335-40A1-921A-29544F834AD9}"/>
-              </a:ext>
-            </a:extLst>
-          </p:cNvPr>
-          <p:cNvCxnSpPr>
-            <a:cxnSpLocks/>
-            <a:stCxn id="37" idx="2"/>
-            <a:endCxn id="50" idx="0"/>
-          </p:cNvCxnSpPr>
-          <p:nvPr/>
-        </p:nvCxnSpPr>
-        <p:spPr>
-          <a:xfrm flipH="1">
-            <a:off x="4892313" y="6321553"/>
-            <a:ext cx="1" cy="249013"/>
-          </a:xfrm>
-          <a:prstGeom prst="straightConnector1">
-            <a:avLst/>
-          </a:prstGeom>
-          <a:ln w="19050">
-            <a:tailEnd type="arrow"/>
-          </a:ln>
-        </p:spPr>
-        <p:style>
-          <a:lnRef idx="1">
-            <a:schemeClr val="accent1"/>
-          </a:lnRef>
-          <a:fillRef idx="0">
-            <a:schemeClr val="accent1"/>
-          </a:fillRef>
-          <a:effectRef idx="0">
-            <a:schemeClr val="accent1"/>
-          </a:effectRef>
-          <a:fontRef idx="minor">
-            <a:schemeClr val="tx1"/>
-          </a:fontRef>
-        </p:style>
-      </p:cxnSp>
-      <p:cxnSp>
-        <p:nvCxnSpPr>
-          <p:cNvPr id="52" name="Прямая со стрелкой 51">
-            <a:extLst>
-              <a:ext uri="{FF2B5EF4-FFF2-40B4-BE49-F238E27FC236}">
-                <a16:creationId xmlns:a16="http://schemas.microsoft.com/office/drawing/2014/main" id="{5BCAF6D7-5BA1-4C42-82B8-95F6B189B961}"/>
-              </a:ext>
-            </a:extLst>
-          </p:cNvPr>
-          <p:cNvCxnSpPr>
-            <a:cxnSpLocks/>
-            <a:stCxn id="34" idx="2"/>
-            <a:endCxn id="35" idx="0"/>
-          </p:cNvCxnSpPr>
-          <p:nvPr/>
-        </p:nvCxnSpPr>
-        <p:spPr>
-          <a:xfrm flipH="1">
-            <a:off x="7671292" y="6321553"/>
-            <a:ext cx="1" cy="249013"/>
-          </a:xfrm>
-          <a:prstGeom prst="straightConnector1">
-            <a:avLst/>
-          </a:prstGeom>
-          <a:ln w="19050">
-            <a:tailEnd type="arrow"/>
-          </a:ln>
-        </p:spPr>
-        <p:style>
-          <a:lnRef idx="1">
-            <a:schemeClr val="accent1"/>
-          </a:lnRef>
-          <a:fillRef idx="0">
-            <a:schemeClr val="accent1"/>
-          </a:fillRef>
-          <a:effectRef idx="0">
-            <a:schemeClr val="accent1"/>
-          </a:effectRef>
-          <a:fontRef idx="minor">
-            <a:schemeClr val="tx1"/>
-          </a:fontRef>
-        </p:style>
-      </p:cxnSp>
-      <p:sp>
-        <p:nvSpPr>
-          <p:cNvPr id="55" name="Прямоугольник 54">
-            <a:extLst>
-              <a:ext uri="{FF2B5EF4-FFF2-40B4-BE49-F238E27FC236}">
-                <a16:creationId xmlns:a16="http://schemas.microsoft.com/office/drawing/2014/main" id="{59913842-712E-4C78-8382-3186E11F9969}"/>
-              </a:ext>
-            </a:extLst>
-          </p:cNvPr>
-          <p:cNvSpPr/>
-          <p:nvPr/>
-        </p:nvSpPr>
-        <p:spPr>
-          <a:xfrm>
-            <a:off x="2344923" y="7558724"/>
+            <a:off x="955431" y="8355769"/>
             <a:ext cx="926325" cy="540000"/>
           </a:xfrm>
           <a:prstGeom prst="rect">
@@ -6123,6 +4472,1404 @@
             <a:pPr algn="ctr"/>
             <a:r>
               <a:rPr lang="ru-RU" sz="700" dirty="0"/>
+              <a:t>Упростить обмен валюты (октябрь 1936) </a:t>
+            </a:r>
+            <a:r>
+              <a:rPr lang="ru-RU" sz="100" dirty="0"/>
+              <a:t>(Первое, что сделал новый фактический хозяин страны, — внимательно прислушался к пожеланиям крупного бизнеса относительно изменения </a:t>
+            </a:r>
+            <a:r>
+              <a:rPr lang="ru-RU" sz="100" dirty="0" err="1"/>
+              <a:t>ва</a:t>
+            </a:r>
+            <a:r>
+              <a:rPr lang="ru-RU" sz="100" dirty="0"/>
+              <a:t>-</a:t>
+            </a:r>
+            <a:r>
+              <a:rPr lang="ru-RU" sz="100" dirty="0" err="1"/>
+              <a:t>лютно</a:t>
+            </a:r>
+            <a:r>
+              <a:rPr lang="ru-RU" sz="100" dirty="0"/>
+              <a:t>-финансовой политики. В октябре 1936 года был упрощен обмен кордоб на доллары. Экспортеры отныне могли сохранять 70% своей валютной </a:t>
+            </a:r>
+            <a:r>
+              <a:rPr lang="ru-RU" sz="100" dirty="0" err="1"/>
+              <a:t>выруч¬ки</a:t>
+            </a:r>
+            <a:r>
+              <a:rPr lang="ru-RU" sz="100" dirty="0"/>
+              <a:t> в долларах и продавать их по рыночному курсу. Остальные 30% надо было по-прежнему сдавать в Национальный банк по официальному курсу 1:1 (ранее сдавалась вся выручка). Таким образом, экспортеры могли существенно </a:t>
+            </a:r>
+            <a:r>
+              <a:rPr lang="ru-RU" sz="100" dirty="0" err="1"/>
+              <a:t>увели¬чить</a:t>
+            </a:r>
+            <a:r>
+              <a:rPr lang="ru-RU" sz="100" dirty="0"/>
+              <a:t> свои доходы, поскольку курс черного рынка был 1,75 кордобы за доллар)</a:t>
+            </a:r>
+            <a:endParaRPr lang="ru-RU" sz="400" dirty="0"/>
+          </a:p>
+        </p:txBody>
+      </p:sp>
+      <p:cxnSp>
+        <p:nvCxnSpPr>
+          <p:cNvPr id="1011" name="Прямая со стрелкой 1010">
+            <a:extLst>
+              <a:ext uri="{FF2B5EF4-FFF2-40B4-BE49-F238E27FC236}">
+                <a16:creationId xmlns="" xmlns:a16="http://schemas.microsoft.com/office/drawing/2014/main" id="{6FF1BA7F-812C-44A5-BEC2-31F4B6F55538}"/>
+              </a:ext>
+            </a:extLst>
+          </p:cNvPr>
+          <p:cNvCxnSpPr>
+            <a:cxnSpLocks/>
+            <a:stCxn id="1006" idx="2"/>
+            <a:endCxn id="1004" idx="0"/>
+          </p:cNvCxnSpPr>
+          <p:nvPr/>
+        </p:nvCxnSpPr>
+        <p:spPr>
+          <a:xfrm>
+            <a:off x="3502829" y="3101574"/>
+            <a:ext cx="0" cy="258739"/>
+          </a:xfrm>
+          <a:prstGeom prst="straightConnector1">
+            <a:avLst/>
+          </a:prstGeom>
+          <a:ln w="19050">
+            <a:tailEnd type="arrow"/>
+          </a:ln>
+        </p:spPr>
+        <p:style>
+          <a:lnRef idx="1">
+            <a:schemeClr val="accent1"/>
+          </a:lnRef>
+          <a:fillRef idx="0">
+            <a:schemeClr val="accent1"/>
+          </a:fillRef>
+          <a:effectRef idx="0">
+            <a:schemeClr val="accent1"/>
+          </a:effectRef>
+          <a:fontRef idx="minor">
+            <a:schemeClr val="tx1"/>
+          </a:fontRef>
+        </p:style>
+      </p:cxnSp>
+      <p:cxnSp>
+        <p:nvCxnSpPr>
+          <p:cNvPr id="1012" name="Соединительная линия уступом 903">
+            <a:extLst>
+              <a:ext uri="{FF2B5EF4-FFF2-40B4-BE49-F238E27FC236}">
+                <a16:creationId xmlns="" xmlns:a16="http://schemas.microsoft.com/office/drawing/2014/main" id="{61CC6BA5-39EA-4B23-A209-0E7E8DB14AB7}"/>
+              </a:ext>
+            </a:extLst>
+          </p:cNvPr>
+          <p:cNvCxnSpPr>
+            <a:cxnSpLocks/>
+            <a:stCxn id="860" idx="2"/>
+            <a:endCxn id="998" idx="0"/>
+          </p:cNvCxnSpPr>
+          <p:nvPr/>
+        </p:nvCxnSpPr>
+        <p:spPr>
+          <a:xfrm rot="5400000">
+            <a:off x="1288264" y="2537164"/>
+            <a:ext cx="260669" cy="1389488"/>
+          </a:xfrm>
+          <a:prstGeom prst="bentConnector3">
+            <a:avLst>
+              <a:gd name="adj1" fmla="val 50000"/>
+            </a:avLst>
+          </a:prstGeom>
+          <a:ln w="19050">
+            <a:tailEnd type="arrow"/>
+          </a:ln>
+        </p:spPr>
+        <p:style>
+          <a:lnRef idx="1">
+            <a:schemeClr val="accent1"/>
+          </a:lnRef>
+          <a:fillRef idx="0">
+            <a:schemeClr val="accent1"/>
+          </a:fillRef>
+          <a:effectRef idx="0">
+            <a:schemeClr val="accent1"/>
+          </a:effectRef>
+          <a:fontRef idx="minor">
+            <a:schemeClr val="tx1"/>
+          </a:fontRef>
+        </p:style>
+      </p:cxnSp>
+      <p:cxnSp>
+        <p:nvCxnSpPr>
+          <p:cNvPr id="1014" name="Прямая со стрелкой 1013">
+            <a:extLst>
+              <a:ext uri="{FF2B5EF4-FFF2-40B4-BE49-F238E27FC236}">
+                <a16:creationId xmlns="" xmlns:a16="http://schemas.microsoft.com/office/drawing/2014/main" id="{DE622A39-F9DB-4104-B64D-4660F6424C79}"/>
+              </a:ext>
+            </a:extLst>
+          </p:cNvPr>
+          <p:cNvCxnSpPr>
+            <a:cxnSpLocks/>
+            <a:stCxn id="998" idx="2"/>
+            <a:endCxn id="999" idx="0"/>
+          </p:cNvCxnSpPr>
+          <p:nvPr/>
+        </p:nvCxnSpPr>
+        <p:spPr>
+          <a:xfrm>
+            <a:off x="723854" y="3902243"/>
+            <a:ext cx="0" cy="260669"/>
+          </a:xfrm>
+          <a:prstGeom prst="straightConnector1">
+            <a:avLst/>
+          </a:prstGeom>
+          <a:ln w="19050">
+            <a:tailEnd type="arrow"/>
+          </a:ln>
+        </p:spPr>
+        <p:style>
+          <a:lnRef idx="1">
+            <a:schemeClr val="accent1"/>
+          </a:lnRef>
+          <a:fillRef idx="0">
+            <a:schemeClr val="accent1"/>
+          </a:fillRef>
+          <a:effectRef idx="0">
+            <a:schemeClr val="accent1"/>
+          </a:effectRef>
+          <a:fontRef idx="minor">
+            <a:schemeClr val="tx1"/>
+          </a:fontRef>
+        </p:style>
+      </p:cxnSp>
+      <p:cxnSp>
+        <p:nvCxnSpPr>
+          <p:cNvPr id="1015" name="Прямая со стрелкой 1014">
+            <a:extLst>
+              <a:ext uri="{FF2B5EF4-FFF2-40B4-BE49-F238E27FC236}">
+                <a16:creationId xmlns="" xmlns:a16="http://schemas.microsoft.com/office/drawing/2014/main" id="{F4E65FFA-5006-43A8-9BFD-FFB14F085370}"/>
+              </a:ext>
+            </a:extLst>
+          </p:cNvPr>
+          <p:cNvCxnSpPr>
+            <a:cxnSpLocks/>
+            <a:stCxn id="999" idx="2"/>
+            <a:endCxn id="994" idx="0"/>
+          </p:cNvCxnSpPr>
+          <p:nvPr/>
+        </p:nvCxnSpPr>
+        <p:spPr>
+          <a:xfrm>
+            <a:off x="723854" y="4702912"/>
+            <a:ext cx="0" cy="260669"/>
+          </a:xfrm>
+          <a:prstGeom prst="straightConnector1">
+            <a:avLst/>
+          </a:prstGeom>
+          <a:ln w="19050">
+            <a:tailEnd type="arrow"/>
+          </a:ln>
+        </p:spPr>
+        <p:style>
+          <a:lnRef idx="1">
+            <a:schemeClr val="accent1"/>
+          </a:lnRef>
+          <a:fillRef idx="0">
+            <a:schemeClr val="accent1"/>
+          </a:fillRef>
+          <a:effectRef idx="0">
+            <a:schemeClr val="accent1"/>
+          </a:effectRef>
+          <a:fontRef idx="minor">
+            <a:schemeClr val="tx1"/>
+          </a:fontRef>
+        </p:style>
+      </p:cxnSp>
+      <p:cxnSp>
+        <p:nvCxnSpPr>
+          <p:cNvPr id="1016" name="Прямая со стрелкой 1015">
+            <a:extLst>
+              <a:ext uri="{FF2B5EF4-FFF2-40B4-BE49-F238E27FC236}">
+                <a16:creationId xmlns="" xmlns:a16="http://schemas.microsoft.com/office/drawing/2014/main" id="{CC2FBAD9-0DAC-475C-84AF-B8C4D7F7CD36}"/>
+              </a:ext>
+            </a:extLst>
+          </p:cNvPr>
+          <p:cNvCxnSpPr>
+            <a:cxnSpLocks/>
+            <a:stCxn id="987" idx="2"/>
+            <a:endCxn id="991" idx="0"/>
+          </p:cNvCxnSpPr>
+          <p:nvPr/>
+        </p:nvCxnSpPr>
+        <p:spPr>
+          <a:xfrm flipH="1">
+            <a:off x="2113337" y="3902243"/>
+            <a:ext cx="5" cy="260669"/>
+          </a:xfrm>
+          <a:prstGeom prst="straightConnector1">
+            <a:avLst/>
+          </a:prstGeom>
+          <a:ln w="19050">
+            <a:tailEnd type="arrow"/>
+          </a:ln>
+        </p:spPr>
+        <p:style>
+          <a:lnRef idx="1">
+            <a:schemeClr val="accent1"/>
+          </a:lnRef>
+          <a:fillRef idx="0">
+            <a:schemeClr val="accent1"/>
+          </a:fillRef>
+          <a:effectRef idx="0">
+            <a:schemeClr val="accent1"/>
+          </a:effectRef>
+          <a:fontRef idx="minor">
+            <a:schemeClr val="tx1"/>
+          </a:fontRef>
+        </p:style>
+      </p:cxnSp>
+      <p:cxnSp>
+        <p:nvCxnSpPr>
+          <p:cNvPr id="1017" name="Прямая со стрелкой 1016">
+            <a:extLst>
+              <a:ext uri="{FF2B5EF4-FFF2-40B4-BE49-F238E27FC236}">
+                <a16:creationId xmlns="" xmlns:a16="http://schemas.microsoft.com/office/drawing/2014/main" id="{7F5BA024-9E61-46B2-B19B-838E6AB850FD}"/>
+              </a:ext>
+            </a:extLst>
+          </p:cNvPr>
+          <p:cNvCxnSpPr>
+            <a:cxnSpLocks/>
+            <a:stCxn id="991" idx="2"/>
+            <a:endCxn id="1000" idx="0"/>
+          </p:cNvCxnSpPr>
+          <p:nvPr/>
+        </p:nvCxnSpPr>
+        <p:spPr>
+          <a:xfrm>
+            <a:off x="2113337" y="4702912"/>
+            <a:ext cx="0" cy="260669"/>
+          </a:xfrm>
+          <a:prstGeom prst="straightConnector1">
+            <a:avLst/>
+          </a:prstGeom>
+          <a:ln w="19050">
+            <a:tailEnd type="arrow"/>
+          </a:ln>
+        </p:spPr>
+        <p:style>
+          <a:lnRef idx="1">
+            <a:schemeClr val="accent1"/>
+          </a:lnRef>
+          <a:fillRef idx="0">
+            <a:schemeClr val="accent1"/>
+          </a:fillRef>
+          <a:effectRef idx="0">
+            <a:schemeClr val="accent1"/>
+          </a:effectRef>
+          <a:fontRef idx="minor">
+            <a:schemeClr val="tx1"/>
+          </a:fontRef>
+        </p:style>
+      </p:cxnSp>
+      <p:cxnSp>
+        <p:nvCxnSpPr>
+          <p:cNvPr id="1018" name="Соединительная линия уступом 903">
+            <a:extLst>
+              <a:ext uri="{FF2B5EF4-FFF2-40B4-BE49-F238E27FC236}">
+                <a16:creationId xmlns="" xmlns:a16="http://schemas.microsoft.com/office/drawing/2014/main" id="{D9E9FE67-1272-43E5-98D8-86DDB97DE61E}"/>
+              </a:ext>
+            </a:extLst>
+          </p:cNvPr>
+          <p:cNvCxnSpPr>
+            <a:cxnSpLocks/>
+            <a:stCxn id="1006" idx="2"/>
+            <a:endCxn id="1003" idx="0"/>
+          </p:cNvCxnSpPr>
+          <p:nvPr/>
+        </p:nvCxnSpPr>
+        <p:spPr>
+          <a:xfrm rot="16200000" flipH="1">
+            <a:off x="3316337" y="3288066"/>
+            <a:ext cx="1061338" cy="688354"/>
+          </a:xfrm>
+          <a:prstGeom prst="bentConnector3">
+            <a:avLst>
+              <a:gd name="adj1" fmla="val 8851"/>
+            </a:avLst>
+          </a:prstGeom>
+          <a:ln w="19050">
+            <a:tailEnd type="arrow"/>
+          </a:ln>
+        </p:spPr>
+        <p:style>
+          <a:lnRef idx="1">
+            <a:schemeClr val="accent1"/>
+          </a:lnRef>
+          <a:fillRef idx="0">
+            <a:schemeClr val="accent1"/>
+          </a:fillRef>
+          <a:effectRef idx="0">
+            <a:schemeClr val="accent1"/>
+          </a:effectRef>
+          <a:fontRef idx="minor">
+            <a:schemeClr val="tx1"/>
+          </a:fontRef>
+        </p:style>
+      </p:cxnSp>
+      <p:cxnSp>
+        <p:nvCxnSpPr>
+          <p:cNvPr id="1019" name="Прямая со стрелкой 1018">
+            <a:extLst>
+              <a:ext uri="{FF2B5EF4-FFF2-40B4-BE49-F238E27FC236}">
+                <a16:creationId xmlns="" xmlns:a16="http://schemas.microsoft.com/office/drawing/2014/main" id="{59266080-AC10-42CA-B68E-CEDF802FA3D3}"/>
+              </a:ext>
+            </a:extLst>
+          </p:cNvPr>
+          <p:cNvCxnSpPr>
+            <a:cxnSpLocks/>
+            <a:stCxn id="995" idx="2"/>
+            <a:endCxn id="1007" idx="0"/>
+          </p:cNvCxnSpPr>
+          <p:nvPr/>
+        </p:nvCxnSpPr>
+        <p:spPr>
+          <a:xfrm>
+            <a:off x="4892314" y="3095738"/>
+            <a:ext cx="0" cy="1867843"/>
+          </a:xfrm>
+          <a:prstGeom prst="straightConnector1">
+            <a:avLst/>
+          </a:prstGeom>
+          <a:ln w="19050">
+            <a:prstDash val="dash"/>
+            <a:tailEnd type="arrow"/>
+          </a:ln>
+        </p:spPr>
+        <p:style>
+          <a:lnRef idx="1">
+            <a:schemeClr val="accent1"/>
+          </a:lnRef>
+          <a:fillRef idx="0">
+            <a:schemeClr val="accent1"/>
+          </a:fillRef>
+          <a:effectRef idx="0">
+            <a:schemeClr val="accent1"/>
+          </a:effectRef>
+          <a:fontRef idx="minor">
+            <a:schemeClr val="tx1"/>
+          </a:fontRef>
+        </p:style>
+      </p:cxnSp>
+      <p:cxnSp>
+        <p:nvCxnSpPr>
+          <p:cNvPr id="1020" name="Соединительная линия уступом 903">
+            <a:extLst>
+              <a:ext uri="{FF2B5EF4-FFF2-40B4-BE49-F238E27FC236}">
+                <a16:creationId xmlns="" xmlns:a16="http://schemas.microsoft.com/office/drawing/2014/main" id="{62E8E398-7627-44D2-9D70-5C4E18D9492C}"/>
+              </a:ext>
+            </a:extLst>
+          </p:cNvPr>
+          <p:cNvCxnSpPr>
+            <a:cxnSpLocks/>
+            <a:stCxn id="995" idx="2"/>
+            <a:endCxn id="996" idx="0"/>
+          </p:cNvCxnSpPr>
+          <p:nvPr/>
+        </p:nvCxnSpPr>
+        <p:spPr>
+          <a:xfrm rot="16200000" flipH="1">
+            <a:off x="5107323" y="2880729"/>
+            <a:ext cx="268435" cy="698452"/>
+          </a:xfrm>
+          <a:prstGeom prst="bentConnector3">
+            <a:avLst>
+              <a:gd name="adj1" fmla="val 50000"/>
+            </a:avLst>
+          </a:prstGeom>
+          <a:ln w="19050">
+            <a:prstDash val="dash"/>
+            <a:tailEnd type="arrow"/>
+          </a:ln>
+        </p:spPr>
+        <p:style>
+          <a:lnRef idx="1">
+            <a:schemeClr val="accent1"/>
+          </a:lnRef>
+          <a:fillRef idx="0">
+            <a:schemeClr val="accent1"/>
+          </a:fillRef>
+          <a:effectRef idx="0">
+            <a:schemeClr val="accent1"/>
+          </a:effectRef>
+          <a:fontRef idx="minor">
+            <a:schemeClr val="tx1"/>
+          </a:fontRef>
+        </p:style>
+      </p:cxnSp>
+      <p:cxnSp>
+        <p:nvCxnSpPr>
+          <p:cNvPr id="1021" name="Соединительная линия уступом 903">
+            <a:extLst>
+              <a:ext uri="{FF2B5EF4-FFF2-40B4-BE49-F238E27FC236}">
+                <a16:creationId xmlns="" xmlns:a16="http://schemas.microsoft.com/office/drawing/2014/main" id="{BDC7F8CB-0052-4FAE-993D-F1332955CF43}"/>
+              </a:ext>
+            </a:extLst>
+          </p:cNvPr>
+          <p:cNvCxnSpPr>
+            <a:cxnSpLocks/>
+            <a:stCxn id="995" idx="2"/>
+            <a:endCxn id="1009" idx="0"/>
+          </p:cNvCxnSpPr>
+          <p:nvPr/>
+        </p:nvCxnSpPr>
+        <p:spPr>
+          <a:xfrm rot="16200000" flipH="1">
+            <a:off x="4650554" y="3337497"/>
+            <a:ext cx="1867843" cy="1384323"/>
+          </a:xfrm>
+          <a:prstGeom prst="bentConnector3">
+            <a:avLst>
+              <a:gd name="adj1" fmla="val 6825"/>
+            </a:avLst>
+          </a:prstGeom>
+          <a:ln w="19050">
+            <a:prstDash val="dash"/>
+            <a:tailEnd type="arrow"/>
+          </a:ln>
+        </p:spPr>
+        <p:style>
+          <a:lnRef idx="1">
+            <a:schemeClr val="accent1"/>
+          </a:lnRef>
+          <a:fillRef idx="0">
+            <a:schemeClr val="accent1"/>
+          </a:fillRef>
+          <a:effectRef idx="0">
+            <a:schemeClr val="accent1"/>
+          </a:effectRef>
+          <a:fontRef idx="minor">
+            <a:schemeClr val="tx1"/>
+          </a:fontRef>
+        </p:style>
+      </p:cxnSp>
+      <p:cxnSp>
+        <p:nvCxnSpPr>
+          <p:cNvPr id="1022" name="Прямая со стрелкой 1021">
+            <a:extLst>
+              <a:ext uri="{FF2B5EF4-FFF2-40B4-BE49-F238E27FC236}">
+                <a16:creationId xmlns="" xmlns:a16="http://schemas.microsoft.com/office/drawing/2014/main" id="{11E09268-6642-4446-BE40-6FEF2498A4ED}"/>
+              </a:ext>
+            </a:extLst>
+          </p:cNvPr>
+          <p:cNvCxnSpPr>
+            <a:cxnSpLocks/>
+            <a:stCxn id="996" idx="2"/>
+            <a:endCxn id="1008" idx="0"/>
+          </p:cNvCxnSpPr>
+          <p:nvPr/>
+        </p:nvCxnSpPr>
+        <p:spPr>
+          <a:xfrm>
+            <a:off x="5590766" y="3904173"/>
+            <a:ext cx="0" cy="258739"/>
+          </a:xfrm>
+          <a:prstGeom prst="straightConnector1">
+            <a:avLst/>
+          </a:prstGeom>
+          <a:ln w="19050">
+            <a:tailEnd type="arrow"/>
+          </a:ln>
+        </p:spPr>
+        <p:style>
+          <a:lnRef idx="1">
+            <a:schemeClr val="accent1"/>
+          </a:lnRef>
+          <a:fillRef idx="0">
+            <a:schemeClr val="accent1"/>
+          </a:fillRef>
+          <a:effectRef idx="0">
+            <a:schemeClr val="accent1"/>
+          </a:effectRef>
+          <a:fontRef idx="minor">
+            <a:schemeClr val="tx1"/>
+          </a:fontRef>
+        </p:style>
+      </p:cxnSp>
+      <p:sp>
+        <p:nvSpPr>
+          <p:cNvPr id="34" name="Прямоугольник 33">
+            <a:extLst>
+              <a:ext uri="{FF2B5EF4-FFF2-40B4-BE49-F238E27FC236}">
+                <a16:creationId xmlns="" xmlns:a16="http://schemas.microsoft.com/office/drawing/2014/main" id="{59ACB422-97FE-4024-8EC7-A17F82AC2F7B}"/>
+              </a:ext>
+            </a:extLst>
+          </p:cNvPr>
+          <p:cNvSpPr/>
+          <p:nvPr/>
+        </p:nvSpPr>
+        <p:spPr>
+          <a:xfrm>
+            <a:off x="7208130" y="5781553"/>
+            <a:ext cx="926325" cy="540000"/>
+          </a:xfrm>
+          <a:prstGeom prst="rect">
+            <a:avLst/>
+          </a:prstGeom>
+          <a:noFill/>
+          <a:ln w="19050"/>
+        </p:spPr>
+        <p:style>
+          <a:lnRef idx="2">
+            <a:schemeClr val="accent1"/>
+          </a:lnRef>
+          <a:fillRef idx="1">
+            <a:schemeClr val="lt1"/>
+          </a:fillRef>
+          <a:effectRef idx="0">
+            <a:schemeClr val="accent1"/>
+          </a:effectRef>
+          <a:fontRef idx="minor">
+            <a:schemeClr val="dk1"/>
+          </a:fontRef>
+        </p:style>
+        <p:txBody>
+          <a:bodyPr lIns="124733" tIns="62367" rIns="124733" bIns="62367" rtlCol="0" anchor="ctr"/>
+          <a:lstStyle/>
+          <a:p>
+            <a:pPr algn="ctr"/>
+            <a:r>
+              <a:rPr lang="ru-RU" sz="700" dirty="0"/>
+              <a:t>Основать ипотечный банк</a:t>
+            </a:r>
+            <a:endParaRPr lang="ru-RU" sz="400" dirty="0"/>
+          </a:p>
+        </p:txBody>
+      </p:sp>
+      <p:sp>
+        <p:nvSpPr>
+          <p:cNvPr id="35" name="Прямоугольник 34">
+            <a:extLst>
+              <a:ext uri="{FF2B5EF4-FFF2-40B4-BE49-F238E27FC236}">
+                <a16:creationId xmlns="" xmlns:a16="http://schemas.microsoft.com/office/drawing/2014/main" id="{8F6B01E8-2051-4659-A9F2-6CCFEACACA21}"/>
+              </a:ext>
+            </a:extLst>
+          </p:cNvPr>
+          <p:cNvSpPr/>
+          <p:nvPr/>
+        </p:nvSpPr>
+        <p:spPr>
+          <a:xfrm>
+            <a:off x="7208129" y="6570566"/>
+            <a:ext cx="926325" cy="540000"/>
+          </a:xfrm>
+          <a:prstGeom prst="rect">
+            <a:avLst/>
+          </a:prstGeom>
+          <a:noFill/>
+          <a:ln w="19050"/>
+        </p:spPr>
+        <p:style>
+          <a:lnRef idx="2">
+            <a:schemeClr val="accent1"/>
+          </a:lnRef>
+          <a:fillRef idx="1">
+            <a:schemeClr val="lt1"/>
+          </a:fillRef>
+          <a:effectRef idx="0">
+            <a:schemeClr val="accent1"/>
+          </a:effectRef>
+          <a:fontRef idx="minor">
+            <a:schemeClr val="dk1"/>
+          </a:fontRef>
+        </p:style>
+        <p:txBody>
+          <a:bodyPr lIns="124733" tIns="62367" rIns="124733" bIns="62367" rtlCol="0" anchor="ctr"/>
+          <a:lstStyle/>
+          <a:p>
+            <a:pPr algn="ctr"/>
+            <a:r>
+              <a:rPr lang="ru-RU" sz="700" dirty="0"/>
+              <a:t>Основать национальную кассу народного кредитования</a:t>
+            </a:r>
+            <a:endParaRPr lang="ru-RU" sz="400" dirty="0"/>
+          </a:p>
+        </p:txBody>
+      </p:sp>
+      <p:sp>
+        <p:nvSpPr>
+          <p:cNvPr id="36" name="Прямоугольник 35">
+            <a:extLst>
+              <a:ext uri="{FF2B5EF4-FFF2-40B4-BE49-F238E27FC236}">
+                <a16:creationId xmlns="" xmlns:a16="http://schemas.microsoft.com/office/drawing/2014/main" id="{9367D27D-AEBB-46B0-A932-DCEBE1910C36}"/>
+              </a:ext>
+            </a:extLst>
+          </p:cNvPr>
+          <p:cNvSpPr/>
+          <p:nvPr/>
+        </p:nvSpPr>
+        <p:spPr>
+          <a:xfrm>
+            <a:off x="5818647" y="6570566"/>
+            <a:ext cx="926325" cy="540000"/>
+          </a:xfrm>
+          <a:prstGeom prst="rect">
+            <a:avLst/>
+          </a:prstGeom>
+          <a:noFill/>
+          <a:ln w="19050"/>
+        </p:spPr>
+        <p:style>
+          <a:lnRef idx="2">
+            <a:schemeClr val="accent1"/>
+          </a:lnRef>
+          <a:fillRef idx="1">
+            <a:schemeClr val="lt1"/>
+          </a:fillRef>
+          <a:effectRef idx="0">
+            <a:schemeClr val="accent1"/>
+          </a:effectRef>
+          <a:fontRef idx="minor">
+            <a:schemeClr val="dk1"/>
+          </a:fontRef>
+        </p:style>
+        <p:txBody>
+          <a:bodyPr lIns="124733" tIns="62367" rIns="124733" bIns="62367" rtlCol="0" anchor="ctr"/>
+          <a:lstStyle/>
+          <a:p>
+            <a:pPr algn="ctr"/>
+            <a:r>
+              <a:rPr lang="ru-RU" sz="700" dirty="0"/>
+              <a:t>Учредить национальное издательство</a:t>
+            </a:r>
+            <a:endParaRPr lang="ru-RU" sz="400" dirty="0"/>
+          </a:p>
+        </p:txBody>
+      </p:sp>
+      <p:sp>
+        <p:nvSpPr>
+          <p:cNvPr id="37" name="Прямоугольник 36">
+            <a:extLst>
+              <a:ext uri="{FF2B5EF4-FFF2-40B4-BE49-F238E27FC236}">
+                <a16:creationId xmlns="" xmlns:a16="http://schemas.microsoft.com/office/drawing/2014/main" id="{97D21FA9-0A99-4302-9C8A-886C2A95D444}"/>
+              </a:ext>
+            </a:extLst>
+          </p:cNvPr>
+          <p:cNvSpPr/>
+          <p:nvPr/>
+        </p:nvSpPr>
+        <p:spPr>
+          <a:xfrm>
+            <a:off x="4429151" y="5781553"/>
+            <a:ext cx="926325" cy="540000"/>
+          </a:xfrm>
+          <a:prstGeom prst="rect">
+            <a:avLst/>
+          </a:prstGeom>
+          <a:noFill/>
+          <a:ln w="19050"/>
+        </p:spPr>
+        <p:style>
+          <a:lnRef idx="2">
+            <a:schemeClr val="accent1"/>
+          </a:lnRef>
+          <a:fillRef idx="1">
+            <a:schemeClr val="lt1"/>
+          </a:fillRef>
+          <a:effectRef idx="0">
+            <a:schemeClr val="accent1"/>
+          </a:effectRef>
+          <a:fontRef idx="minor">
+            <a:schemeClr val="dk1"/>
+          </a:fontRef>
+        </p:style>
+        <p:txBody>
+          <a:bodyPr lIns="124733" tIns="62367" rIns="124733" bIns="62367" rtlCol="0" anchor="ctr"/>
+          <a:lstStyle/>
+          <a:p>
+            <a:pPr algn="ctr"/>
+            <a:r>
+              <a:rPr lang="ru-RU" sz="700" dirty="0"/>
+              <a:t>Больница Сан-</a:t>
+            </a:r>
+            <a:r>
+              <a:rPr lang="ru-RU" sz="700" dirty="0" err="1"/>
+              <a:t>Висенте</a:t>
+            </a:r>
+            <a:r>
+              <a:rPr lang="ru-RU" sz="700" dirty="0"/>
+              <a:t> в Леоне</a:t>
+            </a:r>
+            <a:endParaRPr lang="ru-RU" sz="400" dirty="0"/>
+          </a:p>
+        </p:txBody>
+      </p:sp>
+      <p:sp>
+        <p:nvSpPr>
+          <p:cNvPr id="38" name="Прямоугольник 37">
+            <a:extLst>
+              <a:ext uri="{FF2B5EF4-FFF2-40B4-BE49-F238E27FC236}">
+                <a16:creationId xmlns="" xmlns:a16="http://schemas.microsoft.com/office/drawing/2014/main" id="{9C02A14C-DE5F-49AD-A4EE-A27966D0EFDC}"/>
+              </a:ext>
+            </a:extLst>
+          </p:cNvPr>
+          <p:cNvSpPr/>
+          <p:nvPr/>
+        </p:nvSpPr>
+        <p:spPr>
+          <a:xfrm>
+            <a:off x="14647672" y="14882933"/>
+            <a:ext cx="926325" cy="540000"/>
+          </a:xfrm>
+          <a:prstGeom prst="rect">
+            <a:avLst/>
+          </a:prstGeom>
+          <a:solidFill>
+            <a:srgbClr val="FF0000"/>
+          </a:solidFill>
+          <a:ln w="19050"/>
+        </p:spPr>
+        <p:style>
+          <a:lnRef idx="2">
+            <a:schemeClr val="accent1"/>
+          </a:lnRef>
+          <a:fillRef idx="1">
+            <a:schemeClr val="lt1"/>
+          </a:fillRef>
+          <a:effectRef idx="0">
+            <a:schemeClr val="accent1"/>
+          </a:effectRef>
+          <a:fontRef idx="minor">
+            <a:schemeClr val="dk1"/>
+          </a:fontRef>
+        </p:style>
+        <p:txBody>
+          <a:bodyPr lIns="124733" tIns="62367" rIns="124733" bIns="62367" rtlCol="0" anchor="ctr"/>
+          <a:lstStyle/>
+          <a:p>
+            <a:pPr algn="ctr"/>
+            <a:r>
+              <a:rPr lang="ru-RU" sz="700" dirty="0"/>
+              <a:t>Ликвидировать договор Брайана-Чаморро</a:t>
+            </a:r>
+            <a:endParaRPr lang="ru-RU" sz="400" dirty="0"/>
+          </a:p>
+        </p:txBody>
+      </p:sp>
+      <p:sp>
+        <p:nvSpPr>
+          <p:cNvPr id="39" name="Прямоугольник 38">
+            <a:extLst>
+              <a:ext uri="{FF2B5EF4-FFF2-40B4-BE49-F238E27FC236}">
+                <a16:creationId xmlns="" xmlns:a16="http://schemas.microsoft.com/office/drawing/2014/main" id="{CCC56779-6173-48FC-B7E9-574156FA22BE}"/>
+              </a:ext>
+            </a:extLst>
+          </p:cNvPr>
+          <p:cNvSpPr/>
+          <p:nvPr/>
+        </p:nvSpPr>
+        <p:spPr>
+          <a:xfrm>
+            <a:off x="14816444" y="15619436"/>
+            <a:ext cx="926325" cy="540000"/>
+          </a:xfrm>
+          <a:prstGeom prst="rect">
+            <a:avLst/>
+          </a:prstGeom>
+          <a:solidFill>
+            <a:srgbClr val="FF0000"/>
+          </a:solidFill>
+          <a:ln w="19050"/>
+        </p:spPr>
+        <p:style>
+          <a:lnRef idx="2">
+            <a:schemeClr val="accent1"/>
+          </a:lnRef>
+          <a:fillRef idx="1">
+            <a:schemeClr val="lt1"/>
+          </a:fillRef>
+          <a:effectRef idx="0">
+            <a:schemeClr val="accent1"/>
+          </a:effectRef>
+          <a:fontRef idx="minor">
+            <a:schemeClr val="dk1"/>
+          </a:fontRef>
+        </p:style>
+        <p:txBody>
+          <a:bodyPr lIns="124733" tIns="62367" rIns="124733" bIns="62367" rtlCol="0" anchor="ctr"/>
+          <a:lstStyle/>
+          <a:p>
+            <a:pPr algn="ctr"/>
+            <a:r>
+              <a:rPr lang="ru-RU" sz="700" dirty="0"/>
+              <a:t>Возобновить строительство Никарагуанского канала</a:t>
+            </a:r>
+            <a:endParaRPr lang="ru-RU" sz="400" dirty="0"/>
+          </a:p>
+        </p:txBody>
+      </p:sp>
+      <p:sp>
+        <p:nvSpPr>
+          <p:cNvPr id="42" name="Прямоугольник 41">
+            <a:extLst>
+              <a:ext uri="{FF2B5EF4-FFF2-40B4-BE49-F238E27FC236}">
+                <a16:creationId xmlns="" xmlns:a16="http://schemas.microsoft.com/office/drawing/2014/main" id="{03F7D570-4EE1-495E-9294-D367F2E7763E}"/>
+              </a:ext>
+            </a:extLst>
+          </p:cNvPr>
+          <p:cNvSpPr/>
+          <p:nvPr/>
+        </p:nvSpPr>
+        <p:spPr>
+          <a:xfrm>
+            <a:off x="7201571" y="2555740"/>
+            <a:ext cx="926325" cy="540000"/>
+          </a:xfrm>
+          <a:prstGeom prst="rect">
+            <a:avLst/>
+          </a:prstGeom>
+          <a:noFill/>
+          <a:ln w="19050"/>
+        </p:spPr>
+        <p:style>
+          <a:lnRef idx="2">
+            <a:schemeClr val="accent1"/>
+          </a:lnRef>
+          <a:fillRef idx="1">
+            <a:schemeClr val="lt1"/>
+          </a:fillRef>
+          <a:effectRef idx="0">
+            <a:schemeClr val="accent1"/>
+          </a:effectRef>
+          <a:fontRef idx="minor">
+            <a:schemeClr val="dk1"/>
+          </a:fontRef>
+        </p:style>
+        <p:txBody>
+          <a:bodyPr lIns="124733" tIns="62367" rIns="124733" bIns="62367" rtlCol="0" anchor="ctr"/>
+          <a:lstStyle/>
+          <a:p>
+            <a:pPr algn="ctr"/>
+            <a:r>
+              <a:rPr lang="ru-RU" sz="700" dirty="0"/>
+              <a:t>Нарастить импорт из Германии</a:t>
+            </a:r>
+            <a:endParaRPr lang="ru-RU" sz="400" dirty="0"/>
+          </a:p>
+        </p:txBody>
+      </p:sp>
+      <p:sp>
+        <p:nvSpPr>
+          <p:cNvPr id="43" name="Прямоугольник 42">
+            <a:extLst>
+              <a:ext uri="{FF2B5EF4-FFF2-40B4-BE49-F238E27FC236}">
+                <a16:creationId xmlns="" xmlns:a16="http://schemas.microsoft.com/office/drawing/2014/main" id="{5858A8E5-3EFA-419C-99B9-6773CA7E1501}"/>
+              </a:ext>
+            </a:extLst>
+          </p:cNvPr>
+          <p:cNvSpPr/>
+          <p:nvPr/>
+        </p:nvSpPr>
+        <p:spPr>
+          <a:xfrm>
+            <a:off x="6590135" y="3349542"/>
+            <a:ext cx="926325" cy="540000"/>
+          </a:xfrm>
+          <a:prstGeom prst="rect">
+            <a:avLst/>
+          </a:prstGeom>
+          <a:noFill/>
+          <a:ln w="19050"/>
+        </p:spPr>
+        <p:style>
+          <a:lnRef idx="2">
+            <a:schemeClr val="accent1"/>
+          </a:lnRef>
+          <a:fillRef idx="1">
+            <a:schemeClr val="lt1"/>
+          </a:fillRef>
+          <a:effectRef idx="0">
+            <a:schemeClr val="accent1"/>
+          </a:effectRef>
+          <a:fontRef idx="minor">
+            <a:schemeClr val="dk1"/>
+          </a:fontRef>
+        </p:style>
+        <p:txBody>
+          <a:bodyPr lIns="124733" tIns="62367" rIns="124733" bIns="62367" rtlCol="0" anchor="ctr"/>
+          <a:lstStyle/>
+          <a:p>
+            <a:pPr algn="ctr"/>
+            <a:r>
+              <a:rPr lang="ru-RU" sz="700" dirty="0"/>
+              <a:t>Германские вложения в сельское хозяйство </a:t>
+            </a:r>
+            <a:r>
+              <a:rPr lang="ru-RU" sz="200" dirty="0"/>
+              <a:t>(после чего германская собственность на территории страны (46 кофейных плантаций и 51 скотоводческое хозяйство) была конфискована)</a:t>
+            </a:r>
+            <a:endParaRPr lang="ru-RU" sz="400" dirty="0"/>
+          </a:p>
+        </p:txBody>
+      </p:sp>
+      <p:sp>
+        <p:nvSpPr>
+          <p:cNvPr id="45" name="Прямоугольник 44">
+            <a:extLst>
+              <a:ext uri="{FF2B5EF4-FFF2-40B4-BE49-F238E27FC236}">
+                <a16:creationId xmlns="" xmlns:a16="http://schemas.microsoft.com/office/drawing/2014/main" id="{29CBE310-5100-413A-B4C1-EA4E28F411B1}"/>
+              </a:ext>
+            </a:extLst>
+          </p:cNvPr>
+          <p:cNvSpPr/>
+          <p:nvPr/>
+        </p:nvSpPr>
+        <p:spPr>
+          <a:xfrm>
+            <a:off x="7838962" y="3343709"/>
+            <a:ext cx="926325" cy="540000"/>
+          </a:xfrm>
+          <a:prstGeom prst="rect">
+            <a:avLst/>
+          </a:prstGeom>
+          <a:noFill/>
+          <a:ln w="19050"/>
+        </p:spPr>
+        <p:style>
+          <a:lnRef idx="2">
+            <a:schemeClr val="accent1"/>
+          </a:lnRef>
+          <a:fillRef idx="1">
+            <a:schemeClr val="lt1"/>
+          </a:fillRef>
+          <a:effectRef idx="0">
+            <a:schemeClr val="accent1"/>
+          </a:effectRef>
+          <a:fontRef idx="minor">
+            <a:schemeClr val="dk1"/>
+          </a:fontRef>
+        </p:style>
+        <p:txBody>
+          <a:bodyPr lIns="124733" tIns="62367" rIns="124733" bIns="62367" rtlCol="0" anchor="ctr"/>
+          <a:lstStyle/>
+          <a:p>
+            <a:pPr algn="ctr"/>
+            <a:r>
+              <a:rPr lang="ru-RU" sz="700" dirty="0"/>
+              <a:t>Нарастить экспорт кофе</a:t>
+            </a:r>
+            <a:endParaRPr lang="ru-RU" sz="400" dirty="0"/>
+          </a:p>
+        </p:txBody>
+      </p:sp>
+      <p:sp>
+        <p:nvSpPr>
+          <p:cNvPr id="47" name="Прямоугольник 46">
+            <a:extLst>
+              <a:ext uri="{FF2B5EF4-FFF2-40B4-BE49-F238E27FC236}">
+                <a16:creationId xmlns="" xmlns:a16="http://schemas.microsoft.com/office/drawing/2014/main" id="{1163C105-465F-453D-9A47-C92FC2A2CB52}"/>
+              </a:ext>
+            </a:extLst>
+          </p:cNvPr>
+          <p:cNvSpPr/>
+          <p:nvPr/>
+        </p:nvSpPr>
+        <p:spPr>
+          <a:xfrm>
+            <a:off x="9934947" y="2555739"/>
+            <a:ext cx="926325" cy="540000"/>
+          </a:xfrm>
+          <a:prstGeom prst="rect">
+            <a:avLst/>
+          </a:prstGeom>
+          <a:noFill/>
+          <a:ln w="19050"/>
+        </p:spPr>
+        <p:style>
+          <a:lnRef idx="2">
+            <a:schemeClr val="accent1"/>
+          </a:lnRef>
+          <a:fillRef idx="1">
+            <a:schemeClr val="lt1"/>
+          </a:fillRef>
+          <a:effectRef idx="0">
+            <a:schemeClr val="accent1"/>
+          </a:effectRef>
+          <a:fontRef idx="minor">
+            <a:schemeClr val="dk1"/>
+          </a:fontRef>
+        </p:style>
+        <p:txBody>
+          <a:bodyPr lIns="124733" tIns="62367" rIns="124733" bIns="62367" rtlCol="0" anchor="ctr"/>
+          <a:lstStyle/>
+          <a:p>
+            <a:pPr algn="ctr"/>
+            <a:r>
+              <a:rPr lang="ru-RU" sz="700" dirty="0"/>
+              <a:t>Американские вложения в промышленность</a:t>
+            </a:r>
+            <a:r>
+              <a:rPr lang="ru-RU" sz="100" dirty="0"/>
+              <a:t>(. К тому же именно американский капитал и представлял собой фактически всю рудиментарную промышленность Никарагуа.13 миллионов долларов американских инвестиций было </a:t>
+            </a:r>
+            <a:r>
+              <a:rPr lang="ru-RU" sz="100" dirty="0" err="1"/>
+              <a:t>сосредоточе¬но</a:t>
+            </a:r>
+            <a:r>
+              <a:rPr lang="ru-RU" sz="100" dirty="0"/>
+              <a:t> в </a:t>
+            </a:r>
+            <a:r>
+              <a:rPr lang="ru-RU" sz="100" dirty="0" err="1"/>
+              <a:t>Москитии</a:t>
+            </a:r>
+            <a:r>
+              <a:rPr lang="ru-RU" sz="100" dirty="0"/>
+              <a:t> — добыча золота, заготовка древесины, банановые </a:t>
+            </a:r>
+            <a:r>
+              <a:rPr lang="ru-RU" sz="100" dirty="0" err="1"/>
+              <a:t>планта¬ции</a:t>
+            </a:r>
+            <a:r>
+              <a:rPr lang="ru-RU" sz="100" dirty="0"/>
+              <a:t>. Там у американских компаний были собственные портовые сооружения и железные дороги. В западной части Никарагуа американцы вложили только 2 миллиона долларов — в плантации кофе, хлопка и коммунальное хозяйство Манагуа.)</a:t>
+            </a:r>
+            <a:endParaRPr lang="ru-RU" sz="400" dirty="0"/>
+          </a:p>
+        </p:txBody>
+      </p:sp>
+      <p:sp>
+        <p:nvSpPr>
+          <p:cNvPr id="48" name="Прямоугольник 47">
+            <a:extLst>
+              <a:ext uri="{FF2B5EF4-FFF2-40B4-BE49-F238E27FC236}">
+                <a16:creationId xmlns="" xmlns:a16="http://schemas.microsoft.com/office/drawing/2014/main" id="{D53819E8-2FF6-4FFA-A7E4-75D55AADB8B5}"/>
+              </a:ext>
+            </a:extLst>
+          </p:cNvPr>
+          <p:cNvSpPr/>
+          <p:nvPr/>
+        </p:nvSpPr>
+        <p:spPr>
+          <a:xfrm>
+            <a:off x="9301494" y="3349542"/>
+            <a:ext cx="926325" cy="540000"/>
+          </a:xfrm>
+          <a:prstGeom prst="rect">
+            <a:avLst/>
+          </a:prstGeom>
+          <a:noFill/>
+          <a:ln w="19050"/>
+        </p:spPr>
+        <p:style>
+          <a:lnRef idx="2">
+            <a:schemeClr val="accent1"/>
+          </a:lnRef>
+          <a:fillRef idx="1">
+            <a:schemeClr val="lt1"/>
+          </a:fillRef>
+          <a:effectRef idx="0">
+            <a:schemeClr val="accent1"/>
+          </a:effectRef>
+          <a:fontRef idx="minor">
+            <a:schemeClr val="dk1"/>
+          </a:fontRef>
+        </p:style>
+        <p:txBody>
+          <a:bodyPr lIns="124733" tIns="62367" rIns="124733" bIns="62367" rtlCol="0" anchor="ctr"/>
+          <a:lstStyle/>
+          <a:p>
+            <a:pPr algn="ctr"/>
+            <a:r>
+              <a:rPr lang="ru-RU" sz="700" dirty="0"/>
+              <a:t>Золотодобывающие кампании</a:t>
+            </a:r>
+            <a:endParaRPr lang="ru-RU" sz="400" dirty="0"/>
+          </a:p>
+        </p:txBody>
+      </p:sp>
+      <p:sp>
+        <p:nvSpPr>
+          <p:cNvPr id="49" name="Прямоугольник 48">
+            <a:extLst>
+              <a:ext uri="{FF2B5EF4-FFF2-40B4-BE49-F238E27FC236}">
+                <a16:creationId xmlns="" xmlns:a16="http://schemas.microsoft.com/office/drawing/2014/main" id="{F9117D70-446E-4EA7-820C-5F0C5AE4BB1B}"/>
+              </a:ext>
+            </a:extLst>
+          </p:cNvPr>
+          <p:cNvSpPr/>
+          <p:nvPr/>
+        </p:nvSpPr>
+        <p:spPr>
+          <a:xfrm>
+            <a:off x="8581873" y="2555740"/>
+            <a:ext cx="926325" cy="540000"/>
+          </a:xfrm>
+          <a:prstGeom prst="rect">
+            <a:avLst/>
+          </a:prstGeom>
+          <a:noFill/>
+          <a:ln w="19050"/>
+        </p:spPr>
+        <p:style>
+          <a:lnRef idx="2">
+            <a:schemeClr val="accent1"/>
+          </a:lnRef>
+          <a:fillRef idx="1">
+            <a:schemeClr val="lt1"/>
+          </a:fillRef>
+          <a:effectRef idx="0">
+            <a:schemeClr val="accent1"/>
+          </a:effectRef>
+          <a:fontRef idx="minor">
+            <a:schemeClr val="dk1"/>
+          </a:fontRef>
+        </p:style>
+        <p:txBody>
+          <a:bodyPr lIns="124733" tIns="62367" rIns="124733" bIns="62367" rtlCol="0" anchor="ctr"/>
+          <a:lstStyle/>
+          <a:p>
+            <a:pPr algn="ctr"/>
+            <a:r>
+              <a:rPr lang="ru-RU" sz="700" dirty="0"/>
+              <a:t>Стабилизация курса кордобы </a:t>
+            </a:r>
+            <a:r>
+              <a:rPr lang="ru-RU" sz="200" dirty="0"/>
+              <a:t>(Уже через две недели после принесения президентской присяги </a:t>
+            </a:r>
+            <a:r>
+              <a:rPr lang="ru-RU" sz="200" dirty="0" err="1"/>
+              <a:t>Сомоса</a:t>
+            </a:r>
+            <a:r>
+              <a:rPr lang="ru-RU" sz="200" dirty="0"/>
+              <a:t> резко девальвировал кордобу. Теперь Национальный банк продавал ее </a:t>
+            </a:r>
+            <a:r>
+              <a:rPr lang="ru-RU" sz="200" dirty="0" err="1"/>
+              <a:t>импор¬терам</a:t>
+            </a:r>
+            <a:r>
+              <a:rPr lang="ru-RU" sz="200" dirty="0"/>
+              <a:t> не по курсу 1:1. а по курсу 1,9:1 . Тем самым был нанесен удар по </a:t>
+            </a:r>
+            <a:r>
+              <a:rPr lang="ru-RU" sz="200" dirty="0" err="1"/>
+              <a:t>чер¬ному</a:t>
+            </a:r>
+            <a:r>
+              <a:rPr lang="ru-RU" sz="200" dirty="0"/>
+              <a:t> валютному рынку, где за доллар давали 2,6 кордобы. Однако эта мера оказалась недостаточной, так как самих долларов у Национального банка было мало. Импортеры требовали, чтобы банк продал свои золотые резервы и </a:t>
+            </a:r>
+            <a:r>
+              <a:rPr lang="ru-RU" sz="200" dirty="0" err="1"/>
+              <a:t>ку¬пил</a:t>
+            </a:r>
+            <a:r>
+              <a:rPr lang="ru-RU" sz="200" dirty="0"/>
+              <a:t> долларов для свободной продажи</a:t>
+            </a:r>
+            <a:r>
+              <a:rPr lang="ru-RU" sz="200" dirty="0" smtClean="0"/>
+              <a:t>.)</a:t>
+            </a:r>
+            <a:endParaRPr lang="ru-RU" sz="100" dirty="0"/>
+          </a:p>
+        </p:txBody>
+      </p:sp>
+      <p:sp>
+        <p:nvSpPr>
+          <p:cNvPr id="50" name="Прямоугольник 49">
+            <a:extLst>
+              <a:ext uri="{FF2B5EF4-FFF2-40B4-BE49-F238E27FC236}">
+                <a16:creationId xmlns="" xmlns:a16="http://schemas.microsoft.com/office/drawing/2014/main" id="{357E437B-3536-45BE-A3D0-3F539D983768}"/>
+              </a:ext>
+            </a:extLst>
+          </p:cNvPr>
+          <p:cNvSpPr/>
+          <p:nvPr/>
+        </p:nvSpPr>
+        <p:spPr>
+          <a:xfrm>
+            <a:off x="4429150" y="6570566"/>
+            <a:ext cx="926325" cy="540000"/>
+          </a:xfrm>
+          <a:prstGeom prst="rect">
+            <a:avLst/>
+          </a:prstGeom>
+          <a:noFill/>
+          <a:ln w="19050"/>
+        </p:spPr>
+        <p:style>
+          <a:lnRef idx="2">
+            <a:schemeClr val="accent1"/>
+          </a:lnRef>
+          <a:fillRef idx="1">
+            <a:schemeClr val="lt1"/>
+          </a:fillRef>
+          <a:effectRef idx="0">
+            <a:schemeClr val="accent1"/>
+          </a:effectRef>
+          <a:fontRef idx="minor">
+            <a:schemeClr val="dk1"/>
+          </a:fontRef>
+        </p:style>
+        <p:txBody>
+          <a:bodyPr lIns="124733" tIns="62367" rIns="124733" bIns="62367" rtlCol="0" anchor="ctr"/>
+          <a:lstStyle/>
+          <a:p>
+            <a:pPr algn="ctr"/>
+            <a:r>
+              <a:rPr lang="ru-RU" sz="700" dirty="0"/>
+              <a:t>Восстановление после землетрясения 1931 года </a:t>
+            </a:r>
+            <a:r>
+              <a:rPr lang="ru-RU" sz="300" dirty="0"/>
+              <a:t>(При нём были восстановлены некоторые общественные здания, разрушенные землетрясением 1931 года[)</a:t>
+            </a:r>
+            <a:endParaRPr lang="ru-RU" sz="400" dirty="0"/>
+          </a:p>
+        </p:txBody>
+      </p:sp>
+      <p:cxnSp>
+        <p:nvCxnSpPr>
+          <p:cNvPr id="51" name="Прямая со стрелкой 50">
+            <a:extLst>
+              <a:ext uri="{FF2B5EF4-FFF2-40B4-BE49-F238E27FC236}">
+                <a16:creationId xmlns="" xmlns:a16="http://schemas.microsoft.com/office/drawing/2014/main" id="{F822F6CB-0335-40A1-921A-29544F834AD9}"/>
+              </a:ext>
+            </a:extLst>
+          </p:cNvPr>
+          <p:cNvCxnSpPr>
+            <a:cxnSpLocks/>
+            <a:stCxn id="37" idx="2"/>
+            <a:endCxn id="50" idx="0"/>
+          </p:cNvCxnSpPr>
+          <p:nvPr/>
+        </p:nvCxnSpPr>
+        <p:spPr>
+          <a:xfrm flipH="1">
+            <a:off x="4892313" y="6321553"/>
+            <a:ext cx="1" cy="249013"/>
+          </a:xfrm>
+          <a:prstGeom prst="straightConnector1">
+            <a:avLst/>
+          </a:prstGeom>
+          <a:ln w="19050">
+            <a:tailEnd type="arrow"/>
+          </a:ln>
+        </p:spPr>
+        <p:style>
+          <a:lnRef idx="1">
+            <a:schemeClr val="accent1"/>
+          </a:lnRef>
+          <a:fillRef idx="0">
+            <a:schemeClr val="accent1"/>
+          </a:fillRef>
+          <a:effectRef idx="0">
+            <a:schemeClr val="accent1"/>
+          </a:effectRef>
+          <a:fontRef idx="minor">
+            <a:schemeClr val="tx1"/>
+          </a:fontRef>
+        </p:style>
+      </p:cxnSp>
+      <p:cxnSp>
+        <p:nvCxnSpPr>
+          <p:cNvPr id="52" name="Прямая со стрелкой 51">
+            <a:extLst>
+              <a:ext uri="{FF2B5EF4-FFF2-40B4-BE49-F238E27FC236}">
+                <a16:creationId xmlns="" xmlns:a16="http://schemas.microsoft.com/office/drawing/2014/main" id="{5BCAF6D7-5BA1-4C42-82B8-95F6B189B961}"/>
+              </a:ext>
+            </a:extLst>
+          </p:cNvPr>
+          <p:cNvCxnSpPr>
+            <a:cxnSpLocks/>
+            <a:stCxn id="34" idx="2"/>
+            <a:endCxn id="35" idx="0"/>
+          </p:cNvCxnSpPr>
+          <p:nvPr/>
+        </p:nvCxnSpPr>
+        <p:spPr>
+          <a:xfrm flipH="1">
+            <a:off x="7671292" y="6321553"/>
+            <a:ext cx="1" cy="249013"/>
+          </a:xfrm>
+          <a:prstGeom prst="straightConnector1">
+            <a:avLst/>
+          </a:prstGeom>
+          <a:ln w="19050">
+            <a:tailEnd type="arrow"/>
+          </a:ln>
+        </p:spPr>
+        <p:style>
+          <a:lnRef idx="1">
+            <a:schemeClr val="accent1"/>
+          </a:lnRef>
+          <a:fillRef idx="0">
+            <a:schemeClr val="accent1"/>
+          </a:fillRef>
+          <a:effectRef idx="0">
+            <a:schemeClr val="accent1"/>
+          </a:effectRef>
+          <a:fontRef idx="minor">
+            <a:schemeClr val="tx1"/>
+          </a:fontRef>
+        </p:style>
+      </p:cxnSp>
+      <p:sp>
+        <p:nvSpPr>
+          <p:cNvPr id="55" name="Прямоугольник 54">
+            <a:extLst>
+              <a:ext uri="{FF2B5EF4-FFF2-40B4-BE49-F238E27FC236}">
+                <a16:creationId xmlns="" xmlns:a16="http://schemas.microsoft.com/office/drawing/2014/main" id="{59913842-712E-4C78-8382-3186E11F9969}"/>
+              </a:ext>
+            </a:extLst>
+          </p:cNvPr>
+          <p:cNvSpPr/>
+          <p:nvPr/>
+        </p:nvSpPr>
+        <p:spPr>
+          <a:xfrm>
+            <a:off x="2344923" y="7558724"/>
+            <a:ext cx="926325" cy="540000"/>
+          </a:xfrm>
+          <a:prstGeom prst="rect">
+            <a:avLst/>
+          </a:prstGeom>
+          <a:solidFill>
+            <a:schemeClr val="bg1">
+              <a:lumMod val="65000"/>
+            </a:schemeClr>
+          </a:solidFill>
+          <a:ln w="19050"/>
+        </p:spPr>
+        <p:style>
+          <a:lnRef idx="2">
+            <a:schemeClr val="accent1"/>
+          </a:lnRef>
+          <a:fillRef idx="1">
+            <a:schemeClr val="lt1"/>
+          </a:fillRef>
+          <a:effectRef idx="0">
+            <a:schemeClr val="accent1"/>
+          </a:effectRef>
+          <a:fontRef idx="minor">
+            <a:schemeClr val="dk1"/>
+          </a:fontRef>
+        </p:style>
+        <p:txBody>
+          <a:bodyPr lIns="124733" tIns="62367" rIns="124733" bIns="62367" rtlCol="0" anchor="ctr"/>
+          <a:lstStyle/>
+          <a:p>
+            <a:pPr algn="ctr"/>
+            <a:r>
+              <a:rPr lang="ru-RU" sz="700" dirty="0"/>
               <a:t>Отставка </a:t>
             </a:r>
             <a:r>
@@ -6138,7 +5885,7 @@
           <p:cNvPr id="56" name="Прямоугольник 55">
             <a:extLst>
               <a:ext uri="{FF2B5EF4-FFF2-40B4-BE49-F238E27FC236}">
-                <a16:creationId xmlns:a16="http://schemas.microsoft.com/office/drawing/2014/main" id="{6C5218F4-B4FE-4973-B0D1-795F69898B06}"/>
+                <a16:creationId xmlns="" xmlns:a16="http://schemas.microsoft.com/office/drawing/2014/main" id="{6C5218F4-B4FE-4973-B0D1-795F69898B06}"/>
               </a:ext>
             </a:extLst>
           </p:cNvPr>
@@ -6181,8 +5928,8 @@
           <a:p>
             <a:pPr algn="ctr"/>
             <a:r>
-              <a:rPr lang="ru-RU" sz="700" dirty="0"/>
-              <a:t>Июньские всеобщие выборы</a:t>
+              <a:rPr lang="ru-RU" sz="700" dirty="0" smtClean="0"/>
+              <a:t>«Правительство Согласия»</a:t>
             </a:r>
             <a:endParaRPr lang="ru-RU" sz="400" dirty="0"/>
           </a:p>
@@ -6193,7 +5940,7 @@
           <p:cNvPr id="59" name="Соединительная линия уступом 903">
             <a:extLst>
               <a:ext uri="{FF2B5EF4-FFF2-40B4-BE49-F238E27FC236}">
-                <a16:creationId xmlns:a16="http://schemas.microsoft.com/office/drawing/2014/main" id="{109A067E-CE15-4E03-9773-91E0273879C6}"/>
+                <a16:creationId xmlns="" xmlns:a16="http://schemas.microsoft.com/office/drawing/2014/main" id="{109A067E-CE15-4E03-9773-91E0273879C6}"/>
               </a:ext>
             </a:extLst>
           </p:cNvPr>
@@ -6239,7 +5986,7 @@
           <p:cNvPr id="62" name="Соединительная линия уступом 903">
             <a:extLst>
               <a:ext uri="{FF2B5EF4-FFF2-40B4-BE49-F238E27FC236}">
-                <a16:creationId xmlns:a16="http://schemas.microsoft.com/office/drawing/2014/main" id="{6C07AA97-4525-4DE7-ADCC-04D2CBE84DB2}"/>
+                <a16:creationId xmlns="" xmlns:a16="http://schemas.microsoft.com/office/drawing/2014/main" id="{6C07AA97-4525-4DE7-ADCC-04D2CBE84DB2}"/>
               </a:ext>
             </a:extLst>
           </p:cNvPr>
@@ -6285,7 +6032,7 @@
           <p:cNvPr id="65" name="Соединительная линия уступом 903">
             <a:extLst>
               <a:ext uri="{FF2B5EF4-FFF2-40B4-BE49-F238E27FC236}">
-                <a16:creationId xmlns:a16="http://schemas.microsoft.com/office/drawing/2014/main" id="{43EDEE73-8E0A-4B11-A556-528A0A52CC3F}"/>
+                <a16:creationId xmlns="" xmlns:a16="http://schemas.microsoft.com/office/drawing/2014/main" id="{43EDEE73-8E0A-4B11-A556-528A0A52CC3F}"/>
               </a:ext>
             </a:extLst>
           </p:cNvPr>
@@ -6331,7 +6078,7 @@
           <p:cNvPr id="68" name="Соединительная линия уступом 903">
             <a:extLst>
               <a:ext uri="{FF2B5EF4-FFF2-40B4-BE49-F238E27FC236}">
-                <a16:creationId xmlns:a16="http://schemas.microsoft.com/office/drawing/2014/main" id="{59D2BA6A-BD9D-4F57-A305-E873010A82F4}"/>
+                <a16:creationId xmlns="" xmlns:a16="http://schemas.microsoft.com/office/drawing/2014/main" id="{59D2BA6A-BD9D-4F57-A305-E873010A82F4}"/>
               </a:ext>
             </a:extLst>
           </p:cNvPr>
@@ -6377,7 +6124,7 @@
           <p:cNvPr id="71" name="Соединительная линия уступом 903">
             <a:extLst>
               <a:ext uri="{FF2B5EF4-FFF2-40B4-BE49-F238E27FC236}">
-                <a16:creationId xmlns:a16="http://schemas.microsoft.com/office/drawing/2014/main" id="{00B11476-6764-4576-A5AA-307DE0B54FA8}"/>
+                <a16:creationId xmlns="" xmlns:a16="http://schemas.microsoft.com/office/drawing/2014/main" id="{00B11476-6764-4576-A5AA-307DE0B54FA8}"/>
               </a:ext>
             </a:extLst>
           </p:cNvPr>
@@ -6423,7 +6170,7 @@
           <p:cNvPr id="74" name="Соединительная линия уступом 903">
             <a:extLst>
               <a:ext uri="{FF2B5EF4-FFF2-40B4-BE49-F238E27FC236}">
-                <a16:creationId xmlns:a16="http://schemas.microsoft.com/office/drawing/2014/main" id="{F1EE0CAA-C3CE-4369-8DB1-59C2A23436F1}"/>
+                <a16:creationId xmlns="" xmlns:a16="http://schemas.microsoft.com/office/drawing/2014/main" id="{F1EE0CAA-C3CE-4369-8DB1-59C2A23436F1}"/>
               </a:ext>
             </a:extLst>
           </p:cNvPr>
@@ -6469,7 +6216,7 @@
           <p:cNvPr id="77" name="Прямоугольник 76">
             <a:extLst>
               <a:ext uri="{FF2B5EF4-FFF2-40B4-BE49-F238E27FC236}">
-                <a16:creationId xmlns:a16="http://schemas.microsoft.com/office/drawing/2014/main" id="{F492B8D6-39F0-4D20-92A4-58A3AE1323E7}"/>
+                <a16:creationId xmlns="" xmlns:a16="http://schemas.microsoft.com/office/drawing/2014/main" id="{F492B8D6-39F0-4D20-92A4-58A3AE1323E7}"/>
               </a:ext>
             </a:extLst>
           </p:cNvPr>
@@ -6523,7 +6270,7 @@
           <p:cNvPr id="78" name="Прямоугольник 77">
             <a:extLst>
               <a:ext uri="{FF2B5EF4-FFF2-40B4-BE49-F238E27FC236}">
-                <a16:creationId xmlns:a16="http://schemas.microsoft.com/office/drawing/2014/main" id="{AE8DBF0B-DB9F-42C3-8B1F-A688891403FA}"/>
+                <a16:creationId xmlns="" xmlns:a16="http://schemas.microsoft.com/office/drawing/2014/main" id="{AE8DBF0B-DB9F-42C3-8B1F-A688891403FA}"/>
               </a:ext>
             </a:extLst>
           </p:cNvPr>
@@ -6597,7 +6344,7 @@
           <p:cNvPr id="80" name="Прямоугольник 79">
             <a:extLst>
               <a:ext uri="{FF2B5EF4-FFF2-40B4-BE49-F238E27FC236}">
-                <a16:creationId xmlns:a16="http://schemas.microsoft.com/office/drawing/2014/main" id="{51DDA96E-A685-43FC-845D-8C9265EE929A}"/>
+                <a16:creationId xmlns="" xmlns:a16="http://schemas.microsoft.com/office/drawing/2014/main" id="{51DDA96E-A685-43FC-845D-8C9265EE929A}"/>
               </a:ext>
             </a:extLst>
           </p:cNvPr>
@@ -6649,7 +6396,7 @@
           <p:cNvPr id="81" name="Прямоугольник 80">
             <a:extLst>
               <a:ext uri="{FF2B5EF4-FFF2-40B4-BE49-F238E27FC236}">
-                <a16:creationId xmlns:a16="http://schemas.microsoft.com/office/drawing/2014/main" id="{FC846415-2760-43A4-A1A1-795C4968509B}"/>
+                <a16:creationId xmlns="" xmlns:a16="http://schemas.microsoft.com/office/drawing/2014/main" id="{FC846415-2760-43A4-A1A1-795C4968509B}"/>
               </a:ext>
             </a:extLst>
           </p:cNvPr>
@@ -6701,7 +6448,7 @@
           <p:cNvPr id="82" name="Прямоугольник 81">
             <a:extLst>
               <a:ext uri="{FF2B5EF4-FFF2-40B4-BE49-F238E27FC236}">
-                <a16:creationId xmlns:a16="http://schemas.microsoft.com/office/drawing/2014/main" id="{BF5DE4AD-D7D4-4C86-9704-BFA8884FD2C7}"/>
+                <a16:creationId xmlns="" xmlns:a16="http://schemas.microsoft.com/office/drawing/2014/main" id="{BF5DE4AD-D7D4-4C86-9704-BFA8884FD2C7}"/>
               </a:ext>
             </a:extLst>
           </p:cNvPr>
@@ -6753,7 +6500,7 @@
           <p:cNvPr id="83" name="Прямоугольник 82">
             <a:extLst>
               <a:ext uri="{FF2B5EF4-FFF2-40B4-BE49-F238E27FC236}">
-                <a16:creationId xmlns:a16="http://schemas.microsoft.com/office/drawing/2014/main" id="{FFDF3200-07AF-4F88-9AFA-E895A9EB463F}"/>
+                <a16:creationId xmlns="" xmlns:a16="http://schemas.microsoft.com/office/drawing/2014/main" id="{FFDF3200-07AF-4F88-9AFA-E895A9EB463F}"/>
               </a:ext>
             </a:extLst>
           </p:cNvPr>
@@ -6805,7 +6552,7 @@
           <p:cNvPr id="84" name="Прямоугольник 83">
             <a:extLst>
               <a:ext uri="{FF2B5EF4-FFF2-40B4-BE49-F238E27FC236}">
-                <a16:creationId xmlns:a16="http://schemas.microsoft.com/office/drawing/2014/main" id="{CA07F76D-4941-4BBE-8B5A-F0348C4D0FB6}"/>
+                <a16:creationId xmlns="" xmlns:a16="http://schemas.microsoft.com/office/drawing/2014/main" id="{CA07F76D-4941-4BBE-8B5A-F0348C4D0FB6}"/>
               </a:ext>
             </a:extLst>
           </p:cNvPr>
@@ -6857,7 +6604,7 @@
           <p:cNvPr id="85" name="Прямоугольник 84">
             <a:extLst>
               <a:ext uri="{FF2B5EF4-FFF2-40B4-BE49-F238E27FC236}">
-                <a16:creationId xmlns:a16="http://schemas.microsoft.com/office/drawing/2014/main" id="{B4C6B690-1886-4211-AFBE-6C0A99C1C73F}"/>
+                <a16:creationId xmlns="" xmlns:a16="http://schemas.microsoft.com/office/drawing/2014/main" id="{B4C6B690-1886-4211-AFBE-6C0A99C1C73F}"/>
               </a:ext>
             </a:extLst>
           </p:cNvPr>
@@ -6909,7 +6656,7 @@
           <p:cNvPr id="86" name="Прямоугольник 85">
             <a:extLst>
               <a:ext uri="{FF2B5EF4-FFF2-40B4-BE49-F238E27FC236}">
-                <a16:creationId xmlns:a16="http://schemas.microsoft.com/office/drawing/2014/main" id="{D4D526C2-9053-416E-9EDD-C32F7B959DFA}"/>
+                <a16:creationId xmlns="" xmlns:a16="http://schemas.microsoft.com/office/drawing/2014/main" id="{D4D526C2-9053-416E-9EDD-C32F7B959DFA}"/>
               </a:ext>
             </a:extLst>
           </p:cNvPr>
@@ -6961,7 +6708,7 @@
           <p:cNvPr id="87" name="Прямоугольник 86">
             <a:extLst>
               <a:ext uri="{FF2B5EF4-FFF2-40B4-BE49-F238E27FC236}">
-                <a16:creationId xmlns:a16="http://schemas.microsoft.com/office/drawing/2014/main" id="{05781F45-96BD-4772-A7F8-D0C0E48CF0C4}"/>
+                <a16:creationId xmlns="" xmlns:a16="http://schemas.microsoft.com/office/drawing/2014/main" id="{05781F45-96BD-4772-A7F8-D0C0E48CF0C4}"/>
               </a:ext>
             </a:extLst>
           </p:cNvPr>
@@ -7017,7 +6764,7 @@
           <p:cNvPr id="88" name="Прямоугольник 87">
             <a:extLst>
               <a:ext uri="{FF2B5EF4-FFF2-40B4-BE49-F238E27FC236}">
-                <a16:creationId xmlns:a16="http://schemas.microsoft.com/office/drawing/2014/main" id="{422F676B-23F7-43EE-A95A-69895A18F0AD}"/>
+                <a16:creationId xmlns="" xmlns:a16="http://schemas.microsoft.com/office/drawing/2014/main" id="{422F676B-23F7-43EE-A95A-69895A18F0AD}"/>
               </a:ext>
             </a:extLst>
           </p:cNvPr>
@@ -7026,7 +6773,7 @@
         </p:nvSpPr>
         <p:spPr>
           <a:xfrm>
-            <a:off x="15180033" y="6135747"/>
+            <a:off x="14037726" y="5677245"/>
             <a:ext cx="1918902" cy="1962976"/>
           </a:xfrm>
           <a:prstGeom prst="rect">
@@ -7225,7 +6972,7 @@
           <p:cNvPr id="89" name="Прямоугольник 88">
             <a:extLst>
               <a:ext uri="{FF2B5EF4-FFF2-40B4-BE49-F238E27FC236}">
-                <a16:creationId xmlns:a16="http://schemas.microsoft.com/office/drawing/2014/main" id="{F33E5A38-0B16-4D37-89E1-19C913A5BC13}"/>
+                <a16:creationId xmlns="" xmlns:a16="http://schemas.microsoft.com/office/drawing/2014/main" id="{F33E5A38-0B16-4D37-89E1-19C913A5BC13}"/>
               </a:ext>
             </a:extLst>
           </p:cNvPr>
@@ -7291,7 +7038,7 @@
           <p:cNvPr id="90" name="Прямоугольник 89">
             <a:extLst>
               <a:ext uri="{FF2B5EF4-FFF2-40B4-BE49-F238E27FC236}">
-                <a16:creationId xmlns:a16="http://schemas.microsoft.com/office/drawing/2014/main" id="{8C2287E1-C065-4042-BB84-91F0CF7A3A74}"/>
+                <a16:creationId xmlns="" xmlns:a16="http://schemas.microsoft.com/office/drawing/2014/main" id="{8C2287E1-C065-4042-BB84-91F0CF7A3A74}"/>
               </a:ext>
             </a:extLst>
           </p:cNvPr>
@@ -7541,7 +7288,7 @@
           <p:cNvPr id="91" name="Прямоугольник 90">
             <a:extLst>
               <a:ext uri="{FF2B5EF4-FFF2-40B4-BE49-F238E27FC236}">
-                <a16:creationId xmlns:a16="http://schemas.microsoft.com/office/drawing/2014/main" id="{58596D98-69F8-48F5-B5AF-D2569C87ECDC}"/>
+                <a16:creationId xmlns="" xmlns:a16="http://schemas.microsoft.com/office/drawing/2014/main" id="{58596D98-69F8-48F5-B5AF-D2569C87ECDC}"/>
               </a:ext>
             </a:extLst>
           </p:cNvPr>
@@ -7620,7 +7367,23 @@
             </a:r>
             <a:r>
               <a:rPr lang="ru-RU" sz="200" dirty="0"/>
-              <a:t> «Верховный руководитель»)</a:t>
+              <a:t> «Верховный руководитель») Большую часть </a:t>
+            </a:r>
+            <a:r>
+              <a:rPr lang="ru-RU" sz="200" dirty="0" err="1"/>
+              <a:t>дик¬татор</a:t>
+            </a:r>
+            <a:r>
+              <a:rPr lang="ru-RU" sz="200" dirty="0"/>
+              <a:t> оставлял за собой. Он официально являлся главой железных дорог с </a:t>
+            </a:r>
+            <a:r>
+              <a:rPr lang="ru-RU" sz="200" dirty="0" err="1"/>
+              <a:t>ти¬тулом</a:t>
+            </a:r>
+            <a:r>
+              <a:rPr lang="ru-RU" sz="200" dirty="0"/>
+              <a:t> «Верховный руководитель»</a:t>
             </a:r>
             <a:endParaRPr lang="ru-RU" sz="400" dirty="0"/>
           </a:p>
@@ -7631,7 +7394,7 @@
           <p:cNvPr id="92" name="Прямоугольник 91">
             <a:extLst>
               <a:ext uri="{FF2B5EF4-FFF2-40B4-BE49-F238E27FC236}">
-                <a16:creationId xmlns:a16="http://schemas.microsoft.com/office/drawing/2014/main" id="{A0E90C58-DFD9-4550-AC8D-DED87F819668}"/>
+                <a16:creationId xmlns="" xmlns:a16="http://schemas.microsoft.com/office/drawing/2014/main" id="{A0E90C58-DFD9-4550-AC8D-DED87F819668}"/>
               </a:ext>
             </a:extLst>
           </p:cNvPr>
@@ -7713,7 +7476,7 @@
           <p:cNvPr id="93" name="Прямоугольник 92">
             <a:extLst>
               <a:ext uri="{FF2B5EF4-FFF2-40B4-BE49-F238E27FC236}">
-                <a16:creationId xmlns:a16="http://schemas.microsoft.com/office/drawing/2014/main" id="{905EFC66-02B2-49ED-A696-FAEF4A1D6416}"/>
+                <a16:creationId xmlns="" xmlns:a16="http://schemas.microsoft.com/office/drawing/2014/main" id="{905EFC66-02B2-49ED-A696-FAEF4A1D6416}"/>
               </a:ext>
             </a:extLst>
           </p:cNvPr>
@@ -7803,7 +7566,7 @@
           <p:cNvPr id="94" name="Прямоугольник 93">
             <a:extLst>
               <a:ext uri="{FF2B5EF4-FFF2-40B4-BE49-F238E27FC236}">
-                <a16:creationId xmlns:a16="http://schemas.microsoft.com/office/drawing/2014/main" id="{9261C47C-5EE1-4F56-8101-3DF5265766CF}"/>
+                <a16:creationId xmlns="" xmlns:a16="http://schemas.microsoft.com/office/drawing/2014/main" id="{9261C47C-5EE1-4F56-8101-3DF5265766CF}"/>
               </a:ext>
             </a:extLst>
           </p:cNvPr>
@@ -7865,7 +7628,7 @@
           <p:cNvPr id="95" name="Прямоугольник 94">
             <a:extLst>
               <a:ext uri="{FF2B5EF4-FFF2-40B4-BE49-F238E27FC236}">
-                <a16:creationId xmlns:a16="http://schemas.microsoft.com/office/drawing/2014/main" id="{C2DE2667-AAF6-4947-B73A-9F430C79018E}"/>
+                <a16:creationId xmlns="" xmlns:a16="http://schemas.microsoft.com/office/drawing/2014/main" id="{C2DE2667-AAF6-4947-B73A-9F430C79018E}"/>
               </a:ext>
             </a:extLst>
           </p:cNvPr>
@@ -7939,7 +7702,7 @@
           <p:cNvPr id="96" name="Прямоугольник 95">
             <a:extLst>
               <a:ext uri="{FF2B5EF4-FFF2-40B4-BE49-F238E27FC236}">
-                <a16:creationId xmlns:a16="http://schemas.microsoft.com/office/drawing/2014/main" id="{F057BD5D-D5FA-4727-B502-9F95624798B4}"/>
+                <a16:creationId xmlns="" xmlns:a16="http://schemas.microsoft.com/office/drawing/2014/main" id="{F057BD5D-D5FA-4727-B502-9F95624798B4}"/>
               </a:ext>
             </a:extLst>
           </p:cNvPr>
@@ -8069,7 +7832,7 @@
           <p:cNvPr id="97" name="Прямоугольник 96">
             <a:extLst>
               <a:ext uri="{FF2B5EF4-FFF2-40B4-BE49-F238E27FC236}">
-                <a16:creationId xmlns:a16="http://schemas.microsoft.com/office/drawing/2014/main" id="{BE32C799-1429-4853-B5A8-AE3345E90D8D}"/>
+                <a16:creationId xmlns="" xmlns:a16="http://schemas.microsoft.com/office/drawing/2014/main" id="{BE32C799-1429-4853-B5A8-AE3345E90D8D}"/>
               </a:ext>
             </a:extLst>
           </p:cNvPr>
@@ -8134,7 +7897,7 @@
           <p:cNvPr id="98" name="Прямоугольник 97">
             <a:extLst>
               <a:ext uri="{FF2B5EF4-FFF2-40B4-BE49-F238E27FC236}">
-                <a16:creationId xmlns:a16="http://schemas.microsoft.com/office/drawing/2014/main" id="{21F111C9-B52C-460E-AD39-A8B9F798CB25}"/>
+                <a16:creationId xmlns="" xmlns:a16="http://schemas.microsoft.com/office/drawing/2014/main" id="{21F111C9-B52C-460E-AD39-A8B9F798CB25}"/>
               </a:ext>
             </a:extLst>
           </p:cNvPr>
@@ -8199,7 +7962,7 @@
           <p:cNvPr id="99" name="Прямоугольник 98">
             <a:extLst>
               <a:ext uri="{FF2B5EF4-FFF2-40B4-BE49-F238E27FC236}">
-                <a16:creationId xmlns:a16="http://schemas.microsoft.com/office/drawing/2014/main" id="{3CDEA90A-403D-44E8-BD63-5F728A857464}"/>
+                <a16:creationId xmlns="" xmlns:a16="http://schemas.microsoft.com/office/drawing/2014/main" id="{3CDEA90A-403D-44E8-BD63-5F728A857464}"/>
               </a:ext>
             </a:extLst>
           </p:cNvPr>
@@ -8276,7 +8039,7 @@
           <p:cNvPr id="100" name="Прямоугольник 99">
             <a:extLst>
               <a:ext uri="{FF2B5EF4-FFF2-40B4-BE49-F238E27FC236}">
-                <a16:creationId xmlns:a16="http://schemas.microsoft.com/office/drawing/2014/main" id="{8B70D98A-AAC5-4F3D-938D-F15D11AC9F90}"/>
+                <a16:creationId xmlns="" xmlns:a16="http://schemas.microsoft.com/office/drawing/2014/main" id="{8B70D98A-AAC5-4F3D-938D-F15D11AC9F90}"/>
               </a:ext>
             </a:extLst>
           </p:cNvPr>
@@ -8345,7 +8108,7 @@
           <p:cNvPr id="101" name="Прямоугольник 100">
             <a:extLst>
               <a:ext uri="{FF2B5EF4-FFF2-40B4-BE49-F238E27FC236}">
-                <a16:creationId xmlns:a16="http://schemas.microsoft.com/office/drawing/2014/main" id="{F402EBBD-5722-48B1-9BBA-587E5C4DFB4D}"/>
+                <a16:creationId xmlns="" xmlns:a16="http://schemas.microsoft.com/office/drawing/2014/main" id="{F402EBBD-5722-48B1-9BBA-587E5C4DFB4D}"/>
               </a:ext>
             </a:extLst>
           </p:cNvPr>
@@ -8430,7 +8193,7 @@
           <p:cNvPr id="102" name="Прямоугольник 101">
             <a:extLst>
               <a:ext uri="{FF2B5EF4-FFF2-40B4-BE49-F238E27FC236}">
-                <a16:creationId xmlns:a16="http://schemas.microsoft.com/office/drawing/2014/main" id="{62E65D83-9718-4B14-AFE2-F1D04B420F81}"/>
+                <a16:creationId xmlns="" xmlns:a16="http://schemas.microsoft.com/office/drawing/2014/main" id="{62E65D83-9718-4B14-AFE2-F1D04B420F81}"/>
               </a:ext>
             </a:extLst>
           </p:cNvPr>
@@ -8507,7 +8270,7 @@
           <p:cNvPr id="103" name="Прямоугольник 102">
             <a:extLst>
               <a:ext uri="{FF2B5EF4-FFF2-40B4-BE49-F238E27FC236}">
-                <a16:creationId xmlns:a16="http://schemas.microsoft.com/office/drawing/2014/main" id="{C6BDA37E-3E81-4B99-A54A-C631250D3A33}"/>
+                <a16:creationId xmlns="" xmlns:a16="http://schemas.microsoft.com/office/drawing/2014/main" id="{C6BDA37E-3E81-4B99-A54A-C631250D3A33}"/>
               </a:ext>
             </a:extLst>
           </p:cNvPr>
@@ -8575,7 +8338,7 @@
           <p:cNvPr id="112" name="Прямоугольник 111">
             <a:extLst>
               <a:ext uri="{FF2B5EF4-FFF2-40B4-BE49-F238E27FC236}">
-                <a16:creationId xmlns:a16="http://schemas.microsoft.com/office/drawing/2014/main" id="{9B5A9C46-C31A-401D-9EBF-78AE38F570DF}"/>
+                <a16:creationId xmlns="" xmlns:a16="http://schemas.microsoft.com/office/drawing/2014/main" id="{9B5A9C46-C31A-401D-9EBF-78AE38F570DF}"/>
               </a:ext>
             </a:extLst>
           </p:cNvPr>
@@ -8644,7 +8407,7 @@
           <p:cNvPr id="117" name="Соединительная линия уступом 903">
             <a:extLst>
               <a:ext uri="{FF2B5EF4-FFF2-40B4-BE49-F238E27FC236}">
-                <a16:creationId xmlns:a16="http://schemas.microsoft.com/office/drawing/2014/main" id="{7F550792-EE6C-4B6F-B826-22E45DB79321}"/>
+                <a16:creationId xmlns="" xmlns:a16="http://schemas.microsoft.com/office/drawing/2014/main" id="{7F550792-EE6C-4B6F-B826-22E45DB79321}"/>
               </a:ext>
             </a:extLst>
           </p:cNvPr>
@@ -8690,7 +8453,7 @@
           <p:cNvPr id="120" name="Соединительная линия уступом 903">
             <a:extLst>
               <a:ext uri="{FF2B5EF4-FFF2-40B4-BE49-F238E27FC236}">
-                <a16:creationId xmlns:a16="http://schemas.microsoft.com/office/drawing/2014/main" id="{42BA63A1-F902-44BD-AEC4-6A00A7DD5215}"/>
+                <a16:creationId xmlns="" xmlns:a16="http://schemas.microsoft.com/office/drawing/2014/main" id="{42BA63A1-F902-44BD-AEC4-6A00A7DD5215}"/>
               </a:ext>
             </a:extLst>
           </p:cNvPr>
@@ -8736,7 +8499,7 @@
           <p:cNvPr id="123" name="Соединительная линия уступом 903">
             <a:extLst>
               <a:ext uri="{FF2B5EF4-FFF2-40B4-BE49-F238E27FC236}">
-                <a16:creationId xmlns:a16="http://schemas.microsoft.com/office/drawing/2014/main" id="{52CF7390-DEEA-4782-9037-6AAA2FAB1267}"/>
+                <a16:creationId xmlns="" xmlns:a16="http://schemas.microsoft.com/office/drawing/2014/main" id="{52CF7390-DEEA-4782-9037-6AAA2FAB1267}"/>
               </a:ext>
             </a:extLst>
           </p:cNvPr>
@@ -8781,7 +8544,7 @@
           <p:cNvPr id="128" name="Соединительная линия уступом 903">
             <a:extLst>
               <a:ext uri="{FF2B5EF4-FFF2-40B4-BE49-F238E27FC236}">
-                <a16:creationId xmlns:a16="http://schemas.microsoft.com/office/drawing/2014/main" id="{7A113AE3-4577-430A-BA26-EF4235023FFA}"/>
+                <a16:creationId xmlns="" xmlns:a16="http://schemas.microsoft.com/office/drawing/2014/main" id="{7A113AE3-4577-430A-BA26-EF4235023FFA}"/>
               </a:ext>
             </a:extLst>
           </p:cNvPr>
@@ -8826,7 +8589,7 @@
           <p:cNvPr id="131" name="Соединительная линия уступом 903">
             <a:extLst>
               <a:ext uri="{FF2B5EF4-FFF2-40B4-BE49-F238E27FC236}">
-                <a16:creationId xmlns:a16="http://schemas.microsoft.com/office/drawing/2014/main" id="{40147503-E638-42DF-A929-5C7B9F2B48B1}"/>
+                <a16:creationId xmlns="" xmlns:a16="http://schemas.microsoft.com/office/drawing/2014/main" id="{40147503-E638-42DF-A929-5C7B9F2B48B1}"/>
               </a:ext>
             </a:extLst>
           </p:cNvPr>
@@ -8871,7 +8634,7 @@
           <p:cNvPr id="134" name="Соединительная линия уступом 903">
             <a:extLst>
               <a:ext uri="{FF2B5EF4-FFF2-40B4-BE49-F238E27FC236}">
-                <a16:creationId xmlns:a16="http://schemas.microsoft.com/office/drawing/2014/main" id="{B109EAAA-04CC-455A-9A24-9F6792FBCCC4}"/>
+                <a16:creationId xmlns="" xmlns:a16="http://schemas.microsoft.com/office/drawing/2014/main" id="{B109EAAA-04CC-455A-9A24-9F6792FBCCC4}"/>
               </a:ext>
             </a:extLst>
           </p:cNvPr>
@@ -8916,7 +8679,7 @@
           <p:cNvPr id="138" name="Соединительная линия уступом 903">
             <a:extLst>
               <a:ext uri="{FF2B5EF4-FFF2-40B4-BE49-F238E27FC236}">
-                <a16:creationId xmlns:a16="http://schemas.microsoft.com/office/drawing/2014/main" id="{BB75BD33-58E7-4B2D-9AE8-736000AF5996}"/>
+                <a16:creationId xmlns="" xmlns:a16="http://schemas.microsoft.com/office/drawing/2014/main" id="{BB75BD33-58E7-4B2D-9AE8-736000AF5996}"/>
               </a:ext>
             </a:extLst>
           </p:cNvPr>
@@ -8961,7 +8724,7 @@
           <p:cNvPr id="141" name="Прямая со стрелкой 140">
             <a:extLst>
               <a:ext uri="{FF2B5EF4-FFF2-40B4-BE49-F238E27FC236}">
-                <a16:creationId xmlns:a16="http://schemas.microsoft.com/office/drawing/2014/main" id="{F0204958-F3C4-46F5-A7B8-B2E525B442E3}"/>
+                <a16:creationId xmlns="" xmlns:a16="http://schemas.microsoft.com/office/drawing/2014/main" id="{F0204958-F3C4-46F5-A7B8-B2E525B442E3}"/>
               </a:ext>
             </a:extLst>
           </p:cNvPr>
@@ -9004,7 +8767,7 @@
           <p:cNvPr id="144" name="Соединительная линия уступом 903">
             <a:extLst>
               <a:ext uri="{FF2B5EF4-FFF2-40B4-BE49-F238E27FC236}">
-                <a16:creationId xmlns:a16="http://schemas.microsoft.com/office/drawing/2014/main" id="{5C748310-8A24-4A37-94AD-69E898DBB5BF}"/>
+                <a16:creationId xmlns="" xmlns:a16="http://schemas.microsoft.com/office/drawing/2014/main" id="{5C748310-8A24-4A37-94AD-69E898DBB5BF}"/>
               </a:ext>
             </a:extLst>
           </p:cNvPr>
@@ -9050,7 +8813,7 @@
           <p:cNvPr id="147" name="Соединительная линия уступом 903">
             <a:extLst>
               <a:ext uri="{FF2B5EF4-FFF2-40B4-BE49-F238E27FC236}">
-                <a16:creationId xmlns:a16="http://schemas.microsoft.com/office/drawing/2014/main" id="{6247459E-8D36-4B32-A142-C426692F0DC9}"/>
+                <a16:creationId xmlns="" xmlns:a16="http://schemas.microsoft.com/office/drawing/2014/main" id="{6247459E-8D36-4B32-A142-C426692F0DC9}"/>
               </a:ext>
             </a:extLst>
           </p:cNvPr>
@@ -9096,7 +8859,7 @@
           <p:cNvPr id="150" name="Соединительная линия уступом 903">
             <a:extLst>
               <a:ext uri="{FF2B5EF4-FFF2-40B4-BE49-F238E27FC236}">
-                <a16:creationId xmlns:a16="http://schemas.microsoft.com/office/drawing/2014/main" id="{B5229C84-1524-4F6C-8C6B-E4AA146420CD}"/>
+                <a16:creationId xmlns="" xmlns:a16="http://schemas.microsoft.com/office/drawing/2014/main" id="{B5229C84-1524-4F6C-8C6B-E4AA146420CD}"/>
               </a:ext>
             </a:extLst>
           </p:cNvPr>
@@ -9142,7 +8905,7 @@
           <p:cNvPr id="153" name="Соединительная линия уступом 903">
             <a:extLst>
               <a:ext uri="{FF2B5EF4-FFF2-40B4-BE49-F238E27FC236}">
-                <a16:creationId xmlns:a16="http://schemas.microsoft.com/office/drawing/2014/main" id="{2D2CC445-D083-4638-B348-AE346D452DE8}"/>
+                <a16:creationId xmlns="" xmlns:a16="http://schemas.microsoft.com/office/drawing/2014/main" id="{2D2CC445-D083-4638-B348-AE346D452DE8}"/>
               </a:ext>
             </a:extLst>
           </p:cNvPr>
@@ -9188,7 +8951,7 @@
           <p:cNvPr id="156" name="Прямоугольник 155">
             <a:extLst>
               <a:ext uri="{FF2B5EF4-FFF2-40B4-BE49-F238E27FC236}">
-                <a16:creationId xmlns:a16="http://schemas.microsoft.com/office/drawing/2014/main" id="{70F2E1EB-331E-413E-A7A7-863A2E76F5D1}"/>
+                <a16:creationId xmlns="" xmlns:a16="http://schemas.microsoft.com/office/drawing/2014/main" id="{70F2E1EB-331E-413E-A7A7-863A2E76F5D1}"/>
               </a:ext>
             </a:extLst>
           </p:cNvPr>
@@ -9251,88 +9014,10 @@
       </p:sp>
       <p:sp>
         <p:nvSpPr>
-          <p:cNvPr id="157" name="Прямоугольник 156">
-            <a:extLst>
-              <a:ext uri="{FF2B5EF4-FFF2-40B4-BE49-F238E27FC236}">
-                <a16:creationId xmlns:a16="http://schemas.microsoft.com/office/drawing/2014/main" id="{7B62B550-46D1-4E62-ABB5-B8EF59547B9A}"/>
-              </a:ext>
-            </a:extLst>
-          </p:cNvPr>
-          <p:cNvSpPr/>
-          <p:nvPr/>
-        </p:nvSpPr>
-        <p:spPr>
-          <a:xfrm>
-            <a:off x="257740" y="206894"/>
-            <a:ext cx="926325" cy="540000"/>
-          </a:xfrm>
-          <a:prstGeom prst="rect">
-            <a:avLst/>
-          </a:prstGeom>
-          <a:noFill/>
-          <a:ln w="19050"/>
-        </p:spPr>
-        <p:style>
-          <a:lnRef idx="2">
-            <a:schemeClr val="accent1"/>
-          </a:lnRef>
-          <a:fillRef idx="1">
-            <a:schemeClr val="lt1"/>
-          </a:fillRef>
-          <a:effectRef idx="0">
-            <a:schemeClr val="accent1"/>
-          </a:effectRef>
-          <a:fontRef idx="minor">
-            <a:schemeClr val="dk1"/>
-          </a:fontRef>
-        </p:style>
-        <p:txBody>
-          <a:bodyPr lIns="124733" tIns="62367" rIns="124733" bIns="62367" rtlCol="0" anchor="ctr"/>
-          <a:lstStyle/>
-          <a:p>
-            <a:pPr algn="ctr"/>
-            <a:r>
-              <a:rPr lang="ru-RU" sz="700" dirty="0"/>
-              <a:t>НД Внешний долг перед США </a:t>
-            </a:r>
-            <a:r>
-              <a:rPr lang="ru-RU" sz="200" dirty="0"/>
-              <a:t>(В годы войны экономика Никарагуа наконец-то вышла из кризиса. Однако причина резко поправившегося экономического положения страны </a:t>
-            </a:r>
-            <a:r>
-              <a:rPr lang="ru-RU" sz="200" dirty="0" err="1"/>
-              <a:t>корени¬лась</a:t>
-            </a:r>
-            <a:r>
-              <a:rPr lang="ru-RU" sz="200" dirty="0"/>
-              <a:t> совсем в другом: существенно выросли цены на производимые в </a:t>
-            </a:r>
-            <a:r>
-              <a:rPr lang="ru-RU" sz="200" dirty="0" err="1"/>
-              <a:t>Ника¬рагуа</a:t>
-            </a:r>
-            <a:r>
-              <a:rPr lang="ru-RU" sz="200" dirty="0"/>
-              <a:t> товары, которые охотно закупали американцы. В 1943 году торговый </a:t>
-            </a:r>
-            <a:r>
-              <a:rPr lang="ru-RU" sz="200" dirty="0" err="1"/>
-              <a:t>ба¬ланс</a:t>
-            </a:r>
-            <a:r>
-              <a:rPr lang="ru-RU" sz="200" dirty="0"/>
-              <a:t> Никарагуа стал положительным и был полностью погашен внешний долг (причем часть — раньше срока).)</a:t>
-            </a:r>
-            <a:endParaRPr lang="ru-RU" sz="400" dirty="0"/>
-          </a:p>
-        </p:txBody>
-      </p:sp>
-      <p:sp>
-        <p:nvSpPr>
           <p:cNvPr id="158" name="Прямоугольник 157">
             <a:extLst>
               <a:ext uri="{FF2B5EF4-FFF2-40B4-BE49-F238E27FC236}">
-                <a16:creationId xmlns:a16="http://schemas.microsoft.com/office/drawing/2014/main" id="{39373D37-652A-432A-AF2C-81923E65FD74}"/>
+                <a16:creationId xmlns="" xmlns:a16="http://schemas.microsoft.com/office/drawing/2014/main" id="{39373D37-652A-432A-AF2C-81923E65FD74}"/>
               </a:ext>
             </a:extLst>
           </p:cNvPr>
@@ -9388,6 +9073,10 @@
               <a:rPr lang="ru-RU" sz="700" dirty="0"/>
               <a:t>Конфискация германского имущества </a:t>
             </a:r>
+            <a:r>
+              <a:rPr lang="ru-RU" sz="800" dirty="0"/>
+              <a:t/>
+            </a:r>
             <a:br>
               <a:rPr lang="ru-RU" sz="800" dirty="0"/>
             </a:br>
@@ -9404,7 +9093,7 @@
           <p:cNvPr id="162" name="Прямоугольник 161">
             <a:extLst>
               <a:ext uri="{FF2B5EF4-FFF2-40B4-BE49-F238E27FC236}">
-                <a16:creationId xmlns:a16="http://schemas.microsoft.com/office/drawing/2014/main" id="{D21D4960-F203-4755-9FED-7CFC800F902A}"/>
+                <a16:creationId xmlns="" xmlns:a16="http://schemas.microsoft.com/office/drawing/2014/main" id="{D21D4960-F203-4755-9FED-7CFC800F902A}"/>
               </a:ext>
             </a:extLst>
           </p:cNvPr>
@@ -9486,7 +9175,7 @@
           <p:cNvPr id="163" name="Прямоугольник 162">
             <a:extLst>
               <a:ext uri="{FF2B5EF4-FFF2-40B4-BE49-F238E27FC236}">
-                <a16:creationId xmlns:a16="http://schemas.microsoft.com/office/drawing/2014/main" id="{BD849E57-A12E-42AE-AA12-4FB9BA687E1A}"/>
+                <a16:creationId xmlns="" xmlns:a16="http://schemas.microsoft.com/office/drawing/2014/main" id="{BD849E57-A12E-42AE-AA12-4FB9BA687E1A}"/>
               </a:ext>
             </a:extLst>
           </p:cNvPr>
@@ -9563,7 +9252,7 @@
           <p:cNvPr id="164" name="Прямая со стрелкой 163">
             <a:extLst>
               <a:ext uri="{FF2B5EF4-FFF2-40B4-BE49-F238E27FC236}">
-                <a16:creationId xmlns:a16="http://schemas.microsoft.com/office/drawing/2014/main" id="{B048244F-EB49-46C4-A9EC-3C9E6EB26FD0}"/>
+                <a16:creationId xmlns="" xmlns:a16="http://schemas.microsoft.com/office/drawing/2014/main" id="{B048244F-EB49-46C4-A9EC-3C9E6EB26FD0}"/>
               </a:ext>
             </a:extLst>
           </p:cNvPr>
@@ -9606,7 +9295,7 @@
           <p:cNvPr id="169" name="Соединительная линия уступом 903">
             <a:extLst>
               <a:ext uri="{FF2B5EF4-FFF2-40B4-BE49-F238E27FC236}">
-                <a16:creationId xmlns:a16="http://schemas.microsoft.com/office/drawing/2014/main" id="{3BF92898-1A8D-44CD-90AE-9ED96D3CC103}"/>
+                <a16:creationId xmlns="" xmlns:a16="http://schemas.microsoft.com/office/drawing/2014/main" id="{3BF92898-1A8D-44CD-90AE-9ED96D3CC103}"/>
               </a:ext>
             </a:extLst>
           </p:cNvPr>
@@ -9651,7 +9340,7 @@
           <p:cNvPr id="173" name="Соединительная линия уступом 903">
             <a:extLst>
               <a:ext uri="{FF2B5EF4-FFF2-40B4-BE49-F238E27FC236}">
-                <a16:creationId xmlns:a16="http://schemas.microsoft.com/office/drawing/2014/main" id="{EF7071D1-BE49-4A1B-8811-FFC6268219EF}"/>
+                <a16:creationId xmlns="" xmlns:a16="http://schemas.microsoft.com/office/drawing/2014/main" id="{EF7071D1-BE49-4A1B-8811-FFC6268219EF}"/>
               </a:ext>
             </a:extLst>
           </p:cNvPr>
@@ -9696,7 +9385,7 @@
           <p:cNvPr id="176" name="Соединительная линия уступом 903">
             <a:extLst>
               <a:ext uri="{FF2B5EF4-FFF2-40B4-BE49-F238E27FC236}">
-                <a16:creationId xmlns:a16="http://schemas.microsoft.com/office/drawing/2014/main" id="{30D330E8-189B-403C-83EF-0C1AB67953A6}"/>
+                <a16:creationId xmlns="" xmlns:a16="http://schemas.microsoft.com/office/drawing/2014/main" id="{30D330E8-189B-403C-83EF-0C1AB67953A6}"/>
               </a:ext>
             </a:extLst>
           </p:cNvPr>
@@ -9741,7 +9430,7 @@
           <p:cNvPr id="179" name="Соединительная линия уступом 903">
             <a:extLst>
               <a:ext uri="{FF2B5EF4-FFF2-40B4-BE49-F238E27FC236}">
-                <a16:creationId xmlns:a16="http://schemas.microsoft.com/office/drawing/2014/main" id="{1B345060-1C77-489A-A3B6-573436341CD2}"/>
+                <a16:creationId xmlns="" xmlns:a16="http://schemas.microsoft.com/office/drawing/2014/main" id="{1B345060-1C77-489A-A3B6-573436341CD2}"/>
               </a:ext>
             </a:extLst>
           </p:cNvPr>
@@ -9786,7 +9475,7 @@
           <p:cNvPr id="194" name="Соединительная линия уступом 903">
             <a:extLst>
               <a:ext uri="{FF2B5EF4-FFF2-40B4-BE49-F238E27FC236}">
-                <a16:creationId xmlns:a16="http://schemas.microsoft.com/office/drawing/2014/main" id="{47EFD662-D8F0-4D46-B8BE-62DAF2481AC2}"/>
+                <a16:creationId xmlns="" xmlns:a16="http://schemas.microsoft.com/office/drawing/2014/main" id="{47EFD662-D8F0-4D46-B8BE-62DAF2481AC2}"/>
               </a:ext>
             </a:extLst>
           </p:cNvPr>
@@ -9831,7 +9520,7 @@
           <p:cNvPr id="197" name="Соединительная линия уступом 903">
             <a:extLst>
               <a:ext uri="{FF2B5EF4-FFF2-40B4-BE49-F238E27FC236}">
-                <a16:creationId xmlns:a16="http://schemas.microsoft.com/office/drawing/2014/main" id="{42EC46F3-1198-439C-9201-297275403091}"/>
+                <a16:creationId xmlns="" xmlns:a16="http://schemas.microsoft.com/office/drawing/2014/main" id="{42EC46F3-1198-439C-9201-297275403091}"/>
               </a:ext>
             </a:extLst>
           </p:cNvPr>
@@ -9876,7 +9565,7 @@
           <p:cNvPr id="200" name="Прямая со стрелкой 199">
             <a:extLst>
               <a:ext uri="{FF2B5EF4-FFF2-40B4-BE49-F238E27FC236}">
-                <a16:creationId xmlns:a16="http://schemas.microsoft.com/office/drawing/2014/main" id="{C65B3E6E-D325-417D-A60E-CBAC49A6F0BD}"/>
+                <a16:creationId xmlns="" xmlns:a16="http://schemas.microsoft.com/office/drawing/2014/main" id="{C65B3E6E-D325-417D-A60E-CBAC49A6F0BD}"/>
               </a:ext>
             </a:extLst>
           </p:cNvPr>
@@ -9919,7 +9608,7 @@
           <p:cNvPr id="203" name="Прямая со стрелкой 202">
             <a:extLst>
               <a:ext uri="{FF2B5EF4-FFF2-40B4-BE49-F238E27FC236}">
-                <a16:creationId xmlns:a16="http://schemas.microsoft.com/office/drawing/2014/main" id="{D3A51449-15E2-4BEA-88A5-B2691A1B3690}"/>
+                <a16:creationId xmlns="" xmlns:a16="http://schemas.microsoft.com/office/drawing/2014/main" id="{D3A51449-15E2-4BEA-88A5-B2691A1B3690}"/>
               </a:ext>
             </a:extLst>
           </p:cNvPr>
@@ -9962,7 +9651,7 @@
           <p:cNvPr id="206" name="Прямая со стрелкой 205">
             <a:extLst>
               <a:ext uri="{FF2B5EF4-FFF2-40B4-BE49-F238E27FC236}">
-                <a16:creationId xmlns:a16="http://schemas.microsoft.com/office/drawing/2014/main" id="{AFD4E665-A61D-46C2-A133-3412690F30F3}"/>
+                <a16:creationId xmlns="" xmlns:a16="http://schemas.microsoft.com/office/drawing/2014/main" id="{AFD4E665-A61D-46C2-A133-3412690F30F3}"/>
               </a:ext>
             </a:extLst>
           </p:cNvPr>
@@ -10005,7 +9694,7 @@
           <p:cNvPr id="209" name="Прямая со стрелкой 208">
             <a:extLst>
               <a:ext uri="{FF2B5EF4-FFF2-40B4-BE49-F238E27FC236}">
-                <a16:creationId xmlns:a16="http://schemas.microsoft.com/office/drawing/2014/main" id="{6B358EC7-E053-4570-B92E-4C044AC26D2C}"/>
+                <a16:creationId xmlns="" xmlns:a16="http://schemas.microsoft.com/office/drawing/2014/main" id="{6B358EC7-E053-4570-B92E-4C044AC26D2C}"/>
               </a:ext>
             </a:extLst>
           </p:cNvPr>
@@ -10048,7 +9737,7 @@
           <p:cNvPr id="212" name="Прямая со стрелкой 211">
             <a:extLst>
               <a:ext uri="{FF2B5EF4-FFF2-40B4-BE49-F238E27FC236}">
-                <a16:creationId xmlns:a16="http://schemas.microsoft.com/office/drawing/2014/main" id="{929707B4-0ED3-4FF6-B9DB-8E849B5466B2}"/>
+                <a16:creationId xmlns="" xmlns:a16="http://schemas.microsoft.com/office/drawing/2014/main" id="{929707B4-0ED3-4FF6-B9DB-8E849B5466B2}"/>
               </a:ext>
             </a:extLst>
           </p:cNvPr>
@@ -10091,7 +9780,7 @@
           <p:cNvPr id="215" name="Прямая со стрелкой 214">
             <a:extLst>
               <a:ext uri="{FF2B5EF4-FFF2-40B4-BE49-F238E27FC236}">
-                <a16:creationId xmlns:a16="http://schemas.microsoft.com/office/drawing/2014/main" id="{3763D6CD-8165-4195-A229-9E111149C4E6}"/>
+                <a16:creationId xmlns="" xmlns:a16="http://schemas.microsoft.com/office/drawing/2014/main" id="{3763D6CD-8165-4195-A229-9E111149C4E6}"/>
               </a:ext>
             </a:extLst>
           </p:cNvPr>
@@ -10134,7 +9823,7 @@
           <p:cNvPr id="226" name="Прямоугольник 225">
             <a:extLst>
               <a:ext uri="{FF2B5EF4-FFF2-40B4-BE49-F238E27FC236}">
-                <a16:creationId xmlns:a16="http://schemas.microsoft.com/office/drawing/2014/main" id="{8F90957D-3F70-4F7D-A50B-157EE934D6F5}"/>
+                <a16:creationId xmlns="" xmlns:a16="http://schemas.microsoft.com/office/drawing/2014/main" id="{8F90957D-3F70-4F7D-A50B-157EE934D6F5}"/>
               </a:ext>
             </a:extLst>
           </p:cNvPr>
@@ -10143,7 +9832,7 @@
         </p:nvSpPr>
         <p:spPr>
           <a:xfrm>
-            <a:off x="12081124" y="4159052"/>
+            <a:off x="9979396" y="4141690"/>
             <a:ext cx="926325" cy="540000"/>
           </a:xfrm>
           <a:prstGeom prst="rect">
@@ -10173,7 +9862,7 @@
             <a:pPr algn="ctr"/>
             <a:r>
               <a:rPr lang="ru-RU" sz="700" dirty="0"/>
-              <a:t>Расширить производство хлопка (1950)</a:t>
+              <a:t>Строительство цементной фабрики</a:t>
             </a:r>
             <a:endParaRPr lang="ru-RU" sz="400" dirty="0"/>
           </a:p>
@@ -10184,7 +9873,7 @@
           <p:cNvPr id="227" name="Прямоугольник 226">
             <a:extLst>
               <a:ext uri="{FF2B5EF4-FFF2-40B4-BE49-F238E27FC236}">
-                <a16:creationId xmlns:a16="http://schemas.microsoft.com/office/drawing/2014/main" id="{77B2829B-9A73-48A5-B93C-36696747ADD9}"/>
+                <a16:creationId xmlns="" xmlns:a16="http://schemas.microsoft.com/office/drawing/2014/main" id="{77B2829B-9A73-48A5-B93C-36696747ADD9}"/>
               </a:ext>
             </a:extLst>
           </p:cNvPr>
@@ -10314,7 +10003,7 @@
           <p:cNvPr id="231" name="Соединительная линия уступом 903">
             <a:extLst>
               <a:ext uri="{FF2B5EF4-FFF2-40B4-BE49-F238E27FC236}">
-                <a16:creationId xmlns:a16="http://schemas.microsoft.com/office/drawing/2014/main" id="{4F66CE16-F4D4-4BEA-B35B-7CA503F701C0}"/>
+                <a16:creationId xmlns="" xmlns:a16="http://schemas.microsoft.com/office/drawing/2014/main" id="{4F66CE16-F4D4-4BEA-B35B-7CA503F701C0}"/>
               </a:ext>
             </a:extLst>
           </p:cNvPr>
@@ -10359,7 +10048,7 @@
           <p:cNvPr id="238" name="Прямая соединительная линия 237">
             <a:extLst>
               <a:ext uri="{FF2B5EF4-FFF2-40B4-BE49-F238E27FC236}">
-                <a16:creationId xmlns:a16="http://schemas.microsoft.com/office/drawing/2014/main" id="{FD347516-2278-4B85-B9D1-D49EF200F440}"/>
+                <a16:creationId xmlns="" xmlns:a16="http://schemas.microsoft.com/office/drawing/2014/main" id="{FD347516-2278-4B85-B9D1-D49EF200F440}"/>
               </a:ext>
             </a:extLst>
           </p:cNvPr>
@@ -10404,7 +10093,7 @@
           <p:cNvPr id="266" name="Соединительная линия уступом 903">
             <a:extLst>
               <a:ext uri="{FF2B5EF4-FFF2-40B4-BE49-F238E27FC236}">
-                <a16:creationId xmlns:a16="http://schemas.microsoft.com/office/drawing/2014/main" id="{FD352671-4213-4DF2-A335-A0D96AEF3058}"/>
+                <a16:creationId xmlns="" xmlns:a16="http://schemas.microsoft.com/office/drawing/2014/main" id="{FD352671-4213-4DF2-A335-A0D96AEF3058}"/>
               </a:ext>
             </a:extLst>
           </p:cNvPr>
@@ -10449,7 +10138,7 @@
           <p:cNvPr id="270" name="Прямоугольник 269">
             <a:extLst>
               <a:ext uri="{FF2B5EF4-FFF2-40B4-BE49-F238E27FC236}">
-                <a16:creationId xmlns:a16="http://schemas.microsoft.com/office/drawing/2014/main" id="{A5342E2A-ECF3-4482-981E-FB362358AC03}"/>
+                <a16:creationId xmlns="" xmlns:a16="http://schemas.microsoft.com/office/drawing/2014/main" id="{A5342E2A-ECF3-4482-981E-FB362358AC03}"/>
               </a:ext>
             </a:extLst>
           </p:cNvPr>
@@ -10458,7 +10147,7 @@
         </p:nvSpPr>
         <p:spPr>
           <a:xfrm>
-            <a:off x="1631983" y="10763464"/>
+            <a:off x="1631983" y="10758117"/>
             <a:ext cx="926325" cy="540000"/>
           </a:xfrm>
           <a:prstGeom prst="rect">
@@ -10507,7 +10196,7 @@
           <p:cNvPr id="271" name="Прямая соединительная линия 270">
             <a:extLst>
               <a:ext uri="{FF2B5EF4-FFF2-40B4-BE49-F238E27FC236}">
-                <a16:creationId xmlns:a16="http://schemas.microsoft.com/office/drawing/2014/main" id="{A658E4AD-DAE9-412E-8260-CC41A0C2A1E1}"/>
+                <a16:creationId xmlns="" xmlns:a16="http://schemas.microsoft.com/office/drawing/2014/main" id="{A658E4AD-DAE9-412E-8260-CC41A0C2A1E1}"/>
               </a:ext>
             </a:extLst>
           </p:cNvPr>
@@ -10521,7 +10210,7 @@
         <p:spPr>
           <a:xfrm flipV="1">
             <a:off x="2558308" y="11027048"/>
-            <a:ext cx="472258" cy="6416"/>
+            <a:ext cx="472258" cy="1069"/>
           </a:xfrm>
           <a:prstGeom prst="line">
             <a:avLst/>
@@ -10552,7 +10241,7 @@
           <p:cNvPr id="279" name="Соединительная линия уступом 903">
             <a:extLst>
               <a:ext uri="{FF2B5EF4-FFF2-40B4-BE49-F238E27FC236}">
-                <a16:creationId xmlns:a16="http://schemas.microsoft.com/office/drawing/2014/main" id="{572840DF-3EA8-46E1-931A-FA2FFC7D98A4}"/>
+                <a16:creationId xmlns="" xmlns:a16="http://schemas.microsoft.com/office/drawing/2014/main" id="{572840DF-3EA8-46E1-931A-FA2FFC7D98A4}"/>
               </a:ext>
             </a:extLst>
           </p:cNvPr>
@@ -10565,8 +10254,8 @@
         </p:nvCxnSpPr>
         <p:spPr>
           <a:xfrm rot="5400000">
-            <a:off x="2662009" y="9929034"/>
-            <a:ext cx="267568" cy="1401293"/>
+            <a:off x="2664683" y="9926360"/>
+            <a:ext cx="262221" cy="1401293"/>
           </a:xfrm>
           <a:prstGeom prst="bentConnector3">
             <a:avLst>
@@ -10597,7 +10286,7 @@
           <p:cNvPr id="286" name="Соединительная линия уступом 903">
             <a:extLst>
               <a:ext uri="{FF2B5EF4-FFF2-40B4-BE49-F238E27FC236}">
-                <a16:creationId xmlns:a16="http://schemas.microsoft.com/office/drawing/2014/main" id="{576D432B-14DD-4A6D-AB31-394D7535A00A}"/>
+                <a16:creationId xmlns="" xmlns:a16="http://schemas.microsoft.com/office/drawing/2014/main" id="{576D432B-14DD-4A6D-AB31-394D7535A00A}"/>
               </a:ext>
             </a:extLst>
           </p:cNvPr>
@@ -10642,7 +10331,7 @@
           <p:cNvPr id="295" name="Соединительная линия уступом 903">
             <a:extLst>
               <a:ext uri="{FF2B5EF4-FFF2-40B4-BE49-F238E27FC236}">
-                <a16:creationId xmlns:a16="http://schemas.microsoft.com/office/drawing/2014/main" id="{2A1524CC-F749-457E-8785-AFB89CF85AC6}"/>
+                <a16:creationId xmlns="" xmlns:a16="http://schemas.microsoft.com/office/drawing/2014/main" id="{2A1524CC-F749-457E-8785-AFB89CF85AC6}"/>
               </a:ext>
             </a:extLst>
           </p:cNvPr>
@@ -10655,8 +10344,8 @@
         </p:nvCxnSpPr>
         <p:spPr>
           <a:xfrm rot="16200000" flipH="1">
-            <a:off x="2678010" y="10720600"/>
-            <a:ext cx="229177" cy="1394904"/>
+            <a:off x="2675336" y="10717927"/>
+            <a:ext cx="234524" cy="1394904"/>
           </a:xfrm>
           <a:prstGeom prst="bentConnector3">
             <a:avLst>
@@ -10688,7 +10377,7 @@
           <p:cNvPr id="298" name="Соединительная линия уступом 903">
             <a:extLst>
               <a:ext uri="{FF2B5EF4-FFF2-40B4-BE49-F238E27FC236}">
-                <a16:creationId xmlns:a16="http://schemas.microsoft.com/office/drawing/2014/main" id="{034CF559-3849-42CF-A3F3-E3159A936C70}"/>
+                <a16:creationId xmlns="" xmlns:a16="http://schemas.microsoft.com/office/drawing/2014/main" id="{034CF559-3849-42CF-A3F3-E3159A936C70}"/>
               </a:ext>
             </a:extLst>
           </p:cNvPr>
@@ -10734,7 +10423,7 @@
           <p:cNvPr id="301" name="Соединительная линия уступом 903">
             <a:extLst>
               <a:ext uri="{FF2B5EF4-FFF2-40B4-BE49-F238E27FC236}">
-                <a16:creationId xmlns:a16="http://schemas.microsoft.com/office/drawing/2014/main" id="{7672BA52-6BCF-494F-8AA2-A64772CE3CC0}"/>
+                <a16:creationId xmlns="" xmlns:a16="http://schemas.microsoft.com/office/drawing/2014/main" id="{7672BA52-6BCF-494F-8AA2-A64772CE3CC0}"/>
               </a:ext>
             </a:extLst>
           </p:cNvPr>
@@ -10780,7 +10469,7 @@
           <p:cNvPr id="304" name="Прямоугольник 303">
             <a:extLst>
               <a:ext uri="{FF2B5EF4-FFF2-40B4-BE49-F238E27FC236}">
-                <a16:creationId xmlns:a16="http://schemas.microsoft.com/office/drawing/2014/main" id="{5A90479D-BFEC-4250-A8B4-175610005B0C}"/>
+                <a16:creationId xmlns="" xmlns:a16="http://schemas.microsoft.com/office/drawing/2014/main" id="{5A90479D-BFEC-4250-A8B4-175610005B0C}"/>
               </a:ext>
             </a:extLst>
           </p:cNvPr>
@@ -10823,8 +10512,8 @@
           <a:p>
             <a:pPr algn="ctr"/>
             <a:r>
-              <a:rPr lang="ru-RU" sz="700" dirty="0"/>
-              <a:t>Отстранить клан </a:t>
+              <a:rPr lang="ru-RU" sz="700" dirty="0" smtClean="0"/>
+              <a:t>Устранить клан </a:t>
             </a:r>
             <a:r>
               <a:rPr lang="ru-RU" sz="700" dirty="0" err="1"/>
@@ -10839,7 +10528,7 @@
           <p:cNvPr id="305" name="Прямоугольник 304">
             <a:extLst>
               <a:ext uri="{FF2B5EF4-FFF2-40B4-BE49-F238E27FC236}">
-                <a16:creationId xmlns:a16="http://schemas.microsoft.com/office/drawing/2014/main" id="{73C6584F-AB91-413A-9C68-4ACD181B75C0}"/>
+                <a16:creationId xmlns="" xmlns:a16="http://schemas.microsoft.com/office/drawing/2014/main" id="{73C6584F-AB91-413A-9C68-4ACD181B75C0}"/>
               </a:ext>
             </a:extLst>
           </p:cNvPr>
@@ -10848,7 +10537,7 @@
         </p:nvSpPr>
         <p:spPr>
           <a:xfrm>
-            <a:off x="7908086" y="9147799"/>
+            <a:off x="5820935" y="2555740"/>
             <a:ext cx="926325" cy="540000"/>
           </a:xfrm>
           <a:prstGeom prst="rect">
@@ -10883,19 +10572,11 @@
             <a:pPr algn="ctr"/>
             <a:r>
               <a:rPr lang="ru-RU" sz="700" dirty="0"/>
-              <a:t>Реорганизовать Национальную гвардию </a:t>
-            </a:r>
-            <a:r>
-              <a:rPr lang="ru-RU" sz="300" dirty="0"/>
-              <a:t>(</a:t>
-            </a:r>
-            <a:r>
-              <a:rPr lang="ru-RU" sz="300" dirty="0" err="1"/>
-              <a:t>Сакаса</a:t>
-            </a:r>
-            <a:r>
-              <a:rPr lang="ru-RU" sz="300" dirty="0"/>
-              <a:t> пообещал реорганизовать Национальную гвардию и полностью переподчинить её главе государства.)</a:t>
+              <a:t>Реорганизовать Национальную </a:t>
+            </a:r>
+            <a:r>
+              <a:rPr lang="ru-RU" sz="700" dirty="0" smtClean="0"/>
+              <a:t>гвардию</a:t>
             </a:r>
             <a:endParaRPr lang="ru-RU" sz="400" dirty="0"/>
           </a:p>
@@ -10906,7 +10587,7 @@
           <p:cNvPr id="306" name="Соединительная линия уступом 903">
             <a:extLst>
               <a:ext uri="{FF2B5EF4-FFF2-40B4-BE49-F238E27FC236}">
-                <a16:creationId xmlns:a16="http://schemas.microsoft.com/office/drawing/2014/main" id="{8BEF26C8-19FF-4ACF-94F5-4225C4EB8246}"/>
+                <a16:creationId xmlns="" xmlns:a16="http://schemas.microsoft.com/office/drawing/2014/main" id="{8BEF26C8-19FF-4ACF-94F5-4225C4EB8246}"/>
               </a:ext>
             </a:extLst>
           </p:cNvPr>
@@ -10948,53 +10629,10 @@
       </p:cxnSp>
       <p:cxnSp>
         <p:nvCxnSpPr>
-          <p:cNvPr id="309" name="Прямая со стрелкой 308">
-            <a:extLst>
-              <a:ext uri="{FF2B5EF4-FFF2-40B4-BE49-F238E27FC236}">
-                <a16:creationId xmlns:a16="http://schemas.microsoft.com/office/drawing/2014/main" id="{4F994BCD-25E2-41AE-B84C-2F9962E702F3}"/>
-              </a:ext>
-            </a:extLst>
-          </p:cNvPr>
-          <p:cNvCxnSpPr>
-            <a:cxnSpLocks/>
-            <a:stCxn id="304" idx="2"/>
-            <a:endCxn id="305" idx="0"/>
-          </p:cNvCxnSpPr>
-          <p:nvPr/>
-        </p:nvCxnSpPr>
-        <p:spPr>
-          <a:xfrm>
-            <a:off x="8366032" y="8891660"/>
-            <a:ext cx="5217" cy="256139"/>
-          </a:xfrm>
-          <a:prstGeom prst="straightConnector1">
-            <a:avLst/>
-          </a:prstGeom>
-          <a:ln w="19050">
-            <a:tailEnd type="arrow"/>
-          </a:ln>
-        </p:spPr>
-        <p:style>
-          <a:lnRef idx="1">
-            <a:schemeClr val="accent1"/>
-          </a:lnRef>
-          <a:fillRef idx="0">
-            <a:schemeClr val="accent1"/>
-          </a:fillRef>
-          <a:effectRef idx="0">
-            <a:schemeClr val="accent1"/>
-          </a:effectRef>
-          <a:fontRef idx="minor">
-            <a:schemeClr val="tx1"/>
-          </a:fontRef>
-        </p:style>
-      </p:cxnSp>
-      <p:cxnSp>
-        <p:nvCxnSpPr>
           <p:cNvPr id="312" name="Соединительная линия уступом 903">
             <a:extLst>
               <a:ext uri="{FF2B5EF4-FFF2-40B4-BE49-F238E27FC236}">
-                <a16:creationId xmlns:a16="http://schemas.microsoft.com/office/drawing/2014/main" id="{07137075-E005-4218-9DD1-C16A5EBE52A6}"/>
+                <a16:creationId xmlns="" xmlns:a16="http://schemas.microsoft.com/office/drawing/2014/main" id="{07137075-E005-4218-9DD1-C16A5EBE52A6}"/>
               </a:ext>
             </a:extLst>
           </p:cNvPr>
@@ -11039,7 +10677,7 @@
           <p:cNvPr id="130" name="Прямоугольник 129">
             <a:extLst>
               <a:ext uri="{FF2B5EF4-FFF2-40B4-BE49-F238E27FC236}">
-                <a16:creationId xmlns:a16="http://schemas.microsoft.com/office/drawing/2014/main" id="{ABFF5B51-3609-4286-A116-20D114007F6D}"/>
+                <a16:creationId xmlns="" xmlns:a16="http://schemas.microsoft.com/office/drawing/2014/main" id="{ABFF5B51-3609-4286-A116-20D114007F6D}"/>
               </a:ext>
             </a:extLst>
           </p:cNvPr>
@@ -11098,7 +10736,7 @@
           <p:cNvPr id="132" name="Прямоугольник 131">
             <a:extLst>
               <a:ext uri="{FF2B5EF4-FFF2-40B4-BE49-F238E27FC236}">
-                <a16:creationId xmlns:a16="http://schemas.microsoft.com/office/drawing/2014/main" id="{42471CBD-413A-4A3C-B6F6-DCD88E55B78D}"/>
+                <a16:creationId xmlns="" xmlns:a16="http://schemas.microsoft.com/office/drawing/2014/main" id="{42471CBD-413A-4A3C-B6F6-DCD88E55B78D}"/>
               </a:ext>
             </a:extLst>
           </p:cNvPr>
@@ -11107,7 +10745,7 @@
         </p:nvSpPr>
         <p:spPr>
           <a:xfrm>
-            <a:off x="12918467" y="3507776"/>
+            <a:off x="10564701" y="3349055"/>
             <a:ext cx="926325" cy="540000"/>
           </a:xfrm>
           <a:prstGeom prst="rect">
@@ -11148,7 +10786,7 @@
           <p:cNvPr id="133" name="Прямоугольник 132">
             <a:extLst>
               <a:ext uri="{FF2B5EF4-FFF2-40B4-BE49-F238E27FC236}">
-                <a16:creationId xmlns:a16="http://schemas.microsoft.com/office/drawing/2014/main" id="{5A02DB7D-6E57-4AEF-9913-B75B2F02E27D}"/>
+                <a16:creationId xmlns="" xmlns:a16="http://schemas.microsoft.com/office/drawing/2014/main" id="{5A02DB7D-6E57-4AEF-9913-B75B2F02E27D}"/>
               </a:ext>
             </a:extLst>
           </p:cNvPr>
@@ -11203,7 +10841,7 @@
           <p:cNvPr id="135" name="Прямоугольник 134">
             <a:extLst>
               <a:ext uri="{FF2B5EF4-FFF2-40B4-BE49-F238E27FC236}">
-                <a16:creationId xmlns:a16="http://schemas.microsoft.com/office/drawing/2014/main" id="{D80463F0-008D-4836-8F9E-3D2D6E66AB47}"/>
+                <a16:creationId xmlns="" xmlns:a16="http://schemas.microsoft.com/office/drawing/2014/main" id="{D80463F0-008D-4836-8F9E-3D2D6E66AB47}"/>
               </a:ext>
             </a:extLst>
           </p:cNvPr>
@@ -11258,7 +10896,7 @@
           <p:cNvPr id="136" name="Прямоугольник 135">
             <a:extLst>
               <a:ext uri="{FF2B5EF4-FFF2-40B4-BE49-F238E27FC236}">
-                <a16:creationId xmlns:a16="http://schemas.microsoft.com/office/drawing/2014/main" id="{C758B007-0C96-4689-82E4-6C593885F846}"/>
+                <a16:creationId xmlns="" xmlns:a16="http://schemas.microsoft.com/office/drawing/2014/main" id="{C758B007-0C96-4689-82E4-6C593885F846}"/>
               </a:ext>
             </a:extLst>
           </p:cNvPr>
@@ -11325,7 +10963,7 @@
           <p:cNvPr id="139" name="Прямоугольник 138">
             <a:extLst>
               <a:ext uri="{FF2B5EF4-FFF2-40B4-BE49-F238E27FC236}">
-                <a16:creationId xmlns:a16="http://schemas.microsoft.com/office/drawing/2014/main" id="{2772F863-F97F-446C-9EF5-E9FBA76BA105}"/>
+                <a16:creationId xmlns="" xmlns:a16="http://schemas.microsoft.com/office/drawing/2014/main" id="{2772F863-F97F-446C-9EF5-E9FBA76BA105}"/>
               </a:ext>
             </a:extLst>
           </p:cNvPr>
@@ -11379,7 +11017,7 @@
           <p:cNvPr id="140" name="Прямая со стрелкой 139">
             <a:extLst>
               <a:ext uri="{FF2B5EF4-FFF2-40B4-BE49-F238E27FC236}">
-                <a16:creationId xmlns:a16="http://schemas.microsoft.com/office/drawing/2014/main" id="{B3FCE5AB-B549-43E5-94DB-B0838C67B62E}"/>
+                <a16:creationId xmlns="" xmlns:a16="http://schemas.microsoft.com/office/drawing/2014/main" id="{B3FCE5AB-B549-43E5-94DB-B0838C67B62E}"/>
               </a:ext>
             </a:extLst>
           </p:cNvPr>
@@ -11422,7 +11060,7 @@
           <p:cNvPr id="142" name="Прямая со стрелкой 141">
             <a:extLst>
               <a:ext uri="{FF2B5EF4-FFF2-40B4-BE49-F238E27FC236}">
-                <a16:creationId xmlns:a16="http://schemas.microsoft.com/office/drawing/2014/main" id="{6DB489FB-B7F5-4424-8C73-6D37DF418426}"/>
+                <a16:creationId xmlns="" xmlns:a16="http://schemas.microsoft.com/office/drawing/2014/main" id="{6DB489FB-B7F5-4424-8C73-6D37DF418426}"/>
               </a:ext>
             </a:extLst>
           </p:cNvPr>
@@ -11465,7 +11103,7 @@
           <p:cNvPr id="143" name="Прямоугольник 142">
             <a:extLst>
               <a:ext uri="{FF2B5EF4-FFF2-40B4-BE49-F238E27FC236}">
-                <a16:creationId xmlns:a16="http://schemas.microsoft.com/office/drawing/2014/main" id="{D8560F03-D7E5-4EAE-8AB6-25DD52B13299}"/>
+                <a16:creationId xmlns="" xmlns:a16="http://schemas.microsoft.com/office/drawing/2014/main" id="{D8560F03-D7E5-4EAE-8AB6-25DD52B13299}"/>
               </a:ext>
             </a:extLst>
           </p:cNvPr>
@@ -11540,7 +11178,7 @@
           <p:cNvPr id="145" name="Прямоугольник 144">
             <a:extLst>
               <a:ext uri="{FF2B5EF4-FFF2-40B4-BE49-F238E27FC236}">
-                <a16:creationId xmlns:a16="http://schemas.microsoft.com/office/drawing/2014/main" id="{9B2FDAB2-B211-4434-9C5B-E5DF44A10A33}"/>
+                <a16:creationId xmlns="" xmlns:a16="http://schemas.microsoft.com/office/drawing/2014/main" id="{9B2FDAB2-B211-4434-9C5B-E5DF44A10A33}"/>
               </a:ext>
             </a:extLst>
           </p:cNvPr>
@@ -11670,7 +11308,7 @@
           <p:cNvPr id="146" name="Соединительная линия уступом 903">
             <a:extLst>
               <a:ext uri="{FF2B5EF4-FFF2-40B4-BE49-F238E27FC236}">
-                <a16:creationId xmlns:a16="http://schemas.microsoft.com/office/drawing/2014/main" id="{7F2B1BD7-0FDF-4BD9-834C-72911F99D650}"/>
+                <a16:creationId xmlns="" xmlns:a16="http://schemas.microsoft.com/office/drawing/2014/main" id="{7F2B1BD7-0FDF-4BD9-834C-72911F99D650}"/>
               </a:ext>
             </a:extLst>
           </p:cNvPr>
@@ -11715,7 +11353,7 @@
           <p:cNvPr id="148" name="Прямоугольник 147">
             <a:extLst>
               <a:ext uri="{FF2B5EF4-FFF2-40B4-BE49-F238E27FC236}">
-                <a16:creationId xmlns:a16="http://schemas.microsoft.com/office/drawing/2014/main" id="{5F0353F8-E21C-4F18-BE59-BB22D272D767}"/>
+                <a16:creationId xmlns="" xmlns:a16="http://schemas.microsoft.com/office/drawing/2014/main" id="{5F0353F8-E21C-4F18-BE59-BB22D272D767}"/>
               </a:ext>
             </a:extLst>
           </p:cNvPr>
@@ -11773,7 +11411,7 @@
           <p:cNvPr id="149" name="Прямоугольник 148">
             <a:extLst>
               <a:ext uri="{FF2B5EF4-FFF2-40B4-BE49-F238E27FC236}">
-                <a16:creationId xmlns:a16="http://schemas.microsoft.com/office/drawing/2014/main" id="{4A8FCB66-A700-49E8-963C-C94CA0CCF5FD}"/>
+                <a16:creationId xmlns="" xmlns:a16="http://schemas.microsoft.com/office/drawing/2014/main" id="{4A8FCB66-A700-49E8-963C-C94CA0CCF5FD}"/>
               </a:ext>
             </a:extLst>
           </p:cNvPr>
@@ -11856,6 +11494,1817 @@
               <a:t>.)</a:t>
             </a:r>
             <a:endParaRPr lang="ru-RU" sz="400" dirty="0"/>
+          </a:p>
+        </p:txBody>
+      </p:sp>
+      <p:sp>
+        <p:nvSpPr>
+          <p:cNvPr id="151" name="Прямоугольник 150">
+            <a:extLst>
+              <a:ext uri="{FF2B5EF4-FFF2-40B4-BE49-F238E27FC236}">
+                <a16:creationId xmlns="" xmlns:a16="http://schemas.microsoft.com/office/drawing/2014/main" id="{42471CBD-413A-4A3C-B6F6-DCD88E55B78D}"/>
+              </a:ext>
+            </a:extLst>
+          </p:cNvPr>
+          <p:cNvSpPr/>
+          <p:nvPr/>
+        </p:nvSpPr>
+        <p:spPr>
+          <a:xfrm>
+            <a:off x="7201572" y="4153218"/>
+            <a:ext cx="926325" cy="540000"/>
+          </a:xfrm>
+          <a:prstGeom prst="rect">
+            <a:avLst/>
+          </a:prstGeom>
+          <a:noFill/>
+          <a:ln w="19050"/>
+        </p:spPr>
+        <p:style>
+          <a:lnRef idx="2">
+            <a:schemeClr val="accent1"/>
+          </a:lnRef>
+          <a:fillRef idx="1">
+            <a:schemeClr val="lt1"/>
+          </a:fillRef>
+          <a:effectRef idx="0">
+            <a:schemeClr val="accent1"/>
+          </a:effectRef>
+          <a:fontRef idx="minor">
+            <a:schemeClr val="dk1"/>
+          </a:fontRef>
+        </p:style>
+        <p:txBody>
+          <a:bodyPr lIns="124733" tIns="62367" rIns="124733" bIns="62367" rtlCol="0" anchor="ctr"/>
+          <a:lstStyle/>
+          <a:p>
+            <a:pPr algn="ctr"/>
+            <a:r>
+              <a:rPr lang="ru-RU" sz="700" dirty="0"/>
+              <a:t>Международный университет сельского хозяйства и </a:t>
+            </a:r>
+            <a:r>
+              <a:rPr lang="ru-RU" sz="700" dirty="0" smtClean="0"/>
+              <a:t>животноводства</a:t>
+            </a:r>
+            <a:r>
+              <a:rPr lang="en-US" sz="700" dirty="0" smtClean="0"/>
+              <a:t> </a:t>
+            </a:r>
+            <a:br>
+              <a:rPr lang="en-US" sz="700" dirty="0" smtClean="0"/>
+            </a:br>
+            <a:r>
+              <a:rPr lang="en-US" sz="100" dirty="0" smtClean="0"/>
+              <a:t>( 1951 </a:t>
+            </a:r>
+            <a:r>
+              <a:rPr lang="ru-RU" sz="100" dirty="0" smtClean="0"/>
+              <a:t>Международный </a:t>
+            </a:r>
+            <a:r>
+              <a:rPr lang="ru-RU" sz="100" dirty="0"/>
+              <a:t>университет сельского хозяйства и животноводства (UNIAG) — учебное заведение. UNIAG располагается в городе Манагуа, Никарагуа. UNIAG входит в </a:t>
+            </a:r>
+            <a:r>
+              <a:rPr lang="ru-RU" sz="100" dirty="0" err="1"/>
+              <a:t>Consejo</a:t>
+            </a:r>
+            <a:r>
+              <a:rPr lang="ru-RU" sz="100" dirty="0"/>
+              <a:t> </a:t>
+            </a:r>
+            <a:r>
+              <a:rPr lang="ru-RU" sz="100" dirty="0" err="1"/>
+              <a:t>Nacional</a:t>
+            </a:r>
+            <a:r>
+              <a:rPr lang="ru-RU" sz="100" dirty="0"/>
+              <a:t> </a:t>
+            </a:r>
+            <a:r>
+              <a:rPr lang="ru-RU" sz="100" dirty="0" err="1"/>
+              <a:t>de</a:t>
+            </a:r>
+            <a:r>
+              <a:rPr lang="ru-RU" sz="100" dirty="0"/>
+              <a:t> </a:t>
+            </a:r>
+            <a:r>
+              <a:rPr lang="ru-RU" sz="100" dirty="0" err="1"/>
+              <a:t>Universidades</a:t>
+            </a:r>
+            <a:r>
+              <a:rPr lang="ru-RU" sz="100" dirty="0"/>
+              <a:t>.</a:t>
+            </a:r>
+            <a:r>
+              <a:rPr lang="en-US" sz="100" dirty="0" smtClean="0"/>
+              <a:t>)</a:t>
+            </a:r>
+            <a:endParaRPr lang="ru-RU" sz="100" dirty="0"/>
+          </a:p>
+        </p:txBody>
+      </p:sp>
+      <p:sp>
+        <p:nvSpPr>
+          <p:cNvPr id="152" name="Прямоугольник 151">
+            <a:extLst>
+              <a:ext uri="{FF2B5EF4-FFF2-40B4-BE49-F238E27FC236}">
+                <a16:creationId xmlns="" xmlns:a16="http://schemas.microsoft.com/office/drawing/2014/main" id="{29CBE310-5100-413A-B4C1-EA4E28F411B1}"/>
+              </a:ext>
+            </a:extLst>
+          </p:cNvPr>
+          <p:cNvSpPr/>
+          <p:nvPr/>
+        </p:nvSpPr>
+        <p:spPr>
+          <a:xfrm>
+            <a:off x="7203327" y="4957747"/>
+            <a:ext cx="926325" cy="540000"/>
+          </a:xfrm>
+          <a:prstGeom prst="rect">
+            <a:avLst/>
+          </a:prstGeom>
+          <a:noFill/>
+          <a:ln w="19050"/>
+        </p:spPr>
+        <p:style>
+          <a:lnRef idx="2">
+            <a:schemeClr val="accent1"/>
+          </a:lnRef>
+          <a:fillRef idx="1">
+            <a:schemeClr val="lt1"/>
+          </a:fillRef>
+          <a:effectRef idx="0">
+            <a:schemeClr val="accent1"/>
+          </a:effectRef>
+          <a:fontRef idx="minor">
+            <a:schemeClr val="dk1"/>
+          </a:fontRef>
+        </p:style>
+        <p:txBody>
+          <a:bodyPr lIns="124733" tIns="62367" rIns="124733" bIns="62367" rtlCol="0" anchor="ctr"/>
+          <a:lstStyle/>
+          <a:p>
+            <a:pPr algn="ctr"/>
+            <a:r>
+              <a:rPr lang="ru-RU" sz="700" dirty="0"/>
+              <a:t>Международный университет интеграции Латинской </a:t>
+            </a:r>
+            <a:r>
+              <a:rPr lang="ru-RU" sz="700" dirty="0" smtClean="0"/>
+              <a:t>Америки</a:t>
+            </a:r>
+            <a:endParaRPr lang="ru-RU" sz="400" dirty="0"/>
+          </a:p>
+        </p:txBody>
+      </p:sp>
+      <p:cxnSp>
+        <p:nvCxnSpPr>
+          <p:cNvPr id="154" name="Соединительная линия уступом 903">
+            <a:extLst>
+              <a:ext uri="{FF2B5EF4-FFF2-40B4-BE49-F238E27FC236}">
+                <a16:creationId xmlns="" xmlns:a16="http://schemas.microsoft.com/office/drawing/2014/main" id="{BDC7F8CB-0052-4FAE-993D-F1332955CF43}"/>
+              </a:ext>
+            </a:extLst>
+          </p:cNvPr>
+          <p:cNvCxnSpPr>
+            <a:cxnSpLocks/>
+            <a:stCxn id="42" idx="2"/>
+            <a:endCxn id="43" idx="0"/>
+          </p:cNvCxnSpPr>
+          <p:nvPr/>
+        </p:nvCxnSpPr>
+        <p:spPr>
+          <a:xfrm rot="5400000">
+            <a:off x="7232115" y="2916923"/>
+            <a:ext cx="253802" cy="611436"/>
+          </a:xfrm>
+          <a:prstGeom prst="bentConnector3">
+            <a:avLst>
+              <a:gd name="adj1" fmla="val 50000"/>
+            </a:avLst>
+          </a:prstGeom>
+          <a:ln w="19050">
+            <a:tailEnd type="arrow"/>
+          </a:ln>
+        </p:spPr>
+        <p:style>
+          <a:lnRef idx="1">
+            <a:schemeClr val="accent1"/>
+          </a:lnRef>
+          <a:fillRef idx="0">
+            <a:schemeClr val="accent1"/>
+          </a:fillRef>
+          <a:effectRef idx="0">
+            <a:schemeClr val="accent1"/>
+          </a:effectRef>
+          <a:fontRef idx="minor">
+            <a:schemeClr val="tx1"/>
+          </a:fontRef>
+        </p:style>
+      </p:cxnSp>
+      <p:cxnSp>
+        <p:nvCxnSpPr>
+          <p:cNvPr id="155" name="Соединительная линия уступом 903">
+            <a:extLst>
+              <a:ext uri="{FF2B5EF4-FFF2-40B4-BE49-F238E27FC236}">
+                <a16:creationId xmlns="" xmlns:a16="http://schemas.microsoft.com/office/drawing/2014/main" id="{BDC7F8CB-0052-4FAE-993D-F1332955CF43}"/>
+              </a:ext>
+            </a:extLst>
+          </p:cNvPr>
+          <p:cNvCxnSpPr>
+            <a:cxnSpLocks/>
+            <a:stCxn id="42" idx="2"/>
+            <a:endCxn id="45" idx="0"/>
+          </p:cNvCxnSpPr>
+          <p:nvPr/>
+        </p:nvCxnSpPr>
+        <p:spPr>
+          <a:xfrm rot="16200000" flipH="1">
+            <a:off x="7859445" y="2901028"/>
+            <a:ext cx="247969" cy="637391"/>
+          </a:xfrm>
+          <a:prstGeom prst="bentConnector3">
+            <a:avLst>
+              <a:gd name="adj1" fmla="val 50000"/>
+            </a:avLst>
+          </a:prstGeom>
+          <a:ln w="19050">
+            <a:tailEnd type="arrow"/>
+          </a:ln>
+        </p:spPr>
+        <p:style>
+          <a:lnRef idx="1">
+            <a:schemeClr val="accent1"/>
+          </a:lnRef>
+          <a:fillRef idx="0">
+            <a:schemeClr val="accent1"/>
+          </a:fillRef>
+          <a:effectRef idx="0">
+            <a:schemeClr val="accent1"/>
+          </a:effectRef>
+          <a:fontRef idx="minor">
+            <a:schemeClr val="tx1"/>
+          </a:fontRef>
+        </p:style>
+      </p:cxnSp>
+      <p:cxnSp>
+        <p:nvCxnSpPr>
+          <p:cNvPr id="159" name="Соединительная линия уступом 903">
+            <a:extLst>
+              <a:ext uri="{FF2B5EF4-FFF2-40B4-BE49-F238E27FC236}">
+                <a16:creationId xmlns="" xmlns:a16="http://schemas.microsoft.com/office/drawing/2014/main" id="{BDC7F8CB-0052-4FAE-993D-F1332955CF43}"/>
+              </a:ext>
+            </a:extLst>
+          </p:cNvPr>
+          <p:cNvCxnSpPr>
+            <a:cxnSpLocks/>
+            <a:stCxn id="49" idx="2"/>
+            <a:endCxn id="45" idx="0"/>
+          </p:cNvCxnSpPr>
+          <p:nvPr/>
+        </p:nvCxnSpPr>
+        <p:spPr>
+          <a:xfrm rot="5400000">
+            <a:off x="8549597" y="2848269"/>
+            <a:ext cx="247969" cy="742911"/>
+          </a:xfrm>
+          <a:prstGeom prst="bentConnector3">
+            <a:avLst>
+              <a:gd name="adj1" fmla="val 50000"/>
+            </a:avLst>
+          </a:prstGeom>
+          <a:ln w="19050">
+            <a:tailEnd type="arrow"/>
+          </a:ln>
+        </p:spPr>
+        <p:style>
+          <a:lnRef idx="1">
+            <a:schemeClr val="accent1"/>
+          </a:lnRef>
+          <a:fillRef idx="0">
+            <a:schemeClr val="accent1"/>
+          </a:fillRef>
+          <a:effectRef idx="0">
+            <a:schemeClr val="accent1"/>
+          </a:effectRef>
+          <a:fontRef idx="minor">
+            <a:schemeClr val="tx1"/>
+          </a:fontRef>
+        </p:style>
+      </p:cxnSp>
+      <p:cxnSp>
+        <p:nvCxnSpPr>
+          <p:cNvPr id="160" name="Соединительная линия уступом 903">
+            <a:extLst>
+              <a:ext uri="{FF2B5EF4-FFF2-40B4-BE49-F238E27FC236}">
+                <a16:creationId xmlns="" xmlns:a16="http://schemas.microsoft.com/office/drawing/2014/main" id="{BDC7F8CB-0052-4FAE-993D-F1332955CF43}"/>
+              </a:ext>
+            </a:extLst>
+          </p:cNvPr>
+          <p:cNvCxnSpPr>
+            <a:cxnSpLocks/>
+            <a:stCxn id="49" idx="2"/>
+            <a:endCxn id="48" idx="0"/>
+          </p:cNvCxnSpPr>
+          <p:nvPr/>
+        </p:nvCxnSpPr>
+        <p:spPr>
+          <a:xfrm rot="16200000" flipH="1">
+            <a:off x="9277945" y="2862830"/>
+            <a:ext cx="253802" cy="719621"/>
+          </a:xfrm>
+          <a:prstGeom prst="bentConnector3">
+            <a:avLst>
+              <a:gd name="adj1" fmla="val 50000"/>
+            </a:avLst>
+          </a:prstGeom>
+          <a:ln w="19050">
+            <a:tailEnd type="arrow"/>
+          </a:ln>
+        </p:spPr>
+        <p:style>
+          <a:lnRef idx="1">
+            <a:schemeClr val="accent1"/>
+          </a:lnRef>
+          <a:fillRef idx="0">
+            <a:schemeClr val="accent1"/>
+          </a:fillRef>
+          <a:effectRef idx="0">
+            <a:schemeClr val="accent1"/>
+          </a:effectRef>
+          <a:fontRef idx="minor">
+            <a:schemeClr val="tx1"/>
+          </a:fontRef>
+        </p:style>
+      </p:cxnSp>
+      <p:cxnSp>
+        <p:nvCxnSpPr>
+          <p:cNvPr id="161" name="Соединительная линия уступом 903">
+            <a:extLst>
+              <a:ext uri="{FF2B5EF4-FFF2-40B4-BE49-F238E27FC236}">
+                <a16:creationId xmlns="" xmlns:a16="http://schemas.microsoft.com/office/drawing/2014/main" id="{BDC7F8CB-0052-4FAE-993D-F1332955CF43}"/>
+              </a:ext>
+            </a:extLst>
+          </p:cNvPr>
+          <p:cNvCxnSpPr>
+            <a:cxnSpLocks/>
+            <a:stCxn id="47" idx="2"/>
+            <a:endCxn id="48" idx="0"/>
+          </p:cNvCxnSpPr>
+          <p:nvPr/>
+        </p:nvCxnSpPr>
+        <p:spPr>
+          <a:xfrm rot="5400000">
+            <a:off x="9954483" y="2905914"/>
+            <a:ext cx="253803" cy="633453"/>
+          </a:xfrm>
+          <a:prstGeom prst="bentConnector3">
+            <a:avLst>
+              <a:gd name="adj1" fmla="val 50000"/>
+            </a:avLst>
+          </a:prstGeom>
+          <a:ln w="19050">
+            <a:tailEnd type="arrow"/>
+          </a:ln>
+        </p:spPr>
+        <p:style>
+          <a:lnRef idx="1">
+            <a:schemeClr val="accent1"/>
+          </a:lnRef>
+          <a:fillRef idx="0">
+            <a:schemeClr val="accent1"/>
+          </a:fillRef>
+          <a:effectRef idx="0">
+            <a:schemeClr val="accent1"/>
+          </a:effectRef>
+          <a:fontRef idx="minor">
+            <a:schemeClr val="tx1"/>
+          </a:fontRef>
+        </p:style>
+      </p:cxnSp>
+      <p:cxnSp>
+        <p:nvCxnSpPr>
+          <p:cNvPr id="165" name="Соединительная линия уступом 903">
+            <a:extLst>
+              <a:ext uri="{FF2B5EF4-FFF2-40B4-BE49-F238E27FC236}">
+                <a16:creationId xmlns="" xmlns:a16="http://schemas.microsoft.com/office/drawing/2014/main" id="{BDC7F8CB-0052-4FAE-993D-F1332955CF43}"/>
+              </a:ext>
+            </a:extLst>
+          </p:cNvPr>
+          <p:cNvCxnSpPr>
+            <a:cxnSpLocks/>
+            <a:stCxn id="47" idx="2"/>
+            <a:endCxn id="132" idx="0"/>
+          </p:cNvCxnSpPr>
+          <p:nvPr/>
+        </p:nvCxnSpPr>
+        <p:spPr>
+          <a:xfrm rot="16200000" flipH="1">
+            <a:off x="10586329" y="2907520"/>
+            <a:ext cx="253316" cy="629754"/>
+          </a:xfrm>
+          <a:prstGeom prst="bentConnector3">
+            <a:avLst>
+              <a:gd name="adj1" fmla="val 50000"/>
+            </a:avLst>
+          </a:prstGeom>
+          <a:ln w="19050">
+            <a:tailEnd type="arrow"/>
+          </a:ln>
+        </p:spPr>
+        <p:style>
+          <a:lnRef idx="1">
+            <a:schemeClr val="accent1"/>
+          </a:lnRef>
+          <a:fillRef idx="0">
+            <a:schemeClr val="accent1"/>
+          </a:fillRef>
+          <a:effectRef idx="0">
+            <a:schemeClr val="accent1"/>
+          </a:effectRef>
+          <a:fontRef idx="minor">
+            <a:schemeClr val="tx1"/>
+          </a:fontRef>
+        </p:style>
+      </p:cxnSp>
+      <p:cxnSp>
+        <p:nvCxnSpPr>
+          <p:cNvPr id="166" name="Соединительная линия уступом 903">
+            <a:extLst>
+              <a:ext uri="{FF2B5EF4-FFF2-40B4-BE49-F238E27FC236}">
+                <a16:creationId xmlns="" xmlns:a16="http://schemas.microsoft.com/office/drawing/2014/main" id="{BDC7F8CB-0052-4FAE-993D-F1332955CF43}"/>
+              </a:ext>
+            </a:extLst>
+          </p:cNvPr>
+          <p:cNvCxnSpPr>
+            <a:cxnSpLocks/>
+            <a:stCxn id="48" idx="2"/>
+            <a:endCxn id="226" idx="0"/>
+          </p:cNvCxnSpPr>
+          <p:nvPr/>
+        </p:nvCxnSpPr>
+        <p:spPr>
+          <a:xfrm rot="16200000" flipH="1">
+            <a:off x="9977534" y="3676665"/>
+            <a:ext cx="252148" cy="677902"/>
+          </a:xfrm>
+          <a:prstGeom prst="bentConnector3">
+            <a:avLst>
+              <a:gd name="adj1" fmla="val 50000"/>
+            </a:avLst>
+          </a:prstGeom>
+          <a:ln w="19050">
+            <a:tailEnd type="arrow"/>
+          </a:ln>
+        </p:spPr>
+        <p:style>
+          <a:lnRef idx="1">
+            <a:schemeClr val="accent1"/>
+          </a:lnRef>
+          <a:fillRef idx="0">
+            <a:schemeClr val="accent1"/>
+          </a:fillRef>
+          <a:effectRef idx="0">
+            <a:schemeClr val="accent1"/>
+          </a:effectRef>
+          <a:fontRef idx="minor">
+            <a:schemeClr val="tx1"/>
+          </a:fontRef>
+        </p:style>
+      </p:cxnSp>
+      <p:cxnSp>
+        <p:nvCxnSpPr>
+          <p:cNvPr id="167" name="Соединительная линия уступом 903">
+            <a:extLst>
+              <a:ext uri="{FF2B5EF4-FFF2-40B4-BE49-F238E27FC236}">
+                <a16:creationId xmlns="" xmlns:a16="http://schemas.microsoft.com/office/drawing/2014/main" id="{BDC7F8CB-0052-4FAE-993D-F1332955CF43}"/>
+              </a:ext>
+            </a:extLst>
+          </p:cNvPr>
+          <p:cNvCxnSpPr>
+            <a:cxnSpLocks/>
+            <a:stCxn id="132" idx="2"/>
+            <a:endCxn id="226" idx="0"/>
+          </p:cNvCxnSpPr>
+          <p:nvPr/>
+        </p:nvCxnSpPr>
+        <p:spPr>
+          <a:xfrm rot="5400000">
+            <a:off x="10608895" y="3722720"/>
+            <a:ext cx="252635" cy="585305"/>
+          </a:xfrm>
+          <a:prstGeom prst="bentConnector3">
+            <a:avLst>
+              <a:gd name="adj1" fmla="val 50000"/>
+            </a:avLst>
+          </a:prstGeom>
+          <a:ln w="19050">
+            <a:tailEnd type="arrow"/>
+          </a:ln>
+        </p:spPr>
+        <p:style>
+          <a:lnRef idx="1">
+            <a:schemeClr val="accent1"/>
+          </a:lnRef>
+          <a:fillRef idx="0">
+            <a:schemeClr val="accent1"/>
+          </a:fillRef>
+          <a:effectRef idx="0">
+            <a:schemeClr val="accent1"/>
+          </a:effectRef>
+          <a:fontRef idx="minor">
+            <a:schemeClr val="tx1"/>
+          </a:fontRef>
+        </p:style>
+      </p:cxnSp>
+      <p:cxnSp>
+        <p:nvCxnSpPr>
+          <p:cNvPr id="184" name="Соединительная линия уступом 903">
+            <a:extLst>
+              <a:ext uri="{FF2B5EF4-FFF2-40B4-BE49-F238E27FC236}">
+                <a16:creationId xmlns="" xmlns:a16="http://schemas.microsoft.com/office/drawing/2014/main" id="{BDC7F8CB-0052-4FAE-993D-F1332955CF43}"/>
+              </a:ext>
+            </a:extLst>
+          </p:cNvPr>
+          <p:cNvCxnSpPr>
+            <a:cxnSpLocks/>
+            <a:stCxn id="45" idx="2"/>
+            <a:endCxn id="151" idx="0"/>
+          </p:cNvCxnSpPr>
+          <p:nvPr/>
+        </p:nvCxnSpPr>
+        <p:spPr>
+          <a:xfrm rot="5400000">
+            <a:off x="7848676" y="3699768"/>
+            <a:ext cx="269509" cy="637390"/>
+          </a:xfrm>
+          <a:prstGeom prst="bentConnector3">
+            <a:avLst>
+              <a:gd name="adj1" fmla="val 50000"/>
+            </a:avLst>
+          </a:prstGeom>
+          <a:ln w="19050">
+            <a:tailEnd type="arrow"/>
+          </a:ln>
+        </p:spPr>
+        <p:style>
+          <a:lnRef idx="1">
+            <a:schemeClr val="accent1"/>
+          </a:lnRef>
+          <a:fillRef idx="0">
+            <a:schemeClr val="accent1"/>
+          </a:fillRef>
+          <a:effectRef idx="0">
+            <a:schemeClr val="accent1"/>
+          </a:effectRef>
+          <a:fontRef idx="minor">
+            <a:schemeClr val="tx1"/>
+          </a:fontRef>
+        </p:style>
+      </p:cxnSp>
+      <p:cxnSp>
+        <p:nvCxnSpPr>
+          <p:cNvPr id="187" name="Соединительная линия уступом 903">
+            <a:extLst>
+              <a:ext uri="{FF2B5EF4-FFF2-40B4-BE49-F238E27FC236}">
+                <a16:creationId xmlns="" xmlns:a16="http://schemas.microsoft.com/office/drawing/2014/main" id="{BDC7F8CB-0052-4FAE-993D-F1332955CF43}"/>
+              </a:ext>
+            </a:extLst>
+          </p:cNvPr>
+          <p:cNvCxnSpPr>
+            <a:cxnSpLocks/>
+            <a:stCxn id="43" idx="2"/>
+            <a:endCxn id="151" idx="0"/>
+          </p:cNvCxnSpPr>
+          <p:nvPr/>
+        </p:nvCxnSpPr>
+        <p:spPr>
+          <a:xfrm rot="16200000" flipH="1">
+            <a:off x="7227178" y="3715661"/>
+            <a:ext cx="263676" cy="611437"/>
+          </a:xfrm>
+          <a:prstGeom prst="bentConnector3">
+            <a:avLst>
+              <a:gd name="adj1" fmla="val 50000"/>
+            </a:avLst>
+          </a:prstGeom>
+          <a:ln w="19050">
+            <a:tailEnd type="arrow"/>
+          </a:ln>
+        </p:spPr>
+        <p:style>
+          <a:lnRef idx="1">
+            <a:schemeClr val="accent1"/>
+          </a:lnRef>
+          <a:fillRef idx="0">
+            <a:schemeClr val="accent1"/>
+          </a:fillRef>
+          <a:effectRef idx="0">
+            <a:schemeClr val="accent1"/>
+          </a:effectRef>
+          <a:fontRef idx="minor">
+            <a:schemeClr val="tx1"/>
+          </a:fontRef>
+        </p:style>
+      </p:cxnSp>
+      <p:cxnSp>
+        <p:nvCxnSpPr>
+          <p:cNvPr id="191" name="Прямая со стрелкой 190">
+            <a:extLst>
+              <a:ext uri="{FF2B5EF4-FFF2-40B4-BE49-F238E27FC236}">
+                <a16:creationId xmlns="" xmlns:a16="http://schemas.microsoft.com/office/drawing/2014/main" id="{11E09268-6642-4446-BE40-6FEF2498A4ED}"/>
+              </a:ext>
+            </a:extLst>
+          </p:cNvPr>
+          <p:cNvCxnSpPr>
+            <a:cxnSpLocks/>
+            <a:stCxn id="151" idx="2"/>
+            <a:endCxn id="152" idx="0"/>
+          </p:cNvCxnSpPr>
+          <p:nvPr/>
+        </p:nvCxnSpPr>
+        <p:spPr>
+          <a:xfrm>
+            <a:off x="7664735" y="4693218"/>
+            <a:ext cx="1755" cy="264529"/>
+          </a:xfrm>
+          <a:prstGeom prst="straightConnector1">
+            <a:avLst/>
+          </a:prstGeom>
+          <a:ln w="19050">
+            <a:tailEnd type="arrow"/>
+          </a:ln>
+        </p:spPr>
+        <p:style>
+          <a:lnRef idx="1">
+            <a:schemeClr val="accent1"/>
+          </a:lnRef>
+          <a:fillRef idx="0">
+            <a:schemeClr val="accent1"/>
+          </a:fillRef>
+          <a:effectRef idx="0">
+            <a:schemeClr val="accent1"/>
+          </a:effectRef>
+          <a:fontRef idx="minor">
+            <a:schemeClr val="tx1"/>
+          </a:fontRef>
+        </p:style>
+      </p:cxnSp>
+      <p:cxnSp>
+        <p:nvCxnSpPr>
+          <p:cNvPr id="204" name="Прямая соединительная линия 203"/>
+          <p:cNvCxnSpPr>
+            <a:cxnSpLocks/>
+            <a:stCxn id="995" idx="3"/>
+            <a:endCxn id="305" idx="1"/>
+          </p:cNvCxnSpPr>
+          <p:nvPr/>
+        </p:nvCxnSpPr>
+        <p:spPr>
+          <a:xfrm>
+            <a:off x="5355476" y="2825738"/>
+            <a:ext cx="465459" cy="2"/>
+          </a:xfrm>
+          <a:prstGeom prst="line">
+            <a:avLst/>
+          </a:prstGeom>
+          <a:ln w="19050">
+            <a:solidFill>
+              <a:srgbClr val="FF0000"/>
+            </a:solidFill>
+          </a:ln>
+        </p:spPr>
+        <p:style>
+          <a:lnRef idx="1">
+            <a:schemeClr val="accent1"/>
+          </a:lnRef>
+          <a:fillRef idx="0">
+            <a:schemeClr val="accent1"/>
+          </a:fillRef>
+          <a:effectRef idx="0">
+            <a:schemeClr val="accent1"/>
+          </a:effectRef>
+          <a:fontRef idx="minor">
+            <a:schemeClr val="tx1"/>
+          </a:fontRef>
+        </p:style>
+      </p:cxnSp>
+      <p:cxnSp>
+        <p:nvCxnSpPr>
+          <p:cNvPr id="211" name="Прямая со стрелкой 210">
+            <a:extLst>
+              <a:ext uri="{FF2B5EF4-FFF2-40B4-BE49-F238E27FC236}">
+                <a16:creationId xmlns="" xmlns:a16="http://schemas.microsoft.com/office/drawing/2014/main" id="{59266080-AC10-42CA-B68E-CEDF802FA3D3}"/>
+              </a:ext>
+            </a:extLst>
+          </p:cNvPr>
+          <p:cNvCxnSpPr>
+            <a:cxnSpLocks/>
+            <a:stCxn id="305" idx="2"/>
+            <a:endCxn id="1009" idx="0"/>
+          </p:cNvCxnSpPr>
+          <p:nvPr/>
+        </p:nvCxnSpPr>
+        <p:spPr>
+          <a:xfrm flipH="1">
+            <a:off x="6276637" y="3095740"/>
+            <a:ext cx="7461" cy="1867841"/>
+          </a:xfrm>
+          <a:prstGeom prst="straightConnector1">
+            <a:avLst/>
+          </a:prstGeom>
+          <a:ln w="19050">
+            <a:prstDash val="dash"/>
+            <a:tailEnd type="arrow"/>
+          </a:ln>
+        </p:spPr>
+        <p:style>
+          <a:lnRef idx="1">
+            <a:schemeClr val="accent1"/>
+          </a:lnRef>
+          <a:fillRef idx="0">
+            <a:schemeClr val="accent1"/>
+          </a:fillRef>
+          <a:effectRef idx="0">
+            <a:schemeClr val="accent1"/>
+          </a:effectRef>
+          <a:fontRef idx="minor">
+            <a:schemeClr val="tx1"/>
+          </a:fontRef>
+        </p:style>
+      </p:cxnSp>
+      <p:cxnSp>
+        <p:nvCxnSpPr>
+          <p:cNvPr id="214" name="Соединительная линия уступом 903">
+            <a:extLst>
+              <a:ext uri="{FF2B5EF4-FFF2-40B4-BE49-F238E27FC236}">
+                <a16:creationId xmlns="" xmlns:a16="http://schemas.microsoft.com/office/drawing/2014/main" id="{BDC7F8CB-0052-4FAE-993D-F1332955CF43}"/>
+              </a:ext>
+            </a:extLst>
+          </p:cNvPr>
+          <p:cNvCxnSpPr>
+            <a:cxnSpLocks/>
+            <a:stCxn id="305" idx="2"/>
+            <a:endCxn id="996" idx="0"/>
+          </p:cNvCxnSpPr>
+          <p:nvPr/>
+        </p:nvCxnSpPr>
+        <p:spPr>
+          <a:xfrm rot="5400000">
+            <a:off x="5803216" y="2883290"/>
+            <a:ext cx="268433" cy="693332"/>
+          </a:xfrm>
+          <a:prstGeom prst="bentConnector3">
+            <a:avLst>
+              <a:gd name="adj1" fmla="val 50000"/>
+            </a:avLst>
+          </a:prstGeom>
+          <a:ln w="19050">
+            <a:prstDash val="dash"/>
+            <a:tailEnd type="arrow"/>
+          </a:ln>
+        </p:spPr>
+        <p:style>
+          <a:lnRef idx="1">
+            <a:schemeClr val="accent1"/>
+          </a:lnRef>
+          <a:fillRef idx="0">
+            <a:schemeClr val="accent1"/>
+          </a:fillRef>
+          <a:effectRef idx="0">
+            <a:schemeClr val="accent1"/>
+          </a:effectRef>
+          <a:fontRef idx="minor">
+            <a:schemeClr val="tx1"/>
+          </a:fontRef>
+        </p:style>
+      </p:cxnSp>
+      <p:cxnSp>
+        <p:nvCxnSpPr>
+          <p:cNvPr id="217" name="Соединительная линия уступом 903">
+            <a:extLst>
+              <a:ext uri="{FF2B5EF4-FFF2-40B4-BE49-F238E27FC236}">
+                <a16:creationId xmlns="" xmlns:a16="http://schemas.microsoft.com/office/drawing/2014/main" id="{BDC7F8CB-0052-4FAE-993D-F1332955CF43}"/>
+              </a:ext>
+            </a:extLst>
+          </p:cNvPr>
+          <p:cNvCxnSpPr>
+            <a:cxnSpLocks/>
+            <a:stCxn id="305" idx="2"/>
+            <a:endCxn id="1007" idx="0"/>
+          </p:cNvCxnSpPr>
+          <p:nvPr/>
+        </p:nvCxnSpPr>
+        <p:spPr>
+          <a:xfrm rot="5400000">
+            <a:off x="4654286" y="3333768"/>
+            <a:ext cx="1867841" cy="1391784"/>
+          </a:xfrm>
+          <a:prstGeom prst="bentConnector3">
+            <a:avLst>
+              <a:gd name="adj1" fmla="val 6824"/>
+            </a:avLst>
+          </a:prstGeom>
+          <a:ln w="19050">
+            <a:prstDash val="dash"/>
+            <a:tailEnd type="arrow"/>
+          </a:ln>
+        </p:spPr>
+        <p:style>
+          <a:lnRef idx="1">
+            <a:schemeClr val="accent1"/>
+          </a:lnRef>
+          <a:fillRef idx="0">
+            <a:schemeClr val="accent1"/>
+          </a:fillRef>
+          <a:effectRef idx="0">
+            <a:schemeClr val="accent1"/>
+          </a:effectRef>
+          <a:fontRef idx="minor">
+            <a:schemeClr val="tx1"/>
+          </a:fontRef>
+        </p:style>
+      </p:cxnSp>
+      <p:sp>
+        <p:nvSpPr>
+          <p:cNvPr id="221" name="Прямоугольник 220">
+            <a:extLst>
+              <a:ext uri="{FF2B5EF4-FFF2-40B4-BE49-F238E27FC236}">
+                <a16:creationId xmlns="" xmlns:a16="http://schemas.microsoft.com/office/drawing/2014/main" id="{D53819E8-2FF6-4FFA-A7E4-75D55AADB8B5}"/>
+              </a:ext>
+            </a:extLst>
+          </p:cNvPr>
+          <p:cNvSpPr/>
+          <p:nvPr/>
+        </p:nvSpPr>
+        <p:spPr>
+          <a:xfrm>
+            <a:off x="8579163" y="4966157"/>
+            <a:ext cx="926325" cy="540000"/>
+          </a:xfrm>
+          <a:prstGeom prst="rect">
+            <a:avLst/>
+          </a:prstGeom>
+          <a:noFill/>
+          <a:ln w="19050"/>
+        </p:spPr>
+        <p:style>
+          <a:lnRef idx="2">
+            <a:schemeClr val="accent1"/>
+          </a:lnRef>
+          <a:fillRef idx="1">
+            <a:schemeClr val="lt1"/>
+          </a:fillRef>
+          <a:effectRef idx="0">
+            <a:schemeClr val="accent1"/>
+          </a:effectRef>
+          <a:fontRef idx="minor">
+            <a:schemeClr val="dk1"/>
+          </a:fontRef>
+        </p:style>
+        <p:txBody>
+          <a:bodyPr lIns="124733" tIns="62367" rIns="124733" bIns="62367" rtlCol="0" anchor="ctr"/>
+          <a:lstStyle/>
+          <a:p>
+            <a:pPr algn="ctr"/>
+            <a:r>
+              <a:rPr lang="ru-RU" sz="700" dirty="0"/>
+              <a:t>Молочный завод </a:t>
+            </a:r>
+            <a:r>
+              <a:rPr lang="ru-RU" sz="300" dirty="0"/>
+              <a:t>(Как только </a:t>
+            </a:r>
+            <a:r>
+              <a:rPr lang="ru-RU" sz="300" dirty="0" err="1"/>
+              <a:t>Сомоса</a:t>
+            </a:r>
+            <a:r>
+              <a:rPr lang="ru-RU" sz="300" dirty="0"/>
+              <a:t> завладел единственным в стране заводом по </a:t>
+            </a:r>
+            <a:r>
+              <a:rPr lang="ru-RU" sz="300" dirty="0" err="1"/>
+              <a:t>пастериза¬ции</a:t>
+            </a:r>
+            <a:r>
+              <a:rPr lang="ru-RU" sz="300" dirty="0"/>
+              <a:t> молока, он немедленно законодательно запретил продавать </a:t>
+            </a:r>
+            <a:r>
+              <a:rPr lang="ru-RU" sz="300" dirty="0" err="1"/>
+              <a:t>непастеризо¬ванное</a:t>
+            </a:r>
+            <a:r>
+              <a:rPr lang="ru-RU" sz="300" dirty="0"/>
+              <a:t> молоко населению.)</a:t>
+            </a:r>
+            <a:endParaRPr lang="ru-RU" sz="200" dirty="0"/>
+          </a:p>
+        </p:txBody>
+      </p:sp>
+      <p:cxnSp>
+        <p:nvCxnSpPr>
+          <p:cNvPr id="225" name="Соединительная линия уступом 903">
+            <a:extLst>
+              <a:ext uri="{FF2B5EF4-FFF2-40B4-BE49-F238E27FC236}">
+                <a16:creationId xmlns="" xmlns:a16="http://schemas.microsoft.com/office/drawing/2014/main" id="{BDC7F8CB-0052-4FAE-993D-F1332955CF43}"/>
+              </a:ext>
+            </a:extLst>
+          </p:cNvPr>
+          <p:cNvCxnSpPr>
+            <a:cxnSpLocks/>
+            <a:stCxn id="43" idx="2"/>
+            <a:endCxn id="168" idx="0"/>
+          </p:cNvCxnSpPr>
+          <p:nvPr/>
+        </p:nvCxnSpPr>
+        <p:spPr>
+          <a:xfrm rot="16200000" flipH="1">
+            <a:off x="7912482" y="3030357"/>
+            <a:ext cx="273370" cy="1991739"/>
+          </a:xfrm>
+          <a:prstGeom prst="bentConnector3">
+            <a:avLst>
+              <a:gd name="adj1" fmla="val 50000"/>
+            </a:avLst>
+          </a:prstGeom>
+          <a:ln w="19050">
+            <a:tailEnd type="arrow"/>
+          </a:ln>
+        </p:spPr>
+        <p:style>
+          <a:lnRef idx="1">
+            <a:schemeClr val="accent1"/>
+          </a:lnRef>
+          <a:fillRef idx="0">
+            <a:schemeClr val="accent1"/>
+          </a:fillRef>
+          <a:effectRef idx="0">
+            <a:schemeClr val="accent1"/>
+          </a:effectRef>
+          <a:fontRef idx="minor">
+            <a:schemeClr val="tx1"/>
+          </a:fontRef>
+        </p:style>
+      </p:cxnSp>
+      <p:sp>
+        <p:nvSpPr>
+          <p:cNvPr id="243" name="Прямоугольник 242">
+            <a:extLst>
+              <a:ext uri="{FF2B5EF4-FFF2-40B4-BE49-F238E27FC236}">
+                <a16:creationId xmlns="" xmlns:a16="http://schemas.microsoft.com/office/drawing/2014/main" id="{03F7D570-4EE1-495E-9294-D367F2E7763E}"/>
+              </a:ext>
+            </a:extLst>
+          </p:cNvPr>
+          <p:cNvSpPr/>
+          <p:nvPr/>
+        </p:nvSpPr>
+        <p:spPr>
+          <a:xfrm>
+            <a:off x="11725180" y="93477"/>
+            <a:ext cx="4089396" cy="5476194"/>
+          </a:xfrm>
+          <a:prstGeom prst="rect">
+            <a:avLst/>
+          </a:prstGeom>
+          <a:noFill/>
+          <a:ln w="19050"/>
+        </p:spPr>
+        <p:style>
+          <a:lnRef idx="2">
+            <a:schemeClr val="accent1"/>
+          </a:lnRef>
+          <a:fillRef idx="1">
+            <a:schemeClr val="lt1"/>
+          </a:fillRef>
+          <a:effectRef idx="0">
+            <a:schemeClr val="accent1"/>
+          </a:effectRef>
+          <a:fontRef idx="minor">
+            <a:schemeClr val="dk1"/>
+          </a:fontRef>
+        </p:style>
+        <p:txBody>
+          <a:bodyPr lIns="124733" tIns="62367" rIns="124733" bIns="62367" rtlCol="0" anchor="ctr"/>
+          <a:lstStyle/>
+          <a:p>
+            <a:r>
+              <a:rPr lang="ru-RU" sz="500" dirty="0" err="1"/>
+              <a:t>Сомоса</a:t>
+            </a:r>
+            <a:r>
+              <a:rPr lang="ru-RU" sz="500" dirty="0"/>
+              <a:t> пригласил американского финансового эксперта Джеймса Эдвардса и поручил ему разработать план стабилизации валютно-финансовой системы Никарагуа. Рекомендации Эдвардса были традиционно-монетаристскими. Он предлагал вернуться к системе жесткого распределения валюты, то есть фак­тического лицензирования импорта</a:t>
+            </a:r>
+            <a:r>
+              <a:rPr lang="ru-RU" sz="500" dirty="0" smtClean="0"/>
+              <a:t>.</a:t>
+            </a:r>
+            <a:br>
+              <a:rPr lang="ru-RU" sz="500" dirty="0" smtClean="0"/>
+            </a:br>
+            <a:r>
+              <a:rPr lang="ru-RU" sz="500" dirty="0"/>
+              <a:t>В августе 1937 года никарагуанский конгресс принял соответствующий закон, согласно которому Комиссия по валютному обмену (созданная еще в 1931 году) могла контролировать все импортные и экспортные операции, а курс кордобы к доллару не должен был быть ниже 1:2. Однако «план Эдвардса» не решал глав­ной проблемы — отсутствия валюты в Никарагуа. Фактически американцы лишь предлагали меньше импортировать. Но без импорта не мог функционировать и экспорт — аграриям были нужны машины, оборудование, горючее и т.д.</a:t>
+            </a:r>
+          </a:p>
+          <a:p>
+            <a:r>
+              <a:rPr lang="ru-RU" sz="500" dirty="0"/>
+              <a:t>Неудивительно, что уже в декабре 1937 года Торговая палата Манагуа и Аграрная ассоциация Никарагуа, объединявшая крупных сельхозпроизводи­телей, открыто высказались против «плана Эдвардса». Предприниматели тре­бовали отмены ограничений валютного курса и свободной продажи валюты.</a:t>
+            </a:r>
+          </a:p>
+          <a:p>
+            <a:r>
+              <a:rPr lang="ru-RU" sz="500" dirty="0"/>
+              <a:t>Сильной стороной </a:t>
+            </a:r>
+            <a:r>
+              <a:rPr lang="ru-RU" sz="500" dirty="0" err="1"/>
+              <a:t>Сомосы</a:t>
+            </a:r>
+            <a:r>
+              <a:rPr lang="ru-RU" sz="500" dirty="0"/>
+              <a:t> была гибкость в проводимой политике, так как никаких собственных убеждений у него не было. Поэтому 10 декабря 1937 года </a:t>
+            </a:r>
+            <a:r>
+              <a:rPr lang="ru-RU" sz="500" dirty="0" err="1"/>
+              <a:t>Сомоса</a:t>
+            </a:r>
+            <a:r>
+              <a:rPr lang="ru-RU" sz="500" dirty="0"/>
+              <a:t> признал «план Эдвардса» неудачным, но, правда, лишь потому, что Эдвардсу якобы дали «неправильные данные» (</a:t>
+            </a:r>
+            <a:r>
+              <a:rPr lang="ru-RU" sz="500" dirty="0" err="1"/>
+              <a:t>Сомоса</a:t>
+            </a:r>
+            <a:r>
+              <a:rPr lang="ru-RU" sz="500" dirty="0"/>
+              <a:t> не хотел обижать аме­риканцев). </a:t>
+            </a:r>
+            <a:r>
+              <a:rPr lang="ru-RU" sz="500" dirty="0" err="1"/>
+              <a:t>Сомоса</a:t>
+            </a:r>
+            <a:r>
+              <a:rPr lang="ru-RU" sz="500" dirty="0"/>
+              <a:t> предложил, чтобы экспортеры могли самостоятельно про­давать на рынке 80% валютной выручки по фактически сложившемуся курсу</a:t>
+            </a:r>
+            <a:r>
+              <a:rPr lang="ru-RU" sz="500" dirty="0" smtClean="0"/>
+              <a:t>.</a:t>
+            </a:r>
+            <a:br>
+              <a:rPr lang="ru-RU" sz="500" dirty="0" smtClean="0"/>
+            </a:br>
+            <a:r>
+              <a:rPr lang="ru-RU" sz="500" dirty="0"/>
+              <a:t>Такое коренное изменение валютной политики привело к резкому паде­нию курса кордобы, который установился на уровне 1:5,9 к июню 1938 года.</a:t>
+            </a:r>
+          </a:p>
+          <a:p>
+            <a:r>
+              <a:rPr lang="ru-RU" sz="500" dirty="0"/>
+              <a:t>Однако такой курс не устраивал импортеров, и они решили договориться и не покупать кордобу дороже курса 1:4,5.</a:t>
+            </a:r>
+          </a:p>
+          <a:p>
+            <a:r>
+              <a:rPr lang="ru-RU" sz="500" dirty="0"/>
+              <a:t>Между тем в стране из-за подорожания импорта резко выросли цены, что угрожало уже политической стабильности режима.</a:t>
+            </a:r>
+          </a:p>
+          <a:p>
+            <a:r>
+              <a:rPr lang="ru-RU" sz="500" dirty="0"/>
+              <a:t>В июне 1938 года </a:t>
+            </a:r>
+            <a:r>
+              <a:rPr lang="ru-RU" sz="500" dirty="0" err="1"/>
+              <a:t>Сомоса</a:t>
+            </a:r>
+            <a:r>
+              <a:rPr lang="ru-RU" sz="500" dirty="0"/>
+              <a:t> опять ввел контроль над обменным курсом, запре­тив свободную покупку и продажу долларов частными лицами. Правительство теперь устанавливало официальный курс кордобы еженедельно, что опять-та­ки не добавляло стабильности в ведении бизнеса для экспортеров и импор­теров. Фактически правительство закрепило кордобу на сложившемся крайне низком обменном курсе по отношению к доллару.</a:t>
+            </a:r>
+          </a:p>
+          <a:p>
+            <a:r>
+              <a:rPr lang="ru-RU" sz="500" dirty="0"/>
+              <a:t>Население было крайне недовольно ростом цен — ведь, продавая кофе и ба­наны, Никарагуа закупала очень много продовольствия, цены на которое с па­дением кордобы, естественно, сильно выросли. В марте 1937 года «популист» </a:t>
+            </a:r>
+            <a:r>
+              <a:rPr lang="ru-RU" sz="500" dirty="0" err="1"/>
+              <a:t>Сомоса</a:t>
+            </a:r>
+            <a:r>
+              <a:rPr lang="ru-RU" sz="500" dirty="0"/>
+              <a:t> начал бороться с порождением собственной политики. Он заставил всех торговцев помещать ценники на видных местах на витринах магазинов и лавок, чтобы правительственные чиновники (из состава Комиссии по валют­ному обмену) могли их контролировать. К тому же чиновникам дали право проверять бухгалтерскую отчетность торговцев, чтобы выяснять, насколько их закупочные цены отличаются от цен продажи.</a:t>
+            </a:r>
+          </a:p>
+          <a:p>
+            <a:r>
+              <a:rPr lang="ru-RU" sz="500" dirty="0"/>
+              <a:t>Однако торговцев такие меры не сильно напугали, и цены продолжили свой стремительный рост. Тогда </a:t>
+            </a:r>
+            <a:r>
+              <a:rPr lang="ru-RU" sz="500" dirty="0" err="1"/>
+              <a:t>Сомоса</a:t>
+            </a:r>
+            <a:r>
+              <a:rPr lang="ru-RU" sz="500" dirty="0"/>
+              <a:t> был вынужден перейти уже к прямо­му контролю над ценами. В январе 1938 года максимальная торговая наценка на товары повседневного пользования (ткани, нитки, мачете, плуги, лопаты, лекарства, мука и т.д.) была установлена в размере 20%.</a:t>
+            </a:r>
+          </a:p>
+          <a:p>
+            <a:r>
+              <a:rPr lang="ru-RU" sz="500" dirty="0"/>
+              <a:t>Для контроля над ценами был создан специальный государственный ор­ган — Национальная комиссия по регулированию. В нее имели право обра­титься все недовольные потребители. Комиссия могла оштрафовать и даже за­крыть торговое предприятие за превышение предельной наценки.</a:t>
+            </a:r>
+          </a:p>
+          <a:p>
+            <a:r>
+              <a:rPr lang="ru-RU" sz="500" dirty="0"/>
+              <a:t>Торговая палата Манагуа в письме к </a:t>
+            </a:r>
+            <a:r>
+              <a:rPr lang="ru-RU" sz="500" dirty="0" err="1"/>
+              <a:t>Сомосе</a:t>
+            </a:r>
+            <a:r>
+              <a:rPr lang="ru-RU" sz="500" dirty="0"/>
+              <a:t> отмечала, что причиной посто­янного роста цен является нестабильность курса кордобы, и предприниматели стараются с помощью повышения цен гарантировать себя от возможных по­терь при обмене (ведь кордоба в любом случае не росла, а только падала по от­ношению к доллару).</a:t>
+            </a:r>
+          </a:p>
+          <a:p>
+            <a:r>
+              <a:rPr lang="ru-RU" sz="500" dirty="0"/>
+              <a:t>В июне 1937 года, чтобы сбить цены, </a:t>
+            </a:r>
+            <a:r>
+              <a:rPr lang="ru-RU" sz="500" dirty="0" err="1"/>
+              <a:t>Сомоса</a:t>
+            </a:r>
+            <a:r>
+              <a:rPr lang="ru-RU" sz="500" dirty="0"/>
+              <a:t> ввел пятилетнее эмбарго на экспорт говядины (причем сам диктатор этот запрет обходил, продавая мясо со своих предприятий). Предприниматели, конечно, были недовольны, но к тому времени руководство Торговой палатой уже находилось в руках став­ленников </a:t>
+            </a:r>
+            <a:r>
+              <a:rPr lang="ru-RU" sz="500" dirty="0" err="1"/>
+              <a:t>Сомосы</a:t>
+            </a:r>
+            <a:r>
+              <a:rPr lang="ru-RU" sz="500" dirty="0"/>
+              <a:t>, и протесты были вялыми и сервильными. На границе с Ко­ста-Рикой расцвела контрабанда говядины, в которой активно участвовали национальная гвардия и близкие к режиму бизнесмены.</a:t>
+            </a:r>
+          </a:p>
+          <a:p>
+            <a:r>
+              <a:rPr lang="ru-RU" sz="500" dirty="0"/>
+              <a:t>В феврале 1938 года </a:t>
+            </a:r>
+            <a:r>
+              <a:rPr lang="ru-RU" sz="500" dirty="0" err="1"/>
+              <a:t>Сомоса</a:t>
+            </a:r>
+            <a:r>
+              <a:rPr lang="ru-RU" sz="500" dirty="0"/>
+              <a:t> объявил о более радикальных мерах по борь­бе с инфляцией. Предполагалось создать национальный комиссариат, который продавал бы рабочим и крестьянам продукты первой необходимости по себе­стоимости. Организовывать такие магазины предполагалось за счет взносов самих же рабочих. Но такая мера ударила бы по бизнесу уже сильно, а </a:t>
+            </a:r>
+            <a:r>
+              <a:rPr lang="ru-RU" sz="500" dirty="0" err="1"/>
+              <a:t>Сомоса</a:t>
+            </a:r>
+            <a:r>
+              <a:rPr lang="ru-RU" sz="500" dirty="0"/>
+              <a:t> никогда не ссорился с предпринимателями — главной социальной опорой сво­ей власти. Поэтому из идеи альтернативных государственных магазинов так ничего и не вышло.</a:t>
+            </a:r>
+          </a:p>
+          <a:p>
+            <a:r>
+              <a:rPr lang="ru-RU" sz="500" dirty="0"/>
+              <a:t>Таким образом, валютная политика </a:t>
+            </a:r>
+            <a:r>
+              <a:rPr lang="ru-RU" sz="500" dirty="0" err="1"/>
+              <a:t>Сомосы</a:t>
+            </a:r>
+            <a:r>
+              <a:rPr lang="ru-RU" sz="500" dirty="0"/>
+              <a:t> не решила ни одной из постав­ленных задач, но зато привела к резкому росту цен в стране.</a:t>
+            </a:r>
+          </a:p>
+          <a:p>
+            <a:r>
+              <a:rPr lang="ru-RU" sz="500" dirty="0"/>
+              <a:t>Для укрепления доходной базы бюджета </a:t>
+            </a:r>
+            <a:r>
+              <a:rPr lang="ru-RU" sz="500" dirty="0" err="1"/>
+              <a:t>Сомоса</a:t>
+            </a:r>
+            <a:r>
+              <a:rPr lang="ru-RU" sz="500" dirty="0"/>
+              <a:t> упорядочил налогообло­жение, создав единую налоговую службу. Однако основная тяжесть при взи­мании налогов по-прежнему лежала на рядовых потребителях, потому что практически все собираемые налоги были косвенными. Правительство взи­мало акциз на бензин, алкогольные напитки, табак и сахар. Правда, в декабре 1939 года был введен налог на имущество (0,5% от оценочной стоимости) и на­лог на наследство на недвижимость (плавающая шкала от 0,5 до 15%). Однако этих налогов собиралось очень мало, и существенной роли в формировании дохода бюджета они не играли.</a:t>
+            </a:r>
+          </a:p>
+          <a:p>
+            <a:r>
+              <a:rPr lang="ru-RU" sz="500" dirty="0"/>
+              <a:t>Единственным налогом, не затрагивающим население впрямую, был налог на экспорт кофе, но он был снижен на 20% по просьбе экспортеров.</a:t>
+            </a:r>
+          </a:p>
+          <a:p>
+            <a:r>
+              <a:rPr lang="ru-RU" sz="500" dirty="0"/>
+              <a:t>Соответственно, введение </a:t>
+            </a:r>
+            <a:r>
+              <a:rPr lang="ru-RU" sz="500" dirty="0" err="1"/>
+              <a:t>Сомосой</a:t>
+            </a:r>
+            <a:r>
+              <a:rPr lang="ru-RU" sz="500" dirty="0"/>
+              <a:t> акцизов только усилило инфляцию в стране.</a:t>
+            </a:r>
+          </a:p>
+          <a:p>
+            <a:r>
+              <a:rPr lang="ru-RU" sz="500" dirty="0"/>
+              <a:t>Тем не менее благодаря девальвации кордобы </a:t>
+            </a:r>
+            <a:r>
+              <a:rPr lang="ru-RU" sz="500" dirty="0" err="1"/>
+              <a:t>Сомоса</a:t>
+            </a:r>
+            <a:r>
+              <a:rPr lang="ru-RU" sz="500" dirty="0"/>
+              <a:t> смог на бумаге серьез­но увеличить доходы правительства: с 5,5 миллиона кордоб в 1935-1936 годах до 16,7 миллионов в 1938-1939 годах</a:t>
+            </a:r>
+            <a:r>
+              <a:rPr lang="ru-RU" sz="500" baseline="30000" dirty="0"/>
+              <a:t>60</a:t>
+            </a:r>
+            <a:r>
+              <a:rPr lang="ru-RU" sz="500" dirty="0"/>
+              <a:t>. Однако в долларах эти доходы только упали: с 4,8 миллиона долларов до 3,4 в этот же отрезок времени.</a:t>
+            </a:r>
+          </a:p>
+          <a:p>
+            <a:r>
+              <a:rPr lang="ru-RU" sz="500" dirty="0" err="1"/>
+              <a:t>Сомосе</a:t>
+            </a:r>
+            <a:r>
+              <a:rPr lang="ru-RU" sz="500" dirty="0"/>
+              <a:t> удалось подчинить правительству Национальный банк, который с 1938 года был зарегистрирован в Манагуа (ранее — в США). Совет директоров банка теперь назначался лично президентом. Была учреждена единая служба банковского надзора. Реорганизации подвергся Ипотечный банк, выдававший долгосрочные кредиты аграрному сектору. Были расширены кредитные пол­номочия «Национальной кассы народного кредита»: раньше этот банк выда­вал кредиты в размере до 100 кордоб, теперь — до 3000.</a:t>
+            </a:r>
+          </a:p>
+          <a:p>
+            <a:r>
+              <a:rPr lang="ru-RU" sz="500" dirty="0"/>
+              <a:t>В целом экономическая политика </a:t>
+            </a:r>
+            <a:r>
+              <a:rPr lang="ru-RU" sz="500" dirty="0" err="1"/>
+              <a:t>Сомосы</a:t>
+            </a:r>
+            <a:r>
+              <a:rPr lang="ru-RU" sz="500" dirty="0"/>
+              <a:t> до Второй мировой войны не могла продемонстрировать крупных успехов. Причиной этого было трудное экономическое положение главного рынка для никарагуанских товаров — США, которые так и не смогли достичь докризисного уровня 1929 года до войны.</a:t>
+            </a:r>
+          </a:p>
+          <a:p>
+            <a:r>
+              <a:rPr lang="ru-RU" sz="500" dirty="0"/>
+              <a:t>Начало войны было использовано </a:t>
+            </a:r>
+            <a:r>
+              <a:rPr lang="ru-RU" sz="500" dirty="0" err="1"/>
+              <a:t>Сомосой</a:t>
+            </a:r>
+            <a:r>
+              <a:rPr lang="ru-RU" sz="500" dirty="0"/>
+              <a:t> для «закручивания гаек», как в экономике, так и в политике. Были введены ограничения на импорт (по­скольку отпали традиционные европейские рынки экспорта), а предельные торговые наценки были установлены в размере 5%. В декабре 1941 года, когда Никарагуа вслед за США объявила войну Германии и Японии, была учреждена Государственная хунта по контролю над ценами и торговлей</a:t>
+            </a:r>
+            <a:r>
+              <a:rPr lang="ru-RU" sz="500" dirty="0" smtClean="0"/>
+              <a:t>.</a:t>
+            </a:r>
+            <a:endParaRPr lang="ru-RU" sz="500" dirty="0"/>
+          </a:p>
+        </p:txBody>
+      </p:sp>
+      <p:sp>
+        <p:nvSpPr>
+          <p:cNvPr id="168" name="Прямоугольник 167">
+            <a:extLst>
+              <a:ext uri="{FF2B5EF4-FFF2-40B4-BE49-F238E27FC236}">
+                <a16:creationId xmlns="" xmlns:a16="http://schemas.microsoft.com/office/drawing/2014/main" id="{29CBE310-5100-413A-B4C1-EA4E28F411B1}"/>
+              </a:ext>
+            </a:extLst>
+          </p:cNvPr>
+          <p:cNvSpPr/>
+          <p:nvPr/>
+        </p:nvSpPr>
+        <p:spPr>
+          <a:xfrm>
+            <a:off x="8581874" y="4162912"/>
+            <a:ext cx="926325" cy="540000"/>
+          </a:xfrm>
+          <a:prstGeom prst="rect">
+            <a:avLst/>
+          </a:prstGeom>
+          <a:noFill/>
+          <a:ln w="19050"/>
+        </p:spPr>
+        <p:style>
+          <a:lnRef idx="2">
+            <a:schemeClr val="accent1"/>
+          </a:lnRef>
+          <a:fillRef idx="1">
+            <a:schemeClr val="lt1"/>
+          </a:fillRef>
+          <a:effectRef idx="0">
+            <a:schemeClr val="accent1"/>
+          </a:effectRef>
+          <a:fontRef idx="minor">
+            <a:schemeClr val="dk1"/>
+          </a:fontRef>
+        </p:style>
+        <p:txBody>
+          <a:bodyPr lIns="124733" tIns="62367" rIns="124733" bIns="62367" rtlCol="0" anchor="ctr"/>
+          <a:lstStyle/>
+          <a:p>
+            <a:pPr algn="ctr"/>
+            <a:r>
+              <a:rPr lang="ru-RU" sz="700" dirty="0" smtClean="0"/>
+              <a:t>Увеличить выращивание крупнорогатого скота</a:t>
+            </a:r>
+            <a:endParaRPr lang="ru-RU" sz="400" dirty="0"/>
+          </a:p>
+        </p:txBody>
+      </p:sp>
+      <p:sp>
+        <p:nvSpPr>
+          <p:cNvPr id="171" name="Прямоугольник 170">
+            <a:extLst>
+              <a:ext uri="{FF2B5EF4-FFF2-40B4-BE49-F238E27FC236}">
+                <a16:creationId xmlns="" xmlns:a16="http://schemas.microsoft.com/office/drawing/2014/main" id="{29CBE310-5100-413A-B4C1-EA4E28F411B1}"/>
+              </a:ext>
+            </a:extLst>
+          </p:cNvPr>
+          <p:cNvSpPr/>
+          <p:nvPr/>
+        </p:nvSpPr>
+        <p:spPr>
+          <a:xfrm>
+            <a:off x="9292355" y="5764380"/>
+            <a:ext cx="926325" cy="540000"/>
+          </a:xfrm>
+          <a:prstGeom prst="rect">
+            <a:avLst/>
+          </a:prstGeom>
+          <a:noFill/>
+          <a:ln w="19050"/>
+        </p:spPr>
+        <p:style>
+          <a:lnRef idx="2">
+            <a:schemeClr val="accent1"/>
+          </a:lnRef>
+          <a:fillRef idx="1">
+            <a:schemeClr val="lt1"/>
+          </a:fillRef>
+          <a:effectRef idx="0">
+            <a:schemeClr val="accent1"/>
+          </a:effectRef>
+          <a:fontRef idx="minor">
+            <a:schemeClr val="dk1"/>
+          </a:fontRef>
+        </p:style>
+        <p:txBody>
+          <a:bodyPr lIns="124733" tIns="62367" rIns="124733" bIns="62367" rtlCol="0" anchor="ctr"/>
+          <a:lstStyle/>
+          <a:p>
+            <a:pPr algn="ctr"/>
+            <a:r>
+              <a:rPr lang="ru-RU" sz="700" dirty="0" smtClean="0"/>
+              <a:t>Построить </a:t>
+            </a:r>
+            <a:r>
+              <a:rPr lang="ru-RU" sz="700" dirty="0" err="1" smtClean="0"/>
+              <a:t>кожевный</a:t>
+            </a:r>
+            <a:r>
+              <a:rPr lang="ru-RU" sz="700" dirty="0" smtClean="0"/>
+              <a:t> завод</a:t>
+            </a:r>
+            <a:endParaRPr lang="ru-RU" sz="400" dirty="0"/>
+          </a:p>
+        </p:txBody>
+      </p:sp>
+      <p:cxnSp>
+        <p:nvCxnSpPr>
+          <p:cNvPr id="172" name="Соединительная линия уступом 903">
+            <a:extLst>
+              <a:ext uri="{FF2B5EF4-FFF2-40B4-BE49-F238E27FC236}">
+                <a16:creationId xmlns="" xmlns:a16="http://schemas.microsoft.com/office/drawing/2014/main" id="{BDC7F8CB-0052-4FAE-993D-F1332955CF43}"/>
+              </a:ext>
+            </a:extLst>
+          </p:cNvPr>
+          <p:cNvCxnSpPr>
+            <a:cxnSpLocks/>
+            <a:stCxn id="168" idx="2"/>
+            <a:endCxn id="171" idx="0"/>
+          </p:cNvCxnSpPr>
+          <p:nvPr/>
+        </p:nvCxnSpPr>
+        <p:spPr>
+          <a:xfrm rot="16200000" flipH="1">
+            <a:off x="8869543" y="4878405"/>
+            <a:ext cx="1061468" cy="710481"/>
+          </a:xfrm>
+          <a:prstGeom prst="bentConnector3">
+            <a:avLst>
+              <a:gd name="adj1" fmla="val 12721"/>
+            </a:avLst>
+          </a:prstGeom>
+          <a:ln w="19050">
+            <a:tailEnd type="arrow"/>
+          </a:ln>
+        </p:spPr>
+        <p:style>
+          <a:lnRef idx="1">
+            <a:schemeClr val="accent1"/>
+          </a:lnRef>
+          <a:fillRef idx="0">
+            <a:schemeClr val="accent1"/>
+          </a:fillRef>
+          <a:effectRef idx="0">
+            <a:schemeClr val="accent1"/>
+          </a:effectRef>
+          <a:fontRef idx="minor">
+            <a:schemeClr val="tx1"/>
+          </a:fontRef>
+        </p:style>
+      </p:cxnSp>
+      <p:cxnSp>
+        <p:nvCxnSpPr>
+          <p:cNvPr id="177" name="Прямая со стрелкой 176">
+            <a:extLst>
+              <a:ext uri="{FF2B5EF4-FFF2-40B4-BE49-F238E27FC236}">
+                <a16:creationId xmlns="" xmlns:a16="http://schemas.microsoft.com/office/drawing/2014/main" id="{11E09268-6642-4446-BE40-6FEF2498A4ED}"/>
+              </a:ext>
+            </a:extLst>
+          </p:cNvPr>
+          <p:cNvCxnSpPr>
+            <a:cxnSpLocks/>
+            <a:stCxn id="168" idx="2"/>
+            <a:endCxn id="221" idx="0"/>
+          </p:cNvCxnSpPr>
+          <p:nvPr/>
+        </p:nvCxnSpPr>
+        <p:spPr>
+          <a:xfrm flipH="1">
+            <a:off x="9042326" y="4702912"/>
+            <a:ext cx="2711" cy="263245"/>
+          </a:xfrm>
+          <a:prstGeom prst="straightConnector1">
+            <a:avLst/>
+          </a:prstGeom>
+          <a:ln w="19050">
+            <a:tailEnd type="arrow"/>
+          </a:ln>
+        </p:spPr>
+        <p:style>
+          <a:lnRef idx="1">
+            <a:schemeClr val="accent1"/>
+          </a:lnRef>
+          <a:fillRef idx="0">
+            <a:schemeClr val="accent1"/>
+          </a:fillRef>
+          <a:effectRef idx="0">
+            <a:schemeClr val="accent1"/>
+          </a:effectRef>
+          <a:fontRef idx="minor">
+            <a:schemeClr val="tx1"/>
+          </a:fontRef>
+        </p:style>
+      </p:cxnSp>
+      <p:sp>
+        <p:nvSpPr>
+          <p:cNvPr id="180" name="Прямоугольник 179">
+            <a:extLst>
+              <a:ext uri="{FF2B5EF4-FFF2-40B4-BE49-F238E27FC236}">
+                <a16:creationId xmlns="" xmlns:a16="http://schemas.microsoft.com/office/drawing/2014/main" id="{8F90957D-3F70-4F7D-A50B-157EE934D6F5}"/>
+              </a:ext>
+            </a:extLst>
+          </p:cNvPr>
+          <p:cNvSpPr/>
+          <p:nvPr/>
+        </p:nvSpPr>
+        <p:spPr>
+          <a:xfrm>
+            <a:off x="9979397" y="4963645"/>
+            <a:ext cx="926325" cy="540000"/>
+          </a:xfrm>
+          <a:prstGeom prst="rect">
+            <a:avLst/>
+          </a:prstGeom>
+          <a:noFill/>
+          <a:ln w="19050"/>
+        </p:spPr>
+        <p:style>
+          <a:lnRef idx="2">
+            <a:schemeClr val="accent1"/>
+          </a:lnRef>
+          <a:fillRef idx="1">
+            <a:schemeClr val="lt1"/>
+          </a:fillRef>
+          <a:effectRef idx="0">
+            <a:schemeClr val="accent1"/>
+          </a:effectRef>
+          <a:fontRef idx="minor">
+            <a:schemeClr val="dk1"/>
+          </a:fontRef>
+        </p:style>
+        <p:txBody>
+          <a:bodyPr lIns="124733" tIns="62367" rIns="124733" bIns="62367" rtlCol="0" anchor="ctr"/>
+          <a:lstStyle/>
+          <a:p>
+            <a:pPr algn="ctr"/>
+            <a:r>
+              <a:rPr lang="ru-RU" sz="700" dirty="0"/>
+              <a:t>Расширить производство хлопка (1950)</a:t>
+            </a:r>
+            <a:endParaRPr lang="ru-RU" sz="400" dirty="0"/>
+          </a:p>
+        </p:txBody>
+      </p:sp>
+      <p:cxnSp>
+        <p:nvCxnSpPr>
+          <p:cNvPr id="182" name="Соединительная линия уступом 903">
+            <a:extLst>
+              <a:ext uri="{FF2B5EF4-FFF2-40B4-BE49-F238E27FC236}">
+                <a16:creationId xmlns="" xmlns:a16="http://schemas.microsoft.com/office/drawing/2014/main" id="{BDC7F8CB-0052-4FAE-993D-F1332955CF43}"/>
+              </a:ext>
+            </a:extLst>
+          </p:cNvPr>
+          <p:cNvCxnSpPr>
+            <a:cxnSpLocks/>
+            <a:stCxn id="168" idx="2"/>
+            <a:endCxn id="180" idx="0"/>
+          </p:cNvCxnSpPr>
+          <p:nvPr/>
+        </p:nvCxnSpPr>
+        <p:spPr>
+          <a:xfrm rot="16200000" flipH="1">
+            <a:off x="9613432" y="4134516"/>
+            <a:ext cx="260733" cy="1397523"/>
+          </a:xfrm>
+          <a:prstGeom prst="bentConnector3">
+            <a:avLst>
+              <a:gd name="adj1" fmla="val 50000"/>
+            </a:avLst>
+          </a:prstGeom>
+          <a:ln w="19050">
+            <a:tailEnd type="arrow"/>
+          </a:ln>
+        </p:spPr>
+        <p:style>
+          <a:lnRef idx="1">
+            <a:schemeClr val="accent1"/>
+          </a:lnRef>
+          <a:fillRef idx="0">
+            <a:schemeClr val="accent1"/>
+          </a:fillRef>
+          <a:effectRef idx="0">
+            <a:schemeClr val="accent1"/>
+          </a:effectRef>
+          <a:fontRef idx="minor">
+            <a:schemeClr val="tx1"/>
+          </a:fontRef>
+        </p:style>
+      </p:cxnSp>
+      <p:sp>
+        <p:nvSpPr>
+          <p:cNvPr id="185" name="Прямоугольник 184">
+            <a:extLst>
+              <a:ext uri="{FF2B5EF4-FFF2-40B4-BE49-F238E27FC236}">
+                <a16:creationId xmlns="" xmlns:a16="http://schemas.microsoft.com/office/drawing/2014/main" id="{9C02A14C-DE5F-49AD-A4EE-A27966D0EFDC}"/>
+              </a:ext>
+            </a:extLst>
+          </p:cNvPr>
+          <p:cNvSpPr/>
+          <p:nvPr/>
+        </p:nvSpPr>
+        <p:spPr>
+          <a:xfrm>
+            <a:off x="2344924" y="13099420"/>
+            <a:ext cx="926325" cy="540000"/>
+          </a:xfrm>
+          <a:prstGeom prst="rect">
+            <a:avLst/>
+          </a:prstGeom>
+          <a:solidFill>
+            <a:schemeClr val="bg1">
+              <a:lumMod val="65000"/>
+            </a:schemeClr>
+          </a:solidFill>
+          <a:ln w="19050"/>
+        </p:spPr>
+        <p:style>
+          <a:lnRef idx="2">
+            <a:schemeClr val="accent1"/>
+          </a:lnRef>
+          <a:fillRef idx="1">
+            <a:schemeClr val="lt1"/>
+          </a:fillRef>
+          <a:effectRef idx="0">
+            <a:schemeClr val="accent1"/>
+          </a:effectRef>
+          <a:fontRef idx="minor">
+            <a:schemeClr val="dk1"/>
+          </a:fontRef>
+        </p:style>
+        <p:txBody>
+          <a:bodyPr lIns="124733" tIns="62367" rIns="124733" bIns="62367" rtlCol="0" anchor="ctr"/>
+          <a:lstStyle/>
+          <a:p>
+            <a:pPr algn="ctr"/>
+            <a:r>
+              <a:rPr lang="ru-RU" sz="700" dirty="0" smtClean="0"/>
+              <a:t>Отказаться от </a:t>
+            </a:r>
+            <a:r>
+              <a:rPr lang="ru-RU" sz="700" dirty="0" smtClean="0"/>
+              <a:t>договора </a:t>
+            </a:r>
+            <a:r>
+              <a:rPr lang="ru-RU" sz="700" dirty="0"/>
+              <a:t>Брайана-Чаморро</a:t>
+            </a:r>
+            <a:endParaRPr lang="ru-RU" sz="400" dirty="0"/>
+          </a:p>
+        </p:txBody>
+      </p:sp>
+      <p:cxnSp>
+        <p:nvCxnSpPr>
+          <p:cNvPr id="186" name="Соединительная линия уступом 903">
+            <a:extLst>
+              <a:ext uri="{FF2B5EF4-FFF2-40B4-BE49-F238E27FC236}">
+                <a16:creationId xmlns="" xmlns:a16="http://schemas.microsoft.com/office/drawing/2014/main" id="{2A1524CC-F749-457E-8785-AFB89CF85AC6}"/>
+              </a:ext>
+            </a:extLst>
+          </p:cNvPr>
+          <p:cNvCxnSpPr>
+            <a:cxnSpLocks/>
+            <a:stCxn id="270" idx="2"/>
+            <a:endCxn id="185" idx="0"/>
+          </p:cNvCxnSpPr>
+          <p:nvPr/>
+        </p:nvCxnSpPr>
+        <p:spPr>
+          <a:xfrm rot="16200000" flipH="1">
+            <a:off x="1550965" y="11842297"/>
+            <a:ext cx="1801303" cy="712941"/>
+          </a:xfrm>
+          <a:prstGeom prst="bentConnector3">
+            <a:avLst>
+              <a:gd name="adj1" fmla="val 6361"/>
+            </a:avLst>
+          </a:prstGeom>
+          <a:ln w="19050">
+            <a:prstDash val="dash"/>
+            <a:tailEnd type="arrow"/>
+          </a:ln>
+        </p:spPr>
+        <p:style>
+          <a:lnRef idx="1">
+            <a:schemeClr val="accent1"/>
+          </a:lnRef>
+          <a:fillRef idx="0">
+            <a:schemeClr val="accent1"/>
+          </a:fillRef>
+          <a:effectRef idx="0">
+            <a:schemeClr val="accent1"/>
+          </a:effectRef>
+          <a:fontRef idx="minor">
+            <a:schemeClr val="tx1"/>
+          </a:fontRef>
+        </p:style>
+      </p:cxnSp>
+      <p:cxnSp>
+        <p:nvCxnSpPr>
+          <p:cNvPr id="190" name="Соединительная линия уступом 903">
+            <a:extLst>
+              <a:ext uri="{FF2B5EF4-FFF2-40B4-BE49-F238E27FC236}">
+                <a16:creationId xmlns="" xmlns:a16="http://schemas.microsoft.com/office/drawing/2014/main" id="{2A1524CC-F749-457E-8785-AFB89CF85AC6}"/>
+              </a:ext>
+            </a:extLst>
+          </p:cNvPr>
+          <p:cNvCxnSpPr>
+            <a:cxnSpLocks/>
+            <a:stCxn id="77" idx="2"/>
+            <a:endCxn id="185" idx="0"/>
+          </p:cNvCxnSpPr>
+          <p:nvPr/>
+        </p:nvCxnSpPr>
+        <p:spPr>
+          <a:xfrm rot="5400000">
+            <a:off x="2249722" y="11855413"/>
+            <a:ext cx="1802372" cy="685642"/>
+          </a:xfrm>
+          <a:prstGeom prst="bentConnector3">
+            <a:avLst>
+              <a:gd name="adj1" fmla="val 6091"/>
+            </a:avLst>
+          </a:prstGeom>
+          <a:ln w="19050">
+            <a:prstDash val="dash"/>
+            <a:tailEnd type="arrow"/>
+          </a:ln>
+        </p:spPr>
+        <p:style>
+          <a:lnRef idx="1">
+            <a:schemeClr val="accent1"/>
+          </a:lnRef>
+          <a:fillRef idx="0">
+            <a:schemeClr val="accent1"/>
+          </a:fillRef>
+          <a:effectRef idx="0">
+            <a:schemeClr val="accent1"/>
+          </a:effectRef>
+          <a:fontRef idx="minor">
+            <a:schemeClr val="tx1"/>
+          </a:fontRef>
+        </p:style>
+      </p:cxnSp>
+      <p:sp>
+        <p:nvSpPr>
+          <p:cNvPr id="195" name="Прямоугольник 194">
+            <a:extLst>
+              <a:ext uri="{FF2B5EF4-FFF2-40B4-BE49-F238E27FC236}">
+                <a16:creationId xmlns="" xmlns:a16="http://schemas.microsoft.com/office/drawing/2014/main" id="{5A90479D-BFEC-4250-A8B4-175610005B0C}"/>
+              </a:ext>
+            </a:extLst>
+          </p:cNvPr>
+          <p:cNvSpPr/>
+          <p:nvPr/>
+        </p:nvSpPr>
+        <p:spPr>
+          <a:xfrm>
+            <a:off x="8134455" y="9236649"/>
+            <a:ext cx="926325" cy="540000"/>
+          </a:xfrm>
+          <a:prstGeom prst="rect">
+            <a:avLst/>
+          </a:prstGeom>
+          <a:solidFill>
+            <a:schemeClr val="accent1">
+              <a:lumMod val="40000"/>
+              <a:lumOff val="60000"/>
+            </a:schemeClr>
+          </a:solidFill>
+          <a:ln w="19050"/>
+        </p:spPr>
+        <p:style>
+          <a:lnRef idx="2">
+            <a:schemeClr val="accent1"/>
+          </a:lnRef>
+          <a:fillRef idx="1">
+            <a:schemeClr val="lt1"/>
+          </a:fillRef>
+          <a:effectRef idx="0">
+            <a:schemeClr val="accent1"/>
+          </a:effectRef>
+          <a:fontRef idx="minor">
+            <a:schemeClr val="dk1"/>
+          </a:fontRef>
+        </p:style>
+        <p:txBody>
+          <a:bodyPr lIns="124733" tIns="62367" rIns="124733" bIns="62367" rtlCol="0" anchor="ctr"/>
+          <a:lstStyle/>
+          <a:p>
+            <a:pPr algn="ctr"/>
+            <a:r>
+              <a:rPr lang="ru-RU" sz="700" dirty="0" smtClean="0"/>
+              <a:t>Ввести </a:t>
+            </a:r>
+            <a:r>
+              <a:rPr lang="ru-RU" sz="700" dirty="0"/>
+              <a:t>университетскую автономию </a:t>
+            </a:r>
+            <a:r>
+              <a:rPr lang="ru-RU" sz="100" dirty="0"/>
+              <a:t>(Автономия университета – это политическая и административная независимость государственного университета по отношению к внешним факторам. Принцип университетской автономии утверждает, что университет должен быть автономным и самоуправляемым и что он должен избирать свои собственные органы власти без вмешательства со стороны политической власти, принимая решения о своем собственном уставе и программах обучения .)</a:t>
+            </a:r>
+            <a:endParaRPr lang="ru-RU" sz="100" dirty="0"/>
           </a:p>
         </p:txBody>
       </p:sp>
@@ -12127,7 +13576,7 @@
   <a:extraClrSchemeLst/>
   <a:extLst>
     <a:ext uri="{05A4C25C-085E-4340-85A3-A5531E510DB2}">
-      <thm15:themeFamily xmlns:thm15="http://schemas.microsoft.com/office/thememl/2012/main" name="Office Theme" id="{62F939B6-93AF-4DB8-9C6B-D6C7DFDC589F}" vid="{4A3C46E8-61CC-4603-A589-7422A47A8E4A}"/>
+      <thm15:themeFamily xmlns="" xmlns:thm15="http://schemas.microsoft.com/office/thememl/2012/main" name="Office Theme" id="{62F939B6-93AF-4DB8-9C6B-D6C7DFDC589F}" vid="{4A3C46E8-61CC-4603-A589-7422A47A8E4A}"/>
     </a:ext>
   </a:extLst>
 </a:theme>
@@ -12388,7 +13837,7 @@
   <a:extraClrSchemeLst/>
   <a:extLst>
     <a:ext uri="{05A4C25C-085E-4340-85A3-A5531E510DB2}">
-      <thm15:themeFamily xmlns:thm15="http://schemas.microsoft.com/office/thememl/2012/main" name="Office Theme" id="{62F939B6-93AF-4DB8-9C6B-D6C7DFDC589F}" vid="{4A3C46E8-61CC-4603-A589-7422A47A8E4A}"/>
+      <thm15:themeFamily xmlns="" xmlns:thm15="http://schemas.microsoft.com/office/thememl/2012/main" name="Office Theme" id="{62F939B6-93AF-4DB8-9C6B-D6C7DFDC589F}" vid="{4A3C46E8-61CC-4603-A589-7422A47A8E4A}"/>
     </a:ext>
   </a:extLst>
 </a:theme>

--- a/Наработки/диздоки/Никарагуа/Никарагуа.pptx
+++ b/Наработки/диздоки/Никарагуа/Никарагуа.pptx
@@ -209,7 +209,7 @@
             <a:fld id="{33E3D7F9-E251-484C-A6FF-FA958879DF69}" type="datetimeFigureOut">
               <a:rPr lang="ru-RU" smtClean="0"/>
               <a:pPr/>
-              <a:t>11.10.2023</a:t>
+              <a:t>12.10.2023</a:t>
             </a:fld>
             <a:endParaRPr lang="ru-RU"/>
           </a:p>
@@ -699,7 +699,7 @@
             <a:fld id="{85A5DE44-605B-4D3B-B2B7-94543DF81A36}" type="datetimeFigureOut">
               <a:rPr lang="ru-RU" smtClean="0"/>
               <a:pPr/>
-              <a:t>11.10.2023</a:t>
+              <a:t>12.10.2023</a:t>
             </a:fld>
             <a:endParaRPr lang="ru-RU"/>
           </a:p>
@@ -871,7 +871,7 @@
             <a:fld id="{85A5DE44-605B-4D3B-B2B7-94543DF81A36}" type="datetimeFigureOut">
               <a:rPr lang="ru-RU" smtClean="0"/>
               <a:pPr/>
-              <a:t>11.10.2023</a:t>
+              <a:t>12.10.2023</a:t>
             </a:fld>
             <a:endParaRPr lang="ru-RU"/>
           </a:p>
@@ -1053,7 +1053,7 @@
             <a:fld id="{85A5DE44-605B-4D3B-B2B7-94543DF81A36}" type="datetimeFigureOut">
               <a:rPr lang="ru-RU" smtClean="0"/>
               <a:pPr/>
-              <a:t>11.10.2023</a:t>
+              <a:t>12.10.2023</a:t>
             </a:fld>
             <a:endParaRPr lang="ru-RU"/>
           </a:p>
@@ -1225,7 +1225,7 @@
             <a:fld id="{85A5DE44-605B-4D3B-B2B7-94543DF81A36}" type="datetimeFigureOut">
               <a:rPr lang="ru-RU" smtClean="0"/>
               <a:pPr/>
-              <a:t>11.10.2023</a:t>
+              <a:t>12.10.2023</a:t>
             </a:fld>
             <a:endParaRPr lang="ru-RU"/>
           </a:p>
@@ -1473,7 +1473,7 @@
             <a:fld id="{85A5DE44-605B-4D3B-B2B7-94543DF81A36}" type="datetimeFigureOut">
               <a:rPr lang="ru-RU" smtClean="0"/>
               <a:pPr/>
-              <a:t>11.10.2023</a:t>
+              <a:t>12.10.2023</a:t>
             </a:fld>
             <a:endParaRPr lang="ru-RU"/>
           </a:p>
@@ -1707,7 +1707,7 @@
             <a:fld id="{85A5DE44-605B-4D3B-B2B7-94543DF81A36}" type="datetimeFigureOut">
               <a:rPr lang="ru-RU" smtClean="0"/>
               <a:pPr/>
-              <a:t>11.10.2023</a:t>
+              <a:t>12.10.2023</a:t>
             </a:fld>
             <a:endParaRPr lang="ru-RU"/>
           </a:p>
@@ -2076,7 +2076,7 @@
             <a:fld id="{85A5DE44-605B-4D3B-B2B7-94543DF81A36}" type="datetimeFigureOut">
               <a:rPr lang="ru-RU" smtClean="0"/>
               <a:pPr/>
-              <a:t>11.10.2023</a:t>
+              <a:t>12.10.2023</a:t>
             </a:fld>
             <a:endParaRPr lang="ru-RU"/>
           </a:p>
@@ -2196,7 +2196,7 @@
             <a:fld id="{85A5DE44-605B-4D3B-B2B7-94543DF81A36}" type="datetimeFigureOut">
               <a:rPr lang="ru-RU" smtClean="0"/>
               <a:pPr/>
-              <a:t>11.10.2023</a:t>
+              <a:t>12.10.2023</a:t>
             </a:fld>
             <a:endParaRPr lang="ru-RU"/>
           </a:p>
@@ -2293,7 +2293,7 @@
             <a:fld id="{85A5DE44-605B-4D3B-B2B7-94543DF81A36}" type="datetimeFigureOut">
               <a:rPr lang="ru-RU" smtClean="0"/>
               <a:pPr/>
-              <a:t>11.10.2023</a:t>
+              <a:t>12.10.2023</a:t>
             </a:fld>
             <a:endParaRPr lang="ru-RU"/>
           </a:p>
@@ -2572,7 +2572,7 @@
             <a:fld id="{85A5DE44-605B-4D3B-B2B7-94543DF81A36}" type="datetimeFigureOut">
               <a:rPr lang="ru-RU" smtClean="0"/>
               <a:pPr/>
-              <a:t>11.10.2023</a:t>
+              <a:t>12.10.2023</a:t>
             </a:fld>
             <a:endParaRPr lang="ru-RU"/>
           </a:p>
@@ -2831,7 +2831,7 @@
             <a:fld id="{85A5DE44-605B-4D3B-B2B7-94543DF81A36}" type="datetimeFigureOut">
               <a:rPr lang="ru-RU" smtClean="0"/>
               <a:pPr/>
-              <a:t>11.10.2023</a:t>
+              <a:t>12.10.2023</a:t>
             </a:fld>
             <a:endParaRPr lang="ru-RU"/>
           </a:p>
@@ -3046,7 +3046,7 @@
             <a:fld id="{85A5DE44-605B-4D3B-B2B7-94543DF81A36}" type="datetimeFigureOut">
               <a:rPr lang="ru-RU" smtClean="0"/>
               <a:pPr/>
-              <a:t>11.10.2023</a:t>
+              <a:t>12.10.2023</a:t>
             </a:fld>
             <a:endParaRPr lang="ru-RU"/>
           </a:p>
@@ -3626,15 +3626,7 @@
             </a:r>
             <a:r>
               <a:rPr lang="ru-RU" sz="700" dirty="0" smtClean="0"/>
-              <a:t>193</a:t>
-            </a:r>
-            <a:r>
-              <a:rPr lang="ru-RU" sz="700" dirty="0" smtClean="0"/>
-              <a:t>6 после июня</a:t>
-            </a:r>
-            <a:r>
-              <a:rPr lang="ru-RU" sz="700" dirty="0" smtClean="0"/>
-              <a:t>)</a:t>
+              <a:t>1936 после июня)</a:t>
             </a:r>
             <a:endParaRPr lang="ru-RU" sz="400" dirty="0"/>
           </a:p>
@@ -4303,64 +4295,6 @@
               <a:t>Закупка чехословацких винтовок (1937) </a:t>
             </a:r>
           </a:p>
-          <a:p>
-            <a:pPr algn="ctr"/>
-            <a:r>
-              <a:rPr lang="ru-RU" sz="300" dirty="0"/>
-              <a:t>(В 1937 году в Чехословакии было куплено 1 тыс. 7,92-мм винтовок "vz.24"[7].)</a:t>
-            </a:r>
-            <a:endParaRPr lang="ru-RU" sz="400" dirty="0"/>
-          </a:p>
-        </p:txBody>
-      </p:sp>
-      <p:sp>
-        <p:nvSpPr>
-          <p:cNvPr id="1008" name="Прямоугольник 1007">
-            <a:extLst>
-              <a:ext uri="{FF2B5EF4-FFF2-40B4-BE49-F238E27FC236}">
-                <a16:creationId xmlns="" xmlns:a16="http://schemas.microsoft.com/office/drawing/2014/main" id="{E382042E-E28F-4CC0-86C4-7327A76B1C30}"/>
-              </a:ext>
-            </a:extLst>
-          </p:cNvPr>
-          <p:cNvSpPr/>
-          <p:nvPr/>
-        </p:nvSpPr>
-        <p:spPr>
-          <a:xfrm>
-            <a:off x="5127603" y="4162912"/>
-            <a:ext cx="926325" cy="540000"/>
-          </a:xfrm>
-          <a:prstGeom prst="rect">
-            <a:avLst/>
-          </a:prstGeom>
-          <a:noFill/>
-          <a:ln w="19050"/>
-        </p:spPr>
-        <p:style>
-          <a:lnRef idx="2">
-            <a:schemeClr val="accent1"/>
-          </a:lnRef>
-          <a:fillRef idx="1">
-            <a:schemeClr val="lt1"/>
-          </a:fillRef>
-          <a:effectRef idx="0">
-            <a:schemeClr val="accent1"/>
-          </a:effectRef>
-          <a:fontRef idx="minor">
-            <a:schemeClr val="dk1"/>
-          </a:fontRef>
-        </p:style>
-        <p:txBody>
-          <a:bodyPr lIns="124733" tIns="62367" rIns="124733" bIns="62367" rtlCol="0" anchor="ctr"/>
-          <a:lstStyle/>
-          <a:p>
-            <a:pPr algn="ctr"/>
-            <a:r>
-              <a:rPr lang="ru-RU" sz="700" dirty="0"/>
-              <a:t>Американский ленд-лиз</a:t>
-            </a:r>
-            <a:endParaRPr lang="ru-RU" sz="400" dirty="0"/>
-          </a:p>
         </p:txBody>
       </p:sp>
       <p:sp>
@@ -4407,20 +4341,13 @@
             <a:pPr algn="ctr"/>
             <a:r>
               <a:rPr lang="ru-RU" sz="700" dirty="0"/>
-              <a:t>Сотрудничество с Италией </a:t>
-            </a:r>
-            <a:r>
-              <a:rPr lang="ru-RU" sz="400" dirty="0"/>
-              <a:t>(В 1930-е годы из Италии было получено две танкетки </a:t>
-            </a:r>
-            <a:r>
-              <a:rPr lang="ru-RU" sz="400" dirty="0" err="1"/>
-              <a:t>Carro</a:t>
-            </a:r>
-            <a:r>
-              <a:rPr lang="ru-RU" sz="400" dirty="0"/>
-              <a:t> CV3/33.)</a:t>
-            </a:r>
+              <a:t>Сотрудничество с </a:t>
+            </a:r>
+            <a:r>
+              <a:rPr lang="ru-RU" sz="700" dirty="0" smtClean="0"/>
+              <a:t>Италией (1937)</a:t>
+            </a:r>
+            <a:endParaRPr lang="ru-RU" sz="400" dirty="0"/>
           </a:p>
         </p:txBody>
       </p:sp>
@@ -4955,49 +4882,6 @@
           </a:fontRef>
         </p:style>
       </p:cxnSp>
-      <p:cxnSp>
-        <p:nvCxnSpPr>
-          <p:cNvPr id="1022" name="Прямая со стрелкой 1021">
-            <a:extLst>
-              <a:ext uri="{FF2B5EF4-FFF2-40B4-BE49-F238E27FC236}">
-                <a16:creationId xmlns="" xmlns:a16="http://schemas.microsoft.com/office/drawing/2014/main" id="{11E09268-6642-4446-BE40-6FEF2498A4ED}"/>
-              </a:ext>
-            </a:extLst>
-          </p:cNvPr>
-          <p:cNvCxnSpPr>
-            <a:cxnSpLocks/>
-            <a:stCxn id="996" idx="2"/>
-            <a:endCxn id="1008" idx="0"/>
-          </p:cNvCxnSpPr>
-          <p:nvPr/>
-        </p:nvCxnSpPr>
-        <p:spPr>
-          <a:xfrm>
-            <a:off x="5590766" y="3904173"/>
-            <a:ext cx="0" cy="258739"/>
-          </a:xfrm>
-          <a:prstGeom prst="straightConnector1">
-            <a:avLst/>
-          </a:prstGeom>
-          <a:ln w="19050">
-            <a:tailEnd type="arrow"/>
-          </a:ln>
-        </p:spPr>
-        <p:style>
-          <a:lnRef idx="1">
-            <a:schemeClr val="accent1"/>
-          </a:lnRef>
-          <a:fillRef idx="0">
-            <a:schemeClr val="accent1"/>
-          </a:fillRef>
-          <a:effectRef idx="0">
-            <a:schemeClr val="accent1"/>
-          </a:effectRef>
-          <a:fontRef idx="minor">
-            <a:schemeClr val="tx1"/>
-          </a:fontRef>
-        </p:style>
-      </p:cxnSp>
       <p:sp>
         <p:nvSpPr>
           <p:cNvPr id="34" name="Прямоугольник 33">
@@ -5636,47 +5520,11 @@
             <a:pPr algn="ctr"/>
             <a:r>
               <a:rPr lang="ru-RU" sz="700" dirty="0"/>
-              <a:t>Стабилизация курса кордобы </a:t>
-            </a:r>
-            <a:r>
-              <a:rPr lang="ru-RU" sz="200" dirty="0"/>
-              <a:t>(Уже через две недели после принесения президентской присяги </a:t>
-            </a:r>
-            <a:r>
-              <a:rPr lang="ru-RU" sz="200" dirty="0" err="1"/>
-              <a:t>Сомоса</a:t>
-            </a:r>
-            <a:r>
-              <a:rPr lang="ru-RU" sz="200" dirty="0"/>
-              <a:t> резко девальвировал кордобу. Теперь Национальный банк продавал ее </a:t>
-            </a:r>
-            <a:r>
-              <a:rPr lang="ru-RU" sz="200" dirty="0" err="1"/>
-              <a:t>импор¬терам</a:t>
-            </a:r>
-            <a:r>
-              <a:rPr lang="ru-RU" sz="200" dirty="0"/>
-              <a:t> не по курсу 1:1. а по курсу 1,9:1 . Тем самым был нанесен удар по </a:t>
-            </a:r>
-            <a:r>
-              <a:rPr lang="ru-RU" sz="200" dirty="0" err="1"/>
-              <a:t>чер¬ному</a:t>
-            </a:r>
-            <a:r>
-              <a:rPr lang="ru-RU" sz="200" dirty="0"/>
-              <a:t> валютному рынку, где за доллар давали 2,6 кордобы. Однако эта мера оказалась недостаточной, так как самих долларов у Национального банка было мало. Импортеры требовали, чтобы банк продал свои золотые резервы и </a:t>
-            </a:r>
-            <a:r>
-              <a:rPr lang="ru-RU" sz="200" dirty="0" err="1"/>
-              <a:t>ку¬пил</a:t>
-            </a:r>
-            <a:r>
-              <a:rPr lang="ru-RU" sz="200" dirty="0"/>
-              <a:t> долларов для свободной продажи</a:t>
-            </a:r>
-            <a:r>
-              <a:rPr lang="ru-RU" sz="200" dirty="0" smtClean="0"/>
-              <a:t>.)</a:t>
+              <a:t>Стабилизация курса </a:t>
+            </a:r>
+            <a:r>
+              <a:rPr lang="ru-RU" sz="700" dirty="0" smtClean="0"/>
+              <a:t>кордобы</a:t>
             </a:r>
             <a:endParaRPr lang="ru-RU" sz="100" dirty="0"/>
           </a:p>
@@ -12493,23 +12341,12 @@
           <a:lstStyle/>
           <a:p>
             <a:r>
-              <a:rPr lang="ru-RU" sz="500" dirty="0" err="1"/>
-              <a:t>Сомоса</a:t>
+              <a:rPr lang="ru-RU" sz="500" dirty="0" smtClean="0"/>
+              <a:t>Однако </a:t>
             </a:r>
             <a:r>
               <a:rPr lang="ru-RU" sz="500" dirty="0"/>
-              <a:t> пригласил американского финансового эксперта Джеймса Эдвардса и поручил ему разработать план стабилизации валютно-финансовой системы Никарагуа. Рекомендации Эдвардса были традиционно-монетаристскими. Он предлагал вернуться к системе жесткого распределения валюты, то есть фак­тического лицензирования импорта</a:t>
-            </a:r>
-            <a:r>
-              <a:rPr lang="ru-RU" sz="500" dirty="0" smtClean="0"/>
-              <a:t>.</a:t>
-            </a:r>
-            <a:br>
-              <a:rPr lang="ru-RU" sz="500" dirty="0" smtClean="0"/>
-            </a:br>
-            <a:r>
-              <a:rPr lang="ru-RU" sz="500" dirty="0"/>
-              <a:t>В августе 1937 года никарагуанский конгресс принял соответствующий закон, согласно которому Комиссия по валютному обмену (созданная еще в 1931 году) могла контролировать все импортные и экспортные операции, а курс кордобы к доллару не должен был быть ниже 1:2. Однако «план Эдвардса» не решал глав­ной проблемы — отсутствия валюты в Никарагуа. Фактически американцы лишь предлагали меньше импортировать. Но без импорта не мог функционировать и экспорт — аграриям были нужны машины, оборудование, горючее и т.д.</a:t>
+              <a:t>«план Эдвардса» не решал глав­ной проблемы — отсутствия валюты в Никарагуа. Фактически американцы лишь предлагали меньше импортировать. Но без импорта не мог функционировать и экспорт — аграриям были нужны машины, оборудование, горючее и т.д.</a:t>
             </a:r>
           </a:p>
           <a:p>
@@ -13139,11 +12976,7 @@
             <a:pPr algn="ctr"/>
             <a:r>
               <a:rPr lang="ru-RU" sz="700" dirty="0" smtClean="0"/>
-              <a:t>Отказаться от </a:t>
-            </a:r>
-            <a:r>
-              <a:rPr lang="ru-RU" sz="700" dirty="0" smtClean="0"/>
-              <a:t>договора </a:t>
+              <a:t>Отказаться от договора </a:t>
             </a:r>
             <a:r>
               <a:rPr lang="ru-RU" sz="700" dirty="0"/>
@@ -13176,7 +13009,7 @@
           </a:xfrm>
           <a:prstGeom prst="bentConnector3">
             <a:avLst>
-              <a:gd name="adj1" fmla="val 6361"/>
+              <a:gd name="adj1" fmla="val 6658"/>
             </a:avLst>
           </a:prstGeom>
           <a:ln w="19050">
@@ -13222,7 +13055,7 @@
           </a:xfrm>
           <a:prstGeom prst="bentConnector3">
             <a:avLst>
-              <a:gd name="adj1" fmla="val 6091"/>
+              <a:gd name="adj1" fmla="val 6388"/>
             </a:avLst>
           </a:prstGeom>
           <a:ln w="19050">
@@ -13304,7 +13137,6 @@
               <a:rPr lang="ru-RU" sz="100" dirty="0"/>
               <a:t>(Автономия университета – это политическая и административная независимость государственного университета по отношению к внешним факторам. Принцип университетской автономии утверждает, что университет должен быть автономным и самоуправляемым и что он должен избирать свои собственные органы власти без вмешательства со стороны политической власти, принимая решения о своем собственном уставе и программах обучения .)</a:t>
             </a:r>
-            <a:endParaRPr lang="ru-RU" sz="100" dirty="0"/>
           </a:p>
         </p:txBody>
       </p:sp>

--- a/Наработки/диздоки/Никарагуа/Никарагуа.pptx
+++ b/Наработки/диздоки/Никарагуа/Никарагуа.pptx
@@ -109,7 +109,7 @@
   </p:defaultTextStyle>
   <p:extLst>
     <p:ext uri="{EFAFB233-063F-42B5-8137-9DF3F51BA10A}">
-      <p15:sldGuideLst xmlns="" xmlns:p15="http://schemas.microsoft.com/office/powerpoint/2012/main">
+      <p15:sldGuideLst xmlns:p15="http://schemas.microsoft.com/office/powerpoint/2012/main" xmlns="">
         <p15:guide id="1" orient="horz" pos="11344">
           <p15:clr>
             <a:srgbClr val="A4A3A4"/>
@@ -209,7 +209,7 @@
             <a:fld id="{33E3D7F9-E251-484C-A6FF-FA958879DF69}" type="datetimeFigureOut">
               <a:rPr lang="ru-RU" smtClean="0"/>
               <a:pPr/>
-              <a:t>12.10.2023</a:t>
+              <a:t>17.10.2023</a:t>
             </a:fld>
             <a:endParaRPr lang="ru-RU"/>
           </a:p>
@@ -699,7 +699,7 @@
             <a:fld id="{85A5DE44-605B-4D3B-B2B7-94543DF81A36}" type="datetimeFigureOut">
               <a:rPr lang="ru-RU" smtClean="0"/>
               <a:pPr/>
-              <a:t>12.10.2023</a:t>
+              <a:t>17.10.2023</a:t>
             </a:fld>
             <a:endParaRPr lang="ru-RU"/>
           </a:p>
@@ -871,7 +871,7 @@
             <a:fld id="{85A5DE44-605B-4D3B-B2B7-94543DF81A36}" type="datetimeFigureOut">
               <a:rPr lang="ru-RU" smtClean="0"/>
               <a:pPr/>
-              <a:t>12.10.2023</a:t>
+              <a:t>17.10.2023</a:t>
             </a:fld>
             <a:endParaRPr lang="ru-RU"/>
           </a:p>
@@ -1053,7 +1053,7 @@
             <a:fld id="{85A5DE44-605B-4D3B-B2B7-94543DF81A36}" type="datetimeFigureOut">
               <a:rPr lang="ru-RU" smtClean="0"/>
               <a:pPr/>
-              <a:t>12.10.2023</a:t>
+              <a:t>17.10.2023</a:t>
             </a:fld>
             <a:endParaRPr lang="ru-RU"/>
           </a:p>
@@ -1225,7 +1225,7 @@
             <a:fld id="{85A5DE44-605B-4D3B-B2B7-94543DF81A36}" type="datetimeFigureOut">
               <a:rPr lang="ru-RU" smtClean="0"/>
               <a:pPr/>
-              <a:t>12.10.2023</a:t>
+              <a:t>17.10.2023</a:t>
             </a:fld>
             <a:endParaRPr lang="ru-RU"/>
           </a:p>
@@ -1473,7 +1473,7 @@
             <a:fld id="{85A5DE44-605B-4D3B-B2B7-94543DF81A36}" type="datetimeFigureOut">
               <a:rPr lang="ru-RU" smtClean="0"/>
               <a:pPr/>
-              <a:t>12.10.2023</a:t>
+              <a:t>17.10.2023</a:t>
             </a:fld>
             <a:endParaRPr lang="ru-RU"/>
           </a:p>
@@ -1707,7 +1707,7 @@
             <a:fld id="{85A5DE44-605B-4D3B-B2B7-94543DF81A36}" type="datetimeFigureOut">
               <a:rPr lang="ru-RU" smtClean="0"/>
               <a:pPr/>
-              <a:t>12.10.2023</a:t>
+              <a:t>17.10.2023</a:t>
             </a:fld>
             <a:endParaRPr lang="ru-RU"/>
           </a:p>
@@ -2076,7 +2076,7 @@
             <a:fld id="{85A5DE44-605B-4D3B-B2B7-94543DF81A36}" type="datetimeFigureOut">
               <a:rPr lang="ru-RU" smtClean="0"/>
               <a:pPr/>
-              <a:t>12.10.2023</a:t>
+              <a:t>17.10.2023</a:t>
             </a:fld>
             <a:endParaRPr lang="ru-RU"/>
           </a:p>
@@ -2196,7 +2196,7 @@
             <a:fld id="{85A5DE44-605B-4D3B-B2B7-94543DF81A36}" type="datetimeFigureOut">
               <a:rPr lang="ru-RU" smtClean="0"/>
               <a:pPr/>
-              <a:t>12.10.2023</a:t>
+              <a:t>17.10.2023</a:t>
             </a:fld>
             <a:endParaRPr lang="ru-RU"/>
           </a:p>
@@ -2293,7 +2293,7 @@
             <a:fld id="{85A5DE44-605B-4D3B-B2B7-94543DF81A36}" type="datetimeFigureOut">
               <a:rPr lang="ru-RU" smtClean="0"/>
               <a:pPr/>
-              <a:t>12.10.2023</a:t>
+              <a:t>17.10.2023</a:t>
             </a:fld>
             <a:endParaRPr lang="ru-RU"/>
           </a:p>
@@ -2572,7 +2572,7 @@
             <a:fld id="{85A5DE44-605B-4D3B-B2B7-94543DF81A36}" type="datetimeFigureOut">
               <a:rPr lang="ru-RU" smtClean="0"/>
               <a:pPr/>
-              <a:t>12.10.2023</a:t>
+              <a:t>17.10.2023</a:t>
             </a:fld>
             <a:endParaRPr lang="ru-RU"/>
           </a:p>
@@ -2831,7 +2831,7 @@
             <a:fld id="{85A5DE44-605B-4D3B-B2B7-94543DF81A36}" type="datetimeFigureOut">
               <a:rPr lang="ru-RU" smtClean="0"/>
               <a:pPr/>
-              <a:t>12.10.2023</a:t>
+              <a:t>17.10.2023</a:t>
             </a:fld>
             <a:endParaRPr lang="ru-RU"/>
           </a:p>
@@ -3046,7 +3046,7 @@
             <a:fld id="{85A5DE44-605B-4D3B-B2B7-94543DF81A36}" type="datetimeFigureOut">
               <a:rPr lang="ru-RU" smtClean="0"/>
               <a:pPr/>
-              <a:t>12.10.2023</a:t>
+              <a:t>17.10.2023</a:t>
             </a:fld>
             <a:endParaRPr lang="ru-RU"/>
           </a:p>
@@ -3575,7 +3575,7 @@
           <p:cNvPr id="860" name="Прямоугольник 859">
             <a:extLst>
               <a:ext uri="{FF2B5EF4-FFF2-40B4-BE49-F238E27FC236}">
-                <a16:creationId xmlns="" xmlns:a16="http://schemas.microsoft.com/office/drawing/2014/main" id="{6192B7C6-55FD-4881-A7C8-B46143BFCF64}"/>
+                <a16:creationId xmlns:a16="http://schemas.microsoft.com/office/drawing/2014/main" xmlns="" id="{6192B7C6-55FD-4881-A7C8-B46143BFCF64}"/>
               </a:ext>
             </a:extLst>
           </p:cNvPr>
@@ -3637,7 +3637,7 @@
           <p:cNvPr id="987" name="Прямоугольник 986">
             <a:extLst>
               <a:ext uri="{FF2B5EF4-FFF2-40B4-BE49-F238E27FC236}">
-                <a16:creationId xmlns="" xmlns:a16="http://schemas.microsoft.com/office/drawing/2014/main" id="{67193EE9-417B-43C2-AB81-CA3693D3020C}"/>
+                <a16:creationId xmlns:a16="http://schemas.microsoft.com/office/drawing/2014/main" xmlns="" id="{67193EE9-417B-43C2-AB81-CA3693D3020C}"/>
               </a:ext>
             </a:extLst>
           </p:cNvPr>
@@ -3687,7 +3687,7 @@
           <p:cNvPr id="991" name="Прямоугольник 990">
             <a:extLst>
               <a:ext uri="{FF2B5EF4-FFF2-40B4-BE49-F238E27FC236}">
-                <a16:creationId xmlns="" xmlns:a16="http://schemas.microsoft.com/office/drawing/2014/main" id="{DF4FA738-4588-47B9-8CCD-BD1F596377F3}"/>
+                <a16:creationId xmlns:a16="http://schemas.microsoft.com/office/drawing/2014/main" xmlns="" id="{DF4FA738-4588-47B9-8CCD-BD1F596377F3}"/>
               </a:ext>
             </a:extLst>
           </p:cNvPr>
@@ -3749,7 +3749,7 @@
           <p:cNvPr id="994" name="Прямоугольник 993">
             <a:extLst>
               <a:ext uri="{FF2B5EF4-FFF2-40B4-BE49-F238E27FC236}">
-                <a16:creationId xmlns="" xmlns:a16="http://schemas.microsoft.com/office/drawing/2014/main" id="{2C61400B-484B-4957-B0B2-641DF530B9A0}"/>
+                <a16:creationId xmlns:a16="http://schemas.microsoft.com/office/drawing/2014/main" xmlns="" id="{2C61400B-484B-4957-B0B2-641DF530B9A0}"/>
               </a:ext>
             </a:extLst>
           </p:cNvPr>
@@ -3803,7 +3803,7 @@
           <p:cNvPr id="995" name="Прямоугольник 994">
             <a:extLst>
               <a:ext uri="{FF2B5EF4-FFF2-40B4-BE49-F238E27FC236}">
-                <a16:creationId xmlns="" xmlns:a16="http://schemas.microsoft.com/office/drawing/2014/main" id="{F18E07CC-8B9D-421A-926B-156E5FCEBD1B}"/>
+                <a16:creationId xmlns:a16="http://schemas.microsoft.com/office/drawing/2014/main" xmlns="" id="{F18E07CC-8B9D-421A-926B-156E5FCEBD1B}"/>
               </a:ext>
             </a:extLst>
           </p:cNvPr>
@@ -3861,7 +3861,7 @@
           <p:cNvPr id="996" name="Прямоугольник 995">
             <a:extLst>
               <a:ext uri="{FF2B5EF4-FFF2-40B4-BE49-F238E27FC236}">
-                <a16:creationId xmlns="" xmlns:a16="http://schemas.microsoft.com/office/drawing/2014/main" id="{0A3E31CE-1F95-493B-99B8-75E1E74691B0}"/>
+                <a16:creationId xmlns:a16="http://schemas.microsoft.com/office/drawing/2014/main" xmlns="" id="{0A3E31CE-1F95-493B-99B8-75E1E74691B0}"/>
               </a:ext>
             </a:extLst>
           </p:cNvPr>
@@ -3915,7 +3915,7 @@
           <p:cNvPr id="998" name="Прямоугольник 997">
             <a:extLst>
               <a:ext uri="{FF2B5EF4-FFF2-40B4-BE49-F238E27FC236}">
-                <a16:creationId xmlns="" xmlns:a16="http://schemas.microsoft.com/office/drawing/2014/main" id="{D1BF57CA-E69C-44E3-AAB9-85050AFD605D}"/>
+                <a16:creationId xmlns:a16="http://schemas.microsoft.com/office/drawing/2014/main" xmlns="" id="{D1BF57CA-E69C-44E3-AAB9-85050AFD605D}"/>
               </a:ext>
             </a:extLst>
           </p:cNvPr>
@@ -3965,7 +3965,7 @@
           <p:cNvPr id="999" name="Прямоугольник 998">
             <a:extLst>
               <a:ext uri="{FF2B5EF4-FFF2-40B4-BE49-F238E27FC236}">
-                <a16:creationId xmlns="" xmlns:a16="http://schemas.microsoft.com/office/drawing/2014/main" id="{ED20F934-4F09-47D0-A5C3-475497C89CA8}"/>
+                <a16:creationId xmlns:a16="http://schemas.microsoft.com/office/drawing/2014/main" xmlns="" id="{ED20F934-4F09-47D0-A5C3-475497C89CA8}"/>
               </a:ext>
             </a:extLst>
           </p:cNvPr>
@@ -4019,7 +4019,7 @@
           <p:cNvPr id="1000" name="Прямоугольник 999">
             <a:extLst>
               <a:ext uri="{FF2B5EF4-FFF2-40B4-BE49-F238E27FC236}">
-                <a16:creationId xmlns="" xmlns:a16="http://schemas.microsoft.com/office/drawing/2014/main" id="{3031F683-9F5E-4938-B59B-3FA74405AA5D}"/>
+                <a16:creationId xmlns:a16="http://schemas.microsoft.com/office/drawing/2014/main" xmlns="" id="{3031F683-9F5E-4938-B59B-3FA74405AA5D}"/>
               </a:ext>
             </a:extLst>
           </p:cNvPr>
@@ -4080,7 +4080,7 @@
           <p:cNvPr id="1003" name="Прямоугольник 1002">
             <a:extLst>
               <a:ext uri="{FF2B5EF4-FFF2-40B4-BE49-F238E27FC236}">
-                <a16:creationId xmlns="" xmlns:a16="http://schemas.microsoft.com/office/drawing/2014/main" id="{6902397C-BDFE-4DCF-A1A2-FAE0B2626BDA}"/>
+                <a16:creationId xmlns:a16="http://schemas.microsoft.com/office/drawing/2014/main" xmlns="" id="{6902397C-BDFE-4DCF-A1A2-FAE0B2626BDA}"/>
               </a:ext>
             </a:extLst>
           </p:cNvPr>
@@ -4141,7 +4141,7 @@
           <p:cNvPr id="1004" name="Прямоугольник 1003">
             <a:extLst>
               <a:ext uri="{FF2B5EF4-FFF2-40B4-BE49-F238E27FC236}">
-                <a16:creationId xmlns="" xmlns:a16="http://schemas.microsoft.com/office/drawing/2014/main" id="{69B79668-F64A-48E7-B6D8-046B42C5083A}"/>
+                <a16:creationId xmlns:a16="http://schemas.microsoft.com/office/drawing/2014/main" xmlns="" id="{69B79668-F64A-48E7-B6D8-046B42C5083A}"/>
               </a:ext>
             </a:extLst>
           </p:cNvPr>
@@ -4195,7 +4195,7 @@
           <p:cNvPr id="1006" name="Прямоугольник 1005">
             <a:extLst>
               <a:ext uri="{FF2B5EF4-FFF2-40B4-BE49-F238E27FC236}">
-                <a16:creationId xmlns="" xmlns:a16="http://schemas.microsoft.com/office/drawing/2014/main" id="{DBC3419A-22FA-43FF-B8B9-DD68FEBDCE02}"/>
+                <a16:creationId xmlns:a16="http://schemas.microsoft.com/office/drawing/2014/main" xmlns="" id="{DBC3419A-22FA-43FF-B8B9-DD68FEBDCE02}"/>
               </a:ext>
             </a:extLst>
           </p:cNvPr>
@@ -4253,7 +4253,7 @@
           <p:cNvPr id="1007" name="Прямоугольник 1006">
             <a:extLst>
               <a:ext uri="{FF2B5EF4-FFF2-40B4-BE49-F238E27FC236}">
-                <a16:creationId xmlns="" xmlns:a16="http://schemas.microsoft.com/office/drawing/2014/main" id="{16A1A0CD-EC27-4841-9CAC-A2951FA574D9}"/>
+                <a16:creationId xmlns:a16="http://schemas.microsoft.com/office/drawing/2014/main" xmlns="" id="{16A1A0CD-EC27-4841-9CAC-A2951FA574D9}"/>
               </a:ext>
             </a:extLst>
           </p:cNvPr>
@@ -4302,7 +4302,7 @@
           <p:cNvPr id="1009" name="Прямоугольник 1008">
             <a:extLst>
               <a:ext uri="{FF2B5EF4-FFF2-40B4-BE49-F238E27FC236}">
-                <a16:creationId xmlns="" xmlns:a16="http://schemas.microsoft.com/office/drawing/2014/main" id="{D6B9B13E-4EC1-48C5-9D81-8A7DC0201F74}"/>
+                <a16:creationId xmlns:a16="http://schemas.microsoft.com/office/drawing/2014/main" xmlns="" id="{D6B9B13E-4EC1-48C5-9D81-8A7DC0201F74}"/>
               </a:ext>
             </a:extLst>
           </p:cNvPr>
@@ -4356,7 +4356,7 @@
           <p:cNvPr id="1010" name="Прямоугольник 1009">
             <a:extLst>
               <a:ext uri="{FF2B5EF4-FFF2-40B4-BE49-F238E27FC236}">
-                <a16:creationId xmlns="" xmlns:a16="http://schemas.microsoft.com/office/drawing/2014/main" id="{EB093940-7B32-4F48-90D9-92C619CCC27C}"/>
+                <a16:creationId xmlns:a16="http://schemas.microsoft.com/office/drawing/2014/main" xmlns="" id="{EB093940-7B32-4F48-90D9-92C619CCC27C}"/>
               </a:ext>
             </a:extLst>
           </p:cNvPr>
@@ -4446,7 +4446,7 @@
           <p:cNvPr id="1011" name="Прямая со стрелкой 1010">
             <a:extLst>
               <a:ext uri="{FF2B5EF4-FFF2-40B4-BE49-F238E27FC236}">
-                <a16:creationId xmlns="" xmlns:a16="http://schemas.microsoft.com/office/drawing/2014/main" id="{6FF1BA7F-812C-44A5-BEC2-31F4B6F55538}"/>
+                <a16:creationId xmlns:a16="http://schemas.microsoft.com/office/drawing/2014/main" xmlns="" id="{6FF1BA7F-812C-44A5-BEC2-31F4B6F55538}"/>
               </a:ext>
             </a:extLst>
           </p:cNvPr>
@@ -4489,7 +4489,7 @@
           <p:cNvPr id="1012" name="Соединительная линия уступом 903">
             <a:extLst>
               <a:ext uri="{FF2B5EF4-FFF2-40B4-BE49-F238E27FC236}">
-                <a16:creationId xmlns="" xmlns:a16="http://schemas.microsoft.com/office/drawing/2014/main" id="{61CC6BA5-39EA-4B23-A209-0E7E8DB14AB7}"/>
+                <a16:creationId xmlns:a16="http://schemas.microsoft.com/office/drawing/2014/main" xmlns="" id="{61CC6BA5-39EA-4B23-A209-0E7E8DB14AB7}"/>
               </a:ext>
             </a:extLst>
           </p:cNvPr>
@@ -4534,7 +4534,7 @@
           <p:cNvPr id="1014" name="Прямая со стрелкой 1013">
             <a:extLst>
               <a:ext uri="{FF2B5EF4-FFF2-40B4-BE49-F238E27FC236}">
-                <a16:creationId xmlns="" xmlns:a16="http://schemas.microsoft.com/office/drawing/2014/main" id="{DE622A39-F9DB-4104-B64D-4660F6424C79}"/>
+                <a16:creationId xmlns:a16="http://schemas.microsoft.com/office/drawing/2014/main" xmlns="" id="{DE622A39-F9DB-4104-B64D-4660F6424C79}"/>
               </a:ext>
             </a:extLst>
           </p:cNvPr>
@@ -4577,7 +4577,7 @@
           <p:cNvPr id="1015" name="Прямая со стрелкой 1014">
             <a:extLst>
               <a:ext uri="{FF2B5EF4-FFF2-40B4-BE49-F238E27FC236}">
-                <a16:creationId xmlns="" xmlns:a16="http://schemas.microsoft.com/office/drawing/2014/main" id="{F4E65FFA-5006-43A8-9BFD-FFB14F085370}"/>
+                <a16:creationId xmlns:a16="http://schemas.microsoft.com/office/drawing/2014/main" xmlns="" id="{F4E65FFA-5006-43A8-9BFD-FFB14F085370}"/>
               </a:ext>
             </a:extLst>
           </p:cNvPr>
@@ -4620,7 +4620,7 @@
           <p:cNvPr id="1016" name="Прямая со стрелкой 1015">
             <a:extLst>
               <a:ext uri="{FF2B5EF4-FFF2-40B4-BE49-F238E27FC236}">
-                <a16:creationId xmlns="" xmlns:a16="http://schemas.microsoft.com/office/drawing/2014/main" id="{CC2FBAD9-0DAC-475C-84AF-B8C4D7F7CD36}"/>
+                <a16:creationId xmlns:a16="http://schemas.microsoft.com/office/drawing/2014/main" xmlns="" id="{CC2FBAD9-0DAC-475C-84AF-B8C4D7F7CD36}"/>
               </a:ext>
             </a:extLst>
           </p:cNvPr>
@@ -4663,7 +4663,7 @@
           <p:cNvPr id="1017" name="Прямая со стрелкой 1016">
             <a:extLst>
               <a:ext uri="{FF2B5EF4-FFF2-40B4-BE49-F238E27FC236}">
-                <a16:creationId xmlns="" xmlns:a16="http://schemas.microsoft.com/office/drawing/2014/main" id="{7F5BA024-9E61-46B2-B19B-838E6AB850FD}"/>
+                <a16:creationId xmlns:a16="http://schemas.microsoft.com/office/drawing/2014/main" xmlns="" id="{7F5BA024-9E61-46B2-B19B-838E6AB850FD}"/>
               </a:ext>
             </a:extLst>
           </p:cNvPr>
@@ -4706,7 +4706,7 @@
           <p:cNvPr id="1018" name="Соединительная линия уступом 903">
             <a:extLst>
               <a:ext uri="{FF2B5EF4-FFF2-40B4-BE49-F238E27FC236}">
-                <a16:creationId xmlns="" xmlns:a16="http://schemas.microsoft.com/office/drawing/2014/main" id="{D9E9FE67-1272-43E5-98D8-86DDB97DE61E}"/>
+                <a16:creationId xmlns:a16="http://schemas.microsoft.com/office/drawing/2014/main" xmlns="" id="{D9E9FE67-1272-43E5-98D8-86DDB97DE61E}"/>
               </a:ext>
             </a:extLst>
           </p:cNvPr>
@@ -4751,7 +4751,7 @@
           <p:cNvPr id="1019" name="Прямая со стрелкой 1018">
             <a:extLst>
               <a:ext uri="{FF2B5EF4-FFF2-40B4-BE49-F238E27FC236}">
-                <a16:creationId xmlns="" xmlns:a16="http://schemas.microsoft.com/office/drawing/2014/main" id="{59266080-AC10-42CA-B68E-CEDF802FA3D3}"/>
+                <a16:creationId xmlns:a16="http://schemas.microsoft.com/office/drawing/2014/main" xmlns="" id="{59266080-AC10-42CA-B68E-CEDF802FA3D3}"/>
               </a:ext>
             </a:extLst>
           </p:cNvPr>
@@ -4795,7 +4795,7 @@
           <p:cNvPr id="1020" name="Соединительная линия уступом 903">
             <a:extLst>
               <a:ext uri="{FF2B5EF4-FFF2-40B4-BE49-F238E27FC236}">
-                <a16:creationId xmlns="" xmlns:a16="http://schemas.microsoft.com/office/drawing/2014/main" id="{62E8E398-7627-44D2-9D70-5C4E18D9492C}"/>
+                <a16:creationId xmlns:a16="http://schemas.microsoft.com/office/drawing/2014/main" xmlns="" id="{62E8E398-7627-44D2-9D70-5C4E18D9492C}"/>
               </a:ext>
             </a:extLst>
           </p:cNvPr>
@@ -4841,7 +4841,7 @@
           <p:cNvPr id="1021" name="Соединительная линия уступом 903">
             <a:extLst>
               <a:ext uri="{FF2B5EF4-FFF2-40B4-BE49-F238E27FC236}">
-                <a16:creationId xmlns="" xmlns:a16="http://schemas.microsoft.com/office/drawing/2014/main" id="{BDC7F8CB-0052-4FAE-993D-F1332955CF43}"/>
+                <a16:creationId xmlns:a16="http://schemas.microsoft.com/office/drawing/2014/main" xmlns="" id="{BDC7F8CB-0052-4FAE-993D-F1332955CF43}"/>
               </a:ext>
             </a:extLst>
           </p:cNvPr>
@@ -4887,7 +4887,7 @@
           <p:cNvPr id="34" name="Прямоугольник 33">
             <a:extLst>
               <a:ext uri="{FF2B5EF4-FFF2-40B4-BE49-F238E27FC236}">
-                <a16:creationId xmlns="" xmlns:a16="http://schemas.microsoft.com/office/drawing/2014/main" id="{59ACB422-97FE-4024-8EC7-A17F82AC2F7B}"/>
+                <a16:creationId xmlns:a16="http://schemas.microsoft.com/office/drawing/2014/main" xmlns="" id="{59ACB422-97FE-4024-8EC7-A17F82AC2F7B}"/>
               </a:ext>
             </a:extLst>
           </p:cNvPr>
@@ -4937,7 +4937,7 @@
           <p:cNvPr id="35" name="Прямоугольник 34">
             <a:extLst>
               <a:ext uri="{FF2B5EF4-FFF2-40B4-BE49-F238E27FC236}">
-                <a16:creationId xmlns="" xmlns:a16="http://schemas.microsoft.com/office/drawing/2014/main" id="{8F6B01E8-2051-4659-A9F2-6CCFEACACA21}"/>
+                <a16:creationId xmlns:a16="http://schemas.microsoft.com/office/drawing/2014/main" xmlns="" id="{8F6B01E8-2051-4659-A9F2-6CCFEACACA21}"/>
               </a:ext>
             </a:extLst>
           </p:cNvPr>
@@ -4987,7 +4987,7 @@
           <p:cNvPr id="36" name="Прямоугольник 35">
             <a:extLst>
               <a:ext uri="{FF2B5EF4-FFF2-40B4-BE49-F238E27FC236}">
-                <a16:creationId xmlns="" xmlns:a16="http://schemas.microsoft.com/office/drawing/2014/main" id="{9367D27D-AEBB-46B0-A932-DCEBE1910C36}"/>
+                <a16:creationId xmlns:a16="http://schemas.microsoft.com/office/drawing/2014/main" xmlns="" id="{9367D27D-AEBB-46B0-A932-DCEBE1910C36}"/>
               </a:ext>
             </a:extLst>
           </p:cNvPr>
@@ -5037,7 +5037,7 @@
           <p:cNvPr id="37" name="Прямоугольник 36">
             <a:extLst>
               <a:ext uri="{FF2B5EF4-FFF2-40B4-BE49-F238E27FC236}">
-                <a16:creationId xmlns="" xmlns:a16="http://schemas.microsoft.com/office/drawing/2014/main" id="{97D21FA9-0A99-4302-9C8A-886C2A95D444}"/>
+                <a16:creationId xmlns:a16="http://schemas.microsoft.com/office/drawing/2014/main" xmlns="" id="{97D21FA9-0A99-4302-9C8A-886C2A95D444}"/>
               </a:ext>
             </a:extLst>
           </p:cNvPr>
@@ -5095,7 +5095,7 @@
           <p:cNvPr id="38" name="Прямоугольник 37">
             <a:extLst>
               <a:ext uri="{FF2B5EF4-FFF2-40B4-BE49-F238E27FC236}">
-                <a16:creationId xmlns="" xmlns:a16="http://schemas.microsoft.com/office/drawing/2014/main" id="{9C02A14C-DE5F-49AD-A4EE-A27966D0EFDC}"/>
+                <a16:creationId xmlns:a16="http://schemas.microsoft.com/office/drawing/2014/main" xmlns="" id="{9C02A14C-DE5F-49AD-A4EE-A27966D0EFDC}"/>
               </a:ext>
             </a:extLst>
           </p:cNvPr>
@@ -5147,7 +5147,7 @@
           <p:cNvPr id="39" name="Прямоугольник 38">
             <a:extLst>
               <a:ext uri="{FF2B5EF4-FFF2-40B4-BE49-F238E27FC236}">
-                <a16:creationId xmlns="" xmlns:a16="http://schemas.microsoft.com/office/drawing/2014/main" id="{CCC56779-6173-48FC-B7E9-574156FA22BE}"/>
+                <a16:creationId xmlns:a16="http://schemas.microsoft.com/office/drawing/2014/main" xmlns="" id="{CCC56779-6173-48FC-B7E9-574156FA22BE}"/>
               </a:ext>
             </a:extLst>
           </p:cNvPr>
@@ -5199,7 +5199,7 @@
           <p:cNvPr id="42" name="Прямоугольник 41">
             <a:extLst>
               <a:ext uri="{FF2B5EF4-FFF2-40B4-BE49-F238E27FC236}">
-                <a16:creationId xmlns="" xmlns:a16="http://schemas.microsoft.com/office/drawing/2014/main" id="{03F7D570-4EE1-495E-9294-D367F2E7763E}"/>
+                <a16:creationId xmlns:a16="http://schemas.microsoft.com/office/drawing/2014/main" xmlns="" id="{03F7D570-4EE1-495E-9294-D367F2E7763E}"/>
               </a:ext>
             </a:extLst>
           </p:cNvPr>
@@ -5249,7 +5249,7 @@
           <p:cNvPr id="43" name="Прямоугольник 42">
             <a:extLst>
               <a:ext uri="{FF2B5EF4-FFF2-40B4-BE49-F238E27FC236}">
-                <a16:creationId xmlns="" xmlns:a16="http://schemas.microsoft.com/office/drawing/2014/main" id="{5858A8E5-3EFA-419C-99B9-6773CA7E1501}"/>
+                <a16:creationId xmlns:a16="http://schemas.microsoft.com/office/drawing/2014/main" xmlns="" id="{5858A8E5-3EFA-419C-99B9-6773CA7E1501}"/>
               </a:ext>
             </a:extLst>
           </p:cNvPr>
@@ -5288,11 +5288,11 @@
             <a:pPr algn="ctr"/>
             <a:r>
               <a:rPr lang="ru-RU" sz="700" dirty="0"/>
-              <a:t>Германские вложения в сельское хозяйство </a:t>
-            </a:r>
-            <a:r>
-              <a:rPr lang="ru-RU" sz="200" dirty="0"/>
-              <a:t>(после чего германская собственность на территории страны (46 кофейных плантаций и 51 скотоводческое хозяйство) была конфискована)</a:t>
+              <a:t>Германские вложения в сельское </a:t>
+            </a:r>
+            <a:r>
+              <a:rPr lang="ru-RU" sz="700" dirty="0" smtClean="0"/>
+              <a:t>хозяйство</a:t>
             </a:r>
             <a:endParaRPr lang="ru-RU" sz="400" dirty="0"/>
           </a:p>
@@ -5303,7 +5303,7 @@
           <p:cNvPr id="45" name="Прямоугольник 44">
             <a:extLst>
               <a:ext uri="{FF2B5EF4-FFF2-40B4-BE49-F238E27FC236}">
-                <a16:creationId xmlns="" xmlns:a16="http://schemas.microsoft.com/office/drawing/2014/main" id="{29CBE310-5100-413A-B4C1-EA4E28F411B1}"/>
+                <a16:creationId xmlns:a16="http://schemas.microsoft.com/office/drawing/2014/main" xmlns="" id="{29CBE310-5100-413A-B4C1-EA4E28F411B1}"/>
               </a:ext>
             </a:extLst>
           </p:cNvPr>
@@ -5353,7 +5353,7 @@
           <p:cNvPr id="47" name="Прямоугольник 46">
             <a:extLst>
               <a:ext uri="{FF2B5EF4-FFF2-40B4-BE49-F238E27FC236}">
-                <a16:creationId xmlns="" xmlns:a16="http://schemas.microsoft.com/office/drawing/2014/main" id="{1163C105-465F-453D-9A47-C92FC2A2CB52}"/>
+                <a16:creationId xmlns:a16="http://schemas.microsoft.com/office/drawing/2014/main" xmlns="" id="{1163C105-465F-453D-9A47-C92FC2A2CB52}"/>
               </a:ext>
             </a:extLst>
           </p:cNvPr>
@@ -5431,7 +5431,7 @@
           <p:cNvPr id="48" name="Прямоугольник 47">
             <a:extLst>
               <a:ext uri="{FF2B5EF4-FFF2-40B4-BE49-F238E27FC236}">
-                <a16:creationId xmlns="" xmlns:a16="http://schemas.microsoft.com/office/drawing/2014/main" id="{D53819E8-2FF6-4FFA-A7E4-75D55AADB8B5}"/>
+                <a16:creationId xmlns:a16="http://schemas.microsoft.com/office/drawing/2014/main" xmlns="" id="{D53819E8-2FF6-4FFA-A7E4-75D55AADB8B5}"/>
               </a:ext>
             </a:extLst>
           </p:cNvPr>
@@ -5481,7 +5481,7 @@
           <p:cNvPr id="49" name="Прямоугольник 48">
             <a:extLst>
               <a:ext uri="{FF2B5EF4-FFF2-40B4-BE49-F238E27FC236}">
-                <a16:creationId xmlns="" xmlns:a16="http://schemas.microsoft.com/office/drawing/2014/main" id="{F9117D70-446E-4EA7-820C-5F0C5AE4BB1B}"/>
+                <a16:creationId xmlns:a16="http://schemas.microsoft.com/office/drawing/2014/main" xmlns="" id="{F9117D70-446E-4EA7-820C-5F0C5AE4BB1B}"/>
               </a:ext>
             </a:extLst>
           </p:cNvPr>
@@ -5524,7 +5524,7 @@
             </a:r>
             <a:r>
               <a:rPr lang="ru-RU" sz="700" dirty="0" smtClean="0"/>
-              <a:t>кордобы</a:t>
+              <a:t>кордобы (июль 1936)</a:t>
             </a:r>
             <a:endParaRPr lang="ru-RU" sz="100" dirty="0"/>
           </a:p>
@@ -5535,7 +5535,7 @@
           <p:cNvPr id="50" name="Прямоугольник 49">
             <a:extLst>
               <a:ext uri="{FF2B5EF4-FFF2-40B4-BE49-F238E27FC236}">
-                <a16:creationId xmlns="" xmlns:a16="http://schemas.microsoft.com/office/drawing/2014/main" id="{357E437B-3536-45BE-A3D0-3F539D983768}"/>
+                <a16:creationId xmlns:a16="http://schemas.microsoft.com/office/drawing/2014/main" xmlns="" id="{357E437B-3536-45BE-A3D0-3F539D983768}"/>
               </a:ext>
             </a:extLst>
           </p:cNvPr>
@@ -5589,7 +5589,7 @@
           <p:cNvPr id="51" name="Прямая со стрелкой 50">
             <a:extLst>
               <a:ext uri="{FF2B5EF4-FFF2-40B4-BE49-F238E27FC236}">
-                <a16:creationId xmlns="" xmlns:a16="http://schemas.microsoft.com/office/drawing/2014/main" id="{F822F6CB-0335-40A1-921A-29544F834AD9}"/>
+                <a16:creationId xmlns:a16="http://schemas.microsoft.com/office/drawing/2014/main" xmlns="" id="{F822F6CB-0335-40A1-921A-29544F834AD9}"/>
               </a:ext>
             </a:extLst>
           </p:cNvPr>
@@ -5632,7 +5632,7 @@
           <p:cNvPr id="52" name="Прямая со стрелкой 51">
             <a:extLst>
               <a:ext uri="{FF2B5EF4-FFF2-40B4-BE49-F238E27FC236}">
-                <a16:creationId xmlns="" xmlns:a16="http://schemas.microsoft.com/office/drawing/2014/main" id="{5BCAF6D7-5BA1-4C42-82B8-95F6B189B961}"/>
+                <a16:creationId xmlns:a16="http://schemas.microsoft.com/office/drawing/2014/main" xmlns="" id="{5BCAF6D7-5BA1-4C42-82B8-95F6B189B961}"/>
               </a:ext>
             </a:extLst>
           </p:cNvPr>
@@ -5675,7 +5675,7 @@
           <p:cNvPr id="55" name="Прямоугольник 54">
             <a:extLst>
               <a:ext uri="{FF2B5EF4-FFF2-40B4-BE49-F238E27FC236}">
-                <a16:creationId xmlns="" xmlns:a16="http://schemas.microsoft.com/office/drawing/2014/main" id="{59913842-712E-4C78-8382-3186E11F9969}"/>
+                <a16:creationId xmlns:a16="http://schemas.microsoft.com/office/drawing/2014/main" xmlns="" id="{59913842-712E-4C78-8382-3186E11F9969}"/>
               </a:ext>
             </a:extLst>
           </p:cNvPr>
@@ -5733,7 +5733,7 @@
           <p:cNvPr id="56" name="Прямоугольник 55">
             <a:extLst>
               <a:ext uri="{FF2B5EF4-FFF2-40B4-BE49-F238E27FC236}">
-                <a16:creationId xmlns="" xmlns:a16="http://schemas.microsoft.com/office/drawing/2014/main" id="{6C5218F4-B4FE-4973-B0D1-795F69898B06}"/>
+                <a16:creationId xmlns:a16="http://schemas.microsoft.com/office/drawing/2014/main" xmlns="" id="{6C5218F4-B4FE-4973-B0D1-795F69898B06}"/>
               </a:ext>
             </a:extLst>
           </p:cNvPr>
@@ -5788,7 +5788,7 @@
           <p:cNvPr id="59" name="Соединительная линия уступом 903">
             <a:extLst>
               <a:ext uri="{FF2B5EF4-FFF2-40B4-BE49-F238E27FC236}">
-                <a16:creationId xmlns="" xmlns:a16="http://schemas.microsoft.com/office/drawing/2014/main" id="{109A067E-CE15-4E03-9773-91E0273879C6}"/>
+                <a16:creationId xmlns:a16="http://schemas.microsoft.com/office/drawing/2014/main" xmlns="" id="{109A067E-CE15-4E03-9773-91E0273879C6}"/>
               </a:ext>
             </a:extLst>
           </p:cNvPr>
@@ -5834,7 +5834,7 @@
           <p:cNvPr id="62" name="Соединительная линия уступом 903">
             <a:extLst>
               <a:ext uri="{FF2B5EF4-FFF2-40B4-BE49-F238E27FC236}">
-                <a16:creationId xmlns="" xmlns:a16="http://schemas.microsoft.com/office/drawing/2014/main" id="{6C07AA97-4525-4DE7-ADCC-04D2CBE84DB2}"/>
+                <a16:creationId xmlns:a16="http://schemas.microsoft.com/office/drawing/2014/main" xmlns="" id="{6C07AA97-4525-4DE7-ADCC-04D2CBE84DB2}"/>
               </a:ext>
             </a:extLst>
           </p:cNvPr>
@@ -5880,7 +5880,7 @@
           <p:cNvPr id="65" name="Соединительная линия уступом 903">
             <a:extLst>
               <a:ext uri="{FF2B5EF4-FFF2-40B4-BE49-F238E27FC236}">
-                <a16:creationId xmlns="" xmlns:a16="http://schemas.microsoft.com/office/drawing/2014/main" id="{43EDEE73-8E0A-4B11-A556-528A0A52CC3F}"/>
+                <a16:creationId xmlns:a16="http://schemas.microsoft.com/office/drawing/2014/main" xmlns="" id="{43EDEE73-8E0A-4B11-A556-528A0A52CC3F}"/>
               </a:ext>
             </a:extLst>
           </p:cNvPr>
@@ -5926,7 +5926,7 @@
           <p:cNvPr id="68" name="Соединительная линия уступом 903">
             <a:extLst>
               <a:ext uri="{FF2B5EF4-FFF2-40B4-BE49-F238E27FC236}">
-                <a16:creationId xmlns="" xmlns:a16="http://schemas.microsoft.com/office/drawing/2014/main" id="{59D2BA6A-BD9D-4F57-A305-E873010A82F4}"/>
+                <a16:creationId xmlns:a16="http://schemas.microsoft.com/office/drawing/2014/main" xmlns="" id="{59D2BA6A-BD9D-4F57-A305-E873010A82F4}"/>
               </a:ext>
             </a:extLst>
           </p:cNvPr>
@@ -5972,7 +5972,7 @@
           <p:cNvPr id="71" name="Соединительная линия уступом 903">
             <a:extLst>
               <a:ext uri="{FF2B5EF4-FFF2-40B4-BE49-F238E27FC236}">
-                <a16:creationId xmlns="" xmlns:a16="http://schemas.microsoft.com/office/drawing/2014/main" id="{00B11476-6764-4576-A5AA-307DE0B54FA8}"/>
+                <a16:creationId xmlns:a16="http://schemas.microsoft.com/office/drawing/2014/main" xmlns="" id="{00B11476-6764-4576-A5AA-307DE0B54FA8}"/>
               </a:ext>
             </a:extLst>
           </p:cNvPr>
@@ -6018,7 +6018,7 @@
           <p:cNvPr id="74" name="Соединительная линия уступом 903">
             <a:extLst>
               <a:ext uri="{FF2B5EF4-FFF2-40B4-BE49-F238E27FC236}">
-                <a16:creationId xmlns="" xmlns:a16="http://schemas.microsoft.com/office/drawing/2014/main" id="{F1EE0CAA-C3CE-4369-8DB1-59C2A23436F1}"/>
+                <a16:creationId xmlns:a16="http://schemas.microsoft.com/office/drawing/2014/main" xmlns="" id="{F1EE0CAA-C3CE-4369-8DB1-59C2A23436F1}"/>
               </a:ext>
             </a:extLst>
           </p:cNvPr>
@@ -6064,7 +6064,7 @@
           <p:cNvPr id="77" name="Прямоугольник 76">
             <a:extLst>
               <a:ext uri="{FF2B5EF4-FFF2-40B4-BE49-F238E27FC236}">
-                <a16:creationId xmlns="" xmlns:a16="http://schemas.microsoft.com/office/drawing/2014/main" id="{F492B8D6-39F0-4D20-92A4-58A3AE1323E7}"/>
+                <a16:creationId xmlns:a16="http://schemas.microsoft.com/office/drawing/2014/main" xmlns="" id="{F492B8D6-39F0-4D20-92A4-58A3AE1323E7}"/>
               </a:ext>
             </a:extLst>
           </p:cNvPr>
@@ -6118,7 +6118,7 @@
           <p:cNvPr id="78" name="Прямоугольник 77">
             <a:extLst>
               <a:ext uri="{FF2B5EF4-FFF2-40B4-BE49-F238E27FC236}">
-                <a16:creationId xmlns="" xmlns:a16="http://schemas.microsoft.com/office/drawing/2014/main" id="{AE8DBF0B-DB9F-42C3-8B1F-A688891403FA}"/>
+                <a16:creationId xmlns:a16="http://schemas.microsoft.com/office/drawing/2014/main" xmlns="" id="{AE8DBF0B-DB9F-42C3-8B1F-A688891403FA}"/>
               </a:ext>
             </a:extLst>
           </p:cNvPr>
@@ -6192,7 +6192,7 @@
           <p:cNvPr id="80" name="Прямоугольник 79">
             <a:extLst>
               <a:ext uri="{FF2B5EF4-FFF2-40B4-BE49-F238E27FC236}">
-                <a16:creationId xmlns="" xmlns:a16="http://schemas.microsoft.com/office/drawing/2014/main" id="{51DDA96E-A685-43FC-845D-8C9265EE929A}"/>
+                <a16:creationId xmlns:a16="http://schemas.microsoft.com/office/drawing/2014/main" xmlns="" id="{51DDA96E-A685-43FC-845D-8C9265EE929A}"/>
               </a:ext>
             </a:extLst>
           </p:cNvPr>
@@ -6244,7 +6244,7 @@
           <p:cNvPr id="81" name="Прямоугольник 80">
             <a:extLst>
               <a:ext uri="{FF2B5EF4-FFF2-40B4-BE49-F238E27FC236}">
-                <a16:creationId xmlns="" xmlns:a16="http://schemas.microsoft.com/office/drawing/2014/main" id="{FC846415-2760-43A4-A1A1-795C4968509B}"/>
+                <a16:creationId xmlns:a16="http://schemas.microsoft.com/office/drawing/2014/main" xmlns="" id="{FC846415-2760-43A4-A1A1-795C4968509B}"/>
               </a:ext>
             </a:extLst>
           </p:cNvPr>
@@ -6296,7 +6296,7 @@
           <p:cNvPr id="82" name="Прямоугольник 81">
             <a:extLst>
               <a:ext uri="{FF2B5EF4-FFF2-40B4-BE49-F238E27FC236}">
-                <a16:creationId xmlns="" xmlns:a16="http://schemas.microsoft.com/office/drawing/2014/main" id="{BF5DE4AD-D7D4-4C86-9704-BFA8884FD2C7}"/>
+                <a16:creationId xmlns:a16="http://schemas.microsoft.com/office/drawing/2014/main" xmlns="" id="{BF5DE4AD-D7D4-4C86-9704-BFA8884FD2C7}"/>
               </a:ext>
             </a:extLst>
           </p:cNvPr>
@@ -6348,7 +6348,7 @@
           <p:cNvPr id="83" name="Прямоугольник 82">
             <a:extLst>
               <a:ext uri="{FF2B5EF4-FFF2-40B4-BE49-F238E27FC236}">
-                <a16:creationId xmlns="" xmlns:a16="http://schemas.microsoft.com/office/drawing/2014/main" id="{FFDF3200-07AF-4F88-9AFA-E895A9EB463F}"/>
+                <a16:creationId xmlns:a16="http://schemas.microsoft.com/office/drawing/2014/main" xmlns="" id="{FFDF3200-07AF-4F88-9AFA-E895A9EB463F}"/>
               </a:ext>
             </a:extLst>
           </p:cNvPr>
@@ -6400,7 +6400,7 @@
           <p:cNvPr id="84" name="Прямоугольник 83">
             <a:extLst>
               <a:ext uri="{FF2B5EF4-FFF2-40B4-BE49-F238E27FC236}">
-                <a16:creationId xmlns="" xmlns:a16="http://schemas.microsoft.com/office/drawing/2014/main" id="{CA07F76D-4941-4BBE-8B5A-F0348C4D0FB6}"/>
+                <a16:creationId xmlns:a16="http://schemas.microsoft.com/office/drawing/2014/main" xmlns="" id="{CA07F76D-4941-4BBE-8B5A-F0348C4D0FB6}"/>
               </a:ext>
             </a:extLst>
           </p:cNvPr>
@@ -6452,7 +6452,7 @@
           <p:cNvPr id="85" name="Прямоугольник 84">
             <a:extLst>
               <a:ext uri="{FF2B5EF4-FFF2-40B4-BE49-F238E27FC236}">
-                <a16:creationId xmlns="" xmlns:a16="http://schemas.microsoft.com/office/drawing/2014/main" id="{B4C6B690-1886-4211-AFBE-6C0A99C1C73F}"/>
+                <a16:creationId xmlns:a16="http://schemas.microsoft.com/office/drawing/2014/main" xmlns="" id="{B4C6B690-1886-4211-AFBE-6C0A99C1C73F}"/>
               </a:ext>
             </a:extLst>
           </p:cNvPr>
@@ -6504,7 +6504,7 @@
           <p:cNvPr id="86" name="Прямоугольник 85">
             <a:extLst>
               <a:ext uri="{FF2B5EF4-FFF2-40B4-BE49-F238E27FC236}">
-                <a16:creationId xmlns="" xmlns:a16="http://schemas.microsoft.com/office/drawing/2014/main" id="{D4D526C2-9053-416E-9EDD-C32F7B959DFA}"/>
+                <a16:creationId xmlns:a16="http://schemas.microsoft.com/office/drawing/2014/main" xmlns="" id="{D4D526C2-9053-416E-9EDD-C32F7B959DFA}"/>
               </a:ext>
             </a:extLst>
           </p:cNvPr>
@@ -6556,7 +6556,7 @@
           <p:cNvPr id="87" name="Прямоугольник 86">
             <a:extLst>
               <a:ext uri="{FF2B5EF4-FFF2-40B4-BE49-F238E27FC236}">
-                <a16:creationId xmlns="" xmlns:a16="http://schemas.microsoft.com/office/drawing/2014/main" id="{05781F45-96BD-4772-A7F8-D0C0E48CF0C4}"/>
+                <a16:creationId xmlns:a16="http://schemas.microsoft.com/office/drawing/2014/main" xmlns="" id="{05781F45-96BD-4772-A7F8-D0C0E48CF0C4}"/>
               </a:ext>
             </a:extLst>
           </p:cNvPr>
@@ -6612,7 +6612,7 @@
           <p:cNvPr id="88" name="Прямоугольник 87">
             <a:extLst>
               <a:ext uri="{FF2B5EF4-FFF2-40B4-BE49-F238E27FC236}">
-                <a16:creationId xmlns="" xmlns:a16="http://schemas.microsoft.com/office/drawing/2014/main" id="{422F676B-23F7-43EE-A95A-69895A18F0AD}"/>
+                <a16:creationId xmlns:a16="http://schemas.microsoft.com/office/drawing/2014/main" xmlns="" id="{422F676B-23F7-43EE-A95A-69895A18F0AD}"/>
               </a:ext>
             </a:extLst>
           </p:cNvPr>
@@ -6820,7 +6820,7 @@
           <p:cNvPr id="89" name="Прямоугольник 88">
             <a:extLst>
               <a:ext uri="{FF2B5EF4-FFF2-40B4-BE49-F238E27FC236}">
-                <a16:creationId xmlns="" xmlns:a16="http://schemas.microsoft.com/office/drawing/2014/main" id="{F33E5A38-0B16-4D37-89E1-19C913A5BC13}"/>
+                <a16:creationId xmlns:a16="http://schemas.microsoft.com/office/drawing/2014/main" xmlns="" id="{F33E5A38-0B16-4D37-89E1-19C913A5BC13}"/>
               </a:ext>
             </a:extLst>
           </p:cNvPr>
@@ -6886,7 +6886,7 @@
           <p:cNvPr id="90" name="Прямоугольник 89">
             <a:extLst>
               <a:ext uri="{FF2B5EF4-FFF2-40B4-BE49-F238E27FC236}">
-                <a16:creationId xmlns="" xmlns:a16="http://schemas.microsoft.com/office/drawing/2014/main" id="{8C2287E1-C065-4042-BB84-91F0CF7A3A74}"/>
+                <a16:creationId xmlns:a16="http://schemas.microsoft.com/office/drawing/2014/main" xmlns="" id="{8C2287E1-C065-4042-BB84-91F0CF7A3A74}"/>
               </a:ext>
             </a:extLst>
           </p:cNvPr>
@@ -7136,7 +7136,7 @@
           <p:cNvPr id="91" name="Прямоугольник 90">
             <a:extLst>
               <a:ext uri="{FF2B5EF4-FFF2-40B4-BE49-F238E27FC236}">
-                <a16:creationId xmlns="" xmlns:a16="http://schemas.microsoft.com/office/drawing/2014/main" id="{58596D98-69F8-48F5-B5AF-D2569C87ECDC}"/>
+                <a16:creationId xmlns:a16="http://schemas.microsoft.com/office/drawing/2014/main" xmlns="" id="{58596D98-69F8-48F5-B5AF-D2569C87ECDC}"/>
               </a:ext>
             </a:extLst>
           </p:cNvPr>
@@ -7242,7 +7242,7 @@
           <p:cNvPr id="92" name="Прямоугольник 91">
             <a:extLst>
               <a:ext uri="{FF2B5EF4-FFF2-40B4-BE49-F238E27FC236}">
-                <a16:creationId xmlns="" xmlns:a16="http://schemas.microsoft.com/office/drawing/2014/main" id="{A0E90C58-DFD9-4550-AC8D-DED87F819668}"/>
+                <a16:creationId xmlns:a16="http://schemas.microsoft.com/office/drawing/2014/main" xmlns="" id="{A0E90C58-DFD9-4550-AC8D-DED87F819668}"/>
               </a:ext>
             </a:extLst>
           </p:cNvPr>
@@ -7324,7 +7324,7 @@
           <p:cNvPr id="93" name="Прямоугольник 92">
             <a:extLst>
               <a:ext uri="{FF2B5EF4-FFF2-40B4-BE49-F238E27FC236}">
-                <a16:creationId xmlns="" xmlns:a16="http://schemas.microsoft.com/office/drawing/2014/main" id="{905EFC66-02B2-49ED-A696-FAEF4A1D6416}"/>
+                <a16:creationId xmlns:a16="http://schemas.microsoft.com/office/drawing/2014/main" xmlns="" id="{905EFC66-02B2-49ED-A696-FAEF4A1D6416}"/>
               </a:ext>
             </a:extLst>
           </p:cNvPr>
@@ -7414,7 +7414,7 @@
           <p:cNvPr id="94" name="Прямоугольник 93">
             <a:extLst>
               <a:ext uri="{FF2B5EF4-FFF2-40B4-BE49-F238E27FC236}">
-                <a16:creationId xmlns="" xmlns:a16="http://schemas.microsoft.com/office/drawing/2014/main" id="{9261C47C-5EE1-4F56-8101-3DF5265766CF}"/>
+                <a16:creationId xmlns:a16="http://schemas.microsoft.com/office/drawing/2014/main" xmlns="" id="{9261C47C-5EE1-4F56-8101-3DF5265766CF}"/>
               </a:ext>
             </a:extLst>
           </p:cNvPr>
@@ -7476,7 +7476,7 @@
           <p:cNvPr id="95" name="Прямоугольник 94">
             <a:extLst>
               <a:ext uri="{FF2B5EF4-FFF2-40B4-BE49-F238E27FC236}">
-                <a16:creationId xmlns="" xmlns:a16="http://schemas.microsoft.com/office/drawing/2014/main" id="{C2DE2667-AAF6-4947-B73A-9F430C79018E}"/>
+                <a16:creationId xmlns:a16="http://schemas.microsoft.com/office/drawing/2014/main" xmlns="" id="{C2DE2667-AAF6-4947-B73A-9F430C79018E}"/>
               </a:ext>
             </a:extLst>
           </p:cNvPr>
@@ -7550,7 +7550,7 @@
           <p:cNvPr id="96" name="Прямоугольник 95">
             <a:extLst>
               <a:ext uri="{FF2B5EF4-FFF2-40B4-BE49-F238E27FC236}">
-                <a16:creationId xmlns="" xmlns:a16="http://schemas.microsoft.com/office/drawing/2014/main" id="{F057BD5D-D5FA-4727-B502-9F95624798B4}"/>
+                <a16:creationId xmlns:a16="http://schemas.microsoft.com/office/drawing/2014/main" xmlns="" id="{F057BD5D-D5FA-4727-B502-9F95624798B4}"/>
               </a:ext>
             </a:extLst>
           </p:cNvPr>
@@ -7680,7 +7680,7 @@
           <p:cNvPr id="97" name="Прямоугольник 96">
             <a:extLst>
               <a:ext uri="{FF2B5EF4-FFF2-40B4-BE49-F238E27FC236}">
-                <a16:creationId xmlns="" xmlns:a16="http://schemas.microsoft.com/office/drawing/2014/main" id="{BE32C799-1429-4853-B5A8-AE3345E90D8D}"/>
+                <a16:creationId xmlns:a16="http://schemas.microsoft.com/office/drawing/2014/main" xmlns="" id="{BE32C799-1429-4853-B5A8-AE3345E90D8D}"/>
               </a:ext>
             </a:extLst>
           </p:cNvPr>
@@ -7745,7 +7745,7 @@
           <p:cNvPr id="98" name="Прямоугольник 97">
             <a:extLst>
               <a:ext uri="{FF2B5EF4-FFF2-40B4-BE49-F238E27FC236}">
-                <a16:creationId xmlns="" xmlns:a16="http://schemas.microsoft.com/office/drawing/2014/main" id="{21F111C9-B52C-460E-AD39-A8B9F798CB25}"/>
+                <a16:creationId xmlns:a16="http://schemas.microsoft.com/office/drawing/2014/main" xmlns="" id="{21F111C9-B52C-460E-AD39-A8B9F798CB25}"/>
               </a:ext>
             </a:extLst>
           </p:cNvPr>
@@ -7810,7 +7810,7 @@
           <p:cNvPr id="99" name="Прямоугольник 98">
             <a:extLst>
               <a:ext uri="{FF2B5EF4-FFF2-40B4-BE49-F238E27FC236}">
-                <a16:creationId xmlns="" xmlns:a16="http://schemas.microsoft.com/office/drawing/2014/main" id="{3CDEA90A-403D-44E8-BD63-5F728A857464}"/>
+                <a16:creationId xmlns:a16="http://schemas.microsoft.com/office/drawing/2014/main" xmlns="" id="{3CDEA90A-403D-44E8-BD63-5F728A857464}"/>
               </a:ext>
             </a:extLst>
           </p:cNvPr>
@@ -7887,7 +7887,7 @@
           <p:cNvPr id="100" name="Прямоугольник 99">
             <a:extLst>
               <a:ext uri="{FF2B5EF4-FFF2-40B4-BE49-F238E27FC236}">
-                <a16:creationId xmlns="" xmlns:a16="http://schemas.microsoft.com/office/drawing/2014/main" id="{8B70D98A-AAC5-4F3D-938D-F15D11AC9F90}"/>
+                <a16:creationId xmlns:a16="http://schemas.microsoft.com/office/drawing/2014/main" xmlns="" id="{8B70D98A-AAC5-4F3D-938D-F15D11AC9F90}"/>
               </a:ext>
             </a:extLst>
           </p:cNvPr>
@@ -7956,7 +7956,7 @@
           <p:cNvPr id="101" name="Прямоугольник 100">
             <a:extLst>
               <a:ext uri="{FF2B5EF4-FFF2-40B4-BE49-F238E27FC236}">
-                <a16:creationId xmlns="" xmlns:a16="http://schemas.microsoft.com/office/drawing/2014/main" id="{F402EBBD-5722-48B1-9BBA-587E5C4DFB4D}"/>
+                <a16:creationId xmlns:a16="http://schemas.microsoft.com/office/drawing/2014/main" xmlns="" id="{F402EBBD-5722-48B1-9BBA-587E5C4DFB4D}"/>
               </a:ext>
             </a:extLst>
           </p:cNvPr>
@@ -8041,7 +8041,7 @@
           <p:cNvPr id="102" name="Прямоугольник 101">
             <a:extLst>
               <a:ext uri="{FF2B5EF4-FFF2-40B4-BE49-F238E27FC236}">
-                <a16:creationId xmlns="" xmlns:a16="http://schemas.microsoft.com/office/drawing/2014/main" id="{62E65D83-9718-4B14-AFE2-F1D04B420F81}"/>
+                <a16:creationId xmlns:a16="http://schemas.microsoft.com/office/drawing/2014/main" xmlns="" id="{62E65D83-9718-4B14-AFE2-F1D04B420F81}"/>
               </a:ext>
             </a:extLst>
           </p:cNvPr>
@@ -8118,7 +8118,7 @@
           <p:cNvPr id="103" name="Прямоугольник 102">
             <a:extLst>
               <a:ext uri="{FF2B5EF4-FFF2-40B4-BE49-F238E27FC236}">
-                <a16:creationId xmlns="" xmlns:a16="http://schemas.microsoft.com/office/drawing/2014/main" id="{C6BDA37E-3E81-4B99-A54A-C631250D3A33}"/>
+                <a16:creationId xmlns:a16="http://schemas.microsoft.com/office/drawing/2014/main" xmlns="" id="{C6BDA37E-3E81-4B99-A54A-C631250D3A33}"/>
               </a:ext>
             </a:extLst>
           </p:cNvPr>
@@ -8186,7 +8186,7 @@
           <p:cNvPr id="112" name="Прямоугольник 111">
             <a:extLst>
               <a:ext uri="{FF2B5EF4-FFF2-40B4-BE49-F238E27FC236}">
-                <a16:creationId xmlns="" xmlns:a16="http://schemas.microsoft.com/office/drawing/2014/main" id="{9B5A9C46-C31A-401D-9EBF-78AE38F570DF}"/>
+                <a16:creationId xmlns:a16="http://schemas.microsoft.com/office/drawing/2014/main" xmlns="" id="{9B5A9C46-C31A-401D-9EBF-78AE38F570DF}"/>
               </a:ext>
             </a:extLst>
           </p:cNvPr>
@@ -8255,7 +8255,7 @@
           <p:cNvPr id="117" name="Соединительная линия уступом 903">
             <a:extLst>
               <a:ext uri="{FF2B5EF4-FFF2-40B4-BE49-F238E27FC236}">
-                <a16:creationId xmlns="" xmlns:a16="http://schemas.microsoft.com/office/drawing/2014/main" id="{7F550792-EE6C-4B6F-B826-22E45DB79321}"/>
+                <a16:creationId xmlns:a16="http://schemas.microsoft.com/office/drawing/2014/main" xmlns="" id="{7F550792-EE6C-4B6F-B826-22E45DB79321}"/>
               </a:ext>
             </a:extLst>
           </p:cNvPr>
@@ -8301,7 +8301,7 @@
           <p:cNvPr id="120" name="Соединительная линия уступом 903">
             <a:extLst>
               <a:ext uri="{FF2B5EF4-FFF2-40B4-BE49-F238E27FC236}">
-                <a16:creationId xmlns="" xmlns:a16="http://schemas.microsoft.com/office/drawing/2014/main" id="{42BA63A1-F902-44BD-AEC4-6A00A7DD5215}"/>
+                <a16:creationId xmlns:a16="http://schemas.microsoft.com/office/drawing/2014/main" xmlns="" id="{42BA63A1-F902-44BD-AEC4-6A00A7DD5215}"/>
               </a:ext>
             </a:extLst>
           </p:cNvPr>
@@ -8347,7 +8347,7 @@
           <p:cNvPr id="123" name="Соединительная линия уступом 903">
             <a:extLst>
               <a:ext uri="{FF2B5EF4-FFF2-40B4-BE49-F238E27FC236}">
-                <a16:creationId xmlns="" xmlns:a16="http://schemas.microsoft.com/office/drawing/2014/main" id="{52CF7390-DEEA-4782-9037-6AAA2FAB1267}"/>
+                <a16:creationId xmlns:a16="http://schemas.microsoft.com/office/drawing/2014/main" xmlns="" id="{52CF7390-DEEA-4782-9037-6AAA2FAB1267}"/>
               </a:ext>
             </a:extLst>
           </p:cNvPr>
@@ -8392,7 +8392,7 @@
           <p:cNvPr id="128" name="Соединительная линия уступом 903">
             <a:extLst>
               <a:ext uri="{FF2B5EF4-FFF2-40B4-BE49-F238E27FC236}">
-                <a16:creationId xmlns="" xmlns:a16="http://schemas.microsoft.com/office/drawing/2014/main" id="{7A113AE3-4577-430A-BA26-EF4235023FFA}"/>
+                <a16:creationId xmlns:a16="http://schemas.microsoft.com/office/drawing/2014/main" xmlns="" id="{7A113AE3-4577-430A-BA26-EF4235023FFA}"/>
               </a:ext>
             </a:extLst>
           </p:cNvPr>
@@ -8437,7 +8437,7 @@
           <p:cNvPr id="131" name="Соединительная линия уступом 903">
             <a:extLst>
               <a:ext uri="{FF2B5EF4-FFF2-40B4-BE49-F238E27FC236}">
-                <a16:creationId xmlns="" xmlns:a16="http://schemas.microsoft.com/office/drawing/2014/main" id="{40147503-E638-42DF-A929-5C7B9F2B48B1}"/>
+                <a16:creationId xmlns:a16="http://schemas.microsoft.com/office/drawing/2014/main" xmlns="" id="{40147503-E638-42DF-A929-5C7B9F2B48B1}"/>
               </a:ext>
             </a:extLst>
           </p:cNvPr>
@@ -8482,7 +8482,7 @@
           <p:cNvPr id="134" name="Соединительная линия уступом 903">
             <a:extLst>
               <a:ext uri="{FF2B5EF4-FFF2-40B4-BE49-F238E27FC236}">
-                <a16:creationId xmlns="" xmlns:a16="http://schemas.microsoft.com/office/drawing/2014/main" id="{B109EAAA-04CC-455A-9A24-9F6792FBCCC4}"/>
+                <a16:creationId xmlns:a16="http://schemas.microsoft.com/office/drawing/2014/main" xmlns="" id="{B109EAAA-04CC-455A-9A24-9F6792FBCCC4}"/>
               </a:ext>
             </a:extLst>
           </p:cNvPr>
@@ -8527,7 +8527,7 @@
           <p:cNvPr id="138" name="Соединительная линия уступом 903">
             <a:extLst>
               <a:ext uri="{FF2B5EF4-FFF2-40B4-BE49-F238E27FC236}">
-                <a16:creationId xmlns="" xmlns:a16="http://schemas.microsoft.com/office/drawing/2014/main" id="{BB75BD33-58E7-4B2D-9AE8-736000AF5996}"/>
+                <a16:creationId xmlns:a16="http://schemas.microsoft.com/office/drawing/2014/main" xmlns="" id="{BB75BD33-58E7-4B2D-9AE8-736000AF5996}"/>
               </a:ext>
             </a:extLst>
           </p:cNvPr>
@@ -8572,7 +8572,7 @@
           <p:cNvPr id="141" name="Прямая со стрелкой 140">
             <a:extLst>
               <a:ext uri="{FF2B5EF4-FFF2-40B4-BE49-F238E27FC236}">
-                <a16:creationId xmlns="" xmlns:a16="http://schemas.microsoft.com/office/drawing/2014/main" id="{F0204958-F3C4-46F5-A7B8-B2E525B442E3}"/>
+                <a16:creationId xmlns:a16="http://schemas.microsoft.com/office/drawing/2014/main" xmlns="" id="{F0204958-F3C4-46F5-A7B8-B2E525B442E3}"/>
               </a:ext>
             </a:extLst>
           </p:cNvPr>
@@ -8615,7 +8615,7 @@
           <p:cNvPr id="144" name="Соединительная линия уступом 903">
             <a:extLst>
               <a:ext uri="{FF2B5EF4-FFF2-40B4-BE49-F238E27FC236}">
-                <a16:creationId xmlns="" xmlns:a16="http://schemas.microsoft.com/office/drawing/2014/main" id="{5C748310-8A24-4A37-94AD-69E898DBB5BF}"/>
+                <a16:creationId xmlns:a16="http://schemas.microsoft.com/office/drawing/2014/main" xmlns="" id="{5C748310-8A24-4A37-94AD-69E898DBB5BF}"/>
               </a:ext>
             </a:extLst>
           </p:cNvPr>
@@ -8661,7 +8661,7 @@
           <p:cNvPr id="147" name="Соединительная линия уступом 903">
             <a:extLst>
               <a:ext uri="{FF2B5EF4-FFF2-40B4-BE49-F238E27FC236}">
-                <a16:creationId xmlns="" xmlns:a16="http://schemas.microsoft.com/office/drawing/2014/main" id="{6247459E-8D36-4B32-A142-C426692F0DC9}"/>
+                <a16:creationId xmlns:a16="http://schemas.microsoft.com/office/drawing/2014/main" xmlns="" id="{6247459E-8D36-4B32-A142-C426692F0DC9}"/>
               </a:ext>
             </a:extLst>
           </p:cNvPr>
@@ -8707,7 +8707,7 @@
           <p:cNvPr id="150" name="Соединительная линия уступом 903">
             <a:extLst>
               <a:ext uri="{FF2B5EF4-FFF2-40B4-BE49-F238E27FC236}">
-                <a16:creationId xmlns="" xmlns:a16="http://schemas.microsoft.com/office/drawing/2014/main" id="{B5229C84-1524-4F6C-8C6B-E4AA146420CD}"/>
+                <a16:creationId xmlns:a16="http://schemas.microsoft.com/office/drawing/2014/main" xmlns="" id="{B5229C84-1524-4F6C-8C6B-E4AA146420CD}"/>
               </a:ext>
             </a:extLst>
           </p:cNvPr>
@@ -8753,7 +8753,7 @@
           <p:cNvPr id="153" name="Соединительная линия уступом 903">
             <a:extLst>
               <a:ext uri="{FF2B5EF4-FFF2-40B4-BE49-F238E27FC236}">
-                <a16:creationId xmlns="" xmlns:a16="http://schemas.microsoft.com/office/drawing/2014/main" id="{2D2CC445-D083-4638-B348-AE346D452DE8}"/>
+                <a16:creationId xmlns:a16="http://schemas.microsoft.com/office/drawing/2014/main" xmlns="" id="{2D2CC445-D083-4638-B348-AE346D452DE8}"/>
               </a:ext>
             </a:extLst>
           </p:cNvPr>
@@ -8799,7 +8799,7 @@
           <p:cNvPr id="156" name="Прямоугольник 155">
             <a:extLst>
               <a:ext uri="{FF2B5EF4-FFF2-40B4-BE49-F238E27FC236}">
-                <a16:creationId xmlns="" xmlns:a16="http://schemas.microsoft.com/office/drawing/2014/main" id="{70F2E1EB-331E-413E-A7A7-863A2E76F5D1}"/>
+                <a16:creationId xmlns:a16="http://schemas.microsoft.com/office/drawing/2014/main" xmlns="" id="{70F2E1EB-331E-413E-A7A7-863A2E76F5D1}"/>
               </a:ext>
             </a:extLst>
           </p:cNvPr>
@@ -8865,7 +8865,7 @@
           <p:cNvPr id="158" name="Прямоугольник 157">
             <a:extLst>
               <a:ext uri="{FF2B5EF4-FFF2-40B4-BE49-F238E27FC236}">
-                <a16:creationId xmlns="" xmlns:a16="http://schemas.microsoft.com/office/drawing/2014/main" id="{39373D37-652A-432A-AF2C-81923E65FD74}"/>
+                <a16:creationId xmlns:a16="http://schemas.microsoft.com/office/drawing/2014/main" xmlns="" id="{39373D37-652A-432A-AF2C-81923E65FD74}"/>
               </a:ext>
             </a:extLst>
           </p:cNvPr>
@@ -8941,7 +8941,7 @@
           <p:cNvPr id="162" name="Прямоугольник 161">
             <a:extLst>
               <a:ext uri="{FF2B5EF4-FFF2-40B4-BE49-F238E27FC236}">
-                <a16:creationId xmlns="" xmlns:a16="http://schemas.microsoft.com/office/drawing/2014/main" id="{D21D4960-F203-4755-9FED-7CFC800F902A}"/>
+                <a16:creationId xmlns:a16="http://schemas.microsoft.com/office/drawing/2014/main" xmlns="" id="{D21D4960-F203-4755-9FED-7CFC800F902A}"/>
               </a:ext>
             </a:extLst>
           </p:cNvPr>
@@ -9023,7 +9023,7 @@
           <p:cNvPr id="163" name="Прямоугольник 162">
             <a:extLst>
               <a:ext uri="{FF2B5EF4-FFF2-40B4-BE49-F238E27FC236}">
-                <a16:creationId xmlns="" xmlns:a16="http://schemas.microsoft.com/office/drawing/2014/main" id="{BD849E57-A12E-42AE-AA12-4FB9BA687E1A}"/>
+                <a16:creationId xmlns:a16="http://schemas.microsoft.com/office/drawing/2014/main" xmlns="" id="{BD849E57-A12E-42AE-AA12-4FB9BA687E1A}"/>
               </a:ext>
             </a:extLst>
           </p:cNvPr>
@@ -9100,7 +9100,7 @@
           <p:cNvPr id="164" name="Прямая со стрелкой 163">
             <a:extLst>
               <a:ext uri="{FF2B5EF4-FFF2-40B4-BE49-F238E27FC236}">
-                <a16:creationId xmlns="" xmlns:a16="http://schemas.microsoft.com/office/drawing/2014/main" id="{B048244F-EB49-46C4-A9EC-3C9E6EB26FD0}"/>
+                <a16:creationId xmlns:a16="http://schemas.microsoft.com/office/drawing/2014/main" xmlns="" id="{B048244F-EB49-46C4-A9EC-3C9E6EB26FD0}"/>
               </a:ext>
             </a:extLst>
           </p:cNvPr>
@@ -9143,7 +9143,7 @@
           <p:cNvPr id="169" name="Соединительная линия уступом 903">
             <a:extLst>
               <a:ext uri="{FF2B5EF4-FFF2-40B4-BE49-F238E27FC236}">
-                <a16:creationId xmlns="" xmlns:a16="http://schemas.microsoft.com/office/drawing/2014/main" id="{3BF92898-1A8D-44CD-90AE-9ED96D3CC103}"/>
+                <a16:creationId xmlns:a16="http://schemas.microsoft.com/office/drawing/2014/main" xmlns="" id="{3BF92898-1A8D-44CD-90AE-9ED96D3CC103}"/>
               </a:ext>
             </a:extLst>
           </p:cNvPr>
@@ -9188,7 +9188,7 @@
           <p:cNvPr id="173" name="Соединительная линия уступом 903">
             <a:extLst>
               <a:ext uri="{FF2B5EF4-FFF2-40B4-BE49-F238E27FC236}">
-                <a16:creationId xmlns="" xmlns:a16="http://schemas.microsoft.com/office/drawing/2014/main" id="{EF7071D1-BE49-4A1B-8811-FFC6268219EF}"/>
+                <a16:creationId xmlns:a16="http://schemas.microsoft.com/office/drawing/2014/main" xmlns="" id="{EF7071D1-BE49-4A1B-8811-FFC6268219EF}"/>
               </a:ext>
             </a:extLst>
           </p:cNvPr>
@@ -9233,7 +9233,7 @@
           <p:cNvPr id="176" name="Соединительная линия уступом 903">
             <a:extLst>
               <a:ext uri="{FF2B5EF4-FFF2-40B4-BE49-F238E27FC236}">
-                <a16:creationId xmlns="" xmlns:a16="http://schemas.microsoft.com/office/drawing/2014/main" id="{30D330E8-189B-403C-83EF-0C1AB67953A6}"/>
+                <a16:creationId xmlns:a16="http://schemas.microsoft.com/office/drawing/2014/main" xmlns="" id="{30D330E8-189B-403C-83EF-0C1AB67953A6}"/>
               </a:ext>
             </a:extLst>
           </p:cNvPr>
@@ -9278,7 +9278,7 @@
           <p:cNvPr id="179" name="Соединительная линия уступом 903">
             <a:extLst>
               <a:ext uri="{FF2B5EF4-FFF2-40B4-BE49-F238E27FC236}">
-                <a16:creationId xmlns="" xmlns:a16="http://schemas.microsoft.com/office/drawing/2014/main" id="{1B345060-1C77-489A-A3B6-573436341CD2}"/>
+                <a16:creationId xmlns:a16="http://schemas.microsoft.com/office/drawing/2014/main" xmlns="" id="{1B345060-1C77-489A-A3B6-573436341CD2}"/>
               </a:ext>
             </a:extLst>
           </p:cNvPr>
@@ -9323,7 +9323,7 @@
           <p:cNvPr id="194" name="Соединительная линия уступом 903">
             <a:extLst>
               <a:ext uri="{FF2B5EF4-FFF2-40B4-BE49-F238E27FC236}">
-                <a16:creationId xmlns="" xmlns:a16="http://schemas.microsoft.com/office/drawing/2014/main" id="{47EFD662-D8F0-4D46-B8BE-62DAF2481AC2}"/>
+                <a16:creationId xmlns:a16="http://schemas.microsoft.com/office/drawing/2014/main" xmlns="" id="{47EFD662-D8F0-4D46-B8BE-62DAF2481AC2}"/>
               </a:ext>
             </a:extLst>
           </p:cNvPr>
@@ -9368,7 +9368,7 @@
           <p:cNvPr id="197" name="Соединительная линия уступом 903">
             <a:extLst>
               <a:ext uri="{FF2B5EF4-FFF2-40B4-BE49-F238E27FC236}">
-                <a16:creationId xmlns="" xmlns:a16="http://schemas.microsoft.com/office/drawing/2014/main" id="{42EC46F3-1198-439C-9201-297275403091}"/>
+                <a16:creationId xmlns:a16="http://schemas.microsoft.com/office/drawing/2014/main" xmlns="" id="{42EC46F3-1198-439C-9201-297275403091}"/>
               </a:ext>
             </a:extLst>
           </p:cNvPr>
@@ -9413,7 +9413,7 @@
           <p:cNvPr id="200" name="Прямая со стрелкой 199">
             <a:extLst>
               <a:ext uri="{FF2B5EF4-FFF2-40B4-BE49-F238E27FC236}">
-                <a16:creationId xmlns="" xmlns:a16="http://schemas.microsoft.com/office/drawing/2014/main" id="{C65B3E6E-D325-417D-A60E-CBAC49A6F0BD}"/>
+                <a16:creationId xmlns:a16="http://schemas.microsoft.com/office/drawing/2014/main" xmlns="" id="{C65B3E6E-D325-417D-A60E-CBAC49A6F0BD}"/>
               </a:ext>
             </a:extLst>
           </p:cNvPr>
@@ -9456,7 +9456,7 @@
           <p:cNvPr id="203" name="Прямая со стрелкой 202">
             <a:extLst>
               <a:ext uri="{FF2B5EF4-FFF2-40B4-BE49-F238E27FC236}">
-                <a16:creationId xmlns="" xmlns:a16="http://schemas.microsoft.com/office/drawing/2014/main" id="{D3A51449-15E2-4BEA-88A5-B2691A1B3690}"/>
+                <a16:creationId xmlns:a16="http://schemas.microsoft.com/office/drawing/2014/main" xmlns="" id="{D3A51449-15E2-4BEA-88A5-B2691A1B3690}"/>
               </a:ext>
             </a:extLst>
           </p:cNvPr>
@@ -9499,7 +9499,7 @@
           <p:cNvPr id="206" name="Прямая со стрелкой 205">
             <a:extLst>
               <a:ext uri="{FF2B5EF4-FFF2-40B4-BE49-F238E27FC236}">
-                <a16:creationId xmlns="" xmlns:a16="http://schemas.microsoft.com/office/drawing/2014/main" id="{AFD4E665-A61D-46C2-A133-3412690F30F3}"/>
+                <a16:creationId xmlns:a16="http://schemas.microsoft.com/office/drawing/2014/main" xmlns="" id="{AFD4E665-A61D-46C2-A133-3412690F30F3}"/>
               </a:ext>
             </a:extLst>
           </p:cNvPr>
@@ -9542,7 +9542,7 @@
           <p:cNvPr id="209" name="Прямая со стрелкой 208">
             <a:extLst>
               <a:ext uri="{FF2B5EF4-FFF2-40B4-BE49-F238E27FC236}">
-                <a16:creationId xmlns="" xmlns:a16="http://schemas.microsoft.com/office/drawing/2014/main" id="{6B358EC7-E053-4570-B92E-4C044AC26D2C}"/>
+                <a16:creationId xmlns:a16="http://schemas.microsoft.com/office/drawing/2014/main" xmlns="" id="{6B358EC7-E053-4570-B92E-4C044AC26D2C}"/>
               </a:ext>
             </a:extLst>
           </p:cNvPr>
@@ -9585,7 +9585,7 @@
           <p:cNvPr id="212" name="Прямая со стрелкой 211">
             <a:extLst>
               <a:ext uri="{FF2B5EF4-FFF2-40B4-BE49-F238E27FC236}">
-                <a16:creationId xmlns="" xmlns:a16="http://schemas.microsoft.com/office/drawing/2014/main" id="{929707B4-0ED3-4FF6-B9DB-8E849B5466B2}"/>
+                <a16:creationId xmlns:a16="http://schemas.microsoft.com/office/drawing/2014/main" xmlns="" id="{929707B4-0ED3-4FF6-B9DB-8E849B5466B2}"/>
               </a:ext>
             </a:extLst>
           </p:cNvPr>
@@ -9628,7 +9628,7 @@
           <p:cNvPr id="215" name="Прямая со стрелкой 214">
             <a:extLst>
               <a:ext uri="{FF2B5EF4-FFF2-40B4-BE49-F238E27FC236}">
-                <a16:creationId xmlns="" xmlns:a16="http://schemas.microsoft.com/office/drawing/2014/main" id="{3763D6CD-8165-4195-A229-9E111149C4E6}"/>
+                <a16:creationId xmlns:a16="http://schemas.microsoft.com/office/drawing/2014/main" xmlns="" id="{3763D6CD-8165-4195-A229-9E111149C4E6}"/>
               </a:ext>
             </a:extLst>
           </p:cNvPr>
@@ -9671,7 +9671,7 @@
           <p:cNvPr id="226" name="Прямоугольник 225">
             <a:extLst>
               <a:ext uri="{FF2B5EF4-FFF2-40B4-BE49-F238E27FC236}">
-                <a16:creationId xmlns="" xmlns:a16="http://schemas.microsoft.com/office/drawing/2014/main" id="{8F90957D-3F70-4F7D-A50B-157EE934D6F5}"/>
+                <a16:creationId xmlns:a16="http://schemas.microsoft.com/office/drawing/2014/main" xmlns="" id="{8F90957D-3F70-4F7D-A50B-157EE934D6F5}"/>
               </a:ext>
             </a:extLst>
           </p:cNvPr>
@@ -9721,7 +9721,7 @@
           <p:cNvPr id="227" name="Прямоугольник 226">
             <a:extLst>
               <a:ext uri="{FF2B5EF4-FFF2-40B4-BE49-F238E27FC236}">
-                <a16:creationId xmlns="" xmlns:a16="http://schemas.microsoft.com/office/drawing/2014/main" id="{77B2829B-9A73-48A5-B93C-36696747ADD9}"/>
+                <a16:creationId xmlns:a16="http://schemas.microsoft.com/office/drawing/2014/main" xmlns="" id="{77B2829B-9A73-48A5-B93C-36696747ADD9}"/>
               </a:ext>
             </a:extLst>
           </p:cNvPr>
@@ -9851,7 +9851,7 @@
           <p:cNvPr id="231" name="Соединительная линия уступом 903">
             <a:extLst>
               <a:ext uri="{FF2B5EF4-FFF2-40B4-BE49-F238E27FC236}">
-                <a16:creationId xmlns="" xmlns:a16="http://schemas.microsoft.com/office/drawing/2014/main" id="{4F66CE16-F4D4-4BEA-B35B-7CA503F701C0}"/>
+                <a16:creationId xmlns:a16="http://schemas.microsoft.com/office/drawing/2014/main" xmlns="" id="{4F66CE16-F4D4-4BEA-B35B-7CA503F701C0}"/>
               </a:ext>
             </a:extLst>
           </p:cNvPr>
@@ -9896,7 +9896,7 @@
           <p:cNvPr id="238" name="Прямая соединительная линия 237">
             <a:extLst>
               <a:ext uri="{FF2B5EF4-FFF2-40B4-BE49-F238E27FC236}">
-                <a16:creationId xmlns="" xmlns:a16="http://schemas.microsoft.com/office/drawing/2014/main" id="{FD347516-2278-4B85-B9D1-D49EF200F440}"/>
+                <a16:creationId xmlns:a16="http://schemas.microsoft.com/office/drawing/2014/main" xmlns="" id="{FD347516-2278-4B85-B9D1-D49EF200F440}"/>
               </a:ext>
             </a:extLst>
           </p:cNvPr>
@@ -9941,7 +9941,7 @@
           <p:cNvPr id="266" name="Соединительная линия уступом 903">
             <a:extLst>
               <a:ext uri="{FF2B5EF4-FFF2-40B4-BE49-F238E27FC236}">
-                <a16:creationId xmlns="" xmlns:a16="http://schemas.microsoft.com/office/drawing/2014/main" id="{FD352671-4213-4DF2-A335-A0D96AEF3058}"/>
+                <a16:creationId xmlns:a16="http://schemas.microsoft.com/office/drawing/2014/main" xmlns="" id="{FD352671-4213-4DF2-A335-A0D96AEF3058}"/>
               </a:ext>
             </a:extLst>
           </p:cNvPr>
@@ -9986,7 +9986,7 @@
           <p:cNvPr id="270" name="Прямоугольник 269">
             <a:extLst>
               <a:ext uri="{FF2B5EF4-FFF2-40B4-BE49-F238E27FC236}">
-                <a16:creationId xmlns="" xmlns:a16="http://schemas.microsoft.com/office/drawing/2014/main" id="{A5342E2A-ECF3-4482-981E-FB362358AC03}"/>
+                <a16:creationId xmlns:a16="http://schemas.microsoft.com/office/drawing/2014/main" xmlns="" id="{A5342E2A-ECF3-4482-981E-FB362358AC03}"/>
               </a:ext>
             </a:extLst>
           </p:cNvPr>
@@ -10044,7 +10044,7 @@
           <p:cNvPr id="271" name="Прямая соединительная линия 270">
             <a:extLst>
               <a:ext uri="{FF2B5EF4-FFF2-40B4-BE49-F238E27FC236}">
-                <a16:creationId xmlns="" xmlns:a16="http://schemas.microsoft.com/office/drawing/2014/main" id="{A658E4AD-DAE9-412E-8260-CC41A0C2A1E1}"/>
+                <a16:creationId xmlns:a16="http://schemas.microsoft.com/office/drawing/2014/main" xmlns="" id="{A658E4AD-DAE9-412E-8260-CC41A0C2A1E1}"/>
               </a:ext>
             </a:extLst>
           </p:cNvPr>
@@ -10089,7 +10089,7 @@
           <p:cNvPr id="279" name="Соединительная линия уступом 903">
             <a:extLst>
               <a:ext uri="{FF2B5EF4-FFF2-40B4-BE49-F238E27FC236}">
-                <a16:creationId xmlns="" xmlns:a16="http://schemas.microsoft.com/office/drawing/2014/main" id="{572840DF-3EA8-46E1-931A-FA2FFC7D98A4}"/>
+                <a16:creationId xmlns:a16="http://schemas.microsoft.com/office/drawing/2014/main" xmlns="" id="{572840DF-3EA8-46E1-931A-FA2FFC7D98A4}"/>
               </a:ext>
             </a:extLst>
           </p:cNvPr>
@@ -10134,7 +10134,7 @@
           <p:cNvPr id="286" name="Соединительная линия уступом 903">
             <a:extLst>
               <a:ext uri="{FF2B5EF4-FFF2-40B4-BE49-F238E27FC236}">
-                <a16:creationId xmlns="" xmlns:a16="http://schemas.microsoft.com/office/drawing/2014/main" id="{576D432B-14DD-4A6D-AB31-394D7535A00A}"/>
+                <a16:creationId xmlns:a16="http://schemas.microsoft.com/office/drawing/2014/main" xmlns="" id="{576D432B-14DD-4A6D-AB31-394D7535A00A}"/>
               </a:ext>
             </a:extLst>
           </p:cNvPr>
@@ -10179,7 +10179,7 @@
           <p:cNvPr id="295" name="Соединительная линия уступом 903">
             <a:extLst>
               <a:ext uri="{FF2B5EF4-FFF2-40B4-BE49-F238E27FC236}">
-                <a16:creationId xmlns="" xmlns:a16="http://schemas.microsoft.com/office/drawing/2014/main" id="{2A1524CC-F749-457E-8785-AFB89CF85AC6}"/>
+                <a16:creationId xmlns:a16="http://schemas.microsoft.com/office/drawing/2014/main" xmlns="" id="{2A1524CC-F749-457E-8785-AFB89CF85AC6}"/>
               </a:ext>
             </a:extLst>
           </p:cNvPr>
@@ -10225,7 +10225,7 @@
           <p:cNvPr id="298" name="Соединительная линия уступом 903">
             <a:extLst>
               <a:ext uri="{FF2B5EF4-FFF2-40B4-BE49-F238E27FC236}">
-                <a16:creationId xmlns="" xmlns:a16="http://schemas.microsoft.com/office/drawing/2014/main" id="{034CF559-3849-42CF-A3F3-E3159A936C70}"/>
+                <a16:creationId xmlns:a16="http://schemas.microsoft.com/office/drawing/2014/main" xmlns="" id="{034CF559-3849-42CF-A3F3-E3159A936C70}"/>
               </a:ext>
             </a:extLst>
           </p:cNvPr>
@@ -10271,7 +10271,7 @@
           <p:cNvPr id="301" name="Соединительная линия уступом 903">
             <a:extLst>
               <a:ext uri="{FF2B5EF4-FFF2-40B4-BE49-F238E27FC236}">
-                <a16:creationId xmlns="" xmlns:a16="http://schemas.microsoft.com/office/drawing/2014/main" id="{7672BA52-6BCF-494F-8AA2-A64772CE3CC0}"/>
+                <a16:creationId xmlns:a16="http://schemas.microsoft.com/office/drawing/2014/main" xmlns="" id="{7672BA52-6BCF-494F-8AA2-A64772CE3CC0}"/>
               </a:ext>
             </a:extLst>
           </p:cNvPr>
@@ -10317,7 +10317,7 @@
           <p:cNvPr id="304" name="Прямоугольник 303">
             <a:extLst>
               <a:ext uri="{FF2B5EF4-FFF2-40B4-BE49-F238E27FC236}">
-                <a16:creationId xmlns="" xmlns:a16="http://schemas.microsoft.com/office/drawing/2014/main" id="{5A90479D-BFEC-4250-A8B4-175610005B0C}"/>
+                <a16:creationId xmlns:a16="http://schemas.microsoft.com/office/drawing/2014/main" xmlns="" id="{5A90479D-BFEC-4250-A8B4-175610005B0C}"/>
               </a:ext>
             </a:extLst>
           </p:cNvPr>
@@ -10376,7 +10376,7 @@
           <p:cNvPr id="305" name="Прямоугольник 304">
             <a:extLst>
               <a:ext uri="{FF2B5EF4-FFF2-40B4-BE49-F238E27FC236}">
-                <a16:creationId xmlns="" xmlns:a16="http://schemas.microsoft.com/office/drawing/2014/main" id="{73C6584F-AB91-413A-9C68-4ACD181B75C0}"/>
+                <a16:creationId xmlns:a16="http://schemas.microsoft.com/office/drawing/2014/main" xmlns="" id="{73C6584F-AB91-413A-9C68-4ACD181B75C0}"/>
               </a:ext>
             </a:extLst>
           </p:cNvPr>
@@ -10435,7 +10435,7 @@
           <p:cNvPr id="306" name="Соединительная линия уступом 903">
             <a:extLst>
               <a:ext uri="{FF2B5EF4-FFF2-40B4-BE49-F238E27FC236}">
-                <a16:creationId xmlns="" xmlns:a16="http://schemas.microsoft.com/office/drawing/2014/main" id="{8BEF26C8-19FF-4ACF-94F5-4225C4EB8246}"/>
+                <a16:creationId xmlns:a16="http://schemas.microsoft.com/office/drawing/2014/main" xmlns="" id="{8BEF26C8-19FF-4ACF-94F5-4225C4EB8246}"/>
               </a:ext>
             </a:extLst>
           </p:cNvPr>
@@ -10480,7 +10480,7 @@
           <p:cNvPr id="312" name="Соединительная линия уступом 903">
             <a:extLst>
               <a:ext uri="{FF2B5EF4-FFF2-40B4-BE49-F238E27FC236}">
-                <a16:creationId xmlns="" xmlns:a16="http://schemas.microsoft.com/office/drawing/2014/main" id="{07137075-E005-4218-9DD1-C16A5EBE52A6}"/>
+                <a16:creationId xmlns:a16="http://schemas.microsoft.com/office/drawing/2014/main" xmlns="" id="{07137075-E005-4218-9DD1-C16A5EBE52A6}"/>
               </a:ext>
             </a:extLst>
           </p:cNvPr>
@@ -10525,7 +10525,7 @@
           <p:cNvPr id="130" name="Прямоугольник 129">
             <a:extLst>
               <a:ext uri="{FF2B5EF4-FFF2-40B4-BE49-F238E27FC236}">
-                <a16:creationId xmlns="" xmlns:a16="http://schemas.microsoft.com/office/drawing/2014/main" id="{ABFF5B51-3609-4286-A116-20D114007F6D}"/>
+                <a16:creationId xmlns:a16="http://schemas.microsoft.com/office/drawing/2014/main" xmlns="" id="{ABFF5B51-3609-4286-A116-20D114007F6D}"/>
               </a:ext>
             </a:extLst>
           </p:cNvPr>
@@ -10584,7 +10584,7 @@
           <p:cNvPr id="132" name="Прямоугольник 131">
             <a:extLst>
               <a:ext uri="{FF2B5EF4-FFF2-40B4-BE49-F238E27FC236}">
-                <a16:creationId xmlns="" xmlns:a16="http://schemas.microsoft.com/office/drawing/2014/main" id="{42471CBD-413A-4A3C-B6F6-DCD88E55B78D}"/>
+                <a16:creationId xmlns:a16="http://schemas.microsoft.com/office/drawing/2014/main" xmlns="" id="{42471CBD-413A-4A3C-B6F6-DCD88E55B78D}"/>
               </a:ext>
             </a:extLst>
           </p:cNvPr>
@@ -10634,7 +10634,7 @@
           <p:cNvPr id="133" name="Прямоугольник 132">
             <a:extLst>
               <a:ext uri="{FF2B5EF4-FFF2-40B4-BE49-F238E27FC236}">
-                <a16:creationId xmlns="" xmlns:a16="http://schemas.microsoft.com/office/drawing/2014/main" id="{5A02DB7D-6E57-4AEF-9913-B75B2F02E27D}"/>
+                <a16:creationId xmlns:a16="http://schemas.microsoft.com/office/drawing/2014/main" xmlns="" id="{5A02DB7D-6E57-4AEF-9913-B75B2F02E27D}"/>
               </a:ext>
             </a:extLst>
           </p:cNvPr>
@@ -10689,7 +10689,7 @@
           <p:cNvPr id="135" name="Прямоугольник 134">
             <a:extLst>
               <a:ext uri="{FF2B5EF4-FFF2-40B4-BE49-F238E27FC236}">
-                <a16:creationId xmlns="" xmlns:a16="http://schemas.microsoft.com/office/drawing/2014/main" id="{D80463F0-008D-4836-8F9E-3D2D6E66AB47}"/>
+                <a16:creationId xmlns:a16="http://schemas.microsoft.com/office/drawing/2014/main" xmlns="" id="{D80463F0-008D-4836-8F9E-3D2D6E66AB47}"/>
               </a:ext>
             </a:extLst>
           </p:cNvPr>
@@ -10744,7 +10744,7 @@
           <p:cNvPr id="136" name="Прямоугольник 135">
             <a:extLst>
               <a:ext uri="{FF2B5EF4-FFF2-40B4-BE49-F238E27FC236}">
-                <a16:creationId xmlns="" xmlns:a16="http://schemas.microsoft.com/office/drawing/2014/main" id="{C758B007-0C96-4689-82E4-6C593885F846}"/>
+                <a16:creationId xmlns:a16="http://schemas.microsoft.com/office/drawing/2014/main" xmlns="" id="{C758B007-0C96-4689-82E4-6C593885F846}"/>
               </a:ext>
             </a:extLst>
           </p:cNvPr>
@@ -10811,7 +10811,7 @@
           <p:cNvPr id="139" name="Прямоугольник 138">
             <a:extLst>
               <a:ext uri="{FF2B5EF4-FFF2-40B4-BE49-F238E27FC236}">
-                <a16:creationId xmlns="" xmlns:a16="http://schemas.microsoft.com/office/drawing/2014/main" id="{2772F863-F97F-446C-9EF5-E9FBA76BA105}"/>
+                <a16:creationId xmlns:a16="http://schemas.microsoft.com/office/drawing/2014/main" xmlns="" id="{2772F863-F97F-446C-9EF5-E9FBA76BA105}"/>
               </a:ext>
             </a:extLst>
           </p:cNvPr>
@@ -10865,7 +10865,7 @@
           <p:cNvPr id="140" name="Прямая со стрелкой 139">
             <a:extLst>
               <a:ext uri="{FF2B5EF4-FFF2-40B4-BE49-F238E27FC236}">
-                <a16:creationId xmlns="" xmlns:a16="http://schemas.microsoft.com/office/drawing/2014/main" id="{B3FCE5AB-B549-43E5-94DB-B0838C67B62E}"/>
+                <a16:creationId xmlns:a16="http://schemas.microsoft.com/office/drawing/2014/main" xmlns="" id="{B3FCE5AB-B549-43E5-94DB-B0838C67B62E}"/>
               </a:ext>
             </a:extLst>
           </p:cNvPr>
@@ -10908,7 +10908,7 @@
           <p:cNvPr id="142" name="Прямая со стрелкой 141">
             <a:extLst>
               <a:ext uri="{FF2B5EF4-FFF2-40B4-BE49-F238E27FC236}">
-                <a16:creationId xmlns="" xmlns:a16="http://schemas.microsoft.com/office/drawing/2014/main" id="{6DB489FB-B7F5-4424-8C73-6D37DF418426}"/>
+                <a16:creationId xmlns:a16="http://schemas.microsoft.com/office/drawing/2014/main" xmlns="" id="{6DB489FB-B7F5-4424-8C73-6D37DF418426}"/>
               </a:ext>
             </a:extLst>
           </p:cNvPr>
@@ -10951,7 +10951,7 @@
           <p:cNvPr id="143" name="Прямоугольник 142">
             <a:extLst>
               <a:ext uri="{FF2B5EF4-FFF2-40B4-BE49-F238E27FC236}">
-                <a16:creationId xmlns="" xmlns:a16="http://schemas.microsoft.com/office/drawing/2014/main" id="{D8560F03-D7E5-4EAE-8AB6-25DD52B13299}"/>
+                <a16:creationId xmlns:a16="http://schemas.microsoft.com/office/drawing/2014/main" xmlns="" id="{D8560F03-D7E5-4EAE-8AB6-25DD52B13299}"/>
               </a:ext>
             </a:extLst>
           </p:cNvPr>
@@ -11026,7 +11026,7 @@
           <p:cNvPr id="145" name="Прямоугольник 144">
             <a:extLst>
               <a:ext uri="{FF2B5EF4-FFF2-40B4-BE49-F238E27FC236}">
-                <a16:creationId xmlns="" xmlns:a16="http://schemas.microsoft.com/office/drawing/2014/main" id="{9B2FDAB2-B211-4434-9C5B-E5DF44A10A33}"/>
+                <a16:creationId xmlns:a16="http://schemas.microsoft.com/office/drawing/2014/main" xmlns="" id="{9B2FDAB2-B211-4434-9C5B-E5DF44A10A33}"/>
               </a:ext>
             </a:extLst>
           </p:cNvPr>
@@ -11156,7 +11156,7 @@
           <p:cNvPr id="146" name="Соединительная линия уступом 903">
             <a:extLst>
               <a:ext uri="{FF2B5EF4-FFF2-40B4-BE49-F238E27FC236}">
-                <a16:creationId xmlns="" xmlns:a16="http://schemas.microsoft.com/office/drawing/2014/main" id="{7F2B1BD7-0FDF-4BD9-834C-72911F99D650}"/>
+                <a16:creationId xmlns:a16="http://schemas.microsoft.com/office/drawing/2014/main" xmlns="" id="{7F2B1BD7-0FDF-4BD9-834C-72911F99D650}"/>
               </a:ext>
             </a:extLst>
           </p:cNvPr>
@@ -11201,7 +11201,7 @@
           <p:cNvPr id="148" name="Прямоугольник 147">
             <a:extLst>
               <a:ext uri="{FF2B5EF4-FFF2-40B4-BE49-F238E27FC236}">
-                <a16:creationId xmlns="" xmlns:a16="http://schemas.microsoft.com/office/drawing/2014/main" id="{5F0353F8-E21C-4F18-BE59-BB22D272D767}"/>
+                <a16:creationId xmlns:a16="http://schemas.microsoft.com/office/drawing/2014/main" xmlns="" id="{5F0353F8-E21C-4F18-BE59-BB22D272D767}"/>
               </a:ext>
             </a:extLst>
           </p:cNvPr>
@@ -11259,7 +11259,7 @@
           <p:cNvPr id="149" name="Прямоугольник 148">
             <a:extLst>
               <a:ext uri="{FF2B5EF4-FFF2-40B4-BE49-F238E27FC236}">
-                <a16:creationId xmlns="" xmlns:a16="http://schemas.microsoft.com/office/drawing/2014/main" id="{4A8FCB66-A700-49E8-963C-C94CA0CCF5FD}"/>
+                <a16:creationId xmlns:a16="http://schemas.microsoft.com/office/drawing/2014/main" xmlns="" id="{4A8FCB66-A700-49E8-963C-C94CA0CCF5FD}"/>
               </a:ext>
             </a:extLst>
           </p:cNvPr>
@@ -11350,7 +11350,7 @@
           <p:cNvPr id="151" name="Прямоугольник 150">
             <a:extLst>
               <a:ext uri="{FF2B5EF4-FFF2-40B4-BE49-F238E27FC236}">
-                <a16:creationId xmlns="" xmlns:a16="http://schemas.microsoft.com/office/drawing/2014/main" id="{42471CBD-413A-4A3C-B6F6-DCD88E55B78D}"/>
+                <a16:creationId xmlns:a16="http://schemas.microsoft.com/office/drawing/2014/main" xmlns="" id="{42471CBD-413A-4A3C-B6F6-DCD88E55B78D}"/>
               </a:ext>
             </a:extLst>
           </p:cNvPr>
@@ -11389,66 +11389,11 @@
             <a:pPr algn="ctr"/>
             <a:r>
               <a:rPr lang="ru-RU" sz="700" dirty="0"/>
-              <a:t>Международный университет сельского хозяйства и </a:t>
+              <a:t>Международный университет сельского хозяйства </a:t>
             </a:r>
             <a:r>
               <a:rPr lang="ru-RU" sz="700" dirty="0" smtClean="0"/>
-              <a:t>животноводства</a:t>
-            </a:r>
-            <a:r>
-              <a:rPr lang="en-US" sz="700" dirty="0" smtClean="0"/>
-              <a:t> </a:t>
-            </a:r>
-            <a:br>
-              <a:rPr lang="en-US" sz="700" dirty="0" smtClean="0"/>
-            </a:br>
-            <a:r>
-              <a:rPr lang="en-US" sz="100" dirty="0" smtClean="0"/>
-              <a:t>( 1951 </a:t>
-            </a:r>
-            <a:r>
-              <a:rPr lang="ru-RU" sz="100" dirty="0" smtClean="0"/>
-              <a:t>Международный </a:t>
-            </a:r>
-            <a:r>
-              <a:rPr lang="ru-RU" sz="100" dirty="0"/>
-              <a:t>университет сельского хозяйства и животноводства (UNIAG) — учебное заведение. UNIAG располагается в городе Манагуа, Никарагуа. UNIAG входит в </a:t>
-            </a:r>
-            <a:r>
-              <a:rPr lang="ru-RU" sz="100" dirty="0" err="1"/>
-              <a:t>Consejo</a:t>
-            </a:r>
-            <a:r>
-              <a:rPr lang="ru-RU" sz="100" dirty="0"/>
-              <a:t> </a:t>
-            </a:r>
-            <a:r>
-              <a:rPr lang="ru-RU" sz="100" dirty="0" err="1"/>
-              <a:t>Nacional</a:t>
-            </a:r>
-            <a:r>
-              <a:rPr lang="ru-RU" sz="100" dirty="0"/>
-              <a:t> </a:t>
-            </a:r>
-            <a:r>
-              <a:rPr lang="ru-RU" sz="100" dirty="0" err="1"/>
-              <a:t>de</a:t>
-            </a:r>
-            <a:r>
-              <a:rPr lang="ru-RU" sz="100" dirty="0"/>
-              <a:t> </a:t>
-            </a:r>
-            <a:r>
-              <a:rPr lang="ru-RU" sz="100" dirty="0" err="1"/>
-              <a:t>Universidades</a:t>
-            </a:r>
-            <a:r>
-              <a:rPr lang="ru-RU" sz="100" dirty="0"/>
-              <a:t>.</a:t>
-            </a:r>
-            <a:r>
-              <a:rPr lang="en-US" sz="100" dirty="0" smtClean="0"/>
-              <a:t>)</a:t>
+              <a:t>и животноводства</a:t>
             </a:r>
             <a:endParaRPr lang="ru-RU" sz="100" dirty="0"/>
           </a:p>
@@ -11459,7 +11404,7 @@
           <p:cNvPr id="152" name="Прямоугольник 151">
             <a:extLst>
               <a:ext uri="{FF2B5EF4-FFF2-40B4-BE49-F238E27FC236}">
-                <a16:creationId xmlns="" xmlns:a16="http://schemas.microsoft.com/office/drawing/2014/main" id="{29CBE310-5100-413A-B4C1-EA4E28F411B1}"/>
+                <a16:creationId xmlns:a16="http://schemas.microsoft.com/office/drawing/2014/main" xmlns="" id="{29CBE310-5100-413A-B4C1-EA4E28F411B1}"/>
               </a:ext>
             </a:extLst>
           </p:cNvPr>
@@ -11513,7 +11458,7 @@
           <p:cNvPr id="154" name="Соединительная линия уступом 903">
             <a:extLst>
               <a:ext uri="{FF2B5EF4-FFF2-40B4-BE49-F238E27FC236}">
-                <a16:creationId xmlns="" xmlns:a16="http://schemas.microsoft.com/office/drawing/2014/main" id="{BDC7F8CB-0052-4FAE-993D-F1332955CF43}"/>
+                <a16:creationId xmlns:a16="http://schemas.microsoft.com/office/drawing/2014/main" xmlns="" id="{BDC7F8CB-0052-4FAE-993D-F1332955CF43}"/>
               </a:ext>
             </a:extLst>
           </p:cNvPr>
@@ -11558,7 +11503,7 @@
           <p:cNvPr id="155" name="Соединительная линия уступом 903">
             <a:extLst>
               <a:ext uri="{FF2B5EF4-FFF2-40B4-BE49-F238E27FC236}">
-                <a16:creationId xmlns="" xmlns:a16="http://schemas.microsoft.com/office/drawing/2014/main" id="{BDC7F8CB-0052-4FAE-993D-F1332955CF43}"/>
+                <a16:creationId xmlns:a16="http://schemas.microsoft.com/office/drawing/2014/main" xmlns="" id="{BDC7F8CB-0052-4FAE-993D-F1332955CF43}"/>
               </a:ext>
             </a:extLst>
           </p:cNvPr>
@@ -11603,7 +11548,7 @@
           <p:cNvPr id="159" name="Соединительная линия уступом 903">
             <a:extLst>
               <a:ext uri="{FF2B5EF4-FFF2-40B4-BE49-F238E27FC236}">
-                <a16:creationId xmlns="" xmlns:a16="http://schemas.microsoft.com/office/drawing/2014/main" id="{BDC7F8CB-0052-4FAE-993D-F1332955CF43}"/>
+                <a16:creationId xmlns:a16="http://schemas.microsoft.com/office/drawing/2014/main" xmlns="" id="{BDC7F8CB-0052-4FAE-993D-F1332955CF43}"/>
               </a:ext>
             </a:extLst>
           </p:cNvPr>
@@ -11648,7 +11593,7 @@
           <p:cNvPr id="160" name="Соединительная линия уступом 903">
             <a:extLst>
               <a:ext uri="{FF2B5EF4-FFF2-40B4-BE49-F238E27FC236}">
-                <a16:creationId xmlns="" xmlns:a16="http://schemas.microsoft.com/office/drawing/2014/main" id="{BDC7F8CB-0052-4FAE-993D-F1332955CF43}"/>
+                <a16:creationId xmlns:a16="http://schemas.microsoft.com/office/drawing/2014/main" xmlns="" id="{BDC7F8CB-0052-4FAE-993D-F1332955CF43}"/>
               </a:ext>
             </a:extLst>
           </p:cNvPr>
@@ -11693,7 +11638,7 @@
           <p:cNvPr id="161" name="Соединительная линия уступом 903">
             <a:extLst>
               <a:ext uri="{FF2B5EF4-FFF2-40B4-BE49-F238E27FC236}">
-                <a16:creationId xmlns="" xmlns:a16="http://schemas.microsoft.com/office/drawing/2014/main" id="{BDC7F8CB-0052-4FAE-993D-F1332955CF43}"/>
+                <a16:creationId xmlns:a16="http://schemas.microsoft.com/office/drawing/2014/main" xmlns="" id="{BDC7F8CB-0052-4FAE-993D-F1332955CF43}"/>
               </a:ext>
             </a:extLst>
           </p:cNvPr>
@@ -11738,7 +11683,7 @@
           <p:cNvPr id="165" name="Соединительная линия уступом 903">
             <a:extLst>
               <a:ext uri="{FF2B5EF4-FFF2-40B4-BE49-F238E27FC236}">
-                <a16:creationId xmlns="" xmlns:a16="http://schemas.microsoft.com/office/drawing/2014/main" id="{BDC7F8CB-0052-4FAE-993D-F1332955CF43}"/>
+                <a16:creationId xmlns:a16="http://schemas.microsoft.com/office/drawing/2014/main" xmlns="" id="{BDC7F8CB-0052-4FAE-993D-F1332955CF43}"/>
               </a:ext>
             </a:extLst>
           </p:cNvPr>
@@ -11783,7 +11728,7 @@
           <p:cNvPr id="166" name="Соединительная линия уступом 903">
             <a:extLst>
               <a:ext uri="{FF2B5EF4-FFF2-40B4-BE49-F238E27FC236}">
-                <a16:creationId xmlns="" xmlns:a16="http://schemas.microsoft.com/office/drawing/2014/main" id="{BDC7F8CB-0052-4FAE-993D-F1332955CF43}"/>
+                <a16:creationId xmlns:a16="http://schemas.microsoft.com/office/drawing/2014/main" xmlns="" id="{BDC7F8CB-0052-4FAE-993D-F1332955CF43}"/>
               </a:ext>
             </a:extLst>
           </p:cNvPr>
@@ -11828,7 +11773,7 @@
           <p:cNvPr id="167" name="Соединительная линия уступом 903">
             <a:extLst>
               <a:ext uri="{FF2B5EF4-FFF2-40B4-BE49-F238E27FC236}">
-                <a16:creationId xmlns="" xmlns:a16="http://schemas.microsoft.com/office/drawing/2014/main" id="{BDC7F8CB-0052-4FAE-993D-F1332955CF43}"/>
+                <a16:creationId xmlns:a16="http://schemas.microsoft.com/office/drawing/2014/main" xmlns="" id="{BDC7F8CB-0052-4FAE-993D-F1332955CF43}"/>
               </a:ext>
             </a:extLst>
           </p:cNvPr>
@@ -11873,7 +11818,7 @@
           <p:cNvPr id="184" name="Соединительная линия уступом 903">
             <a:extLst>
               <a:ext uri="{FF2B5EF4-FFF2-40B4-BE49-F238E27FC236}">
-                <a16:creationId xmlns="" xmlns:a16="http://schemas.microsoft.com/office/drawing/2014/main" id="{BDC7F8CB-0052-4FAE-993D-F1332955CF43}"/>
+                <a16:creationId xmlns:a16="http://schemas.microsoft.com/office/drawing/2014/main" xmlns="" id="{BDC7F8CB-0052-4FAE-993D-F1332955CF43}"/>
               </a:ext>
             </a:extLst>
           </p:cNvPr>
@@ -11918,7 +11863,7 @@
           <p:cNvPr id="187" name="Соединительная линия уступом 903">
             <a:extLst>
               <a:ext uri="{FF2B5EF4-FFF2-40B4-BE49-F238E27FC236}">
-                <a16:creationId xmlns="" xmlns:a16="http://schemas.microsoft.com/office/drawing/2014/main" id="{BDC7F8CB-0052-4FAE-993D-F1332955CF43}"/>
+                <a16:creationId xmlns:a16="http://schemas.microsoft.com/office/drawing/2014/main" xmlns="" id="{BDC7F8CB-0052-4FAE-993D-F1332955CF43}"/>
               </a:ext>
             </a:extLst>
           </p:cNvPr>
@@ -11963,7 +11908,7 @@
           <p:cNvPr id="191" name="Прямая со стрелкой 190">
             <a:extLst>
               <a:ext uri="{FF2B5EF4-FFF2-40B4-BE49-F238E27FC236}">
-                <a16:creationId xmlns="" xmlns:a16="http://schemas.microsoft.com/office/drawing/2014/main" id="{11E09268-6642-4446-BE40-6FEF2498A4ED}"/>
+                <a16:creationId xmlns:a16="http://schemas.microsoft.com/office/drawing/2014/main" xmlns="" id="{11E09268-6642-4446-BE40-6FEF2498A4ED}"/>
               </a:ext>
             </a:extLst>
           </p:cNvPr>
@@ -12045,7 +11990,7 @@
           <p:cNvPr id="211" name="Прямая со стрелкой 210">
             <a:extLst>
               <a:ext uri="{FF2B5EF4-FFF2-40B4-BE49-F238E27FC236}">
-                <a16:creationId xmlns="" xmlns:a16="http://schemas.microsoft.com/office/drawing/2014/main" id="{59266080-AC10-42CA-B68E-CEDF802FA3D3}"/>
+                <a16:creationId xmlns:a16="http://schemas.microsoft.com/office/drawing/2014/main" xmlns="" id="{59266080-AC10-42CA-B68E-CEDF802FA3D3}"/>
               </a:ext>
             </a:extLst>
           </p:cNvPr>
@@ -12089,7 +12034,7 @@
           <p:cNvPr id="214" name="Соединительная линия уступом 903">
             <a:extLst>
               <a:ext uri="{FF2B5EF4-FFF2-40B4-BE49-F238E27FC236}">
-                <a16:creationId xmlns="" xmlns:a16="http://schemas.microsoft.com/office/drawing/2014/main" id="{BDC7F8CB-0052-4FAE-993D-F1332955CF43}"/>
+                <a16:creationId xmlns:a16="http://schemas.microsoft.com/office/drawing/2014/main" xmlns="" id="{BDC7F8CB-0052-4FAE-993D-F1332955CF43}"/>
               </a:ext>
             </a:extLst>
           </p:cNvPr>
@@ -12135,7 +12080,7 @@
           <p:cNvPr id="217" name="Соединительная линия уступом 903">
             <a:extLst>
               <a:ext uri="{FF2B5EF4-FFF2-40B4-BE49-F238E27FC236}">
-                <a16:creationId xmlns="" xmlns:a16="http://schemas.microsoft.com/office/drawing/2014/main" id="{BDC7F8CB-0052-4FAE-993D-F1332955CF43}"/>
+                <a16:creationId xmlns:a16="http://schemas.microsoft.com/office/drawing/2014/main" xmlns="" id="{BDC7F8CB-0052-4FAE-993D-F1332955CF43}"/>
               </a:ext>
             </a:extLst>
           </p:cNvPr>
@@ -12181,7 +12126,7 @@
           <p:cNvPr id="221" name="Прямоугольник 220">
             <a:extLst>
               <a:ext uri="{FF2B5EF4-FFF2-40B4-BE49-F238E27FC236}">
-                <a16:creationId xmlns="" xmlns:a16="http://schemas.microsoft.com/office/drawing/2014/main" id="{D53819E8-2FF6-4FFA-A7E4-75D55AADB8B5}"/>
+                <a16:creationId xmlns:a16="http://schemas.microsoft.com/office/drawing/2014/main" xmlns="" id="{D53819E8-2FF6-4FFA-A7E4-75D55AADB8B5}"/>
               </a:ext>
             </a:extLst>
           </p:cNvPr>
@@ -12259,7 +12204,7 @@
           <p:cNvPr id="225" name="Соединительная линия уступом 903">
             <a:extLst>
               <a:ext uri="{FF2B5EF4-FFF2-40B4-BE49-F238E27FC236}">
-                <a16:creationId xmlns="" xmlns:a16="http://schemas.microsoft.com/office/drawing/2014/main" id="{BDC7F8CB-0052-4FAE-993D-F1332955CF43}"/>
+                <a16:creationId xmlns:a16="http://schemas.microsoft.com/office/drawing/2014/main" xmlns="" id="{BDC7F8CB-0052-4FAE-993D-F1332955CF43}"/>
               </a:ext>
             </a:extLst>
           </p:cNvPr>
@@ -12304,7 +12249,7 @@
           <p:cNvPr id="243" name="Прямоугольник 242">
             <a:extLst>
               <a:ext uri="{FF2B5EF4-FFF2-40B4-BE49-F238E27FC236}">
-                <a16:creationId xmlns="" xmlns:a16="http://schemas.microsoft.com/office/drawing/2014/main" id="{03F7D570-4EE1-495E-9294-D367F2E7763E}"/>
+                <a16:creationId xmlns:a16="http://schemas.microsoft.com/office/drawing/2014/main" xmlns="" id="{03F7D570-4EE1-495E-9294-D367F2E7763E}"/>
               </a:ext>
             </a:extLst>
           </p:cNvPr>
@@ -12642,7 +12587,7 @@
           <p:cNvPr id="168" name="Прямоугольник 167">
             <a:extLst>
               <a:ext uri="{FF2B5EF4-FFF2-40B4-BE49-F238E27FC236}">
-                <a16:creationId xmlns="" xmlns:a16="http://schemas.microsoft.com/office/drawing/2014/main" id="{29CBE310-5100-413A-B4C1-EA4E28F411B1}"/>
+                <a16:creationId xmlns:a16="http://schemas.microsoft.com/office/drawing/2014/main" xmlns="" id="{29CBE310-5100-413A-B4C1-EA4E28F411B1}"/>
               </a:ext>
             </a:extLst>
           </p:cNvPr>
@@ -12692,7 +12637,7 @@
           <p:cNvPr id="171" name="Прямоугольник 170">
             <a:extLst>
               <a:ext uri="{FF2B5EF4-FFF2-40B4-BE49-F238E27FC236}">
-                <a16:creationId xmlns="" xmlns:a16="http://schemas.microsoft.com/office/drawing/2014/main" id="{29CBE310-5100-413A-B4C1-EA4E28F411B1}"/>
+                <a16:creationId xmlns:a16="http://schemas.microsoft.com/office/drawing/2014/main" xmlns="" id="{29CBE310-5100-413A-B4C1-EA4E28F411B1}"/>
               </a:ext>
             </a:extLst>
           </p:cNvPr>
@@ -12750,7 +12695,7 @@
           <p:cNvPr id="172" name="Соединительная линия уступом 903">
             <a:extLst>
               <a:ext uri="{FF2B5EF4-FFF2-40B4-BE49-F238E27FC236}">
-                <a16:creationId xmlns="" xmlns:a16="http://schemas.microsoft.com/office/drawing/2014/main" id="{BDC7F8CB-0052-4FAE-993D-F1332955CF43}"/>
+                <a16:creationId xmlns:a16="http://schemas.microsoft.com/office/drawing/2014/main" xmlns="" id="{BDC7F8CB-0052-4FAE-993D-F1332955CF43}"/>
               </a:ext>
             </a:extLst>
           </p:cNvPr>
@@ -12795,7 +12740,7 @@
           <p:cNvPr id="177" name="Прямая со стрелкой 176">
             <a:extLst>
               <a:ext uri="{FF2B5EF4-FFF2-40B4-BE49-F238E27FC236}">
-                <a16:creationId xmlns="" xmlns:a16="http://schemas.microsoft.com/office/drawing/2014/main" id="{11E09268-6642-4446-BE40-6FEF2498A4ED}"/>
+                <a16:creationId xmlns:a16="http://schemas.microsoft.com/office/drawing/2014/main" xmlns="" id="{11E09268-6642-4446-BE40-6FEF2498A4ED}"/>
               </a:ext>
             </a:extLst>
           </p:cNvPr>
@@ -12838,7 +12783,7 @@
           <p:cNvPr id="180" name="Прямоугольник 179">
             <a:extLst>
               <a:ext uri="{FF2B5EF4-FFF2-40B4-BE49-F238E27FC236}">
-                <a16:creationId xmlns="" xmlns:a16="http://schemas.microsoft.com/office/drawing/2014/main" id="{8F90957D-3F70-4F7D-A50B-157EE934D6F5}"/>
+                <a16:creationId xmlns:a16="http://schemas.microsoft.com/office/drawing/2014/main" xmlns="" id="{8F90957D-3F70-4F7D-A50B-157EE934D6F5}"/>
               </a:ext>
             </a:extLst>
           </p:cNvPr>
@@ -12888,7 +12833,7 @@
           <p:cNvPr id="182" name="Соединительная линия уступом 903">
             <a:extLst>
               <a:ext uri="{FF2B5EF4-FFF2-40B4-BE49-F238E27FC236}">
-                <a16:creationId xmlns="" xmlns:a16="http://schemas.microsoft.com/office/drawing/2014/main" id="{BDC7F8CB-0052-4FAE-993D-F1332955CF43}"/>
+                <a16:creationId xmlns:a16="http://schemas.microsoft.com/office/drawing/2014/main" xmlns="" id="{BDC7F8CB-0052-4FAE-993D-F1332955CF43}"/>
               </a:ext>
             </a:extLst>
           </p:cNvPr>
@@ -12933,7 +12878,7 @@
           <p:cNvPr id="185" name="Прямоугольник 184">
             <a:extLst>
               <a:ext uri="{FF2B5EF4-FFF2-40B4-BE49-F238E27FC236}">
-                <a16:creationId xmlns="" xmlns:a16="http://schemas.microsoft.com/office/drawing/2014/main" id="{9C02A14C-DE5F-49AD-A4EE-A27966D0EFDC}"/>
+                <a16:creationId xmlns:a16="http://schemas.microsoft.com/office/drawing/2014/main" xmlns="" id="{9C02A14C-DE5F-49AD-A4EE-A27966D0EFDC}"/>
               </a:ext>
             </a:extLst>
           </p:cNvPr>
@@ -12991,7 +12936,7 @@
           <p:cNvPr id="186" name="Соединительная линия уступом 903">
             <a:extLst>
               <a:ext uri="{FF2B5EF4-FFF2-40B4-BE49-F238E27FC236}">
-                <a16:creationId xmlns="" xmlns:a16="http://schemas.microsoft.com/office/drawing/2014/main" id="{2A1524CC-F749-457E-8785-AFB89CF85AC6}"/>
+                <a16:creationId xmlns:a16="http://schemas.microsoft.com/office/drawing/2014/main" xmlns="" id="{2A1524CC-F749-457E-8785-AFB89CF85AC6}"/>
               </a:ext>
             </a:extLst>
           </p:cNvPr>
@@ -13037,7 +12982,7 @@
           <p:cNvPr id="190" name="Соединительная линия уступом 903">
             <a:extLst>
               <a:ext uri="{FF2B5EF4-FFF2-40B4-BE49-F238E27FC236}">
-                <a16:creationId xmlns="" xmlns:a16="http://schemas.microsoft.com/office/drawing/2014/main" id="{2A1524CC-F749-457E-8785-AFB89CF85AC6}"/>
+                <a16:creationId xmlns:a16="http://schemas.microsoft.com/office/drawing/2014/main" xmlns="" id="{2A1524CC-F749-457E-8785-AFB89CF85AC6}"/>
               </a:ext>
             </a:extLst>
           </p:cNvPr>
@@ -13083,7 +13028,7 @@
           <p:cNvPr id="195" name="Прямоугольник 194">
             <a:extLst>
               <a:ext uri="{FF2B5EF4-FFF2-40B4-BE49-F238E27FC236}">
-                <a16:creationId xmlns="" xmlns:a16="http://schemas.microsoft.com/office/drawing/2014/main" id="{5A90479D-BFEC-4250-A8B4-175610005B0C}"/>
+                <a16:creationId xmlns:a16="http://schemas.microsoft.com/office/drawing/2014/main" xmlns="" id="{5A90479D-BFEC-4250-A8B4-175610005B0C}"/>
               </a:ext>
             </a:extLst>
           </p:cNvPr>
@@ -13408,7 +13353,7 @@
   <a:extraClrSchemeLst/>
   <a:extLst>
     <a:ext uri="{05A4C25C-085E-4340-85A3-A5531E510DB2}">
-      <thm15:themeFamily xmlns="" xmlns:thm15="http://schemas.microsoft.com/office/thememl/2012/main" name="Office Theme" id="{62F939B6-93AF-4DB8-9C6B-D6C7DFDC589F}" vid="{4A3C46E8-61CC-4603-A589-7422A47A8E4A}"/>
+      <thm15:themeFamily xmlns:thm15="http://schemas.microsoft.com/office/thememl/2012/main" xmlns="" name="Office Theme" id="{62F939B6-93AF-4DB8-9C6B-D6C7DFDC589F}" vid="{4A3C46E8-61CC-4603-A589-7422A47A8E4A}"/>
     </a:ext>
   </a:extLst>
 </a:theme>
@@ -13669,7 +13614,7 @@
   <a:extraClrSchemeLst/>
   <a:extLst>
     <a:ext uri="{05A4C25C-085E-4340-85A3-A5531E510DB2}">
-      <thm15:themeFamily xmlns="" xmlns:thm15="http://schemas.microsoft.com/office/thememl/2012/main" name="Office Theme" id="{62F939B6-93AF-4DB8-9C6B-D6C7DFDC589F}" vid="{4A3C46E8-61CC-4603-A589-7422A47A8E4A}"/>
+      <thm15:themeFamily xmlns:thm15="http://schemas.microsoft.com/office/thememl/2012/main" xmlns="" name="Office Theme" id="{62F939B6-93AF-4DB8-9C6B-D6C7DFDC589F}" vid="{4A3C46E8-61CC-4603-A589-7422A47A8E4A}"/>
     </a:ext>
   </a:extLst>
 </a:theme>

--- a/Наработки/диздоки/Никарагуа/Никарагуа.pptx
+++ b/Наработки/диздоки/Никарагуа/Никарагуа.pptx
@@ -209,7 +209,7 @@
             <a:fld id="{33E3D7F9-E251-484C-A6FF-FA958879DF69}" type="datetimeFigureOut">
               <a:rPr lang="ru-RU" smtClean="0"/>
               <a:pPr/>
-              <a:t>17.10.2023</a:t>
+              <a:t>18.10.2023</a:t>
             </a:fld>
             <a:endParaRPr lang="ru-RU"/>
           </a:p>
@@ -699,7 +699,7 @@
             <a:fld id="{85A5DE44-605B-4D3B-B2B7-94543DF81A36}" type="datetimeFigureOut">
               <a:rPr lang="ru-RU" smtClean="0"/>
               <a:pPr/>
-              <a:t>17.10.2023</a:t>
+              <a:t>18.10.2023</a:t>
             </a:fld>
             <a:endParaRPr lang="ru-RU"/>
           </a:p>
@@ -871,7 +871,7 @@
             <a:fld id="{85A5DE44-605B-4D3B-B2B7-94543DF81A36}" type="datetimeFigureOut">
               <a:rPr lang="ru-RU" smtClean="0"/>
               <a:pPr/>
-              <a:t>17.10.2023</a:t>
+              <a:t>18.10.2023</a:t>
             </a:fld>
             <a:endParaRPr lang="ru-RU"/>
           </a:p>
@@ -1053,7 +1053,7 @@
             <a:fld id="{85A5DE44-605B-4D3B-B2B7-94543DF81A36}" type="datetimeFigureOut">
               <a:rPr lang="ru-RU" smtClean="0"/>
               <a:pPr/>
-              <a:t>17.10.2023</a:t>
+              <a:t>18.10.2023</a:t>
             </a:fld>
             <a:endParaRPr lang="ru-RU"/>
           </a:p>
@@ -1225,7 +1225,7 @@
             <a:fld id="{85A5DE44-605B-4D3B-B2B7-94543DF81A36}" type="datetimeFigureOut">
               <a:rPr lang="ru-RU" smtClean="0"/>
               <a:pPr/>
-              <a:t>17.10.2023</a:t>
+              <a:t>18.10.2023</a:t>
             </a:fld>
             <a:endParaRPr lang="ru-RU"/>
           </a:p>
@@ -1473,7 +1473,7 @@
             <a:fld id="{85A5DE44-605B-4D3B-B2B7-94543DF81A36}" type="datetimeFigureOut">
               <a:rPr lang="ru-RU" smtClean="0"/>
               <a:pPr/>
-              <a:t>17.10.2023</a:t>
+              <a:t>18.10.2023</a:t>
             </a:fld>
             <a:endParaRPr lang="ru-RU"/>
           </a:p>
@@ -1707,7 +1707,7 @@
             <a:fld id="{85A5DE44-605B-4D3B-B2B7-94543DF81A36}" type="datetimeFigureOut">
               <a:rPr lang="ru-RU" smtClean="0"/>
               <a:pPr/>
-              <a:t>17.10.2023</a:t>
+              <a:t>18.10.2023</a:t>
             </a:fld>
             <a:endParaRPr lang="ru-RU"/>
           </a:p>
@@ -2076,7 +2076,7 @@
             <a:fld id="{85A5DE44-605B-4D3B-B2B7-94543DF81A36}" type="datetimeFigureOut">
               <a:rPr lang="ru-RU" smtClean="0"/>
               <a:pPr/>
-              <a:t>17.10.2023</a:t>
+              <a:t>18.10.2023</a:t>
             </a:fld>
             <a:endParaRPr lang="ru-RU"/>
           </a:p>
@@ -2196,7 +2196,7 @@
             <a:fld id="{85A5DE44-605B-4D3B-B2B7-94543DF81A36}" type="datetimeFigureOut">
               <a:rPr lang="ru-RU" smtClean="0"/>
               <a:pPr/>
-              <a:t>17.10.2023</a:t>
+              <a:t>18.10.2023</a:t>
             </a:fld>
             <a:endParaRPr lang="ru-RU"/>
           </a:p>
@@ -2293,7 +2293,7 @@
             <a:fld id="{85A5DE44-605B-4D3B-B2B7-94543DF81A36}" type="datetimeFigureOut">
               <a:rPr lang="ru-RU" smtClean="0"/>
               <a:pPr/>
-              <a:t>17.10.2023</a:t>
+              <a:t>18.10.2023</a:t>
             </a:fld>
             <a:endParaRPr lang="ru-RU"/>
           </a:p>
@@ -2572,7 +2572,7 @@
             <a:fld id="{85A5DE44-605B-4D3B-B2B7-94543DF81A36}" type="datetimeFigureOut">
               <a:rPr lang="ru-RU" smtClean="0"/>
               <a:pPr/>
-              <a:t>17.10.2023</a:t>
+              <a:t>18.10.2023</a:t>
             </a:fld>
             <a:endParaRPr lang="ru-RU"/>
           </a:p>
@@ -2831,7 +2831,7 @@
             <a:fld id="{85A5DE44-605B-4D3B-B2B7-94543DF81A36}" type="datetimeFigureOut">
               <a:rPr lang="ru-RU" smtClean="0"/>
               <a:pPr/>
-              <a:t>17.10.2023</a:t>
+              <a:t>18.10.2023</a:t>
             </a:fld>
             <a:endParaRPr lang="ru-RU"/>
           </a:p>
@@ -3046,7 +3046,7 @@
             <a:fld id="{85A5DE44-605B-4D3B-B2B7-94543DF81A36}" type="datetimeFigureOut">
               <a:rPr lang="ru-RU" smtClean="0"/>
               <a:pPr/>
-              <a:t>17.10.2023</a:t>
+              <a:t>18.10.2023</a:t>
             </a:fld>
             <a:endParaRPr lang="ru-RU"/>
           </a:p>
@@ -4399,43 +4399,11 @@
             <a:pPr algn="ctr"/>
             <a:r>
               <a:rPr lang="ru-RU" sz="700" dirty="0"/>
-              <a:t>Упростить обмен валюты (октябрь 1936) </a:t>
-            </a:r>
-            <a:r>
-              <a:rPr lang="ru-RU" sz="100" dirty="0"/>
-              <a:t>(Первое, что сделал новый фактический хозяин страны, — внимательно прислушался к пожеланиям крупного бизнеса относительно изменения </a:t>
-            </a:r>
-            <a:r>
-              <a:rPr lang="ru-RU" sz="100" dirty="0" err="1"/>
-              <a:t>ва</a:t>
-            </a:r>
-            <a:r>
-              <a:rPr lang="ru-RU" sz="100" dirty="0"/>
-              <a:t>-</a:t>
-            </a:r>
-            <a:r>
-              <a:rPr lang="ru-RU" sz="100" dirty="0" err="1"/>
-              <a:t>лютно</a:t>
-            </a:r>
-            <a:r>
-              <a:rPr lang="ru-RU" sz="100" dirty="0"/>
-              <a:t>-финансовой политики. В октябре 1936 года был упрощен обмен кордоб на доллары. Экспортеры отныне могли сохранять 70% своей валютной </a:t>
-            </a:r>
-            <a:r>
-              <a:rPr lang="ru-RU" sz="100" dirty="0" err="1"/>
-              <a:t>выруч¬ки</a:t>
-            </a:r>
-            <a:r>
-              <a:rPr lang="ru-RU" sz="100" dirty="0"/>
-              <a:t> в долларах и продавать их по рыночному курсу. Остальные 30% надо было по-прежнему сдавать в Национальный банк по официальному курсу 1:1 (ранее сдавалась вся выручка). Таким образом, экспортеры могли существенно </a:t>
-            </a:r>
-            <a:r>
-              <a:rPr lang="ru-RU" sz="100" dirty="0" err="1"/>
-              <a:t>увели¬чить</a:t>
-            </a:r>
-            <a:r>
-              <a:rPr lang="ru-RU" sz="100" dirty="0"/>
-              <a:t> свои доходы, поскольку курс черного рынка был 1,75 кордобы за доллар)</a:t>
+              <a:t>Упростить обмен валюты (октябрь 1936</a:t>
+            </a:r>
+            <a:r>
+              <a:rPr lang="ru-RU" sz="700" dirty="0" smtClean="0"/>
+              <a:t>)</a:t>
             </a:r>
             <a:endParaRPr lang="ru-RU" sz="400" dirty="0"/>
           </a:p>
@@ -5392,35 +5360,11 @@
             <a:pPr algn="ctr"/>
             <a:r>
               <a:rPr lang="ru-RU" sz="700" dirty="0"/>
-              <a:t>Американские вложения в промышленность</a:t>
-            </a:r>
-            <a:r>
-              <a:rPr lang="ru-RU" sz="100" dirty="0"/>
-              <a:t>(. К тому же именно американский капитал и представлял собой фактически всю рудиментарную промышленность Никарагуа.13 миллионов долларов американских инвестиций было </a:t>
-            </a:r>
-            <a:r>
-              <a:rPr lang="ru-RU" sz="100" dirty="0" err="1"/>
-              <a:t>сосредоточе¬но</a:t>
-            </a:r>
-            <a:r>
-              <a:rPr lang="ru-RU" sz="100" dirty="0"/>
-              <a:t> в </a:t>
-            </a:r>
-            <a:r>
-              <a:rPr lang="ru-RU" sz="100" dirty="0" err="1"/>
-              <a:t>Москитии</a:t>
-            </a:r>
-            <a:r>
-              <a:rPr lang="ru-RU" sz="100" dirty="0"/>
-              <a:t> — добыча золота, заготовка древесины, банановые </a:t>
-            </a:r>
-            <a:r>
-              <a:rPr lang="ru-RU" sz="100" dirty="0" err="1"/>
-              <a:t>планта¬ции</a:t>
-            </a:r>
-            <a:r>
-              <a:rPr lang="ru-RU" sz="100" dirty="0"/>
-              <a:t>. Там у американских компаний были собственные портовые сооружения и железные дороги. В западной части Никарагуа американцы вложили только 2 миллиона долларов — в плантации кофе, хлопка и коммунальное хозяйство Манагуа.)</a:t>
+              <a:t>Американские вложения в </a:t>
+            </a:r>
+            <a:r>
+              <a:rPr lang="ru-RU" sz="700" dirty="0" smtClean="0"/>
+              <a:t>промышленность</a:t>
             </a:r>
             <a:endParaRPr lang="ru-RU" sz="400" dirty="0"/>
           </a:p>
@@ -5574,11 +5518,11 @@
             <a:pPr algn="ctr"/>
             <a:r>
               <a:rPr lang="ru-RU" sz="700" dirty="0"/>
-              <a:t>Восстановление после землетрясения 1931 года </a:t>
-            </a:r>
-            <a:r>
-              <a:rPr lang="ru-RU" sz="300" dirty="0"/>
-              <a:t>(При нём были восстановлены некоторые общественные здания, разрушенные землетрясением 1931 года[)</a:t>
+              <a:t>Восстановление после землетрясения 1931 </a:t>
+            </a:r>
+            <a:r>
+              <a:rPr lang="ru-RU" sz="700" dirty="0" smtClean="0"/>
+              <a:t>года</a:t>
             </a:r>
             <a:endParaRPr lang="ru-RU" sz="400" dirty="0"/>
           </a:p>
@@ -6107,7 +6051,11 @@
             <a:pPr algn="ctr"/>
             <a:r>
               <a:rPr lang="ru-RU" sz="700" dirty="0"/>
-              <a:t>Присоединиться к гитлеровской коалиции</a:t>
+              <a:t>Присоединиться к </a:t>
+            </a:r>
+            <a:r>
+              <a:rPr lang="ru-RU" sz="700" dirty="0" smtClean="0"/>
+              <a:t>германской коалиции</a:t>
             </a:r>
             <a:endParaRPr lang="ru-RU" sz="400" dirty="0"/>
           </a:p>
@@ -6161,27 +6109,11 @@
             <a:pPr algn="ctr"/>
             <a:r>
               <a:rPr lang="ru-RU" sz="700" dirty="0"/>
-              <a:t>Усилить контроль над сбором налогов</a:t>
-            </a:r>
-            <a:r>
-              <a:rPr lang="ru-RU" sz="200" dirty="0"/>
-              <a:t> (Для балансировки бюджета (который сводился в Никарагуа с дефицитом) </a:t>
-            </a:r>
-            <a:r>
-              <a:rPr lang="ru-RU" sz="200" dirty="0" err="1"/>
-              <a:t>Сомоса</a:t>
-            </a:r>
-            <a:r>
-              <a:rPr lang="ru-RU" sz="200" dirty="0"/>
-              <a:t> прислушался к рекомендациям американцев и усилил контроль над сбором налогов (американцы считали, что одна лишь ликвидация </a:t>
-            </a:r>
-            <a:r>
-              <a:rPr lang="ru-RU" sz="200" dirty="0" err="1"/>
-              <a:t>фаворитиз¬ма</a:t>
-            </a:r>
-            <a:r>
-              <a:rPr lang="ru-RU" sz="200" dirty="0"/>
-              <a:t> в этой сфере может легко увеличить доходы правительства вдвое).)</a:t>
+              <a:t>Усилить контроль над сбором </a:t>
+            </a:r>
+            <a:r>
+              <a:rPr lang="ru-RU" sz="700" dirty="0" smtClean="0"/>
+              <a:t>налогов</a:t>
             </a:r>
             <a:endParaRPr lang="ru-RU" sz="400" dirty="0"/>
           </a:p>
@@ -6863,19 +6795,11 @@
             <a:pPr algn="ctr"/>
             <a:r>
               <a:rPr lang="ru-RU" sz="700" dirty="0"/>
-              <a:t>Налог на алкоголь </a:t>
-            </a:r>
-            <a:r>
-              <a:rPr lang="ru-RU" sz="200" dirty="0"/>
-              <a:t>(В августе 1936 года был введен налог на алкоголь, сборы от которого должны были пойти на строительство в Манагуа и каждом центре департаментов «Рабочего дома». Именно в таких домах рабочие и должны были «культурно отдыхать» вместо того, чтобы </a:t>
-            </a:r>
-            <a:r>
-              <a:rPr lang="ru-RU" sz="200" dirty="0" err="1"/>
-              <a:t>зани¬маться</a:t>
-            </a:r>
-            <a:r>
-              <a:rPr lang="ru-RU" sz="200" dirty="0"/>
-              <a:t> политикой.)</a:t>
+              <a:t>Налог на </a:t>
+            </a:r>
+            <a:r>
+              <a:rPr lang="ru-RU" sz="700" dirty="0" smtClean="0"/>
+              <a:t>алкоголь (август 1936)</a:t>
             </a:r>
             <a:endParaRPr lang="ru-RU" sz="400" dirty="0"/>
           </a:p>
@@ -6929,203 +6853,11 @@
             <a:pPr algn="ctr"/>
             <a:r>
               <a:rPr lang="ru-RU" sz="700" dirty="0"/>
-              <a:t>Синие рубашки </a:t>
-            </a:r>
-            <a:r>
-              <a:rPr lang="ru-RU" sz="100" dirty="0"/>
-              <a:t>(Кроме несознательных рабочих и неопытной молодежи </a:t>
-            </a:r>
-            <a:r>
-              <a:rPr lang="ru-RU" sz="100" dirty="0" err="1"/>
-              <a:t>Сомоса</a:t>
-            </a:r>
-            <a:r>
-              <a:rPr lang="ru-RU" sz="100" dirty="0"/>
-              <a:t> опирался на различные правые и националистические организации, самыми </a:t>
-            </a:r>
-            <a:r>
-              <a:rPr lang="ru-RU" sz="100" dirty="0" err="1"/>
-              <a:t>известны¬ми</a:t>
-            </a:r>
-            <a:r>
-              <a:rPr lang="ru-RU" sz="100" dirty="0"/>
-              <a:t> из которых были «синие рубашки». Уже сама форма этой военизированной организации говорила о стремлении следовать примеру испанской </a:t>
-            </a:r>
-            <a:r>
-              <a:rPr lang="ru-RU" sz="100" dirty="0" err="1"/>
-              <a:t>фашист¬ской</a:t>
-            </a:r>
-            <a:r>
-              <a:rPr lang="ru-RU" sz="100" dirty="0"/>
-              <a:t> фаланги (ее члены тоже носили синие рубашки).«Синие рубашки» состояли из обеспеченной городской молодежи и имели местные организации в Манагуа, Гранаде, Леоне и ряде мелких городов </a:t>
-            </a:r>
-            <a:r>
-              <a:rPr lang="ru-RU" sz="100" dirty="0" err="1"/>
-              <a:t>не¬далеко</a:t>
-            </a:r>
-            <a:r>
-              <a:rPr lang="ru-RU" sz="100" dirty="0"/>
-              <a:t> от столицы. Организация была малочисленной — например, в Манагуа в ней состояли около 80 человек .Еще до прихода </a:t>
-            </a:r>
-            <a:r>
-              <a:rPr lang="ru-RU" sz="100" dirty="0" err="1"/>
-              <a:t>Сомосы</a:t>
-            </a:r>
-            <a:r>
-              <a:rPr lang="ru-RU" sz="100" dirty="0"/>
-              <a:t> к власти в июне 1936 года «синие рубашки» </a:t>
-            </a:r>
-            <a:r>
-              <a:rPr lang="ru-RU" sz="100" dirty="0" err="1"/>
-              <a:t>поль¬зовались</a:t>
-            </a:r>
-            <a:r>
-              <a:rPr lang="ru-RU" sz="100" dirty="0"/>
-              <a:t> поддержкой национальной гвардии, у которой они проходили </a:t>
-            </a:r>
-            <a:r>
-              <a:rPr lang="ru-RU" sz="100" dirty="0" err="1"/>
-              <a:t>воен¬ную</a:t>
-            </a:r>
-            <a:r>
-              <a:rPr lang="ru-RU" sz="100" dirty="0"/>
-              <a:t> подготовку. Именно «синих рубашек» </a:t>
-            </a:r>
-            <a:r>
-              <a:rPr lang="ru-RU" sz="100" dirty="0" err="1"/>
-              <a:t>Сомоса</a:t>
-            </a:r>
-            <a:r>
-              <a:rPr lang="ru-RU" sz="100" dirty="0"/>
-              <a:t> использовал в 1936-м для организации беспорядков в ходе забастовки таксистов и при разгроме </a:t>
-            </a:r>
-            <a:r>
-              <a:rPr lang="ru-RU" sz="100" dirty="0" err="1"/>
-              <a:t>мест¬ных</a:t>
-            </a:r>
-            <a:r>
-              <a:rPr lang="ru-RU" sz="100" dirty="0"/>
-              <a:t> органов власти, а также редакций оппозиционных </a:t>
-            </a:r>
-            <a:r>
-              <a:rPr lang="ru-RU" sz="100" dirty="0" err="1"/>
-              <a:t>Сомосе</a:t>
-            </a:r>
-            <a:r>
-              <a:rPr lang="ru-RU" sz="100" dirty="0"/>
-              <a:t> газет в мае — июне. Например, «синие рубашки» угрожали убить оппозиционного </a:t>
-            </a:r>
-            <a:r>
-              <a:rPr lang="ru-RU" sz="100" dirty="0" err="1"/>
-              <a:t>журнали¬ста</a:t>
-            </a:r>
-            <a:r>
-              <a:rPr lang="ru-RU" sz="100" dirty="0"/>
-              <a:t> Хуана </a:t>
-            </a:r>
-            <a:r>
-              <a:rPr lang="ru-RU" sz="100" dirty="0" err="1"/>
-              <a:t>Рамона</a:t>
-            </a:r>
-            <a:r>
-              <a:rPr lang="ru-RU" sz="100" dirty="0"/>
-              <a:t> </a:t>
-            </a:r>
-            <a:r>
-              <a:rPr lang="ru-RU" sz="100" dirty="0" err="1"/>
-              <a:t>Авилеса</a:t>
-            </a:r>
-            <a:r>
-              <a:rPr lang="ru-RU" sz="100" dirty="0"/>
-              <a:t>, и как только он пообещал прекратить публиковать статьи против </a:t>
-            </a:r>
-            <a:r>
-              <a:rPr lang="ru-RU" sz="100" dirty="0" err="1"/>
-              <a:t>Сомосы</a:t>
-            </a:r>
-            <a:r>
-              <a:rPr lang="ru-RU" sz="100" dirty="0"/>
-              <a:t>, ему для острастки выстрелили в </a:t>
-            </a:r>
-            <a:r>
-              <a:rPr lang="ru-RU" sz="100" dirty="0" err="1"/>
-              <a:t>ногу.«Синие</a:t>
-            </a:r>
-            <a:r>
-              <a:rPr lang="ru-RU" sz="100" dirty="0"/>
-              <a:t> рубашки» были выражением «тропического», или креольского </a:t>
-            </a:r>
-            <a:r>
-              <a:rPr lang="ru-RU" sz="100" dirty="0" err="1"/>
-              <a:t>фа¬шизма</a:t>
-            </a:r>
-            <a:r>
-              <a:rPr lang="ru-RU" sz="100" dirty="0"/>
-              <a:t>, или «национал-</a:t>
-            </a:r>
-            <a:r>
-              <a:rPr lang="ru-RU" sz="100" dirty="0" err="1"/>
-              <a:t>сомосизма</a:t>
-            </a:r>
-            <a:r>
-              <a:rPr lang="ru-RU" sz="100" dirty="0"/>
-              <a:t>», как его еще называли. </a:t>
-            </a:r>
-            <a:r>
-              <a:rPr lang="ru-RU" sz="100" dirty="0" err="1"/>
-              <a:t>Сомоса</a:t>
-            </a:r>
-            <a:r>
-              <a:rPr lang="ru-RU" sz="100" dirty="0"/>
-              <a:t> каждый </a:t>
-            </a:r>
-            <a:r>
-              <a:rPr lang="ru-RU" sz="100" dirty="0" err="1"/>
-              <a:t>ме¬сяц</a:t>
-            </a:r>
-            <a:r>
-              <a:rPr lang="ru-RU" sz="100" dirty="0"/>
-              <a:t> получал доклад о деятельности «синих рубашек» и давал им те или иные поручения по запугиванию своих оппонентов. «Синие рубашки» стали одной из основных сил во время предвыборной кампании </a:t>
-            </a:r>
-            <a:r>
-              <a:rPr lang="ru-RU" sz="100" dirty="0" err="1"/>
-              <a:t>Сомосы</a:t>
-            </a:r>
-            <a:r>
-              <a:rPr lang="ru-RU" sz="100" dirty="0"/>
-              <a:t> в 1936 году. Они расклеивали листовки, устраивали торжественные марши и запугивали всех </a:t>
-            </a:r>
-            <a:r>
-              <a:rPr lang="ru-RU" sz="100" dirty="0" err="1"/>
-              <a:t>несогласных.И</a:t>
-            </a:r>
-            <a:r>
-              <a:rPr lang="ru-RU" sz="100" dirty="0"/>
-              <a:t> «синие рубашки», и рабочие, и молодежь были нужны </a:t>
-            </a:r>
-            <a:r>
-              <a:rPr lang="ru-RU" sz="100" dirty="0" err="1"/>
-              <a:t>Сомосе</a:t>
-            </a:r>
-            <a:r>
-              <a:rPr lang="ru-RU" sz="100" dirty="0"/>
-              <a:t> лишь </a:t>
-            </a:r>
-            <a:r>
-              <a:rPr lang="ru-RU" sz="100" dirty="0" err="1"/>
-              <a:t>по¬стольку</a:t>
-            </a:r>
-            <a:r>
-              <a:rPr lang="ru-RU" sz="100" dirty="0"/>
-              <a:t>, поскольку позволяли ему представлять себя «народным вождем» и «популистом». На самом деле основой власти этого человека были </a:t>
-            </a:r>
-            <a:r>
-              <a:rPr lang="ru-RU" sz="100" dirty="0" err="1"/>
-              <a:t>националь¬ная</a:t>
-            </a:r>
-            <a:r>
-              <a:rPr lang="ru-RU" sz="100" dirty="0"/>
-              <a:t> гвардия и крупный бизнес, впрочем, как и в случае с любым фашистским движением.)</a:t>
+              <a:t>Синие </a:t>
+            </a:r>
+            <a:r>
+              <a:rPr lang="ru-RU" sz="700" dirty="0" smtClean="0"/>
+              <a:t>рубашки</a:t>
             </a:r>
             <a:endParaRPr lang="ru-RU" sz="400" dirty="0"/>
           </a:p>
@@ -7179,59 +6911,11 @@
             <a:pPr algn="ctr"/>
             <a:r>
               <a:rPr lang="ru-RU" sz="700" dirty="0"/>
-              <a:t>Национализация железных дорог (1937) </a:t>
-            </a:r>
-            <a:r>
-              <a:rPr lang="ru-RU" sz="200" dirty="0"/>
-              <a:t>(</a:t>
-            </a:r>
-            <a:r>
-              <a:rPr lang="ru-RU" sz="200" dirty="0" err="1"/>
-              <a:t>Сомоса</a:t>
-            </a:r>
-            <a:r>
-              <a:rPr lang="ru-RU" sz="200" dirty="0"/>
-              <a:t>, который позиционировал себя как «</a:t>
-            </a:r>
-            <a:r>
-              <a:rPr lang="ru-RU" sz="200" dirty="0" err="1"/>
-              <a:t>национа¬листа-государственника</a:t>
-            </a:r>
-            <a:r>
-              <a:rPr lang="ru-RU" sz="200" dirty="0"/>
-              <a:t>», национализировал в 1937 году железные дороги, но доходы от них только частично шли в казну государства. Большую часть </a:t>
-            </a:r>
-            <a:r>
-              <a:rPr lang="ru-RU" sz="200" dirty="0" err="1"/>
-              <a:t>дик¬татор</a:t>
-            </a:r>
-            <a:r>
-              <a:rPr lang="ru-RU" sz="200" dirty="0"/>
-              <a:t> оставлял за собой. Он официально являлся главой железных дорог с </a:t>
-            </a:r>
-            <a:r>
-              <a:rPr lang="ru-RU" sz="200" dirty="0" err="1"/>
-              <a:t>ти¬тулом</a:t>
-            </a:r>
-            <a:r>
-              <a:rPr lang="ru-RU" sz="200" dirty="0"/>
-              <a:t> «Верховный руководитель») Большую часть </a:t>
-            </a:r>
-            <a:r>
-              <a:rPr lang="ru-RU" sz="200" dirty="0" err="1"/>
-              <a:t>дик¬татор</a:t>
-            </a:r>
-            <a:r>
-              <a:rPr lang="ru-RU" sz="200" dirty="0"/>
-              <a:t> оставлял за собой. Он официально являлся главой железных дорог с </a:t>
-            </a:r>
-            <a:r>
-              <a:rPr lang="ru-RU" sz="200" dirty="0" err="1"/>
-              <a:t>ти¬тулом</a:t>
-            </a:r>
-            <a:r>
-              <a:rPr lang="ru-RU" sz="200" dirty="0"/>
-              <a:t> «Верховный руководитель»</a:t>
+              <a:t>Национализация железных дорог (1937</a:t>
+            </a:r>
+            <a:r>
+              <a:rPr lang="ru-RU" sz="700" dirty="0" smtClean="0"/>
+              <a:t>)</a:t>
             </a:r>
             <a:endParaRPr lang="ru-RU" sz="400" dirty="0"/>
           </a:p>
@@ -7285,35 +6969,27 @@
             <a:pPr algn="ctr"/>
             <a:r>
               <a:rPr lang="ru-RU" sz="700" dirty="0"/>
-              <a:t>Запрет муниципальных выборов (август 1937 </a:t>
-            </a:r>
-            <a:r>
-              <a:rPr lang="ru-RU" sz="100" dirty="0"/>
-              <a:t>(Все выборные органы власти были замены «комитетами соседей», находившимися под жестким контролем центрального правительства. Даже бюджеты муниципалитетов теперь тоже утверждали в Манагуа. Причем в столице санкционировали единое для всей страны процентное соотношение тех или иных расходов. Например, на </a:t>
-            </a:r>
-            <a:r>
-              <a:rPr lang="ru-RU" sz="100" dirty="0" err="1"/>
-              <a:t>адми¬нистративные</a:t>
-            </a:r>
-            <a:r>
-              <a:rPr lang="ru-RU" sz="100" dirty="0"/>
-              <a:t> расходы полагалось тратить не более 35% бюджета, на </a:t>
-            </a:r>
-            <a:r>
-              <a:rPr lang="ru-RU" sz="100" dirty="0" err="1"/>
-              <a:t>жилищ¬но-коммунальные</a:t>
-            </a:r>
-            <a:r>
-              <a:rPr lang="ru-RU" sz="100" dirty="0"/>
-              <a:t> услуги и развитие инфраструктуры — 40%, на </a:t>
-            </a:r>
-            <a:r>
-              <a:rPr lang="ru-RU" sz="100" dirty="0" err="1"/>
-              <a:t>здравоохра¬нение</a:t>
-            </a:r>
-            <a:r>
-              <a:rPr lang="ru-RU" sz="100" dirty="0"/>
-              <a:t> и гигиену — 10% и т.д.)</a:t>
+              <a:t>Запрет муниципальных выборов </a:t>
+            </a:r>
+            <a:endParaRPr lang="en-US" sz="700" dirty="0" smtClean="0"/>
+          </a:p>
+          <a:p>
+            <a:pPr algn="ctr"/>
+            <a:r>
+              <a:rPr lang="ru-RU" sz="700" dirty="0" smtClean="0"/>
+              <a:t>(</a:t>
+            </a:r>
+            <a:r>
+              <a:rPr lang="ru-RU" sz="700" dirty="0"/>
+              <a:t>август </a:t>
+            </a:r>
+            <a:r>
+              <a:rPr lang="ru-RU" sz="700" dirty="0" smtClean="0"/>
+              <a:t>1937</a:t>
+            </a:r>
+            <a:r>
+              <a:rPr lang="en-US" sz="700" dirty="0" smtClean="0"/>
+              <a:t>)</a:t>
             </a:r>
             <a:endParaRPr lang="ru-RU" sz="400" dirty="0"/>
           </a:p>
@@ -7367,43 +7043,23 @@
             <a:pPr algn="ctr"/>
             <a:r>
               <a:rPr lang="ru-RU" sz="700" dirty="0"/>
-              <a:t>Военная Либеральная Лига </a:t>
-            </a:r>
-            <a:r>
-              <a:rPr lang="ru-RU" sz="100" dirty="0"/>
-              <a:t>(</a:t>
-            </a:r>
-            <a:r>
-              <a:rPr lang="ru-RU" sz="100" dirty="0" err="1"/>
-              <a:t>Сомоса</a:t>
-            </a:r>
-            <a:r>
-              <a:rPr lang="ru-RU" sz="100" dirty="0"/>
-              <a:t> решил также милитаризовать часть либеральной партии. В 1937 году так называемой Военной либеральной лиге (в ней состояли члены </a:t>
-            </a:r>
-            <a:r>
-              <a:rPr lang="ru-RU" sz="100" dirty="0" err="1"/>
-              <a:t>либераль¬ной</a:t>
-            </a:r>
-            <a:r>
-              <a:rPr lang="ru-RU" sz="100" dirty="0"/>
-              <a:t> партии — ветераны гражданских войн) был присвоен статус </a:t>
-            </a:r>
-            <a:r>
-              <a:rPr lang="ru-RU" sz="100" dirty="0" err="1"/>
-              <a:t>вспомога¬тельных</a:t>
-            </a:r>
-            <a:r>
-              <a:rPr lang="ru-RU" sz="100" dirty="0"/>
-              <a:t> военных формирований национальной гвардии. Всего в лиге было примерно 2600 членов, и ее боевые отряды были распределены по городам и поселкам . Главой лиги был сам </a:t>
-            </a:r>
-            <a:r>
-              <a:rPr lang="ru-RU" sz="100" dirty="0" err="1"/>
-              <a:t>Сомоса</a:t>
-            </a:r>
-            <a:r>
-              <a:rPr lang="ru-RU" sz="100" dirty="0"/>
-              <a:t>.)</a:t>
+              <a:t>Военная Либеральная </a:t>
+            </a:r>
+            <a:r>
+              <a:rPr lang="ru-RU" sz="700" dirty="0" smtClean="0"/>
+              <a:t>Лига</a:t>
+            </a:r>
+            <a:r>
+              <a:rPr lang="en-US" sz="700" dirty="0" smtClean="0"/>
+              <a:t> (1937 </a:t>
+            </a:r>
+            <a:r>
+              <a:rPr lang="ru-RU" sz="700" dirty="0" smtClean="0"/>
+              <a:t>октябрь</a:t>
+            </a:r>
+            <a:r>
+              <a:rPr lang="en-US" sz="700" dirty="0" smtClean="0"/>
+              <a:t>)</a:t>
             </a:r>
             <a:endParaRPr lang="ru-RU" sz="400" dirty="0"/>
           </a:p>
@@ -7519,27 +7175,11 @@
             <a:pPr algn="ctr"/>
             <a:r>
               <a:rPr lang="ru-RU" sz="700" dirty="0"/>
-              <a:t>Поблажки рабочим </a:t>
-            </a:r>
-            <a:r>
-              <a:rPr lang="ru-RU" sz="300" dirty="0"/>
-              <a:t>(Рабочим впервые в истории Никарагуа </a:t>
-            </a:r>
-            <a:r>
-              <a:rPr lang="ru-RU" sz="300" dirty="0" err="1"/>
-              <a:t>га¬рантировались</a:t>
-            </a:r>
-            <a:r>
-              <a:rPr lang="ru-RU" sz="300" dirty="0"/>
-              <a:t> один выходной день в неделю, минимальная заработная плата, ограничение продолжительности рабочего дня и выплата пособий при </a:t>
-            </a:r>
-            <a:r>
-              <a:rPr lang="ru-RU" sz="300" dirty="0" err="1"/>
-              <a:t>не¬счастном</a:t>
-            </a:r>
-            <a:r>
-              <a:rPr lang="ru-RU" sz="300" dirty="0"/>
-              <a:t> случае на производстве)</a:t>
+              <a:t>Поблажки </a:t>
+            </a:r>
+            <a:r>
+              <a:rPr lang="ru-RU" sz="700" dirty="0" smtClean="0"/>
+              <a:t>рабочим</a:t>
             </a:r>
             <a:endParaRPr lang="ru-RU" sz="400" dirty="0"/>
           </a:p>
@@ -7593,83 +7233,11 @@
             <a:pPr algn="ctr"/>
             <a:r>
               <a:rPr lang="ru-RU" sz="700" dirty="0"/>
-              <a:t>Примириться с либеральной партией (июль 1937) </a:t>
-            </a:r>
-            <a:r>
-              <a:rPr lang="ru-RU" sz="100" dirty="0"/>
-              <a:t>(С самого начала своего пребывания у власти </a:t>
-            </a:r>
-            <a:r>
-              <a:rPr lang="ru-RU" sz="100" dirty="0" err="1"/>
-              <a:t>Сомоса</a:t>
-            </a:r>
-            <a:r>
-              <a:rPr lang="ru-RU" sz="100" dirty="0"/>
-              <a:t> хотел объединить ли-</a:t>
-            </a:r>
-            <a:r>
-              <a:rPr lang="ru-RU" sz="100" dirty="0" err="1"/>
-              <a:t>беральную</a:t>
-            </a:r>
-            <a:r>
-              <a:rPr lang="ru-RU" sz="100" dirty="0"/>
-              <a:t> партию под своим руководством. В 1937 году он послал </a:t>
-            </a:r>
-            <a:r>
-              <a:rPr lang="ru-RU" sz="100" dirty="0" err="1"/>
-              <a:t>специаль¬ную</a:t>
-            </a:r>
-            <a:r>
-              <a:rPr lang="ru-RU" sz="100" dirty="0"/>
-              <a:t> делегацию в Сальвадор, где жил в эмиграции лидер «</a:t>
-            </a:r>
-            <a:r>
-              <a:rPr lang="ru-RU" sz="100" dirty="0" err="1"/>
-              <a:t>сакасовского</a:t>
-            </a:r>
-            <a:r>
-              <a:rPr lang="ru-RU" sz="100" dirty="0"/>
-              <a:t>» крыла либералов и неудавшийся преемник самого </a:t>
-            </a:r>
-            <a:r>
-              <a:rPr lang="ru-RU" sz="100" dirty="0" err="1"/>
-              <a:t>Сакасы</a:t>
-            </a:r>
-            <a:r>
-              <a:rPr lang="ru-RU" sz="100" dirty="0"/>
-              <a:t> </a:t>
-            </a:r>
-            <a:r>
-              <a:rPr lang="ru-RU" sz="100" dirty="0" err="1"/>
-              <a:t>Аргуэльо</a:t>
-            </a:r>
-            <a:r>
-              <a:rPr lang="ru-RU" sz="100" dirty="0"/>
-              <a:t>. </a:t>
-            </a:r>
-            <a:r>
-              <a:rPr lang="ru-RU" sz="100" dirty="0" err="1"/>
-              <a:t>Сомоса</a:t>
-            </a:r>
-            <a:r>
-              <a:rPr lang="ru-RU" sz="100" dirty="0"/>
-              <a:t> </a:t>
-            </a:r>
-            <a:r>
-              <a:rPr lang="ru-RU" sz="100" dirty="0" err="1"/>
-              <a:t>пре¬красно</a:t>
-            </a:r>
-            <a:r>
-              <a:rPr lang="ru-RU" sz="100" dirty="0"/>
-              <a:t> знал цену «принципиальности» лидеров старой либеральной партии. В обмен на обещание министерских постов своим людям </a:t>
-            </a:r>
-            <a:r>
-              <a:rPr lang="ru-RU" sz="100" dirty="0" err="1"/>
-              <a:t>Аргуэльо</a:t>
-            </a:r>
-            <a:r>
-              <a:rPr lang="ru-RU" sz="100" dirty="0"/>
-              <a:t> уже в июле 1937 года приехал в Манагуа.)</a:t>
+              <a:t>Примириться с либеральной партией (июль 1937</a:t>
+            </a:r>
+            <a:r>
+              <a:rPr lang="ru-RU" sz="700" dirty="0" smtClean="0"/>
+              <a:t>)</a:t>
             </a:r>
             <a:endParaRPr lang="ru-RU" sz="400" dirty="0"/>
           </a:p>
@@ -7864,19 +7432,11 @@
             <a:pPr algn="ctr"/>
             <a:r>
               <a:rPr lang="ru-RU" sz="700" dirty="0"/>
-              <a:t>Экспорт каучука в США </a:t>
-            </a:r>
-            <a:r>
-              <a:rPr lang="ru-RU" sz="300" dirty="0"/>
-              <a:t>(- американцы готовы закупать в Никарагуа каучук и манильскую </a:t>
-            </a:r>
-            <a:r>
-              <a:rPr lang="ru-RU" sz="300" dirty="0" err="1"/>
-              <a:t>пень¬ку</a:t>
-            </a:r>
-            <a:r>
-              <a:rPr lang="ru-RU" sz="300" dirty="0"/>
-              <a:t> (товары явно военного назначения);)</a:t>
+              <a:t>Экспорт каучука в </a:t>
+            </a:r>
+            <a:r>
+              <a:rPr lang="ru-RU" sz="700" dirty="0" smtClean="0"/>
+              <a:t>США</a:t>
             </a:r>
             <a:endParaRPr lang="ru-RU" sz="400" dirty="0"/>
           </a:p>
@@ -7941,11 +7501,11 @@
             <a:pPr algn="ctr"/>
             <a:r>
               <a:rPr lang="ru-RU" sz="700" dirty="0"/>
-              <a:t>Военные советники для академий </a:t>
-            </a:r>
-            <a:r>
-              <a:rPr lang="ru-RU" sz="300" dirty="0"/>
-              <a:t>(- Рузвельт обещает подобрать директоров для военной академии и авиационного училища)</a:t>
+              <a:t>Военные советники для </a:t>
+            </a:r>
+            <a:r>
+              <a:rPr lang="ru-RU" sz="700" dirty="0" smtClean="0"/>
+              <a:t>академий</a:t>
             </a:r>
             <a:endParaRPr lang="ru-RU" sz="400" dirty="0"/>
           </a:p>
@@ -8010,27 +7570,11 @@
             <a:pPr algn="ctr"/>
             <a:r>
               <a:rPr lang="ru-RU" sz="700" dirty="0"/>
-              <a:t>Проект углубления реки Сан-Хуан </a:t>
-            </a:r>
-            <a:r>
-              <a:rPr lang="ru-RU" sz="200" dirty="0"/>
-              <a:t>(- инженерной службе армии США будет дано поручение оценить </a:t>
-            </a:r>
-            <a:r>
-              <a:rPr lang="ru-RU" sz="200" dirty="0" err="1"/>
-              <a:t>про¬ект</a:t>
-            </a:r>
-            <a:r>
-              <a:rPr lang="ru-RU" sz="200" dirty="0"/>
-              <a:t> углубления реки Сан-Хуан, с тем, чтобы она могла принимать </a:t>
-            </a:r>
-            <a:r>
-              <a:rPr lang="ru-RU" sz="200" dirty="0" err="1"/>
-              <a:t>ко¬рабли</a:t>
-            </a:r>
-            <a:r>
-              <a:rPr lang="ru-RU" sz="200" dirty="0"/>
-              <a:t> крупного водоизмещения (река Сан-Хуан рассматривалась как часть будущего трансокеанского канала) ;</a:t>
+              <a:t>Проект углубления реки </a:t>
+            </a:r>
+            <a:r>
+              <a:rPr lang="ru-RU" sz="700" dirty="0" smtClean="0"/>
+              <a:t>Сан-Хуан</a:t>
             </a:r>
             <a:endParaRPr lang="ru-RU" sz="400" dirty="0"/>
           </a:p>
@@ -8095,19 +7639,11 @@
             <a:pPr algn="ctr"/>
             <a:r>
               <a:rPr lang="ru-RU" sz="700" dirty="0"/>
-              <a:t>Строительства Панамериканского шоссе в Никарагуа </a:t>
-            </a:r>
-            <a:r>
-              <a:rPr lang="ru-RU" sz="200" dirty="0"/>
-              <a:t>(- США готовы оказать инженерную и финансовую поддержку </a:t>
-            </a:r>
-            <a:r>
-              <a:rPr lang="ru-RU" sz="200" dirty="0" err="1"/>
-              <a:t>строи¬тельству</a:t>
-            </a:r>
-            <a:r>
-              <a:rPr lang="ru-RU" sz="200" dirty="0"/>
-              <a:t> участка Панамериканского шоссе в Никарагуа;)</a:t>
+              <a:t>Строительства Панамериканского шоссе в </a:t>
+            </a:r>
+            <a:r>
+              <a:rPr lang="ru-RU" sz="700" dirty="0" smtClean="0"/>
+              <a:t>Никарагуа</a:t>
             </a:r>
             <a:endParaRPr lang="ru-RU" sz="400" dirty="0"/>
           </a:p>
@@ -8172,12 +7708,13 @@
             <a:pPr algn="ctr"/>
             <a:r>
               <a:rPr lang="ru-RU" sz="700" dirty="0"/>
-              <a:t>Совместное строительства Никарагуанского канала (</a:t>
-            </a:r>
-            <a:r>
-              <a:rPr lang="ru-RU" sz="400" dirty="0"/>
-              <a:t>(нужен союзник, или США должны потерять влияние на Панаму))</a:t>
-            </a:r>
+              <a:t>Совместное строительства Никарагуанского </a:t>
+            </a:r>
+            <a:r>
+              <a:rPr lang="ru-RU" sz="700" dirty="0" smtClean="0"/>
+              <a:t>канала</a:t>
+            </a:r>
+            <a:endParaRPr lang="ru-RU" sz="400" dirty="0"/>
           </a:p>
         </p:txBody>
       </p:sp>
@@ -8240,11 +7777,19 @@
             <a:pPr algn="ctr"/>
             <a:r>
               <a:rPr lang="ru-RU" sz="700" dirty="0"/>
-              <a:t>Присоединиться к странам антигитлеровской коалиции </a:t>
-            </a:r>
-            <a:r>
-              <a:rPr lang="ru-RU" sz="300" dirty="0"/>
-              <a:t>(8 декабря 1941 Никарагуа присоединилась к странам Антигитлеровской коалиции)</a:t>
+              <a:t>Присоединиться к странам </a:t>
+            </a:r>
+            <a:r>
+              <a:rPr lang="ru-RU" sz="700" dirty="0" err="1" smtClean="0"/>
+              <a:t>антигерманской</a:t>
+            </a:r>
+            <a:r>
+              <a:rPr lang="ru-RU" sz="700" dirty="0" smtClean="0"/>
+              <a:t> </a:t>
+            </a:r>
+            <a:r>
+              <a:rPr lang="ru-RU" sz="700" dirty="0" smtClean="0"/>
+              <a:t>коалиции (8 декабря 1941)</a:t>
             </a:r>
             <a:endParaRPr lang="ru-RU" sz="500" dirty="0"/>
           </a:p>
@@ -8842,19 +8387,11 @@
             <a:pPr algn="ctr"/>
             <a:r>
               <a:rPr lang="ru-RU" sz="700" dirty="0"/>
-              <a:t>Подчинить национальный банк </a:t>
-            </a:r>
-            <a:r>
-              <a:rPr lang="ru-RU" sz="200" dirty="0"/>
-              <a:t>(</a:t>
-            </a:r>
-            <a:r>
-              <a:rPr lang="ru-RU" sz="200" dirty="0" err="1"/>
-              <a:t>Сомосе</a:t>
-            </a:r>
-            <a:r>
-              <a:rPr lang="ru-RU" sz="200" dirty="0"/>
-              <a:t> удалось подчинить правительству Национальный банк, который с 1938 года был зарегистрирован в Манагуа (ранее — в США). Совет директоров банка теперь назначался лично президентом.)</a:t>
+              <a:t>Подчинить </a:t>
+            </a:r>
+            <a:r>
+              <a:rPr lang="ru-RU" sz="700" dirty="0" smtClean="0"/>
+              <a:t>национальный банк (1938)</a:t>
             </a:r>
             <a:endParaRPr lang="ru-RU" sz="400" dirty="0"/>
           </a:p>
@@ -8921,17 +8458,6 @@
               <a:rPr lang="ru-RU" sz="700" dirty="0"/>
               <a:t>Конфискация германского имущества </a:t>
             </a:r>
-            <a:r>
-              <a:rPr lang="ru-RU" sz="800" dirty="0"/>
-              <a:t/>
-            </a:r>
-            <a:br>
-              <a:rPr lang="ru-RU" sz="800" dirty="0"/>
-            </a:br>
-            <a:r>
-              <a:rPr lang="ru-RU" sz="300" dirty="0"/>
-              <a:t>(после чего германская собственность на территории страны (46 кофейных плантаций и 51 скотоводческое хозяйство) была конфискована)</a:t>
-            </a:r>
             <a:endParaRPr lang="ru-RU" sz="500" dirty="0"/>
           </a:p>
         </p:txBody>
@@ -8987,32 +8513,8 @@
               <a:t>Вернуть </a:t>
             </a:r>
             <a:r>
-              <a:rPr lang="ru-RU" sz="700" dirty="0" err="1"/>
+              <a:rPr lang="ru-RU" sz="700" dirty="0" err="1" smtClean="0"/>
               <a:t>Гуанакасте</a:t>
-            </a:r>
-            <a:r>
-              <a:rPr lang="ru-RU" sz="700" dirty="0"/>
-              <a:t> </a:t>
-            </a:r>
-            <a:r>
-              <a:rPr lang="ru-RU" sz="200" dirty="0"/>
-              <a:t>(«Вернуть </a:t>
-            </a:r>
-            <a:r>
-              <a:rPr lang="ru-RU" sz="200" dirty="0" err="1"/>
-              <a:t>Гуанакасте</a:t>
-            </a:r>
-            <a:r>
-              <a:rPr lang="ru-RU" sz="200" dirty="0"/>
-              <a:t>» в 1814 году провинция </a:t>
-            </a:r>
-            <a:r>
-              <a:rPr lang="ru-RU" sz="200" dirty="0" err="1"/>
-              <a:t>Гуанакасте</a:t>
-            </a:r>
-            <a:r>
-              <a:rPr lang="ru-RU" sz="200" dirty="0"/>
-              <a:t> вместе с полуостровом добровольно отделилась от Никарагуа и присоединилась к Коста-Рике.)</a:t>
             </a:r>
             <a:endParaRPr lang="ru-RU" sz="400" dirty="0"/>
           </a:p>
@@ -9072,24 +8574,8 @@
               <a:rPr lang="ru-RU" sz="700" dirty="0"/>
             </a:br>
             <a:r>
-              <a:rPr lang="ru-RU" sz="200" dirty="0"/>
-              <a:t>(В 1941 году конгресс Никарагуа одобрил «закон о защите демократии». </a:t>
-            </a:r>
-            <a:r>
-              <a:rPr lang="ru-RU" sz="200" dirty="0" err="1"/>
-              <a:t>Со¬гласно</a:t>
-            </a:r>
-            <a:r>
-              <a:rPr lang="ru-RU" sz="200" dirty="0"/>
-              <a:t> этому документу, запрещались и коммунистическая, и нацистская </a:t>
-            </a:r>
-            <a:r>
-              <a:rPr lang="ru-RU" sz="200" dirty="0" err="1"/>
-              <a:t>иде¬ологии</a:t>
-            </a:r>
-            <a:r>
-              <a:rPr lang="ru-RU" sz="200" dirty="0"/>
-              <a:t> как противоречащие социальному строю Никарагуа.)</a:t>
+              <a:rPr lang="ru-RU" sz="200" dirty="0" smtClean="0"/>
+              <a:t>(</a:t>
             </a:r>
             <a:endParaRPr lang="ru-RU" sz="400" dirty="0"/>
           </a:p>
@@ -9329,19 +8815,19 @@
           </p:cNvPr>
           <p:cNvCxnSpPr>
             <a:cxnSpLocks/>
-            <a:stCxn id="78" idx="2"/>
+            <a:stCxn id="55" idx="2"/>
             <a:endCxn id="89" idx="0"/>
           </p:cNvCxnSpPr>
           <p:nvPr/>
         </p:nvCxnSpPr>
         <p:spPr>
-          <a:xfrm rot="16200000" flipH="1">
-            <a:off x="1624567" y="9484328"/>
-            <a:ext cx="262068" cy="674024"/>
+          <a:xfrm rot="5400000">
+            <a:off x="1523525" y="8667813"/>
+            <a:ext cx="1853650" cy="715473"/>
           </a:xfrm>
           <a:prstGeom prst="bentConnector3">
             <a:avLst>
-              <a:gd name="adj1" fmla="val 50000"/>
+              <a:gd name="adj1" fmla="val 7446"/>
             </a:avLst>
           </a:prstGeom>
           <a:ln w="19050">
@@ -9767,80 +9253,8 @@
               <a:t>Устранение коммунистических угроз в ЦА </a:t>
             </a:r>
             <a:r>
-              <a:rPr lang="ru-RU" sz="100" dirty="0"/>
-              <a:t>(Так же считал и сам </a:t>
-            </a:r>
-            <a:r>
-              <a:rPr lang="ru-RU" sz="100" dirty="0" err="1"/>
-              <a:t>Сомоса</a:t>
-            </a:r>
-            <a:r>
-              <a:rPr lang="ru-RU" sz="100" dirty="0"/>
-              <a:t>, который, уверовав в собственные силы, стал претендовать на роль регионального наместника США в Центральной </a:t>
-            </a:r>
-            <a:r>
-              <a:rPr lang="ru-RU" sz="100" dirty="0" err="1"/>
-              <a:t>Амери¬ке</a:t>
-            </a:r>
-            <a:r>
-              <a:rPr lang="ru-RU" sz="100" dirty="0"/>
-              <a:t> в качестве главного борца против «коммунистической угрозы». США </a:t>
-            </a:r>
-            <a:r>
-              <a:rPr lang="ru-RU" sz="100" dirty="0" err="1"/>
-              <a:t>каж¬дый</a:t>
-            </a:r>
-            <a:r>
-              <a:rPr lang="ru-RU" sz="100" dirty="0"/>
-              <a:t> год в виде военной помощи предоставляли Никарагуа не менее 200 </a:t>
-            </a:r>
-            <a:r>
-              <a:rPr lang="ru-RU" sz="100" dirty="0" err="1"/>
-              <a:t>ты¬сяч</a:t>
-            </a:r>
-            <a:r>
-              <a:rPr lang="ru-RU" sz="100" dirty="0"/>
-              <a:t> долларов, благодаря чему </a:t>
-            </a:r>
-            <a:r>
-              <a:rPr lang="ru-RU" sz="100" dirty="0" err="1"/>
-              <a:t>Сомоса</a:t>
-            </a:r>
-            <a:r>
-              <a:rPr lang="ru-RU" sz="100" dirty="0"/>
-              <a:t> превратил свою армию в самую сильную в Центральной Америке (в этом отношении с ним мог соперничать разве что его друг доминиканский диктатор </a:t>
-            </a:r>
-            <a:r>
-              <a:rPr lang="ru-RU" sz="100" dirty="0" err="1"/>
-              <a:t>Трухильо</a:t>
-            </a:r>
-            <a:r>
-              <a:rPr lang="ru-RU" sz="100" dirty="0"/>
-              <a:t>). Во время войны в Корее </a:t>
-            </a:r>
-            <a:r>
-              <a:rPr lang="ru-RU" sz="100" dirty="0" err="1"/>
-              <a:t>Сомо¬са</a:t>
-            </a:r>
-            <a:r>
-              <a:rPr lang="ru-RU" sz="100" dirty="0"/>
-              <a:t> предлагал американцам направить туда никарагуанский воинский </a:t>
-            </a:r>
-            <a:r>
-              <a:rPr lang="ru-RU" sz="100" dirty="0" err="1"/>
-              <a:t>контин¬гент</a:t>
-            </a:r>
-            <a:r>
-              <a:rPr lang="ru-RU" sz="100" dirty="0"/>
-              <a:t>. С 1953 года Никарагуа была официально включена в Программу </a:t>
-            </a:r>
-            <a:r>
-              <a:rPr lang="ru-RU" sz="100" dirty="0" err="1"/>
-              <a:t>амери¬канской</a:t>
-            </a:r>
-            <a:r>
-              <a:rPr lang="ru-RU" sz="100" dirty="0"/>
-              <a:t> военной помощи.)</a:t>
+              <a:rPr lang="ru-RU" sz="100" dirty="0" smtClean="0"/>
+              <a:t>(</a:t>
             </a:r>
             <a:endParaRPr lang="ru-RU" sz="400" dirty="0"/>
           </a:p>
@@ -11072,80 +10486,8 @@
               <a:t>Денонсировать договор </a:t>
             </a:r>
             <a:r>
-              <a:rPr lang="ru-RU" sz="700" dirty="0" err="1"/>
+              <a:rPr lang="ru-RU" sz="700" dirty="0" err="1" smtClean="0"/>
               <a:t>Эсгуэрры-Баркенаса</a:t>
-            </a:r>
-            <a:r>
-              <a:rPr lang="ru-RU" sz="700" dirty="0"/>
-              <a:t> </a:t>
-            </a:r>
-            <a:r>
-              <a:rPr lang="ru-RU" sz="100" dirty="0"/>
-              <a:t>(</a:t>
-            </a:r>
-            <a:r>
-              <a:rPr lang="ru-RU" sz="100" dirty="0" err="1"/>
-              <a:t>Монкада</a:t>
-            </a:r>
-            <a:r>
-              <a:rPr lang="ru-RU" sz="100" dirty="0"/>
-              <a:t> продолжил „политику добрососедства“ (исп. </a:t>
-            </a:r>
-            <a:r>
-              <a:rPr lang="ru-RU" sz="100" dirty="0" err="1"/>
-              <a:t>Política</a:t>
-            </a:r>
-            <a:r>
-              <a:rPr lang="ru-RU" sz="100" dirty="0"/>
-              <a:t> </a:t>
-            </a:r>
-            <a:r>
-              <a:rPr lang="ru-RU" sz="100" dirty="0" err="1"/>
-              <a:t>de</a:t>
-            </a:r>
-            <a:r>
-              <a:rPr lang="ru-RU" sz="100" dirty="0"/>
-              <a:t> </a:t>
-            </a:r>
-            <a:r>
-              <a:rPr lang="ru-RU" sz="100" dirty="0" err="1"/>
-              <a:t>Buena</a:t>
-            </a:r>
-            <a:r>
-              <a:rPr lang="ru-RU" sz="100" dirty="0"/>
-              <a:t> </a:t>
-            </a:r>
-            <a:r>
-              <a:rPr lang="ru-RU" sz="100" dirty="0" err="1"/>
-              <a:t>Vecindad</a:t>
-            </a:r>
-            <a:r>
-              <a:rPr lang="ru-RU" sz="100" dirty="0"/>
-              <a:t>) с США и другими странами региона. В мае 1930 года он ратифицировал Договор </a:t>
-            </a:r>
-            <a:r>
-              <a:rPr lang="ru-RU" sz="100" dirty="0" err="1"/>
-              <a:t>Эсгуэрры-Баркенаса</a:t>
-            </a:r>
-            <a:r>
-              <a:rPr lang="ru-RU" sz="100" dirty="0"/>
-              <a:t> от 1928 года, по которому Никарагуа передала Колумбии спорные острова Сан-</a:t>
-            </a:r>
-            <a:r>
-              <a:rPr lang="ru-RU" sz="100" dirty="0" err="1"/>
-              <a:t>Андрес</a:t>
-            </a:r>
-            <a:r>
-              <a:rPr lang="ru-RU" sz="100" dirty="0"/>
-              <a:t> и </a:t>
-            </a:r>
-            <a:r>
-              <a:rPr lang="ru-RU" sz="100" dirty="0" err="1"/>
-              <a:t>Провиденсия</a:t>
-            </a:r>
-            <a:r>
-              <a:rPr lang="ru-RU" sz="100" dirty="0"/>
-              <a:t>.)</a:t>
             </a:r>
             <a:endParaRPr lang="ru-RU" sz="400" dirty="0"/>
           </a:p>
@@ -12165,35 +11507,11 @@
             <a:pPr algn="ctr"/>
             <a:r>
               <a:rPr lang="ru-RU" sz="700" dirty="0"/>
-              <a:t>Молочный завод </a:t>
-            </a:r>
-            <a:r>
-              <a:rPr lang="ru-RU" sz="300" dirty="0"/>
-              <a:t>(Как только </a:t>
-            </a:r>
-            <a:r>
-              <a:rPr lang="ru-RU" sz="300" dirty="0" err="1"/>
-              <a:t>Сомоса</a:t>
-            </a:r>
-            <a:r>
-              <a:rPr lang="ru-RU" sz="300" dirty="0"/>
-              <a:t> завладел единственным в стране заводом по </a:t>
-            </a:r>
-            <a:r>
-              <a:rPr lang="ru-RU" sz="300" dirty="0" err="1"/>
-              <a:t>пастериза¬ции</a:t>
-            </a:r>
-            <a:r>
-              <a:rPr lang="ru-RU" sz="300" dirty="0"/>
-              <a:t> молока, он немедленно законодательно запретил продавать </a:t>
-            </a:r>
-            <a:r>
-              <a:rPr lang="ru-RU" sz="300" dirty="0" err="1"/>
-              <a:t>непастеризо¬ванное</a:t>
-            </a:r>
-            <a:r>
-              <a:rPr lang="ru-RU" sz="300" dirty="0"/>
-              <a:t> молоко населению.)</a:t>
+              <a:t>Молочный </a:t>
+            </a:r>
+            <a:r>
+              <a:rPr lang="ru-RU" sz="700" dirty="0" smtClean="0"/>
+              <a:t>завод</a:t>
             </a:r>
             <a:endParaRPr lang="ru-RU" sz="200" dirty="0"/>
           </a:p>
@@ -12676,15 +11994,7 @@
             <a:pPr algn="ctr"/>
             <a:r>
               <a:rPr lang="ru-RU" sz="700" dirty="0" smtClean="0"/>
-              <a:t>Построить </a:t>
-            </a:r>
-            <a:r>
-              <a:rPr lang="ru-RU" sz="700" dirty="0" err="1" smtClean="0"/>
-              <a:t>кожевный</a:t>
-            </a:r>
-            <a:r>
-              <a:rPr lang="ru-RU" sz="700" dirty="0" smtClean="0"/>
-              <a:t> завод</a:t>
+              <a:t>Построить кожевенный завод</a:t>
             </a:r>
             <a:endParaRPr lang="ru-RU" sz="400" dirty="0"/>
           </a:p>
@@ -12822,7 +12132,15 @@
             <a:pPr algn="ctr"/>
             <a:r>
               <a:rPr lang="ru-RU" sz="700" dirty="0"/>
-              <a:t>Расширить производство хлопка (1950)</a:t>
+              <a:t>Расширить производство </a:t>
+            </a:r>
+            <a:r>
+              <a:rPr lang="ru-RU" sz="700" dirty="0" smtClean="0"/>
+              <a:t>хлопковой одежды </a:t>
+            </a:r>
+            <a:r>
+              <a:rPr lang="ru-RU" sz="700" dirty="0"/>
+              <a:t>(1950)</a:t>
             </a:r>
             <a:endParaRPr lang="ru-RU" sz="400" dirty="0"/>
           </a:p>

--- a/Наработки/диздоки/Никарагуа/Никарагуа.pptx
+++ b/Наработки/диздоки/Никарагуа/Никарагуа.pptx
@@ -109,7 +109,7 @@
   </p:defaultTextStyle>
   <p:extLst>
     <p:ext uri="{EFAFB233-063F-42B5-8137-9DF3F51BA10A}">
-      <p15:sldGuideLst xmlns:p15="http://schemas.microsoft.com/office/powerpoint/2012/main" xmlns="">
+      <p15:sldGuideLst xmlns="" xmlns:p15="http://schemas.microsoft.com/office/powerpoint/2012/main">
         <p15:guide id="1" orient="horz" pos="11344">
           <p15:clr>
             <a:srgbClr val="A4A3A4"/>
@@ -209,7 +209,7 @@
             <a:fld id="{33E3D7F9-E251-484C-A6FF-FA958879DF69}" type="datetimeFigureOut">
               <a:rPr lang="ru-RU" smtClean="0"/>
               <a:pPr/>
-              <a:t>18.10.2023</a:t>
+              <a:t>19.10.2023</a:t>
             </a:fld>
             <a:endParaRPr lang="ru-RU"/>
           </a:p>
@@ -699,7 +699,7 @@
             <a:fld id="{85A5DE44-605B-4D3B-B2B7-94543DF81A36}" type="datetimeFigureOut">
               <a:rPr lang="ru-RU" smtClean="0"/>
               <a:pPr/>
-              <a:t>18.10.2023</a:t>
+              <a:t>19.10.2023</a:t>
             </a:fld>
             <a:endParaRPr lang="ru-RU"/>
           </a:p>
@@ -871,7 +871,7 @@
             <a:fld id="{85A5DE44-605B-4D3B-B2B7-94543DF81A36}" type="datetimeFigureOut">
               <a:rPr lang="ru-RU" smtClean="0"/>
               <a:pPr/>
-              <a:t>18.10.2023</a:t>
+              <a:t>19.10.2023</a:t>
             </a:fld>
             <a:endParaRPr lang="ru-RU"/>
           </a:p>
@@ -1053,7 +1053,7 @@
             <a:fld id="{85A5DE44-605B-4D3B-B2B7-94543DF81A36}" type="datetimeFigureOut">
               <a:rPr lang="ru-RU" smtClean="0"/>
               <a:pPr/>
-              <a:t>18.10.2023</a:t>
+              <a:t>19.10.2023</a:t>
             </a:fld>
             <a:endParaRPr lang="ru-RU"/>
           </a:p>
@@ -1225,7 +1225,7 @@
             <a:fld id="{85A5DE44-605B-4D3B-B2B7-94543DF81A36}" type="datetimeFigureOut">
               <a:rPr lang="ru-RU" smtClean="0"/>
               <a:pPr/>
-              <a:t>18.10.2023</a:t>
+              <a:t>19.10.2023</a:t>
             </a:fld>
             <a:endParaRPr lang="ru-RU"/>
           </a:p>
@@ -1473,7 +1473,7 @@
             <a:fld id="{85A5DE44-605B-4D3B-B2B7-94543DF81A36}" type="datetimeFigureOut">
               <a:rPr lang="ru-RU" smtClean="0"/>
               <a:pPr/>
-              <a:t>18.10.2023</a:t>
+              <a:t>19.10.2023</a:t>
             </a:fld>
             <a:endParaRPr lang="ru-RU"/>
           </a:p>
@@ -1707,7 +1707,7 @@
             <a:fld id="{85A5DE44-605B-4D3B-B2B7-94543DF81A36}" type="datetimeFigureOut">
               <a:rPr lang="ru-RU" smtClean="0"/>
               <a:pPr/>
-              <a:t>18.10.2023</a:t>
+              <a:t>19.10.2023</a:t>
             </a:fld>
             <a:endParaRPr lang="ru-RU"/>
           </a:p>
@@ -2076,7 +2076,7 @@
             <a:fld id="{85A5DE44-605B-4D3B-B2B7-94543DF81A36}" type="datetimeFigureOut">
               <a:rPr lang="ru-RU" smtClean="0"/>
               <a:pPr/>
-              <a:t>18.10.2023</a:t>
+              <a:t>19.10.2023</a:t>
             </a:fld>
             <a:endParaRPr lang="ru-RU"/>
           </a:p>
@@ -2196,7 +2196,7 @@
             <a:fld id="{85A5DE44-605B-4D3B-B2B7-94543DF81A36}" type="datetimeFigureOut">
               <a:rPr lang="ru-RU" smtClean="0"/>
               <a:pPr/>
-              <a:t>18.10.2023</a:t>
+              <a:t>19.10.2023</a:t>
             </a:fld>
             <a:endParaRPr lang="ru-RU"/>
           </a:p>
@@ -2293,7 +2293,7 @@
             <a:fld id="{85A5DE44-605B-4D3B-B2B7-94543DF81A36}" type="datetimeFigureOut">
               <a:rPr lang="ru-RU" smtClean="0"/>
               <a:pPr/>
-              <a:t>18.10.2023</a:t>
+              <a:t>19.10.2023</a:t>
             </a:fld>
             <a:endParaRPr lang="ru-RU"/>
           </a:p>
@@ -2572,7 +2572,7 @@
             <a:fld id="{85A5DE44-605B-4D3B-B2B7-94543DF81A36}" type="datetimeFigureOut">
               <a:rPr lang="ru-RU" smtClean="0"/>
               <a:pPr/>
-              <a:t>18.10.2023</a:t>
+              <a:t>19.10.2023</a:t>
             </a:fld>
             <a:endParaRPr lang="ru-RU"/>
           </a:p>
@@ -2831,7 +2831,7 @@
             <a:fld id="{85A5DE44-605B-4D3B-B2B7-94543DF81A36}" type="datetimeFigureOut">
               <a:rPr lang="ru-RU" smtClean="0"/>
               <a:pPr/>
-              <a:t>18.10.2023</a:t>
+              <a:t>19.10.2023</a:t>
             </a:fld>
             <a:endParaRPr lang="ru-RU"/>
           </a:p>
@@ -3046,7 +3046,7 @@
             <a:fld id="{85A5DE44-605B-4D3B-B2B7-94543DF81A36}" type="datetimeFigureOut">
               <a:rPr lang="ru-RU" smtClean="0"/>
               <a:pPr/>
-              <a:t>18.10.2023</a:t>
+              <a:t>19.10.2023</a:t>
             </a:fld>
             <a:endParaRPr lang="ru-RU"/>
           </a:p>
@@ -3575,7 +3575,7 @@
           <p:cNvPr id="860" name="Прямоугольник 859">
             <a:extLst>
               <a:ext uri="{FF2B5EF4-FFF2-40B4-BE49-F238E27FC236}">
-                <a16:creationId xmlns:a16="http://schemas.microsoft.com/office/drawing/2014/main" xmlns="" id="{6192B7C6-55FD-4881-A7C8-B46143BFCF64}"/>
+                <a16:creationId xmlns="" xmlns:a16="http://schemas.microsoft.com/office/drawing/2014/main" id="{6192B7C6-55FD-4881-A7C8-B46143BFCF64}"/>
               </a:ext>
             </a:extLst>
           </p:cNvPr>
@@ -3637,7 +3637,7 @@
           <p:cNvPr id="987" name="Прямоугольник 986">
             <a:extLst>
               <a:ext uri="{FF2B5EF4-FFF2-40B4-BE49-F238E27FC236}">
-                <a16:creationId xmlns:a16="http://schemas.microsoft.com/office/drawing/2014/main" xmlns="" id="{67193EE9-417B-43C2-AB81-CA3693D3020C}"/>
+                <a16:creationId xmlns="" xmlns:a16="http://schemas.microsoft.com/office/drawing/2014/main" id="{67193EE9-417B-43C2-AB81-CA3693D3020C}"/>
               </a:ext>
             </a:extLst>
           </p:cNvPr>
@@ -3687,7 +3687,7 @@
           <p:cNvPr id="991" name="Прямоугольник 990">
             <a:extLst>
               <a:ext uri="{FF2B5EF4-FFF2-40B4-BE49-F238E27FC236}">
-                <a16:creationId xmlns:a16="http://schemas.microsoft.com/office/drawing/2014/main" xmlns="" id="{DF4FA738-4588-47B9-8CCD-BD1F596377F3}"/>
+                <a16:creationId xmlns="" xmlns:a16="http://schemas.microsoft.com/office/drawing/2014/main" id="{DF4FA738-4588-47B9-8CCD-BD1F596377F3}"/>
               </a:ext>
             </a:extLst>
           </p:cNvPr>
@@ -3749,7 +3749,7 @@
           <p:cNvPr id="994" name="Прямоугольник 993">
             <a:extLst>
               <a:ext uri="{FF2B5EF4-FFF2-40B4-BE49-F238E27FC236}">
-                <a16:creationId xmlns:a16="http://schemas.microsoft.com/office/drawing/2014/main" xmlns="" id="{2C61400B-484B-4957-B0B2-641DF530B9A0}"/>
+                <a16:creationId xmlns="" xmlns:a16="http://schemas.microsoft.com/office/drawing/2014/main" id="{2C61400B-484B-4957-B0B2-641DF530B9A0}"/>
               </a:ext>
             </a:extLst>
           </p:cNvPr>
@@ -3803,7 +3803,7 @@
           <p:cNvPr id="995" name="Прямоугольник 994">
             <a:extLst>
               <a:ext uri="{FF2B5EF4-FFF2-40B4-BE49-F238E27FC236}">
-                <a16:creationId xmlns:a16="http://schemas.microsoft.com/office/drawing/2014/main" xmlns="" id="{F18E07CC-8B9D-421A-926B-156E5FCEBD1B}"/>
+                <a16:creationId xmlns="" xmlns:a16="http://schemas.microsoft.com/office/drawing/2014/main" id="{F18E07CC-8B9D-421A-926B-156E5FCEBD1B}"/>
               </a:ext>
             </a:extLst>
           </p:cNvPr>
@@ -3861,7 +3861,7 @@
           <p:cNvPr id="996" name="Прямоугольник 995">
             <a:extLst>
               <a:ext uri="{FF2B5EF4-FFF2-40B4-BE49-F238E27FC236}">
-                <a16:creationId xmlns:a16="http://schemas.microsoft.com/office/drawing/2014/main" xmlns="" id="{0A3E31CE-1F95-493B-99B8-75E1E74691B0}"/>
+                <a16:creationId xmlns="" xmlns:a16="http://schemas.microsoft.com/office/drawing/2014/main" id="{0A3E31CE-1F95-493B-99B8-75E1E74691B0}"/>
               </a:ext>
             </a:extLst>
           </p:cNvPr>
@@ -3915,7 +3915,7 @@
           <p:cNvPr id="998" name="Прямоугольник 997">
             <a:extLst>
               <a:ext uri="{FF2B5EF4-FFF2-40B4-BE49-F238E27FC236}">
-                <a16:creationId xmlns:a16="http://schemas.microsoft.com/office/drawing/2014/main" xmlns="" id="{D1BF57CA-E69C-44E3-AAB9-85050AFD605D}"/>
+                <a16:creationId xmlns="" xmlns:a16="http://schemas.microsoft.com/office/drawing/2014/main" id="{D1BF57CA-E69C-44E3-AAB9-85050AFD605D}"/>
               </a:ext>
             </a:extLst>
           </p:cNvPr>
@@ -3965,7 +3965,7 @@
           <p:cNvPr id="999" name="Прямоугольник 998">
             <a:extLst>
               <a:ext uri="{FF2B5EF4-FFF2-40B4-BE49-F238E27FC236}">
-                <a16:creationId xmlns:a16="http://schemas.microsoft.com/office/drawing/2014/main" xmlns="" id="{ED20F934-4F09-47D0-A5C3-475497C89CA8}"/>
+                <a16:creationId xmlns="" xmlns:a16="http://schemas.microsoft.com/office/drawing/2014/main" id="{ED20F934-4F09-47D0-A5C3-475497C89CA8}"/>
               </a:ext>
             </a:extLst>
           </p:cNvPr>
@@ -4019,7 +4019,7 @@
           <p:cNvPr id="1000" name="Прямоугольник 999">
             <a:extLst>
               <a:ext uri="{FF2B5EF4-FFF2-40B4-BE49-F238E27FC236}">
-                <a16:creationId xmlns:a16="http://schemas.microsoft.com/office/drawing/2014/main" xmlns="" id="{3031F683-9F5E-4938-B59B-3FA74405AA5D}"/>
+                <a16:creationId xmlns="" xmlns:a16="http://schemas.microsoft.com/office/drawing/2014/main" id="{3031F683-9F5E-4938-B59B-3FA74405AA5D}"/>
               </a:ext>
             </a:extLst>
           </p:cNvPr>
@@ -4080,7 +4080,7 @@
           <p:cNvPr id="1003" name="Прямоугольник 1002">
             <a:extLst>
               <a:ext uri="{FF2B5EF4-FFF2-40B4-BE49-F238E27FC236}">
-                <a16:creationId xmlns:a16="http://schemas.microsoft.com/office/drawing/2014/main" xmlns="" id="{6902397C-BDFE-4DCF-A1A2-FAE0B2626BDA}"/>
+                <a16:creationId xmlns="" xmlns:a16="http://schemas.microsoft.com/office/drawing/2014/main" id="{6902397C-BDFE-4DCF-A1A2-FAE0B2626BDA}"/>
               </a:ext>
             </a:extLst>
           </p:cNvPr>
@@ -4141,7 +4141,7 @@
           <p:cNvPr id="1004" name="Прямоугольник 1003">
             <a:extLst>
               <a:ext uri="{FF2B5EF4-FFF2-40B4-BE49-F238E27FC236}">
-                <a16:creationId xmlns:a16="http://schemas.microsoft.com/office/drawing/2014/main" xmlns="" id="{69B79668-F64A-48E7-B6D8-046B42C5083A}"/>
+                <a16:creationId xmlns="" xmlns:a16="http://schemas.microsoft.com/office/drawing/2014/main" id="{69B79668-F64A-48E7-B6D8-046B42C5083A}"/>
               </a:ext>
             </a:extLst>
           </p:cNvPr>
@@ -4195,7 +4195,7 @@
           <p:cNvPr id="1006" name="Прямоугольник 1005">
             <a:extLst>
               <a:ext uri="{FF2B5EF4-FFF2-40B4-BE49-F238E27FC236}">
-                <a16:creationId xmlns:a16="http://schemas.microsoft.com/office/drawing/2014/main" xmlns="" id="{DBC3419A-22FA-43FF-B8B9-DD68FEBDCE02}"/>
+                <a16:creationId xmlns="" xmlns:a16="http://schemas.microsoft.com/office/drawing/2014/main" id="{DBC3419A-22FA-43FF-B8B9-DD68FEBDCE02}"/>
               </a:ext>
             </a:extLst>
           </p:cNvPr>
@@ -4253,7 +4253,7 @@
           <p:cNvPr id="1007" name="Прямоугольник 1006">
             <a:extLst>
               <a:ext uri="{FF2B5EF4-FFF2-40B4-BE49-F238E27FC236}">
-                <a16:creationId xmlns:a16="http://schemas.microsoft.com/office/drawing/2014/main" xmlns="" id="{16A1A0CD-EC27-4841-9CAC-A2951FA574D9}"/>
+                <a16:creationId xmlns="" xmlns:a16="http://schemas.microsoft.com/office/drawing/2014/main" id="{16A1A0CD-EC27-4841-9CAC-A2951FA574D9}"/>
               </a:ext>
             </a:extLst>
           </p:cNvPr>
@@ -4302,7 +4302,7 @@
           <p:cNvPr id="1009" name="Прямоугольник 1008">
             <a:extLst>
               <a:ext uri="{FF2B5EF4-FFF2-40B4-BE49-F238E27FC236}">
-                <a16:creationId xmlns:a16="http://schemas.microsoft.com/office/drawing/2014/main" xmlns="" id="{D6B9B13E-4EC1-48C5-9D81-8A7DC0201F74}"/>
+                <a16:creationId xmlns="" xmlns:a16="http://schemas.microsoft.com/office/drawing/2014/main" id="{D6B9B13E-4EC1-48C5-9D81-8A7DC0201F74}"/>
               </a:ext>
             </a:extLst>
           </p:cNvPr>
@@ -4356,7 +4356,7 @@
           <p:cNvPr id="1010" name="Прямоугольник 1009">
             <a:extLst>
               <a:ext uri="{FF2B5EF4-FFF2-40B4-BE49-F238E27FC236}">
-                <a16:creationId xmlns:a16="http://schemas.microsoft.com/office/drawing/2014/main" xmlns="" id="{EB093940-7B32-4F48-90D9-92C619CCC27C}"/>
+                <a16:creationId xmlns="" xmlns:a16="http://schemas.microsoft.com/office/drawing/2014/main" id="{EB093940-7B32-4F48-90D9-92C619CCC27C}"/>
               </a:ext>
             </a:extLst>
           </p:cNvPr>
@@ -4414,7 +4414,7 @@
           <p:cNvPr id="1011" name="Прямая со стрелкой 1010">
             <a:extLst>
               <a:ext uri="{FF2B5EF4-FFF2-40B4-BE49-F238E27FC236}">
-                <a16:creationId xmlns:a16="http://schemas.microsoft.com/office/drawing/2014/main" xmlns="" id="{6FF1BA7F-812C-44A5-BEC2-31F4B6F55538}"/>
+                <a16:creationId xmlns="" xmlns:a16="http://schemas.microsoft.com/office/drawing/2014/main" id="{6FF1BA7F-812C-44A5-BEC2-31F4B6F55538}"/>
               </a:ext>
             </a:extLst>
           </p:cNvPr>
@@ -4457,7 +4457,7 @@
           <p:cNvPr id="1012" name="Соединительная линия уступом 903">
             <a:extLst>
               <a:ext uri="{FF2B5EF4-FFF2-40B4-BE49-F238E27FC236}">
-                <a16:creationId xmlns:a16="http://schemas.microsoft.com/office/drawing/2014/main" xmlns="" id="{61CC6BA5-39EA-4B23-A209-0E7E8DB14AB7}"/>
+                <a16:creationId xmlns="" xmlns:a16="http://schemas.microsoft.com/office/drawing/2014/main" id="{61CC6BA5-39EA-4B23-A209-0E7E8DB14AB7}"/>
               </a:ext>
             </a:extLst>
           </p:cNvPr>
@@ -4502,7 +4502,7 @@
           <p:cNvPr id="1014" name="Прямая со стрелкой 1013">
             <a:extLst>
               <a:ext uri="{FF2B5EF4-FFF2-40B4-BE49-F238E27FC236}">
-                <a16:creationId xmlns:a16="http://schemas.microsoft.com/office/drawing/2014/main" xmlns="" id="{DE622A39-F9DB-4104-B64D-4660F6424C79}"/>
+                <a16:creationId xmlns="" xmlns:a16="http://schemas.microsoft.com/office/drawing/2014/main" id="{DE622A39-F9DB-4104-B64D-4660F6424C79}"/>
               </a:ext>
             </a:extLst>
           </p:cNvPr>
@@ -4545,7 +4545,7 @@
           <p:cNvPr id="1015" name="Прямая со стрелкой 1014">
             <a:extLst>
               <a:ext uri="{FF2B5EF4-FFF2-40B4-BE49-F238E27FC236}">
-                <a16:creationId xmlns:a16="http://schemas.microsoft.com/office/drawing/2014/main" xmlns="" id="{F4E65FFA-5006-43A8-9BFD-FFB14F085370}"/>
+                <a16:creationId xmlns="" xmlns:a16="http://schemas.microsoft.com/office/drawing/2014/main" id="{F4E65FFA-5006-43A8-9BFD-FFB14F085370}"/>
               </a:ext>
             </a:extLst>
           </p:cNvPr>
@@ -4588,7 +4588,7 @@
           <p:cNvPr id="1016" name="Прямая со стрелкой 1015">
             <a:extLst>
               <a:ext uri="{FF2B5EF4-FFF2-40B4-BE49-F238E27FC236}">
-                <a16:creationId xmlns:a16="http://schemas.microsoft.com/office/drawing/2014/main" xmlns="" id="{CC2FBAD9-0DAC-475C-84AF-B8C4D7F7CD36}"/>
+                <a16:creationId xmlns="" xmlns:a16="http://schemas.microsoft.com/office/drawing/2014/main" id="{CC2FBAD9-0DAC-475C-84AF-B8C4D7F7CD36}"/>
               </a:ext>
             </a:extLst>
           </p:cNvPr>
@@ -4631,7 +4631,7 @@
           <p:cNvPr id="1017" name="Прямая со стрелкой 1016">
             <a:extLst>
               <a:ext uri="{FF2B5EF4-FFF2-40B4-BE49-F238E27FC236}">
-                <a16:creationId xmlns:a16="http://schemas.microsoft.com/office/drawing/2014/main" xmlns="" id="{7F5BA024-9E61-46B2-B19B-838E6AB850FD}"/>
+                <a16:creationId xmlns="" xmlns:a16="http://schemas.microsoft.com/office/drawing/2014/main" id="{7F5BA024-9E61-46B2-B19B-838E6AB850FD}"/>
               </a:ext>
             </a:extLst>
           </p:cNvPr>
@@ -4674,7 +4674,7 @@
           <p:cNvPr id="1018" name="Соединительная линия уступом 903">
             <a:extLst>
               <a:ext uri="{FF2B5EF4-FFF2-40B4-BE49-F238E27FC236}">
-                <a16:creationId xmlns:a16="http://schemas.microsoft.com/office/drawing/2014/main" xmlns="" id="{D9E9FE67-1272-43E5-98D8-86DDB97DE61E}"/>
+                <a16:creationId xmlns="" xmlns:a16="http://schemas.microsoft.com/office/drawing/2014/main" id="{D9E9FE67-1272-43E5-98D8-86DDB97DE61E}"/>
               </a:ext>
             </a:extLst>
           </p:cNvPr>
@@ -4719,7 +4719,7 @@
           <p:cNvPr id="1019" name="Прямая со стрелкой 1018">
             <a:extLst>
               <a:ext uri="{FF2B5EF4-FFF2-40B4-BE49-F238E27FC236}">
-                <a16:creationId xmlns:a16="http://schemas.microsoft.com/office/drawing/2014/main" xmlns="" id="{59266080-AC10-42CA-B68E-CEDF802FA3D3}"/>
+                <a16:creationId xmlns="" xmlns:a16="http://schemas.microsoft.com/office/drawing/2014/main" id="{59266080-AC10-42CA-B68E-CEDF802FA3D3}"/>
               </a:ext>
             </a:extLst>
           </p:cNvPr>
@@ -4763,7 +4763,7 @@
           <p:cNvPr id="1020" name="Соединительная линия уступом 903">
             <a:extLst>
               <a:ext uri="{FF2B5EF4-FFF2-40B4-BE49-F238E27FC236}">
-                <a16:creationId xmlns:a16="http://schemas.microsoft.com/office/drawing/2014/main" xmlns="" id="{62E8E398-7627-44D2-9D70-5C4E18D9492C}"/>
+                <a16:creationId xmlns="" xmlns:a16="http://schemas.microsoft.com/office/drawing/2014/main" id="{62E8E398-7627-44D2-9D70-5C4E18D9492C}"/>
               </a:ext>
             </a:extLst>
           </p:cNvPr>
@@ -4809,7 +4809,7 @@
           <p:cNvPr id="1021" name="Соединительная линия уступом 903">
             <a:extLst>
               <a:ext uri="{FF2B5EF4-FFF2-40B4-BE49-F238E27FC236}">
-                <a16:creationId xmlns:a16="http://schemas.microsoft.com/office/drawing/2014/main" xmlns="" id="{BDC7F8CB-0052-4FAE-993D-F1332955CF43}"/>
+                <a16:creationId xmlns="" xmlns:a16="http://schemas.microsoft.com/office/drawing/2014/main" id="{BDC7F8CB-0052-4FAE-993D-F1332955CF43}"/>
               </a:ext>
             </a:extLst>
           </p:cNvPr>
@@ -4855,7 +4855,7 @@
           <p:cNvPr id="34" name="Прямоугольник 33">
             <a:extLst>
               <a:ext uri="{FF2B5EF4-FFF2-40B4-BE49-F238E27FC236}">
-                <a16:creationId xmlns:a16="http://schemas.microsoft.com/office/drawing/2014/main" xmlns="" id="{59ACB422-97FE-4024-8EC7-A17F82AC2F7B}"/>
+                <a16:creationId xmlns="" xmlns:a16="http://schemas.microsoft.com/office/drawing/2014/main" id="{59ACB422-97FE-4024-8EC7-A17F82AC2F7B}"/>
               </a:ext>
             </a:extLst>
           </p:cNvPr>
@@ -4905,7 +4905,7 @@
           <p:cNvPr id="35" name="Прямоугольник 34">
             <a:extLst>
               <a:ext uri="{FF2B5EF4-FFF2-40B4-BE49-F238E27FC236}">
-                <a16:creationId xmlns:a16="http://schemas.microsoft.com/office/drawing/2014/main" xmlns="" id="{8F6B01E8-2051-4659-A9F2-6CCFEACACA21}"/>
+                <a16:creationId xmlns="" xmlns:a16="http://schemas.microsoft.com/office/drawing/2014/main" id="{8F6B01E8-2051-4659-A9F2-6CCFEACACA21}"/>
               </a:ext>
             </a:extLst>
           </p:cNvPr>
@@ -4955,7 +4955,7 @@
           <p:cNvPr id="36" name="Прямоугольник 35">
             <a:extLst>
               <a:ext uri="{FF2B5EF4-FFF2-40B4-BE49-F238E27FC236}">
-                <a16:creationId xmlns:a16="http://schemas.microsoft.com/office/drawing/2014/main" xmlns="" id="{9367D27D-AEBB-46B0-A932-DCEBE1910C36}"/>
+                <a16:creationId xmlns="" xmlns:a16="http://schemas.microsoft.com/office/drawing/2014/main" id="{9367D27D-AEBB-46B0-A932-DCEBE1910C36}"/>
               </a:ext>
             </a:extLst>
           </p:cNvPr>
@@ -5005,7 +5005,7 @@
           <p:cNvPr id="37" name="Прямоугольник 36">
             <a:extLst>
               <a:ext uri="{FF2B5EF4-FFF2-40B4-BE49-F238E27FC236}">
-                <a16:creationId xmlns:a16="http://schemas.microsoft.com/office/drawing/2014/main" xmlns="" id="{97D21FA9-0A99-4302-9C8A-886C2A95D444}"/>
+                <a16:creationId xmlns="" xmlns:a16="http://schemas.microsoft.com/office/drawing/2014/main" id="{97D21FA9-0A99-4302-9C8A-886C2A95D444}"/>
               </a:ext>
             </a:extLst>
           </p:cNvPr>
@@ -5063,7 +5063,7 @@
           <p:cNvPr id="38" name="Прямоугольник 37">
             <a:extLst>
               <a:ext uri="{FF2B5EF4-FFF2-40B4-BE49-F238E27FC236}">
-                <a16:creationId xmlns:a16="http://schemas.microsoft.com/office/drawing/2014/main" xmlns="" id="{9C02A14C-DE5F-49AD-A4EE-A27966D0EFDC}"/>
+                <a16:creationId xmlns="" xmlns:a16="http://schemas.microsoft.com/office/drawing/2014/main" id="{9C02A14C-DE5F-49AD-A4EE-A27966D0EFDC}"/>
               </a:ext>
             </a:extLst>
           </p:cNvPr>
@@ -5072,7 +5072,7 @@
         </p:nvSpPr>
         <p:spPr>
           <a:xfrm>
-            <a:off x="14647672" y="14882933"/>
+            <a:off x="5237444" y="16508603"/>
             <a:ext cx="926325" cy="540000"/>
           </a:xfrm>
           <a:prstGeom prst="rect">
@@ -5115,7 +5115,7 @@
           <p:cNvPr id="39" name="Прямоугольник 38">
             <a:extLst>
               <a:ext uri="{FF2B5EF4-FFF2-40B4-BE49-F238E27FC236}">
-                <a16:creationId xmlns:a16="http://schemas.microsoft.com/office/drawing/2014/main" xmlns="" id="{CCC56779-6173-48FC-B7E9-574156FA22BE}"/>
+                <a16:creationId xmlns="" xmlns:a16="http://schemas.microsoft.com/office/drawing/2014/main" id="{CCC56779-6173-48FC-B7E9-574156FA22BE}"/>
               </a:ext>
             </a:extLst>
           </p:cNvPr>
@@ -5124,7 +5124,7 @@
         </p:nvSpPr>
         <p:spPr>
           <a:xfrm>
-            <a:off x="14816444" y="15619436"/>
+            <a:off x="10442560" y="18574594"/>
             <a:ext cx="926325" cy="540000"/>
           </a:xfrm>
           <a:prstGeom prst="rect">
@@ -5167,7 +5167,7 @@
           <p:cNvPr id="42" name="Прямоугольник 41">
             <a:extLst>
               <a:ext uri="{FF2B5EF4-FFF2-40B4-BE49-F238E27FC236}">
-                <a16:creationId xmlns:a16="http://schemas.microsoft.com/office/drawing/2014/main" xmlns="" id="{03F7D570-4EE1-495E-9294-D367F2E7763E}"/>
+                <a16:creationId xmlns="" xmlns:a16="http://schemas.microsoft.com/office/drawing/2014/main" id="{03F7D570-4EE1-495E-9294-D367F2E7763E}"/>
               </a:ext>
             </a:extLst>
           </p:cNvPr>
@@ -5217,7 +5217,7 @@
           <p:cNvPr id="43" name="Прямоугольник 42">
             <a:extLst>
               <a:ext uri="{FF2B5EF4-FFF2-40B4-BE49-F238E27FC236}">
-                <a16:creationId xmlns:a16="http://schemas.microsoft.com/office/drawing/2014/main" xmlns="" id="{5858A8E5-3EFA-419C-99B9-6773CA7E1501}"/>
+                <a16:creationId xmlns="" xmlns:a16="http://schemas.microsoft.com/office/drawing/2014/main" id="{5858A8E5-3EFA-419C-99B9-6773CA7E1501}"/>
               </a:ext>
             </a:extLst>
           </p:cNvPr>
@@ -5271,7 +5271,7 @@
           <p:cNvPr id="45" name="Прямоугольник 44">
             <a:extLst>
               <a:ext uri="{FF2B5EF4-FFF2-40B4-BE49-F238E27FC236}">
-                <a16:creationId xmlns:a16="http://schemas.microsoft.com/office/drawing/2014/main" xmlns="" id="{29CBE310-5100-413A-B4C1-EA4E28F411B1}"/>
+                <a16:creationId xmlns="" xmlns:a16="http://schemas.microsoft.com/office/drawing/2014/main" id="{29CBE310-5100-413A-B4C1-EA4E28F411B1}"/>
               </a:ext>
             </a:extLst>
           </p:cNvPr>
@@ -5321,7 +5321,7 @@
           <p:cNvPr id="47" name="Прямоугольник 46">
             <a:extLst>
               <a:ext uri="{FF2B5EF4-FFF2-40B4-BE49-F238E27FC236}">
-                <a16:creationId xmlns:a16="http://schemas.microsoft.com/office/drawing/2014/main" xmlns="" id="{1163C105-465F-453D-9A47-C92FC2A2CB52}"/>
+                <a16:creationId xmlns="" xmlns:a16="http://schemas.microsoft.com/office/drawing/2014/main" id="{1163C105-465F-453D-9A47-C92FC2A2CB52}"/>
               </a:ext>
             </a:extLst>
           </p:cNvPr>
@@ -5375,7 +5375,7 @@
           <p:cNvPr id="48" name="Прямоугольник 47">
             <a:extLst>
               <a:ext uri="{FF2B5EF4-FFF2-40B4-BE49-F238E27FC236}">
-                <a16:creationId xmlns:a16="http://schemas.microsoft.com/office/drawing/2014/main" xmlns="" id="{D53819E8-2FF6-4FFA-A7E4-75D55AADB8B5}"/>
+                <a16:creationId xmlns="" xmlns:a16="http://schemas.microsoft.com/office/drawing/2014/main" id="{D53819E8-2FF6-4FFA-A7E4-75D55AADB8B5}"/>
               </a:ext>
             </a:extLst>
           </p:cNvPr>
@@ -5425,7 +5425,7 @@
           <p:cNvPr id="49" name="Прямоугольник 48">
             <a:extLst>
               <a:ext uri="{FF2B5EF4-FFF2-40B4-BE49-F238E27FC236}">
-                <a16:creationId xmlns:a16="http://schemas.microsoft.com/office/drawing/2014/main" xmlns="" id="{F9117D70-446E-4EA7-820C-5F0C5AE4BB1B}"/>
+                <a16:creationId xmlns="" xmlns:a16="http://schemas.microsoft.com/office/drawing/2014/main" id="{F9117D70-446E-4EA7-820C-5F0C5AE4BB1B}"/>
               </a:ext>
             </a:extLst>
           </p:cNvPr>
@@ -5479,7 +5479,7 @@
           <p:cNvPr id="50" name="Прямоугольник 49">
             <a:extLst>
               <a:ext uri="{FF2B5EF4-FFF2-40B4-BE49-F238E27FC236}">
-                <a16:creationId xmlns:a16="http://schemas.microsoft.com/office/drawing/2014/main" xmlns="" id="{357E437B-3536-45BE-A3D0-3F539D983768}"/>
+                <a16:creationId xmlns="" xmlns:a16="http://schemas.microsoft.com/office/drawing/2014/main" id="{357E437B-3536-45BE-A3D0-3F539D983768}"/>
               </a:ext>
             </a:extLst>
           </p:cNvPr>
@@ -5533,7 +5533,7 @@
           <p:cNvPr id="51" name="Прямая со стрелкой 50">
             <a:extLst>
               <a:ext uri="{FF2B5EF4-FFF2-40B4-BE49-F238E27FC236}">
-                <a16:creationId xmlns:a16="http://schemas.microsoft.com/office/drawing/2014/main" xmlns="" id="{F822F6CB-0335-40A1-921A-29544F834AD9}"/>
+                <a16:creationId xmlns="" xmlns:a16="http://schemas.microsoft.com/office/drawing/2014/main" id="{F822F6CB-0335-40A1-921A-29544F834AD9}"/>
               </a:ext>
             </a:extLst>
           </p:cNvPr>
@@ -5576,7 +5576,7 @@
           <p:cNvPr id="52" name="Прямая со стрелкой 51">
             <a:extLst>
               <a:ext uri="{FF2B5EF4-FFF2-40B4-BE49-F238E27FC236}">
-                <a16:creationId xmlns:a16="http://schemas.microsoft.com/office/drawing/2014/main" xmlns="" id="{5BCAF6D7-5BA1-4C42-82B8-95F6B189B961}"/>
+                <a16:creationId xmlns="" xmlns:a16="http://schemas.microsoft.com/office/drawing/2014/main" id="{5BCAF6D7-5BA1-4C42-82B8-95F6B189B961}"/>
               </a:ext>
             </a:extLst>
           </p:cNvPr>
@@ -5619,7 +5619,7 @@
           <p:cNvPr id="55" name="Прямоугольник 54">
             <a:extLst>
               <a:ext uri="{FF2B5EF4-FFF2-40B4-BE49-F238E27FC236}">
-                <a16:creationId xmlns:a16="http://schemas.microsoft.com/office/drawing/2014/main" xmlns="" id="{59913842-712E-4C78-8382-3186E11F9969}"/>
+                <a16:creationId xmlns="" xmlns:a16="http://schemas.microsoft.com/office/drawing/2014/main" id="{59913842-712E-4C78-8382-3186E11F9969}"/>
               </a:ext>
             </a:extLst>
           </p:cNvPr>
@@ -5677,7 +5677,7 @@
           <p:cNvPr id="56" name="Прямоугольник 55">
             <a:extLst>
               <a:ext uri="{FF2B5EF4-FFF2-40B4-BE49-F238E27FC236}">
-                <a16:creationId xmlns:a16="http://schemas.microsoft.com/office/drawing/2014/main" xmlns="" id="{6C5218F4-B4FE-4973-B0D1-795F69898B06}"/>
+                <a16:creationId xmlns="" xmlns:a16="http://schemas.microsoft.com/office/drawing/2014/main" id="{6C5218F4-B4FE-4973-B0D1-795F69898B06}"/>
               </a:ext>
             </a:extLst>
           </p:cNvPr>
@@ -5732,7 +5732,7 @@
           <p:cNvPr id="59" name="Соединительная линия уступом 903">
             <a:extLst>
               <a:ext uri="{FF2B5EF4-FFF2-40B4-BE49-F238E27FC236}">
-                <a16:creationId xmlns:a16="http://schemas.microsoft.com/office/drawing/2014/main" xmlns="" id="{109A067E-CE15-4E03-9773-91E0273879C6}"/>
+                <a16:creationId xmlns="" xmlns:a16="http://schemas.microsoft.com/office/drawing/2014/main" id="{109A067E-CE15-4E03-9773-91E0273879C6}"/>
               </a:ext>
             </a:extLst>
           </p:cNvPr>
@@ -5778,7 +5778,7 @@
           <p:cNvPr id="62" name="Соединительная линия уступом 903">
             <a:extLst>
               <a:ext uri="{FF2B5EF4-FFF2-40B4-BE49-F238E27FC236}">
-                <a16:creationId xmlns:a16="http://schemas.microsoft.com/office/drawing/2014/main" xmlns="" id="{6C07AA97-4525-4DE7-ADCC-04D2CBE84DB2}"/>
+                <a16:creationId xmlns="" xmlns:a16="http://schemas.microsoft.com/office/drawing/2014/main" id="{6C07AA97-4525-4DE7-ADCC-04D2CBE84DB2}"/>
               </a:ext>
             </a:extLst>
           </p:cNvPr>
@@ -5824,7 +5824,7 @@
           <p:cNvPr id="65" name="Соединительная линия уступом 903">
             <a:extLst>
               <a:ext uri="{FF2B5EF4-FFF2-40B4-BE49-F238E27FC236}">
-                <a16:creationId xmlns:a16="http://schemas.microsoft.com/office/drawing/2014/main" xmlns="" id="{43EDEE73-8E0A-4B11-A556-528A0A52CC3F}"/>
+                <a16:creationId xmlns="" xmlns:a16="http://schemas.microsoft.com/office/drawing/2014/main" id="{43EDEE73-8E0A-4B11-A556-528A0A52CC3F}"/>
               </a:ext>
             </a:extLst>
           </p:cNvPr>
@@ -5870,7 +5870,7 @@
           <p:cNvPr id="68" name="Соединительная линия уступом 903">
             <a:extLst>
               <a:ext uri="{FF2B5EF4-FFF2-40B4-BE49-F238E27FC236}">
-                <a16:creationId xmlns:a16="http://schemas.microsoft.com/office/drawing/2014/main" xmlns="" id="{59D2BA6A-BD9D-4F57-A305-E873010A82F4}"/>
+                <a16:creationId xmlns="" xmlns:a16="http://schemas.microsoft.com/office/drawing/2014/main" id="{59D2BA6A-BD9D-4F57-A305-E873010A82F4}"/>
               </a:ext>
             </a:extLst>
           </p:cNvPr>
@@ -5916,7 +5916,7 @@
           <p:cNvPr id="71" name="Соединительная линия уступом 903">
             <a:extLst>
               <a:ext uri="{FF2B5EF4-FFF2-40B4-BE49-F238E27FC236}">
-                <a16:creationId xmlns:a16="http://schemas.microsoft.com/office/drawing/2014/main" xmlns="" id="{00B11476-6764-4576-A5AA-307DE0B54FA8}"/>
+                <a16:creationId xmlns="" xmlns:a16="http://schemas.microsoft.com/office/drawing/2014/main" id="{00B11476-6764-4576-A5AA-307DE0B54FA8}"/>
               </a:ext>
             </a:extLst>
           </p:cNvPr>
@@ -5962,7 +5962,7 @@
           <p:cNvPr id="74" name="Соединительная линия уступом 903">
             <a:extLst>
               <a:ext uri="{FF2B5EF4-FFF2-40B4-BE49-F238E27FC236}">
-                <a16:creationId xmlns:a16="http://schemas.microsoft.com/office/drawing/2014/main" xmlns="" id="{F1EE0CAA-C3CE-4369-8DB1-59C2A23436F1}"/>
+                <a16:creationId xmlns="" xmlns:a16="http://schemas.microsoft.com/office/drawing/2014/main" id="{F1EE0CAA-C3CE-4369-8DB1-59C2A23436F1}"/>
               </a:ext>
             </a:extLst>
           </p:cNvPr>
@@ -6008,7 +6008,7 @@
           <p:cNvPr id="77" name="Прямоугольник 76">
             <a:extLst>
               <a:ext uri="{FF2B5EF4-FFF2-40B4-BE49-F238E27FC236}">
-                <a16:creationId xmlns:a16="http://schemas.microsoft.com/office/drawing/2014/main" xmlns="" id="{F492B8D6-39F0-4D20-92A4-58A3AE1323E7}"/>
+                <a16:creationId xmlns="" xmlns:a16="http://schemas.microsoft.com/office/drawing/2014/main" id="{F492B8D6-39F0-4D20-92A4-58A3AE1323E7}"/>
               </a:ext>
             </a:extLst>
           </p:cNvPr>
@@ -6066,7 +6066,7 @@
           <p:cNvPr id="78" name="Прямоугольник 77">
             <a:extLst>
               <a:ext uri="{FF2B5EF4-FFF2-40B4-BE49-F238E27FC236}">
-                <a16:creationId xmlns:a16="http://schemas.microsoft.com/office/drawing/2014/main" xmlns="" id="{AE8DBF0B-DB9F-42C3-8B1F-A688891403FA}"/>
+                <a16:creationId xmlns="" xmlns:a16="http://schemas.microsoft.com/office/drawing/2014/main" id="{AE8DBF0B-DB9F-42C3-8B1F-A688891403FA}"/>
               </a:ext>
             </a:extLst>
           </p:cNvPr>
@@ -6124,7 +6124,7 @@
           <p:cNvPr id="80" name="Прямоугольник 79">
             <a:extLst>
               <a:ext uri="{FF2B5EF4-FFF2-40B4-BE49-F238E27FC236}">
-                <a16:creationId xmlns:a16="http://schemas.microsoft.com/office/drawing/2014/main" xmlns="" id="{51DDA96E-A685-43FC-845D-8C9265EE929A}"/>
+                <a16:creationId xmlns="" xmlns:a16="http://schemas.microsoft.com/office/drawing/2014/main" id="{51DDA96E-A685-43FC-845D-8C9265EE929A}"/>
               </a:ext>
             </a:extLst>
           </p:cNvPr>
@@ -6133,7 +6133,7 @@
         </p:nvSpPr>
         <p:spPr>
           <a:xfrm>
-            <a:off x="12148816" y="14206870"/>
+            <a:off x="955424" y="14867700"/>
             <a:ext cx="926325" cy="540000"/>
           </a:xfrm>
           <a:prstGeom prst="rect">
@@ -6176,7 +6176,7 @@
           <p:cNvPr id="81" name="Прямоугольник 80">
             <a:extLst>
               <a:ext uri="{FF2B5EF4-FFF2-40B4-BE49-F238E27FC236}">
-                <a16:creationId xmlns:a16="http://schemas.microsoft.com/office/drawing/2014/main" xmlns="" id="{FC846415-2760-43A4-A1A1-795C4968509B}"/>
+                <a16:creationId xmlns="" xmlns:a16="http://schemas.microsoft.com/office/drawing/2014/main" id="{FC846415-2760-43A4-A1A1-795C4968509B}"/>
               </a:ext>
             </a:extLst>
           </p:cNvPr>
@@ -6185,7 +6185,7 @@
         </p:nvSpPr>
         <p:spPr>
           <a:xfrm>
-            <a:off x="13306716" y="14206870"/>
+            <a:off x="3734408" y="14867700"/>
             <a:ext cx="926325" cy="540000"/>
           </a:xfrm>
           <a:prstGeom prst="rect">
@@ -6228,7 +6228,7 @@
           <p:cNvPr id="82" name="Прямоугольник 81">
             <a:extLst>
               <a:ext uri="{FF2B5EF4-FFF2-40B4-BE49-F238E27FC236}">
-                <a16:creationId xmlns:a16="http://schemas.microsoft.com/office/drawing/2014/main" xmlns="" id="{BF5DE4AD-D7D4-4C86-9704-BFA8884FD2C7}"/>
+                <a16:creationId xmlns="" xmlns:a16="http://schemas.microsoft.com/office/drawing/2014/main" id="{BF5DE4AD-D7D4-4C86-9704-BFA8884FD2C7}"/>
               </a:ext>
             </a:extLst>
           </p:cNvPr>
@@ -6237,7 +6237,7 @@
         </p:nvSpPr>
         <p:spPr>
           <a:xfrm>
-            <a:off x="11154799" y="14140280"/>
+            <a:off x="2329435" y="14867700"/>
             <a:ext cx="926325" cy="540000"/>
           </a:xfrm>
           <a:prstGeom prst="rect">
@@ -6280,7 +6280,7 @@
           <p:cNvPr id="83" name="Прямоугольник 82">
             <a:extLst>
               <a:ext uri="{FF2B5EF4-FFF2-40B4-BE49-F238E27FC236}">
-                <a16:creationId xmlns:a16="http://schemas.microsoft.com/office/drawing/2014/main" xmlns="" id="{FFDF3200-07AF-4F88-9AFA-E895A9EB463F}"/>
+                <a16:creationId xmlns="" xmlns:a16="http://schemas.microsoft.com/office/drawing/2014/main" id="{FFDF3200-07AF-4F88-9AFA-E895A9EB463F}"/>
               </a:ext>
             </a:extLst>
           </p:cNvPr>
@@ -6289,7 +6289,7 @@
         </p:nvSpPr>
         <p:spPr>
           <a:xfrm>
-            <a:off x="12611978" y="14833517"/>
+            <a:off x="3725606" y="16508603"/>
             <a:ext cx="926325" cy="540000"/>
           </a:xfrm>
           <a:prstGeom prst="rect">
@@ -6332,7 +6332,7 @@
           <p:cNvPr id="84" name="Прямоугольник 83">
             <a:extLst>
               <a:ext uri="{FF2B5EF4-FFF2-40B4-BE49-F238E27FC236}">
-                <a16:creationId xmlns:a16="http://schemas.microsoft.com/office/drawing/2014/main" xmlns="" id="{CA07F76D-4941-4BBE-8B5A-F0348C4D0FB6}"/>
+                <a16:creationId xmlns="" xmlns:a16="http://schemas.microsoft.com/office/drawing/2014/main" id="{CA07F76D-4941-4BBE-8B5A-F0348C4D0FB6}"/>
               </a:ext>
             </a:extLst>
           </p:cNvPr>
@@ -6341,7 +6341,7 @@
         </p:nvSpPr>
         <p:spPr>
           <a:xfrm>
-            <a:off x="11386380" y="15000672"/>
+            <a:off x="3734408" y="15649430"/>
             <a:ext cx="926325" cy="540000"/>
           </a:xfrm>
           <a:prstGeom prst="rect">
@@ -6384,7 +6384,7 @@
           <p:cNvPr id="85" name="Прямоугольник 84">
             <a:extLst>
               <a:ext uri="{FF2B5EF4-FFF2-40B4-BE49-F238E27FC236}">
-                <a16:creationId xmlns:a16="http://schemas.microsoft.com/office/drawing/2014/main" xmlns="" id="{B4C6B690-1886-4211-AFBE-6C0A99C1C73F}"/>
+                <a16:creationId xmlns="" xmlns:a16="http://schemas.microsoft.com/office/drawing/2014/main" id="{B4C6B690-1886-4211-AFBE-6C0A99C1C73F}"/>
               </a:ext>
             </a:extLst>
           </p:cNvPr>
@@ -6393,7 +6393,7 @@
         </p:nvSpPr>
         <p:spPr>
           <a:xfrm>
-            <a:off x="12018021" y="15728813"/>
+            <a:off x="955435" y="16508603"/>
             <a:ext cx="926325" cy="540000"/>
           </a:xfrm>
           <a:prstGeom prst="rect">
@@ -6436,7 +6436,7 @@
           <p:cNvPr id="86" name="Прямоугольник 85">
             <a:extLst>
               <a:ext uri="{FF2B5EF4-FFF2-40B4-BE49-F238E27FC236}">
-                <a16:creationId xmlns:a16="http://schemas.microsoft.com/office/drawing/2014/main" xmlns="" id="{D4D526C2-9053-416E-9EDD-C32F7B959DFA}"/>
+                <a16:creationId xmlns="" xmlns:a16="http://schemas.microsoft.com/office/drawing/2014/main" id="{D4D526C2-9053-416E-9EDD-C32F7B959DFA}"/>
               </a:ext>
             </a:extLst>
           </p:cNvPr>
@@ -6445,7 +6445,7 @@
         </p:nvSpPr>
         <p:spPr>
           <a:xfrm>
-            <a:off x="13586405" y="14879219"/>
+            <a:off x="2344924" y="15649430"/>
             <a:ext cx="926325" cy="540000"/>
           </a:xfrm>
           <a:prstGeom prst="rect">
@@ -6488,7 +6488,7 @@
           <p:cNvPr id="87" name="Прямоугольник 86">
             <a:extLst>
               <a:ext uri="{FF2B5EF4-FFF2-40B4-BE49-F238E27FC236}">
-                <a16:creationId xmlns:a16="http://schemas.microsoft.com/office/drawing/2014/main" xmlns="" id="{05781F45-96BD-4772-A7F8-D0C0E48CF0C4}"/>
+                <a16:creationId xmlns="" xmlns:a16="http://schemas.microsoft.com/office/drawing/2014/main" id="{05781F45-96BD-4772-A7F8-D0C0E48CF0C4}"/>
               </a:ext>
             </a:extLst>
           </p:cNvPr>
@@ -6497,7 +6497,7 @@
         </p:nvSpPr>
         <p:spPr>
           <a:xfrm>
-            <a:off x="13280164" y="15744617"/>
+            <a:off x="2344924" y="16508603"/>
             <a:ext cx="926325" cy="540000"/>
           </a:xfrm>
           <a:prstGeom prst="rect">
@@ -6544,7 +6544,7 @@
           <p:cNvPr id="88" name="Прямоугольник 87">
             <a:extLst>
               <a:ext uri="{FF2B5EF4-FFF2-40B4-BE49-F238E27FC236}">
-                <a16:creationId xmlns:a16="http://schemas.microsoft.com/office/drawing/2014/main" xmlns="" id="{422F676B-23F7-43EE-A95A-69895A18F0AD}"/>
+                <a16:creationId xmlns="" xmlns:a16="http://schemas.microsoft.com/office/drawing/2014/main" id="{422F676B-23F7-43EE-A95A-69895A18F0AD}"/>
               </a:ext>
             </a:extLst>
           </p:cNvPr>
@@ -6752,7 +6752,7 @@
           <p:cNvPr id="89" name="Прямоугольник 88">
             <a:extLst>
               <a:ext uri="{FF2B5EF4-FFF2-40B4-BE49-F238E27FC236}">
-                <a16:creationId xmlns:a16="http://schemas.microsoft.com/office/drawing/2014/main" xmlns="" id="{F33E5A38-0B16-4D37-89E1-19C913A5BC13}"/>
+                <a16:creationId xmlns="" xmlns:a16="http://schemas.microsoft.com/office/drawing/2014/main" id="{F33E5A38-0B16-4D37-89E1-19C913A5BC13}"/>
               </a:ext>
             </a:extLst>
           </p:cNvPr>
@@ -6810,7 +6810,7 @@
           <p:cNvPr id="90" name="Прямоугольник 89">
             <a:extLst>
               <a:ext uri="{FF2B5EF4-FFF2-40B4-BE49-F238E27FC236}">
-                <a16:creationId xmlns:a16="http://schemas.microsoft.com/office/drawing/2014/main" xmlns="" id="{8C2287E1-C065-4042-BB84-91F0CF7A3A74}"/>
+                <a16:creationId xmlns="" xmlns:a16="http://schemas.microsoft.com/office/drawing/2014/main" id="{8C2287E1-C065-4042-BB84-91F0CF7A3A74}"/>
               </a:ext>
             </a:extLst>
           </p:cNvPr>
@@ -6868,7 +6868,7 @@
           <p:cNvPr id="91" name="Прямоугольник 90">
             <a:extLst>
               <a:ext uri="{FF2B5EF4-FFF2-40B4-BE49-F238E27FC236}">
-                <a16:creationId xmlns:a16="http://schemas.microsoft.com/office/drawing/2014/main" xmlns="" id="{58596D98-69F8-48F5-B5AF-D2569C87ECDC}"/>
+                <a16:creationId xmlns="" xmlns:a16="http://schemas.microsoft.com/office/drawing/2014/main" id="{58596D98-69F8-48F5-B5AF-D2569C87ECDC}"/>
               </a:ext>
             </a:extLst>
           </p:cNvPr>
@@ -6926,7 +6926,7 @@
           <p:cNvPr id="92" name="Прямоугольник 91">
             <a:extLst>
               <a:ext uri="{FF2B5EF4-FFF2-40B4-BE49-F238E27FC236}">
-                <a16:creationId xmlns:a16="http://schemas.microsoft.com/office/drawing/2014/main" xmlns="" id="{A0E90C58-DFD9-4550-AC8D-DED87F819668}"/>
+                <a16:creationId xmlns="" xmlns:a16="http://schemas.microsoft.com/office/drawing/2014/main" id="{A0E90C58-DFD9-4550-AC8D-DED87F819668}"/>
               </a:ext>
             </a:extLst>
           </p:cNvPr>
@@ -7000,7 +7000,7 @@
           <p:cNvPr id="93" name="Прямоугольник 92">
             <a:extLst>
               <a:ext uri="{FF2B5EF4-FFF2-40B4-BE49-F238E27FC236}">
-                <a16:creationId xmlns:a16="http://schemas.microsoft.com/office/drawing/2014/main" xmlns="" id="{905EFC66-02B2-49ED-A696-FAEF4A1D6416}"/>
+                <a16:creationId xmlns="" xmlns:a16="http://schemas.microsoft.com/office/drawing/2014/main" id="{905EFC66-02B2-49ED-A696-FAEF4A1D6416}"/>
               </a:ext>
             </a:extLst>
           </p:cNvPr>
@@ -7070,7 +7070,7 @@
           <p:cNvPr id="94" name="Прямоугольник 93">
             <a:extLst>
               <a:ext uri="{FF2B5EF4-FFF2-40B4-BE49-F238E27FC236}">
-                <a16:creationId xmlns:a16="http://schemas.microsoft.com/office/drawing/2014/main" xmlns="" id="{9261C47C-5EE1-4F56-8101-3DF5265766CF}"/>
+                <a16:creationId xmlns="" xmlns:a16="http://schemas.microsoft.com/office/drawing/2014/main" id="{9261C47C-5EE1-4F56-8101-3DF5265766CF}"/>
               </a:ext>
             </a:extLst>
           </p:cNvPr>
@@ -7132,7 +7132,7 @@
           <p:cNvPr id="95" name="Прямоугольник 94">
             <a:extLst>
               <a:ext uri="{FF2B5EF4-FFF2-40B4-BE49-F238E27FC236}">
-                <a16:creationId xmlns:a16="http://schemas.microsoft.com/office/drawing/2014/main" xmlns="" id="{C2DE2667-AAF6-4947-B73A-9F430C79018E}"/>
+                <a16:creationId xmlns="" xmlns:a16="http://schemas.microsoft.com/office/drawing/2014/main" id="{C2DE2667-AAF6-4947-B73A-9F430C79018E}"/>
               </a:ext>
             </a:extLst>
           </p:cNvPr>
@@ -7190,7 +7190,7 @@
           <p:cNvPr id="96" name="Прямоугольник 95">
             <a:extLst>
               <a:ext uri="{FF2B5EF4-FFF2-40B4-BE49-F238E27FC236}">
-                <a16:creationId xmlns:a16="http://schemas.microsoft.com/office/drawing/2014/main" xmlns="" id="{F057BD5D-D5FA-4727-B502-9F95624798B4}"/>
+                <a16:creationId xmlns="" xmlns:a16="http://schemas.microsoft.com/office/drawing/2014/main" id="{F057BD5D-D5FA-4727-B502-9F95624798B4}"/>
               </a:ext>
             </a:extLst>
           </p:cNvPr>
@@ -7248,7 +7248,7 @@
           <p:cNvPr id="97" name="Прямоугольник 96">
             <a:extLst>
               <a:ext uri="{FF2B5EF4-FFF2-40B4-BE49-F238E27FC236}">
-                <a16:creationId xmlns:a16="http://schemas.microsoft.com/office/drawing/2014/main" xmlns="" id="{BE32C799-1429-4853-B5A8-AE3345E90D8D}"/>
+                <a16:creationId xmlns="" xmlns:a16="http://schemas.microsoft.com/office/drawing/2014/main" id="{BE32C799-1429-4853-B5A8-AE3345E90D8D}"/>
               </a:ext>
             </a:extLst>
           </p:cNvPr>
@@ -7313,7 +7313,7 @@
           <p:cNvPr id="98" name="Прямоугольник 97">
             <a:extLst>
               <a:ext uri="{FF2B5EF4-FFF2-40B4-BE49-F238E27FC236}">
-                <a16:creationId xmlns:a16="http://schemas.microsoft.com/office/drawing/2014/main" xmlns="" id="{21F111C9-B52C-460E-AD39-A8B9F798CB25}"/>
+                <a16:creationId xmlns="" xmlns:a16="http://schemas.microsoft.com/office/drawing/2014/main" id="{21F111C9-B52C-460E-AD39-A8B9F798CB25}"/>
               </a:ext>
             </a:extLst>
           </p:cNvPr>
@@ -7378,7 +7378,7 @@
           <p:cNvPr id="99" name="Прямоугольник 98">
             <a:extLst>
               <a:ext uri="{FF2B5EF4-FFF2-40B4-BE49-F238E27FC236}">
-                <a16:creationId xmlns:a16="http://schemas.microsoft.com/office/drawing/2014/main" xmlns="" id="{3CDEA90A-403D-44E8-BD63-5F728A857464}"/>
+                <a16:creationId xmlns="" xmlns:a16="http://schemas.microsoft.com/office/drawing/2014/main" id="{3CDEA90A-403D-44E8-BD63-5F728A857464}"/>
               </a:ext>
             </a:extLst>
           </p:cNvPr>
@@ -7447,7 +7447,7 @@
           <p:cNvPr id="100" name="Прямоугольник 99">
             <a:extLst>
               <a:ext uri="{FF2B5EF4-FFF2-40B4-BE49-F238E27FC236}">
-                <a16:creationId xmlns:a16="http://schemas.microsoft.com/office/drawing/2014/main" xmlns="" id="{8B70D98A-AAC5-4F3D-938D-F15D11AC9F90}"/>
+                <a16:creationId xmlns="" xmlns:a16="http://schemas.microsoft.com/office/drawing/2014/main" id="{8B70D98A-AAC5-4F3D-938D-F15D11AC9F90}"/>
               </a:ext>
             </a:extLst>
           </p:cNvPr>
@@ -7516,7 +7516,7 @@
           <p:cNvPr id="101" name="Прямоугольник 100">
             <a:extLst>
               <a:ext uri="{FF2B5EF4-FFF2-40B4-BE49-F238E27FC236}">
-                <a16:creationId xmlns:a16="http://schemas.microsoft.com/office/drawing/2014/main" xmlns="" id="{F402EBBD-5722-48B1-9BBA-587E5C4DFB4D}"/>
+                <a16:creationId xmlns="" xmlns:a16="http://schemas.microsoft.com/office/drawing/2014/main" id="{F402EBBD-5722-48B1-9BBA-587E5C4DFB4D}"/>
               </a:ext>
             </a:extLst>
           </p:cNvPr>
@@ -7585,7 +7585,7 @@
           <p:cNvPr id="102" name="Прямоугольник 101">
             <a:extLst>
               <a:ext uri="{FF2B5EF4-FFF2-40B4-BE49-F238E27FC236}">
-                <a16:creationId xmlns:a16="http://schemas.microsoft.com/office/drawing/2014/main" xmlns="" id="{62E65D83-9718-4B14-AFE2-F1D04B420F81}"/>
+                <a16:creationId xmlns="" xmlns:a16="http://schemas.microsoft.com/office/drawing/2014/main" id="{62E65D83-9718-4B14-AFE2-F1D04B420F81}"/>
               </a:ext>
             </a:extLst>
           </p:cNvPr>
@@ -7654,7 +7654,7 @@
           <p:cNvPr id="103" name="Прямоугольник 102">
             <a:extLst>
               <a:ext uri="{FF2B5EF4-FFF2-40B4-BE49-F238E27FC236}">
-                <a16:creationId xmlns:a16="http://schemas.microsoft.com/office/drawing/2014/main" xmlns="" id="{C6BDA37E-3E81-4B99-A54A-C631250D3A33}"/>
+                <a16:creationId xmlns="" xmlns:a16="http://schemas.microsoft.com/office/drawing/2014/main" id="{C6BDA37E-3E81-4B99-A54A-C631250D3A33}"/>
               </a:ext>
             </a:extLst>
           </p:cNvPr>
@@ -7723,7 +7723,7 @@
           <p:cNvPr id="112" name="Прямоугольник 111">
             <a:extLst>
               <a:ext uri="{FF2B5EF4-FFF2-40B4-BE49-F238E27FC236}">
-                <a16:creationId xmlns:a16="http://schemas.microsoft.com/office/drawing/2014/main" xmlns="" id="{9B5A9C46-C31A-401D-9EBF-78AE38F570DF}"/>
+                <a16:creationId xmlns="" xmlns:a16="http://schemas.microsoft.com/office/drawing/2014/main" id="{9B5A9C46-C31A-401D-9EBF-78AE38F570DF}"/>
               </a:ext>
             </a:extLst>
           </p:cNvPr>
@@ -7785,11 +7785,7 @@
             </a:r>
             <a:r>
               <a:rPr lang="ru-RU" sz="700" dirty="0" smtClean="0"/>
-              <a:t> </a:t>
-            </a:r>
-            <a:r>
-              <a:rPr lang="ru-RU" sz="700" dirty="0" smtClean="0"/>
-              <a:t>коалиции (8 декабря 1941)</a:t>
+              <a:t> коалиции (8 декабря 1941)</a:t>
             </a:r>
             <a:endParaRPr lang="ru-RU" sz="500" dirty="0"/>
           </a:p>
@@ -7800,7 +7796,7 @@
           <p:cNvPr id="117" name="Соединительная линия уступом 903">
             <a:extLst>
               <a:ext uri="{FF2B5EF4-FFF2-40B4-BE49-F238E27FC236}">
-                <a16:creationId xmlns:a16="http://schemas.microsoft.com/office/drawing/2014/main" xmlns="" id="{7F550792-EE6C-4B6F-B826-22E45DB79321}"/>
+                <a16:creationId xmlns="" xmlns:a16="http://schemas.microsoft.com/office/drawing/2014/main" id="{7F550792-EE6C-4B6F-B826-22E45DB79321}"/>
               </a:ext>
             </a:extLst>
           </p:cNvPr>
@@ -7846,7 +7842,7 @@
           <p:cNvPr id="120" name="Соединительная линия уступом 903">
             <a:extLst>
               <a:ext uri="{FF2B5EF4-FFF2-40B4-BE49-F238E27FC236}">
-                <a16:creationId xmlns:a16="http://schemas.microsoft.com/office/drawing/2014/main" xmlns="" id="{42BA63A1-F902-44BD-AEC4-6A00A7DD5215}"/>
+                <a16:creationId xmlns="" xmlns:a16="http://schemas.microsoft.com/office/drawing/2014/main" id="{42BA63A1-F902-44BD-AEC4-6A00A7DD5215}"/>
               </a:ext>
             </a:extLst>
           </p:cNvPr>
@@ -7892,7 +7888,7 @@
           <p:cNvPr id="123" name="Соединительная линия уступом 903">
             <a:extLst>
               <a:ext uri="{FF2B5EF4-FFF2-40B4-BE49-F238E27FC236}">
-                <a16:creationId xmlns:a16="http://schemas.microsoft.com/office/drawing/2014/main" xmlns="" id="{52CF7390-DEEA-4782-9037-6AAA2FAB1267}"/>
+                <a16:creationId xmlns="" xmlns:a16="http://schemas.microsoft.com/office/drawing/2014/main" id="{52CF7390-DEEA-4782-9037-6AAA2FAB1267}"/>
               </a:ext>
             </a:extLst>
           </p:cNvPr>
@@ -7937,7 +7933,7 @@
           <p:cNvPr id="128" name="Соединительная линия уступом 903">
             <a:extLst>
               <a:ext uri="{FF2B5EF4-FFF2-40B4-BE49-F238E27FC236}">
-                <a16:creationId xmlns:a16="http://schemas.microsoft.com/office/drawing/2014/main" xmlns="" id="{7A113AE3-4577-430A-BA26-EF4235023FFA}"/>
+                <a16:creationId xmlns="" xmlns:a16="http://schemas.microsoft.com/office/drawing/2014/main" id="{7A113AE3-4577-430A-BA26-EF4235023FFA}"/>
               </a:ext>
             </a:extLst>
           </p:cNvPr>
@@ -7982,7 +7978,7 @@
           <p:cNvPr id="131" name="Соединительная линия уступом 903">
             <a:extLst>
               <a:ext uri="{FF2B5EF4-FFF2-40B4-BE49-F238E27FC236}">
-                <a16:creationId xmlns:a16="http://schemas.microsoft.com/office/drawing/2014/main" xmlns="" id="{40147503-E638-42DF-A929-5C7B9F2B48B1}"/>
+                <a16:creationId xmlns="" xmlns:a16="http://schemas.microsoft.com/office/drawing/2014/main" id="{40147503-E638-42DF-A929-5C7B9F2B48B1}"/>
               </a:ext>
             </a:extLst>
           </p:cNvPr>
@@ -8027,7 +8023,7 @@
           <p:cNvPr id="134" name="Соединительная линия уступом 903">
             <a:extLst>
               <a:ext uri="{FF2B5EF4-FFF2-40B4-BE49-F238E27FC236}">
-                <a16:creationId xmlns:a16="http://schemas.microsoft.com/office/drawing/2014/main" xmlns="" id="{B109EAAA-04CC-455A-9A24-9F6792FBCCC4}"/>
+                <a16:creationId xmlns="" xmlns:a16="http://schemas.microsoft.com/office/drawing/2014/main" id="{B109EAAA-04CC-455A-9A24-9F6792FBCCC4}"/>
               </a:ext>
             </a:extLst>
           </p:cNvPr>
@@ -8072,7 +8068,7 @@
           <p:cNvPr id="138" name="Соединительная линия уступом 903">
             <a:extLst>
               <a:ext uri="{FF2B5EF4-FFF2-40B4-BE49-F238E27FC236}">
-                <a16:creationId xmlns:a16="http://schemas.microsoft.com/office/drawing/2014/main" xmlns="" id="{BB75BD33-58E7-4B2D-9AE8-736000AF5996}"/>
+                <a16:creationId xmlns="" xmlns:a16="http://schemas.microsoft.com/office/drawing/2014/main" id="{BB75BD33-58E7-4B2D-9AE8-736000AF5996}"/>
               </a:ext>
             </a:extLst>
           </p:cNvPr>
@@ -8117,7 +8113,7 @@
           <p:cNvPr id="141" name="Прямая со стрелкой 140">
             <a:extLst>
               <a:ext uri="{FF2B5EF4-FFF2-40B4-BE49-F238E27FC236}">
-                <a16:creationId xmlns:a16="http://schemas.microsoft.com/office/drawing/2014/main" xmlns="" id="{F0204958-F3C4-46F5-A7B8-B2E525B442E3}"/>
+                <a16:creationId xmlns="" xmlns:a16="http://schemas.microsoft.com/office/drawing/2014/main" id="{F0204958-F3C4-46F5-A7B8-B2E525B442E3}"/>
               </a:ext>
             </a:extLst>
           </p:cNvPr>
@@ -8160,7 +8156,7 @@
           <p:cNvPr id="144" name="Соединительная линия уступом 903">
             <a:extLst>
               <a:ext uri="{FF2B5EF4-FFF2-40B4-BE49-F238E27FC236}">
-                <a16:creationId xmlns:a16="http://schemas.microsoft.com/office/drawing/2014/main" xmlns="" id="{5C748310-8A24-4A37-94AD-69E898DBB5BF}"/>
+                <a16:creationId xmlns="" xmlns:a16="http://schemas.microsoft.com/office/drawing/2014/main" id="{5C748310-8A24-4A37-94AD-69E898DBB5BF}"/>
               </a:ext>
             </a:extLst>
           </p:cNvPr>
@@ -8206,7 +8202,7 @@
           <p:cNvPr id="147" name="Соединительная линия уступом 903">
             <a:extLst>
               <a:ext uri="{FF2B5EF4-FFF2-40B4-BE49-F238E27FC236}">
-                <a16:creationId xmlns:a16="http://schemas.microsoft.com/office/drawing/2014/main" xmlns="" id="{6247459E-8D36-4B32-A142-C426692F0DC9}"/>
+                <a16:creationId xmlns="" xmlns:a16="http://schemas.microsoft.com/office/drawing/2014/main" id="{6247459E-8D36-4B32-A142-C426692F0DC9}"/>
               </a:ext>
             </a:extLst>
           </p:cNvPr>
@@ -8252,7 +8248,7 @@
           <p:cNvPr id="150" name="Соединительная линия уступом 903">
             <a:extLst>
               <a:ext uri="{FF2B5EF4-FFF2-40B4-BE49-F238E27FC236}">
-                <a16:creationId xmlns:a16="http://schemas.microsoft.com/office/drawing/2014/main" xmlns="" id="{B5229C84-1524-4F6C-8C6B-E4AA146420CD}"/>
+                <a16:creationId xmlns="" xmlns:a16="http://schemas.microsoft.com/office/drawing/2014/main" id="{B5229C84-1524-4F6C-8C6B-E4AA146420CD}"/>
               </a:ext>
             </a:extLst>
           </p:cNvPr>
@@ -8298,7 +8294,7 @@
           <p:cNvPr id="153" name="Соединительная линия уступом 903">
             <a:extLst>
               <a:ext uri="{FF2B5EF4-FFF2-40B4-BE49-F238E27FC236}">
-                <a16:creationId xmlns:a16="http://schemas.microsoft.com/office/drawing/2014/main" xmlns="" id="{2D2CC445-D083-4638-B348-AE346D452DE8}"/>
+                <a16:creationId xmlns="" xmlns:a16="http://schemas.microsoft.com/office/drawing/2014/main" id="{2D2CC445-D083-4638-B348-AE346D452DE8}"/>
               </a:ext>
             </a:extLst>
           </p:cNvPr>
@@ -8344,7 +8340,7 @@
           <p:cNvPr id="156" name="Прямоугольник 155">
             <a:extLst>
               <a:ext uri="{FF2B5EF4-FFF2-40B4-BE49-F238E27FC236}">
-                <a16:creationId xmlns:a16="http://schemas.microsoft.com/office/drawing/2014/main" xmlns="" id="{70F2E1EB-331E-413E-A7A7-863A2E76F5D1}"/>
+                <a16:creationId xmlns="" xmlns:a16="http://schemas.microsoft.com/office/drawing/2014/main" id="{70F2E1EB-331E-413E-A7A7-863A2E76F5D1}"/>
               </a:ext>
             </a:extLst>
           </p:cNvPr>
@@ -8402,7 +8398,7 @@
           <p:cNvPr id="158" name="Прямоугольник 157">
             <a:extLst>
               <a:ext uri="{FF2B5EF4-FFF2-40B4-BE49-F238E27FC236}">
-                <a16:creationId xmlns:a16="http://schemas.microsoft.com/office/drawing/2014/main" xmlns="" id="{39373D37-652A-432A-AF2C-81923E65FD74}"/>
+                <a16:creationId xmlns="" xmlns:a16="http://schemas.microsoft.com/office/drawing/2014/main" id="{39373D37-652A-432A-AF2C-81923E65FD74}"/>
               </a:ext>
             </a:extLst>
           </p:cNvPr>
@@ -8467,7 +8463,7 @@
           <p:cNvPr id="162" name="Прямоугольник 161">
             <a:extLst>
               <a:ext uri="{FF2B5EF4-FFF2-40B4-BE49-F238E27FC236}">
-                <a16:creationId xmlns:a16="http://schemas.microsoft.com/office/drawing/2014/main" xmlns="" id="{D21D4960-F203-4755-9FED-7CFC800F902A}"/>
+                <a16:creationId xmlns="" xmlns:a16="http://schemas.microsoft.com/office/drawing/2014/main" id="{D21D4960-F203-4755-9FED-7CFC800F902A}"/>
               </a:ext>
             </a:extLst>
           </p:cNvPr>
@@ -8525,7 +8521,7 @@
           <p:cNvPr id="163" name="Прямоугольник 162">
             <a:extLst>
               <a:ext uri="{FF2B5EF4-FFF2-40B4-BE49-F238E27FC236}">
-                <a16:creationId xmlns:a16="http://schemas.microsoft.com/office/drawing/2014/main" xmlns="" id="{BD849E57-A12E-42AE-AA12-4FB9BA687E1A}"/>
+                <a16:creationId xmlns="" xmlns:a16="http://schemas.microsoft.com/office/drawing/2014/main" id="{BD849E57-A12E-42AE-AA12-4FB9BA687E1A}"/>
               </a:ext>
             </a:extLst>
           </p:cNvPr>
@@ -8586,7 +8582,7 @@
           <p:cNvPr id="164" name="Прямая со стрелкой 163">
             <a:extLst>
               <a:ext uri="{FF2B5EF4-FFF2-40B4-BE49-F238E27FC236}">
-                <a16:creationId xmlns:a16="http://schemas.microsoft.com/office/drawing/2014/main" xmlns="" id="{B048244F-EB49-46C4-A9EC-3C9E6EB26FD0}"/>
+                <a16:creationId xmlns="" xmlns:a16="http://schemas.microsoft.com/office/drawing/2014/main" id="{B048244F-EB49-46C4-A9EC-3C9E6EB26FD0}"/>
               </a:ext>
             </a:extLst>
           </p:cNvPr>
@@ -8629,7 +8625,7 @@
           <p:cNvPr id="169" name="Соединительная линия уступом 903">
             <a:extLst>
               <a:ext uri="{FF2B5EF4-FFF2-40B4-BE49-F238E27FC236}">
-                <a16:creationId xmlns:a16="http://schemas.microsoft.com/office/drawing/2014/main" xmlns="" id="{3BF92898-1A8D-44CD-90AE-9ED96D3CC103}"/>
+                <a16:creationId xmlns="" xmlns:a16="http://schemas.microsoft.com/office/drawing/2014/main" id="{3BF92898-1A8D-44CD-90AE-9ED96D3CC103}"/>
               </a:ext>
             </a:extLst>
           </p:cNvPr>
@@ -8674,7 +8670,7 @@
           <p:cNvPr id="173" name="Соединительная линия уступом 903">
             <a:extLst>
               <a:ext uri="{FF2B5EF4-FFF2-40B4-BE49-F238E27FC236}">
-                <a16:creationId xmlns:a16="http://schemas.microsoft.com/office/drawing/2014/main" xmlns="" id="{EF7071D1-BE49-4A1B-8811-FFC6268219EF}"/>
+                <a16:creationId xmlns="" xmlns:a16="http://schemas.microsoft.com/office/drawing/2014/main" id="{EF7071D1-BE49-4A1B-8811-FFC6268219EF}"/>
               </a:ext>
             </a:extLst>
           </p:cNvPr>
@@ -8719,7 +8715,7 @@
           <p:cNvPr id="176" name="Соединительная линия уступом 903">
             <a:extLst>
               <a:ext uri="{FF2B5EF4-FFF2-40B4-BE49-F238E27FC236}">
-                <a16:creationId xmlns:a16="http://schemas.microsoft.com/office/drawing/2014/main" xmlns="" id="{30D330E8-189B-403C-83EF-0C1AB67953A6}"/>
+                <a16:creationId xmlns="" xmlns:a16="http://schemas.microsoft.com/office/drawing/2014/main" id="{30D330E8-189B-403C-83EF-0C1AB67953A6}"/>
               </a:ext>
             </a:extLst>
           </p:cNvPr>
@@ -8764,7 +8760,7 @@
           <p:cNvPr id="179" name="Соединительная линия уступом 903">
             <a:extLst>
               <a:ext uri="{FF2B5EF4-FFF2-40B4-BE49-F238E27FC236}">
-                <a16:creationId xmlns:a16="http://schemas.microsoft.com/office/drawing/2014/main" xmlns="" id="{1B345060-1C77-489A-A3B6-573436341CD2}"/>
+                <a16:creationId xmlns="" xmlns:a16="http://schemas.microsoft.com/office/drawing/2014/main" id="{1B345060-1C77-489A-A3B6-573436341CD2}"/>
               </a:ext>
             </a:extLst>
           </p:cNvPr>
@@ -8809,7 +8805,7 @@
           <p:cNvPr id="194" name="Соединительная линия уступом 903">
             <a:extLst>
               <a:ext uri="{FF2B5EF4-FFF2-40B4-BE49-F238E27FC236}">
-                <a16:creationId xmlns:a16="http://schemas.microsoft.com/office/drawing/2014/main" xmlns="" id="{47EFD662-D8F0-4D46-B8BE-62DAF2481AC2}"/>
+                <a16:creationId xmlns="" xmlns:a16="http://schemas.microsoft.com/office/drawing/2014/main" id="{47EFD662-D8F0-4D46-B8BE-62DAF2481AC2}"/>
               </a:ext>
             </a:extLst>
           </p:cNvPr>
@@ -8854,7 +8850,7 @@
           <p:cNvPr id="197" name="Соединительная линия уступом 903">
             <a:extLst>
               <a:ext uri="{FF2B5EF4-FFF2-40B4-BE49-F238E27FC236}">
-                <a16:creationId xmlns:a16="http://schemas.microsoft.com/office/drawing/2014/main" xmlns="" id="{42EC46F3-1198-439C-9201-297275403091}"/>
+                <a16:creationId xmlns="" xmlns:a16="http://schemas.microsoft.com/office/drawing/2014/main" id="{42EC46F3-1198-439C-9201-297275403091}"/>
               </a:ext>
             </a:extLst>
           </p:cNvPr>
@@ -8899,7 +8895,7 @@
           <p:cNvPr id="200" name="Прямая со стрелкой 199">
             <a:extLst>
               <a:ext uri="{FF2B5EF4-FFF2-40B4-BE49-F238E27FC236}">
-                <a16:creationId xmlns:a16="http://schemas.microsoft.com/office/drawing/2014/main" xmlns="" id="{C65B3E6E-D325-417D-A60E-CBAC49A6F0BD}"/>
+                <a16:creationId xmlns="" xmlns:a16="http://schemas.microsoft.com/office/drawing/2014/main" id="{C65B3E6E-D325-417D-A60E-CBAC49A6F0BD}"/>
               </a:ext>
             </a:extLst>
           </p:cNvPr>
@@ -8942,7 +8938,7 @@
           <p:cNvPr id="203" name="Прямая со стрелкой 202">
             <a:extLst>
               <a:ext uri="{FF2B5EF4-FFF2-40B4-BE49-F238E27FC236}">
-                <a16:creationId xmlns:a16="http://schemas.microsoft.com/office/drawing/2014/main" xmlns="" id="{D3A51449-15E2-4BEA-88A5-B2691A1B3690}"/>
+                <a16:creationId xmlns="" xmlns:a16="http://schemas.microsoft.com/office/drawing/2014/main" id="{D3A51449-15E2-4BEA-88A5-B2691A1B3690}"/>
               </a:ext>
             </a:extLst>
           </p:cNvPr>
@@ -8985,7 +8981,7 @@
           <p:cNvPr id="206" name="Прямая со стрелкой 205">
             <a:extLst>
               <a:ext uri="{FF2B5EF4-FFF2-40B4-BE49-F238E27FC236}">
-                <a16:creationId xmlns:a16="http://schemas.microsoft.com/office/drawing/2014/main" xmlns="" id="{AFD4E665-A61D-46C2-A133-3412690F30F3}"/>
+                <a16:creationId xmlns="" xmlns:a16="http://schemas.microsoft.com/office/drawing/2014/main" id="{AFD4E665-A61D-46C2-A133-3412690F30F3}"/>
               </a:ext>
             </a:extLst>
           </p:cNvPr>
@@ -9028,7 +9024,7 @@
           <p:cNvPr id="209" name="Прямая со стрелкой 208">
             <a:extLst>
               <a:ext uri="{FF2B5EF4-FFF2-40B4-BE49-F238E27FC236}">
-                <a16:creationId xmlns:a16="http://schemas.microsoft.com/office/drawing/2014/main" xmlns="" id="{6B358EC7-E053-4570-B92E-4C044AC26D2C}"/>
+                <a16:creationId xmlns="" xmlns:a16="http://schemas.microsoft.com/office/drawing/2014/main" id="{6B358EC7-E053-4570-B92E-4C044AC26D2C}"/>
               </a:ext>
             </a:extLst>
           </p:cNvPr>
@@ -9071,7 +9067,7 @@
           <p:cNvPr id="212" name="Прямая со стрелкой 211">
             <a:extLst>
               <a:ext uri="{FF2B5EF4-FFF2-40B4-BE49-F238E27FC236}">
-                <a16:creationId xmlns:a16="http://schemas.microsoft.com/office/drawing/2014/main" xmlns="" id="{929707B4-0ED3-4FF6-B9DB-8E849B5466B2}"/>
+                <a16:creationId xmlns="" xmlns:a16="http://schemas.microsoft.com/office/drawing/2014/main" id="{929707B4-0ED3-4FF6-B9DB-8E849B5466B2}"/>
               </a:ext>
             </a:extLst>
           </p:cNvPr>
@@ -9114,7 +9110,7 @@
           <p:cNvPr id="215" name="Прямая со стрелкой 214">
             <a:extLst>
               <a:ext uri="{FF2B5EF4-FFF2-40B4-BE49-F238E27FC236}">
-                <a16:creationId xmlns:a16="http://schemas.microsoft.com/office/drawing/2014/main" xmlns="" id="{3763D6CD-8165-4195-A229-9E111149C4E6}"/>
+                <a16:creationId xmlns="" xmlns:a16="http://schemas.microsoft.com/office/drawing/2014/main" id="{3763D6CD-8165-4195-A229-9E111149C4E6}"/>
               </a:ext>
             </a:extLst>
           </p:cNvPr>
@@ -9157,7 +9153,7 @@
           <p:cNvPr id="226" name="Прямоугольник 225">
             <a:extLst>
               <a:ext uri="{FF2B5EF4-FFF2-40B4-BE49-F238E27FC236}">
-                <a16:creationId xmlns:a16="http://schemas.microsoft.com/office/drawing/2014/main" xmlns="" id="{8F90957D-3F70-4F7D-A50B-157EE934D6F5}"/>
+                <a16:creationId xmlns="" xmlns:a16="http://schemas.microsoft.com/office/drawing/2014/main" id="{8F90957D-3F70-4F7D-A50B-157EE934D6F5}"/>
               </a:ext>
             </a:extLst>
           </p:cNvPr>
@@ -9207,7 +9203,7 @@
           <p:cNvPr id="227" name="Прямоугольник 226">
             <a:extLst>
               <a:ext uri="{FF2B5EF4-FFF2-40B4-BE49-F238E27FC236}">
-                <a16:creationId xmlns:a16="http://schemas.microsoft.com/office/drawing/2014/main" xmlns="" id="{77B2829B-9A73-48A5-B93C-36696747ADD9}"/>
+                <a16:creationId xmlns="" xmlns:a16="http://schemas.microsoft.com/office/drawing/2014/main" id="{77B2829B-9A73-48A5-B93C-36696747ADD9}"/>
               </a:ext>
             </a:extLst>
           </p:cNvPr>
@@ -9265,7 +9261,7 @@
           <p:cNvPr id="231" name="Соединительная линия уступом 903">
             <a:extLst>
               <a:ext uri="{FF2B5EF4-FFF2-40B4-BE49-F238E27FC236}">
-                <a16:creationId xmlns:a16="http://schemas.microsoft.com/office/drawing/2014/main" xmlns="" id="{4F66CE16-F4D4-4BEA-B35B-7CA503F701C0}"/>
+                <a16:creationId xmlns="" xmlns:a16="http://schemas.microsoft.com/office/drawing/2014/main" id="{4F66CE16-F4D4-4BEA-B35B-7CA503F701C0}"/>
               </a:ext>
             </a:extLst>
           </p:cNvPr>
@@ -9310,7 +9306,7 @@
           <p:cNvPr id="238" name="Прямая соединительная линия 237">
             <a:extLst>
               <a:ext uri="{FF2B5EF4-FFF2-40B4-BE49-F238E27FC236}">
-                <a16:creationId xmlns:a16="http://schemas.microsoft.com/office/drawing/2014/main" xmlns="" id="{FD347516-2278-4B85-B9D1-D49EF200F440}"/>
+                <a16:creationId xmlns="" xmlns:a16="http://schemas.microsoft.com/office/drawing/2014/main" id="{FD347516-2278-4B85-B9D1-D49EF200F440}"/>
               </a:ext>
             </a:extLst>
           </p:cNvPr>
@@ -9355,7 +9351,7 @@
           <p:cNvPr id="266" name="Соединительная линия уступом 903">
             <a:extLst>
               <a:ext uri="{FF2B5EF4-FFF2-40B4-BE49-F238E27FC236}">
-                <a16:creationId xmlns:a16="http://schemas.microsoft.com/office/drawing/2014/main" xmlns="" id="{FD352671-4213-4DF2-A335-A0D96AEF3058}"/>
+                <a16:creationId xmlns="" xmlns:a16="http://schemas.microsoft.com/office/drawing/2014/main" id="{FD352671-4213-4DF2-A335-A0D96AEF3058}"/>
               </a:ext>
             </a:extLst>
           </p:cNvPr>
@@ -9400,7 +9396,7 @@
           <p:cNvPr id="270" name="Прямоугольник 269">
             <a:extLst>
               <a:ext uri="{FF2B5EF4-FFF2-40B4-BE49-F238E27FC236}">
-                <a16:creationId xmlns:a16="http://schemas.microsoft.com/office/drawing/2014/main" xmlns="" id="{A5342E2A-ECF3-4482-981E-FB362358AC03}"/>
+                <a16:creationId xmlns="" xmlns:a16="http://schemas.microsoft.com/office/drawing/2014/main" id="{A5342E2A-ECF3-4482-981E-FB362358AC03}"/>
               </a:ext>
             </a:extLst>
           </p:cNvPr>
@@ -9458,7 +9454,7 @@
           <p:cNvPr id="271" name="Прямая соединительная линия 270">
             <a:extLst>
               <a:ext uri="{FF2B5EF4-FFF2-40B4-BE49-F238E27FC236}">
-                <a16:creationId xmlns:a16="http://schemas.microsoft.com/office/drawing/2014/main" xmlns="" id="{A658E4AD-DAE9-412E-8260-CC41A0C2A1E1}"/>
+                <a16:creationId xmlns="" xmlns:a16="http://schemas.microsoft.com/office/drawing/2014/main" id="{A658E4AD-DAE9-412E-8260-CC41A0C2A1E1}"/>
               </a:ext>
             </a:extLst>
           </p:cNvPr>
@@ -9503,7 +9499,7 @@
           <p:cNvPr id="279" name="Соединительная линия уступом 903">
             <a:extLst>
               <a:ext uri="{FF2B5EF4-FFF2-40B4-BE49-F238E27FC236}">
-                <a16:creationId xmlns:a16="http://schemas.microsoft.com/office/drawing/2014/main" xmlns="" id="{572840DF-3EA8-46E1-931A-FA2FFC7D98A4}"/>
+                <a16:creationId xmlns="" xmlns:a16="http://schemas.microsoft.com/office/drawing/2014/main" id="{572840DF-3EA8-46E1-931A-FA2FFC7D98A4}"/>
               </a:ext>
             </a:extLst>
           </p:cNvPr>
@@ -9548,7 +9544,7 @@
           <p:cNvPr id="286" name="Соединительная линия уступом 903">
             <a:extLst>
               <a:ext uri="{FF2B5EF4-FFF2-40B4-BE49-F238E27FC236}">
-                <a16:creationId xmlns:a16="http://schemas.microsoft.com/office/drawing/2014/main" xmlns="" id="{576D432B-14DD-4A6D-AB31-394D7535A00A}"/>
+                <a16:creationId xmlns="" xmlns:a16="http://schemas.microsoft.com/office/drawing/2014/main" id="{576D432B-14DD-4A6D-AB31-394D7535A00A}"/>
               </a:ext>
             </a:extLst>
           </p:cNvPr>
@@ -9593,7 +9589,7 @@
           <p:cNvPr id="295" name="Соединительная линия уступом 903">
             <a:extLst>
               <a:ext uri="{FF2B5EF4-FFF2-40B4-BE49-F238E27FC236}">
-                <a16:creationId xmlns:a16="http://schemas.microsoft.com/office/drawing/2014/main" xmlns="" id="{2A1524CC-F749-457E-8785-AFB89CF85AC6}"/>
+                <a16:creationId xmlns="" xmlns:a16="http://schemas.microsoft.com/office/drawing/2014/main" id="{2A1524CC-F749-457E-8785-AFB89CF85AC6}"/>
               </a:ext>
             </a:extLst>
           </p:cNvPr>
@@ -9639,7 +9635,7 @@
           <p:cNvPr id="298" name="Соединительная линия уступом 903">
             <a:extLst>
               <a:ext uri="{FF2B5EF4-FFF2-40B4-BE49-F238E27FC236}">
-                <a16:creationId xmlns:a16="http://schemas.microsoft.com/office/drawing/2014/main" xmlns="" id="{034CF559-3849-42CF-A3F3-E3159A936C70}"/>
+                <a16:creationId xmlns="" xmlns:a16="http://schemas.microsoft.com/office/drawing/2014/main" id="{034CF559-3849-42CF-A3F3-E3159A936C70}"/>
               </a:ext>
             </a:extLst>
           </p:cNvPr>
@@ -9685,7 +9681,7 @@
           <p:cNvPr id="301" name="Соединительная линия уступом 903">
             <a:extLst>
               <a:ext uri="{FF2B5EF4-FFF2-40B4-BE49-F238E27FC236}">
-                <a16:creationId xmlns:a16="http://schemas.microsoft.com/office/drawing/2014/main" xmlns="" id="{7672BA52-6BCF-494F-8AA2-A64772CE3CC0}"/>
+                <a16:creationId xmlns="" xmlns:a16="http://schemas.microsoft.com/office/drawing/2014/main" id="{7672BA52-6BCF-494F-8AA2-A64772CE3CC0}"/>
               </a:ext>
             </a:extLst>
           </p:cNvPr>
@@ -9731,7 +9727,7 @@
           <p:cNvPr id="304" name="Прямоугольник 303">
             <a:extLst>
               <a:ext uri="{FF2B5EF4-FFF2-40B4-BE49-F238E27FC236}">
-                <a16:creationId xmlns:a16="http://schemas.microsoft.com/office/drawing/2014/main" xmlns="" id="{5A90479D-BFEC-4250-A8B4-175610005B0C}"/>
+                <a16:creationId xmlns="" xmlns:a16="http://schemas.microsoft.com/office/drawing/2014/main" id="{5A90479D-BFEC-4250-A8B4-175610005B0C}"/>
               </a:ext>
             </a:extLst>
           </p:cNvPr>
@@ -9790,7 +9786,7 @@
           <p:cNvPr id="305" name="Прямоугольник 304">
             <a:extLst>
               <a:ext uri="{FF2B5EF4-FFF2-40B4-BE49-F238E27FC236}">
-                <a16:creationId xmlns:a16="http://schemas.microsoft.com/office/drawing/2014/main" xmlns="" id="{73C6584F-AB91-413A-9C68-4ACD181B75C0}"/>
+                <a16:creationId xmlns="" xmlns:a16="http://schemas.microsoft.com/office/drawing/2014/main" id="{73C6584F-AB91-413A-9C68-4ACD181B75C0}"/>
               </a:ext>
             </a:extLst>
           </p:cNvPr>
@@ -9849,7 +9845,7 @@
           <p:cNvPr id="306" name="Соединительная линия уступом 903">
             <a:extLst>
               <a:ext uri="{FF2B5EF4-FFF2-40B4-BE49-F238E27FC236}">
-                <a16:creationId xmlns:a16="http://schemas.microsoft.com/office/drawing/2014/main" xmlns="" id="{8BEF26C8-19FF-4ACF-94F5-4225C4EB8246}"/>
+                <a16:creationId xmlns="" xmlns:a16="http://schemas.microsoft.com/office/drawing/2014/main" id="{8BEF26C8-19FF-4ACF-94F5-4225C4EB8246}"/>
               </a:ext>
             </a:extLst>
           </p:cNvPr>
@@ -9894,7 +9890,7 @@
           <p:cNvPr id="312" name="Соединительная линия уступом 903">
             <a:extLst>
               <a:ext uri="{FF2B5EF4-FFF2-40B4-BE49-F238E27FC236}">
-                <a16:creationId xmlns:a16="http://schemas.microsoft.com/office/drawing/2014/main" xmlns="" id="{07137075-E005-4218-9DD1-C16A5EBE52A6}"/>
+                <a16:creationId xmlns="" xmlns:a16="http://schemas.microsoft.com/office/drawing/2014/main" id="{07137075-E005-4218-9DD1-C16A5EBE52A6}"/>
               </a:ext>
             </a:extLst>
           </p:cNvPr>
@@ -9939,7 +9935,7 @@
           <p:cNvPr id="130" name="Прямоугольник 129">
             <a:extLst>
               <a:ext uri="{FF2B5EF4-FFF2-40B4-BE49-F238E27FC236}">
-                <a16:creationId xmlns:a16="http://schemas.microsoft.com/office/drawing/2014/main" xmlns="" id="{ABFF5B51-3609-4286-A116-20D114007F6D}"/>
+                <a16:creationId xmlns="" xmlns:a16="http://schemas.microsoft.com/office/drawing/2014/main" id="{ABFF5B51-3609-4286-A116-20D114007F6D}"/>
               </a:ext>
             </a:extLst>
           </p:cNvPr>
@@ -9998,7 +9994,7 @@
           <p:cNvPr id="132" name="Прямоугольник 131">
             <a:extLst>
               <a:ext uri="{FF2B5EF4-FFF2-40B4-BE49-F238E27FC236}">
-                <a16:creationId xmlns:a16="http://schemas.microsoft.com/office/drawing/2014/main" xmlns="" id="{42471CBD-413A-4A3C-B6F6-DCD88E55B78D}"/>
+                <a16:creationId xmlns="" xmlns:a16="http://schemas.microsoft.com/office/drawing/2014/main" id="{42471CBD-413A-4A3C-B6F6-DCD88E55B78D}"/>
               </a:ext>
             </a:extLst>
           </p:cNvPr>
@@ -10048,7 +10044,7 @@
           <p:cNvPr id="133" name="Прямоугольник 132">
             <a:extLst>
               <a:ext uri="{FF2B5EF4-FFF2-40B4-BE49-F238E27FC236}">
-                <a16:creationId xmlns:a16="http://schemas.microsoft.com/office/drawing/2014/main" xmlns="" id="{5A02DB7D-6E57-4AEF-9913-B75B2F02E27D}"/>
+                <a16:creationId xmlns="" xmlns:a16="http://schemas.microsoft.com/office/drawing/2014/main" id="{5A02DB7D-6E57-4AEF-9913-B75B2F02E27D}"/>
               </a:ext>
             </a:extLst>
           </p:cNvPr>
@@ -10103,7 +10099,7 @@
           <p:cNvPr id="135" name="Прямоугольник 134">
             <a:extLst>
               <a:ext uri="{FF2B5EF4-FFF2-40B4-BE49-F238E27FC236}">
-                <a16:creationId xmlns:a16="http://schemas.microsoft.com/office/drawing/2014/main" xmlns="" id="{D80463F0-008D-4836-8F9E-3D2D6E66AB47}"/>
+                <a16:creationId xmlns="" xmlns:a16="http://schemas.microsoft.com/office/drawing/2014/main" id="{D80463F0-008D-4836-8F9E-3D2D6E66AB47}"/>
               </a:ext>
             </a:extLst>
           </p:cNvPr>
@@ -10158,7 +10154,7 @@
           <p:cNvPr id="136" name="Прямоугольник 135">
             <a:extLst>
               <a:ext uri="{FF2B5EF4-FFF2-40B4-BE49-F238E27FC236}">
-                <a16:creationId xmlns:a16="http://schemas.microsoft.com/office/drawing/2014/main" xmlns="" id="{C758B007-0C96-4689-82E4-6C593885F846}"/>
+                <a16:creationId xmlns="" xmlns:a16="http://schemas.microsoft.com/office/drawing/2014/main" id="{C758B007-0C96-4689-82E4-6C593885F846}"/>
               </a:ext>
             </a:extLst>
           </p:cNvPr>
@@ -10225,7 +10221,7 @@
           <p:cNvPr id="139" name="Прямоугольник 138">
             <a:extLst>
               <a:ext uri="{FF2B5EF4-FFF2-40B4-BE49-F238E27FC236}">
-                <a16:creationId xmlns:a16="http://schemas.microsoft.com/office/drawing/2014/main" xmlns="" id="{2772F863-F97F-446C-9EF5-E9FBA76BA105}"/>
+                <a16:creationId xmlns="" xmlns:a16="http://schemas.microsoft.com/office/drawing/2014/main" id="{2772F863-F97F-446C-9EF5-E9FBA76BA105}"/>
               </a:ext>
             </a:extLst>
           </p:cNvPr>
@@ -10279,7 +10275,7 @@
           <p:cNvPr id="140" name="Прямая со стрелкой 139">
             <a:extLst>
               <a:ext uri="{FF2B5EF4-FFF2-40B4-BE49-F238E27FC236}">
-                <a16:creationId xmlns:a16="http://schemas.microsoft.com/office/drawing/2014/main" xmlns="" id="{B3FCE5AB-B549-43E5-94DB-B0838C67B62E}"/>
+                <a16:creationId xmlns="" xmlns:a16="http://schemas.microsoft.com/office/drawing/2014/main" id="{B3FCE5AB-B549-43E5-94DB-B0838C67B62E}"/>
               </a:ext>
             </a:extLst>
           </p:cNvPr>
@@ -10322,7 +10318,7 @@
           <p:cNvPr id="142" name="Прямая со стрелкой 141">
             <a:extLst>
               <a:ext uri="{FF2B5EF4-FFF2-40B4-BE49-F238E27FC236}">
-                <a16:creationId xmlns:a16="http://schemas.microsoft.com/office/drawing/2014/main" xmlns="" id="{6DB489FB-B7F5-4424-8C73-6D37DF418426}"/>
+                <a16:creationId xmlns="" xmlns:a16="http://schemas.microsoft.com/office/drawing/2014/main" id="{6DB489FB-B7F5-4424-8C73-6D37DF418426}"/>
               </a:ext>
             </a:extLst>
           </p:cNvPr>
@@ -10365,7 +10361,7 @@
           <p:cNvPr id="143" name="Прямоугольник 142">
             <a:extLst>
               <a:ext uri="{FF2B5EF4-FFF2-40B4-BE49-F238E27FC236}">
-                <a16:creationId xmlns:a16="http://schemas.microsoft.com/office/drawing/2014/main" xmlns="" id="{D8560F03-D7E5-4EAE-8AB6-25DD52B13299}"/>
+                <a16:creationId xmlns="" xmlns:a16="http://schemas.microsoft.com/office/drawing/2014/main" id="{D8560F03-D7E5-4EAE-8AB6-25DD52B13299}"/>
               </a:ext>
             </a:extLst>
           </p:cNvPr>
@@ -10440,7 +10436,7 @@
           <p:cNvPr id="145" name="Прямоугольник 144">
             <a:extLst>
               <a:ext uri="{FF2B5EF4-FFF2-40B4-BE49-F238E27FC236}">
-                <a16:creationId xmlns:a16="http://schemas.microsoft.com/office/drawing/2014/main" xmlns="" id="{9B2FDAB2-B211-4434-9C5B-E5DF44A10A33}"/>
+                <a16:creationId xmlns="" xmlns:a16="http://schemas.microsoft.com/office/drawing/2014/main" id="{9B2FDAB2-B211-4434-9C5B-E5DF44A10A33}"/>
               </a:ext>
             </a:extLst>
           </p:cNvPr>
@@ -10498,7 +10494,7 @@
           <p:cNvPr id="146" name="Соединительная линия уступом 903">
             <a:extLst>
               <a:ext uri="{FF2B5EF4-FFF2-40B4-BE49-F238E27FC236}">
-                <a16:creationId xmlns:a16="http://schemas.microsoft.com/office/drawing/2014/main" xmlns="" id="{7F2B1BD7-0FDF-4BD9-834C-72911F99D650}"/>
+                <a16:creationId xmlns="" xmlns:a16="http://schemas.microsoft.com/office/drawing/2014/main" id="{7F2B1BD7-0FDF-4BD9-834C-72911F99D650}"/>
               </a:ext>
             </a:extLst>
           </p:cNvPr>
@@ -10543,7 +10539,7 @@
           <p:cNvPr id="148" name="Прямоугольник 147">
             <a:extLst>
               <a:ext uri="{FF2B5EF4-FFF2-40B4-BE49-F238E27FC236}">
-                <a16:creationId xmlns:a16="http://schemas.microsoft.com/office/drawing/2014/main" xmlns="" id="{5F0353F8-E21C-4F18-BE59-BB22D272D767}"/>
+                <a16:creationId xmlns="" xmlns:a16="http://schemas.microsoft.com/office/drawing/2014/main" id="{5F0353F8-E21C-4F18-BE59-BB22D272D767}"/>
               </a:ext>
             </a:extLst>
           </p:cNvPr>
@@ -10601,7 +10597,7 @@
           <p:cNvPr id="149" name="Прямоугольник 148">
             <a:extLst>
               <a:ext uri="{FF2B5EF4-FFF2-40B4-BE49-F238E27FC236}">
-                <a16:creationId xmlns:a16="http://schemas.microsoft.com/office/drawing/2014/main" xmlns="" id="{4A8FCB66-A700-49E8-963C-C94CA0CCF5FD}"/>
+                <a16:creationId xmlns="" xmlns:a16="http://schemas.microsoft.com/office/drawing/2014/main" id="{4A8FCB66-A700-49E8-963C-C94CA0CCF5FD}"/>
               </a:ext>
             </a:extLst>
           </p:cNvPr>
@@ -10692,7 +10688,7 @@
           <p:cNvPr id="151" name="Прямоугольник 150">
             <a:extLst>
               <a:ext uri="{FF2B5EF4-FFF2-40B4-BE49-F238E27FC236}">
-                <a16:creationId xmlns:a16="http://schemas.microsoft.com/office/drawing/2014/main" xmlns="" id="{42471CBD-413A-4A3C-B6F6-DCD88E55B78D}"/>
+                <a16:creationId xmlns="" xmlns:a16="http://schemas.microsoft.com/office/drawing/2014/main" id="{42471CBD-413A-4A3C-B6F6-DCD88E55B78D}"/>
               </a:ext>
             </a:extLst>
           </p:cNvPr>
@@ -10746,7 +10742,7 @@
           <p:cNvPr id="152" name="Прямоугольник 151">
             <a:extLst>
               <a:ext uri="{FF2B5EF4-FFF2-40B4-BE49-F238E27FC236}">
-                <a16:creationId xmlns:a16="http://schemas.microsoft.com/office/drawing/2014/main" xmlns="" id="{29CBE310-5100-413A-B4C1-EA4E28F411B1}"/>
+                <a16:creationId xmlns="" xmlns:a16="http://schemas.microsoft.com/office/drawing/2014/main" id="{29CBE310-5100-413A-B4C1-EA4E28F411B1}"/>
               </a:ext>
             </a:extLst>
           </p:cNvPr>
@@ -10800,7 +10796,7 @@
           <p:cNvPr id="154" name="Соединительная линия уступом 903">
             <a:extLst>
               <a:ext uri="{FF2B5EF4-FFF2-40B4-BE49-F238E27FC236}">
-                <a16:creationId xmlns:a16="http://schemas.microsoft.com/office/drawing/2014/main" xmlns="" id="{BDC7F8CB-0052-4FAE-993D-F1332955CF43}"/>
+                <a16:creationId xmlns="" xmlns:a16="http://schemas.microsoft.com/office/drawing/2014/main" id="{BDC7F8CB-0052-4FAE-993D-F1332955CF43}"/>
               </a:ext>
             </a:extLst>
           </p:cNvPr>
@@ -10845,7 +10841,7 @@
           <p:cNvPr id="155" name="Соединительная линия уступом 903">
             <a:extLst>
               <a:ext uri="{FF2B5EF4-FFF2-40B4-BE49-F238E27FC236}">
-                <a16:creationId xmlns:a16="http://schemas.microsoft.com/office/drawing/2014/main" xmlns="" id="{BDC7F8CB-0052-4FAE-993D-F1332955CF43}"/>
+                <a16:creationId xmlns="" xmlns:a16="http://schemas.microsoft.com/office/drawing/2014/main" id="{BDC7F8CB-0052-4FAE-993D-F1332955CF43}"/>
               </a:ext>
             </a:extLst>
           </p:cNvPr>
@@ -10890,7 +10886,7 @@
           <p:cNvPr id="159" name="Соединительная линия уступом 903">
             <a:extLst>
               <a:ext uri="{FF2B5EF4-FFF2-40B4-BE49-F238E27FC236}">
-                <a16:creationId xmlns:a16="http://schemas.microsoft.com/office/drawing/2014/main" xmlns="" id="{BDC7F8CB-0052-4FAE-993D-F1332955CF43}"/>
+                <a16:creationId xmlns="" xmlns:a16="http://schemas.microsoft.com/office/drawing/2014/main" id="{BDC7F8CB-0052-4FAE-993D-F1332955CF43}"/>
               </a:ext>
             </a:extLst>
           </p:cNvPr>
@@ -10935,7 +10931,7 @@
           <p:cNvPr id="160" name="Соединительная линия уступом 903">
             <a:extLst>
               <a:ext uri="{FF2B5EF4-FFF2-40B4-BE49-F238E27FC236}">
-                <a16:creationId xmlns:a16="http://schemas.microsoft.com/office/drawing/2014/main" xmlns="" id="{BDC7F8CB-0052-4FAE-993D-F1332955CF43}"/>
+                <a16:creationId xmlns="" xmlns:a16="http://schemas.microsoft.com/office/drawing/2014/main" id="{BDC7F8CB-0052-4FAE-993D-F1332955CF43}"/>
               </a:ext>
             </a:extLst>
           </p:cNvPr>
@@ -10980,7 +10976,7 @@
           <p:cNvPr id="161" name="Соединительная линия уступом 903">
             <a:extLst>
               <a:ext uri="{FF2B5EF4-FFF2-40B4-BE49-F238E27FC236}">
-                <a16:creationId xmlns:a16="http://schemas.microsoft.com/office/drawing/2014/main" xmlns="" id="{BDC7F8CB-0052-4FAE-993D-F1332955CF43}"/>
+                <a16:creationId xmlns="" xmlns:a16="http://schemas.microsoft.com/office/drawing/2014/main" id="{BDC7F8CB-0052-4FAE-993D-F1332955CF43}"/>
               </a:ext>
             </a:extLst>
           </p:cNvPr>
@@ -11025,7 +11021,7 @@
           <p:cNvPr id="165" name="Соединительная линия уступом 903">
             <a:extLst>
               <a:ext uri="{FF2B5EF4-FFF2-40B4-BE49-F238E27FC236}">
-                <a16:creationId xmlns:a16="http://schemas.microsoft.com/office/drawing/2014/main" xmlns="" id="{BDC7F8CB-0052-4FAE-993D-F1332955CF43}"/>
+                <a16:creationId xmlns="" xmlns:a16="http://schemas.microsoft.com/office/drawing/2014/main" id="{BDC7F8CB-0052-4FAE-993D-F1332955CF43}"/>
               </a:ext>
             </a:extLst>
           </p:cNvPr>
@@ -11070,7 +11066,7 @@
           <p:cNvPr id="166" name="Соединительная линия уступом 903">
             <a:extLst>
               <a:ext uri="{FF2B5EF4-FFF2-40B4-BE49-F238E27FC236}">
-                <a16:creationId xmlns:a16="http://schemas.microsoft.com/office/drawing/2014/main" xmlns="" id="{BDC7F8CB-0052-4FAE-993D-F1332955CF43}"/>
+                <a16:creationId xmlns="" xmlns:a16="http://schemas.microsoft.com/office/drawing/2014/main" id="{BDC7F8CB-0052-4FAE-993D-F1332955CF43}"/>
               </a:ext>
             </a:extLst>
           </p:cNvPr>
@@ -11115,7 +11111,7 @@
           <p:cNvPr id="167" name="Соединительная линия уступом 903">
             <a:extLst>
               <a:ext uri="{FF2B5EF4-FFF2-40B4-BE49-F238E27FC236}">
-                <a16:creationId xmlns:a16="http://schemas.microsoft.com/office/drawing/2014/main" xmlns="" id="{BDC7F8CB-0052-4FAE-993D-F1332955CF43}"/>
+                <a16:creationId xmlns="" xmlns:a16="http://schemas.microsoft.com/office/drawing/2014/main" id="{BDC7F8CB-0052-4FAE-993D-F1332955CF43}"/>
               </a:ext>
             </a:extLst>
           </p:cNvPr>
@@ -11160,7 +11156,7 @@
           <p:cNvPr id="184" name="Соединительная линия уступом 903">
             <a:extLst>
               <a:ext uri="{FF2B5EF4-FFF2-40B4-BE49-F238E27FC236}">
-                <a16:creationId xmlns:a16="http://schemas.microsoft.com/office/drawing/2014/main" xmlns="" id="{BDC7F8CB-0052-4FAE-993D-F1332955CF43}"/>
+                <a16:creationId xmlns="" xmlns:a16="http://schemas.microsoft.com/office/drawing/2014/main" id="{BDC7F8CB-0052-4FAE-993D-F1332955CF43}"/>
               </a:ext>
             </a:extLst>
           </p:cNvPr>
@@ -11205,7 +11201,7 @@
           <p:cNvPr id="187" name="Соединительная линия уступом 903">
             <a:extLst>
               <a:ext uri="{FF2B5EF4-FFF2-40B4-BE49-F238E27FC236}">
-                <a16:creationId xmlns:a16="http://schemas.microsoft.com/office/drawing/2014/main" xmlns="" id="{BDC7F8CB-0052-4FAE-993D-F1332955CF43}"/>
+                <a16:creationId xmlns="" xmlns:a16="http://schemas.microsoft.com/office/drawing/2014/main" id="{BDC7F8CB-0052-4FAE-993D-F1332955CF43}"/>
               </a:ext>
             </a:extLst>
           </p:cNvPr>
@@ -11250,7 +11246,7 @@
           <p:cNvPr id="191" name="Прямая со стрелкой 190">
             <a:extLst>
               <a:ext uri="{FF2B5EF4-FFF2-40B4-BE49-F238E27FC236}">
-                <a16:creationId xmlns:a16="http://schemas.microsoft.com/office/drawing/2014/main" xmlns="" id="{11E09268-6642-4446-BE40-6FEF2498A4ED}"/>
+                <a16:creationId xmlns="" xmlns:a16="http://schemas.microsoft.com/office/drawing/2014/main" id="{11E09268-6642-4446-BE40-6FEF2498A4ED}"/>
               </a:ext>
             </a:extLst>
           </p:cNvPr>
@@ -11332,7 +11328,7 @@
           <p:cNvPr id="211" name="Прямая со стрелкой 210">
             <a:extLst>
               <a:ext uri="{FF2B5EF4-FFF2-40B4-BE49-F238E27FC236}">
-                <a16:creationId xmlns:a16="http://schemas.microsoft.com/office/drawing/2014/main" xmlns="" id="{59266080-AC10-42CA-B68E-CEDF802FA3D3}"/>
+                <a16:creationId xmlns="" xmlns:a16="http://schemas.microsoft.com/office/drawing/2014/main" id="{59266080-AC10-42CA-B68E-CEDF802FA3D3}"/>
               </a:ext>
             </a:extLst>
           </p:cNvPr>
@@ -11376,7 +11372,7 @@
           <p:cNvPr id="214" name="Соединительная линия уступом 903">
             <a:extLst>
               <a:ext uri="{FF2B5EF4-FFF2-40B4-BE49-F238E27FC236}">
-                <a16:creationId xmlns:a16="http://schemas.microsoft.com/office/drawing/2014/main" xmlns="" id="{BDC7F8CB-0052-4FAE-993D-F1332955CF43}"/>
+                <a16:creationId xmlns="" xmlns:a16="http://schemas.microsoft.com/office/drawing/2014/main" id="{BDC7F8CB-0052-4FAE-993D-F1332955CF43}"/>
               </a:ext>
             </a:extLst>
           </p:cNvPr>
@@ -11422,7 +11418,7 @@
           <p:cNvPr id="217" name="Соединительная линия уступом 903">
             <a:extLst>
               <a:ext uri="{FF2B5EF4-FFF2-40B4-BE49-F238E27FC236}">
-                <a16:creationId xmlns:a16="http://schemas.microsoft.com/office/drawing/2014/main" xmlns="" id="{BDC7F8CB-0052-4FAE-993D-F1332955CF43}"/>
+                <a16:creationId xmlns="" xmlns:a16="http://schemas.microsoft.com/office/drawing/2014/main" id="{BDC7F8CB-0052-4FAE-993D-F1332955CF43}"/>
               </a:ext>
             </a:extLst>
           </p:cNvPr>
@@ -11468,7 +11464,7 @@
           <p:cNvPr id="221" name="Прямоугольник 220">
             <a:extLst>
               <a:ext uri="{FF2B5EF4-FFF2-40B4-BE49-F238E27FC236}">
-                <a16:creationId xmlns:a16="http://schemas.microsoft.com/office/drawing/2014/main" xmlns="" id="{D53819E8-2FF6-4FFA-A7E4-75D55AADB8B5}"/>
+                <a16:creationId xmlns="" xmlns:a16="http://schemas.microsoft.com/office/drawing/2014/main" id="{D53819E8-2FF6-4FFA-A7E4-75D55AADB8B5}"/>
               </a:ext>
             </a:extLst>
           </p:cNvPr>
@@ -11522,7 +11518,7 @@
           <p:cNvPr id="225" name="Соединительная линия уступом 903">
             <a:extLst>
               <a:ext uri="{FF2B5EF4-FFF2-40B4-BE49-F238E27FC236}">
-                <a16:creationId xmlns:a16="http://schemas.microsoft.com/office/drawing/2014/main" xmlns="" id="{BDC7F8CB-0052-4FAE-993D-F1332955CF43}"/>
+                <a16:creationId xmlns="" xmlns:a16="http://schemas.microsoft.com/office/drawing/2014/main" id="{BDC7F8CB-0052-4FAE-993D-F1332955CF43}"/>
               </a:ext>
             </a:extLst>
           </p:cNvPr>
@@ -11567,7 +11563,7 @@
           <p:cNvPr id="243" name="Прямоугольник 242">
             <a:extLst>
               <a:ext uri="{FF2B5EF4-FFF2-40B4-BE49-F238E27FC236}">
-                <a16:creationId xmlns:a16="http://schemas.microsoft.com/office/drawing/2014/main" xmlns="" id="{03F7D570-4EE1-495E-9294-D367F2E7763E}"/>
+                <a16:creationId xmlns="" xmlns:a16="http://schemas.microsoft.com/office/drawing/2014/main" id="{03F7D570-4EE1-495E-9294-D367F2E7763E}"/>
               </a:ext>
             </a:extLst>
           </p:cNvPr>
@@ -11905,7 +11901,7 @@
           <p:cNvPr id="168" name="Прямоугольник 167">
             <a:extLst>
               <a:ext uri="{FF2B5EF4-FFF2-40B4-BE49-F238E27FC236}">
-                <a16:creationId xmlns:a16="http://schemas.microsoft.com/office/drawing/2014/main" xmlns="" id="{29CBE310-5100-413A-B4C1-EA4E28F411B1}"/>
+                <a16:creationId xmlns="" xmlns:a16="http://schemas.microsoft.com/office/drawing/2014/main" id="{29CBE310-5100-413A-B4C1-EA4E28F411B1}"/>
               </a:ext>
             </a:extLst>
           </p:cNvPr>
@@ -11955,7 +11951,7 @@
           <p:cNvPr id="171" name="Прямоугольник 170">
             <a:extLst>
               <a:ext uri="{FF2B5EF4-FFF2-40B4-BE49-F238E27FC236}">
-                <a16:creationId xmlns:a16="http://schemas.microsoft.com/office/drawing/2014/main" xmlns="" id="{29CBE310-5100-413A-B4C1-EA4E28F411B1}"/>
+                <a16:creationId xmlns="" xmlns:a16="http://schemas.microsoft.com/office/drawing/2014/main" id="{29CBE310-5100-413A-B4C1-EA4E28F411B1}"/>
               </a:ext>
             </a:extLst>
           </p:cNvPr>
@@ -12005,7 +12001,7 @@
           <p:cNvPr id="172" name="Соединительная линия уступом 903">
             <a:extLst>
               <a:ext uri="{FF2B5EF4-FFF2-40B4-BE49-F238E27FC236}">
-                <a16:creationId xmlns:a16="http://schemas.microsoft.com/office/drawing/2014/main" xmlns="" id="{BDC7F8CB-0052-4FAE-993D-F1332955CF43}"/>
+                <a16:creationId xmlns="" xmlns:a16="http://schemas.microsoft.com/office/drawing/2014/main" id="{BDC7F8CB-0052-4FAE-993D-F1332955CF43}"/>
               </a:ext>
             </a:extLst>
           </p:cNvPr>
@@ -12050,7 +12046,7 @@
           <p:cNvPr id="177" name="Прямая со стрелкой 176">
             <a:extLst>
               <a:ext uri="{FF2B5EF4-FFF2-40B4-BE49-F238E27FC236}">
-                <a16:creationId xmlns:a16="http://schemas.microsoft.com/office/drawing/2014/main" xmlns="" id="{11E09268-6642-4446-BE40-6FEF2498A4ED}"/>
+                <a16:creationId xmlns="" xmlns:a16="http://schemas.microsoft.com/office/drawing/2014/main" id="{11E09268-6642-4446-BE40-6FEF2498A4ED}"/>
               </a:ext>
             </a:extLst>
           </p:cNvPr>
@@ -12093,7 +12089,7 @@
           <p:cNvPr id="180" name="Прямоугольник 179">
             <a:extLst>
               <a:ext uri="{FF2B5EF4-FFF2-40B4-BE49-F238E27FC236}">
-                <a16:creationId xmlns:a16="http://schemas.microsoft.com/office/drawing/2014/main" xmlns="" id="{8F90957D-3F70-4F7D-A50B-157EE934D6F5}"/>
+                <a16:creationId xmlns="" xmlns:a16="http://schemas.microsoft.com/office/drawing/2014/main" id="{8F90957D-3F70-4F7D-A50B-157EE934D6F5}"/>
               </a:ext>
             </a:extLst>
           </p:cNvPr>
@@ -12151,7 +12147,7 @@
           <p:cNvPr id="182" name="Соединительная линия уступом 903">
             <a:extLst>
               <a:ext uri="{FF2B5EF4-FFF2-40B4-BE49-F238E27FC236}">
-                <a16:creationId xmlns:a16="http://schemas.microsoft.com/office/drawing/2014/main" xmlns="" id="{BDC7F8CB-0052-4FAE-993D-F1332955CF43}"/>
+                <a16:creationId xmlns="" xmlns:a16="http://schemas.microsoft.com/office/drawing/2014/main" id="{BDC7F8CB-0052-4FAE-993D-F1332955CF43}"/>
               </a:ext>
             </a:extLst>
           </p:cNvPr>
@@ -12196,7 +12192,7 @@
           <p:cNvPr id="185" name="Прямоугольник 184">
             <a:extLst>
               <a:ext uri="{FF2B5EF4-FFF2-40B4-BE49-F238E27FC236}">
-                <a16:creationId xmlns:a16="http://schemas.microsoft.com/office/drawing/2014/main" xmlns="" id="{9C02A14C-DE5F-49AD-A4EE-A27966D0EFDC}"/>
+                <a16:creationId xmlns="" xmlns:a16="http://schemas.microsoft.com/office/drawing/2014/main" id="{9C02A14C-DE5F-49AD-A4EE-A27966D0EFDC}"/>
               </a:ext>
             </a:extLst>
           </p:cNvPr>
@@ -12254,7 +12250,7 @@
           <p:cNvPr id="186" name="Соединительная линия уступом 903">
             <a:extLst>
               <a:ext uri="{FF2B5EF4-FFF2-40B4-BE49-F238E27FC236}">
-                <a16:creationId xmlns:a16="http://schemas.microsoft.com/office/drawing/2014/main" xmlns="" id="{2A1524CC-F749-457E-8785-AFB89CF85AC6}"/>
+                <a16:creationId xmlns="" xmlns:a16="http://schemas.microsoft.com/office/drawing/2014/main" id="{2A1524CC-F749-457E-8785-AFB89CF85AC6}"/>
               </a:ext>
             </a:extLst>
           </p:cNvPr>
@@ -12300,7 +12296,7 @@
           <p:cNvPr id="190" name="Соединительная линия уступом 903">
             <a:extLst>
               <a:ext uri="{FF2B5EF4-FFF2-40B4-BE49-F238E27FC236}">
-                <a16:creationId xmlns:a16="http://schemas.microsoft.com/office/drawing/2014/main" xmlns="" id="{2A1524CC-F749-457E-8785-AFB89CF85AC6}"/>
+                <a16:creationId xmlns="" xmlns:a16="http://schemas.microsoft.com/office/drawing/2014/main" id="{2A1524CC-F749-457E-8785-AFB89CF85AC6}"/>
               </a:ext>
             </a:extLst>
           </p:cNvPr>
@@ -12346,7 +12342,7 @@
           <p:cNvPr id="195" name="Прямоугольник 194">
             <a:extLst>
               <a:ext uri="{FF2B5EF4-FFF2-40B4-BE49-F238E27FC236}">
-                <a16:creationId xmlns:a16="http://schemas.microsoft.com/office/drawing/2014/main" xmlns="" id="{5A90479D-BFEC-4250-A8B4-175610005B0C}"/>
+                <a16:creationId xmlns="" xmlns:a16="http://schemas.microsoft.com/office/drawing/2014/main" id="{5A90479D-BFEC-4250-A8B4-175610005B0C}"/>
               </a:ext>
             </a:extLst>
           </p:cNvPr>
@@ -12400,6 +12396,586 @@
               <a:rPr lang="ru-RU" sz="100" dirty="0"/>
               <a:t>(Автономия университета – это политическая и административная независимость государственного университета по отношению к внешним факторам. Принцип университетской автономии утверждает, что университет должен быть автономным и самоуправляемым и что он должен избирать свои собственные органы власти без вмешательства со стороны политической власти, принимая решения о своем собственном уставе и программах обучения .)</a:t>
             </a:r>
+          </a:p>
+        </p:txBody>
+      </p:sp>
+      <p:sp>
+        <p:nvSpPr>
+          <p:cNvPr id="170" name="Прямоугольник 169">
+            <a:extLst>
+              <a:ext uri="{FF2B5EF4-FFF2-40B4-BE49-F238E27FC236}">
+                <a16:creationId xmlns="" xmlns:a16="http://schemas.microsoft.com/office/drawing/2014/main" id="{FC846415-2760-43A4-A1A1-795C4968509B}"/>
+              </a:ext>
+            </a:extLst>
+          </p:cNvPr>
+          <p:cNvSpPr/>
+          <p:nvPr/>
+        </p:nvSpPr>
+        <p:spPr>
+          <a:xfrm>
+            <a:off x="2344924" y="14065945"/>
+            <a:ext cx="926325" cy="540000"/>
+          </a:xfrm>
+          <a:prstGeom prst="rect">
+            <a:avLst/>
+          </a:prstGeom>
+          <a:solidFill>
+            <a:srgbClr val="FF0000"/>
+          </a:solidFill>
+          <a:ln w="19050"/>
+        </p:spPr>
+        <p:style>
+          <a:lnRef idx="2">
+            <a:schemeClr val="accent1"/>
+          </a:lnRef>
+          <a:fillRef idx="1">
+            <a:schemeClr val="lt1"/>
+          </a:fillRef>
+          <a:effectRef idx="0">
+            <a:schemeClr val="accent1"/>
+          </a:effectRef>
+          <a:fontRef idx="minor">
+            <a:schemeClr val="dk1"/>
+          </a:fontRef>
+        </p:style>
+        <p:txBody>
+          <a:bodyPr lIns="124733" tIns="62367" rIns="124733" bIns="62367" rtlCol="0" anchor="ctr"/>
+          <a:lstStyle/>
+          <a:p>
+            <a:pPr algn="ctr"/>
+            <a:r>
+              <a:rPr lang="ru-RU" sz="700" dirty="0" smtClean="0"/>
+              <a:t>Переворот Никарагуанской </a:t>
+            </a:r>
+            <a:r>
+              <a:rPr lang="ru-RU" sz="700" dirty="0"/>
+              <a:t>рабочей партии </a:t>
+            </a:r>
+            <a:r>
+              <a:rPr lang="ru-RU" sz="200" dirty="0" smtClean="0"/>
+              <a:t>(это </a:t>
+            </a:r>
+            <a:r>
+              <a:rPr lang="ru-RU" sz="200" dirty="0"/>
+              <a:t>стремление к политической независимости, усиленное мировой рецессией, позволило создать 7 августа 1931 года Никарагуанскую рабочую партию (PTN) , занимавшую позиции, сочетавшие </a:t>
+            </a:r>
+            <a:r>
+              <a:rPr lang="ru-RU" sz="200" dirty="0" err="1"/>
+              <a:t>юнионизм</a:t>
+            </a:r>
+            <a:r>
+              <a:rPr lang="ru-RU" sz="200" dirty="0"/>
+              <a:t>, национализм и </a:t>
+            </a:r>
+            <a:r>
+              <a:rPr lang="ru-RU" sz="200" dirty="0" err="1"/>
+              <a:t>антиимпериализм</a:t>
+            </a:r>
+            <a:r>
+              <a:rPr lang="ru-RU" sz="200" dirty="0"/>
+              <a:t>.)</a:t>
+            </a:r>
+            <a:endParaRPr lang="ru-RU" sz="100" dirty="0"/>
+          </a:p>
+        </p:txBody>
+      </p:sp>
+      <p:sp>
+        <p:nvSpPr>
+          <p:cNvPr id="174" name="Прямоугольник 173">
+            <a:extLst>
+              <a:ext uri="{FF2B5EF4-FFF2-40B4-BE49-F238E27FC236}">
+                <a16:creationId xmlns="" xmlns:a16="http://schemas.microsoft.com/office/drawing/2014/main" id="{FC846415-2760-43A4-A1A1-795C4968509B}"/>
+              </a:ext>
+            </a:extLst>
+          </p:cNvPr>
+          <p:cNvSpPr/>
+          <p:nvPr/>
+        </p:nvSpPr>
+        <p:spPr>
+          <a:xfrm>
+            <a:off x="955422" y="15649430"/>
+            <a:ext cx="926325" cy="540000"/>
+          </a:xfrm>
+          <a:prstGeom prst="rect">
+            <a:avLst/>
+          </a:prstGeom>
+          <a:solidFill>
+            <a:srgbClr val="FF0000"/>
+          </a:solidFill>
+          <a:ln w="19050"/>
+        </p:spPr>
+        <p:style>
+          <a:lnRef idx="2">
+            <a:schemeClr val="accent1"/>
+          </a:lnRef>
+          <a:fillRef idx="1">
+            <a:schemeClr val="lt1"/>
+          </a:fillRef>
+          <a:effectRef idx="0">
+            <a:schemeClr val="accent1"/>
+          </a:effectRef>
+          <a:fontRef idx="minor">
+            <a:schemeClr val="dk1"/>
+          </a:fontRef>
+        </p:style>
+        <p:txBody>
+          <a:bodyPr lIns="124733" tIns="62367" rIns="124733" bIns="62367" rtlCol="0" anchor="ctr"/>
+          <a:lstStyle/>
+          <a:p>
+            <a:pPr algn="ctr"/>
+            <a:r>
+              <a:rPr lang="ru-RU" sz="700" dirty="0" smtClean="0"/>
+              <a:t>Эль </a:t>
+            </a:r>
+            <a:r>
+              <a:rPr lang="ru-RU" sz="700" dirty="0" err="1" smtClean="0"/>
+              <a:t>пролетарио</a:t>
+            </a:r>
+            <a:r>
+              <a:rPr lang="ru-RU" sz="700" dirty="0" smtClean="0"/>
+              <a:t> </a:t>
+            </a:r>
+            <a:r>
+              <a:rPr lang="ru-RU" sz="400" dirty="0"/>
+              <a:t>(газета В 1935 году « </a:t>
+            </a:r>
+            <a:r>
+              <a:rPr lang="ru-RU" sz="400" dirty="0" err="1"/>
+              <a:t>Кауза</a:t>
+            </a:r>
+            <a:r>
+              <a:rPr lang="ru-RU" sz="400" dirty="0"/>
+              <a:t> </a:t>
+            </a:r>
+            <a:r>
+              <a:rPr lang="ru-RU" sz="400" dirty="0" err="1"/>
+              <a:t>Обрера</a:t>
+            </a:r>
+            <a:r>
+              <a:rPr lang="ru-RU" sz="400" dirty="0"/>
+              <a:t> » была заменена на « Эль </a:t>
+            </a:r>
+            <a:r>
+              <a:rPr lang="ru-RU" sz="400" dirty="0" err="1"/>
+              <a:t>Пролетарио</a:t>
+            </a:r>
+            <a:r>
+              <a:rPr lang="ru-RU" sz="400" dirty="0" smtClean="0"/>
+              <a:t>».)</a:t>
+            </a:r>
+            <a:endParaRPr lang="ru-RU" sz="100" dirty="0"/>
+          </a:p>
+        </p:txBody>
+      </p:sp>
+      <p:sp>
+        <p:nvSpPr>
+          <p:cNvPr id="175" name="Прямоугольник 174">
+            <a:extLst>
+              <a:ext uri="{FF2B5EF4-FFF2-40B4-BE49-F238E27FC236}">
+                <a16:creationId xmlns="" xmlns:a16="http://schemas.microsoft.com/office/drawing/2014/main" id="{9C02A14C-DE5F-49AD-A4EE-A27966D0EFDC}"/>
+              </a:ext>
+            </a:extLst>
+          </p:cNvPr>
+          <p:cNvSpPr/>
+          <p:nvPr/>
+        </p:nvSpPr>
+        <p:spPr>
+          <a:xfrm>
+            <a:off x="5237443" y="15649430"/>
+            <a:ext cx="926325" cy="540000"/>
+          </a:xfrm>
+          <a:prstGeom prst="rect">
+            <a:avLst/>
+          </a:prstGeom>
+          <a:solidFill>
+            <a:srgbClr val="FF0000"/>
+          </a:solidFill>
+          <a:ln w="19050"/>
+        </p:spPr>
+        <p:style>
+          <a:lnRef idx="2">
+            <a:schemeClr val="accent1"/>
+          </a:lnRef>
+          <a:fillRef idx="1">
+            <a:schemeClr val="lt1"/>
+          </a:fillRef>
+          <a:effectRef idx="0">
+            <a:schemeClr val="accent1"/>
+          </a:effectRef>
+          <a:fontRef idx="minor">
+            <a:schemeClr val="dk1"/>
+          </a:fontRef>
+        </p:style>
+        <p:txBody>
+          <a:bodyPr lIns="124733" tIns="62367" rIns="124733" bIns="62367" rtlCol="0" anchor="ctr"/>
+          <a:lstStyle/>
+          <a:p>
+            <a:pPr algn="ctr"/>
+            <a:r>
+              <a:rPr lang="ru-RU" sz="700" dirty="0" smtClean="0"/>
+              <a:t>Защитить от интервенции </a:t>
+            </a:r>
+            <a:r>
+              <a:rPr lang="ru-RU" sz="700" dirty="0"/>
+              <a:t>США </a:t>
+            </a:r>
+            <a:r>
+              <a:rPr lang="ru-RU" sz="200" dirty="0"/>
+              <a:t>(Хотя ее социальную базу составляли рабочие и ремесленники, ПТС в большей степени отражала радикальный средний класс и интеллектуальный сектор, выступавший против военной интервенции Северной Америки)</a:t>
+            </a:r>
+            <a:endParaRPr lang="ru-RU" sz="100" dirty="0"/>
+          </a:p>
+        </p:txBody>
+      </p:sp>
+      <p:sp>
+        <p:nvSpPr>
+          <p:cNvPr id="178" name="Прямоугольник 177">
+            <a:extLst>
+              <a:ext uri="{FF2B5EF4-FFF2-40B4-BE49-F238E27FC236}">
+                <a16:creationId xmlns="" xmlns:a16="http://schemas.microsoft.com/office/drawing/2014/main" id="{FC846415-2760-43A4-A1A1-795C4968509B}"/>
+              </a:ext>
+            </a:extLst>
+          </p:cNvPr>
+          <p:cNvSpPr/>
+          <p:nvPr/>
+        </p:nvSpPr>
+        <p:spPr>
+          <a:xfrm>
+            <a:off x="3622413" y="14062958"/>
+            <a:ext cx="926325" cy="540000"/>
+          </a:xfrm>
+          <a:prstGeom prst="rect">
+            <a:avLst/>
+          </a:prstGeom>
+          <a:solidFill>
+            <a:srgbClr val="FF0000"/>
+          </a:solidFill>
+          <a:ln w="19050"/>
+        </p:spPr>
+        <p:style>
+          <a:lnRef idx="2">
+            <a:schemeClr val="accent1"/>
+          </a:lnRef>
+          <a:fillRef idx="1">
+            <a:schemeClr val="lt1"/>
+          </a:fillRef>
+          <a:effectRef idx="0">
+            <a:schemeClr val="accent1"/>
+          </a:effectRef>
+          <a:fontRef idx="minor">
+            <a:schemeClr val="dk1"/>
+          </a:fontRef>
+        </p:style>
+        <p:txBody>
+          <a:bodyPr lIns="124733" tIns="62367" rIns="124733" bIns="62367" rtlCol="0" anchor="ctr"/>
+          <a:lstStyle/>
+          <a:p>
+            <a:pPr algn="ctr"/>
+            <a:r>
+              <a:rPr lang="ru-RU" sz="300" dirty="0"/>
+              <a:t>лидеры PTN Карлос </a:t>
+            </a:r>
+            <a:r>
+              <a:rPr lang="ru-RU" sz="300" dirty="0" err="1"/>
+              <a:t>Леклер</a:t>
+            </a:r>
+            <a:r>
+              <a:rPr lang="ru-RU" sz="300" dirty="0"/>
+              <a:t>, Роберто Гонсалес, </a:t>
+            </a:r>
+            <a:r>
+              <a:rPr lang="ru-RU" sz="300" dirty="0" err="1"/>
+              <a:t>Хусто</a:t>
+            </a:r>
+            <a:r>
+              <a:rPr lang="ru-RU" sz="300" dirty="0"/>
+              <a:t> </a:t>
+            </a:r>
+            <a:r>
+              <a:rPr lang="ru-RU" sz="300" dirty="0" err="1"/>
+              <a:t>Солорсано</a:t>
+            </a:r>
+            <a:r>
+              <a:rPr lang="ru-RU" sz="300" dirty="0"/>
+              <a:t> и </a:t>
+            </a:r>
+            <a:r>
+              <a:rPr lang="ru-RU" sz="300" dirty="0" err="1"/>
+              <a:t>Хесус</a:t>
+            </a:r>
+            <a:r>
+              <a:rPr lang="ru-RU" sz="300" dirty="0"/>
+              <a:t> </a:t>
+            </a:r>
+            <a:r>
+              <a:rPr lang="ru-RU" sz="300" dirty="0" err="1"/>
+              <a:t>Маравилла</a:t>
+            </a:r>
+            <a:r>
+              <a:rPr lang="ru-RU" sz="300" dirty="0"/>
+              <a:t> </a:t>
+            </a:r>
+            <a:r>
+              <a:rPr lang="ru-RU" sz="300" dirty="0" err="1" smtClean="0"/>
+              <a:t>Альмендарес</a:t>
+            </a:r>
+            <a:r>
+              <a:rPr lang="ru-RU" sz="300" dirty="0" smtClean="0"/>
+              <a:t> (</a:t>
+            </a:r>
+            <a:r>
+              <a:rPr lang="es-ES" sz="300" dirty="0"/>
+              <a:t>los dirigentes del PTN, Carlos Lecleair, Roberto Gonzalez, Justo Solórzano y Jesús Maravilla Almendarez</a:t>
+            </a:r>
+            <a:r>
+              <a:rPr lang="ru-RU" sz="300" dirty="0" smtClean="0"/>
+              <a:t>)</a:t>
+            </a:r>
+            <a:endParaRPr lang="ru-RU" sz="100" dirty="0"/>
+          </a:p>
+        </p:txBody>
+      </p:sp>
+      <p:sp>
+        <p:nvSpPr>
+          <p:cNvPr id="181" name="Прямоугольник 180">
+            <a:extLst>
+              <a:ext uri="{FF2B5EF4-FFF2-40B4-BE49-F238E27FC236}">
+                <a16:creationId xmlns="" xmlns:a16="http://schemas.microsoft.com/office/drawing/2014/main" id="{FC846415-2760-43A4-A1A1-795C4968509B}"/>
+              </a:ext>
+            </a:extLst>
+          </p:cNvPr>
+          <p:cNvSpPr/>
+          <p:nvPr/>
+        </p:nvSpPr>
+        <p:spPr>
+          <a:xfrm>
+            <a:off x="4776526" y="14053354"/>
+            <a:ext cx="926325" cy="540000"/>
+          </a:xfrm>
+          <a:prstGeom prst="rect">
+            <a:avLst/>
+          </a:prstGeom>
+          <a:solidFill>
+            <a:srgbClr val="FF0000"/>
+          </a:solidFill>
+          <a:ln w="19050"/>
+        </p:spPr>
+        <p:style>
+          <a:lnRef idx="2">
+            <a:schemeClr val="accent1"/>
+          </a:lnRef>
+          <a:fillRef idx="1">
+            <a:schemeClr val="lt1"/>
+          </a:fillRef>
+          <a:effectRef idx="0">
+            <a:schemeClr val="accent1"/>
+          </a:effectRef>
+          <a:fontRef idx="minor">
+            <a:schemeClr val="dk1"/>
+          </a:fontRef>
+        </p:style>
+        <p:txBody>
+          <a:bodyPr lIns="124733" tIns="62367" rIns="124733" bIns="62367" rtlCol="0" anchor="ctr"/>
+          <a:lstStyle/>
+          <a:p>
+            <a:pPr algn="ctr"/>
+            <a:r>
+              <a:rPr lang="ru-RU" sz="200" dirty="0"/>
+              <a:t>В 1936 году </a:t>
+            </a:r>
+            <a:r>
+              <a:rPr lang="ru-RU" sz="200" dirty="0" err="1"/>
+              <a:t>Сомоса</a:t>
+            </a:r>
+            <a:r>
+              <a:rPr lang="ru-RU" sz="200" dirty="0"/>
+              <a:t> Гарсия использовал забастовку водителей против роста цен на бензин, чтобы создать необходимый хаос, который позволил бы ему замаскировать государственный переворот против президента Хуана </a:t>
+            </a:r>
+            <a:r>
+              <a:rPr lang="ru-RU" sz="200" dirty="0" err="1"/>
+              <a:t>Баутисты</a:t>
+            </a:r>
+            <a:r>
+              <a:rPr lang="ru-RU" sz="200" dirty="0"/>
+              <a:t> </a:t>
+            </a:r>
+            <a:r>
+              <a:rPr lang="ru-RU" sz="200" dirty="0" err="1"/>
+              <a:t>Сакасы</a:t>
+            </a:r>
+            <a:r>
+              <a:rPr lang="ru-RU" sz="200" dirty="0"/>
+              <a:t>. Был сектор ПТС, который выступал против маневра </a:t>
+            </a:r>
+            <a:r>
+              <a:rPr lang="ru-RU" sz="200" dirty="0" err="1"/>
+              <a:t>Сомосы</a:t>
+            </a:r>
+            <a:r>
+              <a:rPr lang="ru-RU" sz="200" dirty="0"/>
+              <a:t>, но другое крыло укрепило свою зависимость от </a:t>
+            </a:r>
+            <a:r>
+              <a:rPr lang="ru-RU" sz="200" dirty="0" err="1"/>
+              <a:t>Сомосы</a:t>
+            </a:r>
+            <a:r>
+              <a:rPr lang="ru-RU" sz="200" dirty="0"/>
+              <a:t>, который уже находился у власти и мог предлагать гонорары и льготы. В группу профсоюзных активистов </a:t>
+            </a:r>
+            <a:r>
+              <a:rPr lang="ru-RU" sz="200" dirty="0" err="1"/>
+              <a:t>Сомосы</a:t>
+            </a:r>
+            <a:r>
+              <a:rPr lang="ru-RU" sz="200" dirty="0"/>
+              <a:t> в составе PTN входили </a:t>
+            </a:r>
+            <a:r>
+              <a:rPr lang="ru-RU" sz="200" dirty="0" err="1"/>
+              <a:t>Хесус</a:t>
+            </a:r>
+            <a:r>
+              <a:rPr lang="ru-RU" sz="200" dirty="0"/>
+              <a:t> </a:t>
+            </a:r>
+            <a:r>
+              <a:rPr lang="ru-RU" sz="200" dirty="0" err="1"/>
+              <a:t>Маравилла</a:t>
+            </a:r>
+            <a:r>
+              <a:rPr lang="ru-RU" sz="200" dirty="0"/>
+              <a:t>, Роберто Гонсалес, Алехандро </a:t>
+            </a:r>
+            <a:r>
+              <a:rPr lang="ru-RU" sz="200" dirty="0" err="1"/>
+              <a:t>дель</a:t>
+            </a:r>
+            <a:r>
+              <a:rPr lang="ru-RU" sz="200" dirty="0"/>
+              <a:t> </a:t>
+            </a:r>
+            <a:r>
+              <a:rPr lang="ru-RU" sz="200" dirty="0" err="1"/>
+              <a:t>Паласио</a:t>
+            </a:r>
+            <a:r>
+              <a:rPr lang="ru-RU" sz="200" dirty="0"/>
+              <a:t>, </a:t>
+            </a:r>
+            <a:r>
+              <a:rPr lang="ru-RU" sz="200" dirty="0" err="1"/>
+              <a:t>Абсалон</a:t>
+            </a:r>
+            <a:r>
+              <a:rPr lang="ru-RU" sz="200" dirty="0"/>
+              <a:t> Гонсалес и поэт Эмилио </a:t>
+            </a:r>
+            <a:r>
+              <a:rPr lang="ru-RU" sz="200" dirty="0" err="1"/>
+              <a:t>Кинтана</a:t>
+            </a:r>
+            <a:r>
+              <a:rPr lang="ru-RU" sz="200" dirty="0"/>
+              <a:t>. Независимое крыло было наказано </a:t>
+            </a:r>
+            <a:r>
+              <a:rPr lang="ru-RU" sz="200" dirty="0" err="1"/>
+              <a:t>Сомосой</a:t>
+            </a:r>
+            <a:r>
+              <a:rPr lang="ru-RU" sz="200" dirty="0"/>
+              <a:t>, отправив его в тюрьму или заточение на побережье Карибского моря, куда в то время было недоступно по суше.</a:t>
+            </a:r>
+            <a:endParaRPr lang="ru-RU" sz="100" dirty="0"/>
+          </a:p>
+        </p:txBody>
+      </p:sp>
+      <p:sp>
+        <p:nvSpPr>
+          <p:cNvPr id="183" name="Прямоугольник 182">
+            <a:extLst>
+              <a:ext uri="{FF2B5EF4-FFF2-40B4-BE49-F238E27FC236}">
+                <a16:creationId xmlns="" xmlns:a16="http://schemas.microsoft.com/office/drawing/2014/main" id="{FC846415-2760-43A4-A1A1-795C4968509B}"/>
+              </a:ext>
+            </a:extLst>
+          </p:cNvPr>
+          <p:cNvSpPr/>
+          <p:nvPr/>
+        </p:nvSpPr>
+        <p:spPr>
+          <a:xfrm>
+            <a:off x="4887149" y="14867700"/>
+            <a:ext cx="926325" cy="540000"/>
+          </a:xfrm>
+          <a:prstGeom prst="rect">
+            <a:avLst/>
+          </a:prstGeom>
+          <a:solidFill>
+            <a:srgbClr val="FF0000"/>
+          </a:solidFill>
+          <a:ln w="19050"/>
+        </p:spPr>
+        <p:style>
+          <a:lnRef idx="2">
+            <a:schemeClr val="accent1"/>
+          </a:lnRef>
+          <a:fillRef idx="1">
+            <a:schemeClr val="lt1"/>
+          </a:fillRef>
+          <a:effectRef idx="0">
+            <a:schemeClr val="accent1"/>
+          </a:effectRef>
+          <a:fontRef idx="minor">
+            <a:schemeClr val="dk1"/>
+          </a:fontRef>
+        </p:style>
+        <p:txBody>
+          <a:bodyPr lIns="124733" tIns="62367" rIns="124733" bIns="62367" rtlCol="0" anchor="ctr"/>
+          <a:lstStyle/>
+          <a:p>
+            <a:pPr algn="ctr"/>
+            <a:r>
+              <a:rPr lang="ru-RU" sz="700" dirty="0"/>
+              <a:t>Конфедерация трудящихся Никарагуа </a:t>
+            </a:r>
+            <a:r>
+              <a:rPr lang="ru-RU" sz="100" dirty="0"/>
+              <a:t>(Однако в том же году была основана Конфедерация трудящихся Никарагуа (CTN) как первый национальный профсоюз, представителем которой стал еженедельник «</a:t>
+            </a:r>
+            <a:r>
+              <a:rPr lang="ru-RU" sz="100" dirty="0" err="1"/>
+              <a:t>Causa</a:t>
+            </a:r>
+            <a:r>
+              <a:rPr lang="ru-RU" sz="100" dirty="0"/>
+              <a:t> </a:t>
+            </a:r>
+            <a:r>
+              <a:rPr lang="ru-RU" sz="100" dirty="0" err="1"/>
+              <a:t>Obrera</a:t>
+            </a:r>
+            <a:r>
+              <a:rPr lang="ru-RU" sz="100" dirty="0"/>
+              <a:t>». Как и в случае с ПТС, ее основные лидеры были разделены на два крыла: </a:t>
+            </a:r>
+            <a:r>
+              <a:rPr lang="ru-RU" sz="100" dirty="0" err="1"/>
+              <a:t>сомоцисты</a:t>
+            </a:r>
+            <a:r>
+              <a:rPr lang="ru-RU" sz="100" dirty="0"/>
+              <a:t> и независимые. В течение некоторого времени эти два крыла сосуществовали с множеством противоречий. Оба течения первоначально были выражены в еженедельнике « </a:t>
+            </a:r>
+            <a:r>
+              <a:rPr lang="ru-RU" sz="100" dirty="0" err="1"/>
+              <a:t>Хой</a:t>
+            </a:r>
+            <a:r>
+              <a:rPr lang="ru-RU" sz="100" dirty="0"/>
+              <a:t>» .)</a:t>
+            </a:r>
+            <a:endParaRPr lang="ru-RU" sz="100" dirty="0"/>
           </a:p>
         </p:txBody>
       </p:sp>
@@ -12671,7 +13247,7 @@
   <a:extraClrSchemeLst/>
   <a:extLst>
     <a:ext uri="{05A4C25C-085E-4340-85A3-A5531E510DB2}">
-      <thm15:themeFamily xmlns:thm15="http://schemas.microsoft.com/office/thememl/2012/main" xmlns="" name="Office Theme" id="{62F939B6-93AF-4DB8-9C6B-D6C7DFDC589F}" vid="{4A3C46E8-61CC-4603-A589-7422A47A8E4A}"/>
+      <thm15:themeFamily xmlns="" xmlns:thm15="http://schemas.microsoft.com/office/thememl/2012/main" name="Office Theme" id="{62F939B6-93AF-4DB8-9C6B-D6C7DFDC589F}" vid="{4A3C46E8-61CC-4603-A589-7422A47A8E4A}"/>
     </a:ext>
   </a:extLst>
 </a:theme>
@@ -12932,7 +13508,7 @@
   <a:extraClrSchemeLst/>
   <a:extLst>
     <a:ext uri="{05A4C25C-085E-4340-85A3-A5531E510DB2}">
-      <thm15:themeFamily xmlns:thm15="http://schemas.microsoft.com/office/thememl/2012/main" xmlns="" name="Office Theme" id="{62F939B6-93AF-4DB8-9C6B-D6C7DFDC589F}" vid="{4A3C46E8-61CC-4603-A589-7422A47A8E4A}"/>
+      <thm15:themeFamily xmlns="" xmlns:thm15="http://schemas.microsoft.com/office/thememl/2012/main" name="Office Theme" id="{62F939B6-93AF-4DB8-9C6B-D6C7DFDC589F}" vid="{4A3C46E8-61CC-4603-A589-7422A47A8E4A}"/>
     </a:ext>
   </a:extLst>
 </a:theme>

--- a/Наработки/диздоки/Никарагуа/Никарагуа.pptx
+++ b/Наработки/диздоки/Никарагуа/Никарагуа.pptx
@@ -109,7 +109,7 @@
   </p:defaultTextStyle>
   <p:extLst>
     <p:ext uri="{EFAFB233-063F-42B5-8137-9DF3F51BA10A}">
-      <p15:sldGuideLst xmlns="" xmlns:p15="http://schemas.microsoft.com/office/powerpoint/2012/main">
+      <p15:sldGuideLst xmlns:p15="http://schemas.microsoft.com/office/powerpoint/2012/main" xmlns="">
         <p15:guide id="1" orient="horz" pos="11344">
           <p15:clr>
             <a:srgbClr val="A4A3A4"/>
@@ -209,7 +209,7 @@
             <a:fld id="{33E3D7F9-E251-484C-A6FF-FA958879DF69}" type="datetimeFigureOut">
               <a:rPr lang="ru-RU" smtClean="0"/>
               <a:pPr/>
-              <a:t>19.10.2023</a:t>
+              <a:t>20.10.2023</a:t>
             </a:fld>
             <a:endParaRPr lang="ru-RU"/>
           </a:p>
@@ -699,7 +699,7 @@
             <a:fld id="{85A5DE44-605B-4D3B-B2B7-94543DF81A36}" type="datetimeFigureOut">
               <a:rPr lang="ru-RU" smtClean="0"/>
               <a:pPr/>
-              <a:t>19.10.2023</a:t>
+              <a:t>20.10.2023</a:t>
             </a:fld>
             <a:endParaRPr lang="ru-RU"/>
           </a:p>
@@ -871,7 +871,7 @@
             <a:fld id="{85A5DE44-605B-4D3B-B2B7-94543DF81A36}" type="datetimeFigureOut">
               <a:rPr lang="ru-RU" smtClean="0"/>
               <a:pPr/>
-              <a:t>19.10.2023</a:t>
+              <a:t>20.10.2023</a:t>
             </a:fld>
             <a:endParaRPr lang="ru-RU"/>
           </a:p>
@@ -1053,7 +1053,7 @@
             <a:fld id="{85A5DE44-605B-4D3B-B2B7-94543DF81A36}" type="datetimeFigureOut">
               <a:rPr lang="ru-RU" smtClean="0"/>
               <a:pPr/>
-              <a:t>19.10.2023</a:t>
+              <a:t>20.10.2023</a:t>
             </a:fld>
             <a:endParaRPr lang="ru-RU"/>
           </a:p>
@@ -1225,7 +1225,7 @@
             <a:fld id="{85A5DE44-605B-4D3B-B2B7-94543DF81A36}" type="datetimeFigureOut">
               <a:rPr lang="ru-RU" smtClean="0"/>
               <a:pPr/>
-              <a:t>19.10.2023</a:t>
+              <a:t>20.10.2023</a:t>
             </a:fld>
             <a:endParaRPr lang="ru-RU"/>
           </a:p>
@@ -1473,7 +1473,7 @@
             <a:fld id="{85A5DE44-605B-4D3B-B2B7-94543DF81A36}" type="datetimeFigureOut">
               <a:rPr lang="ru-RU" smtClean="0"/>
               <a:pPr/>
-              <a:t>19.10.2023</a:t>
+              <a:t>20.10.2023</a:t>
             </a:fld>
             <a:endParaRPr lang="ru-RU"/>
           </a:p>
@@ -1707,7 +1707,7 @@
             <a:fld id="{85A5DE44-605B-4D3B-B2B7-94543DF81A36}" type="datetimeFigureOut">
               <a:rPr lang="ru-RU" smtClean="0"/>
               <a:pPr/>
-              <a:t>19.10.2023</a:t>
+              <a:t>20.10.2023</a:t>
             </a:fld>
             <a:endParaRPr lang="ru-RU"/>
           </a:p>
@@ -2076,7 +2076,7 @@
             <a:fld id="{85A5DE44-605B-4D3B-B2B7-94543DF81A36}" type="datetimeFigureOut">
               <a:rPr lang="ru-RU" smtClean="0"/>
               <a:pPr/>
-              <a:t>19.10.2023</a:t>
+              <a:t>20.10.2023</a:t>
             </a:fld>
             <a:endParaRPr lang="ru-RU"/>
           </a:p>
@@ -2196,7 +2196,7 @@
             <a:fld id="{85A5DE44-605B-4D3B-B2B7-94543DF81A36}" type="datetimeFigureOut">
               <a:rPr lang="ru-RU" smtClean="0"/>
               <a:pPr/>
-              <a:t>19.10.2023</a:t>
+              <a:t>20.10.2023</a:t>
             </a:fld>
             <a:endParaRPr lang="ru-RU"/>
           </a:p>
@@ -2293,7 +2293,7 @@
             <a:fld id="{85A5DE44-605B-4D3B-B2B7-94543DF81A36}" type="datetimeFigureOut">
               <a:rPr lang="ru-RU" smtClean="0"/>
               <a:pPr/>
-              <a:t>19.10.2023</a:t>
+              <a:t>20.10.2023</a:t>
             </a:fld>
             <a:endParaRPr lang="ru-RU"/>
           </a:p>
@@ -2572,7 +2572,7 @@
             <a:fld id="{85A5DE44-605B-4D3B-B2B7-94543DF81A36}" type="datetimeFigureOut">
               <a:rPr lang="ru-RU" smtClean="0"/>
               <a:pPr/>
-              <a:t>19.10.2023</a:t>
+              <a:t>20.10.2023</a:t>
             </a:fld>
             <a:endParaRPr lang="ru-RU"/>
           </a:p>
@@ -2831,7 +2831,7 @@
             <a:fld id="{85A5DE44-605B-4D3B-B2B7-94543DF81A36}" type="datetimeFigureOut">
               <a:rPr lang="ru-RU" smtClean="0"/>
               <a:pPr/>
-              <a:t>19.10.2023</a:t>
+              <a:t>20.10.2023</a:t>
             </a:fld>
             <a:endParaRPr lang="ru-RU"/>
           </a:p>
@@ -3046,7 +3046,7 @@
             <a:fld id="{85A5DE44-605B-4D3B-B2B7-94543DF81A36}" type="datetimeFigureOut">
               <a:rPr lang="ru-RU" smtClean="0"/>
               <a:pPr/>
-              <a:t>19.10.2023</a:t>
+              <a:t>20.10.2023</a:t>
             </a:fld>
             <a:endParaRPr lang="ru-RU"/>
           </a:p>
@@ -3575,7 +3575,7 @@
           <p:cNvPr id="860" name="Прямоугольник 859">
             <a:extLst>
               <a:ext uri="{FF2B5EF4-FFF2-40B4-BE49-F238E27FC236}">
-                <a16:creationId xmlns="" xmlns:a16="http://schemas.microsoft.com/office/drawing/2014/main" id="{6192B7C6-55FD-4881-A7C8-B46143BFCF64}"/>
+                <a16:creationId xmlns:a16="http://schemas.microsoft.com/office/drawing/2014/main" xmlns="" id="{6192B7C6-55FD-4881-A7C8-B46143BFCF64}"/>
               </a:ext>
             </a:extLst>
           </p:cNvPr>
@@ -3637,7 +3637,7 @@
           <p:cNvPr id="987" name="Прямоугольник 986">
             <a:extLst>
               <a:ext uri="{FF2B5EF4-FFF2-40B4-BE49-F238E27FC236}">
-                <a16:creationId xmlns="" xmlns:a16="http://schemas.microsoft.com/office/drawing/2014/main" id="{67193EE9-417B-43C2-AB81-CA3693D3020C}"/>
+                <a16:creationId xmlns:a16="http://schemas.microsoft.com/office/drawing/2014/main" xmlns="" id="{67193EE9-417B-43C2-AB81-CA3693D3020C}"/>
               </a:ext>
             </a:extLst>
           </p:cNvPr>
@@ -3687,7 +3687,7 @@
           <p:cNvPr id="991" name="Прямоугольник 990">
             <a:extLst>
               <a:ext uri="{FF2B5EF4-FFF2-40B4-BE49-F238E27FC236}">
-                <a16:creationId xmlns="" xmlns:a16="http://schemas.microsoft.com/office/drawing/2014/main" id="{DF4FA738-4588-47B9-8CCD-BD1F596377F3}"/>
+                <a16:creationId xmlns:a16="http://schemas.microsoft.com/office/drawing/2014/main" xmlns="" id="{DF4FA738-4588-47B9-8CCD-BD1F596377F3}"/>
               </a:ext>
             </a:extLst>
           </p:cNvPr>
@@ -3749,7 +3749,7 @@
           <p:cNvPr id="994" name="Прямоугольник 993">
             <a:extLst>
               <a:ext uri="{FF2B5EF4-FFF2-40B4-BE49-F238E27FC236}">
-                <a16:creationId xmlns="" xmlns:a16="http://schemas.microsoft.com/office/drawing/2014/main" id="{2C61400B-484B-4957-B0B2-641DF530B9A0}"/>
+                <a16:creationId xmlns:a16="http://schemas.microsoft.com/office/drawing/2014/main" xmlns="" id="{2C61400B-484B-4957-B0B2-641DF530B9A0}"/>
               </a:ext>
             </a:extLst>
           </p:cNvPr>
@@ -3803,7 +3803,7 @@
           <p:cNvPr id="995" name="Прямоугольник 994">
             <a:extLst>
               <a:ext uri="{FF2B5EF4-FFF2-40B4-BE49-F238E27FC236}">
-                <a16:creationId xmlns="" xmlns:a16="http://schemas.microsoft.com/office/drawing/2014/main" id="{F18E07CC-8B9D-421A-926B-156E5FCEBD1B}"/>
+                <a16:creationId xmlns:a16="http://schemas.microsoft.com/office/drawing/2014/main" xmlns="" id="{F18E07CC-8B9D-421A-926B-156E5FCEBD1B}"/>
               </a:ext>
             </a:extLst>
           </p:cNvPr>
@@ -3861,7 +3861,7 @@
           <p:cNvPr id="996" name="Прямоугольник 995">
             <a:extLst>
               <a:ext uri="{FF2B5EF4-FFF2-40B4-BE49-F238E27FC236}">
-                <a16:creationId xmlns="" xmlns:a16="http://schemas.microsoft.com/office/drawing/2014/main" id="{0A3E31CE-1F95-493B-99B8-75E1E74691B0}"/>
+                <a16:creationId xmlns:a16="http://schemas.microsoft.com/office/drawing/2014/main" xmlns="" id="{0A3E31CE-1F95-493B-99B8-75E1E74691B0}"/>
               </a:ext>
             </a:extLst>
           </p:cNvPr>
@@ -3915,7 +3915,7 @@
           <p:cNvPr id="998" name="Прямоугольник 997">
             <a:extLst>
               <a:ext uri="{FF2B5EF4-FFF2-40B4-BE49-F238E27FC236}">
-                <a16:creationId xmlns="" xmlns:a16="http://schemas.microsoft.com/office/drawing/2014/main" id="{D1BF57CA-E69C-44E3-AAB9-85050AFD605D}"/>
+                <a16:creationId xmlns:a16="http://schemas.microsoft.com/office/drawing/2014/main" xmlns="" id="{D1BF57CA-E69C-44E3-AAB9-85050AFD605D}"/>
               </a:ext>
             </a:extLst>
           </p:cNvPr>
@@ -3965,7 +3965,7 @@
           <p:cNvPr id="999" name="Прямоугольник 998">
             <a:extLst>
               <a:ext uri="{FF2B5EF4-FFF2-40B4-BE49-F238E27FC236}">
-                <a16:creationId xmlns="" xmlns:a16="http://schemas.microsoft.com/office/drawing/2014/main" id="{ED20F934-4F09-47D0-A5C3-475497C89CA8}"/>
+                <a16:creationId xmlns:a16="http://schemas.microsoft.com/office/drawing/2014/main" xmlns="" id="{ED20F934-4F09-47D0-A5C3-475497C89CA8}"/>
               </a:ext>
             </a:extLst>
           </p:cNvPr>
@@ -4019,7 +4019,7 @@
           <p:cNvPr id="1000" name="Прямоугольник 999">
             <a:extLst>
               <a:ext uri="{FF2B5EF4-FFF2-40B4-BE49-F238E27FC236}">
-                <a16:creationId xmlns="" xmlns:a16="http://schemas.microsoft.com/office/drawing/2014/main" id="{3031F683-9F5E-4938-B59B-3FA74405AA5D}"/>
+                <a16:creationId xmlns:a16="http://schemas.microsoft.com/office/drawing/2014/main" xmlns="" id="{3031F683-9F5E-4938-B59B-3FA74405AA5D}"/>
               </a:ext>
             </a:extLst>
           </p:cNvPr>
@@ -4080,7 +4080,7 @@
           <p:cNvPr id="1003" name="Прямоугольник 1002">
             <a:extLst>
               <a:ext uri="{FF2B5EF4-FFF2-40B4-BE49-F238E27FC236}">
-                <a16:creationId xmlns="" xmlns:a16="http://schemas.microsoft.com/office/drawing/2014/main" id="{6902397C-BDFE-4DCF-A1A2-FAE0B2626BDA}"/>
+                <a16:creationId xmlns:a16="http://schemas.microsoft.com/office/drawing/2014/main" xmlns="" id="{6902397C-BDFE-4DCF-A1A2-FAE0B2626BDA}"/>
               </a:ext>
             </a:extLst>
           </p:cNvPr>
@@ -4141,7 +4141,7 @@
           <p:cNvPr id="1004" name="Прямоугольник 1003">
             <a:extLst>
               <a:ext uri="{FF2B5EF4-FFF2-40B4-BE49-F238E27FC236}">
-                <a16:creationId xmlns="" xmlns:a16="http://schemas.microsoft.com/office/drawing/2014/main" id="{69B79668-F64A-48E7-B6D8-046B42C5083A}"/>
+                <a16:creationId xmlns:a16="http://schemas.microsoft.com/office/drawing/2014/main" xmlns="" id="{69B79668-F64A-48E7-B6D8-046B42C5083A}"/>
               </a:ext>
             </a:extLst>
           </p:cNvPr>
@@ -4195,7 +4195,7 @@
           <p:cNvPr id="1006" name="Прямоугольник 1005">
             <a:extLst>
               <a:ext uri="{FF2B5EF4-FFF2-40B4-BE49-F238E27FC236}">
-                <a16:creationId xmlns="" xmlns:a16="http://schemas.microsoft.com/office/drawing/2014/main" id="{DBC3419A-22FA-43FF-B8B9-DD68FEBDCE02}"/>
+                <a16:creationId xmlns:a16="http://schemas.microsoft.com/office/drawing/2014/main" xmlns="" id="{DBC3419A-22FA-43FF-B8B9-DD68FEBDCE02}"/>
               </a:ext>
             </a:extLst>
           </p:cNvPr>
@@ -4253,7 +4253,7 @@
           <p:cNvPr id="1007" name="Прямоугольник 1006">
             <a:extLst>
               <a:ext uri="{FF2B5EF4-FFF2-40B4-BE49-F238E27FC236}">
-                <a16:creationId xmlns="" xmlns:a16="http://schemas.microsoft.com/office/drawing/2014/main" id="{16A1A0CD-EC27-4841-9CAC-A2951FA574D9}"/>
+                <a16:creationId xmlns:a16="http://schemas.microsoft.com/office/drawing/2014/main" xmlns="" id="{16A1A0CD-EC27-4841-9CAC-A2951FA574D9}"/>
               </a:ext>
             </a:extLst>
           </p:cNvPr>
@@ -4302,7 +4302,7 @@
           <p:cNvPr id="1009" name="Прямоугольник 1008">
             <a:extLst>
               <a:ext uri="{FF2B5EF4-FFF2-40B4-BE49-F238E27FC236}">
-                <a16:creationId xmlns="" xmlns:a16="http://schemas.microsoft.com/office/drawing/2014/main" id="{D6B9B13E-4EC1-48C5-9D81-8A7DC0201F74}"/>
+                <a16:creationId xmlns:a16="http://schemas.microsoft.com/office/drawing/2014/main" xmlns="" id="{D6B9B13E-4EC1-48C5-9D81-8A7DC0201F74}"/>
               </a:ext>
             </a:extLst>
           </p:cNvPr>
@@ -4356,7 +4356,7 @@
           <p:cNvPr id="1010" name="Прямоугольник 1009">
             <a:extLst>
               <a:ext uri="{FF2B5EF4-FFF2-40B4-BE49-F238E27FC236}">
-                <a16:creationId xmlns="" xmlns:a16="http://schemas.microsoft.com/office/drawing/2014/main" id="{EB093940-7B32-4F48-90D9-92C619CCC27C}"/>
+                <a16:creationId xmlns:a16="http://schemas.microsoft.com/office/drawing/2014/main" xmlns="" id="{EB093940-7B32-4F48-90D9-92C619CCC27C}"/>
               </a:ext>
             </a:extLst>
           </p:cNvPr>
@@ -4414,7 +4414,7 @@
           <p:cNvPr id="1011" name="Прямая со стрелкой 1010">
             <a:extLst>
               <a:ext uri="{FF2B5EF4-FFF2-40B4-BE49-F238E27FC236}">
-                <a16:creationId xmlns="" xmlns:a16="http://schemas.microsoft.com/office/drawing/2014/main" id="{6FF1BA7F-812C-44A5-BEC2-31F4B6F55538}"/>
+                <a16:creationId xmlns:a16="http://schemas.microsoft.com/office/drawing/2014/main" xmlns="" id="{6FF1BA7F-812C-44A5-BEC2-31F4B6F55538}"/>
               </a:ext>
             </a:extLst>
           </p:cNvPr>
@@ -4457,7 +4457,7 @@
           <p:cNvPr id="1012" name="Соединительная линия уступом 903">
             <a:extLst>
               <a:ext uri="{FF2B5EF4-FFF2-40B4-BE49-F238E27FC236}">
-                <a16:creationId xmlns="" xmlns:a16="http://schemas.microsoft.com/office/drawing/2014/main" id="{61CC6BA5-39EA-4B23-A209-0E7E8DB14AB7}"/>
+                <a16:creationId xmlns:a16="http://schemas.microsoft.com/office/drawing/2014/main" xmlns="" id="{61CC6BA5-39EA-4B23-A209-0E7E8DB14AB7}"/>
               </a:ext>
             </a:extLst>
           </p:cNvPr>
@@ -4502,7 +4502,7 @@
           <p:cNvPr id="1014" name="Прямая со стрелкой 1013">
             <a:extLst>
               <a:ext uri="{FF2B5EF4-FFF2-40B4-BE49-F238E27FC236}">
-                <a16:creationId xmlns="" xmlns:a16="http://schemas.microsoft.com/office/drawing/2014/main" id="{DE622A39-F9DB-4104-B64D-4660F6424C79}"/>
+                <a16:creationId xmlns:a16="http://schemas.microsoft.com/office/drawing/2014/main" xmlns="" id="{DE622A39-F9DB-4104-B64D-4660F6424C79}"/>
               </a:ext>
             </a:extLst>
           </p:cNvPr>
@@ -4545,7 +4545,7 @@
           <p:cNvPr id="1015" name="Прямая со стрелкой 1014">
             <a:extLst>
               <a:ext uri="{FF2B5EF4-FFF2-40B4-BE49-F238E27FC236}">
-                <a16:creationId xmlns="" xmlns:a16="http://schemas.microsoft.com/office/drawing/2014/main" id="{F4E65FFA-5006-43A8-9BFD-FFB14F085370}"/>
+                <a16:creationId xmlns:a16="http://schemas.microsoft.com/office/drawing/2014/main" xmlns="" id="{F4E65FFA-5006-43A8-9BFD-FFB14F085370}"/>
               </a:ext>
             </a:extLst>
           </p:cNvPr>
@@ -4588,7 +4588,7 @@
           <p:cNvPr id="1016" name="Прямая со стрелкой 1015">
             <a:extLst>
               <a:ext uri="{FF2B5EF4-FFF2-40B4-BE49-F238E27FC236}">
-                <a16:creationId xmlns="" xmlns:a16="http://schemas.microsoft.com/office/drawing/2014/main" id="{CC2FBAD9-0DAC-475C-84AF-B8C4D7F7CD36}"/>
+                <a16:creationId xmlns:a16="http://schemas.microsoft.com/office/drawing/2014/main" xmlns="" id="{CC2FBAD9-0DAC-475C-84AF-B8C4D7F7CD36}"/>
               </a:ext>
             </a:extLst>
           </p:cNvPr>
@@ -4631,7 +4631,7 @@
           <p:cNvPr id="1017" name="Прямая со стрелкой 1016">
             <a:extLst>
               <a:ext uri="{FF2B5EF4-FFF2-40B4-BE49-F238E27FC236}">
-                <a16:creationId xmlns="" xmlns:a16="http://schemas.microsoft.com/office/drawing/2014/main" id="{7F5BA024-9E61-46B2-B19B-838E6AB850FD}"/>
+                <a16:creationId xmlns:a16="http://schemas.microsoft.com/office/drawing/2014/main" xmlns="" id="{7F5BA024-9E61-46B2-B19B-838E6AB850FD}"/>
               </a:ext>
             </a:extLst>
           </p:cNvPr>
@@ -4674,7 +4674,7 @@
           <p:cNvPr id="1018" name="Соединительная линия уступом 903">
             <a:extLst>
               <a:ext uri="{FF2B5EF4-FFF2-40B4-BE49-F238E27FC236}">
-                <a16:creationId xmlns="" xmlns:a16="http://schemas.microsoft.com/office/drawing/2014/main" id="{D9E9FE67-1272-43E5-98D8-86DDB97DE61E}"/>
+                <a16:creationId xmlns:a16="http://schemas.microsoft.com/office/drawing/2014/main" xmlns="" id="{D9E9FE67-1272-43E5-98D8-86DDB97DE61E}"/>
               </a:ext>
             </a:extLst>
           </p:cNvPr>
@@ -4719,7 +4719,7 @@
           <p:cNvPr id="1019" name="Прямая со стрелкой 1018">
             <a:extLst>
               <a:ext uri="{FF2B5EF4-FFF2-40B4-BE49-F238E27FC236}">
-                <a16:creationId xmlns="" xmlns:a16="http://schemas.microsoft.com/office/drawing/2014/main" id="{59266080-AC10-42CA-B68E-CEDF802FA3D3}"/>
+                <a16:creationId xmlns:a16="http://schemas.microsoft.com/office/drawing/2014/main" xmlns="" id="{59266080-AC10-42CA-B68E-CEDF802FA3D3}"/>
               </a:ext>
             </a:extLst>
           </p:cNvPr>
@@ -4763,7 +4763,7 @@
           <p:cNvPr id="1020" name="Соединительная линия уступом 903">
             <a:extLst>
               <a:ext uri="{FF2B5EF4-FFF2-40B4-BE49-F238E27FC236}">
-                <a16:creationId xmlns="" xmlns:a16="http://schemas.microsoft.com/office/drawing/2014/main" id="{62E8E398-7627-44D2-9D70-5C4E18D9492C}"/>
+                <a16:creationId xmlns:a16="http://schemas.microsoft.com/office/drawing/2014/main" xmlns="" id="{62E8E398-7627-44D2-9D70-5C4E18D9492C}"/>
               </a:ext>
             </a:extLst>
           </p:cNvPr>
@@ -4809,7 +4809,7 @@
           <p:cNvPr id="1021" name="Соединительная линия уступом 903">
             <a:extLst>
               <a:ext uri="{FF2B5EF4-FFF2-40B4-BE49-F238E27FC236}">
-                <a16:creationId xmlns="" xmlns:a16="http://schemas.microsoft.com/office/drawing/2014/main" id="{BDC7F8CB-0052-4FAE-993D-F1332955CF43}"/>
+                <a16:creationId xmlns:a16="http://schemas.microsoft.com/office/drawing/2014/main" xmlns="" id="{BDC7F8CB-0052-4FAE-993D-F1332955CF43}"/>
               </a:ext>
             </a:extLst>
           </p:cNvPr>
@@ -4855,7 +4855,7 @@
           <p:cNvPr id="34" name="Прямоугольник 33">
             <a:extLst>
               <a:ext uri="{FF2B5EF4-FFF2-40B4-BE49-F238E27FC236}">
-                <a16:creationId xmlns="" xmlns:a16="http://schemas.microsoft.com/office/drawing/2014/main" id="{59ACB422-97FE-4024-8EC7-A17F82AC2F7B}"/>
+                <a16:creationId xmlns:a16="http://schemas.microsoft.com/office/drawing/2014/main" xmlns="" id="{59ACB422-97FE-4024-8EC7-A17F82AC2F7B}"/>
               </a:ext>
             </a:extLst>
           </p:cNvPr>
@@ -4905,7 +4905,7 @@
           <p:cNvPr id="35" name="Прямоугольник 34">
             <a:extLst>
               <a:ext uri="{FF2B5EF4-FFF2-40B4-BE49-F238E27FC236}">
-                <a16:creationId xmlns="" xmlns:a16="http://schemas.microsoft.com/office/drawing/2014/main" id="{8F6B01E8-2051-4659-A9F2-6CCFEACACA21}"/>
+                <a16:creationId xmlns:a16="http://schemas.microsoft.com/office/drawing/2014/main" xmlns="" id="{8F6B01E8-2051-4659-A9F2-6CCFEACACA21}"/>
               </a:ext>
             </a:extLst>
           </p:cNvPr>
@@ -4955,7 +4955,7 @@
           <p:cNvPr id="36" name="Прямоугольник 35">
             <a:extLst>
               <a:ext uri="{FF2B5EF4-FFF2-40B4-BE49-F238E27FC236}">
-                <a16:creationId xmlns="" xmlns:a16="http://schemas.microsoft.com/office/drawing/2014/main" id="{9367D27D-AEBB-46B0-A932-DCEBE1910C36}"/>
+                <a16:creationId xmlns:a16="http://schemas.microsoft.com/office/drawing/2014/main" xmlns="" id="{9367D27D-AEBB-46B0-A932-DCEBE1910C36}"/>
               </a:ext>
             </a:extLst>
           </p:cNvPr>
@@ -5005,7 +5005,7 @@
           <p:cNvPr id="37" name="Прямоугольник 36">
             <a:extLst>
               <a:ext uri="{FF2B5EF4-FFF2-40B4-BE49-F238E27FC236}">
-                <a16:creationId xmlns="" xmlns:a16="http://schemas.microsoft.com/office/drawing/2014/main" id="{97D21FA9-0A99-4302-9C8A-886C2A95D444}"/>
+                <a16:creationId xmlns:a16="http://schemas.microsoft.com/office/drawing/2014/main" xmlns="" id="{97D21FA9-0A99-4302-9C8A-886C2A95D444}"/>
               </a:ext>
             </a:extLst>
           </p:cNvPr>
@@ -5063,7 +5063,7 @@
           <p:cNvPr id="38" name="Прямоугольник 37">
             <a:extLst>
               <a:ext uri="{FF2B5EF4-FFF2-40B4-BE49-F238E27FC236}">
-                <a16:creationId xmlns="" xmlns:a16="http://schemas.microsoft.com/office/drawing/2014/main" id="{9C02A14C-DE5F-49AD-A4EE-A27966D0EFDC}"/>
+                <a16:creationId xmlns:a16="http://schemas.microsoft.com/office/drawing/2014/main" xmlns="" id="{9C02A14C-DE5F-49AD-A4EE-A27966D0EFDC}"/>
               </a:ext>
             </a:extLst>
           </p:cNvPr>
@@ -5072,7 +5072,7 @@
         </p:nvSpPr>
         <p:spPr>
           <a:xfrm>
-            <a:off x="5237444" y="16508603"/>
+            <a:off x="6036037" y="16508603"/>
             <a:ext cx="926325" cy="540000"/>
           </a:xfrm>
           <a:prstGeom prst="rect">
@@ -5115,7 +5115,7 @@
           <p:cNvPr id="39" name="Прямоугольник 38">
             <a:extLst>
               <a:ext uri="{FF2B5EF4-FFF2-40B4-BE49-F238E27FC236}">
-                <a16:creationId xmlns="" xmlns:a16="http://schemas.microsoft.com/office/drawing/2014/main" id="{CCC56779-6173-48FC-B7E9-574156FA22BE}"/>
+                <a16:creationId xmlns:a16="http://schemas.microsoft.com/office/drawing/2014/main" xmlns="" id="{CCC56779-6173-48FC-B7E9-574156FA22BE}"/>
               </a:ext>
             </a:extLst>
           </p:cNvPr>
@@ -5167,7 +5167,7 @@
           <p:cNvPr id="42" name="Прямоугольник 41">
             <a:extLst>
               <a:ext uri="{FF2B5EF4-FFF2-40B4-BE49-F238E27FC236}">
-                <a16:creationId xmlns="" xmlns:a16="http://schemas.microsoft.com/office/drawing/2014/main" id="{03F7D570-4EE1-495E-9294-D367F2E7763E}"/>
+                <a16:creationId xmlns:a16="http://schemas.microsoft.com/office/drawing/2014/main" xmlns="" id="{03F7D570-4EE1-495E-9294-D367F2E7763E}"/>
               </a:ext>
             </a:extLst>
           </p:cNvPr>
@@ -5217,7 +5217,7 @@
           <p:cNvPr id="43" name="Прямоугольник 42">
             <a:extLst>
               <a:ext uri="{FF2B5EF4-FFF2-40B4-BE49-F238E27FC236}">
-                <a16:creationId xmlns="" xmlns:a16="http://schemas.microsoft.com/office/drawing/2014/main" id="{5858A8E5-3EFA-419C-99B9-6773CA7E1501}"/>
+                <a16:creationId xmlns:a16="http://schemas.microsoft.com/office/drawing/2014/main" xmlns="" id="{5858A8E5-3EFA-419C-99B9-6773CA7E1501}"/>
               </a:ext>
             </a:extLst>
           </p:cNvPr>
@@ -5271,7 +5271,7 @@
           <p:cNvPr id="45" name="Прямоугольник 44">
             <a:extLst>
               <a:ext uri="{FF2B5EF4-FFF2-40B4-BE49-F238E27FC236}">
-                <a16:creationId xmlns="" xmlns:a16="http://schemas.microsoft.com/office/drawing/2014/main" id="{29CBE310-5100-413A-B4C1-EA4E28F411B1}"/>
+                <a16:creationId xmlns:a16="http://schemas.microsoft.com/office/drawing/2014/main" xmlns="" id="{29CBE310-5100-413A-B4C1-EA4E28F411B1}"/>
               </a:ext>
             </a:extLst>
           </p:cNvPr>
@@ -5321,7 +5321,7 @@
           <p:cNvPr id="47" name="Прямоугольник 46">
             <a:extLst>
               <a:ext uri="{FF2B5EF4-FFF2-40B4-BE49-F238E27FC236}">
-                <a16:creationId xmlns="" xmlns:a16="http://schemas.microsoft.com/office/drawing/2014/main" id="{1163C105-465F-453D-9A47-C92FC2A2CB52}"/>
+                <a16:creationId xmlns:a16="http://schemas.microsoft.com/office/drawing/2014/main" xmlns="" id="{1163C105-465F-453D-9A47-C92FC2A2CB52}"/>
               </a:ext>
             </a:extLst>
           </p:cNvPr>
@@ -5375,7 +5375,7 @@
           <p:cNvPr id="48" name="Прямоугольник 47">
             <a:extLst>
               <a:ext uri="{FF2B5EF4-FFF2-40B4-BE49-F238E27FC236}">
-                <a16:creationId xmlns="" xmlns:a16="http://schemas.microsoft.com/office/drawing/2014/main" id="{D53819E8-2FF6-4FFA-A7E4-75D55AADB8B5}"/>
+                <a16:creationId xmlns:a16="http://schemas.microsoft.com/office/drawing/2014/main" xmlns="" id="{D53819E8-2FF6-4FFA-A7E4-75D55AADB8B5}"/>
               </a:ext>
             </a:extLst>
           </p:cNvPr>
@@ -5425,7 +5425,7 @@
           <p:cNvPr id="49" name="Прямоугольник 48">
             <a:extLst>
               <a:ext uri="{FF2B5EF4-FFF2-40B4-BE49-F238E27FC236}">
-                <a16:creationId xmlns="" xmlns:a16="http://schemas.microsoft.com/office/drawing/2014/main" id="{F9117D70-446E-4EA7-820C-5F0C5AE4BB1B}"/>
+                <a16:creationId xmlns:a16="http://schemas.microsoft.com/office/drawing/2014/main" xmlns="" id="{F9117D70-446E-4EA7-820C-5F0C5AE4BB1B}"/>
               </a:ext>
             </a:extLst>
           </p:cNvPr>
@@ -5479,7 +5479,7 @@
           <p:cNvPr id="50" name="Прямоугольник 49">
             <a:extLst>
               <a:ext uri="{FF2B5EF4-FFF2-40B4-BE49-F238E27FC236}">
-                <a16:creationId xmlns="" xmlns:a16="http://schemas.microsoft.com/office/drawing/2014/main" id="{357E437B-3536-45BE-A3D0-3F539D983768}"/>
+                <a16:creationId xmlns:a16="http://schemas.microsoft.com/office/drawing/2014/main" xmlns="" id="{357E437B-3536-45BE-A3D0-3F539D983768}"/>
               </a:ext>
             </a:extLst>
           </p:cNvPr>
@@ -5533,7 +5533,7 @@
           <p:cNvPr id="51" name="Прямая со стрелкой 50">
             <a:extLst>
               <a:ext uri="{FF2B5EF4-FFF2-40B4-BE49-F238E27FC236}">
-                <a16:creationId xmlns="" xmlns:a16="http://schemas.microsoft.com/office/drawing/2014/main" id="{F822F6CB-0335-40A1-921A-29544F834AD9}"/>
+                <a16:creationId xmlns:a16="http://schemas.microsoft.com/office/drawing/2014/main" xmlns="" id="{F822F6CB-0335-40A1-921A-29544F834AD9}"/>
               </a:ext>
             </a:extLst>
           </p:cNvPr>
@@ -5576,7 +5576,7 @@
           <p:cNvPr id="52" name="Прямая со стрелкой 51">
             <a:extLst>
               <a:ext uri="{FF2B5EF4-FFF2-40B4-BE49-F238E27FC236}">
-                <a16:creationId xmlns="" xmlns:a16="http://schemas.microsoft.com/office/drawing/2014/main" id="{5BCAF6D7-5BA1-4C42-82B8-95F6B189B961}"/>
+                <a16:creationId xmlns:a16="http://schemas.microsoft.com/office/drawing/2014/main" xmlns="" id="{5BCAF6D7-5BA1-4C42-82B8-95F6B189B961}"/>
               </a:ext>
             </a:extLst>
           </p:cNvPr>
@@ -5619,7 +5619,7 @@
           <p:cNvPr id="55" name="Прямоугольник 54">
             <a:extLst>
               <a:ext uri="{FF2B5EF4-FFF2-40B4-BE49-F238E27FC236}">
-                <a16:creationId xmlns="" xmlns:a16="http://schemas.microsoft.com/office/drawing/2014/main" id="{59913842-712E-4C78-8382-3186E11F9969}"/>
+                <a16:creationId xmlns:a16="http://schemas.microsoft.com/office/drawing/2014/main" xmlns="" id="{59913842-712E-4C78-8382-3186E11F9969}"/>
               </a:ext>
             </a:extLst>
           </p:cNvPr>
@@ -5677,7 +5677,7 @@
           <p:cNvPr id="56" name="Прямоугольник 55">
             <a:extLst>
               <a:ext uri="{FF2B5EF4-FFF2-40B4-BE49-F238E27FC236}">
-                <a16:creationId xmlns="" xmlns:a16="http://schemas.microsoft.com/office/drawing/2014/main" id="{6C5218F4-B4FE-4973-B0D1-795F69898B06}"/>
+                <a16:creationId xmlns:a16="http://schemas.microsoft.com/office/drawing/2014/main" xmlns="" id="{6C5218F4-B4FE-4973-B0D1-795F69898B06}"/>
               </a:ext>
             </a:extLst>
           </p:cNvPr>
@@ -5732,7 +5732,7 @@
           <p:cNvPr id="59" name="Соединительная линия уступом 903">
             <a:extLst>
               <a:ext uri="{FF2B5EF4-FFF2-40B4-BE49-F238E27FC236}">
-                <a16:creationId xmlns="" xmlns:a16="http://schemas.microsoft.com/office/drawing/2014/main" id="{109A067E-CE15-4E03-9773-91E0273879C6}"/>
+                <a16:creationId xmlns:a16="http://schemas.microsoft.com/office/drawing/2014/main" xmlns="" id="{109A067E-CE15-4E03-9773-91E0273879C6}"/>
               </a:ext>
             </a:extLst>
           </p:cNvPr>
@@ -5778,7 +5778,7 @@
           <p:cNvPr id="62" name="Соединительная линия уступом 903">
             <a:extLst>
               <a:ext uri="{FF2B5EF4-FFF2-40B4-BE49-F238E27FC236}">
-                <a16:creationId xmlns="" xmlns:a16="http://schemas.microsoft.com/office/drawing/2014/main" id="{6C07AA97-4525-4DE7-ADCC-04D2CBE84DB2}"/>
+                <a16:creationId xmlns:a16="http://schemas.microsoft.com/office/drawing/2014/main" xmlns="" id="{6C07AA97-4525-4DE7-ADCC-04D2CBE84DB2}"/>
               </a:ext>
             </a:extLst>
           </p:cNvPr>
@@ -5824,7 +5824,7 @@
           <p:cNvPr id="65" name="Соединительная линия уступом 903">
             <a:extLst>
               <a:ext uri="{FF2B5EF4-FFF2-40B4-BE49-F238E27FC236}">
-                <a16:creationId xmlns="" xmlns:a16="http://schemas.microsoft.com/office/drawing/2014/main" id="{43EDEE73-8E0A-4B11-A556-528A0A52CC3F}"/>
+                <a16:creationId xmlns:a16="http://schemas.microsoft.com/office/drawing/2014/main" xmlns="" id="{43EDEE73-8E0A-4B11-A556-528A0A52CC3F}"/>
               </a:ext>
             </a:extLst>
           </p:cNvPr>
@@ -5870,7 +5870,7 @@
           <p:cNvPr id="68" name="Соединительная линия уступом 903">
             <a:extLst>
               <a:ext uri="{FF2B5EF4-FFF2-40B4-BE49-F238E27FC236}">
-                <a16:creationId xmlns="" xmlns:a16="http://schemas.microsoft.com/office/drawing/2014/main" id="{59D2BA6A-BD9D-4F57-A305-E873010A82F4}"/>
+                <a16:creationId xmlns:a16="http://schemas.microsoft.com/office/drawing/2014/main" xmlns="" id="{59D2BA6A-BD9D-4F57-A305-E873010A82F4}"/>
               </a:ext>
             </a:extLst>
           </p:cNvPr>
@@ -5916,7 +5916,7 @@
           <p:cNvPr id="71" name="Соединительная линия уступом 903">
             <a:extLst>
               <a:ext uri="{FF2B5EF4-FFF2-40B4-BE49-F238E27FC236}">
-                <a16:creationId xmlns="" xmlns:a16="http://schemas.microsoft.com/office/drawing/2014/main" id="{00B11476-6764-4576-A5AA-307DE0B54FA8}"/>
+                <a16:creationId xmlns:a16="http://schemas.microsoft.com/office/drawing/2014/main" xmlns="" id="{00B11476-6764-4576-A5AA-307DE0B54FA8}"/>
               </a:ext>
             </a:extLst>
           </p:cNvPr>
@@ -5962,7 +5962,7 @@
           <p:cNvPr id="74" name="Соединительная линия уступом 903">
             <a:extLst>
               <a:ext uri="{FF2B5EF4-FFF2-40B4-BE49-F238E27FC236}">
-                <a16:creationId xmlns="" xmlns:a16="http://schemas.microsoft.com/office/drawing/2014/main" id="{F1EE0CAA-C3CE-4369-8DB1-59C2A23436F1}"/>
+                <a16:creationId xmlns:a16="http://schemas.microsoft.com/office/drawing/2014/main" xmlns="" id="{F1EE0CAA-C3CE-4369-8DB1-59C2A23436F1}"/>
               </a:ext>
             </a:extLst>
           </p:cNvPr>
@@ -6008,7 +6008,7 @@
           <p:cNvPr id="77" name="Прямоугольник 76">
             <a:extLst>
               <a:ext uri="{FF2B5EF4-FFF2-40B4-BE49-F238E27FC236}">
-                <a16:creationId xmlns="" xmlns:a16="http://schemas.microsoft.com/office/drawing/2014/main" id="{F492B8D6-39F0-4D20-92A4-58A3AE1323E7}"/>
+                <a16:creationId xmlns:a16="http://schemas.microsoft.com/office/drawing/2014/main" xmlns="" id="{F492B8D6-39F0-4D20-92A4-58A3AE1323E7}"/>
               </a:ext>
             </a:extLst>
           </p:cNvPr>
@@ -6066,7 +6066,7 @@
           <p:cNvPr id="78" name="Прямоугольник 77">
             <a:extLst>
               <a:ext uri="{FF2B5EF4-FFF2-40B4-BE49-F238E27FC236}">
-                <a16:creationId xmlns="" xmlns:a16="http://schemas.microsoft.com/office/drawing/2014/main" id="{AE8DBF0B-DB9F-42C3-8B1F-A688891403FA}"/>
+                <a16:creationId xmlns:a16="http://schemas.microsoft.com/office/drawing/2014/main" xmlns="" id="{AE8DBF0B-DB9F-42C3-8B1F-A688891403FA}"/>
               </a:ext>
             </a:extLst>
           </p:cNvPr>
@@ -6124,7 +6124,7 @@
           <p:cNvPr id="80" name="Прямоугольник 79">
             <a:extLst>
               <a:ext uri="{FF2B5EF4-FFF2-40B4-BE49-F238E27FC236}">
-                <a16:creationId xmlns="" xmlns:a16="http://schemas.microsoft.com/office/drawing/2014/main" id="{51DDA96E-A685-43FC-845D-8C9265EE929A}"/>
+                <a16:creationId xmlns:a16="http://schemas.microsoft.com/office/drawing/2014/main" xmlns="" id="{51DDA96E-A685-43FC-845D-8C9265EE929A}"/>
               </a:ext>
             </a:extLst>
           </p:cNvPr>
@@ -6176,7 +6176,7 @@
           <p:cNvPr id="81" name="Прямоугольник 80">
             <a:extLst>
               <a:ext uri="{FF2B5EF4-FFF2-40B4-BE49-F238E27FC236}">
-                <a16:creationId xmlns="" xmlns:a16="http://schemas.microsoft.com/office/drawing/2014/main" id="{FC846415-2760-43A4-A1A1-795C4968509B}"/>
+                <a16:creationId xmlns:a16="http://schemas.microsoft.com/office/drawing/2014/main" xmlns="" id="{FC846415-2760-43A4-A1A1-795C4968509B}"/>
               </a:ext>
             </a:extLst>
           </p:cNvPr>
@@ -6228,7 +6228,7 @@
           <p:cNvPr id="82" name="Прямоугольник 81">
             <a:extLst>
               <a:ext uri="{FF2B5EF4-FFF2-40B4-BE49-F238E27FC236}">
-                <a16:creationId xmlns="" xmlns:a16="http://schemas.microsoft.com/office/drawing/2014/main" id="{BF5DE4AD-D7D4-4C86-9704-BFA8884FD2C7}"/>
+                <a16:creationId xmlns:a16="http://schemas.microsoft.com/office/drawing/2014/main" xmlns="" id="{BF5DE4AD-D7D4-4C86-9704-BFA8884FD2C7}"/>
               </a:ext>
             </a:extLst>
           </p:cNvPr>
@@ -6280,7 +6280,7 @@
           <p:cNvPr id="83" name="Прямоугольник 82">
             <a:extLst>
               <a:ext uri="{FF2B5EF4-FFF2-40B4-BE49-F238E27FC236}">
-                <a16:creationId xmlns="" xmlns:a16="http://schemas.microsoft.com/office/drawing/2014/main" id="{FFDF3200-07AF-4F88-9AFA-E895A9EB463F}"/>
+                <a16:creationId xmlns:a16="http://schemas.microsoft.com/office/drawing/2014/main" xmlns="" id="{FFDF3200-07AF-4F88-9AFA-E895A9EB463F}"/>
               </a:ext>
             </a:extLst>
           </p:cNvPr>
@@ -6289,7 +6289,7 @@
         </p:nvSpPr>
         <p:spPr>
           <a:xfrm>
-            <a:off x="3725606" y="16508603"/>
+            <a:off x="4894610" y="15649430"/>
             <a:ext cx="926325" cy="540000"/>
           </a:xfrm>
           <a:prstGeom prst="rect">
@@ -6320,8 +6320,8 @@
           <a:p>
             <a:pPr algn="ctr"/>
             <a:r>
-              <a:rPr lang="ru-RU" sz="700" dirty="0"/>
-              <a:t>Национализация земли</a:t>
+              <a:rPr lang="ru-RU" sz="700" dirty="0" smtClean="0"/>
+              <a:t>Социализация сельскохозяйственных предприятий</a:t>
             </a:r>
             <a:endParaRPr lang="ru-RU" sz="400" dirty="0"/>
           </a:p>
@@ -6332,7 +6332,7 @@
           <p:cNvPr id="84" name="Прямоугольник 83">
             <a:extLst>
               <a:ext uri="{FF2B5EF4-FFF2-40B4-BE49-F238E27FC236}">
-                <a16:creationId xmlns="" xmlns:a16="http://schemas.microsoft.com/office/drawing/2014/main" id="{CA07F76D-4941-4BBE-8B5A-F0348C4D0FB6}"/>
+                <a16:creationId xmlns:a16="http://schemas.microsoft.com/office/drawing/2014/main" xmlns="" id="{CA07F76D-4941-4BBE-8B5A-F0348C4D0FB6}"/>
               </a:ext>
             </a:extLst>
           </p:cNvPr>
@@ -6384,7 +6384,7 @@
           <p:cNvPr id="85" name="Прямоугольник 84">
             <a:extLst>
               <a:ext uri="{FF2B5EF4-FFF2-40B4-BE49-F238E27FC236}">
-                <a16:creationId xmlns="" xmlns:a16="http://schemas.microsoft.com/office/drawing/2014/main" id="{B4C6B690-1886-4211-AFBE-6C0A99C1C73F}"/>
+                <a16:creationId xmlns:a16="http://schemas.microsoft.com/office/drawing/2014/main" xmlns="" id="{B4C6B690-1886-4211-AFBE-6C0A99C1C73F}"/>
               </a:ext>
             </a:extLst>
           </p:cNvPr>
@@ -6436,7 +6436,7 @@
           <p:cNvPr id="86" name="Прямоугольник 85">
             <a:extLst>
               <a:ext uri="{FF2B5EF4-FFF2-40B4-BE49-F238E27FC236}">
-                <a16:creationId xmlns="" xmlns:a16="http://schemas.microsoft.com/office/drawing/2014/main" id="{D4D526C2-9053-416E-9EDD-C32F7B959DFA}"/>
+                <a16:creationId xmlns:a16="http://schemas.microsoft.com/office/drawing/2014/main" xmlns="" id="{D4D526C2-9053-416E-9EDD-C32F7B959DFA}"/>
               </a:ext>
             </a:extLst>
           </p:cNvPr>
@@ -6488,7 +6488,7 @@
           <p:cNvPr id="87" name="Прямоугольник 86">
             <a:extLst>
               <a:ext uri="{FF2B5EF4-FFF2-40B4-BE49-F238E27FC236}">
-                <a16:creationId xmlns="" xmlns:a16="http://schemas.microsoft.com/office/drawing/2014/main" id="{05781F45-96BD-4772-A7F8-D0C0E48CF0C4}"/>
+                <a16:creationId xmlns:a16="http://schemas.microsoft.com/office/drawing/2014/main" xmlns="" id="{05781F45-96BD-4772-A7F8-D0C0E48CF0C4}"/>
               </a:ext>
             </a:extLst>
           </p:cNvPr>
@@ -6497,7 +6497,7 @@
         </p:nvSpPr>
         <p:spPr>
           <a:xfrm>
-            <a:off x="2344924" y="16508603"/>
+            <a:off x="2927777" y="17260318"/>
             <a:ext cx="926325" cy="540000"/>
           </a:xfrm>
           <a:prstGeom prst="rect">
@@ -6544,7 +6544,7 @@
           <p:cNvPr id="88" name="Прямоугольник 87">
             <a:extLst>
               <a:ext uri="{FF2B5EF4-FFF2-40B4-BE49-F238E27FC236}">
-                <a16:creationId xmlns="" xmlns:a16="http://schemas.microsoft.com/office/drawing/2014/main" id="{422F676B-23F7-43EE-A95A-69895A18F0AD}"/>
+                <a16:creationId xmlns:a16="http://schemas.microsoft.com/office/drawing/2014/main" xmlns="" id="{422F676B-23F7-43EE-A95A-69895A18F0AD}"/>
               </a:ext>
             </a:extLst>
           </p:cNvPr>
@@ -6752,7 +6752,7 @@
           <p:cNvPr id="89" name="Прямоугольник 88">
             <a:extLst>
               <a:ext uri="{FF2B5EF4-FFF2-40B4-BE49-F238E27FC236}">
-                <a16:creationId xmlns="" xmlns:a16="http://schemas.microsoft.com/office/drawing/2014/main" id="{F33E5A38-0B16-4D37-89E1-19C913A5BC13}"/>
+                <a16:creationId xmlns:a16="http://schemas.microsoft.com/office/drawing/2014/main" xmlns="" id="{F33E5A38-0B16-4D37-89E1-19C913A5BC13}"/>
               </a:ext>
             </a:extLst>
           </p:cNvPr>
@@ -6810,7 +6810,7 @@
           <p:cNvPr id="90" name="Прямоугольник 89">
             <a:extLst>
               <a:ext uri="{FF2B5EF4-FFF2-40B4-BE49-F238E27FC236}">
-                <a16:creationId xmlns="" xmlns:a16="http://schemas.microsoft.com/office/drawing/2014/main" id="{8C2287E1-C065-4042-BB84-91F0CF7A3A74}"/>
+                <a16:creationId xmlns:a16="http://schemas.microsoft.com/office/drawing/2014/main" xmlns="" id="{8C2287E1-C065-4042-BB84-91F0CF7A3A74}"/>
               </a:ext>
             </a:extLst>
           </p:cNvPr>
@@ -6868,7 +6868,7 @@
           <p:cNvPr id="91" name="Прямоугольник 90">
             <a:extLst>
               <a:ext uri="{FF2B5EF4-FFF2-40B4-BE49-F238E27FC236}">
-                <a16:creationId xmlns="" xmlns:a16="http://schemas.microsoft.com/office/drawing/2014/main" id="{58596D98-69F8-48F5-B5AF-D2569C87ECDC}"/>
+                <a16:creationId xmlns:a16="http://schemas.microsoft.com/office/drawing/2014/main" xmlns="" id="{58596D98-69F8-48F5-B5AF-D2569C87ECDC}"/>
               </a:ext>
             </a:extLst>
           </p:cNvPr>
@@ -6926,7 +6926,7 @@
           <p:cNvPr id="92" name="Прямоугольник 91">
             <a:extLst>
               <a:ext uri="{FF2B5EF4-FFF2-40B4-BE49-F238E27FC236}">
-                <a16:creationId xmlns="" xmlns:a16="http://schemas.microsoft.com/office/drawing/2014/main" id="{A0E90C58-DFD9-4550-AC8D-DED87F819668}"/>
+                <a16:creationId xmlns:a16="http://schemas.microsoft.com/office/drawing/2014/main" xmlns="" id="{A0E90C58-DFD9-4550-AC8D-DED87F819668}"/>
               </a:ext>
             </a:extLst>
           </p:cNvPr>
@@ -7000,7 +7000,7 @@
           <p:cNvPr id="93" name="Прямоугольник 92">
             <a:extLst>
               <a:ext uri="{FF2B5EF4-FFF2-40B4-BE49-F238E27FC236}">
-                <a16:creationId xmlns="" xmlns:a16="http://schemas.microsoft.com/office/drawing/2014/main" id="{905EFC66-02B2-49ED-A696-FAEF4A1D6416}"/>
+                <a16:creationId xmlns:a16="http://schemas.microsoft.com/office/drawing/2014/main" xmlns="" id="{905EFC66-02B2-49ED-A696-FAEF4A1D6416}"/>
               </a:ext>
             </a:extLst>
           </p:cNvPr>
@@ -7070,7 +7070,7 @@
           <p:cNvPr id="94" name="Прямоугольник 93">
             <a:extLst>
               <a:ext uri="{FF2B5EF4-FFF2-40B4-BE49-F238E27FC236}">
-                <a16:creationId xmlns="" xmlns:a16="http://schemas.microsoft.com/office/drawing/2014/main" id="{9261C47C-5EE1-4F56-8101-3DF5265766CF}"/>
+                <a16:creationId xmlns:a16="http://schemas.microsoft.com/office/drawing/2014/main" xmlns="" id="{9261C47C-5EE1-4F56-8101-3DF5265766CF}"/>
               </a:ext>
             </a:extLst>
           </p:cNvPr>
@@ -7132,7 +7132,7 @@
           <p:cNvPr id="95" name="Прямоугольник 94">
             <a:extLst>
               <a:ext uri="{FF2B5EF4-FFF2-40B4-BE49-F238E27FC236}">
-                <a16:creationId xmlns="" xmlns:a16="http://schemas.microsoft.com/office/drawing/2014/main" id="{C2DE2667-AAF6-4947-B73A-9F430C79018E}"/>
+                <a16:creationId xmlns:a16="http://schemas.microsoft.com/office/drawing/2014/main" xmlns="" id="{C2DE2667-AAF6-4947-B73A-9F430C79018E}"/>
               </a:ext>
             </a:extLst>
           </p:cNvPr>
@@ -7190,7 +7190,7 @@
           <p:cNvPr id="96" name="Прямоугольник 95">
             <a:extLst>
               <a:ext uri="{FF2B5EF4-FFF2-40B4-BE49-F238E27FC236}">
-                <a16:creationId xmlns="" xmlns:a16="http://schemas.microsoft.com/office/drawing/2014/main" id="{F057BD5D-D5FA-4727-B502-9F95624798B4}"/>
+                <a16:creationId xmlns:a16="http://schemas.microsoft.com/office/drawing/2014/main" xmlns="" id="{F057BD5D-D5FA-4727-B502-9F95624798B4}"/>
               </a:ext>
             </a:extLst>
           </p:cNvPr>
@@ -7248,7 +7248,7 @@
           <p:cNvPr id="97" name="Прямоугольник 96">
             <a:extLst>
               <a:ext uri="{FF2B5EF4-FFF2-40B4-BE49-F238E27FC236}">
-                <a16:creationId xmlns="" xmlns:a16="http://schemas.microsoft.com/office/drawing/2014/main" id="{BE32C799-1429-4853-B5A8-AE3345E90D8D}"/>
+                <a16:creationId xmlns:a16="http://schemas.microsoft.com/office/drawing/2014/main" xmlns="" id="{BE32C799-1429-4853-B5A8-AE3345E90D8D}"/>
               </a:ext>
             </a:extLst>
           </p:cNvPr>
@@ -7313,7 +7313,7 @@
           <p:cNvPr id="98" name="Прямоугольник 97">
             <a:extLst>
               <a:ext uri="{FF2B5EF4-FFF2-40B4-BE49-F238E27FC236}">
-                <a16:creationId xmlns="" xmlns:a16="http://schemas.microsoft.com/office/drawing/2014/main" id="{21F111C9-B52C-460E-AD39-A8B9F798CB25}"/>
+                <a16:creationId xmlns:a16="http://schemas.microsoft.com/office/drawing/2014/main" xmlns="" id="{21F111C9-B52C-460E-AD39-A8B9F798CB25}"/>
               </a:ext>
             </a:extLst>
           </p:cNvPr>
@@ -7378,7 +7378,7 @@
           <p:cNvPr id="99" name="Прямоугольник 98">
             <a:extLst>
               <a:ext uri="{FF2B5EF4-FFF2-40B4-BE49-F238E27FC236}">
-                <a16:creationId xmlns="" xmlns:a16="http://schemas.microsoft.com/office/drawing/2014/main" id="{3CDEA90A-403D-44E8-BD63-5F728A857464}"/>
+                <a16:creationId xmlns:a16="http://schemas.microsoft.com/office/drawing/2014/main" xmlns="" id="{3CDEA90A-403D-44E8-BD63-5F728A857464}"/>
               </a:ext>
             </a:extLst>
           </p:cNvPr>
@@ -7447,7 +7447,7 @@
           <p:cNvPr id="100" name="Прямоугольник 99">
             <a:extLst>
               <a:ext uri="{FF2B5EF4-FFF2-40B4-BE49-F238E27FC236}">
-                <a16:creationId xmlns="" xmlns:a16="http://schemas.microsoft.com/office/drawing/2014/main" id="{8B70D98A-AAC5-4F3D-938D-F15D11AC9F90}"/>
+                <a16:creationId xmlns:a16="http://schemas.microsoft.com/office/drawing/2014/main" xmlns="" id="{8B70D98A-AAC5-4F3D-938D-F15D11AC9F90}"/>
               </a:ext>
             </a:extLst>
           </p:cNvPr>
@@ -7516,7 +7516,7 @@
           <p:cNvPr id="101" name="Прямоугольник 100">
             <a:extLst>
               <a:ext uri="{FF2B5EF4-FFF2-40B4-BE49-F238E27FC236}">
-                <a16:creationId xmlns="" xmlns:a16="http://schemas.microsoft.com/office/drawing/2014/main" id="{F402EBBD-5722-48B1-9BBA-587E5C4DFB4D}"/>
+                <a16:creationId xmlns:a16="http://schemas.microsoft.com/office/drawing/2014/main" xmlns="" id="{F402EBBD-5722-48B1-9BBA-587E5C4DFB4D}"/>
               </a:ext>
             </a:extLst>
           </p:cNvPr>
@@ -7585,7 +7585,7 @@
           <p:cNvPr id="102" name="Прямоугольник 101">
             <a:extLst>
               <a:ext uri="{FF2B5EF4-FFF2-40B4-BE49-F238E27FC236}">
-                <a16:creationId xmlns="" xmlns:a16="http://schemas.microsoft.com/office/drawing/2014/main" id="{62E65D83-9718-4B14-AFE2-F1D04B420F81}"/>
+                <a16:creationId xmlns:a16="http://schemas.microsoft.com/office/drawing/2014/main" xmlns="" id="{62E65D83-9718-4B14-AFE2-F1D04B420F81}"/>
               </a:ext>
             </a:extLst>
           </p:cNvPr>
@@ -7654,7 +7654,7 @@
           <p:cNvPr id="103" name="Прямоугольник 102">
             <a:extLst>
               <a:ext uri="{FF2B5EF4-FFF2-40B4-BE49-F238E27FC236}">
-                <a16:creationId xmlns="" xmlns:a16="http://schemas.microsoft.com/office/drawing/2014/main" id="{C6BDA37E-3E81-4B99-A54A-C631250D3A33}"/>
+                <a16:creationId xmlns:a16="http://schemas.microsoft.com/office/drawing/2014/main" xmlns="" id="{C6BDA37E-3E81-4B99-A54A-C631250D3A33}"/>
               </a:ext>
             </a:extLst>
           </p:cNvPr>
@@ -7723,7 +7723,7 @@
           <p:cNvPr id="112" name="Прямоугольник 111">
             <a:extLst>
               <a:ext uri="{FF2B5EF4-FFF2-40B4-BE49-F238E27FC236}">
-                <a16:creationId xmlns="" xmlns:a16="http://schemas.microsoft.com/office/drawing/2014/main" id="{9B5A9C46-C31A-401D-9EBF-78AE38F570DF}"/>
+                <a16:creationId xmlns:a16="http://schemas.microsoft.com/office/drawing/2014/main" xmlns="" id="{9B5A9C46-C31A-401D-9EBF-78AE38F570DF}"/>
               </a:ext>
             </a:extLst>
           </p:cNvPr>
@@ -7796,7 +7796,7 @@
           <p:cNvPr id="117" name="Соединительная линия уступом 903">
             <a:extLst>
               <a:ext uri="{FF2B5EF4-FFF2-40B4-BE49-F238E27FC236}">
-                <a16:creationId xmlns="" xmlns:a16="http://schemas.microsoft.com/office/drawing/2014/main" id="{7F550792-EE6C-4B6F-B826-22E45DB79321}"/>
+                <a16:creationId xmlns:a16="http://schemas.microsoft.com/office/drawing/2014/main" xmlns="" id="{7F550792-EE6C-4B6F-B826-22E45DB79321}"/>
               </a:ext>
             </a:extLst>
           </p:cNvPr>
@@ -7842,7 +7842,7 @@
           <p:cNvPr id="120" name="Соединительная линия уступом 903">
             <a:extLst>
               <a:ext uri="{FF2B5EF4-FFF2-40B4-BE49-F238E27FC236}">
-                <a16:creationId xmlns="" xmlns:a16="http://schemas.microsoft.com/office/drawing/2014/main" id="{42BA63A1-F902-44BD-AEC4-6A00A7DD5215}"/>
+                <a16:creationId xmlns:a16="http://schemas.microsoft.com/office/drawing/2014/main" xmlns="" id="{42BA63A1-F902-44BD-AEC4-6A00A7DD5215}"/>
               </a:ext>
             </a:extLst>
           </p:cNvPr>
@@ -7888,7 +7888,7 @@
           <p:cNvPr id="123" name="Соединительная линия уступом 903">
             <a:extLst>
               <a:ext uri="{FF2B5EF4-FFF2-40B4-BE49-F238E27FC236}">
-                <a16:creationId xmlns="" xmlns:a16="http://schemas.microsoft.com/office/drawing/2014/main" id="{52CF7390-DEEA-4782-9037-6AAA2FAB1267}"/>
+                <a16:creationId xmlns:a16="http://schemas.microsoft.com/office/drawing/2014/main" xmlns="" id="{52CF7390-DEEA-4782-9037-6AAA2FAB1267}"/>
               </a:ext>
             </a:extLst>
           </p:cNvPr>
@@ -7933,7 +7933,7 @@
           <p:cNvPr id="128" name="Соединительная линия уступом 903">
             <a:extLst>
               <a:ext uri="{FF2B5EF4-FFF2-40B4-BE49-F238E27FC236}">
-                <a16:creationId xmlns="" xmlns:a16="http://schemas.microsoft.com/office/drawing/2014/main" id="{7A113AE3-4577-430A-BA26-EF4235023FFA}"/>
+                <a16:creationId xmlns:a16="http://schemas.microsoft.com/office/drawing/2014/main" xmlns="" id="{7A113AE3-4577-430A-BA26-EF4235023FFA}"/>
               </a:ext>
             </a:extLst>
           </p:cNvPr>
@@ -7978,7 +7978,7 @@
           <p:cNvPr id="131" name="Соединительная линия уступом 903">
             <a:extLst>
               <a:ext uri="{FF2B5EF4-FFF2-40B4-BE49-F238E27FC236}">
-                <a16:creationId xmlns="" xmlns:a16="http://schemas.microsoft.com/office/drawing/2014/main" id="{40147503-E638-42DF-A929-5C7B9F2B48B1}"/>
+                <a16:creationId xmlns:a16="http://schemas.microsoft.com/office/drawing/2014/main" xmlns="" id="{40147503-E638-42DF-A929-5C7B9F2B48B1}"/>
               </a:ext>
             </a:extLst>
           </p:cNvPr>
@@ -8023,7 +8023,7 @@
           <p:cNvPr id="134" name="Соединительная линия уступом 903">
             <a:extLst>
               <a:ext uri="{FF2B5EF4-FFF2-40B4-BE49-F238E27FC236}">
-                <a16:creationId xmlns="" xmlns:a16="http://schemas.microsoft.com/office/drawing/2014/main" id="{B109EAAA-04CC-455A-9A24-9F6792FBCCC4}"/>
+                <a16:creationId xmlns:a16="http://schemas.microsoft.com/office/drawing/2014/main" xmlns="" id="{B109EAAA-04CC-455A-9A24-9F6792FBCCC4}"/>
               </a:ext>
             </a:extLst>
           </p:cNvPr>
@@ -8068,7 +8068,7 @@
           <p:cNvPr id="138" name="Соединительная линия уступом 903">
             <a:extLst>
               <a:ext uri="{FF2B5EF4-FFF2-40B4-BE49-F238E27FC236}">
-                <a16:creationId xmlns="" xmlns:a16="http://schemas.microsoft.com/office/drawing/2014/main" id="{BB75BD33-58E7-4B2D-9AE8-736000AF5996}"/>
+                <a16:creationId xmlns:a16="http://schemas.microsoft.com/office/drawing/2014/main" xmlns="" id="{BB75BD33-58E7-4B2D-9AE8-736000AF5996}"/>
               </a:ext>
             </a:extLst>
           </p:cNvPr>
@@ -8113,7 +8113,7 @@
           <p:cNvPr id="141" name="Прямая со стрелкой 140">
             <a:extLst>
               <a:ext uri="{FF2B5EF4-FFF2-40B4-BE49-F238E27FC236}">
-                <a16:creationId xmlns="" xmlns:a16="http://schemas.microsoft.com/office/drawing/2014/main" id="{F0204958-F3C4-46F5-A7B8-B2E525B442E3}"/>
+                <a16:creationId xmlns:a16="http://schemas.microsoft.com/office/drawing/2014/main" xmlns="" id="{F0204958-F3C4-46F5-A7B8-B2E525B442E3}"/>
               </a:ext>
             </a:extLst>
           </p:cNvPr>
@@ -8156,7 +8156,7 @@
           <p:cNvPr id="144" name="Соединительная линия уступом 903">
             <a:extLst>
               <a:ext uri="{FF2B5EF4-FFF2-40B4-BE49-F238E27FC236}">
-                <a16:creationId xmlns="" xmlns:a16="http://schemas.microsoft.com/office/drawing/2014/main" id="{5C748310-8A24-4A37-94AD-69E898DBB5BF}"/>
+                <a16:creationId xmlns:a16="http://schemas.microsoft.com/office/drawing/2014/main" xmlns="" id="{5C748310-8A24-4A37-94AD-69E898DBB5BF}"/>
               </a:ext>
             </a:extLst>
           </p:cNvPr>
@@ -8202,7 +8202,7 @@
           <p:cNvPr id="147" name="Соединительная линия уступом 903">
             <a:extLst>
               <a:ext uri="{FF2B5EF4-FFF2-40B4-BE49-F238E27FC236}">
-                <a16:creationId xmlns="" xmlns:a16="http://schemas.microsoft.com/office/drawing/2014/main" id="{6247459E-8D36-4B32-A142-C426692F0DC9}"/>
+                <a16:creationId xmlns:a16="http://schemas.microsoft.com/office/drawing/2014/main" xmlns="" id="{6247459E-8D36-4B32-A142-C426692F0DC9}"/>
               </a:ext>
             </a:extLst>
           </p:cNvPr>
@@ -8248,7 +8248,7 @@
           <p:cNvPr id="150" name="Соединительная линия уступом 903">
             <a:extLst>
               <a:ext uri="{FF2B5EF4-FFF2-40B4-BE49-F238E27FC236}">
-                <a16:creationId xmlns="" xmlns:a16="http://schemas.microsoft.com/office/drawing/2014/main" id="{B5229C84-1524-4F6C-8C6B-E4AA146420CD}"/>
+                <a16:creationId xmlns:a16="http://schemas.microsoft.com/office/drawing/2014/main" xmlns="" id="{B5229C84-1524-4F6C-8C6B-E4AA146420CD}"/>
               </a:ext>
             </a:extLst>
           </p:cNvPr>
@@ -8294,7 +8294,7 @@
           <p:cNvPr id="153" name="Соединительная линия уступом 903">
             <a:extLst>
               <a:ext uri="{FF2B5EF4-FFF2-40B4-BE49-F238E27FC236}">
-                <a16:creationId xmlns="" xmlns:a16="http://schemas.microsoft.com/office/drawing/2014/main" id="{2D2CC445-D083-4638-B348-AE346D452DE8}"/>
+                <a16:creationId xmlns:a16="http://schemas.microsoft.com/office/drawing/2014/main" xmlns="" id="{2D2CC445-D083-4638-B348-AE346D452DE8}"/>
               </a:ext>
             </a:extLst>
           </p:cNvPr>
@@ -8340,7 +8340,7 @@
           <p:cNvPr id="156" name="Прямоугольник 155">
             <a:extLst>
               <a:ext uri="{FF2B5EF4-FFF2-40B4-BE49-F238E27FC236}">
-                <a16:creationId xmlns="" xmlns:a16="http://schemas.microsoft.com/office/drawing/2014/main" id="{70F2E1EB-331E-413E-A7A7-863A2E76F5D1}"/>
+                <a16:creationId xmlns:a16="http://schemas.microsoft.com/office/drawing/2014/main" xmlns="" id="{70F2E1EB-331E-413E-A7A7-863A2E76F5D1}"/>
               </a:ext>
             </a:extLst>
           </p:cNvPr>
@@ -8398,7 +8398,7 @@
           <p:cNvPr id="158" name="Прямоугольник 157">
             <a:extLst>
               <a:ext uri="{FF2B5EF4-FFF2-40B4-BE49-F238E27FC236}">
-                <a16:creationId xmlns="" xmlns:a16="http://schemas.microsoft.com/office/drawing/2014/main" id="{39373D37-652A-432A-AF2C-81923E65FD74}"/>
+                <a16:creationId xmlns:a16="http://schemas.microsoft.com/office/drawing/2014/main" xmlns="" id="{39373D37-652A-432A-AF2C-81923E65FD74}"/>
               </a:ext>
             </a:extLst>
           </p:cNvPr>
@@ -8463,7 +8463,7 @@
           <p:cNvPr id="162" name="Прямоугольник 161">
             <a:extLst>
               <a:ext uri="{FF2B5EF4-FFF2-40B4-BE49-F238E27FC236}">
-                <a16:creationId xmlns="" xmlns:a16="http://schemas.microsoft.com/office/drawing/2014/main" id="{D21D4960-F203-4755-9FED-7CFC800F902A}"/>
+                <a16:creationId xmlns:a16="http://schemas.microsoft.com/office/drawing/2014/main" xmlns="" id="{D21D4960-F203-4755-9FED-7CFC800F902A}"/>
               </a:ext>
             </a:extLst>
           </p:cNvPr>
@@ -8521,7 +8521,7 @@
           <p:cNvPr id="163" name="Прямоугольник 162">
             <a:extLst>
               <a:ext uri="{FF2B5EF4-FFF2-40B4-BE49-F238E27FC236}">
-                <a16:creationId xmlns="" xmlns:a16="http://schemas.microsoft.com/office/drawing/2014/main" id="{BD849E57-A12E-42AE-AA12-4FB9BA687E1A}"/>
+                <a16:creationId xmlns:a16="http://schemas.microsoft.com/office/drawing/2014/main" xmlns="" id="{BD849E57-A12E-42AE-AA12-4FB9BA687E1A}"/>
               </a:ext>
             </a:extLst>
           </p:cNvPr>
@@ -8582,7 +8582,7 @@
           <p:cNvPr id="164" name="Прямая со стрелкой 163">
             <a:extLst>
               <a:ext uri="{FF2B5EF4-FFF2-40B4-BE49-F238E27FC236}">
-                <a16:creationId xmlns="" xmlns:a16="http://schemas.microsoft.com/office/drawing/2014/main" id="{B048244F-EB49-46C4-A9EC-3C9E6EB26FD0}"/>
+                <a16:creationId xmlns:a16="http://schemas.microsoft.com/office/drawing/2014/main" xmlns="" id="{B048244F-EB49-46C4-A9EC-3C9E6EB26FD0}"/>
               </a:ext>
             </a:extLst>
           </p:cNvPr>
@@ -8625,7 +8625,7 @@
           <p:cNvPr id="169" name="Соединительная линия уступом 903">
             <a:extLst>
               <a:ext uri="{FF2B5EF4-FFF2-40B4-BE49-F238E27FC236}">
-                <a16:creationId xmlns="" xmlns:a16="http://schemas.microsoft.com/office/drawing/2014/main" id="{3BF92898-1A8D-44CD-90AE-9ED96D3CC103}"/>
+                <a16:creationId xmlns:a16="http://schemas.microsoft.com/office/drawing/2014/main" xmlns="" id="{3BF92898-1A8D-44CD-90AE-9ED96D3CC103}"/>
               </a:ext>
             </a:extLst>
           </p:cNvPr>
@@ -8670,7 +8670,7 @@
           <p:cNvPr id="173" name="Соединительная линия уступом 903">
             <a:extLst>
               <a:ext uri="{FF2B5EF4-FFF2-40B4-BE49-F238E27FC236}">
-                <a16:creationId xmlns="" xmlns:a16="http://schemas.microsoft.com/office/drawing/2014/main" id="{EF7071D1-BE49-4A1B-8811-FFC6268219EF}"/>
+                <a16:creationId xmlns:a16="http://schemas.microsoft.com/office/drawing/2014/main" xmlns="" id="{EF7071D1-BE49-4A1B-8811-FFC6268219EF}"/>
               </a:ext>
             </a:extLst>
           </p:cNvPr>
@@ -8715,7 +8715,7 @@
           <p:cNvPr id="176" name="Соединительная линия уступом 903">
             <a:extLst>
               <a:ext uri="{FF2B5EF4-FFF2-40B4-BE49-F238E27FC236}">
-                <a16:creationId xmlns="" xmlns:a16="http://schemas.microsoft.com/office/drawing/2014/main" id="{30D330E8-189B-403C-83EF-0C1AB67953A6}"/>
+                <a16:creationId xmlns:a16="http://schemas.microsoft.com/office/drawing/2014/main" xmlns="" id="{30D330E8-189B-403C-83EF-0C1AB67953A6}"/>
               </a:ext>
             </a:extLst>
           </p:cNvPr>
@@ -8760,7 +8760,7 @@
           <p:cNvPr id="179" name="Соединительная линия уступом 903">
             <a:extLst>
               <a:ext uri="{FF2B5EF4-FFF2-40B4-BE49-F238E27FC236}">
-                <a16:creationId xmlns="" xmlns:a16="http://schemas.microsoft.com/office/drawing/2014/main" id="{1B345060-1C77-489A-A3B6-573436341CD2}"/>
+                <a16:creationId xmlns:a16="http://schemas.microsoft.com/office/drawing/2014/main" xmlns="" id="{1B345060-1C77-489A-A3B6-573436341CD2}"/>
               </a:ext>
             </a:extLst>
           </p:cNvPr>
@@ -8805,7 +8805,7 @@
           <p:cNvPr id="194" name="Соединительная линия уступом 903">
             <a:extLst>
               <a:ext uri="{FF2B5EF4-FFF2-40B4-BE49-F238E27FC236}">
-                <a16:creationId xmlns="" xmlns:a16="http://schemas.microsoft.com/office/drawing/2014/main" id="{47EFD662-D8F0-4D46-B8BE-62DAF2481AC2}"/>
+                <a16:creationId xmlns:a16="http://schemas.microsoft.com/office/drawing/2014/main" xmlns="" id="{47EFD662-D8F0-4D46-B8BE-62DAF2481AC2}"/>
               </a:ext>
             </a:extLst>
           </p:cNvPr>
@@ -8850,7 +8850,7 @@
           <p:cNvPr id="197" name="Соединительная линия уступом 903">
             <a:extLst>
               <a:ext uri="{FF2B5EF4-FFF2-40B4-BE49-F238E27FC236}">
-                <a16:creationId xmlns="" xmlns:a16="http://schemas.microsoft.com/office/drawing/2014/main" id="{42EC46F3-1198-439C-9201-297275403091}"/>
+                <a16:creationId xmlns:a16="http://schemas.microsoft.com/office/drawing/2014/main" xmlns="" id="{42EC46F3-1198-439C-9201-297275403091}"/>
               </a:ext>
             </a:extLst>
           </p:cNvPr>
@@ -8895,7 +8895,7 @@
           <p:cNvPr id="200" name="Прямая со стрелкой 199">
             <a:extLst>
               <a:ext uri="{FF2B5EF4-FFF2-40B4-BE49-F238E27FC236}">
-                <a16:creationId xmlns="" xmlns:a16="http://schemas.microsoft.com/office/drawing/2014/main" id="{C65B3E6E-D325-417D-A60E-CBAC49A6F0BD}"/>
+                <a16:creationId xmlns:a16="http://schemas.microsoft.com/office/drawing/2014/main" xmlns="" id="{C65B3E6E-D325-417D-A60E-CBAC49A6F0BD}"/>
               </a:ext>
             </a:extLst>
           </p:cNvPr>
@@ -8938,7 +8938,7 @@
           <p:cNvPr id="203" name="Прямая со стрелкой 202">
             <a:extLst>
               <a:ext uri="{FF2B5EF4-FFF2-40B4-BE49-F238E27FC236}">
-                <a16:creationId xmlns="" xmlns:a16="http://schemas.microsoft.com/office/drawing/2014/main" id="{D3A51449-15E2-4BEA-88A5-B2691A1B3690}"/>
+                <a16:creationId xmlns:a16="http://schemas.microsoft.com/office/drawing/2014/main" xmlns="" id="{D3A51449-15E2-4BEA-88A5-B2691A1B3690}"/>
               </a:ext>
             </a:extLst>
           </p:cNvPr>
@@ -8981,7 +8981,7 @@
           <p:cNvPr id="206" name="Прямая со стрелкой 205">
             <a:extLst>
               <a:ext uri="{FF2B5EF4-FFF2-40B4-BE49-F238E27FC236}">
-                <a16:creationId xmlns="" xmlns:a16="http://schemas.microsoft.com/office/drawing/2014/main" id="{AFD4E665-A61D-46C2-A133-3412690F30F3}"/>
+                <a16:creationId xmlns:a16="http://schemas.microsoft.com/office/drawing/2014/main" xmlns="" id="{AFD4E665-A61D-46C2-A133-3412690F30F3}"/>
               </a:ext>
             </a:extLst>
           </p:cNvPr>
@@ -9024,7 +9024,7 @@
           <p:cNvPr id="209" name="Прямая со стрелкой 208">
             <a:extLst>
               <a:ext uri="{FF2B5EF4-FFF2-40B4-BE49-F238E27FC236}">
-                <a16:creationId xmlns="" xmlns:a16="http://schemas.microsoft.com/office/drawing/2014/main" id="{6B358EC7-E053-4570-B92E-4C044AC26D2C}"/>
+                <a16:creationId xmlns:a16="http://schemas.microsoft.com/office/drawing/2014/main" xmlns="" id="{6B358EC7-E053-4570-B92E-4C044AC26D2C}"/>
               </a:ext>
             </a:extLst>
           </p:cNvPr>
@@ -9067,7 +9067,7 @@
           <p:cNvPr id="212" name="Прямая со стрелкой 211">
             <a:extLst>
               <a:ext uri="{FF2B5EF4-FFF2-40B4-BE49-F238E27FC236}">
-                <a16:creationId xmlns="" xmlns:a16="http://schemas.microsoft.com/office/drawing/2014/main" id="{929707B4-0ED3-4FF6-B9DB-8E849B5466B2}"/>
+                <a16:creationId xmlns:a16="http://schemas.microsoft.com/office/drawing/2014/main" xmlns="" id="{929707B4-0ED3-4FF6-B9DB-8E849B5466B2}"/>
               </a:ext>
             </a:extLst>
           </p:cNvPr>
@@ -9110,7 +9110,7 @@
           <p:cNvPr id="215" name="Прямая со стрелкой 214">
             <a:extLst>
               <a:ext uri="{FF2B5EF4-FFF2-40B4-BE49-F238E27FC236}">
-                <a16:creationId xmlns="" xmlns:a16="http://schemas.microsoft.com/office/drawing/2014/main" id="{3763D6CD-8165-4195-A229-9E111149C4E6}"/>
+                <a16:creationId xmlns:a16="http://schemas.microsoft.com/office/drawing/2014/main" xmlns="" id="{3763D6CD-8165-4195-A229-9E111149C4E6}"/>
               </a:ext>
             </a:extLst>
           </p:cNvPr>
@@ -9153,7 +9153,7 @@
           <p:cNvPr id="226" name="Прямоугольник 225">
             <a:extLst>
               <a:ext uri="{FF2B5EF4-FFF2-40B4-BE49-F238E27FC236}">
-                <a16:creationId xmlns="" xmlns:a16="http://schemas.microsoft.com/office/drawing/2014/main" id="{8F90957D-3F70-4F7D-A50B-157EE934D6F5}"/>
+                <a16:creationId xmlns:a16="http://schemas.microsoft.com/office/drawing/2014/main" xmlns="" id="{8F90957D-3F70-4F7D-A50B-157EE934D6F5}"/>
               </a:ext>
             </a:extLst>
           </p:cNvPr>
@@ -9203,7 +9203,7 @@
           <p:cNvPr id="227" name="Прямоугольник 226">
             <a:extLst>
               <a:ext uri="{FF2B5EF4-FFF2-40B4-BE49-F238E27FC236}">
-                <a16:creationId xmlns="" xmlns:a16="http://schemas.microsoft.com/office/drawing/2014/main" id="{77B2829B-9A73-48A5-B93C-36696747ADD9}"/>
+                <a16:creationId xmlns:a16="http://schemas.microsoft.com/office/drawing/2014/main" xmlns="" id="{77B2829B-9A73-48A5-B93C-36696747ADD9}"/>
               </a:ext>
             </a:extLst>
           </p:cNvPr>
@@ -9261,7 +9261,7 @@
           <p:cNvPr id="231" name="Соединительная линия уступом 903">
             <a:extLst>
               <a:ext uri="{FF2B5EF4-FFF2-40B4-BE49-F238E27FC236}">
-                <a16:creationId xmlns="" xmlns:a16="http://schemas.microsoft.com/office/drawing/2014/main" id="{4F66CE16-F4D4-4BEA-B35B-7CA503F701C0}"/>
+                <a16:creationId xmlns:a16="http://schemas.microsoft.com/office/drawing/2014/main" xmlns="" id="{4F66CE16-F4D4-4BEA-B35B-7CA503F701C0}"/>
               </a:ext>
             </a:extLst>
           </p:cNvPr>
@@ -9306,7 +9306,7 @@
           <p:cNvPr id="238" name="Прямая соединительная линия 237">
             <a:extLst>
               <a:ext uri="{FF2B5EF4-FFF2-40B4-BE49-F238E27FC236}">
-                <a16:creationId xmlns="" xmlns:a16="http://schemas.microsoft.com/office/drawing/2014/main" id="{FD347516-2278-4B85-B9D1-D49EF200F440}"/>
+                <a16:creationId xmlns:a16="http://schemas.microsoft.com/office/drawing/2014/main" xmlns="" id="{FD347516-2278-4B85-B9D1-D49EF200F440}"/>
               </a:ext>
             </a:extLst>
           </p:cNvPr>
@@ -9351,7 +9351,7 @@
           <p:cNvPr id="266" name="Соединительная линия уступом 903">
             <a:extLst>
               <a:ext uri="{FF2B5EF4-FFF2-40B4-BE49-F238E27FC236}">
-                <a16:creationId xmlns="" xmlns:a16="http://schemas.microsoft.com/office/drawing/2014/main" id="{FD352671-4213-4DF2-A335-A0D96AEF3058}"/>
+                <a16:creationId xmlns:a16="http://schemas.microsoft.com/office/drawing/2014/main" xmlns="" id="{FD352671-4213-4DF2-A335-A0D96AEF3058}"/>
               </a:ext>
             </a:extLst>
           </p:cNvPr>
@@ -9396,7 +9396,7 @@
           <p:cNvPr id="270" name="Прямоугольник 269">
             <a:extLst>
               <a:ext uri="{FF2B5EF4-FFF2-40B4-BE49-F238E27FC236}">
-                <a16:creationId xmlns="" xmlns:a16="http://schemas.microsoft.com/office/drawing/2014/main" id="{A5342E2A-ECF3-4482-981E-FB362358AC03}"/>
+                <a16:creationId xmlns:a16="http://schemas.microsoft.com/office/drawing/2014/main" xmlns="" id="{A5342E2A-ECF3-4482-981E-FB362358AC03}"/>
               </a:ext>
             </a:extLst>
           </p:cNvPr>
@@ -9454,7 +9454,7 @@
           <p:cNvPr id="271" name="Прямая соединительная линия 270">
             <a:extLst>
               <a:ext uri="{FF2B5EF4-FFF2-40B4-BE49-F238E27FC236}">
-                <a16:creationId xmlns="" xmlns:a16="http://schemas.microsoft.com/office/drawing/2014/main" id="{A658E4AD-DAE9-412E-8260-CC41A0C2A1E1}"/>
+                <a16:creationId xmlns:a16="http://schemas.microsoft.com/office/drawing/2014/main" xmlns="" id="{A658E4AD-DAE9-412E-8260-CC41A0C2A1E1}"/>
               </a:ext>
             </a:extLst>
           </p:cNvPr>
@@ -9499,7 +9499,7 @@
           <p:cNvPr id="279" name="Соединительная линия уступом 903">
             <a:extLst>
               <a:ext uri="{FF2B5EF4-FFF2-40B4-BE49-F238E27FC236}">
-                <a16:creationId xmlns="" xmlns:a16="http://schemas.microsoft.com/office/drawing/2014/main" id="{572840DF-3EA8-46E1-931A-FA2FFC7D98A4}"/>
+                <a16:creationId xmlns:a16="http://schemas.microsoft.com/office/drawing/2014/main" xmlns="" id="{572840DF-3EA8-46E1-931A-FA2FFC7D98A4}"/>
               </a:ext>
             </a:extLst>
           </p:cNvPr>
@@ -9544,7 +9544,7 @@
           <p:cNvPr id="286" name="Соединительная линия уступом 903">
             <a:extLst>
               <a:ext uri="{FF2B5EF4-FFF2-40B4-BE49-F238E27FC236}">
-                <a16:creationId xmlns="" xmlns:a16="http://schemas.microsoft.com/office/drawing/2014/main" id="{576D432B-14DD-4A6D-AB31-394D7535A00A}"/>
+                <a16:creationId xmlns:a16="http://schemas.microsoft.com/office/drawing/2014/main" xmlns="" id="{576D432B-14DD-4A6D-AB31-394D7535A00A}"/>
               </a:ext>
             </a:extLst>
           </p:cNvPr>
@@ -9589,7 +9589,7 @@
           <p:cNvPr id="295" name="Соединительная линия уступом 903">
             <a:extLst>
               <a:ext uri="{FF2B5EF4-FFF2-40B4-BE49-F238E27FC236}">
-                <a16:creationId xmlns="" xmlns:a16="http://schemas.microsoft.com/office/drawing/2014/main" id="{2A1524CC-F749-457E-8785-AFB89CF85AC6}"/>
+                <a16:creationId xmlns:a16="http://schemas.microsoft.com/office/drawing/2014/main" xmlns="" id="{2A1524CC-F749-457E-8785-AFB89CF85AC6}"/>
               </a:ext>
             </a:extLst>
           </p:cNvPr>
@@ -9635,7 +9635,7 @@
           <p:cNvPr id="298" name="Соединительная линия уступом 903">
             <a:extLst>
               <a:ext uri="{FF2B5EF4-FFF2-40B4-BE49-F238E27FC236}">
-                <a16:creationId xmlns="" xmlns:a16="http://schemas.microsoft.com/office/drawing/2014/main" id="{034CF559-3849-42CF-A3F3-E3159A936C70}"/>
+                <a16:creationId xmlns:a16="http://schemas.microsoft.com/office/drawing/2014/main" xmlns="" id="{034CF559-3849-42CF-A3F3-E3159A936C70}"/>
               </a:ext>
             </a:extLst>
           </p:cNvPr>
@@ -9681,7 +9681,7 @@
           <p:cNvPr id="301" name="Соединительная линия уступом 903">
             <a:extLst>
               <a:ext uri="{FF2B5EF4-FFF2-40B4-BE49-F238E27FC236}">
-                <a16:creationId xmlns="" xmlns:a16="http://schemas.microsoft.com/office/drawing/2014/main" id="{7672BA52-6BCF-494F-8AA2-A64772CE3CC0}"/>
+                <a16:creationId xmlns:a16="http://schemas.microsoft.com/office/drawing/2014/main" xmlns="" id="{7672BA52-6BCF-494F-8AA2-A64772CE3CC0}"/>
               </a:ext>
             </a:extLst>
           </p:cNvPr>
@@ -9727,7 +9727,7 @@
           <p:cNvPr id="304" name="Прямоугольник 303">
             <a:extLst>
               <a:ext uri="{FF2B5EF4-FFF2-40B4-BE49-F238E27FC236}">
-                <a16:creationId xmlns="" xmlns:a16="http://schemas.microsoft.com/office/drawing/2014/main" id="{5A90479D-BFEC-4250-A8B4-175610005B0C}"/>
+                <a16:creationId xmlns:a16="http://schemas.microsoft.com/office/drawing/2014/main" xmlns="" id="{5A90479D-BFEC-4250-A8B4-175610005B0C}"/>
               </a:ext>
             </a:extLst>
           </p:cNvPr>
@@ -9786,7 +9786,7 @@
           <p:cNvPr id="305" name="Прямоугольник 304">
             <a:extLst>
               <a:ext uri="{FF2B5EF4-FFF2-40B4-BE49-F238E27FC236}">
-                <a16:creationId xmlns="" xmlns:a16="http://schemas.microsoft.com/office/drawing/2014/main" id="{73C6584F-AB91-413A-9C68-4ACD181B75C0}"/>
+                <a16:creationId xmlns:a16="http://schemas.microsoft.com/office/drawing/2014/main" xmlns="" id="{73C6584F-AB91-413A-9C68-4ACD181B75C0}"/>
               </a:ext>
             </a:extLst>
           </p:cNvPr>
@@ -9845,7 +9845,7 @@
           <p:cNvPr id="306" name="Соединительная линия уступом 903">
             <a:extLst>
               <a:ext uri="{FF2B5EF4-FFF2-40B4-BE49-F238E27FC236}">
-                <a16:creationId xmlns="" xmlns:a16="http://schemas.microsoft.com/office/drawing/2014/main" id="{8BEF26C8-19FF-4ACF-94F5-4225C4EB8246}"/>
+                <a16:creationId xmlns:a16="http://schemas.microsoft.com/office/drawing/2014/main" xmlns="" id="{8BEF26C8-19FF-4ACF-94F5-4225C4EB8246}"/>
               </a:ext>
             </a:extLst>
           </p:cNvPr>
@@ -9890,7 +9890,7 @@
           <p:cNvPr id="312" name="Соединительная линия уступом 903">
             <a:extLst>
               <a:ext uri="{FF2B5EF4-FFF2-40B4-BE49-F238E27FC236}">
-                <a16:creationId xmlns="" xmlns:a16="http://schemas.microsoft.com/office/drawing/2014/main" id="{07137075-E005-4218-9DD1-C16A5EBE52A6}"/>
+                <a16:creationId xmlns:a16="http://schemas.microsoft.com/office/drawing/2014/main" xmlns="" id="{07137075-E005-4218-9DD1-C16A5EBE52A6}"/>
               </a:ext>
             </a:extLst>
           </p:cNvPr>
@@ -9935,7 +9935,7 @@
           <p:cNvPr id="130" name="Прямоугольник 129">
             <a:extLst>
               <a:ext uri="{FF2B5EF4-FFF2-40B4-BE49-F238E27FC236}">
-                <a16:creationId xmlns="" xmlns:a16="http://schemas.microsoft.com/office/drawing/2014/main" id="{ABFF5B51-3609-4286-A116-20D114007F6D}"/>
+                <a16:creationId xmlns:a16="http://schemas.microsoft.com/office/drawing/2014/main" xmlns="" id="{ABFF5B51-3609-4286-A116-20D114007F6D}"/>
               </a:ext>
             </a:extLst>
           </p:cNvPr>
@@ -9994,7 +9994,7 @@
           <p:cNvPr id="132" name="Прямоугольник 131">
             <a:extLst>
               <a:ext uri="{FF2B5EF4-FFF2-40B4-BE49-F238E27FC236}">
-                <a16:creationId xmlns="" xmlns:a16="http://schemas.microsoft.com/office/drawing/2014/main" id="{42471CBD-413A-4A3C-B6F6-DCD88E55B78D}"/>
+                <a16:creationId xmlns:a16="http://schemas.microsoft.com/office/drawing/2014/main" xmlns="" id="{42471CBD-413A-4A3C-B6F6-DCD88E55B78D}"/>
               </a:ext>
             </a:extLst>
           </p:cNvPr>
@@ -10044,7 +10044,7 @@
           <p:cNvPr id="133" name="Прямоугольник 132">
             <a:extLst>
               <a:ext uri="{FF2B5EF4-FFF2-40B4-BE49-F238E27FC236}">
-                <a16:creationId xmlns="" xmlns:a16="http://schemas.microsoft.com/office/drawing/2014/main" id="{5A02DB7D-6E57-4AEF-9913-B75B2F02E27D}"/>
+                <a16:creationId xmlns:a16="http://schemas.microsoft.com/office/drawing/2014/main" xmlns="" id="{5A02DB7D-6E57-4AEF-9913-B75B2F02E27D}"/>
               </a:ext>
             </a:extLst>
           </p:cNvPr>
@@ -10099,7 +10099,7 @@
           <p:cNvPr id="135" name="Прямоугольник 134">
             <a:extLst>
               <a:ext uri="{FF2B5EF4-FFF2-40B4-BE49-F238E27FC236}">
-                <a16:creationId xmlns="" xmlns:a16="http://schemas.microsoft.com/office/drawing/2014/main" id="{D80463F0-008D-4836-8F9E-3D2D6E66AB47}"/>
+                <a16:creationId xmlns:a16="http://schemas.microsoft.com/office/drawing/2014/main" xmlns="" id="{D80463F0-008D-4836-8F9E-3D2D6E66AB47}"/>
               </a:ext>
             </a:extLst>
           </p:cNvPr>
@@ -10154,7 +10154,7 @@
           <p:cNvPr id="136" name="Прямоугольник 135">
             <a:extLst>
               <a:ext uri="{FF2B5EF4-FFF2-40B4-BE49-F238E27FC236}">
-                <a16:creationId xmlns="" xmlns:a16="http://schemas.microsoft.com/office/drawing/2014/main" id="{C758B007-0C96-4689-82E4-6C593885F846}"/>
+                <a16:creationId xmlns:a16="http://schemas.microsoft.com/office/drawing/2014/main" xmlns="" id="{C758B007-0C96-4689-82E4-6C593885F846}"/>
               </a:ext>
             </a:extLst>
           </p:cNvPr>
@@ -10221,7 +10221,7 @@
           <p:cNvPr id="139" name="Прямоугольник 138">
             <a:extLst>
               <a:ext uri="{FF2B5EF4-FFF2-40B4-BE49-F238E27FC236}">
-                <a16:creationId xmlns="" xmlns:a16="http://schemas.microsoft.com/office/drawing/2014/main" id="{2772F863-F97F-446C-9EF5-E9FBA76BA105}"/>
+                <a16:creationId xmlns:a16="http://schemas.microsoft.com/office/drawing/2014/main" xmlns="" id="{2772F863-F97F-446C-9EF5-E9FBA76BA105}"/>
               </a:ext>
             </a:extLst>
           </p:cNvPr>
@@ -10275,7 +10275,7 @@
           <p:cNvPr id="140" name="Прямая со стрелкой 139">
             <a:extLst>
               <a:ext uri="{FF2B5EF4-FFF2-40B4-BE49-F238E27FC236}">
-                <a16:creationId xmlns="" xmlns:a16="http://schemas.microsoft.com/office/drawing/2014/main" id="{B3FCE5AB-B549-43E5-94DB-B0838C67B62E}"/>
+                <a16:creationId xmlns:a16="http://schemas.microsoft.com/office/drawing/2014/main" xmlns="" id="{B3FCE5AB-B549-43E5-94DB-B0838C67B62E}"/>
               </a:ext>
             </a:extLst>
           </p:cNvPr>
@@ -10318,7 +10318,7 @@
           <p:cNvPr id="142" name="Прямая со стрелкой 141">
             <a:extLst>
               <a:ext uri="{FF2B5EF4-FFF2-40B4-BE49-F238E27FC236}">
-                <a16:creationId xmlns="" xmlns:a16="http://schemas.microsoft.com/office/drawing/2014/main" id="{6DB489FB-B7F5-4424-8C73-6D37DF418426}"/>
+                <a16:creationId xmlns:a16="http://schemas.microsoft.com/office/drawing/2014/main" xmlns="" id="{6DB489FB-B7F5-4424-8C73-6D37DF418426}"/>
               </a:ext>
             </a:extLst>
           </p:cNvPr>
@@ -10361,7 +10361,7 @@
           <p:cNvPr id="143" name="Прямоугольник 142">
             <a:extLst>
               <a:ext uri="{FF2B5EF4-FFF2-40B4-BE49-F238E27FC236}">
-                <a16:creationId xmlns="" xmlns:a16="http://schemas.microsoft.com/office/drawing/2014/main" id="{D8560F03-D7E5-4EAE-8AB6-25DD52B13299}"/>
+                <a16:creationId xmlns:a16="http://schemas.microsoft.com/office/drawing/2014/main" xmlns="" id="{D8560F03-D7E5-4EAE-8AB6-25DD52B13299}"/>
               </a:ext>
             </a:extLst>
           </p:cNvPr>
@@ -10436,7 +10436,7 @@
           <p:cNvPr id="145" name="Прямоугольник 144">
             <a:extLst>
               <a:ext uri="{FF2B5EF4-FFF2-40B4-BE49-F238E27FC236}">
-                <a16:creationId xmlns="" xmlns:a16="http://schemas.microsoft.com/office/drawing/2014/main" id="{9B2FDAB2-B211-4434-9C5B-E5DF44A10A33}"/>
+                <a16:creationId xmlns:a16="http://schemas.microsoft.com/office/drawing/2014/main" xmlns="" id="{9B2FDAB2-B211-4434-9C5B-E5DF44A10A33}"/>
               </a:ext>
             </a:extLst>
           </p:cNvPr>
@@ -10494,7 +10494,7 @@
           <p:cNvPr id="146" name="Соединительная линия уступом 903">
             <a:extLst>
               <a:ext uri="{FF2B5EF4-FFF2-40B4-BE49-F238E27FC236}">
-                <a16:creationId xmlns="" xmlns:a16="http://schemas.microsoft.com/office/drawing/2014/main" id="{7F2B1BD7-0FDF-4BD9-834C-72911F99D650}"/>
+                <a16:creationId xmlns:a16="http://schemas.microsoft.com/office/drawing/2014/main" xmlns="" id="{7F2B1BD7-0FDF-4BD9-834C-72911F99D650}"/>
               </a:ext>
             </a:extLst>
           </p:cNvPr>
@@ -10539,7 +10539,7 @@
           <p:cNvPr id="148" name="Прямоугольник 147">
             <a:extLst>
               <a:ext uri="{FF2B5EF4-FFF2-40B4-BE49-F238E27FC236}">
-                <a16:creationId xmlns="" xmlns:a16="http://schemas.microsoft.com/office/drawing/2014/main" id="{5F0353F8-E21C-4F18-BE59-BB22D272D767}"/>
+                <a16:creationId xmlns:a16="http://schemas.microsoft.com/office/drawing/2014/main" xmlns="" id="{5F0353F8-E21C-4F18-BE59-BB22D272D767}"/>
               </a:ext>
             </a:extLst>
           </p:cNvPr>
@@ -10597,7 +10597,7 @@
           <p:cNvPr id="149" name="Прямоугольник 148">
             <a:extLst>
               <a:ext uri="{FF2B5EF4-FFF2-40B4-BE49-F238E27FC236}">
-                <a16:creationId xmlns="" xmlns:a16="http://schemas.microsoft.com/office/drawing/2014/main" id="{4A8FCB66-A700-49E8-963C-C94CA0CCF5FD}"/>
+                <a16:creationId xmlns:a16="http://schemas.microsoft.com/office/drawing/2014/main" xmlns="" id="{4A8FCB66-A700-49E8-963C-C94CA0CCF5FD}"/>
               </a:ext>
             </a:extLst>
           </p:cNvPr>
@@ -10688,7 +10688,7 @@
           <p:cNvPr id="151" name="Прямоугольник 150">
             <a:extLst>
               <a:ext uri="{FF2B5EF4-FFF2-40B4-BE49-F238E27FC236}">
-                <a16:creationId xmlns="" xmlns:a16="http://schemas.microsoft.com/office/drawing/2014/main" id="{42471CBD-413A-4A3C-B6F6-DCD88E55B78D}"/>
+                <a16:creationId xmlns:a16="http://schemas.microsoft.com/office/drawing/2014/main" xmlns="" id="{42471CBD-413A-4A3C-B6F6-DCD88E55B78D}"/>
               </a:ext>
             </a:extLst>
           </p:cNvPr>
@@ -10742,7 +10742,7 @@
           <p:cNvPr id="152" name="Прямоугольник 151">
             <a:extLst>
               <a:ext uri="{FF2B5EF4-FFF2-40B4-BE49-F238E27FC236}">
-                <a16:creationId xmlns="" xmlns:a16="http://schemas.microsoft.com/office/drawing/2014/main" id="{29CBE310-5100-413A-B4C1-EA4E28F411B1}"/>
+                <a16:creationId xmlns:a16="http://schemas.microsoft.com/office/drawing/2014/main" xmlns="" id="{29CBE310-5100-413A-B4C1-EA4E28F411B1}"/>
               </a:ext>
             </a:extLst>
           </p:cNvPr>
@@ -10796,7 +10796,7 @@
           <p:cNvPr id="154" name="Соединительная линия уступом 903">
             <a:extLst>
               <a:ext uri="{FF2B5EF4-FFF2-40B4-BE49-F238E27FC236}">
-                <a16:creationId xmlns="" xmlns:a16="http://schemas.microsoft.com/office/drawing/2014/main" id="{BDC7F8CB-0052-4FAE-993D-F1332955CF43}"/>
+                <a16:creationId xmlns:a16="http://schemas.microsoft.com/office/drawing/2014/main" xmlns="" id="{BDC7F8CB-0052-4FAE-993D-F1332955CF43}"/>
               </a:ext>
             </a:extLst>
           </p:cNvPr>
@@ -10841,7 +10841,7 @@
           <p:cNvPr id="155" name="Соединительная линия уступом 903">
             <a:extLst>
               <a:ext uri="{FF2B5EF4-FFF2-40B4-BE49-F238E27FC236}">
-                <a16:creationId xmlns="" xmlns:a16="http://schemas.microsoft.com/office/drawing/2014/main" id="{BDC7F8CB-0052-4FAE-993D-F1332955CF43}"/>
+                <a16:creationId xmlns:a16="http://schemas.microsoft.com/office/drawing/2014/main" xmlns="" id="{BDC7F8CB-0052-4FAE-993D-F1332955CF43}"/>
               </a:ext>
             </a:extLst>
           </p:cNvPr>
@@ -10886,7 +10886,7 @@
           <p:cNvPr id="159" name="Соединительная линия уступом 903">
             <a:extLst>
               <a:ext uri="{FF2B5EF4-FFF2-40B4-BE49-F238E27FC236}">
-                <a16:creationId xmlns="" xmlns:a16="http://schemas.microsoft.com/office/drawing/2014/main" id="{BDC7F8CB-0052-4FAE-993D-F1332955CF43}"/>
+                <a16:creationId xmlns:a16="http://schemas.microsoft.com/office/drawing/2014/main" xmlns="" id="{BDC7F8CB-0052-4FAE-993D-F1332955CF43}"/>
               </a:ext>
             </a:extLst>
           </p:cNvPr>
@@ -10931,7 +10931,7 @@
           <p:cNvPr id="160" name="Соединительная линия уступом 903">
             <a:extLst>
               <a:ext uri="{FF2B5EF4-FFF2-40B4-BE49-F238E27FC236}">
-                <a16:creationId xmlns="" xmlns:a16="http://schemas.microsoft.com/office/drawing/2014/main" id="{BDC7F8CB-0052-4FAE-993D-F1332955CF43}"/>
+                <a16:creationId xmlns:a16="http://schemas.microsoft.com/office/drawing/2014/main" xmlns="" id="{BDC7F8CB-0052-4FAE-993D-F1332955CF43}"/>
               </a:ext>
             </a:extLst>
           </p:cNvPr>
@@ -10976,7 +10976,7 @@
           <p:cNvPr id="161" name="Соединительная линия уступом 903">
             <a:extLst>
               <a:ext uri="{FF2B5EF4-FFF2-40B4-BE49-F238E27FC236}">
-                <a16:creationId xmlns="" xmlns:a16="http://schemas.microsoft.com/office/drawing/2014/main" id="{BDC7F8CB-0052-4FAE-993D-F1332955CF43}"/>
+                <a16:creationId xmlns:a16="http://schemas.microsoft.com/office/drawing/2014/main" xmlns="" id="{BDC7F8CB-0052-4FAE-993D-F1332955CF43}"/>
               </a:ext>
             </a:extLst>
           </p:cNvPr>
@@ -11021,7 +11021,7 @@
           <p:cNvPr id="165" name="Соединительная линия уступом 903">
             <a:extLst>
               <a:ext uri="{FF2B5EF4-FFF2-40B4-BE49-F238E27FC236}">
-                <a16:creationId xmlns="" xmlns:a16="http://schemas.microsoft.com/office/drawing/2014/main" id="{BDC7F8CB-0052-4FAE-993D-F1332955CF43}"/>
+                <a16:creationId xmlns:a16="http://schemas.microsoft.com/office/drawing/2014/main" xmlns="" id="{BDC7F8CB-0052-4FAE-993D-F1332955CF43}"/>
               </a:ext>
             </a:extLst>
           </p:cNvPr>
@@ -11066,7 +11066,7 @@
           <p:cNvPr id="166" name="Соединительная линия уступом 903">
             <a:extLst>
               <a:ext uri="{FF2B5EF4-FFF2-40B4-BE49-F238E27FC236}">
-                <a16:creationId xmlns="" xmlns:a16="http://schemas.microsoft.com/office/drawing/2014/main" id="{BDC7F8CB-0052-4FAE-993D-F1332955CF43}"/>
+                <a16:creationId xmlns:a16="http://schemas.microsoft.com/office/drawing/2014/main" xmlns="" id="{BDC7F8CB-0052-4FAE-993D-F1332955CF43}"/>
               </a:ext>
             </a:extLst>
           </p:cNvPr>
@@ -11111,7 +11111,7 @@
           <p:cNvPr id="167" name="Соединительная линия уступом 903">
             <a:extLst>
               <a:ext uri="{FF2B5EF4-FFF2-40B4-BE49-F238E27FC236}">
-                <a16:creationId xmlns="" xmlns:a16="http://schemas.microsoft.com/office/drawing/2014/main" id="{BDC7F8CB-0052-4FAE-993D-F1332955CF43}"/>
+                <a16:creationId xmlns:a16="http://schemas.microsoft.com/office/drawing/2014/main" xmlns="" id="{BDC7F8CB-0052-4FAE-993D-F1332955CF43}"/>
               </a:ext>
             </a:extLst>
           </p:cNvPr>
@@ -11156,7 +11156,7 @@
           <p:cNvPr id="184" name="Соединительная линия уступом 903">
             <a:extLst>
               <a:ext uri="{FF2B5EF4-FFF2-40B4-BE49-F238E27FC236}">
-                <a16:creationId xmlns="" xmlns:a16="http://schemas.microsoft.com/office/drawing/2014/main" id="{BDC7F8CB-0052-4FAE-993D-F1332955CF43}"/>
+                <a16:creationId xmlns:a16="http://schemas.microsoft.com/office/drawing/2014/main" xmlns="" id="{BDC7F8CB-0052-4FAE-993D-F1332955CF43}"/>
               </a:ext>
             </a:extLst>
           </p:cNvPr>
@@ -11201,7 +11201,7 @@
           <p:cNvPr id="187" name="Соединительная линия уступом 903">
             <a:extLst>
               <a:ext uri="{FF2B5EF4-FFF2-40B4-BE49-F238E27FC236}">
-                <a16:creationId xmlns="" xmlns:a16="http://schemas.microsoft.com/office/drawing/2014/main" id="{BDC7F8CB-0052-4FAE-993D-F1332955CF43}"/>
+                <a16:creationId xmlns:a16="http://schemas.microsoft.com/office/drawing/2014/main" xmlns="" id="{BDC7F8CB-0052-4FAE-993D-F1332955CF43}"/>
               </a:ext>
             </a:extLst>
           </p:cNvPr>
@@ -11246,7 +11246,7 @@
           <p:cNvPr id="191" name="Прямая со стрелкой 190">
             <a:extLst>
               <a:ext uri="{FF2B5EF4-FFF2-40B4-BE49-F238E27FC236}">
-                <a16:creationId xmlns="" xmlns:a16="http://schemas.microsoft.com/office/drawing/2014/main" id="{11E09268-6642-4446-BE40-6FEF2498A4ED}"/>
+                <a16:creationId xmlns:a16="http://schemas.microsoft.com/office/drawing/2014/main" xmlns="" id="{11E09268-6642-4446-BE40-6FEF2498A4ED}"/>
               </a:ext>
             </a:extLst>
           </p:cNvPr>
@@ -11328,7 +11328,7 @@
           <p:cNvPr id="211" name="Прямая со стрелкой 210">
             <a:extLst>
               <a:ext uri="{FF2B5EF4-FFF2-40B4-BE49-F238E27FC236}">
-                <a16:creationId xmlns="" xmlns:a16="http://schemas.microsoft.com/office/drawing/2014/main" id="{59266080-AC10-42CA-B68E-CEDF802FA3D3}"/>
+                <a16:creationId xmlns:a16="http://schemas.microsoft.com/office/drawing/2014/main" xmlns="" id="{59266080-AC10-42CA-B68E-CEDF802FA3D3}"/>
               </a:ext>
             </a:extLst>
           </p:cNvPr>
@@ -11372,7 +11372,7 @@
           <p:cNvPr id="214" name="Соединительная линия уступом 903">
             <a:extLst>
               <a:ext uri="{FF2B5EF4-FFF2-40B4-BE49-F238E27FC236}">
-                <a16:creationId xmlns="" xmlns:a16="http://schemas.microsoft.com/office/drawing/2014/main" id="{BDC7F8CB-0052-4FAE-993D-F1332955CF43}"/>
+                <a16:creationId xmlns:a16="http://schemas.microsoft.com/office/drawing/2014/main" xmlns="" id="{BDC7F8CB-0052-4FAE-993D-F1332955CF43}"/>
               </a:ext>
             </a:extLst>
           </p:cNvPr>
@@ -11418,7 +11418,7 @@
           <p:cNvPr id="217" name="Соединительная линия уступом 903">
             <a:extLst>
               <a:ext uri="{FF2B5EF4-FFF2-40B4-BE49-F238E27FC236}">
-                <a16:creationId xmlns="" xmlns:a16="http://schemas.microsoft.com/office/drawing/2014/main" id="{BDC7F8CB-0052-4FAE-993D-F1332955CF43}"/>
+                <a16:creationId xmlns:a16="http://schemas.microsoft.com/office/drawing/2014/main" xmlns="" id="{BDC7F8CB-0052-4FAE-993D-F1332955CF43}"/>
               </a:ext>
             </a:extLst>
           </p:cNvPr>
@@ -11464,7 +11464,7 @@
           <p:cNvPr id="221" name="Прямоугольник 220">
             <a:extLst>
               <a:ext uri="{FF2B5EF4-FFF2-40B4-BE49-F238E27FC236}">
-                <a16:creationId xmlns="" xmlns:a16="http://schemas.microsoft.com/office/drawing/2014/main" id="{D53819E8-2FF6-4FFA-A7E4-75D55AADB8B5}"/>
+                <a16:creationId xmlns:a16="http://schemas.microsoft.com/office/drawing/2014/main" xmlns="" id="{D53819E8-2FF6-4FFA-A7E4-75D55AADB8B5}"/>
               </a:ext>
             </a:extLst>
           </p:cNvPr>
@@ -11518,7 +11518,7 @@
           <p:cNvPr id="225" name="Соединительная линия уступом 903">
             <a:extLst>
               <a:ext uri="{FF2B5EF4-FFF2-40B4-BE49-F238E27FC236}">
-                <a16:creationId xmlns="" xmlns:a16="http://schemas.microsoft.com/office/drawing/2014/main" id="{BDC7F8CB-0052-4FAE-993D-F1332955CF43}"/>
+                <a16:creationId xmlns:a16="http://schemas.microsoft.com/office/drawing/2014/main" xmlns="" id="{BDC7F8CB-0052-4FAE-993D-F1332955CF43}"/>
               </a:ext>
             </a:extLst>
           </p:cNvPr>
@@ -11563,7 +11563,7 @@
           <p:cNvPr id="243" name="Прямоугольник 242">
             <a:extLst>
               <a:ext uri="{FF2B5EF4-FFF2-40B4-BE49-F238E27FC236}">
-                <a16:creationId xmlns="" xmlns:a16="http://schemas.microsoft.com/office/drawing/2014/main" id="{03F7D570-4EE1-495E-9294-D367F2E7763E}"/>
+                <a16:creationId xmlns:a16="http://schemas.microsoft.com/office/drawing/2014/main" xmlns="" id="{03F7D570-4EE1-495E-9294-D367F2E7763E}"/>
               </a:ext>
             </a:extLst>
           </p:cNvPr>
@@ -11901,7 +11901,7 @@
           <p:cNvPr id="168" name="Прямоугольник 167">
             <a:extLst>
               <a:ext uri="{FF2B5EF4-FFF2-40B4-BE49-F238E27FC236}">
-                <a16:creationId xmlns="" xmlns:a16="http://schemas.microsoft.com/office/drawing/2014/main" id="{29CBE310-5100-413A-B4C1-EA4E28F411B1}"/>
+                <a16:creationId xmlns:a16="http://schemas.microsoft.com/office/drawing/2014/main" xmlns="" id="{29CBE310-5100-413A-B4C1-EA4E28F411B1}"/>
               </a:ext>
             </a:extLst>
           </p:cNvPr>
@@ -11951,7 +11951,7 @@
           <p:cNvPr id="171" name="Прямоугольник 170">
             <a:extLst>
               <a:ext uri="{FF2B5EF4-FFF2-40B4-BE49-F238E27FC236}">
-                <a16:creationId xmlns="" xmlns:a16="http://schemas.microsoft.com/office/drawing/2014/main" id="{29CBE310-5100-413A-B4C1-EA4E28F411B1}"/>
+                <a16:creationId xmlns:a16="http://schemas.microsoft.com/office/drawing/2014/main" xmlns="" id="{29CBE310-5100-413A-B4C1-EA4E28F411B1}"/>
               </a:ext>
             </a:extLst>
           </p:cNvPr>
@@ -12001,7 +12001,7 @@
           <p:cNvPr id="172" name="Соединительная линия уступом 903">
             <a:extLst>
               <a:ext uri="{FF2B5EF4-FFF2-40B4-BE49-F238E27FC236}">
-                <a16:creationId xmlns="" xmlns:a16="http://schemas.microsoft.com/office/drawing/2014/main" id="{BDC7F8CB-0052-4FAE-993D-F1332955CF43}"/>
+                <a16:creationId xmlns:a16="http://schemas.microsoft.com/office/drawing/2014/main" xmlns="" id="{BDC7F8CB-0052-4FAE-993D-F1332955CF43}"/>
               </a:ext>
             </a:extLst>
           </p:cNvPr>
@@ -12046,7 +12046,7 @@
           <p:cNvPr id="177" name="Прямая со стрелкой 176">
             <a:extLst>
               <a:ext uri="{FF2B5EF4-FFF2-40B4-BE49-F238E27FC236}">
-                <a16:creationId xmlns="" xmlns:a16="http://schemas.microsoft.com/office/drawing/2014/main" id="{11E09268-6642-4446-BE40-6FEF2498A4ED}"/>
+                <a16:creationId xmlns:a16="http://schemas.microsoft.com/office/drawing/2014/main" xmlns="" id="{11E09268-6642-4446-BE40-6FEF2498A4ED}"/>
               </a:ext>
             </a:extLst>
           </p:cNvPr>
@@ -12089,7 +12089,7 @@
           <p:cNvPr id="180" name="Прямоугольник 179">
             <a:extLst>
               <a:ext uri="{FF2B5EF4-FFF2-40B4-BE49-F238E27FC236}">
-                <a16:creationId xmlns="" xmlns:a16="http://schemas.microsoft.com/office/drawing/2014/main" id="{8F90957D-3F70-4F7D-A50B-157EE934D6F5}"/>
+                <a16:creationId xmlns:a16="http://schemas.microsoft.com/office/drawing/2014/main" xmlns="" id="{8F90957D-3F70-4F7D-A50B-157EE934D6F5}"/>
               </a:ext>
             </a:extLst>
           </p:cNvPr>
@@ -12147,7 +12147,7 @@
           <p:cNvPr id="182" name="Соединительная линия уступом 903">
             <a:extLst>
               <a:ext uri="{FF2B5EF4-FFF2-40B4-BE49-F238E27FC236}">
-                <a16:creationId xmlns="" xmlns:a16="http://schemas.microsoft.com/office/drawing/2014/main" id="{BDC7F8CB-0052-4FAE-993D-F1332955CF43}"/>
+                <a16:creationId xmlns:a16="http://schemas.microsoft.com/office/drawing/2014/main" xmlns="" id="{BDC7F8CB-0052-4FAE-993D-F1332955CF43}"/>
               </a:ext>
             </a:extLst>
           </p:cNvPr>
@@ -12192,7 +12192,7 @@
           <p:cNvPr id="185" name="Прямоугольник 184">
             <a:extLst>
               <a:ext uri="{FF2B5EF4-FFF2-40B4-BE49-F238E27FC236}">
-                <a16:creationId xmlns="" xmlns:a16="http://schemas.microsoft.com/office/drawing/2014/main" id="{9C02A14C-DE5F-49AD-A4EE-A27966D0EFDC}"/>
+                <a16:creationId xmlns:a16="http://schemas.microsoft.com/office/drawing/2014/main" xmlns="" id="{9C02A14C-DE5F-49AD-A4EE-A27966D0EFDC}"/>
               </a:ext>
             </a:extLst>
           </p:cNvPr>
@@ -12250,7 +12250,7 @@
           <p:cNvPr id="186" name="Соединительная линия уступом 903">
             <a:extLst>
               <a:ext uri="{FF2B5EF4-FFF2-40B4-BE49-F238E27FC236}">
-                <a16:creationId xmlns="" xmlns:a16="http://schemas.microsoft.com/office/drawing/2014/main" id="{2A1524CC-F749-457E-8785-AFB89CF85AC6}"/>
+                <a16:creationId xmlns:a16="http://schemas.microsoft.com/office/drawing/2014/main" xmlns="" id="{2A1524CC-F749-457E-8785-AFB89CF85AC6}"/>
               </a:ext>
             </a:extLst>
           </p:cNvPr>
@@ -12296,7 +12296,7 @@
           <p:cNvPr id="190" name="Соединительная линия уступом 903">
             <a:extLst>
               <a:ext uri="{FF2B5EF4-FFF2-40B4-BE49-F238E27FC236}">
-                <a16:creationId xmlns="" xmlns:a16="http://schemas.microsoft.com/office/drawing/2014/main" id="{2A1524CC-F749-457E-8785-AFB89CF85AC6}"/>
+                <a16:creationId xmlns:a16="http://schemas.microsoft.com/office/drawing/2014/main" xmlns="" id="{2A1524CC-F749-457E-8785-AFB89CF85AC6}"/>
               </a:ext>
             </a:extLst>
           </p:cNvPr>
@@ -12342,7 +12342,7 @@
           <p:cNvPr id="195" name="Прямоугольник 194">
             <a:extLst>
               <a:ext uri="{FF2B5EF4-FFF2-40B4-BE49-F238E27FC236}">
-                <a16:creationId xmlns="" xmlns:a16="http://schemas.microsoft.com/office/drawing/2014/main" id="{5A90479D-BFEC-4250-A8B4-175610005B0C}"/>
+                <a16:creationId xmlns:a16="http://schemas.microsoft.com/office/drawing/2014/main" xmlns="" id="{5A90479D-BFEC-4250-A8B4-175610005B0C}"/>
               </a:ext>
             </a:extLst>
           </p:cNvPr>
@@ -12404,7 +12404,7 @@
           <p:cNvPr id="170" name="Прямоугольник 169">
             <a:extLst>
               <a:ext uri="{FF2B5EF4-FFF2-40B4-BE49-F238E27FC236}">
-                <a16:creationId xmlns="" xmlns:a16="http://schemas.microsoft.com/office/drawing/2014/main" id="{FC846415-2760-43A4-A1A1-795C4968509B}"/>
+                <a16:creationId xmlns:a16="http://schemas.microsoft.com/office/drawing/2014/main" xmlns="" id="{FC846415-2760-43A4-A1A1-795C4968509B}"/>
               </a:ext>
             </a:extLst>
           </p:cNvPr>
@@ -12445,15 +12445,18 @@
             <a:pPr algn="ctr"/>
             <a:r>
               <a:rPr lang="ru-RU" sz="700" dirty="0" smtClean="0"/>
-              <a:t>Переворот Никарагуанской </a:t>
-            </a:r>
-            <a:r>
-              <a:rPr lang="ru-RU" sz="700" dirty="0"/>
-              <a:t>рабочей партии </a:t>
-            </a:r>
+              <a:t>Побег президента </a:t>
+            </a:r>
+            <a:br>
+              <a:rPr lang="ru-RU" sz="700" dirty="0" smtClean="0"/>
+            </a:br>
             <a:r>
               <a:rPr lang="ru-RU" sz="200" dirty="0" smtClean="0"/>
-              <a:t>(это </a:t>
+              <a:t>(</a:t>
+            </a:r>
+            <a:r>
+              <a:rPr lang="ru-RU" sz="200" dirty="0" smtClean="0"/>
+              <a:t>это </a:t>
             </a:r>
             <a:r>
               <a:rPr lang="ru-RU" sz="200" dirty="0"/>
@@ -12484,7 +12487,7 @@
           <p:cNvPr id="174" name="Прямоугольник 173">
             <a:extLst>
               <a:ext uri="{FF2B5EF4-FFF2-40B4-BE49-F238E27FC236}">
-                <a16:creationId xmlns="" xmlns:a16="http://schemas.microsoft.com/office/drawing/2014/main" id="{FC846415-2760-43A4-A1A1-795C4968509B}"/>
+                <a16:creationId xmlns:a16="http://schemas.microsoft.com/office/drawing/2014/main" xmlns="" id="{FC846415-2760-43A4-A1A1-795C4968509B}"/>
               </a:ext>
             </a:extLst>
           </p:cNvPr>
@@ -12572,7 +12575,7 @@
           <p:cNvPr id="175" name="Прямоугольник 174">
             <a:extLst>
               <a:ext uri="{FF2B5EF4-FFF2-40B4-BE49-F238E27FC236}">
-                <a16:creationId xmlns="" xmlns:a16="http://schemas.microsoft.com/office/drawing/2014/main" id="{9C02A14C-DE5F-49AD-A4EE-A27966D0EFDC}"/>
+                <a16:creationId xmlns:a16="http://schemas.microsoft.com/office/drawing/2014/main" xmlns="" id="{9C02A14C-DE5F-49AD-A4EE-A27966D0EFDC}"/>
               </a:ext>
             </a:extLst>
           </p:cNvPr>
@@ -12581,7 +12584,7 @@
         </p:nvSpPr>
         <p:spPr>
           <a:xfrm>
-            <a:off x="5237443" y="15649430"/>
+            <a:off x="6036036" y="15649430"/>
             <a:ext cx="926325" cy="540000"/>
           </a:xfrm>
           <a:prstGeom prst="rect">
@@ -12613,7 +12616,19 @@
             <a:pPr algn="ctr"/>
             <a:r>
               <a:rPr lang="ru-RU" sz="700" dirty="0" smtClean="0"/>
-              <a:t>Защитить от интервенции </a:t>
+              <a:t>Защитить</a:t>
+            </a:r>
+            <a:r>
+              <a:rPr lang="ru-RU" sz="700" dirty="0" smtClean="0"/>
+              <a:t>ся</a:t>
+            </a:r>
+            <a:r>
+              <a:rPr lang="ru-RU" sz="700" dirty="0" smtClean="0"/>
+              <a:t> </a:t>
+            </a:r>
+            <a:r>
+              <a:rPr lang="ru-RU" sz="700" dirty="0" smtClean="0"/>
+              <a:t>от интервенции </a:t>
             </a:r>
             <a:r>
               <a:rPr lang="ru-RU" sz="700" dirty="0"/>
@@ -12632,7 +12647,7 @@
           <p:cNvPr id="178" name="Прямоугольник 177">
             <a:extLst>
               <a:ext uri="{FF2B5EF4-FFF2-40B4-BE49-F238E27FC236}">
-                <a16:creationId xmlns="" xmlns:a16="http://schemas.microsoft.com/office/drawing/2014/main" id="{FC846415-2760-43A4-A1A1-795C4968509B}"/>
+                <a16:creationId xmlns:a16="http://schemas.microsoft.com/office/drawing/2014/main" xmlns="" id="{FC846415-2760-43A4-A1A1-795C4968509B}"/>
               </a:ext>
             </a:extLst>
           </p:cNvPr>
@@ -12641,7 +12656,7 @@
         </p:nvSpPr>
         <p:spPr>
           <a:xfrm>
-            <a:off x="3622413" y="14062958"/>
+            <a:off x="3510329" y="13109023"/>
             <a:ext cx="926325" cy="540000"/>
           </a:xfrm>
           <a:prstGeom prst="rect">
@@ -12740,7 +12755,7 @@
           <p:cNvPr id="181" name="Прямоугольник 180">
             <a:extLst>
               <a:ext uri="{FF2B5EF4-FFF2-40B4-BE49-F238E27FC236}">
-                <a16:creationId xmlns="" xmlns:a16="http://schemas.microsoft.com/office/drawing/2014/main" id="{FC846415-2760-43A4-A1A1-795C4968509B}"/>
+                <a16:creationId xmlns:a16="http://schemas.microsoft.com/office/drawing/2014/main" xmlns="" id="{FC846415-2760-43A4-A1A1-795C4968509B}"/>
               </a:ext>
             </a:extLst>
           </p:cNvPr>
@@ -12749,7 +12764,7 @@
         </p:nvSpPr>
         <p:spPr>
           <a:xfrm>
-            <a:off x="4776526" y="14053354"/>
+            <a:off x="4664442" y="13099419"/>
             <a:ext cx="926325" cy="540000"/>
           </a:xfrm>
           <a:prstGeom prst="rect">
@@ -12896,7 +12911,7 @@
           <p:cNvPr id="183" name="Прямоугольник 182">
             <a:extLst>
               <a:ext uri="{FF2B5EF4-FFF2-40B4-BE49-F238E27FC236}">
-                <a16:creationId xmlns="" xmlns:a16="http://schemas.microsoft.com/office/drawing/2014/main" id="{FC846415-2760-43A4-A1A1-795C4968509B}"/>
+                <a16:creationId xmlns:a16="http://schemas.microsoft.com/office/drawing/2014/main" xmlns="" id="{FC846415-2760-43A4-A1A1-795C4968509B}"/>
               </a:ext>
             </a:extLst>
           </p:cNvPr>
@@ -12974,6 +12989,305 @@
             <a:r>
               <a:rPr lang="ru-RU" sz="100" dirty="0"/>
               <a:t>» .)</a:t>
+            </a:r>
+          </a:p>
+        </p:txBody>
+      </p:sp>
+      <p:sp>
+        <p:nvSpPr>
+          <p:cNvPr id="188" name="Прямоугольник 187">
+            <a:extLst>
+              <a:ext uri="{FF2B5EF4-FFF2-40B4-BE49-F238E27FC236}">
+                <a16:creationId xmlns:a16="http://schemas.microsoft.com/office/drawing/2014/main" xmlns="" id="{FC846415-2760-43A4-A1A1-795C4968509B}"/>
+              </a:ext>
+            </a:extLst>
+          </p:cNvPr>
+          <p:cNvSpPr/>
+          <p:nvPr/>
+        </p:nvSpPr>
+        <p:spPr>
+          <a:xfrm>
+            <a:off x="1768476" y="17962386"/>
+            <a:ext cx="926325" cy="540000"/>
+          </a:xfrm>
+          <a:prstGeom prst="rect">
+            <a:avLst/>
+          </a:prstGeom>
+          <a:solidFill>
+            <a:srgbClr val="FF0000"/>
+          </a:solidFill>
+          <a:ln w="19050"/>
+        </p:spPr>
+        <p:style>
+          <a:lnRef idx="2">
+            <a:schemeClr val="accent1"/>
+          </a:lnRef>
+          <a:fillRef idx="1">
+            <a:schemeClr val="lt1"/>
+          </a:fillRef>
+          <a:effectRef idx="0">
+            <a:schemeClr val="accent1"/>
+          </a:effectRef>
+          <a:fontRef idx="minor">
+            <a:schemeClr val="dk1"/>
+          </a:fontRef>
+        </p:style>
+        <p:txBody>
+          <a:bodyPr lIns="124733" tIns="62367" rIns="124733" bIns="62367" rtlCol="0" anchor="ctr"/>
+          <a:lstStyle/>
+          <a:p>
+            <a:pPr algn="ctr"/>
+            <a:r>
+              <a:rPr lang="ru-RU" sz="700" dirty="0" smtClean="0"/>
+              <a:t>Связь с Ком </a:t>
+            </a:r>
+            <a:r>
+              <a:rPr lang="ru-RU" sz="700" dirty="0"/>
+              <a:t>партией Сальвадора </a:t>
+            </a:r>
+            <a:r>
+              <a:rPr lang="ru-RU" sz="200" dirty="0"/>
+              <a:t>(</a:t>
+            </a:r>
+            <a:r>
+              <a:rPr lang="ru-RU" sz="200" dirty="0" err="1"/>
+              <a:t>Густаво</a:t>
+            </a:r>
+            <a:r>
+              <a:rPr lang="ru-RU" sz="200" dirty="0"/>
+              <a:t> </a:t>
+            </a:r>
+            <a:r>
+              <a:rPr lang="ru-RU" sz="200" dirty="0" err="1"/>
+              <a:t>Гутьеррес</a:t>
+            </a:r>
+            <a:r>
+              <a:rPr lang="ru-RU" sz="200" dirty="0"/>
+              <a:t> </a:t>
+            </a:r>
+            <a:r>
+              <a:rPr lang="ru-RU" sz="200" dirty="0" err="1"/>
+              <a:t>Майорга</a:t>
+            </a:r>
+            <a:r>
+              <a:rPr lang="ru-RU" sz="200" dirty="0"/>
+              <a:t> в своей работе «История рабочего движения в Никарагуа» сообщает нам, что Роберто Гонсалес, лидер ПТН, был членом Коммунистической партии Сальвадора. Это слабые ниточки международных связей ПТС.)</a:t>
+            </a:r>
+            <a:endParaRPr lang="ru-RU" sz="100" dirty="0"/>
+          </a:p>
+        </p:txBody>
+      </p:sp>
+      <p:sp>
+        <p:nvSpPr>
+          <p:cNvPr id="189" name="Прямоугольник 188">
+            <a:extLst>
+              <a:ext uri="{FF2B5EF4-FFF2-40B4-BE49-F238E27FC236}">
+                <a16:creationId xmlns:a16="http://schemas.microsoft.com/office/drawing/2014/main" xmlns="" id="{FFDF3200-07AF-4F88-9AFA-E895A9EB463F}"/>
+              </a:ext>
+            </a:extLst>
+          </p:cNvPr>
+          <p:cNvSpPr/>
+          <p:nvPr/>
+        </p:nvSpPr>
+        <p:spPr>
+          <a:xfrm>
+            <a:off x="2927777" y="17962386"/>
+            <a:ext cx="926325" cy="540000"/>
+          </a:xfrm>
+          <a:prstGeom prst="rect">
+            <a:avLst/>
+          </a:prstGeom>
+          <a:solidFill>
+            <a:srgbClr val="FF0000"/>
+          </a:solidFill>
+          <a:ln w="19050"/>
+        </p:spPr>
+        <p:style>
+          <a:lnRef idx="2">
+            <a:schemeClr val="accent1"/>
+          </a:lnRef>
+          <a:fillRef idx="1">
+            <a:schemeClr val="lt1"/>
+          </a:fillRef>
+          <a:effectRef idx="0">
+            <a:schemeClr val="accent1"/>
+          </a:effectRef>
+          <a:fontRef idx="minor">
+            <a:schemeClr val="dk1"/>
+          </a:fontRef>
+        </p:style>
+        <p:txBody>
+          <a:bodyPr lIns="124733" tIns="62367" rIns="124733" bIns="62367" rtlCol="0" anchor="ctr"/>
+          <a:lstStyle/>
+          <a:p>
+            <a:pPr algn="ctr"/>
+            <a:r>
+              <a:rPr lang="ru-RU" sz="700" dirty="0" smtClean="0"/>
+              <a:t>Связь с ком </a:t>
+            </a:r>
+            <a:r>
+              <a:rPr lang="ru-RU" sz="700" dirty="0"/>
+              <a:t>партией Мексики </a:t>
+            </a:r>
+            <a:r>
+              <a:rPr lang="ru-RU" sz="200" dirty="0"/>
+              <a:t>(На основании вышеизложенного гораздо легче апостериорно охарактеризовать ПТН как партию с революционно-националистическим руководством. Руководство PTN тесно связано с Национально-революционной партией (PNR) Мексики, которая позже стала Институционально-революционной партией (PRI), которую в то время возглавлял </a:t>
+            </a:r>
+            <a:r>
+              <a:rPr lang="ru-RU" sz="200" dirty="0" err="1"/>
+              <a:t>Ласаро</a:t>
+            </a:r>
+            <a:r>
+              <a:rPr lang="ru-RU" sz="200" dirty="0"/>
+              <a:t> </a:t>
+            </a:r>
+            <a:r>
+              <a:rPr lang="ru-RU" sz="200" dirty="0" err="1"/>
+              <a:t>Карденас</a:t>
+            </a:r>
+            <a:r>
+              <a:rPr lang="ru-RU" sz="200" dirty="0"/>
+              <a:t>, который возглавил кампанию по национализации нефти. глубокая аграрная реформа. Контакты осуществлялись через посла Мексики в Манагуа </a:t>
+            </a:r>
+            <a:r>
+              <a:rPr lang="ru-RU" sz="200" dirty="0" err="1"/>
+              <a:t>Рейеса</a:t>
+            </a:r>
+            <a:r>
+              <a:rPr lang="ru-RU" sz="200" dirty="0"/>
+              <a:t> </a:t>
+            </a:r>
+            <a:r>
+              <a:rPr lang="ru-RU" sz="200" dirty="0" err="1"/>
+              <a:t>Спиндолу</a:t>
+            </a:r>
+            <a:r>
+              <a:rPr lang="ru-RU" sz="200" dirty="0"/>
+              <a:t>.)</a:t>
+            </a:r>
+            <a:endParaRPr lang="ru-RU" sz="100" dirty="0"/>
+          </a:p>
+        </p:txBody>
+      </p:sp>
+      <p:sp>
+        <p:nvSpPr>
+          <p:cNvPr id="192" name="Прямоугольник 191">
+            <a:extLst>
+              <a:ext uri="{FF2B5EF4-FFF2-40B4-BE49-F238E27FC236}">
+                <a16:creationId xmlns:a16="http://schemas.microsoft.com/office/drawing/2014/main" xmlns="" id="{CA07F76D-4941-4BBE-8B5A-F0348C4D0FB6}"/>
+              </a:ext>
+            </a:extLst>
+          </p:cNvPr>
+          <p:cNvSpPr/>
+          <p:nvPr/>
+        </p:nvSpPr>
+        <p:spPr>
+          <a:xfrm>
+            <a:off x="4255091" y="16508603"/>
+            <a:ext cx="926325" cy="540000"/>
+          </a:xfrm>
+          <a:prstGeom prst="rect">
+            <a:avLst/>
+          </a:prstGeom>
+          <a:solidFill>
+            <a:srgbClr val="FF0000"/>
+          </a:solidFill>
+          <a:ln w="19050"/>
+        </p:spPr>
+        <p:style>
+          <a:lnRef idx="2">
+            <a:schemeClr val="accent1"/>
+          </a:lnRef>
+          <a:fillRef idx="1">
+            <a:schemeClr val="lt1"/>
+          </a:fillRef>
+          <a:effectRef idx="0">
+            <a:schemeClr val="accent1"/>
+          </a:effectRef>
+          <a:fontRef idx="minor">
+            <a:schemeClr val="dk1"/>
+          </a:fontRef>
+        </p:style>
+        <p:txBody>
+          <a:bodyPr lIns="124733" tIns="62367" rIns="124733" bIns="62367" rtlCol="0" anchor="ctr"/>
+          <a:lstStyle/>
+          <a:p>
+            <a:pPr algn="ctr"/>
+            <a:r>
+              <a:rPr lang="ru-RU" sz="700" dirty="0"/>
+              <a:t>Национализация </a:t>
+            </a:r>
+            <a:r>
+              <a:rPr lang="ru-RU" sz="700" dirty="0" smtClean="0"/>
+              <a:t>земли</a:t>
+            </a:r>
+            <a:endParaRPr lang="ru-RU" sz="400" dirty="0"/>
+          </a:p>
+        </p:txBody>
+      </p:sp>
+      <p:sp>
+        <p:nvSpPr>
+          <p:cNvPr id="193" name="Прямоугольник 192">
+            <a:extLst>
+              <a:ext uri="{FF2B5EF4-FFF2-40B4-BE49-F238E27FC236}">
+                <a16:creationId xmlns:a16="http://schemas.microsoft.com/office/drawing/2014/main" xmlns="" id="{CA07F76D-4941-4BBE-8B5A-F0348C4D0FB6}"/>
+              </a:ext>
+            </a:extLst>
+          </p:cNvPr>
+          <p:cNvSpPr/>
+          <p:nvPr/>
+        </p:nvSpPr>
+        <p:spPr>
+          <a:xfrm>
+            <a:off x="2344924" y="16508603"/>
+            <a:ext cx="926325" cy="540000"/>
+          </a:xfrm>
+          <a:prstGeom prst="rect">
+            <a:avLst/>
+          </a:prstGeom>
+          <a:solidFill>
+            <a:srgbClr val="FF0000"/>
+          </a:solidFill>
+          <a:ln w="19050"/>
+        </p:spPr>
+        <p:style>
+          <a:lnRef idx="2">
+            <a:schemeClr val="accent1"/>
+          </a:lnRef>
+          <a:fillRef idx="1">
+            <a:schemeClr val="lt1"/>
+          </a:fillRef>
+          <a:effectRef idx="0">
+            <a:schemeClr val="accent1"/>
+          </a:effectRef>
+          <a:fontRef idx="minor">
+            <a:schemeClr val="dk1"/>
+          </a:fontRef>
+        </p:style>
+        <p:txBody>
+          <a:bodyPr lIns="124733" tIns="62367" rIns="124733" bIns="62367" rtlCol="0" anchor="ctr"/>
+          <a:lstStyle/>
+          <a:p>
+            <a:pPr algn="ctr"/>
+            <a:r>
+              <a:rPr lang="ru-RU" sz="700" dirty="0" smtClean="0"/>
+              <a:t>Трудовой кодекс и </a:t>
+            </a:r>
+            <a:r>
+              <a:rPr lang="ru-RU" sz="700" dirty="0"/>
+              <a:t>социальные гарантии </a:t>
+            </a:r>
+            <a:r>
+              <a:rPr lang="ru-RU" sz="200" dirty="0"/>
+              <a:t>(</a:t>
+            </a:r>
+            <a:r>
+              <a:rPr lang="ru-RU" sz="200" dirty="0" err="1"/>
+              <a:t>Сомоса</a:t>
+            </a:r>
+            <a:r>
+              <a:rPr lang="ru-RU" sz="200" dirty="0"/>
+              <a:t> Гарсия, уже находившийся у власти, применил тактику, чтобы привлечь на свою сторону эту процветающую партию для своего личного политического проекта; присвоил минимальную демократическую программу ПТС, пообещав обнародовать Трудовой кодекс и главу о социальных гарантиях в Конституции, если ПТС ее поддержит.)</a:t>
             </a:r>
             <a:endParaRPr lang="ru-RU" sz="100" dirty="0"/>
           </a:p>
@@ -13247,7 +13561,7 @@
   <a:extraClrSchemeLst/>
   <a:extLst>
     <a:ext uri="{05A4C25C-085E-4340-85A3-A5531E510DB2}">
-      <thm15:themeFamily xmlns="" xmlns:thm15="http://schemas.microsoft.com/office/thememl/2012/main" name="Office Theme" id="{62F939B6-93AF-4DB8-9C6B-D6C7DFDC589F}" vid="{4A3C46E8-61CC-4603-A589-7422A47A8E4A}"/>
+      <thm15:themeFamily xmlns:thm15="http://schemas.microsoft.com/office/thememl/2012/main" xmlns="" name="Office Theme" id="{62F939B6-93AF-4DB8-9C6B-D6C7DFDC589F}" vid="{4A3C46E8-61CC-4603-A589-7422A47A8E4A}"/>
     </a:ext>
   </a:extLst>
 </a:theme>
@@ -13508,7 +13822,7 @@
   <a:extraClrSchemeLst/>
   <a:extLst>
     <a:ext uri="{05A4C25C-085E-4340-85A3-A5531E510DB2}">
-      <thm15:themeFamily xmlns="" xmlns:thm15="http://schemas.microsoft.com/office/thememl/2012/main" name="Office Theme" id="{62F939B6-93AF-4DB8-9C6B-D6C7DFDC589F}" vid="{4A3C46E8-61CC-4603-A589-7422A47A8E4A}"/>
+      <thm15:themeFamily xmlns:thm15="http://schemas.microsoft.com/office/thememl/2012/main" xmlns="" name="Office Theme" id="{62F939B6-93AF-4DB8-9C6B-D6C7DFDC589F}" vid="{4A3C46E8-61CC-4603-A589-7422A47A8E4A}"/>
     </a:ext>
   </a:extLst>
 </a:theme>

--- a/Наработки/диздоки/Никарагуа/Никарагуа.pptx
+++ b/Наработки/диздоки/Никарагуа/Никарагуа.pptx
@@ -109,7 +109,7 @@
   </p:defaultTextStyle>
   <p:extLst>
     <p:ext uri="{EFAFB233-063F-42B5-8137-9DF3F51BA10A}">
-      <p15:sldGuideLst xmlns:p15="http://schemas.microsoft.com/office/powerpoint/2012/main" xmlns="">
+      <p15:sldGuideLst xmlns="" xmlns:p15="http://schemas.microsoft.com/office/powerpoint/2012/main">
         <p15:guide id="1" orient="horz" pos="11344">
           <p15:clr>
             <a:srgbClr val="A4A3A4"/>
@@ -209,7 +209,7 @@
             <a:fld id="{33E3D7F9-E251-484C-A6FF-FA958879DF69}" type="datetimeFigureOut">
               <a:rPr lang="ru-RU" smtClean="0"/>
               <a:pPr/>
-              <a:t>20.10.2023</a:t>
+              <a:t>23.10.2023</a:t>
             </a:fld>
             <a:endParaRPr lang="ru-RU"/>
           </a:p>
@@ -699,7 +699,7 @@
             <a:fld id="{85A5DE44-605B-4D3B-B2B7-94543DF81A36}" type="datetimeFigureOut">
               <a:rPr lang="ru-RU" smtClean="0"/>
               <a:pPr/>
-              <a:t>20.10.2023</a:t>
+              <a:t>23.10.2023</a:t>
             </a:fld>
             <a:endParaRPr lang="ru-RU"/>
           </a:p>
@@ -871,7 +871,7 @@
             <a:fld id="{85A5DE44-605B-4D3B-B2B7-94543DF81A36}" type="datetimeFigureOut">
               <a:rPr lang="ru-RU" smtClean="0"/>
               <a:pPr/>
-              <a:t>20.10.2023</a:t>
+              <a:t>23.10.2023</a:t>
             </a:fld>
             <a:endParaRPr lang="ru-RU"/>
           </a:p>
@@ -1053,7 +1053,7 @@
             <a:fld id="{85A5DE44-605B-4D3B-B2B7-94543DF81A36}" type="datetimeFigureOut">
               <a:rPr lang="ru-RU" smtClean="0"/>
               <a:pPr/>
-              <a:t>20.10.2023</a:t>
+              <a:t>23.10.2023</a:t>
             </a:fld>
             <a:endParaRPr lang="ru-RU"/>
           </a:p>
@@ -1225,7 +1225,7 @@
             <a:fld id="{85A5DE44-605B-4D3B-B2B7-94543DF81A36}" type="datetimeFigureOut">
               <a:rPr lang="ru-RU" smtClean="0"/>
               <a:pPr/>
-              <a:t>20.10.2023</a:t>
+              <a:t>23.10.2023</a:t>
             </a:fld>
             <a:endParaRPr lang="ru-RU"/>
           </a:p>
@@ -1473,7 +1473,7 @@
             <a:fld id="{85A5DE44-605B-4D3B-B2B7-94543DF81A36}" type="datetimeFigureOut">
               <a:rPr lang="ru-RU" smtClean="0"/>
               <a:pPr/>
-              <a:t>20.10.2023</a:t>
+              <a:t>23.10.2023</a:t>
             </a:fld>
             <a:endParaRPr lang="ru-RU"/>
           </a:p>
@@ -1707,7 +1707,7 @@
             <a:fld id="{85A5DE44-605B-4D3B-B2B7-94543DF81A36}" type="datetimeFigureOut">
               <a:rPr lang="ru-RU" smtClean="0"/>
               <a:pPr/>
-              <a:t>20.10.2023</a:t>
+              <a:t>23.10.2023</a:t>
             </a:fld>
             <a:endParaRPr lang="ru-RU"/>
           </a:p>
@@ -2076,7 +2076,7 @@
             <a:fld id="{85A5DE44-605B-4D3B-B2B7-94543DF81A36}" type="datetimeFigureOut">
               <a:rPr lang="ru-RU" smtClean="0"/>
               <a:pPr/>
-              <a:t>20.10.2023</a:t>
+              <a:t>23.10.2023</a:t>
             </a:fld>
             <a:endParaRPr lang="ru-RU"/>
           </a:p>
@@ -2196,7 +2196,7 @@
             <a:fld id="{85A5DE44-605B-4D3B-B2B7-94543DF81A36}" type="datetimeFigureOut">
               <a:rPr lang="ru-RU" smtClean="0"/>
               <a:pPr/>
-              <a:t>20.10.2023</a:t>
+              <a:t>23.10.2023</a:t>
             </a:fld>
             <a:endParaRPr lang="ru-RU"/>
           </a:p>
@@ -2293,7 +2293,7 @@
             <a:fld id="{85A5DE44-605B-4D3B-B2B7-94543DF81A36}" type="datetimeFigureOut">
               <a:rPr lang="ru-RU" smtClean="0"/>
               <a:pPr/>
-              <a:t>20.10.2023</a:t>
+              <a:t>23.10.2023</a:t>
             </a:fld>
             <a:endParaRPr lang="ru-RU"/>
           </a:p>
@@ -2572,7 +2572,7 @@
             <a:fld id="{85A5DE44-605B-4D3B-B2B7-94543DF81A36}" type="datetimeFigureOut">
               <a:rPr lang="ru-RU" smtClean="0"/>
               <a:pPr/>
-              <a:t>20.10.2023</a:t>
+              <a:t>23.10.2023</a:t>
             </a:fld>
             <a:endParaRPr lang="ru-RU"/>
           </a:p>
@@ -2831,7 +2831,7 @@
             <a:fld id="{85A5DE44-605B-4D3B-B2B7-94543DF81A36}" type="datetimeFigureOut">
               <a:rPr lang="ru-RU" smtClean="0"/>
               <a:pPr/>
-              <a:t>20.10.2023</a:t>
+              <a:t>23.10.2023</a:t>
             </a:fld>
             <a:endParaRPr lang="ru-RU"/>
           </a:p>
@@ -3046,7 +3046,7 @@
             <a:fld id="{85A5DE44-605B-4D3B-B2B7-94543DF81A36}" type="datetimeFigureOut">
               <a:rPr lang="ru-RU" smtClean="0"/>
               <a:pPr/>
-              <a:t>20.10.2023</a:t>
+              <a:t>23.10.2023</a:t>
             </a:fld>
             <a:endParaRPr lang="ru-RU"/>
           </a:p>
@@ -3575,7 +3575,7 @@
           <p:cNvPr id="860" name="Прямоугольник 859">
             <a:extLst>
               <a:ext uri="{FF2B5EF4-FFF2-40B4-BE49-F238E27FC236}">
-                <a16:creationId xmlns:a16="http://schemas.microsoft.com/office/drawing/2014/main" xmlns="" id="{6192B7C6-55FD-4881-A7C8-B46143BFCF64}"/>
+                <a16:creationId xmlns="" xmlns:a16="http://schemas.microsoft.com/office/drawing/2014/main" id="{6192B7C6-55FD-4881-A7C8-B46143BFCF64}"/>
               </a:ext>
             </a:extLst>
           </p:cNvPr>
@@ -3637,7 +3637,7 @@
           <p:cNvPr id="987" name="Прямоугольник 986">
             <a:extLst>
               <a:ext uri="{FF2B5EF4-FFF2-40B4-BE49-F238E27FC236}">
-                <a16:creationId xmlns:a16="http://schemas.microsoft.com/office/drawing/2014/main" xmlns="" id="{67193EE9-417B-43C2-AB81-CA3693D3020C}"/>
+                <a16:creationId xmlns="" xmlns:a16="http://schemas.microsoft.com/office/drawing/2014/main" id="{67193EE9-417B-43C2-AB81-CA3693D3020C}"/>
               </a:ext>
             </a:extLst>
           </p:cNvPr>
@@ -3687,7 +3687,7 @@
           <p:cNvPr id="991" name="Прямоугольник 990">
             <a:extLst>
               <a:ext uri="{FF2B5EF4-FFF2-40B4-BE49-F238E27FC236}">
-                <a16:creationId xmlns:a16="http://schemas.microsoft.com/office/drawing/2014/main" xmlns="" id="{DF4FA738-4588-47B9-8CCD-BD1F596377F3}"/>
+                <a16:creationId xmlns="" xmlns:a16="http://schemas.microsoft.com/office/drawing/2014/main" id="{DF4FA738-4588-47B9-8CCD-BD1F596377F3}"/>
               </a:ext>
             </a:extLst>
           </p:cNvPr>
@@ -3749,7 +3749,7 @@
           <p:cNvPr id="994" name="Прямоугольник 993">
             <a:extLst>
               <a:ext uri="{FF2B5EF4-FFF2-40B4-BE49-F238E27FC236}">
-                <a16:creationId xmlns:a16="http://schemas.microsoft.com/office/drawing/2014/main" xmlns="" id="{2C61400B-484B-4957-B0B2-641DF530B9A0}"/>
+                <a16:creationId xmlns="" xmlns:a16="http://schemas.microsoft.com/office/drawing/2014/main" id="{2C61400B-484B-4957-B0B2-641DF530B9A0}"/>
               </a:ext>
             </a:extLst>
           </p:cNvPr>
@@ -3803,7 +3803,7 @@
           <p:cNvPr id="995" name="Прямоугольник 994">
             <a:extLst>
               <a:ext uri="{FF2B5EF4-FFF2-40B4-BE49-F238E27FC236}">
-                <a16:creationId xmlns:a16="http://schemas.microsoft.com/office/drawing/2014/main" xmlns="" id="{F18E07CC-8B9D-421A-926B-156E5FCEBD1B}"/>
+                <a16:creationId xmlns="" xmlns:a16="http://schemas.microsoft.com/office/drawing/2014/main" id="{F18E07CC-8B9D-421A-926B-156E5FCEBD1B}"/>
               </a:ext>
             </a:extLst>
           </p:cNvPr>
@@ -3861,7 +3861,7 @@
           <p:cNvPr id="996" name="Прямоугольник 995">
             <a:extLst>
               <a:ext uri="{FF2B5EF4-FFF2-40B4-BE49-F238E27FC236}">
-                <a16:creationId xmlns:a16="http://schemas.microsoft.com/office/drawing/2014/main" xmlns="" id="{0A3E31CE-1F95-493B-99B8-75E1E74691B0}"/>
+                <a16:creationId xmlns="" xmlns:a16="http://schemas.microsoft.com/office/drawing/2014/main" id="{0A3E31CE-1F95-493B-99B8-75E1E74691B0}"/>
               </a:ext>
             </a:extLst>
           </p:cNvPr>
@@ -3915,7 +3915,7 @@
           <p:cNvPr id="998" name="Прямоугольник 997">
             <a:extLst>
               <a:ext uri="{FF2B5EF4-FFF2-40B4-BE49-F238E27FC236}">
-                <a16:creationId xmlns:a16="http://schemas.microsoft.com/office/drawing/2014/main" xmlns="" id="{D1BF57CA-E69C-44E3-AAB9-85050AFD605D}"/>
+                <a16:creationId xmlns="" xmlns:a16="http://schemas.microsoft.com/office/drawing/2014/main" id="{D1BF57CA-E69C-44E3-AAB9-85050AFD605D}"/>
               </a:ext>
             </a:extLst>
           </p:cNvPr>
@@ -3965,7 +3965,7 @@
           <p:cNvPr id="999" name="Прямоугольник 998">
             <a:extLst>
               <a:ext uri="{FF2B5EF4-FFF2-40B4-BE49-F238E27FC236}">
-                <a16:creationId xmlns:a16="http://schemas.microsoft.com/office/drawing/2014/main" xmlns="" id="{ED20F934-4F09-47D0-A5C3-475497C89CA8}"/>
+                <a16:creationId xmlns="" xmlns:a16="http://schemas.microsoft.com/office/drawing/2014/main" id="{ED20F934-4F09-47D0-A5C3-475497C89CA8}"/>
               </a:ext>
             </a:extLst>
           </p:cNvPr>
@@ -4019,7 +4019,7 @@
           <p:cNvPr id="1000" name="Прямоугольник 999">
             <a:extLst>
               <a:ext uri="{FF2B5EF4-FFF2-40B4-BE49-F238E27FC236}">
-                <a16:creationId xmlns:a16="http://schemas.microsoft.com/office/drawing/2014/main" xmlns="" id="{3031F683-9F5E-4938-B59B-3FA74405AA5D}"/>
+                <a16:creationId xmlns="" xmlns:a16="http://schemas.microsoft.com/office/drawing/2014/main" id="{3031F683-9F5E-4938-B59B-3FA74405AA5D}"/>
               </a:ext>
             </a:extLst>
           </p:cNvPr>
@@ -4080,7 +4080,7 @@
           <p:cNvPr id="1003" name="Прямоугольник 1002">
             <a:extLst>
               <a:ext uri="{FF2B5EF4-FFF2-40B4-BE49-F238E27FC236}">
-                <a16:creationId xmlns:a16="http://schemas.microsoft.com/office/drawing/2014/main" xmlns="" id="{6902397C-BDFE-4DCF-A1A2-FAE0B2626BDA}"/>
+                <a16:creationId xmlns="" xmlns:a16="http://schemas.microsoft.com/office/drawing/2014/main" id="{6902397C-BDFE-4DCF-A1A2-FAE0B2626BDA}"/>
               </a:ext>
             </a:extLst>
           </p:cNvPr>
@@ -4089,7 +4089,7 @@
         </p:nvSpPr>
         <p:spPr>
           <a:xfrm>
-            <a:off x="3728020" y="4162912"/>
+            <a:off x="3040194" y="4162912"/>
             <a:ext cx="926325" cy="540000"/>
           </a:xfrm>
           <a:prstGeom prst="rect">
@@ -4141,7 +4141,7 @@
           <p:cNvPr id="1004" name="Прямоугольник 1003">
             <a:extLst>
               <a:ext uri="{FF2B5EF4-FFF2-40B4-BE49-F238E27FC236}">
-                <a16:creationId xmlns:a16="http://schemas.microsoft.com/office/drawing/2014/main" xmlns="" id="{69B79668-F64A-48E7-B6D8-046B42C5083A}"/>
+                <a16:creationId xmlns="" xmlns:a16="http://schemas.microsoft.com/office/drawing/2014/main" id="{69B79668-F64A-48E7-B6D8-046B42C5083A}"/>
               </a:ext>
             </a:extLst>
           </p:cNvPr>
@@ -4195,7 +4195,7 @@
           <p:cNvPr id="1006" name="Прямоугольник 1005">
             <a:extLst>
               <a:ext uri="{FF2B5EF4-FFF2-40B4-BE49-F238E27FC236}">
-                <a16:creationId xmlns:a16="http://schemas.microsoft.com/office/drawing/2014/main" xmlns="" id="{DBC3419A-22FA-43FF-B8B9-DD68FEBDCE02}"/>
+                <a16:creationId xmlns="" xmlns:a16="http://schemas.microsoft.com/office/drawing/2014/main" id="{DBC3419A-22FA-43FF-B8B9-DD68FEBDCE02}"/>
               </a:ext>
             </a:extLst>
           </p:cNvPr>
@@ -4253,7 +4253,7 @@
           <p:cNvPr id="1007" name="Прямоугольник 1006">
             <a:extLst>
               <a:ext uri="{FF2B5EF4-FFF2-40B4-BE49-F238E27FC236}">
-                <a16:creationId xmlns:a16="http://schemas.microsoft.com/office/drawing/2014/main" xmlns="" id="{16A1A0CD-EC27-4841-9CAC-A2951FA574D9}"/>
+                <a16:creationId xmlns="" xmlns:a16="http://schemas.microsoft.com/office/drawing/2014/main" id="{16A1A0CD-EC27-4841-9CAC-A2951FA574D9}"/>
               </a:ext>
             </a:extLst>
           </p:cNvPr>
@@ -4302,7 +4302,7 @@
           <p:cNvPr id="1009" name="Прямоугольник 1008">
             <a:extLst>
               <a:ext uri="{FF2B5EF4-FFF2-40B4-BE49-F238E27FC236}">
-                <a16:creationId xmlns:a16="http://schemas.microsoft.com/office/drawing/2014/main" xmlns="" id="{D6B9B13E-4EC1-48C5-9D81-8A7DC0201F74}"/>
+                <a16:creationId xmlns="" xmlns:a16="http://schemas.microsoft.com/office/drawing/2014/main" id="{D6B9B13E-4EC1-48C5-9D81-8A7DC0201F74}"/>
               </a:ext>
             </a:extLst>
           </p:cNvPr>
@@ -4356,7 +4356,7 @@
           <p:cNvPr id="1010" name="Прямоугольник 1009">
             <a:extLst>
               <a:ext uri="{FF2B5EF4-FFF2-40B4-BE49-F238E27FC236}">
-                <a16:creationId xmlns:a16="http://schemas.microsoft.com/office/drawing/2014/main" xmlns="" id="{EB093940-7B32-4F48-90D9-92C619CCC27C}"/>
+                <a16:creationId xmlns="" xmlns:a16="http://schemas.microsoft.com/office/drawing/2014/main" id="{EB093940-7B32-4F48-90D9-92C619CCC27C}"/>
               </a:ext>
             </a:extLst>
           </p:cNvPr>
@@ -4414,7 +4414,7 @@
           <p:cNvPr id="1011" name="Прямая со стрелкой 1010">
             <a:extLst>
               <a:ext uri="{FF2B5EF4-FFF2-40B4-BE49-F238E27FC236}">
-                <a16:creationId xmlns:a16="http://schemas.microsoft.com/office/drawing/2014/main" xmlns="" id="{6FF1BA7F-812C-44A5-BEC2-31F4B6F55538}"/>
+                <a16:creationId xmlns="" xmlns:a16="http://schemas.microsoft.com/office/drawing/2014/main" id="{6FF1BA7F-812C-44A5-BEC2-31F4B6F55538}"/>
               </a:ext>
             </a:extLst>
           </p:cNvPr>
@@ -4457,7 +4457,7 @@
           <p:cNvPr id="1012" name="Соединительная линия уступом 903">
             <a:extLst>
               <a:ext uri="{FF2B5EF4-FFF2-40B4-BE49-F238E27FC236}">
-                <a16:creationId xmlns:a16="http://schemas.microsoft.com/office/drawing/2014/main" xmlns="" id="{61CC6BA5-39EA-4B23-A209-0E7E8DB14AB7}"/>
+                <a16:creationId xmlns="" xmlns:a16="http://schemas.microsoft.com/office/drawing/2014/main" id="{61CC6BA5-39EA-4B23-A209-0E7E8DB14AB7}"/>
               </a:ext>
             </a:extLst>
           </p:cNvPr>
@@ -4502,7 +4502,7 @@
           <p:cNvPr id="1014" name="Прямая со стрелкой 1013">
             <a:extLst>
               <a:ext uri="{FF2B5EF4-FFF2-40B4-BE49-F238E27FC236}">
-                <a16:creationId xmlns:a16="http://schemas.microsoft.com/office/drawing/2014/main" xmlns="" id="{DE622A39-F9DB-4104-B64D-4660F6424C79}"/>
+                <a16:creationId xmlns="" xmlns:a16="http://schemas.microsoft.com/office/drawing/2014/main" id="{DE622A39-F9DB-4104-B64D-4660F6424C79}"/>
               </a:ext>
             </a:extLst>
           </p:cNvPr>
@@ -4545,7 +4545,7 @@
           <p:cNvPr id="1015" name="Прямая со стрелкой 1014">
             <a:extLst>
               <a:ext uri="{FF2B5EF4-FFF2-40B4-BE49-F238E27FC236}">
-                <a16:creationId xmlns:a16="http://schemas.microsoft.com/office/drawing/2014/main" xmlns="" id="{F4E65FFA-5006-43A8-9BFD-FFB14F085370}"/>
+                <a16:creationId xmlns="" xmlns:a16="http://schemas.microsoft.com/office/drawing/2014/main" id="{F4E65FFA-5006-43A8-9BFD-FFB14F085370}"/>
               </a:ext>
             </a:extLst>
           </p:cNvPr>
@@ -4588,7 +4588,7 @@
           <p:cNvPr id="1016" name="Прямая со стрелкой 1015">
             <a:extLst>
               <a:ext uri="{FF2B5EF4-FFF2-40B4-BE49-F238E27FC236}">
-                <a16:creationId xmlns:a16="http://schemas.microsoft.com/office/drawing/2014/main" xmlns="" id="{CC2FBAD9-0DAC-475C-84AF-B8C4D7F7CD36}"/>
+                <a16:creationId xmlns="" xmlns:a16="http://schemas.microsoft.com/office/drawing/2014/main" id="{CC2FBAD9-0DAC-475C-84AF-B8C4D7F7CD36}"/>
               </a:ext>
             </a:extLst>
           </p:cNvPr>
@@ -4631,7 +4631,7 @@
           <p:cNvPr id="1017" name="Прямая со стрелкой 1016">
             <a:extLst>
               <a:ext uri="{FF2B5EF4-FFF2-40B4-BE49-F238E27FC236}">
-                <a16:creationId xmlns:a16="http://schemas.microsoft.com/office/drawing/2014/main" xmlns="" id="{7F5BA024-9E61-46B2-B19B-838E6AB850FD}"/>
+                <a16:creationId xmlns="" xmlns:a16="http://schemas.microsoft.com/office/drawing/2014/main" id="{7F5BA024-9E61-46B2-B19B-838E6AB850FD}"/>
               </a:ext>
             </a:extLst>
           </p:cNvPr>
@@ -4671,55 +4671,10 @@
       </p:cxnSp>
       <p:cxnSp>
         <p:nvCxnSpPr>
-          <p:cNvPr id="1018" name="Соединительная линия уступом 903">
-            <a:extLst>
-              <a:ext uri="{FF2B5EF4-FFF2-40B4-BE49-F238E27FC236}">
-                <a16:creationId xmlns:a16="http://schemas.microsoft.com/office/drawing/2014/main" xmlns="" id="{D9E9FE67-1272-43E5-98D8-86DDB97DE61E}"/>
-              </a:ext>
-            </a:extLst>
-          </p:cNvPr>
-          <p:cNvCxnSpPr>
-            <a:cxnSpLocks/>
-            <a:stCxn id="1006" idx="2"/>
-            <a:endCxn id="1003" idx="0"/>
-          </p:cNvCxnSpPr>
-          <p:nvPr/>
-        </p:nvCxnSpPr>
-        <p:spPr>
-          <a:xfrm rot="16200000" flipH="1">
-            <a:off x="3316337" y="3288066"/>
-            <a:ext cx="1061338" cy="688354"/>
-          </a:xfrm>
-          <a:prstGeom prst="bentConnector3">
-            <a:avLst>
-              <a:gd name="adj1" fmla="val 8851"/>
-            </a:avLst>
-          </a:prstGeom>
-          <a:ln w="19050">
-            <a:tailEnd type="arrow"/>
-          </a:ln>
-        </p:spPr>
-        <p:style>
-          <a:lnRef idx="1">
-            <a:schemeClr val="accent1"/>
-          </a:lnRef>
-          <a:fillRef idx="0">
-            <a:schemeClr val="accent1"/>
-          </a:fillRef>
-          <a:effectRef idx="0">
-            <a:schemeClr val="accent1"/>
-          </a:effectRef>
-          <a:fontRef idx="minor">
-            <a:schemeClr val="tx1"/>
-          </a:fontRef>
-        </p:style>
-      </p:cxnSp>
-      <p:cxnSp>
-        <p:nvCxnSpPr>
           <p:cNvPr id="1019" name="Прямая со стрелкой 1018">
             <a:extLst>
               <a:ext uri="{FF2B5EF4-FFF2-40B4-BE49-F238E27FC236}">
-                <a16:creationId xmlns:a16="http://schemas.microsoft.com/office/drawing/2014/main" xmlns="" id="{59266080-AC10-42CA-B68E-CEDF802FA3D3}"/>
+                <a16:creationId xmlns="" xmlns:a16="http://schemas.microsoft.com/office/drawing/2014/main" id="{59266080-AC10-42CA-B68E-CEDF802FA3D3}"/>
               </a:ext>
             </a:extLst>
           </p:cNvPr>
@@ -4763,7 +4718,7 @@
           <p:cNvPr id="1020" name="Соединительная линия уступом 903">
             <a:extLst>
               <a:ext uri="{FF2B5EF4-FFF2-40B4-BE49-F238E27FC236}">
-                <a16:creationId xmlns:a16="http://schemas.microsoft.com/office/drawing/2014/main" xmlns="" id="{62E8E398-7627-44D2-9D70-5C4E18D9492C}"/>
+                <a16:creationId xmlns="" xmlns:a16="http://schemas.microsoft.com/office/drawing/2014/main" id="{62E8E398-7627-44D2-9D70-5C4E18D9492C}"/>
               </a:ext>
             </a:extLst>
           </p:cNvPr>
@@ -4809,7 +4764,7 @@
           <p:cNvPr id="1021" name="Соединительная линия уступом 903">
             <a:extLst>
               <a:ext uri="{FF2B5EF4-FFF2-40B4-BE49-F238E27FC236}">
-                <a16:creationId xmlns:a16="http://schemas.microsoft.com/office/drawing/2014/main" xmlns="" id="{BDC7F8CB-0052-4FAE-993D-F1332955CF43}"/>
+                <a16:creationId xmlns="" xmlns:a16="http://schemas.microsoft.com/office/drawing/2014/main" id="{BDC7F8CB-0052-4FAE-993D-F1332955CF43}"/>
               </a:ext>
             </a:extLst>
           </p:cNvPr>
@@ -4855,7 +4810,7 @@
           <p:cNvPr id="34" name="Прямоугольник 33">
             <a:extLst>
               <a:ext uri="{FF2B5EF4-FFF2-40B4-BE49-F238E27FC236}">
-                <a16:creationId xmlns:a16="http://schemas.microsoft.com/office/drawing/2014/main" xmlns="" id="{59ACB422-97FE-4024-8EC7-A17F82AC2F7B}"/>
+                <a16:creationId xmlns="" xmlns:a16="http://schemas.microsoft.com/office/drawing/2014/main" id="{59ACB422-97FE-4024-8EC7-A17F82AC2F7B}"/>
               </a:ext>
             </a:extLst>
           </p:cNvPr>
@@ -4905,7 +4860,7 @@
           <p:cNvPr id="35" name="Прямоугольник 34">
             <a:extLst>
               <a:ext uri="{FF2B5EF4-FFF2-40B4-BE49-F238E27FC236}">
-                <a16:creationId xmlns:a16="http://schemas.microsoft.com/office/drawing/2014/main" xmlns="" id="{8F6B01E8-2051-4659-A9F2-6CCFEACACA21}"/>
+                <a16:creationId xmlns="" xmlns:a16="http://schemas.microsoft.com/office/drawing/2014/main" id="{8F6B01E8-2051-4659-A9F2-6CCFEACACA21}"/>
               </a:ext>
             </a:extLst>
           </p:cNvPr>
@@ -4955,7 +4910,7 @@
           <p:cNvPr id="36" name="Прямоугольник 35">
             <a:extLst>
               <a:ext uri="{FF2B5EF4-FFF2-40B4-BE49-F238E27FC236}">
-                <a16:creationId xmlns:a16="http://schemas.microsoft.com/office/drawing/2014/main" xmlns="" id="{9367D27D-AEBB-46B0-A932-DCEBE1910C36}"/>
+                <a16:creationId xmlns="" xmlns:a16="http://schemas.microsoft.com/office/drawing/2014/main" id="{9367D27D-AEBB-46B0-A932-DCEBE1910C36}"/>
               </a:ext>
             </a:extLst>
           </p:cNvPr>
@@ -5005,7 +4960,7 @@
           <p:cNvPr id="37" name="Прямоугольник 36">
             <a:extLst>
               <a:ext uri="{FF2B5EF4-FFF2-40B4-BE49-F238E27FC236}">
-                <a16:creationId xmlns:a16="http://schemas.microsoft.com/office/drawing/2014/main" xmlns="" id="{97D21FA9-0A99-4302-9C8A-886C2A95D444}"/>
+                <a16:creationId xmlns="" xmlns:a16="http://schemas.microsoft.com/office/drawing/2014/main" id="{97D21FA9-0A99-4302-9C8A-886C2A95D444}"/>
               </a:ext>
             </a:extLst>
           </p:cNvPr>
@@ -5063,7 +5018,7 @@
           <p:cNvPr id="38" name="Прямоугольник 37">
             <a:extLst>
               <a:ext uri="{FF2B5EF4-FFF2-40B4-BE49-F238E27FC236}">
-                <a16:creationId xmlns:a16="http://schemas.microsoft.com/office/drawing/2014/main" xmlns="" id="{9C02A14C-DE5F-49AD-A4EE-A27966D0EFDC}"/>
+                <a16:creationId xmlns="" xmlns:a16="http://schemas.microsoft.com/office/drawing/2014/main" id="{9C02A14C-DE5F-49AD-A4EE-A27966D0EFDC}"/>
               </a:ext>
             </a:extLst>
           </p:cNvPr>
@@ -5072,15 +5027,25 @@
         </p:nvSpPr>
         <p:spPr>
           <a:xfrm>
-            <a:off x="6036037" y="16508603"/>
+            <a:off x="5357775" y="16508603"/>
             <a:ext cx="926325" cy="540000"/>
           </a:xfrm>
           <a:prstGeom prst="rect">
             <a:avLst/>
           </a:prstGeom>
-          <a:solidFill>
-            <a:srgbClr val="FF0000"/>
-          </a:solidFill>
+          <a:gradFill>
+            <a:gsLst>
+              <a:gs pos="0">
+                <a:srgbClr val="FF0000"/>
+              </a:gs>
+              <a:gs pos="100000">
+                <a:schemeClr val="bg1">
+                  <a:lumMod val="50000"/>
+                </a:schemeClr>
+              </a:gs>
+            </a:gsLst>
+            <a:lin ang="5400000" scaled="0"/>
+          </a:gradFill>
           <a:ln w="19050"/>
         </p:spPr>
         <p:style>
@@ -5115,7 +5080,7 @@
           <p:cNvPr id="39" name="Прямоугольник 38">
             <a:extLst>
               <a:ext uri="{FF2B5EF4-FFF2-40B4-BE49-F238E27FC236}">
-                <a16:creationId xmlns:a16="http://schemas.microsoft.com/office/drawing/2014/main" xmlns="" id="{CCC56779-6173-48FC-B7E9-574156FA22BE}"/>
+                <a16:creationId xmlns="" xmlns:a16="http://schemas.microsoft.com/office/drawing/2014/main" id="{CCC56779-6173-48FC-B7E9-574156FA22BE}"/>
               </a:ext>
             </a:extLst>
           </p:cNvPr>
@@ -5124,15 +5089,25 @@
         </p:nvSpPr>
         <p:spPr>
           <a:xfrm>
-            <a:off x="10442560" y="18574594"/>
+            <a:off x="6738450" y="20590541"/>
             <a:ext cx="926325" cy="540000"/>
           </a:xfrm>
           <a:prstGeom prst="rect">
             <a:avLst/>
           </a:prstGeom>
-          <a:solidFill>
-            <a:srgbClr val="FF0000"/>
-          </a:solidFill>
+          <a:gradFill>
+            <a:gsLst>
+              <a:gs pos="0">
+                <a:srgbClr val="FF0000"/>
+              </a:gs>
+              <a:gs pos="100000">
+                <a:schemeClr val="bg1">
+                  <a:lumMod val="50000"/>
+                </a:schemeClr>
+              </a:gs>
+            </a:gsLst>
+            <a:lin ang="5400000" scaled="0"/>
+          </a:gradFill>
           <a:ln w="19050"/>
         </p:spPr>
         <p:style>
@@ -5167,7 +5142,7 @@
           <p:cNvPr id="42" name="Прямоугольник 41">
             <a:extLst>
               <a:ext uri="{FF2B5EF4-FFF2-40B4-BE49-F238E27FC236}">
-                <a16:creationId xmlns:a16="http://schemas.microsoft.com/office/drawing/2014/main" xmlns="" id="{03F7D570-4EE1-495E-9294-D367F2E7763E}"/>
+                <a16:creationId xmlns="" xmlns:a16="http://schemas.microsoft.com/office/drawing/2014/main" id="{03F7D570-4EE1-495E-9294-D367F2E7763E}"/>
               </a:ext>
             </a:extLst>
           </p:cNvPr>
@@ -5176,7 +5151,7 @@
         </p:nvSpPr>
         <p:spPr>
           <a:xfrm>
-            <a:off x="7201571" y="2555740"/>
+            <a:off x="7817521" y="2555740"/>
             <a:ext cx="926325" cy="540000"/>
           </a:xfrm>
           <a:prstGeom prst="rect">
@@ -5217,7 +5192,7 @@
           <p:cNvPr id="43" name="Прямоугольник 42">
             <a:extLst>
               <a:ext uri="{FF2B5EF4-FFF2-40B4-BE49-F238E27FC236}">
-                <a16:creationId xmlns:a16="http://schemas.microsoft.com/office/drawing/2014/main" xmlns="" id="{5858A8E5-3EFA-419C-99B9-6773CA7E1501}"/>
+                <a16:creationId xmlns="" xmlns:a16="http://schemas.microsoft.com/office/drawing/2014/main" id="{5858A8E5-3EFA-419C-99B9-6773CA7E1501}"/>
               </a:ext>
             </a:extLst>
           </p:cNvPr>
@@ -5226,7 +5201,7 @@
         </p:nvSpPr>
         <p:spPr>
           <a:xfrm>
-            <a:off x="6590135" y="3349542"/>
+            <a:off x="7206085" y="3349542"/>
             <a:ext cx="926325" cy="540000"/>
           </a:xfrm>
           <a:prstGeom prst="rect">
@@ -5271,7 +5246,7 @@
           <p:cNvPr id="45" name="Прямоугольник 44">
             <a:extLst>
               <a:ext uri="{FF2B5EF4-FFF2-40B4-BE49-F238E27FC236}">
-                <a16:creationId xmlns:a16="http://schemas.microsoft.com/office/drawing/2014/main" xmlns="" id="{29CBE310-5100-413A-B4C1-EA4E28F411B1}"/>
+                <a16:creationId xmlns="" xmlns:a16="http://schemas.microsoft.com/office/drawing/2014/main" id="{29CBE310-5100-413A-B4C1-EA4E28F411B1}"/>
               </a:ext>
             </a:extLst>
           </p:cNvPr>
@@ -5280,7 +5255,7 @@
         </p:nvSpPr>
         <p:spPr>
           <a:xfrm>
-            <a:off x="7838962" y="3343709"/>
+            <a:off x="8518819" y="3349542"/>
             <a:ext cx="926325" cy="540000"/>
           </a:xfrm>
           <a:prstGeom prst="rect">
@@ -5321,7 +5296,7 @@
           <p:cNvPr id="47" name="Прямоугольник 46">
             <a:extLst>
               <a:ext uri="{FF2B5EF4-FFF2-40B4-BE49-F238E27FC236}">
-                <a16:creationId xmlns:a16="http://schemas.microsoft.com/office/drawing/2014/main" xmlns="" id="{1163C105-465F-453D-9A47-C92FC2A2CB52}"/>
+                <a16:creationId xmlns="" xmlns:a16="http://schemas.microsoft.com/office/drawing/2014/main" id="{1163C105-465F-453D-9A47-C92FC2A2CB52}"/>
               </a:ext>
             </a:extLst>
           </p:cNvPr>
@@ -5330,7 +5305,7 @@
         </p:nvSpPr>
         <p:spPr>
           <a:xfrm>
-            <a:off x="9934947" y="2555739"/>
+            <a:off x="10550897" y="2555739"/>
             <a:ext cx="926325" cy="540000"/>
           </a:xfrm>
           <a:prstGeom prst="rect">
@@ -5375,7 +5350,7 @@
           <p:cNvPr id="48" name="Прямоугольник 47">
             <a:extLst>
               <a:ext uri="{FF2B5EF4-FFF2-40B4-BE49-F238E27FC236}">
-                <a16:creationId xmlns:a16="http://schemas.microsoft.com/office/drawing/2014/main" xmlns="" id="{D53819E8-2FF6-4FFA-A7E4-75D55AADB8B5}"/>
+                <a16:creationId xmlns="" xmlns:a16="http://schemas.microsoft.com/office/drawing/2014/main" id="{D53819E8-2FF6-4FFA-A7E4-75D55AADB8B5}"/>
               </a:ext>
             </a:extLst>
           </p:cNvPr>
@@ -5384,7 +5359,7 @@
         </p:nvSpPr>
         <p:spPr>
           <a:xfrm>
-            <a:off x="9301494" y="3349542"/>
+            <a:off x="9917444" y="3349542"/>
             <a:ext cx="926325" cy="540000"/>
           </a:xfrm>
           <a:prstGeom prst="rect">
@@ -5425,7 +5400,7 @@
           <p:cNvPr id="49" name="Прямоугольник 48">
             <a:extLst>
               <a:ext uri="{FF2B5EF4-FFF2-40B4-BE49-F238E27FC236}">
-                <a16:creationId xmlns:a16="http://schemas.microsoft.com/office/drawing/2014/main" xmlns="" id="{F9117D70-446E-4EA7-820C-5F0C5AE4BB1B}"/>
+                <a16:creationId xmlns="" xmlns:a16="http://schemas.microsoft.com/office/drawing/2014/main" id="{F9117D70-446E-4EA7-820C-5F0C5AE4BB1B}"/>
               </a:ext>
             </a:extLst>
           </p:cNvPr>
@@ -5434,7 +5409,7 @@
         </p:nvSpPr>
         <p:spPr>
           <a:xfrm>
-            <a:off x="8581873" y="2555740"/>
+            <a:off x="9197823" y="2555740"/>
             <a:ext cx="926325" cy="540000"/>
           </a:xfrm>
           <a:prstGeom prst="rect">
@@ -5479,7 +5454,7 @@
           <p:cNvPr id="50" name="Прямоугольник 49">
             <a:extLst>
               <a:ext uri="{FF2B5EF4-FFF2-40B4-BE49-F238E27FC236}">
-                <a16:creationId xmlns:a16="http://schemas.microsoft.com/office/drawing/2014/main" xmlns="" id="{357E437B-3536-45BE-A3D0-3F539D983768}"/>
+                <a16:creationId xmlns="" xmlns:a16="http://schemas.microsoft.com/office/drawing/2014/main" id="{357E437B-3536-45BE-A3D0-3F539D983768}"/>
               </a:ext>
             </a:extLst>
           </p:cNvPr>
@@ -5533,7 +5508,7 @@
           <p:cNvPr id="51" name="Прямая со стрелкой 50">
             <a:extLst>
               <a:ext uri="{FF2B5EF4-FFF2-40B4-BE49-F238E27FC236}">
-                <a16:creationId xmlns:a16="http://schemas.microsoft.com/office/drawing/2014/main" xmlns="" id="{F822F6CB-0335-40A1-921A-29544F834AD9}"/>
+                <a16:creationId xmlns="" xmlns:a16="http://schemas.microsoft.com/office/drawing/2014/main" id="{F822F6CB-0335-40A1-921A-29544F834AD9}"/>
               </a:ext>
             </a:extLst>
           </p:cNvPr>
@@ -5576,7 +5551,7 @@
           <p:cNvPr id="52" name="Прямая со стрелкой 51">
             <a:extLst>
               <a:ext uri="{FF2B5EF4-FFF2-40B4-BE49-F238E27FC236}">
-                <a16:creationId xmlns:a16="http://schemas.microsoft.com/office/drawing/2014/main" xmlns="" id="{5BCAF6D7-5BA1-4C42-82B8-95F6B189B961}"/>
+                <a16:creationId xmlns="" xmlns:a16="http://schemas.microsoft.com/office/drawing/2014/main" id="{5BCAF6D7-5BA1-4C42-82B8-95F6B189B961}"/>
               </a:ext>
             </a:extLst>
           </p:cNvPr>
@@ -5619,7 +5594,7 @@
           <p:cNvPr id="55" name="Прямоугольник 54">
             <a:extLst>
               <a:ext uri="{FF2B5EF4-FFF2-40B4-BE49-F238E27FC236}">
-                <a16:creationId xmlns:a16="http://schemas.microsoft.com/office/drawing/2014/main" xmlns="" id="{59913842-712E-4C78-8382-3186E11F9969}"/>
+                <a16:creationId xmlns="" xmlns:a16="http://schemas.microsoft.com/office/drawing/2014/main" id="{59913842-712E-4C78-8382-3186E11F9969}"/>
               </a:ext>
             </a:extLst>
           </p:cNvPr>
@@ -5677,7 +5652,7 @@
           <p:cNvPr id="56" name="Прямоугольник 55">
             <a:extLst>
               <a:ext uri="{FF2B5EF4-FFF2-40B4-BE49-F238E27FC236}">
-                <a16:creationId xmlns:a16="http://schemas.microsoft.com/office/drawing/2014/main" xmlns="" id="{6C5218F4-B4FE-4973-B0D1-795F69898B06}"/>
+                <a16:creationId xmlns="" xmlns:a16="http://schemas.microsoft.com/office/drawing/2014/main" id="{6C5218F4-B4FE-4973-B0D1-795F69898B06}"/>
               </a:ext>
             </a:extLst>
           </p:cNvPr>
@@ -5732,7 +5707,7 @@
           <p:cNvPr id="59" name="Соединительная линия уступом 903">
             <a:extLst>
               <a:ext uri="{FF2B5EF4-FFF2-40B4-BE49-F238E27FC236}">
-                <a16:creationId xmlns:a16="http://schemas.microsoft.com/office/drawing/2014/main" xmlns="" id="{109A067E-CE15-4E03-9773-91E0273879C6}"/>
+                <a16:creationId xmlns="" xmlns:a16="http://schemas.microsoft.com/office/drawing/2014/main" id="{109A067E-CE15-4E03-9773-91E0273879C6}"/>
               </a:ext>
             </a:extLst>
           </p:cNvPr>
@@ -5778,7 +5753,7 @@
           <p:cNvPr id="62" name="Соединительная линия уступом 903">
             <a:extLst>
               <a:ext uri="{FF2B5EF4-FFF2-40B4-BE49-F238E27FC236}">
-                <a16:creationId xmlns:a16="http://schemas.microsoft.com/office/drawing/2014/main" xmlns="" id="{6C07AA97-4525-4DE7-ADCC-04D2CBE84DB2}"/>
+                <a16:creationId xmlns="" xmlns:a16="http://schemas.microsoft.com/office/drawing/2014/main" id="{6C07AA97-4525-4DE7-ADCC-04D2CBE84DB2}"/>
               </a:ext>
             </a:extLst>
           </p:cNvPr>
@@ -5824,7 +5799,7 @@
           <p:cNvPr id="65" name="Соединительная линия уступом 903">
             <a:extLst>
               <a:ext uri="{FF2B5EF4-FFF2-40B4-BE49-F238E27FC236}">
-                <a16:creationId xmlns:a16="http://schemas.microsoft.com/office/drawing/2014/main" xmlns="" id="{43EDEE73-8E0A-4B11-A556-528A0A52CC3F}"/>
+                <a16:creationId xmlns="" xmlns:a16="http://schemas.microsoft.com/office/drawing/2014/main" id="{43EDEE73-8E0A-4B11-A556-528A0A52CC3F}"/>
               </a:ext>
             </a:extLst>
           </p:cNvPr>
@@ -5870,7 +5845,7 @@
           <p:cNvPr id="68" name="Соединительная линия уступом 903">
             <a:extLst>
               <a:ext uri="{FF2B5EF4-FFF2-40B4-BE49-F238E27FC236}">
-                <a16:creationId xmlns:a16="http://schemas.microsoft.com/office/drawing/2014/main" xmlns="" id="{59D2BA6A-BD9D-4F57-A305-E873010A82F4}"/>
+                <a16:creationId xmlns="" xmlns:a16="http://schemas.microsoft.com/office/drawing/2014/main" id="{59D2BA6A-BD9D-4F57-A305-E873010A82F4}"/>
               </a:ext>
             </a:extLst>
           </p:cNvPr>
@@ -5916,7 +5891,7 @@
           <p:cNvPr id="71" name="Соединительная линия уступом 903">
             <a:extLst>
               <a:ext uri="{FF2B5EF4-FFF2-40B4-BE49-F238E27FC236}">
-                <a16:creationId xmlns:a16="http://schemas.microsoft.com/office/drawing/2014/main" xmlns="" id="{00B11476-6764-4576-A5AA-307DE0B54FA8}"/>
+                <a16:creationId xmlns="" xmlns:a16="http://schemas.microsoft.com/office/drawing/2014/main" id="{00B11476-6764-4576-A5AA-307DE0B54FA8}"/>
               </a:ext>
             </a:extLst>
           </p:cNvPr>
@@ -5962,7 +5937,7 @@
           <p:cNvPr id="74" name="Соединительная линия уступом 903">
             <a:extLst>
               <a:ext uri="{FF2B5EF4-FFF2-40B4-BE49-F238E27FC236}">
-                <a16:creationId xmlns:a16="http://schemas.microsoft.com/office/drawing/2014/main" xmlns="" id="{F1EE0CAA-C3CE-4369-8DB1-59C2A23436F1}"/>
+                <a16:creationId xmlns="" xmlns:a16="http://schemas.microsoft.com/office/drawing/2014/main" id="{F1EE0CAA-C3CE-4369-8DB1-59C2A23436F1}"/>
               </a:ext>
             </a:extLst>
           </p:cNvPr>
@@ -6008,7 +5983,7 @@
           <p:cNvPr id="77" name="Прямоугольник 76">
             <a:extLst>
               <a:ext uri="{FF2B5EF4-FFF2-40B4-BE49-F238E27FC236}">
-                <a16:creationId xmlns:a16="http://schemas.microsoft.com/office/drawing/2014/main" xmlns="" id="{F492B8D6-39F0-4D20-92A4-58A3AE1323E7}"/>
+                <a16:creationId xmlns="" xmlns:a16="http://schemas.microsoft.com/office/drawing/2014/main" id="{F492B8D6-39F0-4D20-92A4-58A3AE1323E7}"/>
               </a:ext>
             </a:extLst>
           </p:cNvPr>
@@ -6066,7 +6041,7 @@
           <p:cNvPr id="78" name="Прямоугольник 77">
             <a:extLst>
               <a:ext uri="{FF2B5EF4-FFF2-40B4-BE49-F238E27FC236}">
-                <a16:creationId xmlns:a16="http://schemas.microsoft.com/office/drawing/2014/main" xmlns="" id="{AE8DBF0B-DB9F-42C3-8B1F-A688891403FA}"/>
+                <a16:creationId xmlns="" xmlns:a16="http://schemas.microsoft.com/office/drawing/2014/main" id="{AE8DBF0B-DB9F-42C3-8B1F-A688891403FA}"/>
               </a:ext>
             </a:extLst>
           </p:cNvPr>
@@ -6124,7 +6099,7 @@
           <p:cNvPr id="80" name="Прямоугольник 79">
             <a:extLst>
               <a:ext uri="{FF2B5EF4-FFF2-40B4-BE49-F238E27FC236}">
-                <a16:creationId xmlns:a16="http://schemas.microsoft.com/office/drawing/2014/main" xmlns="" id="{51DDA96E-A685-43FC-845D-8C9265EE929A}"/>
+                <a16:creationId xmlns="" xmlns:a16="http://schemas.microsoft.com/office/drawing/2014/main" id="{51DDA96E-A685-43FC-845D-8C9265EE929A}"/>
               </a:ext>
             </a:extLst>
           </p:cNvPr>
@@ -6133,7 +6108,7 @@
         </p:nvSpPr>
         <p:spPr>
           <a:xfrm>
-            <a:off x="955424" y="14867700"/>
+            <a:off x="955435" y="14846948"/>
             <a:ext cx="926325" cy="540000"/>
           </a:xfrm>
           <a:prstGeom prst="rect">
@@ -6176,7 +6151,7 @@
           <p:cNvPr id="81" name="Прямоугольник 80">
             <a:extLst>
               <a:ext uri="{FF2B5EF4-FFF2-40B4-BE49-F238E27FC236}">
-                <a16:creationId xmlns:a16="http://schemas.microsoft.com/office/drawing/2014/main" xmlns="" id="{FC846415-2760-43A4-A1A1-795C4968509B}"/>
+                <a16:creationId xmlns="" xmlns:a16="http://schemas.microsoft.com/office/drawing/2014/main" id="{FC846415-2760-43A4-A1A1-795C4968509B}"/>
               </a:ext>
             </a:extLst>
           </p:cNvPr>
@@ -6185,7 +6160,7 @@
         </p:nvSpPr>
         <p:spPr>
           <a:xfrm>
-            <a:off x="3734408" y="14867700"/>
+            <a:off x="3502829" y="14842300"/>
             <a:ext cx="926325" cy="540000"/>
           </a:xfrm>
           <a:prstGeom prst="rect">
@@ -6228,7 +6203,7 @@
           <p:cNvPr id="82" name="Прямоугольник 81">
             <a:extLst>
               <a:ext uri="{FF2B5EF4-FFF2-40B4-BE49-F238E27FC236}">
-                <a16:creationId xmlns:a16="http://schemas.microsoft.com/office/drawing/2014/main" xmlns="" id="{BF5DE4AD-D7D4-4C86-9704-BFA8884FD2C7}"/>
+                <a16:creationId xmlns="" xmlns:a16="http://schemas.microsoft.com/office/drawing/2014/main" id="{BF5DE4AD-D7D4-4C86-9704-BFA8884FD2C7}"/>
               </a:ext>
             </a:extLst>
           </p:cNvPr>
@@ -6237,7 +6212,7 @@
         </p:nvSpPr>
         <p:spPr>
           <a:xfrm>
-            <a:off x="2329435" y="14867700"/>
+            <a:off x="2344918" y="14846948"/>
             <a:ext cx="926325" cy="540000"/>
           </a:xfrm>
           <a:prstGeom prst="rect">
@@ -6280,7 +6255,7 @@
           <p:cNvPr id="83" name="Прямоугольник 82">
             <a:extLst>
               <a:ext uri="{FF2B5EF4-FFF2-40B4-BE49-F238E27FC236}">
-                <a16:creationId xmlns:a16="http://schemas.microsoft.com/office/drawing/2014/main" xmlns="" id="{FFDF3200-07AF-4F88-9AFA-E895A9EB463F}"/>
+                <a16:creationId xmlns="" xmlns:a16="http://schemas.microsoft.com/office/drawing/2014/main" id="{FFDF3200-07AF-4F88-9AFA-E895A9EB463F}"/>
               </a:ext>
             </a:extLst>
           </p:cNvPr>
@@ -6289,7 +6264,7 @@
         </p:nvSpPr>
         <p:spPr>
           <a:xfrm>
-            <a:off x="4894610" y="15649430"/>
+            <a:off x="4664442" y="15649430"/>
             <a:ext cx="926325" cy="540000"/>
           </a:xfrm>
           <a:prstGeom prst="rect">
@@ -6332,7 +6307,7 @@
           <p:cNvPr id="84" name="Прямоугольник 83">
             <a:extLst>
               <a:ext uri="{FF2B5EF4-FFF2-40B4-BE49-F238E27FC236}">
-                <a16:creationId xmlns:a16="http://schemas.microsoft.com/office/drawing/2014/main" xmlns="" id="{CA07F76D-4941-4BBE-8B5A-F0348C4D0FB6}"/>
+                <a16:creationId xmlns="" xmlns:a16="http://schemas.microsoft.com/office/drawing/2014/main" id="{CA07F76D-4941-4BBE-8B5A-F0348C4D0FB6}"/>
               </a:ext>
             </a:extLst>
           </p:cNvPr>
@@ -6341,7 +6316,7 @@
         </p:nvSpPr>
         <p:spPr>
           <a:xfrm>
-            <a:off x="3734408" y="15649430"/>
+            <a:off x="3502009" y="15649430"/>
             <a:ext cx="926325" cy="540000"/>
           </a:xfrm>
           <a:prstGeom prst="rect">
@@ -6384,7 +6359,7 @@
           <p:cNvPr id="85" name="Прямоугольник 84">
             <a:extLst>
               <a:ext uri="{FF2B5EF4-FFF2-40B4-BE49-F238E27FC236}">
-                <a16:creationId xmlns:a16="http://schemas.microsoft.com/office/drawing/2014/main" xmlns="" id="{B4C6B690-1886-4211-AFBE-6C0A99C1C73F}"/>
+                <a16:creationId xmlns="" xmlns:a16="http://schemas.microsoft.com/office/drawing/2014/main" id="{B4C6B690-1886-4211-AFBE-6C0A99C1C73F}"/>
               </a:ext>
             </a:extLst>
           </p:cNvPr>
@@ -6393,7 +6368,69 @@
         </p:nvSpPr>
         <p:spPr>
           <a:xfrm>
-            <a:off x="955435" y="16508603"/>
+            <a:off x="5357774" y="14839244"/>
+            <a:ext cx="926325" cy="540000"/>
+          </a:xfrm>
+          <a:prstGeom prst="rect">
+            <a:avLst/>
+          </a:prstGeom>
+          <a:gradFill>
+            <a:gsLst>
+              <a:gs pos="0">
+                <a:srgbClr val="FF0000"/>
+              </a:gs>
+              <a:gs pos="100000">
+                <a:schemeClr val="bg1">
+                  <a:lumMod val="50000"/>
+                </a:schemeClr>
+              </a:gs>
+            </a:gsLst>
+            <a:lin ang="5400000" scaled="0"/>
+          </a:gradFill>
+          <a:ln w="19050"/>
+        </p:spPr>
+        <p:style>
+          <a:lnRef idx="2">
+            <a:schemeClr val="accent1"/>
+          </a:lnRef>
+          <a:fillRef idx="1">
+            <a:schemeClr val="lt1"/>
+          </a:fillRef>
+          <a:effectRef idx="0">
+            <a:schemeClr val="accent1"/>
+          </a:effectRef>
+          <a:fontRef idx="minor">
+            <a:schemeClr val="dk1"/>
+          </a:fontRef>
+        </p:style>
+        <p:txBody>
+          <a:bodyPr lIns="124733" tIns="62367" rIns="124733" bIns="62367" rtlCol="0" anchor="ctr"/>
+          <a:lstStyle/>
+          <a:p>
+            <a:pPr algn="ctr"/>
+            <a:r>
+              <a:rPr lang="ru-RU" sz="700" dirty="0"/>
+              <a:t>Отказ от обслуживания внешнего долга</a:t>
+            </a:r>
+            <a:endParaRPr lang="ru-RU" sz="400" dirty="0"/>
+          </a:p>
+        </p:txBody>
+      </p:sp>
+      <p:sp>
+        <p:nvSpPr>
+          <p:cNvPr id="86" name="Прямоугольник 85">
+            <a:extLst>
+              <a:ext uri="{FF2B5EF4-FFF2-40B4-BE49-F238E27FC236}">
+                <a16:creationId xmlns="" xmlns:a16="http://schemas.microsoft.com/office/drawing/2014/main" id="{D4D526C2-9053-416E-9EDD-C32F7B959DFA}"/>
+              </a:ext>
+            </a:extLst>
+          </p:cNvPr>
+          <p:cNvSpPr/>
+          <p:nvPr/>
+        </p:nvSpPr>
+        <p:spPr>
+          <a:xfrm>
+            <a:off x="2344924" y="15649430"/>
             <a:ext cx="926325" cy="540000"/>
           </a:xfrm>
           <a:prstGeom prst="rect">
@@ -6425,7 +6462,7 @@
             <a:pPr algn="ctr"/>
             <a:r>
               <a:rPr lang="ru-RU" sz="700" dirty="0"/>
-              <a:t>Отказ от обслуживания внешнего долга</a:t>
+              <a:t>Пропаганда социализма в государственном образовании</a:t>
             </a:r>
             <a:endParaRPr lang="ru-RU" sz="400" dirty="0"/>
           </a:p>
@@ -6433,10 +6470,10 @@
       </p:sp>
       <p:sp>
         <p:nvSpPr>
-          <p:cNvPr id="86" name="Прямоугольник 85">
-            <a:extLst>
-              <a:ext uri="{FF2B5EF4-FFF2-40B4-BE49-F238E27FC236}">
-                <a16:creationId xmlns:a16="http://schemas.microsoft.com/office/drawing/2014/main" xmlns="" id="{D4D526C2-9053-416E-9EDD-C32F7B959DFA}"/>
+          <p:cNvPr id="87" name="Прямоугольник 86">
+            <a:extLst>
+              <a:ext uri="{FF2B5EF4-FFF2-40B4-BE49-F238E27FC236}">
+                <a16:creationId xmlns="" xmlns:a16="http://schemas.microsoft.com/office/drawing/2014/main" id="{05781F45-96BD-4772-A7F8-D0C0E48CF0C4}"/>
               </a:ext>
             </a:extLst>
           </p:cNvPr>
@@ -6445,7 +6482,7 @@
         </p:nvSpPr>
         <p:spPr>
           <a:xfrm>
-            <a:off x="2344924" y="15649430"/>
+            <a:off x="1631984" y="17260318"/>
             <a:ext cx="926325" cy="540000"/>
           </a:xfrm>
           <a:prstGeom prst="rect">
@@ -6477,58 +6514,6 @@
             <a:pPr algn="ctr"/>
             <a:r>
               <a:rPr lang="ru-RU" sz="700" dirty="0"/>
-              <a:t>Пропаганда социализма в государственном образовании</a:t>
-            </a:r>
-            <a:endParaRPr lang="ru-RU" sz="400" dirty="0"/>
-          </a:p>
-        </p:txBody>
-      </p:sp>
-      <p:sp>
-        <p:nvSpPr>
-          <p:cNvPr id="87" name="Прямоугольник 86">
-            <a:extLst>
-              <a:ext uri="{FF2B5EF4-FFF2-40B4-BE49-F238E27FC236}">
-                <a16:creationId xmlns:a16="http://schemas.microsoft.com/office/drawing/2014/main" xmlns="" id="{05781F45-96BD-4772-A7F8-D0C0E48CF0C4}"/>
-              </a:ext>
-            </a:extLst>
-          </p:cNvPr>
-          <p:cNvSpPr/>
-          <p:nvPr/>
-        </p:nvSpPr>
-        <p:spPr>
-          <a:xfrm>
-            <a:off x="2927777" y="17260318"/>
-            <a:ext cx="926325" cy="540000"/>
-          </a:xfrm>
-          <a:prstGeom prst="rect">
-            <a:avLst/>
-          </a:prstGeom>
-          <a:solidFill>
-            <a:srgbClr val="FF0000"/>
-          </a:solidFill>
-          <a:ln w="19050"/>
-        </p:spPr>
-        <p:style>
-          <a:lnRef idx="2">
-            <a:schemeClr val="accent1"/>
-          </a:lnRef>
-          <a:fillRef idx="1">
-            <a:schemeClr val="lt1"/>
-          </a:fillRef>
-          <a:effectRef idx="0">
-            <a:schemeClr val="accent1"/>
-          </a:effectRef>
-          <a:fontRef idx="minor">
-            <a:schemeClr val="dk1"/>
-          </a:fontRef>
-        </p:style>
-        <p:txBody>
-          <a:bodyPr lIns="124733" tIns="62367" rIns="124733" bIns="62367" rtlCol="0" anchor="ctr"/>
-          <a:lstStyle/>
-          <a:p>
-            <a:pPr algn="ctr"/>
-            <a:r>
-              <a:rPr lang="ru-RU" sz="700" dirty="0"/>
               <a:t>Государство рабочих </a:t>
             </a:r>
             <a:r>
@@ -6541,218 +6526,10 @@
       </p:sp>
       <p:sp>
         <p:nvSpPr>
-          <p:cNvPr id="88" name="Прямоугольник 87">
-            <a:extLst>
-              <a:ext uri="{FF2B5EF4-FFF2-40B4-BE49-F238E27FC236}">
-                <a16:creationId xmlns:a16="http://schemas.microsoft.com/office/drawing/2014/main" xmlns="" id="{422F676B-23F7-43EE-A95A-69895A18F0AD}"/>
-              </a:ext>
-            </a:extLst>
-          </p:cNvPr>
-          <p:cNvSpPr/>
-          <p:nvPr/>
-        </p:nvSpPr>
-        <p:spPr>
-          <a:xfrm>
-            <a:off x="14037726" y="5677245"/>
-            <a:ext cx="1918902" cy="1962976"/>
-          </a:xfrm>
-          <a:prstGeom prst="rect">
-            <a:avLst/>
-          </a:prstGeom>
-          <a:solidFill>
-            <a:srgbClr val="FF0000"/>
-          </a:solidFill>
-          <a:ln w="19050"/>
-        </p:spPr>
-        <p:style>
-          <a:lnRef idx="2">
-            <a:schemeClr val="accent1"/>
-          </a:lnRef>
-          <a:fillRef idx="1">
-            <a:schemeClr val="lt1"/>
-          </a:fillRef>
-          <a:effectRef idx="0">
-            <a:schemeClr val="accent1"/>
-          </a:effectRef>
-          <a:fontRef idx="minor">
-            <a:schemeClr val="dk1"/>
-          </a:fontRef>
-        </p:style>
-        <p:txBody>
-          <a:bodyPr lIns="124733" tIns="62367" rIns="124733" bIns="62367" rtlCol="0" anchor="ctr"/>
-          <a:lstStyle/>
-          <a:p>
-            <a:pPr algn="ctr"/>
-            <a:r>
-              <a:rPr lang="ru-RU" sz="700" dirty="0"/>
-              <a:t>ИВЕНТЫ НА ТО ЧТОБЫ ДАВИТЬ ЛЕВЫХ</a:t>
-            </a:r>
-            <a:br>
-              <a:rPr lang="ru-RU" sz="700" dirty="0"/>
-            </a:br>
-            <a:r>
-              <a:rPr lang="ru-RU" sz="400" dirty="0"/>
-              <a:t>После свержения </a:t>
-            </a:r>
-            <a:r>
-              <a:rPr lang="ru-RU" sz="400" dirty="0" err="1"/>
-              <a:t>Сакасы</a:t>
-            </a:r>
-            <a:r>
-              <a:rPr lang="ru-RU" sz="400" dirty="0"/>
-              <a:t> </a:t>
-            </a:r>
-            <a:r>
-              <a:rPr lang="ru-RU" sz="400" dirty="0" err="1"/>
-              <a:t>Сомоса</a:t>
-            </a:r>
-            <a:r>
-              <a:rPr lang="ru-RU" sz="400" dirty="0"/>
-              <a:t> в августе 1936 года бросил нескольких </a:t>
-            </a:r>
-            <a:r>
-              <a:rPr lang="ru-RU" sz="400" dirty="0" err="1"/>
-              <a:t>ли¬деров</a:t>
-            </a:r>
-            <a:r>
-              <a:rPr lang="ru-RU" sz="400" dirty="0"/>
-              <a:t> НПТ в тюрьму на острова Корн. В 1937-м такой же участи подверглись и оставшиеся на свободе руководители НПТ. В 1938 году диктатор расколол очередное руководство НПТ, а в 1939-му отправил всех более или менее </a:t>
-            </a:r>
-            <a:r>
-              <a:rPr lang="ru-RU" sz="400" dirty="0" err="1"/>
-              <a:t>актив¬ных</a:t>
-            </a:r>
-            <a:r>
-              <a:rPr lang="ru-RU" sz="400" dirty="0"/>
-              <a:t> членов партии либо в тюрьму, либо в </a:t>
-            </a:r>
-            <a:r>
-              <a:rPr lang="ru-RU" sz="400" dirty="0" err="1"/>
-              <a:t>эмиграцию.Сомосе</a:t>
-            </a:r>
-            <a:r>
-              <a:rPr lang="ru-RU" sz="400" dirty="0"/>
-              <a:t> не нравились политические рабочие организации, так как </a:t>
-            </a:r>
-            <a:r>
-              <a:rPr lang="ru-RU" sz="400" dirty="0" err="1"/>
-              <a:t>полити¬ку</a:t>
-            </a:r>
-            <a:r>
-              <a:rPr lang="ru-RU" sz="400" dirty="0"/>
-              <a:t> в Никарагуа он хотел определять единолично. Больше по душе диктатору были организации вроде «</a:t>
-            </a:r>
-            <a:r>
-              <a:rPr lang="ru-RU" sz="400" dirty="0" err="1"/>
-              <a:t>зубатовских</a:t>
-            </a:r>
-            <a:r>
-              <a:rPr lang="ru-RU" sz="400" dirty="0"/>
-              <a:t> профсоюзов» в царской России. </a:t>
-            </a:r>
-            <a:r>
-              <a:rPr lang="ru-RU" sz="400" dirty="0" err="1"/>
-              <a:t>Рабо¬чие</a:t>
-            </a:r>
-            <a:r>
-              <a:rPr lang="ru-RU" sz="400" dirty="0"/>
-              <a:t>, с точки зрения </a:t>
-            </a:r>
-            <a:r>
-              <a:rPr lang="ru-RU" sz="400" dirty="0" err="1"/>
-              <a:t>Сомосы</a:t>
-            </a:r>
-            <a:r>
-              <a:rPr lang="ru-RU" sz="400" dirty="0"/>
-              <a:t>, должны были заниматься самообразованием, </a:t>
-            </a:r>
-            <a:r>
-              <a:rPr lang="ru-RU" sz="400" dirty="0" err="1"/>
-              <a:t>тан¬цами</a:t>
-            </a:r>
-            <a:r>
-              <a:rPr lang="ru-RU" sz="400" dirty="0"/>
-              <a:t> и другими культурными формами досуга. В августе 1936 года был введен налог на алкоголь, сборы от которого должны были пойти на строительство в Манагуа и каждом центре департаментов «Рабочего дома». Именно в таких домах рабочие и должны были «культурно отдыхать» вместо того, чтобы </a:t>
-            </a:r>
-            <a:r>
-              <a:rPr lang="ru-RU" sz="400" dirty="0" err="1"/>
-              <a:t>зани¬маться</a:t>
-            </a:r>
-            <a:r>
-              <a:rPr lang="ru-RU" sz="400" dirty="0"/>
-              <a:t> политикой.</a:t>
-            </a:r>
-            <a:br>
-              <a:rPr lang="ru-RU" sz="400" dirty="0"/>
-            </a:br>
-            <a:r>
-              <a:rPr lang="ru-RU" sz="400" dirty="0"/>
-              <a:t>В январе 1943 года появился антифашистский «Конгресс за мир, единство и </a:t>
-            </a:r>
-            <a:r>
-              <a:rPr lang="ru-RU" sz="400" dirty="0" err="1"/>
-              <a:t>освобожде¬ние</a:t>
-            </a:r>
-            <a:r>
-              <a:rPr lang="ru-RU" sz="400" dirty="0"/>
-              <a:t>», за которым стояли коммунисты. Они пытались объединить в этой </a:t>
-            </a:r>
-            <a:r>
-              <a:rPr lang="ru-RU" sz="400" dirty="0" err="1"/>
-              <a:t>орга¬низации</a:t>
-            </a:r>
-            <a:r>
-              <a:rPr lang="ru-RU" sz="400" dirty="0"/>
-              <a:t> рабочих, студентов и представителей городских средних слоев. </a:t>
-            </a:r>
-            <a:r>
-              <a:rPr lang="ru-RU" sz="400" dirty="0" err="1"/>
-              <a:t>Одна¬ко</a:t>
-            </a:r>
-            <a:r>
-              <a:rPr lang="ru-RU" sz="400" dirty="0"/>
-              <a:t> по указанию </a:t>
-            </a:r>
-            <a:r>
-              <a:rPr lang="ru-RU" sz="400" dirty="0" err="1"/>
-              <a:t>Сомосы</a:t>
-            </a:r>
-            <a:r>
-              <a:rPr lang="ru-RU" sz="400" dirty="0"/>
-              <a:t> конгресс был разгромлен национальной гвардией</a:t>
-            </a:r>
-            <a:br>
-              <a:rPr lang="ru-RU" sz="400" dirty="0"/>
-            </a:br>
-            <a:r>
-              <a:rPr lang="ru-RU" sz="400" dirty="0"/>
-              <a:t>Коммунисты тем не менее образовали Блок антифашистских трудящихся, </a:t>
-            </a:r>
-            <a:r>
-              <a:rPr lang="ru-RU" sz="400" dirty="0" err="1"/>
-              <a:t>ко¬торый</a:t>
-            </a:r>
-            <a:r>
-              <a:rPr lang="ru-RU" sz="400" dirty="0"/>
-              <a:t> во время празднования 1 мая 1943 года потребовал снижения цен и </a:t>
-            </a:r>
-            <a:r>
-              <a:rPr lang="ru-RU" sz="400" dirty="0" err="1"/>
-              <a:t>раз¬дачу</a:t>
-            </a:r>
-            <a:r>
-              <a:rPr lang="ru-RU" sz="400" dirty="0"/>
-              <a:t> земли крестьянам. После этого все руководители блока были арестованы.</a:t>
-            </a:r>
-          </a:p>
-        </p:txBody>
-      </p:sp>
-      <p:sp>
-        <p:nvSpPr>
           <p:cNvPr id="89" name="Прямоугольник 88">
             <a:extLst>
               <a:ext uri="{FF2B5EF4-FFF2-40B4-BE49-F238E27FC236}">
-                <a16:creationId xmlns:a16="http://schemas.microsoft.com/office/drawing/2014/main" xmlns="" id="{F33E5A38-0B16-4D37-89E1-19C913A5BC13}"/>
+                <a16:creationId xmlns="" xmlns:a16="http://schemas.microsoft.com/office/drawing/2014/main" id="{F33E5A38-0B16-4D37-89E1-19C913A5BC13}"/>
               </a:ext>
             </a:extLst>
           </p:cNvPr>
@@ -6810,7 +6587,7 @@
           <p:cNvPr id="90" name="Прямоугольник 89">
             <a:extLst>
               <a:ext uri="{FF2B5EF4-FFF2-40B4-BE49-F238E27FC236}">
-                <a16:creationId xmlns:a16="http://schemas.microsoft.com/office/drawing/2014/main" xmlns="" id="{8C2287E1-C065-4042-BB84-91F0CF7A3A74}"/>
+                <a16:creationId xmlns="" xmlns:a16="http://schemas.microsoft.com/office/drawing/2014/main" id="{8C2287E1-C065-4042-BB84-91F0CF7A3A74}"/>
               </a:ext>
             </a:extLst>
           </p:cNvPr>
@@ -6868,7 +6645,7 @@
           <p:cNvPr id="91" name="Прямоугольник 90">
             <a:extLst>
               <a:ext uri="{FF2B5EF4-FFF2-40B4-BE49-F238E27FC236}">
-                <a16:creationId xmlns:a16="http://schemas.microsoft.com/office/drawing/2014/main" xmlns="" id="{58596D98-69F8-48F5-B5AF-D2569C87ECDC}"/>
+                <a16:creationId xmlns="" xmlns:a16="http://schemas.microsoft.com/office/drawing/2014/main" id="{58596D98-69F8-48F5-B5AF-D2569C87ECDC}"/>
               </a:ext>
             </a:extLst>
           </p:cNvPr>
@@ -6926,7 +6703,7 @@
           <p:cNvPr id="92" name="Прямоугольник 91">
             <a:extLst>
               <a:ext uri="{FF2B5EF4-FFF2-40B4-BE49-F238E27FC236}">
-                <a16:creationId xmlns:a16="http://schemas.microsoft.com/office/drawing/2014/main" xmlns="" id="{A0E90C58-DFD9-4550-AC8D-DED87F819668}"/>
+                <a16:creationId xmlns="" xmlns:a16="http://schemas.microsoft.com/office/drawing/2014/main" id="{A0E90C58-DFD9-4550-AC8D-DED87F819668}"/>
               </a:ext>
             </a:extLst>
           </p:cNvPr>
@@ -7000,7 +6777,7 @@
           <p:cNvPr id="93" name="Прямоугольник 92">
             <a:extLst>
               <a:ext uri="{FF2B5EF4-FFF2-40B4-BE49-F238E27FC236}">
-                <a16:creationId xmlns:a16="http://schemas.microsoft.com/office/drawing/2014/main" xmlns="" id="{905EFC66-02B2-49ED-A696-FAEF4A1D6416}"/>
+                <a16:creationId xmlns="" xmlns:a16="http://schemas.microsoft.com/office/drawing/2014/main" id="{905EFC66-02B2-49ED-A696-FAEF4A1D6416}"/>
               </a:ext>
             </a:extLst>
           </p:cNvPr>
@@ -7070,7 +6847,7 @@
           <p:cNvPr id="94" name="Прямоугольник 93">
             <a:extLst>
               <a:ext uri="{FF2B5EF4-FFF2-40B4-BE49-F238E27FC236}">
-                <a16:creationId xmlns:a16="http://schemas.microsoft.com/office/drawing/2014/main" xmlns="" id="{9261C47C-5EE1-4F56-8101-3DF5265766CF}"/>
+                <a16:creationId xmlns="" xmlns:a16="http://schemas.microsoft.com/office/drawing/2014/main" id="{9261C47C-5EE1-4F56-8101-3DF5265766CF}"/>
               </a:ext>
             </a:extLst>
           </p:cNvPr>
@@ -7132,7 +6909,7 @@
           <p:cNvPr id="95" name="Прямоугольник 94">
             <a:extLst>
               <a:ext uri="{FF2B5EF4-FFF2-40B4-BE49-F238E27FC236}">
-                <a16:creationId xmlns:a16="http://schemas.microsoft.com/office/drawing/2014/main" xmlns="" id="{C2DE2667-AAF6-4947-B73A-9F430C79018E}"/>
+                <a16:creationId xmlns="" xmlns:a16="http://schemas.microsoft.com/office/drawing/2014/main" id="{C2DE2667-AAF6-4947-B73A-9F430C79018E}"/>
               </a:ext>
             </a:extLst>
           </p:cNvPr>
@@ -7190,7 +6967,7 @@
           <p:cNvPr id="96" name="Прямоугольник 95">
             <a:extLst>
               <a:ext uri="{FF2B5EF4-FFF2-40B4-BE49-F238E27FC236}">
-                <a16:creationId xmlns:a16="http://schemas.microsoft.com/office/drawing/2014/main" xmlns="" id="{F057BD5D-D5FA-4727-B502-9F95624798B4}"/>
+                <a16:creationId xmlns="" xmlns:a16="http://schemas.microsoft.com/office/drawing/2014/main" id="{F057BD5D-D5FA-4727-B502-9F95624798B4}"/>
               </a:ext>
             </a:extLst>
           </p:cNvPr>
@@ -7248,7 +7025,7 @@
           <p:cNvPr id="97" name="Прямоугольник 96">
             <a:extLst>
               <a:ext uri="{FF2B5EF4-FFF2-40B4-BE49-F238E27FC236}">
-                <a16:creationId xmlns:a16="http://schemas.microsoft.com/office/drawing/2014/main" xmlns="" id="{BE32C799-1429-4853-B5A8-AE3345E90D8D}"/>
+                <a16:creationId xmlns="" xmlns:a16="http://schemas.microsoft.com/office/drawing/2014/main" id="{BE32C799-1429-4853-B5A8-AE3345E90D8D}"/>
               </a:ext>
             </a:extLst>
           </p:cNvPr>
@@ -7313,7 +7090,7 @@
           <p:cNvPr id="98" name="Прямоугольник 97">
             <a:extLst>
               <a:ext uri="{FF2B5EF4-FFF2-40B4-BE49-F238E27FC236}">
-                <a16:creationId xmlns:a16="http://schemas.microsoft.com/office/drawing/2014/main" xmlns="" id="{21F111C9-B52C-460E-AD39-A8B9F798CB25}"/>
+                <a16:creationId xmlns="" xmlns:a16="http://schemas.microsoft.com/office/drawing/2014/main" id="{21F111C9-B52C-460E-AD39-A8B9F798CB25}"/>
               </a:ext>
             </a:extLst>
           </p:cNvPr>
@@ -7378,7 +7155,7 @@
           <p:cNvPr id="99" name="Прямоугольник 98">
             <a:extLst>
               <a:ext uri="{FF2B5EF4-FFF2-40B4-BE49-F238E27FC236}">
-                <a16:creationId xmlns:a16="http://schemas.microsoft.com/office/drawing/2014/main" xmlns="" id="{3CDEA90A-403D-44E8-BD63-5F728A857464}"/>
+                <a16:creationId xmlns="" xmlns:a16="http://schemas.microsoft.com/office/drawing/2014/main" id="{3CDEA90A-403D-44E8-BD63-5F728A857464}"/>
               </a:ext>
             </a:extLst>
           </p:cNvPr>
@@ -7447,7 +7224,7 @@
           <p:cNvPr id="100" name="Прямоугольник 99">
             <a:extLst>
               <a:ext uri="{FF2B5EF4-FFF2-40B4-BE49-F238E27FC236}">
-                <a16:creationId xmlns:a16="http://schemas.microsoft.com/office/drawing/2014/main" xmlns="" id="{8B70D98A-AAC5-4F3D-938D-F15D11AC9F90}"/>
+                <a16:creationId xmlns="" xmlns:a16="http://schemas.microsoft.com/office/drawing/2014/main" id="{8B70D98A-AAC5-4F3D-938D-F15D11AC9F90}"/>
               </a:ext>
             </a:extLst>
           </p:cNvPr>
@@ -7516,7 +7293,7 @@
           <p:cNvPr id="101" name="Прямоугольник 100">
             <a:extLst>
               <a:ext uri="{FF2B5EF4-FFF2-40B4-BE49-F238E27FC236}">
-                <a16:creationId xmlns:a16="http://schemas.microsoft.com/office/drawing/2014/main" xmlns="" id="{F402EBBD-5722-48B1-9BBA-587E5C4DFB4D}"/>
+                <a16:creationId xmlns="" xmlns:a16="http://schemas.microsoft.com/office/drawing/2014/main" id="{F402EBBD-5722-48B1-9BBA-587E5C4DFB4D}"/>
               </a:ext>
             </a:extLst>
           </p:cNvPr>
@@ -7585,7 +7362,7 @@
           <p:cNvPr id="102" name="Прямоугольник 101">
             <a:extLst>
               <a:ext uri="{FF2B5EF4-FFF2-40B4-BE49-F238E27FC236}">
-                <a16:creationId xmlns:a16="http://schemas.microsoft.com/office/drawing/2014/main" xmlns="" id="{62E65D83-9718-4B14-AFE2-F1D04B420F81}"/>
+                <a16:creationId xmlns="" xmlns:a16="http://schemas.microsoft.com/office/drawing/2014/main" id="{62E65D83-9718-4B14-AFE2-F1D04B420F81}"/>
               </a:ext>
             </a:extLst>
           </p:cNvPr>
@@ -7654,7 +7431,7 @@
           <p:cNvPr id="103" name="Прямоугольник 102">
             <a:extLst>
               <a:ext uri="{FF2B5EF4-FFF2-40B4-BE49-F238E27FC236}">
-                <a16:creationId xmlns:a16="http://schemas.microsoft.com/office/drawing/2014/main" xmlns="" id="{C6BDA37E-3E81-4B99-A54A-C631250D3A33}"/>
+                <a16:creationId xmlns="" xmlns:a16="http://schemas.microsoft.com/office/drawing/2014/main" id="{C6BDA37E-3E81-4B99-A54A-C631250D3A33}"/>
               </a:ext>
             </a:extLst>
           </p:cNvPr>
@@ -7663,7 +7440,7 @@
         </p:nvSpPr>
         <p:spPr>
           <a:xfrm>
-            <a:off x="6515040" y="10750105"/>
+            <a:off x="6511320" y="11532641"/>
             <a:ext cx="926325" cy="540000"/>
           </a:xfrm>
           <a:prstGeom prst="rect">
@@ -7723,7 +7500,7 @@
           <p:cNvPr id="112" name="Прямоугольник 111">
             <a:extLst>
               <a:ext uri="{FF2B5EF4-FFF2-40B4-BE49-F238E27FC236}">
-                <a16:creationId xmlns:a16="http://schemas.microsoft.com/office/drawing/2014/main" xmlns="" id="{9B5A9C46-C31A-401D-9EBF-78AE38F570DF}"/>
+                <a16:creationId xmlns="" xmlns:a16="http://schemas.microsoft.com/office/drawing/2014/main" id="{9B5A9C46-C31A-401D-9EBF-78AE38F570DF}"/>
               </a:ext>
             </a:extLst>
           </p:cNvPr>
@@ -7796,7 +7573,7 @@
           <p:cNvPr id="117" name="Соединительная линия уступом 903">
             <a:extLst>
               <a:ext uri="{FF2B5EF4-FFF2-40B4-BE49-F238E27FC236}">
-                <a16:creationId xmlns:a16="http://schemas.microsoft.com/office/drawing/2014/main" xmlns="" id="{7F550792-EE6C-4B6F-B826-22E45DB79321}"/>
+                <a16:creationId xmlns="" xmlns:a16="http://schemas.microsoft.com/office/drawing/2014/main" id="{7F550792-EE6C-4B6F-B826-22E45DB79321}"/>
               </a:ext>
             </a:extLst>
           </p:cNvPr>
@@ -7842,7 +7619,7 @@
           <p:cNvPr id="120" name="Соединительная линия уступом 903">
             <a:extLst>
               <a:ext uri="{FF2B5EF4-FFF2-40B4-BE49-F238E27FC236}">
-                <a16:creationId xmlns:a16="http://schemas.microsoft.com/office/drawing/2014/main" xmlns="" id="{42BA63A1-F902-44BD-AEC4-6A00A7DD5215}"/>
+                <a16:creationId xmlns="" xmlns:a16="http://schemas.microsoft.com/office/drawing/2014/main" id="{42BA63A1-F902-44BD-AEC4-6A00A7DD5215}"/>
               </a:ext>
             </a:extLst>
           </p:cNvPr>
@@ -7888,7 +7665,7 @@
           <p:cNvPr id="123" name="Соединительная линия уступом 903">
             <a:extLst>
               <a:ext uri="{FF2B5EF4-FFF2-40B4-BE49-F238E27FC236}">
-                <a16:creationId xmlns:a16="http://schemas.microsoft.com/office/drawing/2014/main" xmlns="" id="{52CF7390-DEEA-4782-9037-6AAA2FAB1267}"/>
+                <a16:creationId xmlns="" xmlns:a16="http://schemas.microsoft.com/office/drawing/2014/main" id="{52CF7390-DEEA-4782-9037-6AAA2FAB1267}"/>
               </a:ext>
             </a:extLst>
           </p:cNvPr>
@@ -7933,7 +7710,7 @@
           <p:cNvPr id="128" name="Соединительная линия уступом 903">
             <a:extLst>
               <a:ext uri="{FF2B5EF4-FFF2-40B4-BE49-F238E27FC236}">
-                <a16:creationId xmlns:a16="http://schemas.microsoft.com/office/drawing/2014/main" xmlns="" id="{7A113AE3-4577-430A-BA26-EF4235023FFA}"/>
+                <a16:creationId xmlns="" xmlns:a16="http://schemas.microsoft.com/office/drawing/2014/main" id="{7A113AE3-4577-430A-BA26-EF4235023FFA}"/>
               </a:ext>
             </a:extLst>
           </p:cNvPr>
@@ -7978,7 +7755,7 @@
           <p:cNvPr id="131" name="Соединительная линия уступом 903">
             <a:extLst>
               <a:ext uri="{FF2B5EF4-FFF2-40B4-BE49-F238E27FC236}">
-                <a16:creationId xmlns:a16="http://schemas.microsoft.com/office/drawing/2014/main" xmlns="" id="{40147503-E638-42DF-A929-5C7B9F2B48B1}"/>
+                <a16:creationId xmlns="" xmlns:a16="http://schemas.microsoft.com/office/drawing/2014/main" id="{40147503-E638-42DF-A929-5C7B9F2B48B1}"/>
               </a:ext>
             </a:extLst>
           </p:cNvPr>
@@ -8023,7 +7800,7 @@
           <p:cNvPr id="134" name="Соединительная линия уступом 903">
             <a:extLst>
               <a:ext uri="{FF2B5EF4-FFF2-40B4-BE49-F238E27FC236}">
-                <a16:creationId xmlns:a16="http://schemas.microsoft.com/office/drawing/2014/main" xmlns="" id="{B109EAAA-04CC-455A-9A24-9F6792FBCCC4}"/>
+                <a16:creationId xmlns="" xmlns:a16="http://schemas.microsoft.com/office/drawing/2014/main" id="{B109EAAA-04CC-455A-9A24-9F6792FBCCC4}"/>
               </a:ext>
             </a:extLst>
           </p:cNvPr>
@@ -8036,12 +7813,12 @@
         </p:nvCxnSpPr>
         <p:spPr>
           <a:xfrm rot="5400000">
-            <a:off x="7192117" y="10270930"/>
-            <a:ext cx="265262" cy="693089"/>
+            <a:off x="6798989" y="10660338"/>
+            <a:ext cx="1047798" cy="696809"/>
           </a:xfrm>
           <a:prstGeom prst="bentConnector3">
             <a:avLst>
-              <a:gd name="adj1" fmla="val 50000"/>
+              <a:gd name="adj1" fmla="val 12426"/>
             </a:avLst>
           </a:prstGeom>
           <a:ln w="19050">
@@ -8068,7 +7845,7 @@
           <p:cNvPr id="138" name="Соединительная линия уступом 903">
             <a:extLst>
               <a:ext uri="{FF2B5EF4-FFF2-40B4-BE49-F238E27FC236}">
-                <a16:creationId xmlns:a16="http://schemas.microsoft.com/office/drawing/2014/main" xmlns="" id="{BB75BD33-58E7-4B2D-9AE8-736000AF5996}"/>
+                <a16:creationId xmlns="" xmlns:a16="http://schemas.microsoft.com/office/drawing/2014/main" id="{BB75BD33-58E7-4B2D-9AE8-736000AF5996}"/>
               </a:ext>
             </a:extLst>
           </p:cNvPr>
@@ -8081,12 +7858,12 @@
         </p:nvCxnSpPr>
         <p:spPr>
           <a:xfrm rot="16200000" flipH="1">
-            <a:off x="6496340" y="10268242"/>
-            <a:ext cx="262160" cy="701565"/>
+            <a:off x="6103212" y="10661370"/>
+            <a:ext cx="1044696" cy="697845"/>
           </a:xfrm>
           <a:prstGeom prst="bentConnector3">
             <a:avLst>
-              <a:gd name="adj1" fmla="val 50000"/>
+              <a:gd name="adj1" fmla="val 11707"/>
             </a:avLst>
           </a:prstGeom>
           <a:ln w="19050">
@@ -8113,7 +7890,7 @@
           <p:cNvPr id="141" name="Прямая со стрелкой 140">
             <a:extLst>
               <a:ext uri="{FF2B5EF4-FFF2-40B4-BE49-F238E27FC236}">
-                <a16:creationId xmlns:a16="http://schemas.microsoft.com/office/drawing/2014/main" xmlns="" id="{F0204958-F3C4-46F5-A7B8-B2E525B442E3}"/>
+                <a16:creationId xmlns="" xmlns:a16="http://schemas.microsoft.com/office/drawing/2014/main" id="{F0204958-F3C4-46F5-A7B8-B2E525B442E3}"/>
               </a:ext>
             </a:extLst>
           </p:cNvPr>
@@ -8156,7 +7933,7 @@
           <p:cNvPr id="144" name="Соединительная линия уступом 903">
             <a:extLst>
               <a:ext uri="{FF2B5EF4-FFF2-40B4-BE49-F238E27FC236}">
-                <a16:creationId xmlns:a16="http://schemas.microsoft.com/office/drawing/2014/main" xmlns="" id="{5C748310-8A24-4A37-94AD-69E898DBB5BF}"/>
+                <a16:creationId xmlns="" xmlns:a16="http://schemas.microsoft.com/office/drawing/2014/main" id="{5C748310-8A24-4A37-94AD-69E898DBB5BF}"/>
               </a:ext>
             </a:extLst>
           </p:cNvPr>
@@ -8202,7 +7979,7 @@
           <p:cNvPr id="147" name="Соединительная линия уступом 903">
             <a:extLst>
               <a:ext uri="{FF2B5EF4-FFF2-40B4-BE49-F238E27FC236}">
-                <a16:creationId xmlns:a16="http://schemas.microsoft.com/office/drawing/2014/main" xmlns="" id="{6247459E-8D36-4B32-A142-C426692F0DC9}"/>
+                <a16:creationId xmlns="" xmlns:a16="http://schemas.microsoft.com/office/drawing/2014/main" id="{6247459E-8D36-4B32-A142-C426692F0DC9}"/>
               </a:ext>
             </a:extLst>
           </p:cNvPr>
@@ -8248,7 +8025,7 @@
           <p:cNvPr id="150" name="Соединительная линия уступом 903">
             <a:extLst>
               <a:ext uri="{FF2B5EF4-FFF2-40B4-BE49-F238E27FC236}">
-                <a16:creationId xmlns:a16="http://schemas.microsoft.com/office/drawing/2014/main" xmlns="" id="{B5229C84-1524-4F6C-8C6B-E4AA146420CD}"/>
+                <a16:creationId xmlns="" xmlns:a16="http://schemas.microsoft.com/office/drawing/2014/main" id="{B5229C84-1524-4F6C-8C6B-E4AA146420CD}"/>
               </a:ext>
             </a:extLst>
           </p:cNvPr>
@@ -8294,7 +8071,7 @@
           <p:cNvPr id="153" name="Соединительная линия уступом 903">
             <a:extLst>
               <a:ext uri="{FF2B5EF4-FFF2-40B4-BE49-F238E27FC236}">
-                <a16:creationId xmlns:a16="http://schemas.microsoft.com/office/drawing/2014/main" xmlns="" id="{2D2CC445-D083-4638-B348-AE346D452DE8}"/>
+                <a16:creationId xmlns="" xmlns:a16="http://schemas.microsoft.com/office/drawing/2014/main" id="{2D2CC445-D083-4638-B348-AE346D452DE8}"/>
               </a:ext>
             </a:extLst>
           </p:cNvPr>
@@ -8340,7 +8117,7 @@
           <p:cNvPr id="156" name="Прямоугольник 155">
             <a:extLst>
               <a:ext uri="{FF2B5EF4-FFF2-40B4-BE49-F238E27FC236}">
-                <a16:creationId xmlns:a16="http://schemas.microsoft.com/office/drawing/2014/main" xmlns="" id="{70F2E1EB-331E-413E-A7A7-863A2E76F5D1}"/>
+                <a16:creationId xmlns="" xmlns:a16="http://schemas.microsoft.com/office/drawing/2014/main" id="{70F2E1EB-331E-413E-A7A7-863A2E76F5D1}"/>
               </a:ext>
             </a:extLst>
           </p:cNvPr>
@@ -8398,7 +8175,7 @@
           <p:cNvPr id="158" name="Прямоугольник 157">
             <a:extLst>
               <a:ext uri="{FF2B5EF4-FFF2-40B4-BE49-F238E27FC236}">
-                <a16:creationId xmlns:a16="http://schemas.microsoft.com/office/drawing/2014/main" xmlns="" id="{39373D37-652A-432A-AF2C-81923E65FD74}"/>
+                <a16:creationId xmlns="" xmlns:a16="http://schemas.microsoft.com/office/drawing/2014/main" id="{39373D37-652A-432A-AF2C-81923E65FD74}"/>
               </a:ext>
             </a:extLst>
           </p:cNvPr>
@@ -8463,7 +8240,7 @@
           <p:cNvPr id="162" name="Прямоугольник 161">
             <a:extLst>
               <a:ext uri="{FF2B5EF4-FFF2-40B4-BE49-F238E27FC236}">
-                <a16:creationId xmlns:a16="http://schemas.microsoft.com/office/drawing/2014/main" xmlns="" id="{D21D4960-F203-4755-9FED-7CFC800F902A}"/>
+                <a16:creationId xmlns="" xmlns:a16="http://schemas.microsoft.com/office/drawing/2014/main" id="{D21D4960-F203-4755-9FED-7CFC800F902A}"/>
               </a:ext>
             </a:extLst>
           </p:cNvPr>
@@ -8521,7 +8298,7 @@
           <p:cNvPr id="163" name="Прямоугольник 162">
             <a:extLst>
               <a:ext uri="{FF2B5EF4-FFF2-40B4-BE49-F238E27FC236}">
-                <a16:creationId xmlns:a16="http://schemas.microsoft.com/office/drawing/2014/main" xmlns="" id="{BD849E57-A12E-42AE-AA12-4FB9BA687E1A}"/>
+                <a16:creationId xmlns="" xmlns:a16="http://schemas.microsoft.com/office/drawing/2014/main" id="{BD849E57-A12E-42AE-AA12-4FB9BA687E1A}"/>
               </a:ext>
             </a:extLst>
           </p:cNvPr>
@@ -8582,7 +8359,7 @@
           <p:cNvPr id="164" name="Прямая со стрелкой 163">
             <a:extLst>
               <a:ext uri="{FF2B5EF4-FFF2-40B4-BE49-F238E27FC236}">
-                <a16:creationId xmlns:a16="http://schemas.microsoft.com/office/drawing/2014/main" xmlns="" id="{B048244F-EB49-46C4-A9EC-3C9E6EB26FD0}"/>
+                <a16:creationId xmlns="" xmlns:a16="http://schemas.microsoft.com/office/drawing/2014/main" id="{B048244F-EB49-46C4-A9EC-3C9E6EB26FD0}"/>
               </a:ext>
             </a:extLst>
           </p:cNvPr>
@@ -8625,7 +8402,7 @@
           <p:cNvPr id="169" name="Соединительная линия уступом 903">
             <a:extLst>
               <a:ext uri="{FF2B5EF4-FFF2-40B4-BE49-F238E27FC236}">
-                <a16:creationId xmlns:a16="http://schemas.microsoft.com/office/drawing/2014/main" xmlns="" id="{3BF92898-1A8D-44CD-90AE-9ED96D3CC103}"/>
+                <a16:creationId xmlns="" xmlns:a16="http://schemas.microsoft.com/office/drawing/2014/main" id="{3BF92898-1A8D-44CD-90AE-9ED96D3CC103}"/>
               </a:ext>
             </a:extLst>
           </p:cNvPr>
@@ -8670,7 +8447,7 @@
           <p:cNvPr id="173" name="Соединительная линия уступом 903">
             <a:extLst>
               <a:ext uri="{FF2B5EF4-FFF2-40B4-BE49-F238E27FC236}">
-                <a16:creationId xmlns:a16="http://schemas.microsoft.com/office/drawing/2014/main" xmlns="" id="{EF7071D1-BE49-4A1B-8811-FFC6268219EF}"/>
+                <a16:creationId xmlns="" xmlns:a16="http://schemas.microsoft.com/office/drawing/2014/main" id="{EF7071D1-BE49-4A1B-8811-FFC6268219EF}"/>
               </a:ext>
             </a:extLst>
           </p:cNvPr>
@@ -8715,7 +8492,7 @@
           <p:cNvPr id="176" name="Соединительная линия уступом 903">
             <a:extLst>
               <a:ext uri="{FF2B5EF4-FFF2-40B4-BE49-F238E27FC236}">
-                <a16:creationId xmlns:a16="http://schemas.microsoft.com/office/drawing/2014/main" xmlns="" id="{30D330E8-189B-403C-83EF-0C1AB67953A6}"/>
+                <a16:creationId xmlns="" xmlns:a16="http://schemas.microsoft.com/office/drawing/2014/main" id="{30D330E8-189B-403C-83EF-0C1AB67953A6}"/>
               </a:ext>
             </a:extLst>
           </p:cNvPr>
@@ -8760,7 +8537,7 @@
           <p:cNvPr id="179" name="Соединительная линия уступом 903">
             <a:extLst>
               <a:ext uri="{FF2B5EF4-FFF2-40B4-BE49-F238E27FC236}">
-                <a16:creationId xmlns:a16="http://schemas.microsoft.com/office/drawing/2014/main" xmlns="" id="{1B345060-1C77-489A-A3B6-573436341CD2}"/>
+                <a16:creationId xmlns="" xmlns:a16="http://schemas.microsoft.com/office/drawing/2014/main" id="{1B345060-1C77-489A-A3B6-573436341CD2}"/>
               </a:ext>
             </a:extLst>
           </p:cNvPr>
@@ -8805,7 +8582,7 @@
           <p:cNvPr id="194" name="Соединительная линия уступом 903">
             <a:extLst>
               <a:ext uri="{FF2B5EF4-FFF2-40B4-BE49-F238E27FC236}">
-                <a16:creationId xmlns:a16="http://schemas.microsoft.com/office/drawing/2014/main" xmlns="" id="{47EFD662-D8F0-4D46-B8BE-62DAF2481AC2}"/>
+                <a16:creationId xmlns="" xmlns:a16="http://schemas.microsoft.com/office/drawing/2014/main" id="{47EFD662-D8F0-4D46-B8BE-62DAF2481AC2}"/>
               </a:ext>
             </a:extLst>
           </p:cNvPr>
@@ -8850,7 +8627,7 @@
           <p:cNvPr id="197" name="Соединительная линия уступом 903">
             <a:extLst>
               <a:ext uri="{FF2B5EF4-FFF2-40B4-BE49-F238E27FC236}">
-                <a16:creationId xmlns:a16="http://schemas.microsoft.com/office/drawing/2014/main" xmlns="" id="{42EC46F3-1198-439C-9201-297275403091}"/>
+                <a16:creationId xmlns="" xmlns:a16="http://schemas.microsoft.com/office/drawing/2014/main" id="{42EC46F3-1198-439C-9201-297275403091}"/>
               </a:ext>
             </a:extLst>
           </p:cNvPr>
@@ -8895,7 +8672,7 @@
           <p:cNvPr id="200" name="Прямая со стрелкой 199">
             <a:extLst>
               <a:ext uri="{FF2B5EF4-FFF2-40B4-BE49-F238E27FC236}">
-                <a16:creationId xmlns:a16="http://schemas.microsoft.com/office/drawing/2014/main" xmlns="" id="{C65B3E6E-D325-417D-A60E-CBAC49A6F0BD}"/>
+                <a16:creationId xmlns="" xmlns:a16="http://schemas.microsoft.com/office/drawing/2014/main" id="{C65B3E6E-D325-417D-A60E-CBAC49A6F0BD}"/>
               </a:ext>
             </a:extLst>
           </p:cNvPr>
@@ -8938,7 +8715,7 @@
           <p:cNvPr id="203" name="Прямая со стрелкой 202">
             <a:extLst>
               <a:ext uri="{FF2B5EF4-FFF2-40B4-BE49-F238E27FC236}">
-                <a16:creationId xmlns:a16="http://schemas.microsoft.com/office/drawing/2014/main" xmlns="" id="{D3A51449-15E2-4BEA-88A5-B2691A1B3690}"/>
+                <a16:creationId xmlns="" xmlns:a16="http://schemas.microsoft.com/office/drawing/2014/main" id="{D3A51449-15E2-4BEA-88A5-B2691A1B3690}"/>
               </a:ext>
             </a:extLst>
           </p:cNvPr>
@@ -8981,7 +8758,7 @@
           <p:cNvPr id="206" name="Прямая со стрелкой 205">
             <a:extLst>
               <a:ext uri="{FF2B5EF4-FFF2-40B4-BE49-F238E27FC236}">
-                <a16:creationId xmlns:a16="http://schemas.microsoft.com/office/drawing/2014/main" xmlns="" id="{AFD4E665-A61D-46C2-A133-3412690F30F3}"/>
+                <a16:creationId xmlns="" xmlns:a16="http://schemas.microsoft.com/office/drawing/2014/main" id="{AFD4E665-A61D-46C2-A133-3412690F30F3}"/>
               </a:ext>
             </a:extLst>
           </p:cNvPr>
@@ -9024,7 +8801,7 @@
           <p:cNvPr id="209" name="Прямая со стрелкой 208">
             <a:extLst>
               <a:ext uri="{FF2B5EF4-FFF2-40B4-BE49-F238E27FC236}">
-                <a16:creationId xmlns:a16="http://schemas.microsoft.com/office/drawing/2014/main" xmlns="" id="{6B358EC7-E053-4570-B92E-4C044AC26D2C}"/>
+                <a16:creationId xmlns="" xmlns:a16="http://schemas.microsoft.com/office/drawing/2014/main" id="{6B358EC7-E053-4570-B92E-4C044AC26D2C}"/>
               </a:ext>
             </a:extLst>
           </p:cNvPr>
@@ -9067,7 +8844,7 @@
           <p:cNvPr id="212" name="Прямая со стрелкой 211">
             <a:extLst>
               <a:ext uri="{FF2B5EF4-FFF2-40B4-BE49-F238E27FC236}">
-                <a16:creationId xmlns:a16="http://schemas.microsoft.com/office/drawing/2014/main" xmlns="" id="{929707B4-0ED3-4FF6-B9DB-8E849B5466B2}"/>
+                <a16:creationId xmlns="" xmlns:a16="http://schemas.microsoft.com/office/drawing/2014/main" id="{929707B4-0ED3-4FF6-B9DB-8E849B5466B2}"/>
               </a:ext>
             </a:extLst>
           </p:cNvPr>
@@ -9110,7 +8887,7 @@
           <p:cNvPr id="215" name="Прямая со стрелкой 214">
             <a:extLst>
               <a:ext uri="{FF2B5EF4-FFF2-40B4-BE49-F238E27FC236}">
-                <a16:creationId xmlns:a16="http://schemas.microsoft.com/office/drawing/2014/main" xmlns="" id="{3763D6CD-8165-4195-A229-9E111149C4E6}"/>
+                <a16:creationId xmlns="" xmlns:a16="http://schemas.microsoft.com/office/drawing/2014/main" id="{3763D6CD-8165-4195-A229-9E111149C4E6}"/>
               </a:ext>
             </a:extLst>
           </p:cNvPr>
@@ -9153,7 +8930,7 @@
           <p:cNvPr id="226" name="Прямоугольник 225">
             <a:extLst>
               <a:ext uri="{FF2B5EF4-FFF2-40B4-BE49-F238E27FC236}">
-                <a16:creationId xmlns:a16="http://schemas.microsoft.com/office/drawing/2014/main" xmlns="" id="{8F90957D-3F70-4F7D-A50B-157EE934D6F5}"/>
+                <a16:creationId xmlns="" xmlns:a16="http://schemas.microsoft.com/office/drawing/2014/main" id="{8F90957D-3F70-4F7D-A50B-157EE934D6F5}"/>
               </a:ext>
             </a:extLst>
           </p:cNvPr>
@@ -9162,7 +8939,7 @@
         </p:nvSpPr>
         <p:spPr>
           <a:xfrm>
-            <a:off x="9979396" y="4141690"/>
+            <a:off x="10595346" y="4141690"/>
             <a:ext cx="926325" cy="540000"/>
           </a:xfrm>
           <a:prstGeom prst="rect">
@@ -9203,7 +8980,7 @@
           <p:cNvPr id="227" name="Прямоугольник 226">
             <a:extLst>
               <a:ext uri="{FF2B5EF4-FFF2-40B4-BE49-F238E27FC236}">
-                <a16:creationId xmlns:a16="http://schemas.microsoft.com/office/drawing/2014/main" xmlns="" id="{77B2829B-9A73-48A5-B93C-36696747ADD9}"/>
+                <a16:creationId xmlns="" xmlns:a16="http://schemas.microsoft.com/office/drawing/2014/main" id="{77B2829B-9A73-48A5-B93C-36696747ADD9}"/>
               </a:ext>
             </a:extLst>
           </p:cNvPr>
@@ -9261,7 +9038,7 @@
           <p:cNvPr id="231" name="Соединительная линия уступом 903">
             <a:extLst>
               <a:ext uri="{FF2B5EF4-FFF2-40B4-BE49-F238E27FC236}">
-                <a16:creationId xmlns:a16="http://schemas.microsoft.com/office/drawing/2014/main" xmlns="" id="{4F66CE16-F4D4-4BEA-B35B-7CA503F701C0}"/>
+                <a16:creationId xmlns="" xmlns:a16="http://schemas.microsoft.com/office/drawing/2014/main" id="{4F66CE16-F4D4-4BEA-B35B-7CA503F701C0}"/>
               </a:ext>
             </a:extLst>
           </p:cNvPr>
@@ -9306,7 +9083,7 @@
           <p:cNvPr id="238" name="Прямая соединительная линия 237">
             <a:extLst>
               <a:ext uri="{FF2B5EF4-FFF2-40B4-BE49-F238E27FC236}">
-                <a16:creationId xmlns:a16="http://schemas.microsoft.com/office/drawing/2014/main" xmlns="" id="{FD347516-2278-4B85-B9D1-D49EF200F440}"/>
+                <a16:creationId xmlns="" xmlns:a16="http://schemas.microsoft.com/office/drawing/2014/main" id="{FD347516-2278-4B85-B9D1-D49EF200F440}"/>
               </a:ext>
             </a:extLst>
           </p:cNvPr>
@@ -9351,7 +9128,7 @@
           <p:cNvPr id="266" name="Соединительная линия уступом 903">
             <a:extLst>
               <a:ext uri="{FF2B5EF4-FFF2-40B4-BE49-F238E27FC236}">
-                <a16:creationId xmlns:a16="http://schemas.microsoft.com/office/drawing/2014/main" xmlns="" id="{FD352671-4213-4DF2-A335-A0D96AEF3058}"/>
+                <a16:creationId xmlns="" xmlns:a16="http://schemas.microsoft.com/office/drawing/2014/main" id="{FD352671-4213-4DF2-A335-A0D96AEF3058}"/>
               </a:ext>
             </a:extLst>
           </p:cNvPr>
@@ -9396,7 +9173,7 @@
           <p:cNvPr id="270" name="Прямоугольник 269">
             <a:extLst>
               <a:ext uri="{FF2B5EF4-FFF2-40B4-BE49-F238E27FC236}">
-                <a16:creationId xmlns:a16="http://schemas.microsoft.com/office/drawing/2014/main" xmlns="" id="{A5342E2A-ECF3-4482-981E-FB362358AC03}"/>
+                <a16:creationId xmlns="" xmlns:a16="http://schemas.microsoft.com/office/drawing/2014/main" id="{A5342E2A-ECF3-4482-981E-FB362358AC03}"/>
               </a:ext>
             </a:extLst>
           </p:cNvPr>
@@ -9454,7 +9231,7 @@
           <p:cNvPr id="271" name="Прямая соединительная линия 270">
             <a:extLst>
               <a:ext uri="{FF2B5EF4-FFF2-40B4-BE49-F238E27FC236}">
-                <a16:creationId xmlns:a16="http://schemas.microsoft.com/office/drawing/2014/main" xmlns="" id="{A658E4AD-DAE9-412E-8260-CC41A0C2A1E1}"/>
+                <a16:creationId xmlns="" xmlns:a16="http://schemas.microsoft.com/office/drawing/2014/main" id="{A658E4AD-DAE9-412E-8260-CC41A0C2A1E1}"/>
               </a:ext>
             </a:extLst>
           </p:cNvPr>
@@ -9499,7 +9276,7 @@
           <p:cNvPr id="279" name="Соединительная линия уступом 903">
             <a:extLst>
               <a:ext uri="{FF2B5EF4-FFF2-40B4-BE49-F238E27FC236}">
-                <a16:creationId xmlns:a16="http://schemas.microsoft.com/office/drawing/2014/main" xmlns="" id="{572840DF-3EA8-46E1-931A-FA2FFC7D98A4}"/>
+                <a16:creationId xmlns="" xmlns:a16="http://schemas.microsoft.com/office/drawing/2014/main" id="{572840DF-3EA8-46E1-931A-FA2FFC7D98A4}"/>
               </a:ext>
             </a:extLst>
           </p:cNvPr>
@@ -9544,7 +9321,7 @@
           <p:cNvPr id="286" name="Соединительная линия уступом 903">
             <a:extLst>
               <a:ext uri="{FF2B5EF4-FFF2-40B4-BE49-F238E27FC236}">
-                <a16:creationId xmlns:a16="http://schemas.microsoft.com/office/drawing/2014/main" xmlns="" id="{576D432B-14DD-4A6D-AB31-394D7535A00A}"/>
+                <a16:creationId xmlns="" xmlns:a16="http://schemas.microsoft.com/office/drawing/2014/main" id="{576D432B-14DD-4A6D-AB31-394D7535A00A}"/>
               </a:ext>
             </a:extLst>
           </p:cNvPr>
@@ -9589,7 +9366,7 @@
           <p:cNvPr id="295" name="Соединительная линия уступом 903">
             <a:extLst>
               <a:ext uri="{FF2B5EF4-FFF2-40B4-BE49-F238E27FC236}">
-                <a16:creationId xmlns:a16="http://schemas.microsoft.com/office/drawing/2014/main" xmlns="" id="{2A1524CC-F749-457E-8785-AFB89CF85AC6}"/>
+                <a16:creationId xmlns="" xmlns:a16="http://schemas.microsoft.com/office/drawing/2014/main" id="{2A1524CC-F749-457E-8785-AFB89CF85AC6}"/>
               </a:ext>
             </a:extLst>
           </p:cNvPr>
@@ -9635,7 +9412,7 @@
           <p:cNvPr id="298" name="Соединительная линия уступом 903">
             <a:extLst>
               <a:ext uri="{FF2B5EF4-FFF2-40B4-BE49-F238E27FC236}">
-                <a16:creationId xmlns:a16="http://schemas.microsoft.com/office/drawing/2014/main" xmlns="" id="{034CF559-3849-42CF-A3F3-E3159A936C70}"/>
+                <a16:creationId xmlns="" xmlns:a16="http://schemas.microsoft.com/office/drawing/2014/main" id="{034CF559-3849-42CF-A3F3-E3159A936C70}"/>
               </a:ext>
             </a:extLst>
           </p:cNvPr>
@@ -9681,7 +9458,7 @@
           <p:cNvPr id="301" name="Соединительная линия уступом 903">
             <a:extLst>
               <a:ext uri="{FF2B5EF4-FFF2-40B4-BE49-F238E27FC236}">
-                <a16:creationId xmlns:a16="http://schemas.microsoft.com/office/drawing/2014/main" xmlns="" id="{7672BA52-6BCF-494F-8AA2-A64772CE3CC0}"/>
+                <a16:creationId xmlns="" xmlns:a16="http://schemas.microsoft.com/office/drawing/2014/main" id="{7672BA52-6BCF-494F-8AA2-A64772CE3CC0}"/>
               </a:ext>
             </a:extLst>
           </p:cNvPr>
@@ -9727,7 +9504,7 @@
           <p:cNvPr id="304" name="Прямоугольник 303">
             <a:extLst>
               <a:ext uri="{FF2B5EF4-FFF2-40B4-BE49-F238E27FC236}">
-                <a16:creationId xmlns:a16="http://schemas.microsoft.com/office/drawing/2014/main" xmlns="" id="{5A90479D-BFEC-4250-A8B4-175610005B0C}"/>
+                <a16:creationId xmlns="" xmlns:a16="http://schemas.microsoft.com/office/drawing/2014/main" id="{5A90479D-BFEC-4250-A8B4-175610005B0C}"/>
               </a:ext>
             </a:extLst>
           </p:cNvPr>
@@ -9786,7 +9563,7 @@
           <p:cNvPr id="305" name="Прямоугольник 304">
             <a:extLst>
               <a:ext uri="{FF2B5EF4-FFF2-40B4-BE49-F238E27FC236}">
-                <a16:creationId xmlns:a16="http://schemas.microsoft.com/office/drawing/2014/main" xmlns="" id="{73C6584F-AB91-413A-9C68-4ACD181B75C0}"/>
+                <a16:creationId xmlns="" xmlns:a16="http://schemas.microsoft.com/office/drawing/2014/main" id="{73C6584F-AB91-413A-9C68-4ACD181B75C0}"/>
               </a:ext>
             </a:extLst>
           </p:cNvPr>
@@ -9845,7 +9622,7 @@
           <p:cNvPr id="306" name="Соединительная линия уступом 903">
             <a:extLst>
               <a:ext uri="{FF2B5EF4-FFF2-40B4-BE49-F238E27FC236}">
-                <a16:creationId xmlns:a16="http://schemas.microsoft.com/office/drawing/2014/main" xmlns="" id="{8BEF26C8-19FF-4ACF-94F5-4225C4EB8246}"/>
+                <a16:creationId xmlns="" xmlns:a16="http://schemas.microsoft.com/office/drawing/2014/main" id="{8BEF26C8-19FF-4ACF-94F5-4225C4EB8246}"/>
               </a:ext>
             </a:extLst>
           </p:cNvPr>
@@ -9890,7 +9667,7 @@
           <p:cNvPr id="312" name="Соединительная линия уступом 903">
             <a:extLst>
               <a:ext uri="{FF2B5EF4-FFF2-40B4-BE49-F238E27FC236}">
-                <a16:creationId xmlns:a16="http://schemas.microsoft.com/office/drawing/2014/main" xmlns="" id="{07137075-E005-4218-9DD1-C16A5EBE52A6}"/>
+                <a16:creationId xmlns="" xmlns:a16="http://schemas.microsoft.com/office/drawing/2014/main" id="{07137075-E005-4218-9DD1-C16A5EBE52A6}"/>
               </a:ext>
             </a:extLst>
           </p:cNvPr>
@@ -9935,7 +9712,7 @@
           <p:cNvPr id="130" name="Прямоугольник 129">
             <a:extLst>
               <a:ext uri="{FF2B5EF4-FFF2-40B4-BE49-F238E27FC236}">
-                <a16:creationId xmlns:a16="http://schemas.microsoft.com/office/drawing/2014/main" xmlns="" id="{ABFF5B51-3609-4286-A116-20D114007F6D}"/>
+                <a16:creationId xmlns="" xmlns:a16="http://schemas.microsoft.com/office/drawing/2014/main" id="{ABFF5B51-3609-4286-A116-20D114007F6D}"/>
               </a:ext>
             </a:extLst>
           </p:cNvPr>
@@ -9994,7 +9771,7 @@
           <p:cNvPr id="132" name="Прямоугольник 131">
             <a:extLst>
               <a:ext uri="{FF2B5EF4-FFF2-40B4-BE49-F238E27FC236}">
-                <a16:creationId xmlns:a16="http://schemas.microsoft.com/office/drawing/2014/main" xmlns="" id="{42471CBD-413A-4A3C-B6F6-DCD88E55B78D}"/>
+                <a16:creationId xmlns="" xmlns:a16="http://schemas.microsoft.com/office/drawing/2014/main" id="{42471CBD-413A-4A3C-B6F6-DCD88E55B78D}"/>
               </a:ext>
             </a:extLst>
           </p:cNvPr>
@@ -10003,7 +9780,7 @@
         </p:nvSpPr>
         <p:spPr>
           <a:xfrm>
-            <a:off x="10564701" y="3349055"/>
+            <a:off x="11180651" y="3349055"/>
             <a:ext cx="926325" cy="540000"/>
           </a:xfrm>
           <a:prstGeom prst="rect">
@@ -10044,7 +9821,7 @@
           <p:cNvPr id="133" name="Прямоугольник 132">
             <a:extLst>
               <a:ext uri="{FF2B5EF4-FFF2-40B4-BE49-F238E27FC236}">
-                <a16:creationId xmlns:a16="http://schemas.microsoft.com/office/drawing/2014/main" xmlns="" id="{5A02DB7D-6E57-4AEF-9913-B75B2F02E27D}"/>
+                <a16:creationId xmlns="" xmlns:a16="http://schemas.microsoft.com/office/drawing/2014/main" id="{5A02DB7D-6E57-4AEF-9913-B75B2F02E27D}"/>
               </a:ext>
             </a:extLst>
           </p:cNvPr>
@@ -10053,7 +9830,7 @@
         </p:nvSpPr>
         <p:spPr>
           <a:xfrm>
-            <a:off x="9292357" y="11532641"/>
+            <a:off x="9296948" y="12272494"/>
             <a:ext cx="926325" cy="540000"/>
           </a:xfrm>
           <a:prstGeom prst="rect">
@@ -10099,7 +9876,7 @@
           <p:cNvPr id="135" name="Прямоугольник 134">
             <a:extLst>
               <a:ext uri="{FF2B5EF4-FFF2-40B4-BE49-F238E27FC236}">
-                <a16:creationId xmlns:a16="http://schemas.microsoft.com/office/drawing/2014/main" xmlns="" id="{D80463F0-008D-4836-8F9E-3D2D6E66AB47}"/>
+                <a16:creationId xmlns="" xmlns:a16="http://schemas.microsoft.com/office/drawing/2014/main" id="{D80463F0-008D-4836-8F9E-3D2D6E66AB47}"/>
               </a:ext>
             </a:extLst>
           </p:cNvPr>
@@ -10154,7 +9931,7 @@
           <p:cNvPr id="136" name="Прямоугольник 135">
             <a:extLst>
               <a:ext uri="{FF2B5EF4-FFF2-40B4-BE49-F238E27FC236}">
-                <a16:creationId xmlns:a16="http://schemas.microsoft.com/office/drawing/2014/main" xmlns="" id="{C758B007-0C96-4689-82E4-6C593885F846}"/>
+                <a16:creationId xmlns="" xmlns:a16="http://schemas.microsoft.com/office/drawing/2014/main" id="{C758B007-0C96-4689-82E4-6C593885F846}"/>
               </a:ext>
             </a:extLst>
           </p:cNvPr>
@@ -10163,7 +9940,7 @@
         </p:nvSpPr>
         <p:spPr>
           <a:xfrm>
-            <a:off x="9292356" y="12270675"/>
+            <a:off x="9296950" y="13099419"/>
             <a:ext cx="926325" cy="540000"/>
           </a:xfrm>
           <a:prstGeom prst="rect">
@@ -10221,7 +9998,7 @@
           <p:cNvPr id="139" name="Прямоугольник 138">
             <a:extLst>
               <a:ext uri="{FF2B5EF4-FFF2-40B4-BE49-F238E27FC236}">
-                <a16:creationId xmlns:a16="http://schemas.microsoft.com/office/drawing/2014/main" xmlns="" id="{2772F863-F97F-446C-9EF5-E9FBA76BA105}"/>
+                <a16:creationId xmlns="" xmlns:a16="http://schemas.microsoft.com/office/drawing/2014/main" id="{2772F863-F97F-446C-9EF5-E9FBA76BA105}"/>
               </a:ext>
             </a:extLst>
           </p:cNvPr>
@@ -10275,7 +10052,7 @@
           <p:cNvPr id="140" name="Прямая со стрелкой 139">
             <a:extLst>
               <a:ext uri="{FF2B5EF4-FFF2-40B4-BE49-F238E27FC236}">
-                <a16:creationId xmlns:a16="http://schemas.microsoft.com/office/drawing/2014/main" xmlns="" id="{B3FCE5AB-B549-43E5-94DB-B0838C67B62E}"/>
+                <a16:creationId xmlns="" xmlns:a16="http://schemas.microsoft.com/office/drawing/2014/main" id="{B3FCE5AB-B549-43E5-94DB-B0838C67B62E}"/>
               </a:ext>
             </a:extLst>
           </p:cNvPr>
@@ -10318,7 +10095,7 @@
           <p:cNvPr id="142" name="Прямая со стрелкой 141">
             <a:extLst>
               <a:ext uri="{FF2B5EF4-FFF2-40B4-BE49-F238E27FC236}">
-                <a16:creationId xmlns:a16="http://schemas.microsoft.com/office/drawing/2014/main" xmlns="" id="{6DB489FB-B7F5-4424-8C73-6D37DF418426}"/>
+                <a16:creationId xmlns="" xmlns:a16="http://schemas.microsoft.com/office/drawing/2014/main" id="{6DB489FB-B7F5-4424-8C73-6D37DF418426}"/>
               </a:ext>
             </a:extLst>
           </p:cNvPr>
@@ -10361,7 +10138,7 @@
           <p:cNvPr id="143" name="Прямоугольник 142">
             <a:extLst>
               <a:ext uri="{FF2B5EF4-FFF2-40B4-BE49-F238E27FC236}">
-                <a16:creationId xmlns:a16="http://schemas.microsoft.com/office/drawing/2014/main" xmlns="" id="{D8560F03-D7E5-4EAE-8AB6-25DD52B13299}"/>
+                <a16:creationId xmlns="" xmlns:a16="http://schemas.microsoft.com/office/drawing/2014/main" id="{D8560F03-D7E5-4EAE-8AB6-25DD52B13299}"/>
               </a:ext>
             </a:extLst>
           </p:cNvPr>
@@ -10370,7 +10147,7 @@
         </p:nvSpPr>
         <p:spPr>
           <a:xfrm>
-            <a:off x="10677253" y="8349423"/>
+            <a:off x="10595345" y="8349423"/>
             <a:ext cx="926325" cy="540000"/>
           </a:xfrm>
           <a:prstGeom prst="rect">
@@ -10436,7 +10213,7 @@
           <p:cNvPr id="145" name="Прямоугольник 144">
             <a:extLst>
               <a:ext uri="{FF2B5EF4-FFF2-40B4-BE49-F238E27FC236}">
-                <a16:creationId xmlns:a16="http://schemas.microsoft.com/office/drawing/2014/main" xmlns="" id="{9B2FDAB2-B211-4434-9C5B-E5DF44A10A33}"/>
+                <a16:creationId xmlns="" xmlns:a16="http://schemas.microsoft.com/office/drawing/2014/main" id="{9B2FDAB2-B211-4434-9C5B-E5DF44A10A33}"/>
               </a:ext>
             </a:extLst>
           </p:cNvPr>
@@ -10494,7 +10271,7 @@
           <p:cNvPr id="146" name="Соединительная линия уступом 903">
             <a:extLst>
               <a:ext uri="{FF2B5EF4-FFF2-40B4-BE49-F238E27FC236}">
-                <a16:creationId xmlns:a16="http://schemas.microsoft.com/office/drawing/2014/main" xmlns="" id="{7F2B1BD7-0FDF-4BD9-834C-72911F99D650}"/>
+                <a16:creationId xmlns="" xmlns:a16="http://schemas.microsoft.com/office/drawing/2014/main" id="{7F2B1BD7-0FDF-4BD9-834C-72911F99D650}"/>
               </a:ext>
             </a:extLst>
           </p:cNvPr>
@@ -10539,7 +10316,7 @@
           <p:cNvPr id="148" name="Прямоугольник 147">
             <a:extLst>
               <a:ext uri="{FF2B5EF4-FFF2-40B4-BE49-F238E27FC236}">
-                <a16:creationId xmlns:a16="http://schemas.microsoft.com/office/drawing/2014/main" xmlns="" id="{5F0353F8-E21C-4F18-BE59-BB22D272D767}"/>
+                <a16:creationId xmlns="" xmlns:a16="http://schemas.microsoft.com/office/drawing/2014/main" id="{5F0353F8-E21C-4F18-BE59-BB22D272D767}"/>
               </a:ext>
             </a:extLst>
           </p:cNvPr>
@@ -10597,7 +10374,7 @@
           <p:cNvPr id="149" name="Прямоугольник 148">
             <a:extLst>
               <a:ext uri="{FF2B5EF4-FFF2-40B4-BE49-F238E27FC236}">
-                <a16:creationId xmlns:a16="http://schemas.microsoft.com/office/drawing/2014/main" xmlns="" id="{4A8FCB66-A700-49E8-963C-C94CA0CCF5FD}"/>
+                <a16:creationId xmlns="" xmlns:a16="http://schemas.microsoft.com/office/drawing/2014/main" id="{4A8FCB66-A700-49E8-963C-C94CA0CCF5FD}"/>
               </a:ext>
             </a:extLst>
           </p:cNvPr>
@@ -10606,7 +10383,7 @@
         </p:nvSpPr>
         <p:spPr>
           <a:xfrm>
-            <a:off x="10677253" y="9146233"/>
+            <a:off x="11328937" y="9150304"/>
             <a:ext cx="926325" cy="540000"/>
           </a:xfrm>
           <a:prstGeom prst="rect">
@@ -10688,7 +10465,7 @@
           <p:cNvPr id="151" name="Прямоугольник 150">
             <a:extLst>
               <a:ext uri="{FF2B5EF4-FFF2-40B4-BE49-F238E27FC236}">
-                <a16:creationId xmlns:a16="http://schemas.microsoft.com/office/drawing/2014/main" xmlns="" id="{42471CBD-413A-4A3C-B6F6-DCD88E55B78D}"/>
+                <a16:creationId xmlns="" xmlns:a16="http://schemas.microsoft.com/office/drawing/2014/main" id="{42471CBD-413A-4A3C-B6F6-DCD88E55B78D}"/>
               </a:ext>
             </a:extLst>
           </p:cNvPr>
@@ -10697,7 +10474,7 @@
         </p:nvSpPr>
         <p:spPr>
           <a:xfrm>
-            <a:off x="7201572" y="4153218"/>
+            <a:off x="7817522" y="4153218"/>
             <a:ext cx="926325" cy="540000"/>
           </a:xfrm>
           <a:prstGeom prst="rect">
@@ -10742,7 +10519,7 @@
           <p:cNvPr id="152" name="Прямоугольник 151">
             <a:extLst>
               <a:ext uri="{FF2B5EF4-FFF2-40B4-BE49-F238E27FC236}">
-                <a16:creationId xmlns:a16="http://schemas.microsoft.com/office/drawing/2014/main" xmlns="" id="{29CBE310-5100-413A-B4C1-EA4E28F411B1}"/>
+                <a16:creationId xmlns="" xmlns:a16="http://schemas.microsoft.com/office/drawing/2014/main" id="{29CBE310-5100-413A-B4C1-EA4E28F411B1}"/>
               </a:ext>
             </a:extLst>
           </p:cNvPr>
@@ -10751,7 +10528,7 @@
         </p:nvSpPr>
         <p:spPr>
           <a:xfrm>
-            <a:off x="7203327" y="4957747"/>
+            <a:off x="7819277" y="4957747"/>
             <a:ext cx="926325" cy="540000"/>
           </a:xfrm>
           <a:prstGeom prst="rect">
@@ -10796,7 +10573,7 @@
           <p:cNvPr id="154" name="Соединительная линия уступом 903">
             <a:extLst>
               <a:ext uri="{FF2B5EF4-FFF2-40B4-BE49-F238E27FC236}">
-                <a16:creationId xmlns:a16="http://schemas.microsoft.com/office/drawing/2014/main" xmlns="" id="{BDC7F8CB-0052-4FAE-993D-F1332955CF43}"/>
+                <a16:creationId xmlns="" xmlns:a16="http://schemas.microsoft.com/office/drawing/2014/main" id="{BDC7F8CB-0052-4FAE-993D-F1332955CF43}"/>
               </a:ext>
             </a:extLst>
           </p:cNvPr>
@@ -10809,7 +10586,7 @@
         </p:nvCxnSpPr>
         <p:spPr>
           <a:xfrm rot="5400000">
-            <a:off x="7232115" y="2916923"/>
+            <a:off x="7848065" y="2916923"/>
             <a:ext cx="253802" cy="611436"/>
           </a:xfrm>
           <a:prstGeom prst="bentConnector3">
@@ -10841,7 +10618,7 @@
           <p:cNvPr id="155" name="Соединительная линия уступом 903">
             <a:extLst>
               <a:ext uri="{FF2B5EF4-FFF2-40B4-BE49-F238E27FC236}">
-                <a16:creationId xmlns:a16="http://schemas.microsoft.com/office/drawing/2014/main" xmlns="" id="{BDC7F8CB-0052-4FAE-993D-F1332955CF43}"/>
+                <a16:creationId xmlns="" xmlns:a16="http://schemas.microsoft.com/office/drawing/2014/main" id="{BDC7F8CB-0052-4FAE-993D-F1332955CF43}"/>
               </a:ext>
             </a:extLst>
           </p:cNvPr>
@@ -10854,8 +10631,8 @@
         </p:nvCxnSpPr>
         <p:spPr>
           <a:xfrm rot="16200000" flipH="1">
-            <a:off x="7859445" y="2901028"/>
-            <a:ext cx="247969" cy="637391"/>
+            <a:off x="8504432" y="2871992"/>
+            <a:ext cx="253802" cy="701298"/>
           </a:xfrm>
           <a:prstGeom prst="bentConnector3">
             <a:avLst>
@@ -10886,7 +10663,7 @@
           <p:cNvPr id="159" name="Соединительная линия уступом 903">
             <a:extLst>
               <a:ext uri="{FF2B5EF4-FFF2-40B4-BE49-F238E27FC236}">
-                <a16:creationId xmlns:a16="http://schemas.microsoft.com/office/drawing/2014/main" xmlns="" id="{BDC7F8CB-0052-4FAE-993D-F1332955CF43}"/>
+                <a16:creationId xmlns="" xmlns:a16="http://schemas.microsoft.com/office/drawing/2014/main" id="{BDC7F8CB-0052-4FAE-993D-F1332955CF43}"/>
               </a:ext>
             </a:extLst>
           </p:cNvPr>
@@ -10899,8 +10676,8 @@
         </p:nvCxnSpPr>
         <p:spPr>
           <a:xfrm rot="5400000">
-            <a:off x="8549597" y="2848269"/>
-            <a:ext cx="247969" cy="742911"/>
+            <a:off x="9194583" y="2883139"/>
+            <a:ext cx="253802" cy="679004"/>
           </a:xfrm>
           <a:prstGeom prst="bentConnector3">
             <a:avLst>
@@ -10931,7 +10708,7 @@
           <p:cNvPr id="160" name="Соединительная линия уступом 903">
             <a:extLst>
               <a:ext uri="{FF2B5EF4-FFF2-40B4-BE49-F238E27FC236}">
-                <a16:creationId xmlns:a16="http://schemas.microsoft.com/office/drawing/2014/main" xmlns="" id="{BDC7F8CB-0052-4FAE-993D-F1332955CF43}"/>
+                <a16:creationId xmlns="" xmlns:a16="http://schemas.microsoft.com/office/drawing/2014/main" id="{BDC7F8CB-0052-4FAE-993D-F1332955CF43}"/>
               </a:ext>
             </a:extLst>
           </p:cNvPr>
@@ -10944,7 +10721,7 @@
         </p:nvCxnSpPr>
         <p:spPr>
           <a:xfrm rot="16200000" flipH="1">
-            <a:off x="9277945" y="2862830"/>
+            <a:off x="9893895" y="2862830"/>
             <a:ext cx="253802" cy="719621"/>
           </a:xfrm>
           <a:prstGeom prst="bentConnector3">
@@ -10976,7 +10753,7 @@
           <p:cNvPr id="161" name="Соединительная линия уступом 903">
             <a:extLst>
               <a:ext uri="{FF2B5EF4-FFF2-40B4-BE49-F238E27FC236}">
-                <a16:creationId xmlns:a16="http://schemas.microsoft.com/office/drawing/2014/main" xmlns="" id="{BDC7F8CB-0052-4FAE-993D-F1332955CF43}"/>
+                <a16:creationId xmlns="" xmlns:a16="http://schemas.microsoft.com/office/drawing/2014/main" id="{BDC7F8CB-0052-4FAE-993D-F1332955CF43}"/>
               </a:ext>
             </a:extLst>
           </p:cNvPr>
@@ -10989,7 +10766,7 @@
         </p:nvCxnSpPr>
         <p:spPr>
           <a:xfrm rot="5400000">
-            <a:off x="9954483" y="2905914"/>
+            <a:off x="10570433" y="2905914"/>
             <a:ext cx="253803" cy="633453"/>
           </a:xfrm>
           <a:prstGeom prst="bentConnector3">
@@ -11021,7 +10798,7 @@
           <p:cNvPr id="165" name="Соединительная линия уступом 903">
             <a:extLst>
               <a:ext uri="{FF2B5EF4-FFF2-40B4-BE49-F238E27FC236}">
-                <a16:creationId xmlns:a16="http://schemas.microsoft.com/office/drawing/2014/main" xmlns="" id="{BDC7F8CB-0052-4FAE-993D-F1332955CF43}"/>
+                <a16:creationId xmlns="" xmlns:a16="http://schemas.microsoft.com/office/drawing/2014/main" id="{BDC7F8CB-0052-4FAE-993D-F1332955CF43}"/>
               </a:ext>
             </a:extLst>
           </p:cNvPr>
@@ -11034,7 +10811,7 @@
         </p:nvCxnSpPr>
         <p:spPr>
           <a:xfrm rot="16200000" flipH="1">
-            <a:off x="10586329" y="2907520"/>
+            <a:off x="11202279" y="2907520"/>
             <a:ext cx="253316" cy="629754"/>
           </a:xfrm>
           <a:prstGeom prst="bentConnector3">
@@ -11066,7 +10843,7 @@
           <p:cNvPr id="166" name="Соединительная линия уступом 903">
             <a:extLst>
               <a:ext uri="{FF2B5EF4-FFF2-40B4-BE49-F238E27FC236}">
-                <a16:creationId xmlns:a16="http://schemas.microsoft.com/office/drawing/2014/main" xmlns="" id="{BDC7F8CB-0052-4FAE-993D-F1332955CF43}"/>
+                <a16:creationId xmlns="" xmlns:a16="http://schemas.microsoft.com/office/drawing/2014/main" id="{BDC7F8CB-0052-4FAE-993D-F1332955CF43}"/>
               </a:ext>
             </a:extLst>
           </p:cNvPr>
@@ -11079,7 +10856,7 @@
         </p:nvCxnSpPr>
         <p:spPr>
           <a:xfrm rot="16200000" flipH="1">
-            <a:off x="9977534" y="3676665"/>
+            <a:off x="10593484" y="3676665"/>
             <a:ext cx="252148" cy="677902"/>
           </a:xfrm>
           <a:prstGeom prst="bentConnector3">
@@ -11111,7 +10888,7 @@
           <p:cNvPr id="167" name="Соединительная линия уступом 903">
             <a:extLst>
               <a:ext uri="{FF2B5EF4-FFF2-40B4-BE49-F238E27FC236}">
-                <a16:creationId xmlns:a16="http://schemas.microsoft.com/office/drawing/2014/main" xmlns="" id="{BDC7F8CB-0052-4FAE-993D-F1332955CF43}"/>
+                <a16:creationId xmlns="" xmlns:a16="http://schemas.microsoft.com/office/drawing/2014/main" id="{BDC7F8CB-0052-4FAE-993D-F1332955CF43}"/>
               </a:ext>
             </a:extLst>
           </p:cNvPr>
@@ -11124,7 +10901,7 @@
         </p:nvCxnSpPr>
         <p:spPr>
           <a:xfrm rot="5400000">
-            <a:off x="10608895" y="3722720"/>
+            <a:off x="11224845" y="3722720"/>
             <a:ext cx="252635" cy="585305"/>
           </a:xfrm>
           <a:prstGeom prst="bentConnector3">
@@ -11156,7 +10933,7 @@
           <p:cNvPr id="184" name="Соединительная линия уступом 903">
             <a:extLst>
               <a:ext uri="{FF2B5EF4-FFF2-40B4-BE49-F238E27FC236}">
-                <a16:creationId xmlns:a16="http://schemas.microsoft.com/office/drawing/2014/main" xmlns="" id="{BDC7F8CB-0052-4FAE-993D-F1332955CF43}"/>
+                <a16:creationId xmlns="" xmlns:a16="http://schemas.microsoft.com/office/drawing/2014/main" id="{BDC7F8CB-0052-4FAE-993D-F1332955CF43}"/>
               </a:ext>
             </a:extLst>
           </p:cNvPr>
@@ -11169,8 +10946,8 @@
         </p:nvCxnSpPr>
         <p:spPr>
           <a:xfrm rot="5400000">
-            <a:off x="7848676" y="3699768"/>
-            <a:ext cx="269509" cy="637390"/>
+            <a:off x="8499496" y="3670732"/>
+            <a:ext cx="263676" cy="701297"/>
           </a:xfrm>
           <a:prstGeom prst="bentConnector3">
             <a:avLst>
@@ -11201,7 +10978,7 @@
           <p:cNvPr id="187" name="Соединительная линия уступом 903">
             <a:extLst>
               <a:ext uri="{FF2B5EF4-FFF2-40B4-BE49-F238E27FC236}">
-                <a16:creationId xmlns:a16="http://schemas.microsoft.com/office/drawing/2014/main" xmlns="" id="{BDC7F8CB-0052-4FAE-993D-F1332955CF43}"/>
+                <a16:creationId xmlns="" xmlns:a16="http://schemas.microsoft.com/office/drawing/2014/main" id="{BDC7F8CB-0052-4FAE-993D-F1332955CF43}"/>
               </a:ext>
             </a:extLst>
           </p:cNvPr>
@@ -11214,7 +10991,7 @@
         </p:nvCxnSpPr>
         <p:spPr>
           <a:xfrm rot="16200000" flipH="1">
-            <a:off x="7227178" y="3715661"/>
+            <a:off x="7843128" y="3715661"/>
             <a:ext cx="263676" cy="611437"/>
           </a:xfrm>
           <a:prstGeom prst="bentConnector3">
@@ -11246,7 +11023,7 @@
           <p:cNvPr id="191" name="Прямая со стрелкой 190">
             <a:extLst>
               <a:ext uri="{FF2B5EF4-FFF2-40B4-BE49-F238E27FC236}">
-                <a16:creationId xmlns:a16="http://schemas.microsoft.com/office/drawing/2014/main" xmlns="" id="{11E09268-6642-4446-BE40-6FEF2498A4ED}"/>
+                <a16:creationId xmlns="" xmlns:a16="http://schemas.microsoft.com/office/drawing/2014/main" id="{11E09268-6642-4446-BE40-6FEF2498A4ED}"/>
               </a:ext>
             </a:extLst>
           </p:cNvPr>
@@ -11259,7 +11036,7 @@
         </p:nvCxnSpPr>
         <p:spPr>
           <a:xfrm>
-            <a:off x="7664735" y="4693218"/>
+            <a:off x="8280685" y="4693218"/>
             <a:ext cx="1755" cy="264529"/>
           </a:xfrm>
           <a:prstGeom prst="straightConnector1">
@@ -11328,7 +11105,7 @@
           <p:cNvPr id="211" name="Прямая со стрелкой 210">
             <a:extLst>
               <a:ext uri="{FF2B5EF4-FFF2-40B4-BE49-F238E27FC236}">
-                <a16:creationId xmlns:a16="http://schemas.microsoft.com/office/drawing/2014/main" xmlns="" id="{59266080-AC10-42CA-B68E-CEDF802FA3D3}"/>
+                <a16:creationId xmlns="" xmlns:a16="http://schemas.microsoft.com/office/drawing/2014/main" id="{59266080-AC10-42CA-B68E-CEDF802FA3D3}"/>
               </a:ext>
             </a:extLst>
           </p:cNvPr>
@@ -11372,7 +11149,7 @@
           <p:cNvPr id="214" name="Соединительная линия уступом 903">
             <a:extLst>
               <a:ext uri="{FF2B5EF4-FFF2-40B4-BE49-F238E27FC236}">
-                <a16:creationId xmlns:a16="http://schemas.microsoft.com/office/drawing/2014/main" xmlns="" id="{BDC7F8CB-0052-4FAE-993D-F1332955CF43}"/>
+                <a16:creationId xmlns="" xmlns:a16="http://schemas.microsoft.com/office/drawing/2014/main" id="{BDC7F8CB-0052-4FAE-993D-F1332955CF43}"/>
               </a:ext>
             </a:extLst>
           </p:cNvPr>
@@ -11418,7 +11195,7 @@
           <p:cNvPr id="217" name="Соединительная линия уступом 903">
             <a:extLst>
               <a:ext uri="{FF2B5EF4-FFF2-40B4-BE49-F238E27FC236}">
-                <a16:creationId xmlns:a16="http://schemas.microsoft.com/office/drawing/2014/main" xmlns="" id="{BDC7F8CB-0052-4FAE-993D-F1332955CF43}"/>
+                <a16:creationId xmlns="" xmlns:a16="http://schemas.microsoft.com/office/drawing/2014/main" id="{BDC7F8CB-0052-4FAE-993D-F1332955CF43}"/>
               </a:ext>
             </a:extLst>
           </p:cNvPr>
@@ -11464,7 +11241,7 @@
           <p:cNvPr id="221" name="Прямоугольник 220">
             <a:extLst>
               <a:ext uri="{FF2B5EF4-FFF2-40B4-BE49-F238E27FC236}">
-                <a16:creationId xmlns:a16="http://schemas.microsoft.com/office/drawing/2014/main" xmlns="" id="{D53819E8-2FF6-4FFA-A7E4-75D55AADB8B5}"/>
+                <a16:creationId xmlns="" xmlns:a16="http://schemas.microsoft.com/office/drawing/2014/main" id="{D53819E8-2FF6-4FFA-A7E4-75D55AADB8B5}"/>
               </a:ext>
             </a:extLst>
           </p:cNvPr>
@@ -11473,7 +11250,7 @@
         </p:nvSpPr>
         <p:spPr>
           <a:xfrm>
-            <a:off x="8579163" y="4966157"/>
+            <a:off x="9195113" y="4966157"/>
             <a:ext cx="926325" cy="540000"/>
           </a:xfrm>
           <a:prstGeom prst="rect">
@@ -11518,7 +11295,7 @@
           <p:cNvPr id="225" name="Соединительная линия уступом 903">
             <a:extLst>
               <a:ext uri="{FF2B5EF4-FFF2-40B4-BE49-F238E27FC236}">
-                <a16:creationId xmlns:a16="http://schemas.microsoft.com/office/drawing/2014/main" xmlns="" id="{BDC7F8CB-0052-4FAE-993D-F1332955CF43}"/>
+                <a16:creationId xmlns="" xmlns:a16="http://schemas.microsoft.com/office/drawing/2014/main" id="{BDC7F8CB-0052-4FAE-993D-F1332955CF43}"/>
               </a:ext>
             </a:extLst>
           </p:cNvPr>
@@ -11531,7 +11308,7 @@
         </p:nvCxnSpPr>
         <p:spPr>
           <a:xfrm rot="16200000" flipH="1">
-            <a:off x="7912482" y="3030357"/>
+            <a:off x="8528432" y="3030357"/>
             <a:ext cx="273370" cy="1991739"/>
           </a:xfrm>
           <a:prstGeom prst="bentConnector3">
@@ -11563,7 +11340,7 @@
           <p:cNvPr id="243" name="Прямоугольник 242">
             <a:extLst>
               <a:ext uri="{FF2B5EF4-FFF2-40B4-BE49-F238E27FC236}">
-                <a16:creationId xmlns:a16="http://schemas.microsoft.com/office/drawing/2014/main" xmlns="" id="{03F7D570-4EE1-495E-9294-D367F2E7763E}"/>
+                <a16:creationId xmlns="" xmlns:a16="http://schemas.microsoft.com/office/drawing/2014/main" id="{03F7D570-4EE1-495E-9294-D367F2E7763E}"/>
               </a:ext>
             </a:extLst>
           </p:cNvPr>
@@ -11572,7 +11349,7 @@
         </p:nvSpPr>
         <p:spPr>
           <a:xfrm>
-            <a:off x="11725180" y="93477"/>
+            <a:off x="13522230" y="87641"/>
             <a:ext cx="4089396" cy="5476194"/>
           </a:xfrm>
           <a:prstGeom prst="rect">
@@ -11901,7 +11678,7 @@
           <p:cNvPr id="168" name="Прямоугольник 167">
             <a:extLst>
               <a:ext uri="{FF2B5EF4-FFF2-40B4-BE49-F238E27FC236}">
-                <a16:creationId xmlns:a16="http://schemas.microsoft.com/office/drawing/2014/main" xmlns="" id="{29CBE310-5100-413A-B4C1-EA4E28F411B1}"/>
+                <a16:creationId xmlns="" xmlns:a16="http://schemas.microsoft.com/office/drawing/2014/main" id="{29CBE310-5100-413A-B4C1-EA4E28F411B1}"/>
               </a:ext>
             </a:extLst>
           </p:cNvPr>
@@ -11910,7 +11687,7 @@
         </p:nvSpPr>
         <p:spPr>
           <a:xfrm>
-            <a:off x="8581874" y="4162912"/>
+            <a:off x="9197824" y="4162912"/>
             <a:ext cx="926325" cy="540000"/>
           </a:xfrm>
           <a:prstGeom prst="rect">
@@ -11951,7 +11728,7 @@
           <p:cNvPr id="171" name="Прямоугольник 170">
             <a:extLst>
               <a:ext uri="{FF2B5EF4-FFF2-40B4-BE49-F238E27FC236}">
-                <a16:creationId xmlns:a16="http://schemas.microsoft.com/office/drawing/2014/main" xmlns="" id="{29CBE310-5100-413A-B4C1-EA4E28F411B1}"/>
+                <a16:creationId xmlns="" xmlns:a16="http://schemas.microsoft.com/office/drawing/2014/main" id="{29CBE310-5100-413A-B4C1-EA4E28F411B1}"/>
               </a:ext>
             </a:extLst>
           </p:cNvPr>
@@ -11960,7 +11737,7 @@
         </p:nvSpPr>
         <p:spPr>
           <a:xfrm>
-            <a:off x="9292355" y="5764380"/>
+            <a:off x="9908305" y="5764380"/>
             <a:ext cx="926325" cy="540000"/>
           </a:xfrm>
           <a:prstGeom prst="rect">
@@ -12001,7 +11778,7 @@
           <p:cNvPr id="172" name="Соединительная линия уступом 903">
             <a:extLst>
               <a:ext uri="{FF2B5EF4-FFF2-40B4-BE49-F238E27FC236}">
-                <a16:creationId xmlns:a16="http://schemas.microsoft.com/office/drawing/2014/main" xmlns="" id="{BDC7F8CB-0052-4FAE-993D-F1332955CF43}"/>
+                <a16:creationId xmlns="" xmlns:a16="http://schemas.microsoft.com/office/drawing/2014/main" id="{BDC7F8CB-0052-4FAE-993D-F1332955CF43}"/>
               </a:ext>
             </a:extLst>
           </p:cNvPr>
@@ -12014,12 +11791,12 @@
         </p:nvCxnSpPr>
         <p:spPr>
           <a:xfrm rot="16200000" flipH="1">
-            <a:off x="8869543" y="4878405"/>
+            <a:off x="9485493" y="4878405"/>
             <a:ext cx="1061468" cy="710481"/>
           </a:xfrm>
           <a:prstGeom prst="bentConnector3">
             <a:avLst>
-              <a:gd name="adj1" fmla="val 12721"/>
+              <a:gd name="adj1" fmla="val 11713"/>
             </a:avLst>
           </a:prstGeom>
           <a:ln w="19050">
@@ -12046,7 +11823,7 @@
           <p:cNvPr id="177" name="Прямая со стрелкой 176">
             <a:extLst>
               <a:ext uri="{FF2B5EF4-FFF2-40B4-BE49-F238E27FC236}">
-                <a16:creationId xmlns:a16="http://schemas.microsoft.com/office/drawing/2014/main" xmlns="" id="{11E09268-6642-4446-BE40-6FEF2498A4ED}"/>
+                <a16:creationId xmlns="" xmlns:a16="http://schemas.microsoft.com/office/drawing/2014/main" id="{11E09268-6642-4446-BE40-6FEF2498A4ED}"/>
               </a:ext>
             </a:extLst>
           </p:cNvPr>
@@ -12059,7 +11836,7 @@
         </p:nvCxnSpPr>
         <p:spPr>
           <a:xfrm flipH="1">
-            <a:off x="9042326" y="4702912"/>
+            <a:off x="9658276" y="4702912"/>
             <a:ext cx="2711" cy="263245"/>
           </a:xfrm>
           <a:prstGeom prst="straightConnector1">
@@ -12089,7 +11866,7 @@
           <p:cNvPr id="180" name="Прямоугольник 179">
             <a:extLst>
               <a:ext uri="{FF2B5EF4-FFF2-40B4-BE49-F238E27FC236}">
-                <a16:creationId xmlns:a16="http://schemas.microsoft.com/office/drawing/2014/main" xmlns="" id="{8F90957D-3F70-4F7D-A50B-157EE934D6F5}"/>
+                <a16:creationId xmlns="" xmlns:a16="http://schemas.microsoft.com/office/drawing/2014/main" id="{8F90957D-3F70-4F7D-A50B-157EE934D6F5}"/>
               </a:ext>
             </a:extLst>
           </p:cNvPr>
@@ -12098,7 +11875,7 @@
         </p:nvSpPr>
         <p:spPr>
           <a:xfrm>
-            <a:off x="9979397" y="4963645"/>
+            <a:off x="10595347" y="4963645"/>
             <a:ext cx="926325" cy="540000"/>
           </a:xfrm>
           <a:prstGeom prst="rect">
@@ -12147,7 +11924,7 @@
           <p:cNvPr id="182" name="Соединительная линия уступом 903">
             <a:extLst>
               <a:ext uri="{FF2B5EF4-FFF2-40B4-BE49-F238E27FC236}">
-                <a16:creationId xmlns:a16="http://schemas.microsoft.com/office/drawing/2014/main" xmlns="" id="{BDC7F8CB-0052-4FAE-993D-F1332955CF43}"/>
+                <a16:creationId xmlns="" xmlns:a16="http://schemas.microsoft.com/office/drawing/2014/main" id="{BDC7F8CB-0052-4FAE-993D-F1332955CF43}"/>
               </a:ext>
             </a:extLst>
           </p:cNvPr>
@@ -12160,7 +11937,7 @@
         </p:nvCxnSpPr>
         <p:spPr>
           <a:xfrm rot="16200000" flipH="1">
-            <a:off x="9613432" y="4134516"/>
+            <a:off x="10229382" y="4134516"/>
             <a:ext cx="260733" cy="1397523"/>
           </a:xfrm>
           <a:prstGeom prst="bentConnector3">
@@ -12192,7 +11969,7 @@
           <p:cNvPr id="185" name="Прямоугольник 184">
             <a:extLst>
               <a:ext uri="{FF2B5EF4-FFF2-40B4-BE49-F238E27FC236}">
-                <a16:creationId xmlns:a16="http://schemas.microsoft.com/office/drawing/2014/main" xmlns="" id="{9C02A14C-DE5F-49AD-A4EE-A27966D0EFDC}"/>
+                <a16:creationId xmlns="" xmlns:a16="http://schemas.microsoft.com/office/drawing/2014/main" id="{9C02A14C-DE5F-49AD-A4EE-A27966D0EFDC}"/>
               </a:ext>
             </a:extLst>
           </p:cNvPr>
@@ -12250,7 +12027,7 @@
           <p:cNvPr id="186" name="Соединительная линия уступом 903">
             <a:extLst>
               <a:ext uri="{FF2B5EF4-FFF2-40B4-BE49-F238E27FC236}">
-                <a16:creationId xmlns:a16="http://schemas.microsoft.com/office/drawing/2014/main" xmlns="" id="{2A1524CC-F749-457E-8785-AFB89CF85AC6}"/>
+                <a16:creationId xmlns="" xmlns:a16="http://schemas.microsoft.com/office/drawing/2014/main" id="{2A1524CC-F749-457E-8785-AFB89CF85AC6}"/>
               </a:ext>
             </a:extLst>
           </p:cNvPr>
@@ -12296,7 +12073,7 @@
           <p:cNvPr id="190" name="Соединительная линия уступом 903">
             <a:extLst>
               <a:ext uri="{FF2B5EF4-FFF2-40B4-BE49-F238E27FC236}">
-                <a16:creationId xmlns:a16="http://schemas.microsoft.com/office/drawing/2014/main" xmlns="" id="{2A1524CC-F749-457E-8785-AFB89CF85AC6}"/>
+                <a16:creationId xmlns="" xmlns:a16="http://schemas.microsoft.com/office/drawing/2014/main" id="{2A1524CC-F749-457E-8785-AFB89CF85AC6}"/>
               </a:ext>
             </a:extLst>
           </p:cNvPr>
@@ -12342,7 +12119,7 @@
           <p:cNvPr id="195" name="Прямоугольник 194">
             <a:extLst>
               <a:ext uri="{FF2B5EF4-FFF2-40B4-BE49-F238E27FC236}">
-                <a16:creationId xmlns:a16="http://schemas.microsoft.com/office/drawing/2014/main" xmlns="" id="{5A90479D-BFEC-4250-A8B4-175610005B0C}"/>
+                <a16:creationId xmlns="" xmlns:a16="http://schemas.microsoft.com/office/drawing/2014/main" id="{5A90479D-BFEC-4250-A8B4-175610005B0C}"/>
               </a:ext>
             </a:extLst>
           </p:cNvPr>
@@ -12351,7 +12128,7 @@
         </p:nvSpPr>
         <p:spPr>
           <a:xfrm>
-            <a:off x="8134455" y="9236649"/>
+            <a:off x="8631333" y="9150304"/>
             <a:ext cx="926325" cy="540000"/>
           </a:xfrm>
           <a:prstGeom prst="rect">
@@ -12404,7 +12181,7 @@
           <p:cNvPr id="170" name="Прямоугольник 169">
             <a:extLst>
               <a:ext uri="{FF2B5EF4-FFF2-40B4-BE49-F238E27FC236}">
-                <a16:creationId xmlns:a16="http://schemas.microsoft.com/office/drawing/2014/main" xmlns="" id="{FC846415-2760-43A4-A1A1-795C4968509B}"/>
+                <a16:creationId xmlns="" xmlns:a16="http://schemas.microsoft.com/office/drawing/2014/main" id="{FC846415-2760-43A4-A1A1-795C4968509B}"/>
               </a:ext>
             </a:extLst>
           </p:cNvPr>
@@ -12452,11 +12229,7 @@
             </a:br>
             <a:r>
               <a:rPr lang="ru-RU" sz="200" dirty="0" smtClean="0"/>
-              <a:t>(</a:t>
-            </a:r>
-            <a:r>
-              <a:rPr lang="ru-RU" sz="200" dirty="0" smtClean="0"/>
-              <a:t>это </a:t>
+              <a:t>(это </a:t>
             </a:r>
             <a:r>
               <a:rPr lang="ru-RU" sz="200" dirty="0"/>
@@ -12487,7 +12260,7 @@
           <p:cNvPr id="174" name="Прямоугольник 173">
             <a:extLst>
               <a:ext uri="{FF2B5EF4-FFF2-40B4-BE49-F238E27FC236}">
-                <a16:creationId xmlns:a16="http://schemas.microsoft.com/office/drawing/2014/main" xmlns="" id="{FC846415-2760-43A4-A1A1-795C4968509B}"/>
+                <a16:creationId xmlns="" xmlns:a16="http://schemas.microsoft.com/office/drawing/2014/main" id="{FC846415-2760-43A4-A1A1-795C4968509B}"/>
               </a:ext>
             </a:extLst>
           </p:cNvPr>
@@ -12575,7 +12348,7 @@
           <p:cNvPr id="175" name="Прямоугольник 174">
             <a:extLst>
               <a:ext uri="{FF2B5EF4-FFF2-40B4-BE49-F238E27FC236}">
-                <a16:creationId xmlns:a16="http://schemas.microsoft.com/office/drawing/2014/main" xmlns="" id="{9C02A14C-DE5F-49AD-A4EE-A27966D0EFDC}"/>
+                <a16:creationId xmlns="" xmlns:a16="http://schemas.microsoft.com/office/drawing/2014/main" id="{9C02A14C-DE5F-49AD-A4EE-A27966D0EFDC}"/>
               </a:ext>
             </a:extLst>
           </p:cNvPr>
@@ -12585,6 +12358,88 @@
         <p:spPr>
           <a:xfrm>
             <a:off x="6036036" y="15649430"/>
+            <a:ext cx="926325" cy="540000"/>
+          </a:xfrm>
+          <a:prstGeom prst="rect">
+            <a:avLst/>
+          </a:prstGeom>
+          <a:gradFill>
+            <a:gsLst>
+              <a:gs pos="0">
+                <a:srgbClr val="FF0000"/>
+              </a:gs>
+              <a:gs pos="100000">
+                <a:schemeClr val="bg1">
+                  <a:lumMod val="50000"/>
+                </a:schemeClr>
+              </a:gs>
+            </a:gsLst>
+            <a:lin ang="5400000" scaled="0"/>
+          </a:gradFill>
+          <a:ln w="19050"/>
+        </p:spPr>
+        <p:style>
+          <a:lnRef idx="2">
+            <a:schemeClr val="accent1"/>
+          </a:lnRef>
+          <a:fillRef idx="1">
+            <a:schemeClr val="lt1"/>
+          </a:fillRef>
+          <a:effectRef idx="0">
+            <a:schemeClr val="accent1"/>
+          </a:effectRef>
+          <a:fontRef idx="minor">
+            <a:schemeClr val="dk1"/>
+          </a:fontRef>
+        </p:style>
+        <p:txBody>
+          <a:bodyPr lIns="124733" tIns="62367" rIns="124733" bIns="62367" rtlCol="0" anchor="ctr"/>
+          <a:lstStyle/>
+          <a:p>
+            <a:pPr algn="ctr"/>
+            <a:r>
+              <a:rPr lang="ru-RU" sz="700" dirty="0" smtClean="0"/>
+              <a:t>Защит</a:t>
+            </a:r>
+            <a:r>
+              <a:rPr lang="ru-RU" sz="700" dirty="0" smtClean="0"/>
+              <a:t>а </a:t>
+            </a:r>
+            <a:r>
+              <a:rPr lang="ru-RU" sz="700" dirty="0" smtClean="0"/>
+              <a:t>от возможной </a:t>
+            </a:r>
+            <a:r>
+              <a:rPr lang="ru-RU" sz="700" dirty="0" smtClean="0"/>
+              <a:t>интервенции </a:t>
+            </a:r>
+            <a:r>
+              <a:rPr lang="ru-RU" sz="700" dirty="0"/>
+              <a:t>США </a:t>
+            </a:r>
+            <a:r>
+              <a:rPr lang="ru-RU" sz="200" dirty="0"/>
+              <a:t>(Хотя ее социальную базу составляли рабочие и ремесленники, ПТС в большей степени отражала радикальный средний класс и интеллектуальный сектор, выступавший против военной интервенции Северной Америки)</a:t>
+            </a:r>
+            <a:endParaRPr lang="ru-RU" sz="100" dirty="0"/>
+          </a:p>
+        </p:txBody>
+      </p:sp>
+      <p:sp>
+        <p:nvSpPr>
+          <p:cNvPr id="178" name="Прямоугольник 177">
+            <a:extLst>
+              <a:ext uri="{FF2B5EF4-FFF2-40B4-BE49-F238E27FC236}">
+                <a16:creationId xmlns="" xmlns:a16="http://schemas.microsoft.com/office/drawing/2014/main" id="{FC846415-2760-43A4-A1A1-795C4968509B}"/>
+              </a:ext>
+            </a:extLst>
+          </p:cNvPr>
+          <p:cNvSpPr/>
+          <p:nvPr/>
+        </p:nvSpPr>
+        <p:spPr>
+          <a:xfrm>
+            <a:off x="3510329" y="13109023"/>
             <a:ext cx="926325" cy="540000"/>
           </a:xfrm>
           <a:prstGeom prst="rect">
@@ -12615,28 +12470,64 @@
           <a:p>
             <a:pPr algn="ctr"/>
             <a:r>
-              <a:rPr lang="ru-RU" sz="700" dirty="0" smtClean="0"/>
-              <a:t>Защитить</a:t>
-            </a:r>
-            <a:r>
-              <a:rPr lang="ru-RU" sz="700" dirty="0" smtClean="0"/>
-              <a:t>ся</a:t>
-            </a:r>
-            <a:r>
-              <a:rPr lang="ru-RU" sz="700" dirty="0" smtClean="0"/>
+              <a:rPr lang="ru-RU" sz="300" dirty="0"/>
+              <a:t>лидеры PTN Карлос </a:t>
+            </a:r>
+            <a:r>
+              <a:rPr lang="ru-RU" sz="300" dirty="0" err="1"/>
+              <a:t>Леклер</a:t>
+            </a:r>
+            <a:r>
+              <a:rPr lang="ru-RU" sz="300" dirty="0"/>
+              <a:t>, Роберто Гонсалес, </a:t>
+            </a:r>
+            <a:r>
+              <a:rPr lang="ru-RU" sz="300" dirty="0" err="1"/>
+              <a:t>Хусто</a:t>
+            </a:r>
+            <a:r>
+              <a:rPr lang="ru-RU" sz="300" dirty="0"/>
               <a:t> </a:t>
             </a:r>
             <a:r>
-              <a:rPr lang="ru-RU" sz="700" dirty="0" smtClean="0"/>
-              <a:t>от интервенции </a:t>
-            </a:r>
-            <a:r>
-              <a:rPr lang="ru-RU" sz="700" dirty="0"/>
-              <a:t>США </a:t>
-            </a:r>
-            <a:r>
-              <a:rPr lang="ru-RU" sz="200" dirty="0"/>
-              <a:t>(Хотя ее социальную базу составляли рабочие и ремесленники, ПТС в большей степени отражала радикальный средний класс и интеллектуальный сектор, выступавший против военной интервенции Северной Америки)</a:t>
+              <a:rPr lang="ru-RU" sz="300" dirty="0" err="1"/>
+              <a:t>Солорсано</a:t>
+            </a:r>
+            <a:r>
+              <a:rPr lang="ru-RU" sz="300" dirty="0"/>
+              <a:t> и </a:t>
+            </a:r>
+            <a:r>
+              <a:rPr lang="ru-RU" sz="300" dirty="0" err="1"/>
+              <a:t>Хесус</a:t>
+            </a:r>
+            <a:r>
+              <a:rPr lang="ru-RU" sz="300" dirty="0"/>
+              <a:t> </a:t>
+            </a:r>
+            <a:r>
+              <a:rPr lang="ru-RU" sz="300" dirty="0" err="1"/>
+              <a:t>Маравилла</a:t>
+            </a:r>
+            <a:r>
+              <a:rPr lang="ru-RU" sz="300" dirty="0"/>
+              <a:t> </a:t>
+            </a:r>
+            <a:r>
+              <a:rPr lang="ru-RU" sz="300" dirty="0" err="1" smtClean="0"/>
+              <a:t>Альмендарес</a:t>
+            </a:r>
+            <a:r>
+              <a:rPr lang="ru-RU" sz="300" dirty="0" smtClean="0"/>
+              <a:t> (</a:t>
+            </a:r>
+            <a:r>
+              <a:rPr lang="es-ES" sz="300" dirty="0"/>
+              <a:t>los dirigentes del PTN, Carlos Lecleair, Roberto Gonzalez, Justo Solórzano y Jesús Maravilla Almendarez</a:t>
+            </a:r>
+            <a:r>
+              <a:rPr lang="ru-RU" sz="300" dirty="0" smtClean="0"/>
+              <a:t>)</a:t>
             </a:r>
             <a:endParaRPr lang="ru-RU" sz="100" dirty="0"/>
           </a:p>
@@ -12644,10 +12535,10 @@
       </p:sp>
       <p:sp>
         <p:nvSpPr>
-          <p:cNvPr id="178" name="Прямоугольник 177">
-            <a:extLst>
-              <a:ext uri="{FF2B5EF4-FFF2-40B4-BE49-F238E27FC236}">
-                <a16:creationId xmlns:a16="http://schemas.microsoft.com/office/drawing/2014/main" xmlns="" id="{FC846415-2760-43A4-A1A1-795C4968509B}"/>
+          <p:cNvPr id="181" name="Прямоугольник 180">
+            <a:extLst>
+              <a:ext uri="{FF2B5EF4-FFF2-40B4-BE49-F238E27FC236}">
+                <a16:creationId xmlns="" xmlns:a16="http://schemas.microsoft.com/office/drawing/2014/main" id="{FC846415-2760-43A4-A1A1-795C4968509B}"/>
               </a:ext>
             </a:extLst>
           </p:cNvPr>
@@ -12656,7 +12547,7 @@
         </p:nvSpPr>
         <p:spPr>
           <a:xfrm>
-            <a:off x="3510329" y="13109023"/>
+            <a:off x="4664442" y="13099419"/>
             <a:ext cx="926325" cy="540000"/>
           </a:xfrm>
           <a:prstGeom prst="rect">
@@ -12687,64 +12578,112 @@
           <a:p>
             <a:pPr algn="ctr"/>
             <a:r>
-              <a:rPr lang="ru-RU" sz="300" dirty="0"/>
-              <a:t>лидеры PTN Карлос </a:t>
-            </a:r>
-            <a:r>
-              <a:rPr lang="ru-RU" sz="300" dirty="0" err="1"/>
-              <a:t>Леклер</a:t>
-            </a:r>
-            <a:r>
-              <a:rPr lang="ru-RU" sz="300" dirty="0"/>
-              <a:t>, Роберто Гонсалес, </a:t>
-            </a:r>
-            <a:r>
-              <a:rPr lang="ru-RU" sz="300" dirty="0" err="1"/>
-              <a:t>Хусто</a:t>
-            </a:r>
-            <a:r>
-              <a:rPr lang="ru-RU" sz="300" dirty="0"/>
+              <a:rPr lang="ru-RU" sz="200" dirty="0"/>
+              <a:t>В 1936 году </a:t>
+            </a:r>
+            <a:r>
+              <a:rPr lang="ru-RU" sz="200" dirty="0" err="1"/>
+              <a:t>Сомоса</a:t>
+            </a:r>
+            <a:r>
+              <a:rPr lang="ru-RU" sz="200" dirty="0"/>
+              <a:t> Гарсия использовал забастовку водителей против роста цен на бензин, чтобы создать необходимый хаос, который позволил бы ему замаскировать государственный переворот против президента Хуана </a:t>
+            </a:r>
+            <a:r>
+              <a:rPr lang="ru-RU" sz="200" dirty="0" err="1"/>
+              <a:t>Баутисты</a:t>
+            </a:r>
+            <a:r>
+              <a:rPr lang="ru-RU" sz="200" dirty="0"/>
               <a:t> </a:t>
             </a:r>
             <a:r>
-              <a:rPr lang="ru-RU" sz="300" dirty="0" err="1"/>
-              <a:t>Солорсано</a:t>
-            </a:r>
-            <a:r>
-              <a:rPr lang="ru-RU" sz="300" dirty="0"/>
-              <a:t> и </a:t>
-            </a:r>
-            <a:r>
-              <a:rPr lang="ru-RU" sz="300" dirty="0" err="1"/>
+              <a:rPr lang="ru-RU" sz="200" dirty="0" err="1"/>
+              <a:t>Сакасы</a:t>
+            </a:r>
+            <a:r>
+              <a:rPr lang="ru-RU" sz="200" dirty="0"/>
+              <a:t>. Был сектор ПТС, который выступал против маневра </a:t>
+            </a:r>
+            <a:r>
+              <a:rPr lang="ru-RU" sz="200" dirty="0" err="1"/>
+              <a:t>Сомосы</a:t>
+            </a:r>
+            <a:r>
+              <a:rPr lang="ru-RU" sz="200" dirty="0"/>
+              <a:t>, но другое крыло укрепило свою зависимость от </a:t>
+            </a:r>
+            <a:r>
+              <a:rPr lang="ru-RU" sz="200" dirty="0" err="1"/>
+              <a:t>Сомосы</a:t>
+            </a:r>
+            <a:r>
+              <a:rPr lang="ru-RU" sz="200" dirty="0"/>
+              <a:t>, который уже находился у власти и мог предлагать гонорары и льготы. В группу профсоюзных активистов </a:t>
+            </a:r>
+            <a:r>
+              <a:rPr lang="ru-RU" sz="200" dirty="0" err="1"/>
+              <a:t>Сомосы</a:t>
+            </a:r>
+            <a:r>
+              <a:rPr lang="ru-RU" sz="200" dirty="0"/>
+              <a:t> в составе PTN входили </a:t>
+            </a:r>
+            <a:r>
+              <a:rPr lang="ru-RU" sz="200" dirty="0" err="1"/>
               <a:t>Хесус</a:t>
             </a:r>
             <a:r>
-              <a:rPr lang="ru-RU" sz="300" dirty="0"/>
+              <a:rPr lang="ru-RU" sz="200" dirty="0"/>
               <a:t> </a:t>
             </a:r>
             <a:r>
-              <a:rPr lang="ru-RU" sz="300" dirty="0" err="1"/>
+              <a:rPr lang="ru-RU" sz="200" dirty="0" err="1"/>
               <a:t>Маравилла</a:t>
             </a:r>
             <a:r>
-              <a:rPr lang="ru-RU" sz="300" dirty="0"/>
+              <a:rPr lang="ru-RU" sz="200" dirty="0"/>
+              <a:t>, Роберто Гонсалес, Алехандро </a:t>
+            </a:r>
+            <a:r>
+              <a:rPr lang="ru-RU" sz="200" dirty="0" err="1"/>
+              <a:t>дель</a:t>
+            </a:r>
+            <a:r>
+              <a:rPr lang="ru-RU" sz="200" dirty="0"/>
               <a:t> </a:t>
             </a:r>
             <a:r>
-              <a:rPr lang="ru-RU" sz="300" dirty="0" err="1" smtClean="0"/>
-              <a:t>Альмендарес</a:t>
-            </a:r>
-            <a:r>
-              <a:rPr lang="ru-RU" sz="300" dirty="0" smtClean="0"/>
-              <a:t> (</a:t>
-            </a:r>
-            <a:r>
-              <a:rPr lang="es-ES" sz="300" dirty="0"/>
-              <a:t>los dirigentes del PTN, Carlos Lecleair, Roberto Gonzalez, Justo Solórzano y Jesús Maravilla Almendarez</a:t>
-            </a:r>
-            <a:r>
-              <a:rPr lang="ru-RU" sz="300" dirty="0" smtClean="0"/>
-              <a:t>)</a:t>
+              <a:rPr lang="ru-RU" sz="200" dirty="0" err="1"/>
+              <a:t>Паласио</a:t>
+            </a:r>
+            <a:r>
+              <a:rPr lang="ru-RU" sz="200" dirty="0"/>
+              <a:t>, </a:t>
+            </a:r>
+            <a:r>
+              <a:rPr lang="ru-RU" sz="200" dirty="0" err="1"/>
+              <a:t>Абсалон</a:t>
+            </a:r>
+            <a:r>
+              <a:rPr lang="ru-RU" sz="200" dirty="0"/>
+              <a:t> Гонсалес и поэт Эмилио </a:t>
+            </a:r>
+            <a:r>
+              <a:rPr lang="ru-RU" sz="200" dirty="0" err="1"/>
+              <a:t>Кинтана</a:t>
+            </a:r>
+            <a:r>
+              <a:rPr lang="ru-RU" sz="200" dirty="0"/>
+              <a:t>. Независимое крыло было наказано </a:t>
+            </a:r>
+            <a:r>
+              <a:rPr lang="ru-RU" sz="200" dirty="0" err="1"/>
+              <a:t>Сомосой</a:t>
+            </a:r>
+            <a:r>
+              <a:rPr lang="ru-RU" sz="200" dirty="0"/>
+              <a:t>, отправив его в тюрьму или заточение на побережье Карибского моря, куда в то время было недоступно по суше.</a:t>
             </a:r>
             <a:endParaRPr lang="ru-RU" sz="100" dirty="0"/>
           </a:p>
@@ -12752,10 +12691,10 @@
       </p:sp>
       <p:sp>
         <p:nvSpPr>
-          <p:cNvPr id="181" name="Прямоугольник 180">
-            <a:extLst>
-              <a:ext uri="{FF2B5EF4-FFF2-40B4-BE49-F238E27FC236}">
-                <a16:creationId xmlns:a16="http://schemas.microsoft.com/office/drawing/2014/main" xmlns="" id="{FC846415-2760-43A4-A1A1-795C4968509B}"/>
+          <p:cNvPr id="183" name="Прямоугольник 182">
+            <a:extLst>
+              <a:ext uri="{FF2B5EF4-FFF2-40B4-BE49-F238E27FC236}">
+                <a16:creationId xmlns="" xmlns:a16="http://schemas.microsoft.com/office/drawing/2014/main" id="{FC846415-2760-43A4-A1A1-795C4968509B}"/>
               </a:ext>
             </a:extLst>
           </p:cNvPr>
@@ -12764,7 +12703,7 @@
         </p:nvSpPr>
         <p:spPr>
           <a:xfrm>
-            <a:off x="4664442" y="13099419"/>
+            <a:off x="955421" y="16508603"/>
             <a:ext cx="926325" cy="540000"/>
           </a:xfrm>
           <a:prstGeom prst="rect">
@@ -12795,123 +12734,54 @@
           <a:p>
             <a:pPr algn="ctr"/>
             <a:r>
-              <a:rPr lang="ru-RU" sz="200" dirty="0"/>
-              <a:t>В 1936 году </a:t>
-            </a:r>
-            <a:r>
-              <a:rPr lang="ru-RU" sz="200" dirty="0" err="1"/>
-              <a:t>Сомоса</a:t>
-            </a:r>
-            <a:r>
-              <a:rPr lang="ru-RU" sz="200" dirty="0"/>
-              <a:t> Гарсия использовал забастовку водителей против роста цен на бензин, чтобы создать необходимый хаос, который позволил бы ему замаскировать государственный переворот против президента Хуана </a:t>
-            </a:r>
-            <a:r>
-              <a:rPr lang="ru-RU" sz="200" dirty="0" err="1"/>
-              <a:t>Баутисты</a:t>
-            </a:r>
-            <a:r>
-              <a:rPr lang="ru-RU" sz="200" dirty="0"/>
+              <a:rPr lang="ru-RU" sz="700" dirty="0"/>
+              <a:t>Конфедерация трудящихся Никарагуа </a:t>
+            </a:r>
+            <a:r>
+              <a:rPr lang="ru-RU" sz="100" dirty="0"/>
+              <a:t>(Однако в том же году была основана Конфедерация трудящихся Никарагуа (CTN) как первый национальный профсоюз, представителем которой стал еженедельник «</a:t>
+            </a:r>
+            <a:r>
+              <a:rPr lang="ru-RU" sz="100" dirty="0" err="1"/>
+              <a:t>Causa</a:t>
+            </a:r>
+            <a:r>
+              <a:rPr lang="ru-RU" sz="100" dirty="0"/>
               <a:t> </a:t>
             </a:r>
             <a:r>
-              <a:rPr lang="ru-RU" sz="200" dirty="0" err="1"/>
-              <a:t>Сакасы</a:t>
-            </a:r>
-            <a:r>
-              <a:rPr lang="ru-RU" sz="200" dirty="0"/>
-              <a:t>. Был сектор ПТС, который выступал против маневра </a:t>
-            </a:r>
-            <a:r>
-              <a:rPr lang="ru-RU" sz="200" dirty="0" err="1"/>
-              <a:t>Сомосы</a:t>
-            </a:r>
-            <a:r>
-              <a:rPr lang="ru-RU" sz="200" dirty="0"/>
-              <a:t>, но другое крыло укрепило свою зависимость от </a:t>
-            </a:r>
-            <a:r>
-              <a:rPr lang="ru-RU" sz="200" dirty="0" err="1"/>
-              <a:t>Сомосы</a:t>
-            </a:r>
-            <a:r>
-              <a:rPr lang="ru-RU" sz="200" dirty="0"/>
-              <a:t>, который уже находился у власти и мог предлагать гонорары и льготы. В группу профсоюзных активистов </a:t>
-            </a:r>
-            <a:r>
-              <a:rPr lang="ru-RU" sz="200" dirty="0" err="1"/>
-              <a:t>Сомосы</a:t>
-            </a:r>
-            <a:r>
-              <a:rPr lang="ru-RU" sz="200" dirty="0"/>
-              <a:t> в составе PTN входили </a:t>
-            </a:r>
-            <a:r>
-              <a:rPr lang="ru-RU" sz="200" dirty="0" err="1"/>
-              <a:t>Хесус</a:t>
-            </a:r>
-            <a:r>
-              <a:rPr lang="ru-RU" sz="200" dirty="0"/>
-              <a:t> </a:t>
-            </a:r>
-            <a:r>
-              <a:rPr lang="ru-RU" sz="200" dirty="0" err="1"/>
-              <a:t>Маравилла</a:t>
-            </a:r>
-            <a:r>
-              <a:rPr lang="ru-RU" sz="200" dirty="0"/>
-              <a:t>, Роберто Гонсалес, Алехандро </a:t>
-            </a:r>
-            <a:r>
-              <a:rPr lang="ru-RU" sz="200" dirty="0" err="1"/>
-              <a:t>дель</a:t>
-            </a:r>
-            <a:r>
-              <a:rPr lang="ru-RU" sz="200" dirty="0"/>
-              <a:t> </a:t>
-            </a:r>
-            <a:r>
-              <a:rPr lang="ru-RU" sz="200" dirty="0" err="1"/>
-              <a:t>Паласио</a:t>
-            </a:r>
-            <a:r>
-              <a:rPr lang="ru-RU" sz="200" dirty="0"/>
-              <a:t>, </a:t>
-            </a:r>
-            <a:r>
-              <a:rPr lang="ru-RU" sz="200" dirty="0" err="1"/>
-              <a:t>Абсалон</a:t>
-            </a:r>
-            <a:r>
-              <a:rPr lang="ru-RU" sz="200" dirty="0"/>
-              <a:t> Гонсалес и поэт Эмилио </a:t>
-            </a:r>
-            <a:r>
-              <a:rPr lang="ru-RU" sz="200" dirty="0" err="1"/>
-              <a:t>Кинтана</a:t>
-            </a:r>
-            <a:r>
-              <a:rPr lang="ru-RU" sz="200" dirty="0"/>
-              <a:t>. Независимое крыло было наказано </a:t>
-            </a:r>
-            <a:r>
-              <a:rPr lang="ru-RU" sz="200" dirty="0" err="1"/>
-              <a:t>Сомосой</a:t>
-            </a:r>
-            <a:r>
-              <a:rPr lang="ru-RU" sz="200" dirty="0"/>
-              <a:t>, отправив его в тюрьму или заточение на побережье Карибского моря, куда в то время было недоступно по суше.</a:t>
-            </a:r>
-            <a:endParaRPr lang="ru-RU" sz="100" dirty="0"/>
-          </a:p>
-        </p:txBody>
-      </p:sp>
-      <p:sp>
-        <p:nvSpPr>
-          <p:cNvPr id="183" name="Прямоугольник 182">
-            <a:extLst>
-              <a:ext uri="{FF2B5EF4-FFF2-40B4-BE49-F238E27FC236}">
-                <a16:creationId xmlns:a16="http://schemas.microsoft.com/office/drawing/2014/main" xmlns="" id="{FC846415-2760-43A4-A1A1-795C4968509B}"/>
+              <a:rPr lang="ru-RU" sz="100" dirty="0" err="1"/>
+              <a:t>Obrera</a:t>
+            </a:r>
+            <a:r>
+              <a:rPr lang="ru-RU" sz="100" dirty="0"/>
+              <a:t>». Как и в случае с ПТС, ее основные лидеры были разделены на два крыла: </a:t>
+            </a:r>
+            <a:r>
+              <a:rPr lang="ru-RU" sz="100" dirty="0" err="1"/>
+              <a:t>сомоцисты</a:t>
+            </a:r>
+            <a:r>
+              <a:rPr lang="ru-RU" sz="100" dirty="0"/>
+              <a:t> и независимые. В течение некоторого времени эти два крыла сосуществовали с множеством противоречий. Оба течения первоначально были выражены в еженедельнике « </a:t>
+            </a:r>
+            <a:r>
+              <a:rPr lang="ru-RU" sz="100" dirty="0" err="1"/>
+              <a:t>Хой</a:t>
+            </a:r>
+            <a:r>
+              <a:rPr lang="ru-RU" sz="100" dirty="0"/>
+              <a:t>» .)</a:t>
+            </a:r>
+          </a:p>
+        </p:txBody>
+      </p:sp>
+      <p:sp>
+        <p:nvSpPr>
+          <p:cNvPr id="188" name="Прямоугольник 187">
+            <a:extLst>
+              <a:ext uri="{FF2B5EF4-FFF2-40B4-BE49-F238E27FC236}">
+                <a16:creationId xmlns="" xmlns:a16="http://schemas.microsoft.com/office/drawing/2014/main" id="{FC846415-2760-43A4-A1A1-795C4968509B}"/>
               </a:ext>
             </a:extLst>
           </p:cNvPr>
@@ -12920,7 +12790,7 @@
         </p:nvSpPr>
         <p:spPr>
           <a:xfrm>
-            <a:off x="4887149" y="14867700"/>
+            <a:off x="3500243" y="18053591"/>
             <a:ext cx="926325" cy="540000"/>
           </a:xfrm>
           <a:prstGeom prst="rect">
@@ -12951,54 +12821,59 @@
           <a:p>
             <a:pPr algn="ctr"/>
             <a:r>
+              <a:rPr lang="ru-RU" sz="700" dirty="0" smtClean="0"/>
+              <a:t>Связаться </a:t>
+            </a:r>
+            <a:r>
+              <a:rPr lang="ru-RU" sz="700" dirty="0" smtClean="0"/>
+              <a:t>с </a:t>
+            </a:r>
+            <a:r>
+              <a:rPr lang="ru-RU" sz="700" dirty="0" smtClean="0"/>
+              <a:t>компартией </a:t>
+            </a:r>
+            <a:r>
               <a:rPr lang="ru-RU" sz="700" dirty="0"/>
-              <a:t>Конфедерация трудящихся Никарагуа </a:t>
-            </a:r>
-            <a:r>
-              <a:rPr lang="ru-RU" sz="100" dirty="0"/>
-              <a:t>(Однако в том же году была основана Конфедерация трудящихся Никарагуа (CTN) как первый национальный профсоюз, представителем которой стал еженедельник «</a:t>
-            </a:r>
-            <a:r>
-              <a:rPr lang="ru-RU" sz="100" dirty="0" err="1"/>
-              <a:t>Causa</a:t>
-            </a:r>
-            <a:r>
-              <a:rPr lang="ru-RU" sz="100" dirty="0"/>
+              <a:t>Сальвадора </a:t>
+            </a:r>
+            <a:r>
+              <a:rPr lang="ru-RU" sz="200" dirty="0"/>
+              <a:t>(</a:t>
+            </a:r>
+            <a:r>
+              <a:rPr lang="ru-RU" sz="200" dirty="0" err="1"/>
+              <a:t>Густаво</a:t>
+            </a:r>
+            <a:r>
+              <a:rPr lang="ru-RU" sz="200" dirty="0"/>
               <a:t> </a:t>
             </a:r>
             <a:r>
-              <a:rPr lang="ru-RU" sz="100" dirty="0" err="1"/>
-              <a:t>Obrera</a:t>
-            </a:r>
-            <a:r>
-              <a:rPr lang="ru-RU" sz="100" dirty="0"/>
-              <a:t>». Как и в случае с ПТС, ее основные лидеры были разделены на два крыла: </a:t>
-            </a:r>
-            <a:r>
-              <a:rPr lang="ru-RU" sz="100" dirty="0" err="1"/>
-              <a:t>сомоцисты</a:t>
-            </a:r>
-            <a:r>
-              <a:rPr lang="ru-RU" sz="100" dirty="0"/>
-              <a:t> и независимые. В течение некоторого времени эти два крыла сосуществовали с множеством противоречий. Оба течения первоначально были выражены в еженедельнике « </a:t>
-            </a:r>
-            <a:r>
-              <a:rPr lang="ru-RU" sz="100" dirty="0" err="1"/>
-              <a:t>Хой</a:t>
-            </a:r>
-            <a:r>
-              <a:rPr lang="ru-RU" sz="100" dirty="0"/>
-              <a:t>» .)</a:t>
-            </a:r>
-          </a:p>
-        </p:txBody>
-      </p:sp>
-      <p:sp>
-        <p:nvSpPr>
-          <p:cNvPr id="188" name="Прямоугольник 187">
-            <a:extLst>
-              <a:ext uri="{FF2B5EF4-FFF2-40B4-BE49-F238E27FC236}">
-                <a16:creationId xmlns:a16="http://schemas.microsoft.com/office/drawing/2014/main" xmlns="" id="{FC846415-2760-43A4-A1A1-795C4968509B}"/>
+              <a:rPr lang="ru-RU" sz="200" dirty="0" err="1"/>
+              <a:t>Гутьеррес</a:t>
+            </a:r>
+            <a:r>
+              <a:rPr lang="ru-RU" sz="200" dirty="0"/>
+              <a:t> </a:t>
+            </a:r>
+            <a:r>
+              <a:rPr lang="ru-RU" sz="200" dirty="0" err="1"/>
+              <a:t>Майорга</a:t>
+            </a:r>
+            <a:r>
+              <a:rPr lang="ru-RU" sz="200" dirty="0"/>
+              <a:t> в своей работе «История рабочего движения в Никарагуа» сообщает нам, что Роберто Гонсалес, лидер ПТН, был членом Коммунистической партии Сальвадора. Это слабые ниточки международных связей ПТС.)</a:t>
+            </a:r>
+            <a:endParaRPr lang="ru-RU" sz="100" dirty="0"/>
+          </a:p>
+        </p:txBody>
+      </p:sp>
+      <p:sp>
+        <p:nvSpPr>
+          <p:cNvPr id="189" name="Прямоугольник 188">
+            <a:extLst>
+              <a:ext uri="{FF2B5EF4-FFF2-40B4-BE49-F238E27FC236}">
+                <a16:creationId xmlns="" xmlns:a16="http://schemas.microsoft.com/office/drawing/2014/main" id="{FFDF3200-07AF-4F88-9AFA-E895A9EB463F}"/>
               </a:ext>
             </a:extLst>
           </p:cNvPr>
@@ -13007,7 +12882,7 @@
         </p:nvSpPr>
         <p:spPr>
           <a:xfrm>
-            <a:off x="1768476" y="17962386"/>
+            <a:off x="2344925" y="18054382"/>
             <a:ext cx="926325" cy="540000"/>
           </a:xfrm>
           <a:prstGeom prst="rect">
@@ -13039,50 +12914,57 @@
             <a:pPr algn="ctr"/>
             <a:r>
               <a:rPr lang="ru-RU" sz="700" dirty="0" smtClean="0"/>
-              <a:t>Связь с Ком </a:t>
-            </a:r>
-            <a:r>
-              <a:rPr lang="ru-RU" sz="700" dirty="0"/>
-              <a:t>партией Сальвадора </a:t>
-            </a:r>
-            <a:r>
-              <a:rPr lang="ru-RU" sz="200" dirty="0"/>
-              <a:t>(</a:t>
-            </a:r>
-            <a:r>
-              <a:rPr lang="ru-RU" sz="200" dirty="0" err="1"/>
-              <a:t>Густаво</a:t>
-            </a:r>
-            <a:r>
-              <a:rPr lang="ru-RU" sz="200" dirty="0"/>
+              <a:t>Возобновить диалог с Мексиканской компартией </a:t>
+            </a:r>
+            <a:r>
+              <a:rPr lang="ru-RU" sz="100" dirty="0" smtClean="0"/>
+              <a:t>(На </a:t>
+            </a:r>
+            <a:r>
+              <a:rPr lang="ru-RU" sz="100" dirty="0"/>
+              <a:t>основании вышеизложенного гораздо легче апостериорно охарактеризовать ПТН как партию с революционно-националистическим руководством. Руководство PTN тесно связано с Национально-революционной партией (PNR) Мексики, которая позже стала Институционально-революционной партией (PRI), которую в то время возглавлял </a:t>
+            </a:r>
+            <a:r>
+              <a:rPr lang="ru-RU" sz="100" dirty="0" err="1"/>
+              <a:t>Ласаро</a:t>
+            </a:r>
+            <a:r>
+              <a:rPr lang="ru-RU" sz="100" dirty="0"/>
               <a:t> </a:t>
             </a:r>
             <a:r>
-              <a:rPr lang="ru-RU" sz="200" dirty="0" err="1"/>
-              <a:t>Гутьеррес</a:t>
-            </a:r>
-            <a:r>
-              <a:rPr lang="ru-RU" sz="200" dirty="0"/>
+              <a:rPr lang="ru-RU" sz="100" dirty="0" err="1"/>
+              <a:t>Карденас</a:t>
+            </a:r>
+            <a:r>
+              <a:rPr lang="ru-RU" sz="100" dirty="0"/>
+              <a:t>, который возглавил кампанию по национализации нефти. глубокая аграрная реформа. Контакты осуществлялись через посла Мексики в Манагуа </a:t>
+            </a:r>
+            <a:r>
+              <a:rPr lang="ru-RU" sz="100" dirty="0" err="1"/>
+              <a:t>Рейеса</a:t>
+            </a:r>
+            <a:r>
+              <a:rPr lang="ru-RU" sz="100" dirty="0"/>
               <a:t> </a:t>
             </a:r>
             <a:r>
-              <a:rPr lang="ru-RU" sz="200" dirty="0" err="1"/>
-              <a:t>Майорга</a:t>
-            </a:r>
-            <a:r>
-              <a:rPr lang="ru-RU" sz="200" dirty="0"/>
-              <a:t> в своей работе «История рабочего движения в Никарагуа» сообщает нам, что Роберто Гонсалес, лидер ПТН, был членом Коммунистической партии Сальвадора. Это слабые ниточки международных связей ПТС.)</a:t>
-            </a:r>
-            <a:endParaRPr lang="ru-RU" sz="100" dirty="0"/>
-          </a:p>
-        </p:txBody>
-      </p:sp>
-      <p:sp>
-        <p:nvSpPr>
-          <p:cNvPr id="189" name="Прямоугольник 188">
-            <a:extLst>
-              <a:ext uri="{FF2B5EF4-FFF2-40B4-BE49-F238E27FC236}">
-                <a16:creationId xmlns:a16="http://schemas.microsoft.com/office/drawing/2014/main" xmlns="" id="{FFDF3200-07AF-4F88-9AFA-E895A9EB463F}"/>
+              <a:rPr lang="ru-RU" sz="100" dirty="0" err="1"/>
+              <a:t>Спиндолу</a:t>
+            </a:r>
+            <a:r>
+              <a:rPr lang="ru-RU" sz="100" dirty="0"/>
+              <a:t>.)</a:t>
+            </a:r>
+          </a:p>
+        </p:txBody>
+      </p:sp>
+      <p:sp>
+        <p:nvSpPr>
+          <p:cNvPr id="192" name="Прямоугольник 191">
+            <a:extLst>
+              <a:ext uri="{FF2B5EF4-FFF2-40B4-BE49-F238E27FC236}">
+                <a16:creationId xmlns="" xmlns:a16="http://schemas.microsoft.com/office/drawing/2014/main" id="{CA07F76D-4941-4BBE-8B5A-F0348C4D0FB6}"/>
               </a:ext>
             </a:extLst>
           </p:cNvPr>
@@ -13091,7 +12973,7 @@
         </p:nvSpPr>
         <p:spPr>
           <a:xfrm>
-            <a:off x="2927777" y="17962386"/>
+            <a:off x="4081785" y="16508603"/>
             <a:ext cx="926325" cy="540000"/>
           </a:xfrm>
           <a:prstGeom prst="rect">
@@ -13122,59 +13004,23 @@
           <a:p>
             <a:pPr algn="ctr"/>
             <a:r>
+              <a:rPr lang="ru-RU" sz="700" dirty="0"/>
+              <a:t>Национализация </a:t>
+            </a:r>
+            <a:r>
               <a:rPr lang="ru-RU" sz="700" dirty="0" smtClean="0"/>
-              <a:t>Связь с ком </a:t>
-            </a:r>
-            <a:r>
-              <a:rPr lang="ru-RU" sz="700" dirty="0"/>
-              <a:t>партией Мексики </a:t>
-            </a:r>
-            <a:r>
-              <a:rPr lang="ru-RU" sz="200" dirty="0"/>
-              <a:t>(На основании вышеизложенного гораздо легче апостериорно охарактеризовать ПТН как партию с революционно-националистическим руководством. Руководство PTN тесно связано с Национально-революционной партией (PNR) Мексики, которая позже стала Институционально-революционной партией (PRI), которую в то время возглавлял </a:t>
-            </a:r>
-            <a:r>
-              <a:rPr lang="ru-RU" sz="200" dirty="0" err="1"/>
-              <a:t>Ласаро</a:t>
-            </a:r>
-            <a:r>
-              <a:rPr lang="ru-RU" sz="200" dirty="0"/>
-              <a:t> </a:t>
-            </a:r>
-            <a:r>
-              <a:rPr lang="ru-RU" sz="200" dirty="0" err="1"/>
-              <a:t>Карденас</a:t>
-            </a:r>
-            <a:r>
-              <a:rPr lang="ru-RU" sz="200" dirty="0"/>
-              <a:t>, который возглавил кампанию по национализации нефти. глубокая аграрная реформа. Контакты осуществлялись через посла Мексики в Манагуа </a:t>
-            </a:r>
-            <a:r>
-              <a:rPr lang="ru-RU" sz="200" dirty="0" err="1"/>
-              <a:t>Рейеса</a:t>
-            </a:r>
-            <a:r>
-              <a:rPr lang="ru-RU" sz="200" dirty="0"/>
-              <a:t> </a:t>
-            </a:r>
-            <a:r>
-              <a:rPr lang="ru-RU" sz="200" dirty="0" err="1"/>
-              <a:t>Спиндолу</a:t>
-            </a:r>
-            <a:r>
-              <a:rPr lang="ru-RU" sz="200" dirty="0"/>
-              <a:t>.)</a:t>
-            </a:r>
-            <a:endParaRPr lang="ru-RU" sz="100" dirty="0"/>
-          </a:p>
-        </p:txBody>
-      </p:sp>
-      <p:sp>
-        <p:nvSpPr>
-          <p:cNvPr id="192" name="Прямоугольник 191">
-            <a:extLst>
-              <a:ext uri="{FF2B5EF4-FFF2-40B4-BE49-F238E27FC236}">
-                <a16:creationId xmlns:a16="http://schemas.microsoft.com/office/drawing/2014/main" xmlns="" id="{CA07F76D-4941-4BBE-8B5A-F0348C4D0FB6}"/>
+              <a:t>земли</a:t>
+            </a:r>
+            <a:endParaRPr lang="ru-RU" sz="400" dirty="0"/>
+          </a:p>
+        </p:txBody>
+      </p:sp>
+      <p:sp>
+        <p:nvSpPr>
+          <p:cNvPr id="193" name="Прямоугольник 192">
+            <a:extLst>
+              <a:ext uri="{FF2B5EF4-FFF2-40B4-BE49-F238E27FC236}">
+                <a16:creationId xmlns="" xmlns:a16="http://schemas.microsoft.com/office/drawing/2014/main" id="{CA07F76D-4941-4BBE-8B5A-F0348C4D0FB6}"/>
               </a:ext>
             </a:extLst>
           </p:cNvPr>
@@ -13183,7 +13029,7 @@
         </p:nvSpPr>
         <p:spPr>
           <a:xfrm>
-            <a:off x="4255091" y="16508603"/>
+            <a:off x="2344924" y="16508603"/>
             <a:ext cx="926325" cy="540000"/>
           </a:xfrm>
           <a:prstGeom prst="rect">
@@ -13214,12 +13060,793 @@
           <a:p>
             <a:pPr algn="ctr"/>
             <a:r>
+              <a:rPr lang="ru-RU" sz="700" dirty="0" smtClean="0"/>
+              <a:t>Трудовой кодекс и </a:t>
+            </a:r>
+            <a:r>
               <a:rPr lang="ru-RU" sz="700" dirty="0"/>
-              <a:t>Национализация </a:t>
-            </a:r>
+              <a:t>социальные гарантии </a:t>
+            </a:r>
+            <a:r>
+              <a:rPr lang="ru-RU" sz="200" dirty="0"/>
+              <a:t>(</a:t>
+            </a:r>
+            <a:r>
+              <a:rPr lang="ru-RU" sz="200" dirty="0" err="1"/>
+              <a:t>Сомоса</a:t>
+            </a:r>
+            <a:r>
+              <a:rPr lang="ru-RU" sz="200" dirty="0"/>
+              <a:t> Гарсия, уже находившийся у власти, применил тактику, чтобы привлечь на свою сторону эту процветающую партию для своего личного политического проекта; присвоил минимальную демократическую программу ПТС, пообещав обнародовать Трудовой кодекс и главу о социальных гарантиях в Конституции, если ПТС ее поддержит.)</a:t>
+            </a:r>
+            <a:endParaRPr lang="ru-RU" sz="100" dirty="0"/>
+          </a:p>
+        </p:txBody>
+      </p:sp>
+      <p:cxnSp>
+        <p:nvCxnSpPr>
+          <p:cNvPr id="196" name="Соединительная линия уступом 903">
+            <a:extLst>
+              <a:ext uri="{FF2B5EF4-FFF2-40B4-BE49-F238E27FC236}">
+                <a16:creationId xmlns="" xmlns:a16="http://schemas.microsoft.com/office/drawing/2014/main" id="{7F2B1BD7-0FDF-4BD9-834C-72911F99D650}"/>
+              </a:ext>
+            </a:extLst>
+          </p:cNvPr>
+          <p:cNvCxnSpPr>
+            <a:cxnSpLocks/>
+            <a:stCxn id="170" idx="2"/>
+            <a:endCxn id="80" idx="0"/>
+          </p:cNvCxnSpPr>
+          <p:nvPr/>
+        </p:nvCxnSpPr>
+        <p:spPr>
+          <a:xfrm rot="5400000">
+            <a:off x="1992842" y="14031702"/>
+            <a:ext cx="241003" cy="1389489"/>
+          </a:xfrm>
+          <a:prstGeom prst="bentConnector3">
+            <a:avLst>
+              <a:gd name="adj1" fmla="val 50000"/>
+            </a:avLst>
+          </a:prstGeom>
+          <a:ln w="19050">
+            <a:tailEnd type="arrow"/>
+          </a:ln>
+        </p:spPr>
+        <p:style>
+          <a:lnRef idx="1">
+            <a:schemeClr val="accent1"/>
+          </a:lnRef>
+          <a:fillRef idx="0">
+            <a:schemeClr val="accent1"/>
+          </a:fillRef>
+          <a:effectRef idx="0">
+            <a:schemeClr val="accent1"/>
+          </a:effectRef>
+          <a:fontRef idx="minor">
+            <a:schemeClr val="tx1"/>
+          </a:fontRef>
+        </p:style>
+      </p:cxnSp>
+      <p:cxnSp>
+        <p:nvCxnSpPr>
+          <p:cNvPr id="198" name="Соединительная линия уступом 903">
+            <a:extLst>
+              <a:ext uri="{FF2B5EF4-FFF2-40B4-BE49-F238E27FC236}">
+                <a16:creationId xmlns="" xmlns:a16="http://schemas.microsoft.com/office/drawing/2014/main" id="{7F2B1BD7-0FDF-4BD9-834C-72911F99D650}"/>
+              </a:ext>
+            </a:extLst>
+          </p:cNvPr>
+          <p:cNvCxnSpPr>
+            <a:cxnSpLocks/>
+            <a:stCxn id="170" idx="2"/>
+            <a:endCxn id="81" idx="0"/>
+          </p:cNvCxnSpPr>
+          <p:nvPr/>
+        </p:nvCxnSpPr>
+        <p:spPr>
+          <a:xfrm rot="16200000" flipH="1">
+            <a:off x="3268862" y="14145169"/>
+            <a:ext cx="236355" cy="1157905"/>
+          </a:xfrm>
+          <a:prstGeom prst="bentConnector3">
+            <a:avLst>
+              <a:gd name="adj1" fmla="val 50000"/>
+            </a:avLst>
+          </a:prstGeom>
+          <a:ln w="19050">
+            <a:tailEnd type="arrow"/>
+          </a:ln>
+        </p:spPr>
+        <p:style>
+          <a:lnRef idx="1">
+            <a:schemeClr val="accent1"/>
+          </a:lnRef>
+          <a:fillRef idx="0">
+            <a:schemeClr val="accent1"/>
+          </a:fillRef>
+          <a:effectRef idx="0">
+            <a:schemeClr val="accent1"/>
+          </a:effectRef>
+          <a:fontRef idx="minor">
+            <a:schemeClr val="tx1"/>
+          </a:fontRef>
+        </p:style>
+      </p:cxnSp>
+      <p:cxnSp>
+        <p:nvCxnSpPr>
+          <p:cNvPr id="199" name="Прямая со стрелкой 198">
+            <a:extLst>
+              <a:ext uri="{FF2B5EF4-FFF2-40B4-BE49-F238E27FC236}">
+                <a16:creationId xmlns="" xmlns:a16="http://schemas.microsoft.com/office/drawing/2014/main" id="{AFD4E665-A61D-46C2-A133-3412690F30F3}"/>
+              </a:ext>
+            </a:extLst>
+          </p:cNvPr>
+          <p:cNvCxnSpPr>
+            <a:cxnSpLocks/>
+            <a:stCxn id="170" idx="2"/>
+            <a:endCxn id="82" idx="0"/>
+          </p:cNvCxnSpPr>
+          <p:nvPr/>
+        </p:nvCxnSpPr>
+        <p:spPr>
+          <a:xfrm flipH="1">
+            <a:off x="2808081" y="14605945"/>
+            <a:ext cx="6" cy="241003"/>
+          </a:xfrm>
+          <a:prstGeom prst="straightConnector1">
+            <a:avLst/>
+          </a:prstGeom>
+          <a:ln w="19050">
+            <a:tailEnd type="arrow"/>
+          </a:ln>
+        </p:spPr>
+        <p:style>
+          <a:lnRef idx="1">
+            <a:schemeClr val="accent1"/>
+          </a:lnRef>
+          <a:fillRef idx="0">
+            <a:schemeClr val="accent1"/>
+          </a:fillRef>
+          <a:effectRef idx="0">
+            <a:schemeClr val="accent1"/>
+          </a:effectRef>
+          <a:fontRef idx="minor">
+            <a:schemeClr val="tx1"/>
+          </a:fontRef>
+        </p:style>
+      </p:cxnSp>
+      <p:cxnSp>
+        <p:nvCxnSpPr>
+          <p:cNvPr id="202" name="Прямая со стрелкой 201">
+            <a:extLst>
+              <a:ext uri="{FF2B5EF4-FFF2-40B4-BE49-F238E27FC236}">
+                <a16:creationId xmlns="" xmlns:a16="http://schemas.microsoft.com/office/drawing/2014/main" id="{AFD4E665-A61D-46C2-A133-3412690F30F3}"/>
+              </a:ext>
+            </a:extLst>
+          </p:cNvPr>
+          <p:cNvCxnSpPr>
+            <a:cxnSpLocks/>
+            <a:stCxn id="80" idx="2"/>
+            <a:endCxn id="174" idx="0"/>
+          </p:cNvCxnSpPr>
+          <p:nvPr/>
+        </p:nvCxnSpPr>
+        <p:spPr>
+          <a:xfrm flipH="1">
+            <a:off x="1418585" y="15386948"/>
+            <a:ext cx="13" cy="262482"/>
+          </a:xfrm>
+          <a:prstGeom prst="straightConnector1">
+            <a:avLst/>
+          </a:prstGeom>
+          <a:ln w="19050">
+            <a:tailEnd type="arrow"/>
+          </a:ln>
+        </p:spPr>
+        <p:style>
+          <a:lnRef idx="1">
+            <a:schemeClr val="accent1"/>
+          </a:lnRef>
+          <a:fillRef idx="0">
+            <a:schemeClr val="accent1"/>
+          </a:fillRef>
+          <a:effectRef idx="0">
+            <a:schemeClr val="accent1"/>
+          </a:effectRef>
+          <a:fontRef idx="minor">
+            <a:schemeClr val="tx1"/>
+          </a:fontRef>
+        </p:style>
+      </p:cxnSp>
+      <p:cxnSp>
+        <p:nvCxnSpPr>
+          <p:cNvPr id="205" name="Прямая со стрелкой 204">
+            <a:extLst>
+              <a:ext uri="{FF2B5EF4-FFF2-40B4-BE49-F238E27FC236}">
+                <a16:creationId xmlns="" xmlns:a16="http://schemas.microsoft.com/office/drawing/2014/main" id="{AFD4E665-A61D-46C2-A133-3412690F30F3}"/>
+              </a:ext>
+            </a:extLst>
+          </p:cNvPr>
+          <p:cNvCxnSpPr>
+            <a:cxnSpLocks/>
+            <a:stCxn id="174" idx="2"/>
+            <a:endCxn id="183" idx="0"/>
+          </p:cNvCxnSpPr>
+          <p:nvPr/>
+        </p:nvCxnSpPr>
+        <p:spPr>
+          <a:xfrm flipH="1">
+            <a:off x="1418584" y="16189430"/>
+            <a:ext cx="1" cy="319173"/>
+          </a:xfrm>
+          <a:prstGeom prst="straightConnector1">
+            <a:avLst/>
+          </a:prstGeom>
+          <a:ln w="19050">
+            <a:tailEnd type="arrow"/>
+          </a:ln>
+        </p:spPr>
+        <p:style>
+          <a:lnRef idx="1">
+            <a:schemeClr val="accent1"/>
+          </a:lnRef>
+          <a:fillRef idx="0">
+            <a:schemeClr val="accent1"/>
+          </a:fillRef>
+          <a:effectRef idx="0">
+            <a:schemeClr val="accent1"/>
+          </a:effectRef>
+          <a:fontRef idx="minor">
+            <a:schemeClr val="tx1"/>
+          </a:fontRef>
+        </p:style>
+      </p:cxnSp>
+      <p:cxnSp>
+        <p:nvCxnSpPr>
+          <p:cNvPr id="207" name="Прямая со стрелкой 206">
+            <a:extLst>
+              <a:ext uri="{FF2B5EF4-FFF2-40B4-BE49-F238E27FC236}">
+                <a16:creationId xmlns="" xmlns:a16="http://schemas.microsoft.com/office/drawing/2014/main" id="{AFD4E665-A61D-46C2-A133-3412690F30F3}"/>
+              </a:ext>
+            </a:extLst>
+          </p:cNvPr>
+          <p:cNvCxnSpPr>
+            <a:cxnSpLocks/>
+            <a:stCxn id="82" idx="2"/>
+            <a:endCxn id="86" idx="0"/>
+          </p:cNvCxnSpPr>
+          <p:nvPr/>
+        </p:nvCxnSpPr>
+        <p:spPr>
+          <a:xfrm>
+            <a:off x="2808081" y="15386948"/>
+            <a:ext cx="6" cy="262482"/>
+          </a:xfrm>
+          <a:prstGeom prst="straightConnector1">
+            <a:avLst/>
+          </a:prstGeom>
+          <a:ln w="19050">
+            <a:tailEnd type="arrow"/>
+          </a:ln>
+        </p:spPr>
+        <p:style>
+          <a:lnRef idx="1">
+            <a:schemeClr val="accent1"/>
+          </a:lnRef>
+          <a:fillRef idx="0">
+            <a:schemeClr val="accent1"/>
+          </a:fillRef>
+          <a:effectRef idx="0">
+            <a:schemeClr val="accent1"/>
+          </a:effectRef>
+          <a:fontRef idx="minor">
+            <a:schemeClr val="tx1"/>
+          </a:fontRef>
+        </p:style>
+      </p:cxnSp>
+      <p:cxnSp>
+        <p:nvCxnSpPr>
+          <p:cNvPr id="208" name="Прямая со стрелкой 207">
+            <a:extLst>
+              <a:ext uri="{FF2B5EF4-FFF2-40B4-BE49-F238E27FC236}">
+                <a16:creationId xmlns="" xmlns:a16="http://schemas.microsoft.com/office/drawing/2014/main" id="{AFD4E665-A61D-46C2-A133-3412690F30F3}"/>
+              </a:ext>
+            </a:extLst>
+          </p:cNvPr>
+          <p:cNvCxnSpPr>
+            <a:cxnSpLocks/>
+            <a:stCxn id="86" idx="2"/>
+            <a:endCxn id="193" idx="0"/>
+          </p:cNvCxnSpPr>
+          <p:nvPr/>
+        </p:nvCxnSpPr>
+        <p:spPr>
+          <a:xfrm>
+            <a:off x="2808087" y="16189430"/>
+            <a:ext cx="0" cy="319173"/>
+          </a:xfrm>
+          <a:prstGeom prst="straightConnector1">
+            <a:avLst/>
+          </a:prstGeom>
+          <a:ln w="19050">
+            <a:tailEnd type="arrow"/>
+          </a:ln>
+        </p:spPr>
+        <p:style>
+          <a:lnRef idx="1">
+            <a:schemeClr val="accent1"/>
+          </a:lnRef>
+          <a:fillRef idx="0">
+            <a:schemeClr val="accent1"/>
+          </a:fillRef>
+          <a:effectRef idx="0">
+            <a:schemeClr val="accent1"/>
+          </a:effectRef>
+          <a:fontRef idx="minor">
+            <a:schemeClr val="tx1"/>
+          </a:fontRef>
+        </p:style>
+      </p:cxnSp>
+      <p:cxnSp>
+        <p:nvCxnSpPr>
+          <p:cNvPr id="210" name="Прямая со стрелкой 209">
+            <a:extLst>
+              <a:ext uri="{FF2B5EF4-FFF2-40B4-BE49-F238E27FC236}">
+                <a16:creationId xmlns="" xmlns:a16="http://schemas.microsoft.com/office/drawing/2014/main" id="{AFD4E665-A61D-46C2-A133-3412690F30F3}"/>
+              </a:ext>
+            </a:extLst>
+          </p:cNvPr>
+          <p:cNvCxnSpPr>
+            <a:cxnSpLocks/>
+            <a:stCxn id="81" idx="2"/>
+            <a:endCxn id="84" idx="0"/>
+          </p:cNvCxnSpPr>
+          <p:nvPr/>
+        </p:nvCxnSpPr>
+        <p:spPr>
+          <a:xfrm flipH="1">
+            <a:off x="3965172" y="15382300"/>
+            <a:ext cx="820" cy="267130"/>
+          </a:xfrm>
+          <a:prstGeom prst="straightConnector1">
+            <a:avLst/>
+          </a:prstGeom>
+          <a:ln w="19050">
+            <a:tailEnd type="arrow"/>
+          </a:ln>
+        </p:spPr>
+        <p:style>
+          <a:lnRef idx="1">
+            <a:schemeClr val="accent1"/>
+          </a:lnRef>
+          <a:fillRef idx="0">
+            <a:schemeClr val="accent1"/>
+          </a:fillRef>
+          <a:effectRef idx="0">
+            <a:schemeClr val="accent1"/>
+          </a:effectRef>
+          <a:fontRef idx="minor">
+            <a:schemeClr val="tx1"/>
+          </a:fontRef>
+        </p:style>
+      </p:cxnSp>
+      <p:cxnSp>
+        <p:nvCxnSpPr>
+          <p:cNvPr id="213" name="Соединительная линия уступом 903">
+            <a:extLst>
+              <a:ext uri="{FF2B5EF4-FFF2-40B4-BE49-F238E27FC236}">
+                <a16:creationId xmlns="" xmlns:a16="http://schemas.microsoft.com/office/drawing/2014/main" id="{7F2B1BD7-0FDF-4BD9-834C-72911F99D650}"/>
+              </a:ext>
+            </a:extLst>
+          </p:cNvPr>
+          <p:cNvCxnSpPr>
+            <a:cxnSpLocks/>
+            <a:stCxn id="170" idx="2"/>
+            <a:endCxn id="83" idx="0"/>
+          </p:cNvCxnSpPr>
+          <p:nvPr/>
+        </p:nvCxnSpPr>
+        <p:spPr>
+          <a:xfrm rot="16200000" flipH="1">
+            <a:off x="3446104" y="13967928"/>
+            <a:ext cx="1043485" cy="2319518"/>
+          </a:xfrm>
+          <a:prstGeom prst="bentConnector3">
+            <a:avLst>
+              <a:gd name="adj1" fmla="val 11054"/>
+            </a:avLst>
+          </a:prstGeom>
+          <a:ln w="19050">
+            <a:tailEnd type="arrow"/>
+          </a:ln>
+        </p:spPr>
+        <p:style>
+          <a:lnRef idx="1">
+            <a:schemeClr val="accent1"/>
+          </a:lnRef>
+          <a:fillRef idx="0">
+            <a:schemeClr val="accent1"/>
+          </a:fillRef>
+          <a:effectRef idx="0">
+            <a:schemeClr val="accent1"/>
+          </a:effectRef>
+          <a:fontRef idx="minor">
+            <a:schemeClr val="tx1"/>
+          </a:fontRef>
+        </p:style>
+      </p:cxnSp>
+      <p:cxnSp>
+        <p:nvCxnSpPr>
+          <p:cNvPr id="216" name="Соединительная линия уступом 903">
+            <a:extLst>
+              <a:ext uri="{FF2B5EF4-FFF2-40B4-BE49-F238E27FC236}">
+                <a16:creationId xmlns="" xmlns:a16="http://schemas.microsoft.com/office/drawing/2014/main" id="{7F2B1BD7-0FDF-4BD9-834C-72911F99D650}"/>
+              </a:ext>
+            </a:extLst>
+          </p:cNvPr>
+          <p:cNvCxnSpPr>
+            <a:cxnSpLocks/>
+            <a:stCxn id="193" idx="2"/>
+            <a:endCxn id="87" idx="0"/>
+          </p:cNvCxnSpPr>
+          <p:nvPr/>
+        </p:nvCxnSpPr>
+        <p:spPr>
+          <a:xfrm rot="5400000">
+            <a:off x="2345760" y="16797990"/>
+            <a:ext cx="211715" cy="712940"/>
+          </a:xfrm>
+          <a:prstGeom prst="bentConnector3">
+            <a:avLst>
+              <a:gd name="adj1" fmla="val 50000"/>
+            </a:avLst>
+          </a:prstGeom>
+          <a:ln w="19050">
+            <a:tailEnd type="arrow"/>
+          </a:ln>
+        </p:spPr>
+        <p:style>
+          <a:lnRef idx="1">
+            <a:schemeClr val="accent1"/>
+          </a:lnRef>
+          <a:fillRef idx="0">
+            <a:schemeClr val="accent1"/>
+          </a:fillRef>
+          <a:effectRef idx="0">
+            <a:schemeClr val="accent1"/>
+          </a:effectRef>
+          <a:fontRef idx="minor">
+            <a:schemeClr val="tx1"/>
+          </a:fontRef>
+        </p:style>
+      </p:cxnSp>
+      <p:cxnSp>
+        <p:nvCxnSpPr>
+          <p:cNvPr id="218" name="Соединительная линия уступом 903">
+            <a:extLst>
+              <a:ext uri="{FF2B5EF4-FFF2-40B4-BE49-F238E27FC236}">
+                <a16:creationId xmlns="" xmlns:a16="http://schemas.microsoft.com/office/drawing/2014/main" id="{7F2B1BD7-0FDF-4BD9-834C-72911F99D650}"/>
+              </a:ext>
+            </a:extLst>
+          </p:cNvPr>
+          <p:cNvCxnSpPr>
+            <a:cxnSpLocks/>
+            <a:stCxn id="174" idx="2"/>
+            <a:endCxn id="87" idx="0"/>
+          </p:cNvCxnSpPr>
+          <p:nvPr/>
+        </p:nvCxnSpPr>
+        <p:spPr>
+          <a:xfrm rot="16200000" flipH="1">
+            <a:off x="1221422" y="16386593"/>
+            <a:ext cx="1070888" cy="676562"/>
+          </a:xfrm>
+          <a:prstGeom prst="bentConnector3">
+            <a:avLst>
+              <a:gd name="adj1" fmla="val 10864"/>
+            </a:avLst>
+          </a:prstGeom>
+          <a:ln w="19050">
+            <a:tailEnd type="arrow"/>
+          </a:ln>
+        </p:spPr>
+        <p:style>
+          <a:lnRef idx="1">
+            <a:schemeClr val="accent1"/>
+          </a:lnRef>
+          <a:fillRef idx="0">
+            <a:schemeClr val="accent1"/>
+          </a:fillRef>
+          <a:effectRef idx="0">
+            <a:schemeClr val="accent1"/>
+          </a:effectRef>
+          <a:fontRef idx="minor">
+            <a:schemeClr val="tx1"/>
+          </a:fontRef>
+        </p:style>
+      </p:cxnSp>
+      <p:cxnSp>
+        <p:nvCxnSpPr>
+          <p:cNvPr id="219" name="Соединительная линия уступом 903">
+            <a:extLst>
+              <a:ext uri="{FF2B5EF4-FFF2-40B4-BE49-F238E27FC236}">
+                <a16:creationId xmlns="" xmlns:a16="http://schemas.microsoft.com/office/drawing/2014/main" id="{7F2B1BD7-0FDF-4BD9-834C-72911F99D650}"/>
+              </a:ext>
+            </a:extLst>
+          </p:cNvPr>
+          <p:cNvCxnSpPr>
+            <a:cxnSpLocks/>
+            <a:stCxn id="84" idx="2"/>
+            <a:endCxn id="192" idx="0"/>
+          </p:cNvCxnSpPr>
+          <p:nvPr/>
+        </p:nvCxnSpPr>
+        <p:spPr>
+          <a:xfrm rot="16200000" flipH="1">
+            <a:off x="4095474" y="16059128"/>
+            <a:ext cx="319173" cy="579776"/>
+          </a:xfrm>
+          <a:prstGeom prst="bentConnector3">
+            <a:avLst>
+              <a:gd name="adj1" fmla="val 50000"/>
+            </a:avLst>
+          </a:prstGeom>
+          <a:ln w="19050">
+            <a:tailEnd type="arrow"/>
+          </a:ln>
+        </p:spPr>
+        <p:style>
+          <a:lnRef idx="1">
+            <a:schemeClr val="accent1"/>
+          </a:lnRef>
+          <a:fillRef idx="0">
+            <a:schemeClr val="accent1"/>
+          </a:fillRef>
+          <a:effectRef idx="0">
+            <a:schemeClr val="accent1"/>
+          </a:effectRef>
+          <a:fontRef idx="minor">
+            <a:schemeClr val="tx1"/>
+          </a:fontRef>
+        </p:style>
+      </p:cxnSp>
+      <p:cxnSp>
+        <p:nvCxnSpPr>
+          <p:cNvPr id="220" name="Соединительная линия уступом 903">
+            <a:extLst>
+              <a:ext uri="{FF2B5EF4-FFF2-40B4-BE49-F238E27FC236}">
+                <a16:creationId xmlns="" xmlns:a16="http://schemas.microsoft.com/office/drawing/2014/main" id="{7F2B1BD7-0FDF-4BD9-834C-72911F99D650}"/>
+              </a:ext>
+            </a:extLst>
+          </p:cNvPr>
+          <p:cNvCxnSpPr>
+            <a:cxnSpLocks/>
+            <a:stCxn id="83" idx="2"/>
+            <a:endCxn id="192" idx="0"/>
+          </p:cNvCxnSpPr>
+          <p:nvPr/>
+        </p:nvCxnSpPr>
+        <p:spPr>
+          <a:xfrm rot="5400000">
+            <a:off x="4676691" y="16057688"/>
+            <a:ext cx="319173" cy="582657"/>
+          </a:xfrm>
+          <a:prstGeom prst="bentConnector3">
+            <a:avLst>
+              <a:gd name="adj1" fmla="val 50000"/>
+            </a:avLst>
+          </a:prstGeom>
+          <a:ln w="19050">
+            <a:tailEnd type="arrow"/>
+          </a:ln>
+        </p:spPr>
+        <p:style>
+          <a:lnRef idx="1">
+            <a:schemeClr val="accent1"/>
+          </a:lnRef>
+          <a:fillRef idx="0">
+            <a:schemeClr val="accent1"/>
+          </a:fillRef>
+          <a:effectRef idx="0">
+            <a:schemeClr val="accent1"/>
+          </a:effectRef>
+          <a:fontRef idx="minor">
+            <a:schemeClr val="tx1"/>
+          </a:fontRef>
+        </p:style>
+      </p:cxnSp>
+      <p:cxnSp>
+        <p:nvCxnSpPr>
+          <p:cNvPr id="222" name="Соединительная линия уступом 903">
+            <a:extLst>
+              <a:ext uri="{FF2B5EF4-FFF2-40B4-BE49-F238E27FC236}">
+                <a16:creationId xmlns="" xmlns:a16="http://schemas.microsoft.com/office/drawing/2014/main" id="{7F2B1BD7-0FDF-4BD9-834C-72911F99D650}"/>
+              </a:ext>
+            </a:extLst>
+          </p:cNvPr>
+          <p:cNvCxnSpPr>
+            <a:cxnSpLocks/>
+            <a:stCxn id="170" idx="2"/>
+            <a:endCxn id="85" idx="0"/>
+          </p:cNvCxnSpPr>
+          <p:nvPr/>
+        </p:nvCxnSpPr>
+        <p:spPr>
+          <a:xfrm rot="16200000" flipH="1">
+            <a:off x="4197863" y="13216169"/>
+            <a:ext cx="233299" cy="3012850"/>
+          </a:xfrm>
+          <a:prstGeom prst="bentConnector3">
+            <a:avLst>
+              <a:gd name="adj1" fmla="val 50000"/>
+            </a:avLst>
+          </a:prstGeom>
+          <a:ln w="19050">
+            <a:prstDash val="dash"/>
+            <a:tailEnd type="arrow"/>
+          </a:ln>
+        </p:spPr>
+        <p:style>
+          <a:lnRef idx="1">
+            <a:schemeClr val="accent1"/>
+          </a:lnRef>
+          <a:fillRef idx="0">
+            <a:schemeClr val="accent1"/>
+          </a:fillRef>
+          <a:effectRef idx="0">
+            <a:schemeClr val="accent1"/>
+          </a:effectRef>
+          <a:fontRef idx="minor">
+            <a:schemeClr val="tx1"/>
+          </a:fontRef>
+        </p:style>
+      </p:cxnSp>
+      <p:cxnSp>
+        <p:nvCxnSpPr>
+          <p:cNvPr id="224" name="Соединительная линия уступом 903">
+            <a:extLst>
+              <a:ext uri="{FF2B5EF4-FFF2-40B4-BE49-F238E27FC236}">
+                <a16:creationId xmlns="" xmlns:a16="http://schemas.microsoft.com/office/drawing/2014/main" id="{7F2B1BD7-0FDF-4BD9-834C-72911F99D650}"/>
+              </a:ext>
+            </a:extLst>
+          </p:cNvPr>
+          <p:cNvCxnSpPr>
+            <a:cxnSpLocks/>
+            <a:stCxn id="85" idx="2"/>
+            <a:endCxn id="175" idx="0"/>
+          </p:cNvCxnSpPr>
+          <p:nvPr/>
+        </p:nvCxnSpPr>
+        <p:spPr>
+          <a:xfrm rot="16200000" flipH="1">
+            <a:off x="6024975" y="15175206"/>
+            <a:ext cx="270186" cy="678262"/>
+          </a:xfrm>
+          <a:prstGeom prst="bentConnector3">
+            <a:avLst>
+              <a:gd name="adj1" fmla="val 50000"/>
+            </a:avLst>
+          </a:prstGeom>
+          <a:ln w="19050">
+            <a:tailEnd type="arrow"/>
+          </a:ln>
+        </p:spPr>
+        <p:style>
+          <a:lnRef idx="1">
+            <a:schemeClr val="accent1"/>
+          </a:lnRef>
+          <a:fillRef idx="0">
+            <a:schemeClr val="accent1"/>
+          </a:fillRef>
+          <a:effectRef idx="0">
+            <a:schemeClr val="accent1"/>
+          </a:effectRef>
+          <a:fontRef idx="minor">
+            <a:schemeClr val="tx1"/>
+          </a:fontRef>
+        </p:style>
+      </p:cxnSp>
+      <p:cxnSp>
+        <p:nvCxnSpPr>
+          <p:cNvPr id="228" name="Прямая со стрелкой 227">
+            <a:extLst>
+              <a:ext uri="{FF2B5EF4-FFF2-40B4-BE49-F238E27FC236}">
+                <a16:creationId xmlns="" xmlns:a16="http://schemas.microsoft.com/office/drawing/2014/main" id="{AFD4E665-A61D-46C2-A133-3412690F30F3}"/>
+              </a:ext>
+            </a:extLst>
+          </p:cNvPr>
+          <p:cNvCxnSpPr>
+            <a:cxnSpLocks/>
+            <a:stCxn id="175" idx="2"/>
+            <a:endCxn id="309" idx="0"/>
+          </p:cNvCxnSpPr>
+          <p:nvPr/>
+        </p:nvCxnSpPr>
+        <p:spPr>
+          <a:xfrm>
+            <a:off x="6499199" y="16189430"/>
+            <a:ext cx="6351" cy="1070411"/>
+          </a:xfrm>
+          <a:prstGeom prst="straightConnector1">
+            <a:avLst/>
+          </a:prstGeom>
+          <a:ln w="19050">
+            <a:tailEnd type="arrow"/>
+          </a:ln>
+        </p:spPr>
+        <p:style>
+          <a:lnRef idx="1">
+            <a:schemeClr val="accent1"/>
+          </a:lnRef>
+          <a:fillRef idx="0">
+            <a:schemeClr val="accent1"/>
+          </a:fillRef>
+          <a:effectRef idx="0">
+            <a:schemeClr val="accent1"/>
+          </a:effectRef>
+          <a:fontRef idx="minor">
+            <a:schemeClr val="tx1"/>
+          </a:fontRef>
+        </p:style>
+      </p:cxnSp>
+      <p:sp>
+        <p:nvSpPr>
+          <p:cNvPr id="233" name="Прямоугольник 232">
+            <a:extLst>
+              <a:ext uri="{FF2B5EF4-FFF2-40B4-BE49-F238E27FC236}">
+                <a16:creationId xmlns="" xmlns:a16="http://schemas.microsoft.com/office/drawing/2014/main" id="{CA07F76D-4941-4BBE-8B5A-F0348C4D0FB6}"/>
+              </a:ext>
+            </a:extLst>
+          </p:cNvPr>
+          <p:cNvSpPr/>
+          <p:nvPr/>
+        </p:nvSpPr>
+        <p:spPr>
+          <a:xfrm>
+            <a:off x="6039211" y="21407948"/>
+            <a:ext cx="926325" cy="540000"/>
+          </a:xfrm>
+          <a:prstGeom prst="rect">
+            <a:avLst/>
+          </a:prstGeom>
+          <a:gradFill>
+            <a:gsLst>
+              <a:gs pos="0">
+                <a:srgbClr val="FF0000"/>
+              </a:gs>
+              <a:gs pos="100000">
+                <a:schemeClr val="bg1">
+                  <a:lumMod val="50000"/>
+                </a:schemeClr>
+              </a:gs>
+            </a:gsLst>
+            <a:lin ang="5400000" scaled="0"/>
+          </a:gradFill>
+          <a:ln w="19050"/>
+        </p:spPr>
+        <p:style>
+          <a:lnRef idx="2">
+            <a:schemeClr val="accent1"/>
+          </a:lnRef>
+          <a:fillRef idx="1">
+            <a:schemeClr val="lt1"/>
+          </a:fillRef>
+          <a:effectRef idx="0">
+            <a:schemeClr val="accent1"/>
+          </a:effectRef>
+          <a:fontRef idx="minor">
+            <a:schemeClr val="dk1"/>
+          </a:fontRef>
+        </p:style>
+        <p:txBody>
+          <a:bodyPr lIns="124733" tIns="62367" rIns="124733" bIns="62367" rtlCol="0" anchor="ctr"/>
+          <a:lstStyle/>
+          <a:p>
+            <a:pPr algn="ctr"/>
             <a:r>
               <a:rPr lang="ru-RU" sz="700" dirty="0" smtClean="0"/>
-              <a:t>земли</a:t>
+              <a:t>Ликвидация национальной гвардии</a:t>
             </a:r>
             <a:endParaRPr lang="ru-RU" sz="400" dirty="0"/>
           </a:p>
@@ -13227,10 +13854,10 @@
       </p:sp>
       <p:sp>
         <p:nvSpPr>
-          <p:cNvPr id="193" name="Прямоугольник 192">
-            <a:extLst>
-              <a:ext uri="{FF2B5EF4-FFF2-40B4-BE49-F238E27FC236}">
-                <a16:creationId xmlns:a16="http://schemas.microsoft.com/office/drawing/2014/main" xmlns="" id="{CA07F76D-4941-4BBE-8B5A-F0348C4D0FB6}"/>
+          <p:cNvPr id="234" name="Прямоугольник 233">
+            <a:extLst>
+              <a:ext uri="{FF2B5EF4-FFF2-40B4-BE49-F238E27FC236}">
+                <a16:creationId xmlns="" xmlns:a16="http://schemas.microsoft.com/office/drawing/2014/main" id="{9C02A14C-DE5F-49AD-A4EE-A27966D0EFDC}"/>
               </a:ext>
             </a:extLst>
           </p:cNvPr>
@@ -13239,7 +13866,1955 @@
         </p:nvSpPr>
         <p:spPr>
           <a:xfrm>
-            <a:off x="2344924" y="16508603"/>
+            <a:off x="9289533" y="15649430"/>
+            <a:ext cx="926325" cy="540000"/>
+          </a:xfrm>
+          <a:prstGeom prst="rect">
+            <a:avLst/>
+          </a:prstGeom>
+          <a:solidFill>
+            <a:schemeClr val="bg1">
+              <a:lumMod val="65000"/>
+            </a:schemeClr>
+          </a:solidFill>
+          <a:ln w="19050"/>
+        </p:spPr>
+        <p:style>
+          <a:lnRef idx="2">
+            <a:schemeClr val="accent1"/>
+          </a:lnRef>
+          <a:fillRef idx="1">
+            <a:schemeClr val="lt1"/>
+          </a:fillRef>
+          <a:effectRef idx="0">
+            <a:schemeClr val="accent1"/>
+          </a:effectRef>
+          <a:fontRef idx="minor">
+            <a:schemeClr val="dk1"/>
+          </a:fontRef>
+        </p:style>
+        <p:txBody>
+          <a:bodyPr lIns="124733" tIns="62367" rIns="124733" bIns="62367" rtlCol="0" anchor="ctr"/>
+          <a:lstStyle/>
+          <a:p>
+            <a:pPr algn="ctr"/>
+            <a:r>
+              <a:rPr lang="ru-RU" sz="700" dirty="0" smtClean="0"/>
+              <a:t>Аграрная реформа</a:t>
+            </a:r>
+            <a:endParaRPr lang="ru-RU" sz="400" dirty="0"/>
+          </a:p>
+        </p:txBody>
+      </p:sp>
+      <p:sp>
+        <p:nvSpPr>
+          <p:cNvPr id="235" name="Прямоугольник 234">
+            <a:extLst>
+              <a:ext uri="{FF2B5EF4-FFF2-40B4-BE49-F238E27FC236}">
+                <a16:creationId xmlns="" xmlns:a16="http://schemas.microsoft.com/office/drawing/2014/main" id="{9C02A14C-DE5F-49AD-A4EE-A27966D0EFDC}"/>
+              </a:ext>
+            </a:extLst>
+          </p:cNvPr>
+          <p:cNvSpPr/>
+          <p:nvPr/>
+        </p:nvSpPr>
+        <p:spPr>
+          <a:xfrm>
+            <a:off x="9280634" y="14065945"/>
+            <a:ext cx="926325" cy="540000"/>
+          </a:xfrm>
+          <a:prstGeom prst="rect">
+            <a:avLst/>
+          </a:prstGeom>
+          <a:solidFill>
+            <a:schemeClr val="bg1">
+              <a:lumMod val="65000"/>
+            </a:schemeClr>
+          </a:solidFill>
+          <a:ln w="19050"/>
+        </p:spPr>
+        <p:style>
+          <a:lnRef idx="2">
+            <a:schemeClr val="accent1"/>
+          </a:lnRef>
+          <a:fillRef idx="1">
+            <a:schemeClr val="lt1"/>
+          </a:fillRef>
+          <a:effectRef idx="0">
+            <a:schemeClr val="accent1"/>
+          </a:effectRef>
+          <a:fontRef idx="minor">
+            <a:schemeClr val="dk1"/>
+          </a:fontRef>
+        </p:style>
+        <p:txBody>
+          <a:bodyPr lIns="124733" tIns="62367" rIns="124733" bIns="62367" rtlCol="0" anchor="ctr"/>
+          <a:lstStyle/>
+          <a:p>
+            <a:pPr algn="ctr"/>
+            <a:r>
+              <a:rPr lang="ru-RU" sz="700" dirty="0" smtClean="0"/>
+              <a:t>Сандинистская революция</a:t>
+            </a:r>
+            <a:endParaRPr lang="ru-RU" sz="400" dirty="0"/>
+          </a:p>
+        </p:txBody>
+      </p:sp>
+      <p:sp>
+        <p:nvSpPr>
+          <p:cNvPr id="236" name="Прямоугольник 235">
+            <a:extLst>
+              <a:ext uri="{FF2B5EF4-FFF2-40B4-BE49-F238E27FC236}">
+                <a16:creationId xmlns="" xmlns:a16="http://schemas.microsoft.com/office/drawing/2014/main" id="{9C02A14C-DE5F-49AD-A4EE-A27966D0EFDC}"/>
+              </a:ext>
+            </a:extLst>
+          </p:cNvPr>
+          <p:cNvSpPr/>
+          <p:nvPr/>
+        </p:nvSpPr>
+        <p:spPr>
+          <a:xfrm>
+            <a:off x="9290600" y="14846948"/>
+            <a:ext cx="926325" cy="540000"/>
+          </a:xfrm>
+          <a:prstGeom prst="rect">
+            <a:avLst/>
+          </a:prstGeom>
+          <a:solidFill>
+            <a:schemeClr val="bg1">
+              <a:lumMod val="65000"/>
+            </a:schemeClr>
+          </a:solidFill>
+          <a:ln w="19050"/>
+        </p:spPr>
+        <p:style>
+          <a:lnRef idx="2">
+            <a:schemeClr val="accent1"/>
+          </a:lnRef>
+          <a:fillRef idx="1">
+            <a:schemeClr val="lt1"/>
+          </a:fillRef>
+          <a:effectRef idx="0">
+            <a:schemeClr val="accent1"/>
+          </a:effectRef>
+          <a:fontRef idx="minor">
+            <a:schemeClr val="dk1"/>
+          </a:fontRef>
+        </p:style>
+        <p:txBody>
+          <a:bodyPr lIns="124733" tIns="62367" rIns="124733" bIns="62367" rtlCol="0" anchor="ctr"/>
+          <a:lstStyle/>
+          <a:p>
+            <a:pPr algn="ctr"/>
+            <a:r>
+              <a:rPr lang="ru-RU" sz="700" dirty="0" smtClean="0"/>
+              <a:t>Защита общинного землевладения</a:t>
+            </a:r>
+            <a:endParaRPr lang="ru-RU" sz="400" dirty="0"/>
+          </a:p>
+        </p:txBody>
+      </p:sp>
+      <p:sp>
+        <p:nvSpPr>
+          <p:cNvPr id="237" name="Прямоугольник 236">
+            <a:extLst>
+              <a:ext uri="{FF2B5EF4-FFF2-40B4-BE49-F238E27FC236}">
+                <a16:creationId xmlns="" xmlns:a16="http://schemas.microsoft.com/office/drawing/2014/main" id="{D80463F0-008D-4836-8F9E-3D2D6E66AB47}"/>
+              </a:ext>
+            </a:extLst>
+          </p:cNvPr>
+          <p:cNvSpPr/>
+          <p:nvPr/>
+        </p:nvSpPr>
+        <p:spPr>
+          <a:xfrm>
+            <a:off x="10016227" y="9152813"/>
+            <a:ext cx="926325" cy="540000"/>
+          </a:xfrm>
+          <a:prstGeom prst="rect">
+            <a:avLst/>
+          </a:prstGeom>
+          <a:solidFill>
+            <a:schemeClr val="accent1">
+              <a:lumMod val="40000"/>
+              <a:lumOff val="60000"/>
+            </a:schemeClr>
+          </a:solidFill>
+          <a:ln w="19050"/>
+        </p:spPr>
+        <p:style>
+          <a:lnRef idx="2">
+            <a:schemeClr val="accent1"/>
+          </a:lnRef>
+          <a:fillRef idx="1">
+            <a:schemeClr val="lt1"/>
+          </a:fillRef>
+          <a:effectRef idx="0">
+            <a:schemeClr val="accent1"/>
+          </a:effectRef>
+          <a:fontRef idx="minor">
+            <a:schemeClr val="dk1"/>
+          </a:fontRef>
+        </p:style>
+        <p:txBody>
+          <a:bodyPr lIns="124733" tIns="62367" rIns="124733" bIns="62367" rtlCol="0" anchor="ctr"/>
+          <a:lstStyle/>
+          <a:p>
+            <a:pPr algn="ctr"/>
+            <a:r>
+              <a:rPr lang="ru-RU" sz="700" dirty="0" smtClean="0"/>
+              <a:t>Демократический </a:t>
+            </a:r>
+            <a:r>
+              <a:rPr lang="ru-RU" sz="700" dirty="0"/>
+              <a:t>молодёжный фронт </a:t>
+            </a:r>
+            <a:r>
+              <a:rPr lang="ru-RU" sz="100" dirty="0"/>
+              <a:t>(Опорой новой партии были, прежде всего, студенты, образовавшие Де-</a:t>
+            </a:r>
+            <a:r>
+              <a:rPr lang="ru-RU" sz="100" dirty="0" err="1"/>
+              <a:t>мократический</a:t>
+            </a:r>
+            <a:r>
+              <a:rPr lang="ru-RU" sz="100" dirty="0"/>
+              <a:t> молодежный фронт. Одним из самых известных активистов фронта стал Томас </a:t>
+            </a:r>
+            <a:r>
+              <a:rPr lang="ru-RU" sz="100" dirty="0" err="1"/>
+              <a:t>Борхе</a:t>
+            </a:r>
+            <a:r>
+              <a:rPr lang="ru-RU" sz="100" dirty="0"/>
+              <a:t> — будущий руководитель </a:t>
+            </a:r>
+            <a:r>
+              <a:rPr lang="ru-RU" sz="100" dirty="0" err="1"/>
+              <a:t>сандинистской</a:t>
+            </a:r>
+            <a:r>
+              <a:rPr lang="ru-RU" sz="100" dirty="0"/>
+              <a:t> революции 1979 года. В Никарагуа в то время было всего около 600 студентов — в Манагуа, Леоне и Гранаде</a:t>
+            </a:r>
+            <a:r>
+              <a:rPr lang="ru-RU" sz="100" dirty="0" smtClean="0"/>
+              <a:t>.)</a:t>
+            </a:r>
+            <a:endParaRPr lang="ru-RU" sz="100" dirty="0"/>
+          </a:p>
+        </p:txBody>
+      </p:sp>
+      <p:sp>
+        <p:nvSpPr>
+          <p:cNvPr id="239" name="Прямоугольник 238">
+            <a:extLst>
+              <a:ext uri="{FF2B5EF4-FFF2-40B4-BE49-F238E27FC236}">
+                <a16:creationId xmlns="" xmlns:a16="http://schemas.microsoft.com/office/drawing/2014/main" id="{9C02A14C-DE5F-49AD-A4EE-A27966D0EFDC}"/>
+              </a:ext>
+            </a:extLst>
+          </p:cNvPr>
+          <p:cNvSpPr/>
+          <p:nvPr/>
+        </p:nvSpPr>
+        <p:spPr>
+          <a:xfrm>
+            <a:off x="11198926" y="12930233"/>
+            <a:ext cx="926325" cy="540000"/>
+          </a:xfrm>
+          <a:prstGeom prst="rect">
+            <a:avLst/>
+          </a:prstGeom>
+          <a:solidFill>
+            <a:schemeClr val="bg1">
+              <a:lumMod val="65000"/>
+            </a:schemeClr>
+          </a:solidFill>
+          <a:ln w="19050"/>
+        </p:spPr>
+        <p:style>
+          <a:lnRef idx="2">
+            <a:schemeClr val="accent1"/>
+          </a:lnRef>
+          <a:fillRef idx="1">
+            <a:schemeClr val="lt1"/>
+          </a:fillRef>
+          <a:effectRef idx="0">
+            <a:schemeClr val="accent1"/>
+          </a:effectRef>
+          <a:fontRef idx="minor">
+            <a:schemeClr val="dk1"/>
+          </a:fontRef>
+        </p:style>
+        <p:txBody>
+          <a:bodyPr lIns="124733" tIns="62367" rIns="124733" bIns="62367" rtlCol="0" anchor="ctr"/>
+          <a:lstStyle/>
+          <a:p>
+            <a:pPr algn="ctr"/>
+            <a:r>
+              <a:rPr lang="en-US" sz="700" dirty="0"/>
+              <a:t>Pedro </a:t>
+            </a:r>
+            <a:r>
+              <a:rPr lang="en-US" sz="700" dirty="0" err="1" smtClean="0"/>
+              <a:t>Altamirano</a:t>
+            </a:r>
+            <a:r>
+              <a:rPr lang="ru-RU" sz="700" dirty="0"/>
+              <a:t>  Педро </a:t>
+            </a:r>
+            <a:r>
+              <a:rPr lang="ru-RU" sz="700" dirty="0" err="1"/>
+              <a:t>Альтамирано</a:t>
+            </a:r>
+            <a:r>
+              <a:rPr lang="ru-RU" sz="700" dirty="0"/>
+              <a:t> </a:t>
+            </a:r>
+            <a:r>
+              <a:rPr lang="ru-RU" sz="100" dirty="0"/>
+              <a:t>( Сан-Рафаэль </a:t>
+            </a:r>
+            <a:r>
+              <a:rPr lang="ru-RU" sz="100" dirty="0" err="1"/>
+              <a:t>дель</a:t>
+            </a:r>
+            <a:r>
+              <a:rPr lang="ru-RU" sz="100" dirty="0"/>
+              <a:t> Норте , 1870 — Эль-Рама , 1937 ) был никарагуанским крестьянином и партизаном , известным как « </a:t>
+            </a:r>
+            <a:r>
+              <a:rPr lang="ru-RU" sz="100" dirty="0" err="1"/>
+              <a:t>Педрон</a:t>
+            </a:r>
+            <a:r>
+              <a:rPr lang="ru-RU" sz="100" dirty="0"/>
+              <a:t> », он достиг звания генерала дивизии в Армии защиты национального суверенитета (EDSN), став начальником Его штаб [ 1 ] был признан старшим лейтенантом </a:t>
+            </a:r>
+            <a:r>
+              <a:rPr lang="ru-RU" sz="100" dirty="0" err="1"/>
+              <a:t>Аугусто</a:t>
+            </a:r>
+            <a:r>
+              <a:rPr lang="ru-RU" sz="100" dirty="0"/>
+              <a:t> К. </a:t>
+            </a:r>
+            <a:r>
+              <a:rPr lang="ru-RU" sz="100" dirty="0" err="1"/>
+              <a:t>Сандино</a:t>
+            </a:r>
+            <a:r>
+              <a:rPr lang="ru-RU" sz="100" dirty="0"/>
+              <a:t> и одним из его самых преданных генералов. В отчетах морской пехоты его считали « самым кровожадным » из </a:t>
+            </a:r>
+            <a:r>
+              <a:rPr lang="ru-RU" sz="100" dirty="0" err="1"/>
+              <a:t>сандинистских</a:t>
+            </a:r>
+            <a:r>
+              <a:rPr lang="ru-RU" sz="100" dirty="0"/>
+              <a:t> лидеров. Среди своих людей он ценился как « великий знаток гор и любитель животных » [ 4 ]​ северной и центральной Никарагуа.</a:t>
+            </a:r>
+            <a:endParaRPr lang="ru-RU" sz="100" dirty="0"/>
+          </a:p>
+        </p:txBody>
+      </p:sp>
+      <p:sp>
+        <p:nvSpPr>
+          <p:cNvPr id="240" name="Прямоугольник 239">
+            <a:extLst>
+              <a:ext uri="{FF2B5EF4-FFF2-40B4-BE49-F238E27FC236}">
+                <a16:creationId xmlns="" xmlns:a16="http://schemas.microsoft.com/office/drawing/2014/main" id="{9C02A14C-DE5F-49AD-A4EE-A27966D0EFDC}"/>
+              </a:ext>
+            </a:extLst>
+          </p:cNvPr>
+          <p:cNvSpPr/>
+          <p:nvPr/>
+        </p:nvSpPr>
+        <p:spPr>
+          <a:xfrm>
+            <a:off x="6731652" y="14839244"/>
+            <a:ext cx="926325" cy="540000"/>
+          </a:xfrm>
+          <a:prstGeom prst="rect">
+            <a:avLst/>
+          </a:prstGeom>
+          <a:gradFill>
+            <a:gsLst>
+              <a:gs pos="0">
+                <a:srgbClr val="FF0000"/>
+              </a:gs>
+              <a:gs pos="100000">
+                <a:schemeClr val="bg1">
+                  <a:lumMod val="50000"/>
+                </a:schemeClr>
+              </a:gs>
+            </a:gsLst>
+            <a:lin ang="5400000" scaled="0"/>
+          </a:gradFill>
+          <a:ln w="19050"/>
+        </p:spPr>
+        <p:style>
+          <a:lnRef idx="2">
+            <a:schemeClr val="accent1"/>
+          </a:lnRef>
+          <a:fillRef idx="1">
+            <a:schemeClr val="lt1"/>
+          </a:fillRef>
+          <a:effectRef idx="0">
+            <a:schemeClr val="accent1"/>
+          </a:effectRef>
+          <a:fontRef idx="minor">
+            <a:schemeClr val="dk1"/>
+          </a:fontRef>
+        </p:style>
+        <p:txBody>
+          <a:bodyPr lIns="124733" tIns="62367" rIns="124733" bIns="62367" rtlCol="0" anchor="ctr"/>
+          <a:lstStyle/>
+          <a:p>
+            <a:pPr algn="ctr"/>
+            <a:r>
+              <a:rPr lang="ru-RU" sz="700" dirty="0" err="1" smtClean="0"/>
+              <a:t>Антиимперализм</a:t>
+            </a:r>
+            <a:endParaRPr lang="ru-RU" sz="400" dirty="0"/>
+          </a:p>
+        </p:txBody>
+      </p:sp>
+      <p:sp>
+        <p:nvSpPr>
+          <p:cNvPr id="241" name="Прямоугольник 240">
+            <a:extLst>
+              <a:ext uri="{FF2B5EF4-FFF2-40B4-BE49-F238E27FC236}">
+                <a16:creationId xmlns="" xmlns:a16="http://schemas.microsoft.com/office/drawing/2014/main" id="{9C02A14C-DE5F-49AD-A4EE-A27966D0EFDC}"/>
+              </a:ext>
+            </a:extLst>
+          </p:cNvPr>
+          <p:cNvSpPr/>
+          <p:nvPr/>
+        </p:nvSpPr>
+        <p:spPr>
+          <a:xfrm>
+            <a:off x="6725080" y="22038294"/>
+            <a:ext cx="926325" cy="540000"/>
+          </a:xfrm>
+          <a:prstGeom prst="rect">
+            <a:avLst/>
+          </a:prstGeom>
+          <a:solidFill>
+            <a:schemeClr val="bg1">
+              <a:lumMod val="65000"/>
+            </a:schemeClr>
+          </a:solidFill>
+          <a:ln w="19050"/>
+        </p:spPr>
+        <p:style>
+          <a:lnRef idx="2">
+            <a:schemeClr val="accent1"/>
+          </a:lnRef>
+          <a:fillRef idx="1">
+            <a:schemeClr val="lt1"/>
+          </a:fillRef>
+          <a:effectRef idx="0">
+            <a:schemeClr val="accent1"/>
+          </a:effectRef>
+          <a:fontRef idx="minor">
+            <a:schemeClr val="dk1"/>
+          </a:fontRef>
+        </p:style>
+        <p:txBody>
+          <a:bodyPr lIns="124733" tIns="62367" rIns="124733" bIns="62367" rtlCol="0" anchor="ctr"/>
+          <a:lstStyle/>
+          <a:p>
+            <a:pPr algn="ctr"/>
+            <a:r>
+              <a:rPr lang="ru-RU" sz="700" dirty="0"/>
+              <a:t>Реформировать АЗНСН </a:t>
+            </a:r>
+            <a:r>
+              <a:rPr lang="ru-RU" sz="100" dirty="0"/>
+              <a:t>(Армия защиты национального суверенитета Никарагуа (EDSN) — партизанская армия , организованная и возглавляемая генералом </a:t>
+            </a:r>
+            <a:r>
+              <a:rPr lang="ru-RU" sz="100" dirty="0" err="1"/>
+              <a:t>Аугусто</a:t>
+            </a:r>
+            <a:r>
+              <a:rPr lang="ru-RU" sz="100" dirty="0"/>
+              <a:t> Кальдероном </a:t>
+            </a:r>
+            <a:r>
+              <a:rPr lang="ru-RU" sz="100" dirty="0" err="1"/>
+              <a:t>Сандино</a:t>
+            </a:r>
+            <a:r>
+              <a:rPr lang="ru-RU" sz="100" dirty="0"/>
+              <a:t> , которая на начальном этапе действовала в департаменте </a:t>
+            </a:r>
+            <a:r>
+              <a:rPr lang="ru-RU" sz="100" dirty="0" err="1"/>
+              <a:t>Нуэва-Сеговия</a:t>
+            </a:r>
+            <a:r>
+              <a:rPr lang="ru-RU" sz="100" dirty="0"/>
+              <a:t> , север Никарагуа , но позже охватила почти всю национальную территорию. , за исключением территории, занимаемой нынешними департаментами Манагуа, </a:t>
+            </a:r>
+            <a:r>
+              <a:rPr lang="ru-RU" sz="100" dirty="0" err="1"/>
+              <a:t>Масая</a:t>
+            </a:r>
+            <a:r>
+              <a:rPr lang="ru-RU" sz="100" dirty="0"/>
+              <a:t>, Гранада, </a:t>
+            </a:r>
+            <a:r>
+              <a:rPr lang="ru-RU" sz="100" dirty="0" err="1"/>
+              <a:t>Карасо</a:t>
+            </a:r>
+            <a:r>
+              <a:rPr lang="ru-RU" sz="100" dirty="0"/>
+              <a:t> и </a:t>
+            </a:r>
+            <a:r>
+              <a:rPr lang="ru-RU" sz="100" dirty="0" err="1"/>
+              <a:t>Ривас</a:t>
+            </a:r>
+            <a:r>
+              <a:rPr lang="ru-RU" sz="100" dirty="0"/>
+              <a:t> (хотя и в последнем была попытка вторжения).)</a:t>
+            </a:r>
+            <a:endParaRPr lang="ru-RU" sz="100" dirty="0"/>
+          </a:p>
+        </p:txBody>
+      </p:sp>
+      <p:sp>
+        <p:nvSpPr>
+          <p:cNvPr id="242" name="Прямоугольник 241">
+            <a:extLst>
+              <a:ext uri="{FF2B5EF4-FFF2-40B4-BE49-F238E27FC236}">
+                <a16:creationId xmlns="" xmlns:a16="http://schemas.microsoft.com/office/drawing/2014/main" id="{9C02A14C-DE5F-49AD-A4EE-A27966D0EFDC}"/>
+              </a:ext>
+            </a:extLst>
+          </p:cNvPr>
+          <p:cNvSpPr/>
+          <p:nvPr/>
+        </p:nvSpPr>
+        <p:spPr>
+          <a:xfrm>
+            <a:off x="7306527" y="23362127"/>
+            <a:ext cx="926325" cy="540000"/>
+          </a:xfrm>
+          <a:prstGeom prst="rect">
+            <a:avLst/>
+          </a:prstGeom>
+          <a:solidFill>
+            <a:schemeClr val="bg1">
+              <a:lumMod val="65000"/>
+            </a:schemeClr>
+          </a:solidFill>
+          <a:ln w="19050"/>
+        </p:spPr>
+        <p:style>
+          <a:lnRef idx="2">
+            <a:schemeClr val="accent1"/>
+          </a:lnRef>
+          <a:fillRef idx="1">
+            <a:schemeClr val="lt1"/>
+          </a:fillRef>
+          <a:effectRef idx="0">
+            <a:schemeClr val="accent1"/>
+          </a:effectRef>
+          <a:fontRef idx="minor">
+            <a:schemeClr val="dk1"/>
+          </a:fontRef>
+        </p:style>
+        <p:txBody>
+          <a:bodyPr lIns="124733" tIns="62367" rIns="124733" bIns="62367" rtlCol="0" anchor="ctr"/>
+          <a:lstStyle/>
+          <a:p>
+            <a:pPr algn="ctr"/>
+            <a:r>
+              <a:rPr lang="ru-RU" sz="700" dirty="0" smtClean="0"/>
+              <a:t>Война </a:t>
+            </a:r>
+            <a:r>
+              <a:rPr lang="ru-RU" sz="700" dirty="0"/>
+              <a:t>в джунглях </a:t>
+            </a:r>
+            <a:r>
+              <a:rPr lang="ru-RU" sz="200" dirty="0"/>
+              <a:t>(Воздух во всех них был суровым, и чувствовалась свирепость людей, вынужденных жить в джунглях целые годы. Общей чертой был красно-черный бант, украшавший ее шляпу. Многие носили на шее большой шарф того же цвета. Оружием были винтовка и мачете, висевшие у них на поясе. У некоторых было по два пистолета и немало ручных бомб...)</a:t>
+            </a:r>
+            <a:endParaRPr lang="ru-RU" sz="100" dirty="0"/>
+          </a:p>
+        </p:txBody>
+      </p:sp>
+      <p:sp>
+        <p:nvSpPr>
+          <p:cNvPr id="244" name="Прямоугольник 243">
+            <a:extLst>
+              <a:ext uri="{FF2B5EF4-FFF2-40B4-BE49-F238E27FC236}">
+                <a16:creationId xmlns="" xmlns:a16="http://schemas.microsoft.com/office/drawing/2014/main" id="{9C02A14C-DE5F-49AD-A4EE-A27966D0EFDC}"/>
+              </a:ext>
+            </a:extLst>
+          </p:cNvPr>
+          <p:cNvSpPr/>
+          <p:nvPr/>
+        </p:nvSpPr>
+        <p:spPr>
+          <a:xfrm>
+            <a:off x="12402383" y="12930233"/>
+            <a:ext cx="926325" cy="540000"/>
+          </a:xfrm>
+          <a:prstGeom prst="rect">
+            <a:avLst/>
+          </a:prstGeom>
+          <a:solidFill>
+            <a:schemeClr val="bg1">
+              <a:lumMod val="65000"/>
+            </a:schemeClr>
+          </a:solidFill>
+          <a:ln w="19050"/>
+        </p:spPr>
+        <p:style>
+          <a:lnRef idx="2">
+            <a:schemeClr val="accent1"/>
+          </a:lnRef>
+          <a:fillRef idx="1">
+            <a:schemeClr val="lt1"/>
+          </a:fillRef>
+          <a:effectRef idx="0">
+            <a:schemeClr val="accent1"/>
+          </a:effectRef>
+          <a:fontRef idx="minor">
+            <a:schemeClr val="dk1"/>
+          </a:fontRef>
+        </p:style>
+        <p:txBody>
+          <a:bodyPr lIns="124733" tIns="62367" rIns="124733" bIns="62367" rtlCol="0" anchor="ctr"/>
+          <a:lstStyle/>
+          <a:p>
+            <a:pPr algn="ctr"/>
+            <a:r>
+              <a:rPr lang="en-US" sz="700" dirty="0"/>
+              <a:t>https://es.m.wikipedia.org/wiki/Santos_L%C3%B3pez</a:t>
+            </a:r>
+            <a:endParaRPr lang="ru-RU" sz="400" dirty="0"/>
+          </a:p>
+        </p:txBody>
+      </p:sp>
+      <p:sp>
+        <p:nvSpPr>
+          <p:cNvPr id="245" name="Прямоугольник 244">
+            <a:extLst>
+              <a:ext uri="{FF2B5EF4-FFF2-40B4-BE49-F238E27FC236}">
+                <a16:creationId xmlns="" xmlns:a16="http://schemas.microsoft.com/office/drawing/2014/main" id="{9C02A14C-DE5F-49AD-A4EE-A27966D0EFDC}"/>
+              </a:ext>
+            </a:extLst>
+          </p:cNvPr>
+          <p:cNvSpPr/>
+          <p:nvPr/>
+        </p:nvSpPr>
+        <p:spPr>
+          <a:xfrm>
+            <a:off x="6727931" y="22692853"/>
+            <a:ext cx="926325" cy="540000"/>
+          </a:xfrm>
+          <a:prstGeom prst="rect">
+            <a:avLst/>
+          </a:prstGeom>
+          <a:solidFill>
+            <a:schemeClr val="bg1">
+              <a:lumMod val="65000"/>
+            </a:schemeClr>
+          </a:solidFill>
+          <a:ln w="19050"/>
+        </p:spPr>
+        <p:style>
+          <a:lnRef idx="2">
+            <a:schemeClr val="accent1"/>
+          </a:lnRef>
+          <a:fillRef idx="1">
+            <a:schemeClr val="lt1"/>
+          </a:fillRef>
+          <a:effectRef idx="0">
+            <a:schemeClr val="accent1"/>
+          </a:effectRef>
+          <a:fontRef idx="minor">
+            <a:schemeClr val="dk1"/>
+          </a:fontRef>
+        </p:style>
+        <p:txBody>
+          <a:bodyPr lIns="124733" tIns="62367" rIns="124733" bIns="62367" rtlCol="0" anchor="ctr"/>
+          <a:lstStyle/>
+          <a:p>
+            <a:pPr algn="ctr"/>
+            <a:r>
+              <a:rPr lang="ru-RU" sz="700" dirty="0"/>
+              <a:t>Хор ангелов </a:t>
+            </a:r>
+            <a:r>
+              <a:rPr lang="ru-RU" sz="100" dirty="0"/>
+              <a:t>(Он входил в группу молодых людей, известную из-за возраста ее участников как « Хор Ангелов ». ) Хор Ангелов представлял собой группу детей-сирот войны, оставшихся в казармах в северных горах. В засадах и нападениях их роль заключалась в том, чтобы кричать, подбадривать и издавать всевозможные звуки - детский хор, чьи голоса оглушительно раздавались в горах, - с консервными банками и </a:t>
+            </a:r>
+            <a:r>
+              <a:rPr lang="ru-RU" sz="100" dirty="0" err="1"/>
+              <a:t>трикитраками</a:t>
+            </a:r>
+            <a:r>
+              <a:rPr lang="ru-RU" sz="100" dirty="0"/>
+              <a:t>, иногда создавая впечатление, что число </a:t>
+            </a:r>
+            <a:r>
+              <a:rPr lang="ru-RU" sz="100" dirty="0" err="1"/>
+              <a:t>сандинистских</a:t>
+            </a:r>
+            <a:r>
+              <a:rPr lang="ru-RU" sz="100" dirty="0"/>
+              <a:t> солдат было старше, и другие — что прибывает подкрепление. Эти дети, когда выросли, стали регулярными солдатами и должны были обзавестись собственной винтовкой, как это было в случае с полковником </a:t>
+            </a:r>
+            <a:r>
+              <a:rPr lang="ru-RU" sz="100" dirty="0" err="1"/>
+              <a:t>Сантосом</a:t>
+            </a:r>
+            <a:r>
+              <a:rPr lang="ru-RU" sz="100" dirty="0"/>
+              <a:t> Лопесом.</a:t>
+            </a:r>
+            <a:endParaRPr lang="ru-RU" sz="100" dirty="0"/>
+          </a:p>
+        </p:txBody>
+      </p:sp>
+      <p:sp>
+        <p:nvSpPr>
+          <p:cNvPr id="246" name="Прямоугольник 245">
+            <a:extLst>
+              <a:ext uri="{FF2B5EF4-FFF2-40B4-BE49-F238E27FC236}">
+                <a16:creationId xmlns="" xmlns:a16="http://schemas.microsoft.com/office/drawing/2014/main" id="{9C02A14C-DE5F-49AD-A4EE-A27966D0EFDC}"/>
+              </a:ext>
+            </a:extLst>
+          </p:cNvPr>
+          <p:cNvSpPr/>
+          <p:nvPr/>
+        </p:nvSpPr>
+        <p:spPr>
+          <a:xfrm>
+            <a:off x="7991498" y="15649430"/>
+            <a:ext cx="926325" cy="540000"/>
+          </a:xfrm>
+          <a:prstGeom prst="rect">
+            <a:avLst/>
+          </a:prstGeom>
+          <a:solidFill>
+            <a:schemeClr val="bg1">
+              <a:lumMod val="65000"/>
+            </a:schemeClr>
+          </a:solidFill>
+          <a:ln w="19050"/>
+        </p:spPr>
+        <p:style>
+          <a:lnRef idx="2">
+            <a:schemeClr val="accent1"/>
+          </a:lnRef>
+          <a:fillRef idx="1">
+            <a:schemeClr val="lt1"/>
+          </a:fillRef>
+          <a:effectRef idx="0">
+            <a:schemeClr val="accent1"/>
+          </a:effectRef>
+          <a:fontRef idx="minor">
+            <a:schemeClr val="dk1"/>
+          </a:fontRef>
+        </p:style>
+        <p:txBody>
+          <a:bodyPr lIns="124733" tIns="62367" rIns="124733" bIns="62367" rtlCol="0" anchor="ctr"/>
+          <a:lstStyle/>
+          <a:p>
+            <a:pPr algn="ctr"/>
+            <a:r>
+              <a:rPr lang="ru-RU" sz="700" dirty="0"/>
+              <a:t>Введение трудового кодекса </a:t>
+            </a:r>
+            <a:r>
+              <a:rPr lang="ru-RU" sz="300" dirty="0"/>
+              <a:t>(в сфере труда предусматривалось создание Трудового кодекса , защищающего права рабочих и </a:t>
+            </a:r>
+            <a:r>
+              <a:rPr lang="ru-RU" sz="300" dirty="0" smtClean="0"/>
+              <a:t>ремесленников)</a:t>
+            </a:r>
+            <a:endParaRPr lang="ru-RU" sz="100" dirty="0"/>
+          </a:p>
+        </p:txBody>
+      </p:sp>
+      <p:sp>
+        <p:nvSpPr>
+          <p:cNvPr id="247" name="Прямоугольник 246">
+            <a:extLst>
+              <a:ext uri="{FF2B5EF4-FFF2-40B4-BE49-F238E27FC236}">
+                <a16:creationId xmlns="" xmlns:a16="http://schemas.microsoft.com/office/drawing/2014/main" id="{9C02A14C-DE5F-49AD-A4EE-A27966D0EFDC}"/>
+              </a:ext>
+            </a:extLst>
+          </p:cNvPr>
+          <p:cNvSpPr/>
+          <p:nvPr/>
+        </p:nvSpPr>
+        <p:spPr>
+          <a:xfrm>
+            <a:off x="7991498" y="14839244"/>
+            <a:ext cx="926325" cy="540000"/>
+          </a:xfrm>
+          <a:prstGeom prst="rect">
+            <a:avLst/>
+          </a:prstGeom>
+          <a:solidFill>
+            <a:schemeClr val="bg1">
+              <a:lumMod val="65000"/>
+            </a:schemeClr>
+          </a:solidFill>
+          <a:ln w="19050"/>
+        </p:spPr>
+        <p:style>
+          <a:lnRef idx="2">
+            <a:schemeClr val="accent1"/>
+          </a:lnRef>
+          <a:fillRef idx="1">
+            <a:schemeClr val="lt1"/>
+          </a:fillRef>
+          <a:effectRef idx="0">
+            <a:schemeClr val="accent1"/>
+          </a:effectRef>
+          <a:fontRef idx="minor">
+            <a:schemeClr val="dk1"/>
+          </a:fontRef>
+        </p:style>
+        <p:txBody>
+          <a:bodyPr lIns="124733" tIns="62367" rIns="124733" bIns="62367" rtlCol="0" anchor="ctr"/>
+          <a:lstStyle/>
+          <a:p>
+            <a:pPr algn="ctr"/>
+            <a:r>
+              <a:rPr lang="ru-RU" sz="700" dirty="0" smtClean="0"/>
+              <a:t>Политика массовой грамотности</a:t>
+            </a:r>
+            <a:endParaRPr lang="ru-RU" sz="400" dirty="0"/>
+          </a:p>
+        </p:txBody>
+      </p:sp>
+      <p:sp>
+        <p:nvSpPr>
+          <p:cNvPr id="248" name="Прямоугольник 247">
+            <a:extLst>
+              <a:ext uri="{FF2B5EF4-FFF2-40B4-BE49-F238E27FC236}">
+                <a16:creationId xmlns="" xmlns:a16="http://schemas.microsoft.com/office/drawing/2014/main" id="{9C02A14C-DE5F-49AD-A4EE-A27966D0EFDC}"/>
+              </a:ext>
+            </a:extLst>
+          </p:cNvPr>
+          <p:cNvSpPr/>
+          <p:nvPr/>
+        </p:nvSpPr>
+        <p:spPr>
+          <a:xfrm>
+            <a:off x="8579162" y="16508602"/>
+            <a:ext cx="926325" cy="540000"/>
+          </a:xfrm>
+          <a:prstGeom prst="rect">
+            <a:avLst/>
+          </a:prstGeom>
+          <a:solidFill>
+            <a:schemeClr val="bg1">
+              <a:lumMod val="65000"/>
+            </a:schemeClr>
+          </a:solidFill>
+          <a:ln w="19050"/>
+        </p:spPr>
+        <p:style>
+          <a:lnRef idx="2">
+            <a:schemeClr val="accent1"/>
+          </a:lnRef>
+          <a:fillRef idx="1">
+            <a:schemeClr val="lt1"/>
+          </a:fillRef>
+          <a:effectRef idx="0">
+            <a:schemeClr val="accent1"/>
+          </a:effectRef>
+          <a:fontRef idx="minor">
+            <a:schemeClr val="dk1"/>
+          </a:fontRef>
+        </p:style>
+        <p:txBody>
+          <a:bodyPr lIns="124733" tIns="62367" rIns="124733" bIns="62367" rtlCol="0" anchor="ctr"/>
+          <a:lstStyle/>
+          <a:p>
+            <a:pPr algn="ctr"/>
+            <a:r>
+              <a:rPr lang="ru-RU" sz="700" dirty="0" smtClean="0"/>
+              <a:t>Установка равенства полов</a:t>
+            </a:r>
+            <a:endParaRPr lang="ru-RU" sz="400" dirty="0"/>
+          </a:p>
+        </p:txBody>
+      </p:sp>
+      <p:sp>
+        <p:nvSpPr>
+          <p:cNvPr id="250" name="Прямоугольник 249">
+            <a:extLst>
+              <a:ext uri="{FF2B5EF4-FFF2-40B4-BE49-F238E27FC236}">
+                <a16:creationId xmlns="" xmlns:a16="http://schemas.microsoft.com/office/drawing/2014/main" id="{9C02A14C-DE5F-49AD-A4EE-A27966D0EFDC}"/>
+              </a:ext>
+            </a:extLst>
+          </p:cNvPr>
+          <p:cNvSpPr/>
+          <p:nvPr/>
+        </p:nvSpPr>
+        <p:spPr>
+          <a:xfrm>
+            <a:off x="7375799" y="16508602"/>
+            <a:ext cx="926325" cy="540000"/>
+          </a:xfrm>
+          <a:prstGeom prst="rect">
+            <a:avLst/>
+          </a:prstGeom>
+          <a:solidFill>
+            <a:schemeClr val="bg1">
+              <a:lumMod val="65000"/>
+            </a:schemeClr>
+          </a:solidFill>
+          <a:ln w="19050"/>
+        </p:spPr>
+        <p:style>
+          <a:lnRef idx="2">
+            <a:schemeClr val="accent1"/>
+          </a:lnRef>
+          <a:fillRef idx="1">
+            <a:schemeClr val="lt1"/>
+          </a:fillRef>
+          <a:effectRef idx="0">
+            <a:schemeClr val="accent1"/>
+          </a:effectRef>
+          <a:fontRef idx="minor">
+            <a:schemeClr val="dk1"/>
+          </a:fontRef>
+        </p:style>
+        <p:txBody>
+          <a:bodyPr lIns="124733" tIns="62367" rIns="124733" bIns="62367" rtlCol="0" anchor="ctr"/>
+          <a:lstStyle/>
+          <a:p>
+            <a:pPr algn="ctr"/>
+            <a:r>
+              <a:rPr lang="ru-RU" sz="700" dirty="0" err="1" smtClean="0"/>
+              <a:t>Реинкорпорация</a:t>
+            </a:r>
+            <a:r>
+              <a:rPr lang="ru-RU" sz="700" dirty="0" smtClean="0"/>
+              <a:t> Атлантического побережья</a:t>
+            </a:r>
+            <a:endParaRPr lang="ru-RU" sz="400" dirty="0"/>
+          </a:p>
+        </p:txBody>
+      </p:sp>
+      <p:cxnSp>
+        <p:nvCxnSpPr>
+          <p:cNvPr id="251" name="Соединительная линия уступом 903">
+            <a:extLst>
+              <a:ext uri="{FF2B5EF4-FFF2-40B4-BE49-F238E27FC236}">
+                <a16:creationId xmlns="" xmlns:a16="http://schemas.microsoft.com/office/drawing/2014/main" id="{7F2B1BD7-0FDF-4BD9-834C-72911F99D650}"/>
+              </a:ext>
+            </a:extLst>
+          </p:cNvPr>
+          <p:cNvCxnSpPr>
+            <a:cxnSpLocks/>
+            <a:stCxn id="235" idx="2"/>
+            <a:endCxn id="240" idx="0"/>
+          </p:cNvCxnSpPr>
+          <p:nvPr/>
+        </p:nvCxnSpPr>
+        <p:spPr>
+          <a:xfrm rot="5400000">
+            <a:off x="8352657" y="13448103"/>
+            <a:ext cx="233299" cy="2548982"/>
+          </a:xfrm>
+          <a:prstGeom prst="bentConnector3">
+            <a:avLst>
+              <a:gd name="adj1" fmla="val 50000"/>
+            </a:avLst>
+          </a:prstGeom>
+          <a:ln w="19050">
+            <a:prstDash val="dash"/>
+            <a:tailEnd type="arrow"/>
+          </a:ln>
+        </p:spPr>
+        <p:style>
+          <a:lnRef idx="1">
+            <a:schemeClr val="accent1"/>
+          </a:lnRef>
+          <a:fillRef idx="0">
+            <a:schemeClr val="accent1"/>
+          </a:fillRef>
+          <a:effectRef idx="0">
+            <a:schemeClr val="accent1"/>
+          </a:effectRef>
+          <a:fontRef idx="minor">
+            <a:schemeClr val="tx1"/>
+          </a:fontRef>
+        </p:style>
+      </p:cxnSp>
+      <p:cxnSp>
+        <p:nvCxnSpPr>
+          <p:cNvPr id="252" name="Соединительная линия уступом 903">
+            <a:extLst>
+              <a:ext uri="{FF2B5EF4-FFF2-40B4-BE49-F238E27FC236}">
+                <a16:creationId xmlns="" xmlns:a16="http://schemas.microsoft.com/office/drawing/2014/main" id="{7F2B1BD7-0FDF-4BD9-834C-72911F99D650}"/>
+              </a:ext>
+            </a:extLst>
+          </p:cNvPr>
+          <p:cNvCxnSpPr>
+            <a:cxnSpLocks/>
+            <a:stCxn id="240" idx="2"/>
+            <a:endCxn id="175" idx="0"/>
+          </p:cNvCxnSpPr>
+          <p:nvPr/>
+        </p:nvCxnSpPr>
+        <p:spPr>
+          <a:xfrm rot="5400000">
+            <a:off x="6711914" y="15166529"/>
+            <a:ext cx="270186" cy="695616"/>
+          </a:xfrm>
+          <a:prstGeom prst="bentConnector3">
+            <a:avLst>
+              <a:gd name="adj1" fmla="val 50000"/>
+            </a:avLst>
+          </a:prstGeom>
+          <a:ln w="19050">
+            <a:tailEnd type="arrow"/>
+          </a:ln>
+        </p:spPr>
+        <p:style>
+          <a:lnRef idx="1">
+            <a:schemeClr val="accent1"/>
+          </a:lnRef>
+          <a:fillRef idx="0">
+            <a:schemeClr val="accent1"/>
+          </a:fillRef>
+          <a:effectRef idx="0">
+            <a:schemeClr val="accent1"/>
+          </a:effectRef>
+          <a:fontRef idx="minor">
+            <a:schemeClr val="tx1"/>
+          </a:fontRef>
+        </p:style>
+      </p:cxnSp>
+      <p:cxnSp>
+        <p:nvCxnSpPr>
+          <p:cNvPr id="255" name="Соединительная линия уступом 903">
+            <a:extLst>
+              <a:ext uri="{FF2B5EF4-FFF2-40B4-BE49-F238E27FC236}">
+                <a16:creationId xmlns="" xmlns:a16="http://schemas.microsoft.com/office/drawing/2014/main" id="{7F2B1BD7-0FDF-4BD9-834C-72911F99D650}"/>
+              </a:ext>
+            </a:extLst>
+          </p:cNvPr>
+          <p:cNvCxnSpPr>
+            <a:cxnSpLocks/>
+            <a:stCxn id="235" idx="2"/>
+            <a:endCxn id="85" idx="0"/>
+          </p:cNvCxnSpPr>
+          <p:nvPr/>
+        </p:nvCxnSpPr>
+        <p:spPr>
+          <a:xfrm rot="5400000">
+            <a:off x="7665718" y="12761164"/>
+            <a:ext cx="233299" cy="3922860"/>
+          </a:xfrm>
+          <a:prstGeom prst="bentConnector3">
+            <a:avLst>
+              <a:gd name="adj1" fmla="val 50000"/>
+            </a:avLst>
+          </a:prstGeom>
+          <a:ln w="19050">
+            <a:prstDash val="dash"/>
+            <a:tailEnd type="arrow"/>
+          </a:ln>
+        </p:spPr>
+        <p:style>
+          <a:lnRef idx="1">
+            <a:schemeClr val="accent1"/>
+          </a:lnRef>
+          <a:fillRef idx="0">
+            <a:schemeClr val="accent1"/>
+          </a:fillRef>
+          <a:effectRef idx="0">
+            <a:schemeClr val="accent1"/>
+          </a:effectRef>
+          <a:fontRef idx="minor">
+            <a:schemeClr val="tx1"/>
+          </a:fontRef>
+        </p:style>
+      </p:cxnSp>
+      <p:cxnSp>
+        <p:nvCxnSpPr>
+          <p:cNvPr id="258" name="Соединительная линия уступом 903">
+            <a:extLst>
+              <a:ext uri="{FF2B5EF4-FFF2-40B4-BE49-F238E27FC236}">
+                <a16:creationId xmlns="" xmlns:a16="http://schemas.microsoft.com/office/drawing/2014/main" id="{7F2B1BD7-0FDF-4BD9-834C-72911F99D650}"/>
+              </a:ext>
+            </a:extLst>
+          </p:cNvPr>
+          <p:cNvCxnSpPr>
+            <a:cxnSpLocks/>
+            <a:stCxn id="170" idx="2"/>
+            <a:endCxn id="240" idx="0"/>
+          </p:cNvCxnSpPr>
+          <p:nvPr/>
+        </p:nvCxnSpPr>
+        <p:spPr>
+          <a:xfrm rot="16200000" flipH="1">
+            <a:off x="4884802" y="12529230"/>
+            <a:ext cx="233299" cy="4386728"/>
+          </a:xfrm>
+          <a:prstGeom prst="bentConnector3">
+            <a:avLst>
+              <a:gd name="adj1" fmla="val 50000"/>
+            </a:avLst>
+          </a:prstGeom>
+          <a:ln w="19050">
+            <a:prstDash val="dash"/>
+            <a:tailEnd type="arrow"/>
+          </a:ln>
+        </p:spPr>
+        <p:style>
+          <a:lnRef idx="1">
+            <a:schemeClr val="accent1"/>
+          </a:lnRef>
+          <a:fillRef idx="0">
+            <a:schemeClr val="accent1"/>
+          </a:fillRef>
+          <a:effectRef idx="0">
+            <a:schemeClr val="accent1"/>
+          </a:effectRef>
+          <a:fontRef idx="minor">
+            <a:schemeClr val="tx1"/>
+          </a:fontRef>
+        </p:style>
+      </p:cxnSp>
+      <p:cxnSp>
+        <p:nvCxnSpPr>
+          <p:cNvPr id="262" name="Прямая соединительная линия 261">
+            <a:extLst>
+              <a:ext uri="{FF2B5EF4-FFF2-40B4-BE49-F238E27FC236}">
+                <a16:creationId xmlns="" xmlns:a16="http://schemas.microsoft.com/office/drawing/2014/main" id="{FD347516-2278-4B85-B9D1-D49EF200F440}"/>
+              </a:ext>
+            </a:extLst>
+          </p:cNvPr>
+          <p:cNvCxnSpPr>
+            <a:cxnSpLocks/>
+            <a:stCxn id="170" idx="3"/>
+            <a:endCxn id="235" idx="1"/>
+          </p:cNvCxnSpPr>
+          <p:nvPr/>
+        </p:nvCxnSpPr>
+        <p:spPr>
+          <a:xfrm>
+            <a:off x="3271249" y="14335945"/>
+            <a:ext cx="6009385" cy="0"/>
+          </a:xfrm>
+          <a:prstGeom prst="line">
+            <a:avLst/>
+          </a:prstGeom>
+          <a:ln w="19050">
+            <a:solidFill>
+              <a:srgbClr val="FF0000"/>
+            </a:solidFill>
+          </a:ln>
+        </p:spPr>
+        <p:style>
+          <a:lnRef idx="1">
+            <a:schemeClr val="accent1"/>
+          </a:lnRef>
+          <a:fillRef idx="0">
+            <a:schemeClr val="accent1"/>
+          </a:fillRef>
+          <a:effectRef idx="0">
+            <a:schemeClr val="accent1"/>
+          </a:effectRef>
+          <a:fontRef idx="minor">
+            <a:schemeClr val="tx1"/>
+          </a:fontRef>
+        </p:style>
+      </p:cxnSp>
+      <p:sp>
+        <p:nvSpPr>
+          <p:cNvPr id="265" name="Прямоугольник 264">
+            <a:extLst>
+              <a:ext uri="{FF2B5EF4-FFF2-40B4-BE49-F238E27FC236}">
+                <a16:creationId xmlns="" xmlns:a16="http://schemas.microsoft.com/office/drawing/2014/main" id="{9C02A14C-DE5F-49AD-A4EE-A27966D0EFDC}"/>
+              </a:ext>
+            </a:extLst>
+          </p:cNvPr>
+          <p:cNvSpPr/>
+          <p:nvPr/>
+        </p:nvSpPr>
+        <p:spPr>
+          <a:xfrm>
+            <a:off x="10550894" y="16508602"/>
+            <a:ext cx="926325" cy="540000"/>
+          </a:xfrm>
+          <a:prstGeom prst="rect">
+            <a:avLst/>
+          </a:prstGeom>
+          <a:solidFill>
+            <a:schemeClr val="bg1">
+              <a:lumMod val="65000"/>
+            </a:schemeClr>
+          </a:solidFill>
+          <a:ln w="19050"/>
+        </p:spPr>
+        <p:style>
+          <a:lnRef idx="2">
+            <a:schemeClr val="accent1"/>
+          </a:lnRef>
+          <a:fillRef idx="1">
+            <a:schemeClr val="lt1"/>
+          </a:fillRef>
+          <a:effectRef idx="0">
+            <a:schemeClr val="accent1"/>
+          </a:effectRef>
+          <a:fontRef idx="minor">
+            <a:schemeClr val="dk1"/>
+          </a:fontRef>
+        </p:style>
+        <p:txBody>
+          <a:bodyPr lIns="124733" tIns="62367" rIns="124733" bIns="62367" rtlCol="0" anchor="ctr"/>
+          <a:lstStyle/>
+          <a:p>
+            <a:pPr algn="ctr"/>
+            <a:r>
+              <a:rPr lang="ru-RU" sz="700" dirty="0" smtClean="0"/>
+              <a:t>Увеличить финансирование медицин</a:t>
+            </a:r>
+            <a:r>
+              <a:rPr lang="ru-RU" sz="700" dirty="0" smtClean="0"/>
+              <a:t>ской сферы</a:t>
+            </a:r>
+            <a:endParaRPr lang="ru-RU" sz="400" dirty="0"/>
+          </a:p>
+        </p:txBody>
+      </p:sp>
+      <p:cxnSp>
+        <p:nvCxnSpPr>
+          <p:cNvPr id="267" name="Соединительная линия уступом 903">
+            <a:extLst>
+              <a:ext uri="{FF2B5EF4-FFF2-40B4-BE49-F238E27FC236}">
+                <a16:creationId xmlns="" xmlns:a16="http://schemas.microsoft.com/office/drawing/2014/main" id="{7F2B1BD7-0FDF-4BD9-834C-72911F99D650}"/>
+              </a:ext>
+            </a:extLst>
+          </p:cNvPr>
+          <p:cNvCxnSpPr>
+            <a:cxnSpLocks/>
+            <a:stCxn id="175" idx="2"/>
+            <a:endCxn id="250" idx="0"/>
+          </p:cNvCxnSpPr>
+          <p:nvPr/>
+        </p:nvCxnSpPr>
+        <p:spPr>
+          <a:xfrm rot="16200000" flipH="1">
+            <a:off x="7009494" y="15679134"/>
+            <a:ext cx="319172" cy="1339763"/>
+          </a:xfrm>
+          <a:prstGeom prst="bentConnector3">
+            <a:avLst>
+              <a:gd name="adj1" fmla="val 50000"/>
+            </a:avLst>
+          </a:prstGeom>
+          <a:ln w="19050">
+            <a:tailEnd type="arrow"/>
+          </a:ln>
+        </p:spPr>
+        <p:style>
+          <a:lnRef idx="1">
+            <a:schemeClr val="accent1"/>
+          </a:lnRef>
+          <a:fillRef idx="0">
+            <a:schemeClr val="accent1"/>
+          </a:fillRef>
+          <a:effectRef idx="0">
+            <a:schemeClr val="accent1"/>
+          </a:effectRef>
+          <a:fontRef idx="minor">
+            <a:schemeClr val="tx1"/>
+          </a:fontRef>
+        </p:style>
+      </p:cxnSp>
+      <p:cxnSp>
+        <p:nvCxnSpPr>
+          <p:cNvPr id="269" name="Соединительная линия уступом 903">
+            <a:extLst>
+              <a:ext uri="{FF2B5EF4-FFF2-40B4-BE49-F238E27FC236}">
+                <a16:creationId xmlns="" xmlns:a16="http://schemas.microsoft.com/office/drawing/2014/main" id="{7F2B1BD7-0FDF-4BD9-834C-72911F99D650}"/>
+              </a:ext>
+            </a:extLst>
+          </p:cNvPr>
+          <p:cNvCxnSpPr>
+            <a:cxnSpLocks/>
+            <a:stCxn id="246" idx="2"/>
+            <a:endCxn id="250" idx="0"/>
+          </p:cNvCxnSpPr>
+          <p:nvPr/>
+        </p:nvCxnSpPr>
+        <p:spPr>
+          <a:xfrm rot="5400000">
+            <a:off x="7987226" y="16041167"/>
+            <a:ext cx="319172" cy="615699"/>
+          </a:xfrm>
+          <a:prstGeom prst="bentConnector3">
+            <a:avLst>
+              <a:gd name="adj1" fmla="val 50000"/>
+            </a:avLst>
+          </a:prstGeom>
+          <a:ln w="19050">
+            <a:tailEnd type="arrow"/>
+          </a:ln>
+        </p:spPr>
+        <p:style>
+          <a:lnRef idx="1">
+            <a:schemeClr val="accent1"/>
+          </a:lnRef>
+          <a:fillRef idx="0">
+            <a:schemeClr val="accent1"/>
+          </a:fillRef>
+          <a:effectRef idx="0">
+            <a:schemeClr val="accent1"/>
+          </a:effectRef>
+          <a:fontRef idx="minor">
+            <a:schemeClr val="tx1"/>
+          </a:fontRef>
+        </p:style>
+      </p:cxnSp>
+      <p:cxnSp>
+        <p:nvCxnSpPr>
+          <p:cNvPr id="272" name="Соединительная линия уступом 903">
+            <a:extLst>
+              <a:ext uri="{FF2B5EF4-FFF2-40B4-BE49-F238E27FC236}">
+                <a16:creationId xmlns="" xmlns:a16="http://schemas.microsoft.com/office/drawing/2014/main" id="{7F2B1BD7-0FDF-4BD9-834C-72911F99D650}"/>
+              </a:ext>
+            </a:extLst>
+          </p:cNvPr>
+          <p:cNvCxnSpPr>
+            <a:cxnSpLocks/>
+            <a:stCxn id="246" idx="2"/>
+            <a:endCxn id="248" idx="0"/>
+          </p:cNvCxnSpPr>
+          <p:nvPr/>
+        </p:nvCxnSpPr>
+        <p:spPr>
+          <a:xfrm rot="16200000" flipH="1">
+            <a:off x="8588907" y="16055184"/>
+            <a:ext cx="319172" cy="587664"/>
+          </a:xfrm>
+          <a:prstGeom prst="bentConnector3">
+            <a:avLst>
+              <a:gd name="adj1" fmla="val 50000"/>
+            </a:avLst>
+          </a:prstGeom>
+          <a:ln w="19050">
+            <a:tailEnd type="arrow"/>
+          </a:ln>
+        </p:spPr>
+        <p:style>
+          <a:lnRef idx="1">
+            <a:schemeClr val="accent1"/>
+          </a:lnRef>
+          <a:fillRef idx="0">
+            <a:schemeClr val="accent1"/>
+          </a:fillRef>
+          <a:effectRef idx="0">
+            <a:schemeClr val="accent1"/>
+          </a:effectRef>
+          <a:fontRef idx="minor">
+            <a:schemeClr val="tx1"/>
+          </a:fontRef>
+        </p:style>
+      </p:cxnSp>
+      <p:cxnSp>
+        <p:nvCxnSpPr>
+          <p:cNvPr id="275" name="Прямая со стрелкой 274">
+            <a:extLst>
+              <a:ext uri="{FF2B5EF4-FFF2-40B4-BE49-F238E27FC236}">
+                <a16:creationId xmlns="" xmlns:a16="http://schemas.microsoft.com/office/drawing/2014/main" id="{AFD4E665-A61D-46C2-A133-3412690F30F3}"/>
+              </a:ext>
+            </a:extLst>
+          </p:cNvPr>
+          <p:cNvCxnSpPr>
+            <a:cxnSpLocks/>
+            <a:stCxn id="247" idx="2"/>
+            <a:endCxn id="246" idx="0"/>
+          </p:cNvCxnSpPr>
+          <p:nvPr/>
+        </p:nvCxnSpPr>
+        <p:spPr>
+          <a:xfrm>
+            <a:off x="8454661" y="15379244"/>
+            <a:ext cx="0" cy="270186"/>
+          </a:xfrm>
+          <a:prstGeom prst="straightConnector1">
+            <a:avLst/>
+          </a:prstGeom>
+          <a:ln w="19050">
+            <a:tailEnd type="arrow"/>
+          </a:ln>
+        </p:spPr>
+        <p:style>
+          <a:lnRef idx="1">
+            <a:schemeClr val="accent1"/>
+          </a:lnRef>
+          <a:fillRef idx="0">
+            <a:schemeClr val="accent1"/>
+          </a:fillRef>
+          <a:effectRef idx="0">
+            <a:schemeClr val="accent1"/>
+          </a:effectRef>
+          <a:fontRef idx="minor">
+            <a:schemeClr val="tx1"/>
+          </a:fontRef>
+        </p:style>
+      </p:cxnSp>
+      <p:cxnSp>
+        <p:nvCxnSpPr>
+          <p:cNvPr id="278" name="Прямая со стрелкой 277">
+            <a:extLst>
+              <a:ext uri="{FF2B5EF4-FFF2-40B4-BE49-F238E27FC236}">
+                <a16:creationId xmlns="" xmlns:a16="http://schemas.microsoft.com/office/drawing/2014/main" id="{AFD4E665-A61D-46C2-A133-3412690F30F3}"/>
+              </a:ext>
+            </a:extLst>
+          </p:cNvPr>
+          <p:cNvCxnSpPr>
+            <a:cxnSpLocks/>
+            <a:stCxn id="236" idx="2"/>
+            <a:endCxn id="234" idx="0"/>
+          </p:cNvCxnSpPr>
+          <p:nvPr/>
+        </p:nvCxnSpPr>
+        <p:spPr>
+          <a:xfrm flipH="1">
+            <a:off x="9752696" y="15386948"/>
+            <a:ext cx="1067" cy="262482"/>
+          </a:xfrm>
+          <a:prstGeom prst="straightConnector1">
+            <a:avLst/>
+          </a:prstGeom>
+          <a:ln w="19050">
+            <a:tailEnd type="arrow"/>
+          </a:ln>
+        </p:spPr>
+        <p:style>
+          <a:lnRef idx="1">
+            <a:schemeClr val="accent1"/>
+          </a:lnRef>
+          <a:fillRef idx="0">
+            <a:schemeClr val="accent1"/>
+          </a:fillRef>
+          <a:effectRef idx="0">
+            <a:schemeClr val="accent1"/>
+          </a:effectRef>
+          <a:fontRef idx="minor">
+            <a:schemeClr val="tx1"/>
+          </a:fontRef>
+        </p:style>
+      </p:cxnSp>
+      <p:cxnSp>
+        <p:nvCxnSpPr>
+          <p:cNvPr id="283" name="Соединительная линия уступом 903">
+            <a:extLst>
+              <a:ext uri="{FF2B5EF4-FFF2-40B4-BE49-F238E27FC236}">
+                <a16:creationId xmlns="" xmlns:a16="http://schemas.microsoft.com/office/drawing/2014/main" id="{7F2B1BD7-0FDF-4BD9-834C-72911F99D650}"/>
+              </a:ext>
+            </a:extLst>
+          </p:cNvPr>
+          <p:cNvCxnSpPr>
+            <a:cxnSpLocks/>
+            <a:stCxn id="235" idx="2"/>
+            <a:endCxn id="247" idx="0"/>
+          </p:cNvCxnSpPr>
+          <p:nvPr/>
+        </p:nvCxnSpPr>
+        <p:spPr>
+          <a:xfrm rot="5400000">
+            <a:off x="8982580" y="14078026"/>
+            <a:ext cx="233299" cy="1289136"/>
+          </a:xfrm>
+          <a:prstGeom prst="bentConnector3">
+            <a:avLst>
+              <a:gd name="adj1" fmla="val 50000"/>
+            </a:avLst>
+          </a:prstGeom>
+          <a:ln w="19050">
+            <a:tailEnd type="arrow"/>
+          </a:ln>
+        </p:spPr>
+        <p:style>
+          <a:lnRef idx="1">
+            <a:schemeClr val="accent1"/>
+          </a:lnRef>
+          <a:fillRef idx="0">
+            <a:schemeClr val="accent1"/>
+          </a:fillRef>
+          <a:effectRef idx="0">
+            <a:schemeClr val="accent1"/>
+          </a:effectRef>
+          <a:fontRef idx="minor">
+            <a:schemeClr val="tx1"/>
+          </a:fontRef>
+        </p:style>
+      </p:cxnSp>
+      <p:cxnSp>
+        <p:nvCxnSpPr>
+          <p:cNvPr id="289" name="Прямая со стрелкой 288">
+            <a:extLst>
+              <a:ext uri="{FF2B5EF4-FFF2-40B4-BE49-F238E27FC236}">
+                <a16:creationId xmlns="" xmlns:a16="http://schemas.microsoft.com/office/drawing/2014/main" id="{AFD4E665-A61D-46C2-A133-3412690F30F3}"/>
+              </a:ext>
+            </a:extLst>
+          </p:cNvPr>
+          <p:cNvCxnSpPr>
+            <a:cxnSpLocks/>
+            <a:stCxn id="235" idx="2"/>
+            <a:endCxn id="236" idx="0"/>
+          </p:cNvCxnSpPr>
+          <p:nvPr/>
+        </p:nvCxnSpPr>
+        <p:spPr>
+          <a:xfrm>
+            <a:off x="9743797" y="14605945"/>
+            <a:ext cx="9966" cy="241003"/>
+          </a:xfrm>
+          <a:prstGeom prst="straightConnector1">
+            <a:avLst/>
+          </a:prstGeom>
+          <a:ln w="19050">
+            <a:tailEnd type="arrow"/>
+          </a:ln>
+        </p:spPr>
+        <p:style>
+          <a:lnRef idx="1">
+            <a:schemeClr val="accent1"/>
+          </a:lnRef>
+          <a:fillRef idx="0">
+            <a:schemeClr val="accent1"/>
+          </a:fillRef>
+          <a:effectRef idx="0">
+            <a:schemeClr val="accent1"/>
+          </a:effectRef>
+          <a:fontRef idx="minor">
+            <a:schemeClr val="tx1"/>
+          </a:fontRef>
+        </p:style>
+      </p:cxnSp>
+      <p:sp>
+        <p:nvSpPr>
+          <p:cNvPr id="292" name="Прямоугольник 291">
+            <a:extLst>
+              <a:ext uri="{FF2B5EF4-FFF2-40B4-BE49-F238E27FC236}">
+                <a16:creationId xmlns="" xmlns:a16="http://schemas.microsoft.com/office/drawing/2014/main" id="{9C02A14C-DE5F-49AD-A4EE-A27966D0EFDC}"/>
+              </a:ext>
+            </a:extLst>
+          </p:cNvPr>
+          <p:cNvSpPr/>
+          <p:nvPr/>
+        </p:nvSpPr>
+        <p:spPr>
+          <a:xfrm>
+            <a:off x="7991038" y="17259840"/>
+            <a:ext cx="926325" cy="540000"/>
+          </a:xfrm>
+          <a:prstGeom prst="rect">
+            <a:avLst/>
+          </a:prstGeom>
+          <a:solidFill>
+            <a:schemeClr val="bg1">
+              <a:lumMod val="65000"/>
+            </a:schemeClr>
+          </a:solidFill>
+          <a:ln w="19050"/>
+        </p:spPr>
+        <p:style>
+          <a:lnRef idx="2">
+            <a:schemeClr val="accent1"/>
+          </a:lnRef>
+          <a:fillRef idx="1">
+            <a:schemeClr val="lt1"/>
+          </a:fillRef>
+          <a:effectRef idx="0">
+            <a:schemeClr val="accent1"/>
+          </a:effectRef>
+          <a:fontRef idx="minor">
+            <a:schemeClr val="dk1"/>
+          </a:fontRef>
+        </p:style>
+        <p:txBody>
+          <a:bodyPr lIns="124733" tIns="62367" rIns="124733" bIns="62367" rtlCol="0" anchor="ctr"/>
+          <a:lstStyle/>
+          <a:p>
+            <a:pPr algn="ctr"/>
+            <a:r>
+              <a:rPr lang="ru-RU" sz="700" dirty="0" smtClean="0"/>
+              <a:t>Уважение религиозных убеждений</a:t>
+            </a:r>
+            <a:endParaRPr lang="ru-RU" sz="400" dirty="0"/>
+          </a:p>
+        </p:txBody>
+      </p:sp>
+      <p:cxnSp>
+        <p:nvCxnSpPr>
+          <p:cNvPr id="296" name="Соединительная линия уступом 903">
+            <a:extLst>
+              <a:ext uri="{FF2B5EF4-FFF2-40B4-BE49-F238E27FC236}">
+                <a16:creationId xmlns="" xmlns:a16="http://schemas.microsoft.com/office/drawing/2014/main" id="{7F2B1BD7-0FDF-4BD9-834C-72911F99D650}"/>
+              </a:ext>
+            </a:extLst>
+          </p:cNvPr>
+          <p:cNvCxnSpPr>
+            <a:cxnSpLocks/>
+            <a:stCxn id="175" idx="2"/>
+            <a:endCxn id="38" idx="0"/>
+          </p:cNvCxnSpPr>
+          <p:nvPr/>
+        </p:nvCxnSpPr>
+        <p:spPr>
+          <a:xfrm rot="5400000">
+            <a:off x="6000483" y="16009886"/>
+            <a:ext cx="319173" cy="678261"/>
+          </a:xfrm>
+          <a:prstGeom prst="bentConnector3">
+            <a:avLst>
+              <a:gd name="adj1" fmla="val 50000"/>
+            </a:avLst>
+          </a:prstGeom>
+          <a:ln w="19050">
+            <a:tailEnd type="arrow"/>
+          </a:ln>
+        </p:spPr>
+        <p:style>
+          <a:lnRef idx="1">
+            <a:schemeClr val="accent1"/>
+          </a:lnRef>
+          <a:fillRef idx="0">
+            <a:schemeClr val="accent1"/>
+          </a:fillRef>
+          <a:effectRef idx="0">
+            <a:schemeClr val="accent1"/>
+          </a:effectRef>
+          <a:fontRef idx="minor">
+            <a:schemeClr val="tx1"/>
+          </a:fontRef>
+        </p:style>
+      </p:cxnSp>
+      <p:sp>
+        <p:nvSpPr>
+          <p:cNvPr id="302" name="Прямоугольник 301">
+            <a:extLst>
+              <a:ext uri="{FF2B5EF4-FFF2-40B4-BE49-F238E27FC236}">
+                <a16:creationId xmlns="" xmlns:a16="http://schemas.microsoft.com/office/drawing/2014/main" id="{9C02A14C-DE5F-49AD-A4EE-A27966D0EFDC}"/>
+              </a:ext>
+            </a:extLst>
+          </p:cNvPr>
+          <p:cNvSpPr/>
+          <p:nvPr/>
+        </p:nvSpPr>
+        <p:spPr>
+          <a:xfrm>
+            <a:off x="10550898" y="14841338"/>
+            <a:ext cx="926325" cy="540000"/>
+          </a:xfrm>
+          <a:prstGeom prst="rect">
+            <a:avLst/>
+          </a:prstGeom>
+          <a:solidFill>
+            <a:schemeClr val="bg1">
+              <a:lumMod val="65000"/>
+            </a:schemeClr>
+          </a:solidFill>
+          <a:ln w="19050"/>
+        </p:spPr>
+        <p:style>
+          <a:lnRef idx="2">
+            <a:schemeClr val="accent1"/>
+          </a:lnRef>
+          <a:fillRef idx="1">
+            <a:schemeClr val="lt1"/>
+          </a:fillRef>
+          <a:effectRef idx="0">
+            <a:schemeClr val="accent1"/>
+          </a:effectRef>
+          <a:fontRef idx="minor">
+            <a:schemeClr val="dk1"/>
+          </a:fontRef>
+        </p:style>
+        <p:txBody>
+          <a:bodyPr lIns="124733" tIns="62367" rIns="124733" bIns="62367" rtlCol="0" anchor="ctr"/>
+          <a:lstStyle/>
+          <a:p>
+            <a:pPr algn="ctr"/>
+            <a:r>
+              <a:rPr lang="ru-RU" sz="700" dirty="0" smtClean="0"/>
+              <a:t>Национализация банков</a:t>
+            </a:r>
+            <a:endParaRPr lang="ru-RU" sz="400" dirty="0"/>
+          </a:p>
+        </p:txBody>
+      </p:sp>
+      <p:cxnSp>
+        <p:nvCxnSpPr>
+          <p:cNvPr id="303" name="Соединительная линия уступом 903">
+            <a:extLst>
+              <a:ext uri="{FF2B5EF4-FFF2-40B4-BE49-F238E27FC236}">
+                <a16:creationId xmlns="" xmlns:a16="http://schemas.microsoft.com/office/drawing/2014/main" id="{7F2B1BD7-0FDF-4BD9-834C-72911F99D650}"/>
+              </a:ext>
+            </a:extLst>
+          </p:cNvPr>
+          <p:cNvCxnSpPr>
+            <a:cxnSpLocks/>
+            <a:stCxn id="235" idx="2"/>
+            <a:endCxn id="302" idx="0"/>
+          </p:cNvCxnSpPr>
+          <p:nvPr/>
+        </p:nvCxnSpPr>
+        <p:spPr>
+          <a:xfrm rot="16200000" flipH="1">
+            <a:off x="10261233" y="14088509"/>
+            <a:ext cx="235393" cy="1270264"/>
+          </a:xfrm>
+          <a:prstGeom prst="bentConnector3">
+            <a:avLst>
+              <a:gd name="adj1" fmla="val 50000"/>
+            </a:avLst>
+          </a:prstGeom>
+          <a:ln w="19050">
+            <a:tailEnd type="arrow"/>
+          </a:ln>
+        </p:spPr>
+        <p:style>
+          <a:lnRef idx="1">
+            <a:schemeClr val="accent1"/>
+          </a:lnRef>
+          <a:fillRef idx="0">
+            <a:schemeClr val="accent1"/>
+          </a:fillRef>
+          <a:effectRef idx="0">
+            <a:schemeClr val="accent1"/>
+          </a:effectRef>
+          <a:fontRef idx="minor">
+            <a:schemeClr val="tx1"/>
+          </a:fontRef>
+        </p:style>
+      </p:cxnSp>
+      <p:sp>
+        <p:nvSpPr>
+          <p:cNvPr id="309" name="Прямоугольник 308">
+            <a:extLst>
+              <a:ext uri="{FF2B5EF4-FFF2-40B4-BE49-F238E27FC236}">
+                <a16:creationId xmlns="" xmlns:a16="http://schemas.microsoft.com/office/drawing/2014/main" id="{9C02A14C-DE5F-49AD-A4EE-A27966D0EFDC}"/>
+              </a:ext>
+            </a:extLst>
+          </p:cNvPr>
+          <p:cNvSpPr/>
+          <p:nvPr/>
+        </p:nvSpPr>
+        <p:spPr>
+          <a:xfrm>
+            <a:off x="6042387" y="17259841"/>
+            <a:ext cx="926325" cy="540000"/>
+          </a:xfrm>
+          <a:prstGeom prst="rect">
+            <a:avLst/>
+          </a:prstGeom>
+          <a:gradFill>
+            <a:gsLst>
+              <a:gs pos="0">
+                <a:srgbClr val="FF0000"/>
+              </a:gs>
+              <a:gs pos="100000">
+                <a:schemeClr val="bg1">
+                  <a:lumMod val="50000"/>
+                </a:schemeClr>
+              </a:gs>
+            </a:gsLst>
+            <a:lin ang="5400000" scaled="0"/>
+          </a:gradFill>
+          <a:ln w="19050"/>
+        </p:spPr>
+        <p:style>
+          <a:lnRef idx="2">
+            <a:schemeClr val="accent1"/>
+          </a:lnRef>
+          <a:fillRef idx="1">
+            <a:schemeClr val="lt1"/>
+          </a:fillRef>
+          <a:effectRef idx="0">
+            <a:schemeClr val="accent1"/>
+          </a:effectRef>
+          <a:fontRef idx="minor">
+            <a:schemeClr val="dk1"/>
+          </a:fontRef>
+        </p:style>
+        <p:txBody>
+          <a:bodyPr lIns="124733" tIns="62367" rIns="124733" bIns="62367" rtlCol="0" anchor="ctr"/>
+          <a:lstStyle/>
+          <a:p>
+            <a:pPr algn="ctr"/>
+            <a:r>
+              <a:rPr lang="ru-RU" sz="700" dirty="0" smtClean="0"/>
+              <a:t>Начать сотрудничество с СССР</a:t>
+            </a:r>
+            <a:endParaRPr lang="ru-RU" sz="400" dirty="0"/>
+          </a:p>
+        </p:txBody>
+      </p:sp>
+      <p:sp>
+        <p:nvSpPr>
+          <p:cNvPr id="313" name="Прямоугольник 312">
+            <a:extLst>
+              <a:ext uri="{FF2B5EF4-FFF2-40B4-BE49-F238E27FC236}">
+                <a16:creationId xmlns="" xmlns:a16="http://schemas.microsoft.com/office/drawing/2014/main" id="{9C02A14C-DE5F-49AD-A4EE-A27966D0EFDC}"/>
+              </a:ext>
+            </a:extLst>
+          </p:cNvPr>
+          <p:cNvSpPr/>
+          <p:nvPr/>
+        </p:nvSpPr>
+        <p:spPr>
+          <a:xfrm>
+            <a:off x="5356040" y="18066291"/>
+            <a:ext cx="926325" cy="540000"/>
+          </a:xfrm>
+          <a:prstGeom prst="rect">
+            <a:avLst/>
+          </a:prstGeom>
+          <a:gradFill>
+            <a:gsLst>
+              <a:gs pos="0">
+                <a:srgbClr val="FF0000"/>
+              </a:gs>
+              <a:gs pos="100000">
+                <a:schemeClr val="bg1">
+                  <a:lumMod val="50000"/>
+                </a:schemeClr>
+              </a:gs>
+            </a:gsLst>
+            <a:lin ang="5400000" scaled="0"/>
+          </a:gradFill>
+          <a:ln w="19050"/>
+        </p:spPr>
+        <p:style>
+          <a:lnRef idx="2">
+            <a:schemeClr val="accent1"/>
+          </a:lnRef>
+          <a:fillRef idx="1">
+            <a:schemeClr val="lt1"/>
+          </a:fillRef>
+          <a:effectRef idx="0">
+            <a:schemeClr val="accent1"/>
+          </a:effectRef>
+          <a:fontRef idx="minor">
+            <a:schemeClr val="dk1"/>
+          </a:fontRef>
+        </p:style>
+        <p:txBody>
+          <a:bodyPr lIns="124733" tIns="62367" rIns="124733" bIns="62367" rtlCol="0" anchor="ctr"/>
+          <a:lstStyle/>
+          <a:p>
+            <a:pPr algn="ctr"/>
+            <a:r>
+              <a:rPr lang="ru-RU" sz="700" dirty="0"/>
+              <a:t>Помощь советских экономистов с курсом </a:t>
+            </a:r>
+            <a:r>
+              <a:rPr lang="ru-RU" sz="700" dirty="0" err="1"/>
+              <a:t>кардобы</a:t>
+            </a:r>
+            <a:endParaRPr lang="ru-RU" sz="400" dirty="0"/>
+          </a:p>
+        </p:txBody>
+      </p:sp>
+      <p:sp>
+        <p:nvSpPr>
+          <p:cNvPr id="314" name="Прямоугольник 313">
+            <a:extLst>
+              <a:ext uri="{FF2B5EF4-FFF2-40B4-BE49-F238E27FC236}">
+                <a16:creationId xmlns="" xmlns:a16="http://schemas.microsoft.com/office/drawing/2014/main" id="{9C02A14C-DE5F-49AD-A4EE-A27966D0EFDC}"/>
+              </a:ext>
+            </a:extLst>
+          </p:cNvPr>
+          <p:cNvSpPr/>
+          <p:nvPr/>
+        </p:nvSpPr>
+        <p:spPr>
+          <a:xfrm>
+            <a:off x="6731651" y="18060732"/>
+            <a:ext cx="926325" cy="540000"/>
+          </a:xfrm>
+          <a:prstGeom prst="rect">
+            <a:avLst/>
+          </a:prstGeom>
+          <a:gradFill>
+            <a:gsLst>
+              <a:gs pos="0">
+                <a:srgbClr val="FF0000"/>
+              </a:gs>
+              <a:gs pos="100000">
+                <a:schemeClr val="bg1">
+                  <a:lumMod val="50000"/>
+                </a:schemeClr>
+              </a:gs>
+            </a:gsLst>
+            <a:lin ang="5400000" scaled="0"/>
+          </a:gradFill>
+          <a:ln w="19050"/>
+        </p:spPr>
+        <p:style>
+          <a:lnRef idx="2">
+            <a:schemeClr val="accent1"/>
+          </a:lnRef>
+          <a:fillRef idx="1">
+            <a:schemeClr val="lt1"/>
+          </a:fillRef>
+          <a:effectRef idx="0">
+            <a:schemeClr val="accent1"/>
+          </a:effectRef>
+          <a:fontRef idx="minor">
+            <a:schemeClr val="dk1"/>
+          </a:fontRef>
+        </p:style>
+        <p:txBody>
+          <a:bodyPr lIns="124733" tIns="62367" rIns="124733" bIns="62367" rtlCol="0" anchor="ctr"/>
+          <a:lstStyle/>
+          <a:p>
+            <a:pPr algn="ctr"/>
+            <a:r>
+              <a:rPr lang="ru-RU" sz="700" dirty="0"/>
+              <a:t>Военная </a:t>
+            </a:r>
+            <a:r>
+              <a:rPr lang="ru-RU" sz="700" dirty="0" smtClean="0"/>
+              <a:t>поддержка</a:t>
+            </a:r>
+            <a:endParaRPr lang="ru-RU" sz="400" dirty="0"/>
+          </a:p>
+        </p:txBody>
+      </p:sp>
+      <p:sp>
+        <p:nvSpPr>
+          <p:cNvPr id="315" name="Прямоугольник 314">
+            <a:extLst>
+              <a:ext uri="{FF2B5EF4-FFF2-40B4-BE49-F238E27FC236}">
+                <a16:creationId xmlns="" xmlns:a16="http://schemas.microsoft.com/office/drawing/2014/main" id="{CA07F76D-4941-4BBE-8B5A-F0348C4D0FB6}"/>
+              </a:ext>
+            </a:extLst>
+          </p:cNvPr>
+          <p:cNvSpPr/>
+          <p:nvPr/>
+        </p:nvSpPr>
+        <p:spPr>
+          <a:xfrm>
+            <a:off x="2927776" y="17259841"/>
             <a:ext cx="926325" cy="540000"/>
           </a:xfrm>
           <a:prstGeom prst="rect">
@@ -13271,28 +15846,3498 @@
             <a:pPr algn="ctr"/>
             <a:r>
               <a:rPr lang="ru-RU" sz="700" dirty="0" smtClean="0"/>
-              <a:t>Трудовой кодекс и </a:t>
-            </a:r>
-            <a:r>
-              <a:rPr lang="ru-RU" sz="700" dirty="0"/>
-              <a:t>социальные гарантии </a:t>
-            </a:r>
-            <a:r>
-              <a:rPr lang="ru-RU" sz="200" dirty="0"/>
-              <a:t>(</a:t>
-            </a:r>
-            <a:r>
-              <a:rPr lang="ru-RU" sz="200" dirty="0" err="1"/>
-              <a:t>Сомоса</a:t>
-            </a:r>
-            <a:r>
-              <a:rPr lang="ru-RU" sz="200" dirty="0"/>
-              <a:t> Гарсия, уже находившийся у власти, применил тактику, чтобы привлечь на свою сторону эту процветающую партию для своего личного политического проекта; присвоил минимальную демократическую программу ПТС, пообещав обнародовать Трудовой кодекс и главу о социальных гарантиях в Конституции, если ПТС ее поддержит.)</a:t>
-            </a:r>
-            <a:endParaRPr lang="ru-RU" sz="100" dirty="0"/>
-          </a:p>
-        </p:txBody>
-      </p:sp>
+              <a:t>Курс на укрепление рабочих в центральной Америке</a:t>
+            </a:r>
+            <a:endParaRPr lang="ru-RU" sz="400" dirty="0"/>
+          </a:p>
+        </p:txBody>
+      </p:sp>
+      <p:cxnSp>
+        <p:nvCxnSpPr>
+          <p:cNvPr id="317" name="Соединительная линия уступом 903">
+            <a:extLst>
+              <a:ext uri="{FF2B5EF4-FFF2-40B4-BE49-F238E27FC236}">
+                <a16:creationId xmlns="" xmlns:a16="http://schemas.microsoft.com/office/drawing/2014/main" id="{7F2B1BD7-0FDF-4BD9-834C-72911F99D650}"/>
+              </a:ext>
+            </a:extLst>
+          </p:cNvPr>
+          <p:cNvCxnSpPr>
+            <a:cxnSpLocks/>
+            <a:stCxn id="170" idx="2"/>
+            <a:endCxn id="315" idx="0"/>
+          </p:cNvCxnSpPr>
+          <p:nvPr/>
+        </p:nvCxnSpPr>
+        <p:spPr>
+          <a:xfrm rot="16200000" flipH="1">
+            <a:off x="1772565" y="15641467"/>
+            <a:ext cx="2653896" cy="582852"/>
+          </a:xfrm>
+          <a:prstGeom prst="bentConnector3">
+            <a:avLst>
+              <a:gd name="adj1" fmla="val 4778"/>
+            </a:avLst>
+          </a:prstGeom>
+          <a:ln w="19050">
+            <a:tailEnd type="arrow"/>
+          </a:ln>
+        </p:spPr>
+        <p:style>
+          <a:lnRef idx="1">
+            <a:schemeClr val="accent1"/>
+          </a:lnRef>
+          <a:fillRef idx="0">
+            <a:schemeClr val="accent1"/>
+          </a:fillRef>
+          <a:effectRef idx="0">
+            <a:schemeClr val="accent1"/>
+          </a:effectRef>
+          <a:fontRef idx="minor">
+            <a:schemeClr val="tx1"/>
+          </a:fontRef>
+        </p:style>
+      </p:cxnSp>
+      <p:sp>
+        <p:nvSpPr>
+          <p:cNvPr id="320" name="Прямоугольник 319">
+            <a:extLst>
+              <a:ext uri="{FF2B5EF4-FFF2-40B4-BE49-F238E27FC236}">
+                <a16:creationId xmlns="" xmlns:a16="http://schemas.microsoft.com/office/drawing/2014/main" id="{CA07F76D-4941-4BBE-8B5A-F0348C4D0FB6}"/>
+              </a:ext>
+            </a:extLst>
+          </p:cNvPr>
+          <p:cNvSpPr/>
+          <p:nvPr/>
+        </p:nvSpPr>
+        <p:spPr>
+          <a:xfrm>
+            <a:off x="2923876" y="18936241"/>
+            <a:ext cx="926325" cy="540000"/>
+          </a:xfrm>
+          <a:prstGeom prst="rect">
+            <a:avLst/>
+          </a:prstGeom>
+          <a:solidFill>
+            <a:srgbClr val="FF0000"/>
+          </a:solidFill>
+          <a:ln w="19050"/>
+        </p:spPr>
+        <p:style>
+          <a:lnRef idx="2">
+            <a:schemeClr val="accent1"/>
+          </a:lnRef>
+          <a:fillRef idx="1">
+            <a:schemeClr val="lt1"/>
+          </a:fillRef>
+          <a:effectRef idx="0">
+            <a:schemeClr val="accent1"/>
+          </a:effectRef>
+          <a:fontRef idx="minor">
+            <a:schemeClr val="dk1"/>
+          </a:fontRef>
+        </p:style>
+        <p:txBody>
+          <a:bodyPr lIns="124733" tIns="62367" rIns="124733" bIns="62367" rtlCol="0" anchor="ctr"/>
+          <a:lstStyle/>
+          <a:p>
+            <a:pPr algn="ctr"/>
+            <a:r>
+              <a:rPr lang="ru-RU" sz="700" dirty="0" smtClean="0"/>
+              <a:t>Центральноамериканский союз рабочих</a:t>
+            </a:r>
+            <a:endParaRPr lang="ru-RU" sz="400" dirty="0"/>
+          </a:p>
+        </p:txBody>
+      </p:sp>
+      <p:sp>
+        <p:nvSpPr>
+          <p:cNvPr id="321" name="Прямоугольник 320">
+            <a:extLst>
+              <a:ext uri="{FF2B5EF4-FFF2-40B4-BE49-F238E27FC236}">
+                <a16:creationId xmlns="" xmlns:a16="http://schemas.microsoft.com/office/drawing/2014/main" id="{9C02A14C-DE5F-49AD-A4EE-A27966D0EFDC}"/>
+              </a:ext>
+            </a:extLst>
+          </p:cNvPr>
+          <p:cNvSpPr/>
+          <p:nvPr/>
+        </p:nvSpPr>
+        <p:spPr>
+          <a:xfrm>
+            <a:off x="6053928" y="18936241"/>
+            <a:ext cx="926325" cy="540000"/>
+          </a:xfrm>
+          <a:prstGeom prst="rect">
+            <a:avLst/>
+          </a:prstGeom>
+          <a:gradFill>
+            <a:gsLst>
+              <a:gs pos="0">
+                <a:srgbClr val="FF0000"/>
+              </a:gs>
+              <a:gs pos="100000">
+                <a:schemeClr val="bg1">
+                  <a:lumMod val="50000"/>
+                </a:schemeClr>
+              </a:gs>
+            </a:gsLst>
+            <a:lin ang="5400000" scaled="0"/>
+          </a:gradFill>
+          <a:ln w="19050"/>
+        </p:spPr>
+        <p:style>
+          <a:lnRef idx="2">
+            <a:schemeClr val="accent1"/>
+          </a:lnRef>
+          <a:fillRef idx="1">
+            <a:schemeClr val="lt1"/>
+          </a:fillRef>
+          <a:effectRef idx="0">
+            <a:schemeClr val="accent1"/>
+          </a:effectRef>
+          <a:fontRef idx="minor">
+            <a:schemeClr val="dk1"/>
+          </a:fontRef>
+        </p:style>
+        <p:txBody>
+          <a:bodyPr lIns="124733" tIns="62367" rIns="124733" bIns="62367" rtlCol="0" anchor="ctr"/>
+          <a:lstStyle/>
+          <a:p>
+            <a:pPr algn="ctr"/>
+            <a:r>
+              <a:rPr lang="ru-RU" sz="700" dirty="0" smtClean="0"/>
+              <a:t>Вступить в Коминтерн</a:t>
+            </a:r>
+            <a:endParaRPr lang="ru-RU" sz="400" dirty="0"/>
+          </a:p>
+        </p:txBody>
+      </p:sp>
+      <p:sp>
+        <p:nvSpPr>
+          <p:cNvPr id="322" name="Прямоугольник 321">
+            <a:extLst>
+              <a:ext uri="{FF2B5EF4-FFF2-40B4-BE49-F238E27FC236}">
+                <a16:creationId xmlns="" xmlns:a16="http://schemas.microsoft.com/office/drawing/2014/main" id="{9C02A14C-DE5F-49AD-A4EE-A27966D0EFDC}"/>
+              </a:ext>
+            </a:extLst>
+          </p:cNvPr>
+          <p:cNvSpPr/>
+          <p:nvPr/>
+        </p:nvSpPr>
+        <p:spPr>
+          <a:xfrm>
+            <a:off x="6053929" y="19721302"/>
+            <a:ext cx="926325" cy="540000"/>
+          </a:xfrm>
+          <a:prstGeom prst="rect">
+            <a:avLst/>
+          </a:prstGeom>
+          <a:gradFill>
+            <a:gsLst>
+              <a:gs pos="0">
+                <a:srgbClr val="FF0000"/>
+              </a:gs>
+              <a:gs pos="100000">
+                <a:schemeClr val="bg1">
+                  <a:lumMod val="50000"/>
+                </a:schemeClr>
+              </a:gs>
+            </a:gsLst>
+            <a:lin ang="5400000" scaled="0"/>
+          </a:gradFill>
+          <a:ln w="19050"/>
+        </p:spPr>
+        <p:style>
+          <a:lnRef idx="2">
+            <a:schemeClr val="accent1"/>
+          </a:lnRef>
+          <a:fillRef idx="1">
+            <a:schemeClr val="lt1"/>
+          </a:fillRef>
+          <a:effectRef idx="0">
+            <a:schemeClr val="accent1"/>
+          </a:effectRef>
+          <a:fontRef idx="minor">
+            <a:schemeClr val="dk1"/>
+          </a:fontRef>
+        </p:style>
+        <p:txBody>
+          <a:bodyPr lIns="124733" tIns="62367" rIns="124733" bIns="62367" rtlCol="0" anchor="ctr"/>
+          <a:lstStyle/>
+          <a:p>
+            <a:pPr algn="ctr"/>
+            <a:r>
+              <a:rPr lang="ru-RU" sz="700" dirty="0" smtClean="0"/>
+              <a:t>Морские базы для С</a:t>
+            </a:r>
+            <a:r>
+              <a:rPr lang="en-US" sz="700" dirty="0" smtClean="0"/>
+              <a:t>C</a:t>
+            </a:r>
+            <a:r>
+              <a:rPr lang="ru-RU" sz="700" dirty="0" smtClean="0"/>
+              <a:t>СР</a:t>
+            </a:r>
+            <a:endParaRPr lang="ru-RU" sz="400" dirty="0"/>
+          </a:p>
+        </p:txBody>
+      </p:sp>
+      <p:cxnSp>
+        <p:nvCxnSpPr>
+          <p:cNvPr id="323" name="Прямая соединительная линия 322">
+            <a:extLst>
+              <a:ext uri="{FF2B5EF4-FFF2-40B4-BE49-F238E27FC236}">
+                <a16:creationId xmlns="" xmlns:a16="http://schemas.microsoft.com/office/drawing/2014/main" id="{FD347516-2278-4B85-B9D1-D49EF200F440}"/>
+              </a:ext>
+            </a:extLst>
+          </p:cNvPr>
+          <p:cNvCxnSpPr>
+            <a:cxnSpLocks/>
+            <a:stCxn id="320" idx="3"/>
+            <a:endCxn id="321" idx="1"/>
+          </p:cNvCxnSpPr>
+          <p:nvPr/>
+        </p:nvCxnSpPr>
+        <p:spPr>
+          <a:xfrm>
+            <a:off x="3850201" y="19206241"/>
+            <a:ext cx="2203727" cy="0"/>
+          </a:xfrm>
+          <a:prstGeom prst="line">
+            <a:avLst/>
+          </a:prstGeom>
+          <a:ln w="19050">
+            <a:solidFill>
+              <a:srgbClr val="FF0000"/>
+            </a:solidFill>
+          </a:ln>
+        </p:spPr>
+        <p:style>
+          <a:lnRef idx="1">
+            <a:schemeClr val="accent1"/>
+          </a:lnRef>
+          <a:fillRef idx="0">
+            <a:schemeClr val="accent1"/>
+          </a:fillRef>
+          <a:effectRef idx="0">
+            <a:schemeClr val="accent1"/>
+          </a:effectRef>
+          <a:fontRef idx="minor">
+            <a:schemeClr val="tx1"/>
+          </a:fontRef>
+        </p:style>
+      </p:cxnSp>
+      <p:cxnSp>
+        <p:nvCxnSpPr>
+          <p:cNvPr id="326" name="Соединительная линия уступом 903">
+            <a:extLst>
+              <a:ext uri="{FF2B5EF4-FFF2-40B4-BE49-F238E27FC236}">
+                <a16:creationId xmlns="" xmlns:a16="http://schemas.microsoft.com/office/drawing/2014/main" id="{7F2B1BD7-0FDF-4BD9-834C-72911F99D650}"/>
+              </a:ext>
+            </a:extLst>
+          </p:cNvPr>
+          <p:cNvCxnSpPr>
+            <a:cxnSpLocks/>
+            <a:stCxn id="315" idx="2"/>
+            <a:endCxn id="189" idx="0"/>
+          </p:cNvCxnSpPr>
+          <p:nvPr/>
+        </p:nvCxnSpPr>
+        <p:spPr>
+          <a:xfrm rot="5400000">
+            <a:off x="2972244" y="17635686"/>
+            <a:ext cx="254541" cy="582851"/>
+          </a:xfrm>
+          <a:prstGeom prst="bentConnector3">
+            <a:avLst>
+              <a:gd name="adj1" fmla="val 50000"/>
+            </a:avLst>
+          </a:prstGeom>
+          <a:ln w="19050">
+            <a:tailEnd type="arrow"/>
+          </a:ln>
+        </p:spPr>
+        <p:style>
+          <a:lnRef idx="1">
+            <a:schemeClr val="accent1"/>
+          </a:lnRef>
+          <a:fillRef idx="0">
+            <a:schemeClr val="accent1"/>
+          </a:fillRef>
+          <a:effectRef idx="0">
+            <a:schemeClr val="accent1"/>
+          </a:effectRef>
+          <a:fontRef idx="minor">
+            <a:schemeClr val="tx1"/>
+          </a:fontRef>
+        </p:style>
+      </p:cxnSp>
+      <p:cxnSp>
+        <p:nvCxnSpPr>
+          <p:cNvPr id="329" name="Соединительная линия уступом 903">
+            <a:extLst>
+              <a:ext uri="{FF2B5EF4-FFF2-40B4-BE49-F238E27FC236}">
+                <a16:creationId xmlns="" xmlns:a16="http://schemas.microsoft.com/office/drawing/2014/main" id="{7F2B1BD7-0FDF-4BD9-834C-72911F99D650}"/>
+              </a:ext>
+            </a:extLst>
+          </p:cNvPr>
+          <p:cNvCxnSpPr>
+            <a:cxnSpLocks/>
+            <a:stCxn id="315" idx="2"/>
+            <a:endCxn id="188" idx="0"/>
+          </p:cNvCxnSpPr>
+          <p:nvPr/>
+        </p:nvCxnSpPr>
+        <p:spPr>
+          <a:xfrm rot="16200000" flipH="1">
+            <a:off x="3550297" y="17640482"/>
+            <a:ext cx="253750" cy="572467"/>
+          </a:xfrm>
+          <a:prstGeom prst="bentConnector3">
+            <a:avLst>
+              <a:gd name="adj1" fmla="val 50000"/>
+            </a:avLst>
+          </a:prstGeom>
+          <a:ln w="19050">
+            <a:tailEnd type="arrow"/>
+          </a:ln>
+        </p:spPr>
+        <p:style>
+          <a:lnRef idx="1">
+            <a:schemeClr val="accent1"/>
+          </a:lnRef>
+          <a:fillRef idx="0">
+            <a:schemeClr val="accent1"/>
+          </a:fillRef>
+          <a:effectRef idx="0">
+            <a:schemeClr val="accent1"/>
+          </a:effectRef>
+          <a:fontRef idx="minor">
+            <a:schemeClr val="tx1"/>
+          </a:fontRef>
+        </p:style>
+      </p:cxnSp>
+      <p:cxnSp>
+        <p:nvCxnSpPr>
+          <p:cNvPr id="332" name="Прямая со стрелкой 331">
+            <a:extLst>
+              <a:ext uri="{FF2B5EF4-FFF2-40B4-BE49-F238E27FC236}">
+                <a16:creationId xmlns="" xmlns:a16="http://schemas.microsoft.com/office/drawing/2014/main" id="{AFD4E665-A61D-46C2-A133-3412690F30F3}"/>
+              </a:ext>
+            </a:extLst>
+          </p:cNvPr>
+          <p:cNvCxnSpPr>
+            <a:cxnSpLocks/>
+            <a:stCxn id="315" idx="2"/>
+            <a:endCxn id="320" idx="0"/>
+          </p:cNvCxnSpPr>
+          <p:nvPr/>
+        </p:nvCxnSpPr>
+        <p:spPr>
+          <a:xfrm flipH="1">
+            <a:off x="3387039" y="17799841"/>
+            <a:ext cx="3900" cy="1136400"/>
+          </a:xfrm>
+          <a:prstGeom prst="straightConnector1">
+            <a:avLst/>
+          </a:prstGeom>
+          <a:ln w="19050">
+            <a:tailEnd type="arrow"/>
+          </a:ln>
+        </p:spPr>
+        <p:style>
+          <a:lnRef idx="1">
+            <a:schemeClr val="accent1"/>
+          </a:lnRef>
+          <a:fillRef idx="0">
+            <a:schemeClr val="accent1"/>
+          </a:fillRef>
+          <a:effectRef idx="0">
+            <a:schemeClr val="accent1"/>
+          </a:effectRef>
+          <a:fontRef idx="minor">
+            <a:schemeClr val="tx1"/>
+          </a:fontRef>
+        </p:style>
+      </p:cxnSp>
+      <p:cxnSp>
+        <p:nvCxnSpPr>
+          <p:cNvPr id="335" name="Прямая со стрелкой 334">
+            <a:extLst>
+              <a:ext uri="{FF2B5EF4-FFF2-40B4-BE49-F238E27FC236}">
+                <a16:creationId xmlns="" xmlns:a16="http://schemas.microsoft.com/office/drawing/2014/main" id="{AFD4E665-A61D-46C2-A133-3412690F30F3}"/>
+              </a:ext>
+            </a:extLst>
+          </p:cNvPr>
+          <p:cNvCxnSpPr>
+            <a:cxnSpLocks/>
+            <a:stCxn id="309" idx="2"/>
+            <a:endCxn id="321" idx="0"/>
+          </p:cNvCxnSpPr>
+          <p:nvPr/>
+        </p:nvCxnSpPr>
+        <p:spPr>
+          <a:xfrm>
+            <a:off x="6505550" y="17799841"/>
+            <a:ext cx="11541" cy="1136400"/>
+          </a:xfrm>
+          <a:prstGeom prst="straightConnector1">
+            <a:avLst/>
+          </a:prstGeom>
+          <a:ln w="19050">
+            <a:tailEnd type="arrow"/>
+          </a:ln>
+        </p:spPr>
+        <p:style>
+          <a:lnRef idx="1">
+            <a:schemeClr val="accent1"/>
+          </a:lnRef>
+          <a:fillRef idx="0">
+            <a:schemeClr val="accent1"/>
+          </a:fillRef>
+          <a:effectRef idx="0">
+            <a:schemeClr val="accent1"/>
+          </a:effectRef>
+          <a:fontRef idx="minor">
+            <a:schemeClr val="tx1"/>
+          </a:fontRef>
+        </p:style>
+      </p:cxnSp>
+      <p:cxnSp>
+        <p:nvCxnSpPr>
+          <p:cNvPr id="338" name="Соединительная линия уступом 903">
+            <a:extLst>
+              <a:ext uri="{FF2B5EF4-FFF2-40B4-BE49-F238E27FC236}">
+                <a16:creationId xmlns="" xmlns:a16="http://schemas.microsoft.com/office/drawing/2014/main" id="{7F2B1BD7-0FDF-4BD9-834C-72911F99D650}"/>
+              </a:ext>
+            </a:extLst>
+          </p:cNvPr>
+          <p:cNvCxnSpPr>
+            <a:cxnSpLocks/>
+            <a:stCxn id="309" idx="2"/>
+            <a:endCxn id="313" idx="0"/>
+          </p:cNvCxnSpPr>
+          <p:nvPr/>
+        </p:nvCxnSpPr>
+        <p:spPr>
+          <a:xfrm rot="5400000">
+            <a:off x="6029152" y="17589893"/>
+            <a:ext cx="266450" cy="686347"/>
+          </a:xfrm>
+          <a:prstGeom prst="bentConnector3">
+            <a:avLst>
+              <a:gd name="adj1" fmla="val 50000"/>
+            </a:avLst>
+          </a:prstGeom>
+          <a:ln w="19050">
+            <a:tailEnd type="arrow"/>
+          </a:ln>
+        </p:spPr>
+        <p:style>
+          <a:lnRef idx="1">
+            <a:schemeClr val="accent1"/>
+          </a:lnRef>
+          <a:fillRef idx="0">
+            <a:schemeClr val="accent1"/>
+          </a:fillRef>
+          <a:effectRef idx="0">
+            <a:schemeClr val="accent1"/>
+          </a:effectRef>
+          <a:fontRef idx="minor">
+            <a:schemeClr val="tx1"/>
+          </a:fontRef>
+        </p:style>
+      </p:cxnSp>
+      <p:cxnSp>
+        <p:nvCxnSpPr>
+          <p:cNvPr id="341" name="Соединительная линия уступом 903">
+            <a:extLst>
+              <a:ext uri="{FF2B5EF4-FFF2-40B4-BE49-F238E27FC236}">
+                <a16:creationId xmlns="" xmlns:a16="http://schemas.microsoft.com/office/drawing/2014/main" id="{7F2B1BD7-0FDF-4BD9-834C-72911F99D650}"/>
+              </a:ext>
+            </a:extLst>
+          </p:cNvPr>
+          <p:cNvCxnSpPr>
+            <a:cxnSpLocks/>
+            <a:stCxn id="309" idx="2"/>
+            <a:endCxn id="314" idx="0"/>
+          </p:cNvCxnSpPr>
+          <p:nvPr/>
+        </p:nvCxnSpPr>
+        <p:spPr>
+          <a:xfrm rot="16200000" flipH="1">
+            <a:off x="6719737" y="17585654"/>
+            <a:ext cx="260891" cy="689264"/>
+          </a:xfrm>
+          <a:prstGeom prst="bentConnector3">
+            <a:avLst>
+              <a:gd name="adj1" fmla="val 50000"/>
+            </a:avLst>
+          </a:prstGeom>
+          <a:ln w="19050">
+            <a:tailEnd type="arrow"/>
+          </a:ln>
+        </p:spPr>
+        <p:style>
+          <a:lnRef idx="1">
+            <a:schemeClr val="accent1"/>
+          </a:lnRef>
+          <a:fillRef idx="0">
+            <a:schemeClr val="accent1"/>
+          </a:fillRef>
+          <a:effectRef idx="0">
+            <a:schemeClr val="accent1"/>
+          </a:effectRef>
+          <a:fontRef idx="minor">
+            <a:schemeClr val="tx1"/>
+          </a:fontRef>
+        </p:style>
+      </p:cxnSp>
+      <p:sp>
+        <p:nvSpPr>
+          <p:cNvPr id="344" name="Прямоугольник 343">
+            <a:extLst>
+              <a:ext uri="{FF2B5EF4-FFF2-40B4-BE49-F238E27FC236}">
+                <a16:creationId xmlns="" xmlns:a16="http://schemas.microsoft.com/office/drawing/2014/main" id="{CA07F76D-4941-4BBE-8B5A-F0348C4D0FB6}"/>
+              </a:ext>
+            </a:extLst>
+          </p:cNvPr>
+          <p:cNvSpPr/>
+          <p:nvPr/>
+        </p:nvSpPr>
+        <p:spPr>
+          <a:xfrm>
+            <a:off x="4664443" y="19721302"/>
+            <a:ext cx="926325" cy="540000"/>
+          </a:xfrm>
+          <a:prstGeom prst="rect">
+            <a:avLst/>
+          </a:prstGeom>
+          <a:solidFill>
+            <a:srgbClr val="FF0000"/>
+          </a:solidFill>
+          <a:ln w="19050"/>
+        </p:spPr>
+        <p:style>
+          <a:lnRef idx="2">
+            <a:schemeClr val="accent1"/>
+          </a:lnRef>
+          <a:fillRef idx="1">
+            <a:schemeClr val="lt1"/>
+          </a:fillRef>
+          <a:effectRef idx="0">
+            <a:schemeClr val="accent1"/>
+          </a:effectRef>
+          <a:fontRef idx="minor">
+            <a:schemeClr val="dk1"/>
+          </a:fontRef>
+        </p:style>
+        <p:txBody>
+          <a:bodyPr lIns="124733" tIns="62367" rIns="124733" bIns="62367" rtlCol="0" anchor="ctr"/>
+          <a:lstStyle/>
+          <a:p>
+            <a:pPr algn="ctr"/>
+            <a:r>
+              <a:rPr lang="ru-RU" sz="700" dirty="0" smtClean="0"/>
+              <a:t>Оплот коммунизма в Центральной Америке</a:t>
+            </a:r>
+            <a:endParaRPr lang="ru-RU" sz="400" dirty="0"/>
+          </a:p>
+        </p:txBody>
+      </p:sp>
+      <p:cxnSp>
+        <p:nvCxnSpPr>
+          <p:cNvPr id="352" name="Соединительная линия уступом 903">
+            <a:extLst>
+              <a:ext uri="{FF2B5EF4-FFF2-40B4-BE49-F238E27FC236}">
+                <a16:creationId xmlns="" xmlns:a16="http://schemas.microsoft.com/office/drawing/2014/main" id="{7F2B1BD7-0FDF-4BD9-834C-72911F99D650}"/>
+              </a:ext>
+            </a:extLst>
+          </p:cNvPr>
+          <p:cNvCxnSpPr>
+            <a:cxnSpLocks/>
+            <a:stCxn id="320" idx="2"/>
+            <a:endCxn id="344" idx="0"/>
+          </p:cNvCxnSpPr>
+          <p:nvPr/>
+        </p:nvCxnSpPr>
+        <p:spPr>
+          <a:xfrm rot="16200000" flipH="1">
+            <a:off x="4134792" y="18728487"/>
+            <a:ext cx="245061" cy="1740567"/>
+          </a:xfrm>
+          <a:prstGeom prst="bentConnector3">
+            <a:avLst>
+              <a:gd name="adj1" fmla="val 50000"/>
+            </a:avLst>
+          </a:prstGeom>
+          <a:ln w="19050">
+            <a:prstDash val="dash"/>
+            <a:tailEnd type="arrow"/>
+          </a:ln>
+        </p:spPr>
+        <p:style>
+          <a:lnRef idx="1">
+            <a:schemeClr val="accent1"/>
+          </a:lnRef>
+          <a:fillRef idx="0">
+            <a:schemeClr val="accent1"/>
+          </a:fillRef>
+          <a:effectRef idx="0">
+            <a:schemeClr val="accent1"/>
+          </a:effectRef>
+          <a:fontRef idx="minor">
+            <a:schemeClr val="tx1"/>
+          </a:fontRef>
+        </p:style>
+      </p:cxnSp>
+      <p:cxnSp>
+        <p:nvCxnSpPr>
+          <p:cNvPr id="355" name="Соединительная линия уступом 903">
+            <a:extLst>
+              <a:ext uri="{FF2B5EF4-FFF2-40B4-BE49-F238E27FC236}">
+                <a16:creationId xmlns="" xmlns:a16="http://schemas.microsoft.com/office/drawing/2014/main" id="{7F2B1BD7-0FDF-4BD9-834C-72911F99D650}"/>
+              </a:ext>
+            </a:extLst>
+          </p:cNvPr>
+          <p:cNvCxnSpPr>
+            <a:cxnSpLocks/>
+            <a:stCxn id="321" idx="2"/>
+            <a:endCxn id="344" idx="0"/>
+          </p:cNvCxnSpPr>
+          <p:nvPr/>
+        </p:nvCxnSpPr>
+        <p:spPr>
+          <a:xfrm rot="5400000">
+            <a:off x="5699819" y="18904029"/>
+            <a:ext cx="245061" cy="1389485"/>
+          </a:xfrm>
+          <a:prstGeom prst="bentConnector3">
+            <a:avLst>
+              <a:gd name="adj1" fmla="val 50000"/>
+            </a:avLst>
+          </a:prstGeom>
+          <a:ln w="19050">
+            <a:prstDash val="dash"/>
+            <a:tailEnd type="arrow"/>
+          </a:ln>
+        </p:spPr>
+        <p:style>
+          <a:lnRef idx="1">
+            <a:schemeClr val="accent1"/>
+          </a:lnRef>
+          <a:fillRef idx="0">
+            <a:schemeClr val="accent1"/>
+          </a:fillRef>
+          <a:effectRef idx="0">
+            <a:schemeClr val="accent1"/>
+          </a:effectRef>
+          <a:fontRef idx="minor">
+            <a:schemeClr val="tx1"/>
+          </a:fontRef>
+        </p:style>
+      </p:cxnSp>
+      <p:cxnSp>
+        <p:nvCxnSpPr>
+          <p:cNvPr id="358" name="Прямая со стрелкой 357">
+            <a:extLst>
+              <a:ext uri="{FF2B5EF4-FFF2-40B4-BE49-F238E27FC236}">
+                <a16:creationId xmlns="" xmlns:a16="http://schemas.microsoft.com/office/drawing/2014/main" id="{AFD4E665-A61D-46C2-A133-3412690F30F3}"/>
+              </a:ext>
+            </a:extLst>
+          </p:cNvPr>
+          <p:cNvCxnSpPr>
+            <a:cxnSpLocks/>
+            <a:stCxn id="321" idx="2"/>
+            <a:endCxn id="322" idx="0"/>
+          </p:cNvCxnSpPr>
+          <p:nvPr/>
+        </p:nvCxnSpPr>
+        <p:spPr>
+          <a:xfrm>
+            <a:off x="6517091" y="19476241"/>
+            <a:ext cx="1" cy="245061"/>
+          </a:xfrm>
+          <a:prstGeom prst="straightConnector1">
+            <a:avLst/>
+          </a:prstGeom>
+          <a:ln w="19050">
+            <a:tailEnd type="arrow"/>
+          </a:ln>
+        </p:spPr>
+        <p:style>
+          <a:lnRef idx="1">
+            <a:schemeClr val="accent1"/>
+          </a:lnRef>
+          <a:fillRef idx="0">
+            <a:schemeClr val="accent1"/>
+          </a:fillRef>
+          <a:effectRef idx="0">
+            <a:schemeClr val="accent1"/>
+          </a:effectRef>
+          <a:fontRef idx="minor">
+            <a:schemeClr val="tx1"/>
+          </a:fontRef>
+        </p:style>
+      </p:cxnSp>
+      <p:sp>
+        <p:nvSpPr>
+          <p:cNvPr id="361" name="Прямоугольник 360">
+            <a:extLst>
+              <a:ext uri="{FF2B5EF4-FFF2-40B4-BE49-F238E27FC236}">
+                <a16:creationId xmlns="" xmlns:a16="http://schemas.microsoft.com/office/drawing/2014/main" id="{CA07F76D-4941-4BBE-8B5A-F0348C4D0FB6}"/>
+              </a:ext>
+            </a:extLst>
+          </p:cNvPr>
+          <p:cNvSpPr/>
+          <p:nvPr/>
+        </p:nvSpPr>
+        <p:spPr>
+          <a:xfrm>
+            <a:off x="2344926" y="19721301"/>
+            <a:ext cx="926325" cy="540000"/>
+          </a:xfrm>
+          <a:prstGeom prst="rect">
+            <a:avLst/>
+          </a:prstGeom>
+          <a:solidFill>
+            <a:srgbClr val="FF0000"/>
+          </a:solidFill>
+          <a:ln w="19050"/>
+        </p:spPr>
+        <p:style>
+          <a:lnRef idx="2">
+            <a:schemeClr val="accent1"/>
+          </a:lnRef>
+          <a:fillRef idx="1">
+            <a:schemeClr val="lt1"/>
+          </a:fillRef>
+          <a:effectRef idx="0">
+            <a:schemeClr val="accent1"/>
+          </a:effectRef>
+          <a:fontRef idx="minor">
+            <a:schemeClr val="dk1"/>
+          </a:fontRef>
+        </p:style>
+        <p:txBody>
+          <a:bodyPr lIns="124733" tIns="62367" rIns="124733" bIns="62367" rtlCol="0" anchor="ctr"/>
+          <a:lstStyle/>
+          <a:p>
+            <a:pPr algn="ctr"/>
+            <a:r>
+              <a:rPr lang="ru-RU" sz="700" dirty="0" smtClean="0"/>
+              <a:t>Расширение на Карибское море</a:t>
+            </a:r>
+            <a:endParaRPr lang="ru-RU" sz="400" dirty="0"/>
+          </a:p>
+        </p:txBody>
+      </p:sp>
+      <p:cxnSp>
+        <p:nvCxnSpPr>
+          <p:cNvPr id="362" name="Соединительная линия уступом 903">
+            <a:extLst>
+              <a:ext uri="{FF2B5EF4-FFF2-40B4-BE49-F238E27FC236}">
+                <a16:creationId xmlns="" xmlns:a16="http://schemas.microsoft.com/office/drawing/2014/main" id="{7F2B1BD7-0FDF-4BD9-834C-72911F99D650}"/>
+              </a:ext>
+            </a:extLst>
+          </p:cNvPr>
+          <p:cNvCxnSpPr>
+            <a:cxnSpLocks/>
+            <a:stCxn id="320" idx="2"/>
+            <a:endCxn id="361" idx="0"/>
+          </p:cNvCxnSpPr>
+          <p:nvPr/>
+        </p:nvCxnSpPr>
+        <p:spPr>
+          <a:xfrm rot="5400000">
+            <a:off x="2975034" y="19309296"/>
+            <a:ext cx="245060" cy="578950"/>
+          </a:xfrm>
+          <a:prstGeom prst="bentConnector3">
+            <a:avLst>
+              <a:gd name="adj1" fmla="val 50000"/>
+            </a:avLst>
+          </a:prstGeom>
+          <a:ln w="19050">
+            <a:tailEnd type="arrow"/>
+          </a:ln>
+        </p:spPr>
+        <p:style>
+          <a:lnRef idx="1">
+            <a:schemeClr val="accent1"/>
+          </a:lnRef>
+          <a:fillRef idx="0">
+            <a:schemeClr val="accent1"/>
+          </a:fillRef>
+          <a:effectRef idx="0">
+            <a:schemeClr val="accent1"/>
+          </a:effectRef>
+          <a:fontRef idx="minor">
+            <a:schemeClr val="tx1"/>
+          </a:fontRef>
+        </p:style>
+      </p:cxnSp>
+      <p:sp>
+        <p:nvSpPr>
+          <p:cNvPr id="365" name="Прямоугольник 364">
+            <a:extLst>
+              <a:ext uri="{FF2B5EF4-FFF2-40B4-BE49-F238E27FC236}">
+                <a16:creationId xmlns="" xmlns:a16="http://schemas.microsoft.com/office/drawing/2014/main" id="{CA07F76D-4941-4BBE-8B5A-F0348C4D0FB6}"/>
+              </a:ext>
+            </a:extLst>
+          </p:cNvPr>
+          <p:cNvSpPr/>
+          <p:nvPr/>
+        </p:nvSpPr>
+        <p:spPr>
+          <a:xfrm>
+            <a:off x="2923876" y="20590541"/>
+            <a:ext cx="926325" cy="540000"/>
+          </a:xfrm>
+          <a:prstGeom prst="rect">
+            <a:avLst/>
+          </a:prstGeom>
+          <a:solidFill>
+            <a:srgbClr val="FF0000"/>
+          </a:solidFill>
+          <a:ln w="19050"/>
+        </p:spPr>
+        <p:style>
+          <a:lnRef idx="2">
+            <a:schemeClr val="accent1"/>
+          </a:lnRef>
+          <a:fillRef idx="1">
+            <a:schemeClr val="lt1"/>
+          </a:fillRef>
+          <a:effectRef idx="0">
+            <a:schemeClr val="accent1"/>
+          </a:effectRef>
+          <a:fontRef idx="minor">
+            <a:schemeClr val="dk1"/>
+          </a:fontRef>
+        </p:style>
+        <p:txBody>
+          <a:bodyPr lIns="124733" tIns="62367" rIns="124733" bIns="62367" rtlCol="0" anchor="ctr"/>
+          <a:lstStyle/>
+          <a:p>
+            <a:pPr algn="ctr"/>
+            <a:r>
+              <a:rPr lang="ru-RU" sz="700" dirty="0" smtClean="0"/>
+              <a:t>Охватить все страны центральной Америки</a:t>
+            </a:r>
+            <a:endParaRPr lang="ru-RU" sz="400" dirty="0"/>
+          </a:p>
+        </p:txBody>
+      </p:sp>
+      <p:cxnSp>
+        <p:nvCxnSpPr>
+          <p:cNvPr id="366" name="Прямая со стрелкой 365">
+            <a:extLst>
+              <a:ext uri="{FF2B5EF4-FFF2-40B4-BE49-F238E27FC236}">
+                <a16:creationId xmlns="" xmlns:a16="http://schemas.microsoft.com/office/drawing/2014/main" id="{AFD4E665-A61D-46C2-A133-3412690F30F3}"/>
+              </a:ext>
+            </a:extLst>
+          </p:cNvPr>
+          <p:cNvCxnSpPr>
+            <a:cxnSpLocks/>
+            <a:stCxn id="320" idx="2"/>
+            <a:endCxn id="365" idx="0"/>
+          </p:cNvCxnSpPr>
+          <p:nvPr/>
+        </p:nvCxnSpPr>
+        <p:spPr>
+          <a:xfrm>
+            <a:off x="3387039" y="19476241"/>
+            <a:ext cx="0" cy="1114300"/>
+          </a:xfrm>
+          <a:prstGeom prst="straightConnector1">
+            <a:avLst/>
+          </a:prstGeom>
+          <a:ln w="19050">
+            <a:tailEnd type="arrow"/>
+          </a:ln>
+        </p:spPr>
+        <p:style>
+          <a:lnRef idx="1">
+            <a:schemeClr val="accent1"/>
+          </a:lnRef>
+          <a:fillRef idx="0">
+            <a:schemeClr val="accent1"/>
+          </a:fillRef>
+          <a:effectRef idx="0">
+            <a:schemeClr val="accent1"/>
+          </a:effectRef>
+          <a:fontRef idx="minor">
+            <a:schemeClr val="tx1"/>
+          </a:fontRef>
+        </p:style>
+      </p:cxnSp>
+      <p:sp>
+        <p:nvSpPr>
+          <p:cNvPr id="371" name="Прямоугольник 370">
+            <a:extLst>
+              <a:ext uri="{FF2B5EF4-FFF2-40B4-BE49-F238E27FC236}">
+                <a16:creationId xmlns="" xmlns:a16="http://schemas.microsoft.com/office/drawing/2014/main" id="{9C02A14C-DE5F-49AD-A4EE-A27966D0EFDC}"/>
+              </a:ext>
+            </a:extLst>
+          </p:cNvPr>
+          <p:cNvSpPr/>
+          <p:nvPr/>
+        </p:nvSpPr>
+        <p:spPr>
+          <a:xfrm>
+            <a:off x="5349616" y="20589840"/>
+            <a:ext cx="926325" cy="540000"/>
+          </a:xfrm>
+          <a:prstGeom prst="rect">
+            <a:avLst/>
+          </a:prstGeom>
+          <a:gradFill>
+            <a:gsLst>
+              <a:gs pos="0">
+                <a:srgbClr val="FF0000"/>
+              </a:gs>
+              <a:gs pos="100000">
+                <a:schemeClr val="bg1">
+                  <a:lumMod val="50000"/>
+                </a:schemeClr>
+              </a:gs>
+            </a:gsLst>
+            <a:lin ang="5400000" scaled="0"/>
+          </a:gradFill>
+          <a:ln w="19050"/>
+        </p:spPr>
+        <p:style>
+          <a:lnRef idx="2">
+            <a:schemeClr val="accent1"/>
+          </a:lnRef>
+          <a:fillRef idx="1">
+            <a:schemeClr val="lt1"/>
+          </a:fillRef>
+          <a:effectRef idx="0">
+            <a:schemeClr val="accent1"/>
+          </a:effectRef>
+          <a:fontRef idx="minor">
+            <a:schemeClr val="dk1"/>
+          </a:fontRef>
+        </p:style>
+        <p:txBody>
+          <a:bodyPr lIns="124733" tIns="62367" rIns="124733" bIns="62367" rtlCol="0" anchor="ctr"/>
+          <a:lstStyle/>
+          <a:p>
+            <a:pPr algn="ctr"/>
+            <a:r>
+              <a:rPr lang="ru-RU" sz="700" dirty="0" smtClean="0"/>
+              <a:t>Военные для Никарагуанской академии</a:t>
+            </a:r>
+            <a:endParaRPr lang="ru-RU" sz="400" dirty="0"/>
+          </a:p>
+        </p:txBody>
+      </p:sp>
+      <p:cxnSp>
+        <p:nvCxnSpPr>
+          <p:cNvPr id="372" name="Соединительная линия уступом 903">
+            <a:extLst>
+              <a:ext uri="{FF2B5EF4-FFF2-40B4-BE49-F238E27FC236}">
+                <a16:creationId xmlns="" xmlns:a16="http://schemas.microsoft.com/office/drawing/2014/main" id="{7F2B1BD7-0FDF-4BD9-834C-72911F99D650}"/>
+              </a:ext>
+            </a:extLst>
+          </p:cNvPr>
+          <p:cNvCxnSpPr>
+            <a:cxnSpLocks/>
+            <a:stCxn id="322" idx="2"/>
+            <a:endCxn id="371" idx="0"/>
+          </p:cNvCxnSpPr>
+          <p:nvPr/>
+        </p:nvCxnSpPr>
+        <p:spPr>
+          <a:xfrm rot="5400000">
+            <a:off x="6000667" y="20073415"/>
+            <a:ext cx="328538" cy="704313"/>
+          </a:xfrm>
+          <a:prstGeom prst="bentConnector3">
+            <a:avLst>
+              <a:gd name="adj1" fmla="val 50000"/>
+            </a:avLst>
+          </a:prstGeom>
+          <a:ln w="19050">
+            <a:tailEnd type="arrow"/>
+          </a:ln>
+        </p:spPr>
+        <p:style>
+          <a:lnRef idx="1">
+            <a:schemeClr val="accent1"/>
+          </a:lnRef>
+          <a:fillRef idx="0">
+            <a:schemeClr val="accent1"/>
+          </a:fillRef>
+          <a:effectRef idx="0">
+            <a:schemeClr val="accent1"/>
+          </a:effectRef>
+          <a:fontRef idx="minor">
+            <a:schemeClr val="tx1"/>
+          </a:fontRef>
+        </p:style>
+      </p:cxnSp>
+      <p:sp>
+        <p:nvSpPr>
+          <p:cNvPr id="378" name="Прямоугольник 377">
+            <a:extLst>
+              <a:ext uri="{FF2B5EF4-FFF2-40B4-BE49-F238E27FC236}">
+                <a16:creationId xmlns="" xmlns:a16="http://schemas.microsoft.com/office/drawing/2014/main" id="{CA07F76D-4941-4BBE-8B5A-F0348C4D0FB6}"/>
+              </a:ext>
+            </a:extLst>
+          </p:cNvPr>
+          <p:cNvSpPr/>
+          <p:nvPr/>
+        </p:nvSpPr>
+        <p:spPr>
+          <a:xfrm>
+            <a:off x="3500291" y="19721302"/>
+            <a:ext cx="926325" cy="540000"/>
+          </a:xfrm>
+          <a:prstGeom prst="rect">
+            <a:avLst/>
+          </a:prstGeom>
+          <a:solidFill>
+            <a:srgbClr val="FF0000"/>
+          </a:solidFill>
+          <a:ln w="19050"/>
+        </p:spPr>
+        <p:style>
+          <a:lnRef idx="2">
+            <a:schemeClr val="accent1"/>
+          </a:lnRef>
+          <a:fillRef idx="1">
+            <a:schemeClr val="lt1"/>
+          </a:fillRef>
+          <a:effectRef idx="0">
+            <a:schemeClr val="accent1"/>
+          </a:effectRef>
+          <a:fontRef idx="minor">
+            <a:schemeClr val="dk1"/>
+          </a:fontRef>
+        </p:style>
+        <p:txBody>
+          <a:bodyPr lIns="124733" tIns="62367" rIns="124733" bIns="62367" rtlCol="0" anchor="ctr"/>
+          <a:lstStyle/>
+          <a:p>
+            <a:pPr algn="ctr"/>
+            <a:r>
+              <a:rPr lang="ru-RU" sz="700" dirty="0" smtClean="0"/>
+              <a:t>Централизация союза латинских республик</a:t>
+            </a:r>
+            <a:endParaRPr lang="ru-RU" sz="400" dirty="0"/>
+          </a:p>
+        </p:txBody>
+      </p:sp>
+      <p:cxnSp>
+        <p:nvCxnSpPr>
+          <p:cNvPr id="379" name="Соединительная линия уступом 903">
+            <a:extLst>
+              <a:ext uri="{FF2B5EF4-FFF2-40B4-BE49-F238E27FC236}">
+                <a16:creationId xmlns="" xmlns:a16="http://schemas.microsoft.com/office/drawing/2014/main" id="{7F2B1BD7-0FDF-4BD9-834C-72911F99D650}"/>
+              </a:ext>
+            </a:extLst>
+          </p:cNvPr>
+          <p:cNvCxnSpPr>
+            <a:cxnSpLocks/>
+            <a:stCxn id="320" idx="2"/>
+            <a:endCxn id="378" idx="0"/>
+          </p:cNvCxnSpPr>
+          <p:nvPr/>
+        </p:nvCxnSpPr>
+        <p:spPr>
+          <a:xfrm rot="16200000" flipH="1">
+            <a:off x="3552716" y="19310563"/>
+            <a:ext cx="245061" cy="576415"/>
+          </a:xfrm>
+          <a:prstGeom prst="bentConnector3">
+            <a:avLst>
+              <a:gd name="adj1" fmla="val 50000"/>
+            </a:avLst>
+          </a:prstGeom>
+          <a:ln w="19050">
+            <a:tailEnd type="arrow"/>
+          </a:ln>
+        </p:spPr>
+        <p:style>
+          <a:lnRef idx="1">
+            <a:schemeClr val="accent1"/>
+          </a:lnRef>
+          <a:fillRef idx="0">
+            <a:schemeClr val="accent1"/>
+          </a:fillRef>
+          <a:effectRef idx="0">
+            <a:schemeClr val="accent1"/>
+          </a:effectRef>
+          <a:fontRef idx="minor">
+            <a:schemeClr val="tx1"/>
+          </a:fontRef>
+        </p:style>
+      </p:cxnSp>
+      <p:sp>
+        <p:nvSpPr>
+          <p:cNvPr id="382" name="Прямоугольник 381">
+            <a:extLst>
+              <a:ext uri="{FF2B5EF4-FFF2-40B4-BE49-F238E27FC236}">
+                <a16:creationId xmlns="" xmlns:a16="http://schemas.microsoft.com/office/drawing/2014/main" id="{CA07F76D-4941-4BBE-8B5A-F0348C4D0FB6}"/>
+              </a:ext>
+            </a:extLst>
+          </p:cNvPr>
+          <p:cNvSpPr/>
+          <p:nvPr/>
+        </p:nvSpPr>
+        <p:spPr>
+          <a:xfrm>
+            <a:off x="5284718" y="22038294"/>
+            <a:ext cx="926325" cy="540000"/>
+          </a:xfrm>
+          <a:prstGeom prst="rect">
+            <a:avLst/>
+          </a:prstGeom>
+          <a:solidFill>
+            <a:srgbClr val="FF0000"/>
+          </a:solidFill>
+          <a:ln w="19050"/>
+        </p:spPr>
+        <p:style>
+          <a:lnRef idx="2">
+            <a:schemeClr val="accent1"/>
+          </a:lnRef>
+          <a:fillRef idx="1">
+            <a:schemeClr val="lt1"/>
+          </a:fillRef>
+          <a:effectRef idx="0">
+            <a:schemeClr val="accent1"/>
+          </a:effectRef>
+          <a:fontRef idx="minor">
+            <a:schemeClr val="dk1"/>
+          </a:fontRef>
+        </p:style>
+        <p:txBody>
+          <a:bodyPr lIns="124733" tIns="62367" rIns="124733" bIns="62367" rtlCol="0" anchor="ctr"/>
+          <a:lstStyle/>
+          <a:p>
+            <a:pPr algn="ctr"/>
+            <a:r>
+              <a:rPr lang="ru-RU" sz="700" dirty="0" smtClean="0"/>
+              <a:t>Создание Народно-патриотической армии</a:t>
+            </a:r>
+            <a:endParaRPr lang="ru-RU" sz="400" dirty="0"/>
+          </a:p>
+        </p:txBody>
+      </p:sp>
+      <p:cxnSp>
+        <p:nvCxnSpPr>
+          <p:cNvPr id="389" name="Прямая со стрелкой 388">
+            <a:extLst>
+              <a:ext uri="{FF2B5EF4-FFF2-40B4-BE49-F238E27FC236}">
+                <a16:creationId xmlns="" xmlns:a16="http://schemas.microsoft.com/office/drawing/2014/main" id="{6FF1BA7F-812C-44A5-BEC2-31F4B6F55538}"/>
+              </a:ext>
+            </a:extLst>
+          </p:cNvPr>
+          <p:cNvCxnSpPr>
+            <a:cxnSpLocks/>
+            <a:stCxn id="1004" idx="2"/>
+            <a:endCxn id="1003" idx="0"/>
+          </p:cNvCxnSpPr>
+          <p:nvPr/>
+        </p:nvCxnSpPr>
+        <p:spPr>
+          <a:xfrm>
+            <a:off x="3502829" y="3900313"/>
+            <a:ext cx="528" cy="262599"/>
+          </a:xfrm>
+          <a:prstGeom prst="straightConnector1">
+            <a:avLst/>
+          </a:prstGeom>
+          <a:ln w="19050">
+            <a:tailEnd type="arrow"/>
+          </a:ln>
+        </p:spPr>
+        <p:style>
+          <a:lnRef idx="1">
+            <a:schemeClr val="accent1"/>
+          </a:lnRef>
+          <a:fillRef idx="0">
+            <a:schemeClr val="accent1"/>
+          </a:fillRef>
+          <a:effectRef idx="0">
+            <a:schemeClr val="accent1"/>
+          </a:effectRef>
+          <a:fontRef idx="minor">
+            <a:schemeClr val="tx1"/>
+          </a:fontRef>
+        </p:style>
+      </p:cxnSp>
+      <p:cxnSp>
+        <p:nvCxnSpPr>
+          <p:cNvPr id="394" name="Прямая соединительная линия 393"/>
+          <p:cNvCxnSpPr>
+            <a:cxnSpLocks/>
+            <a:stCxn id="382" idx="3"/>
+            <a:endCxn id="241" idx="1"/>
+          </p:cNvCxnSpPr>
+          <p:nvPr/>
+        </p:nvCxnSpPr>
+        <p:spPr>
+          <a:xfrm>
+            <a:off x="6211043" y="22308294"/>
+            <a:ext cx="514037" cy="0"/>
+          </a:xfrm>
+          <a:prstGeom prst="line">
+            <a:avLst/>
+          </a:prstGeom>
+          <a:ln w="19050">
+            <a:solidFill>
+              <a:srgbClr val="FF0000"/>
+            </a:solidFill>
+          </a:ln>
+        </p:spPr>
+        <p:style>
+          <a:lnRef idx="1">
+            <a:schemeClr val="accent1"/>
+          </a:lnRef>
+          <a:fillRef idx="0">
+            <a:schemeClr val="accent1"/>
+          </a:fillRef>
+          <a:effectRef idx="0">
+            <a:schemeClr val="accent1"/>
+          </a:effectRef>
+          <a:fontRef idx="minor">
+            <a:schemeClr val="tx1"/>
+          </a:fontRef>
+        </p:style>
+      </p:cxnSp>
+      <p:cxnSp>
+        <p:nvCxnSpPr>
+          <p:cNvPr id="398" name="Соединительная линия уступом 903">
+            <a:extLst>
+              <a:ext uri="{FF2B5EF4-FFF2-40B4-BE49-F238E27FC236}">
+                <a16:creationId xmlns="" xmlns:a16="http://schemas.microsoft.com/office/drawing/2014/main" id="{BDC7F8CB-0052-4FAE-993D-F1332955CF43}"/>
+              </a:ext>
+            </a:extLst>
+          </p:cNvPr>
+          <p:cNvCxnSpPr>
+            <a:cxnSpLocks/>
+            <a:stCxn id="233" idx="2"/>
+            <a:endCxn id="382" idx="0"/>
+          </p:cNvCxnSpPr>
+          <p:nvPr/>
+        </p:nvCxnSpPr>
+        <p:spPr>
+          <a:xfrm rot="5400000">
+            <a:off x="6079955" y="21615875"/>
+            <a:ext cx="90346" cy="754493"/>
+          </a:xfrm>
+          <a:prstGeom prst="bentConnector3">
+            <a:avLst>
+              <a:gd name="adj1" fmla="val 50000"/>
+            </a:avLst>
+          </a:prstGeom>
+          <a:ln w="19050">
+            <a:tailEnd type="arrow"/>
+          </a:ln>
+        </p:spPr>
+        <p:style>
+          <a:lnRef idx="1">
+            <a:schemeClr val="accent1"/>
+          </a:lnRef>
+          <a:fillRef idx="0">
+            <a:schemeClr val="accent1"/>
+          </a:fillRef>
+          <a:effectRef idx="0">
+            <a:schemeClr val="accent1"/>
+          </a:effectRef>
+          <a:fontRef idx="minor">
+            <a:schemeClr val="tx1"/>
+          </a:fontRef>
+        </p:style>
+      </p:cxnSp>
+      <p:cxnSp>
+        <p:nvCxnSpPr>
+          <p:cNvPr id="401" name="Соединительная линия уступом 903">
+            <a:extLst>
+              <a:ext uri="{FF2B5EF4-FFF2-40B4-BE49-F238E27FC236}">
+                <a16:creationId xmlns="" xmlns:a16="http://schemas.microsoft.com/office/drawing/2014/main" id="{BDC7F8CB-0052-4FAE-993D-F1332955CF43}"/>
+              </a:ext>
+            </a:extLst>
+          </p:cNvPr>
+          <p:cNvCxnSpPr>
+            <a:cxnSpLocks/>
+            <a:stCxn id="233" idx="2"/>
+            <a:endCxn id="241" idx="0"/>
+          </p:cNvCxnSpPr>
+          <p:nvPr/>
+        </p:nvCxnSpPr>
+        <p:spPr>
+          <a:xfrm rot="16200000" flipH="1">
+            <a:off x="6800135" y="21650186"/>
+            <a:ext cx="90346" cy="685869"/>
+          </a:xfrm>
+          <a:prstGeom prst="bentConnector3">
+            <a:avLst>
+              <a:gd name="adj1" fmla="val 50000"/>
+            </a:avLst>
+          </a:prstGeom>
+          <a:ln w="19050">
+            <a:tailEnd type="arrow"/>
+          </a:ln>
+        </p:spPr>
+        <p:style>
+          <a:lnRef idx="1">
+            <a:schemeClr val="accent1"/>
+          </a:lnRef>
+          <a:fillRef idx="0">
+            <a:schemeClr val="accent1"/>
+          </a:fillRef>
+          <a:effectRef idx="0">
+            <a:schemeClr val="accent1"/>
+          </a:effectRef>
+          <a:fontRef idx="minor">
+            <a:schemeClr val="tx1"/>
+          </a:fontRef>
+        </p:style>
+      </p:cxnSp>
+      <p:cxnSp>
+        <p:nvCxnSpPr>
+          <p:cNvPr id="404" name="Соединительная линия уступом 903">
+            <a:extLst>
+              <a:ext uri="{FF2B5EF4-FFF2-40B4-BE49-F238E27FC236}">
+                <a16:creationId xmlns="" xmlns:a16="http://schemas.microsoft.com/office/drawing/2014/main" id="{BDC7F8CB-0052-4FAE-993D-F1332955CF43}"/>
+              </a:ext>
+            </a:extLst>
+          </p:cNvPr>
+          <p:cNvCxnSpPr>
+            <a:cxnSpLocks/>
+            <a:stCxn id="241" idx="2"/>
+            <a:endCxn id="242" idx="0"/>
+          </p:cNvCxnSpPr>
+          <p:nvPr/>
+        </p:nvCxnSpPr>
+        <p:spPr>
+          <a:xfrm rot="16200000" flipH="1">
+            <a:off x="7087050" y="22679486"/>
+            <a:ext cx="783833" cy="581447"/>
+          </a:xfrm>
+          <a:prstGeom prst="bentConnector3">
+            <a:avLst>
+              <a:gd name="adj1" fmla="val 9494"/>
+            </a:avLst>
+          </a:prstGeom>
+          <a:ln w="19050">
+            <a:tailEnd type="arrow"/>
+          </a:ln>
+        </p:spPr>
+        <p:style>
+          <a:lnRef idx="1">
+            <a:schemeClr val="accent1"/>
+          </a:lnRef>
+          <a:fillRef idx="0">
+            <a:schemeClr val="accent1"/>
+          </a:fillRef>
+          <a:effectRef idx="0">
+            <a:schemeClr val="accent1"/>
+          </a:effectRef>
+          <a:fontRef idx="minor">
+            <a:schemeClr val="tx1"/>
+          </a:fontRef>
+        </p:style>
+      </p:cxnSp>
+      <p:sp>
+        <p:nvSpPr>
+          <p:cNvPr id="410" name="Прямоугольник 409">
+            <a:extLst>
+              <a:ext uri="{FF2B5EF4-FFF2-40B4-BE49-F238E27FC236}">
+                <a16:creationId xmlns="" xmlns:a16="http://schemas.microsoft.com/office/drawing/2014/main" id="{CA07F76D-4941-4BBE-8B5A-F0348C4D0FB6}"/>
+              </a:ext>
+            </a:extLst>
+          </p:cNvPr>
+          <p:cNvSpPr/>
+          <p:nvPr/>
+        </p:nvSpPr>
+        <p:spPr>
+          <a:xfrm>
+            <a:off x="5284718" y="22698944"/>
+            <a:ext cx="926325" cy="540000"/>
+          </a:xfrm>
+          <a:prstGeom prst="rect">
+            <a:avLst/>
+          </a:prstGeom>
+          <a:solidFill>
+            <a:srgbClr val="FF0000"/>
+          </a:solidFill>
+          <a:ln w="19050"/>
+        </p:spPr>
+        <p:style>
+          <a:lnRef idx="2">
+            <a:schemeClr val="accent1"/>
+          </a:lnRef>
+          <a:fillRef idx="1">
+            <a:schemeClr val="lt1"/>
+          </a:fillRef>
+          <a:effectRef idx="0">
+            <a:schemeClr val="accent1"/>
+          </a:effectRef>
+          <a:fontRef idx="minor">
+            <a:schemeClr val="dk1"/>
+          </a:fontRef>
+        </p:style>
+        <p:txBody>
+          <a:bodyPr lIns="124733" tIns="62367" rIns="124733" bIns="62367" rtlCol="0" anchor="ctr"/>
+          <a:lstStyle/>
+          <a:p>
+            <a:pPr algn="ctr"/>
+            <a:r>
+              <a:rPr lang="ru-RU" sz="700" dirty="0" smtClean="0"/>
+              <a:t>Подготовить молодёжные организации</a:t>
+            </a:r>
+            <a:endParaRPr lang="ru-RU" sz="400" dirty="0"/>
+          </a:p>
+        </p:txBody>
+      </p:sp>
+      <p:cxnSp>
+        <p:nvCxnSpPr>
+          <p:cNvPr id="411" name="Прямая со стрелкой 410">
+            <a:extLst>
+              <a:ext uri="{FF2B5EF4-FFF2-40B4-BE49-F238E27FC236}">
+                <a16:creationId xmlns="" xmlns:a16="http://schemas.microsoft.com/office/drawing/2014/main" id="{6FF1BA7F-812C-44A5-BEC2-31F4B6F55538}"/>
+              </a:ext>
+            </a:extLst>
+          </p:cNvPr>
+          <p:cNvCxnSpPr>
+            <a:cxnSpLocks/>
+            <a:stCxn id="241" idx="2"/>
+            <a:endCxn id="245" idx="0"/>
+          </p:cNvCxnSpPr>
+          <p:nvPr/>
+        </p:nvCxnSpPr>
+        <p:spPr>
+          <a:xfrm>
+            <a:off x="7188243" y="22578294"/>
+            <a:ext cx="2851" cy="114559"/>
+          </a:xfrm>
+          <a:prstGeom prst="straightConnector1">
+            <a:avLst/>
+          </a:prstGeom>
+          <a:ln w="19050">
+            <a:tailEnd type="arrow"/>
+          </a:ln>
+        </p:spPr>
+        <p:style>
+          <a:lnRef idx="1">
+            <a:schemeClr val="accent1"/>
+          </a:lnRef>
+          <a:fillRef idx="0">
+            <a:schemeClr val="accent1"/>
+          </a:fillRef>
+          <a:effectRef idx="0">
+            <a:schemeClr val="accent1"/>
+          </a:effectRef>
+          <a:fontRef idx="minor">
+            <a:schemeClr val="tx1"/>
+          </a:fontRef>
+        </p:style>
+      </p:cxnSp>
+      <p:cxnSp>
+        <p:nvCxnSpPr>
+          <p:cNvPr id="414" name="Прямая со стрелкой 413">
+            <a:extLst>
+              <a:ext uri="{FF2B5EF4-FFF2-40B4-BE49-F238E27FC236}">
+                <a16:creationId xmlns="" xmlns:a16="http://schemas.microsoft.com/office/drawing/2014/main" id="{6FF1BA7F-812C-44A5-BEC2-31F4B6F55538}"/>
+              </a:ext>
+            </a:extLst>
+          </p:cNvPr>
+          <p:cNvCxnSpPr>
+            <a:cxnSpLocks/>
+            <a:stCxn id="382" idx="2"/>
+            <a:endCxn id="410" idx="0"/>
+          </p:cNvCxnSpPr>
+          <p:nvPr/>
+        </p:nvCxnSpPr>
+        <p:spPr>
+          <a:xfrm>
+            <a:off x="5747881" y="22578294"/>
+            <a:ext cx="0" cy="120650"/>
+          </a:xfrm>
+          <a:prstGeom prst="straightConnector1">
+            <a:avLst/>
+          </a:prstGeom>
+          <a:ln w="19050">
+            <a:tailEnd type="arrow"/>
+          </a:ln>
+        </p:spPr>
+        <p:style>
+          <a:lnRef idx="1">
+            <a:schemeClr val="accent1"/>
+          </a:lnRef>
+          <a:fillRef idx="0">
+            <a:schemeClr val="accent1"/>
+          </a:fillRef>
+          <a:effectRef idx="0">
+            <a:schemeClr val="accent1"/>
+          </a:effectRef>
+          <a:fontRef idx="minor">
+            <a:schemeClr val="tx1"/>
+          </a:fontRef>
+        </p:style>
+      </p:cxnSp>
+      <p:sp>
+        <p:nvSpPr>
+          <p:cNvPr id="418" name="Прямоугольник 417">
+            <a:extLst>
+              <a:ext uri="{FF2B5EF4-FFF2-40B4-BE49-F238E27FC236}">
+                <a16:creationId xmlns="" xmlns:a16="http://schemas.microsoft.com/office/drawing/2014/main" id="{CA07F76D-4941-4BBE-8B5A-F0348C4D0FB6}"/>
+              </a:ext>
+            </a:extLst>
+          </p:cNvPr>
+          <p:cNvSpPr/>
+          <p:nvPr/>
+        </p:nvSpPr>
+        <p:spPr>
+          <a:xfrm>
+            <a:off x="5284718" y="23362126"/>
+            <a:ext cx="926325" cy="540000"/>
+          </a:xfrm>
+          <a:prstGeom prst="rect">
+            <a:avLst/>
+          </a:prstGeom>
+          <a:solidFill>
+            <a:srgbClr val="FF0000"/>
+          </a:solidFill>
+          <a:ln w="19050"/>
+        </p:spPr>
+        <p:style>
+          <a:lnRef idx="2">
+            <a:schemeClr val="accent1"/>
+          </a:lnRef>
+          <a:fillRef idx="1">
+            <a:schemeClr val="lt1"/>
+          </a:fillRef>
+          <a:effectRef idx="0">
+            <a:schemeClr val="accent1"/>
+          </a:effectRef>
+          <a:fontRef idx="minor">
+            <a:schemeClr val="dk1"/>
+          </a:fontRef>
+        </p:style>
+        <p:txBody>
+          <a:bodyPr lIns="124733" tIns="62367" rIns="124733" bIns="62367" rtlCol="0" anchor="ctr"/>
+          <a:lstStyle/>
+          <a:p>
+            <a:pPr algn="ctr"/>
+            <a:r>
+              <a:rPr lang="ru-RU" sz="700" dirty="0" smtClean="0"/>
+              <a:t>Война на улицах</a:t>
+            </a:r>
+            <a:endParaRPr lang="ru-RU" sz="400" dirty="0"/>
+          </a:p>
+        </p:txBody>
+      </p:sp>
+      <p:cxnSp>
+        <p:nvCxnSpPr>
+          <p:cNvPr id="419" name="Прямая со стрелкой 418">
+            <a:extLst>
+              <a:ext uri="{FF2B5EF4-FFF2-40B4-BE49-F238E27FC236}">
+                <a16:creationId xmlns="" xmlns:a16="http://schemas.microsoft.com/office/drawing/2014/main" id="{6FF1BA7F-812C-44A5-BEC2-31F4B6F55538}"/>
+              </a:ext>
+            </a:extLst>
+          </p:cNvPr>
+          <p:cNvCxnSpPr>
+            <a:cxnSpLocks/>
+            <a:stCxn id="410" idx="2"/>
+            <a:endCxn id="418" idx="0"/>
+          </p:cNvCxnSpPr>
+          <p:nvPr/>
+        </p:nvCxnSpPr>
+        <p:spPr>
+          <a:xfrm>
+            <a:off x="5747881" y="23238944"/>
+            <a:ext cx="0" cy="123182"/>
+          </a:xfrm>
+          <a:prstGeom prst="straightConnector1">
+            <a:avLst/>
+          </a:prstGeom>
+          <a:ln w="19050">
+            <a:tailEnd type="arrow"/>
+          </a:ln>
+        </p:spPr>
+        <p:style>
+          <a:lnRef idx="1">
+            <a:schemeClr val="accent1"/>
+          </a:lnRef>
+          <a:fillRef idx="0">
+            <a:schemeClr val="accent1"/>
+          </a:fillRef>
+          <a:effectRef idx="0">
+            <a:schemeClr val="accent1"/>
+          </a:effectRef>
+          <a:fontRef idx="minor">
+            <a:schemeClr val="tx1"/>
+          </a:fontRef>
+        </p:style>
+      </p:cxnSp>
+      <p:sp>
+        <p:nvSpPr>
+          <p:cNvPr id="429" name="Прямоугольник 428">
+            <a:extLst>
+              <a:ext uri="{FF2B5EF4-FFF2-40B4-BE49-F238E27FC236}">
+                <a16:creationId xmlns="" xmlns:a16="http://schemas.microsoft.com/office/drawing/2014/main" id="{9C02A14C-DE5F-49AD-A4EE-A27966D0EFDC}"/>
+              </a:ext>
+            </a:extLst>
+          </p:cNvPr>
+          <p:cNvSpPr/>
+          <p:nvPr/>
+        </p:nvSpPr>
+        <p:spPr>
+          <a:xfrm>
+            <a:off x="9896584" y="17260318"/>
+            <a:ext cx="926325" cy="540000"/>
+          </a:xfrm>
+          <a:prstGeom prst="rect">
+            <a:avLst/>
+          </a:prstGeom>
+          <a:solidFill>
+            <a:schemeClr val="bg1">
+              <a:lumMod val="65000"/>
+            </a:schemeClr>
+          </a:solidFill>
+          <a:ln w="19050"/>
+        </p:spPr>
+        <p:style>
+          <a:lnRef idx="2">
+            <a:schemeClr val="accent1"/>
+          </a:lnRef>
+          <a:fillRef idx="1">
+            <a:schemeClr val="lt1"/>
+          </a:fillRef>
+          <a:effectRef idx="0">
+            <a:schemeClr val="accent1"/>
+          </a:effectRef>
+          <a:fontRef idx="minor">
+            <a:schemeClr val="dk1"/>
+          </a:fontRef>
+        </p:style>
+        <p:txBody>
+          <a:bodyPr lIns="124733" tIns="62367" rIns="124733" bIns="62367" rtlCol="0" anchor="ctr"/>
+          <a:lstStyle/>
+          <a:p>
+            <a:pPr algn="ctr"/>
+            <a:r>
+              <a:rPr lang="ru-RU" sz="700" dirty="0" smtClean="0"/>
+              <a:t>Распространить </a:t>
+            </a:r>
+            <a:r>
+              <a:rPr lang="ru-RU" sz="700" dirty="0" err="1" smtClean="0"/>
+              <a:t>противодиктаторские</a:t>
+            </a:r>
+            <a:r>
+              <a:rPr lang="ru-RU" sz="700" dirty="0" smtClean="0"/>
+              <a:t> настроения в ЦА</a:t>
+            </a:r>
+            <a:endParaRPr lang="ru-RU" sz="400" dirty="0"/>
+          </a:p>
+        </p:txBody>
+      </p:sp>
+      <p:cxnSp>
+        <p:nvCxnSpPr>
+          <p:cNvPr id="430" name="Соединительная линия уступом 903">
+            <a:extLst>
+              <a:ext uri="{FF2B5EF4-FFF2-40B4-BE49-F238E27FC236}">
+                <a16:creationId xmlns="" xmlns:a16="http://schemas.microsoft.com/office/drawing/2014/main" id="{7F2B1BD7-0FDF-4BD9-834C-72911F99D650}"/>
+              </a:ext>
+            </a:extLst>
+          </p:cNvPr>
+          <p:cNvCxnSpPr>
+            <a:cxnSpLocks/>
+            <a:stCxn id="235" idx="2"/>
+            <a:endCxn id="429" idx="0"/>
+          </p:cNvCxnSpPr>
+          <p:nvPr/>
+        </p:nvCxnSpPr>
+        <p:spPr>
+          <a:xfrm rot="16200000" flipH="1">
+            <a:off x="8724586" y="15625156"/>
+            <a:ext cx="2654373" cy="615950"/>
+          </a:xfrm>
+          <a:prstGeom prst="bentConnector3">
+            <a:avLst>
+              <a:gd name="adj1" fmla="val 4351"/>
+            </a:avLst>
+          </a:prstGeom>
+          <a:ln w="19050">
+            <a:tailEnd type="arrow"/>
+          </a:ln>
+        </p:spPr>
+        <p:style>
+          <a:lnRef idx="1">
+            <a:schemeClr val="accent1"/>
+          </a:lnRef>
+          <a:fillRef idx="0">
+            <a:schemeClr val="accent1"/>
+          </a:fillRef>
+          <a:effectRef idx="0">
+            <a:schemeClr val="accent1"/>
+          </a:effectRef>
+          <a:fontRef idx="minor">
+            <a:schemeClr val="tx1"/>
+          </a:fontRef>
+        </p:style>
+      </p:cxnSp>
+      <p:sp>
+        <p:nvSpPr>
+          <p:cNvPr id="445" name="Прямоугольник 444">
+            <a:extLst>
+              <a:ext uri="{FF2B5EF4-FFF2-40B4-BE49-F238E27FC236}">
+                <a16:creationId xmlns="" xmlns:a16="http://schemas.microsoft.com/office/drawing/2014/main" id="{9C02A14C-DE5F-49AD-A4EE-A27966D0EFDC}"/>
+              </a:ext>
+            </a:extLst>
+          </p:cNvPr>
+          <p:cNvSpPr/>
+          <p:nvPr/>
+        </p:nvSpPr>
+        <p:spPr>
+          <a:xfrm>
+            <a:off x="10550894" y="15650711"/>
+            <a:ext cx="926325" cy="540000"/>
+          </a:xfrm>
+          <a:prstGeom prst="rect">
+            <a:avLst/>
+          </a:prstGeom>
+          <a:solidFill>
+            <a:schemeClr val="bg1">
+              <a:lumMod val="65000"/>
+            </a:schemeClr>
+          </a:solidFill>
+          <a:ln w="19050"/>
+        </p:spPr>
+        <p:style>
+          <a:lnRef idx="2">
+            <a:schemeClr val="accent1"/>
+          </a:lnRef>
+          <a:fillRef idx="1">
+            <a:schemeClr val="lt1"/>
+          </a:fillRef>
+          <a:effectRef idx="0">
+            <a:schemeClr val="accent1"/>
+          </a:effectRef>
+          <a:fontRef idx="minor">
+            <a:schemeClr val="dk1"/>
+          </a:fontRef>
+        </p:style>
+        <p:txBody>
+          <a:bodyPr lIns="124733" tIns="62367" rIns="124733" bIns="62367" rtlCol="0" anchor="ctr"/>
+          <a:lstStyle/>
+          <a:p>
+            <a:pPr algn="ctr"/>
+            <a:r>
+              <a:rPr lang="ru-RU" sz="700" dirty="0" smtClean="0"/>
+              <a:t>Приватизация средств правящего клана</a:t>
+            </a:r>
+            <a:endParaRPr lang="ru-RU" sz="400" dirty="0"/>
+          </a:p>
+        </p:txBody>
+      </p:sp>
+      <p:cxnSp>
+        <p:nvCxnSpPr>
+          <p:cNvPr id="453" name="Прямая со стрелкой 452">
+            <a:extLst>
+              <a:ext uri="{FF2B5EF4-FFF2-40B4-BE49-F238E27FC236}">
+                <a16:creationId xmlns="" xmlns:a16="http://schemas.microsoft.com/office/drawing/2014/main" id="{AFD4E665-A61D-46C2-A133-3412690F30F3}"/>
+              </a:ext>
+            </a:extLst>
+          </p:cNvPr>
+          <p:cNvCxnSpPr>
+            <a:cxnSpLocks/>
+            <a:stCxn id="302" idx="2"/>
+            <a:endCxn id="445" idx="0"/>
+          </p:cNvCxnSpPr>
+          <p:nvPr/>
+        </p:nvCxnSpPr>
+        <p:spPr>
+          <a:xfrm flipH="1">
+            <a:off x="11014057" y="15381338"/>
+            <a:ext cx="4" cy="269373"/>
+          </a:xfrm>
+          <a:prstGeom prst="straightConnector1">
+            <a:avLst/>
+          </a:prstGeom>
+          <a:ln w="19050">
+            <a:tailEnd type="arrow"/>
+          </a:ln>
+        </p:spPr>
+        <p:style>
+          <a:lnRef idx="1">
+            <a:schemeClr val="accent1"/>
+          </a:lnRef>
+          <a:fillRef idx="0">
+            <a:schemeClr val="accent1"/>
+          </a:fillRef>
+          <a:effectRef idx="0">
+            <a:schemeClr val="accent1"/>
+          </a:effectRef>
+          <a:fontRef idx="minor">
+            <a:schemeClr val="tx1"/>
+          </a:fontRef>
+        </p:style>
+      </p:cxnSp>
+      <p:cxnSp>
+        <p:nvCxnSpPr>
+          <p:cNvPr id="456" name="Прямая со стрелкой 455">
+            <a:extLst>
+              <a:ext uri="{FF2B5EF4-FFF2-40B4-BE49-F238E27FC236}">
+                <a16:creationId xmlns="" xmlns:a16="http://schemas.microsoft.com/office/drawing/2014/main" id="{AFD4E665-A61D-46C2-A133-3412690F30F3}"/>
+              </a:ext>
+            </a:extLst>
+          </p:cNvPr>
+          <p:cNvCxnSpPr>
+            <a:cxnSpLocks/>
+            <a:stCxn id="445" idx="2"/>
+            <a:endCxn id="265" idx="0"/>
+          </p:cNvCxnSpPr>
+          <p:nvPr/>
+        </p:nvCxnSpPr>
+        <p:spPr>
+          <a:xfrm>
+            <a:off x="11014057" y="16190711"/>
+            <a:ext cx="0" cy="317891"/>
+          </a:xfrm>
+          <a:prstGeom prst="straightConnector1">
+            <a:avLst/>
+          </a:prstGeom>
+          <a:ln w="19050">
+            <a:tailEnd type="arrow"/>
+          </a:ln>
+        </p:spPr>
+        <p:style>
+          <a:lnRef idx="1">
+            <a:schemeClr val="accent1"/>
+          </a:lnRef>
+          <a:fillRef idx="0">
+            <a:schemeClr val="accent1"/>
+          </a:fillRef>
+          <a:effectRef idx="0">
+            <a:schemeClr val="accent1"/>
+          </a:effectRef>
+          <a:fontRef idx="minor">
+            <a:schemeClr val="tx1"/>
+          </a:fontRef>
+        </p:style>
+      </p:cxnSp>
+      <p:cxnSp>
+        <p:nvCxnSpPr>
+          <p:cNvPr id="463" name="Прямая со стрелкой 462">
+            <a:extLst>
+              <a:ext uri="{FF2B5EF4-FFF2-40B4-BE49-F238E27FC236}">
+                <a16:creationId xmlns="" xmlns:a16="http://schemas.microsoft.com/office/drawing/2014/main" id="{AFD4E665-A61D-46C2-A133-3412690F30F3}"/>
+              </a:ext>
+            </a:extLst>
+          </p:cNvPr>
+          <p:cNvCxnSpPr>
+            <a:cxnSpLocks/>
+            <a:stCxn id="246" idx="2"/>
+            <a:endCxn id="292" idx="0"/>
+          </p:cNvCxnSpPr>
+          <p:nvPr/>
+        </p:nvCxnSpPr>
+        <p:spPr>
+          <a:xfrm flipH="1">
+            <a:off x="8454201" y="16189430"/>
+            <a:ext cx="460" cy="1070410"/>
+          </a:xfrm>
+          <a:prstGeom prst="straightConnector1">
+            <a:avLst/>
+          </a:prstGeom>
+          <a:ln w="19050">
+            <a:tailEnd type="arrow"/>
+          </a:ln>
+        </p:spPr>
+        <p:style>
+          <a:lnRef idx="1">
+            <a:schemeClr val="accent1"/>
+          </a:lnRef>
+          <a:fillRef idx="0">
+            <a:schemeClr val="accent1"/>
+          </a:fillRef>
+          <a:effectRef idx="0">
+            <a:schemeClr val="accent1"/>
+          </a:effectRef>
+          <a:fontRef idx="minor">
+            <a:schemeClr val="tx1"/>
+          </a:fontRef>
+        </p:style>
+      </p:cxnSp>
+      <p:sp>
+        <p:nvSpPr>
+          <p:cNvPr id="467" name="Прямоугольник 466">
+            <a:extLst>
+              <a:ext uri="{FF2B5EF4-FFF2-40B4-BE49-F238E27FC236}">
+                <a16:creationId xmlns="" xmlns:a16="http://schemas.microsoft.com/office/drawing/2014/main" id="{9C02A14C-DE5F-49AD-A4EE-A27966D0EFDC}"/>
+              </a:ext>
+            </a:extLst>
+          </p:cNvPr>
+          <p:cNvSpPr/>
+          <p:nvPr/>
+        </p:nvSpPr>
+        <p:spPr>
+          <a:xfrm>
+            <a:off x="9296950" y="18098041"/>
+            <a:ext cx="926325" cy="540000"/>
+          </a:xfrm>
+          <a:prstGeom prst="rect">
+            <a:avLst/>
+          </a:prstGeom>
+          <a:solidFill>
+            <a:schemeClr val="bg1">
+              <a:lumMod val="65000"/>
+            </a:schemeClr>
+          </a:solidFill>
+          <a:ln w="19050"/>
+        </p:spPr>
+        <p:style>
+          <a:lnRef idx="2">
+            <a:schemeClr val="accent1"/>
+          </a:lnRef>
+          <a:fillRef idx="1">
+            <a:schemeClr val="lt1"/>
+          </a:fillRef>
+          <a:effectRef idx="0">
+            <a:schemeClr val="accent1"/>
+          </a:effectRef>
+          <a:fontRef idx="minor">
+            <a:schemeClr val="dk1"/>
+          </a:fontRef>
+        </p:style>
+        <p:txBody>
+          <a:bodyPr lIns="124733" tIns="62367" rIns="124733" bIns="62367" rtlCol="0" anchor="ctr"/>
+          <a:lstStyle/>
+          <a:p>
+            <a:pPr algn="ctr"/>
+            <a:r>
+              <a:rPr lang="ru-RU" sz="700" dirty="0" smtClean="0"/>
+              <a:t>Оказать ответную помощь Гондурасу</a:t>
+            </a:r>
+            <a:endParaRPr lang="ru-RU" sz="400" dirty="0"/>
+          </a:p>
+        </p:txBody>
+      </p:sp>
+      <p:sp>
+        <p:nvSpPr>
+          <p:cNvPr id="468" name="Прямоугольник 467">
+            <a:extLst>
+              <a:ext uri="{FF2B5EF4-FFF2-40B4-BE49-F238E27FC236}">
+                <a16:creationId xmlns="" xmlns:a16="http://schemas.microsoft.com/office/drawing/2014/main" id="{9C02A14C-DE5F-49AD-A4EE-A27966D0EFDC}"/>
+              </a:ext>
+            </a:extLst>
+          </p:cNvPr>
+          <p:cNvSpPr/>
+          <p:nvPr/>
+        </p:nvSpPr>
+        <p:spPr>
+          <a:xfrm>
+            <a:off x="10550893" y="18098041"/>
+            <a:ext cx="926325" cy="540000"/>
+          </a:xfrm>
+          <a:prstGeom prst="rect">
+            <a:avLst/>
+          </a:prstGeom>
+          <a:solidFill>
+            <a:schemeClr val="bg1">
+              <a:lumMod val="65000"/>
+            </a:schemeClr>
+          </a:solidFill>
+          <a:ln w="19050"/>
+        </p:spPr>
+        <p:style>
+          <a:lnRef idx="2">
+            <a:schemeClr val="accent1"/>
+          </a:lnRef>
+          <a:fillRef idx="1">
+            <a:schemeClr val="lt1"/>
+          </a:fillRef>
+          <a:effectRef idx="0">
+            <a:schemeClr val="accent1"/>
+          </a:effectRef>
+          <a:fontRef idx="minor">
+            <a:schemeClr val="dk1"/>
+          </a:fontRef>
+        </p:style>
+        <p:txBody>
+          <a:bodyPr lIns="124733" tIns="62367" rIns="124733" bIns="62367" rtlCol="0" anchor="ctr"/>
+          <a:lstStyle/>
+          <a:p>
+            <a:pPr algn="ctr"/>
+            <a:r>
+              <a:rPr lang="ru-RU" sz="700" dirty="0" smtClean="0"/>
+              <a:t>Спасти ЦА от колдуна</a:t>
+            </a:r>
+            <a:endParaRPr lang="ru-RU" sz="400" dirty="0"/>
+          </a:p>
+        </p:txBody>
+      </p:sp>
+      <p:cxnSp>
+        <p:nvCxnSpPr>
+          <p:cNvPr id="469" name="Соединительная линия уступом 903">
+            <a:extLst>
+              <a:ext uri="{FF2B5EF4-FFF2-40B4-BE49-F238E27FC236}">
+                <a16:creationId xmlns="" xmlns:a16="http://schemas.microsoft.com/office/drawing/2014/main" id="{7F2B1BD7-0FDF-4BD9-834C-72911F99D650}"/>
+              </a:ext>
+            </a:extLst>
+          </p:cNvPr>
+          <p:cNvCxnSpPr>
+            <a:cxnSpLocks/>
+            <a:stCxn id="429" idx="2"/>
+            <a:endCxn id="467" idx="0"/>
+          </p:cNvCxnSpPr>
+          <p:nvPr/>
+        </p:nvCxnSpPr>
+        <p:spPr>
+          <a:xfrm rot="5400000">
+            <a:off x="9911069" y="17649362"/>
+            <a:ext cx="297723" cy="599634"/>
+          </a:xfrm>
+          <a:prstGeom prst="bentConnector3">
+            <a:avLst>
+              <a:gd name="adj1" fmla="val 50000"/>
+            </a:avLst>
+          </a:prstGeom>
+          <a:ln w="19050">
+            <a:tailEnd type="arrow"/>
+          </a:ln>
+        </p:spPr>
+        <p:style>
+          <a:lnRef idx="1">
+            <a:schemeClr val="accent1"/>
+          </a:lnRef>
+          <a:fillRef idx="0">
+            <a:schemeClr val="accent1"/>
+          </a:fillRef>
+          <a:effectRef idx="0">
+            <a:schemeClr val="accent1"/>
+          </a:effectRef>
+          <a:fontRef idx="minor">
+            <a:schemeClr val="tx1"/>
+          </a:fontRef>
+        </p:style>
+      </p:cxnSp>
+      <p:cxnSp>
+        <p:nvCxnSpPr>
+          <p:cNvPr id="472" name="Соединительная линия уступом 903">
+            <a:extLst>
+              <a:ext uri="{FF2B5EF4-FFF2-40B4-BE49-F238E27FC236}">
+                <a16:creationId xmlns="" xmlns:a16="http://schemas.microsoft.com/office/drawing/2014/main" id="{7F2B1BD7-0FDF-4BD9-834C-72911F99D650}"/>
+              </a:ext>
+            </a:extLst>
+          </p:cNvPr>
+          <p:cNvCxnSpPr>
+            <a:cxnSpLocks/>
+            <a:stCxn id="429" idx="2"/>
+            <a:endCxn id="468" idx="0"/>
+          </p:cNvCxnSpPr>
+          <p:nvPr/>
+        </p:nvCxnSpPr>
+        <p:spPr>
+          <a:xfrm rot="16200000" flipH="1">
+            <a:off x="10538040" y="17622024"/>
+            <a:ext cx="297723" cy="654309"/>
+          </a:xfrm>
+          <a:prstGeom prst="bentConnector3">
+            <a:avLst>
+              <a:gd name="adj1" fmla="val 50000"/>
+            </a:avLst>
+          </a:prstGeom>
+          <a:ln w="19050">
+            <a:tailEnd type="arrow"/>
+          </a:ln>
+        </p:spPr>
+        <p:style>
+          <a:lnRef idx="1">
+            <a:schemeClr val="accent1"/>
+          </a:lnRef>
+          <a:fillRef idx="0">
+            <a:schemeClr val="accent1"/>
+          </a:fillRef>
+          <a:effectRef idx="0">
+            <a:schemeClr val="accent1"/>
+          </a:effectRef>
+          <a:fontRef idx="minor">
+            <a:schemeClr val="tx1"/>
+          </a:fontRef>
+        </p:style>
+      </p:cxnSp>
+      <p:sp>
+        <p:nvSpPr>
+          <p:cNvPr id="475" name="Прямоугольник 474">
+            <a:extLst>
+              <a:ext uri="{FF2B5EF4-FFF2-40B4-BE49-F238E27FC236}">
+                <a16:creationId xmlns="" xmlns:a16="http://schemas.microsoft.com/office/drawing/2014/main" id="{9C02A14C-DE5F-49AD-A4EE-A27966D0EFDC}"/>
+              </a:ext>
+            </a:extLst>
+          </p:cNvPr>
+          <p:cNvSpPr/>
+          <p:nvPr/>
+        </p:nvSpPr>
+        <p:spPr>
+          <a:xfrm>
+            <a:off x="9896583" y="18936241"/>
+            <a:ext cx="926325" cy="540000"/>
+          </a:xfrm>
+          <a:prstGeom prst="rect">
+            <a:avLst/>
+          </a:prstGeom>
+          <a:solidFill>
+            <a:schemeClr val="bg1">
+              <a:lumMod val="65000"/>
+            </a:schemeClr>
+          </a:solidFill>
+          <a:ln w="19050"/>
+        </p:spPr>
+        <p:style>
+          <a:lnRef idx="2">
+            <a:schemeClr val="accent1"/>
+          </a:lnRef>
+          <a:fillRef idx="1">
+            <a:schemeClr val="lt1"/>
+          </a:fillRef>
+          <a:effectRef idx="0">
+            <a:schemeClr val="accent1"/>
+          </a:effectRef>
+          <a:fontRef idx="minor">
+            <a:schemeClr val="dk1"/>
+          </a:fontRef>
+        </p:style>
+        <p:txBody>
+          <a:bodyPr lIns="124733" tIns="62367" rIns="124733" bIns="62367" rtlCol="0" anchor="ctr"/>
+          <a:lstStyle/>
+          <a:p>
+            <a:pPr algn="ctr"/>
+            <a:r>
+              <a:rPr lang="ru-RU" sz="700" dirty="0" smtClean="0"/>
+              <a:t>Искать </a:t>
+            </a:r>
+            <a:r>
+              <a:rPr lang="ru-RU" sz="700" dirty="0" smtClean="0"/>
+              <a:t>союза в Мексике</a:t>
+            </a:r>
+            <a:endParaRPr lang="ru-RU" sz="400" dirty="0"/>
+          </a:p>
+        </p:txBody>
+      </p:sp>
+      <p:cxnSp>
+        <p:nvCxnSpPr>
+          <p:cNvPr id="476" name="Прямая со стрелкой 475">
+            <a:extLst>
+              <a:ext uri="{FF2B5EF4-FFF2-40B4-BE49-F238E27FC236}">
+                <a16:creationId xmlns="" xmlns:a16="http://schemas.microsoft.com/office/drawing/2014/main" id="{AFD4E665-A61D-46C2-A133-3412690F30F3}"/>
+              </a:ext>
+            </a:extLst>
+          </p:cNvPr>
+          <p:cNvCxnSpPr>
+            <a:cxnSpLocks/>
+            <a:stCxn id="429" idx="2"/>
+            <a:endCxn id="475" idx="0"/>
+          </p:cNvCxnSpPr>
+          <p:nvPr/>
+        </p:nvCxnSpPr>
+        <p:spPr>
+          <a:xfrm flipH="1">
+            <a:off x="10359746" y="17800318"/>
+            <a:ext cx="1" cy="1135923"/>
+          </a:xfrm>
+          <a:prstGeom prst="straightConnector1">
+            <a:avLst/>
+          </a:prstGeom>
+          <a:ln w="19050">
+            <a:tailEnd type="arrow"/>
+          </a:ln>
+        </p:spPr>
+        <p:style>
+          <a:lnRef idx="1">
+            <a:schemeClr val="accent1"/>
+          </a:lnRef>
+          <a:fillRef idx="0">
+            <a:schemeClr val="accent1"/>
+          </a:fillRef>
+          <a:effectRef idx="0">
+            <a:schemeClr val="accent1"/>
+          </a:effectRef>
+          <a:fontRef idx="minor">
+            <a:schemeClr val="tx1"/>
+          </a:fontRef>
+        </p:style>
+      </p:cxnSp>
+      <p:cxnSp>
+        <p:nvCxnSpPr>
+          <p:cNvPr id="479" name="Прямая соединительная линия 478">
+            <a:extLst>
+              <a:ext uri="{FF2B5EF4-FFF2-40B4-BE49-F238E27FC236}">
+                <a16:creationId xmlns="" xmlns:a16="http://schemas.microsoft.com/office/drawing/2014/main" id="{FD347516-2278-4B85-B9D1-D49EF200F440}"/>
+              </a:ext>
+            </a:extLst>
+          </p:cNvPr>
+          <p:cNvCxnSpPr>
+            <a:cxnSpLocks/>
+            <a:stCxn id="321" idx="3"/>
+            <a:endCxn id="475" idx="1"/>
+          </p:cNvCxnSpPr>
+          <p:nvPr/>
+        </p:nvCxnSpPr>
+        <p:spPr>
+          <a:xfrm>
+            <a:off x="6980253" y="19206241"/>
+            <a:ext cx="2916330" cy="0"/>
+          </a:xfrm>
+          <a:prstGeom prst="line">
+            <a:avLst/>
+          </a:prstGeom>
+          <a:ln w="19050">
+            <a:solidFill>
+              <a:srgbClr val="FF0000"/>
+            </a:solidFill>
+          </a:ln>
+        </p:spPr>
+        <p:style>
+          <a:lnRef idx="1">
+            <a:schemeClr val="accent1"/>
+          </a:lnRef>
+          <a:fillRef idx="0">
+            <a:schemeClr val="accent1"/>
+          </a:fillRef>
+          <a:effectRef idx="0">
+            <a:schemeClr val="accent1"/>
+          </a:effectRef>
+          <a:fontRef idx="minor">
+            <a:schemeClr val="tx1"/>
+          </a:fontRef>
+        </p:style>
+      </p:cxnSp>
+      <p:sp>
+        <p:nvSpPr>
+          <p:cNvPr id="482" name="Прямоугольник 481">
+            <a:extLst>
+              <a:ext uri="{FF2B5EF4-FFF2-40B4-BE49-F238E27FC236}">
+                <a16:creationId xmlns="" xmlns:a16="http://schemas.microsoft.com/office/drawing/2014/main" id="{9C02A14C-DE5F-49AD-A4EE-A27966D0EFDC}"/>
+              </a:ext>
+            </a:extLst>
+          </p:cNvPr>
+          <p:cNvSpPr/>
+          <p:nvPr/>
+        </p:nvSpPr>
+        <p:spPr>
+          <a:xfrm>
+            <a:off x="11140415" y="18936241"/>
+            <a:ext cx="926325" cy="540000"/>
+          </a:xfrm>
+          <a:prstGeom prst="rect">
+            <a:avLst/>
+          </a:prstGeom>
+          <a:solidFill>
+            <a:schemeClr val="bg1">
+              <a:lumMod val="65000"/>
+            </a:schemeClr>
+          </a:solidFill>
+          <a:ln w="19050"/>
+        </p:spPr>
+        <p:style>
+          <a:lnRef idx="2">
+            <a:schemeClr val="accent1"/>
+          </a:lnRef>
+          <a:fillRef idx="1">
+            <a:schemeClr val="lt1"/>
+          </a:fillRef>
+          <a:effectRef idx="0">
+            <a:schemeClr val="accent1"/>
+          </a:effectRef>
+          <a:fontRef idx="minor">
+            <a:schemeClr val="dk1"/>
+          </a:fontRef>
+        </p:style>
+        <p:txBody>
+          <a:bodyPr lIns="124733" tIns="62367" rIns="124733" bIns="62367" rtlCol="0" anchor="ctr"/>
+          <a:lstStyle/>
+          <a:p>
+            <a:pPr algn="ctr"/>
+            <a:r>
+              <a:rPr lang="ru-RU" sz="700" dirty="0" smtClean="0"/>
+              <a:t>Отправить Наполеона в новую ссылку</a:t>
+            </a:r>
+            <a:endParaRPr lang="ru-RU" sz="400" dirty="0"/>
+          </a:p>
+        </p:txBody>
+      </p:sp>
+      <p:cxnSp>
+        <p:nvCxnSpPr>
+          <p:cNvPr id="483" name="Соединительная линия уступом 903">
+            <a:extLst>
+              <a:ext uri="{FF2B5EF4-FFF2-40B4-BE49-F238E27FC236}">
+                <a16:creationId xmlns="" xmlns:a16="http://schemas.microsoft.com/office/drawing/2014/main" id="{7F2B1BD7-0FDF-4BD9-834C-72911F99D650}"/>
+              </a:ext>
+            </a:extLst>
+          </p:cNvPr>
+          <p:cNvCxnSpPr>
+            <a:cxnSpLocks/>
+            <a:stCxn id="429" idx="2"/>
+            <a:endCxn id="482" idx="0"/>
+          </p:cNvCxnSpPr>
+          <p:nvPr/>
+        </p:nvCxnSpPr>
+        <p:spPr>
+          <a:xfrm rot="16200000" flipH="1">
+            <a:off x="10413701" y="17746363"/>
+            <a:ext cx="1135923" cy="1243831"/>
+          </a:xfrm>
+          <a:prstGeom prst="bentConnector3">
+            <a:avLst>
+              <a:gd name="adj1" fmla="val 13455"/>
+            </a:avLst>
+          </a:prstGeom>
+          <a:ln w="19050">
+            <a:tailEnd type="arrow"/>
+          </a:ln>
+        </p:spPr>
+        <p:style>
+          <a:lnRef idx="1">
+            <a:schemeClr val="accent1"/>
+          </a:lnRef>
+          <a:fillRef idx="0">
+            <a:schemeClr val="accent1"/>
+          </a:fillRef>
+          <a:effectRef idx="0">
+            <a:schemeClr val="accent1"/>
+          </a:effectRef>
+          <a:fontRef idx="minor">
+            <a:schemeClr val="tx1"/>
+          </a:fontRef>
+        </p:style>
+      </p:cxnSp>
+      <p:sp>
+        <p:nvSpPr>
+          <p:cNvPr id="488" name="Прямоугольник 487">
+            <a:extLst>
+              <a:ext uri="{FF2B5EF4-FFF2-40B4-BE49-F238E27FC236}">
+                <a16:creationId xmlns="" xmlns:a16="http://schemas.microsoft.com/office/drawing/2014/main" id="{9C02A14C-DE5F-49AD-A4EE-A27966D0EFDC}"/>
+              </a:ext>
+            </a:extLst>
+          </p:cNvPr>
+          <p:cNvSpPr/>
+          <p:nvPr/>
+        </p:nvSpPr>
+        <p:spPr>
+          <a:xfrm>
+            <a:off x="9896582" y="19721302"/>
+            <a:ext cx="926325" cy="540000"/>
+          </a:xfrm>
+          <a:prstGeom prst="rect">
+            <a:avLst/>
+          </a:prstGeom>
+          <a:solidFill>
+            <a:schemeClr val="bg1">
+              <a:lumMod val="65000"/>
+            </a:schemeClr>
+          </a:solidFill>
+          <a:ln w="19050"/>
+        </p:spPr>
+        <p:style>
+          <a:lnRef idx="2">
+            <a:schemeClr val="accent1"/>
+          </a:lnRef>
+          <a:fillRef idx="1">
+            <a:schemeClr val="lt1"/>
+          </a:fillRef>
+          <a:effectRef idx="0">
+            <a:schemeClr val="accent1"/>
+          </a:effectRef>
+          <a:fontRef idx="minor">
+            <a:schemeClr val="dk1"/>
+          </a:fontRef>
+        </p:style>
+        <p:txBody>
+          <a:bodyPr lIns="124733" tIns="62367" rIns="124733" bIns="62367" rtlCol="0" anchor="ctr"/>
+          <a:lstStyle/>
+          <a:p>
+            <a:pPr algn="ctr"/>
+            <a:r>
+              <a:rPr lang="ru-RU" sz="700" dirty="0" smtClean="0"/>
+              <a:t>Морской коридор с Мексикой</a:t>
+            </a:r>
+            <a:endParaRPr lang="ru-RU" sz="400" dirty="0"/>
+          </a:p>
+        </p:txBody>
+      </p:sp>
+      <p:sp>
+        <p:nvSpPr>
+          <p:cNvPr id="489" name="Прямоугольник 488">
+            <a:extLst>
+              <a:ext uri="{FF2B5EF4-FFF2-40B4-BE49-F238E27FC236}">
+                <a16:creationId xmlns="" xmlns:a16="http://schemas.microsoft.com/office/drawing/2014/main" id="{9C02A14C-DE5F-49AD-A4EE-A27966D0EFDC}"/>
+              </a:ext>
+            </a:extLst>
+          </p:cNvPr>
+          <p:cNvSpPr/>
+          <p:nvPr/>
+        </p:nvSpPr>
+        <p:spPr>
+          <a:xfrm>
+            <a:off x="7991037" y="19721301"/>
+            <a:ext cx="926325" cy="540000"/>
+          </a:xfrm>
+          <a:prstGeom prst="rect">
+            <a:avLst/>
+          </a:prstGeom>
+          <a:solidFill>
+            <a:schemeClr val="bg1">
+              <a:lumMod val="65000"/>
+            </a:schemeClr>
+          </a:solidFill>
+          <a:ln w="19050"/>
+        </p:spPr>
+        <p:style>
+          <a:lnRef idx="2">
+            <a:schemeClr val="accent1"/>
+          </a:lnRef>
+          <a:fillRef idx="1">
+            <a:schemeClr val="lt1"/>
+          </a:fillRef>
+          <a:effectRef idx="0">
+            <a:schemeClr val="accent1"/>
+          </a:effectRef>
+          <a:fontRef idx="minor">
+            <a:schemeClr val="dk1"/>
+          </a:fontRef>
+        </p:style>
+        <p:txBody>
+          <a:bodyPr lIns="124733" tIns="62367" rIns="124733" bIns="62367" rtlCol="0" anchor="ctr"/>
+          <a:lstStyle/>
+          <a:p>
+            <a:pPr algn="ctr"/>
+            <a:r>
+              <a:rPr lang="ru-RU" sz="700" dirty="0" smtClean="0"/>
+              <a:t>Оплот свободы в Центральной Америке</a:t>
+            </a:r>
+            <a:endParaRPr lang="ru-RU" sz="400" dirty="0"/>
+          </a:p>
+        </p:txBody>
+      </p:sp>
+      <p:cxnSp>
+        <p:nvCxnSpPr>
+          <p:cNvPr id="490" name="Соединительная линия уступом 903">
+            <a:extLst>
+              <a:ext uri="{FF2B5EF4-FFF2-40B4-BE49-F238E27FC236}">
+                <a16:creationId xmlns="" xmlns:a16="http://schemas.microsoft.com/office/drawing/2014/main" id="{7F2B1BD7-0FDF-4BD9-834C-72911F99D650}"/>
+              </a:ext>
+            </a:extLst>
+          </p:cNvPr>
+          <p:cNvCxnSpPr>
+            <a:cxnSpLocks/>
+            <a:stCxn id="321" idx="2"/>
+            <a:endCxn id="489" idx="0"/>
+          </p:cNvCxnSpPr>
+          <p:nvPr/>
+        </p:nvCxnSpPr>
+        <p:spPr>
+          <a:xfrm rot="16200000" flipH="1">
+            <a:off x="7363115" y="18630216"/>
+            <a:ext cx="245060" cy="1937109"/>
+          </a:xfrm>
+          <a:prstGeom prst="bentConnector3">
+            <a:avLst>
+              <a:gd name="adj1" fmla="val 50000"/>
+            </a:avLst>
+          </a:prstGeom>
+          <a:ln w="19050">
+            <a:prstDash val="dash"/>
+            <a:tailEnd type="arrow"/>
+          </a:ln>
+        </p:spPr>
+        <p:style>
+          <a:lnRef idx="1">
+            <a:schemeClr val="accent1"/>
+          </a:lnRef>
+          <a:fillRef idx="0">
+            <a:schemeClr val="accent1"/>
+          </a:fillRef>
+          <a:effectRef idx="0">
+            <a:schemeClr val="accent1"/>
+          </a:effectRef>
+          <a:fontRef idx="minor">
+            <a:schemeClr val="tx1"/>
+          </a:fontRef>
+        </p:style>
+      </p:cxnSp>
+      <p:cxnSp>
+        <p:nvCxnSpPr>
+          <p:cNvPr id="493" name="Соединительная линия уступом 903">
+            <a:extLst>
+              <a:ext uri="{FF2B5EF4-FFF2-40B4-BE49-F238E27FC236}">
+                <a16:creationId xmlns="" xmlns:a16="http://schemas.microsoft.com/office/drawing/2014/main" id="{7F2B1BD7-0FDF-4BD9-834C-72911F99D650}"/>
+              </a:ext>
+            </a:extLst>
+          </p:cNvPr>
+          <p:cNvCxnSpPr>
+            <a:cxnSpLocks/>
+            <a:stCxn id="475" idx="2"/>
+            <a:endCxn id="489" idx="0"/>
+          </p:cNvCxnSpPr>
+          <p:nvPr/>
+        </p:nvCxnSpPr>
+        <p:spPr>
+          <a:xfrm rot="5400000">
+            <a:off x="9284443" y="18645998"/>
+            <a:ext cx="245060" cy="1905546"/>
+          </a:xfrm>
+          <a:prstGeom prst="bentConnector3">
+            <a:avLst>
+              <a:gd name="adj1" fmla="val 50000"/>
+            </a:avLst>
+          </a:prstGeom>
+          <a:ln w="19050">
+            <a:prstDash val="dash"/>
+            <a:tailEnd type="arrow"/>
+          </a:ln>
+        </p:spPr>
+        <p:style>
+          <a:lnRef idx="1">
+            <a:schemeClr val="accent1"/>
+          </a:lnRef>
+          <a:fillRef idx="0">
+            <a:schemeClr val="accent1"/>
+          </a:fillRef>
+          <a:effectRef idx="0">
+            <a:schemeClr val="accent1"/>
+          </a:effectRef>
+          <a:fontRef idx="minor">
+            <a:schemeClr val="tx1"/>
+          </a:fontRef>
+        </p:style>
+      </p:cxnSp>
+      <p:sp>
+        <p:nvSpPr>
+          <p:cNvPr id="496" name="Прямоугольник 495">
+            <a:extLst>
+              <a:ext uri="{FF2B5EF4-FFF2-40B4-BE49-F238E27FC236}">
+                <a16:creationId xmlns="" xmlns:a16="http://schemas.microsoft.com/office/drawing/2014/main" id="{9C02A14C-DE5F-49AD-A4EE-A27966D0EFDC}"/>
+              </a:ext>
+            </a:extLst>
+          </p:cNvPr>
+          <p:cNvSpPr/>
+          <p:nvPr/>
+        </p:nvSpPr>
+        <p:spPr>
+          <a:xfrm>
+            <a:off x="9896581" y="20590541"/>
+            <a:ext cx="926325" cy="540000"/>
+          </a:xfrm>
+          <a:prstGeom prst="rect">
+            <a:avLst/>
+          </a:prstGeom>
+          <a:solidFill>
+            <a:schemeClr val="bg1">
+              <a:lumMod val="65000"/>
+            </a:schemeClr>
+          </a:solidFill>
+          <a:ln w="19050"/>
+        </p:spPr>
+        <p:style>
+          <a:lnRef idx="2">
+            <a:schemeClr val="accent1"/>
+          </a:lnRef>
+          <a:fillRef idx="1">
+            <a:schemeClr val="lt1"/>
+          </a:fillRef>
+          <a:effectRef idx="0">
+            <a:schemeClr val="accent1"/>
+          </a:effectRef>
+          <a:fontRef idx="minor">
+            <a:schemeClr val="dk1"/>
+          </a:fontRef>
+        </p:style>
+        <p:txBody>
+          <a:bodyPr lIns="124733" tIns="62367" rIns="124733" bIns="62367" rtlCol="0" anchor="ctr"/>
+          <a:lstStyle/>
+          <a:p>
+            <a:pPr algn="ctr"/>
+            <a:r>
+              <a:rPr lang="ru-RU" sz="700" dirty="0" smtClean="0"/>
+              <a:t>Взаимовыгодное сотрудничество в промышленности</a:t>
+            </a:r>
+            <a:endParaRPr lang="ru-RU" sz="400" dirty="0"/>
+          </a:p>
+        </p:txBody>
+      </p:sp>
+      <p:sp>
+        <p:nvSpPr>
+          <p:cNvPr id="497" name="Прямоугольник 496">
+            <a:extLst>
+              <a:ext uri="{FF2B5EF4-FFF2-40B4-BE49-F238E27FC236}">
+                <a16:creationId xmlns="" xmlns:a16="http://schemas.microsoft.com/office/drawing/2014/main" id="{9C02A14C-DE5F-49AD-A4EE-A27966D0EFDC}"/>
+              </a:ext>
+            </a:extLst>
+          </p:cNvPr>
+          <p:cNvSpPr/>
+          <p:nvPr/>
+        </p:nvSpPr>
+        <p:spPr>
+          <a:xfrm>
+            <a:off x="8579161" y="20589840"/>
+            <a:ext cx="926325" cy="540000"/>
+          </a:xfrm>
+          <a:prstGeom prst="rect">
+            <a:avLst/>
+          </a:prstGeom>
+          <a:solidFill>
+            <a:schemeClr val="bg1">
+              <a:lumMod val="65000"/>
+            </a:schemeClr>
+          </a:solidFill>
+          <a:ln w="19050"/>
+        </p:spPr>
+        <p:style>
+          <a:lnRef idx="2">
+            <a:schemeClr val="accent1"/>
+          </a:lnRef>
+          <a:fillRef idx="1">
+            <a:schemeClr val="lt1"/>
+          </a:fillRef>
+          <a:effectRef idx="0">
+            <a:schemeClr val="accent1"/>
+          </a:effectRef>
+          <a:fontRef idx="minor">
+            <a:schemeClr val="dk1"/>
+          </a:fontRef>
+        </p:style>
+        <p:txBody>
+          <a:bodyPr lIns="124733" tIns="62367" rIns="124733" bIns="62367" rtlCol="0" anchor="ctr"/>
+          <a:lstStyle/>
+          <a:p>
+            <a:pPr algn="ctr"/>
+            <a:r>
+              <a:rPr lang="ru-RU" sz="700" dirty="0" smtClean="0"/>
+              <a:t>Общее научное дело</a:t>
+            </a:r>
+            <a:endParaRPr lang="ru-RU" sz="400" dirty="0"/>
+          </a:p>
+        </p:txBody>
+      </p:sp>
+      <p:cxnSp>
+        <p:nvCxnSpPr>
+          <p:cNvPr id="498" name="Прямая со стрелкой 497">
+            <a:extLst>
+              <a:ext uri="{FF2B5EF4-FFF2-40B4-BE49-F238E27FC236}">
+                <a16:creationId xmlns="" xmlns:a16="http://schemas.microsoft.com/office/drawing/2014/main" id="{AFD4E665-A61D-46C2-A133-3412690F30F3}"/>
+              </a:ext>
+            </a:extLst>
+          </p:cNvPr>
+          <p:cNvCxnSpPr>
+            <a:cxnSpLocks/>
+            <a:stCxn id="475" idx="2"/>
+            <a:endCxn id="488" idx="0"/>
+          </p:cNvCxnSpPr>
+          <p:nvPr/>
+        </p:nvCxnSpPr>
+        <p:spPr>
+          <a:xfrm flipH="1">
+            <a:off x="10359745" y="19476241"/>
+            <a:ext cx="1" cy="245061"/>
+          </a:xfrm>
+          <a:prstGeom prst="straightConnector1">
+            <a:avLst/>
+          </a:prstGeom>
+          <a:ln w="19050">
+            <a:tailEnd type="arrow"/>
+          </a:ln>
+        </p:spPr>
+        <p:style>
+          <a:lnRef idx="1">
+            <a:schemeClr val="accent1"/>
+          </a:lnRef>
+          <a:fillRef idx="0">
+            <a:schemeClr val="accent1"/>
+          </a:fillRef>
+          <a:effectRef idx="0">
+            <a:schemeClr val="accent1"/>
+          </a:effectRef>
+          <a:fontRef idx="minor">
+            <a:schemeClr val="tx1"/>
+          </a:fontRef>
+        </p:style>
+      </p:cxnSp>
+      <p:cxnSp>
+        <p:nvCxnSpPr>
+          <p:cNvPr id="501" name="Прямая со стрелкой 500">
+            <a:extLst>
+              <a:ext uri="{FF2B5EF4-FFF2-40B4-BE49-F238E27FC236}">
+                <a16:creationId xmlns="" xmlns:a16="http://schemas.microsoft.com/office/drawing/2014/main" id="{AFD4E665-A61D-46C2-A133-3412690F30F3}"/>
+              </a:ext>
+            </a:extLst>
+          </p:cNvPr>
+          <p:cNvCxnSpPr>
+            <a:cxnSpLocks/>
+            <a:stCxn id="488" idx="2"/>
+            <a:endCxn id="496" idx="0"/>
+          </p:cNvCxnSpPr>
+          <p:nvPr/>
+        </p:nvCxnSpPr>
+        <p:spPr>
+          <a:xfrm flipH="1">
+            <a:off x="10359744" y="20261302"/>
+            <a:ext cx="1" cy="329239"/>
+          </a:xfrm>
+          <a:prstGeom prst="straightConnector1">
+            <a:avLst/>
+          </a:prstGeom>
+          <a:ln w="19050">
+            <a:tailEnd type="arrow"/>
+          </a:ln>
+        </p:spPr>
+        <p:style>
+          <a:lnRef idx="1">
+            <a:schemeClr val="accent1"/>
+          </a:lnRef>
+          <a:fillRef idx="0">
+            <a:schemeClr val="accent1"/>
+          </a:fillRef>
+          <a:effectRef idx="0">
+            <a:schemeClr val="accent1"/>
+          </a:effectRef>
+          <a:fontRef idx="minor">
+            <a:schemeClr val="tx1"/>
+          </a:fontRef>
+        </p:style>
+      </p:cxnSp>
+      <p:cxnSp>
+        <p:nvCxnSpPr>
+          <p:cNvPr id="504" name="Соединительная линия уступом 903">
+            <a:extLst>
+              <a:ext uri="{FF2B5EF4-FFF2-40B4-BE49-F238E27FC236}">
+                <a16:creationId xmlns="" xmlns:a16="http://schemas.microsoft.com/office/drawing/2014/main" id="{7F2B1BD7-0FDF-4BD9-834C-72911F99D650}"/>
+              </a:ext>
+            </a:extLst>
+          </p:cNvPr>
+          <p:cNvCxnSpPr>
+            <a:cxnSpLocks/>
+            <a:stCxn id="488" idx="2"/>
+            <a:endCxn id="497" idx="0"/>
+          </p:cNvCxnSpPr>
+          <p:nvPr/>
+        </p:nvCxnSpPr>
+        <p:spPr>
+          <a:xfrm rot="5400000">
+            <a:off x="9536766" y="19766861"/>
+            <a:ext cx="328538" cy="1317421"/>
+          </a:xfrm>
+          <a:prstGeom prst="bentConnector3">
+            <a:avLst>
+              <a:gd name="adj1" fmla="val 50000"/>
+            </a:avLst>
+          </a:prstGeom>
+          <a:ln w="19050">
+            <a:tailEnd type="arrow"/>
+          </a:ln>
+        </p:spPr>
+        <p:style>
+          <a:lnRef idx="1">
+            <a:schemeClr val="accent1"/>
+          </a:lnRef>
+          <a:fillRef idx="0">
+            <a:schemeClr val="accent1"/>
+          </a:fillRef>
+          <a:effectRef idx="0">
+            <a:schemeClr val="accent1"/>
+          </a:effectRef>
+          <a:fontRef idx="minor">
+            <a:schemeClr val="tx1"/>
+          </a:fontRef>
+        </p:style>
+      </p:cxnSp>
+      <p:cxnSp>
+        <p:nvCxnSpPr>
+          <p:cNvPr id="508" name="Соединительная линия уступом 903">
+            <a:extLst>
+              <a:ext uri="{FF2B5EF4-FFF2-40B4-BE49-F238E27FC236}">
+                <a16:creationId xmlns="" xmlns:a16="http://schemas.microsoft.com/office/drawing/2014/main" id="{7F2B1BD7-0FDF-4BD9-834C-72911F99D650}"/>
+              </a:ext>
+            </a:extLst>
+          </p:cNvPr>
+          <p:cNvCxnSpPr>
+            <a:cxnSpLocks/>
+            <a:stCxn id="322" idx="2"/>
+            <a:endCxn id="39" idx="0"/>
+          </p:cNvCxnSpPr>
+          <p:nvPr/>
+        </p:nvCxnSpPr>
+        <p:spPr>
+          <a:xfrm rot="16200000" flipH="1">
+            <a:off x="6694733" y="20083660"/>
+            <a:ext cx="329239" cy="684521"/>
+          </a:xfrm>
+          <a:prstGeom prst="bentConnector3">
+            <a:avLst>
+              <a:gd name="adj1" fmla="val 50000"/>
+            </a:avLst>
+          </a:prstGeom>
+          <a:ln w="19050">
+            <a:tailEnd type="arrow"/>
+          </a:ln>
+        </p:spPr>
+        <p:style>
+          <a:lnRef idx="1">
+            <a:schemeClr val="accent1"/>
+          </a:lnRef>
+          <a:fillRef idx="0">
+            <a:schemeClr val="accent1"/>
+          </a:fillRef>
+          <a:effectRef idx="0">
+            <a:schemeClr val="accent1"/>
+          </a:effectRef>
+          <a:fontRef idx="minor">
+            <a:schemeClr val="tx1"/>
+          </a:fontRef>
+        </p:style>
+      </p:cxnSp>
+      <p:cxnSp>
+        <p:nvCxnSpPr>
+          <p:cNvPr id="516" name="Соединительная линия уступом 903">
+            <a:extLst>
+              <a:ext uri="{FF2B5EF4-FFF2-40B4-BE49-F238E27FC236}">
+                <a16:creationId xmlns="" xmlns:a16="http://schemas.microsoft.com/office/drawing/2014/main" id="{8BEF26C8-19FF-4ACF-94F5-4225C4EB8246}"/>
+              </a:ext>
+            </a:extLst>
+          </p:cNvPr>
+          <p:cNvCxnSpPr>
+            <a:cxnSpLocks/>
+            <a:stCxn id="56" idx="2"/>
+            <a:endCxn id="143" idx="0"/>
+          </p:cNvCxnSpPr>
+          <p:nvPr/>
+        </p:nvCxnSpPr>
+        <p:spPr>
+          <a:xfrm rot="16200000" flipH="1">
+            <a:off x="10283961" y="7574875"/>
+            <a:ext cx="250699" cy="1298396"/>
+          </a:xfrm>
+          <a:prstGeom prst="bentConnector3">
+            <a:avLst>
+              <a:gd name="adj1" fmla="val 50000"/>
+            </a:avLst>
+          </a:prstGeom>
+          <a:ln w="19050">
+            <a:tailEnd type="arrow"/>
+          </a:ln>
+        </p:spPr>
+        <p:style>
+          <a:lnRef idx="1">
+            <a:schemeClr val="accent1"/>
+          </a:lnRef>
+          <a:fillRef idx="0">
+            <a:schemeClr val="accent1"/>
+          </a:fillRef>
+          <a:effectRef idx="0">
+            <a:schemeClr val="accent1"/>
+          </a:effectRef>
+          <a:fontRef idx="minor">
+            <a:schemeClr val="tx1"/>
+          </a:fontRef>
+        </p:style>
+      </p:cxnSp>
+      <p:cxnSp>
+        <p:nvCxnSpPr>
+          <p:cNvPr id="519" name="Соединительная линия уступом 903">
+            <a:extLst>
+              <a:ext uri="{FF2B5EF4-FFF2-40B4-BE49-F238E27FC236}">
+                <a16:creationId xmlns="" xmlns:a16="http://schemas.microsoft.com/office/drawing/2014/main" id="{8BEF26C8-19FF-4ACF-94F5-4225C4EB8246}"/>
+              </a:ext>
+            </a:extLst>
+          </p:cNvPr>
+          <p:cNvCxnSpPr>
+            <a:cxnSpLocks/>
+            <a:stCxn id="130" idx="2"/>
+            <a:endCxn id="195" idx="0"/>
+          </p:cNvCxnSpPr>
+          <p:nvPr/>
+        </p:nvCxnSpPr>
+        <p:spPr>
+          <a:xfrm rot="5400000">
+            <a:off x="9294568" y="8689351"/>
+            <a:ext cx="260881" cy="661024"/>
+          </a:xfrm>
+          <a:prstGeom prst="bentConnector3">
+            <a:avLst>
+              <a:gd name="adj1" fmla="val 50000"/>
+            </a:avLst>
+          </a:prstGeom>
+          <a:ln w="19050">
+            <a:tailEnd type="arrow"/>
+          </a:ln>
+        </p:spPr>
+        <p:style>
+          <a:lnRef idx="1">
+            <a:schemeClr val="accent1"/>
+          </a:lnRef>
+          <a:fillRef idx="0">
+            <a:schemeClr val="accent1"/>
+          </a:fillRef>
+          <a:effectRef idx="0">
+            <a:schemeClr val="accent1"/>
+          </a:effectRef>
+          <a:fontRef idx="minor">
+            <a:schemeClr val="tx1"/>
+          </a:fontRef>
+        </p:style>
+      </p:cxnSp>
+      <p:cxnSp>
+        <p:nvCxnSpPr>
+          <p:cNvPr id="522" name="Соединительная линия уступом 903">
+            <a:extLst>
+              <a:ext uri="{FF2B5EF4-FFF2-40B4-BE49-F238E27FC236}">
+                <a16:creationId xmlns="" xmlns:a16="http://schemas.microsoft.com/office/drawing/2014/main" id="{8BEF26C8-19FF-4ACF-94F5-4225C4EB8246}"/>
+              </a:ext>
+            </a:extLst>
+          </p:cNvPr>
+          <p:cNvCxnSpPr>
+            <a:cxnSpLocks/>
+            <a:stCxn id="130" idx="2"/>
+            <a:endCxn id="237" idx="0"/>
+          </p:cNvCxnSpPr>
+          <p:nvPr/>
+        </p:nvCxnSpPr>
+        <p:spPr>
+          <a:xfrm rot="16200000" flipH="1">
+            <a:off x="9985760" y="8659183"/>
+            <a:ext cx="263390" cy="723870"/>
+          </a:xfrm>
+          <a:prstGeom prst="bentConnector3">
+            <a:avLst>
+              <a:gd name="adj1" fmla="val 50000"/>
+            </a:avLst>
+          </a:prstGeom>
+          <a:ln w="19050">
+            <a:tailEnd type="arrow"/>
+          </a:ln>
+        </p:spPr>
+        <p:style>
+          <a:lnRef idx="1">
+            <a:schemeClr val="accent1"/>
+          </a:lnRef>
+          <a:fillRef idx="0">
+            <a:schemeClr val="accent1"/>
+          </a:fillRef>
+          <a:effectRef idx="0">
+            <a:schemeClr val="accent1"/>
+          </a:effectRef>
+          <a:fontRef idx="minor">
+            <a:schemeClr val="tx1"/>
+          </a:fontRef>
+        </p:style>
+      </p:cxnSp>
+      <p:cxnSp>
+        <p:nvCxnSpPr>
+          <p:cNvPr id="525" name="Соединительная линия уступом 903">
+            <a:extLst>
+              <a:ext uri="{FF2B5EF4-FFF2-40B4-BE49-F238E27FC236}">
+                <a16:creationId xmlns="" xmlns:a16="http://schemas.microsoft.com/office/drawing/2014/main" id="{8BEF26C8-19FF-4ACF-94F5-4225C4EB8246}"/>
+              </a:ext>
+            </a:extLst>
+          </p:cNvPr>
+          <p:cNvCxnSpPr>
+            <a:cxnSpLocks/>
+            <a:stCxn id="143" idx="2"/>
+            <a:endCxn id="149" idx="0"/>
+          </p:cNvCxnSpPr>
+          <p:nvPr/>
+        </p:nvCxnSpPr>
+        <p:spPr>
+          <a:xfrm rot="16200000" flipH="1">
+            <a:off x="11294864" y="8653067"/>
+            <a:ext cx="260881" cy="733592"/>
+          </a:xfrm>
+          <a:prstGeom prst="bentConnector3">
+            <a:avLst>
+              <a:gd name="adj1" fmla="val 50000"/>
+            </a:avLst>
+          </a:prstGeom>
+          <a:ln w="19050">
+            <a:tailEnd type="arrow"/>
+          </a:ln>
+        </p:spPr>
+        <p:style>
+          <a:lnRef idx="1">
+            <a:schemeClr val="accent1"/>
+          </a:lnRef>
+          <a:fillRef idx="0">
+            <a:schemeClr val="accent1"/>
+          </a:fillRef>
+          <a:effectRef idx="0">
+            <a:schemeClr val="accent1"/>
+          </a:effectRef>
+          <a:fontRef idx="minor">
+            <a:schemeClr val="tx1"/>
+          </a:fontRef>
+        </p:style>
+      </p:cxnSp>
+      <p:cxnSp>
+        <p:nvCxnSpPr>
+          <p:cNvPr id="528" name="Прямая со стрелкой 527">
+            <a:extLst>
+              <a:ext uri="{FF2B5EF4-FFF2-40B4-BE49-F238E27FC236}">
+                <a16:creationId xmlns="" xmlns:a16="http://schemas.microsoft.com/office/drawing/2014/main" id="{6DB489FB-B7F5-4424-8C73-6D37DF418426}"/>
+              </a:ext>
+            </a:extLst>
+          </p:cNvPr>
+          <p:cNvCxnSpPr>
+            <a:cxnSpLocks/>
+            <a:stCxn id="130" idx="2"/>
+            <a:endCxn id="148" idx="0"/>
+          </p:cNvCxnSpPr>
+          <p:nvPr/>
+        </p:nvCxnSpPr>
+        <p:spPr>
+          <a:xfrm flipH="1">
+            <a:off x="9755519" y="8889423"/>
+            <a:ext cx="1" cy="1058522"/>
+          </a:xfrm>
+          <a:prstGeom prst="straightConnector1">
+            <a:avLst/>
+          </a:prstGeom>
+          <a:ln w="19050">
+            <a:tailEnd type="arrow"/>
+          </a:ln>
+        </p:spPr>
+        <p:style>
+          <a:lnRef idx="1">
+            <a:schemeClr val="accent1"/>
+          </a:lnRef>
+          <a:fillRef idx="0">
+            <a:schemeClr val="accent1"/>
+          </a:fillRef>
+          <a:effectRef idx="0">
+            <a:schemeClr val="accent1"/>
+          </a:effectRef>
+          <a:fontRef idx="minor">
+            <a:schemeClr val="tx1"/>
+          </a:fontRef>
+        </p:style>
+      </p:cxnSp>
+      <p:cxnSp>
+        <p:nvCxnSpPr>
+          <p:cNvPr id="531" name="Прямая со стрелкой 530">
+            <a:extLst>
+              <a:ext uri="{FF2B5EF4-FFF2-40B4-BE49-F238E27FC236}">
+                <a16:creationId xmlns="" xmlns:a16="http://schemas.microsoft.com/office/drawing/2014/main" id="{6DB489FB-B7F5-4424-8C73-6D37DF418426}"/>
+              </a:ext>
+            </a:extLst>
+          </p:cNvPr>
+          <p:cNvCxnSpPr>
+            <a:cxnSpLocks/>
+            <a:stCxn id="148" idx="2"/>
+            <a:endCxn id="135" idx="0"/>
+          </p:cNvCxnSpPr>
+          <p:nvPr/>
+        </p:nvCxnSpPr>
+        <p:spPr>
+          <a:xfrm>
+            <a:off x="9755519" y="10487945"/>
+            <a:ext cx="1" cy="261729"/>
+          </a:xfrm>
+          <a:prstGeom prst="straightConnector1">
+            <a:avLst/>
+          </a:prstGeom>
+          <a:ln w="19050">
+            <a:tailEnd type="arrow"/>
+          </a:ln>
+        </p:spPr>
+        <p:style>
+          <a:lnRef idx="1">
+            <a:schemeClr val="accent1"/>
+          </a:lnRef>
+          <a:fillRef idx="0">
+            <a:schemeClr val="accent1"/>
+          </a:fillRef>
+          <a:effectRef idx="0">
+            <a:schemeClr val="accent1"/>
+          </a:effectRef>
+          <a:fontRef idx="minor">
+            <a:schemeClr val="tx1"/>
+          </a:fontRef>
+        </p:style>
+      </p:cxnSp>
+      <p:cxnSp>
+        <p:nvCxnSpPr>
+          <p:cNvPr id="534" name="Прямая соединительная линия 533">
+            <a:extLst>
+              <a:ext uri="{FF2B5EF4-FFF2-40B4-BE49-F238E27FC236}">
+                <a16:creationId xmlns="" xmlns:a16="http://schemas.microsoft.com/office/drawing/2014/main" id="{FD347516-2278-4B85-B9D1-D49EF200F440}"/>
+              </a:ext>
+            </a:extLst>
+          </p:cNvPr>
+          <p:cNvCxnSpPr>
+            <a:cxnSpLocks/>
+            <a:stCxn id="112" idx="3"/>
+            <a:endCxn id="135" idx="1"/>
+          </p:cNvCxnSpPr>
+          <p:nvPr/>
+        </p:nvCxnSpPr>
+        <p:spPr>
+          <a:xfrm flipV="1">
+            <a:off x="5355474" y="11019674"/>
+            <a:ext cx="3936883" cy="8781"/>
+          </a:xfrm>
+          <a:prstGeom prst="line">
+            <a:avLst/>
+          </a:prstGeom>
+          <a:ln w="19050">
+            <a:solidFill>
+              <a:srgbClr val="FF0000"/>
+            </a:solidFill>
+          </a:ln>
+        </p:spPr>
+        <p:style>
+          <a:lnRef idx="1">
+            <a:schemeClr val="accent1"/>
+          </a:lnRef>
+          <a:fillRef idx="0">
+            <a:schemeClr val="accent1"/>
+          </a:fillRef>
+          <a:effectRef idx="0">
+            <a:schemeClr val="accent1"/>
+          </a:effectRef>
+          <a:fontRef idx="minor">
+            <a:schemeClr val="tx1"/>
+          </a:fontRef>
+        </p:style>
+      </p:cxnSp>
+      <p:cxnSp>
+        <p:nvCxnSpPr>
+          <p:cNvPr id="537" name="Прямая со стрелкой 536">
+            <a:extLst>
+              <a:ext uri="{FF2B5EF4-FFF2-40B4-BE49-F238E27FC236}">
+                <a16:creationId xmlns="" xmlns:a16="http://schemas.microsoft.com/office/drawing/2014/main" id="{6DB489FB-B7F5-4424-8C73-6D37DF418426}"/>
+              </a:ext>
+            </a:extLst>
+          </p:cNvPr>
+          <p:cNvCxnSpPr>
+            <a:cxnSpLocks/>
+            <a:stCxn id="133" idx="2"/>
+            <a:endCxn id="136" idx="0"/>
+          </p:cNvCxnSpPr>
+          <p:nvPr/>
+        </p:nvCxnSpPr>
+        <p:spPr>
+          <a:xfrm>
+            <a:off x="9760111" y="12812494"/>
+            <a:ext cx="2" cy="286925"/>
+          </a:xfrm>
+          <a:prstGeom prst="straightConnector1">
+            <a:avLst/>
+          </a:prstGeom>
+          <a:ln w="19050">
+            <a:tailEnd type="arrow"/>
+          </a:ln>
+        </p:spPr>
+        <p:style>
+          <a:lnRef idx="1">
+            <a:schemeClr val="accent1"/>
+          </a:lnRef>
+          <a:fillRef idx="0">
+            <a:schemeClr val="accent1"/>
+          </a:fillRef>
+          <a:effectRef idx="0">
+            <a:schemeClr val="accent1"/>
+          </a:effectRef>
+          <a:fontRef idx="minor">
+            <a:schemeClr val="tx1"/>
+          </a:fontRef>
+        </p:style>
+      </p:cxnSp>
+      <p:sp>
+        <p:nvSpPr>
+          <p:cNvPr id="539" name="Прямоугольник 538">
+            <a:extLst>
+              <a:ext uri="{FF2B5EF4-FFF2-40B4-BE49-F238E27FC236}">
+                <a16:creationId xmlns="" xmlns:a16="http://schemas.microsoft.com/office/drawing/2014/main" id="{D80463F0-008D-4836-8F9E-3D2D6E66AB47}"/>
+              </a:ext>
+            </a:extLst>
+          </p:cNvPr>
+          <p:cNvSpPr/>
+          <p:nvPr/>
+        </p:nvSpPr>
+        <p:spPr>
+          <a:xfrm>
+            <a:off x="8631332" y="11532640"/>
+            <a:ext cx="926325" cy="540000"/>
+          </a:xfrm>
+          <a:prstGeom prst="rect">
+            <a:avLst/>
+          </a:prstGeom>
+          <a:solidFill>
+            <a:schemeClr val="accent1">
+              <a:lumMod val="40000"/>
+              <a:lumOff val="60000"/>
+            </a:schemeClr>
+          </a:solidFill>
+          <a:ln w="19050"/>
+        </p:spPr>
+        <p:style>
+          <a:lnRef idx="2">
+            <a:schemeClr val="accent1"/>
+          </a:lnRef>
+          <a:fillRef idx="1">
+            <a:schemeClr val="lt1"/>
+          </a:fillRef>
+          <a:effectRef idx="0">
+            <a:schemeClr val="accent1"/>
+          </a:effectRef>
+          <a:fontRef idx="minor">
+            <a:schemeClr val="dk1"/>
+          </a:fontRef>
+        </p:style>
+        <p:txBody>
+          <a:bodyPr lIns="124733" tIns="62367" rIns="124733" bIns="62367" rtlCol="0" anchor="ctr"/>
+          <a:lstStyle/>
+          <a:p>
+            <a:pPr algn="ctr"/>
+            <a:r>
+              <a:rPr lang="ru-RU" sz="700" dirty="0" smtClean="0"/>
+              <a:t>Научная интеграция</a:t>
+            </a:r>
+            <a:endParaRPr lang="ru-RU" sz="400" dirty="0"/>
+          </a:p>
+        </p:txBody>
+      </p:sp>
+      <p:sp>
+        <p:nvSpPr>
+          <p:cNvPr id="540" name="Прямоугольник 539">
+            <a:extLst>
+              <a:ext uri="{FF2B5EF4-FFF2-40B4-BE49-F238E27FC236}">
+                <a16:creationId xmlns="" xmlns:a16="http://schemas.microsoft.com/office/drawing/2014/main" id="{D80463F0-008D-4836-8F9E-3D2D6E66AB47}"/>
+              </a:ext>
+            </a:extLst>
+          </p:cNvPr>
+          <p:cNvSpPr/>
+          <p:nvPr/>
+        </p:nvSpPr>
+        <p:spPr>
+          <a:xfrm>
+            <a:off x="10016226" y="11532642"/>
+            <a:ext cx="926325" cy="540000"/>
+          </a:xfrm>
+          <a:prstGeom prst="rect">
+            <a:avLst/>
+          </a:prstGeom>
+          <a:solidFill>
+            <a:schemeClr val="accent1">
+              <a:lumMod val="40000"/>
+              <a:lumOff val="60000"/>
+            </a:schemeClr>
+          </a:solidFill>
+          <a:ln w="19050"/>
+        </p:spPr>
+        <p:style>
+          <a:lnRef idx="2">
+            <a:schemeClr val="accent1"/>
+          </a:lnRef>
+          <a:fillRef idx="1">
+            <a:schemeClr val="lt1"/>
+          </a:fillRef>
+          <a:effectRef idx="0">
+            <a:schemeClr val="accent1"/>
+          </a:effectRef>
+          <a:fontRef idx="minor">
+            <a:schemeClr val="dk1"/>
+          </a:fontRef>
+        </p:style>
+        <p:txBody>
+          <a:bodyPr lIns="124733" tIns="62367" rIns="124733" bIns="62367" rtlCol="0" anchor="ctr"/>
+          <a:lstStyle/>
+          <a:p>
+            <a:pPr algn="ctr"/>
+            <a:r>
+              <a:rPr lang="ru-RU" sz="700" dirty="0" smtClean="0"/>
+              <a:t>Промышленная интеграция</a:t>
+            </a:r>
+            <a:endParaRPr lang="ru-RU" sz="400" dirty="0"/>
+          </a:p>
+        </p:txBody>
+      </p:sp>
+      <p:cxnSp>
+        <p:nvCxnSpPr>
+          <p:cNvPr id="541" name="Соединительная линия уступом 903">
+            <a:extLst>
+              <a:ext uri="{FF2B5EF4-FFF2-40B4-BE49-F238E27FC236}">
+                <a16:creationId xmlns="" xmlns:a16="http://schemas.microsoft.com/office/drawing/2014/main" id="{8BEF26C8-19FF-4ACF-94F5-4225C4EB8246}"/>
+              </a:ext>
+            </a:extLst>
+          </p:cNvPr>
+          <p:cNvCxnSpPr>
+            <a:cxnSpLocks/>
+            <a:stCxn id="135" idx="2"/>
+            <a:endCxn id="540" idx="0"/>
+          </p:cNvCxnSpPr>
+          <p:nvPr/>
+        </p:nvCxnSpPr>
+        <p:spPr>
+          <a:xfrm rot="16200000" flipH="1">
+            <a:off x="9995970" y="11049223"/>
+            <a:ext cx="242968" cy="723869"/>
+          </a:xfrm>
+          <a:prstGeom prst="bentConnector3">
+            <a:avLst>
+              <a:gd name="adj1" fmla="val 50000"/>
+            </a:avLst>
+          </a:prstGeom>
+          <a:ln w="19050">
+            <a:tailEnd type="arrow"/>
+          </a:ln>
+        </p:spPr>
+        <p:style>
+          <a:lnRef idx="1">
+            <a:schemeClr val="accent1"/>
+          </a:lnRef>
+          <a:fillRef idx="0">
+            <a:schemeClr val="accent1"/>
+          </a:fillRef>
+          <a:effectRef idx="0">
+            <a:schemeClr val="accent1"/>
+          </a:effectRef>
+          <a:fontRef idx="minor">
+            <a:schemeClr val="tx1"/>
+          </a:fontRef>
+        </p:style>
+      </p:cxnSp>
+      <p:cxnSp>
+        <p:nvCxnSpPr>
+          <p:cNvPr id="544" name="Соединительная линия уступом 903">
+            <a:extLst>
+              <a:ext uri="{FF2B5EF4-FFF2-40B4-BE49-F238E27FC236}">
+                <a16:creationId xmlns="" xmlns:a16="http://schemas.microsoft.com/office/drawing/2014/main" id="{8BEF26C8-19FF-4ACF-94F5-4225C4EB8246}"/>
+              </a:ext>
+            </a:extLst>
+          </p:cNvPr>
+          <p:cNvCxnSpPr>
+            <a:cxnSpLocks/>
+            <a:stCxn id="135" idx="2"/>
+            <a:endCxn id="539" idx="0"/>
+          </p:cNvCxnSpPr>
+          <p:nvPr/>
+        </p:nvCxnSpPr>
+        <p:spPr>
+          <a:xfrm rot="5400000">
+            <a:off x="9303525" y="11080645"/>
+            <a:ext cx="242966" cy="661025"/>
+          </a:xfrm>
+          <a:prstGeom prst="bentConnector3">
+            <a:avLst>
+              <a:gd name="adj1" fmla="val 50000"/>
+            </a:avLst>
+          </a:prstGeom>
+          <a:ln w="19050">
+            <a:tailEnd type="arrow"/>
+          </a:ln>
+        </p:spPr>
+        <p:style>
+          <a:lnRef idx="1">
+            <a:schemeClr val="accent1"/>
+          </a:lnRef>
+          <a:fillRef idx="0">
+            <a:schemeClr val="accent1"/>
+          </a:fillRef>
+          <a:effectRef idx="0">
+            <a:schemeClr val="accent1"/>
+          </a:effectRef>
+          <a:fontRef idx="minor">
+            <a:schemeClr val="tx1"/>
+          </a:fontRef>
+        </p:style>
+      </p:cxnSp>
+      <p:cxnSp>
+        <p:nvCxnSpPr>
+          <p:cNvPr id="550" name="Соединительная линия уступом 903">
+            <a:extLst>
+              <a:ext uri="{FF2B5EF4-FFF2-40B4-BE49-F238E27FC236}">
+                <a16:creationId xmlns="" xmlns:a16="http://schemas.microsoft.com/office/drawing/2014/main" id="{8BEF26C8-19FF-4ACF-94F5-4225C4EB8246}"/>
+              </a:ext>
+            </a:extLst>
+          </p:cNvPr>
+          <p:cNvCxnSpPr>
+            <a:cxnSpLocks/>
+            <a:stCxn id="540" idx="2"/>
+            <a:endCxn id="133" idx="0"/>
+          </p:cNvCxnSpPr>
+          <p:nvPr/>
+        </p:nvCxnSpPr>
+        <p:spPr>
+          <a:xfrm rot="5400000">
+            <a:off x="10019824" y="11812929"/>
+            <a:ext cx="199852" cy="719278"/>
+          </a:xfrm>
+          <a:prstGeom prst="bentConnector3">
+            <a:avLst>
+              <a:gd name="adj1" fmla="val 50000"/>
+            </a:avLst>
+          </a:prstGeom>
+          <a:ln w="19050">
+            <a:tailEnd type="arrow"/>
+          </a:ln>
+        </p:spPr>
+        <p:style>
+          <a:lnRef idx="1">
+            <a:schemeClr val="accent1"/>
+          </a:lnRef>
+          <a:fillRef idx="0">
+            <a:schemeClr val="accent1"/>
+          </a:fillRef>
+          <a:effectRef idx="0">
+            <a:schemeClr val="accent1"/>
+          </a:effectRef>
+          <a:fontRef idx="minor">
+            <a:schemeClr val="tx1"/>
+          </a:fontRef>
+        </p:style>
+      </p:cxnSp>
+      <p:cxnSp>
+        <p:nvCxnSpPr>
+          <p:cNvPr id="553" name="Соединительная линия уступом 903">
+            <a:extLst>
+              <a:ext uri="{FF2B5EF4-FFF2-40B4-BE49-F238E27FC236}">
+                <a16:creationId xmlns="" xmlns:a16="http://schemas.microsoft.com/office/drawing/2014/main" id="{8BEF26C8-19FF-4ACF-94F5-4225C4EB8246}"/>
+              </a:ext>
+            </a:extLst>
+          </p:cNvPr>
+          <p:cNvCxnSpPr>
+            <a:cxnSpLocks/>
+            <a:stCxn id="539" idx="2"/>
+            <a:endCxn id="133" idx="0"/>
+          </p:cNvCxnSpPr>
+          <p:nvPr/>
+        </p:nvCxnSpPr>
+        <p:spPr>
+          <a:xfrm rot="16200000" flipH="1">
+            <a:off x="9327376" y="11839759"/>
+            <a:ext cx="199854" cy="665616"/>
+          </a:xfrm>
+          <a:prstGeom prst="bentConnector3">
+            <a:avLst>
+              <a:gd name="adj1" fmla="val 50000"/>
+            </a:avLst>
+          </a:prstGeom>
+          <a:ln w="19050">
+            <a:tailEnd type="arrow"/>
+          </a:ln>
+        </p:spPr>
+        <p:style>
+          <a:lnRef idx="1">
+            <a:schemeClr val="accent1"/>
+          </a:lnRef>
+          <a:fillRef idx="0">
+            <a:schemeClr val="accent1"/>
+          </a:fillRef>
+          <a:effectRef idx="0">
+            <a:schemeClr val="accent1"/>
+          </a:effectRef>
+          <a:fontRef idx="minor">
+            <a:schemeClr val="tx1"/>
+          </a:fontRef>
+        </p:style>
+      </p:cxnSp>
     </p:spTree>
     <p:extLst>
       <p:ext uri="{BB962C8B-B14F-4D97-AF65-F5344CB8AC3E}">
@@ -13561,7 +19606,7 @@
   <a:extraClrSchemeLst/>
   <a:extLst>
     <a:ext uri="{05A4C25C-085E-4340-85A3-A5531E510DB2}">
-      <thm15:themeFamily xmlns:thm15="http://schemas.microsoft.com/office/thememl/2012/main" xmlns="" name="Office Theme" id="{62F939B6-93AF-4DB8-9C6B-D6C7DFDC589F}" vid="{4A3C46E8-61CC-4603-A589-7422A47A8E4A}"/>
+      <thm15:themeFamily xmlns="" xmlns:thm15="http://schemas.microsoft.com/office/thememl/2012/main" name="Office Theme" id="{62F939B6-93AF-4DB8-9C6B-D6C7DFDC589F}" vid="{4A3C46E8-61CC-4603-A589-7422A47A8E4A}"/>
     </a:ext>
   </a:extLst>
 </a:theme>
@@ -13822,7 +19867,7 @@
   <a:extraClrSchemeLst/>
   <a:extLst>
     <a:ext uri="{05A4C25C-085E-4340-85A3-A5531E510DB2}">
-      <thm15:themeFamily xmlns:thm15="http://schemas.microsoft.com/office/thememl/2012/main" xmlns="" name="Office Theme" id="{62F939B6-93AF-4DB8-9C6B-D6C7DFDC589F}" vid="{4A3C46E8-61CC-4603-A589-7422A47A8E4A}"/>
+      <thm15:themeFamily xmlns="" xmlns:thm15="http://schemas.microsoft.com/office/thememl/2012/main" name="Office Theme" id="{62F939B6-93AF-4DB8-9C6B-D6C7DFDC589F}" vid="{4A3C46E8-61CC-4603-A589-7422A47A8E4A}"/>
     </a:ext>
   </a:extLst>
 </a:theme>

--- a/Наработки/диздоки/Никарагуа/Никарагуа.pptx
+++ b/Наработки/диздоки/Никарагуа/Никарагуа.pptx
@@ -109,7 +109,7 @@
   </p:defaultTextStyle>
   <p:extLst>
     <p:ext uri="{EFAFB233-063F-42B5-8137-9DF3F51BA10A}">
-      <p15:sldGuideLst xmlns="" xmlns:p15="http://schemas.microsoft.com/office/powerpoint/2012/main">
+      <p15:sldGuideLst xmlns:p15="http://schemas.microsoft.com/office/powerpoint/2012/main" xmlns="">
         <p15:guide id="1" orient="horz" pos="11344">
           <p15:clr>
             <a:srgbClr val="A4A3A4"/>
@@ -209,7 +209,7 @@
             <a:fld id="{33E3D7F9-E251-484C-A6FF-FA958879DF69}" type="datetimeFigureOut">
               <a:rPr lang="ru-RU" smtClean="0"/>
               <a:pPr/>
-              <a:t>23.10.2023</a:t>
+              <a:t>24.10.2023</a:t>
             </a:fld>
             <a:endParaRPr lang="ru-RU"/>
           </a:p>
@@ -699,7 +699,7 @@
             <a:fld id="{85A5DE44-605B-4D3B-B2B7-94543DF81A36}" type="datetimeFigureOut">
               <a:rPr lang="ru-RU" smtClean="0"/>
               <a:pPr/>
-              <a:t>23.10.2023</a:t>
+              <a:t>24.10.2023</a:t>
             </a:fld>
             <a:endParaRPr lang="ru-RU"/>
           </a:p>
@@ -871,7 +871,7 @@
             <a:fld id="{85A5DE44-605B-4D3B-B2B7-94543DF81A36}" type="datetimeFigureOut">
               <a:rPr lang="ru-RU" smtClean="0"/>
               <a:pPr/>
-              <a:t>23.10.2023</a:t>
+              <a:t>24.10.2023</a:t>
             </a:fld>
             <a:endParaRPr lang="ru-RU"/>
           </a:p>
@@ -1053,7 +1053,7 @@
             <a:fld id="{85A5DE44-605B-4D3B-B2B7-94543DF81A36}" type="datetimeFigureOut">
               <a:rPr lang="ru-RU" smtClean="0"/>
               <a:pPr/>
-              <a:t>23.10.2023</a:t>
+              <a:t>24.10.2023</a:t>
             </a:fld>
             <a:endParaRPr lang="ru-RU"/>
           </a:p>
@@ -1225,7 +1225,7 @@
             <a:fld id="{85A5DE44-605B-4D3B-B2B7-94543DF81A36}" type="datetimeFigureOut">
               <a:rPr lang="ru-RU" smtClean="0"/>
               <a:pPr/>
-              <a:t>23.10.2023</a:t>
+              <a:t>24.10.2023</a:t>
             </a:fld>
             <a:endParaRPr lang="ru-RU"/>
           </a:p>
@@ -1473,7 +1473,7 @@
             <a:fld id="{85A5DE44-605B-4D3B-B2B7-94543DF81A36}" type="datetimeFigureOut">
               <a:rPr lang="ru-RU" smtClean="0"/>
               <a:pPr/>
-              <a:t>23.10.2023</a:t>
+              <a:t>24.10.2023</a:t>
             </a:fld>
             <a:endParaRPr lang="ru-RU"/>
           </a:p>
@@ -1707,7 +1707,7 @@
             <a:fld id="{85A5DE44-605B-4D3B-B2B7-94543DF81A36}" type="datetimeFigureOut">
               <a:rPr lang="ru-RU" smtClean="0"/>
               <a:pPr/>
-              <a:t>23.10.2023</a:t>
+              <a:t>24.10.2023</a:t>
             </a:fld>
             <a:endParaRPr lang="ru-RU"/>
           </a:p>
@@ -2076,7 +2076,7 @@
             <a:fld id="{85A5DE44-605B-4D3B-B2B7-94543DF81A36}" type="datetimeFigureOut">
               <a:rPr lang="ru-RU" smtClean="0"/>
               <a:pPr/>
-              <a:t>23.10.2023</a:t>
+              <a:t>24.10.2023</a:t>
             </a:fld>
             <a:endParaRPr lang="ru-RU"/>
           </a:p>
@@ -2196,7 +2196,7 @@
             <a:fld id="{85A5DE44-605B-4D3B-B2B7-94543DF81A36}" type="datetimeFigureOut">
               <a:rPr lang="ru-RU" smtClean="0"/>
               <a:pPr/>
-              <a:t>23.10.2023</a:t>
+              <a:t>24.10.2023</a:t>
             </a:fld>
             <a:endParaRPr lang="ru-RU"/>
           </a:p>
@@ -2293,7 +2293,7 @@
             <a:fld id="{85A5DE44-605B-4D3B-B2B7-94543DF81A36}" type="datetimeFigureOut">
               <a:rPr lang="ru-RU" smtClean="0"/>
               <a:pPr/>
-              <a:t>23.10.2023</a:t>
+              <a:t>24.10.2023</a:t>
             </a:fld>
             <a:endParaRPr lang="ru-RU"/>
           </a:p>
@@ -2572,7 +2572,7 @@
             <a:fld id="{85A5DE44-605B-4D3B-B2B7-94543DF81A36}" type="datetimeFigureOut">
               <a:rPr lang="ru-RU" smtClean="0"/>
               <a:pPr/>
-              <a:t>23.10.2023</a:t>
+              <a:t>24.10.2023</a:t>
             </a:fld>
             <a:endParaRPr lang="ru-RU"/>
           </a:p>
@@ -2831,7 +2831,7 @@
             <a:fld id="{85A5DE44-605B-4D3B-B2B7-94543DF81A36}" type="datetimeFigureOut">
               <a:rPr lang="ru-RU" smtClean="0"/>
               <a:pPr/>
-              <a:t>23.10.2023</a:t>
+              <a:t>24.10.2023</a:t>
             </a:fld>
             <a:endParaRPr lang="ru-RU"/>
           </a:p>
@@ -3046,7 +3046,7 @@
             <a:fld id="{85A5DE44-605B-4D3B-B2B7-94543DF81A36}" type="datetimeFigureOut">
               <a:rPr lang="ru-RU" smtClean="0"/>
               <a:pPr/>
-              <a:t>23.10.2023</a:t>
+              <a:t>24.10.2023</a:t>
             </a:fld>
             <a:endParaRPr lang="ru-RU"/>
           </a:p>
@@ -3575,7 +3575,7 @@
           <p:cNvPr id="860" name="Прямоугольник 859">
             <a:extLst>
               <a:ext uri="{FF2B5EF4-FFF2-40B4-BE49-F238E27FC236}">
-                <a16:creationId xmlns="" xmlns:a16="http://schemas.microsoft.com/office/drawing/2014/main" id="{6192B7C6-55FD-4881-A7C8-B46143BFCF64}"/>
+                <a16:creationId xmlns:a16="http://schemas.microsoft.com/office/drawing/2014/main" xmlns="" id="{6192B7C6-55FD-4881-A7C8-B46143BFCF64}"/>
               </a:ext>
             </a:extLst>
           </p:cNvPr>
@@ -3637,7 +3637,7 @@
           <p:cNvPr id="987" name="Прямоугольник 986">
             <a:extLst>
               <a:ext uri="{FF2B5EF4-FFF2-40B4-BE49-F238E27FC236}">
-                <a16:creationId xmlns="" xmlns:a16="http://schemas.microsoft.com/office/drawing/2014/main" id="{67193EE9-417B-43C2-AB81-CA3693D3020C}"/>
+                <a16:creationId xmlns:a16="http://schemas.microsoft.com/office/drawing/2014/main" xmlns="" id="{67193EE9-417B-43C2-AB81-CA3693D3020C}"/>
               </a:ext>
             </a:extLst>
           </p:cNvPr>
@@ -3687,7 +3687,7 @@
           <p:cNvPr id="991" name="Прямоугольник 990">
             <a:extLst>
               <a:ext uri="{FF2B5EF4-FFF2-40B4-BE49-F238E27FC236}">
-                <a16:creationId xmlns="" xmlns:a16="http://schemas.microsoft.com/office/drawing/2014/main" id="{DF4FA738-4588-47B9-8CCD-BD1F596377F3}"/>
+                <a16:creationId xmlns:a16="http://schemas.microsoft.com/office/drawing/2014/main" xmlns="" id="{DF4FA738-4588-47B9-8CCD-BD1F596377F3}"/>
               </a:ext>
             </a:extLst>
           </p:cNvPr>
@@ -3749,7 +3749,7 @@
           <p:cNvPr id="994" name="Прямоугольник 993">
             <a:extLst>
               <a:ext uri="{FF2B5EF4-FFF2-40B4-BE49-F238E27FC236}">
-                <a16:creationId xmlns="" xmlns:a16="http://schemas.microsoft.com/office/drawing/2014/main" id="{2C61400B-484B-4957-B0B2-641DF530B9A0}"/>
+                <a16:creationId xmlns:a16="http://schemas.microsoft.com/office/drawing/2014/main" xmlns="" id="{2C61400B-484B-4957-B0B2-641DF530B9A0}"/>
               </a:ext>
             </a:extLst>
           </p:cNvPr>
@@ -3803,7 +3803,7 @@
           <p:cNvPr id="995" name="Прямоугольник 994">
             <a:extLst>
               <a:ext uri="{FF2B5EF4-FFF2-40B4-BE49-F238E27FC236}">
-                <a16:creationId xmlns="" xmlns:a16="http://schemas.microsoft.com/office/drawing/2014/main" id="{F18E07CC-8B9D-421A-926B-156E5FCEBD1B}"/>
+                <a16:creationId xmlns:a16="http://schemas.microsoft.com/office/drawing/2014/main" xmlns="" id="{F18E07CC-8B9D-421A-926B-156E5FCEBD1B}"/>
               </a:ext>
             </a:extLst>
           </p:cNvPr>
@@ -3861,7 +3861,7 @@
           <p:cNvPr id="996" name="Прямоугольник 995">
             <a:extLst>
               <a:ext uri="{FF2B5EF4-FFF2-40B4-BE49-F238E27FC236}">
-                <a16:creationId xmlns="" xmlns:a16="http://schemas.microsoft.com/office/drawing/2014/main" id="{0A3E31CE-1F95-493B-99B8-75E1E74691B0}"/>
+                <a16:creationId xmlns:a16="http://schemas.microsoft.com/office/drawing/2014/main" xmlns="" id="{0A3E31CE-1F95-493B-99B8-75E1E74691B0}"/>
               </a:ext>
             </a:extLst>
           </p:cNvPr>
@@ -3915,7 +3915,7 @@
           <p:cNvPr id="998" name="Прямоугольник 997">
             <a:extLst>
               <a:ext uri="{FF2B5EF4-FFF2-40B4-BE49-F238E27FC236}">
-                <a16:creationId xmlns="" xmlns:a16="http://schemas.microsoft.com/office/drawing/2014/main" id="{D1BF57CA-E69C-44E3-AAB9-85050AFD605D}"/>
+                <a16:creationId xmlns:a16="http://schemas.microsoft.com/office/drawing/2014/main" xmlns="" id="{D1BF57CA-E69C-44E3-AAB9-85050AFD605D}"/>
               </a:ext>
             </a:extLst>
           </p:cNvPr>
@@ -3965,7 +3965,7 @@
           <p:cNvPr id="999" name="Прямоугольник 998">
             <a:extLst>
               <a:ext uri="{FF2B5EF4-FFF2-40B4-BE49-F238E27FC236}">
-                <a16:creationId xmlns="" xmlns:a16="http://schemas.microsoft.com/office/drawing/2014/main" id="{ED20F934-4F09-47D0-A5C3-475497C89CA8}"/>
+                <a16:creationId xmlns:a16="http://schemas.microsoft.com/office/drawing/2014/main" xmlns="" id="{ED20F934-4F09-47D0-A5C3-475497C89CA8}"/>
               </a:ext>
             </a:extLst>
           </p:cNvPr>
@@ -4019,7 +4019,7 @@
           <p:cNvPr id="1000" name="Прямоугольник 999">
             <a:extLst>
               <a:ext uri="{FF2B5EF4-FFF2-40B4-BE49-F238E27FC236}">
-                <a16:creationId xmlns="" xmlns:a16="http://schemas.microsoft.com/office/drawing/2014/main" id="{3031F683-9F5E-4938-B59B-3FA74405AA5D}"/>
+                <a16:creationId xmlns:a16="http://schemas.microsoft.com/office/drawing/2014/main" xmlns="" id="{3031F683-9F5E-4938-B59B-3FA74405AA5D}"/>
               </a:ext>
             </a:extLst>
           </p:cNvPr>
@@ -4080,7 +4080,7 @@
           <p:cNvPr id="1003" name="Прямоугольник 1002">
             <a:extLst>
               <a:ext uri="{FF2B5EF4-FFF2-40B4-BE49-F238E27FC236}">
-                <a16:creationId xmlns="" xmlns:a16="http://schemas.microsoft.com/office/drawing/2014/main" id="{6902397C-BDFE-4DCF-A1A2-FAE0B2626BDA}"/>
+                <a16:creationId xmlns:a16="http://schemas.microsoft.com/office/drawing/2014/main" xmlns="" id="{6902397C-BDFE-4DCF-A1A2-FAE0B2626BDA}"/>
               </a:ext>
             </a:extLst>
           </p:cNvPr>
@@ -4141,7 +4141,7 @@
           <p:cNvPr id="1004" name="Прямоугольник 1003">
             <a:extLst>
               <a:ext uri="{FF2B5EF4-FFF2-40B4-BE49-F238E27FC236}">
-                <a16:creationId xmlns="" xmlns:a16="http://schemas.microsoft.com/office/drawing/2014/main" id="{69B79668-F64A-48E7-B6D8-046B42C5083A}"/>
+                <a16:creationId xmlns:a16="http://schemas.microsoft.com/office/drawing/2014/main" xmlns="" id="{69B79668-F64A-48E7-B6D8-046B42C5083A}"/>
               </a:ext>
             </a:extLst>
           </p:cNvPr>
@@ -4195,7 +4195,7 @@
           <p:cNvPr id="1006" name="Прямоугольник 1005">
             <a:extLst>
               <a:ext uri="{FF2B5EF4-FFF2-40B4-BE49-F238E27FC236}">
-                <a16:creationId xmlns="" xmlns:a16="http://schemas.microsoft.com/office/drawing/2014/main" id="{DBC3419A-22FA-43FF-B8B9-DD68FEBDCE02}"/>
+                <a16:creationId xmlns:a16="http://schemas.microsoft.com/office/drawing/2014/main" xmlns="" id="{DBC3419A-22FA-43FF-B8B9-DD68FEBDCE02}"/>
               </a:ext>
             </a:extLst>
           </p:cNvPr>
@@ -4253,7 +4253,7 @@
           <p:cNvPr id="1007" name="Прямоугольник 1006">
             <a:extLst>
               <a:ext uri="{FF2B5EF4-FFF2-40B4-BE49-F238E27FC236}">
-                <a16:creationId xmlns="" xmlns:a16="http://schemas.microsoft.com/office/drawing/2014/main" id="{16A1A0CD-EC27-4841-9CAC-A2951FA574D9}"/>
+                <a16:creationId xmlns:a16="http://schemas.microsoft.com/office/drawing/2014/main" xmlns="" id="{16A1A0CD-EC27-4841-9CAC-A2951FA574D9}"/>
               </a:ext>
             </a:extLst>
           </p:cNvPr>
@@ -4302,7 +4302,7 @@
           <p:cNvPr id="1009" name="Прямоугольник 1008">
             <a:extLst>
               <a:ext uri="{FF2B5EF4-FFF2-40B4-BE49-F238E27FC236}">
-                <a16:creationId xmlns="" xmlns:a16="http://schemas.microsoft.com/office/drawing/2014/main" id="{D6B9B13E-4EC1-48C5-9D81-8A7DC0201F74}"/>
+                <a16:creationId xmlns:a16="http://schemas.microsoft.com/office/drawing/2014/main" xmlns="" id="{D6B9B13E-4EC1-48C5-9D81-8A7DC0201F74}"/>
               </a:ext>
             </a:extLst>
           </p:cNvPr>
@@ -4356,7 +4356,7 @@
           <p:cNvPr id="1010" name="Прямоугольник 1009">
             <a:extLst>
               <a:ext uri="{FF2B5EF4-FFF2-40B4-BE49-F238E27FC236}">
-                <a16:creationId xmlns="" xmlns:a16="http://schemas.microsoft.com/office/drawing/2014/main" id="{EB093940-7B32-4F48-90D9-92C619CCC27C}"/>
+                <a16:creationId xmlns:a16="http://schemas.microsoft.com/office/drawing/2014/main" xmlns="" id="{EB093940-7B32-4F48-90D9-92C619CCC27C}"/>
               </a:ext>
             </a:extLst>
           </p:cNvPr>
@@ -4414,7 +4414,7 @@
           <p:cNvPr id="1011" name="Прямая со стрелкой 1010">
             <a:extLst>
               <a:ext uri="{FF2B5EF4-FFF2-40B4-BE49-F238E27FC236}">
-                <a16:creationId xmlns="" xmlns:a16="http://schemas.microsoft.com/office/drawing/2014/main" id="{6FF1BA7F-812C-44A5-BEC2-31F4B6F55538}"/>
+                <a16:creationId xmlns:a16="http://schemas.microsoft.com/office/drawing/2014/main" xmlns="" id="{6FF1BA7F-812C-44A5-BEC2-31F4B6F55538}"/>
               </a:ext>
             </a:extLst>
           </p:cNvPr>
@@ -4457,7 +4457,7 @@
           <p:cNvPr id="1012" name="Соединительная линия уступом 903">
             <a:extLst>
               <a:ext uri="{FF2B5EF4-FFF2-40B4-BE49-F238E27FC236}">
-                <a16:creationId xmlns="" xmlns:a16="http://schemas.microsoft.com/office/drawing/2014/main" id="{61CC6BA5-39EA-4B23-A209-0E7E8DB14AB7}"/>
+                <a16:creationId xmlns:a16="http://schemas.microsoft.com/office/drawing/2014/main" xmlns="" id="{61CC6BA5-39EA-4B23-A209-0E7E8DB14AB7}"/>
               </a:ext>
             </a:extLst>
           </p:cNvPr>
@@ -4502,7 +4502,7 @@
           <p:cNvPr id="1014" name="Прямая со стрелкой 1013">
             <a:extLst>
               <a:ext uri="{FF2B5EF4-FFF2-40B4-BE49-F238E27FC236}">
-                <a16:creationId xmlns="" xmlns:a16="http://schemas.microsoft.com/office/drawing/2014/main" id="{DE622A39-F9DB-4104-B64D-4660F6424C79}"/>
+                <a16:creationId xmlns:a16="http://schemas.microsoft.com/office/drawing/2014/main" xmlns="" id="{DE622A39-F9DB-4104-B64D-4660F6424C79}"/>
               </a:ext>
             </a:extLst>
           </p:cNvPr>
@@ -4545,7 +4545,7 @@
           <p:cNvPr id="1015" name="Прямая со стрелкой 1014">
             <a:extLst>
               <a:ext uri="{FF2B5EF4-FFF2-40B4-BE49-F238E27FC236}">
-                <a16:creationId xmlns="" xmlns:a16="http://schemas.microsoft.com/office/drawing/2014/main" id="{F4E65FFA-5006-43A8-9BFD-FFB14F085370}"/>
+                <a16:creationId xmlns:a16="http://schemas.microsoft.com/office/drawing/2014/main" xmlns="" id="{F4E65FFA-5006-43A8-9BFD-FFB14F085370}"/>
               </a:ext>
             </a:extLst>
           </p:cNvPr>
@@ -4588,7 +4588,7 @@
           <p:cNvPr id="1016" name="Прямая со стрелкой 1015">
             <a:extLst>
               <a:ext uri="{FF2B5EF4-FFF2-40B4-BE49-F238E27FC236}">
-                <a16:creationId xmlns="" xmlns:a16="http://schemas.microsoft.com/office/drawing/2014/main" id="{CC2FBAD9-0DAC-475C-84AF-B8C4D7F7CD36}"/>
+                <a16:creationId xmlns:a16="http://schemas.microsoft.com/office/drawing/2014/main" xmlns="" id="{CC2FBAD9-0DAC-475C-84AF-B8C4D7F7CD36}"/>
               </a:ext>
             </a:extLst>
           </p:cNvPr>
@@ -4631,7 +4631,7 @@
           <p:cNvPr id="1017" name="Прямая со стрелкой 1016">
             <a:extLst>
               <a:ext uri="{FF2B5EF4-FFF2-40B4-BE49-F238E27FC236}">
-                <a16:creationId xmlns="" xmlns:a16="http://schemas.microsoft.com/office/drawing/2014/main" id="{7F5BA024-9E61-46B2-B19B-838E6AB850FD}"/>
+                <a16:creationId xmlns:a16="http://schemas.microsoft.com/office/drawing/2014/main" xmlns="" id="{7F5BA024-9E61-46B2-B19B-838E6AB850FD}"/>
               </a:ext>
             </a:extLst>
           </p:cNvPr>
@@ -4674,7 +4674,7 @@
           <p:cNvPr id="1019" name="Прямая со стрелкой 1018">
             <a:extLst>
               <a:ext uri="{FF2B5EF4-FFF2-40B4-BE49-F238E27FC236}">
-                <a16:creationId xmlns="" xmlns:a16="http://schemas.microsoft.com/office/drawing/2014/main" id="{59266080-AC10-42CA-B68E-CEDF802FA3D3}"/>
+                <a16:creationId xmlns:a16="http://schemas.microsoft.com/office/drawing/2014/main" xmlns="" id="{59266080-AC10-42CA-B68E-CEDF802FA3D3}"/>
               </a:ext>
             </a:extLst>
           </p:cNvPr>
@@ -4718,7 +4718,7 @@
           <p:cNvPr id="1020" name="Соединительная линия уступом 903">
             <a:extLst>
               <a:ext uri="{FF2B5EF4-FFF2-40B4-BE49-F238E27FC236}">
-                <a16:creationId xmlns="" xmlns:a16="http://schemas.microsoft.com/office/drawing/2014/main" id="{62E8E398-7627-44D2-9D70-5C4E18D9492C}"/>
+                <a16:creationId xmlns:a16="http://schemas.microsoft.com/office/drawing/2014/main" xmlns="" id="{62E8E398-7627-44D2-9D70-5C4E18D9492C}"/>
               </a:ext>
             </a:extLst>
           </p:cNvPr>
@@ -4764,7 +4764,7 @@
           <p:cNvPr id="1021" name="Соединительная линия уступом 903">
             <a:extLst>
               <a:ext uri="{FF2B5EF4-FFF2-40B4-BE49-F238E27FC236}">
-                <a16:creationId xmlns="" xmlns:a16="http://schemas.microsoft.com/office/drawing/2014/main" id="{BDC7F8CB-0052-4FAE-993D-F1332955CF43}"/>
+                <a16:creationId xmlns:a16="http://schemas.microsoft.com/office/drawing/2014/main" xmlns="" id="{BDC7F8CB-0052-4FAE-993D-F1332955CF43}"/>
               </a:ext>
             </a:extLst>
           </p:cNvPr>
@@ -4810,7 +4810,7 @@
           <p:cNvPr id="34" name="Прямоугольник 33">
             <a:extLst>
               <a:ext uri="{FF2B5EF4-FFF2-40B4-BE49-F238E27FC236}">
-                <a16:creationId xmlns="" xmlns:a16="http://schemas.microsoft.com/office/drawing/2014/main" id="{59ACB422-97FE-4024-8EC7-A17F82AC2F7B}"/>
+                <a16:creationId xmlns:a16="http://schemas.microsoft.com/office/drawing/2014/main" xmlns="" id="{59ACB422-97FE-4024-8EC7-A17F82AC2F7B}"/>
               </a:ext>
             </a:extLst>
           </p:cNvPr>
@@ -4860,7 +4860,7 @@
           <p:cNvPr id="35" name="Прямоугольник 34">
             <a:extLst>
               <a:ext uri="{FF2B5EF4-FFF2-40B4-BE49-F238E27FC236}">
-                <a16:creationId xmlns="" xmlns:a16="http://schemas.microsoft.com/office/drawing/2014/main" id="{8F6B01E8-2051-4659-A9F2-6CCFEACACA21}"/>
+                <a16:creationId xmlns:a16="http://schemas.microsoft.com/office/drawing/2014/main" xmlns="" id="{8F6B01E8-2051-4659-A9F2-6CCFEACACA21}"/>
               </a:ext>
             </a:extLst>
           </p:cNvPr>
@@ -4910,7 +4910,7 @@
           <p:cNvPr id="36" name="Прямоугольник 35">
             <a:extLst>
               <a:ext uri="{FF2B5EF4-FFF2-40B4-BE49-F238E27FC236}">
-                <a16:creationId xmlns="" xmlns:a16="http://schemas.microsoft.com/office/drawing/2014/main" id="{9367D27D-AEBB-46B0-A932-DCEBE1910C36}"/>
+                <a16:creationId xmlns:a16="http://schemas.microsoft.com/office/drawing/2014/main" xmlns="" id="{9367D27D-AEBB-46B0-A932-DCEBE1910C36}"/>
               </a:ext>
             </a:extLst>
           </p:cNvPr>
@@ -4960,7 +4960,7 @@
           <p:cNvPr id="37" name="Прямоугольник 36">
             <a:extLst>
               <a:ext uri="{FF2B5EF4-FFF2-40B4-BE49-F238E27FC236}">
-                <a16:creationId xmlns="" xmlns:a16="http://schemas.microsoft.com/office/drawing/2014/main" id="{97D21FA9-0A99-4302-9C8A-886C2A95D444}"/>
+                <a16:creationId xmlns:a16="http://schemas.microsoft.com/office/drawing/2014/main" xmlns="" id="{97D21FA9-0A99-4302-9C8A-886C2A95D444}"/>
               </a:ext>
             </a:extLst>
           </p:cNvPr>
@@ -5018,7 +5018,7 @@
           <p:cNvPr id="38" name="Прямоугольник 37">
             <a:extLst>
               <a:ext uri="{FF2B5EF4-FFF2-40B4-BE49-F238E27FC236}">
-                <a16:creationId xmlns="" xmlns:a16="http://schemas.microsoft.com/office/drawing/2014/main" id="{9C02A14C-DE5F-49AD-A4EE-A27966D0EFDC}"/>
+                <a16:creationId xmlns:a16="http://schemas.microsoft.com/office/drawing/2014/main" xmlns="" id="{9C02A14C-DE5F-49AD-A4EE-A27966D0EFDC}"/>
               </a:ext>
             </a:extLst>
           </p:cNvPr>
@@ -5080,7 +5080,7 @@
           <p:cNvPr id="39" name="Прямоугольник 38">
             <a:extLst>
               <a:ext uri="{FF2B5EF4-FFF2-40B4-BE49-F238E27FC236}">
-                <a16:creationId xmlns="" xmlns:a16="http://schemas.microsoft.com/office/drawing/2014/main" id="{CCC56779-6173-48FC-B7E9-574156FA22BE}"/>
+                <a16:creationId xmlns:a16="http://schemas.microsoft.com/office/drawing/2014/main" xmlns="" id="{CCC56779-6173-48FC-B7E9-574156FA22BE}"/>
               </a:ext>
             </a:extLst>
           </p:cNvPr>
@@ -5142,7 +5142,7 @@
           <p:cNvPr id="42" name="Прямоугольник 41">
             <a:extLst>
               <a:ext uri="{FF2B5EF4-FFF2-40B4-BE49-F238E27FC236}">
-                <a16:creationId xmlns="" xmlns:a16="http://schemas.microsoft.com/office/drawing/2014/main" id="{03F7D570-4EE1-495E-9294-D367F2E7763E}"/>
+                <a16:creationId xmlns:a16="http://schemas.microsoft.com/office/drawing/2014/main" xmlns="" id="{03F7D570-4EE1-495E-9294-D367F2E7763E}"/>
               </a:ext>
             </a:extLst>
           </p:cNvPr>
@@ -5192,7 +5192,7 @@
           <p:cNvPr id="43" name="Прямоугольник 42">
             <a:extLst>
               <a:ext uri="{FF2B5EF4-FFF2-40B4-BE49-F238E27FC236}">
-                <a16:creationId xmlns="" xmlns:a16="http://schemas.microsoft.com/office/drawing/2014/main" id="{5858A8E5-3EFA-419C-99B9-6773CA7E1501}"/>
+                <a16:creationId xmlns:a16="http://schemas.microsoft.com/office/drawing/2014/main" xmlns="" id="{5858A8E5-3EFA-419C-99B9-6773CA7E1501}"/>
               </a:ext>
             </a:extLst>
           </p:cNvPr>
@@ -5246,7 +5246,7 @@
           <p:cNvPr id="45" name="Прямоугольник 44">
             <a:extLst>
               <a:ext uri="{FF2B5EF4-FFF2-40B4-BE49-F238E27FC236}">
-                <a16:creationId xmlns="" xmlns:a16="http://schemas.microsoft.com/office/drawing/2014/main" id="{29CBE310-5100-413A-B4C1-EA4E28F411B1}"/>
+                <a16:creationId xmlns:a16="http://schemas.microsoft.com/office/drawing/2014/main" xmlns="" id="{29CBE310-5100-413A-B4C1-EA4E28F411B1}"/>
               </a:ext>
             </a:extLst>
           </p:cNvPr>
@@ -5296,7 +5296,7 @@
           <p:cNvPr id="47" name="Прямоугольник 46">
             <a:extLst>
               <a:ext uri="{FF2B5EF4-FFF2-40B4-BE49-F238E27FC236}">
-                <a16:creationId xmlns="" xmlns:a16="http://schemas.microsoft.com/office/drawing/2014/main" id="{1163C105-465F-453D-9A47-C92FC2A2CB52}"/>
+                <a16:creationId xmlns:a16="http://schemas.microsoft.com/office/drawing/2014/main" xmlns="" id="{1163C105-465F-453D-9A47-C92FC2A2CB52}"/>
               </a:ext>
             </a:extLst>
           </p:cNvPr>
@@ -5350,7 +5350,7 @@
           <p:cNvPr id="48" name="Прямоугольник 47">
             <a:extLst>
               <a:ext uri="{FF2B5EF4-FFF2-40B4-BE49-F238E27FC236}">
-                <a16:creationId xmlns="" xmlns:a16="http://schemas.microsoft.com/office/drawing/2014/main" id="{D53819E8-2FF6-4FFA-A7E4-75D55AADB8B5}"/>
+                <a16:creationId xmlns:a16="http://schemas.microsoft.com/office/drawing/2014/main" xmlns="" id="{D53819E8-2FF6-4FFA-A7E4-75D55AADB8B5}"/>
               </a:ext>
             </a:extLst>
           </p:cNvPr>
@@ -5400,7 +5400,7 @@
           <p:cNvPr id="49" name="Прямоугольник 48">
             <a:extLst>
               <a:ext uri="{FF2B5EF4-FFF2-40B4-BE49-F238E27FC236}">
-                <a16:creationId xmlns="" xmlns:a16="http://schemas.microsoft.com/office/drawing/2014/main" id="{F9117D70-446E-4EA7-820C-5F0C5AE4BB1B}"/>
+                <a16:creationId xmlns:a16="http://schemas.microsoft.com/office/drawing/2014/main" xmlns="" id="{F9117D70-446E-4EA7-820C-5F0C5AE4BB1B}"/>
               </a:ext>
             </a:extLst>
           </p:cNvPr>
@@ -5454,7 +5454,7 @@
           <p:cNvPr id="50" name="Прямоугольник 49">
             <a:extLst>
               <a:ext uri="{FF2B5EF4-FFF2-40B4-BE49-F238E27FC236}">
-                <a16:creationId xmlns="" xmlns:a16="http://schemas.microsoft.com/office/drawing/2014/main" id="{357E437B-3536-45BE-A3D0-3F539D983768}"/>
+                <a16:creationId xmlns:a16="http://schemas.microsoft.com/office/drawing/2014/main" xmlns="" id="{357E437B-3536-45BE-A3D0-3F539D983768}"/>
               </a:ext>
             </a:extLst>
           </p:cNvPr>
@@ -5508,7 +5508,7 @@
           <p:cNvPr id="51" name="Прямая со стрелкой 50">
             <a:extLst>
               <a:ext uri="{FF2B5EF4-FFF2-40B4-BE49-F238E27FC236}">
-                <a16:creationId xmlns="" xmlns:a16="http://schemas.microsoft.com/office/drawing/2014/main" id="{F822F6CB-0335-40A1-921A-29544F834AD9}"/>
+                <a16:creationId xmlns:a16="http://schemas.microsoft.com/office/drawing/2014/main" xmlns="" id="{F822F6CB-0335-40A1-921A-29544F834AD9}"/>
               </a:ext>
             </a:extLst>
           </p:cNvPr>
@@ -5551,7 +5551,7 @@
           <p:cNvPr id="52" name="Прямая со стрелкой 51">
             <a:extLst>
               <a:ext uri="{FF2B5EF4-FFF2-40B4-BE49-F238E27FC236}">
-                <a16:creationId xmlns="" xmlns:a16="http://schemas.microsoft.com/office/drawing/2014/main" id="{5BCAF6D7-5BA1-4C42-82B8-95F6B189B961}"/>
+                <a16:creationId xmlns:a16="http://schemas.microsoft.com/office/drawing/2014/main" xmlns="" id="{5BCAF6D7-5BA1-4C42-82B8-95F6B189B961}"/>
               </a:ext>
             </a:extLst>
           </p:cNvPr>
@@ -5594,7 +5594,7 @@
           <p:cNvPr id="55" name="Прямоугольник 54">
             <a:extLst>
               <a:ext uri="{FF2B5EF4-FFF2-40B4-BE49-F238E27FC236}">
-                <a16:creationId xmlns="" xmlns:a16="http://schemas.microsoft.com/office/drawing/2014/main" id="{59913842-712E-4C78-8382-3186E11F9969}"/>
+                <a16:creationId xmlns:a16="http://schemas.microsoft.com/office/drawing/2014/main" xmlns="" id="{59913842-712E-4C78-8382-3186E11F9969}"/>
               </a:ext>
             </a:extLst>
           </p:cNvPr>
@@ -5652,7 +5652,7 @@
           <p:cNvPr id="56" name="Прямоугольник 55">
             <a:extLst>
               <a:ext uri="{FF2B5EF4-FFF2-40B4-BE49-F238E27FC236}">
-                <a16:creationId xmlns="" xmlns:a16="http://schemas.microsoft.com/office/drawing/2014/main" id="{6C5218F4-B4FE-4973-B0D1-795F69898B06}"/>
+                <a16:creationId xmlns:a16="http://schemas.microsoft.com/office/drawing/2014/main" xmlns="" id="{6C5218F4-B4FE-4973-B0D1-795F69898B06}"/>
               </a:ext>
             </a:extLst>
           </p:cNvPr>
@@ -5707,7 +5707,7 @@
           <p:cNvPr id="59" name="Соединительная линия уступом 903">
             <a:extLst>
               <a:ext uri="{FF2B5EF4-FFF2-40B4-BE49-F238E27FC236}">
-                <a16:creationId xmlns="" xmlns:a16="http://schemas.microsoft.com/office/drawing/2014/main" id="{109A067E-CE15-4E03-9773-91E0273879C6}"/>
+                <a16:creationId xmlns:a16="http://schemas.microsoft.com/office/drawing/2014/main" xmlns="" id="{109A067E-CE15-4E03-9773-91E0273879C6}"/>
               </a:ext>
             </a:extLst>
           </p:cNvPr>
@@ -5753,7 +5753,7 @@
           <p:cNvPr id="62" name="Соединительная линия уступом 903">
             <a:extLst>
               <a:ext uri="{FF2B5EF4-FFF2-40B4-BE49-F238E27FC236}">
-                <a16:creationId xmlns="" xmlns:a16="http://schemas.microsoft.com/office/drawing/2014/main" id="{6C07AA97-4525-4DE7-ADCC-04D2CBE84DB2}"/>
+                <a16:creationId xmlns:a16="http://schemas.microsoft.com/office/drawing/2014/main" xmlns="" id="{6C07AA97-4525-4DE7-ADCC-04D2CBE84DB2}"/>
               </a:ext>
             </a:extLst>
           </p:cNvPr>
@@ -5799,7 +5799,7 @@
           <p:cNvPr id="65" name="Соединительная линия уступом 903">
             <a:extLst>
               <a:ext uri="{FF2B5EF4-FFF2-40B4-BE49-F238E27FC236}">
-                <a16:creationId xmlns="" xmlns:a16="http://schemas.microsoft.com/office/drawing/2014/main" id="{43EDEE73-8E0A-4B11-A556-528A0A52CC3F}"/>
+                <a16:creationId xmlns:a16="http://schemas.microsoft.com/office/drawing/2014/main" xmlns="" id="{43EDEE73-8E0A-4B11-A556-528A0A52CC3F}"/>
               </a:ext>
             </a:extLst>
           </p:cNvPr>
@@ -5845,7 +5845,7 @@
           <p:cNvPr id="68" name="Соединительная линия уступом 903">
             <a:extLst>
               <a:ext uri="{FF2B5EF4-FFF2-40B4-BE49-F238E27FC236}">
-                <a16:creationId xmlns="" xmlns:a16="http://schemas.microsoft.com/office/drawing/2014/main" id="{59D2BA6A-BD9D-4F57-A305-E873010A82F4}"/>
+                <a16:creationId xmlns:a16="http://schemas.microsoft.com/office/drawing/2014/main" xmlns="" id="{59D2BA6A-BD9D-4F57-A305-E873010A82F4}"/>
               </a:ext>
             </a:extLst>
           </p:cNvPr>
@@ -5891,7 +5891,7 @@
           <p:cNvPr id="71" name="Соединительная линия уступом 903">
             <a:extLst>
               <a:ext uri="{FF2B5EF4-FFF2-40B4-BE49-F238E27FC236}">
-                <a16:creationId xmlns="" xmlns:a16="http://schemas.microsoft.com/office/drawing/2014/main" id="{00B11476-6764-4576-A5AA-307DE0B54FA8}"/>
+                <a16:creationId xmlns:a16="http://schemas.microsoft.com/office/drawing/2014/main" xmlns="" id="{00B11476-6764-4576-A5AA-307DE0B54FA8}"/>
               </a:ext>
             </a:extLst>
           </p:cNvPr>
@@ -5937,7 +5937,7 @@
           <p:cNvPr id="74" name="Соединительная линия уступом 903">
             <a:extLst>
               <a:ext uri="{FF2B5EF4-FFF2-40B4-BE49-F238E27FC236}">
-                <a16:creationId xmlns="" xmlns:a16="http://schemas.microsoft.com/office/drawing/2014/main" id="{F1EE0CAA-C3CE-4369-8DB1-59C2A23436F1}"/>
+                <a16:creationId xmlns:a16="http://schemas.microsoft.com/office/drawing/2014/main" xmlns="" id="{F1EE0CAA-C3CE-4369-8DB1-59C2A23436F1}"/>
               </a:ext>
             </a:extLst>
           </p:cNvPr>
@@ -5983,7 +5983,7 @@
           <p:cNvPr id="77" name="Прямоугольник 76">
             <a:extLst>
               <a:ext uri="{FF2B5EF4-FFF2-40B4-BE49-F238E27FC236}">
-                <a16:creationId xmlns="" xmlns:a16="http://schemas.microsoft.com/office/drawing/2014/main" id="{F492B8D6-39F0-4D20-92A4-58A3AE1323E7}"/>
+                <a16:creationId xmlns:a16="http://schemas.microsoft.com/office/drawing/2014/main" xmlns="" id="{F492B8D6-39F0-4D20-92A4-58A3AE1323E7}"/>
               </a:ext>
             </a:extLst>
           </p:cNvPr>
@@ -6041,7 +6041,7 @@
           <p:cNvPr id="78" name="Прямоугольник 77">
             <a:extLst>
               <a:ext uri="{FF2B5EF4-FFF2-40B4-BE49-F238E27FC236}">
-                <a16:creationId xmlns="" xmlns:a16="http://schemas.microsoft.com/office/drawing/2014/main" id="{AE8DBF0B-DB9F-42C3-8B1F-A688891403FA}"/>
+                <a16:creationId xmlns:a16="http://schemas.microsoft.com/office/drawing/2014/main" xmlns="" id="{AE8DBF0B-DB9F-42C3-8B1F-A688891403FA}"/>
               </a:ext>
             </a:extLst>
           </p:cNvPr>
@@ -6099,7 +6099,7 @@
           <p:cNvPr id="80" name="Прямоугольник 79">
             <a:extLst>
               <a:ext uri="{FF2B5EF4-FFF2-40B4-BE49-F238E27FC236}">
-                <a16:creationId xmlns="" xmlns:a16="http://schemas.microsoft.com/office/drawing/2014/main" id="{51DDA96E-A685-43FC-845D-8C9265EE929A}"/>
+                <a16:creationId xmlns:a16="http://schemas.microsoft.com/office/drawing/2014/main" xmlns="" id="{51DDA96E-A685-43FC-845D-8C9265EE929A}"/>
               </a:ext>
             </a:extLst>
           </p:cNvPr>
@@ -6151,7 +6151,7 @@
           <p:cNvPr id="81" name="Прямоугольник 80">
             <a:extLst>
               <a:ext uri="{FF2B5EF4-FFF2-40B4-BE49-F238E27FC236}">
-                <a16:creationId xmlns="" xmlns:a16="http://schemas.microsoft.com/office/drawing/2014/main" id="{FC846415-2760-43A4-A1A1-795C4968509B}"/>
+                <a16:creationId xmlns:a16="http://schemas.microsoft.com/office/drawing/2014/main" xmlns="" id="{FC846415-2760-43A4-A1A1-795C4968509B}"/>
               </a:ext>
             </a:extLst>
           </p:cNvPr>
@@ -6203,7 +6203,7 @@
           <p:cNvPr id="82" name="Прямоугольник 81">
             <a:extLst>
               <a:ext uri="{FF2B5EF4-FFF2-40B4-BE49-F238E27FC236}">
-                <a16:creationId xmlns="" xmlns:a16="http://schemas.microsoft.com/office/drawing/2014/main" id="{BF5DE4AD-D7D4-4C86-9704-BFA8884FD2C7}"/>
+                <a16:creationId xmlns:a16="http://schemas.microsoft.com/office/drawing/2014/main" xmlns="" id="{BF5DE4AD-D7D4-4C86-9704-BFA8884FD2C7}"/>
               </a:ext>
             </a:extLst>
           </p:cNvPr>
@@ -6255,7 +6255,7 @@
           <p:cNvPr id="83" name="Прямоугольник 82">
             <a:extLst>
               <a:ext uri="{FF2B5EF4-FFF2-40B4-BE49-F238E27FC236}">
-                <a16:creationId xmlns="" xmlns:a16="http://schemas.microsoft.com/office/drawing/2014/main" id="{FFDF3200-07AF-4F88-9AFA-E895A9EB463F}"/>
+                <a16:creationId xmlns:a16="http://schemas.microsoft.com/office/drawing/2014/main" xmlns="" id="{FFDF3200-07AF-4F88-9AFA-E895A9EB463F}"/>
               </a:ext>
             </a:extLst>
           </p:cNvPr>
@@ -6296,7 +6296,7 @@
             <a:pPr algn="ctr"/>
             <a:r>
               <a:rPr lang="ru-RU" sz="700" dirty="0" smtClean="0"/>
-              <a:t>Социализация сельскохозяйственных предприятий</a:t>
+              <a:t>Устранить оппозицию в партии</a:t>
             </a:r>
             <a:endParaRPr lang="ru-RU" sz="400" dirty="0"/>
           </a:p>
@@ -6307,7 +6307,7 @@
           <p:cNvPr id="84" name="Прямоугольник 83">
             <a:extLst>
               <a:ext uri="{FF2B5EF4-FFF2-40B4-BE49-F238E27FC236}">
-                <a16:creationId xmlns="" xmlns:a16="http://schemas.microsoft.com/office/drawing/2014/main" id="{CA07F76D-4941-4BBE-8B5A-F0348C4D0FB6}"/>
+                <a16:creationId xmlns:a16="http://schemas.microsoft.com/office/drawing/2014/main" xmlns="" id="{CA07F76D-4941-4BBE-8B5A-F0348C4D0FB6}"/>
               </a:ext>
             </a:extLst>
           </p:cNvPr>
@@ -6359,7 +6359,7 @@
           <p:cNvPr id="85" name="Прямоугольник 84">
             <a:extLst>
               <a:ext uri="{FF2B5EF4-FFF2-40B4-BE49-F238E27FC236}">
-                <a16:creationId xmlns="" xmlns:a16="http://schemas.microsoft.com/office/drawing/2014/main" id="{B4C6B690-1886-4211-AFBE-6C0A99C1C73F}"/>
+                <a16:creationId xmlns:a16="http://schemas.microsoft.com/office/drawing/2014/main" xmlns="" id="{B4C6B690-1886-4211-AFBE-6C0A99C1C73F}"/>
               </a:ext>
             </a:extLst>
           </p:cNvPr>
@@ -6421,7 +6421,7 @@
           <p:cNvPr id="86" name="Прямоугольник 85">
             <a:extLst>
               <a:ext uri="{FF2B5EF4-FFF2-40B4-BE49-F238E27FC236}">
-                <a16:creationId xmlns="" xmlns:a16="http://schemas.microsoft.com/office/drawing/2014/main" id="{D4D526C2-9053-416E-9EDD-C32F7B959DFA}"/>
+                <a16:creationId xmlns:a16="http://schemas.microsoft.com/office/drawing/2014/main" xmlns="" id="{D4D526C2-9053-416E-9EDD-C32F7B959DFA}"/>
               </a:ext>
             </a:extLst>
           </p:cNvPr>
@@ -6473,7 +6473,7 @@
           <p:cNvPr id="87" name="Прямоугольник 86">
             <a:extLst>
               <a:ext uri="{FF2B5EF4-FFF2-40B4-BE49-F238E27FC236}">
-                <a16:creationId xmlns="" xmlns:a16="http://schemas.microsoft.com/office/drawing/2014/main" id="{05781F45-96BD-4772-A7F8-D0C0E48CF0C4}"/>
+                <a16:creationId xmlns:a16="http://schemas.microsoft.com/office/drawing/2014/main" xmlns="" id="{05781F45-96BD-4772-A7F8-D0C0E48CF0C4}"/>
               </a:ext>
             </a:extLst>
           </p:cNvPr>
@@ -6514,11 +6514,11 @@
             <a:pPr algn="ctr"/>
             <a:r>
               <a:rPr lang="ru-RU" sz="700" dirty="0"/>
-              <a:t>Государство рабочих </a:t>
-            </a:r>
-            <a:r>
-              <a:rPr lang="ru-RU" sz="300" dirty="0"/>
-              <a:t>(В программе НПТ говорилось, что «государство признает право на жизнь только тех, кто работает; кто не работает — тот не ест».)</a:t>
+              <a:t>Государство </a:t>
+            </a:r>
+            <a:r>
+              <a:rPr lang="ru-RU" sz="700" dirty="0" smtClean="0"/>
+              <a:t>рабочих</a:t>
             </a:r>
             <a:endParaRPr lang="ru-RU" sz="400" dirty="0"/>
           </a:p>
@@ -6529,7 +6529,7 @@
           <p:cNvPr id="89" name="Прямоугольник 88">
             <a:extLst>
               <a:ext uri="{FF2B5EF4-FFF2-40B4-BE49-F238E27FC236}">
-                <a16:creationId xmlns="" xmlns:a16="http://schemas.microsoft.com/office/drawing/2014/main" id="{F33E5A38-0B16-4D37-89E1-19C913A5BC13}"/>
+                <a16:creationId xmlns:a16="http://schemas.microsoft.com/office/drawing/2014/main" xmlns="" id="{F33E5A38-0B16-4D37-89E1-19C913A5BC13}"/>
               </a:ext>
             </a:extLst>
           </p:cNvPr>
@@ -6587,7 +6587,7 @@
           <p:cNvPr id="90" name="Прямоугольник 89">
             <a:extLst>
               <a:ext uri="{FF2B5EF4-FFF2-40B4-BE49-F238E27FC236}">
-                <a16:creationId xmlns="" xmlns:a16="http://schemas.microsoft.com/office/drawing/2014/main" id="{8C2287E1-C065-4042-BB84-91F0CF7A3A74}"/>
+                <a16:creationId xmlns:a16="http://schemas.microsoft.com/office/drawing/2014/main" xmlns="" id="{8C2287E1-C065-4042-BB84-91F0CF7A3A74}"/>
               </a:ext>
             </a:extLst>
           </p:cNvPr>
@@ -6645,7 +6645,7 @@
           <p:cNvPr id="91" name="Прямоугольник 90">
             <a:extLst>
               <a:ext uri="{FF2B5EF4-FFF2-40B4-BE49-F238E27FC236}">
-                <a16:creationId xmlns="" xmlns:a16="http://schemas.microsoft.com/office/drawing/2014/main" id="{58596D98-69F8-48F5-B5AF-D2569C87ECDC}"/>
+                <a16:creationId xmlns:a16="http://schemas.microsoft.com/office/drawing/2014/main" xmlns="" id="{58596D98-69F8-48F5-B5AF-D2569C87ECDC}"/>
               </a:ext>
             </a:extLst>
           </p:cNvPr>
@@ -6703,7 +6703,7 @@
           <p:cNvPr id="92" name="Прямоугольник 91">
             <a:extLst>
               <a:ext uri="{FF2B5EF4-FFF2-40B4-BE49-F238E27FC236}">
-                <a16:creationId xmlns="" xmlns:a16="http://schemas.microsoft.com/office/drawing/2014/main" id="{A0E90C58-DFD9-4550-AC8D-DED87F819668}"/>
+                <a16:creationId xmlns:a16="http://schemas.microsoft.com/office/drawing/2014/main" xmlns="" id="{A0E90C58-DFD9-4550-AC8D-DED87F819668}"/>
               </a:ext>
             </a:extLst>
           </p:cNvPr>
@@ -6777,7 +6777,7 @@
           <p:cNvPr id="93" name="Прямоугольник 92">
             <a:extLst>
               <a:ext uri="{FF2B5EF4-FFF2-40B4-BE49-F238E27FC236}">
-                <a16:creationId xmlns="" xmlns:a16="http://schemas.microsoft.com/office/drawing/2014/main" id="{905EFC66-02B2-49ED-A696-FAEF4A1D6416}"/>
+                <a16:creationId xmlns:a16="http://schemas.microsoft.com/office/drawing/2014/main" xmlns="" id="{905EFC66-02B2-49ED-A696-FAEF4A1D6416}"/>
               </a:ext>
             </a:extLst>
           </p:cNvPr>
@@ -6847,7 +6847,7 @@
           <p:cNvPr id="94" name="Прямоугольник 93">
             <a:extLst>
               <a:ext uri="{FF2B5EF4-FFF2-40B4-BE49-F238E27FC236}">
-                <a16:creationId xmlns="" xmlns:a16="http://schemas.microsoft.com/office/drawing/2014/main" id="{9261C47C-5EE1-4F56-8101-3DF5265766CF}"/>
+                <a16:creationId xmlns:a16="http://schemas.microsoft.com/office/drawing/2014/main" xmlns="" id="{9261C47C-5EE1-4F56-8101-3DF5265766CF}"/>
               </a:ext>
             </a:extLst>
           </p:cNvPr>
@@ -6909,7 +6909,7 @@
           <p:cNvPr id="95" name="Прямоугольник 94">
             <a:extLst>
               <a:ext uri="{FF2B5EF4-FFF2-40B4-BE49-F238E27FC236}">
-                <a16:creationId xmlns="" xmlns:a16="http://schemas.microsoft.com/office/drawing/2014/main" id="{C2DE2667-AAF6-4947-B73A-9F430C79018E}"/>
+                <a16:creationId xmlns:a16="http://schemas.microsoft.com/office/drawing/2014/main" xmlns="" id="{C2DE2667-AAF6-4947-B73A-9F430C79018E}"/>
               </a:ext>
             </a:extLst>
           </p:cNvPr>
@@ -6967,7 +6967,7 @@
           <p:cNvPr id="96" name="Прямоугольник 95">
             <a:extLst>
               <a:ext uri="{FF2B5EF4-FFF2-40B4-BE49-F238E27FC236}">
-                <a16:creationId xmlns="" xmlns:a16="http://schemas.microsoft.com/office/drawing/2014/main" id="{F057BD5D-D5FA-4727-B502-9F95624798B4}"/>
+                <a16:creationId xmlns:a16="http://schemas.microsoft.com/office/drawing/2014/main" xmlns="" id="{F057BD5D-D5FA-4727-B502-9F95624798B4}"/>
               </a:ext>
             </a:extLst>
           </p:cNvPr>
@@ -7025,7 +7025,7 @@
           <p:cNvPr id="97" name="Прямоугольник 96">
             <a:extLst>
               <a:ext uri="{FF2B5EF4-FFF2-40B4-BE49-F238E27FC236}">
-                <a16:creationId xmlns="" xmlns:a16="http://schemas.microsoft.com/office/drawing/2014/main" id="{BE32C799-1429-4853-B5A8-AE3345E90D8D}"/>
+                <a16:creationId xmlns:a16="http://schemas.microsoft.com/office/drawing/2014/main" xmlns="" id="{BE32C799-1429-4853-B5A8-AE3345E90D8D}"/>
               </a:ext>
             </a:extLst>
           </p:cNvPr>
@@ -7090,7 +7090,7 @@
           <p:cNvPr id="98" name="Прямоугольник 97">
             <a:extLst>
               <a:ext uri="{FF2B5EF4-FFF2-40B4-BE49-F238E27FC236}">
-                <a16:creationId xmlns="" xmlns:a16="http://schemas.microsoft.com/office/drawing/2014/main" id="{21F111C9-B52C-460E-AD39-A8B9F798CB25}"/>
+                <a16:creationId xmlns:a16="http://schemas.microsoft.com/office/drawing/2014/main" xmlns="" id="{21F111C9-B52C-460E-AD39-A8B9F798CB25}"/>
               </a:ext>
             </a:extLst>
           </p:cNvPr>
@@ -7155,7 +7155,7 @@
           <p:cNvPr id="99" name="Прямоугольник 98">
             <a:extLst>
               <a:ext uri="{FF2B5EF4-FFF2-40B4-BE49-F238E27FC236}">
-                <a16:creationId xmlns="" xmlns:a16="http://schemas.microsoft.com/office/drawing/2014/main" id="{3CDEA90A-403D-44E8-BD63-5F728A857464}"/>
+                <a16:creationId xmlns:a16="http://schemas.microsoft.com/office/drawing/2014/main" xmlns="" id="{3CDEA90A-403D-44E8-BD63-5F728A857464}"/>
               </a:ext>
             </a:extLst>
           </p:cNvPr>
@@ -7224,7 +7224,7 @@
           <p:cNvPr id="100" name="Прямоугольник 99">
             <a:extLst>
               <a:ext uri="{FF2B5EF4-FFF2-40B4-BE49-F238E27FC236}">
-                <a16:creationId xmlns="" xmlns:a16="http://schemas.microsoft.com/office/drawing/2014/main" id="{8B70D98A-AAC5-4F3D-938D-F15D11AC9F90}"/>
+                <a16:creationId xmlns:a16="http://schemas.microsoft.com/office/drawing/2014/main" xmlns="" id="{8B70D98A-AAC5-4F3D-938D-F15D11AC9F90}"/>
               </a:ext>
             </a:extLst>
           </p:cNvPr>
@@ -7293,7 +7293,7 @@
           <p:cNvPr id="101" name="Прямоугольник 100">
             <a:extLst>
               <a:ext uri="{FF2B5EF4-FFF2-40B4-BE49-F238E27FC236}">
-                <a16:creationId xmlns="" xmlns:a16="http://schemas.microsoft.com/office/drawing/2014/main" id="{F402EBBD-5722-48B1-9BBA-587E5C4DFB4D}"/>
+                <a16:creationId xmlns:a16="http://schemas.microsoft.com/office/drawing/2014/main" xmlns="" id="{F402EBBD-5722-48B1-9BBA-587E5C4DFB4D}"/>
               </a:ext>
             </a:extLst>
           </p:cNvPr>
@@ -7362,7 +7362,7 @@
           <p:cNvPr id="102" name="Прямоугольник 101">
             <a:extLst>
               <a:ext uri="{FF2B5EF4-FFF2-40B4-BE49-F238E27FC236}">
-                <a16:creationId xmlns="" xmlns:a16="http://schemas.microsoft.com/office/drawing/2014/main" id="{62E65D83-9718-4B14-AFE2-F1D04B420F81}"/>
+                <a16:creationId xmlns:a16="http://schemas.microsoft.com/office/drawing/2014/main" xmlns="" id="{62E65D83-9718-4B14-AFE2-F1D04B420F81}"/>
               </a:ext>
             </a:extLst>
           </p:cNvPr>
@@ -7371,7 +7371,7 @@
         </p:nvSpPr>
         <p:spPr>
           <a:xfrm>
-            <a:off x="7208129" y="9944843"/>
+            <a:off x="7126043" y="9943981"/>
             <a:ext cx="926325" cy="540000"/>
           </a:xfrm>
           <a:prstGeom prst="rect">
@@ -7431,7 +7431,7 @@
           <p:cNvPr id="103" name="Прямоугольник 102">
             <a:extLst>
               <a:ext uri="{FF2B5EF4-FFF2-40B4-BE49-F238E27FC236}">
-                <a16:creationId xmlns="" xmlns:a16="http://schemas.microsoft.com/office/drawing/2014/main" id="{C6BDA37E-3E81-4B99-A54A-C631250D3A33}"/>
+                <a16:creationId xmlns:a16="http://schemas.microsoft.com/office/drawing/2014/main" xmlns="" id="{C6BDA37E-3E81-4B99-A54A-C631250D3A33}"/>
               </a:ext>
             </a:extLst>
           </p:cNvPr>
@@ -7500,7 +7500,7 @@
           <p:cNvPr id="112" name="Прямоугольник 111">
             <a:extLst>
               <a:ext uri="{FF2B5EF4-FFF2-40B4-BE49-F238E27FC236}">
-                <a16:creationId xmlns="" xmlns:a16="http://schemas.microsoft.com/office/drawing/2014/main" id="{9B5A9C46-C31A-401D-9EBF-78AE38F570DF}"/>
+                <a16:creationId xmlns:a16="http://schemas.microsoft.com/office/drawing/2014/main" xmlns="" id="{9B5A9C46-C31A-401D-9EBF-78AE38F570DF}"/>
               </a:ext>
             </a:extLst>
           </p:cNvPr>
@@ -7573,7 +7573,7 @@
           <p:cNvPr id="117" name="Соединительная линия уступом 903">
             <a:extLst>
               <a:ext uri="{FF2B5EF4-FFF2-40B4-BE49-F238E27FC236}">
-                <a16:creationId xmlns="" xmlns:a16="http://schemas.microsoft.com/office/drawing/2014/main" id="{7F550792-EE6C-4B6F-B826-22E45DB79321}"/>
+                <a16:creationId xmlns:a16="http://schemas.microsoft.com/office/drawing/2014/main" xmlns="" id="{7F550792-EE6C-4B6F-B826-22E45DB79321}"/>
               </a:ext>
             </a:extLst>
           </p:cNvPr>
@@ -7619,7 +7619,7 @@
           <p:cNvPr id="120" name="Соединительная линия уступом 903">
             <a:extLst>
               <a:ext uri="{FF2B5EF4-FFF2-40B4-BE49-F238E27FC236}">
-                <a16:creationId xmlns="" xmlns:a16="http://schemas.microsoft.com/office/drawing/2014/main" id="{42BA63A1-F902-44BD-AEC4-6A00A7DD5215}"/>
+                <a16:creationId xmlns:a16="http://schemas.microsoft.com/office/drawing/2014/main" xmlns="" id="{42BA63A1-F902-44BD-AEC4-6A00A7DD5215}"/>
               </a:ext>
             </a:extLst>
           </p:cNvPr>
@@ -7665,7 +7665,7 @@
           <p:cNvPr id="123" name="Соединительная линия уступом 903">
             <a:extLst>
               <a:ext uri="{FF2B5EF4-FFF2-40B4-BE49-F238E27FC236}">
-                <a16:creationId xmlns="" xmlns:a16="http://schemas.microsoft.com/office/drawing/2014/main" id="{52CF7390-DEEA-4782-9037-6AAA2FAB1267}"/>
+                <a16:creationId xmlns:a16="http://schemas.microsoft.com/office/drawing/2014/main" xmlns="" id="{52CF7390-DEEA-4782-9037-6AAA2FAB1267}"/>
               </a:ext>
             </a:extLst>
           </p:cNvPr>
@@ -7710,7 +7710,7 @@
           <p:cNvPr id="128" name="Соединительная линия уступом 903">
             <a:extLst>
               <a:ext uri="{FF2B5EF4-FFF2-40B4-BE49-F238E27FC236}">
-                <a16:creationId xmlns="" xmlns:a16="http://schemas.microsoft.com/office/drawing/2014/main" id="{7A113AE3-4577-430A-BA26-EF4235023FFA}"/>
+                <a16:creationId xmlns:a16="http://schemas.microsoft.com/office/drawing/2014/main" xmlns="" id="{7A113AE3-4577-430A-BA26-EF4235023FFA}"/>
               </a:ext>
             </a:extLst>
           </p:cNvPr>
@@ -7755,7 +7755,7 @@
           <p:cNvPr id="131" name="Соединительная линия уступом 903">
             <a:extLst>
               <a:ext uri="{FF2B5EF4-FFF2-40B4-BE49-F238E27FC236}">
-                <a16:creationId xmlns="" xmlns:a16="http://schemas.microsoft.com/office/drawing/2014/main" id="{40147503-E638-42DF-A929-5C7B9F2B48B1}"/>
+                <a16:creationId xmlns:a16="http://schemas.microsoft.com/office/drawing/2014/main" xmlns="" id="{40147503-E638-42DF-A929-5C7B9F2B48B1}"/>
               </a:ext>
             </a:extLst>
           </p:cNvPr>
@@ -7800,7 +7800,7 @@
           <p:cNvPr id="134" name="Соединительная линия уступом 903">
             <a:extLst>
               <a:ext uri="{FF2B5EF4-FFF2-40B4-BE49-F238E27FC236}">
-                <a16:creationId xmlns="" xmlns:a16="http://schemas.microsoft.com/office/drawing/2014/main" id="{B109EAAA-04CC-455A-9A24-9F6792FBCCC4}"/>
+                <a16:creationId xmlns:a16="http://schemas.microsoft.com/office/drawing/2014/main" xmlns="" id="{B109EAAA-04CC-455A-9A24-9F6792FBCCC4}"/>
               </a:ext>
             </a:extLst>
           </p:cNvPr>
@@ -7813,12 +7813,12 @@
         </p:nvCxnSpPr>
         <p:spPr>
           <a:xfrm rot="5400000">
-            <a:off x="6798989" y="10660338"/>
-            <a:ext cx="1047798" cy="696809"/>
+            <a:off x="6757515" y="10700950"/>
+            <a:ext cx="1048660" cy="614723"/>
           </a:xfrm>
           <a:prstGeom prst="bentConnector3">
             <a:avLst>
-              <a:gd name="adj1" fmla="val 12426"/>
+              <a:gd name="adj1" fmla="val 12088"/>
             </a:avLst>
           </a:prstGeom>
           <a:ln w="19050">
@@ -7845,7 +7845,7 @@
           <p:cNvPr id="138" name="Соединительная линия уступом 903">
             <a:extLst>
               <a:ext uri="{FF2B5EF4-FFF2-40B4-BE49-F238E27FC236}">
-                <a16:creationId xmlns="" xmlns:a16="http://schemas.microsoft.com/office/drawing/2014/main" id="{BB75BD33-58E7-4B2D-9AE8-736000AF5996}"/>
+                <a16:creationId xmlns:a16="http://schemas.microsoft.com/office/drawing/2014/main" xmlns="" id="{BB75BD33-58E7-4B2D-9AE8-736000AF5996}"/>
               </a:ext>
             </a:extLst>
           </p:cNvPr>
@@ -7890,7 +7890,7 @@
           <p:cNvPr id="141" name="Прямая со стрелкой 140">
             <a:extLst>
               <a:ext uri="{FF2B5EF4-FFF2-40B4-BE49-F238E27FC236}">
-                <a16:creationId xmlns="" xmlns:a16="http://schemas.microsoft.com/office/drawing/2014/main" id="{F0204958-F3C4-46F5-A7B8-B2E525B442E3}"/>
+                <a16:creationId xmlns:a16="http://schemas.microsoft.com/office/drawing/2014/main" xmlns="" id="{F0204958-F3C4-46F5-A7B8-B2E525B442E3}"/>
               </a:ext>
             </a:extLst>
           </p:cNvPr>
@@ -7933,7 +7933,7 @@
           <p:cNvPr id="144" name="Соединительная линия уступом 903">
             <a:extLst>
               <a:ext uri="{FF2B5EF4-FFF2-40B4-BE49-F238E27FC236}">
-                <a16:creationId xmlns="" xmlns:a16="http://schemas.microsoft.com/office/drawing/2014/main" id="{5C748310-8A24-4A37-94AD-69E898DBB5BF}"/>
+                <a16:creationId xmlns:a16="http://schemas.microsoft.com/office/drawing/2014/main" xmlns="" id="{5C748310-8A24-4A37-94AD-69E898DBB5BF}"/>
               </a:ext>
             </a:extLst>
           </p:cNvPr>
@@ -7979,7 +7979,7 @@
           <p:cNvPr id="147" name="Соединительная линия уступом 903">
             <a:extLst>
               <a:ext uri="{FF2B5EF4-FFF2-40B4-BE49-F238E27FC236}">
-                <a16:creationId xmlns="" xmlns:a16="http://schemas.microsoft.com/office/drawing/2014/main" id="{6247459E-8D36-4B32-A142-C426692F0DC9}"/>
+                <a16:creationId xmlns:a16="http://schemas.microsoft.com/office/drawing/2014/main" xmlns="" id="{6247459E-8D36-4B32-A142-C426692F0DC9}"/>
               </a:ext>
             </a:extLst>
           </p:cNvPr>
@@ -8025,7 +8025,7 @@
           <p:cNvPr id="150" name="Соединительная линия уступом 903">
             <a:extLst>
               <a:ext uri="{FF2B5EF4-FFF2-40B4-BE49-F238E27FC236}">
-                <a16:creationId xmlns="" xmlns:a16="http://schemas.microsoft.com/office/drawing/2014/main" id="{B5229C84-1524-4F6C-8C6B-E4AA146420CD}"/>
+                <a16:creationId xmlns:a16="http://schemas.microsoft.com/office/drawing/2014/main" xmlns="" id="{B5229C84-1524-4F6C-8C6B-E4AA146420CD}"/>
               </a:ext>
             </a:extLst>
           </p:cNvPr>
@@ -8038,8 +8038,8 @@
         </p:nvCxnSpPr>
         <p:spPr>
           <a:xfrm rot="16200000" flipH="1">
-            <a:off x="6502209" y="8775760"/>
-            <a:ext cx="252030" cy="2086135"/>
+            <a:off x="6461597" y="8816372"/>
+            <a:ext cx="251168" cy="2004049"/>
           </a:xfrm>
           <a:prstGeom prst="bentConnector3">
             <a:avLst>
@@ -8071,7 +8071,7 @@
           <p:cNvPr id="153" name="Соединительная линия уступом 903">
             <a:extLst>
               <a:ext uri="{FF2B5EF4-FFF2-40B4-BE49-F238E27FC236}">
-                <a16:creationId xmlns="" xmlns:a16="http://schemas.microsoft.com/office/drawing/2014/main" id="{2D2CC445-D083-4638-B348-AE346D452DE8}"/>
+                <a16:creationId xmlns:a16="http://schemas.microsoft.com/office/drawing/2014/main" xmlns="" id="{2D2CC445-D083-4638-B348-AE346D452DE8}"/>
               </a:ext>
             </a:extLst>
           </p:cNvPr>
@@ -8084,8 +8084,8 @@
         </p:nvCxnSpPr>
         <p:spPr>
           <a:xfrm rot="16200000" flipH="1">
-            <a:off x="7197479" y="9471029"/>
-            <a:ext cx="254537" cy="693089"/>
+            <a:off x="7156867" y="9511641"/>
+            <a:ext cx="253675" cy="611003"/>
           </a:xfrm>
           <a:prstGeom prst="bentConnector3">
             <a:avLst>
@@ -8117,7 +8117,7 @@
           <p:cNvPr id="156" name="Прямоугольник 155">
             <a:extLst>
               <a:ext uri="{FF2B5EF4-FFF2-40B4-BE49-F238E27FC236}">
-                <a16:creationId xmlns="" xmlns:a16="http://schemas.microsoft.com/office/drawing/2014/main" id="{70F2E1EB-331E-413E-A7A7-863A2E76F5D1}"/>
+                <a16:creationId xmlns:a16="http://schemas.microsoft.com/office/drawing/2014/main" xmlns="" id="{70F2E1EB-331E-413E-A7A7-863A2E76F5D1}"/>
               </a:ext>
             </a:extLst>
           </p:cNvPr>
@@ -8175,7 +8175,7 @@
           <p:cNvPr id="158" name="Прямоугольник 157">
             <a:extLst>
               <a:ext uri="{FF2B5EF4-FFF2-40B4-BE49-F238E27FC236}">
-                <a16:creationId xmlns="" xmlns:a16="http://schemas.microsoft.com/office/drawing/2014/main" id="{39373D37-652A-432A-AF2C-81923E65FD74}"/>
+                <a16:creationId xmlns:a16="http://schemas.microsoft.com/office/drawing/2014/main" xmlns="" id="{39373D37-652A-432A-AF2C-81923E65FD74}"/>
               </a:ext>
             </a:extLst>
           </p:cNvPr>
@@ -8240,7 +8240,7 @@
           <p:cNvPr id="162" name="Прямоугольник 161">
             <a:extLst>
               <a:ext uri="{FF2B5EF4-FFF2-40B4-BE49-F238E27FC236}">
-                <a16:creationId xmlns="" xmlns:a16="http://schemas.microsoft.com/office/drawing/2014/main" id="{D21D4960-F203-4755-9FED-7CFC800F902A}"/>
+                <a16:creationId xmlns:a16="http://schemas.microsoft.com/office/drawing/2014/main" xmlns="" id="{D21D4960-F203-4755-9FED-7CFC800F902A}"/>
               </a:ext>
             </a:extLst>
           </p:cNvPr>
@@ -8250,6 +8250,60 @@
         <p:spPr>
           <a:xfrm>
             <a:off x="3026887" y="11532641"/>
+            <a:ext cx="926325" cy="540000"/>
+          </a:xfrm>
+          <a:prstGeom prst="rect">
+            <a:avLst/>
+          </a:prstGeom>
+          <a:solidFill>
+            <a:schemeClr val="accent2">
+              <a:lumMod val="75000"/>
+            </a:schemeClr>
+          </a:solidFill>
+          <a:ln w="19050"/>
+        </p:spPr>
+        <p:style>
+          <a:lnRef idx="2">
+            <a:schemeClr val="accent1"/>
+          </a:lnRef>
+          <a:fillRef idx="1">
+            <a:schemeClr val="lt1"/>
+          </a:fillRef>
+          <a:effectRef idx="0">
+            <a:schemeClr val="accent1"/>
+          </a:effectRef>
+          <a:fontRef idx="minor">
+            <a:schemeClr val="dk1"/>
+          </a:fontRef>
+        </p:style>
+        <p:txBody>
+          <a:bodyPr lIns="124733" tIns="62367" rIns="124733" bIns="62367" rtlCol="0" anchor="ctr"/>
+          <a:lstStyle/>
+          <a:p>
+            <a:pPr algn="ctr"/>
+            <a:r>
+              <a:rPr lang="ru-RU" sz="700" dirty="0" smtClean="0"/>
+              <a:t>Фашизация режима</a:t>
+            </a:r>
+            <a:endParaRPr lang="ru-RU" sz="400" dirty="0"/>
+          </a:p>
+        </p:txBody>
+      </p:sp>
+      <p:sp>
+        <p:nvSpPr>
+          <p:cNvPr id="163" name="Прямоугольник 162">
+            <a:extLst>
+              <a:ext uri="{FF2B5EF4-FFF2-40B4-BE49-F238E27FC236}">
+                <a16:creationId xmlns:a16="http://schemas.microsoft.com/office/drawing/2014/main" xmlns="" id="{BD849E57-A12E-42AE-AA12-4FB9BA687E1A}"/>
+              </a:ext>
+            </a:extLst>
+          </p:cNvPr>
+          <p:cNvSpPr/>
+          <p:nvPr/>
+        </p:nvSpPr>
+        <p:spPr>
+          <a:xfrm>
+            <a:off x="257739" y="12272494"/>
             <a:ext cx="926325" cy="540000"/>
           </a:xfrm>
           <a:prstGeom prst="rect">
@@ -8283,22 +8337,596 @@
             <a:pPr algn="ctr"/>
             <a:r>
               <a:rPr lang="ru-RU" sz="700" dirty="0"/>
-              <a:t>Вернуть </a:t>
-            </a:r>
-            <a:r>
-              <a:rPr lang="ru-RU" sz="700" dirty="0" err="1" smtClean="0"/>
-              <a:t>Гуанакасте</a:t>
+              <a:t>Закон о защите демократии (1941) </a:t>
+            </a:r>
+            <a:br>
+              <a:rPr lang="ru-RU" sz="700" dirty="0"/>
+            </a:br>
+            <a:r>
+              <a:rPr lang="ru-RU" sz="200" dirty="0" smtClean="0"/>
+              <a:t>(</a:t>
             </a:r>
             <a:endParaRPr lang="ru-RU" sz="400" dirty="0"/>
           </a:p>
         </p:txBody>
       </p:sp>
-      <p:sp>
-        <p:nvSpPr>
-          <p:cNvPr id="163" name="Прямоугольник 162">
-            <a:extLst>
-              <a:ext uri="{FF2B5EF4-FFF2-40B4-BE49-F238E27FC236}">
-                <a16:creationId xmlns="" xmlns:a16="http://schemas.microsoft.com/office/drawing/2014/main" id="{BD849E57-A12E-42AE-AA12-4FB9BA687E1A}"/>
+      <p:cxnSp>
+        <p:nvCxnSpPr>
+          <p:cNvPr id="164" name="Прямая со стрелкой 163">
+            <a:extLst>
+              <a:ext uri="{FF2B5EF4-FFF2-40B4-BE49-F238E27FC236}">
+                <a16:creationId xmlns:a16="http://schemas.microsoft.com/office/drawing/2014/main" xmlns="" id="{B048244F-EB49-46C4-A9EC-3C9E6EB26FD0}"/>
+              </a:ext>
+            </a:extLst>
+          </p:cNvPr>
+          <p:cNvCxnSpPr>
+            <a:cxnSpLocks/>
+            <a:stCxn id="112" idx="2"/>
+            <a:endCxn id="158" idx="0"/>
+          </p:cNvCxnSpPr>
+          <p:nvPr/>
+        </p:nvCxnSpPr>
+        <p:spPr>
+          <a:xfrm>
+            <a:off x="4892312" y="11298455"/>
+            <a:ext cx="0" cy="234186"/>
+          </a:xfrm>
+          <a:prstGeom prst="straightConnector1">
+            <a:avLst/>
+          </a:prstGeom>
+          <a:ln w="19050">
+            <a:tailEnd type="arrow"/>
+          </a:ln>
+        </p:spPr>
+        <p:style>
+          <a:lnRef idx="1">
+            <a:schemeClr val="accent1"/>
+          </a:lnRef>
+          <a:fillRef idx="0">
+            <a:schemeClr val="accent1"/>
+          </a:fillRef>
+          <a:effectRef idx="0">
+            <a:schemeClr val="accent1"/>
+          </a:effectRef>
+          <a:fontRef idx="minor">
+            <a:schemeClr val="tx1"/>
+          </a:fontRef>
+        </p:style>
+      </p:cxnSp>
+      <p:cxnSp>
+        <p:nvCxnSpPr>
+          <p:cNvPr id="169" name="Соединительная линия уступом 903">
+            <a:extLst>
+              <a:ext uri="{FF2B5EF4-FFF2-40B4-BE49-F238E27FC236}">
+                <a16:creationId xmlns:a16="http://schemas.microsoft.com/office/drawing/2014/main" xmlns="" id="{3BF92898-1A8D-44CD-90AE-9ED96D3CC103}"/>
+              </a:ext>
+            </a:extLst>
+          </p:cNvPr>
+          <p:cNvCxnSpPr>
+            <a:cxnSpLocks/>
+            <a:stCxn id="96" idx="2"/>
+            <a:endCxn id="94" idx="0"/>
+          </p:cNvCxnSpPr>
+          <p:nvPr/>
+        </p:nvCxnSpPr>
+        <p:spPr>
+          <a:xfrm rot="5400000">
+            <a:off x="3316942" y="9075267"/>
+            <a:ext cx="1060127" cy="701131"/>
+          </a:xfrm>
+          <a:prstGeom prst="bentConnector3">
+            <a:avLst>
+              <a:gd name="adj1" fmla="val 13248"/>
+            </a:avLst>
+          </a:prstGeom>
+          <a:ln w="19050">
+            <a:tailEnd type="arrow"/>
+          </a:ln>
+        </p:spPr>
+        <p:style>
+          <a:lnRef idx="1">
+            <a:schemeClr val="accent1"/>
+          </a:lnRef>
+          <a:fillRef idx="0">
+            <a:schemeClr val="accent1"/>
+          </a:fillRef>
+          <a:effectRef idx="0">
+            <a:schemeClr val="accent1"/>
+          </a:effectRef>
+          <a:fontRef idx="minor">
+            <a:schemeClr val="tx1"/>
+          </a:fontRef>
+        </p:style>
+      </p:cxnSp>
+      <p:cxnSp>
+        <p:nvCxnSpPr>
+          <p:cNvPr id="173" name="Соединительная линия уступом 903">
+            <a:extLst>
+              <a:ext uri="{FF2B5EF4-FFF2-40B4-BE49-F238E27FC236}">
+                <a16:creationId xmlns:a16="http://schemas.microsoft.com/office/drawing/2014/main" xmlns="" id="{EF7071D1-BE49-4A1B-8811-FFC6268219EF}"/>
+              </a:ext>
+            </a:extLst>
+          </p:cNvPr>
+          <p:cNvCxnSpPr>
+            <a:cxnSpLocks/>
+            <a:stCxn id="92" idx="2"/>
+            <a:endCxn id="94" idx="0"/>
+          </p:cNvCxnSpPr>
+          <p:nvPr/>
+        </p:nvCxnSpPr>
+        <p:spPr>
+          <a:xfrm rot="16200000" flipH="1">
+            <a:off x="3020721" y="9480177"/>
+            <a:ext cx="263083" cy="688354"/>
+          </a:xfrm>
+          <a:prstGeom prst="bentConnector3">
+            <a:avLst>
+              <a:gd name="adj1" fmla="val 50000"/>
+            </a:avLst>
+          </a:prstGeom>
+          <a:ln w="19050">
+            <a:tailEnd type="arrow"/>
+          </a:ln>
+        </p:spPr>
+        <p:style>
+          <a:lnRef idx="1">
+            <a:schemeClr val="accent1"/>
+          </a:lnRef>
+          <a:fillRef idx="0">
+            <a:schemeClr val="accent1"/>
+          </a:fillRef>
+          <a:effectRef idx="0">
+            <a:schemeClr val="accent1"/>
+          </a:effectRef>
+          <a:fontRef idx="minor">
+            <a:schemeClr val="tx1"/>
+          </a:fontRef>
+        </p:style>
+      </p:cxnSp>
+      <p:cxnSp>
+        <p:nvCxnSpPr>
+          <p:cNvPr id="176" name="Соединительная линия уступом 903">
+            <a:extLst>
+              <a:ext uri="{FF2B5EF4-FFF2-40B4-BE49-F238E27FC236}">
+                <a16:creationId xmlns:a16="http://schemas.microsoft.com/office/drawing/2014/main" xmlns="" id="{30D330E8-189B-403C-83EF-0C1AB67953A6}"/>
+              </a:ext>
+            </a:extLst>
+          </p:cNvPr>
+          <p:cNvCxnSpPr>
+            <a:cxnSpLocks/>
+            <a:stCxn id="55" idx="2"/>
+            <a:endCxn id="1010" idx="0"/>
+          </p:cNvCxnSpPr>
+          <p:nvPr/>
+        </p:nvCxnSpPr>
+        <p:spPr>
+          <a:xfrm rot="5400000">
+            <a:off x="1984818" y="7532500"/>
+            <a:ext cx="257045" cy="1389492"/>
+          </a:xfrm>
+          <a:prstGeom prst="bentConnector3">
+            <a:avLst>
+              <a:gd name="adj1" fmla="val 50000"/>
+            </a:avLst>
+          </a:prstGeom>
+          <a:ln w="19050">
+            <a:tailEnd type="arrow"/>
+          </a:ln>
+        </p:spPr>
+        <p:style>
+          <a:lnRef idx="1">
+            <a:schemeClr val="accent1"/>
+          </a:lnRef>
+          <a:fillRef idx="0">
+            <a:schemeClr val="accent1"/>
+          </a:fillRef>
+          <a:effectRef idx="0">
+            <a:schemeClr val="accent1"/>
+          </a:effectRef>
+          <a:fontRef idx="minor">
+            <a:schemeClr val="tx1"/>
+          </a:fontRef>
+        </p:style>
+      </p:cxnSp>
+      <p:cxnSp>
+        <p:nvCxnSpPr>
+          <p:cNvPr id="179" name="Соединительная линия уступом 903">
+            <a:extLst>
+              <a:ext uri="{FF2B5EF4-FFF2-40B4-BE49-F238E27FC236}">
+                <a16:creationId xmlns:a16="http://schemas.microsoft.com/office/drawing/2014/main" xmlns="" id="{1B345060-1C77-489A-A3B6-573436341CD2}"/>
+              </a:ext>
+            </a:extLst>
+          </p:cNvPr>
+          <p:cNvCxnSpPr>
+            <a:cxnSpLocks/>
+            <a:stCxn id="78" idx="2"/>
+            <a:endCxn id="91" idx="0"/>
+          </p:cNvCxnSpPr>
+          <p:nvPr/>
+        </p:nvCxnSpPr>
+        <p:spPr>
+          <a:xfrm rot="5400000">
+            <a:off x="938427" y="9475734"/>
+            <a:ext cx="265590" cy="694734"/>
+          </a:xfrm>
+          <a:prstGeom prst="bentConnector3">
+            <a:avLst>
+              <a:gd name="adj1" fmla="val 50000"/>
+            </a:avLst>
+          </a:prstGeom>
+          <a:ln w="19050">
+            <a:tailEnd type="arrow"/>
+          </a:ln>
+        </p:spPr>
+        <p:style>
+          <a:lnRef idx="1">
+            <a:schemeClr val="accent1"/>
+          </a:lnRef>
+          <a:fillRef idx="0">
+            <a:schemeClr val="accent1"/>
+          </a:fillRef>
+          <a:effectRef idx="0">
+            <a:schemeClr val="accent1"/>
+          </a:effectRef>
+          <a:fontRef idx="minor">
+            <a:schemeClr val="tx1"/>
+          </a:fontRef>
+        </p:style>
+      </p:cxnSp>
+      <p:cxnSp>
+        <p:nvCxnSpPr>
+          <p:cNvPr id="194" name="Соединительная линия уступом 903">
+            <a:extLst>
+              <a:ext uri="{FF2B5EF4-FFF2-40B4-BE49-F238E27FC236}">
+                <a16:creationId xmlns:a16="http://schemas.microsoft.com/office/drawing/2014/main" xmlns="" id="{47EFD662-D8F0-4D46-B8BE-62DAF2481AC2}"/>
+              </a:ext>
+            </a:extLst>
+          </p:cNvPr>
+          <p:cNvCxnSpPr>
+            <a:cxnSpLocks/>
+            <a:stCxn id="55" idx="2"/>
+            <a:endCxn id="89" idx="0"/>
+          </p:cNvCxnSpPr>
+          <p:nvPr/>
+        </p:nvCxnSpPr>
+        <p:spPr>
+          <a:xfrm rot="5400000">
+            <a:off x="1523525" y="8667813"/>
+            <a:ext cx="1853650" cy="715473"/>
+          </a:xfrm>
+          <a:prstGeom prst="bentConnector3">
+            <a:avLst>
+              <a:gd name="adj1" fmla="val 7446"/>
+            </a:avLst>
+          </a:prstGeom>
+          <a:ln w="19050">
+            <a:tailEnd type="arrow"/>
+          </a:ln>
+        </p:spPr>
+        <p:style>
+          <a:lnRef idx="1">
+            <a:schemeClr val="accent1"/>
+          </a:lnRef>
+          <a:fillRef idx="0">
+            <a:schemeClr val="accent1"/>
+          </a:fillRef>
+          <a:effectRef idx="0">
+            <a:schemeClr val="accent1"/>
+          </a:effectRef>
+          <a:fontRef idx="minor">
+            <a:schemeClr val="tx1"/>
+          </a:fontRef>
+        </p:style>
+      </p:cxnSp>
+      <p:cxnSp>
+        <p:nvCxnSpPr>
+          <p:cNvPr id="197" name="Соединительная линия уступом 903">
+            <a:extLst>
+              <a:ext uri="{FF2B5EF4-FFF2-40B4-BE49-F238E27FC236}">
+                <a16:creationId xmlns:a16="http://schemas.microsoft.com/office/drawing/2014/main" xmlns="" id="{42EC46F3-1198-439C-9201-297275403091}"/>
+              </a:ext>
+            </a:extLst>
+          </p:cNvPr>
+          <p:cNvCxnSpPr>
+            <a:cxnSpLocks/>
+            <a:stCxn id="94" idx="2"/>
+            <a:endCxn id="95" idx="0"/>
+          </p:cNvCxnSpPr>
+          <p:nvPr/>
+        </p:nvCxnSpPr>
+        <p:spPr>
+          <a:xfrm rot="5400000">
+            <a:off x="1939142" y="9975343"/>
+            <a:ext cx="1036745" cy="2077851"/>
+          </a:xfrm>
+          <a:prstGeom prst="bentConnector3">
+            <a:avLst>
+              <a:gd name="adj1" fmla="val 13187"/>
+            </a:avLst>
+          </a:prstGeom>
+          <a:ln w="19050">
+            <a:tailEnd type="arrow"/>
+          </a:ln>
+        </p:spPr>
+        <p:style>
+          <a:lnRef idx="1">
+            <a:schemeClr val="accent1"/>
+          </a:lnRef>
+          <a:fillRef idx="0">
+            <a:schemeClr val="accent1"/>
+          </a:fillRef>
+          <a:effectRef idx="0">
+            <a:schemeClr val="accent1"/>
+          </a:effectRef>
+          <a:fontRef idx="minor">
+            <a:schemeClr val="tx1"/>
+          </a:fontRef>
+        </p:style>
+      </p:cxnSp>
+      <p:cxnSp>
+        <p:nvCxnSpPr>
+          <p:cNvPr id="200" name="Прямая со стрелкой 199">
+            <a:extLst>
+              <a:ext uri="{FF2B5EF4-FFF2-40B4-BE49-F238E27FC236}">
+                <a16:creationId xmlns:a16="http://schemas.microsoft.com/office/drawing/2014/main" xmlns="" id="{C65B3E6E-D325-417D-A60E-CBAC49A6F0BD}"/>
+              </a:ext>
+            </a:extLst>
+          </p:cNvPr>
+          <p:cNvCxnSpPr>
+            <a:cxnSpLocks/>
+            <a:stCxn id="96" idx="2"/>
+            <a:endCxn id="93" idx="0"/>
+          </p:cNvCxnSpPr>
+          <p:nvPr/>
+        </p:nvCxnSpPr>
+        <p:spPr>
+          <a:xfrm flipH="1">
+            <a:off x="4197569" y="8895769"/>
+            <a:ext cx="1" cy="257044"/>
+          </a:xfrm>
+          <a:prstGeom prst="straightConnector1">
+            <a:avLst/>
+          </a:prstGeom>
+          <a:ln w="19050">
+            <a:tailEnd type="arrow"/>
+          </a:ln>
+        </p:spPr>
+        <p:style>
+          <a:lnRef idx="1">
+            <a:schemeClr val="accent1"/>
+          </a:lnRef>
+          <a:fillRef idx="0">
+            <a:schemeClr val="accent1"/>
+          </a:fillRef>
+          <a:effectRef idx="0">
+            <a:schemeClr val="accent1"/>
+          </a:effectRef>
+          <a:fontRef idx="minor">
+            <a:schemeClr val="tx1"/>
+          </a:fontRef>
+        </p:style>
+      </p:cxnSp>
+      <p:cxnSp>
+        <p:nvCxnSpPr>
+          <p:cNvPr id="203" name="Прямая со стрелкой 202">
+            <a:extLst>
+              <a:ext uri="{FF2B5EF4-FFF2-40B4-BE49-F238E27FC236}">
+                <a16:creationId xmlns:a16="http://schemas.microsoft.com/office/drawing/2014/main" xmlns="" id="{D3A51449-15E2-4BEA-88A5-B2691A1B3690}"/>
+              </a:ext>
+            </a:extLst>
+          </p:cNvPr>
+          <p:cNvCxnSpPr>
+            <a:cxnSpLocks/>
+            <a:stCxn id="55" idx="2"/>
+            <a:endCxn id="90" idx="0"/>
+          </p:cNvCxnSpPr>
+          <p:nvPr/>
+        </p:nvCxnSpPr>
+        <p:spPr>
+          <a:xfrm flipH="1">
+            <a:off x="2808082" y="8098724"/>
+            <a:ext cx="4" cy="252936"/>
+          </a:xfrm>
+          <a:prstGeom prst="straightConnector1">
+            <a:avLst/>
+          </a:prstGeom>
+          <a:ln w="19050">
+            <a:tailEnd type="arrow"/>
+          </a:ln>
+        </p:spPr>
+        <p:style>
+          <a:lnRef idx="1">
+            <a:schemeClr val="accent1"/>
+          </a:lnRef>
+          <a:fillRef idx="0">
+            <a:schemeClr val="accent1"/>
+          </a:fillRef>
+          <a:effectRef idx="0">
+            <a:schemeClr val="accent1"/>
+          </a:effectRef>
+          <a:fontRef idx="minor">
+            <a:schemeClr val="tx1"/>
+          </a:fontRef>
+        </p:style>
+      </p:cxnSp>
+      <p:cxnSp>
+        <p:nvCxnSpPr>
+          <p:cNvPr id="206" name="Прямая со стрелкой 205">
+            <a:extLst>
+              <a:ext uri="{FF2B5EF4-FFF2-40B4-BE49-F238E27FC236}">
+                <a16:creationId xmlns:a16="http://schemas.microsoft.com/office/drawing/2014/main" xmlns="" id="{AFD4E665-A61D-46C2-A133-3412690F30F3}"/>
+              </a:ext>
+            </a:extLst>
+          </p:cNvPr>
+          <p:cNvCxnSpPr>
+            <a:cxnSpLocks/>
+            <a:stCxn id="90" idx="2"/>
+            <a:endCxn id="92" idx="0"/>
+          </p:cNvCxnSpPr>
+          <p:nvPr/>
+        </p:nvCxnSpPr>
+        <p:spPr>
+          <a:xfrm>
+            <a:off x="2808082" y="8891660"/>
+            <a:ext cx="3" cy="261153"/>
+          </a:xfrm>
+          <a:prstGeom prst="straightConnector1">
+            <a:avLst/>
+          </a:prstGeom>
+          <a:ln w="19050">
+            <a:tailEnd type="arrow"/>
+          </a:ln>
+        </p:spPr>
+        <p:style>
+          <a:lnRef idx="1">
+            <a:schemeClr val="accent1"/>
+          </a:lnRef>
+          <a:fillRef idx="0">
+            <a:schemeClr val="accent1"/>
+          </a:fillRef>
+          <a:effectRef idx="0">
+            <a:schemeClr val="accent1"/>
+          </a:effectRef>
+          <a:fontRef idx="minor">
+            <a:schemeClr val="tx1"/>
+          </a:fontRef>
+        </p:style>
+      </p:cxnSp>
+      <p:cxnSp>
+        <p:nvCxnSpPr>
+          <p:cNvPr id="209" name="Прямая со стрелкой 208">
+            <a:extLst>
+              <a:ext uri="{FF2B5EF4-FFF2-40B4-BE49-F238E27FC236}">
+                <a16:creationId xmlns:a16="http://schemas.microsoft.com/office/drawing/2014/main" xmlns="" id="{6B358EC7-E053-4570-B92E-4C044AC26D2C}"/>
+              </a:ext>
+            </a:extLst>
+          </p:cNvPr>
+          <p:cNvCxnSpPr>
+            <a:cxnSpLocks/>
+            <a:stCxn id="1010" idx="2"/>
+            <a:endCxn id="78" idx="0"/>
+          </p:cNvCxnSpPr>
+          <p:nvPr/>
+        </p:nvCxnSpPr>
+        <p:spPr>
+          <a:xfrm flipH="1">
+            <a:off x="1418589" y="8895769"/>
+            <a:ext cx="5" cy="254537"/>
+          </a:xfrm>
+          <a:prstGeom prst="straightConnector1">
+            <a:avLst/>
+          </a:prstGeom>
+          <a:ln w="19050">
+            <a:tailEnd type="arrow"/>
+          </a:ln>
+        </p:spPr>
+        <p:style>
+          <a:lnRef idx="1">
+            <a:schemeClr val="accent1"/>
+          </a:lnRef>
+          <a:fillRef idx="0">
+            <a:schemeClr val="accent1"/>
+          </a:fillRef>
+          <a:effectRef idx="0">
+            <a:schemeClr val="accent1"/>
+          </a:effectRef>
+          <a:fontRef idx="minor">
+            <a:schemeClr val="tx1"/>
+          </a:fontRef>
+        </p:style>
+      </p:cxnSp>
+      <p:cxnSp>
+        <p:nvCxnSpPr>
+          <p:cNvPr id="212" name="Прямая со стрелкой 211">
+            <a:extLst>
+              <a:ext uri="{FF2B5EF4-FFF2-40B4-BE49-F238E27FC236}">
+                <a16:creationId xmlns:a16="http://schemas.microsoft.com/office/drawing/2014/main" xmlns="" id="{929707B4-0ED3-4FF6-B9DB-8E849B5466B2}"/>
+              </a:ext>
+            </a:extLst>
+          </p:cNvPr>
+          <p:cNvCxnSpPr>
+            <a:cxnSpLocks/>
+            <a:stCxn id="91" idx="2"/>
+            <a:endCxn id="156" idx="0"/>
+          </p:cNvCxnSpPr>
+          <p:nvPr/>
+        </p:nvCxnSpPr>
+        <p:spPr>
+          <a:xfrm flipH="1">
+            <a:off x="720904" y="10495896"/>
+            <a:ext cx="2951" cy="257044"/>
+          </a:xfrm>
+          <a:prstGeom prst="straightConnector1">
+            <a:avLst/>
+          </a:prstGeom>
+          <a:ln w="19050">
+            <a:tailEnd type="arrow"/>
+          </a:ln>
+        </p:spPr>
+        <p:style>
+          <a:lnRef idx="1">
+            <a:schemeClr val="accent1"/>
+          </a:lnRef>
+          <a:fillRef idx="0">
+            <a:schemeClr val="accent1"/>
+          </a:fillRef>
+          <a:effectRef idx="0">
+            <a:schemeClr val="accent1"/>
+          </a:effectRef>
+          <a:fontRef idx="minor">
+            <a:schemeClr val="tx1"/>
+          </a:fontRef>
+        </p:style>
+      </p:cxnSp>
+      <p:cxnSp>
+        <p:nvCxnSpPr>
+          <p:cNvPr id="215" name="Прямая со стрелкой 214">
+            <a:extLst>
+              <a:ext uri="{FF2B5EF4-FFF2-40B4-BE49-F238E27FC236}">
+                <a16:creationId xmlns:a16="http://schemas.microsoft.com/office/drawing/2014/main" xmlns="" id="{3763D6CD-8165-4195-A229-9E111149C4E6}"/>
+              </a:ext>
+            </a:extLst>
+          </p:cNvPr>
+          <p:cNvCxnSpPr>
+            <a:cxnSpLocks/>
+            <a:stCxn id="94" idx="2"/>
+            <a:endCxn id="77" idx="0"/>
+          </p:cNvCxnSpPr>
+          <p:nvPr/>
+        </p:nvCxnSpPr>
+        <p:spPr>
+          <a:xfrm flipH="1">
+            <a:off x="3493729" y="10495896"/>
+            <a:ext cx="2710" cy="261152"/>
+          </a:xfrm>
+          <a:prstGeom prst="straightConnector1">
+            <a:avLst/>
+          </a:prstGeom>
+          <a:ln w="19050">
+            <a:tailEnd type="arrow"/>
+          </a:ln>
+        </p:spPr>
+        <p:style>
+          <a:lnRef idx="1">
+            <a:schemeClr val="accent1"/>
+          </a:lnRef>
+          <a:fillRef idx="0">
+            <a:schemeClr val="accent1"/>
+          </a:fillRef>
+          <a:effectRef idx="0">
+            <a:schemeClr val="accent1"/>
+          </a:effectRef>
+          <a:fontRef idx="minor">
+            <a:schemeClr val="tx1"/>
+          </a:fontRef>
+        </p:style>
+      </p:cxnSp>
+      <p:sp>
+        <p:nvSpPr>
+          <p:cNvPr id="226" name="Прямоугольник 225">
+            <a:extLst>
+              <a:ext uri="{FF2B5EF4-FFF2-40B4-BE49-F238E27FC236}">
+                <a16:creationId xmlns:a16="http://schemas.microsoft.com/office/drawing/2014/main" xmlns="" id="{8F90957D-3F70-4F7D-A50B-157EE934D6F5}"/>
               </a:ext>
             </a:extLst>
           </p:cNvPr>
@@ -8307,7 +8935,57 @@
         </p:nvSpPr>
         <p:spPr>
           <a:xfrm>
-            <a:off x="257739" y="12272494"/>
+            <a:off x="10595346" y="4141690"/>
+            <a:ext cx="926325" cy="540000"/>
+          </a:xfrm>
+          <a:prstGeom prst="rect">
+            <a:avLst/>
+          </a:prstGeom>
+          <a:noFill/>
+          <a:ln w="19050"/>
+        </p:spPr>
+        <p:style>
+          <a:lnRef idx="2">
+            <a:schemeClr val="accent1"/>
+          </a:lnRef>
+          <a:fillRef idx="1">
+            <a:schemeClr val="lt1"/>
+          </a:fillRef>
+          <a:effectRef idx="0">
+            <a:schemeClr val="accent1"/>
+          </a:effectRef>
+          <a:fontRef idx="minor">
+            <a:schemeClr val="dk1"/>
+          </a:fontRef>
+        </p:style>
+        <p:txBody>
+          <a:bodyPr lIns="124733" tIns="62367" rIns="124733" bIns="62367" rtlCol="0" anchor="ctr"/>
+          <a:lstStyle/>
+          <a:p>
+            <a:pPr algn="ctr"/>
+            <a:r>
+              <a:rPr lang="ru-RU" sz="700" dirty="0"/>
+              <a:t>Строительство цементной фабрики</a:t>
+            </a:r>
+            <a:endParaRPr lang="ru-RU" sz="400" dirty="0"/>
+          </a:p>
+        </p:txBody>
+      </p:sp>
+      <p:sp>
+        <p:nvSpPr>
+          <p:cNvPr id="227" name="Прямоугольник 226">
+            <a:extLst>
+              <a:ext uri="{FF2B5EF4-FFF2-40B4-BE49-F238E27FC236}">
+                <a16:creationId xmlns:a16="http://schemas.microsoft.com/office/drawing/2014/main" xmlns="" id="{77B2829B-9A73-48A5-B93C-36696747ADD9}"/>
+              </a:ext>
+            </a:extLst>
+          </p:cNvPr>
+          <p:cNvSpPr/>
+          <p:nvPr/>
+        </p:nvSpPr>
+        <p:spPr>
+          <a:xfrm>
+            <a:off x="1629449" y="12270675"/>
             <a:ext cx="926325" cy="540000"/>
           </a:xfrm>
           <a:prstGeom prst="rect">
@@ -8341,13 +9019,10 @@
             <a:pPr algn="ctr"/>
             <a:r>
               <a:rPr lang="ru-RU" sz="700" dirty="0"/>
-              <a:t>Закон о защите демократии (1941) </a:t>
-            </a:r>
-            <a:br>
-              <a:rPr lang="ru-RU" sz="700" dirty="0"/>
-            </a:br>
-            <a:r>
-              <a:rPr lang="ru-RU" sz="200" dirty="0" smtClean="0"/>
+              <a:t>Устранение коммунистических угроз в ЦА </a:t>
+            </a:r>
+            <a:r>
+              <a:rPr lang="ru-RU" sz="100" dirty="0" smtClean="0"/>
               <a:t>(</a:t>
             </a:r>
             <a:endParaRPr lang="ru-RU" sz="400" dirty="0"/>
@@ -8356,112 +9031,24 @@
       </p:sp>
       <p:cxnSp>
         <p:nvCxnSpPr>
-          <p:cNvPr id="164" name="Прямая со стрелкой 163">
-            <a:extLst>
-              <a:ext uri="{FF2B5EF4-FFF2-40B4-BE49-F238E27FC236}">
-                <a16:creationId xmlns="" xmlns:a16="http://schemas.microsoft.com/office/drawing/2014/main" id="{B048244F-EB49-46C4-A9EC-3C9E6EB26FD0}"/>
+          <p:cNvPr id="231" name="Соединительная линия уступом 903">
+            <a:extLst>
+              <a:ext uri="{FF2B5EF4-FFF2-40B4-BE49-F238E27FC236}">
+                <a16:creationId xmlns:a16="http://schemas.microsoft.com/office/drawing/2014/main" xmlns="" id="{4F66CE16-F4D4-4BEA-B35B-7CA503F701C0}"/>
               </a:ext>
             </a:extLst>
           </p:cNvPr>
           <p:cNvCxnSpPr>
             <a:cxnSpLocks/>
-            <a:stCxn id="112" idx="2"/>
-            <a:endCxn id="158" idx="0"/>
+            <a:stCxn id="95" idx="2"/>
+            <a:endCxn id="163" idx="0"/>
           </p:cNvCxnSpPr>
           <p:nvPr/>
         </p:nvCxnSpPr>
         <p:spPr>
-          <a:xfrm>
-            <a:off x="4892312" y="11298455"/>
-            <a:ext cx="0" cy="234186"/>
-          </a:xfrm>
-          <a:prstGeom prst="straightConnector1">
-            <a:avLst/>
-          </a:prstGeom>
-          <a:ln w="19050">
-            <a:tailEnd type="arrow"/>
-          </a:ln>
-        </p:spPr>
-        <p:style>
-          <a:lnRef idx="1">
-            <a:schemeClr val="accent1"/>
-          </a:lnRef>
-          <a:fillRef idx="0">
-            <a:schemeClr val="accent1"/>
-          </a:fillRef>
-          <a:effectRef idx="0">
-            <a:schemeClr val="accent1"/>
-          </a:effectRef>
-          <a:fontRef idx="minor">
-            <a:schemeClr val="tx1"/>
-          </a:fontRef>
-        </p:style>
-      </p:cxnSp>
-      <p:cxnSp>
-        <p:nvCxnSpPr>
-          <p:cNvPr id="169" name="Соединительная линия уступом 903">
-            <a:extLst>
-              <a:ext uri="{FF2B5EF4-FFF2-40B4-BE49-F238E27FC236}">
-                <a16:creationId xmlns="" xmlns:a16="http://schemas.microsoft.com/office/drawing/2014/main" id="{3BF92898-1A8D-44CD-90AE-9ED96D3CC103}"/>
-              </a:ext>
-            </a:extLst>
-          </p:cNvPr>
-          <p:cNvCxnSpPr>
-            <a:cxnSpLocks/>
-            <a:stCxn id="96" idx="2"/>
-            <a:endCxn id="94" idx="0"/>
-          </p:cNvCxnSpPr>
-          <p:nvPr/>
-        </p:nvCxnSpPr>
-        <p:spPr>
           <a:xfrm rot="5400000">
-            <a:off x="3316942" y="9075267"/>
-            <a:ext cx="1060127" cy="701131"/>
-          </a:xfrm>
-          <a:prstGeom prst="bentConnector3">
-            <a:avLst>
-              <a:gd name="adj1" fmla="val 13248"/>
-            </a:avLst>
-          </a:prstGeom>
-          <a:ln w="19050">
-            <a:tailEnd type="arrow"/>
-          </a:ln>
-        </p:spPr>
-        <p:style>
-          <a:lnRef idx="1">
-            <a:schemeClr val="accent1"/>
-          </a:lnRef>
-          <a:fillRef idx="0">
-            <a:schemeClr val="accent1"/>
-          </a:fillRef>
-          <a:effectRef idx="0">
-            <a:schemeClr val="accent1"/>
-          </a:effectRef>
-          <a:fontRef idx="minor">
-            <a:schemeClr val="tx1"/>
-          </a:fontRef>
-        </p:style>
-      </p:cxnSp>
-      <p:cxnSp>
-        <p:nvCxnSpPr>
-          <p:cNvPr id="173" name="Соединительная линия уступом 903">
-            <a:extLst>
-              <a:ext uri="{FF2B5EF4-FFF2-40B4-BE49-F238E27FC236}">
-                <a16:creationId xmlns="" xmlns:a16="http://schemas.microsoft.com/office/drawing/2014/main" id="{EF7071D1-BE49-4A1B-8811-FFC6268219EF}"/>
-              </a:ext>
-            </a:extLst>
-          </p:cNvPr>
-          <p:cNvCxnSpPr>
-            <a:cxnSpLocks/>
-            <a:stCxn id="92" idx="2"/>
-            <a:endCxn id="94" idx="0"/>
-          </p:cNvCxnSpPr>
-          <p:nvPr/>
-        </p:nvCxnSpPr>
-        <p:spPr>
-          <a:xfrm rot="16200000" flipH="1">
-            <a:off x="3020721" y="9480177"/>
-            <a:ext cx="263083" cy="688354"/>
+            <a:off x="969819" y="11823724"/>
+            <a:ext cx="199853" cy="697686"/>
           </a:xfrm>
           <a:prstGeom prst="bentConnector3">
             <a:avLst>
@@ -8489,28 +9076,73 @@
       </p:cxnSp>
       <p:cxnSp>
         <p:nvCxnSpPr>
-          <p:cNvPr id="176" name="Соединительная линия уступом 903">
-            <a:extLst>
-              <a:ext uri="{FF2B5EF4-FFF2-40B4-BE49-F238E27FC236}">
-                <a16:creationId xmlns="" xmlns:a16="http://schemas.microsoft.com/office/drawing/2014/main" id="{30D330E8-189B-403C-83EF-0C1AB67953A6}"/>
+          <p:cNvPr id="238" name="Прямая соединительная линия 237">
+            <a:extLst>
+              <a:ext uri="{FF2B5EF4-FFF2-40B4-BE49-F238E27FC236}">
+                <a16:creationId xmlns:a16="http://schemas.microsoft.com/office/drawing/2014/main" xmlns="" id="{FD347516-2278-4B85-B9D1-D49EF200F440}"/>
               </a:ext>
             </a:extLst>
           </p:cNvPr>
           <p:cNvCxnSpPr>
             <a:cxnSpLocks/>
-            <a:stCxn id="55" idx="2"/>
-            <a:endCxn id="1010" idx="0"/>
+            <a:stCxn id="77" idx="3"/>
+            <a:endCxn id="112" idx="1"/>
           </p:cNvCxnSpPr>
           <p:nvPr/>
         </p:nvCxnSpPr>
         <p:spPr>
+          <a:xfrm>
+            <a:off x="3956891" y="11027048"/>
+            <a:ext cx="472258" cy="1407"/>
+          </a:xfrm>
+          <a:prstGeom prst="line">
+            <a:avLst/>
+          </a:prstGeom>
+          <a:ln w="19050">
+            <a:solidFill>
+              <a:srgbClr val="FF0000"/>
+            </a:solidFill>
+          </a:ln>
+        </p:spPr>
+        <p:style>
+          <a:lnRef idx="1">
+            <a:schemeClr val="accent1"/>
+          </a:lnRef>
+          <a:fillRef idx="0">
+            <a:schemeClr val="accent1"/>
+          </a:fillRef>
+          <a:effectRef idx="0">
+            <a:schemeClr val="accent1"/>
+          </a:effectRef>
+          <a:fontRef idx="minor">
+            <a:schemeClr val="tx1"/>
+          </a:fontRef>
+        </p:style>
+      </p:cxnSp>
+      <p:cxnSp>
+        <p:nvCxnSpPr>
+          <p:cNvPr id="266" name="Соединительная линия уступом 903">
+            <a:extLst>
+              <a:ext uri="{FF2B5EF4-FFF2-40B4-BE49-F238E27FC236}">
+                <a16:creationId xmlns:a16="http://schemas.microsoft.com/office/drawing/2014/main" xmlns="" id="{FD352671-4213-4DF2-A335-A0D96AEF3058}"/>
+              </a:ext>
+            </a:extLst>
+          </p:cNvPr>
+          <p:cNvCxnSpPr>
+            <a:cxnSpLocks/>
+            <a:stCxn id="89" idx="2"/>
+            <a:endCxn id="95" idx="0"/>
+          </p:cNvCxnSpPr>
+          <p:nvPr/>
+        </p:nvCxnSpPr>
+        <p:spPr>
           <a:xfrm rot="5400000">
-            <a:off x="1984818" y="7532500"/>
-            <a:ext cx="257045" cy="1389492"/>
+            <a:off x="1235468" y="10675495"/>
+            <a:ext cx="1040267" cy="674025"/>
           </a:xfrm>
           <a:prstGeom prst="bentConnector3">
             <a:avLst>
-              <a:gd name="adj1" fmla="val 50000"/>
+              <a:gd name="adj1" fmla="val 12547"/>
             </a:avLst>
           </a:prstGeom>
           <a:ln w="19050">
@@ -8532,405 +9164,12 @@
           </a:fontRef>
         </p:style>
       </p:cxnSp>
-      <p:cxnSp>
-        <p:nvCxnSpPr>
-          <p:cNvPr id="179" name="Соединительная линия уступом 903">
-            <a:extLst>
-              <a:ext uri="{FF2B5EF4-FFF2-40B4-BE49-F238E27FC236}">
-                <a16:creationId xmlns="" xmlns:a16="http://schemas.microsoft.com/office/drawing/2014/main" id="{1B345060-1C77-489A-A3B6-573436341CD2}"/>
-              </a:ext>
-            </a:extLst>
-          </p:cNvPr>
-          <p:cNvCxnSpPr>
-            <a:cxnSpLocks/>
-            <a:stCxn id="78" idx="2"/>
-            <a:endCxn id="91" idx="0"/>
-          </p:cNvCxnSpPr>
-          <p:nvPr/>
-        </p:nvCxnSpPr>
-        <p:spPr>
-          <a:xfrm rot="5400000">
-            <a:off x="938427" y="9475734"/>
-            <a:ext cx="265590" cy="694734"/>
-          </a:xfrm>
-          <a:prstGeom prst="bentConnector3">
-            <a:avLst>
-              <a:gd name="adj1" fmla="val 50000"/>
-            </a:avLst>
-          </a:prstGeom>
-          <a:ln w="19050">
-            <a:tailEnd type="arrow"/>
-          </a:ln>
-        </p:spPr>
-        <p:style>
-          <a:lnRef idx="1">
-            <a:schemeClr val="accent1"/>
-          </a:lnRef>
-          <a:fillRef idx="0">
-            <a:schemeClr val="accent1"/>
-          </a:fillRef>
-          <a:effectRef idx="0">
-            <a:schemeClr val="accent1"/>
-          </a:effectRef>
-          <a:fontRef idx="minor">
-            <a:schemeClr val="tx1"/>
-          </a:fontRef>
-        </p:style>
-      </p:cxnSp>
-      <p:cxnSp>
-        <p:nvCxnSpPr>
-          <p:cNvPr id="194" name="Соединительная линия уступом 903">
-            <a:extLst>
-              <a:ext uri="{FF2B5EF4-FFF2-40B4-BE49-F238E27FC236}">
-                <a16:creationId xmlns="" xmlns:a16="http://schemas.microsoft.com/office/drawing/2014/main" id="{47EFD662-D8F0-4D46-B8BE-62DAF2481AC2}"/>
-              </a:ext>
-            </a:extLst>
-          </p:cNvPr>
-          <p:cNvCxnSpPr>
-            <a:cxnSpLocks/>
-            <a:stCxn id="55" idx="2"/>
-            <a:endCxn id="89" idx="0"/>
-          </p:cNvCxnSpPr>
-          <p:nvPr/>
-        </p:nvCxnSpPr>
-        <p:spPr>
-          <a:xfrm rot="5400000">
-            <a:off x="1523525" y="8667813"/>
-            <a:ext cx="1853650" cy="715473"/>
-          </a:xfrm>
-          <a:prstGeom prst="bentConnector3">
-            <a:avLst>
-              <a:gd name="adj1" fmla="val 7446"/>
-            </a:avLst>
-          </a:prstGeom>
-          <a:ln w="19050">
-            <a:tailEnd type="arrow"/>
-          </a:ln>
-        </p:spPr>
-        <p:style>
-          <a:lnRef idx="1">
-            <a:schemeClr val="accent1"/>
-          </a:lnRef>
-          <a:fillRef idx="0">
-            <a:schemeClr val="accent1"/>
-          </a:fillRef>
-          <a:effectRef idx="0">
-            <a:schemeClr val="accent1"/>
-          </a:effectRef>
-          <a:fontRef idx="minor">
-            <a:schemeClr val="tx1"/>
-          </a:fontRef>
-        </p:style>
-      </p:cxnSp>
-      <p:cxnSp>
-        <p:nvCxnSpPr>
-          <p:cNvPr id="197" name="Соединительная линия уступом 903">
-            <a:extLst>
-              <a:ext uri="{FF2B5EF4-FFF2-40B4-BE49-F238E27FC236}">
-                <a16:creationId xmlns="" xmlns:a16="http://schemas.microsoft.com/office/drawing/2014/main" id="{42EC46F3-1198-439C-9201-297275403091}"/>
-              </a:ext>
-            </a:extLst>
-          </p:cNvPr>
-          <p:cNvCxnSpPr>
-            <a:cxnSpLocks/>
-            <a:stCxn id="94" idx="2"/>
-            <a:endCxn id="95" idx="0"/>
-          </p:cNvCxnSpPr>
-          <p:nvPr/>
-        </p:nvCxnSpPr>
-        <p:spPr>
-          <a:xfrm rot="5400000">
-            <a:off x="1939142" y="9975343"/>
-            <a:ext cx="1036745" cy="2077851"/>
-          </a:xfrm>
-          <a:prstGeom prst="bentConnector3">
-            <a:avLst>
-              <a:gd name="adj1" fmla="val 13187"/>
-            </a:avLst>
-          </a:prstGeom>
-          <a:ln w="19050">
-            <a:tailEnd type="arrow"/>
-          </a:ln>
-        </p:spPr>
-        <p:style>
-          <a:lnRef idx="1">
-            <a:schemeClr val="accent1"/>
-          </a:lnRef>
-          <a:fillRef idx="0">
-            <a:schemeClr val="accent1"/>
-          </a:fillRef>
-          <a:effectRef idx="0">
-            <a:schemeClr val="accent1"/>
-          </a:effectRef>
-          <a:fontRef idx="minor">
-            <a:schemeClr val="tx1"/>
-          </a:fontRef>
-        </p:style>
-      </p:cxnSp>
-      <p:cxnSp>
-        <p:nvCxnSpPr>
-          <p:cNvPr id="200" name="Прямая со стрелкой 199">
-            <a:extLst>
-              <a:ext uri="{FF2B5EF4-FFF2-40B4-BE49-F238E27FC236}">
-                <a16:creationId xmlns="" xmlns:a16="http://schemas.microsoft.com/office/drawing/2014/main" id="{C65B3E6E-D325-417D-A60E-CBAC49A6F0BD}"/>
-              </a:ext>
-            </a:extLst>
-          </p:cNvPr>
-          <p:cNvCxnSpPr>
-            <a:cxnSpLocks/>
-            <a:stCxn id="96" idx="2"/>
-            <a:endCxn id="93" idx="0"/>
-          </p:cNvCxnSpPr>
-          <p:nvPr/>
-        </p:nvCxnSpPr>
-        <p:spPr>
-          <a:xfrm flipH="1">
-            <a:off x="4197569" y="8895769"/>
-            <a:ext cx="1" cy="257044"/>
-          </a:xfrm>
-          <a:prstGeom prst="straightConnector1">
-            <a:avLst/>
-          </a:prstGeom>
-          <a:ln w="19050">
-            <a:tailEnd type="arrow"/>
-          </a:ln>
-        </p:spPr>
-        <p:style>
-          <a:lnRef idx="1">
-            <a:schemeClr val="accent1"/>
-          </a:lnRef>
-          <a:fillRef idx="0">
-            <a:schemeClr val="accent1"/>
-          </a:fillRef>
-          <a:effectRef idx="0">
-            <a:schemeClr val="accent1"/>
-          </a:effectRef>
-          <a:fontRef idx="minor">
-            <a:schemeClr val="tx1"/>
-          </a:fontRef>
-        </p:style>
-      </p:cxnSp>
-      <p:cxnSp>
-        <p:nvCxnSpPr>
-          <p:cNvPr id="203" name="Прямая со стрелкой 202">
-            <a:extLst>
-              <a:ext uri="{FF2B5EF4-FFF2-40B4-BE49-F238E27FC236}">
-                <a16:creationId xmlns="" xmlns:a16="http://schemas.microsoft.com/office/drawing/2014/main" id="{D3A51449-15E2-4BEA-88A5-B2691A1B3690}"/>
-              </a:ext>
-            </a:extLst>
-          </p:cNvPr>
-          <p:cNvCxnSpPr>
-            <a:cxnSpLocks/>
-            <a:stCxn id="55" idx="2"/>
-            <a:endCxn id="90" idx="0"/>
-          </p:cNvCxnSpPr>
-          <p:nvPr/>
-        </p:nvCxnSpPr>
-        <p:spPr>
-          <a:xfrm flipH="1">
-            <a:off x="2808082" y="8098724"/>
-            <a:ext cx="4" cy="252936"/>
-          </a:xfrm>
-          <a:prstGeom prst="straightConnector1">
-            <a:avLst/>
-          </a:prstGeom>
-          <a:ln w="19050">
-            <a:tailEnd type="arrow"/>
-          </a:ln>
-        </p:spPr>
-        <p:style>
-          <a:lnRef idx="1">
-            <a:schemeClr val="accent1"/>
-          </a:lnRef>
-          <a:fillRef idx="0">
-            <a:schemeClr val="accent1"/>
-          </a:fillRef>
-          <a:effectRef idx="0">
-            <a:schemeClr val="accent1"/>
-          </a:effectRef>
-          <a:fontRef idx="minor">
-            <a:schemeClr val="tx1"/>
-          </a:fontRef>
-        </p:style>
-      </p:cxnSp>
-      <p:cxnSp>
-        <p:nvCxnSpPr>
-          <p:cNvPr id="206" name="Прямая со стрелкой 205">
-            <a:extLst>
-              <a:ext uri="{FF2B5EF4-FFF2-40B4-BE49-F238E27FC236}">
-                <a16:creationId xmlns="" xmlns:a16="http://schemas.microsoft.com/office/drawing/2014/main" id="{AFD4E665-A61D-46C2-A133-3412690F30F3}"/>
-              </a:ext>
-            </a:extLst>
-          </p:cNvPr>
-          <p:cNvCxnSpPr>
-            <a:cxnSpLocks/>
-            <a:stCxn id="90" idx="2"/>
-            <a:endCxn id="92" idx="0"/>
-          </p:cNvCxnSpPr>
-          <p:nvPr/>
-        </p:nvCxnSpPr>
-        <p:spPr>
-          <a:xfrm>
-            <a:off x="2808082" y="8891660"/>
-            <a:ext cx="3" cy="261153"/>
-          </a:xfrm>
-          <a:prstGeom prst="straightConnector1">
-            <a:avLst/>
-          </a:prstGeom>
-          <a:ln w="19050">
-            <a:tailEnd type="arrow"/>
-          </a:ln>
-        </p:spPr>
-        <p:style>
-          <a:lnRef idx="1">
-            <a:schemeClr val="accent1"/>
-          </a:lnRef>
-          <a:fillRef idx="0">
-            <a:schemeClr val="accent1"/>
-          </a:fillRef>
-          <a:effectRef idx="0">
-            <a:schemeClr val="accent1"/>
-          </a:effectRef>
-          <a:fontRef idx="minor">
-            <a:schemeClr val="tx1"/>
-          </a:fontRef>
-        </p:style>
-      </p:cxnSp>
-      <p:cxnSp>
-        <p:nvCxnSpPr>
-          <p:cNvPr id="209" name="Прямая со стрелкой 208">
-            <a:extLst>
-              <a:ext uri="{FF2B5EF4-FFF2-40B4-BE49-F238E27FC236}">
-                <a16:creationId xmlns="" xmlns:a16="http://schemas.microsoft.com/office/drawing/2014/main" id="{6B358EC7-E053-4570-B92E-4C044AC26D2C}"/>
-              </a:ext>
-            </a:extLst>
-          </p:cNvPr>
-          <p:cNvCxnSpPr>
-            <a:cxnSpLocks/>
-            <a:stCxn id="1010" idx="2"/>
-            <a:endCxn id="78" idx="0"/>
-          </p:cNvCxnSpPr>
-          <p:nvPr/>
-        </p:nvCxnSpPr>
-        <p:spPr>
-          <a:xfrm flipH="1">
-            <a:off x="1418589" y="8895769"/>
-            <a:ext cx="5" cy="254537"/>
-          </a:xfrm>
-          <a:prstGeom prst="straightConnector1">
-            <a:avLst/>
-          </a:prstGeom>
-          <a:ln w="19050">
-            <a:tailEnd type="arrow"/>
-          </a:ln>
-        </p:spPr>
-        <p:style>
-          <a:lnRef idx="1">
-            <a:schemeClr val="accent1"/>
-          </a:lnRef>
-          <a:fillRef idx="0">
-            <a:schemeClr val="accent1"/>
-          </a:fillRef>
-          <a:effectRef idx="0">
-            <a:schemeClr val="accent1"/>
-          </a:effectRef>
-          <a:fontRef idx="minor">
-            <a:schemeClr val="tx1"/>
-          </a:fontRef>
-        </p:style>
-      </p:cxnSp>
-      <p:cxnSp>
-        <p:nvCxnSpPr>
-          <p:cNvPr id="212" name="Прямая со стрелкой 211">
-            <a:extLst>
-              <a:ext uri="{FF2B5EF4-FFF2-40B4-BE49-F238E27FC236}">
-                <a16:creationId xmlns="" xmlns:a16="http://schemas.microsoft.com/office/drawing/2014/main" id="{929707B4-0ED3-4FF6-B9DB-8E849B5466B2}"/>
-              </a:ext>
-            </a:extLst>
-          </p:cNvPr>
-          <p:cNvCxnSpPr>
-            <a:cxnSpLocks/>
-            <a:stCxn id="91" idx="2"/>
-            <a:endCxn id="156" idx="0"/>
-          </p:cNvCxnSpPr>
-          <p:nvPr/>
-        </p:nvCxnSpPr>
-        <p:spPr>
-          <a:xfrm flipH="1">
-            <a:off x="720904" y="10495896"/>
-            <a:ext cx="2951" cy="257044"/>
-          </a:xfrm>
-          <a:prstGeom prst="straightConnector1">
-            <a:avLst/>
-          </a:prstGeom>
-          <a:ln w="19050">
-            <a:tailEnd type="arrow"/>
-          </a:ln>
-        </p:spPr>
-        <p:style>
-          <a:lnRef idx="1">
-            <a:schemeClr val="accent1"/>
-          </a:lnRef>
-          <a:fillRef idx="0">
-            <a:schemeClr val="accent1"/>
-          </a:fillRef>
-          <a:effectRef idx="0">
-            <a:schemeClr val="accent1"/>
-          </a:effectRef>
-          <a:fontRef idx="minor">
-            <a:schemeClr val="tx1"/>
-          </a:fontRef>
-        </p:style>
-      </p:cxnSp>
-      <p:cxnSp>
-        <p:nvCxnSpPr>
-          <p:cNvPr id="215" name="Прямая со стрелкой 214">
-            <a:extLst>
-              <a:ext uri="{FF2B5EF4-FFF2-40B4-BE49-F238E27FC236}">
-                <a16:creationId xmlns="" xmlns:a16="http://schemas.microsoft.com/office/drawing/2014/main" id="{3763D6CD-8165-4195-A229-9E111149C4E6}"/>
-              </a:ext>
-            </a:extLst>
-          </p:cNvPr>
-          <p:cNvCxnSpPr>
-            <a:cxnSpLocks/>
-            <a:stCxn id="94" idx="2"/>
-            <a:endCxn id="77" idx="0"/>
-          </p:cNvCxnSpPr>
-          <p:nvPr/>
-        </p:nvCxnSpPr>
-        <p:spPr>
-          <a:xfrm flipH="1">
-            <a:off x="3493729" y="10495896"/>
-            <a:ext cx="2710" cy="261152"/>
-          </a:xfrm>
-          <a:prstGeom prst="straightConnector1">
-            <a:avLst/>
-          </a:prstGeom>
-          <a:ln w="19050">
-            <a:tailEnd type="arrow"/>
-          </a:ln>
-        </p:spPr>
-        <p:style>
-          <a:lnRef idx="1">
-            <a:schemeClr val="accent1"/>
-          </a:lnRef>
-          <a:fillRef idx="0">
-            <a:schemeClr val="accent1"/>
-          </a:fillRef>
-          <a:effectRef idx="0">
-            <a:schemeClr val="accent1"/>
-          </a:effectRef>
-          <a:fontRef idx="minor">
-            <a:schemeClr val="tx1"/>
-          </a:fontRef>
-        </p:style>
-      </p:cxnSp>
-      <p:sp>
-        <p:nvSpPr>
-          <p:cNvPr id="226" name="Прямоугольник 225">
-            <a:extLst>
-              <a:ext uri="{FF2B5EF4-FFF2-40B4-BE49-F238E27FC236}">
-                <a16:creationId xmlns="" xmlns:a16="http://schemas.microsoft.com/office/drawing/2014/main" id="{8F90957D-3F70-4F7D-A50B-157EE934D6F5}"/>
+      <p:sp>
+        <p:nvSpPr>
+          <p:cNvPr id="270" name="Прямоугольник 269">
+            <a:extLst>
+              <a:ext uri="{FF2B5EF4-FFF2-40B4-BE49-F238E27FC236}">
+                <a16:creationId xmlns:a16="http://schemas.microsoft.com/office/drawing/2014/main" xmlns="" id="{A5342E2A-ECF3-4482-981E-FB362358AC03}"/>
               </a:ext>
             </a:extLst>
           </p:cNvPr>
@@ -8939,57 +9178,7 @@
         </p:nvSpPr>
         <p:spPr>
           <a:xfrm>
-            <a:off x="10595346" y="4141690"/>
-            <a:ext cx="926325" cy="540000"/>
-          </a:xfrm>
-          <a:prstGeom prst="rect">
-            <a:avLst/>
-          </a:prstGeom>
-          <a:noFill/>
-          <a:ln w="19050"/>
-        </p:spPr>
-        <p:style>
-          <a:lnRef idx="2">
-            <a:schemeClr val="accent1"/>
-          </a:lnRef>
-          <a:fillRef idx="1">
-            <a:schemeClr val="lt1"/>
-          </a:fillRef>
-          <a:effectRef idx="0">
-            <a:schemeClr val="accent1"/>
-          </a:effectRef>
-          <a:fontRef idx="minor">
-            <a:schemeClr val="dk1"/>
-          </a:fontRef>
-        </p:style>
-        <p:txBody>
-          <a:bodyPr lIns="124733" tIns="62367" rIns="124733" bIns="62367" rtlCol="0" anchor="ctr"/>
-          <a:lstStyle/>
-          <a:p>
-            <a:pPr algn="ctr"/>
-            <a:r>
-              <a:rPr lang="ru-RU" sz="700" dirty="0"/>
-              <a:t>Строительство цементной фабрики</a:t>
-            </a:r>
-            <a:endParaRPr lang="ru-RU" sz="400" dirty="0"/>
-          </a:p>
-        </p:txBody>
-      </p:sp>
-      <p:sp>
-        <p:nvSpPr>
-          <p:cNvPr id="227" name="Прямоугольник 226">
-            <a:extLst>
-              <a:ext uri="{FF2B5EF4-FFF2-40B4-BE49-F238E27FC236}">
-                <a16:creationId xmlns="" xmlns:a16="http://schemas.microsoft.com/office/drawing/2014/main" id="{77B2829B-9A73-48A5-B93C-36696747ADD9}"/>
-              </a:ext>
-            </a:extLst>
-          </p:cNvPr>
-          <p:cNvSpPr/>
-          <p:nvPr/>
-        </p:nvSpPr>
-        <p:spPr>
-          <a:xfrm>
-            <a:off x="1629449" y="12270675"/>
+            <a:off x="1631983" y="10758117"/>
             <a:ext cx="926325" cy="540000"/>
           </a:xfrm>
           <a:prstGeom prst="rect">
@@ -9023,11 +9212,11 @@
             <a:pPr algn="ctr"/>
             <a:r>
               <a:rPr lang="ru-RU" sz="700" dirty="0"/>
-              <a:t>Устранение коммунистических угроз в ЦА </a:t>
-            </a:r>
-            <a:r>
-              <a:rPr lang="ru-RU" sz="100" dirty="0" smtClean="0"/>
-              <a:t>(</a:t>
+              <a:t>Союз с </a:t>
+            </a:r>
+            <a:r>
+              <a:rPr lang="ru-RU" sz="700" dirty="0" err="1"/>
+              <a:t>Доминиканой</a:t>
             </a:r>
             <a:endParaRPr lang="ru-RU" sz="400" dirty="0"/>
           </a:p>
@@ -9035,69 +9224,24 @@
       </p:sp>
       <p:cxnSp>
         <p:nvCxnSpPr>
-          <p:cNvPr id="231" name="Соединительная линия уступом 903">
-            <a:extLst>
-              <a:ext uri="{FF2B5EF4-FFF2-40B4-BE49-F238E27FC236}">
-                <a16:creationId xmlns="" xmlns:a16="http://schemas.microsoft.com/office/drawing/2014/main" id="{4F66CE16-F4D4-4BEA-B35B-7CA503F701C0}"/>
+          <p:cNvPr id="271" name="Прямая соединительная линия 270">
+            <a:extLst>
+              <a:ext uri="{FF2B5EF4-FFF2-40B4-BE49-F238E27FC236}">
+                <a16:creationId xmlns:a16="http://schemas.microsoft.com/office/drawing/2014/main" xmlns="" id="{A658E4AD-DAE9-412E-8260-CC41A0C2A1E1}"/>
               </a:ext>
             </a:extLst>
           </p:cNvPr>
           <p:cNvCxnSpPr>
             <a:cxnSpLocks/>
-            <a:stCxn id="95" idx="2"/>
-            <a:endCxn id="163" idx="0"/>
+            <a:stCxn id="270" idx="3"/>
+            <a:endCxn id="77" idx="1"/>
           </p:cNvCxnSpPr>
           <p:nvPr/>
         </p:nvCxnSpPr>
         <p:spPr>
-          <a:xfrm rot="5400000">
-            <a:off x="969819" y="11823724"/>
-            <a:ext cx="199853" cy="697686"/>
-          </a:xfrm>
-          <a:prstGeom prst="bentConnector3">
-            <a:avLst>
-              <a:gd name="adj1" fmla="val 50000"/>
-            </a:avLst>
-          </a:prstGeom>
-          <a:ln w="19050">
-            <a:tailEnd type="arrow"/>
-          </a:ln>
-        </p:spPr>
-        <p:style>
-          <a:lnRef idx="1">
-            <a:schemeClr val="accent1"/>
-          </a:lnRef>
-          <a:fillRef idx="0">
-            <a:schemeClr val="accent1"/>
-          </a:fillRef>
-          <a:effectRef idx="0">
-            <a:schemeClr val="accent1"/>
-          </a:effectRef>
-          <a:fontRef idx="minor">
-            <a:schemeClr val="tx1"/>
-          </a:fontRef>
-        </p:style>
-      </p:cxnSp>
-      <p:cxnSp>
-        <p:nvCxnSpPr>
-          <p:cNvPr id="238" name="Прямая соединительная линия 237">
-            <a:extLst>
-              <a:ext uri="{FF2B5EF4-FFF2-40B4-BE49-F238E27FC236}">
-                <a16:creationId xmlns="" xmlns:a16="http://schemas.microsoft.com/office/drawing/2014/main" id="{FD347516-2278-4B85-B9D1-D49EF200F440}"/>
-              </a:ext>
-            </a:extLst>
-          </p:cNvPr>
-          <p:cNvCxnSpPr>
-            <a:cxnSpLocks/>
-            <a:stCxn id="77" idx="3"/>
-            <a:endCxn id="112" idx="1"/>
-          </p:cNvCxnSpPr>
-          <p:nvPr/>
-        </p:nvCxnSpPr>
-        <p:spPr>
-          <a:xfrm>
-            <a:off x="3956891" y="11027048"/>
-            <a:ext cx="472258" cy="1407"/>
+          <a:xfrm flipV="1">
+            <a:off x="2558308" y="11027048"/>
+            <a:ext cx="472258" cy="1069"/>
           </a:xfrm>
           <a:prstGeom prst="line">
             <a:avLst/>
@@ -9125,158 +9269,10 @@
       </p:cxnSp>
       <p:cxnSp>
         <p:nvCxnSpPr>
-          <p:cNvPr id="266" name="Соединительная линия уступом 903">
-            <a:extLst>
-              <a:ext uri="{FF2B5EF4-FFF2-40B4-BE49-F238E27FC236}">
-                <a16:creationId xmlns="" xmlns:a16="http://schemas.microsoft.com/office/drawing/2014/main" id="{FD352671-4213-4DF2-A335-A0D96AEF3058}"/>
-              </a:ext>
-            </a:extLst>
-          </p:cNvPr>
-          <p:cNvCxnSpPr>
-            <a:cxnSpLocks/>
-            <a:stCxn id="89" idx="2"/>
-            <a:endCxn id="95" idx="0"/>
-          </p:cNvCxnSpPr>
-          <p:nvPr/>
-        </p:nvCxnSpPr>
-        <p:spPr>
-          <a:xfrm rot="5400000">
-            <a:off x="1235468" y="10675495"/>
-            <a:ext cx="1040267" cy="674025"/>
-          </a:xfrm>
-          <a:prstGeom prst="bentConnector3">
-            <a:avLst>
-              <a:gd name="adj1" fmla="val 12547"/>
-            </a:avLst>
-          </a:prstGeom>
-          <a:ln w="19050">
-            <a:tailEnd type="arrow"/>
-          </a:ln>
-        </p:spPr>
-        <p:style>
-          <a:lnRef idx="1">
-            <a:schemeClr val="accent1"/>
-          </a:lnRef>
-          <a:fillRef idx="0">
-            <a:schemeClr val="accent1"/>
-          </a:fillRef>
-          <a:effectRef idx="0">
-            <a:schemeClr val="accent1"/>
-          </a:effectRef>
-          <a:fontRef idx="minor">
-            <a:schemeClr val="tx1"/>
-          </a:fontRef>
-        </p:style>
-      </p:cxnSp>
-      <p:sp>
-        <p:nvSpPr>
-          <p:cNvPr id="270" name="Прямоугольник 269">
-            <a:extLst>
-              <a:ext uri="{FF2B5EF4-FFF2-40B4-BE49-F238E27FC236}">
-                <a16:creationId xmlns="" xmlns:a16="http://schemas.microsoft.com/office/drawing/2014/main" id="{A5342E2A-ECF3-4482-981E-FB362358AC03}"/>
-              </a:ext>
-            </a:extLst>
-          </p:cNvPr>
-          <p:cNvSpPr/>
-          <p:nvPr/>
-        </p:nvSpPr>
-        <p:spPr>
-          <a:xfrm>
-            <a:off x="1631983" y="10758117"/>
-            <a:ext cx="926325" cy="540000"/>
-          </a:xfrm>
-          <a:prstGeom prst="rect">
-            <a:avLst/>
-          </a:prstGeom>
-          <a:solidFill>
-            <a:schemeClr val="bg1">
-              <a:lumMod val="65000"/>
-            </a:schemeClr>
-          </a:solidFill>
-          <a:ln w="19050"/>
-        </p:spPr>
-        <p:style>
-          <a:lnRef idx="2">
-            <a:schemeClr val="accent1"/>
-          </a:lnRef>
-          <a:fillRef idx="1">
-            <a:schemeClr val="lt1"/>
-          </a:fillRef>
-          <a:effectRef idx="0">
-            <a:schemeClr val="accent1"/>
-          </a:effectRef>
-          <a:fontRef idx="minor">
-            <a:schemeClr val="dk1"/>
-          </a:fontRef>
-        </p:style>
-        <p:txBody>
-          <a:bodyPr lIns="124733" tIns="62367" rIns="124733" bIns="62367" rtlCol="0" anchor="ctr"/>
-          <a:lstStyle/>
-          <a:p>
-            <a:pPr algn="ctr"/>
-            <a:r>
-              <a:rPr lang="ru-RU" sz="700" dirty="0"/>
-              <a:t>Союз с </a:t>
-            </a:r>
-            <a:r>
-              <a:rPr lang="ru-RU" sz="700" dirty="0" err="1"/>
-              <a:t>Доминиканой</a:t>
-            </a:r>
-            <a:endParaRPr lang="ru-RU" sz="400" dirty="0"/>
-          </a:p>
-        </p:txBody>
-      </p:sp>
-      <p:cxnSp>
-        <p:nvCxnSpPr>
-          <p:cNvPr id="271" name="Прямая соединительная линия 270">
-            <a:extLst>
-              <a:ext uri="{FF2B5EF4-FFF2-40B4-BE49-F238E27FC236}">
-                <a16:creationId xmlns="" xmlns:a16="http://schemas.microsoft.com/office/drawing/2014/main" id="{A658E4AD-DAE9-412E-8260-CC41A0C2A1E1}"/>
-              </a:ext>
-            </a:extLst>
-          </p:cNvPr>
-          <p:cNvCxnSpPr>
-            <a:cxnSpLocks/>
-            <a:stCxn id="270" idx="3"/>
-            <a:endCxn id="77" idx="1"/>
-          </p:cNvCxnSpPr>
-          <p:nvPr/>
-        </p:nvCxnSpPr>
-        <p:spPr>
-          <a:xfrm flipV="1">
-            <a:off x="2558308" y="11027048"/>
-            <a:ext cx="472258" cy="1069"/>
-          </a:xfrm>
-          <a:prstGeom prst="line">
-            <a:avLst/>
-          </a:prstGeom>
-          <a:ln w="19050">
-            <a:solidFill>
-              <a:srgbClr val="FF0000"/>
-            </a:solidFill>
-          </a:ln>
-        </p:spPr>
-        <p:style>
-          <a:lnRef idx="1">
-            <a:schemeClr val="accent1"/>
-          </a:lnRef>
-          <a:fillRef idx="0">
-            <a:schemeClr val="accent1"/>
-          </a:fillRef>
-          <a:effectRef idx="0">
-            <a:schemeClr val="accent1"/>
-          </a:effectRef>
-          <a:fontRef idx="minor">
-            <a:schemeClr val="tx1"/>
-          </a:fontRef>
-        </p:style>
-      </p:cxnSp>
-      <p:cxnSp>
-        <p:nvCxnSpPr>
           <p:cNvPr id="279" name="Соединительная линия уступом 903">
             <a:extLst>
               <a:ext uri="{FF2B5EF4-FFF2-40B4-BE49-F238E27FC236}">
-                <a16:creationId xmlns="" xmlns:a16="http://schemas.microsoft.com/office/drawing/2014/main" id="{572840DF-3EA8-46E1-931A-FA2FFC7D98A4}"/>
+                <a16:creationId xmlns:a16="http://schemas.microsoft.com/office/drawing/2014/main" xmlns="" id="{572840DF-3EA8-46E1-931A-FA2FFC7D98A4}"/>
               </a:ext>
             </a:extLst>
           </p:cNvPr>
@@ -9321,7 +9317,7 @@
           <p:cNvPr id="286" name="Соединительная линия уступом 903">
             <a:extLst>
               <a:ext uri="{FF2B5EF4-FFF2-40B4-BE49-F238E27FC236}">
-                <a16:creationId xmlns="" xmlns:a16="http://schemas.microsoft.com/office/drawing/2014/main" id="{576D432B-14DD-4A6D-AB31-394D7535A00A}"/>
+                <a16:creationId xmlns:a16="http://schemas.microsoft.com/office/drawing/2014/main" xmlns="" id="{576D432B-14DD-4A6D-AB31-394D7535A00A}"/>
               </a:ext>
             </a:extLst>
           </p:cNvPr>
@@ -9366,7 +9362,7 @@
           <p:cNvPr id="295" name="Соединительная линия уступом 903">
             <a:extLst>
               <a:ext uri="{FF2B5EF4-FFF2-40B4-BE49-F238E27FC236}">
-                <a16:creationId xmlns="" xmlns:a16="http://schemas.microsoft.com/office/drawing/2014/main" id="{2A1524CC-F749-457E-8785-AFB89CF85AC6}"/>
+                <a16:creationId xmlns:a16="http://schemas.microsoft.com/office/drawing/2014/main" xmlns="" id="{2A1524CC-F749-457E-8785-AFB89CF85AC6}"/>
               </a:ext>
             </a:extLst>
           </p:cNvPr>
@@ -9409,56 +9405,10 @@
       </p:cxnSp>
       <p:cxnSp>
         <p:nvCxnSpPr>
-          <p:cNvPr id="298" name="Соединительная линия уступом 903">
-            <a:extLst>
-              <a:ext uri="{FF2B5EF4-FFF2-40B4-BE49-F238E27FC236}">
-                <a16:creationId xmlns="" xmlns:a16="http://schemas.microsoft.com/office/drawing/2014/main" id="{034CF559-3849-42CF-A3F3-E3159A936C70}"/>
-              </a:ext>
-            </a:extLst>
-          </p:cNvPr>
-          <p:cNvCxnSpPr>
-            <a:cxnSpLocks/>
-            <a:stCxn id="112" idx="2"/>
-            <a:endCxn id="162" idx="0"/>
-          </p:cNvCxnSpPr>
-          <p:nvPr/>
-        </p:nvCxnSpPr>
-        <p:spPr>
-          <a:xfrm rot="5400000">
-            <a:off x="4074088" y="10714417"/>
-            <a:ext cx="234186" cy="1402262"/>
-          </a:xfrm>
-          <a:prstGeom prst="bentConnector3">
-            <a:avLst>
-              <a:gd name="adj1" fmla="val 50000"/>
-            </a:avLst>
-          </a:prstGeom>
-          <a:ln w="19050">
-            <a:prstDash val="dash"/>
-            <a:tailEnd type="arrow"/>
-          </a:ln>
-        </p:spPr>
-        <p:style>
-          <a:lnRef idx="1">
-            <a:schemeClr val="accent1"/>
-          </a:lnRef>
-          <a:fillRef idx="0">
-            <a:schemeClr val="accent1"/>
-          </a:fillRef>
-          <a:effectRef idx="0">
-            <a:schemeClr val="accent1"/>
-          </a:effectRef>
-          <a:fontRef idx="minor">
-            <a:schemeClr val="tx1"/>
-          </a:fontRef>
-        </p:style>
-      </p:cxnSp>
-      <p:cxnSp>
-        <p:nvCxnSpPr>
           <p:cNvPr id="301" name="Соединительная линия уступом 903">
             <a:extLst>
               <a:ext uri="{FF2B5EF4-FFF2-40B4-BE49-F238E27FC236}">
-                <a16:creationId xmlns="" xmlns:a16="http://schemas.microsoft.com/office/drawing/2014/main" id="{7672BA52-6BCF-494F-8AA2-A64772CE3CC0}"/>
+                <a16:creationId xmlns:a16="http://schemas.microsoft.com/office/drawing/2014/main" xmlns="" id="{7672BA52-6BCF-494F-8AA2-A64772CE3CC0}"/>
               </a:ext>
             </a:extLst>
           </p:cNvPr>
@@ -9504,7 +9454,7 @@
           <p:cNvPr id="304" name="Прямоугольник 303">
             <a:extLst>
               <a:ext uri="{FF2B5EF4-FFF2-40B4-BE49-F238E27FC236}">
-                <a16:creationId xmlns="" xmlns:a16="http://schemas.microsoft.com/office/drawing/2014/main" id="{5A90479D-BFEC-4250-A8B4-175610005B0C}"/>
+                <a16:creationId xmlns:a16="http://schemas.microsoft.com/office/drawing/2014/main" xmlns="" id="{5A90479D-BFEC-4250-A8B4-175610005B0C}"/>
               </a:ext>
             </a:extLst>
           </p:cNvPr>
@@ -9513,7 +9463,7 @@
         </p:nvSpPr>
         <p:spPr>
           <a:xfrm>
-            <a:off x="7902869" y="8351660"/>
+            <a:off x="8006143" y="8349422"/>
             <a:ext cx="926325" cy="540000"/>
           </a:xfrm>
           <a:prstGeom prst="rect">
@@ -9563,7 +9513,7 @@
           <p:cNvPr id="305" name="Прямоугольник 304">
             <a:extLst>
               <a:ext uri="{FF2B5EF4-FFF2-40B4-BE49-F238E27FC236}">
-                <a16:creationId xmlns="" xmlns:a16="http://schemas.microsoft.com/office/drawing/2014/main" id="{73C6584F-AB91-413A-9C68-4ACD181B75C0}"/>
+                <a16:creationId xmlns:a16="http://schemas.microsoft.com/office/drawing/2014/main" xmlns="" id="{73C6584F-AB91-413A-9C68-4ACD181B75C0}"/>
               </a:ext>
             </a:extLst>
           </p:cNvPr>
@@ -9622,7 +9572,7 @@
           <p:cNvPr id="306" name="Соединительная линия уступом 903">
             <a:extLst>
               <a:ext uri="{FF2B5EF4-FFF2-40B4-BE49-F238E27FC236}">
-                <a16:creationId xmlns="" xmlns:a16="http://schemas.microsoft.com/office/drawing/2014/main" id="{8BEF26C8-19FF-4ACF-94F5-4225C4EB8246}"/>
+                <a16:creationId xmlns:a16="http://schemas.microsoft.com/office/drawing/2014/main" xmlns="" id="{8BEF26C8-19FF-4ACF-94F5-4225C4EB8246}"/>
               </a:ext>
             </a:extLst>
           </p:cNvPr>
@@ -9635,8 +9585,8 @@
         </p:nvCxnSpPr>
         <p:spPr>
           <a:xfrm rot="5400000">
-            <a:off x="8936604" y="7528152"/>
-            <a:ext cx="252936" cy="1394080"/>
+            <a:off x="8989360" y="7578670"/>
+            <a:ext cx="250698" cy="1290806"/>
           </a:xfrm>
           <a:prstGeom prst="bentConnector3">
             <a:avLst>
@@ -9667,7 +9617,7 @@
           <p:cNvPr id="312" name="Соединительная линия уступом 903">
             <a:extLst>
               <a:ext uri="{FF2B5EF4-FFF2-40B4-BE49-F238E27FC236}">
-                <a16:creationId xmlns="" xmlns:a16="http://schemas.microsoft.com/office/drawing/2014/main" id="{07137075-E005-4218-9DD1-C16A5EBE52A6}"/>
+                <a16:creationId xmlns:a16="http://schemas.microsoft.com/office/drawing/2014/main" xmlns="" id="{07137075-E005-4218-9DD1-C16A5EBE52A6}"/>
               </a:ext>
             </a:extLst>
           </p:cNvPr>
@@ -9712,7 +9662,7 @@
           <p:cNvPr id="130" name="Прямоугольник 129">
             <a:extLst>
               <a:ext uri="{FF2B5EF4-FFF2-40B4-BE49-F238E27FC236}">
-                <a16:creationId xmlns="" xmlns:a16="http://schemas.microsoft.com/office/drawing/2014/main" id="{ABFF5B51-3609-4286-A116-20D114007F6D}"/>
+                <a16:creationId xmlns:a16="http://schemas.microsoft.com/office/drawing/2014/main" xmlns="" id="{ABFF5B51-3609-4286-A116-20D114007F6D}"/>
               </a:ext>
             </a:extLst>
           </p:cNvPr>
@@ -9755,12 +9705,8 @@
           <a:p>
             <a:pPr algn="ctr"/>
             <a:r>
-              <a:rPr lang="ru-RU" sz="700" dirty="0"/>
-              <a:t>Объединить социальные слои общества </a:t>
-            </a:r>
-            <a:r>
-              <a:rPr lang="ru-RU" sz="200" dirty="0"/>
-              <a:t>(В первые годы своего существования PLI добилась объединения различных социальных слоев: рабочих, студентов, торговцев, домохозяек, крестьян и т. д.)</a:t>
+              <a:rPr lang="ru-RU" sz="700" dirty="0" smtClean="0"/>
+              <a:t>Объединить социальные слои общества</a:t>
             </a:r>
             <a:endParaRPr lang="ru-RU" sz="400" dirty="0"/>
           </a:p>
@@ -9771,7 +9717,7 @@
           <p:cNvPr id="132" name="Прямоугольник 131">
             <a:extLst>
               <a:ext uri="{FF2B5EF4-FFF2-40B4-BE49-F238E27FC236}">
-                <a16:creationId xmlns="" xmlns:a16="http://schemas.microsoft.com/office/drawing/2014/main" id="{42471CBD-413A-4A3C-B6F6-DCD88E55B78D}"/>
+                <a16:creationId xmlns:a16="http://schemas.microsoft.com/office/drawing/2014/main" xmlns="" id="{42471CBD-413A-4A3C-B6F6-DCD88E55B78D}"/>
               </a:ext>
             </a:extLst>
           </p:cNvPr>
@@ -9821,7 +9767,7 @@
           <p:cNvPr id="133" name="Прямоугольник 132">
             <a:extLst>
               <a:ext uri="{FF2B5EF4-FFF2-40B4-BE49-F238E27FC236}">
-                <a16:creationId xmlns="" xmlns:a16="http://schemas.microsoft.com/office/drawing/2014/main" id="{5A02DB7D-6E57-4AEF-9913-B75B2F02E27D}"/>
+                <a16:creationId xmlns:a16="http://schemas.microsoft.com/office/drawing/2014/main" xmlns="" id="{5A02DB7D-6E57-4AEF-9913-B75B2F02E27D}"/>
               </a:ext>
             </a:extLst>
           </p:cNvPr>
@@ -9876,7 +9822,7 @@
           <p:cNvPr id="135" name="Прямоугольник 134">
             <a:extLst>
               <a:ext uri="{FF2B5EF4-FFF2-40B4-BE49-F238E27FC236}">
-                <a16:creationId xmlns="" xmlns:a16="http://schemas.microsoft.com/office/drawing/2014/main" id="{D80463F0-008D-4836-8F9E-3D2D6E66AB47}"/>
+                <a16:creationId xmlns:a16="http://schemas.microsoft.com/office/drawing/2014/main" xmlns="" id="{D80463F0-008D-4836-8F9E-3D2D6E66AB47}"/>
               </a:ext>
             </a:extLst>
           </p:cNvPr>
@@ -9931,7 +9877,7 @@
           <p:cNvPr id="136" name="Прямоугольник 135">
             <a:extLst>
               <a:ext uri="{FF2B5EF4-FFF2-40B4-BE49-F238E27FC236}">
-                <a16:creationId xmlns="" xmlns:a16="http://schemas.microsoft.com/office/drawing/2014/main" id="{C758B007-0C96-4689-82E4-6C593885F846}"/>
+                <a16:creationId xmlns:a16="http://schemas.microsoft.com/office/drawing/2014/main" xmlns="" id="{C758B007-0C96-4689-82E4-6C593885F846}"/>
               </a:ext>
             </a:extLst>
           </p:cNvPr>
@@ -9975,19 +9921,11 @@
             <a:pPr algn="ctr"/>
             <a:r>
               <a:rPr lang="ru-RU" sz="700" dirty="0"/>
-              <a:t>Великая конституция  </a:t>
-            </a:r>
-            <a:r>
-              <a:rPr lang="ru-RU" sz="100" dirty="0"/>
-              <a:t>(Договор не был конституцией, и существование республики зависело исключительно от готовности каждого члена остаться в союзе, но, тем не менее, была создана Великая Республика Центральной Америки со столицей в </a:t>
-            </a:r>
-            <a:r>
-              <a:rPr lang="ru-RU" sz="100" dirty="0" err="1"/>
-              <a:t>Амапале</a:t>
-            </a:r>
-            <a:r>
-              <a:rPr lang="ru-RU" sz="100" dirty="0"/>
-              <a:t> .) Подписавшие настоящий договор правительства не отказываются от своей автономии и независимости в отношении управления своими внутренними делами, и конституция и законы каждого штата остаются в силе, поскольку они не противоречат положениям настоящего договора. . Для исполнения положений, содержащихся в Статье I, должен быть сейм, состоящий из одного члена и одного заместителя, избираемых каждым из съездов подписавших республик сроком на три года. 27 августа 1898 года представители собрались в Манагуа , чтобы разработать и подписать конституцию Великой республики. Конституция Великой Республики Центральной Америки была ратифицирована 1 ноября 1898 года, официально изменив название страны на Соединенные Штаты Центральной Америки .</a:t>
+              <a:t>Великая </a:t>
+            </a:r>
+            <a:r>
+              <a:rPr lang="ru-RU" sz="700" dirty="0" smtClean="0"/>
+              <a:t>конституция</a:t>
             </a:r>
             <a:endParaRPr lang="ru-RU" sz="400" dirty="0"/>
           </a:p>
@@ -9998,7 +9936,7 @@
           <p:cNvPr id="139" name="Прямоугольник 138">
             <a:extLst>
               <a:ext uri="{FF2B5EF4-FFF2-40B4-BE49-F238E27FC236}">
-                <a16:creationId xmlns="" xmlns:a16="http://schemas.microsoft.com/office/drawing/2014/main" id="{2772F863-F97F-446C-9EF5-E9FBA76BA105}"/>
+                <a16:creationId xmlns:a16="http://schemas.microsoft.com/office/drawing/2014/main" xmlns="" id="{2772F863-F97F-446C-9EF5-E9FBA76BA105}"/>
               </a:ext>
             </a:extLst>
           </p:cNvPr>
@@ -10014,8 +9952,8 @@
             <a:avLst/>
           </a:prstGeom>
           <a:solidFill>
-            <a:schemeClr val="bg1">
-              <a:lumMod val="65000"/>
+            <a:schemeClr val="accent2">
+              <a:lumMod val="75000"/>
             </a:schemeClr>
           </a:solidFill>
           <a:ln w="19050"/>
@@ -10052,7 +9990,7 @@
           <p:cNvPr id="140" name="Прямая со стрелкой 139">
             <a:extLst>
               <a:ext uri="{FF2B5EF4-FFF2-40B4-BE49-F238E27FC236}">
-                <a16:creationId xmlns="" xmlns:a16="http://schemas.microsoft.com/office/drawing/2014/main" id="{B3FCE5AB-B549-43E5-94DB-B0838C67B62E}"/>
+                <a16:creationId xmlns:a16="http://schemas.microsoft.com/office/drawing/2014/main" xmlns="" id="{B3FCE5AB-B549-43E5-94DB-B0838C67B62E}"/>
               </a:ext>
             </a:extLst>
           </p:cNvPr>
@@ -10095,7 +10033,7 @@
           <p:cNvPr id="142" name="Прямая со стрелкой 141">
             <a:extLst>
               <a:ext uri="{FF2B5EF4-FFF2-40B4-BE49-F238E27FC236}">
-                <a16:creationId xmlns="" xmlns:a16="http://schemas.microsoft.com/office/drawing/2014/main" id="{6DB489FB-B7F5-4424-8C73-6D37DF418426}"/>
+                <a16:creationId xmlns:a16="http://schemas.microsoft.com/office/drawing/2014/main" xmlns="" id="{6DB489FB-B7F5-4424-8C73-6D37DF418426}"/>
               </a:ext>
             </a:extLst>
           </p:cNvPr>
@@ -10138,7 +10076,7 @@
           <p:cNvPr id="143" name="Прямоугольник 142">
             <a:extLst>
               <a:ext uri="{FF2B5EF4-FFF2-40B4-BE49-F238E27FC236}">
-                <a16:creationId xmlns="" xmlns:a16="http://schemas.microsoft.com/office/drawing/2014/main" id="{D8560F03-D7E5-4EAE-8AB6-25DD52B13299}"/>
+                <a16:creationId xmlns:a16="http://schemas.microsoft.com/office/drawing/2014/main" xmlns="" id="{D8560F03-D7E5-4EAE-8AB6-25DD52B13299}"/>
               </a:ext>
             </a:extLst>
           </p:cNvPr>
@@ -10190,19 +10128,11 @@
             </a:r>
             <a:r>
               <a:rPr lang="ru-RU" sz="700" dirty="0"/>
-              <a:t> на службу </a:t>
-            </a:r>
-            <a:r>
-              <a:rPr lang="ru-RU" sz="500" dirty="0"/>
-              <a:t>(может ему передать пост директора </a:t>
-            </a:r>
-            <a:r>
-              <a:rPr lang="ru-RU" sz="500" dirty="0" err="1"/>
-              <a:t>нац</a:t>
-            </a:r>
-            <a:r>
-              <a:rPr lang="ru-RU" sz="500" dirty="0"/>
-              <a:t> гвардии)</a:t>
+              <a:t> на </a:t>
+            </a:r>
+            <a:r>
+              <a:rPr lang="ru-RU" sz="700" dirty="0" smtClean="0"/>
+              <a:t>службу</a:t>
             </a:r>
             <a:endParaRPr lang="ru-RU" sz="400" dirty="0"/>
           </a:p>
@@ -10213,7 +10143,7 @@
           <p:cNvPr id="145" name="Прямоугольник 144">
             <a:extLst>
               <a:ext uri="{FF2B5EF4-FFF2-40B4-BE49-F238E27FC236}">
-                <a16:creationId xmlns="" xmlns:a16="http://schemas.microsoft.com/office/drawing/2014/main" id="{9B2FDAB2-B211-4434-9C5B-E5DF44A10A33}"/>
+                <a16:creationId xmlns:a16="http://schemas.microsoft.com/office/drawing/2014/main" xmlns="" id="{9B2FDAB2-B211-4434-9C5B-E5DF44A10A33}"/>
               </a:ext>
             </a:extLst>
           </p:cNvPr>
@@ -10229,8 +10159,8 @@
             <a:avLst/>
           </a:prstGeom>
           <a:solidFill>
-            <a:schemeClr val="bg1">
-              <a:lumMod val="65000"/>
+            <a:schemeClr val="accent2">
+              <a:lumMod val="75000"/>
             </a:schemeClr>
           </a:solidFill>
           <a:ln w="19050"/>
@@ -10271,7 +10201,7 @@
           <p:cNvPr id="146" name="Соединительная линия уступом 903">
             <a:extLst>
               <a:ext uri="{FF2B5EF4-FFF2-40B4-BE49-F238E27FC236}">
-                <a16:creationId xmlns="" xmlns:a16="http://schemas.microsoft.com/office/drawing/2014/main" id="{7F2B1BD7-0FDF-4BD9-834C-72911F99D650}"/>
+                <a16:creationId xmlns:a16="http://schemas.microsoft.com/office/drawing/2014/main" xmlns="" id="{7F2B1BD7-0FDF-4BD9-834C-72911F99D650}"/>
               </a:ext>
             </a:extLst>
           </p:cNvPr>
@@ -10316,7 +10246,7 @@
           <p:cNvPr id="148" name="Прямоугольник 147">
             <a:extLst>
               <a:ext uri="{FF2B5EF4-FFF2-40B4-BE49-F238E27FC236}">
-                <a16:creationId xmlns="" xmlns:a16="http://schemas.microsoft.com/office/drawing/2014/main" id="{5F0353F8-E21C-4F18-BE59-BB22D272D767}"/>
+                <a16:creationId xmlns:a16="http://schemas.microsoft.com/office/drawing/2014/main" xmlns="" id="{5F0353F8-E21C-4F18-BE59-BB22D272D767}"/>
               </a:ext>
             </a:extLst>
           </p:cNvPr>
@@ -10360,12 +10290,13 @@
             <a:pPr algn="ctr"/>
             <a:r>
               <a:rPr lang="ru-RU" sz="700" dirty="0"/>
-              <a:t>Продолжить «политику добрососедства» </a:t>
-            </a:r>
-            <a:r>
-              <a:rPr lang="ru-RU" sz="400" dirty="0"/>
-              <a:t>(Укрепить отношения со странами Центральной Америки)</a:t>
-            </a:r>
+              <a:t>Продолжить «политику добрососедства</a:t>
+            </a:r>
+            <a:r>
+              <a:rPr lang="ru-RU" sz="700" dirty="0" smtClean="0"/>
+              <a:t>»</a:t>
+            </a:r>
+            <a:endParaRPr lang="ru-RU" sz="400" dirty="0"/>
           </a:p>
         </p:txBody>
       </p:sp>
@@ -10374,7 +10305,7 @@
           <p:cNvPr id="149" name="Прямоугольник 148">
             <a:extLst>
               <a:ext uri="{FF2B5EF4-FFF2-40B4-BE49-F238E27FC236}">
-                <a16:creationId xmlns="" xmlns:a16="http://schemas.microsoft.com/office/drawing/2014/main" id="{4A8FCB66-A700-49E8-963C-C94CA0CCF5FD}"/>
+                <a16:creationId xmlns:a16="http://schemas.microsoft.com/office/drawing/2014/main" xmlns="" id="{4A8FCB66-A700-49E8-963C-C94CA0CCF5FD}"/>
               </a:ext>
             </a:extLst>
           </p:cNvPr>
@@ -10418,43 +10349,11 @@
             <a:pPr algn="ctr"/>
             <a:r>
               <a:rPr lang="ru-RU" sz="700" dirty="0"/>
-              <a:t>Военная Либеральная Лига </a:t>
-            </a:r>
-            <a:r>
-              <a:rPr lang="ru-RU" sz="100" dirty="0"/>
-              <a:t>(</a:t>
-            </a:r>
-            <a:r>
-              <a:rPr lang="ru-RU" sz="100" dirty="0" err="1"/>
-              <a:t>Сомоса</a:t>
-            </a:r>
-            <a:r>
-              <a:rPr lang="ru-RU" sz="100" dirty="0"/>
-              <a:t> решил также милитаризовать часть либеральной партии. В 1937 году так называемой Военной либеральной лиге (в ней состояли члены </a:t>
-            </a:r>
-            <a:r>
-              <a:rPr lang="ru-RU" sz="100" dirty="0" err="1"/>
-              <a:t>либераль¬ной</a:t>
-            </a:r>
-            <a:r>
-              <a:rPr lang="ru-RU" sz="100" dirty="0"/>
-              <a:t> партии — ветераны гражданских войн) был присвоен статус </a:t>
-            </a:r>
-            <a:r>
-              <a:rPr lang="ru-RU" sz="100" dirty="0" err="1"/>
-              <a:t>вспомога¬тельных</a:t>
-            </a:r>
-            <a:r>
-              <a:rPr lang="ru-RU" sz="100" dirty="0"/>
-              <a:t> военных формирований национальной гвардии. Всего в лиге было примерно 2600 членов, и ее боевые отряды были распределены по городам и поселкам . Главой лиги был сам </a:t>
-            </a:r>
-            <a:r>
-              <a:rPr lang="ru-RU" sz="100" dirty="0" err="1"/>
-              <a:t>Сомоса</a:t>
-            </a:r>
-            <a:r>
-              <a:rPr lang="ru-RU" sz="100" dirty="0"/>
-              <a:t>.)</a:t>
+              <a:t>Военная Либеральная </a:t>
+            </a:r>
+            <a:r>
+              <a:rPr lang="ru-RU" sz="700" dirty="0" smtClean="0"/>
+              <a:t>Лига</a:t>
             </a:r>
             <a:endParaRPr lang="ru-RU" sz="400" dirty="0"/>
           </a:p>
@@ -10465,7 +10364,7 @@
           <p:cNvPr id="151" name="Прямоугольник 150">
             <a:extLst>
               <a:ext uri="{FF2B5EF4-FFF2-40B4-BE49-F238E27FC236}">
-                <a16:creationId xmlns="" xmlns:a16="http://schemas.microsoft.com/office/drawing/2014/main" id="{42471CBD-413A-4A3C-B6F6-DCD88E55B78D}"/>
+                <a16:creationId xmlns:a16="http://schemas.microsoft.com/office/drawing/2014/main" xmlns="" id="{42471CBD-413A-4A3C-B6F6-DCD88E55B78D}"/>
               </a:ext>
             </a:extLst>
           </p:cNvPr>
@@ -10519,7 +10418,7 @@
           <p:cNvPr id="152" name="Прямоугольник 151">
             <a:extLst>
               <a:ext uri="{FF2B5EF4-FFF2-40B4-BE49-F238E27FC236}">
-                <a16:creationId xmlns="" xmlns:a16="http://schemas.microsoft.com/office/drawing/2014/main" id="{29CBE310-5100-413A-B4C1-EA4E28F411B1}"/>
+                <a16:creationId xmlns:a16="http://schemas.microsoft.com/office/drawing/2014/main" xmlns="" id="{29CBE310-5100-413A-B4C1-EA4E28F411B1}"/>
               </a:ext>
             </a:extLst>
           </p:cNvPr>
@@ -10573,7 +10472,7 @@
           <p:cNvPr id="154" name="Соединительная линия уступом 903">
             <a:extLst>
               <a:ext uri="{FF2B5EF4-FFF2-40B4-BE49-F238E27FC236}">
-                <a16:creationId xmlns="" xmlns:a16="http://schemas.microsoft.com/office/drawing/2014/main" id="{BDC7F8CB-0052-4FAE-993D-F1332955CF43}"/>
+                <a16:creationId xmlns:a16="http://schemas.microsoft.com/office/drawing/2014/main" xmlns="" id="{BDC7F8CB-0052-4FAE-993D-F1332955CF43}"/>
               </a:ext>
             </a:extLst>
           </p:cNvPr>
@@ -10618,7 +10517,7 @@
           <p:cNvPr id="155" name="Соединительная линия уступом 903">
             <a:extLst>
               <a:ext uri="{FF2B5EF4-FFF2-40B4-BE49-F238E27FC236}">
-                <a16:creationId xmlns="" xmlns:a16="http://schemas.microsoft.com/office/drawing/2014/main" id="{BDC7F8CB-0052-4FAE-993D-F1332955CF43}"/>
+                <a16:creationId xmlns:a16="http://schemas.microsoft.com/office/drawing/2014/main" xmlns="" id="{BDC7F8CB-0052-4FAE-993D-F1332955CF43}"/>
               </a:ext>
             </a:extLst>
           </p:cNvPr>
@@ -10663,7 +10562,7 @@
           <p:cNvPr id="159" name="Соединительная линия уступом 903">
             <a:extLst>
               <a:ext uri="{FF2B5EF4-FFF2-40B4-BE49-F238E27FC236}">
-                <a16:creationId xmlns="" xmlns:a16="http://schemas.microsoft.com/office/drawing/2014/main" id="{BDC7F8CB-0052-4FAE-993D-F1332955CF43}"/>
+                <a16:creationId xmlns:a16="http://schemas.microsoft.com/office/drawing/2014/main" xmlns="" id="{BDC7F8CB-0052-4FAE-993D-F1332955CF43}"/>
               </a:ext>
             </a:extLst>
           </p:cNvPr>
@@ -10708,7 +10607,7 @@
           <p:cNvPr id="160" name="Соединительная линия уступом 903">
             <a:extLst>
               <a:ext uri="{FF2B5EF4-FFF2-40B4-BE49-F238E27FC236}">
-                <a16:creationId xmlns="" xmlns:a16="http://schemas.microsoft.com/office/drawing/2014/main" id="{BDC7F8CB-0052-4FAE-993D-F1332955CF43}"/>
+                <a16:creationId xmlns:a16="http://schemas.microsoft.com/office/drawing/2014/main" xmlns="" id="{BDC7F8CB-0052-4FAE-993D-F1332955CF43}"/>
               </a:ext>
             </a:extLst>
           </p:cNvPr>
@@ -10753,7 +10652,7 @@
           <p:cNvPr id="161" name="Соединительная линия уступом 903">
             <a:extLst>
               <a:ext uri="{FF2B5EF4-FFF2-40B4-BE49-F238E27FC236}">
-                <a16:creationId xmlns="" xmlns:a16="http://schemas.microsoft.com/office/drawing/2014/main" id="{BDC7F8CB-0052-4FAE-993D-F1332955CF43}"/>
+                <a16:creationId xmlns:a16="http://schemas.microsoft.com/office/drawing/2014/main" xmlns="" id="{BDC7F8CB-0052-4FAE-993D-F1332955CF43}"/>
               </a:ext>
             </a:extLst>
           </p:cNvPr>
@@ -10798,7 +10697,7 @@
           <p:cNvPr id="165" name="Соединительная линия уступом 903">
             <a:extLst>
               <a:ext uri="{FF2B5EF4-FFF2-40B4-BE49-F238E27FC236}">
-                <a16:creationId xmlns="" xmlns:a16="http://schemas.microsoft.com/office/drawing/2014/main" id="{BDC7F8CB-0052-4FAE-993D-F1332955CF43}"/>
+                <a16:creationId xmlns:a16="http://schemas.microsoft.com/office/drawing/2014/main" xmlns="" id="{BDC7F8CB-0052-4FAE-993D-F1332955CF43}"/>
               </a:ext>
             </a:extLst>
           </p:cNvPr>
@@ -10843,7 +10742,7 @@
           <p:cNvPr id="166" name="Соединительная линия уступом 903">
             <a:extLst>
               <a:ext uri="{FF2B5EF4-FFF2-40B4-BE49-F238E27FC236}">
-                <a16:creationId xmlns="" xmlns:a16="http://schemas.microsoft.com/office/drawing/2014/main" id="{BDC7F8CB-0052-4FAE-993D-F1332955CF43}"/>
+                <a16:creationId xmlns:a16="http://schemas.microsoft.com/office/drawing/2014/main" xmlns="" id="{BDC7F8CB-0052-4FAE-993D-F1332955CF43}"/>
               </a:ext>
             </a:extLst>
           </p:cNvPr>
@@ -10888,7 +10787,7 @@
           <p:cNvPr id="167" name="Соединительная линия уступом 903">
             <a:extLst>
               <a:ext uri="{FF2B5EF4-FFF2-40B4-BE49-F238E27FC236}">
-                <a16:creationId xmlns="" xmlns:a16="http://schemas.microsoft.com/office/drawing/2014/main" id="{BDC7F8CB-0052-4FAE-993D-F1332955CF43}"/>
+                <a16:creationId xmlns:a16="http://schemas.microsoft.com/office/drawing/2014/main" xmlns="" id="{BDC7F8CB-0052-4FAE-993D-F1332955CF43}"/>
               </a:ext>
             </a:extLst>
           </p:cNvPr>
@@ -10933,7 +10832,7 @@
           <p:cNvPr id="184" name="Соединительная линия уступом 903">
             <a:extLst>
               <a:ext uri="{FF2B5EF4-FFF2-40B4-BE49-F238E27FC236}">
-                <a16:creationId xmlns="" xmlns:a16="http://schemas.microsoft.com/office/drawing/2014/main" id="{BDC7F8CB-0052-4FAE-993D-F1332955CF43}"/>
+                <a16:creationId xmlns:a16="http://schemas.microsoft.com/office/drawing/2014/main" xmlns="" id="{BDC7F8CB-0052-4FAE-993D-F1332955CF43}"/>
               </a:ext>
             </a:extLst>
           </p:cNvPr>
@@ -10978,7 +10877,7 @@
           <p:cNvPr id="187" name="Соединительная линия уступом 903">
             <a:extLst>
               <a:ext uri="{FF2B5EF4-FFF2-40B4-BE49-F238E27FC236}">
-                <a16:creationId xmlns="" xmlns:a16="http://schemas.microsoft.com/office/drawing/2014/main" id="{BDC7F8CB-0052-4FAE-993D-F1332955CF43}"/>
+                <a16:creationId xmlns:a16="http://schemas.microsoft.com/office/drawing/2014/main" xmlns="" id="{BDC7F8CB-0052-4FAE-993D-F1332955CF43}"/>
               </a:ext>
             </a:extLst>
           </p:cNvPr>
@@ -11023,7 +10922,7 @@
           <p:cNvPr id="191" name="Прямая со стрелкой 190">
             <a:extLst>
               <a:ext uri="{FF2B5EF4-FFF2-40B4-BE49-F238E27FC236}">
-                <a16:creationId xmlns="" xmlns:a16="http://schemas.microsoft.com/office/drawing/2014/main" id="{11E09268-6642-4446-BE40-6FEF2498A4ED}"/>
+                <a16:creationId xmlns:a16="http://schemas.microsoft.com/office/drawing/2014/main" xmlns="" id="{11E09268-6642-4446-BE40-6FEF2498A4ED}"/>
               </a:ext>
             </a:extLst>
           </p:cNvPr>
@@ -11105,7 +11004,7 @@
           <p:cNvPr id="211" name="Прямая со стрелкой 210">
             <a:extLst>
               <a:ext uri="{FF2B5EF4-FFF2-40B4-BE49-F238E27FC236}">
-                <a16:creationId xmlns="" xmlns:a16="http://schemas.microsoft.com/office/drawing/2014/main" id="{59266080-AC10-42CA-B68E-CEDF802FA3D3}"/>
+                <a16:creationId xmlns:a16="http://schemas.microsoft.com/office/drawing/2014/main" xmlns="" id="{59266080-AC10-42CA-B68E-CEDF802FA3D3}"/>
               </a:ext>
             </a:extLst>
           </p:cNvPr>
@@ -11149,7 +11048,7 @@
           <p:cNvPr id="214" name="Соединительная линия уступом 903">
             <a:extLst>
               <a:ext uri="{FF2B5EF4-FFF2-40B4-BE49-F238E27FC236}">
-                <a16:creationId xmlns="" xmlns:a16="http://schemas.microsoft.com/office/drawing/2014/main" id="{BDC7F8CB-0052-4FAE-993D-F1332955CF43}"/>
+                <a16:creationId xmlns:a16="http://schemas.microsoft.com/office/drawing/2014/main" xmlns="" id="{BDC7F8CB-0052-4FAE-993D-F1332955CF43}"/>
               </a:ext>
             </a:extLst>
           </p:cNvPr>
@@ -11195,7 +11094,7 @@
           <p:cNvPr id="217" name="Соединительная линия уступом 903">
             <a:extLst>
               <a:ext uri="{FF2B5EF4-FFF2-40B4-BE49-F238E27FC236}">
-                <a16:creationId xmlns="" xmlns:a16="http://schemas.microsoft.com/office/drawing/2014/main" id="{BDC7F8CB-0052-4FAE-993D-F1332955CF43}"/>
+                <a16:creationId xmlns:a16="http://schemas.microsoft.com/office/drawing/2014/main" xmlns="" id="{BDC7F8CB-0052-4FAE-993D-F1332955CF43}"/>
               </a:ext>
             </a:extLst>
           </p:cNvPr>
@@ -11241,7 +11140,7 @@
           <p:cNvPr id="221" name="Прямоугольник 220">
             <a:extLst>
               <a:ext uri="{FF2B5EF4-FFF2-40B4-BE49-F238E27FC236}">
-                <a16:creationId xmlns="" xmlns:a16="http://schemas.microsoft.com/office/drawing/2014/main" id="{D53819E8-2FF6-4FFA-A7E4-75D55AADB8B5}"/>
+                <a16:creationId xmlns:a16="http://schemas.microsoft.com/office/drawing/2014/main" xmlns="" id="{D53819E8-2FF6-4FFA-A7E4-75D55AADB8B5}"/>
               </a:ext>
             </a:extLst>
           </p:cNvPr>
@@ -11295,7 +11194,7 @@
           <p:cNvPr id="225" name="Соединительная линия уступом 903">
             <a:extLst>
               <a:ext uri="{FF2B5EF4-FFF2-40B4-BE49-F238E27FC236}">
-                <a16:creationId xmlns="" xmlns:a16="http://schemas.microsoft.com/office/drawing/2014/main" id="{BDC7F8CB-0052-4FAE-993D-F1332955CF43}"/>
+                <a16:creationId xmlns:a16="http://schemas.microsoft.com/office/drawing/2014/main" xmlns="" id="{BDC7F8CB-0052-4FAE-993D-F1332955CF43}"/>
               </a:ext>
             </a:extLst>
           </p:cNvPr>
@@ -11340,7 +11239,7 @@
           <p:cNvPr id="243" name="Прямоугольник 242">
             <a:extLst>
               <a:ext uri="{FF2B5EF4-FFF2-40B4-BE49-F238E27FC236}">
-                <a16:creationId xmlns="" xmlns:a16="http://schemas.microsoft.com/office/drawing/2014/main" id="{03F7D570-4EE1-495E-9294-D367F2E7763E}"/>
+                <a16:creationId xmlns:a16="http://schemas.microsoft.com/office/drawing/2014/main" xmlns="" id="{03F7D570-4EE1-495E-9294-D367F2E7763E}"/>
               </a:ext>
             </a:extLst>
           </p:cNvPr>
@@ -11678,7 +11577,7 @@
           <p:cNvPr id="168" name="Прямоугольник 167">
             <a:extLst>
               <a:ext uri="{FF2B5EF4-FFF2-40B4-BE49-F238E27FC236}">
-                <a16:creationId xmlns="" xmlns:a16="http://schemas.microsoft.com/office/drawing/2014/main" id="{29CBE310-5100-413A-B4C1-EA4E28F411B1}"/>
+                <a16:creationId xmlns:a16="http://schemas.microsoft.com/office/drawing/2014/main" xmlns="" id="{29CBE310-5100-413A-B4C1-EA4E28F411B1}"/>
               </a:ext>
             </a:extLst>
           </p:cNvPr>
@@ -11728,7 +11627,7 @@
           <p:cNvPr id="171" name="Прямоугольник 170">
             <a:extLst>
               <a:ext uri="{FF2B5EF4-FFF2-40B4-BE49-F238E27FC236}">
-                <a16:creationId xmlns="" xmlns:a16="http://schemas.microsoft.com/office/drawing/2014/main" id="{29CBE310-5100-413A-B4C1-EA4E28F411B1}"/>
+                <a16:creationId xmlns:a16="http://schemas.microsoft.com/office/drawing/2014/main" xmlns="" id="{29CBE310-5100-413A-B4C1-EA4E28F411B1}"/>
               </a:ext>
             </a:extLst>
           </p:cNvPr>
@@ -11778,7 +11677,7 @@
           <p:cNvPr id="172" name="Соединительная линия уступом 903">
             <a:extLst>
               <a:ext uri="{FF2B5EF4-FFF2-40B4-BE49-F238E27FC236}">
-                <a16:creationId xmlns="" xmlns:a16="http://schemas.microsoft.com/office/drawing/2014/main" id="{BDC7F8CB-0052-4FAE-993D-F1332955CF43}"/>
+                <a16:creationId xmlns:a16="http://schemas.microsoft.com/office/drawing/2014/main" xmlns="" id="{BDC7F8CB-0052-4FAE-993D-F1332955CF43}"/>
               </a:ext>
             </a:extLst>
           </p:cNvPr>
@@ -11823,7 +11722,7 @@
           <p:cNvPr id="177" name="Прямая со стрелкой 176">
             <a:extLst>
               <a:ext uri="{FF2B5EF4-FFF2-40B4-BE49-F238E27FC236}">
-                <a16:creationId xmlns="" xmlns:a16="http://schemas.microsoft.com/office/drawing/2014/main" id="{11E09268-6642-4446-BE40-6FEF2498A4ED}"/>
+                <a16:creationId xmlns:a16="http://schemas.microsoft.com/office/drawing/2014/main" xmlns="" id="{11E09268-6642-4446-BE40-6FEF2498A4ED}"/>
               </a:ext>
             </a:extLst>
           </p:cNvPr>
@@ -11866,7 +11765,7 @@
           <p:cNvPr id="180" name="Прямоугольник 179">
             <a:extLst>
               <a:ext uri="{FF2B5EF4-FFF2-40B4-BE49-F238E27FC236}">
-                <a16:creationId xmlns="" xmlns:a16="http://schemas.microsoft.com/office/drawing/2014/main" id="{8F90957D-3F70-4F7D-A50B-157EE934D6F5}"/>
+                <a16:creationId xmlns:a16="http://schemas.microsoft.com/office/drawing/2014/main" xmlns="" id="{8F90957D-3F70-4F7D-A50B-157EE934D6F5}"/>
               </a:ext>
             </a:extLst>
           </p:cNvPr>
@@ -11924,7 +11823,7 @@
           <p:cNvPr id="182" name="Соединительная линия уступом 903">
             <a:extLst>
               <a:ext uri="{FF2B5EF4-FFF2-40B4-BE49-F238E27FC236}">
-                <a16:creationId xmlns="" xmlns:a16="http://schemas.microsoft.com/office/drawing/2014/main" id="{BDC7F8CB-0052-4FAE-993D-F1332955CF43}"/>
+                <a16:creationId xmlns:a16="http://schemas.microsoft.com/office/drawing/2014/main" xmlns="" id="{BDC7F8CB-0052-4FAE-993D-F1332955CF43}"/>
               </a:ext>
             </a:extLst>
           </p:cNvPr>
@@ -11969,7 +11868,7 @@
           <p:cNvPr id="185" name="Прямоугольник 184">
             <a:extLst>
               <a:ext uri="{FF2B5EF4-FFF2-40B4-BE49-F238E27FC236}">
-                <a16:creationId xmlns="" xmlns:a16="http://schemas.microsoft.com/office/drawing/2014/main" id="{9C02A14C-DE5F-49AD-A4EE-A27966D0EFDC}"/>
+                <a16:creationId xmlns:a16="http://schemas.microsoft.com/office/drawing/2014/main" xmlns="" id="{9C02A14C-DE5F-49AD-A4EE-A27966D0EFDC}"/>
               </a:ext>
             </a:extLst>
           </p:cNvPr>
@@ -12027,7 +11926,7 @@
           <p:cNvPr id="186" name="Соединительная линия уступом 903">
             <a:extLst>
               <a:ext uri="{FF2B5EF4-FFF2-40B4-BE49-F238E27FC236}">
-                <a16:creationId xmlns="" xmlns:a16="http://schemas.microsoft.com/office/drawing/2014/main" id="{2A1524CC-F749-457E-8785-AFB89CF85AC6}"/>
+                <a16:creationId xmlns:a16="http://schemas.microsoft.com/office/drawing/2014/main" xmlns="" id="{2A1524CC-F749-457E-8785-AFB89CF85AC6}"/>
               </a:ext>
             </a:extLst>
           </p:cNvPr>
@@ -12073,7 +11972,7 @@
           <p:cNvPr id="190" name="Соединительная линия уступом 903">
             <a:extLst>
               <a:ext uri="{FF2B5EF4-FFF2-40B4-BE49-F238E27FC236}">
-                <a16:creationId xmlns="" xmlns:a16="http://schemas.microsoft.com/office/drawing/2014/main" id="{2A1524CC-F749-457E-8785-AFB89CF85AC6}"/>
+                <a16:creationId xmlns:a16="http://schemas.microsoft.com/office/drawing/2014/main" xmlns="" id="{2A1524CC-F749-457E-8785-AFB89CF85AC6}"/>
               </a:ext>
             </a:extLst>
           </p:cNvPr>
@@ -12119,7 +12018,7 @@
           <p:cNvPr id="195" name="Прямоугольник 194">
             <a:extLst>
               <a:ext uri="{FF2B5EF4-FFF2-40B4-BE49-F238E27FC236}">
-                <a16:creationId xmlns="" xmlns:a16="http://schemas.microsoft.com/office/drawing/2014/main" id="{5A90479D-BFEC-4250-A8B4-175610005B0C}"/>
+                <a16:creationId xmlns:a16="http://schemas.microsoft.com/office/drawing/2014/main" xmlns="" id="{5A90479D-BFEC-4250-A8B4-175610005B0C}"/>
               </a:ext>
             </a:extLst>
           </p:cNvPr>
@@ -12170,9 +12069,10 @@
               <a:t>университетскую автономию </a:t>
             </a:r>
             <a:r>
-              <a:rPr lang="ru-RU" sz="100" dirty="0"/>
-              <a:t>(Автономия университета – это политическая и административная независимость государственного университета по отношению к внешним факторам. Принцип университетской автономии утверждает, что университет должен быть автономным и самоуправляемым и что он должен избирать свои собственные органы власти без вмешательства со стороны политической власти, принимая решения о своем собственном уставе и программах обучения .)</a:t>
-            </a:r>
+              <a:rPr lang="ru-RU" sz="100" dirty="0" smtClean="0"/>
+              <a:t>(</a:t>
+            </a:r>
+            <a:endParaRPr lang="ru-RU" sz="100" dirty="0"/>
           </a:p>
         </p:txBody>
       </p:sp>
@@ -12181,7 +12081,7 @@
           <p:cNvPr id="170" name="Прямоугольник 169">
             <a:extLst>
               <a:ext uri="{FF2B5EF4-FFF2-40B4-BE49-F238E27FC236}">
-                <a16:creationId xmlns="" xmlns:a16="http://schemas.microsoft.com/office/drawing/2014/main" id="{FC846415-2760-43A4-A1A1-795C4968509B}"/>
+                <a16:creationId xmlns:a16="http://schemas.microsoft.com/office/drawing/2014/main" xmlns="" id="{FC846415-2760-43A4-A1A1-795C4968509B}"/>
               </a:ext>
             </a:extLst>
           </p:cNvPr>
@@ -12222,34 +12122,11 @@
             <a:pPr algn="ctr"/>
             <a:r>
               <a:rPr lang="ru-RU" sz="700" dirty="0" smtClean="0"/>
-              <a:t>Побег президента </a:t>
-            </a:r>
-            <a:br>
+              <a:t>Побег </a:t>
+            </a:r>
+            <a:r>
               <a:rPr lang="ru-RU" sz="700" dirty="0" smtClean="0"/>
-            </a:br>
-            <a:r>
-              <a:rPr lang="ru-RU" sz="200" dirty="0" smtClean="0"/>
-              <a:t>(это </a:t>
-            </a:r>
-            <a:r>
-              <a:rPr lang="ru-RU" sz="200" dirty="0"/>
-              <a:t>стремление к политической независимости, усиленное мировой рецессией, позволило создать 7 августа 1931 года Никарагуанскую рабочую партию (PTN) , занимавшую позиции, сочетавшие </a:t>
-            </a:r>
-            <a:r>
-              <a:rPr lang="ru-RU" sz="200" dirty="0" err="1"/>
-              <a:t>юнионизм</a:t>
-            </a:r>
-            <a:r>
-              <a:rPr lang="ru-RU" sz="200" dirty="0"/>
-              <a:t>, национализм и </a:t>
-            </a:r>
-            <a:r>
-              <a:rPr lang="ru-RU" sz="200" dirty="0" err="1"/>
-              <a:t>антиимпериализм</a:t>
-            </a:r>
-            <a:r>
-              <a:rPr lang="ru-RU" sz="200" dirty="0"/>
-              <a:t>.)</a:t>
+              <a:t>президента</a:t>
             </a:r>
             <a:endParaRPr lang="ru-RU" sz="100" dirty="0"/>
           </a:p>
@@ -12260,7 +12137,7 @@
           <p:cNvPr id="174" name="Прямоугольник 173">
             <a:extLst>
               <a:ext uri="{FF2B5EF4-FFF2-40B4-BE49-F238E27FC236}">
-                <a16:creationId xmlns="" xmlns:a16="http://schemas.microsoft.com/office/drawing/2014/main" id="{FC846415-2760-43A4-A1A1-795C4968509B}"/>
+                <a16:creationId xmlns:a16="http://schemas.microsoft.com/office/drawing/2014/main" xmlns="" id="{FC846415-2760-43A4-A1A1-795C4968509B}"/>
               </a:ext>
             </a:extLst>
           </p:cNvPr>
@@ -12300,44 +12177,12 @@
           <a:p>
             <a:pPr algn="ctr"/>
             <a:r>
-              <a:rPr lang="ru-RU" sz="700" dirty="0" smtClean="0"/>
-              <a:t>Эль </a:t>
-            </a:r>
-            <a:r>
-              <a:rPr lang="ru-RU" sz="700" dirty="0" err="1" smtClean="0"/>
-              <a:t>пролетарио</a:t>
-            </a:r>
-            <a:r>
-              <a:rPr lang="ru-RU" sz="700" dirty="0" smtClean="0"/>
-              <a:t> </a:t>
-            </a:r>
-            <a:r>
-              <a:rPr lang="ru-RU" sz="400" dirty="0"/>
-              <a:t>(газета В 1935 году « </a:t>
-            </a:r>
-            <a:r>
-              <a:rPr lang="ru-RU" sz="400" dirty="0" err="1"/>
-              <a:t>Кауза</a:t>
-            </a:r>
-            <a:r>
-              <a:rPr lang="ru-RU" sz="400" dirty="0"/>
-              <a:t> </a:t>
-            </a:r>
-            <a:r>
-              <a:rPr lang="ru-RU" sz="400" dirty="0" err="1"/>
-              <a:t>Обрера</a:t>
-            </a:r>
-            <a:r>
-              <a:rPr lang="ru-RU" sz="400" dirty="0"/>
-              <a:t> » была заменена на « Эль </a:t>
-            </a:r>
-            <a:r>
-              <a:rPr lang="ru-RU" sz="400" dirty="0" err="1"/>
-              <a:t>Пролетарио</a:t>
-            </a:r>
-            <a:r>
-              <a:rPr lang="ru-RU" sz="400" dirty="0" smtClean="0"/>
-              <a:t>».)</a:t>
+              <a:rPr lang="en-US" sz="800" dirty="0"/>
+              <a:t>El </a:t>
+            </a:r>
+            <a:r>
+              <a:rPr lang="en-US" sz="800" dirty="0" err="1"/>
+              <a:t>Proletario</a:t>
             </a:r>
             <a:endParaRPr lang="ru-RU" sz="100" dirty="0"/>
           </a:p>
@@ -12348,7 +12193,7 @@
           <p:cNvPr id="175" name="Прямоугольник 174">
             <a:extLst>
               <a:ext uri="{FF2B5EF4-FFF2-40B4-BE49-F238E27FC236}">
-                <a16:creationId xmlns="" xmlns:a16="http://schemas.microsoft.com/office/drawing/2014/main" id="{9C02A14C-DE5F-49AD-A4EE-A27966D0EFDC}"/>
+                <a16:creationId xmlns:a16="http://schemas.microsoft.com/office/drawing/2014/main" xmlns="" id="{9C02A14C-DE5F-49AD-A4EE-A27966D0EFDC}"/>
               </a:ext>
             </a:extLst>
           </p:cNvPr>
@@ -12399,19 +12244,7 @@
             <a:pPr algn="ctr"/>
             <a:r>
               <a:rPr lang="ru-RU" sz="700" dirty="0" smtClean="0"/>
-              <a:t>Защит</a:t>
-            </a:r>
-            <a:r>
-              <a:rPr lang="ru-RU" sz="700" dirty="0" smtClean="0"/>
-              <a:t>а </a:t>
-            </a:r>
-            <a:r>
-              <a:rPr lang="ru-RU" sz="700" dirty="0" smtClean="0"/>
-              <a:t>от возможной </a:t>
-            </a:r>
-            <a:r>
-              <a:rPr lang="ru-RU" sz="700" dirty="0" smtClean="0"/>
-              <a:t>интервенции </a:t>
+              <a:t>Защита от возможной интервенции </a:t>
             </a:r>
             <a:r>
               <a:rPr lang="ru-RU" sz="700" dirty="0"/>
@@ -12430,7 +12263,7 @@
           <p:cNvPr id="178" name="Прямоугольник 177">
             <a:extLst>
               <a:ext uri="{FF2B5EF4-FFF2-40B4-BE49-F238E27FC236}">
-                <a16:creationId xmlns="" xmlns:a16="http://schemas.microsoft.com/office/drawing/2014/main" id="{FC846415-2760-43A4-A1A1-795C4968509B}"/>
+                <a16:creationId xmlns:a16="http://schemas.microsoft.com/office/drawing/2014/main" xmlns="" id="{FC846415-2760-43A4-A1A1-795C4968509B}"/>
               </a:ext>
             </a:extLst>
           </p:cNvPr>
@@ -12439,7 +12272,7 @@
         </p:nvSpPr>
         <p:spPr>
           <a:xfrm>
-            <a:off x="3510329" y="13109023"/>
+            <a:off x="3390836" y="13724973"/>
             <a:ext cx="926325" cy="540000"/>
           </a:xfrm>
           <a:prstGeom prst="rect">
@@ -12538,7 +12371,7 @@
           <p:cNvPr id="181" name="Прямоугольник 180">
             <a:extLst>
               <a:ext uri="{FF2B5EF4-FFF2-40B4-BE49-F238E27FC236}">
-                <a16:creationId xmlns="" xmlns:a16="http://schemas.microsoft.com/office/drawing/2014/main" id="{FC846415-2760-43A4-A1A1-795C4968509B}"/>
+                <a16:creationId xmlns:a16="http://schemas.microsoft.com/office/drawing/2014/main" xmlns="" id="{FC846415-2760-43A4-A1A1-795C4968509B}"/>
               </a:ext>
             </a:extLst>
           </p:cNvPr>
@@ -12547,7 +12380,7 @@
         </p:nvSpPr>
         <p:spPr>
           <a:xfrm>
-            <a:off x="4664442" y="13099419"/>
+            <a:off x="4544949" y="13715369"/>
             <a:ext cx="926325" cy="540000"/>
           </a:xfrm>
           <a:prstGeom prst="rect">
@@ -12694,7 +12527,7 @@
           <p:cNvPr id="183" name="Прямоугольник 182">
             <a:extLst>
               <a:ext uri="{FF2B5EF4-FFF2-40B4-BE49-F238E27FC236}">
-                <a16:creationId xmlns="" xmlns:a16="http://schemas.microsoft.com/office/drawing/2014/main" id="{FC846415-2760-43A4-A1A1-795C4968509B}"/>
+                <a16:creationId xmlns:a16="http://schemas.microsoft.com/office/drawing/2014/main" xmlns="" id="{FC846415-2760-43A4-A1A1-795C4968509B}"/>
               </a:ext>
             </a:extLst>
           </p:cNvPr>
@@ -12735,44 +12568,13 @@
             <a:pPr algn="ctr"/>
             <a:r>
               <a:rPr lang="ru-RU" sz="700" dirty="0"/>
-              <a:t>Конфедерация трудящихся Никарагуа </a:t>
-            </a:r>
-            <a:r>
-              <a:rPr lang="ru-RU" sz="100" dirty="0"/>
-              <a:t>(Однако в том же году была основана Конфедерация трудящихся Никарагуа (CTN) как первый национальный профсоюз, представителем которой стал еженедельник «</a:t>
-            </a:r>
-            <a:r>
-              <a:rPr lang="ru-RU" sz="100" dirty="0" err="1"/>
-              <a:t>Causa</a:t>
-            </a:r>
-            <a:r>
-              <a:rPr lang="ru-RU" sz="100" dirty="0"/>
-              <a:t> </a:t>
-            </a:r>
-            <a:r>
-              <a:rPr lang="ru-RU" sz="100" dirty="0" err="1"/>
-              <a:t>Obrera</a:t>
-            </a:r>
-            <a:r>
-              <a:rPr lang="ru-RU" sz="100" dirty="0"/>
-              <a:t>». Как и в случае с ПТС, ее основные лидеры были разделены на два крыла: </a:t>
-            </a:r>
-            <a:r>
-              <a:rPr lang="ru-RU" sz="100" dirty="0" err="1"/>
-              <a:t>сомоцисты</a:t>
-            </a:r>
-            <a:r>
-              <a:rPr lang="ru-RU" sz="100" dirty="0"/>
-              <a:t> и независимые. В течение некоторого времени эти два крыла сосуществовали с множеством противоречий. Оба течения первоначально были выражены в еженедельнике « </a:t>
-            </a:r>
-            <a:r>
-              <a:rPr lang="ru-RU" sz="100" dirty="0" err="1"/>
-              <a:t>Хой</a:t>
-            </a:r>
-            <a:r>
-              <a:rPr lang="ru-RU" sz="100" dirty="0"/>
-              <a:t>» .)</a:t>
-            </a:r>
+              <a:t>Конфедерация трудящихся </a:t>
+            </a:r>
+            <a:r>
+              <a:rPr lang="ru-RU" sz="700" dirty="0" smtClean="0"/>
+              <a:t>Никарагуа</a:t>
+            </a:r>
+            <a:endParaRPr lang="ru-RU" sz="100" dirty="0"/>
           </a:p>
         </p:txBody>
       </p:sp>
@@ -12781,7 +12583,7 @@
           <p:cNvPr id="188" name="Прямоугольник 187">
             <a:extLst>
               <a:ext uri="{FF2B5EF4-FFF2-40B4-BE49-F238E27FC236}">
-                <a16:creationId xmlns="" xmlns:a16="http://schemas.microsoft.com/office/drawing/2014/main" id="{FC846415-2760-43A4-A1A1-795C4968509B}"/>
+                <a16:creationId xmlns:a16="http://schemas.microsoft.com/office/drawing/2014/main" xmlns="" id="{FC846415-2760-43A4-A1A1-795C4968509B}"/>
               </a:ext>
             </a:extLst>
           </p:cNvPr>
@@ -12822,15 +12624,7 @@
             <a:pPr algn="ctr"/>
             <a:r>
               <a:rPr lang="ru-RU" sz="700" dirty="0" smtClean="0"/>
-              <a:t>Связаться </a:t>
-            </a:r>
-            <a:r>
-              <a:rPr lang="ru-RU" sz="700" dirty="0" smtClean="0"/>
-              <a:t>с </a:t>
-            </a:r>
-            <a:r>
-              <a:rPr lang="ru-RU" sz="700" dirty="0" smtClean="0"/>
-              <a:t>компартией </a:t>
+              <a:t>Связаться с компартией </a:t>
             </a:r>
             <a:r>
               <a:rPr lang="ru-RU" sz="700" dirty="0"/>
@@ -12873,7 +12667,7 @@
           <p:cNvPr id="189" name="Прямоугольник 188">
             <a:extLst>
               <a:ext uri="{FF2B5EF4-FFF2-40B4-BE49-F238E27FC236}">
-                <a16:creationId xmlns="" xmlns:a16="http://schemas.microsoft.com/office/drawing/2014/main" id="{FFDF3200-07AF-4F88-9AFA-E895A9EB463F}"/>
+                <a16:creationId xmlns:a16="http://schemas.microsoft.com/office/drawing/2014/main" xmlns="" id="{FFDF3200-07AF-4F88-9AFA-E895A9EB463F}"/>
               </a:ext>
             </a:extLst>
           </p:cNvPr>
@@ -12964,7 +12758,7 @@
           <p:cNvPr id="192" name="Прямоугольник 191">
             <a:extLst>
               <a:ext uri="{FF2B5EF4-FFF2-40B4-BE49-F238E27FC236}">
-                <a16:creationId xmlns="" xmlns:a16="http://schemas.microsoft.com/office/drawing/2014/main" id="{CA07F76D-4941-4BBE-8B5A-F0348C4D0FB6}"/>
+                <a16:creationId xmlns:a16="http://schemas.microsoft.com/office/drawing/2014/main" xmlns="" id="{CA07F76D-4941-4BBE-8B5A-F0348C4D0FB6}"/>
               </a:ext>
             </a:extLst>
           </p:cNvPr>
@@ -12973,7 +12767,7 @@
         </p:nvSpPr>
         <p:spPr>
           <a:xfrm>
-            <a:off x="4081785" y="16508603"/>
+            <a:off x="1631985" y="18936240"/>
             <a:ext cx="926325" cy="540000"/>
           </a:xfrm>
           <a:prstGeom prst="rect">
@@ -13020,7 +12814,7 @@
           <p:cNvPr id="193" name="Прямоугольник 192">
             <a:extLst>
               <a:ext uri="{FF2B5EF4-FFF2-40B4-BE49-F238E27FC236}">
-                <a16:creationId xmlns="" xmlns:a16="http://schemas.microsoft.com/office/drawing/2014/main" id="{CA07F76D-4941-4BBE-8B5A-F0348C4D0FB6}"/>
+                <a16:creationId xmlns:a16="http://schemas.microsoft.com/office/drawing/2014/main" xmlns="" id="{CA07F76D-4941-4BBE-8B5A-F0348C4D0FB6}"/>
               </a:ext>
             </a:extLst>
           </p:cNvPr>
@@ -13065,19 +12859,11 @@
             </a:r>
             <a:r>
               <a:rPr lang="ru-RU" sz="700" dirty="0"/>
-              <a:t>социальные гарантии </a:t>
-            </a:r>
-            <a:r>
-              <a:rPr lang="ru-RU" sz="200" dirty="0"/>
-              <a:t>(</a:t>
-            </a:r>
-            <a:r>
-              <a:rPr lang="ru-RU" sz="200" dirty="0" err="1"/>
-              <a:t>Сомоса</a:t>
-            </a:r>
-            <a:r>
-              <a:rPr lang="ru-RU" sz="200" dirty="0"/>
-              <a:t> Гарсия, уже находившийся у власти, применил тактику, чтобы привлечь на свою сторону эту процветающую партию для своего личного политического проекта; присвоил минимальную демократическую программу ПТС, пообещав обнародовать Трудовой кодекс и главу о социальных гарантиях в Конституции, если ПТС ее поддержит.)</a:t>
+              <a:t>социальные </a:t>
+            </a:r>
+            <a:r>
+              <a:rPr lang="ru-RU" sz="700" dirty="0" smtClean="0"/>
+              <a:t>гарантии</a:t>
             </a:r>
             <a:endParaRPr lang="ru-RU" sz="100" dirty="0"/>
           </a:p>
@@ -13088,7 +12874,7 @@
           <p:cNvPr id="196" name="Соединительная линия уступом 903">
             <a:extLst>
               <a:ext uri="{FF2B5EF4-FFF2-40B4-BE49-F238E27FC236}">
-                <a16:creationId xmlns="" xmlns:a16="http://schemas.microsoft.com/office/drawing/2014/main" id="{7F2B1BD7-0FDF-4BD9-834C-72911F99D650}"/>
+                <a16:creationId xmlns:a16="http://schemas.microsoft.com/office/drawing/2014/main" xmlns="" id="{7F2B1BD7-0FDF-4BD9-834C-72911F99D650}"/>
               </a:ext>
             </a:extLst>
           </p:cNvPr>
@@ -13133,7 +12919,7 @@
           <p:cNvPr id="198" name="Соединительная линия уступом 903">
             <a:extLst>
               <a:ext uri="{FF2B5EF4-FFF2-40B4-BE49-F238E27FC236}">
-                <a16:creationId xmlns="" xmlns:a16="http://schemas.microsoft.com/office/drawing/2014/main" id="{7F2B1BD7-0FDF-4BD9-834C-72911F99D650}"/>
+                <a16:creationId xmlns:a16="http://schemas.microsoft.com/office/drawing/2014/main" xmlns="" id="{7F2B1BD7-0FDF-4BD9-834C-72911F99D650}"/>
               </a:ext>
             </a:extLst>
           </p:cNvPr>
@@ -13178,7 +12964,7 @@
           <p:cNvPr id="199" name="Прямая со стрелкой 198">
             <a:extLst>
               <a:ext uri="{FF2B5EF4-FFF2-40B4-BE49-F238E27FC236}">
-                <a16:creationId xmlns="" xmlns:a16="http://schemas.microsoft.com/office/drawing/2014/main" id="{AFD4E665-A61D-46C2-A133-3412690F30F3}"/>
+                <a16:creationId xmlns:a16="http://schemas.microsoft.com/office/drawing/2014/main" xmlns="" id="{AFD4E665-A61D-46C2-A133-3412690F30F3}"/>
               </a:ext>
             </a:extLst>
           </p:cNvPr>
@@ -13221,7 +13007,7 @@
           <p:cNvPr id="202" name="Прямая со стрелкой 201">
             <a:extLst>
               <a:ext uri="{FF2B5EF4-FFF2-40B4-BE49-F238E27FC236}">
-                <a16:creationId xmlns="" xmlns:a16="http://schemas.microsoft.com/office/drawing/2014/main" id="{AFD4E665-A61D-46C2-A133-3412690F30F3}"/>
+                <a16:creationId xmlns:a16="http://schemas.microsoft.com/office/drawing/2014/main" xmlns="" id="{AFD4E665-A61D-46C2-A133-3412690F30F3}"/>
               </a:ext>
             </a:extLst>
           </p:cNvPr>
@@ -13264,7 +13050,7 @@
           <p:cNvPr id="205" name="Прямая со стрелкой 204">
             <a:extLst>
               <a:ext uri="{FF2B5EF4-FFF2-40B4-BE49-F238E27FC236}">
-                <a16:creationId xmlns="" xmlns:a16="http://schemas.microsoft.com/office/drawing/2014/main" id="{AFD4E665-A61D-46C2-A133-3412690F30F3}"/>
+                <a16:creationId xmlns:a16="http://schemas.microsoft.com/office/drawing/2014/main" xmlns="" id="{AFD4E665-A61D-46C2-A133-3412690F30F3}"/>
               </a:ext>
             </a:extLst>
           </p:cNvPr>
@@ -13307,7 +13093,7 @@
           <p:cNvPr id="207" name="Прямая со стрелкой 206">
             <a:extLst>
               <a:ext uri="{FF2B5EF4-FFF2-40B4-BE49-F238E27FC236}">
-                <a16:creationId xmlns="" xmlns:a16="http://schemas.microsoft.com/office/drawing/2014/main" id="{AFD4E665-A61D-46C2-A133-3412690F30F3}"/>
+                <a16:creationId xmlns:a16="http://schemas.microsoft.com/office/drawing/2014/main" xmlns="" id="{AFD4E665-A61D-46C2-A133-3412690F30F3}"/>
               </a:ext>
             </a:extLst>
           </p:cNvPr>
@@ -13350,7 +13136,7 @@
           <p:cNvPr id="208" name="Прямая со стрелкой 207">
             <a:extLst>
               <a:ext uri="{FF2B5EF4-FFF2-40B4-BE49-F238E27FC236}">
-                <a16:creationId xmlns="" xmlns:a16="http://schemas.microsoft.com/office/drawing/2014/main" id="{AFD4E665-A61D-46C2-A133-3412690F30F3}"/>
+                <a16:creationId xmlns:a16="http://schemas.microsoft.com/office/drawing/2014/main" xmlns="" id="{AFD4E665-A61D-46C2-A133-3412690F30F3}"/>
               </a:ext>
             </a:extLst>
           </p:cNvPr>
@@ -13393,7 +13179,7 @@
           <p:cNvPr id="210" name="Прямая со стрелкой 209">
             <a:extLst>
               <a:ext uri="{FF2B5EF4-FFF2-40B4-BE49-F238E27FC236}">
-                <a16:creationId xmlns="" xmlns:a16="http://schemas.microsoft.com/office/drawing/2014/main" id="{AFD4E665-A61D-46C2-A133-3412690F30F3}"/>
+                <a16:creationId xmlns:a16="http://schemas.microsoft.com/office/drawing/2014/main" xmlns="" id="{AFD4E665-A61D-46C2-A133-3412690F30F3}"/>
               </a:ext>
             </a:extLst>
           </p:cNvPr>
@@ -13436,7 +13222,7 @@
           <p:cNvPr id="213" name="Соединительная линия уступом 903">
             <a:extLst>
               <a:ext uri="{FF2B5EF4-FFF2-40B4-BE49-F238E27FC236}">
-                <a16:creationId xmlns="" xmlns:a16="http://schemas.microsoft.com/office/drawing/2014/main" id="{7F2B1BD7-0FDF-4BD9-834C-72911F99D650}"/>
+                <a16:creationId xmlns:a16="http://schemas.microsoft.com/office/drawing/2014/main" xmlns="" id="{7F2B1BD7-0FDF-4BD9-834C-72911F99D650}"/>
               </a:ext>
             </a:extLst>
           </p:cNvPr>
@@ -13481,7 +13267,7 @@
           <p:cNvPr id="216" name="Соединительная линия уступом 903">
             <a:extLst>
               <a:ext uri="{FF2B5EF4-FFF2-40B4-BE49-F238E27FC236}">
-                <a16:creationId xmlns="" xmlns:a16="http://schemas.microsoft.com/office/drawing/2014/main" id="{7F2B1BD7-0FDF-4BD9-834C-72911F99D650}"/>
+                <a16:creationId xmlns:a16="http://schemas.microsoft.com/office/drawing/2014/main" xmlns="" id="{7F2B1BD7-0FDF-4BD9-834C-72911F99D650}"/>
               </a:ext>
             </a:extLst>
           </p:cNvPr>
@@ -13526,66 +13312,21 @@
           <p:cNvPr id="218" name="Соединительная линия уступом 903">
             <a:extLst>
               <a:ext uri="{FF2B5EF4-FFF2-40B4-BE49-F238E27FC236}">
-                <a16:creationId xmlns="" xmlns:a16="http://schemas.microsoft.com/office/drawing/2014/main" id="{7F2B1BD7-0FDF-4BD9-834C-72911F99D650}"/>
+                <a16:creationId xmlns:a16="http://schemas.microsoft.com/office/drawing/2014/main" xmlns="" id="{7F2B1BD7-0FDF-4BD9-834C-72911F99D650}"/>
               </a:ext>
             </a:extLst>
           </p:cNvPr>
           <p:cNvCxnSpPr>
             <a:cxnSpLocks/>
-            <a:stCxn id="174" idx="2"/>
+            <a:stCxn id="183" idx="2"/>
             <a:endCxn id="87" idx="0"/>
           </p:cNvCxnSpPr>
           <p:nvPr/>
         </p:nvCxnSpPr>
         <p:spPr>
           <a:xfrm rot="16200000" flipH="1">
-            <a:off x="1221422" y="16386593"/>
-            <a:ext cx="1070888" cy="676562"/>
-          </a:xfrm>
-          <a:prstGeom prst="bentConnector3">
-            <a:avLst>
-              <a:gd name="adj1" fmla="val 10864"/>
-            </a:avLst>
-          </a:prstGeom>
-          <a:ln w="19050">
-            <a:tailEnd type="arrow"/>
-          </a:ln>
-        </p:spPr>
-        <p:style>
-          <a:lnRef idx="1">
-            <a:schemeClr val="accent1"/>
-          </a:lnRef>
-          <a:fillRef idx="0">
-            <a:schemeClr val="accent1"/>
-          </a:fillRef>
-          <a:effectRef idx="0">
-            <a:schemeClr val="accent1"/>
-          </a:effectRef>
-          <a:fontRef idx="minor">
-            <a:schemeClr val="tx1"/>
-          </a:fontRef>
-        </p:style>
-      </p:cxnSp>
-      <p:cxnSp>
-        <p:nvCxnSpPr>
-          <p:cNvPr id="219" name="Соединительная линия уступом 903">
-            <a:extLst>
-              <a:ext uri="{FF2B5EF4-FFF2-40B4-BE49-F238E27FC236}">
-                <a16:creationId xmlns="" xmlns:a16="http://schemas.microsoft.com/office/drawing/2014/main" id="{7F2B1BD7-0FDF-4BD9-834C-72911F99D650}"/>
-              </a:ext>
-            </a:extLst>
-          </p:cNvPr>
-          <p:cNvCxnSpPr>
-            <a:cxnSpLocks/>
-            <a:stCxn id="84" idx="2"/>
-            <a:endCxn id="192" idx="0"/>
-          </p:cNvCxnSpPr>
-          <p:nvPr/>
-        </p:nvCxnSpPr>
-        <p:spPr>
-          <a:xfrm rot="16200000" flipH="1">
-            <a:off x="4095474" y="16059128"/>
-            <a:ext cx="319173" cy="579776"/>
+            <a:off x="1651008" y="16816178"/>
+            <a:ext cx="211715" cy="676563"/>
           </a:xfrm>
           <a:prstGeom prst="bentConnector3">
             <a:avLst>
@@ -13613,55 +13354,10 @@
       </p:cxnSp>
       <p:cxnSp>
         <p:nvCxnSpPr>
-          <p:cNvPr id="220" name="Соединительная линия уступом 903">
-            <a:extLst>
-              <a:ext uri="{FF2B5EF4-FFF2-40B4-BE49-F238E27FC236}">
-                <a16:creationId xmlns="" xmlns:a16="http://schemas.microsoft.com/office/drawing/2014/main" id="{7F2B1BD7-0FDF-4BD9-834C-72911F99D650}"/>
-              </a:ext>
-            </a:extLst>
-          </p:cNvPr>
-          <p:cNvCxnSpPr>
-            <a:cxnSpLocks/>
-            <a:stCxn id="83" idx="2"/>
-            <a:endCxn id="192" idx="0"/>
-          </p:cNvCxnSpPr>
-          <p:nvPr/>
-        </p:nvCxnSpPr>
-        <p:spPr>
-          <a:xfrm rot="5400000">
-            <a:off x="4676691" y="16057688"/>
-            <a:ext cx="319173" cy="582657"/>
-          </a:xfrm>
-          <a:prstGeom prst="bentConnector3">
-            <a:avLst>
-              <a:gd name="adj1" fmla="val 50000"/>
-            </a:avLst>
-          </a:prstGeom>
-          <a:ln w="19050">
-            <a:tailEnd type="arrow"/>
-          </a:ln>
-        </p:spPr>
-        <p:style>
-          <a:lnRef idx="1">
-            <a:schemeClr val="accent1"/>
-          </a:lnRef>
-          <a:fillRef idx="0">
-            <a:schemeClr val="accent1"/>
-          </a:fillRef>
-          <a:effectRef idx="0">
-            <a:schemeClr val="accent1"/>
-          </a:effectRef>
-          <a:fontRef idx="minor">
-            <a:schemeClr val="tx1"/>
-          </a:fontRef>
-        </p:style>
-      </p:cxnSp>
-      <p:cxnSp>
-        <p:nvCxnSpPr>
           <p:cNvPr id="222" name="Соединительная линия уступом 903">
             <a:extLst>
               <a:ext uri="{FF2B5EF4-FFF2-40B4-BE49-F238E27FC236}">
-                <a16:creationId xmlns="" xmlns:a16="http://schemas.microsoft.com/office/drawing/2014/main" id="{7F2B1BD7-0FDF-4BD9-834C-72911F99D650}"/>
+                <a16:creationId xmlns:a16="http://schemas.microsoft.com/office/drawing/2014/main" xmlns="" id="{7F2B1BD7-0FDF-4BD9-834C-72911F99D650}"/>
               </a:ext>
             </a:extLst>
           </p:cNvPr>
@@ -13707,7 +13403,7 @@
           <p:cNvPr id="224" name="Соединительная линия уступом 903">
             <a:extLst>
               <a:ext uri="{FF2B5EF4-FFF2-40B4-BE49-F238E27FC236}">
-                <a16:creationId xmlns="" xmlns:a16="http://schemas.microsoft.com/office/drawing/2014/main" id="{7F2B1BD7-0FDF-4BD9-834C-72911F99D650}"/>
+                <a16:creationId xmlns:a16="http://schemas.microsoft.com/office/drawing/2014/main" xmlns="" id="{7F2B1BD7-0FDF-4BD9-834C-72911F99D650}"/>
               </a:ext>
             </a:extLst>
           </p:cNvPr>
@@ -13752,7 +13448,7 @@
           <p:cNvPr id="228" name="Прямая со стрелкой 227">
             <a:extLst>
               <a:ext uri="{FF2B5EF4-FFF2-40B4-BE49-F238E27FC236}">
-                <a16:creationId xmlns="" xmlns:a16="http://schemas.microsoft.com/office/drawing/2014/main" id="{AFD4E665-A61D-46C2-A133-3412690F30F3}"/>
+                <a16:creationId xmlns:a16="http://schemas.microsoft.com/office/drawing/2014/main" xmlns="" id="{AFD4E665-A61D-46C2-A133-3412690F30F3}"/>
               </a:ext>
             </a:extLst>
           </p:cNvPr>
@@ -13795,7 +13491,7 @@
           <p:cNvPr id="233" name="Прямоугольник 232">
             <a:extLst>
               <a:ext uri="{FF2B5EF4-FFF2-40B4-BE49-F238E27FC236}">
-                <a16:creationId xmlns="" xmlns:a16="http://schemas.microsoft.com/office/drawing/2014/main" id="{CA07F76D-4941-4BBE-8B5A-F0348C4D0FB6}"/>
+                <a16:creationId xmlns:a16="http://schemas.microsoft.com/office/drawing/2014/main" xmlns="" id="{CA07F76D-4941-4BBE-8B5A-F0348C4D0FB6}"/>
               </a:ext>
             </a:extLst>
           </p:cNvPr>
@@ -13857,7 +13553,7 @@
           <p:cNvPr id="234" name="Прямоугольник 233">
             <a:extLst>
               <a:ext uri="{FF2B5EF4-FFF2-40B4-BE49-F238E27FC236}">
-                <a16:creationId xmlns="" xmlns:a16="http://schemas.microsoft.com/office/drawing/2014/main" id="{9C02A14C-DE5F-49AD-A4EE-A27966D0EFDC}"/>
+                <a16:creationId xmlns:a16="http://schemas.microsoft.com/office/drawing/2014/main" xmlns="" id="{9C02A14C-DE5F-49AD-A4EE-A27966D0EFDC}"/>
               </a:ext>
             </a:extLst>
           </p:cNvPr>
@@ -13911,7 +13607,7 @@
           <p:cNvPr id="235" name="Прямоугольник 234">
             <a:extLst>
               <a:ext uri="{FF2B5EF4-FFF2-40B4-BE49-F238E27FC236}">
-                <a16:creationId xmlns="" xmlns:a16="http://schemas.microsoft.com/office/drawing/2014/main" id="{9C02A14C-DE5F-49AD-A4EE-A27966D0EFDC}"/>
+                <a16:creationId xmlns:a16="http://schemas.microsoft.com/office/drawing/2014/main" xmlns="" id="{9C02A14C-DE5F-49AD-A4EE-A27966D0EFDC}"/>
               </a:ext>
             </a:extLst>
           </p:cNvPr>
@@ -13965,7 +13661,7 @@
           <p:cNvPr id="236" name="Прямоугольник 235">
             <a:extLst>
               <a:ext uri="{FF2B5EF4-FFF2-40B4-BE49-F238E27FC236}">
-                <a16:creationId xmlns="" xmlns:a16="http://schemas.microsoft.com/office/drawing/2014/main" id="{9C02A14C-DE5F-49AD-A4EE-A27966D0EFDC}"/>
+                <a16:creationId xmlns:a16="http://schemas.microsoft.com/office/drawing/2014/main" xmlns="" id="{9C02A14C-DE5F-49AD-A4EE-A27966D0EFDC}"/>
               </a:ext>
             </a:extLst>
           </p:cNvPr>
@@ -14019,7 +13715,7 @@
           <p:cNvPr id="237" name="Прямоугольник 236">
             <a:extLst>
               <a:ext uri="{FF2B5EF4-FFF2-40B4-BE49-F238E27FC236}">
-                <a16:creationId xmlns="" xmlns:a16="http://schemas.microsoft.com/office/drawing/2014/main" id="{D80463F0-008D-4836-8F9E-3D2D6E66AB47}"/>
+                <a16:creationId xmlns:a16="http://schemas.microsoft.com/office/drawing/2014/main" xmlns="" id="{D80463F0-008D-4836-8F9E-3D2D6E66AB47}"/>
               </a:ext>
             </a:extLst>
           </p:cNvPr>
@@ -14067,39 +13763,11 @@
             </a:r>
             <a:r>
               <a:rPr lang="ru-RU" sz="700" dirty="0"/>
-              <a:t>молодёжный фронт </a:t>
-            </a:r>
-            <a:r>
-              <a:rPr lang="ru-RU" sz="100" dirty="0"/>
-              <a:t>(Опорой новой партии были, прежде всего, студенты, образовавшие Де-</a:t>
-            </a:r>
-            <a:r>
-              <a:rPr lang="ru-RU" sz="100" dirty="0" err="1"/>
-              <a:t>мократический</a:t>
-            </a:r>
-            <a:r>
-              <a:rPr lang="ru-RU" sz="100" dirty="0"/>
-              <a:t> молодежный фронт. Одним из самых известных активистов фронта стал Томас </a:t>
-            </a:r>
-            <a:r>
-              <a:rPr lang="ru-RU" sz="100" dirty="0" err="1"/>
-              <a:t>Борхе</a:t>
-            </a:r>
-            <a:r>
-              <a:rPr lang="ru-RU" sz="100" dirty="0"/>
-              <a:t> — будущий руководитель </a:t>
-            </a:r>
-            <a:r>
-              <a:rPr lang="ru-RU" sz="100" dirty="0" err="1"/>
-              <a:t>сандинистской</a:t>
-            </a:r>
-            <a:r>
-              <a:rPr lang="ru-RU" sz="100" dirty="0"/>
-              <a:t> революции 1979 года. В Никарагуа в то время было всего около 600 студентов — в Манагуа, Леоне и Гранаде</a:t>
-            </a:r>
-            <a:r>
-              <a:rPr lang="ru-RU" sz="100" dirty="0" smtClean="0"/>
-              <a:t>.)</a:t>
+              <a:t>молодёжный </a:t>
+            </a:r>
+            <a:r>
+              <a:rPr lang="ru-RU" sz="700" dirty="0" smtClean="0"/>
+              <a:t>фронт</a:t>
             </a:r>
             <a:endParaRPr lang="ru-RU" sz="100" dirty="0"/>
           </a:p>
@@ -14110,7 +13778,7 @@
           <p:cNvPr id="239" name="Прямоугольник 238">
             <a:extLst>
               <a:ext uri="{FF2B5EF4-FFF2-40B4-BE49-F238E27FC236}">
-                <a16:creationId xmlns="" xmlns:a16="http://schemas.microsoft.com/office/drawing/2014/main" id="{9C02A14C-DE5F-49AD-A4EE-A27966D0EFDC}"/>
+                <a16:creationId xmlns:a16="http://schemas.microsoft.com/office/drawing/2014/main" xmlns="" id="{9C02A14C-DE5F-49AD-A4EE-A27966D0EFDC}"/>
               </a:ext>
             </a:extLst>
           </p:cNvPr>
@@ -14119,7 +13787,7 @@
         </p:nvSpPr>
         <p:spPr>
           <a:xfrm>
-            <a:off x="11198926" y="12930233"/>
+            <a:off x="10518499" y="13804178"/>
             <a:ext cx="926325" cy="540000"/>
           </a:xfrm>
           <a:prstGeom prst="rect">
@@ -14215,7 +13883,6 @@
               <a:rPr lang="ru-RU" sz="100" dirty="0"/>
               <a:t> лидеров. Среди своих людей он ценился как « великий знаток гор и любитель животных » [ 4 ]​ северной и центральной Никарагуа.</a:t>
             </a:r>
-            <a:endParaRPr lang="ru-RU" sz="100" dirty="0"/>
           </a:p>
         </p:txBody>
       </p:sp>
@@ -14224,7 +13891,7 @@
           <p:cNvPr id="240" name="Прямоугольник 239">
             <a:extLst>
               <a:ext uri="{FF2B5EF4-FFF2-40B4-BE49-F238E27FC236}">
-                <a16:creationId xmlns="" xmlns:a16="http://schemas.microsoft.com/office/drawing/2014/main" id="{9C02A14C-DE5F-49AD-A4EE-A27966D0EFDC}"/>
+                <a16:creationId xmlns:a16="http://schemas.microsoft.com/office/drawing/2014/main" xmlns="" id="{9C02A14C-DE5F-49AD-A4EE-A27966D0EFDC}"/>
               </a:ext>
             </a:extLst>
           </p:cNvPr>
@@ -14286,7 +13953,7 @@
           <p:cNvPr id="241" name="Прямоугольник 240">
             <a:extLst>
               <a:ext uri="{FF2B5EF4-FFF2-40B4-BE49-F238E27FC236}">
-                <a16:creationId xmlns="" xmlns:a16="http://schemas.microsoft.com/office/drawing/2014/main" id="{9C02A14C-DE5F-49AD-A4EE-A27966D0EFDC}"/>
+                <a16:creationId xmlns:a16="http://schemas.microsoft.com/office/drawing/2014/main" xmlns="" id="{9C02A14C-DE5F-49AD-A4EE-A27966D0EFDC}"/>
               </a:ext>
             </a:extLst>
           </p:cNvPr>
@@ -14383,7 +14050,6 @@
               <a:rPr lang="ru-RU" sz="100" dirty="0"/>
               <a:t> (хотя и в последнем была попытка вторжения).)</a:t>
             </a:r>
-            <a:endParaRPr lang="ru-RU" sz="100" dirty="0"/>
           </a:p>
         </p:txBody>
       </p:sp>
@@ -14392,7 +14058,7 @@
           <p:cNvPr id="242" name="Прямоугольник 241">
             <a:extLst>
               <a:ext uri="{FF2B5EF4-FFF2-40B4-BE49-F238E27FC236}">
-                <a16:creationId xmlns="" xmlns:a16="http://schemas.microsoft.com/office/drawing/2014/main" id="{9C02A14C-DE5F-49AD-A4EE-A27966D0EFDC}"/>
+                <a16:creationId xmlns:a16="http://schemas.microsoft.com/office/drawing/2014/main" xmlns="" id="{9C02A14C-DE5F-49AD-A4EE-A27966D0EFDC}"/>
               </a:ext>
             </a:extLst>
           </p:cNvPr>
@@ -14454,7 +14120,7 @@
           <p:cNvPr id="244" name="Прямоугольник 243">
             <a:extLst>
               <a:ext uri="{FF2B5EF4-FFF2-40B4-BE49-F238E27FC236}">
-                <a16:creationId xmlns="" xmlns:a16="http://schemas.microsoft.com/office/drawing/2014/main" id="{9C02A14C-DE5F-49AD-A4EE-A27966D0EFDC}"/>
+                <a16:creationId xmlns:a16="http://schemas.microsoft.com/office/drawing/2014/main" xmlns="" id="{9C02A14C-DE5F-49AD-A4EE-A27966D0EFDC}"/>
               </a:ext>
             </a:extLst>
           </p:cNvPr>
@@ -14463,7 +14129,7 @@
         </p:nvSpPr>
         <p:spPr>
           <a:xfrm>
-            <a:off x="12402383" y="12930233"/>
+            <a:off x="11721956" y="13804178"/>
             <a:ext cx="926325" cy="540000"/>
           </a:xfrm>
           <a:prstGeom prst="rect">
@@ -14508,7 +14174,7 @@
           <p:cNvPr id="245" name="Прямоугольник 244">
             <a:extLst>
               <a:ext uri="{FF2B5EF4-FFF2-40B4-BE49-F238E27FC236}">
-                <a16:creationId xmlns="" xmlns:a16="http://schemas.microsoft.com/office/drawing/2014/main" id="{9C02A14C-DE5F-49AD-A4EE-A27966D0EFDC}"/>
+                <a16:creationId xmlns:a16="http://schemas.microsoft.com/office/drawing/2014/main" xmlns="" id="{9C02A14C-DE5F-49AD-A4EE-A27966D0EFDC}"/>
               </a:ext>
             </a:extLst>
           </p:cNvPr>
@@ -14581,7 +14247,6 @@
               <a:rPr lang="ru-RU" sz="100" dirty="0"/>
               <a:t> Лопесом.</a:t>
             </a:r>
-            <a:endParaRPr lang="ru-RU" sz="100" dirty="0"/>
           </a:p>
         </p:txBody>
       </p:sp>
@@ -14590,7 +14255,7 @@
           <p:cNvPr id="246" name="Прямоугольник 245">
             <a:extLst>
               <a:ext uri="{FF2B5EF4-FFF2-40B4-BE49-F238E27FC236}">
-                <a16:creationId xmlns="" xmlns:a16="http://schemas.microsoft.com/office/drawing/2014/main" id="{9C02A14C-DE5F-49AD-A4EE-A27966D0EFDC}"/>
+                <a16:creationId xmlns:a16="http://schemas.microsoft.com/office/drawing/2014/main" xmlns="" id="{9C02A14C-DE5F-49AD-A4EE-A27966D0EFDC}"/>
               </a:ext>
             </a:extLst>
           </p:cNvPr>
@@ -14652,7 +14317,7 @@
           <p:cNvPr id="247" name="Прямоугольник 246">
             <a:extLst>
               <a:ext uri="{FF2B5EF4-FFF2-40B4-BE49-F238E27FC236}">
-                <a16:creationId xmlns="" xmlns:a16="http://schemas.microsoft.com/office/drawing/2014/main" id="{9C02A14C-DE5F-49AD-A4EE-A27966D0EFDC}"/>
+                <a16:creationId xmlns:a16="http://schemas.microsoft.com/office/drawing/2014/main" xmlns="" id="{9C02A14C-DE5F-49AD-A4EE-A27966D0EFDC}"/>
               </a:ext>
             </a:extLst>
           </p:cNvPr>
@@ -14706,7 +14371,7 @@
           <p:cNvPr id="248" name="Прямоугольник 247">
             <a:extLst>
               <a:ext uri="{FF2B5EF4-FFF2-40B4-BE49-F238E27FC236}">
-                <a16:creationId xmlns="" xmlns:a16="http://schemas.microsoft.com/office/drawing/2014/main" id="{9C02A14C-DE5F-49AD-A4EE-A27966D0EFDC}"/>
+                <a16:creationId xmlns:a16="http://schemas.microsoft.com/office/drawing/2014/main" xmlns="" id="{9C02A14C-DE5F-49AD-A4EE-A27966D0EFDC}"/>
               </a:ext>
             </a:extLst>
           </p:cNvPr>
@@ -14760,7 +14425,7 @@
           <p:cNvPr id="250" name="Прямоугольник 249">
             <a:extLst>
               <a:ext uri="{FF2B5EF4-FFF2-40B4-BE49-F238E27FC236}">
-                <a16:creationId xmlns="" xmlns:a16="http://schemas.microsoft.com/office/drawing/2014/main" id="{9C02A14C-DE5F-49AD-A4EE-A27966D0EFDC}"/>
+                <a16:creationId xmlns:a16="http://schemas.microsoft.com/office/drawing/2014/main" xmlns="" id="{9C02A14C-DE5F-49AD-A4EE-A27966D0EFDC}"/>
               </a:ext>
             </a:extLst>
           </p:cNvPr>
@@ -14818,7 +14483,7 @@
           <p:cNvPr id="251" name="Соединительная линия уступом 903">
             <a:extLst>
               <a:ext uri="{FF2B5EF4-FFF2-40B4-BE49-F238E27FC236}">
-                <a16:creationId xmlns="" xmlns:a16="http://schemas.microsoft.com/office/drawing/2014/main" id="{7F2B1BD7-0FDF-4BD9-834C-72911F99D650}"/>
+                <a16:creationId xmlns:a16="http://schemas.microsoft.com/office/drawing/2014/main" xmlns="" id="{7F2B1BD7-0FDF-4BD9-834C-72911F99D650}"/>
               </a:ext>
             </a:extLst>
           </p:cNvPr>
@@ -14864,7 +14529,7 @@
           <p:cNvPr id="252" name="Соединительная линия уступом 903">
             <a:extLst>
               <a:ext uri="{FF2B5EF4-FFF2-40B4-BE49-F238E27FC236}">
-                <a16:creationId xmlns="" xmlns:a16="http://schemas.microsoft.com/office/drawing/2014/main" id="{7F2B1BD7-0FDF-4BD9-834C-72911F99D650}"/>
+                <a16:creationId xmlns:a16="http://schemas.microsoft.com/office/drawing/2014/main" xmlns="" id="{7F2B1BD7-0FDF-4BD9-834C-72911F99D650}"/>
               </a:ext>
             </a:extLst>
           </p:cNvPr>
@@ -14909,7 +14574,7 @@
           <p:cNvPr id="255" name="Соединительная линия уступом 903">
             <a:extLst>
               <a:ext uri="{FF2B5EF4-FFF2-40B4-BE49-F238E27FC236}">
-                <a16:creationId xmlns="" xmlns:a16="http://schemas.microsoft.com/office/drawing/2014/main" id="{7F2B1BD7-0FDF-4BD9-834C-72911F99D650}"/>
+                <a16:creationId xmlns:a16="http://schemas.microsoft.com/office/drawing/2014/main" xmlns="" id="{7F2B1BD7-0FDF-4BD9-834C-72911F99D650}"/>
               </a:ext>
             </a:extLst>
           </p:cNvPr>
@@ -14955,7 +14620,7 @@
           <p:cNvPr id="258" name="Соединительная линия уступом 903">
             <a:extLst>
               <a:ext uri="{FF2B5EF4-FFF2-40B4-BE49-F238E27FC236}">
-                <a16:creationId xmlns="" xmlns:a16="http://schemas.microsoft.com/office/drawing/2014/main" id="{7F2B1BD7-0FDF-4BD9-834C-72911F99D650}"/>
+                <a16:creationId xmlns:a16="http://schemas.microsoft.com/office/drawing/2014/main" xmlns="" id="{7F2B1BD7-0FDF-4BD9-834C-72911F99D650}"/>
               </a:ext>
             </a:extLst>
           </p:cNvPr>
@@ -15001,7 +14666,7 @@
           <p:cNvPr id="262" name="Прямая соединительная линия 261">
             <a:extLst>
               <a:ext uri="{FF2B5EF4-FFF2-40B4-BE49-F238E27FC236}">
-                <a16:creationId xmlns="" xmlns:a16="http://schemas.microsoft.com/office/drawing/2014/main" id="{FD347516-2278-4B85-B9D1-D49EF200F440}"/>
+                <a16:creationId xmlns:a16="http://schemas.microsoft.com/office/drawing/2014/main" xmlns="" id="{FD347516-2278-4B85-B9D1-D49EF200F440}"/>
               </a:ext>
             </a:extLst>
           </p:cNvPr>
@@ -15046,7 +14711,7 @@
           <p:cNvPr id="265" name="Прямоугольник 264">
             <a:extLst>
               <a:ext uri="{FF2B5EF4-FFF2-40B4-BE49-F238E27FC236}">
-                <a16:creationId xmlns="" xmlns:a16="http://schemas.microsoft.com/office/drawing/2014/main" id="{9C02A14C-DE5F-49AD-A4EE-A27966D0EFDC}"/>
+                <a16:creationId xmlns:a16="http://schemas.microsoft.com/office/drawing/2014/main" xmlns="" id="{9C02A14C-DE5F-49AD-A4EE-A27966D0EFDC}"/>
               </a:ext>
             </a:extLst>
           </p:cNvPr>
@@ -15055,7 +14720,7 @@
         </p:nvSpPr>
         <p:spPr>
           <a:xfrm>
-            <a:off x="10550894" y="16508602"/>
+            <a:off x="11140414" y="17260318"/>
             <a:ext cx="926325" cy="540000"/>
           </a:xfrm>
           <a:prstGeom prst="rect">
@@ -15089,11 +14754,7 @@
             <a:pPr algn="ctr"/>
             <a:r>
               <a:rPr lang="ru-RU" sz="700" dirty="0" smtClean="0"/>
-              <a:t>Увеличить финансирование медицин</a:t>
-            </a:r>
-            <a:r>
-              <a:rPr lang="ru-RU" sz="700" dirty="0" smtClean="0"/>
-              <a:t>ской сферы</a:t>
+              <a:t>Увеличить финансирование медицинской сферы</a:t>
             </a:r>
             <a:endParaRPr lang="ru-RU" sz="400" dirty="0"/>
           </a:p>
@@ -15104,7 +14765,7 @@
           <p:cNvPr id="267" name="Соединительная линия уступом 903">
             <a:extLst>
               <a:ext uri="{FF2B5EF4-FFF2-40B4-BE49-F238E27FC236}">
-                <a16:creationId xmlns="" xmlns:a16="http://schemas.microsoft.com/office/drawing/2014/main" id="{7F2B1BD7-0FDF-4BD9-834C-72911F99D650}"/>
+                <a16:creationId xmlns:a16="http://schemas.microsoft.com/office/drawing/2014/main" xmlns="" id="{7F2B1BD7-0FDF-4BD9-834C-72911F99D650}"/>
               </a:ext>
             </a:extLst>
           </p:cNvPr>
@@ -15149,7 +14810,7 @@
           <p:cNvPr id="269" name="Соединительная линия уступом 903">
             <a:extLst>
               <a:ext uri="{FF2B5EF4-FFF2-40B4-BE49-F238E27FC236}">
-                <a16:creationId xmlns="" xmlns:a16="http://schemas.microsoft.com/office/drawing/2014/main" id="{7F2B1BD7-0FDF-4BD9-834C-72911F99D650}"/>
+                <a16:creationId xmlns:a16="http://schemas.microsoft.com/office/drawing/2014/main" xmlns="" id="{7F2B1BD7-0FDF-4BD9-834C-72911F99D650}"/>
               </a:ext>
             </a:extLst>
           </p:cNvPr>
@@ -15194,7 +14855,7 @@
           <p:cNvPr id="272" name="Соединительная линия уступом 903">
             <a:extLst>
               <a:ext uri="{FF2B5EF4-FFF2-40B4-BE49-F238E27FC236}">
-                <a16:creationId xmlns="" xmlns:a16="http://schemas.microsoft.com/office/drawing/2014/main" id="{7F2B1BD7-0FDF-4BD9-834C-72911F99D650}"/>
+                <a16:creationId xmlns:a16="http://schemas.microsoft.com/office/drawing/2014/main" xmlns="" id="{7F2B1BD7-0FDF-4BD9-834C-72911F99D650}"/>
               </a:ext>
             </a:extLst>
           </p:cNvPr>
@@ -15239,7 +14900,7 @@
           <p:cNvPr id="275" name="Прямая со стрелкой 274">
             <a:extLst>
               <a:ext uri="{FF2B5EF4-FFF2-40B4-BE49-F238E27FC236}">
-                <a16:creationId xmlns="" xmlns:a16="http://schemas.microsoft.com/office/drawing/2014/main" id="{AFD4E665-A61D-46C2-A133-3412690F30F3}"/>
+                <a16:creationId xmlns:a16="http://schemas.microsoft.com/office/drawing/2014/main" xmlns="" id="{AFD4E665-A61D-46C2-A133-3412690F30F3}"/>
               </a:ext>
             </a:extLst>
           </p:cNvPr>
@@ -15282,7 +14943,7 @@
           <p:cNvPr id="278" name="Прямая со стрелкой 277">
             <a:extLst>
               <a:ext uri="{FF2B5EF4-FFF2-40B4-BE49-F238E27FC236}">
-                <a16:creationId xmlns="" xmlns:a16="http://schemas.microsoft.com/office/drawing/2014/main" id="{AFD4E665-A61D-46C2-A133-3412690F30F3}"/>
+                <a16:creationId xmlns:a16="http://schemas.microsoft.com/office/drawing/2014/main" xmlns="" id="{AFD4E665-A61D-46C2-A133-3412690F30F3}"/>
               </a:ext>
             </a:extLst>
           </p:cNvPr>
@@ -15325,7 +14986,7 @@
           <p:cNvPr id="283" name="Соединительная линия уступом 903">
             <a:extLst>
               <a:ext uri="{FF2B5EF4-FFF2-40B4-BE49-F238E27FC236}">
-                <a16:creationId xmlns="" xmlns:a16="http://schemas.microsoft.com/office/drawing/2014/main" id="{7F2B1BD7-0FDF-4BD9-834C-72911F99D650}"/>
+                <a16:creationId xmlns:a16="http://schemas.microsoft.com/office/drawing/2014/main" xmlns="" id="{7F2B1BD7-0FDF-4BD9-834C-72911F99D650}"/>
               </a:ext>
             </a:extLst>
           </p:cNvPr>
@@ -15370,7 +15031,7 @@
           <p:cNvPr id="289" name="Прямая со стрелкой 288">
             <a:extLst>
               <a:ext uri="{FF2B5EF4-FFF2-40B4-BE49-F238E27FC236}">
-                <a16:creationId xmlns="" xmlns:a16="http://schemas.microsoft.com/office/drawing/2014/main" id="{AFD4E665-A61D-46C2-A133-3412690F30F3}"/>
+                <a16:creationId xmlns:a16="http://schemas.microsoft.com/office/drawing/2014/main" xmlns="" id="{AFD4E665-A61D-46C2-A133-3412690F30F3}"/>
               </a:ext>
             </a:extLst>
           </p:cNvPr>
@@ -15413,7 +15074,7 @@
           <p:cNvPr id="292" name="Прямоугольник 291">
             <a:extLst>
               <a:ext uri="{FF2B5EF4-FFF2-40B4-BE49-F238E27FC236}">
-                <a16:creationId xmlns="" xmlns:a16="http://schemas.microsoft.com/office/drawing/2014/main" id="{9C02A14C-DE5F-49AD-A4EE-A27966D0EFDC}"/>
+                <a16:creationId xmlns:a16="http://schemas.microsoft.com/office/drawing/2014/main" xmlns="" id="{9C02A14C-DE5F-49AD-A4EE-A27966D0EFDC}"/>
               </a:ext>
             </a:extLst>
           </p:cNvPr>
@@ -15467,7 +15128,7 @@
           <p:cNvPr id="296" name="Соединительная линия уступом 903">
             <a:extLst>
               <a:ext uri="{FF2B5EF4-FFF2-40B4-BE49-F238E27FC236}">
-                <a16:creationId xmlns="" xmlns:a16="http://schemas.microsoft.com/office/drawing/2014/main" id="{7F2B1BD7-0FDF-4BD9-834C-72911F99D650}"/>
+                <a16:creationId xmlns:a16="http://schemas.microsoft.com/office/drawing/2014/main" xmlns="" id="{7F2B1BD7-0FDF-4BD9-834C-72911F99D650}"/>
               </a:ext>
             </a:extLst>
           </p:cNvPr>
@@ -15512,7 +15173,7 @@
           <p:cNvPr id="302" name="Прямоугольник 301">
             <a:extLst>
               <a:ext uri="{FF2B5EF4-FFF2-40B4-BE49-F238E27FC236}">
-                <a16:creationId xmlns="" xmlns:a16="http://schemas.microsoft.com/office/drawing/2014/main" id="{9C02A14C-DE5F-49AD-A4EE-A27966D0EFDC}"/>
+                <a16:creationId xmlns:a16="http://schemas.microsoft.com/office/drawing/2014/main" xmlns="" id="{9C02A14C-DE5F-49AD-A4EE-A27966D0EFDC}"/>
               </a:ext>
             </a:extLst>
           </p:cNvPr>
@@ -15521,7 +15182,7 @@
         </p:nvSpPr>
         <p:spPr>
           <a:xfrm>
-            <a:off x="10550898" y="14841338"/>
+            <a:off x="10531582" y="15662893"/>
             <a:ext cx="926325" cy="540000"/>
           </a:xfrm>
           <a:prstGeom prst="rect">
@@ -15566,21 +15227,21 @@
           <p:cNvPr id="303" name="Соединительная линия уступом 903">
             <a:extLst>
               <a:ext uri="{FF2B5EF4-FFF2-40B4-BE49-F238E27FC236}">
-                <a16:creationId xmlns="" xmlns:a16="http://schemas.microsoft.com/office/drawing/2014/main" id="{7F2B1BD7-0FDF-4BD9-834C-72911F99D650}"/>
+                <a16:creationId xmlns:a16="http://schemas.microsoft.com/office/drawing/2014/main" xmlns="" id="{7F2B1BD7-0FDF-4BD9-834C-72911F99D650}"/>
               </a:ext>
             </a:extLst>
           </p:cNvPr>
           <p:cNvCxnSpPr>
             <a:cxnSpLocks/>
             <a:stCxn id="235" idx="2"/>
-            <a:endCxn id="302" idx="0"/>
+            <a:endCxn id="388" idx="0"/>
           </p:cNvCxnSpPr>
           <p:nvPr/>
         </p:nvCxnSpPr>
         <p:spPr>
           <a:xfrm rot="16200000" flipH="1">
-            <a:off x="10261233" y="14088509"/>
-            <a:ext cx="235393" cy="1270264"/>
+            <a:off x="10254590" y="14095151"/>
+            <a:ext cx="233299" cy="1254885"/>
           </a:xfrm>
           <a:prstGeom prst="bentConnector3">
             <a:avLst>
@@ -15611,7 +15272,7 @@
           <p:cNvPr id="309" name="Прямоугольник 308">
             <a:extLst>
               <a:ext uri="{FF2B5EF4-FFF2-40B4-BE49-F238E27FC236}">
-                <a16:creationId xmlns="" xmlns:a16="http://schemas.microsoft.com/office/drawing/2014/main" id="{9C02A14C-DE5F-49AD-A4EE-A27966D0EFDC}"/>
+                <a16:creationId xmlns:a16="http://schemas.microsoft.com/office/drawing/2014/main" xmlns="" id="{9C02A14C-DE5F-49AD-A4EE-A27966D0EFDC}"/>
               </a:ext>
             </a:extLst>
           </p:cNvPr>
@@ -15673,7 +15334,7 @@
           <p:cNvPr id="313" name="Прямоугольник 312">
             <a:extLst>
               <a:ext uri="{FF2B5EF4-FFF2-40B4-BE49-F238E27FC236}">
-                <a16:creationId xmlns="" xmlns:a16="http://schemas.microsoft.com/office/drawing/2014/main" id="{9C02A14C-DE5F-49AD-A4EE-A27966D0EFDC}"/>
+                <a16:creationId xmlns:a16="http://schemas.microsoft.com/office/drawing/2014/main" xmlns="" id="{9C02A14C-DE5F-49AD-A4EE-A27966D0EFDC}"/>
               </a:ext>
             </a:extLst>
           </p:cNvPr>
@@ -15739,7 +15400,7 @@
           <p:cNvPr id="314" name="Прямоугольник 313">
             <a:extLst>
               <a:ext uri="{FF2B5EF4-FFF2-40B4-BE49-F238E27FC236}">
-                <a16:creationId xmlns="" xmlns:a16="http://schemas.microsoft.com/office/drawing/2014/main" id="{9C02A14C-DE5F-49AD-A4EE-A27966D0EFDC}"/>
+                <a16:creationId xmlns:a16="http://schemas.microsoft.com/office/drawing/2014/main" xmlns="" id="{9C02A14C-DE5F-49AD-A4EE-A27966D0EFDC}"/>
               </a:ext>
             </a:extLst>
           </p:cNvPr>
@@ -15805,7 +15466,7 @@
           <p:cNvPr id="315" name="Прямоугольник 314">
             <a:extLst>
               <a:ext uri="{FF2B5EF4-FFF2-40B4-BE49-F238E27FC236}">
-                <a16:creationId xmlns="" xmlns:a16="http://schemas.microsoft.com/office/drawing/2014/main" id="{CA07F76D-4941-4BBE-8B5A-F0348C4D0FB6}"/>
+                <a16:creationId xmlns:a16="http://schemas.microsoft.com/office/drawing/2014/main" xmlns="" id="{CA07F76D-4941-4BBE-8B5A-F0348C4D0FB6}"/>
               </a:ext>
             </a:extLst>
           </p:cNvPr>
@@ -15846,7 +15507,15 @@
             <a:pPr algn="ctr"/>
             <a:r>
               <a:rPr lang="ru-RU" sz="700" dirty="0" smtClean="0"/>
-              <a:t>Курс на укрепление рабочих в центральной Америке</a:t>
+              <a:t>Курс на укрепление рабочих в </a:t>
+            </a:r>
+            <a:r>
+              <a:rPr lang="ru-RU" sz="700" dirty="0" smtClean="0"/>
+              <a:t>Центральной </a:t>
+            </a:r>
+            <a:r>
+              <a:rPr lang="ru-RU" sz="700" dirty="0" smtClean="0"/>
+              <a:t>Америке</a:t>
             </a:r>
             <a:endParaRPr lang="ru-RU" sz="400" dirty="0"/>
           </a:p>
@@ -15857,7 +15526,7 @@
           <p:cNvPr id="317" name="Соединительная линия уступом 903">
             <a:extLst>
               <a:ext uri="{FF2B5EF4-FFF2-40B4-BE49-F238E27FC236}">
-                <a16:creationId xmlns="" xmlns:a16="http://schemas.microsoft.com/office/drawing/2014/main" id="{7F2B1BD7-0FDF-4BD9-834C-72911F99D650}"/>
+                <a16:creationId xmlns:a16="http://schemas.microsoft.com/office/drawing/2014/main" xmlns="" id="{7F2B1BD7-0FDF-4BD9-834C-72911F99D650}"/>
               </a:ext>
             </a:extLst>
           </p:cNvPr>
@@ -15902,7 +15571,7 @@
           <p:cNvPr id="320" name="Прямоугольник 319">
             <a:extLst>
               <a:ext uri="{FF2B5EF4-FFF2-40B4-BE49-F238E27FC236}">
-                <a16:creationId xmlns="" xmlns:a16="http://schemas.microsoft.com/office/drawing/2014/main" id="{CA07F76D-4941-4BBE-8B5A-F0348C4D0FB6}"/>
+                <a16:creationId xmlns:a16="http://schemas.microsoft.com/office/drawing/2014/main" xmlns="" id="{CA07F76D-4941-4BBE-8B5A-F0348C4D0FB6}"/>
               </a:ext>
             </a:extLst>
           </p:cNvPr>
@@ -15954,7 +15623,7 @@
           <p:cNvPr id="321" name="Прямоугольник 320">
             <a:extLst>
               <a:ext uri="{FF2B5EF4-FFF2-40B4-BE49-F238E27FC236}">
-                <a16:creationId xmlns="" xmlns:a16="http://schemas.microsoft.com/office/drawing/2014/main" id="{9C02A14C-DE5F-49AD-A4EE-A27966D0EFDC}"/>
+                <a16:creationId xmlns:a16="http://schemas.microsoft.com/office/drawing/2014/main" xmlns="" id="{9C02A14C-DE5F-49AD-A4EE-A27966D0EFDC}"/>
               </a:ext>
             </a:extLst>
           </p:cNvPr>
@@ -16016,7 +15685,7 @@
           <p:cNvPr id="322" name="Прямоугольник 321">
             <a:extLst>
               <a:ext uri="{FF2B5EF4-FFF2-40B4-BE49-F238E27FC236}">
-                <a16:creationId xmlns="" xmlns:a16="http://schemas.microsoft.com/office/drawing/2014/main" id="{9C02A14C-DE5F-49AD-A4EE-A27966D0EFDC}"/>
+                <a16:creationId xmlns:a16="http://schemas.microsoft.com/office/drawing/2014/main" xmlns="" id="{9C02A14C-DE5F-49AD-A4EE-A27966D0EFDC}"/>
               </a:ext>
             </a:extLst>
           </p:cNvPr>
@@ -16086,7 +15755,7 @@
           <p:cNvPr id="323" name="Прямая соединительная линия 322">
             <a:extLst>
               <a:ext uri="{FF2B5EF4-FFF2-40B4-BE49-F238E27FC236}">
-                <a16:creationId xmlns="" xmlns:a16="http://schemas.microsoft.com/office/drawing/2014/main" id="{FD347516-2278-4B85-B9D1-D49EF200F440}"/>
+                <a16:creationId xmlns:a16="http://schemas.microsoft.com/office/drawing/2014/main" xmlns="" id="{FD347516-2278-4B85-B9D1-D49EF200F440}"/>
               </a:ext>
             </a:extLst>
           </p:cNvPr>
@@ -16131,7 +15800,7 @@
           <p:cNvPr id="326" name="Соединительная линия уступом 903">
             <a:extLst>
               <a:ext uri="{FF2B5EF4-FFF2-40B4-BE49-F238E27FC236}">
-                <a16:creationId xmlns="" xmlns:a16="http://schemas.microsoft.com/office/drawing/2014/main" id="{7F2B1BD7-0FDF-4BD9-834C-72911F99D650}"/>
+                <a16:creationId xmlns:a16="http://schemas.microsoft.com/office/drawing/2014/main" xmlns="" id="{7F2B1BD7-0FDF-4BD9-834C-72911F99D650}"/>
               </a:ext>
             </a:extLst>
           </p:cNvPr>
@@ -16176,7 +15845,7 @@
           <p:cNvPr id="329" name="Соединительная линия уступом 903">
             <a:extLst>
               <a:ext uri="{FF2B5EF4-FFF2-40B4-BE49-F238E27FC236}">
-                <a16:creationId xmlns="" xmlns:a16="http://schemas.microsoft.com/office/drawing/2014/main" id="{7F2B1BD7-0FDF-4BD9-834C-72911F99D650}"/>
+                <a16:creationId xmlns:a16="http://schemas.microsoft.com/office/drawing/2014/main" xmlns="" id="{7F2B1BD7-0FDF-4BD9-834C-72911F99D650}"/>
               </a:ext>
             </a:extLst>
           </p:cNvPr>
@@ -16221,7 +15890,7 @@
           <p:cNvPr id="332" name="Прямая со стрелкой 331">
             <a:extLst>
               <a:ext uri="{FF2B5EF4-FFF2-40B4-BE49-F238E27FC236}">
-                <a16:creationId xmlns="" xmlns:a16="http://schemas.microsoft.com/office/drawing/2014/main" id="{AFD4E665-A61D-46C2-A133-3412690F30F3}"/>
+                <a16:creationId xmlns:a16="http://schemas.microsoft.com/office/drawing/2014/main" xmlns="" id="{AFD4E665-A61D-46C2-A133-3412690F30F3}"/>
               </a:ext>
             </a:extLst>
           </p:cNvPr>
@@ -16264,7 +15933,7 @@
           <p:cNvPr id="335" name="Прямая со стрелкой 334">
             <a:extLst>
               <a:ext uri="{FF2B5EF4-FFF2-40B4-BE49-F238E27FC236}">
-                <a16:creationId xmlns="" xmlns:a16="http://schemas.microsoft.com/office/drawing/2014/main" id="{AFD4E665-A61D-46C2-A133-3412690F30F3}"/>
+                <a16:creationId xmlns:a16="http://schemas.microsoft.com/office/drawing/2014/main" xmlns="" id="{AFD4E665-A61D-46C2-A133-3412690F30F3}"/>
               </a:ext>
             </a:extLst>
           </p:cNvPr>
@@ -16307,7 +15976,7 @@
           <p:cNvPr id="338" name="Соединительная линия уступом 903">
             <a:extLst>
               <a:ext uri="{FF2B5EF4-FFF2-40B4-BE49-F238E27FC236}">
-                <a16:creationId xmlns="" xmlns:a16="http://schemas.microsoft.com/office/drawing/2014/main" id="{7F2B1BD7-0FDF-4BD9-834C-72911F99D650}"/>
+                <a16:creationId xmlns:a16="http://schemas.microsoft.com/office/drawing/2014/main" xmlns="" id="{7F2B1BD7-0FDF-4BD9-834C-72911F99D650}"/>
               </a:ext>
             </a:extLst>
           </p:cNvPr>
@@ -16352,7 +16021,7 @@
           <p:cNvPr id="341" name="Соединительная линия уступом 903">
             <a:extLst>
               <a:ext uri="{FF2B5EF4-FFF2-40B4-BE49-F238E27FC236}">
-                <a16:creationId xmlns="" xmlns:a16="http://schemas.microsoft.com/office/drawing/2014/main" id="{7F2B1BD7-0FDF-4BD9-834C-72911F99D650}"/>
+                <a16:creationId xmlns:a16="http://schemas.microsoft.com/office/drawing/2014/main" xmlns="" id="{7F2B1BD7-0FDF-4BD9-834C-72911F99D650}"/>
               </a:ext>
             </a:extLst>
           </p:cNvPr>
@@ -16397,7 +16066,7 @@
           <p:cNvPr id="344" name="Прямоугольник 343">
             <a:extLst>
               <a:ext uri="{FF2B5EF4-FFF2-40B4-BE49-F238E27FC236}">
-                <a16:creationId xmlns="" xmlns:a16="http://schemas.microsoft.com/office/drawing/2014/main" id="{CA07F76D-4941-4BBE-8B5A-F0348C4D0FB6}"/>
+                <a16:creationId xmlns:a16="http://schemas.microsoft.com/office/drawing/2014/main" xmlns="" id="{CA07F76D-4941-4BBE-8B5A-F0348C4D0FB6}"/>
               </a:ext>
             </a:extLst>
           </p:cNvPr>
@@ -16449,7 +16118,7 @@
           <p:cNvPr id="352" name="Соединительная линия уступом 903">
             <a:extLst>
               <a:ext uri="{FF2B5EF4-FFF2-40B4-BE49-F238E27FC236}">
-                <a16:creationId xmlns="" xmlns:a16="http://schemas.microsoft.com/office/drawing/2014/main" id="{7F2B1BD7-0FDF-4BD9-834C-72911F99D650}"/>
+                <a16:creationId xmlns:a16="http://schemas.microsoft.com/office/drawing/2014/main" xmlns="" id="{7F2B1BD7-0FDF-4BD9-834C-72911F99D650}"/>
               </a:ext>
             </a:extLst>
           </p:cNvPr>
@@ -16495,7 +16164,7 @@
           <p:cNvPr id="355" name="Соединительная линия уступом 903">
             <a:extLst>
               <a:ext uri="{FF2B5EF4-FFF2-40B4-BE49-F238E27FC236}">
-                <a16:creationId xmlns="" xmlns:a16="http://schemas.microsoft.com/office/drawing/2014/main" id="{7F2B1BD7-0FDF-4BD9-834C-72911F99D650}"/>
+                <a16:creationId xmlns:a16="http://schemas.microsoft.com/office/drawing/2014/main" xmlns="" id="{7F2B1BD7-0FDF-4BD9-834C-72911F99D650}"/>
               </a:ext>
             </a:extLst>
           </p:cNvPr>
@@ -16541,7 +16210,7 @@
           <p:cNvPr id="358" name="Прямая со стрелкой 357">
             <a:extLst>
               <a:ext uri="{FF2B5EF4-FFF2-40B4-BE49-F238E27FC236}">
-                <a16:creationId xmlns="" xmlns:a16="http://schemas.microsoft.com/office/drawing/2014/main" id="{AFD4E665-A61D-46C2-A133-3412690F30F3}"/>
+                <a16:creationId xmlns:a16="http://schemas.microsoft.com/office/drawing/2014/main" xmlns="" id="{AFD4E665-A61D-46C2-A133-3412690F30F3}"/>
               </a:ext>
             </a:extLst>
           </p:cNvPr>
@@ -16584,7 +16253,7 @@
           <p:cNvPr id="361" name="Прямоугольник 360">
             <a:extLst>
               <a:ext uri="{FF2B5EF4-FFF2-40B4-BE49-F238E27FC236}">
-                <a16:creationId xmlns="" xmlns:a16="http://schemas.microsoft.com/office/drawing/2014/main" id="{CA07F76D-4941-4BBE-8B5A-F0348C4D0FB6}"/>
+                <a16:creationId xmlns:a16="http://schemas.microsoft.com/office/drawing/2014/main" xmlns="" id="{CA07F76D-4941-4BBE-8B5A-F0348C4D0FB6}"/>
               </a:ext>
             </a:extLst>
           </p:cNvPr>
@@ -16636,7 +16305,7 @@
           <p:cNvPr id="362" name="Соединительная линия уступом 903">
             <a:extLst>
               <a:ext uri="{FF2B5EF4-FFF2-40B4-BE49-F238E27FC236}">
-                <a16:creationId xmlns="" xmlns:a16="http://schemas.microsoft.com/office/drawing/2014/main" id="{7F2B1BD7-0FDF-4BD9-834C-72911F99D650}"/>
+                <a16:creationId xmlns:a16="http://schemas.microsoft.com/office/drawing/2014/main" xmlns="" id="{7F2B1BD7-0FDF-4BD9-834C-72911F99D650}"/>
               </a:ext>
             </a:extLst>
           </p:cNvPr>
@@ -16681,7 +16350,7 @@
           <p:cNvPr id="365" name="Прямоугольник 364">
             <a:extLst>
               <a:ext uri="{FF2B5EF4-FFF2-40B4-BE49-F238E27FC236}">
-                <a16:creationId xmlns="" xmlns:a16="http://schemas.microsoft.com/office/drawing/2014/main" id="{CA07F76D-4941-4BBE-8B5A-F0348C4D0FB6}"/>
+                <a16:creationId xmlns:a16="http://schemas.microsoft.com/office/drawing/2014/main" xmlns="" id="{CA07F76D-4941-4BBE-8B5A-F0348C4D0FB6}"/>
               </a:ext>
             </a:extLst>
           </p:cNvPr>
@@ -16733,7 +16402,7 @@
           <p:cNvPr id="366" name="Прямая со стрелкой 365">
             <a:extLst>
               <a:ext uri="{FF2B5EF4-FFF2-40B4-BE49-F238E27FC236}">
-                <a16:creationId xmlns="" xmlns:a16="http://schemas.microsoft.com/office/drawing/2014/main" id="{AFD4E665-A61D-46C2-A133-3412690F30F3}"/>
+                <a16:creationId xmlns:a16="http://schemas.microsoft.com/office/drawing/2014/main" xmlns="" id="{AFD4E665-A61D-46C2-A133-3412690F30F3}"/>
               </a:ext>
             </a:extLst>
           </p:cNvPr>
@@ -16776,7 +16445,7 @@
           <p:cNvPr id="371" name="Прямоугольник 370">
             <a:extLst>
               <a:ext uri="{FF2B5EF4-FFF2-40B4-BE49-F238E27FC236}">
-                <a16:creationId xmlns="" xmlns:a16="http://schemas.microsoft.com/office/drawing/2014/main" id="{9C02A14C-DE5F-49AD-A4EE-A27966D0EFDC}"/>
+                <a16:creationId xmlns:a16="http://schemas.microsoft.com/office/drawing/2014/main" xmlns="" id="{9C02A14C-DE5F-49AD-A4EE-A27966D0EFDC}"/>
               </a:ext>
             </a:extLst>
           </p:cNvPr>
@@ -16838,7 +16507,7 @@
           <p:cNvPr id="372" name="Соединительная линия уступом 903">
             <a:extLst>
               <a:ext uri="{FF2B5EF4-FFF2-40B4-BE49-F238E27FC236}">
-                <a16:creationId xmlns="" xmlns:a16="http://schemas.microsoft.com/office/drawing/2014/main" id="{7F2B1BD7-0FDF-4BD9-834C-72911F99D650}"/>
+                <a16:creationId xmlns:a16="http://schemas.microsoft.com/office/drawing/2014/main" xmlns="" id="{7F2B1BD7-0FDF-4BD9-834C-72911F99D650}"/>
               </a:ext>
             </a:extLst>
           </p:cNvPr>
@@ -16883,7 +16552,7 @@
           <p:cNvPr id="378" name="Прямоугольник 377">
             <a:extLst>
               <a:ext uri="{FF2B5EF4-FFF2-40B4-BE49-F238E27FC236}">
-                <a16:creationId xmlns="" xmlns:a16="http://schemas.microsoft.com/office/drawing/2014/main" id="{CA07F76D-4941-4BBE-8B5A-F0348C4D0FB6}"/>
+                <a16:creationId xmlns:a16="http://schemas.microsoft.com/office/drawing/2014/main" xmlns="" id="{CA07F76D-4941-4BBE-8B5A-F0348C4D0FB6}"/>
               </a:ext>
             </a:extLst>
           </p:cNvPr>
@@ -16935,7 +16604,7 @@
           <p:cNvPr id="379" name="Соединительная линия уступом 903">
             <a:extLst>
               <a:ext uri="{FF2B5EF4-FFF2-40B4-BE49-F238E27FC236}">
-                <a16:creationId xmlns="" xmlns:a16="http://schemas.microsoft.com/office/drawing/2014/main" id="{7F2B1BD7-0FDF-4BD9-834C-72911F99D650}"/>
+                <a16:creationId xmlns:a16="http://schemas.microsoft.com/office/drawing/2014/main" xmlns="" id="{7F2B1BD7-0FDF-4BD9-834C-72911F99D650}"/>
               </a:ext>
             </a:extLst>
           </p:cNvPr>
@@ -16980,7 +16649,7 @@
           <p:cNvPr id="382" name="Прямоугольник 381">
             <a:extLst>
               <a:ext uri="{FF2B5EF4-FFF2-40B4-BE49-F238E27FC236}">
-                <a16:creationId xmlns="" xmlns:a16="http://schemas.microsoft.com/office/drawing/2014/main" id="{CA07F76D-4941-4BBE-8B5A-F0348C4D0FB6}"/>
+                <a16:creationId xmlns:a16="http://schemas.microsoft.com/office/drawing/2014/main" xmlns="" id="{CA07F76D-4941-4BBE-8B5A-F0348C4D0FB6}"/>
               </a:ext>
             </a:extLst>
           </p:cNvPr>
@@ -17032,7 +16701,7 @@
           <p:cNvPr id="389" name="Прямая со стрелкой 388">
             <a:extLst>
               <a:ext uri="{FF2B5EF4-FFF2-40B4-BE49-F238E27FC236}">
-                <a16:creationId xmlns="" xmlns:a16="http://schemas.microsoft.com/office/drawing/2014/main" id="{6FF1BA7F-812C-44A5-BEC2-31F4B6F55538}"/>
+                <a16:creationId xmlns:a16="http://schemas.microsoft.com/office/drawing/2014/main" xmlns="" id="{6FF1BA7F-812C-44A5-BEC2-31F4B6F55538}"/>
               </a:ext>
             </a:extLst>
           </p:cNvPr>
@@ -17114,7 +16783,7 @@
           <p:cNvPr id="398" name="Соединительная линия уступом 903">
             <a:extLst>
               <a:ext uri="{FF2B5EF4-FFF2-40B4-BE49-F238E27FC236}">
-                <a16:creationId xmlns="" xmlns:a16="http://schemas.microsoft.com/office/drawing/2014/main" id="{BDC7F8CB-0052-4FAE-993D-F1332955CF43}"/>
+                <a16:creationId xmlns:a16="http://schemas.microsoft.com/office/drawing/2014/main" xmlns="" id="{BDC7F8CB-0052-4FAE-993D-F1332955CF43}"/>
               </a:ext>
             </a:extLst>
           </p:cNvPr>
@@ -17159,7 +16828,7 @@
           <p:cNvPr id="401" name="Соединительная линия уступом 903">
             <a:extLst>
               <a:ext uri="{FF2B5EF4-FFF2-40B4-BE49-F238E27FC236}">
-                <a16:creationId xmlns="" xmlns:a16="http://schemas.microsoft.com/office/drawing/2014/main" id="{BDC7F8CB-0052-4FAE-993D-F1332955CF43}"/>
+                <a16:creationId xmlns:a16="http://schemas.microsoft.com/office/drawing/2014/main" xmlns="" id="{BDC7F8CB-0052-4FAE-993D-F1332955CF43}"/>
               </a:ext>
             </a:extLst>
           </p:cNvPr>
@@ -17204,7 +16873,7 @@
           <p:cNvPr id="404" name="Соединительная линия уступом 903">
             <a:extLst>
               <a:ext uri="{FF2B5EF4-FFF2-40B4-BE49-F238E27FC236}">
-                <a16:creationId xmlns="" xmlns:a16="http://schemas.microsoft.com/office/drawing/2014/main" id="{BDC7F8CB-0052-4FAE-993D-F1332955CF43}"/>
+                <a16:creationId xmlns:a16="http://schemas.microsoft.com/office/drawing/2014/main" xmlns="" id="{BDC7F8CB-0052-4FAE-993D-F1332955CF43}"/>
               </a:ext>
             </a:extLst>
           </p:cNvPr>
@@ -17249,7 +16918,7 @@
           <p:cNvPr id="410" name="Прямоугольник 409">
             <a:extLst>
               <a:ext uri="{FF2B5EF4-FFF2-40B4-BE49-F238E27FC236}">
-                <a16:creationId xmlns="" xmlns:a16="http://schemas.microsoft.com/office/drawing/2014/main" id="{CA07F76D-4941-4BBE-8B5A-F0348C4D0FB6}"/>
+                <a16:creationId xmlns:a16="http://schemas.microsoft.com/office/drawing/2014/main" xmlns="" id="{CA07F76D-4941-4BBE-8B5A-F0348C4D0FB6}"/>
               </a:ext>
             </a:extLst>
           </p:cNvPr>
@@ -17301,7 +16970,7 @@
           <p:cNvPr id="411" name="Прямая со стрелкой 410">
             <a:extLst>
               <a:ext uri="{FF2B5EF4-FFF2-40B4-BE49-F238E27FC236}">
-                <a16:creationId xmlns="" xmlns:a16="http://schemas.microsoft.com/office/drawing/2014/main" id="{6FF1BA7F-812C-44A5-BEC2-31F4B6F55538}"/>
+                <a16:creationId xmlns:a16="http://schemas.microsoft.com/office/drawing/2014/main" xmlns="" id="{6FF1BA7F-812C-44A5-BEC2-31F4B6F55538}"/>
               </a:ext>
             </a:extLst>
           </p:cNvPr>
@@ -17344,7 +17013,7 @@
           <p:cNvPr id="414" name="Прямая со стрелкой 413">
             <a:extLst>
               <a:ext uri="{FF2B5EF4-FFF2-40B4-BE49-F238E27FC236}">
-                <a16:creationId xmlns="" xmlns:a16="http://schemas.microsoft.com/office/drawing/2014/main" id="{6FF1BA7F-812C-44A5-BEC2-31F4B6F55538}"/>
+                <a16:creationId xmlns:a16="http://schemas.microsoft.com/office/drawing/2014/main" xmlns="" id="{6FF1BA7F-812C-44A5-BEC2-31F4B6F55538}"/>
               </a:ext>
             </a:extLst>
           </p:cNvPr>
@@ -17387,7 +17056,7 @@
           <p:cNvPr id="418" name="Прямоугольник 417">
             <a:extLst>
               <a:ext uri="{FF2B5EF4-FFF2-40B4-BE49-F238E27FC236}">
-                <a16:creationId xmlns="" xmlns:a16="http://schemas.microsoft.com/office/drawing/2014/main" id="{CA07F76D-4941-4BBE-8B5A-F0348C4D0FB6}"/>
+                <a16:creationId xmlns:a16="http://schemas.microsoft.com/office/drawing/2014/main" xmlns="" id="{CA07F76D-4941-4BBE-8B5A-F0348C4D0FB6}"/>
               </a:ext>
             </a:extLst>
           </p:cNvPr>
@@ -17439,7 +17108,7 @@
           <p:cNvPr id="419" name="Прямая со стрелкой 418">
             <a:extLst>
               <a:ext uri="{FF2B5EF4-FFF2-40B4-BE49-F238E27FC236}">
-                <a16:creationId xmlns="" xmlns:a16="http://schemas.microsoft.com/office/drawing/2014/main" id="{6FF1BA7F-812C-44A5-BEC2-31F4B6F55538}"/>
+                <a16:creationId xmlns:a16="http://schemas.microsoft.com/office/drawing/2014/main" xmlns="" id="{6FF1BA7F-812C-44A5-BEC2-31F4B6F55538}"/>
               </a:ext>
             </a:extLst>
           </p:cNvPr>
@@ -17482,7 +17151,7 @@
           <p:cNvPr id="429" name="Прямоугольник 428">
             <a:extLst>
               <a:ext uri="{FF2B5EF4-FFF2-40B4-BE49-F238E27FC236}">
-                <a16:creationId xmlns="" xmlns:a16="http://schemas.microsoft.com/office/drawing/2014/main" id="{9C02A14C-DE5F-49AD-A4EE-A27966D0EFDC}"/>
+                <a16:creationId xmlns:a16="http://schemas.microsoft.com/office/drawing/2014/main" xmlns="" id="{9C02A14C-DE5F-49AD-A4EE-A27966D0EFDC}"/>
               </a:ext>
             </a:extLst>
           </p:cNvPr>
@@ -17544,7 +17213,7 @@
           <p:cNvPr id="430" name="Соединительная линия уступом 903">
             <a:extLst>
               <a:ext uri="{FF2B5EF4-FFF2-40B4-BE49-F238E27FC236}">
-                <a16:creationId xmlns="" xmlns:a16="http://schemas.microsoft.com/office/drawing/2014/main" id="{7F2B1BD7-0FDF-4BD9-834C-72911F99D650}"/>
+                <a16:creationId xmlns:a16="http://schemas.microsoft.com/office/drawing/2014/main" xmlns="" id="{7F2B1BD7-0FDF-4BD9-834C-72911F99D650}"/>
               </a:ext>
             </a:extLst>
           </p:cNvPr>
@@ -17589,7 +17258,7 @@
           <p:cNvPr id="445" name="Прямоугольник 444">
             <a:extLst>
               <a:ext uri="{FF2B5EF4-FFF2-40B4-BE49-F238E27FC236}">
-                <a16:creationId xmlns="" xmlns:a16="http://schemas.microsoft.com/office/drawing/2014/main" id="{9C02A14C-DE5F-49AD-A4EE-A27966D0EFDC}"/>
+                <a16:creationId xmlns:a16="http://schemas.microsoft.com/office/drawing/2014/main" xmlns="" id="{9C02A14C-DE5F-49AD-A4EE-A27966D0EFDC}"/>
               </a:ext>
             </a:extLst>
           </p:cNvPr>
@@ -17598,7 +17267,7 @@
         </p:nvSpPr>
         <p:spPr>
           <a:xfrm>
-            <a:off x="10550894" y="15650711"/>
+            <a:off x="10535519" y="16454635"/>
             <a:ext cx="926325" cy="540000"/>
           </a:xfrm>
           <a:prstGeom prst="rect">
@@ -17643,7 +17312,7 @@
           <p:cNvPr id="453" name="Прямая со стрелкой 452">
             <a:extLst>
               <a:ext uri="{FF2B5EF4-FFF2-40B4-BE49-F238E27FC236}">
-                <a16:creationId xmlns="" xmlns:a16="http://schemas.microsoft.com/office/drawing/2014/main" id="{AFD4E665-A61D-46C2-A133-3412690F30F3}"/>
+                <a16:creationId xmlns:a16="http://schemas.microsoft.com/office/drawing/2014/main" xmlns="" id="{AFD4E665-A61D-46C2-A133-3412690F30F3}"/>
               </a:ext>
             </a:extLst>
           </p:cNvPr>
@@ -17655,52 +17324,9 @@
           <p:nvPr/>
         </p:nvCxnSpPr>
         <p:spPr>
-          <a:xfrm flipH="1">
-            <a:off x="11014057" y="15381338"/>
-            <a:ext cx="4" cy="269373"/>
-          </a:xfrm>
-          <a:prstGeom prst="straightConnector1">
-            <a:avLst/>
-          </a:prstGeom>
-          <a:ln w="19050">
-            <a:tailEnd type="arrow"/>
-          </a:ln>
-        </p:spPr>
-        <p:style>
-          <a:lnRef idx="1">
-            <a:schemeClr val="accent1"/>
-          </a:lnRef>
-          <a:fillRef idx="0">
-            <a:schemeClr val="accent1"/>
-          </a:fillRef>
-          <a:effectRef idx="0">
-            <a:schemeClr val="accent1"/>
-          </a:effectRef>
-          <a:fontRef idx="minor">
-            <a:schemeClr val="tx1"/>
-          </a:fontRef>
-        </p:style>
-      </p:cxnSp>
-      <p:cxnSp>
-        <p:nvCxnSpPr>
-          <p:cNvPr id="456" name="Прямая со стрелкой 455">
-            <a:extLst>
-              <a:ext uri="{FF2B5EF4-FFF2-40B4-BE49-F238E27FC236}">
-                <a16:creationId xmlns="" xmlns:a16="http://schemas.microsoft.com/office/drawing/2014/main" id="{AFD4E665-A61D-46C2-A133-3412690F30F3}"/>
-              </a:ext>
-            </a:extLst>
-          </p:cNvPr>
-          <p:cNvCxnSpPr>
-            <a:cxnSpLocks/>
-            <a:stCxn id="445" idx="2"/>
-            <a:endCxn id="265" idx="0"/>
-          </p:cNvCxnSpPr>
-          <p:nvPr/>
-        </p:nvCxnSpPr>
-        <p:spPr>
-          <a:xfrm>
-            <a:off x="11014057" y="16190711"/>
-            <a:ext cx="0" cy="317891"/>
+          <a:xfrm>
+            <a:off x="10994745" y="16202893"/>
+            <a:ext cx="3937" cy="251742"/>
           </a:xfrm>
           <a:prstGeom prst="straightConnector1">
             <a:avLst/>
@@ -17729,7 +17355,7 @@
           <p:cNvPr id="463" name="Прямая со стрелкой 462">
             <a:extLst>
               <a:ext uri="{FF2B5EF4-FFF2-40B4-BE49-F238E27FC236}">
-                <a16:creationId xmlns="" xmlns:a16="http://schemas.microsoft.com/office/drawing/2014/main" id="{AFD4E665-A61D-46C2-A133-3412690F30F3}"/>
+                <a16:creationId xmlns:a16="http://schemas.microsoft.com/office/drawing/2014/main" xmlns="" id="{AFD4E665-A61D-46C2-A133-3412690F30F3}"/>
               </a:ext>
             </a:extLst>
           </p:cNvPr>
@@ -17772,7 +17398,7 @@
           <p:cNvPr id="467" name="Прямоугольник 466">
             <a:extLst>
               <a:ext uri="{FF2B5EF4-FFF2-40B4-BE49-F238E27FC236}">
-                <a16:creationId xmlns="" xmlns:a16="http://schemas.microsoft.com/office/drawing/2014/main" id="{9C02A14C-DE5F-49AD-A4EE-A27966D0EFDC}"/>
+                <a16:creationId xmlns:a16="http://schemas.microsoft.com/office/drawing/2014/main" xmlns="" id="{9C02A14C-DE5F-49AD-A4EE-A27966D0EFDC}"/>
               </a:ext>
             </a:extLst>
           </p:cNvPr>
@@ -17826,7 +17452,7 @@
           <p:cNvPr id="468" name="Прямоугольник 467">
             <a:extLst>
               <a:ext uri="{FF2B5EF4-FFF2-40B4-BE49-F238E27FC236}">
-                <a16:creationId xmlns="" xmlns:a16="http://schemas.microsoft.com/office/drawing/2014/main" id="{9C02A14C-DE5F-49AD-A4EE-A27966D0EFDC}"/>
+                <a16:creationId xmlns:a16="http://schemas.microsoft.com/office/drawing/2014/main" xmlns="" id="{9C02A14C-DE5F-49AD-A4EE-A27966D0EFDC}"/>
               </a:ext>
             </a:extLst>
           </p:cNvPr>
@@ -17880,7 +17506,7 @@
           <p:cNvPr id="469" name="Соединительная линия уступом 903">
             <a:extLst>
               <a:ext uri="{FF2B5EF4-FFF2-40B4-BE49-F238E27FC236}">
-                <a16:creationId xmlns="" xmlns:a16="http://schemas.microsoft.com/office/drawing/2014/main" id="{7F2B1BD7-0FDF-4BD9-834C-72911F99D650}"/>
+                <a16:creationId xmlns:a16="http://schemas.microsoft.com/office/drawing/2014/main" xmlns="" id="{7F2B1BD7-0FDF-4BD9-834C-72911F99D650}"/>
               </a:ext>
             </a:extLst>
           </p:cNvPr>
@@ -17925,7 +17551,7 @@
           <p:cNvPr id="472" name="Соединительная линия уступом 903">
             <a:extLst>
               <a:ext uri="{FF2B5EF4-FFF2-40B4-BE49-F238E27FC236}">
-                <a16:creationId xmlns="" xmlns:a16="http://schemas.microsoft.com/office/drawing/2014/main" id="{7F2B1BD7-0FDF-4BD9-834C-72911F99D650}"/>
+                <a16:creationId xmlns:a16="http://schemas.microsoft.com/office/drawing/2014/main" xmlns="" id="{7F2B1BD7-0FDF-4BD9-834C-72911F99D650}"/>
               </a:ext>
             </a:extLst>
           </p:cNvPr>
@@ -17970,7 +17596,7 @@
           <p:cNvPr id="475" name="Прямоугольник 474">
             <a:extLst>
               <a:ext uri="{FF2B5EF4-FFF2-40B4-BE49-F238E27FC236}">
-                <a16:creationId xmlns="" xmlns:a16="http://schemas.microsoft.com/office/drawing/2014/main" id="{9C02A14C-DE5F-49AD-A4EE-A27966D0EFDC}"/>
+                <a16:creationId xmlns:a16="http://schemas.microsoft.com/office/drawing/2014/main" xmlns="" id="{9C02A14C-DE5F-49AD-A4EE-A27966D0EFDC}"/>
               </a:ext>
             </a:extLst>
           </p:cNvPr>
@@ -18013,11 +17639,7 @@
             <a:pPr algn="ctr"/>
             <a:r>
               <a:rPr lang="ru-RU" sz="700" dirty="0" smtClean="0"/>
-              <a:t>Искать </a:t>
-            </a:r>
-            <a:r>
-              <a:rPr lang="ru-RU" sz="700" dirty="0" smtClean="0"/>
-              <a:t>союза в Мексике</a:t>
+              <a:t>Искать союза в Мексике</a:t>
             </a:r>
             <a:endParaRPr lang="ru-RU" sz="400" dirty="0"/>
           </a:p>
@@ -18028,7 +17650,7 @@
           <p:cNvPr id="476" name="Прямая со стрелкой 475">
             <a:extLst>
               <a:ext uri="{FF2B5EF4-FFF2-40B4-BE49-F238E27FC236}">
-                <a16:creationId xmlns="" xmlns:a16="http://schemas.microsoft.com/office/drawing/2014/main" id="{AFD4E665-A61D-46C2-A133-3412690F30F3}"/>
+                <a16:creationId xmlns:a16="http://schemas.microsoft.com/office/drawing/2014/main" xmlns="" id="{AFD4E665-A61D-46C2-A133-3412690F30F3}"/>
               </a:ext>
             </a:extLst>
           </p:cNvPr>
@@ -18071,7 +17693,7 @@
           <p:cNvPr id="479" name="Прямая соединительная линия 478">
             <a:extLst>
               <a:ext uri="{FF2B5EF4-FFF2-40B4-BE49-F238E27FC236}">
-                <a16:creationId xmlns="" xmlns:a16="http://schemas.microsoft.com/office/drawing/2014/main" id="{FD347516-2278-4B85-B9D1-D49EF200F440}"/>
+                <a16:creationId xmlns:a16="http://schemas.microsoft.com/office/drawing/2014/main" xmlns="" id="{FD347516-2278-4B85-B9D1-D49EF200F440}"/>
               </a:ext>
             </a:extLst>
           </p:cNvPr>
@@ -18116,7 +17738,7 @@
           <p:cNvPr id="482" name="Прямоугольник 481">
             <a:extLst>
               <a:ext uri="{FF2B5EF4-FFF2-40B4-BE49-F238E27FC236}">
-                <a16:creationId xmlns="" xmlns:a16="http://schemas.microsoft.com/office/drawing/2014/main" id="{9C02A14C-DE5F-49AD-A4EE-A27966D0EFDC}"/>
+                <a16:creationId xmlns:a16="http://schemas.microsoft.com/office/drawing/2014/main" xmlns="" id="{9C02A14C-DE5F-49AD-A4EE-A27966D0EFDC}"/>
               </a:ext>
             </a:extLst>
           </p:cNvPr>
@@ -18170,7 +17792,7 @@
           <p:cNvPr id="483" name="Соединительная линия уступом 903">
             <a:extLst>
               <a:ext uri="{FF2B5EF4-FFF2-40B4-BE49-F238E27FC236}">
-                <a16:creationId xmlns="" xmlns:a16="http://schemas.microsoft.com/office/drawing/2014/main" id="{7F2B1BD7-0FDF-4BD9-834C-72911F99D650}"/>
+                <a16:creationId xmlns:a16="http://schemas.microsoft.com/office/drawing/2014/main" xmlns="" id="{7F2B1BD7-0FDF-4BD9-834C-72911F99D650}"/>
               </a:ext>
             </a:extLst>
           </p:cNvPr>
@@ -18215,7 +17837,7 @@
           <p:cNvPr id="488" name="Прямоугольник 487">
             <a:extLst>
               <a:ext uri="{FF2B5EF4-FFF2-40B4-BE49-F238E27FC236}">
-                <a16:creationId xmlns="" xmlns:a16="http://schemas.microsoft.com/office/drawing/2014/main" id="{9C02A14C-DE5F-49AD-A4EE-A27966D0EFDC}"/>
+                <a16:creationId xmlns:a16="http://schemas.microsoft.com/office/drawing/2014/main" xmlns="" id="{9C02A14C-DE5F-49AD-A4EE-A27966D0EFDC}"/>
               </a:ext>
             </a:extLst>
           </p:cNvPr>
@@ -18269,7 +17891,7 @@
           <p:cNvPr id="489" name="Прямоугольник 488">
             <a:extLst>
               <a:ext uri="{FF2B5EF4-FFF2-40B4-BE49-F238E27FC236}">
-                <a16:creationId xmlns="" xmlns:a16="http://schemas.microsoft.com/office/drawing/2014/main" id="{9C02A14C-DE5F-49AD-A4EE-A27966D0EFDC}"/>
+                <a16:creationId xmlns:a16="http://schemas.microsoft.com/office/drawing/2014/main" xmlns="" id="{9C02A14C-DE5F-49AD-A4EE-A27966D0EFDC}"/>
               </a:ext>
             </a:extLst>
           </p:cNvPr>
@@ -18323,7 +17945,7 @@
           <p:cNvPr id="490" name="Соединительная линия уступом 903">
             <a:extLst>
               <a:ext uri="{FF2B5EF4-FFF2-40B4-BE49-F238E27FC236}">
-                <a16:creationId xmlns="" xmlns:a16="http://schemas.microsoft.com/office/drawing/2014/main" id="{7F2B1BD7-0FDF-4BD9-834C-72911F99D650}"/>
+                <a16:creationId xmlns:a16="http://schemas.microsoft.com/office/drawing/2014/main" xmlns="" id="{7F2B1BD7-0FDF-4BD9-834C-72911F99D650}"/>
               </a:ext>
             </a:extLst>
           </p:cNvPr>
@@ -18369,7 +17991,7 @@
           <p:cNvPr id="493" name="Соединительная линия уступом 903">
             <a:extLst>
               <a:ext uri="{FF2B5EF4-FFF2-40B4-BE49-F238E27FC236}">
-                <a16:creationId xmlns="" xmlns:a16="http://schemas.microsoft.com/office/drawing/2014/main" id="{7F2B1BD7-0FDF-4BD9-834C-72911F99D650}"/>
+                <a16:creationId xmlns:a16="http://schemas.microsoft.com/office/drawing/2014/main" xmlns="" id="{7F2B1BD7-0FDF-4BD9-834C-72911F99D650}"/>
               </a:ext>
             </a:extLst>
           </p:cNvPr>
@@ -18415,7 +18037,7 @@
           <p:cNvPr id="496" name="Прямоугольник 495">
             <a:extLst>
               <a:ext uri="{FF2B5EF4-FFF2-40B4-BE49-F238E27FC236}">
-                <a16:creationId xmlns="" xmlns:a16="http://schemas.microsoft.com/office/drawing/2014/main" id="{9C02A14C-DE5F-49AD-A4EE-A27966D0EFDC}"/>
+                <a16:creationId xmlns:a16="http://schemas.microsoft.com/office/drawing/2014/main" xmlns="" id="{9C02A14C-DE5F-49AD-A4EE-A27966D0EFDC}"/>
               </a:ext>
             </a:extLst>
           </p:cNvPr>
@@ -18469,7 +18091,7 @@
           <p:cNvPr id="497" name="Прямоугольник 496">
             <a:extLst>
               <a:ext uri="{FF2B5EF4-FFF2-40B4-BE49-F238E27FC236}">
-                <a16:creationId xmlns="" xmlns:a16="http://schemas.microsoft.com/office/drawing/2014/main" id="{9C02A14C-DE5F-49AD-A4EE-A27966D0EFDC}"/>
+                <a16:creationId xmlns:a16="http://schemas.microsoft.com/office/drawing/2014/main" xmlns="" id="{9C02A14C-DE5F-49AD-A4EE-A27966D0EFDC}"/>
               </a:ext>
             </a:extLst>
           </p:cNvPr>
@@ -18523,7 +18145,7 @@
           <p:cNvPr id="498" name="Прямая со стрелкой 497">
             <a:extLst>
               <a:ext uri="{FF2B5EF4-FFF2-40B4-BE49-F238E27FC236}">
-                <a16:creationId xmlns="" xmlns:a16="http://schemas.microsoft.com/office/drawing/2014/main" id="{AFD4E665-A61D-46C2-A133-3412690F30F3}"/>
+                <a16:creationId xmlns:a16="http://schemas.microsoft.com/office/drawing/2014/main" xmlns="" id="{AFD4E665-A61D-46C2-A133-3412690F30F3}"/>
               </a:ext>
             </a:extLst>
           </p:cNvPr>
@@ -18566,7 +18188,7 @@
           <p:cNvPr id="501" name="Прямая со стрелкой 500">
             <a:extLst>
               <a:ext uri="{FF2B5EF4-FFF2-40B4-BE49-F238E27FC236}">
-                <a16:creationId xmlns="" xmlns:a16="http://schemas.microsoft.com/office/drawing/2014/main" id="{AFD4E665-A61D-46C2-A133-3412690F30F3}"/>
+                <a16:creationId xmlns:a16="http://schemas.microsoft.com/office/drawing/2014/main" xmlns="" id="{AFD4E665-A61D-46C2-A133-3412690F30F3}"/>
               </a:ext>
             </a:extLst>
           </p:cNvPr>
@@ -18609,7 +18231,7 @@
           <p:cNvPr id="504" name="Соединительная линия уступом 903">
             <a:extLst>
               <a:ext uri="{FF2B5EF4-FFF2-40B4-BE49-F238E27FC236}">
-                <a16:creationId xmlns="" xmlns:a16="http://schemas.microsoft.com/office/drawing/2014/main" id="{7F2B1BD7-0FDF-4BD9-834C-72911F99D650}"/>
+                <a16:creationId xmlns:a16="http://schemas.microsoft.com/office/drawing/2014/main" xmlns="" id="{7F2B1BD7-0FDF-4BD9-834C-72911F99D650}"/>
               </a:ext>
             </a:extLst>
           </p:cNvPr>
@@ -18654,7 +18276,7 @@
           <p:cNvPr id="508" name="Соединительная линия уступом 903">
             <a:extLst>
               <a:ext uri="{FF2B5EF4-FFF2-40B4-BE49-F238E27FC236}">
-                <a16:creationId xmlns="" xmlns:a16="http://schemas.microsoft.com/office/drawing/2014/main" id="{7F2B1BD7-0FDF-4BD9-834C-72911F99D650}"/>
+                <a16:creationId xmlns:a16="http://schemas.microsoft.com/office/drawing/2014/main" xmlns="" id="{7F2B1BD7-0FDF-4BD9-834C-72911F99D650}"/>
               </a:ext>
             </a:extLst>
           </p:cNvPr>
@@ -18699,7 +18321,7 @@
           <p:cNvPr id="516" name="Соединительная линия уступом 903">
             <a:extLst>
               <a:ext uri="{FF2B5EF4-FFF2-40B4-BE49-F238E27FC236}">
-                <a16:creationId xmlns="" xmlns:a16="http://schemas.microsoft.com/office/drawing/2014/main" id="{8BEF26C8-19FF-4ACF-94F5-4225C4EB8246}"/>
+                <a16:creationId xmlns:a16="http://schemas.microsoft.com/office/drawing/2014/main" xmlns="" id="{8BEF26C8-19FF-4ACF-94F5-4225C4EB8246}"/>
               </a:ext>
             </a:extLst>
           </p:cNvPr>
@@ -18744,7 +18366,7 @@
           <p:cNvPr id="519" name="Соединительная линия уступом 903">
             <a:extLst>
               <a:ext uri="{FF2B5EF4-FFF2-40B4-BE49-F238E27FC236}">
-                <a16:creationId xmlns="" xmlns:a16="http://schemas.microsoft.com/office/drawing/2014/main" id="{8BEF26C8-19FF-4ACF-94F5-4225C4EB8246}"/>
+                <a16:creationId xmlns:a16="http://schemas.microsoft.com/office/drawing/2014/main" xmlns="" id="{8BEF26C8-19FF-4ACF-94F5-4225C4EB8246}"/>
               </a:ext>
             </a:extLst>
           </p:cNvPr>
@@ -18789,7 +18411,7 @@
           <p:cNvPr id="522" name="Соединительная линия уступом 903">
             <a:extLst>
               <a:ext uri="{FF2B5EF4-FFF2-40B4-BE49-F238E27FC236}">
-                <a16:creationId xmlns="" xmlns:a16="http://schemas.microsoft.com/office/drawing/2014/main" id="{8BEF26C8-19FF-4ACF-94F5-4225C4EB8246}"/>
+                <a16:creationId xmlns:a16="http://schemas.microsoft.com/office/drawing/2014/main" xmlns="" id="{8BEF26C8-19FF-4ACF-94F5-4225C4EB8246}"/>
               </a:ext>
             </a:extLst>
           </p:cNvPr>
@@ -18834,7 +18456,7 @@
           <p:cNvPr id="525" name="Соединительная линия уступом 903">
             <a:extLst>
               <a:ext uri="{FF2B5EF4-FFF2-40B4-BE49-F238E27FC236}">
-                <a16:creationId xmlns="" xmlns:a16="http://schemas.microsoft.com/office/drawing/2014/main" id="{8BEF26C8-19FF-4ACF-94F5-4225C4EB8246}"/>
+                <a16:creationId xmlns:a16="http://schemas.microsoft.com/office/drawing/2014/main" xmlns="" id="{8BEF26C8-19FF-4ACF-94F5-4225C4EB8246}"/>
               </a:ext>
             </a:extLst>
           </p:cNvPr>
@@ -18879,7 +18501,7 @@
           <p:cNvPr id="528" name="Прямая со стрелкой 527">
             <a:extLst>
               <a:ext uri="{FF2B5EF4-FFF2-40B4-BE49-F238E27FC236}">
-                <a16:creationId xmlns="" xmlns:a16="http://schemas.microsoft.com/office/drawing/2014/main" id="{6DB489FB-B7F5-4424-8C73-6D37DF418426}"/>
+                <a16:creationId xmlns:a16="http://schemas.microsoft.com/office/drawing/2014/main" xmlns="" id="{6DB489FB-B7F5-4424-8C73-6D37DF418426}"/>
               </a:ext>
             </a:extLst>
           </p:cNvPr>
@@ -18922,7 +18544,7 @@
           <p:cNvPr id="531" name="Прямая со стрелкой 530">
             <a:extLst>
               <a:ext uri="{FF2B5EF4-FFF2-40B4-BE49-F238E27FC236}">
-                <a16:creationId xmlns="" xmlns:a16="http://schemas.microsoft.com/office/drawing/2014/main" id="{6DB489FB-B7F5-4424-8C73-6D37DF418426}"/>
+                <a16:creationId xmlns:a16="http://schemas.microsoft.com/office/drawing/2014/main" xmlns="" id="{6DB489FB-B7F5-4424-8C73-6D37DF418426}"/>
               </a:ext>
             </a:extLst>
           </p:cNvPr>
@@ -18965,7 +18587,7 @@
           <p:cNvPr id="534" name="Прямая соединительная линия 533">
             <a:extLst>
               <a:ext uri="{FF2B5EF4-FFF2-40B4-BE49-F238E27FC236}">
-                <a16:creationId xmlns="" xmlns:a16="http://schemas.microsoft.com/office/drawing/2014/main" id="{FD347516-2278-4B85-B9D1-D49EF200F440}"/>
+                <a16:creationId xmlns:a16="http://schemas.microsoft.com/office/drawing/2014/main" xmlns="" id="{FD347516-2278-4B85-B9D1-D49EF200F440}"/>
               </a:ext>
             </a:extLst>
           </p:cNvPr>
@@ -19010,7 +18632,7 @@
           <p:cNvPr id="537" name="Прямая со стрелкой 536">
             <a:extLst>
               <a:ext uri="{FF2B5EF4-FFF2-40B4-BE49-F238E27FC236}">
-                <a16:creationId xmlns="" xmlns:a16="http://schemas.microsoft.com/office/drawing/2014/main" id="{6DB489FB-B7F5-4424-8C73-6D37DF418426}"/>
+                <a16:creationId xmlns:a16="http://schemas.microsoft.com/office/drawing/2014/main" xmlns="" id="{6DB489FB-B7F5-4424-8C73-6D37DF418426}"/>
               </a:ext>
             </a:extLst>
           </p:cNvPr>
@@ -19053,7 +18675,7 @@
           <p:cNvPr id="539" name="Прямоугольник 538">
             <a:extLst>
               <a:ext uri="{FF2B5EF4-FFF2-40B4-BE49-F238E27FC236}">
-                <a16:creationId xmlns="" xmlns:a16="http://schemas.microsoft.com/office/drawing/2014/main" id="{D80463F0-008D-4836-8F9E-3D2D6E66AB47}"/>
+                <a16:creationId xmlns:a16="http://schemas.microsoft.com/office/drawing/2014/main" xmlns="" id="{D80463F0-008D-4836-8F9E-3D2D6E66AB47}"/>
               </a:ext>
             </a:extLst>
           </p:cNvPr>
@@ -19108,7 +18730,7 @@
           <p:cNvPr id="540" name="Прямоугольник 539">
             <a:extLst>
               <a:ext uri="{FF2B5EF4-FFF2-40B4-BE49-F238E27FC236}">
-                <a16:creationId xmlns="" xmlns:a16="http://schemas.microsoft.com/office/drawing/2014/main" id="{D80463F0-008D-4836-8F9E-3D2D6E66AB47}"/>
+                <a16:creationId xmlns:a16="http://schemas.microsoft.com/office/drawing/2014/main" xmlns="" id="{D80463F0-008D-4836-8F9E-3D2D6E66AB47}"/>
               </a:ext>
             </a:extLst>
           </p:cNvPr>
@@ -19163,7 +18785,7 @@
           <p:cNvPr id="541" name="Соединительная линия уступом 903">
             <a:extLst>
               <a:ext uri="{FF2B5EF4-FFF2-40B4-BE49-F238E27FC236}">
-                <a16:creationId xmlns="" xmlns:a16="http://schemas.microsoft.com/office/drawing/2014/main" id="{8BEF26C8-19FF-4ACF-94F5-4225C4EB8246}"/>
+                <a16:creationId xmlns:a16="http://schemas.microsoft.com/office/drawing/2014/main" xmlns="" id="{8BEF26C8-19FF-4ACF-94F5-4225C4EB8246}"/>
               </a:ext>
             </a:extLst>
           </p:cNvPr>
@@ -19208,7 +18830,7 @@
           <p:cNvPr id="544" name="Соединительная линия уступом 903">
             <a:extLst>
               <a:ext uri="{FF2B5EF4-FFF2-40B4-BE49-F238E27FC236}">
-                <a16:creationId xmlns="" xmlns:a16="http://schemas.microsoft.com/office/drawing/2014/main" id="{8BEF26C8-19FF-4ACF-94F5-4225C4EB8246}"/>
+                <a16:creationId xmlns:a16="http://schemas.microsoft.com/office/drawing/2014/main" xmlns="" id="{8BEF26C8-19FF-4ACF-94F5-4225C4EB8246}"/>
               </a:ext>
             </a:extLst>
           </p:cNvPr>
@@ -19253,7 +18875,7 @@
           <p:cNvPr id="550" name="Соединительная линия уступом 903">
             <a:extLst>
               <a:ext uri="{FF2B5EF4-FFF2-40B4-BE49-F238E27FC236}">
-                <a16:creationId xmlns="" xmlns:a16="http://schemas.microsoft.com/office/drawing/2014/main" id="{8BEF26C8-19FF-4ACF-94F5-4225C4EB8246}"/>
+                <a16:creationId xmlns:a16="http://schemas.microsoft.com/office/drawing/2014/main" xmlns="" id="{8BEF26C8-19FF-4ACF-94F5-4225C4EB8246}"/>
               </a:ext>
             </a:extLst>
           </p:cNvPr>
@@ -19298,7 +18920,7 @@
           <p:cNvPr id="553" name="Соединительная линия уступом 903">
             <a:extLst>
               <a:ext uri="{FF2B5EF4-FFF2-40B4-BE49-F238E27FC236}">
-                <a16:creationId xmlns="" xmlns:a16="http://schemas.microsoft.com/office/drawing/2014/main" id="{8BEF26C8-19FF-4ACF-94F5-4225C4EB8246}"/>
+                <a16:creationId xmlns:a16="http://schemas.microsoft.com/office/drawing/2014/main" xmlns="" id="{8BEF26C8-19FF-4ACF-94F5-4225C4EB8246}"/>
               </a:ext>
             </a:extLst>
           </p:cNvPr>
@@ -19317,6 +18939,1137 @@
           <a:prstGeom prst="bentConnector3">
             <a:avLst>
               <a:gd name="adj1" fmla="val 50000"/>
+            </a:avLst>
+          </a:prstGeom>
+          <a:ln w="19050">
+            <a:tailEnd type="arrow"/>
+          </a:ln>
+        </p:spPr>
+        <p:style>
+          <a:lnRef idx="1">
+            <a:schemeClr val="accent1"/>
+          </a:lnRef>
+          <a:fillRef idx="0">
+            <a:schemeClr val="accent1"/>
+          </a:fillRef>
+          <a:effectRef idx="0">
+            <a:schemeClr val="accent1"/>
+          </a:effectRef>
+          <a:fontRef idx="minor">
+            <a:schemeClr val="tx1"/>
+          </a:fontRef>
+        </p:style>
+      </p:cxnSp>
+      <p:sp>
+        <p:nvSpPr>
+          <p:cNvPr id="307" name="Прямоугольник 306">
+            <a:extLst>
+              <a:ext uri="{FF2B5EF4-FFF2-40B4-BE49-F238E27FC236}">
+                <a16:creationId xmlns:a16="http://schemas.microsoft.com/office/drawing/2014/main" xmlns="" id="{D80463F0-008D-4836-8F9E-3D2D6E66AB47}"/>
+              </a:ext>
+            </a:extLst>
+          </p:cNvPr>
+          <p:cNvSpPr/>
+          <p:nvPr/>
+        </p:nvSpPr>
+        <p:spPr>
+          <a:xfrm>
+            <a:off x="11328938" y="10749674"/>
+            <a:ext cx="926325" cy="540000"/>
+          </a:xfrm>
+          <a:prstGeom prst="rect">
+            <a:avLst/>
+          </a:prstGeom>
+          <a:solidFill>
+            <a:schemeClr val="accent1">
+              <a:lumMod val="40000"/>
+              <a:lumOff val="60000"/>
+            </a:schemeClr>
+          </a:solidFill>
+          <a:ln w="19050"/>
+        </p:spPr>
+        <p:style>
+          <a:lnRef idx="2">
+            <a:schemeClr val="accent1"/>
+          </a:lnRef>
+          <a:fillRef idx="1">
+            <a:schemeClr val="lt1"/>
+          </a:fillRef>
+          <a:effectRef idx="0">
+            <a:schemeClr val="accent1"/>
+          </a:effectRef>
+          <a:fontRef idx="minor">
+            <a:schemeClr val="dk1"/>
+          </a:fontRef>
+        </p:style>
+        <p:txBody>
+          <a:bodyPr lIns="124733" tIns="62367" rIns="124733" bIns="62367" rtlCol="0" anchor="ctr"/>
+          <a:lstStyle/>
+          <a:p>
+            <a:pPr algn="ctr"/>
+            <a:r>
+              <a:rPr lang="ru-RU" sz="700" dirty="0" smtClean="0"/>
+              <a:t>Декларация вооружённого нейтралитета</a:t>
+            </a:r>
+            <a:endParaRPr lang="ru-RU" sz="400" dirty="0"/>
+          </a:p>
+        </p:txBody>
+      </p:sp>
+      <p:cxnSp>
+        <p:nvCxnSpPr>
+          <p:cNvPr id="308" name="Прямая соединительная линия 307">
+            <a:extLst>
+              <a:ext uri="{FF2B5EF4-FFF2-40B4-BE49-F238E27FC236}">
+                <a16:creationId xmlns:a16="http://schemas.microsoft.com/office/drawing/2014/main" xmlns="" id="{FD347516-2278-4B85-B9D1-D49EF200F440}"/>
+              </a:ext>
+            </a:extLst>
+          </p:cNvPr>
+          <p:cNvCxnSpPr>
+            <a:cxnSpLocks/>
+            <a:stCxn id="135" idx="3"/>
+            <a:endCxn id="307" idx="1"/>
+          </p:cNvCxnSpPr>
+          <p:nvPr/>
+        </p:nvCxnSpPr>
+        <p:spPr>
+          <a:xfrm>
+            <a:off x="10218682" y="11019674"/>
+            <a:ext cx="1110256" cy="0"/>
+          </a:xfrm>
+          <a:prstGeom prst="line">
+            <a:avLst/>
+          </a:prstGeom>
+          <a:ln w="19050">
+            <a:solidFill>
+              <a:srgbClr val="FF0000"/>
+            </a:solidFill>
+          </a:ln>
+        </p:spPr>
+        <p:style>
+          <a:lnRef idx="1">
+            <a:schemeClr val="accent1"/>
+          </a:lnRef>
+          <a:fillRef idx="0">
+            <a:schemeClr val="accent1"/>
+          </a:fillRef>
+          <a:effectRef idx="0">
+            <a:schemeClr val="accent1"/>
+          </a:effectRef>
+          <a:fontRef idx="minor">
+            <a:schemeClr val="tx1"/>
+          </a:fontRef>
+        </p:style>
+      </p:cxnSp>
+      <p:cxnSp>
+        <p:nvCxnSpPr>
+          <p:cNvPr id="310" name="Соединительная линия уступом 903">
+            <a:extLst>
+              <a:ext uri="{FF2B5EF4-FFF2-40B4-BE49-F238E27FC236}">
+                <a16:creationId xmlns:a16="http://schemas.microsoft.com/office/drawing/2014/main" xmlns="" id="{8BEF26C8-19FF-4ACF-94F5-4225C4EB8246}"/>
+              </a:ext>
+            </a:extLst>
+          </p:cNvPr>
+          <p:cNvCxnSpPr>
+            <a:cxnSpLocks/>
+            <a:stCxn id="148" idx="2"/>
+            <a:endCxn id="307" idx="0"/>
+          </p:cNvCxnSpPr>
+          <p:nvPr/>
+        </p:nvCxnSpPr>
+        <p:spPr>
+          <a:xfrm rot="16200000" flipH="1">
+            <a:off x="10642946" y="9600518"/>
+            <a:ext cx="261729" cy="2036582"/>
+          </a:xfrm>
+          <a:prstGeom prst="bentConnector3">
+            <a:avLst>
+              <a:gd name="adj1" fmla="val 50000"/>
+            </a:avLst>
+          </a:prstGeom>
+          <a:ln w="19050">
+            <a:tailEnd type="arrow"/>
+          </a:ln>
+        </p:spPr>
+        <p:style>
+          <a:lnRef idx="1">
+            <a:schemeClr val="accent1"/>
+          </a:lnRef>
+          <a:fillRef idx="0">
+            <a:schemeClr val="accent1"/>
+          </a:fillRef>
+          <a:effectRef idx="0">
+            <a:schemeClr val="accent1"/>
+          </a:effectRef>
+          <a:fontRef idx="minor">
+            <a:schemeClr val="tx1"/>
+          </a:fontRef>
+        </p:style>
+      </p:cxnSp>
+      <p:sp>
+        <p:nvSpPr>
+          <p:cNvPr id="316" name="Прямоугольник 315">
+            <a:extLst>
+              <a:ext uri="{FF2B5EF4-FFF2-40B4-BE49-F238E27FC236}">
+                <a16:creationId xmlns:a16="http://schemas.microsoft.com/office/drawing/2014/main" xmlns="" id="{FFDF3200-07AF-4F88-9AFA-E895A9EB463F}"/>
+              </a:ext>
+            </a:extLst>
+          </p:cNvPr>
+          <p:cNvSpPr/>
+          <p:nvPr/>
+        </p:nvSpPr>
+        <p:spPr>
+          <a:xfrm>
+            <a:off x="3504683" y="16518233"/>
+            <a:ext cx="926325" cy="540000"/>
+          </a:xfrm>
+          <a:prstGeom prst="rect">
+            <a:avLst/>
+          </a:prstGeom>
+          <a:solidFill>
+            <a:srgbClr val="FF0000"/>
+          </a:solidFill>
+          <a:ln w="19050"/>
+        </p:spPr>
+        <p:style>
+          <a:lnRef idx="2">
+            <a:schemeClr val="accent1"/>
+          </a:lnRef>
+          <a:fillRef idx="1">
+            <a:schemeClr val="lt1"/>
+          </a:fillRef>
+          <a:effectRef idx="0">
+            <a:schemeClr val="accent1"/>
+          </a:effectRef>
+          <a:fontRef idx="minor">
+            <a:schemeClr val="dk1"/>
+          </a:fontRef>
+        </p:style>
+        <p:txBody>
+          <a:bodyPr lIns="124733" tIns="62367" rIns="124733" bIns="62367" rtlCol="0" anchor="ctr"/>
+          <a:lstStyle/>
+          <a:p>
+            <a:pPr algn="ctr"/>
+            <a:r>
+              <a:rPr lang="ru-RU" sz="700" dirty="0" smtClean="0"/>
+              <a:t>Социализация сельскохозяйственных предприятий</a:t>
+            </a:r>
+            <a:endParaRPr lang="ru-RU" sz="400" dirty="0"/>
+          </a:p>
+        </p:txBody>
+      </p:sp>
+      <p:cxnSp>
+        <p:nvCxnSpPr>
+          <p:cNvPr id="318" name="Прямая со стрелкой 317">
+            <a:extLst>
+              <a:ext uri="{FF2B5EF4-FFF2-40B4-BE49-F238E27FC236}">
+                <a16:creationId xmlns:a16="http://schemas.microsoft.com/office/drawing/2014/main" xmlns="" id="{AFD4E665-A61D-46C2-A133-3412690F30F3}"/>
+              </a:ext>
+            </a:extLst>
+          </p:cNvPr>
+          <p:cNvCxnSpPr>
+            <a:cxnSpLocks/>
+            <a:stCxn id="84" idx="2"/>
+            <a:endCxn id="316" idx="0"/>
+          </p:cNvCxnSpPr>
+          <p:nvPr/>
+        </p:nvCxnSpPr>
+        <p:spPr>
+          <a:xfrm>
+            <a:off x="3965172" y="16189430"/>
+            <a:ext cx="2674" cy="328803"/>
+          </a:xfrm>
+          <a:prstGeom prst="straightConnector1">
+            <a:avLst/>
+          </a:prstGeom>
+          <a:ln w="19050">
+            <a:tailEnd type="arrow"/>
+          </a:ln>
+        </p:spPr>
+        <p:style>
+          <a:lnRef idx="1">
+            <a:schemeClr val="accent1"/>
+          </a:lnRef>
+          <a:fillRef idx="0">
+            <a:schemeClr val="accent1"/>
+          </a:fillRef>
+          <a:effectRef idx="0">
+            <a:schemeClr val="accent1"/>
+          </a:effectRef>
+          <a:fontRef idx="minor">
+            <a:schemeClr val="tx1"/>
+          </a:fontRef>
+        </p:style>
+      </p:cxnSp>
+      <p:cxnSp>
+        <p:nvCxnSpPr>
+          <p:cNvPr id="319" name="Соединительная линия уступом 903">
+            <a:extLst>
+              <a:ext uri="{FF2B5EF4-FFF2-40B4-BE49-F238E27FC236}">
+                <a16:creationId xmlns:a16="http://schemas.microsoft.com/office/drawing/2014/main" xmlns="" id="{7F2B1BD7-0FDF-4BD9-834C-72911F99D650}"/>
+              </a:ext>
+            </a:extLst>
+          </p:cNvPr>
+          <p:cNvCxnSpPr>
+            <a:cxnSpLocks/>
+            <a:stCxn id="316" idx="2"/>
+            <a:endCxn id="87" idx="0"/>
+          </p:cNvCxnSpPr>
+          <p:nvPr/>
+        </p:nvCxnSpPr>
+        <p:spPr>
+          <a:xfrm rot="5400000">
+            <a:off x="2930455" y="16222926"/>
+            <a:ext cx="202085" cy="1872699"/>
+          </a:xfrm>
+          <a:prstGeom prst="bentConnector3">
+            <a:avLst>
+              <a:gd name="adj1" fmla="val 50000"/>
+            </a:avLst>
+          </a:prstGeom>
+          <a:ln w="19050">
+            <a:tailEnd type="arrow"/>
+          </a:ln>
+        </p:spPr>
+        <p:style>
+          <a:lnRef idx="1">
+            <a:schemeClr val="accent1"/>
+          </a:lnRef>
+          <a:fillRef idx="0">
+            <a:schemeClr val="accent1"/>
+          </a:fillRef>
+          <a:effectRef idx="0">
+            <a:schemeClr val="accent1"/>
+          </a:effectRef>
+          <a:fontRef idx="minor">
+            <a:schemeClr val="tx1"/>
+          </a:fontRef>
+        </p:style>
+      </p:cxnSp>
+      <p:sp>
+        <p:nvSpPr>
+          <p:cNvPr id="325" name="Прямоугольник 324">
+            <a:extLst>
+              <a:ext uri="{FF2B5EF4-FFF2-40B4-BE49-F238E27FC236}">
+                <a16:creationId xmlns:a16="http://schemas.microsoft.com/office/drawing/2014/main" xmlns="" id="{5A90479D-BFEC-4250-A8B4-175610005B0C}"/>
+              </a:ext>
+            </a:extLst>
+          </p:cNvPr>
+          <p:cNvSpPr/>
+          <p:nvPr/>
+        </p:nvSpPr>
+        <p:spPr>
+          <a:xfrm>
+            <a:off x="8252539" y="9955896"/>
+            <a:ext cx="926325" cy="540000"/>
+          </a:xfrm>
+          <a:prstGeom prst="rect">
+            <a:avLst/>
+          </a:prstGeom>
+          <a:solidFill>
+            <a:schemeClr val="accent1">
+              <a:lumMod val="40000"/>
+              <a:lumOff val="60000"/>
+            </a:schemeClr>
+          </a:solidFill>
+          <a:ln w="19050"/>
+        </p:spPr>
+        <p:style>
+          <a:lnRef idx="2">
+            <a:schemeClr val="accent1"/>
+          </a:lnRef>
+          <a:fillRef idx="1">
+            <a:schemeClr val="lt1"/>
+          </a:fillRef>
+          <a:effectRef idx="0">
+            <a:schemeClr val="accent1"/>
+          </a:effectRef>
+          <a:fontRef idx="minor">
+            <a:schemeClr val="dk1"/>
+          </a:fontRef>
+        </p:style>
+        <p:txBody>
+          <a:bodyPr lIns="124733" tIns="62367" rIns="124733" bIns="62367" rtlCol="0" anchor="ctr"/>
+          <a:lstStyle/>
+          <a:p>
+            <a:pPr algn="ctr"/>
+            <a:r>
+              <a:rPr lang="ru-RU" sz="700" dirty="0" smtClean="0"/>
+              <a:t>Расширить образование</a:t>
+            </a:r>
+            <a:endParaRPr lang="ru-RU" sz="400" dirty="0"/>
+          </a:p>
+        </p:txBody>
+      </p:sp>
+      <p:cxnSp>
+        <p:nvCxnSpPr>
+          <p:cNvPr id="327" name="Соединительная линия уступом 903">
+            <a:extLst>
+              <a:ext uri="{FF2B5EF4-FFF2-40B4-BE49-F238E27FC236}">
+                <a16:creationId xmlns:a16="http://schemas.microsoft.com/office/drawing/2014/main" xmlns="" id="{8BEF26C8-19FF-4ACF-94F5-4225C4EB8246}"/>
+              </a:ext>
+            </a:extLst>
+          </p:cNvPr>
+          <p:cNvCxnSpPr>
+            <a:cxnSpLocks/>
+            <a:stCxn id="195" idx="2"/>
+            <a:endCxn id="325" idx="0"/>
+          </p:cNvCxnSpPr>
+          <p:nvPr/>
+        </p:nvCxnSpPr>
+        <p:spPr>
+          <a:xfrm rot="5400000">
+            <a:off x="8772303" y="9633703"/>
+            <a:ext cx="265592" cy="378794"/>
+          </a:xfrm>
+          <a:prstGeom prst="bentConnector3">
+            <a:avLst>
+              <a:gd name="adj1" fmla="val 50000"/>
+            </a:avLst>
+          </a:prstGeom>
+          <a:ln w="19050">
+            <a:tailEnd type="arrow"/>
+          </a:ln>
+        </p:spPr>
+        <p:style>
+          <a:lnRef idx="1">
+            <a:schemeClr val="accent1"/>
+          </a:lnRef>
+          <a:fillRef idx="0">
+            <a:schemeClr val="accent1"/>
+          </a:fillRef>
+          <a:effectRef idx="0">
+            <a:schemeClr val="accent1"/>
+          </a:effectRef>
+          <a:fontRef idx="minor">
+            <a:schemeClr val="tx1"/>
+          </a:fontRef>
+        </p:style>
+      </p:cxnSp>
+      <p:sp>
+        <p:nvSpPr>
+          <p:cNvPr id="330" name="Прямоугольник 329">
+            <a:extLst>
+              <a:ext uri="{FF2B5EF4-FFF2-40B4-BE49-F238E27FC236}">
+                <a16:creationId xmlns:a16="http://schemas.microsoft.com/office/drawing/2014/main" xmlns="" id="{5A90479D-BFEC-4250-A8B4-175610005B0C}"/>
+              </a:ext>
+            </a:extLst>
+          </p:cNvPr>
+          <p:cNvSpPr/>
+          <p:nvPr/>
+        </p:nvSpPr>
+        <p:spPr>
+          <a:xfrm>
+            <a:off x="10604466" y="9944842"/>
+            <a:ext cx="926325" cy="540000"/>
+          </a:xfrm>
+          <a:prstGeom prst="rect">
+            <a:avLst/>
+          </a:prstGeom>
+          <a:solidFill>
+            <a:schemeClr val="accent1">
+              <a:lumMod val="40000"/>
+              <a:lumOff val="60000"/>
+            </a:schemeClr>
+          </a:solidFill>
+          <a:ln w="19050"/>
+        </p:spPr>
+        <p:style>
+          <a:lnRef idx="2">
+            <a:schemeClr val="accent1"/>
+          </a:lnRef>
+          <a:fillRef idx="1">
+            <a:schemeClr val="lt1"/>
+          </a:fillRef>
+          <a:effectRef idx="0">
+            <a:schemeClr val="accent1"/>
+          </a:effectRef>
+          <a:fontRef idx="minor">
+            <a:schemeClr val="dk1"/>
+          </a:fontRef>
+        </p:style>
+        <p:txBody>
+          <a:bodyPr lIns="124733" tIns="62367" rIns="124733" bIns="62367" rtlCol="0" anchor="ctr"/>
+          <a:lstStyle/>
+          <a:p>
+            <a:pPr algn="ctr"/>
+            <a:r>
+              <a:rPr lang="ru-RU" sz="700" dirty="0" smtClean="0"/>
+              <a:t>Поставить </a:t>
+            </a:r>
+            <a:r>
+              <a:rPr lang="ru-RU" sz="700" dirty="0" err="1" smtClean="0"/>
+              <a:t>Сандинистов</a:t>
+            </a:r>
+            <a:r>
+              <a:rPr lang="ru-RU" sz="700" dirty="0" smtClean="0"/>
+              <a:t> на военную службу</a:t>
+            </a:r>
+            <a:endParaRPr lang="ru-RU" sz="400" dirty="0"/>
+          </a:p>
+        </p:txBody>
+      </p:sp>
+      <p:cxnSp>
+        <p:nvCxnSpPr>
+          <p:cNvPr id="331" name="Соединительная линия уступом 903">
+            <a:extLst>
+              <a:ext uri="{FF2B5EF4-FFF2-40B4-BE49-F238E27FC236}">
+                <a16:creationId xmlns:a16="http://schemas.microsoft.com/office/drawing/2014/main" xmlns="" id="{8BEF26C8-19FF-4ACF-94F5-4225C4EB8246}"/>
+              </a:ext>
+            </a:extLst>
+          </p:cNvPr>
+          <p:cNvCxnSpPr>
+            <a:cxnSpLocks/>
+            <a:stCxn id="237" idx="2"/>
+            <a:endCxn id="330" idx="0"/>
+          </p:cNvCxnSpPr>
+          <p:nvPr/>
+        </p:nvCxnSpPr>
+        <p:spPr>
+          <a:xfrm rot="16200000" flipH="1">
+            <a:off x="10647495" y="9524707"/>
+            <a:ext cx="252029" cy="588239"/>
+          </a:xfrm>
+          <a:prstGeom prst="bentConnector3">
+            <a:avLst>
+              <a:gd name="adj1" fmla="val 50000"/>
+            </a:avLst>
+          </a:prstGeom>
+          <a:ln w="19050">
+            <a:tailEnd type="arrow"/>
+          </a:ln>
+        </p:spPr>
+        <p:style>
+          <a:lnRef idx="1">
+            <a:schemeClr val="accent1"/>
+          </a:lnRef>
+          <a:fillRef idx="0">
+            <a:schemeClr val="accent1"/>
+          </a:fillRef>
+          <a:effectRef idx="0">
+            <a:schemeClr val="accent1"/>
+          </a:effectRef>
+          <a:fontRef idx="minor">
+            <a:schemeClr val="tx1"/>
+          </a:fontRef>
+        </p:style>
+      </p:cxnSp>
+      <p:cxnSp>
+        <p:nvCxnSpPr>
+          <p:cNvPr id="333" name="Соединительная линия уступом 903">
+            <a:extLst>
+              <a:ext uri="{FF2B5EF4-FFF2-40B4-BE49-F238E27FC236}">
+                <a16:creationId xmlns:a16="http://schemas.microsoft.com/office/drawing/2014/main" xmlns="" id="{8BEF26C8-19FF-4ACF-94F5-4225C4EB8246}"/>
+              </a:ext>
+            </a:extLst>
+          </p:cNvPr>
+          <p:cNvCxnSpPr>
+            <a:cxnSpLocks/>
+            <a:stCxn id="149" idx="2"/>
+            <a:endCxn id="330" idx="0"/>
+          </p:cNvCxnSpPr>
+          <p:nvPr/>
+        </p:nvCxnSpPr>
+        <p:spPr>
+          <a:xfrm rot="5400000">
+            <a:off x="11302596" y="9455338"/>
+            <a:ext cx="254538" cy="724471"/>
+          </a:xfrm>
+          <a:prstGeom prst="bentConnector3">
+            <a:avLst>
+              <a:gd name="adj1" fmla="val 50000"/>
+            </a:avLst>
+          </a:prstGeom>
+          <a:ln w="19050">
+            <a:tailEnd type="arrow"/>
+          </a:ln>
+        </p:spPr>
+        <p:style>
+          <a:lnRef idx="1">
+            <a:schemeClr val="accent1"/>
+          </a:lnRef>
+          <a:fillRef idx="0">
+            <a:schemeClr val="accent1"/>
+          </a:fillRef>
+          <a:effectRef idx="0">
+            <a:schemeClr val="accent1"/>
+          </a:effectRef>
+          <a:fontRef idx="minor">
+            <a:schemeClr val="tx1"/>
+          </a:fontRef>
+        </p:style>
+      </p:cxnSp>
+      <p:sp>
+        <p:nvSpPr>
+          <p:cNvPr id="354" name="Прямоугольник 353">
+            <a:extLst>
+              <a:ext uri="{FF2B5EF4-FFF2-40B4-BE49-F238E27FC236}">
+                <a16:creationId xmlns:a16="http://schemas.microsoft.com/office/drawing/2014/main" xmlns="" id="{5A90479D-BFEC-4250-A8B4-175610005B0C}"/>
+              </a:ext>
+            </a:extLst>
+          </p:cNvPr>
+          <p:cNvSpPr/>
+          <p:nvPr/>
+        </p:nvSpPr>
+        <p:spPr>
+          <a:xfrm>
+            <a:off x="7592494" y="9148684"/>
+            <a:ext cx="926325" cy="540000"/>
+          </a:xfrm>
+          <a:prstGeom prst="rect">
+            <a:avLst/>
+          </a:prstGeom>
+          <a:solidFill>
+            <a:schemeClr val="accent1">
+              <a:lumMod val="40000"/>
+              <a:lumOff val="60000"/>
+            </a:schemeClr>
+          </a:solidFill>
+          <a:ln w="19050"/>
+        </p:spPr>
+        <p:style>
+          <a:lnRef idx="2">
+            <a:schemeClr val="accent1"/>
+          </a:lnRef>
+          <a:fillRef idx="1">
+            <a:schemeClr val="lt1"/>
+          </a:fillRef>
+          <a:effectRef idx="0">
+            <a:schemeClr val="accent1"/>
+          </a:effectRef>
+          <a:fontRef idx="minor">
+            <a:schemeClr val="dk1"/>
+          </a:fontRef>
+        </p:style>
+        <p:txBody>
+          <a:bodyPr lIns="124733" tIns="62367" rIns="124733" bIns="62367" rtlCol="0" anchor="ctr"/>
+          <a:lstStyle/>
+          <a:p>
+            <a:pPr algn="ctr"/>
+            <a:r>
+              <a:rPr lang="ru-RU" sz="700" dirty="0" smtClean="0"/>
+              <a:t>Взять профсоюзы под контроль</a:t>
+            </a:r>
+            <a:endParaRPr lang="ru-RU" sz="400" dirty="0"/>
+          </a:p>
+        </p:txBody>
+      </p:sp>
+      <p:cxnSp>
+        <p:nvCxnSpPr>
+          <p:cNvPr id="356" name="Соединительная линия уступом 903">
+            <a:extLst>
+              <a:ext uri="{FF2B5EF4-FFF2-40B4-BE49-F238E27FC236}">
+                <a16:creationId xmlns:a16="http://schemas.microsoft.com/office/drawing/2014/main" xmlns="" id="{8BEF26C8-19FF-4ACF-94F5-4225C4EB8246}"/>
+              </a:ext>
+            </a:extLst>
+          </p:cNvPr>
+          <p:cNvCxnSpPr>
+            <a:cxnSpLocks/>
+            <a:stCxn id="304" idx="2"/>
+            <a:endCxn id="354" idx="0"/>
+          </p:cNvCxnSpPr>
+          <p:nvPr/>
+        </p:nvCxnSpPr>
+        <p:spPr>
+          <a:xfrm rot="5400000">
+            <a:off x="8132851" y="8812229"/>
+            <a:ext cx="259262" cy="413649"/>
+          </a:xfrm>
+          <a:prstGeom prst="bentConnector3">
+            <a:avLst>
+              <a:gd name="adj1" fmla="val 50000"/>
+            </a:avLst>
+          </a:prstGeom>
+          <a:ln w="19050">
+            <a:tailEnd type="arrow"/>
+          </a:ln>
+        </p:spPr>
+        <p:style>
+          <a:lnRef idx="1">
+            <a:schemeClr val="accent1"/>
+          </a:lnRef>
+          <a:fillRef idx="0">
+            <a:schemeClr val="accent1"/>
+          </a:fillRef>
+          <a:effectRef idx="0">
+            <a:schemeClr val="accent1"/>
+          </a:effectRef>
+          <a:fontRef idx="minor">
+            <a:schemeClr val="tx1"/>
+          </a:fontRef>
+        </p:style>
+      </p:cxnSp>
+      <p:sp>
+        <p:nvSpPr>
+          <p:cNvPr id="359" name="Прямоугольник 358">
+            <a:extLst>
+              <a:ext uri="{FF2B5EF4-FFF2-40B4-BE49-F238E27FC236}">
+                <a16:creationId xmlns:a16="http://schemas.microsoft.com/office/drawing/2014/main" xmlns="" id="{D21D4960-F203-4755-9FED-7CFC800F902A}"/>
+              </a:ext>
+            </a:extLst>
+          </p:cNvPr>
+          <p:cNvSpPr/>
+          <p:nvPr/>
+        </p:nvSpPr>
+        <p:spPr>
+          <a:xfrm>
+            <a:off x="3734408" y="13099420"/>
+            <a:ext cx="926325" cy="540000"/>
+          </a:xfrm>
+          <a:prstGeom prst="rect">
+            <a:avLst/>
+          </a:prstGeom>
+          <a:solidFill>
+            <a:schemeClr val="accent2">
+              <a:lumMod val="75000"/>
+            </a:schemeClr>
+          </a:solidFill>
+          <a:ln w="19050"/>
+        </p:spPr>
+        <p:style>
+          <a:lnRef idx="2">
+            <a:schemeClr val="accent1"/>
+          </a:lnRef>
+          <a:fillRef idx="1">
+            <a:schemeClr val="lt1"/>
+          </a:fillRef>
+          <a:effectRef idx="0">
+            <a:schemeClr val="accent1"/>
+          </a:effectRef>
+          <a:fontRef idx="minor">
+            <a:schemeClr val="dk1"/>
+          </a:fontRef>
+        </p:style>
+        <p:txBody>
+          <a:bodyPr lIns="124733" tIns="62367" rIns="124733" bIns="62367" rtlCol="0" anchor="ctr"/>
+          <a:lstStyle/>
+          <a:p>
+            <a:pPr algn="ctr"/>
+            <a:r>
+              <a:rPr lang="ru-RU" sz="700" dirty="0"/>
+              <a:t>Вернуть </a:t>
+            </a:r>
+            <a:r>
+              <a:rPr lang="ru-RU" sz="700" dirty="0" err="1" smtClean="0"/>
+              <a:t>Гуанакасте</a:t>
+            </a:r>
+            <a:endParaRPr lang="ru-RU" sz="400" dirty="0"/>
+          </a:p>
+        </p:txBody>
+      </p:sp>
+      <p:cxnSp>
+        <p:nvCxnSpPr>
+          <p:cNvPr id="360" name="Соединительная линия уступом 903">
+            <a:extLst>
+              <a:ext uri="{FF2B5EF4-FFF2-40B4-BE49-F238E27FC236}">
+                <a16:creationId xmlns:a16="http://schemas.microsoft.com/office/drawing/2014/main" xmlns="" id="{7F2B1BD7-0FDF-4BD9-834C-72911F99D650}"/>
+              </a:ext>
+            </a:extLst>
+          </p:cNvPr>
+          <p:cNvCxnSpPr>
+            <a:cxnSpLocks/>
+            <a:stCxn id="162" idx="2"/>
+            <a:endCxn id="359" idx="0"/>
+          </p:cNvCxnSpPr>
+          <p:nvPr/>
+        </p:nvCxnSpPr>
+        <p:spPr>
+          <a:xfrm rot="16200000" flipH="1">
+            <a:off x="3330421" y="12232269"/>
+            <a:ext cx="1026779" cy="707521"/>
+          </a:xfrm>
+          <a:prstGeom prst="bentConnector3">
+            <a:avLst>
+              <a:gd name="adj1" fmla="val 9732"/>
+            </a:avLst>
+          </a:prstGeom>
+          <a:ln w="19050">
+            <a:tailEnd type="arrow"/>
+          </a:ln>
+        </p:spPr>
+        <p:style>
+          <a:lnRef idx="1">
+            <a:schemeClr val="accent1"/>
+          </a:lnRef>
+          <a:fillRef idx="0">
+            <a:schemeClr val="accent1"/>
+          </a:fillRef>
+          <a:effectRef idx="0">
+            <a:schemeClr val="accent1"/>
+          </a:effectRef>
+          <a:fontRef idx="minor">
+            <a:schemeClr val="tx1"/>
+          </a:fontRef>
+        </p:style>
+      </p:cxnSp>
+      <p:sp>
+        <p:nvSpPr>
+          <p:cNvPr id="363" name="Прямоугольник 362">
+            <a:extLst>
+              <a:ext uri="{FF2B5EF4-FFF2-40B4-BE49-F238E27FC236}">
+                <a16:creationId xmlns:a16="http://schemas.microsoft.com/office/drawing/2014/main" xmlns="" id="{D8560F03-D7E5-4EAE-8AB6-25DD52B13299}"/>
+              </a:ext>
+            </a:extLst>
+          </p:cNvPr>
+          <p:cNvSpPr/>
+          <p:nvPr/>
+        </p:nvSpPr>
+        <p:spPr>
+          <a:xfrm>
+            <a:off x="11892732" y="9944841"/>
+            <a:ext cx="926325" cy="540000"/>
+          </a:xfrm>
+          <a:prstGeom prst="rect">
+            <a:avLst/>
+          </a:prstGeom>
+          <a:solidFill>
+            <a:schemeClr val="accent1">
+              <a:lumMod val="40000"/>
+              <a:lumOff val="60000"/>
+            </a:schemeClr>
+          </a:solidFill>
+          <a:ln w="19050"/>
+        </p:spPr>
+        <p:style>
+          <a:lnRef idx="2">
+            <a:schemeClr val="accent1"/>
+          </a:lnRef>
+          <a:fillRef idx="1">
+            <a:schemeClr val="lt1"/>
+          </a:fillRef>
+          <a:effectRef idx="0">
+            <a:schemeClr val="accent1"/>
+          </a:effectRef>
+          <a:fontRef idx="minor">
+            <a:schemeClr val="dk1"/>
+          </a:fontRef>
+        </p:style>
+        <p:txBody>
+          <a:bodyPr lIns="124733" tIns="62367" rIns="124733" bIns="62367" rtlCol="0" anchor="ctr"/>
+          <a:lstStyle/>
+          <a:p>
+            <a:pPr algn="ctr"/>
+            <a:r>
+              <a:rPr lang="en-US" sz="800" dirty="0"/>
+              <a:t>El </a:t>
+            </a:r>
+            <a:r>
+              <a:rPr lang="en-US" sz="800" dirty="0" smtClean="0"/>
+              <a:t>Liberal</a:t>
+            </a:r>
+            <a:endParaRPr lang="ru-RU" sz="200" dirty="0"/>
+          </a:p>
+        </p:txBody>
+      </p:sp>
+      <p:cxnSp>
+        <p:nvCxnSpPr>
+          <p:cNvPr id="364" name="Соединительная линия уступом 903">
+            <a:extLst>
+              <a:ext uri="{FF2B5EF4-FFF2-40B4-BE49-F238E27FC236}">
+                <a16:creationId xmlns:a16="http://schemas.microsoft.com/office/drawing/2014/main" xmlns="" id="{8BEF26C8-19FF-4ACF-94F5-4225C4EB8246}"/>
+              </a:ext>
+            </a:extLst>
+          </p:cNvPr>
+          <p:cNvCxnSpPr>
+            <a:cxnSpLocks/>
+            <a:stCxn id="149" idx="2"/>
+            <a:endCxn id="363" idx="0"/>
+          </p:cNvCxnSpPr>
+          <p:nvPr/>
+        </p:nvCxnSpPr>
+        <p:spPr>
+          <a:xfrm rot="16200000" flipH="1">
+            <a:off x="11946729" y="9535674"/>
+            <a:ext cx="254537" cy="563795"/>
+          </a:xfrm>
+          <a:prstGeom prst="bentConnector3">
+            <a:avLst>
+              <a:gd name="adj1" fmla="val 50000"/>
+            </a:avLst>
+          </a:prstGeom>
+          <a:ln w="19050">
+            <a:tailEnd type="arrow"/>
+          </a:ln>
+        </p:spPr>
+        <p:style>
+          <a:lnRef idx="1">
+            <a:schemeClr val="accent1"/>
+          </a:lnRef>
+          <a:fillRef idx="0">
+            <a:schemeClr val="accent1"/>
+          </a:fillRef>
+          <a:effectRef idx="0">
+            <a:schemeClr val="accent1"/>
+          </a:effectRef>
+          <a:fontRef idx="minor">
+            <a:schemeClr val="tx1"/>
+          </a:fontRef>
+        </p:style>
+      </p:cxnSp>
+      <p:sp>
+        <p:nvSpPr>
+          <p:cNvPr id="370" name="Прямоугольник 369">
+            <a:extLst>
+              <a:ext uri="{FF2B5EF4-FFF2-40B4-BE49-F238E27FC236}">
+                <a16:creationId xmlns:a16="http://schemas.microsoft.com/office/drawing/2014/main" xmlns="" id="{FFDF3200-07AF-4F88-9AFA-E895A9EB463F}"/>
+              </a:ext>
+            </a:extLst>
+          </p:cNvPr>
+          <p:cNvSpPr/>
+          <p:nvPr/>
+        </p:nvSpPr>
+        <p:spPr>
+          <a:xfrm>
+            <a:off x="4081781" y="17262114"/>
+            <a:ext cx="926325" cy="540000"/>
+          </a:xfrm>
+          <a:prstGeom prst="rect">
+            <a:avLst/>
+          </a:prstGeom>
+          <a:solidFill>
+            <a:srgbClr val="FF0000"/>
+          </a:solidFill>
+          <a:ln w="19050"/>
+        </p:spPr>
+        <p:style>
+          <a:lnRef idx="2">
+            <a:schemeClr val="accent1"/>
+          </a:lnRef>
+          <a:fillRef idx="1">
+            <a:schemeClr val="lt1"/>
+          </a:fillRef>
+          <a:effectRef idx="0">
+            <a:schemeClr val="accent1"/>
+          </a:effectRef>
+          <a:fontRef idx="minor">
+            <a:schemeClr val="dk1"/>
+          </a:fontRef>
+        </p:style>
+        <p:txBody>
+          <a:bodyPr lIns="124733" tIns="62367" rIns="124733" bIns="62367" rtlCol="0" anchor="ctr"/>
+          <a:lstStyle/>
+          <a:p>
+            <a:pPr algn="ctr"/>
+            <a:r>
+              <a:rPr lang="ru-RU" sz="700" dirty="0" smtClean="0"/>
+              <a:t>Заключить мир с </a:t>
+            </a:r>
+            <a:r>
+              <a:rPr lang="ru-RU" sz="700" dirty="0" err="1" smtClean="0"/>
+              <a:t>Сандинистами</a:t>
+            </a:r>
+            <a:endParaRPr lang="ru-RU" sz="400" dirty="0"/>
+          </a:p>
+        </p:txBody>
+      </p:sp>
+      <p:cxnSp>
+        <p:nvCxnSpPr>
+          <p:cNvPr id="380" name="Прямая со стрелкой 379">
+            <a:extLst>
+              <a:ext uri="{FF2B5EF4-FFF2-40B4-BE49-F238E27FC236}">
+                <a16:creationId xmlns:a16="http://schemas.microsoft.com/office/drawing/2014/main" xmlns="" id="{AFD4E665-A61D-46C2-A133-3412690F30F3}"/>
+              </a:ext>
+            </a:extLst>
+          </p:cNvPr>
+          <p:cNvCxnSpPr>
+            <a:cxnSpLocks/>
+            <a:stCxn id="87" idx="2"/>
+            <a:endCxn id="192" idx="0"/>
+          </p:cNvCxnSpPr>
+          <p:nvPr/>
+        </p:nvCxnSpPr>
+        <p:spPr>
+          <a:xfrm>
+            <a:off x="2095147" y="17800318"/>
+            <a:ext cx="1" cy="1135922"/>
+          </a:xfrm>
+          <a:prstGeom prst="straightConnector1">
+            <a:avLst/>
+          </a:prstGeom>
+          <a:ln w="19050">
+            <a:tailEnd type="arrow"/>
+          </a:ln>
+        </p:spPr>
+        <p:style>
+          <a:lnRef idx="1">
+            <a:schemeClr val="accent1"/>
+          </a:lnRef>
+          <a:fillRef idx="0">
+            <a:schemeClr val="accent1"/>
+          </a:fillRef>
+          <a:effectRef idx="0">
+            <a:schemeClr val="accent1"/>
+          </a:effectRef>
+          <a:fontRef idx="minor">
+            <a:schemeClr val="tx1"/>
+          </a:fontRef>
+        </p:style>
+      </p:cxnSp>
+      <p:sp>
+        <p:nvSpPr>
+          <p:cNvPr id="388" name="Прямоугольник 387">
+            <a:extLst>
+              <a:ext uri="{FF2B5EF4-FFF2-40B4-BE49-F238E27FC236}">
+                <a16:creationId xmlns:a16="http://schemas.microsoft.com/office/drawing/2014/main" xmlns="" id="{9C02A14C-DE5F-49AD-A4EE-A27966D0EFDC}"/>
+              </a:ext>
+            </a:extLst>
+          </p:cNvPr>
+          <p:cNvSpPr/>
+          <p:nvPr/>
+        </p:nvSpPr>
+        <p:spPr>
+          <a:xfrm>
+            <a:off x="10535519" y="14839244"/>
+            <a:ext cx="926325" cy="540000"/>
+          </a:xfrm>
+          <a:prstGeom prst="rect">
+            <a:avLst/>
+          </a:prstGeom>
+          <a:solidFill>
+            <a:schemeClr val="bg1">
+              <a:lumMod val="65000"/>
+            </a:schemeClr>
+          </a:solidFill>
+          <a:ln w="19050"/>
+        </p:spPr>
+        <p:style>
+          <a:lnRef idx="2">
+            <a:schemeClr val="accent1"/>
+          </a:lnRef>
+          <a:fillRef idx="1">
+            <a:schemeClr val="lt1"/>
+          </a:fillRef>
+          <a:effectRef idx="0">
+            <a:schemeClr val="accent1"/>
+          </a:effectRef>
+          <a:fontRef idx="minor">
+            <a:schemeClr val="dk1"/>
+          </a:fontRef>
+        </p:style>
+        <p:txBody>
+          <a:bodyPr lIns="124733" tIns="62367" rIns="124733" bIns="62367" rtlCol="0" anchor="ctr"/>
+          <a:lstStyle/>
+          <a:p>
+            <a:pPr algn="ctr"/>
+            <a:r>
+              <a:rPr lang="ru-RU" sz="700" dirty="0" smtClean="0"/>
+              <a:t>Привлечь коммунистов на свою сторону</a:t>
+            </a:r>
+            <a:endParaRPr lang="ru-RU" sz="400" dirty="0"/>
+          </a:p>
+        </p:txBody>
+      </p:sp>
+      <p:cxnSp>
+        <p:nvCxnSpPr>
+          <p:cNvPr id="390" name="Прямая со стрелкой 389">
+            <a:extLst>
+              <a:ext uri="{FF2B5EF4-FFF2-40B4-BE49-F238E27FC236}">
+                <a16:creationId xmlns:a16="http://schemas.microsoft.com/office/drawing/2014/main" xmlns="" id="{AFD4E665-A61D-46C2-A133-3412690F30F3}"/>
+              </a:ext>
+            </a:extLst>
+          </p:cNvPr>
+          <p:cNvCxnSpPr>
+            <a:cxnSpLocks/>
+            <a:stCxn id="388" idx="2"/>
+            <a:endCxn id="302" idx="0"/>
+          </p:cNvCxnSpPr>
+          <p:nvPr/>
+        </p:nvCxnSpPr>
+        <p:spPr>
+          <a:xfrm flipH="1">
+            <a:off x="10994745" y="15379244"/>
+            <a:ext cx="3937" cy="283649"/>
+          </a:xfrm>
+          <a:prstGeom prst="straightConnector1">
+            <a:avLst/>
+          </a:prstGeom>
+          <a:ln w="19050">
+            <a:tailEnd type="arrow"/>
+          </a:ln>
+        </p:spPr>
+        <p:style>
+          <a:lnRef idx="1">
+            <a:schemeClr val="accent1"/>
+          </a:lnRef>
+          <a:fillRef idx="0">
+            <a:schemeClr val="accent1"/>
+          </a:fillRef>
+          <a:effectRef idx="0">
+            <a:schemeClr val="accent1"/>
+          </a:effectRef>
+          <a:fontRef idx="minor">
+            <a:schemeClr val="tx1"/>
+          </a:fontRef>
+        </p:style>
+      </p:cxnSp>
+      <p:cxnSp>
+        <p:nvCxnSpPr>
+          <p:cNvPr id="393" name="Соединительная линия уступом 903">
+            <a:extLst>
+              <a:ext uri="{FF2B5EF4-FFF2-40B4-BE49-F238E27FC236}">
+                <a16:creationId xmlns:a16="http://schemas.microsoft.com/office/drawing/2014/main" xmlns="" id="{7F2B1BD7-0FDF-4BD9-834C-72911F99D650}"/>
+              </a:ext>
+            </a:extLst>
+          </p:cNvPr>
+          <p:cNvCxnSpPr>
+            <a:cxnSpLocks/>
+            <a:stCxn id="445" idx="2"/>
+            <a:endCxn id="265" idx="0"/>
+          </p:cNvCxnSpPr>
+          <p:nvPr/>
+        </p:nvCxnSpPr>
+        <p:spPr>
+          <a:xfrm rot="16200000" flipH="1">
+            <a:off x="11168288" y="16825028"/>
+            <a:ext cx="265683" cy="604895"/>
+          </a:xfrm>
+          <a:prstGeom prst="bentConnector3">
+            <a:avLst>
+              <a:gd name="adj1" fmla="val 50000"/>
+            </a:avLst>
+          </a:prstGeom>
+          <a:ln w="19050">
+            <a:tailEnd type="arrow"/>
+          </a:ln>
+        </p:spPr>
+        <p:style>
+          <a:lnRef idx="1">
+            <a:schemeClr val="accent1"/>
+          </a:lnRef>
+          <a:fillRef idx="0">
+            <a:schemeClr val="accent1"/>
+          </a:fillRef>
+          <a:effectRef idx="0">
+            <a:schemeClr val="accent1"/>
+          </a:effectRef>
+          <a:fontRef idx="minor">
+            <a:schemeClr val="tx1"/>
+          </a:fontRef>
+        </p:style>
+      </p:cxnSp>
+      <p:cxnSp>
+        <p:nvCxnSpPr>
+          <p:cNvPr id="396" name="Соединительная линия уступом 903">
+            <a:extLst>
+              <a:ext uri="{FF2B5EF4-FFF2-40B4-BE49-F238E27FC236}">
+                <a16:creationId xmlns:a16="http://schemas.microsoft.com/office/drawing/2014/main" xmlns="" id="{7F2B1BD7-0FDF-4BD9-834C-72911F99D650}"/>
+              </a:ext>
+            </a:extLst>
+          </p:cNvPr>
+          <p:cNvCxnSpPr>
+            <a:cxnSpLocks/>
+            <a:stCxn id="170" idx="2"/>
+            <a:endCxn id="370" idx="0"/>
+          </p:cNvCxnSpPr>
+          <p:nvPr/>
+        </p:nvCxnSpPr>
+        <p:spPr>
+          <a:xfrm rot="16200000" flipH="1">
+            <a:off x="2348431" y="15065600"/>
+            <a:ext cx="2656169" cy="1736857"/>
+          </a:xfrm>
+          <a:prstGeom prst="bentConnector3">
+            <a:avLst>
+              <a:gd name="adj1" fmla="val 4415"/>
             </a:avLst>
           </a:prstGeom>
           <a:ln w="19050">
@@ -19606,7 +20359,7 @@
   <a:extraClrSchemeLst/>
   <a:extLst>
     <a:ext uri="{05A4C25C-085E-4340-85A3-A5531E510DB2}">
-      <thm15:themeFamily xmlns="" xmlns:thm15="http://schemas.microsoft.com/office/thememl/2012/main" name="Office Theme" id="{62F939B6-93AF-4DB8-9C6B-D6C7DFDC589F}" vid="{4A3C46E8-61CC-4603-A589-7422A47A8E4A}"/>
+      <thm15:themeFamily xmlns:thm15="http://schemas.microsoft.com/office/thememl/2012/main" xmlns="" name="Office Theme" id="{62F939B6-93AF-4DB8-9C6B-D6C7DFDC589F}" vid="{4A3C46E8-61CC-4603-A589-7422A47A8E4A}"/>
     </a:ext>
   </a:extLst>
 </a:theme>
@@ -19867,7 +20620,7 @@
   <a:extraClrSchemeLst/>
   <a:extLst>
     <a:ext uri="{05A4C25C-085E-4340-85A3-A5531E510DB2}">
-      <thm15:themeFamily xmlns="" xmlns:thm15="http://schemas.microsoft.com/office/thememl/2012/main" name="Office Theme" id="{62F939B6-93AF-4DB8-9C6B-D6C7DFDC589F}" vid="{4A3C46E8-61CC-4603-A589-7422A47A8E4A}"/>
+      <thm15:themeFamily xmlns:thm15="http://schemas.microsoft.com/office/thememl/2012/main" xmlns="" name="Office Theme" id="{62F939B6-93AF-4DB8-9C6B-D6C7DFDC589F}" vid="{4A3C46E8-61CC-4603-A589-7422A47A8E4A}"/>
     </a:ext>
   </a:extLst>
 </a:theme>

--- a/Наработки/диздоки/Никарагуа/Никарагуа.pptx
+++ b/Наработки/диздоки/Никарагуа/Никарагуа.pptx
@@ -109,7 +109,7 @@
   </p:defaultTextStyle>
   <p:extLst>
     <p:ext uri="{EFAFB233-063F-42B5-8137-9DF3F51BA10A}">
-      <p15:sldGuideLst xmlns:p15="http://schemas.microsoft.com/office/powerpoint/2012/main" xmlns="">
+      <p15:sldGuideLst xmlns:p15="http://schemas.microsoft.com/office/powerpoint/2012/main">
         <p15:guide id="1" orient="horz" pos="11344">
           <p15:clr>
             <a:srgbClr val="A4A3A4"/>
@@ -209,7 +209,7 @@
             <a:fld id="{33E3D7F9-E251-484C-A6FF-FA958879DF69}" type="datetimeFigureOut">
               <a:rPr lang="ru-RU" smtClean="0"/>
               <a:pPr/>
-              <a:t>24.10.2023</a:t>
+              <a:t>25.10.2023</a:t>
             </a:fld>
             <a:endParaRPr lang="ru-RU"/>
           </a:p>
@@ -699,7 +699,7 @@
             <a:fld id="{85A5DE44-605B-4D3B-B2B7-94543DF81A36}" type="datetimeFigureOut">
               <a:rPr lang="ru-RU" smtClean="0"/>
               <a:pPr/>
-              <a:t>24.10.2023</a:t>
+              <a:t>25.10.2023</a:t>
             </a:fld>
             <a:endParaRPr lang="ru-RU"/>
           </a:p>
@@ -871,7 +871,7 @@
             <a:fld id="{85A5DE44-605B-4D3B-B2B7-94543DF81A36}" type="datetimeFigureOut">
               <a:rPr lang="ru-RU" smtClean="0"/>
               <a:pPr/>
-              <a:t>24.10.2023</a:t>
+              <a:t>25.10.2023</a:t>
             </a:fld>
             <a:endParaRPr lang="ru-RU"/>
           </a:p>
@@ -1053,7 +1053,7 @@
             <a:fld id="{85A5DE44-605B-4D3B-B2B7-94543DF81A36}" type="datetimeFigureOut">
               <a:rPr lang="ru-RU" smtClean="0"/>
               <a:pPr/>
-              <a:t>24.10.2023</a:t>
+              <a:t>25.10.2023</a:t>
             </a:fld>
             <a:endParaRPr lang="ru-RU"/>
           </a:p>
@@ -1225,7 +1225,7 @@
             <a:fld id="{85A5DE44-605B-4D3B-B2B7-94543DF81A36}" type="datetimeFigureOut">
               <a:rPr lang="ru-RU" smtClean="0"/>
               <a:pPr/>
-              <a:t>24.10.2023</a:t>
+              <a:t>25.10.2023</a:t>
             </a:fld>
             <a:endParaRPr lang="ru-RU"/>
           </a:p>
@@ -1473,7 +1473,7 @@
             <a:fld id="{85A5DE44-605B-4D3B-B2B7-94543DF81A36}" type="datetimeFigureOut">
               <a:rPr lang="ru-RU" smtClean="0"/>
               <a:pPr/>
-              <a:t>24.10.2023</a:t>
+              <a:t>25.10.2023</a:t>
             </a:fld>
             <a:endParaRPr lang="ru-RU"/>
           </a:p>
@@ -1707,7 +1707,7 @@
             <a:fld id="{85A5DE44-605B-4D3B-B2B7-94543DF81A36}" type="datetimeFigureOut">
               <a:rPr lang="ru-RU" smtClean="0"/>
               <a:pPr/>
-              <a:t>24.10.2023</a:t>
+              <a:t>25.10.2023</a:t>
             </a:fld>
             <a:endParaRPr lang="ru-RU"/>
           </a:p>
@@ -2076,7 +2076,7 @@
             <a:fld id="{85A5DE44-605B-4D3B-B2B7-94543DF81A36}" type="datetimeFigureOut">
               <a:rPr lang="ru-RU" smtClean="0"/>
               <a:pPr/>
-              <a:t>24.10.2023</a:t>
+              <a:t>25.10.2023</a:t>
             </a:fld>
             <a:endParaRPr lang="ru-RU"/>
           </a:p>
@@ -2196,7 +2196,7 @@
             <a:fld id="{85A5DE44-605B-4D3B-B2B7-94543DF81A36}" type="datetimeFigureOut">
               <a:rPr lang="ru-RU" smtClean="0"/>
               <a:pPr/>
-              <a:t>24.10.2023</a:t>
+              <a:t>25.10.2023</a:t>
             </a:fld>
             <a:endParaRPr lang="ru-RU"/>
           </a:p>
@@ -2293,7 +2293,7 @@
             <a:fld id="{85A5DE44-605B-4D3B-B2B7-94543DF81A36}" type="datetimeFigureOut">
               <a:rPr lang="ru-RU" smtClean="0"/>
               <a:pPr/>
-              <a:t>24.10.2023</a:t>
+              <a:t>25.10.2023</a:t>
             </a:fld>
             <a:endParaRPr lang="ru-RU"/>
           </a:p>
@@ -2572,7 +2572,7 @@
             <a:fld id="{85A5DE44-605B-4D3B-B2B7-94543DF81A36}" type="datetimeFigureOut">
               <a:rPr lang="ru-RU" smtClean="0"/>
               <a:pPr/>
-              <a:t>24.10.2023</a:t>
+              <a:t>25.10.2023</a:t>
             </a:fld>
             <a:endParaRPr lang="ru-RU"/>
           </a:p>
@@ -2831,7 +2831,7 @@
             <a:fld id="{85A5DE44-605B-4D3B-B2B7-94543DF81A36}" type="datetimeFigureOut">
               <a:rPr lang="ru-RU" smtClean="0"/>
               <a:pPr/>
-              <a:t>24.10.2023</a:t>
+              <a:t>25.10.2023</a:t>
             </a:fld>
             <a:endParaRPr lang="ru-RU"/>
           </a:p>
@@ -3046,7 +3046,7 @@
             <a:fld id="{85A5DE44-605B-4D3B-B2B7-94543DF81A36}" type="datetimeFigureOut">
               <a:rPr lang="ru-RU" smtClean="0"/>
               <a:pPr/>
-              <a:t>24.10.2023</a:t>
+              <a:t>25.10.2023</a:t>
             </a:fld>
             <a:endParaRPr lang="ru-RU"/>
           </a:p>
@@ -3489,7 +3489,7 @@
             <a:pPr algn="ctr"/>
             <a:r>
               <a:rPr lang="ru-RU" sz="3600" b="1" dirty="0"/>
-              <a:t>116</a:t>
+              <a:t>143</a:t>
             </a:r>
           </a:p>
         </p:txBody>
@@ -3575,7 +3575,7 @@
           <p:cNvPr id="860" name="Прямоугольник 859">
             <a:extLst>
               <a:ext uri="{FF2B5EF4-FFF2-40B4-BE49-F238E27FC236}">
-                <a16:creationId xmlns:a16="http://schemas.microsoft.com/office/drawing/2014/main" xmlns="" id="{6192B7C6-55FD-4881-A7C8-B46143BFCF64}"/>
+                <a16:creationId xmlns:a16="http://schemas.microsoft.com/office/drawing/2014/main" id="{6192B7C6-55FD-4881-A7C8-B46143BFCF64}"/>
               </a:ext>
             </a:extLst>
           </p:cNvPr>
@@ -3614,19 +3614,7 @@
             <a:pPr algn="ctr"/>
             <a:r>
               <a:rPr lang="ru-RU" sz="700" dirty="0"/>
-              <a:t>Сформировать «Воздушный </a:t>
-            </a:r>
-            <a:r>
-              <a:rPr lang="ru-RU" sz="700" dirty="0" smtClean="0"/>
-              <a:t>корпус» </a:t>
-            </a:r>
-            <a:r>
-              <a:rPr lang="ru-RU" sz="700" dirty="0"/>
-              <a:t>(</a:t>
-            </a:r>
-            <a:r>
-              <a:rPr lang="ru-RU" sz="700" dirty="0" smtClean="0"/>
-              <a:t>1936 после июня)</a:t>
+              <a:t>Сформировать «Воздушный корпус» (1936 после июня)</a:t>
             </a:r>
             <a:endParaRPr lang="ru-RU" sz="400" dirty="0"/>
           </a:p>
@@ -3637,7 +3625,7 @@
           <p:cNvPr id="987" name="Прямоугольник 986">
             <a:extLst>
               <a:ext uri="{FF2B5EF4-FFF2-40B4-BE49-F238E27FC236}">
-                <a16:creationId xmlns:a16="http://schemas.microsoft.com/office/drawing/2014/main" xmlns="" id="{67193EE9-417B-43C2-AB81-CA3693D3020C}"/>
+                <a16:creationId xmlns:a16="http://schemas.microsoft.com/office/drawing/2014/main" id="{67193EE9-417B-43C2-AB81-CA3693D3020C}"/>
               </a:ext>
             </a:extLst>
           </p:cNvPr>
@@ -3687,7 +3675,7 @@
           <p:cNvPr id="991" name="Прямоугольник 990">
             <a:extLst>
               <a:ext uri="{FF2B5EF4-FFF2-40B4-BE49-F238E27FC236}">
-                <a16:creationId xmlns:a16="http://schemas.microsoft.com/office/drawing/2014/main" xmlns="" id="{DF4FA738-4588-47B9-8CCD-BD1F596377F3}"/>
+                <a16:creationId xmlns:a16="http://schemas.microsoft.com/office/drawing/2014/main" id="{DF4FA738-4588-47B9-8CCD-BD1F596377F3}"/>
               </a:ext>
             </a:extLst>
           </p:cNvPr>
@@ -3734,13 +3722,8 @@
             </a:r>
             <a:r>
               <a:rPr lang="ru-RU" sz="700" dirty="0"/>
-              <a:t>(1942</a:t>
-            </a:r>
-            <a:r>
-              <a:rPr lang="ru-RU" sz="700" dirty="0" smtClean="0"/>
-              <a:t>)</a:t>
-            </a:r>
-            <a:endParaRPr lang="ru-RU" sz="700" dirty="0"/>
+              <a:t>(1942)</a:t>
+            </a:r>
           </a:p>
         </p:txBody>
       </p:sp>
@@ -3749,7 +3732,7 @@
           <p:cNvPr id="994" name="Прямоугольник 993">
             <a:extLst>
               <a:ext uri="{FF2B5EF4-FFF2-40B4-BE49-F238E27FC236}">
-                <a16:creationId xmlns:a16="http://schemas.microsoft.com/office/drawing/2014/main" xmlns="" id="{2C61400B-484B-4957-B0B2-641DF530B9A0}"/>
+                <a16:creationId xmlns:a16="http://schemas.microsoft.com/office/drawing/2014/main" id="{2C61400B-484B-4957-B0B2-641DF530B9A0}"/>
               </a:ext>
             </a:extLst>
           </p:cNvPr>
@@ -3788,13 +3771,8 @@
             <a:pPr algn="ctr"/>
             <a:r>
               <a:rPr lang="ru-RU" sz="700" dirty="0"/>
-              <a:t>Авиационная миссия США (1952</a:t>
-            </a:r>
-            <a:r>
-              <a:rPr lang="ru-RU" sz="700" dirty="0" smtClean="0"/>
-              <a:t>)</a:t>
-            </a:r>
-            <a:endParaRPr lang="ru-RU" sz="700" dirty="0"/>
+              <a:t>Авиационная миссия США (1952)</a:t>
+            </a:r>
           </a:p>
         </p:txBody>
       </p:sp>
@@ -3803,7 +3781,7 @@
           <p:cNvPr id="995" name="Прямоугольник 994">
             <a:extLst>
               <a:ext uri="{FF2B5EF4-FFF2-40B4-BE49-F238E27FC236}">
-                <a16:creationId xmlns:a16="http://schemas.microsoft.com/office/drawing/2014/main" xmlns="" id="{F18E07CC-8B9D-421A-926B-156E5FCEBD1B}"/>
+                <a16:creationId xmlns:a16="http://schemas.microsoft.com/office/drawing/2014/main" id="{F18E07CC-8B9D-421A-926B-156E5FCEBD1B}"/>
               </a:ext>
             </a:extLst>
           </p:cNvPr>
@@ -3846,11 +3824,7 @@
             <a:pPr algn="ctr"/>
             <a:r>
               <a:rPr lang="ru-RU" sz="700" dirty="0"/>
-              <a:t>Национальная гвардия (1936</a:t>
-            </a:r>
-            <a:r>
-              <a:rPr lang="ru-RU" sz="700" dirty="0" smtClean="0"/>
-              <a:t>)</a:t>
+              <a:t>Национальная гвардия (1936)</a:t>
             </a:r>
             <a:endParaRPr lang="ru-RU" sz="400" dirty="0"/>
           </a:p>
@@ -3861,7 +3835,7 @@
           <p:cNvPr id="996" name="Прямоугольник 995">
             <a:extLst>
               <a:ext uri="{FF2B5EF4-FFF2-40B4-BE49-F238E27FC236}">
-                <a16:creationId xmlns:a16="http://schemas.microsoft.com/office/drawing/2014/main" xmlns="" id="{0A3E31CE-1F95-493B-99B8-75E1E74691B0}"/>
+                <a16:creationId xmlns:a16="http://schemas.microsoft.com/office/drawing/2014/main" id="{0A3E31CE-1F95-493B-99B8-75E1E74691B0}"/>
               </a:ext>
             </a:extLst>
           </p:cNvPr>
@@ -3903,7 +3877,7 @@
               <a:t>Никарагуанская военная академия (1939) </a:t>
             </a:r>
             <a:r>
-              <a:rPr lang="ru-RU" sz="100" dirty="0" smtClean="0"/>
+              <a:rPr lang="ru-RU" sz="100" dirty="0"/>
               <a:t>(</a:t>
             </a:r>
             <a:endParaRPr lang="ru-RU" sz="400" dirty="0"/>
@@ -3915,7 +3889,7 @@
           <p:cNvPr id="998" name="Прямоугольник 997">
             <a:extLst>
               <a:ext uri="{FF2B5EF4-FFF2-40B4-BE49-F238E27FC236}">
-                <a16:creationId xmlns:a16="http://schemas.microsoft.com/office/drawing/2014/main" xmlns="" id="{D1BF57CA-E69C-44E3-AAB9-85050AFD605D}"/>
+                <a16:creationId xmlns:a16="http://schemas.microsoft.com/office/drawing/2014/main" id="{D1BF57CA-E69C-44E3-AAB9-85050AFD605D}"/>
               </a:ext>
             </a:extLst>
           </p:cNvPr>
@@ -3965,7 +3939,7 @@
           <p:cNvPr id="999" name="Прямоугольник 998">
             <a:extLst>
               <a:ext uri="{FF2B5EF4-FFF2-40B4-BE49-F238E27FC236}">
-                <a16:creationId xmlns:a16="http://schemas.microsoft.com/office/drawing/2014/main" xmlns="" id="{ED20F934-4F09-47D0-A5C3-475497C89CA8}"/>
+                <a16:creationId xmlns:a16="http://schemas.microsoft.com/office/drawing/2014/main" id="{ED20F934-4F09-47D0-A5C3-475497C89CA8}"/>
               </a:ext>
             </a:extLst>
           </p:cNvPr>
@@ -4004,13 +3978,8 @@
             <a:pPr algn="ctr"/>
             <a:r>
               <a:rPr lang="ru-RU" sz="700" dirty="0"/>
-              <a:t>Приобрести самолёты у США (1942</a:t>
-            </a:r>
-            <a:r>
-              <a:rPr lang="ru-RU" sz="700" dirty="0" smtClean="0"/>
-              <a:t>)</a:t>
-            </a:r>
-            <a:endParaRPr lang="ru-RU" sz="700" dirty="0"/>
+              <a:t>Приобрести самолёты у США (1942)</a:t>
+            </a:r>
           </a:p>
         </p:txBody>
       </p:sp>
@@ -4019,7 +3988,7 @@
           <p:cNvPr id="1000" name="Прямоугольник 999">
             <a:extLst>
               <a:ext uri="{FF2B5EF4-FFF2-40B4-BE49-F238E27FC236}">
-                <a16:creationId xmlns:a16="http://schemas.microsoft.com/office/drawing/2014/main" xmlns="" id="{3031F683-9F5E-4938-B59B-3FA74405AA5D}"/>
+                <a16:creationId xmlns:a16="http://schemas.microsoft.com/office/drawing/2014/main" id="{3031F683-9F5E-4938-B59B-3FA74405AA5D}"/>
               </a:ext>
             </a:extLst>
           </p:cNvPr>
@@ -4057,12 +4026,8 @@
           <a:p>
             <a:pPr algn="ctr"/>
             <a:r>
-              <a:rPr lang="ru-RU" sz="700" dirty="0" smtClean="0"/>
-              <a:t>Авиакомпания </a:t>
-            </a:r>
-            <a:r>
               <a:rPr lang="ru-RU" sz="700" dirty="0"/>
-              <a:t>«</a:t>
+              <a:t>Авиакомпания «</a:t>
             </a:r>
             <a:r>
               <a:rPr lang="en-US" sz="700" dirty="0"/>
@@ -4080,7 +4045,7 @@
           <p:cNvPr id="1003" name="Прямоугольник 1002">
             <a:extLst>
               <a:ext uri="{FF2B5EF4-FFF2-40B4-BE49-F238E27FC236}">
-                <a16:creationId xmlns:a16="http://schemas.microsoft.com/office/drawing/2014/main" xmlns="" id="{6902397C-BDFE-4DCF-A1A2-FAE0B2626BDA}"/>
+                <a16:creationId xmlns:a16="http://schemas.microsoft.com/office/drawing/2014/main" id="{6902397C-BDFE-4DCF-A1A2-FAE0B2626BDA}"/>
               </a:ext>
             </a:extLst>
           </p:cNvPr>
@@ -4119,15 +4084,7 @@
             <a:pPr algn="ctr"/>
             <a:r>
               <a:rPr lang="ru-RU" sz="700" dirty="0"/>
-              <a:t>Военно-морская база Атлантического побережья </a:t>
-            </a:r>
-            <a:r>
-              <a:rPr lang="ru-RU" sz="700" dirty="0" smtClean="0"/>
-              <a:t>(1945)</a:t>
-            </a:r>
-            <a:r>
-              <a:rPr lang="ru-RU" sz="700" dirty="0"/>
-              <a:t/>
+              <a:t>Военно-морская база Атлантического побережья (1945)</a:t>
             </a:r>
             <a:br>
               <a:rPr lang="ru-RU" sz="700" dirty="0"/>
@@ -4141,7 +4098,7 @@
           <p:cNvPr id="1004" name="Прямоугольник 1003">
             <a:extLst>
               <a:ext uri="{FF2B5EF4-FFF2-40B4-BE49-F238E27FC236}">
-                <a16:creationId xmlns:a16="http://schemas.microsoft.com/office/drawing/2014/main" xmlns="" id="{69B79668-F64A-48E7-B6D8-046B42C5083A}"/>
+                <a16:creationId xmlns:a16="http://schemas.microsoft.com/office/drawing/2014/main" id="{69B79668-F64A-48E7-B6D8-046B42C5083A}"/>
               </a:ext>
             </a:extLst>
           </p:cNvPr>
@@ -4180,11 +4137,7 @@
             <a:pPr algn="ctr"/>
             <a:r>
               <a:rPr lang="ru-RU" sz="700" dirty="0"/>
-              <a:t>Военно-морская база Тихоокеанского побережья (1945</a:t>
-            </a:r>
-            <a:r>
-              <a:rPr lang="ru-RU" sz="700" dirty="0" smtClean="0"/>
-              <a:t>)</a:t>
+              <a:t>Военно-морская база Тихоокеанского побережья (1945)</a:t>
             </a:r>
             <a:endParaRPr lang="ru-RU" sz="400" dirty="0"/>
           </a:p>
@@ -4195,7 +4148,7 @@
           <p:cNvPr id="1006" name="Прямоугольник 1005">
             <a:extLst>
               <a:ext uri="{FF2B5EF4-FFF2-40B4-BE49-F238E27FC236}">
-                <a16:creationId xmlns:a16="http://schemas.microsoft.com/office/drawing/2014/main" xmlns="" id="{DBC3419A-22FA-43FF-B8B9-DD68FEBDCE02}"/>
+                <a16:creationId xmlns:a16="http://schemas.microsoft.com/office/drawing/2014/main" id="{DBC3419A-22FA-43FF-B8B9-DD68FEBDCE02}"/>
               </a:ext>
             </a:extLst>
           </p:cNvPr>
@@ -4234,14 +4187,10 @@
             <a:pPr algn="ctr"/>
             <a:r>
               <a:rPr lang="ru-RU" sz="700" dirty="0"/>
-              <a:t>ВМС </a:t>
-            </a:r>
-            <a:r>
-              <a:rPr lang="ru-RU" sz="700" dirty="0" smtClean="0"/>
-              <a:t>Никарагуа</a:t>
-            </a:r>
-            <a:r>
-              <a:rPr lang="en-US" sz="700" dirty="0" smtClean="0"/>
+              <a:t>ВМС Никарагуа</a:t>
+            </a:r>
+            <a:r>
+              <a:rPr lang="en-US" sz="700" dirty="0"/>
               <a:t> (1938)</a:t>
             </a:r>
             <a:endParaRPr lang="ru-RU" sz="400" dirty="0"/>
@@ -4253,7 +4202,7 @@
           <p:cNvPr id="1007" name="Прямоугольник 1006">
             <a:extLst>
               <a:ext uri="{FF2B5EF4-FFF2-40B4-BE49-F238E27FC236}">
-                <a16:creationId xmlns:a16="http://schemas.microsoft.com/office/drawing/2014/main" xmlns="" id="{16A1A0CD-EC27-4841-9CAC-A2951FA574D9}"/>
+                <a16:creationId xmlns:a16="http://schemas.microsoft.com/office/drawing/2014/main" id="{16A1A0CD-EC27-4841-9CAC-A2951FA574D9}"/>
               </a:ext>
             </a:extLst>
           </p:cNvPr>
@@ -4302,7 +4251,7 @@
           <p:cNvPr id="1009" name="Прямоугольник 1008">
             <a:extLst>
               <a:ext uri="{FF2B5EF4-FFF2-40B4-BE49-F238E27FC236}">
-                <a16:creationId xmlns:a16="http://schemas.microsoft.com/office/drawing/2014/main" xmlns="" id="{D6B9B13E-4EC1-48C5-9D81-8A7DC0201F74}"/>
+                <a16:creationId xmlns:a16="http://schemas.microsoft.com/office/drawing/2014/main" id="{D6B9B13E-4EC1-48C5-9D81-8A7DC0201F74}"/>
               </a:ext>
             </a:extLst>
           </p:cNvPr>
@@ -4341,11 +4290,7 @@
             <a:pPr algn="ctr"/>
             <a:r>
               <a:rPr lang="ru-RU" sz="700" dirty="0"/>
-              <a:t>Сотрудничество с </a:t>
-            </a:r>
-            <a:r>
-              <a:rPr lang="ru-RU" sz="700" dirty="0" smtClean="0"/>
-              <a:t>Италией (1937)</a:t>
+              <a:t>Сотрудничество с Италией (1937)</a:t>
             </a:r>
             <a:endParaRPr lang="ru-RU" sz="400" dirty="0"/>
           </a:p>
@@ -4356,7 +4301,7 @@
           <p:cNvPr id="1010" name="Прямоугольник 1009">
             <a:extLst>
               <a:ext uri="{FF2B5EF4-FFF2-40B4-BE49-F238E27FC236}">
-                <a16:creationId xmlns:a16="http://schemas.microsoft.com/office/drawing/2014/main" xmlns="" id="{EB093940-7B32-4F48-90D9-92C619CCC27C}"/>
+                <a16:creationId xmlns:a16="http://schemas.microsoft.com/office/drawing/2014/main" id="{EB093940-7B32-4F48-90D9-92C619CCC27C}"/>
               </a:ext>
             </a:extLst>
           </p:cNvPr>
@@ -4399,11 +4344,7 @@
             <a:pPr algn="ctr"/>
             <a:r>
               <a:rPr lang="ru-RU" sz="700" dirty="0"/>
-              <a:t>Упростить обмен валюты (октябрь 1936</a:t>
-            </a:r>
-            <a:r>
-              <a:rPr lang="ru-RU" sz="700" dirty="0" smtClean="0"/>
-              <a:t>)</a:t>
+              <a:t>Упростить обмен валюты (октябрь 1936)</a:t>
             </a:r>
             <a:endParaRPr lang="ru-RU" sz="400" dirty="0"/>
           </a:p>
@@ -4414,7 +4355,7 @@
           <p:cNvPr id="1011" name="Прямая со стрелкой 1010">
             <a:extLst>
               <a:ext uri="{FF2B5EF4-FFF2-40B4-BE49-F238E27FC236}">
-                <a16:creationId xmlns:a16="http://schemas.microsoft.com/office/drawing/2014/main" xmlns="" id="{6FF1BA7F-812C-44A5-BEC2-31F4B6F55538}"/>
+                <a16:creationId xmlns:a16="http://schemas.microsoft.com/office/drawing/2014/main" id="{6FF1BA7F-812C-44A5-BEC2-31F4B6F55538}"/>
               </a:ext>
             </a:extLst>
           </p:cNvPr>
@@ -4457,7 +4398,7 @@
           <p:cNvPr id="1012" name="Соединительная линия уступом 903">
             <a:extLst>
               <a:ext uri="{FF2B5EF4-FFF2-40B4-BE49-F238E27FC236}">
-                <a16:creationId xmlns:a16="http://schemas.microsoft.com/office/drawing/2014/main" xmlns="" id="{61CC6BA5-39EA-4B23-A209-0E7E8DB14AB7}"/>
+                <a16:creationId xmlns:a16="http://schemas.microsoft.com/office/drawing/2014/main" id="{61CC6BA5-39EA-4B23-A209-0E7E8DB14AB7}"/>
               </a:ext>
             </a:extLst>
           </p:cNvPr>
@@ -4502,7 +4443,7 @@
           <p:cNvPr id="1014" name="Прямая со стрелкой 1013">
             <a:extLst>
               <a:ext uri="{FF2B5EF4-FFF2-40B4-BE49-F238E27FC236}">
-                <a16:creationId xmlns:a16="http://schemas.microsoft.com/office/drawing/2014/main" xmlns="" id="{DE622A39-F9DB-4104-B64D-4660F6424C79}"/>
+                <a16:creationId xmlns:a16="http://schemas.microsoft.com/office/drawing/2014/main" id="{DE622A39-F9DB-4104-B64D-4660F6424C79}"/>
               </a:ext>
             </a:extLst>
           </p:cNvPr>
@@ -4545,7 +4486,7 @@
           <p:cNvPr id="1015" name="Прямая со стрелкой 1014">
             <a:extLst>
               <a:ext uri="{FF2B5EF4-FFF2-40B4-BE49-F238E27FC236}">
-                <a16:creationId xmlns:a16="http://schemas.microsoft.com/office/drawing/2014/main" xmlns="" id="{F4E65FFA-5006-43A8-9BFD-FFB14F085370}"/>
+                <a16:creationId xmlns:a16="http://schemas.microsoft.com/office/drawing/2014/main" id="{F4E65FFA-5006-43A8-9BFD-FFB14F085370}"/>
               </a:ext>
             </a:extLst>
           </p:cNvPr>
@@ -4588,7 +4529,7 @@
           <p:cNvPr id="1016" name="Прямая со стрелкой 1015">
             <a:extLst>
               <a:ext uri="{FF2B5EF4-FFF2-40B4-BE49-F238E27FC236}">
-                <a16:creationId xmlns:a16="http://schemas.microsoft.com/office/drawing/2014/main" xmlns="" id="{CC2FBAD9-0DAC-475C-84AF-B8C4D7F7CD36}"/>
+                <a16:creationId xmlns:a16="http://schemas.microsoft.com/office/drawing/2014/main" id="{CC2FBAD9-0DAC-475C-84AF-B8C4D7F7CD36}"/>
               </a:ext>
             </a:extLst>
           </p:cNvPr>
@@ -4631,7 +4572,7 @@
           <p:cNvPr id="1017" name="Прямая со стрелкой 1016">
             <a:extLst>
               <a:ext uri="{FF2B5EF4-FFF2-40B4-BE49-F238E27FC236}">
-                <a16:creationId xmlns:a16="http://schemas.microsoft.com/office/drawing/2014/main" xmlns="" id="{7F5BA024-9E61-46B2-B19B-838E6AB850FD}"/>
+                <a16:creationId xmlns:a16="http://schemas.microsoft.com/office/drawing/2014/main" id="{7F5BA024-9E61-46B2-B19B-838E6AB850FD}"/>
               </a:ext>
             </a:extLst>
           </p:cNvPr>
@@ -4674,7 +4615,7 @@
           <p:cNvPr id="1019" name="Прямая со стрелкой 1018">
             <a:extLst>
               <a:ext uri="{FF2B5EF4-FFF2-40B4-BE49-F238E27FC236}">
-                <a16:creationId xmlns:a16="http://schemas.microsoft.com/office/drawing/2014/main" xmlns="" id="{59266080-AC10-42CA-B68E-CEDF802FA3D3}"/>
+                <a16:creationId xmlns:a16="http://schemas.microsoft.com/office/drawing/2014/main" id="{59266080-AC10-42CA-B68E-CEDF802FA3D3}"/>
               </a:ext>
             </a:extLst>
           </p:cNvPr>
@@ -4718,7 +4659,7 @@
           <p:cNvPr id="1020" name="Соединительная линия уступом 903">
             <a:extLst>
               <a:ext uri="{FF2B5EF4-FFF2-40B4-BE49-F238E27FC236}">
-                <a16:creationId xmlns:a16="http://schemas.microsoft.com/office/drawing/2014/main" xmlns="" id="{62E8E398-7627-44D2-9D70-5C4E18D9492C}"/>
+                <a16:creationId xmlns:a16="http://schemas.microsoft.com/office/drawing/2014/main" id="{62E8E398-7627-44D2-9D70-5C4E18D9492C}"/>
               </a:ext>
             </a:extLst>
           </p:cNvPr>
@@ -4764,7 +4705,7 @@
           <p:cNvPr id="1021" name="Соединительная линия уступом 903">
             <a:extLst>
               <a:ext uri="{FF2B5EF4-FFF2-40B4-BE49-F238E27FC236}">
-                <a16:creationId xmlns:a16="http://schemas.microsoft.com/office/drawing/2014/main" xmlns="" id="{BDC7F8CB-0052-4FAE-993D-F1332955CF43}"/>
+                <a16:creationId xmlns:a16="http://schemas.microsoft.com/office/drawing/2014/main" id="{BDC7F8CB-0052-4FAE-993D-F1332955CF43}"/>
               </a:ext>
             </a:extLst>
           </p:cNvPr>
@@ -4810,7 +4751,7 @@
           <p:cNvPr id="34" name="Прямоугольник 33">
             <a:extLst>
               <a:ext uri="{FF2B5EF4-FFF2-40B4-BE49-F238E27FC236}">
-                <a16:creationId xmlns:a16="http://schemas.microsoft.com/office/drawing/2014/main" xmlns="" id="{59ACB422-97FE-4024-8EC7-A17F82AC2F7B}"/>
+                <a16:creationId xmlns:a16="http://schemas.microsoft.com/office/drawing/2014/main" id="{59ACB422-97FE-4024-8EC7-A17F82AC2F7B}"/>
               </a:ext>
             </a:extLst>
           </p:cNvPr>
@@ -4860,7 +4801,7 @@
           <p:cNvPr id="35" name="Прямоугольник 34">
             <a:extLst>
               <a:ext uri="{FF2B5EF4-FFF2-40B4-BE49-F238E27FC236}">
-                <a16:creationId xmlns:a16="http://schemas.microsoft.com/office/drawing/2014/main" xmlns="" id="{8F6B01E8-2051-4659-A9F2-6CCFEACACA21}"/>
+                <a16:creationId xmlns:a16="http://schemas.microsoft.com/office/drawing/2014/main" id="{8F6B01E8-2051-4659-A9F2-6CCFEACACA21}"/>
               </a:ext>
             </a:extLst>
           </p:cNvPr>
@@ -4910,7 +4851,7 @@
           <p:cNvPr id="36" name="Прямоугольник 35">
             <a:extLst>
               <a:ext uri="{FF2B5EF4-FFF2-40B4-BE49-F238E27FC236}">
-                <a16:creationId xmlns:a16="http://schemas.microsoft.com/office/drawing/2014/main" xmlns="" id="{9367D27D-AEBB-46B0-A932-DCEBE1910C36}"/>
+                <a16:creationId xmlns:a16="http://schemas.microsoft.com/office/drawing/2014/main" id="{9367D27D-AEBB-46B0-A932-DCEBE1910C36}"/>
               </a:ext>
             </a:extLst>
           </p:cNvPr>
@@ -4960,7 +4901,7 @@
           <p:cNvPr id="37" name="Прямоугольник 36">
             <a:extLst>
               <a:ext uri="{FF2B5EF4-FFF2-40B4-BE49-F238E27FC236}">
-                <a16:creationId xmlns:a16="http://schemas.microsoft.com/office/drawing/2014/main" xmlns="" id="{97D21FA9-0A99-4302-9C8A-886C2A95D444}"/>
+                <a16:creationId xmlns:a16="http://schemas.microsoft.com/office/drawing/2014/main" id="{97D21FA9-0A99-4302-9C8A-886C2A95D444}"/>
               </a:ext>
             </a:extLst>
           </p:cNvPr>
@@ -5018,7 +4959,7 @@
           <p:cNvPr id="38" name="Прямоугольник 37">
             <a:extLst>
               <a:ext uri="{FF2B5EF4-FFF2-40B4-BE49-F238E27FC236}">
-                <a16:creationId xmlns:a16="http://schemas.microsoft.com/office/drawing/2014/main" xmlns="" id="{9C02A14C-DE5F-49AD-A4EE-A27966D0EFDC}"/>
+                <a16:creationId xmlns:a16="http://schemas.microsoft.com/office/drawing/2014/main" id="{9C02A14C-DE5F-49AD-A4EE-A27966D0EFDC}"/>
               </a:ext>
             </a:extLst>
           </p:cNvPr>
@@ -5080,7 +5021,7 @@
           <p:cNvPr id="39" name="Прямоугольник 38">
             <a:extLst>
               <a:ext uri="{FF2B5EF4-FFF2-40B4-BE49-F238E27FC236}">
-                <a16:creationId xmlns:a16="http://schemas.microsoft.com/office/drawing/2014/main" xmlns="" id="{CCC56779-6173-48FC-B7E9-574156FA22BE}"/>
+                <a16:creationId xmlns:a16="http://schemas.microsoft.com/office/drawing/2014/main" id="{CCC56779-6173-48FC-B7E9-574156FA22BE}"/>
               </a:ext>
             </a:extLst>
           </p:cNvPr>
@@ -5142,7 +5083,7 @@
           <p:cNvPr id="42" name="Прямоугольник 41">
             <a:extLst>
               <a:ext uri="{FF2B5EF4-FFF2-40B4-BE49-F238E27FC236}">
-                <a16:creationId xmlns:a16="http://schemas.microsoft.com/office/drawing/2014/main" xmlns="" id="{03F7D570-4EE1-495E-9294-D367F2E7763E}"/>
+                <a16:creationId xmlns:a16="http://schemas.microsoft.com/office/drawing/2014/main" id="{03F7D570-4EE1-495E-9294-D367F2E7763E}"/>
               </a:ext>
             </a:extLst>
           </p:cNvPr>
@@ -5192,7 +5133,7 @@
           <p:cNvPr id="43" name="Прямоугольник 42">
             <a:extLst>
               <a:ext uri="{FF2B5EF4-FFF2-40B4-BE49-F238E27FC236}">
-                <a16:creationId xmlns:a16="http://schemas.microsoft.com/office/drawing/2014/main" xmlns="" id="{5858A8E5-3EFA-419C-99B9-6773CA7E1501}"/>
+                <a16:creationId xmlns:a16="http://schemas.microsoft.com/office/drawing/2014/main" id="{5858A8E5-3EFA-419C-99B9-6773CA7E1501}"/>
               </a:ext>
             </a:extLst>
           </p:cNvPr>
@@ -5231,11 +5172,7 @@
             <a:pPr algn="ctr"/>
             <a:r>
               <a:rPr lang="ru-RU" sz="700" dirty="0"/>
-              <a:t>Германские вложения в сельское </a:t>
-            </a:r>
-            <a:r>
-              <a:rPr lang="ru-RU" sz="700" dirty="0" smtClean="0"/>
-              <a:t>хозяйство</a:t>
+              <a:t>Германские вложения в сельское хозяйство</a:t>
             </a:r>
             <a:endParaRPr lang="ru-RU" sz="400" dirty="0"/>
           </a:p>
@@ -5246,7 +5183,7 @@
           <p:cNvPr id="45" name="Прямоугольник 44">
             <a:extLst>
               <a:ext uri="{FF2B5EF4-FFF2-40B4-BE49-F238E27FC236}">
-                <a16:creationId xmlns:a16="http://schemas.microsoft.com/office/drawing/2014/main" xmlns="" id="{29CBE310-5100-413A-B4C1-EA4E28F411B1}"/>
+                <a16:creationId xmlns:a16="http://schemas.microsoft.com/office/drawing/2014/main" id="{29CBE310-5100-413A-B4C1-EA4E28F411B1}"/>
               </a:ext>
             </a:extLst>
           </p:cNvPr>
@@ -5296,7 +5233,7 @@
           <p:cNvPr id="47" name="Прямоугольник 46">
             <a:extLst>
               <a:ext uri="{FF2B5EF4-FFF2-40B4-BE49-F238E27FC236}">
-                <a16:creationId xmlns:a16="http://schemas.microsoft.com/office/drawing/2014/main" xmlns="" id="{1163C105-465F-453D-9A47-C92FC2A2CB52}"/>
+                <a16:creationId xmlns:a16="http://schemas.microsoft.com/office/drawing/2014/main" id="{1163C105-465F-453D-9A47-C92FC2A2CB52}"/>
               </a:ext>
             </a:extLst>
           </p:cNvPr>
@@ -5335,11 +5272,7 @@
             <a:pPr algn="ctr"/>
             <a:r>
               <a:rPr lang="ru-RU" sz="700" dirty="0"/>
-              <a:t>Американские вложения в </a:t>
-            </a:r>
-            <a:r>
-              <a:rPr lang="ru-RU" sz="700" dirty="0" smtClean="0"/>
-              <a:t>промышленность</a:t>
+              <a:t>Американские вложения в промышленность</a:t>
             </a:r>
             <a:endParaRPr lang="ru-RU" sz="400" dirty="0"/>
           </a:p>
@@ -5350,7 +5283,7 @@
           <p:cNvPr id="48" name="Прямоугольник 47">
             <a:extLst>
               <a:ext uri="{FF2B5EF4-FFF2-40B4-BE49-F238E27FC236}">
-                <a16:creationId xmlns:a16="http://schemas.microsoft.com/office/drawing/2014/main" xmlns="" id="{D53819E8-2FF6-4FFA-A7E4-75D55AADB8B5}"/>
+                <a16:creationId xmlns:a16="http://schemas.microsoft.com/office/drawing/2014/main" id="{D53819E8-2FF6-4FFA-A7E4-75D55AADB8B5}"/>
               </a:ext>
             </a:extLst>
           </p:cNvPr>
@@ -5400,7 +5333,7 @@
           <p:cNvPr id="49" name="Прямоугольник 48">
             <a:extLst>
               <a:ext uri="{FF2B5EF4-FFF2-40B4-BE49-F238E27FC236}">
-                <a16:creationId xmlns:a16="http://schemas.microsoft.com/office/drawing/2014/main" xmlns="" id="{F9117D70-446E-4EA7-820C-5F0C5AE4BB1B}"/>
+                <a16:creationId xmlns:a16="http://schemas.microsoft.com/office/drawing/2014/main" id="{F9117D70-446E-4EA7-820C-5F0C5AE4BB1B}"/>
               </a:ext>
             </a:extLst>
           </p:cNvPr>
@@ -5439,11 +5372,7 @@
             <a:pPr algn="ctr"/>
             <a:r>
               <a:rPr lang="ru-RU" sz="700" dirty="0"/>
-              <a:t>Стабилизация курса </a:t>
-            </a:r>
-            <a:r>
-              <a:rPr lang="ru-RU" sz="700" dirty="0" smtClean="0"/>
-              <a:t>кордобы (июль 1936)</a:t>
+              <a:t>Стабилизация курса кордобы (июль 1936)</a:t>
             </a:r>
             <a:endParaRPr lang="ru-RU" sz="100" dirty="0"/>
           </a:p>
@@ -5454,7 +5383,7 @@
           <p:cNvPr id="50" name="Прямоугольник 49">
             <a:extLst>
               <a:ext uri="{FF2B5EF4-FFF2-40B4-BE49-F238E27FC236}">
-                <a16:creationId xmlns:a16="http://schemas.microsoft.com/office/drawing/2014/main" xmlns="" id="{357E437B-3536-45BE-A3D0-3F539D983768}"/>
+                <a16:creationId xmlns:a16="http://schemas.microsoft.com/office/drawing/2014/main" id="{357E437B-3536-45BE-A3D0-3F539D983768}"/>
               </a:ext>
             </a:extLst>
           </p:cNvPr>
@@ -5493,11 +5422,7 @@
             <a:pPr algn="ctr"/>
             <a:r>
               <a:rPr lang="ru-RU" sz="700" dirty="0"/>
-              <a:t>Восстановление после землетрясения 1931 </a:t>
-            </a:r>
-            <a:r>
-              <a:rPr lang="ru-RU" sz="700" dirty="0" smtClean="0"/>
-              <a:t>года</a:t>
+              <a:t>Восстановление после землетрясения 1931 года</a:t>
             </a:r>
             <a:endParaRPr lang="ru-RU" sz="400" dirty="0"/>
           </a:p>
@@ -5508,7 +5433,7 @@
           <p:cNvPr id="51" name="Прямая со стрелкой 50">
             <a:extLst>
               <a:ext uri="{FF2B5EF4-FFF2-40B4-BE49-F238E27FC236}">
-                <a16:creationId xmlns:a16="http://schemas.microsoft.com/office/drawing/2014/main" xmlns="" id="{F822F6CB-0335-40A1-921A-29544F834AD9}"/>
+                <a16:creationId xmlns:a16="http://schemas.microsoft.com/office/drawing/2014/main" id="{F822F6CB-0335-40A1-921A-29544F834AD9}"/>
               </a:ext>
             </a:extLst>
           </p:cNvPr>
@@ -5551,7 +5476,7 @@
           <p:cNvPr id="52" name="Прямая со стрелкой 51">
             <a:extLst>
               <a:ext uri="{FF2B5EF4-FFF2-40B4-BE49-F238E27FC236}">
-                <a16:creationId xmlns:a16="http://schemas.microsoft.com/office/drawing/2014/main" xmlns="" id="{5BCAF6D7-5BA1-4C42-82B8-95F6B189B961}"/>
+                <a16:creationId xmlns:a16="http://schemas.microsoft.com/office/drawing/2014/main" id="{5BCAF6D7-5BA1-4C42-82B8-95F6B189B961}"/>
               </a:ext>
             </a:extLst>
           </p:cNvPr>
@@ -5594,7 +5519,7 @@
           <p:cNvPr id="55" name="Прямоугольник 54">
             <a:extLst>
               <a:ext uri="{FF2B5EF4-FFF2-40B4-BE49-F238E27FC236}">
-                <a16:creationId xmlns:a16="http://schemas.microsoft.com/office/drawing/2014/main" xmlns="" id="{59913842-712E-4C78-8382-3186E11F9969}"/>
+                <a16:creationId xmlns:a16="http://schemas.microsoft.com/office/drawing/2014/main" id="{59913842-712E-4C78-8382-3186E11F9969}"/>
               </a:ext>
             </a:extLst>
           </p:cNvPr>
@@ -5652,7 +5577,7 @@
           <p:cNvPr id="56" name="Прямоугольник 55">
             <a:extLst>
               <a:ext uri="{FF2B5EF4-FFF2-40B4-BE49-F238E27FC236}">
-                <a16:creationId xmlns:a16="http://schemas.microsoft.com/office/drawing/2014/main" xmlns="" id="{6C5218F4-B4FE-4973-B0D1-795F69898B06}"/>
+                <a16:creationId xmlns:a16="http://schemas.microsoft.com/office/drawing/2014/main" id="{6C5218F4-B4FE-4973-B0D1-795F69898B06}"/>
               </a:ext>
             </a:extLst>
           </p:cNvPr>
@@ -5695,7 +5620,7 @@
           <a:p>
             <a:pPr algn="ctr"/>
             <a:r>
-              <a:rPr lang="ru-RU" sz="700" dirty="0" smtClean="0"/>
+              <a:rPr lang="ru-RU" sz="700" dirty="0"/>
               <a:t>«Правительство Согласия»</a:t>
             </a:r>
             <a:endParaRPr lang="ru-RU" sz="400" dirty="0"/>
@@ -5707,7 +5632,7 @@
           <p:cNvPr id="59" name="Соединительная линия уступом 903">
             <a:extLst>
               <a:ext uri="{FF2B5EF4-FFF2-40B4-BE49-F238E27FC236}">
-                <a16:creationId xmlns:a16="http://schemas.microsoft.com/office/drawing/2014/main" xmlns="" id="{109A067E-CE15-4E03-9773-91E0273879C6}"/>
+                <a16:creationId xmlns:a16="http://schemas.microsoft.com/office/drawing/2014/main" id="{109A067E-CE15-4E03-9773-91E0273879C6}"/>
               </a:ext>
             </a:extLst>
           </p:cNvPr>
@@ -5753,7 +5678,7 @@
           <p:cNvPr id="62" name="Соединительная линия уступом 903">
             <a:extLst>
               <a:ext uri="{FF2B5EF4-FFF2-40B4-BE49-F238E27FC236}">
-                <a16:creationId xmlns:a16="http://schemas.microsoft.com/office/drawing/2014/main" xmlns="" id="{6C07AA97-4525-4DE7-ADCC-04D2CBE84DB2}"/>
+                <a16:creationId xmlns:a16="http://schemas.microsoft.com/office/drawing/2014/main" id="{6C07AA97-4525-4DE7-ADCC-04D2CBE84DB2}"/>
               </a:ext>
             </a:extLst>
           </p:cNvPr>
@@ -5799,7 +5724,7 @@
           <p:cNvPr id="65" name="Соединительная линия уступом 903">
             <a:extLst>
               <a:ext uri="{FF2B5EF4-FFF2-40B4-BE49-F238E27FC236}">
-                <a16:creationId xmlns:a16="http://schemas.microsoft.com/office/drawing/2014/main" xmlns="" id="{43EDEE73-8E0A-4B11-A556-528A0A52CC3F}"/>
+                <a16:creationId xmlns:a16="http://schemas.microsoft.com/office/drawing/2014/main" id="{43EDEE73-8E0A-4B11-A556-528A0A52CC3F}"/>
               </a:ext>
             </a:extLst>
           </p:cNvPr>
@@ -5845,7 +5770,7 @@
           <p:cNvPr id="68" name="Соединительная линия уступом 903">
             <a:extLst>
               <a:ext uri="{FF2B5EF4-FFF2-40B4-BE49-F238E27FC236}">
-                <a16:creationId xmlns:a16="http://schemas.microsoft.com/office/drawing/2014/main" xmlns="" id="{59D2BA6A-BD9D-4F57-A305-E873010A82F4}"/>
+                <a16:creationId xmlns:a16="http://schemas.microsoft.com/office/drawing/2014/main" id="{59D2BA6A-BD9D-4F57-A305-E873010A82F4}"/>
               </a:ext>
             </a:extLst>
           </p:cNvPr>
@@ -5891,7 +5816,7 @@
           <p:cNvPr id="71" name="Соединительная линия уступом 903">
             <a:extLst>
               <a:ext uri="{FF2B5EF4-FFF2-40B4-BE49-F238E27FC236}">
-                <a16:creationId xmlns:a16="http://schemas.microsoft.com/office/drawing/2014/main" xmlns="" id="{00B11476-6764-4576-A5AA-307DE0B54FA8}"/>
+                <a16:creationId xmlns:a16="http://schemas.microsoft.com/office/drawing/2014/main" id="{00B11476-6764-4576-A5AA-307DE0B54FA8}"/>
               </a:ext>
             </a:extLst>
           </p:cNvPr>
@@ -5937,7 +5862,7 @@
           <p:cNvPr id="74" name="Соединительная линия уступом 903">
             <a:extLst>
               <a:ext uri="{FF2B5EF4-FFF2-40B4-BE49-F238E27FC236}">
-                <a16:creationId xmlns:a16="http://schemas.microsoft.com/office/drawing/2014/main" xmlns="" id="{F1EE0CAA-C3CE-4369-8DB1-59C2A23436F1}"/>
+                <a16:creationId xmlns:a16="http://schemas.microsoft.com/office/drawing/2014/main" id="{F1EE0CAA-C3CE-4369-8DB1-59C2A23436F1}"/>
               </a:ext>
             </a:extLst>
           </p:cNvPr>
@@ -5983,7 +5908,7 @@
           <p:cNvPr id="77" name="Прямоугольник 76">
             <a:extLst>
               <a:ext uri="{FF2B5EF4-FFF2-40B4-BE49-F238E27FC236}">
-                <a16:creationId xmlns:a16="http://schemas.microsoft.com/office/drawing/2014/main" xmlns="" id="{F492B8D6-39F0-4D20-92A4-58A3AE1323E7}"/>
+                <a16:creationId xmlns:a16="http://schemas.microsoft.com/office/drawing/2014/main" id="{F492B8D6-39F0-4D20-92A4-58A3AE1323E7}"/>
               </a:ext>
             </a:extLst>
           </p:cNvPr>
@@ -6026,11 +5951,7 @@
             <a:pPr algn="ctr"/>
             <a:r>
               <a:rPr lang="ru-RU" sz="700" dirty="0"/>
-              <a:t>Присоединиться к </a:t>
-            </a:r>
-            <a:r>
-              <a:rPr lang="ru-RU" sz="700" dirty="0" smtClean="0"/>
-              <a:t>германской коалиции</a:t>
+              <a:t>Присоединиться к германской коалиции</a:t>
             </a:r>
             <a:endParaRPr lang="ru-RU" sz="400" dirty="0"/>
           </a:p>
@@ -6041,7 +5962,7 @@
           <p:cNvPr id="78" name="Прямоугольник 77">
             <a:extLst>
               <a:ext uri="{FF2B5EF4-FFF2-40B4-BE49-F238E27FC236}">
-                <a16:creationId xmlns:a16="http://schemas.microsoft.com/office/drawing/2014/main" xmlns="" id="{AE8DBF0B-DB9F-42C3-8B1F-A688891403FA}"/>
+                <a16:creationId xmlns:a16="http://schemas.microsoft.com/office/drawing/2014/main" id="{AE8DBF0B-DB9F-42C3-8B1F-A688891403FA}"/>
               </a:ext>
             </a:extLst>
           </p:cNvPr>
@@ -6084,11 +6005,7 @@
             <a:pPr algn="ctr"/>
             <a:r>
               <a:rPr lang="ru-RU" sz="700" dirty="0"/>
-              <a:t>Усилить контроль над сбором </a:t>
-            </a:r>
-            <a:r>
-              <a:rPr lang="ru-RU" sz="700" dirty="0" smtClean="0"/>
-              <a:t>налогов</a:t>
+              <a:t>Усилить контроль над сбором налогов</a:t>
             </a:r>
             <a:endParaRPr lang="ru-RU" sz="400" dirty="0"/>
           </a:p>
@@ -6099,7 +6016,7 @@
           <p:cNvPr id="80" name="Прямоугольник 79">
             <a:extLst>
               <a:ext uri="{FF2B5EF4-FFF2-40B4-BE49-F238E27FC236}">
-                <a16:creationId xmlns:a16="http://schemas.microsoft.com/office/drawing/2014/main" xmlns="" id="{51DDA96E-A685-43FC-845D-8C9265EE929A}"/>
+                <a16:creationId xmlns:a16="http://schemas.microsoft.com/office/drawing/2014/main" id="{51DDA96E-A685-43FC-845D-8C9265EE929A}"/>
               </a:ext>
             </a:extLst>
           </p:cNvPr>
@@ -6151,7 +6068,7 @@
           <p:cNvPr id="81" name="Прямоугольник 80">
             <a:extLst>
               <a:ext uri="{FF2B5EF4-FFF2-40B4-BE49-F238E27FC236}">
-                <a16:creationId xmlns:a16="http://schemas.microsoft.com/office/drawing/2014/main" xmlns="" id="{FC846415-2760-43A4-A1A1-795C4968509B}"/>
+                <a16:creationId xmlns:a16="http://schemas.microsoft.com/office/drawing/2014/main" id="{FC846415-2760-43A4-A1A1-795C4968509B}"/>
               </a:ext>
             </a:extLst>
           </p:cNvPr>
@@ -6203,7 +6120,7 @@
           <p:cNvPr id="82" name="Прямоугольник 81">
             <a:extLst>
               <a:ext uri="{FF2B5EF4-FFF2-40B4-BE49-F238E27FC236}">
-                <a16:creationId xmlns:a16="http://schemas.microsoft.com/office/drawing/2014/main" xmlns="" id="{BF5DE4AD-D7D4-4C86-9704-BFA8884FD2C7}"/>
+                <a16:creationId xmlns:a16="http://schemas.microsoft.com/office/drawing/2014/main" id="{BF5DE4AD-D7D4-4C86-9704-BFA8884FD2C7}"/>
               </a:ext>
             </a:extLst>
           </p:cNvPr>
@@ -6255,7 +6172,7 @@
           <p:cNvPr id="83" name="Прямоугольник 82">
             <a:extLst>
               <a:ext uri="{FF2B5EF4-FFF2-40B4-BE49-F238E27FC236}">
-                <a16:creationId xmlns:a16="http://schemas.microsoft.com/office/drawing/2014/main" xmlns="" id="{FFDF3200-07AF-4F88-9AFA-E895A9EB463F}"/>
+                <a16:creationId xmlns:a16="http://schemas.microsoft.com/office/drawing/2014/main" id="{FFDF3200-07AF-4F88-9AFA-E895A9EB463F}"/>
               </a:ext>
             </a:extLst>
           </p:cNvPr>
@@ -6295,7 +6212,7 @@
           <a:p>
             <a:pPr algn="ctr"/>
             <a:r>
-              <a:rPr lang="ru-RU" sz="700" dirty="0" smtClean="0"/>
+              <a:rPr lang="ru-RU" sz="700" dirty="0"/>
               <a:t>Устранить оппозицию в партии</a:t>
             </a:r>
             <a:endParaRPr lang="ru-RU" sz="400" dirty="0"/>
@@ -6307,7 +6224,7 @@
           <p:cNvPr id="84" name="Прямоугольник 83">
             <a:extLst>
               <a:ext uri="{FF2B5EF4-FFF2-40B4-BE49-F238E27FC236}">
-                <a16:creationId xmlns:a16="http://schemas.microsoft.com/office/drawing/2014/main" xmlns="" id="{CA07F76D-4941-4BBE-8B5A-F0348C4D0FB6}"/>
+                <a16:creationId xmlns:a16="http://schemas.microsoft.com/office/drawing/2014/main" id="{CA07F76D-4941-4BBE-8B5A-F0348C4D0FB6}"/>
               </a:ext>
             </a:extLst>
           </p:cNvPr>
@@ -6359,7 +6276,7 @@
           <p:cNvPr id="85" name="Прямоугольник 84">
             <a:extLst>
               <a:ext uri="{FF2B5EF4-FFF2-40B4-BE49-F238E27FC236}">
-                <a16:creationId xmlns:a16="http://schemas.microsoft.com/office/drawing/2014/main" xmlns="" id="{B4C6B690-1886-4211-AFBE-6C0A99C1C73F}"/>
+                <a16:creationId xmlns:a16="http://schemas.microsoft.com/office/drawing/2014/main" id="{B4C6B690-1886-4211-AFBE-6C0A99C1C73F}"/>
               </a:ext>
             </a:extLst>
           </p:cNvPr>
@@ -6421,7 +6338,7 @@
           <p:cNvPr id="86" name="Прямоугольник 85">
             <a:extLst>
               <a:ext uri="{FF2B5EF4-FFF2-40B4-BE49-F238E27FC236}">
-                <a16:creationId xmlns:a16="http://schemas.microsoft.com/office/drawing/2014/main" xmlns="" id="{D4D526C2-9053-416E-9EDD-C32F7B959DFA}"/>
+                <a16:creationId xmlns:a16="http://schemas.microsoft.com/office/drawing/2014/main" id="{D4D526C2-9053-416E-9EDD-C32F7B959DFA}"/>
               </a:ext>
             </a:extLst>
           </p:cNvPr>
@@ -6473,7 +6390,7 @@
           <p:cNvPr id="87" name="Прямоугольник 86">
             <a:extLst>
               <a:ext uri="{FF2B5EF4-FFF2-40B4-BE49-F238E27FC236}">
-                <a16:creationId xmlns:a16="http://schemas.microsoft.com/office/drawing/2014/main" xmlns="" id="{05781F45-96BD-4772-A7F8-D0C0E48CF0C4}"/>
+                <a16:creationId xmlns:a16="http://schemas.microsoft.com/office/drawing/2014/main" id="{05781F45-96BD-4772-A7F8-D0C0E48CF0C4}"/>
               </a:ext>
             </a:extLst>
           </p:cNvPr>
@@ -6514,11 +6431,7 @@
             <a:pPr algn="ctr"/>
             <a:r>
               <a:rPr lang="ru-RU" sz="700" dirty="0"/>
-              <a:t>Государство </a:t>
-            </a:r>
-            <a:r>
-              <a:rPr lang="ru-RU" sz="700" dirty="0" smtClean="0"/>
-              <a:t>рабочих</a:t>
+              <a:t>Государство рабочих</a:t>
             </a:r>
             <a:endParaRPr lang="ru-RU" sz="400" dirty="0"/>
           </a:p>
@@ -6529,7 +6442,7 @@
           <p:cNvPr id="89" name="Прямоугольник 88">
             <a:extLst>
               <a:ext uri="{FF2B5EF4-FFF2-40B4-BE49-F238E27FC236}">
-                <a16:creationId xmlns:a16="http://schemas.microsoft.com/office/drawing/2014/main" xmlns="" id="{F33E5A38-0B16-4D37-89E1-19C913A5BC13}"/>
+                <a16:creationId xmlns:a16="http://schemas.microsoft.com/office/drawing/2014/main" id="{F33E5A38-0B16-4D37-89E1-19C913A5BC13}"/>
               </a:ext>
             </a:extLst>
           </p:cNvPr>
@@ -6572,11 +6485,7 @@
             <a:pPr algn="ctr"/>
             <a:r>
               <a:rPr lang="ru-RU" sz="700" dirty="0"/>
-              <a:t>Налог на </a:t>
-            </a:r>
-            <a:r>
-              <a:rPr lang="ru-RU" sz="700" dirty="0" smtClean="0"/>
-              <a:t>алкоголь (август 1936)</a:t>
+              <a:t>Налог на алкоголь (август 1936)</a:t>
             </a:r>
             <a:endParaRPr lang="ru-RU" sz="400" dirty="0"/>
           </a:p>
@@ -6587,7 +6496,7 @@
           <p:cNvPr id="90" name="Прямоугольник 89">
             <a:extLst>
               <a:ext uri="{FF2B5EF4-FFF2-40B4-BE49-F238E27FC236}">
-                <a16:creationId xmlns:a16="http://schemas.microsoft.com/office/drawing/2014/main" xmlns="" id="{8C2287E1-C065-4042-BB84-91F0CF7A3A74}"/>
+                <a16:creationId xmlns:a16="http://schemas.microsoft.com/office/drawing/2014/main" id="{8C2287E1-C065-4042-BB84-91F0CF7A3A74}"/>
               </a:ext>
             </a:extLst>
           </p:cNvPr>
@@ -6630,11 +6539,7 @@
             <a:pPr algn="ctr"/>
             <a:r>
               <a:rPr lang="ru-RU" sz="700" dirty="0"/>
-              <a:t>Синие </a:t>
-            </a:r>
-            <a:r>
-              <a:rPr lang="ru-RU" sz="700" dirty="0" smtClean="0"/>
-              <a:t>рубашки</a:t>
+              <a:t>Синие рубашки</a:t>
             </a:r>
             <a:endParaRPr lang="ru-RU" sz="400" dirty="0"/>
           </a:p>
@@ -6645,7 +6550,7 @@
           <p:cNvPr id="91" name="Прямоугольник 90">
             <a:extLst>
               <a:ext uri="{FF2B5EF4-FFF2-40B4-BE49-F238E27FC236}">
-                <a16:creationId xmlns:a16="http://schemas.microsoft.com/office/drawing/2014/main" xmlns="" id="{58596D98-69F8-48F5-B5AF-D2569C87ECDC}"/>
+                <a16:creationId xmlns:a16="http://schemas.microsoft.com/office/drawing/2014/main" id="{58596D98-69F8-48F5-B5AF-D2569C87ECDC}"/>
               </a:ext>
             </a:extLst>
           </p:cNvPr>
@@ -6688,11 +6593,7 @@
             <a:pPr algn="ctr"/>
             <a:r>
               <a:rPr lang="ru-RU" sz="700" dirty="0"/>
-              <a:t>Национализация железных дорог (1937</a:t>
-            </a:r>
-            <a:r>
-              <a:rPr lang="ru-RU" sz="700" dirty="0" smtClean="0"/>
-              <a:t>)</a:t>
+              <a:t>Национализация железных дорог (1937)</a:t>
             </a:r>
             <a:endParaRPr lang="ru-RU" sz="400" dirty="0"/>
           </a:p>
@@ -6703,7 +6604,7 @@
           <p:cNvPr id="92" name="Прямоугольник 91">
             <a:extLst>
               <a:ext uri="{FF2B5EF4-FFF2-40B4-BE49-F238E27FC236}">
-                <a16:creationId xmlns:a16="http://schemas.microsoft.com/office/drawing/2014/main" xmlns="" id="{A0E90C58-DFD9-4550-AC8D-DED87F819668}"/>
+                <a16:creationId xmlns:a16="http://schemas.microsoft.com/office/drawing/2014/main" id="{A0E90C58-DFD9-4550-AC8D-DED87F819668}"/>
               </a:ext>
             </a:extLst>
           </p:cNvPr>
@@ -6748,24 +6649,16 @@
               <a:rPr lang="ru-RU" sz="700" dirty="0"/>
               <a:t>Запрет муниципальных выборов </a:t>
             </a:r>
-            <a:endParaRPr lang="en-US" sz="700" dirty="0" smtClean="0"/>
+            <a:endParaRPr lang="en-US" sz="700" dirty="0"/>
           </a:p>
           <a:p>
             <a:pPr algn="ctr"/>
             <a:r>
-              <a:rPr lang="ru-RU" sz="700" dirty="0" smtClean="0"/>
-              <a:t>(</a:t>
-            </a:r>
-            <a:r>
               <a:rPr lang="ru-RU" sz="700" dirty="0"/>
-              <a:t>август </a:t>
-            </a:r>
-            <a:r>
-              <a:rPr lang="ru-RU" sz="700" dirty="0" smtClean="0"/>
-              <a:t>1937</a:t>
-            </a:r>
-            <a:r>
-              <a:rPr lang="en-US" sz="700" dirty="0" smtClean="0"/>
+              <a:t>(август 1937</a:t>
+            </a:r>
+            <a:r>
+              <a:rPr lang="en-US" sz="700" dirty="0"/>
               <a:t>)</a:t>
             </a:r>
             <a:endParaRPr lang="ru-RU" sz="400" dirty="0"/>
@@ -6777,7 +6670,7 @@
           <p:cNvPr id="93" name="Прямоугольник 92">
             <a:extLst>
               <a:ext uri="{FF2B5EF4-FFF2-40B4-BE49-F238E27FC236}">
-                <a16:creationId xmlns:a16="http://schemas.microsoft.com/office/drawing/2014/main" xmlns="" id="{905EFC66-02B2-49ED-A696-FAEF4A1D6416}"/>
+                <a16:creationId xmlns:a16="http://schemas.microsoft.com/office/drawing/2014/main" id="{905EFC66-02B2-49ED-A696-FAEF4A1D6416}"/>
               </a:ext>
             </a:extLst>
           </p:cNvPr>
@@ -6820,22 +6713,18 @@
             <a:pPr algn="ctr"/>
             <a:r>
               <a:rPr lang="ru-RU" sz="700" dirty="0"/>
-              <a:t>Военная Либеральная </a:t>
-            </a:r>
-            <a:r>
-              <a:rPr lang="ru-RU" sz="700" dirty="0" smtClean="0"/>
-              <a:t>Лига</a:t>
-            </a:r>
-            <a:r>
-              <a:rPr lang="en-US" sz="700" dirty="0" smtClean="0"/>
+              <a:t>Военная Либеральная Лига</a:t>
+            </a:r>
+            <a:r>
+              <a:rPr lang="en-US" sz="700" dirty="0"/>
               <a:t> (1937 </a:t>
             </a:r>
             <a:r>
-              <a:rPr lang="ru-RU" sz="700" dirty="0" smtClean="0"/>
+              <a:rPr lang="ru-RU" sz="700" dirty="0"/>
               <a:t>октябрь</a:t>
             </a:r>
             <a:r>
-              <a:rPr lang="en-US" sz="700" dirty="0" smtClean="0"/>
+              <a:rPr lang="en-US" sz="700" dirty="0"/>
               <a:t>)</a:t>
             </a:r>
             <a:endParaRPr lang="ru-RU" sz="400" dirty="0"/>
@@ -6847,7 +6736,7 @@
           <p:cNvPr id="94" name="Прямоугольник 93">
             <a:extLst>
               <a:ext uri="{FF2B5EF4-FFF2-40B4-BE49-F238E27FC236}">
-                <a16:creationId xmlns:a16="http://schemas.microsoft.com/office/drawing/2014/main" xmlns="" id="{9261C47C-5EE1-4F56-8101-3DF5265766CF}"/>
+                <a16:creationId xmlns:a16="http://schemas.microsoft.com/office/drawing/2014/main" id="{9261C47C-5EE1-4F56-8101-3DF5265766CF}"/>
               </a:ext>
             </a:extLst>
           </p:cNvPr>
@@ -6909,7 +6798,7 @@
           <p:cNvPr id="95" name="Прямоугольник 94">
             <a:extLst>
               <a:ext uri="{FF2B5EF4-FFF2-40B4-BE49-F238E27FC236}">
-                <a16:creationId xmlns:a16="http://schemas.microsoft.com/office/drawing/2014/main" xmlns="" id="{C2DE2667-AAF6-4947-B73A-9F430C79018E}"/>
+                <a16:creationId xmlns:a16="http://schemas.microsoft.com/office/drawing/2014/main" id="{C2DE2667-AAF6-4947-B73A-9F430C79018E}"/>
               </a:ext>
             </a:extLst>
           </p:cNvPr>
@@ -6952,11 +6841,7 @@
             <a:pPr algn="ctr"/>
             <a:r>
               <a:rPr lang="ru-RU" sz="700" dirty="0"/>
-              <a:t>Поблажки </a:t>
-            </a:r>
-            <a:r>
-              <a:rPr lang="ru-RU" sz="700" dirty="0" smtClean="0"/>
-              <a:t>рабочим</a:t>
+              <a:t>Поблажки рабочим</a:t>
             </a:r>
             <a:endParaRPr lang="ru-RU" sz="400" dirty="0"/>
           </a:p>
@@ -6967,7 +6852,7 @@
           <p:cNvPr id="96" name="Прямоугольник 95">
             <a:extLst>
               <a:ext uri="{FF2B5EF4-FFF2-40B4-BE49-F238E27FC236}">
-                <a16:creationId xmlns:a16="http://schemas.microsoft.com/office/drawing/2014/main" xmlns="" id="{F057BD5D-D5FA-4727-B502-9F95624798B4}"/>
+                <a16:creationId xmlns:a16="http://schemas.microsoft.com/office/drawing/2014/main" id="{F057BD5D-D5FA-4727-B502-9F95624798B4}"/>
               </a:ext>
             </a:extLst>
           </p:cNvPr>
@@ -7010,11 +6895,7 @@
             <a:pPr algn="ctr"/>
             <a:r>
               <a:rPr lang="ru-RU" sz="700" dirty="0"/>
-              <a:t>Примириться с либеральной партией (июль 1937</a:t>
-            </a:r>
-            <a:r>
-              <a:rPr lang="ru-RU" sz="700" dirty="0" smtClean="0"/>
-              <a:t>)</a:t>
+              <a:t>Примириться с либеральной партией (июль 1937)</a:t>
             </a:r>
             <a:endParaRPr lang="ru-RU" sz="400" dirty="0"/>
           </a:p>
@@ -7025,7 +6906,7 @@
           <p:cNvPr id="97" name="Прямоугольник 96">
             <a:extLst>
               <a:ext uri="{FF2B5EF4-FFF2-40B4-BE49-F238E27FC236}">
-                <a16:creationId xmlns:a16="http://schemas.microsoft.com/office/drawing/2014/main" xmlns="" id="{BE32C799-1429-4853-B5A8-AE3345E90D8D}"/>
+                <a16:creationId xmlns:a16="http://schemas.microsoft.com/office/drawing/2014/main" id="{BE32C799-1429-4853-B5A8-AE3345E90D8D}"/>
               </a:ext>
             </a:extLst>
           </p:cNvPr>
@@ -7090,7 +6971,7 @@
           <p:cNvPr id="98" name="Прямоугольник 97">
             <a:extLst>
               <a:ext uri="{FF2B5EF4-FFF2-40B4-BE49-F238E27FC236}">
-                <a16:creationId xmlns:a16="http://schemas.microsoft.com/office/drawing/2014/main" xmlns="" id="{21F111C9-B52C-460E-AD39-A8B9F798CB25}"/>
+                <a16:creationId xmlns:a16="http://schemas.microsoft.com/office/drawing/2014/main" id="{21F111C9-B52C-460E-AD39-A8B9F798CB25}"/>
               </a:ext>
             </a:extLst>
           </p:cNvPr>
@@ -7155,7 +7036,7 @@
           <p:cNvPr id="99" name="Прямоугольник 98">
             <a:extLst>
               <a:ext uri="{FF2B5EF4-FFF2-40B4-BE49-F238E27FC236}">
-                <a16:creationId xmlns:a16="http://schemas.microsoft.com/office/drawing/2014/main" xmlns="" id="{3CDEA90A-403D-44E8-BD63-5F728A857464}"/>
+                <a16:creationId xmlns:a16="http://schemas.microsoft.com/office/drawing/2014/main" id="{3CDEA90A-403D-44E8-BD63-5F728A857464}"/>
               </a:ext>
             </a:extLst>
           </p:cNvPr>
@@ -7209,11 +7090,7 @@
             <a:pPr algn="ctr"/>
             <a:r>
               <a:rPr lang="ru-RU" sz="700" dirty="0"/>
-              <a:t>Экспорт каучука в </a:t>
-            </a:r>
-            <a:r>
-              <a:rPr lang="ru-RU" sz="700" dirty="0" smtClean="0"/>
-              <a:t>США</a:t>
+              <a:t>Экспорт каучука в США</a:t>
             </a:r>
             <a:endParaRPr lang="ru-RU" sz="400" dirty="0"/>
           </a:p>
@@ -7224,7 +7101,7 @@
           <p:cNvPr id="100" name="Прямоугольник 99">
             <a:extLst>
               <a:ext uri="{FF2B5EF4-FFF2-40B4-BE49-F238E27FC236}">
-                <a16:creationId xmlns:a16="http://schemas.microsoft.com/office/drawing/2014/main" xmlns="" id="{8B70D98A-AAC5-4F3D-938D-F15D11AC9F90}"/>
+                <a16:creationId xmlns:a16="http://schemas.microsoft.com/office/drawing/2014/main" id="{8B70D98A-AAC5-4F3D-938D-F15D11AC9F90}"/>
               </a:ext>
             </a:extLst>
           </p:cNvPr>
@@ -7278,11 +7155,7 @@
             <a:pPr algn="ctr"/>
             <a:r>
               <a:rPr lang="ru-RU" sz="700" dirty="0"/>
-              <a:t>Военные советники для </a:t>
-            </a:r>
-            <a:r>
-              <a:rPr lang="ru-RU" sz="700" dirty="0" smtClean="0"/>
-              <a:t>академий</a:t>
+              <a:t>Военные советники для академий</a:t>
             </a:r>
             <a:endParaRPr lang="ru-RU" sz="400" dirty="0"/>
           </a:p>
@@ -7293,7 +7166,7 @@
           <p:cNvPr id="101" name="Прямоугольник 100">
             <a:extLst>
               <a:ext uri="{FF2B5EF4-FFF2-40B4-BE49-F238E27FC236}">
-                <a16:creationId xmlns:a16="http://schemas.microsoft.com/office/drawing/2014/main" xmlns="" id="{F402EBBD-5722-48B1-9BBA-587E5C4DFB4D}"/>
+                <a16:creationId xmlns:a16="http://schemas.microsoft.com/office/drawing/2014/main" id="{F402EBBD-5722-48B1-9BBA-587E5C4DFB4D}"/>
               </a:ext>
             </a:extLst>
           </p:cNvPr>
@@ -7347,11 +7220,7 @@
             <a:pPr algn="ctr"/>
             <a:r>
               <a:rPr lang="ru-RU" sz="700" dirty="0"/>
-              <a:t>Проект углубления реки </a:t>
-            </a:r>
-            <a:r>
-              <a:rPr lang="ru-RU" sz="700" dirty="0" smtClean="0"/>
-              <a:t>Сан-Хуан</a:t>
+              <a:t>Проект углубления реки Сан-Хуан</a:t>
             </a:r>
             <a:endParaRPr lang="ru-RU" sz="400" dirty="0"/>
           </a:p>
@@ -7362,7 +7231,7 @@
           <p:cNvPr id="102" name="Прямоугольник 101">
             <a:extLst>
               <a:ext uri="{FF2B5EF4-FFF2-40B4-BE49-F238E27FC236}">
-                <a16:creationId xmlns:a16="http://schemas.microsoft.com/office/drawing/2014/main" xmlns="" id="{62E65D83-9718-4B14-AFE2-F1D04B420F81}"/>
+                <a16:creationId xmlns:a16="http://schemas.microsoft.com/office/drawing/2014/main" id="{62E65D83-9718-4B14-AFE2-F1D04B420F81}"/>
               </a:ext>
             </a:extLst>
           </p:cNvPr>
@@ -7416,11 +7285,7 @@
             <a:pPr algn="ctr"/>
             <a:r>
               <a:rPr lang="ru-RU" sz="700" dirty="0"/>
-              <a:t>Строительства Панамериканского шоссе в </a:t>
-            </a:r>
-            <a:r>
-              <a:rPr lang="ru-RU" sz="700" dirty="0" smtClean="0"/>
-              <a:t>Никарагуа</a:t>
+              <a:t>Строительства Панамериканского шоссе в Никарагуа</a:t>
             </a:r>
             <a:endParaRPr lang="ru-RU" sz="400" dirty="0"/>
           </a:p>
@@ -7431,7 +7296,7 @@
           <p:cNvPr id="103" name="Прямоугольник 102">
             <a:extLst>
               <a:ext uri="{FF2B5EF4-FFF2-40B4-BE49-F238E27FC236}">
-                <a16:creationId xmlns:a16="http://schemas.microsoft.com/office/drawing/2014/main" xmlns="" id="{C6BDA37E-3E81-4B99-A54A-C631250D3A33}"/>
+                <a16:creationId xmlns:a16="http://schemas.microsoft.com/office/drawing/2014/main" id="{C6BDA37E-3E81-4B99-A54A-C631250D3A33}"/>
               </a:ext>
             </a:extLst>
           </p:cNvPr>
@@ -7485,11 +7350,7 @@
             <a:pPr algn="ctr"/>
             <a:r>
               <a:rPr lang="ru-RU" sz="700" dirty="0"/>
-              <a:t>Совместное строительства Никарагуанского </a:t>
-            </a:r>
-            <a:r>
-              <a:rPr lang="ru-RU" sz="700" dirty="0" smtClean="0"/>
-              <a:t>канала</a:t>
+              <a:t>Совместное строительства Никарагуанского канала</a:t>
             </a:r>
             <a:endParaRPr lang="ru-RU" sz="400" dirty="0"/>
           </a:p>
@@ -7500,7 +7361,7 @@
           <p:cNvPr id="112" name="Прямоугольник 111">
             <a:extLst>
               <a:ext uri="{FF2B5EF4-FFF2-40B4-BE49-F238E27FC236}">
-                <a16:creationId xmlns:a16="http://schemas.microsoft.com/office/drawing/2014/main" xmlns="" id="{9B5A9C46-C31A-401D-9EBF-78AE38F570DF}"/>
+                <a16:creationId xmlns:a16="http://schemas.microsoft.com/office/drawing/2014/main" id="{9B5A9C46-C31A-401D-9EBF-78AE38F570DF}"/>
               </a:ext>
             </a:extLst>
           </p:cNvPr>
@@ -7557,11 +7418,11 @@
               <a:t>Присоединиться к странам </a:t>
             </a:r>
             <a:r>
-              <a:rPr lang="ru-RU" sz="700" dirty="0" err="1" smtClean="0"/>
+              <a:rPr lang="ru-RU" sz="700" dirty="0" err="1"/>
               <a:t>антигерманской</a:t>
             </a:r>
             <a:r>
-              <a:rPr lang="ru-RU" sz="700" dirty="0" smtClean="0"/>
+              <a:rPr lang="ru-RU" sz="700" dirty="0"/>
               <a:t> коалиции (8 декабря 1941)</a:t>
             </a:r>
             <a:endParaRPr lang="ru-RU" sz="500" dirty="0"/>
@@ -7573,7 +7434,7 @@
           <p:cNvPr id="117" name="Соединительная линия уступом 903">
             <a:extLst>
               <a:ext uri="{FF2B5EF4-FFF2-40B4-BE49-F238E27FC236}">
-                <a16:creationId xmlns:a16="http://schemas.microsoft.com/office/drawing/2014/main" xmlns="" id="{7F550792-EE6C-4B6F-B826-22E45DB79321}"/>
+                <a16:creationId xmlns:a16="http://schemas.microsoft.com/office/drawing/2014/main" id="{7F550792-EE6C-4B6F-B826-22E45DB79321}"/>
               </a:ext>
             </a:extLst>
           </p:cNvPr>
@@ -7619,7 +7480,7 @@
           <p:cNvPr id="120" name="Соединительная линия уступом 903">
             <a:extLst>
               <a:ext uri="{FF2B5EF4-FFF2-40B4-BE49-F238E27FC236}">
-                <a16:creationId xmlns:a16="http://schemas.microsoft.com/office/drawing/2014/main" xmlns="" id="{42BA63A1-F902-44BD-AEC4-6A00A7DD5215}"/>
+                <a16:creationId xmlns:a16="http://schemas.microsoft.com/office/drawing/2014/main" id="{42BA63A1-F902-44BD-AEC4-6A00A7DD5215}"/>
               </a:ext>
             </a:extLst>
           </p:cNvPr>
@@ -7665,7 +7526,7 @@
           <p:cNvPr id="123" name="Соединительная линия уступом 903">
             <a:extLst>
               <a:ext uri="{FF2B5EF4-FFF2-40B4-BE49-F238E27FC236}">
-                <a16:creationId xmlns:a16="http://schemas.microsoft.com/office/drawing/2014/main" xmlns="" id="{52CF7390-DEEA-4782-9037-6AAA2FAB1267}"/>
+                <a16:creationId xmlns:a16="http://schemas.microsoft.com/office/drawing/2014/main" id="{52CF7390-DEEA-4782-9037-6AAA2FAB1267}"/>
               </a:ext>
             </a:extLst>
           </p:cNvPr>
@@ -7710,7 +7571,7 @@
           <p:cNvPr id="128" name="Соединительная линия уступом 903">
             <a:extLst>
               <a:ext uri="{FF2B5EF4-FFF2-40B4-BE49-F238E27FC236}">
-                <a16:creationId xmlns:a16="http://schemas.microsoft.com/office/drawing/2014/main" xmlns="" id="{7A113AE3-4577-430A-BA26-EF4235023FFA}"/>
+                <a16:creationId xmlns:a16="http://schemas.microsoft.com/office/drawing/2014/main" id="{7A113AE3-4577-430A-BA26-EF4235023FFA}"/>
               </a:ext>
             </a:extLst>
           </p:cNvPr>
@@ -7755,7 +7616,7 @@
           <p:cNvPr id="131" name="Соединительная линия уступом 903">
             <a:extLst>
               <a:ext uri="{FF2B5EF4-FFF2-40B4-BE49-F238E27FC236}">
-                <a16:creationId xmlns:a16="http://schemas.microsoft.com/office/drawing/2014/main" xmlns="" id="{40147503-E638-42DF-A929-5C7B9F2B48B1}"/>
+                <a16:creationId xmlns:a16="http://schemas.microsoft.com/office/drawing/2014/main" id="{40147503-E638-42DF-A929-5C7B9F2B48B1}"/>
               </a:ext>
             </a:extLst>
           </p:cNvPr>
@@ -7800,7 +7661,7 @@
           <p:cNvPr id="134" name="Соединительная линия уступом 903">
             <a:extLst>
               <a:ext uri="{FF2B5EF4-FFF2-40B4-BE49-F238E27FC236}">
-                <a16:creationId xmlns:a16="http://schemas.microsoft.com/office/drawing/2014/main" xmlns="" id="{B109EAAA-04CC-455A-9A24-9F6792FBCCC4}"/>
+                <a16:creationId xmlns:a16="http://schemas.microsoft.com/office/drawing/2014/main" id="{B109EAAA-04CC-455A-9A24-9F6792FBCCC4}"/>
               </a:ext>
             </a:extLst>
           </p:cNvPr>
@@ -7845,7 +7706,7 @@
           <p:cNvPr id="138" name="Соединительная линия уступом 903">
             <a:extLst>
               <a:ext uri="{FF2B5EF4-FFF2-40B4-BE49-F238E27FC236}">
-                <a16:creationId xmlns:a16="http://schemas.microsoft.com/office/drawing/2014/main" xmlns="" id="{BB75BD33-58E7-4B2D-9AE8-736000AF5996}"/>
+                <a16:creationId xmlns:a16="http://schemas.microsoft.com/office/drawing/2014/main" id="{BB75BD33-58E7-4B2D-9AE8-736000AF5996}"/>
               </a:ext>
             </a:extLst>
           </p:cNvPr>
@@ -7890,7 +7751,7 @@
           <p:cNvPr id="141" name="Прямая со стрелкой 140">
             <a:extLst>
               <a:ext uri="{FF2B5EF4-FFF2-40B4-BE49-F238E27FC236}">
-                <a16:creationId xmlns:a16="http://schemas.microsoft.com/office/drawing/2014/main" xmlns="" id="{F0204958-F3C4-46F5-A7B8-B2E525B442E3}"/>
+                <a16:creationId xmlns:a16="http://schemas.microsoft.com/office/drawing/2014/main" id="{F0204958-F3C4-46F5-A7B8-B2E525B442E3}"/>
               </a:ext>
             </a:extLst>
           </p:cNvPr>
@@ -7933,7 +7794,7 @@
           <p:cNvPr id="144" name="Соединительная линия уступом 903">
             <a:extLst>
               <a:ext uri="{FF2B5EF4-FFF2-40B4-BE49-F238E27FC236}">
-                <a16:creationId xmlns:a16="http://schemas.microsoft.com/office/drawing/2014/main" xmlns="" id="{5C748310-8A24-4A37-94AD-69E898DBB5BF}"/>
+                <a16:creationId xmlns:a16="http://schemas.microsoft.com/office/drawing/2014/main" id="{5C748310-8A24-4A37-94AD-69E898DBB5BF}"/>
               </a:ext>
             </a:extLst>
           </p:cNvPr>
@@ -7979,7 +7840,7 @@
           <p:cNvPr id="147" name="Соединительная линия уступом 903">
             <a:extLst>
               <a:ext uri="{FF2B5EF4-FFF2-40B4-BE49-F238E27FC236}">
-                <a16:creationId xmlns:a16="http://schemas.microsoft.com/office/drawing/2014/main" xmlns="" id="{6247459E-8D36-4B32-A142-C426692F0DC9}"/>
+                <a16:creationId xmlns:a16="http://schemas.microsoft.com/office/drawing/2014/main" id="{6247459E-8D36-4B32-A142-C426692F0DC9}"/>
               </a:ext>
             </a:extLst>
           </p:cNvPr>
@@ -8025,7 +7886,7 @@
           <p:cNvPr id="150" name="Соединительная линия уступом 903">
             <a:extLst>
               <a:ext uri="{FF2B5EF4-FFF2-40B4-BE49-F238E27FC236}">
-                <a16:creationId xmlns:a16="http://schemas.microsoft.com/office/drawing/2014/main" xmlns="" id="{B5229C84-1524-4F6C-8C6B-E4AA146420CD}"/>
+                <a16:creationId xmlns:a16="http://schemas.microsoft.com/office/drawing/2014/main" id="{B5229C84-1524-4F6C-8C6B-E4AA146420CD}"/>
               </a:ext>
             </a:extLst>
           </p:cNvPr>
@@ -8071,7 +7932,7 @@
           <p:cNvPr id="153" name="Соединительная линия уступом 903">
             <a:extLst>
               <a:ext uri="{FF2B5EF4-FFF2-40B4-BE49-F238E27FC236}">
-                <a16:creationId xmlns:a16="http://schemas.microsoft.com/office/drawing/2014/main" xmlns="" id="{2D2CC445-D083-4638-B348-AE346D452DE8}"/>
+                <a16:creationId xmlns:a16="http://schemas.microsoft.com/office/drawing/2014/main" id="{2D2CC445-D083-4638-B348-AE346D452DE8}"/>
               </a:ext>
             </a:extLst>
           </p:cNvPr>
@@ -8117,7 +7978,7 @@
           <p:cNvPr id="156" name="Прямоугольник 155">
             <a:extLst>
               <a:ext uri="{FF2B5EF4-FFF2-40B4-BE49-F238E27FC236}">
-                <a16:creationId xmlns:a16="http://schemas.microsoft.com/office/drawing/2014/main" xmlns="" id="{70F2E1EB-331E-413E-A7A7-863A2E76F5D1}"/>
+                <a16:creationId xmlns:a16="http://schemas.microsoft.com/office/drawing/2014/main" id="{70F2E1EB-331E-413E-A7A7-863A2E76F5D1}"/>
               </a:ext>
             </a:extLst>
           </p:cNvPr>
@@ -8160,11 +8021,7 @@
             <a:pPr algn="ctr"/>
             <a:r>
               <a:rPr lang="ru-RU" sz="700" dirty="0"/>
-              <a:t>Подчинить </a:t>
-            </a:r>
-            <a:r>
-              <a:rPr lang="ru-RU" sz="700" dirty="0" smtClean="0"/>
-              <a:t>национальный банк (1938)</a:t>
+              <a:t>Подчинить национальный банк (1938)</a:t>
             </a:r>
             <a:endParaRPr lang="ru-RU" sz="400" dirty="0"/>
           </a:p>
@@ -8175,7 +8032,7 @@
           <p:cNvPr id="158" name="Прямоугольник 157">
             <a:extLst>
               <a:ext uri="{FF2B5EF4-FFF2-40B4-BE49-F238E27FC236}">
-                <a16:creationId xmlns:a16="http://schemas.microsoft.com/office/drawing/2014/main" xmlns="" id="{39373D37-652A-432A-AF2C-81923E65FD74}"/>
+                <a16:creationId xmlns:a16="http://schemas.microsoft.com/office/drawing/2014/main" id="{39373D37-652A-432A-AF2C-81923E65FD74}"/>
               </a:ext>
             </a:extLst>
           </p:cNvPr>
@@ -8240,7 +8097,7 @@
           <p:cNvPr id="162" name="Прямоугольник 161">
             <a:extLst>
               <a:ext uri="{FF2B5EF4-FFF2-40B4-BE49-F238E27FC236}">
-                <a16:creationId xmlns:a16="http://schemas.microsoft.com/office/drawing/2014/main" xmlns="" id="{D21D4960-F203-4755-9FED-7CFC800F902A}"/>
+                <a16:creationId xmlns:a16="http://schemas.microsoft.com/office/drawing/2014/main" id="{D21D4960-F203-4755-9FED-7CFC800F902A}"/>
               </a:ext>
             </a:extLst>
           </p:cNvPr>
@@ -8282,7 +8139,7 @@
           <a:p>
             <a:pPr algn="ctr"/>
             <a:r>
-              <a:rPr lang="ru-RU" sz="700" dirty="0" smtClean="0"/>
+              <a:rPr lang="ru-RU" sz="700" dirty="0"/>
               <a:t>Фашизация режима</a:t>
             </a:r>
             <a:endParaRPr lang="ru-RU" sz="400" dirty="0"/>
@@ -8294,7 +8151,7 @@
           <p:cNvPr id="163" name="Прямоугольник 162">
             <a:extLst>
               <a:ext uri="{FF2B5EF4-FFF2-40B4-BE49-F238E27FC236}">
-                <a16:creationId xmlns:a16="http://schemas.microsoft.com/office/drawing/2014/main" xmlns="" id="{BD849E57-A12E-42AE-AA12-4FB9BA687E1A}"/>
+                <a16:creationId xmlns:a16="http://schemas.microsoft.com/office/drawing/2014/main" id="{BD849E57-A12E-42AE-AA12-4FB9BA687E1A}"/>
               </a:ext>
             </a:extLst>
           </p:cNvPr>
@@ -8343,7 +8200,7 @@
               <a:rPr lang="ru-RU" sz="700" dirty="0"/>
             </a:br>
             <a:r>
-              <a:rPr lang="ru-RU" sz="200" dirty="0" smtClean="0"/>
+              <a:rPr lang="ru-RU" sz="200" dirty="0"/>
               <a:t>(</a:t>
             </a:r>
             <a:endParaRPr lang="ru-RU" sz="400" dirty="0"/>
@@ -8355,7 +8212,7 @@
           <p:cNvPr id="164" name="Прямая со стрелкой 163">
             <a:extLst>
               <a:ext uri="{FF2B5EF4-FFF2-40B4-BE49-F238E27FC236}">
-                <a16:creationId xmlns:a16="http://schemas.microsoft.com/office/drawing/2014/main" xmlns="" id="{B048244F-EB49-46C4-A9EC-3C9E6EB26FD0}"/>
+                <a16:creationId xmlns:a16="http://schemas.microsoft.com/office/drawing/2014/main" id="{B048244F-EB49-46C4-A9EC-3C9E6EB26FD0}"/>
               </a:ext>
             </a:extLst>
           </p:cNvPr>
@@ -8398,7 +8255,7 @@
           <p:cNvPr id="169" name="Соединительная линия уступом 903">
             <a:extLst>
               <a:ext uri="{FF2B5EF4-FFF2-40B4-BE49-F238E27FC236}">
-                <a16:creationId xmlns:a16="http://schemas.microsoft.com/office/drawing/2014/main" xmlns="" id="{3BF92898-1A8D-44CD-90AE-9ED96D3CC103}"/>
+                <a16:creationId xmlns:a16="http://schemas.microsoft.com/office/drawing/2014/main" id="{3BF92898-1A8D-44CD-90AE-9ED96D3CC103}"/>
               </a:ext>
             </a:extLst>
           </p:cNvPr>
@@ -8443,7 +8300,7 @@
           <p:cNvPr id="173" name="Соединительная линия уступом 903">
             <a:extLst>
               <a:ext uri="{FF2B5EF4-FFF2-40B4-BE49-F238E27FC236}">
-                <a16:creationId xmlns:a16="http://schemas.microsoft.com/office/drawing/2014/main" xmlns="" id="{EF7071D1-BE49-4A1B-8811-FFC6268219EF}"/>
+                <a16:creationId xmlns:a16="http://schemas.microsoft.com/office/drawing/2014/main" id="{EF7071D1-BE49-4A1B-8811-FFC6268219EF}"/>
               </a:ext>
             </a:extLst>
           </p:cNvPr>
@@ -8488,7 +8345,7 @@
           <p:cNvPr id="176" name="Соединительная линия уступом 903">
             <a:extLst>
               <a:ext uri="{FF2B5EF4-FFF2-40B4-BE49-F238E27FC236}">
-                <a16:creationId xmlns:a16="http://schemas.microsoft.com/office/drawing/2014/main" xmlns="" id="{30D330E8-189B-403C-83EF-0C1AB67953A6}"/>
+                <a16:creationId xmlns:a16="http://schemas.microsoft.com/office/drawing/2014/main" id="{30D330E8-189B-403C-83EF-0C1AB67953A6}"/>
               </a:ext>
             </a:extLst>
           </p:cNvPr>
@@ -8533,7 +8390,7 @@
           <p:cNvPr id="179" name="Соединительная линия уступом 903">
             <a:extLst>
               <a:ext uri="{FF2B5EF4-FFF2-40B4-BE49-F238E27FC236}">
-                <a16:creationId xmlns:a16="http://schemas.microsoft.com/office/drawing/2014/main" xmlns="" id="{1B345060-1C77-489A-A3B6-573436341CD2}"/>
+                <a16:creationId xmlns:a16="http://schemas.microsoft.com/office/drawing/2014/main" id="{1B345060-1C77-489A-A3B6-573436341CD2}"/>
               </a:ext>
             </a:extLst>
           </p:cNvPr>
@@ -8578,7 +8435,7 @@
           <p:cNvPr id="194" name="Соединительная линия уступом 903">
             <a:extLst>
               <a:ext uri="{FF2B5EF4-FFF2-40B4-BE49-F238E27FC236}">
-                <a16:creationId xmlns:a16="http://schemas.microsoft.com/office/drawing/2014/main" xmlns="" id="{47EFD662-D8F0-4D46-B8BE-62DAF2481AC2}"/>
+                <a16:creationId xmlns:a16="http://schemas.microsoft.com/office/drawing/2014/main" id="{47EFD662-D8F0-4D46-B8BE-62DAF2481AC2}"/>
               </a:ext>
             </a:extLst>
           </p:cNvPr>
@@ -8623,7 +8480,7 @@
           <p:cNvPr id="197" name="Соединительная линия уступом 903">
             <a:extLst>
               <a:ext uri="{FF2B5EF4-FFF2-40B4-BE49-F238E27FC236}">
-                <a16:creationId xmlns:a16="http://schemas.microsoft.com/office/drawing/2014/main" xmlns="" id="{42EC46F3-1198-439C-9201-297275403091}"/>
+                <a16:creationId xmlns:a16="http://schemas.microsoft.com/office/drawing/2014/main" id="{42EC46F3-1198-439C-9201-297275403091}"/>
               </a:ext>
             </a:extLst>
           </p:cNvPr>
@@ -8668,7 +8525,7 @@
           <p:cNvPr id="200" name="Прямая со стрелкой 199">
             <a:extLst>
               <a:ext uri="{FF2B5EF4-FFF2-40B4-BE49-F238E27FC236}">
-                <a16:creationId xmlns:a16="http://schemas.microsoft.com/office/drawing/2014/main" xmlns="" id="{C65B3E6E-D325-417D-A60E-CBAC49A6F0BD}"/>
+                <a16:creationId xmlns:a16="http://schemas.microsoft.com/office/drawing/2014/main" id="{C65B3E6E-D325-417D-A60E-CBAC49A6F0BD}"/>
               </a:ext>
             </a:extLst>
           </p:cNvPr>
@@ -8711,7 +8568,7 @@
           <p:cNvPr id="203" name="Прямая со стрелкой 202">
             <a:extLst>
               <a:ext uri="{FF2B5EF4-FFF2-40B4-BE49-F238E27FC236}">
-                <a16:creationId xmlns:a16="http://schemas.microsoft.com/office/drawing/2014/main" xmlns="" id="{D3A51449-15E2-4BEA-88A5-B2691A1B3690}"/>
+                <a16:creationId xmlns:a16="http://schemas.microsoft.com/office/drawing/2014/main" id="{D3A51449-15E2-4BEA-88A5-B2691A1B3690}"/>
               </a:ext>
             </a:extLst>
           </p:cNvPr>
@@ -8754,7 +8611,7 @@
           <p:cNvPr id="206" name="Прямая со стрелкой 205">
             <a:extLst>
               <a:ext uri="{FF2B5EF4-FFF2-40B4-BE49-F238E27FC236}">
-                <a16:creationId xmlns:a16="http://schemas.microsoft.com/office/drawing/2014/main" xmlns="" id="{AFD4E665-A61D-46C2-A133-3412690F30F3}"/>
+                <a16:creationId xmlns:a16="http://schemas.microsoft.com/office/drawing/2014/main" id="{AFD4E665-A61D-46C2-A133-3412690F30F3}"/>
               </a:ext>
             </a:extLst>
           </p:cNvPr>
@@ -8797,7 +8654,7 @@
           <p:cNvPr id="209" name="Прямая со стрелкой 208">
             <a:extLst>
               <a:ext uri="{FF2B5EF4-FFF2-40B4-BE49-F238E27FC236}">
-                <a16:creationId xmlns:a16="http://schemas.microsoft.com/office/drawing/2014/main" xmlns="" id="{6B358EC7-E053-4570-B92E-4C044AC26D2C}"/>
+                <a16:creationId xmlns:a16="http://schemas.microsoft.com/office/drawing/2014/main" id="{6B358EC7-E053-4570-B92E-4C044AC26D2C}"/>
               </a:ext>
             </a:extLst>
           </p:cNvPr>
@@ -8840,7 +8697,7 @@
           <p:cNvPr id="212" name="Прямая со стрелкой 211">
             <a:extLst>
               <a:ext uri="{FF2B5EF4-FFF2-40B4-BE49-F238E27FC236}">
-                <a16:creationId xmlns:a16="http://schemas.microsoft.com/office/drawing/2014/main" xmlns="" id="{929707B4-0ED3-4FF6-B9DB-8E849B5466B2}"/>
+                <a16:creationId xmlns:a16="http://schemas.microsoft.com/office/drawing/2014/main" id="{929707B4-0ED3-4FF6-B9DB-8E849B5466B2}"/>
               </a:ext>
             </a:extLst>
           </p:cNvPr>
@@ -8883,7 +8740,7 @@
           <p:cNvPr id="215" name="Прямая со стрелкой 214">
             <a:extLst>
               <a:ext uri="{FF2B5EF4-FFF2-40B4-BE49-F238E27FC236}">
-                <a16:creationId xmlns:a16="http://schemas.microsoft.com/office/drawing/2014/main" xmlns="" id="{3763D6CD-8165-4195-A229-9E111149C4E6}"/>
+                <a16:creationId xmlns:a16="http://schemas.microsoft.com/office/drawing/2014/main" id="{3763D6CD-8165-4195-A229-9E111149C4E6}"/>
               </a:ext>
             </a:extLst>
           </p:cNvPr>
@@ -8926,7 +8783,7 @@
           <p:cNvPr id="226" name="Прямоугольник 225">
             <a:extLst>
               <a:ext uri="{FF2B5EF4-FFF2-40B4-BE49-F238E27FC236}">
-                <a16:creationId xmlns:a16="http://schemas.microsoft.com/office/drawing/2014/main" xmlns="" id="{8F90957D-3F70-4F7D-A50B-157EE934D6F5}"/>
+                <a16:creationId xmlns:a16="http://schemas.microsoft.com/office/drawing/2014/main" id="{8F90957D-3F70-4F7D-A50B-157EE934D6F5}"/>
               </a:ext>
             </a:extLst>
           </p:cNvPr>
@@ -8976,7 +8833,7 @@
           <p:cNvPr id="227" name="Прямоугольник 226">
             <a:extLst>
               <a:ext uri="{FF2B5EF4-FFF2-40B4-BE49-F238E27FC236}">
-                <a16:creationId xmlns:a16="http://schemas.microsoft.com/office/drawing/2014/main" xmlns="" id="{77B2829B-9A73-48A5-B93C-36696747ADD9}"/>
+                <a16:creationId xmlns:a16="http://schemas.microsoft.com/office/drawing/2014/main" id="{77B2829B-9A73-48A5-B93C-36696747ADD9}"/>
               </a:ext>
             </a:extLst>
           </p:cNvPr>
@@ -9022,7 +8879,7 @@
               <a:t>Устранение коммунистических угроз в ЦА </a:t>
             </a:r>
             <a:r>
-              <a:rPr lang="ru-RU" sz="100" dirty="0" smtClean="0"/>
+              <a:rPr lang="ru-RU" sz="100" dirty="0"/>
               <a:t>(</a:t>
             </a:r>
             <a:endParaRPr lang="ru-RU" sz="400" dirty="0"/>
@@ -9034,7 +8891,7 @@
           <p:cNvPr id="231" name="Соединительная линия уступом 903">
             <a:extLst>
               <a:ext uri="{FF2B5EF4-FFF2-40B4-BE49-F238E27FC236}">
-                <a16:creationId xmlns:a16="http://schemas.microsoft.com/office/drawing/2014/main" xmlns="" id="{4F66CE16-F4D4-4BEA-B35B-7CA503F701C0}"/>
+                <a16:creationId xmlns:a16="http://schemas.microsoft.com/office/drawing/2014/main" id="{4F66CE16-F4D4-4BEA-B35B-7CA503F701C0}"/>
               </a:ext>
             </a:extLst>
           </p:cNvPr>
@@ -9079,7 +8936,7 @@
           <p:cNvPr id="238" name="Прямая соединительная линия 237">
             <a:extLst>
               <a:ext uri="{FF2B5EF4-FFF2-40B4-BE49-F238E27FC236}">
-                <a16:creationId xmlns:a16="http://schemas.microsoft.com/office/drawing/2014/main" xmlns="" id="{FD347516-2278-4B85-B9D1-D49EF200F440}"/>
+                <a16:creationId xmlns:a16="http://schemas.microsoft.com/office/drawing/2014/main" id="{FD347516-2278-4B85-B9D1-D49EF200F440}"/>
               </a:ext>
             </a:extLst>
           </p:cNvPr>
@@ -9124,7 +8981,7 @@
           <p:cNvPr id="266" name="Соединительная линия уступом 903">
             <a:extLst>
               <a:ext uri="{FF2B5EF4-FFF2-40B4-BE49-F238E27FC236}">
-                <a16:creationId xmlns:a16="http://schemas.microsoft.com/office/drawing/2014/main" xmlns="" id="{FD352671-4213-4DF2-A335-A0D96AEF3058}"/>
+                <a16:creationId xmlns:a16="http://schemas.microsoft.com/office/drawing/2014/main" id="{FD352671-4213-4DF2-A335-A0D96AEF3058}"/>
               </a:ext>
             </a:extLst>
           </p:cNvPr>
@@ -9169,7 +9026,7 @@
           <p:cNvPr id="270" name="Прямоугольник 269">
             <a:extLst>
               <a:ext uri="{FF2B5EF4-FFF2-40B4-BE49-F238E27FC236}">
-                <a16:creationId xmlns:a16="http://schemas.microsoft.com/office/drawing/2014/main" xmlns="" id="{A5342E2A-ECF3-4482-981E-FB362358AC03}"/>
+                <a16:creationId xmlns:a16="http://schemas.microsoft.com/office/drawing/2014/main" id="{A5342E2A-ECF3-4482-981E-FB362358AC03}"/>
               </a:ext>
             </a:extLst>
           </p:cNvPr>
@@ -9227,7 +9084,7 @@
           <p:cNvPr id="271" name="Прямая соединительная линия 270">
             <a:extLst>
               <a:ext uri="{FF2B5EF4-FFF2-40B4-BE49-F238E27FC236}">
-                <a16:creationId xmlns:a16="http://schemas.microsoft.com/office/drawing/2014/main" xmlns="" id="{A658E4AD-DAE9-412E-8260-CC41A0C2A1E1}"/>
+                <a16:creationId xmlns:a16="http://schemas.microsoft.com/office/drawing/2014/main" id="{A658E4AD-DAE9-412E-8260-CC41A0C2A1E1}"/>
               </a:ext>
             </a:extLst>
           </p:cNvPr>
@@ -9272,7 +9129,7 @@
           <p:cNvPr id="279" name="Соединительная линия уступом 903">
             <a:extLst>
               <a:ext uri="{FF2B5EF4-FFF2-40B4-BE49-F238E27FC236}">
-                <a16:creationId xmlns:a16="http://schemas.microsoft.com/office/drawing/2014/main" xmlns="" id="{572840DF-3EA8-46E1-931A-FA2FFC7D98A4}"/>
+                <a16:creationId xmlns:a16="http://schemas.microsoft.com/office/drawing/2014/main" id="{572840DF-3EA8-46E1-931A-FA2FFC7D98A4}"/>
               </a:ext>
             </a:extLst>
           </p:cNvPr>
@@ -9317,7 +9174,7 @@
           <p:cNvPr id="286" name="Соединительная линия уступом 903">
             <a:extLst>
               <a:ext uri="{FF2B5EF4-FFF2-40B4-BE49-F238E27FC236}">
-                <a16:creationId xmlns:a16="http://schemas.microsoft.com/office/drawing/2014/main" xmlns="" id="{576D432B-14DD-4A6D-AB31-394D7535A00A}"/>
+                <a16:creationId xmlns:a16="http://schemas.microsoft.com/office/drawing/2014/main" id="{576D432B-14DD-4A6D-AB31-394D7535A00A}"/>
               </a:ext>
             </a:extLst>
           </p:cNvPr>
@@ -9362,7 +9219,7 @@
           <p:cNvPr id="295" name="Соединительная линия уступом 903">
             <a:extLst>
               <a:ext uri="{FF2B5EF4-FFF2-40B4-BE49-F238E27FC236}">
-                <a16:creationId xmlns:a16="http://schemas.microsoft.com/office/drawing/2014/main" xmlns="" id="{2A1524CC-F749-457E-8785-AFB89CF85AC6}"/>
+                <a16:creationId xmlns:a16="http://schemas.microsoft.com/office/drawing/2014/main" id="{2A1524CC-F749-457E-8785-AFB89CF85AC6}"/>
               </a:ext>
             </a:extLst>
           </p:cNvPr>
@@ -9408,7 +9265,7 @@
           <p:cNvPr id="301" name="Соединительная линия уступом 903">
             <a:extLst>
               <a:ext uri="{FF2B5EF4-FFF2-40B4-BE49-F238E27FC236}">
-                <a16:creationId xmlns:a16="http://schemas.microsoft.com/office/drawing/2014/main" xmlns="" id="{7672BA52-6BCF-494F-8AA2-A64772CE3CC0}"/>
+                <a16:creationId xmlns:a16="http://schemas.microsoft.com/office/drawing/2014/main" id="{7672BA52-6BCF-494F-8AA2-A64772CE3CC0}"/>
               </a:ext>
             </a:extLst>
           </p:cNvPr>
@@ -9454,7 +9311,7 @@
           <p:cNvPr id="304" name="Прямоугольник 303">
             <a:extLst>
               <a:ext uri="{FF2B5EF4-FFF2-40B4-BE49-F238E27FC236}">
-                <a16:creationId xmlns:a16="http://schemas.microsoft.com/office/drawing/2014/main" xmlns="" id="{5A90479D-BFEC-4250-A8B4-175610005B0C}"/>
+                <a16:creationId xmlns:a16="http://schemas.microsoft.com/office/drawing/2014/main" id="{5A90479D-BFEC-4250-A8B4-175610005B0C}"/>
               </a:ext>
             </a:extLst>
           </p:cNvPr>
@@ -9497,7 +9354,7 @@
           <a:p>
             <a:pPr algn="ctr"/>
             <a:r>
-              <a:rPr lang="ru-RU" sz="700" dirty="0" smtClean="0"/>
+              <a:rPr lang="ru-RU" sz="700" dirty="0"/>
               <a:t>Устранить клан </a:t>
             </a:r>
             <a:r>
@@ -9513,7 +9370,7 @@
           <p:cNvPr id="305" name="Прямоугольник 304">
             <a:extLst>
               <a:ext uri="{FF2B5EF4-FFF2-40B4-BE49-F238E27FC236}">
-                <a16:creationId xmlns:a16="http://schemas.microsoft.com/office/drawing/2014/main" xmlns="" id="{73C6584F-AB91-413A-9C68-4ACD181B75C0}"/>
+                <a16:creationId xmlns:a16="http://schemas.microsoft.com/office/drawing/2014/main" id="{73C6584F-AB91-413A-9C68-4ACD181B75C0}"/>
               </a:ext>
             </a:extLst>
           </p:cNvPr>
@@ -9557,11 +9414,7 @@
             <a:pPr algn="ctr"/>
             <a:r>
               <a:rPr lang="ru-RU" sz="700" dirty="0"/>
-              <a:t>Реорганизовать Национальную </a:t>
-            </a:r>
-            <a:r>
-              <a:rPr lang="ru-RU" sz="700" dirty="0" smtClean="0"/>
-              <a:t>гвардию</a:t>
+              <a:t>Реорганизовать Национальную гвардию</a:t>
             </a:r>
             <a:endParaRPr lang="ru-RU" sz="400" dirty="0"/>
           </a:p>
@@ -9572,7 +9425,7 @@
           <p:cNvPr id="306" name="Соединительная линия уступом 903">
             <a:extLst>
               <a:ext uri="{FF2B5EF4-FFF2-40B4-BE49-F238E27FC236}">
-                <a16:creationId xmlns:a16="http://schemas.microsoft.com/office/drawing/2014/main" xmlns="" id="{8BEF26C8-19FF-4ACF-94F5-4225C4EB8246}"/>
+                <a16:creationId xmlns:a16="http://schemas.microsoft.com/office/drawing/2014/main" id="{8BEF26C8-19FF-4ACF-94F5-4225C4EB8246}"/>
               </a:ext>
             </a:extLst>
           </p:cNvPr>
@@ -9617,7 +9470,7 @@
           <p:cNvPr id="312" name="Соединительная линия уступом 903">
             <a:extLst>
               <a:ext uri="{FF2B5EF4-FFF2-40B4-BE49-F238E27FC236}">
-                <a16:creationId xmlns:a16="http://schemas.microsoft.com/office/drawing/2014/main" xmlns="" id="{07137075-E005-4218-9DD1-C16A5EBE52A6}"/>
+                <a16:creationId xmlns:a16="http://schemas.microsoft.com/office/drawing/2014/main" id="{07137075-E005-4218-9DD1-C16A5EBE52A6}"/>
               </a:ext>
             </a:extLst>
           </p:cNvPr>
@@ -9662,7 +9515,7 @@
           <p:cNvPr id="130" name="Прямоугольник 129">
             <a:extLst>
               <a:ext uri="{FF2B5EF4-FFF2-40B4-BE49-F238E27FC236}">
-                <a16:creationId xmlns:a16="http://schemas.microsoft.com/office/drawing/2014/main" xmlns="" id="{ABFF5B51-3609-4286-A116-20D114007F6D}"/>
+                <a16:creationId xmlns:a16="http://schemas.microsoft.com/office/drawing/2014/main" id="{ABFF5B51-3609-4286-A116-20D114007F6D}"/>
               </a:ext>
             </a:extLst>
           </p:cNvPr>
@@ -9705,7 +9558,7 @@
           <a:p>
             <a:pPr algn="ctr"/>
             <a:r>
-              <a:rPr lang="ru-RU" sz="700" dirty="0" smtClean="0"/>
+              <a:rPr lang="ru-RU" sz="700" dirty="0"/>
               <a:t>Объединить социальные слои общества</a:t>
             </a:r>
             <a:endParaRPr lang="ru-RU" sz="400" dirty="0"/>
@@ -9717,7 +9570,7 @@
           <p:cNvPr id="132" name="Прямоугольник 131">
             <a:extLst>
               <a:ext uri="{FF2B5EF4-FFF2-40B4-BE49-F238E27FC236}">
-                <a16:creationId xmlns:a16="http://schemas.microsoft.com/office/drawing/2014/main" xmlns="" id="{42471CBD-413A-4A3C-B6F6-DCD88E55B78D}"/>
+                <a16:creationId xmlns:a16="http://schemas.microsoft.com/office/drawing/2014/main" id="{42471CBD-413A-4A3C-B6F6-DCD88E55B78D}"/>
               </a:ext>
             </a:extLst>
           </p:cNvPr>
@@ -9767,7 +9620,7 @@
           <p:cNvPr id="133" name="Прямоугольник 132">
             <a:extLst>
               <a:ext uri="{FF2B5EF4-FFF2-40B4-BE49-F238E27FC236}">
-                <a16:creationId xmlns:a16="http://schemas.microsoft.com/office/drawing/2014/main" xmlns="" id="{5A02DB7D-6E57-4AEF-9913-B75B2F02E27D}"/>
+                <a16:creationId xmlns:a16="http://schemas.microsoft.com/office/drawing/2014/main" id="{5A02DB7D-6E57-4AEF-9913-B75B2F02E27D}"/>
               </a:ext>
             </a:extLst>
           </p:cNvPr>
@@ -9822,7 +9675,7 @@
           <p:cNvPr id="135" name="Прямоугольник 134">
             <a:extLst>
               <a:ext uri="{FF2B5EF4-FFF2-40B4-BE49-F238E27FC236}">
-                <a16:creationId xmlns:a16="http://schemas.microsoft.com/office/drawing/2014/main" xmlns="" id="{D80463F0-008D-4836-8F9E-3D2D6E66AB47}"/>
+                <a16:creationId xmlns:a16="http://schemas.microsoft.com/office/drawing/2014/main" id="{D80463F0-008D-4836-8F9E-3D2D6E66AB47}"/>
               </a:ext>
             </a:extLst>
           </p:cNvPr>
@@ -9877,7 +9730,7 @@
           <p:cNvPr id="136" name="Прямоугольник 135">
             <a:extLst>
               <a:ext uri="{FF2B5EF4-FFF2-40B4-BE49-F238E27FC236}">
-                <a16:creationId xmlns:a16="http://schemas.microsoft.com/office/drawing/2014/main" xmlns="" id="{C758B007-0C96-4689-82E4-6C593885F846}"/>
+                <a16:creationId xmlns:a16="http://schemas.microsoft.com/office/drawing/2014/main" id="{C758B007-0C96-4689-82E4-6C593885F846}"/>
               </a:ext>
             </a:extLst>
           </p:cNvPr>
@@ -9921,11 +9774,7 @@
             <a:pPr algn="ctr"/>
             <a:r>
               <a:rPr lang="ru-RU" sz="700" dirty="0"/>
-              <a:t>Великая </a:t>
-            </a:r>
-            <a:r>
-              <a:rPr lang="ru-RU" sz="700" dirty="0" smtClean="0"/>
-              <a:t>конституция</a:t>
+              <a:t>Великая конституция</a:t>
             </a:r>
             <a:endParaRPr lang="ru-RU" sz="400" dirty="0"/>
           </a:p>
@@ -9936,7 +9785,7 @@
           <p:cNvPr id="139" name="Прямоугольник 138">
             <a:extLst>
               <a:ext uri="{FF2B5EF4-FFF2-40B4-BE49-F238E27FC236}">
-                <a16:creationId xmlns:a16="http://schemas.microsoft.com/office/drawing/2014/main" xmlns="" id="{2772F863-F97F-446C-9EF5-E9FBA76BA105}"/>
+                <a16:creationId xmlns:a16="http://schemas.microsoft.com/office/drawing/2014/main" id="{2772F863-F97F-446C-9EF5-E9FBA76BA105}"/>
               </a:ext>
             </a:extLst>
           </p:cNvPr>
@@ -9990,7 +9839,7 @@
           <p:cNvPr id="140" name="Прямая со стрелкой 139">
             <a:extLst>
               <a:ext uri="{FF2B5EF4-FFF2-40B4-BE49-F238E27FC236}">
-                <a16:creationId xmlns:a16="http://schemas.microsoft.com/office/drawing/2014/main" xmlns="" id="{B3FCE5AB-B549-43E5-94DB-B0838C67B62E}"/>
+                <a16:creationId xmlns:a16="http://schemas.microsoft.com/office/drawing/2014/main" id="{B3FCE5AB-B549-43E5-94DB-B0838C67B62E}"/>
               </a:ext>
             </a:extLst>
           </p:cNvPr>
@@ -10033,7 +9882,7 @@
           <p:cNvPr id="142" name="Прямая со стрелкой 141">
             <a:extLst>
               <a:ext uri="{FF2B5EF4-FFF2-40B4-BE49-F238E27FC236}">
-                <a16:creationId xmlns:a16="http://schemas.microsoft.com/office/drawing/2014/main" xmlns="" id="{6DB489FB-B7F5-4424-8C73-6D37DF418426}"/>
+                <a16:creationId xmlns:a16="http://schemas.microsoft.com/office/drawing/2014/main" id="{6DB489FB-B7F5-4424-8C73-6D37DF418426}"/>
               </a:ext>
             </a:extLst>
           </p:cNvPr>
@@ -10076,7 +9925,7 @@
           <p:cNvPr id="143" name="Прямоугольник 142">
             <a:extLst>
               <a:ext uri="{FF2B5EF4-FFF2-40B4-BE49-F238E27FC236}">
-                <a16:creationId xmlns:a16="http://schemas.microsoft.com/office/drawing/2014/main" xmlns="" id="{D8560F03-D7E5-4EAE-8AB6-25DD52B13299}"/>
+                <a16:creationId xmlns:a16="http://schemas.microsoft.com/office/drawing/2014/main" id="{D8560F03-D7E5-4EAE-8AB6-25DD52B13299}"/>
               </a:ext>
             </a:extLst>
           </p:cNvPr>
@@ -10128,11 +9977,7 @@
             </a:r>
             <a:r>
               <a:rPr lang="ru-RU" sz="700" dirty="0"/>
-              <a:t> на </a:t>
-            </a:r>
-            <a:r>
-              <a:rPr lang="ru-RU" sz="700" dirty="0" smtClean="0"/>
-              <a:t>службу</a:t>
+              <a:t> на службу</a:t>
             </a:r>
             <a:endParaRPr lang="ru-RU" sz="400" dirty="0"/>
           </a:p>
@@ -10143,7 +9988,7 @@
           <p:cNvPr id="145" name="Прямоугольник 144">
             <a:extLst>
               <a:ext uri="{FF2B5EF4-FFF2-40B4-BE49-F238E27FC236}">
-                <a16:creationId xmlns:a16="http://schemas.microsoft.com/office/drawing/2014/main" xmlns="" id="{9B2FDAB2-B211-4434-9C5B-E5DF44A10A33}"/>
+                <a16:creationId xmlns:a16="http://schemas.microsoft.com/office/drawing/2014/main" id="{9B2FDAB2-B211-4434-9C5B-E5DF44A10A33}"/>
               </a:ext>
             </a:extLst>
           </p:cNvPr>
@@ -10189,7 +10034,7 @@
               <a:t>Денонсировать договор </a:t>
             </a:r>
             <a:r>
-              <a:rPr lang="ru-RU" sz="700" dirty="0" err="1" smtClean="0"/>
+              <a:rPr lang="ru-RU" sz="700" dirty="0" err="1"/>
               <a:t>Эсгуэрры-Баркенаса</a:t>
             </a:r>
             <a:endParaRPr lang="ru-RU" sz="400" dirty="0"/>
@@ -10201,7 +10046,7 @@
           <p:cNvPr id="146" name="Соединительная линия уступом 903">
             <a:extLst>
               <a:ext uri="{FF2B5EF4-FFF2-40B4-BE49-F238E27FC236}">
-                <a16:creationId xmlns:a16="http://schemas.microsoft.com/office/drawing/2014/main" xmlns="" id="{7F2B1BD7-0FDF-4BD9-834C-72911F99D650}"/>
+                <a16:creationId xmlns:a16="http://schemas.microsoft.com/office/drawing/2014/main" id="{7F2B1BD7-0FDF-4BD9-834C-72911F99D650}"/>
               </a:ext>
             </a:extLst>
           </p:cNvPr>
@@ -10246,7 +10091,7 @@
           <p:cNvPr id="148" name="Прямоугольник 147">
             <a:extLst>
               <a:ext uri="{FF2B5EF4-FFF2-40B4-BE49-F238E27FC236}">
-                <a16:creationId xmlns:a16="http://schemas.microsoft.com/office/drawing/2014/main" xmlns="" id="{5F0353F8-E21C-4F18-BE59-BB22D272D767}"/>
+                <a16:creationId xmlns:a16="http://schemas.microsoft.com/office/drawing/2014/main" id="{5F0353F8-E21C-4F18-BE59-BB22D272D767}"/>
               </a:ext>
             </a:extLst>
           </p:cNvPr>
@@ -10290,11 +10135,7 @@
             <a:pPr algn="ctr"/>
             <a:r>
               <a:rPr lang="ru-RU" sz="700" dirty="0"/>
-              <a:t>Продолжить «политику добрососедства</a:t>
-            </a:r>
-            <a:r>
-              <a:rPr lang="ru-RU" sz="700" dirty="0" smtClean="0"/>
-              <a:t>»</a:t>
+              <a:t>Продолжить «политику добрососедства»</a:t>
             </a:r>
             <a:endParaRPr lang="ru-RU" sz="400" dirty="0"/>
           </a:p>
@@ -10305,7 +10146,7 @@
           <p:cNvPr id="149" name="Прямоугольник 148">
             <a:extLst>
               <a:ext uri="{FF2B5EF4-FFF2-40B4-BE49-F238E27FC236}">
-                <a16:creationId xmlns:a16="http://schemas.microsoft.com/office/drawing/2014/main" xmlns="" id="{4A8FCB66-A700-49E8-963C-C94CA0CCF5FD}"/>
+                <a16:creationId xmlns:a16="http://schemas.microsoft.com/office/drawing/2014/main" id="{4A8FCB66-A700-49E8-963C-C94CA0CCF5FD}"/>
               </a:ext>
             </a:extLst>
           </p:cNvPr>
@@ -10349,11 +10190,7 @@
             <a:pPr algn="ctr"/>
             <a:r>
               <a:rPr lang="ru-RU" sz="700" dirty="0"/>
-              <a:t>Военная Либеральная </a:t>
-            </a:r>
-            <a:r>
-              <a:rPr lang="ru-RU" sz="700" dirty="0" smtClean="0"/>
-              <a:t>Лига</a:t>
+              <a:t>Военная Либеральная Лига</a:t>
             </a:r>
             <a:endParaRPr lang="ru-RU" sz="400" dirty="0"/>
           </a:p>
@@ -10364,7 +10201,7 @@
           <p:cNvPr id="151" name="Прямоугольник 150">
             <a:extLst>
               <a:ext uri="{FF2B5EF4-FFF2-40B4-BE49-F238E27FC236}">
-                <a16:creationId xmlns:a16="http://schemas.microsoft.com/office/drawing/2014/main" xmlns="" id="{42471CBD-413A-4A3C-B6F6-DCD88E55B78D}"/>
+                <a16:creationId xmlns:a16="http://schemas.microsoft.com/office/drawing/2014/main" id="{42471CBD-413A-4A3C-B6F6-DCD88E55B78D}"/>
               </a:ext>
             </a:extLst>
           </p:cNvPr>
@@ -10403,11 +10240,7 @@
             <a:pPr algn="ctr"/>
             <a:r>
               <a:rPr lang="ru-RU" sz="700" dirty="0"/>
-              <a:t>Международный университет сельского хозяйства </a:t>
-            </a:r>
-            <a:r>
-              <a:rPr lang="ru-RU" sz="700" dirty="0" smtClean="0"/>
-              <a:t>и животноводства</a:t>
+              <a:t>Международный университет сельского хозяйства и животноводства</a:t>
             </a:r>
             <a:endParaRPr lang="ru-RU" sz="100" dirty="0"/>
           </a:p>
@@ -10418,7 +10251,7 @@
           <p:cNvPr id="152" name="Прямоугольник 151">
             <a:extLst>
               <a:ext uri="{FF2B5EF4-FFF2-40B4-BE49-F238E27FC236}">
-                <a16:creationId xmlns:a16="http://schemas.microsoft.com/office/drawing/2014/main" xmlns="" id="{29CBE310-5100-413A-B4C1-EA4E28F411B1}"/>
+                <a16:creationId xmlns:a16="http://schemas.microsoft.com/office/drawing/2014/main" id="{29CBE310-5100-413A-B4C1-EA4E28F411B1}"/>
               </a:ext>
             </a:extLst>
           </p:cNvPr>
@@ -10457,11 +10290,7 @@
             <a:pPr algn="ctr"/>
             <a:r>
               <a:rPr lang="ru-RU" sz="700" dirty="0"/>
-              <a:t>Международный университет интеграции Латинской </a:t>
-            </a:r>
-            <a:r>
-              <a:rPr lang="ru-RU" sz="700" dirty="0" smtClean="0"/>
-              <a:t>Америки</a:t>
+              <a:t>Международный университет интеграции Латинской Америки</a:t>
             </a:r>
             <a:endParaRPr lang="ru-RU" sz="400" dirty="0"/>
           </a:p>
@@ -10472,7 +10301,7 @@
           <p:cNvPr id="154" name="Соединительная линия уступом 903">
             <a:extLst>
               <a:ext uri="{FF2B5EF4-FFF2-40B4-BE49-F238E27FC236}">
-                <a16:creationId xmlns:a16="http://schemas.microsoft.com/office/drawing/2014/main" xmlns="" id="{BDC7F8CB-0052-4FAE-993D-F1332955CF43}"/>
+                <a16:creationId xmlns:a16="http://schemas.microsoft.com/office/drawing/2014/main" id="{BDC7F8CB-0052-4FAE-993D-F1332955CF43}"/>
               </a:ext>
             </a:extLst>
           </p:cNvPr>
@@ -10517,7 +10346,7 @@
           <p:cNvPr id="155" name="Соединительная линия уступом 903">
             <a:extLst>
               <a:ext uri="{FF2B5EF4-FFF2-40B4-BE49-F238E27FC236}">
-                <a16:creationId xmlns:a16="http://schemas.microsoft.com/office/drawing/2014/main" xmlns="" id="{BDC7F8CB-0052-4FAE-993D-F1332955CF43}"/>
+                <a16:creationId xmlns:a16="http://schemas.microsoft.com/office/drawing/2014/main" id="{BDC7F8CB-0052-4FAE-993D-F1332955CF43}"/>
               </a:ext>
             </a:extLst>
           </p:cNvPr>
@@ -10562,7 +10391,7 @@
           <p:cNvPr id="159" name="Соединительная линия уступом 903">
             <a:extLst>
               <a:ext uri="{FF2B5EF4-FFF2-40B4-BE49-F238E27FC236}">
-                <a16:creationId xmlns:a16="http://schemas.microsoft.com/office/drawing/2014/main" xmlns="" id="{BDC7F8CB-0052-4FAE-993D-F1332955CF43}"/>
+                <a16:creationId xmlns:a16="http://schemas.microsoft.com/office/drawing/2014/main" id="{BDC7F8CB-0052-4FAE-993D-F1332955CF43}"/>
               </a:ext>
             </a:extLst>
           </p:cNvPr>
@@ -10607,7 +10436,7 @@
           <p:cNvPr id="160" name="Соединительная линия уступом 903">
             <a:extLst>
               <a:ext uri="{FF2B5EF4-FFF2-40B4-BE49-F238E27FC236}">
-                <a16:creationId xmlns:a16="http://schemas.microsoft.com/office/drawing/2014/main" xmlns="" id="{BDC7F8CB-0052-4FAE-993D-F1332955CF43}"/>
+                <a16:creationId xmlns:a16="http://schemas.microsoft.com/office/drawing/2014/main" id="{BDC7F8CB-0052-4FAE-993D-F1332955CF43}"/>
               </a:ext>
             </a:extLst>
           </p:cNvPr>
@@ -10652,7 +10481,7 @@
           <p:cNvPr id="161" name="Соединительная линия уступом 903">
             <a:extLst>
               <a:ext uri="{FF2B5EF4-FFF2-40B4-BE49-F238E27FC236}">
-                <a16:creationId xmlns:a16="http://schemas.microsoft.com/office/drawing/2014/main" xmlns="" id="{BDC7F8CB-0052-4FAE-993D-F1332955CF43}"/>
+                <a16:creationId xmlns:a16="http://schemas.microsoft.com/office/drawing/2014/main" id="{BDC7F8CB-0052-4FAE-993D-F1332955CF43}"/>
               </a:ext>
             </a:extLst>
           </p:cNvPr>
@@ -10697,7 +10526,7 @@
           <p:cNvPr id="165" name="Соединительная линия уступом 903">
             <a:extLst>
               <a:ext uri="{FF2B5EF4-FFF2-40B4-BE49-F238E27FC236}">
-                <a16:creationId xmlns:a16="http://schemas.microsoft.com/office/drawing/2014/main" xmlns="" id="{BDC7F8CB-0052-4FAE-993D-F1332955CF43}"/>
+                <a16:creationId xmlns:a16="http://schemas.microsoft.com/office/drawing/2014/main" id="{BDC7F8CB-0052-4FAE-993D-F1332955CF43}"/>
               </a:ext>
             </a:extLst>
           </p:cNvPr>
@@ -10742,7 +10571,7 @@
           <p:cNvPr id="166" name="Соединительная линия уступом 903">
             <a:extLst>
               <a:ext uri="{FF2B5EF4-FFF2-40B4-BE49-F238E27FC236}">
-                <a16:creationId xmlns:a16="http://schemas.microsoft.com/office/drawing/2014/main" xmlns="" id="{BDC7F8CB-0052-4FAE-993D-F1332955CF43}"/>
+                <a16:creationId xmlns:a16="http://schemas.microsoft.com/office/drawing/2014/main" id="{BDC7F8CB-0052-4FAE-993D-F1332955CF43}"/>
               </a:ext>
             </a:extLst>
           </p:cNvPr>
@@ -10787,7 +10616,7 @@
           <p:cNvPr id="167" name="Соединительная линия уступом 903">
             <a:extLst>
               <a:ext uri="{FF2B5EF4-FFF2-40B4-BE49-F238E27FC236}">
-                <a16:creationId xmlns:a16="http://schemas.microsoft.com/office/drawing/2014/main" xmlns="" id="{BDC7F8CB-0052-4FAE-993D-F1332955CF43}"/>
+                <a16:creationId xmlns:a16="http://schemas.microsoft.com/office/drawing/2014/main" id="{BDC7F8CB-0052-4FAE-993D-F1332955CF43}"/>
               </a:ext>
             </a:extLst>
           </p:cNvPr>
@@ -10832,7 +10661,7 @@
           <p:cNvPr id="184" name="Соединительная линия уступом 903">
             <a:extLst>
               <a:ext uri="{FF2B5EF4-FFF2-40B4-BE49-F238E27FC236}">
-                <a16:creationId xmlns:a16="http://schemas.microsoft.com/office/drawing/2014/main" xmlns="" id="{BDC7F8CB-0052-4FAE-993D-F1332955CF43}"/>
+                <a16:creationId xmlns:a16="http://schemas.microsoft.com/office/drawing/2014/main" id="{BDC7F8CB-0052-4FAE-993D-F1332955CF43}"/>
               </a:ext>
             </a:extLst>
           </p:cNvPr>
@@ -10877,7 +10706,7 @@
           <p:cNvPr id="187" name="Соединительная линия уступом 903">
             <a:extLst>
               <a:ext uri="{FF2B5EF4-FFF2-40B4-BE49-F238E27FC236}">
-                <a16:creationId xmlns:a16="http://schemas.microsoft.com/office/drawing/2014/main" xmlns="" id="{BDC7F8CB-0052-4FAE-993D-F1332955CF43}"/>
+                <a16:creationId xmlns:a16="http://schemas.microsoft.com/office/drawing/2014/main" id="{BDC7F8CB-0052-4FAE-993D-F1332955CF43}"/>
               </a:ext>
             </a:extLst>
           </p:cNvPr>
@@ -10922,7 +10751,7 @@
           <p:cNvPr id="191" name="Прямая со стрелкой 190">
             <a:extLst>
               <a:ext uri="{FF2B5EF4-FFF2-40B4-BE49-F238E27FC236}">
-                <a16:creationId xmlns:a16="http://schemas.microsoft.com/office/drawing/2014/main" xmlns="" id="{11E09268-6642-4446-BE40-6FEF2498A4ED}"/>
+                <a16:creationId xmlns:a16="http://schemas.microsoft.com/office/drawing/2014/main" id="{11E09268-6642-4446-BE40-6FEF2498A4ED}"/>
               </a:ext>
             </a:extLst>
           </p:cNvPr>
@@ -11004,7 +10833,7 @@
           <p:cNvPr id="211" name="Прямая со стрелкой 210">
             <a:extLst>
               <a:ext uri="{FF2B5EF4-FFF2-40B4-BE49-F238E27FC236}">
-                <a16:creationId xmlns:a16="http://schemas.microsoft.com/office/drawing/2014/main" xmlns="" id="{59266080-AC10-42CA-B68E-CEDF802FA3D3}"/>
+                <a16:creationId xmlns:a16="http://schemas.microsoft.com/office/drawing/2014/main" id="{59266080-AC10-42CA-B68E-CEDF802FA3D3}"/>
               </a:ext>
             </a:extLst>
           </p:cNvPr>
@@ -11048,7 +10877,7 @@
           <p:cNvPr id="214" name="Соединительная линия уступом 903">
             <a:extLst>
               <a:ext uri="{FF2B5EF4-FFF2-40B4-BE49-F238E27FC236}">
-                <a16:creationId xmlns:a16="http://schemas.microsoft.com/office/drawing/2014/main" xmlns="" id="{BDC7F8CB-0052-4FAE-993D-F1332955CF43}"/>
+                <a16:creationId xmlns:a16="http://schemas.microsoft.com/office/drawing/2014/main" id="{BDC7F8CB-0052-4FAE-993D-F1332955CF43}"/>
               </a:ext>
             </a:extLst>
           </p:cNvPr>
@@ -11094,7 +10923,7 @@
           <p:cNvPr id="217" name="Соединительная линия уступом 903">
             <a:extLst>
               <a:ext uri="{FF2B5EF4-FFF2-40B4-BE49-F238E27FC236}">
-                <a16:creationId xmlns:a16="http://schemas.microsoft.com/office/drawing/2014/main" xmlns="" id="{BDC7F8CB-0052-4FAE-993D-F1332955CF43}"/>
+                <a16:creationId xmlns:a16="http://schemas.microsoft.com/office/drawing/2014/main" id="{BDC7F8CB-0052-4FAE-993D-F1332955CF43}"/>
               </a:ext>
             </a:extLst>
           </p:cNvPr>
@@ -11140,7 +10969,7 @@
           <p:cNvPr id="221" name="Прямоугольник 220">
             <a:extLst>
               <a:ext uri="{FF2B5EF4-FFF2-40B4-BE49-F238E27FC236}">
-                <a16:creationId xmlns:a16="http://schemas.microsoft.com/office/drawing/2014/main" xmlns="" id="{D53819E8-2FF6-4FFA-A7E4-75D55AADB8B5}"/>
+                <a16:creationId xmlns:a16="http://schemas.microsoft.com/office/drawing/2014/main" id="{D53819E8-2FF6-4FFA-A7E4-75D55AADB8B5}"/>
               </a:ext>
             </a:extLst>
           </p:cNvPr>
@@ -11179,11 +11008,7 @@
             <a:pPr algn="ctr"/>
             <a:r>
               <a:rPr lang="ru-RU" sz="700" dirty="0"/>
-              <a:t>Молочный </a:t>
-            </a:r>
-            <a:r>
-              <a:rPr lang="ru-RU" sz="700" dirty="0" smtClean="0"/>
-              <a:t>завод</a:t>
+              <a:t>Молочный завод</a:t>
             </a:r>
             <a:endParaRPr lang="ru-RU" sz="200" dirty="0"/>
           </a:p>
@@ -11194,7 +11019,7 @@
           <p:cNvPr id="225" name="Соединительная линия уступом 903">
             <a:extLst>
               <a:ext uri="{FF2B5EF4-FFF2-40B4-BE49-F238E27FC236}">
-                <a16:creationId xmlns:a16="http://schemas.microsoft.com/office/drawing/2014/main" xmlns="" id="{BDC7F8CB-0052-4FAE-993D-F1332955CF43}"/>
+                <a16:creationId xmlns:a16="http://schemas.microsoft.com/office/drawing/2014/main" id="{BDC7F8CB-0052-4FAE-993D-F1332955CF43}"/>
               </a:ext>
             </a:extLst>
           </p:cNvPr>
@@ -11239,7 +11064,7 @@
           <p:cNvPr id="243" name="Прямоугольник 242">
             <a:extLst>
               <a:ext uri="{FF2B5EF4-FFF2-40B4-BE49-F238E27FC236}">
-                <a16:creationId xmlns:a16="http://schemas.microsoft.com/office/drawing/2014/main" xmlns="" id="{03F7D570-4EE1-495E-9294-D367F2E7763E}"/>
+                <a16:creationId xmlns:a16="http://schemas.microsoft.com/office/drawing/2014/main" id="{03F7D570-4EE1-495E-9294-D367F2E7763E}"/>
               </a:ext>
             </a:extLst>
           </p:cNvPr>
@@ -11276,12 +11101,8 @@
           <a:lstStyle/>
           <a:p>
             <a:r>
-              <a:rPr lang="ru-RU" sz="500" dirty="0" smtClean="0"/>
-              <a:t>Однако </a:t>
-            </a:r>
-            <a:r>
               <a:rPr lang="ru-RU" sz="500" dirty="0"/>
-              <a:t>«план Эдвардса» не решал глав­ной проблемы — отсутствия валюты в Никарагуа. Фактически американцы лишь предлагали меньше импортировать. Но без импорта не мог функционировать и экспорт — аграриям были нужны машины, оборудование, горючее и т.д.</a:t>
+              <a:t>Однако «план Эдвардса» не решал глав­ной проблемы — отсутствия валюты в Никарагуа. Фактически американцы лишь предлагали меньше импортировать. Но без импорта не мог функционировать и экспорт — аграриям были нужны машины, оборудование, горючее и т.д.</a:t>
             </a:r>
           </a:p>
           <a:p>
@@ -11325,14 +11146,10 @@
             </a:r>
             <a:r>
               <a:rPr lang="ru-RU" sz="500" dirty="0"/>
-              <a:t> предложил, чтобы экспортеры могли самостоятельно про­давать на рынке 80% валютной выручки по фактически сложившемуся курсу</a:t>
-            </a:r>
-            <a:r>
-              <a:rPr lang="ru-RU" sz="500" dirty="0" smtClean="0"/>
-              <a:t>.</a:t>
+              <a:t> предложил, чтобы экспортеры могли самостоятельно про­давать на рынке 80% валютной выручки по фактически сложившемуся курсу.</a:t>
             </a:r>
             <a:br>
-              <a:rPr lang="ru-RU" sz="500" dirty="0" smtClean="0"/>
+              <a:rPr lang="ru-RU" sz="500" dirty="0"/>
             </a:br>
             <a:r>
               <a:rPr lang="ru-RU" sz="500" dirty="0"/>
@@ -11562,13 +11379,8 @@
             </a:r>
             <a:r>
               <a:rPr lang="ru-RU" sz="500" dirty="0"/>
-              <a:t> для «закручивания гаек», как в экономике, так и в политике. Были введены ограничения на импорт (по­скольку отпали традиционные европейские рынки экспорта), а предельные торговые наценки были установлены в размере 5%. В декабре 1941 года, когда Никарагуа вслед за США объявила войну Германии и Японии, была учреждена Государственная хунта по контролю над ценами и торговлей</a:t>
-            </a:r>
-            <a:r>
-              <a:rPr lang="ru-RU" sz="500" dirty="0" smtClean="0"/>
-              <a:t>.</a:t>
-            </a:r>
-            <a:endParaRPr lang="ru-RU" sz="500" dirty="0"/>
+              <a:t> для «закручивания гаек», как в экономике, так и в политике. Были введены ограничения на импорт (по­скольку отпали традиционные европейские рынки экспорта), а предельные торговые наценки были установлены в размере 5%. В декабре 1941 года, когда Никарагуа вслед за США объявила войну Германии и Японии, была учреждена Государственная хунта по контролю над ценами и торговлей.</a:t>
+            </a:r>
           </a:p>
         </p:txBody>
       </p:sp>
@@ -11577,7 +11389,7 @@
           <p:cNvPr id="168" name="Прямоугольник 167">
             <a:extLst>
               <a:ext uri="{FF2B5EF4-FFF2-40B4-BE49-F238E27FC236}">
-                <a16:creationId xmlns:a16="http://schemas.microsoft.com/office/drawing/2014/main" xmlns="" id="{29CBE310-5100-413A-B4C1-EA4E28F411B1}"/>
+                <a16:creationId xmlns:a16="http://schemas.microsoft.com/office/drawing/2014/main" id="{29CBE310-5100-413A-B4C1-EA4E28F411B1}"/>
               </a:ext>
             </a:extLst>
           </p:cNvPr>
@@ -11615,7 +11427,7 @@
           <a:p>
             <a:pPr algn="ctr"/>
             <a:r>
-              <a:rPr lang="ru-RU" sz="700" dirty="0" smtClean="0"/>
+              <a:rPr lang="ru-RU" sz="700" dirty="0"/>
               <a:t>Увеличить выращивание крупнорогатого скота</a:t>
             </a:r>
             <a:endParaRPr lang="ru-RU" sz="400" dirty="0"/>
@@ -11627,7 +11439,7 @@
           <p:cNvPr id="171" name="Прямоугольник 170">
             <a:extLst>
               <a:ext uri="{FF2B5EF4-FFF2-40B4-BE49-F238E27FC236}">
-                <a16:creationId xmlns:a16="http://schemas.microsoft.com/office/drawing/2014/main" xmlns="" id="{29CBE310-5100-413A-B4C1-EA4E28F411B1}"/>
+                <a16:creationId xmlns:a16="http://schemas.microsoft.com/office/drawing/2014/main" id="{29CBE310-5100-413A-B4C1-EA4E28F411B1}"/>
               </a:ext>
             </a:extLst>
           </p:cNvPr>
@@ -11665,7 +11477,7 @@
           <a:p>
             <a:pPr algn="ctr"/>
             <a:r>
-              <a:rPr lang="ru-RU" sz="700" dirty="0" smtClean="0"/>
+              <a:rPr lang="ru-RU" sz="700" dirty="0"/>
               <a:t>Построить кожевенный завод</a:t>
             </a:r>
             <a:endParaRPr lang="ru-RU" sz="400" dirty="0"/>
@@ -11677,7 +11489,7 @@
           <p:cNvPr id="172" name="Соединительная линия уступом 903">
             <a:extLst>
               <a:ext uri="{FF2B5EF4-FFF2-40B4-BE49-F238E27FC236}">
-                <a16:creationId xmlns:a16="http://schemas.microsoft.com/office/drawing/2014/main" xmlns="" id="{BDC7F8CB-0052-4FAE-993D-F1332955CF43}"/>
+                <a16:creationId xmlns:a16="http://schemas.microsoft.com/office/drawing/2014/main" id="{BDC7F8CB-0052-4FAE-993D-F1332955CF43}"/>
               </a:ext>
             </a:extLst>
           </p:cNvPr>
@@ -11722,7 +11534,7 @@
           <p:cNvPr id="177" name="Прямая со стрелкой 176">
             <a:extLst>
               <a:ext uri="{FF2B5EF4-FFF2-40B4-BE49-F238E27FC236}">
-                <a16:creationId xmlns:a16="http://schemas.microsoft.com/office/drawing/2014/main" xmlns="" id="{11E09268-6642-4446-BE40-6FEF2498A4ED}"/>
+                <a16:creationId xmlns:a16="http://schemas.microsoft.com/office/drawing/2014/main" id="{11E09268-6642-4446-BE40-6FEF2498A4ED}"/>
               </a:ext>
             </a:extLst>
           </p:cNvPr>
@@ -11765,7 +11577,7 @@
           <p:cNvPr id="180" name="Прямоугольник 179">
             <a:extLst>
               <a:ext uri="{FF2B5EF4-FFF2-40B4-BE49-F238E27FC236}">
-                <a16:creationId xmlns:a16="http://schemas.microsoft.com/office/drawing/2014/main" xmlns="" id="{8F90957D-3F70-4F7D-A50B-157EE934D6F5}"/>
+                <a16:creationId xmlns:a16="http://schemas.microsoft.com/office/drawing/2014/main" id="{8F90957D-3F70-4F7D-A50B-157EE934D6F5}"/>
               </a:ext>
             </a:extLst>
           </p:cNvPr>
@@ -11804,15 +11616,7 @@
             <a:pPr algn="ctr"/>
             <a:r>
               <a:rPr lang="ru-RU" sz="700" dirty="0"/>
-              <a:t>Расширить производство </a:t>
-            </a:r>
-            <a:r>
-              <a:rPr lang="ru-RU" sz="700" dirty="0" smtClean="0"/>
-              <a:t>хлопковой одежды </a:t>
-            </a:r>
-            <a:r>
-              <a:rPr lang="ru-RU" sz="700" dirty="0"/>
-              <a:t>(1950)</a:t>
+              <a:t>Расширить производство хлопковой одежды (1950)</a:t>
             </a:r>
             <a:endParaRPr lang="ru-RU" sz="400" dirty="0"/>
           </a:p>
@@ -11823,7 +11627,7 @@
           <p:cNvPr id="182" name="Соединительная линия уступом 903">
             <a:extLst>
               <a:ext uri="{FF2B5EF4-FFF2-40B4-BE49-F238E27FC236}">
-                <a16:creationId xmlns:a16="http://schemas.microsoft.com/office/drawing/2014/main" xmlns="" id="{BDC7F8CB-0052-4FAE-993D-F1332955CF43}"/>
+                <a16:creationId xmlns:a16="http://schemas.microsoft.com/office/drawing/2014/main" id="{BDC7F8CB-0052-4FAE-993D-F1332955CF43}"/>
               </a:ext>
             </a:extLst>
           </p:cNvPr>
@@ -11868,7 +11672,7 @@
           <p:cNvPr id="185" name="Прямоугольник 184">
             <a:extLst>
               <a:ext uri="{FF2B5EF4-FFF2-40B4-BE49-F238E27FC236}">
-                <a16:creationId xmlns:a16="http://schemas.microsoft.com/office/drawing/2014/main" xmlns="" id="{9C02A14C-DE5F-49AD-A4EE-A27966D0EFDC}"/>
+                <a16:creationId xmlns:a16="http://schemas.microsoft.com/office/drawing/2014/main" id="{9C02A14C-DE5F-49AD-A4EE-A27966D0EFDC}"/>
               </a:ext>
             </a:extLst>
           </p:cNvPr>
@@ -11910,12 +11714,8 @@
           <a:p>
             <a:pPr algn="ctr"/>
             <a:r>
-              <a:rPr lang="ru-RU" sz="700" dirty="0" smtClean="0"/>
-              <a:t>Отказаться от договора </a:t>
-            </a:r>
-            <a:r>
               <a:rPr lang="ru-RU" sz="700" dirty="0"/>
-              <a:t>Брайана-Чаморро</a:t>
+              <a:t>Отказаться от договора Брайана-Чаморро</a:t>
             </a:r>
             <a:endParaRPr lang="ru-RU" sz="400" dirty="0"/>
           </a:p>
@@ -11926,7 +11726,7 @@
           <p:cNvPr id="186" name="Соединительная линия уступом 903">
             <a:extLst>
               <a:ext uri="{FF2B5EF4-FFF2-40B4-BE49-F238E27FC236}">
-                <a16:creationId xmlns:a16="http://schemas.microsoft.com/office/drawing/2014/main" xmlns="" id="{2A1524CC-F749-457E-8785-AFB89CF85AC6}"/>
+                <a16:creationId xmlns:a16="http://schemas.microsoft.com/office/drawing/2014/main" id="{2A1524CC-F749-457E-8785-AFB89CF85AC6}"/>
               </a:ext>
             </a:extLst>
           </p:cNvPr>
@@ -11972,7 +11772,7 @@
           <p:cNvPr id="190" name="Соединительная линия уступом 903">
             <a:extLst>
               <a:ext uri="{FF2B5EF4-FFF2-40B4-BE49-F238E27FC236}">
-                <a16:creationId xmlns:a16="http://schemas.microsoft.com/office/drawing/2014/main" xmlns="" id="{2A1524CC-F749-457E-8785-AFB89CF85AC6}"/>
+                <a16:creationId xmlns:a16="http://schemas.microsoft.com/office/drawing/2014/main" id="{2A1524CC-F749-457E-8785-AFB89CF85AC6}"/>
               </a:ext>
             </a:extLst>
           </p:cNvPr>
@@ -12018,7 +11818,7 @@
           <p:cNvPr id="195" name="Прямоугольник 194">
             <a:extLst>
               <a:ext uri="{FF2B5EF4-FFF2-40B4-BE49-F238E27FC236}">
-                <a16:creationId xmlns:a16="http://schemas.microsoft.com/office/drawing/2014/main" xmlns="" id="{5A90479D-BFEC-4250-A8B4-175610005B0C}"/>
+                <a16:creationId xmlns:a16="http://schemas.microsoft.com/office/drawing/2014/main" id="{5A90479D-BFEC-4250-A8B4-175610005B0C}"/>
               </a:ext>
             </a:extLst>
           </p:cNvPr>
@@ -12061,18 +11861,13 @@
           <a:p>
             <a:pPr algn="ctr"/>
             <a:r>
-              <a:rPr lang="ru-RU" sz="700" dirty="0" smtClean="0"/>
-              <a:t>Ввести </a:t>
-            </a:r>
-            <a:r>
               <a:rPr lang="ru-RU" sz="700" dirty="0"/>
-              <a:t>университетскую автономию </a:t>
-            </a:r>
-            <a:r>
-              <a:rPr lang="ru-RU" sz="100" dirty="0" smtClean="0"/>
+              <a:t>Ввести университетскую автономию </a:t>
+            </a:r>
+            <a:r>
+              <a:rPr lang="ru-RU" sz="100" dirty="0"/>
               <a:t>(</a:t>
             </a:r>
-            <a:endParaRPr lang="ru-RU" sz="100" dirty="0"/>
           </a:p>
         </p:txBody>
       </p:sp>
@@ -12081,7 +11876,7 @@
           <p:cNvPr id="170" name="Прямоугольник 169">
             <a:extLst>
               <a:ext uri="{FF2B5EF4-FFF2-40B4-BE49-F238E27FC236}">
-                <a16:creationId xmlns:a16="http://schemas.microsoft.com/office/drawing/2014/main" xmlns="" id="{FC846415-2760-43A4-A1A1-795C4968509B}"/>
+                <a16:creationId xmlns:a16="http://schemas.microsoft.com/office/drawing/2014/main" id="{FC846415-2760-43A4-A1A1-795C4968509B}"/>
               </a:ext>
             </a:extLst>
           </p:cNvPr>
@@ -12121,12 +11916,8 @@
           <a:p>
             <a:pPr algn="ctr"/>
             <a:r>
-              <a:rPr lang="ru-RU" sz="700" dirty="0" smtClean="0"/>
-              <a:t>Побег </a:t>
-            </a:r>
-            <a:r>
-              <a:rPr lang="ru-RU" sz="700" dirty="0" smtClean="0"/>
-              <a:t>президента</a:t>
+              <a:rPr lang="ru-RU" sz="700" dirty="0"/>
+              <a:t>Побег президента</a:t>
             </a:r>
             <a:endParaRPr lang="ru-RU" sz="100" dirty="0"/>
           </a:p>
@@ -12137,7 +11928,7 @@
           <p:cNvPr id="174" name="Прямоугольник 173">
             <a:extLst>
               <a:ext uri="{FF2B5EF4-FFF2-40B4-BE49-F238E27FC236}">
-                <a16:creationId xmlns:a16="http://schemas.microsoft.com/office/drawing/2014/main" xmlns="" id="{FC846415-2760-43A4-A1A1-795C4968509B}"/>
+                <a16:creationId xmlns:a16="http://schemas.microsoft.com/office/drawing/2014/main" id="{FC846415-2760-43A4-A1A1-795C4968509B}"/>
               </a:ext>
             </a:extLst>
           </p:cNvPr>
@@ -12193,7 +11984,7 @@
           <p:cNvPr id="175" name="Прямоугольник 174">
             <a:extLst>
               <a:ext uri="{FF2B5EF4-FFF2-40B4-BE49-F238E27FC236}">
-                <a16:creationId xmlns:a16="http://schemas.microsoft.com/office/drawing/2014/main" xmlns="" id="{9C02A14C-DE5F-49AD-A4EE-A27966D0EFDC}"/>
+                <a16:creationId xmlns:a16="http://schemas.microsoft.com/office/drawing/2014/main" id="{9C02A14C-DE5F-49AD-A4EE-A27966D0EFDC}"/>
               </a:ext>
             </a:extLst>
           </p:cNvPr>
@@ -12243,12 +12034,8 @@
           <a:p>
             <a:pPr algn="ctr"/>
             <a:r>
-              <a:rPr lang="ru-RU" sz="700" dirty="0" smtClean="0"/>
-              <a:t>Защита от возможной интервенции </a:t>
-            </a:r>
-            <a:r>
               <a:rPr lang="ru-RU" sz="700" dirty="0"/>
-              <a:t>США </a:t>
+              <a:t>Защита от возможной интервенции США </a:t>
             </a:r>
             <a:r>
               <a:rPr lang="ru-RU" sz="200" dirty="0"/>
@@ -12263,7 +12050,7 @@
           <p:cNvPr id="178" name="Прямоугольник 177">
             <a:extLst>
               <a:ext uri="{FF2B5EF4-FFF2-40B4-BE49-F238E27FC236}">
-                <a16:creationId xmlns:a16="http://schemas.microsoft.com/office/drawing/2014/main" xmlns="" id="{FC846415-2760-43A4-A1A1-795C4968509B}"/>
+                <a16:creationId xmlns:a16="http://schemas.microsoft.com/office/drawing/2014/main" id="{FC846415-2760-43A4-A1A1-795C4968509B}"/>
               </a:ext>
             </a:extLst>
           </p:cNvPr>
@@ -12347,11 +12134,11 @@
               <a:t> </a:t>
             </a:r>
             <a:r>
-              <a:rPr lang="ru-RU" sz="300" dirty="0" err="1" smtClean="0"/>
+              <a:rPr lang="ru-RU" sz="300" dirty="0" err="1"/>
               <a:t>Альмендарес</a:t>
             </a:r>
             <a:r>
-              <a:rPr lang="ru-RU" sz="300" dirty="0" smtClean="0"/>
+              <a:rPr lang="ru-RU" sz="300" dirty="0"/>
               <a:t> (</a:t>
             </a:r>
             <a:r>
@@ -12359,7 +12146,7 @@
               <a:t>los dirigentes del PTN, Carlos Lecleair, Roberto Gonzalez, Justo Solórzano y Jesús Maravilla Almendarez</a:t>
             </a:r>
             <a:r>
-              <a:rPr lang="ru-RU" sz="300" dirty="0" smtClean="0"/>
+              <a:rPr lang="ru-RU" sz="300" dirty="0"/>
               <a:t>)</a:t>
             </a:r>
             <a:endParaRPr lang="ru-RU" sz="100" dirty="0"/>
@@ -12371,7 +12158,7 @@
           <p:cNvPr id="181" name="Прямоугольник 180">
             <a:extLst>
               <a:ext uri="{FF2B5EF4-FFF2-40B4-BE49-F238E27FC236}">
-                <a16:creationId xmlns:a16="http://schemas.microsoft.com/office/drawing/2014/main" xmlns="" id="{FC846415-2760-43A4-A1A1-795C4968509B}"/>
+                <a16:creationId xmlns:a16="http://schemas.microsoft.com/office/drawing/2014/main" id="{FC846415-2760-43A4-A1A1-795C4968509B}"/>
               </a:ext>
             </a:extLst>
           </p:cNvPr>
@@ -12527,7 +12314,7 @@
           <p:cNvPr id="183" name="Прямоугольник 182">
             <a:extLst>
               <a:ext uri="{FF2B5EF4-FFF2-40B4-BE49-F238E27FC236}">
-                <a16:creationId xmlns:a16="http://schemas.microsoft.com/office/drawing/2014/main" xmlns="" id="{FC846415-2760-43A4-A1A1-795C4968509B}"/>
+                <a16:creationId xmlns:a16="http://schemas.microsoft.com/office/drawing/2014/main" id="{FC846415-2760-43A4-A1A1-795C4968509B}"/>
               </a:ext>
             </a:extLst>
           </p:cNvPr>
@@ -12568,11 +12355,7 @@
             <a:pPr algn="ctr"/>
             <a:r>
               <a:rPr lang="ru-RU" sz="700" dirty="0"/>
-              <a:t>Конфедерация трудящихся </a:t>
-            </a:r>
-            <a:r>
-              <a:rPr lang="ru-RU" sz="700" dirty="0" smtClean="0"/>
-              <a:t>Никарагуа</a:t>
+              <a:t>Конфедерация трудящихся Никарагуа</a:t>
             </a:r>
             <a:endParaRPr lang="ru-RU" sz="100" dirty="0"/>
           </a:p>
@@ -12583,7 +12366,7 @@
           <p:cNvPr id="188" name="Прямоугольник 187">
             <a:extLst>
               <a:ext uri="{FF2B5EF4-FFF2-40B4-BE49-F238E27FC236}">
-                <a16:creationId xmlns:a16="http://schemas.microsoft.com/office/drawing/2014/main" xmlns="" id="{FC846415-2760-43A4-A1A1-795C4968509B}"/>
+                <a16:creationId xmlns:a16="http://schemas.microsoft.com/office/drawing/2014/main" id="{FC846415-2760-43A4-A1A1-795C4968509B}"/>
               </a:ext>
             </a:extLst>
           </p:cNvPr>
@@ -12623,12 +12406,8 @@
           <a:p>
             <a:pPr algn="ctr"/>
             <a:r>
-              <a:rPr lang="ru-RU" sz="700" dirty="0" smtClean="0"/>
-              <a:t>Связаться с компартией </a:t>
-            </a:r>
-            <a:r>
               <a:rPr lang="ru-RU" sz="700" dirty="0"/>
-              <a:t>Сальвадора </a:t>
+              <a:t>Связаться с компартией Сальвадора </a:t>
             </a:r>
             <a:r>
               <a:rPr lang="ru-RU" sz="200" dirty="0"/>
@@ -12667,7 +12446,7 @@
           <p:cNvPr id="189" name="Прямоугольник 188">
             <a:extLst>
               <a:ext uri="{FF2B5EF4-FFF2-40B4-BE49-F238E27FC236}">
-                <a16:creationId xmlns:a16="http://schemas.microsoft.com/office/drawing/2014/main" xmlns="" id="{FFDF3200-07AF-4F88-9AFA-E895A9EB463F}"/>
+                <a16:creationId xmlns:a16="http://schemas.microsoft.com/office/drawing/2014/main" id="{FFDF3200-07AF-4F88-9AFA-E895A9EB463F}"/>
               </a:ext>
             </a:extLst>
           </p:cNvPr>
@@ -12707,16 +12486,12 @@
           <a:p>
             <a:pPr algn="ctr"/>
             <a:r>
-              <a:rPr lang="ru-RU" sz="700" dirty="0" smtClean="0"/>
+              <a:rPr lang="ru-RU" sz="700" dirty="0"/>
               <a:t>Возобновить диалог с Мексиканской компартией </a:t>
             </a:r>
             <a:r>
-              <a:rPr lang="ru-RU" sz="100" dirty="0" smtClean="0"/>
-              <a:t>(На </a:t>
-            </a:r>
-            <a:r>
               <a:rPr lang="ru-RU" sz="100" dirty="0"/>
-              <a:t>основании вышеизложенного гораздо легче апостериорно охарактеризовать ПТН как партию с революционно-националистическим руководством. Руководство PTN тесно связано с Национально-революционной партией (PNR) Мексики, которая позже стала Институционально-революционной партией (PRI), которую в то время возглавлял </a:t>
+              <a:t>(На основании вышеизложенного гораздо легче апостериорно охарактеризовать ПТН как партию с революционно-националистическим руководством. Руководство PTN тесно связано с Национально-революционной партией (PNR) Мексики, которая позже стала Институционально-революционной партией (PRI), которую в то время возглавлял </a:t>
             </a:r>
             <a:r>
               <a:rPr lang="ru-RU" sz="100" dirty="0" err="1"/>
@@ -12758,7 +12533,7 @@
           <p:cNvPr id="192" name="Прямоугольник 191">
             <a:extLst>
               <a:ext uri="{FF2B5EF4-FFF2-40B4-BE49-F238E27FC236}">
-                <a16:creationId xmlns:a16="http://schemas.microsoft.com/office/drawing/2014/main" xmlns="" id="{CA07F76D-4941-4BBE-8B5A-F0348C4D0FB6}"/>
+                <a16:creationId xmlns:a16="http://schemas.microsoft.com/office/drawing/2014/main" id="{CA07F76D-4941-4BBE-8B5A-F0348C4D0FB6}"/>
               </a:ext>
             </a:extLst>
           </p:cNvPr>
@@ -12799,11 +12574,7 @@
             <a:pPr algn="ctr"/>
             <a:r>
               <a:rPr lang="ru-RU" sz="700" dirty="0"/>
-              <a:t>Национализация </a:t>
-            </a:r>
-            <a:r>
-              <a:rPr lang="ru-RU" sz="700" dirty="0" smtClean="0"/>
-              <a:t>земли</a:t>
+              <a:t>Национализация земли</a:t>
             </a:r>
             <a:endParaRPr lang="ru-RU" sz="400" dirty="0"/>
           </a:p>
@@ -12814,7 +12585,7 @@
           <p:cNvPr id="193" name="Прямоугольник 192">
             <a:extLst>
               <a:ext uri="{FF2B5EF4-FFF2-40B4-BE49-F238E27FC236}">
-                <a16:creationId xmlns:a16="http://schemas.microsoft.com/office/drawing/2014/main" xmlns="" id="{CA07F76D-4941-4BBE-8B5A-F0348C4D0FB6}"/>
+                <a16:creationId xmlns:a16="http://schemas.microsoft.com/office/drawing/2014/main" id="{CA07F76D-4941-4BBE-8B5A-F0348C4D0FB6}"/>
               </a:ext>
             </a:extLst>
           </p:cNvPr>
@@ -12854,16 +12625,8 @@
           <a:p>
             <a:pPr algn="ctr"/>
             <a:r>
-              <a:rPr lang="ru-RU" sz="700" dirty="0" smtClean="0"/>
-              <a:t>Трудовой кодекс и </a:t>
-            </a:r>
-            <a:r>
               <a:rPr lang="ru-RU" sz="700" dirty="0"/>
-              <a:t>социальные </a:t>
-            </a:r>
-            <a:r>
-              <a:rPr lang="ru-RU" sz="700" dirty="0" smtClean="0"/>
-              <a:t>гарантии</a:t>
+              <a:t>Трудовой кодекс и социальные гарантии</a:t>
             </a:r>
             <a:endParaRPr lang="ru-RU" sz="100" dirty="0"/>
           </a:p>
@@ -12874,7 +12637,7 @@
           <p:cNvPr id="196" name="Соединительная линия уступом 903">
             <a:extLst>
               <a:ext uri="{FF2B5EF4-FFF2-40B4-BE49-F238E27FC236}">
-                <a16:creationId xmlns:a16="http://schemas.microsoft.com/office/drawing/2014/main" xmlns="" id="{7F2B1BD7-0FDF-4BD9-834C-72911F99D650}"/>
+                <a16:creationId xmlns:a16="http://schemas.microsoft.com/office/drawing/2014/main" id="{7F2B1BD7-0FDF-4BD9-834C-72911F99D650}"/>
               </a:ext>
             </a:extLst>
           </p:cNvPr>
@@ -12919,7 +12682,7 @@
           <p:cNvPr id="198" name="Соединительная линия уступом 903">
             <a:extLst>
               <a:ext uri="{FF2B5EF4-FFF2-40B4-BE49-F238E27FC236}">
-                <a16:creationId xmlns:a16="http://schemas.microsoft.com/office/drawing/2014/main" xmlns="" id="{7F2B1BD7-0FDF-4BD9-834C-72911F99D650}"/>
+                <a16:creationId xmlns:a16="http://schemas.microsoft.com/office/drawing/2014/main" id="{7F2B1BD7-0FDF-4BD9-834C-72911F99D650}"/>
               </a:ext>
             </a:extLst>
           </p:cNvPr>
@@ -12964,7 +12727,7 @@
           <p:cNvPr id="199" name="Прямая со стрелкой 198">
             <a:extLst>
               <a:ext uri="{FF2B5EF4-FFF2-40B4-BE49-F238E27FC236}">
-                <a16:creationId xmlns:a16="http://schemas.microsoft.com/office/drawing/2014/main" xmlns="" id="{AFD4E665-A61D-46C2-A133-3412690F30F3}"/>
+                <a16:creationId xmlns:a16="http://schemas.microsoft.com/office/drawing/2014/main" id="{AFD4E665-A61D-46C2-A133-3412690F30F3}"/>
               </a:ext>
             </a:extLst>
           </p:cNvPr>
@@ -13007,7 +12770,7 @@
           <p:cNvPr id="202" name="Прямая со стрелкой 201">
             <a:extLst>
               <a:ext uri="{FF2B5EF4-FFF2-40B4-BE49-F238E27FC236}">
-                <a16:creationId xmlns:a16="http://schemas.microsoft.com/office/drawing/2014/main" xmlns="" id="{AFD4E665-A61D-46C2-A133-3412690F30F3}"/>
+                <a16:creationId xmlns:a16="http://schemas.microsoft.com/office/drawing/2014/main" id="{AFD4E665-A61D-46C2-A133-3412690F30F3}"/>
               </a:ext>
             </a:extLst>
           </p:cNvPr>
@@ -13050,7 +12813,7 @@
           <p:cNvPr id="205" name="Прямая со стрелкой 204">
             <a:extLst>
               <a:ext uri="{FF2B5EF4-FFF2-40B4-BE49-F238E27FC236}">
-                <a16:creationId xmlns:a16="http://schemas.microsoft.com/office/drawing/2014/main" xmlns="" id="{AFD4E665-A61D-46C2-A133-3412690F30F3}"/>
+                <a16:creationId xmlns:a16="http://schemas.microsoft.com/office/drawing/2014/main" id="{AFD4E665-A61D-46C2-A133-3412690F30F3}"/>
               </a:ext>
             </a:extLst>
           </p:cNvPr>
@@ -13093,7 +12856,7 @@
           <p:cNvPr id="207" name="Прямая со стрелкой 206">
             <a:extLst>
               <a:ext uri="{FF2B5EF4-FFF2-40B4-BE49-F238E27FC236}">
-                <a16:creationId xmlns:a16="http://schemas.microsoft.com/office/drawing/2014/main" xmlns="" id="{AFD4E665-A61D-46C2-A133-3412690F30F3}"/>
+                <a16:creationId xmlns:a16="http://schemas.microsoft.com/office/drawing/2014/main" id="{AFD4E665-A61D-46C2-A133-3412690F30F3}"/>
               </a:ext>
             </a:extLst>
           </p:cNvPr>
@@ -13136,7 +12899,7 @@
           <p:cNvPr id="208" name="Прямая со стрелкой 207">
             <a:extLst>
               <a:ext uri="{FF2B5EF4-FFF2-40B4-BE49-F238E27FC236}">
-                <a16:creationId xmlns:a16="http://schemas.microsoft.com/office/drawing/2014/main" xmlns="" id="{AFD4E665-A61D-46C2-A133-3412690F30F3}"/>
+                <a16:creationId xmlns:a16="http://schemas.microsoft.com/office/drawing/2014/main" id="{AFD4E665-A61D-46C2-A133-3412690F30F3}"/>
               </a:ext>
             </a:extLst>
           </p:cNvPr>
@@ -13179,7 +12942,7 @@
           <p:cNvPr id="210" name="Прямая со стрелкой 209">
             <a:extLst>
               <a:ext uri="{FF2B5EF4-FFF2-40B4-BE49-F238E27FC236}">
-                <a16:creationId xmlns:a16="http://schemas.microsoft.com/office/drawing/2014/main" xmlns="" id="{AFD4E665-A61D-46C2-A133-3412690F30F3}"/>
+                <a16:creationId xmlns:a16="http://schemas.microsoft.com/office/drawing/2014/main" id="{AFD4E665-A61D-46C2-A133-3412690F30F3}"/>
               </a:ext>
             </a:extLst>
           </p:cNvPr>
@@ -13222,7 +12985,7 @@
           <p:cNvPr id="213" name="Соединительная линия уступом 903">
             <a:extLst>
               <a:ext uri="{FF2B5EF4-FFF2-40B4-BE49-F238E27FC236}">
-                <a16:creationId xmlns:a16="http://schemas.microsoft.com/office/drawing/2014/main" xmlns="" id="{7F2B1BD7-0FDF-4BD9-834C-72911F99D650}"/>
+                <a16:creationId xmlns:a16="http://schemas.microsoft.com/office/drawing/2014/main" id="{7F2B1BD7-0FDF-4BD9-834C-72911F99D650}"/>
               </a:ext>
             </a:extLst>
           </p:cNvPr>
@@ -13267,7 +13030,7 @@
           <p:cNvPr id="216" name="Соединительная линия уступом 903">
             <a:extLst>
               <a:ext uri="{FF2B5EF4-FFF2-40B4-BE49-F238E27FC236}">
-                <a16:creationId xmlns:a16="http://schemas.microsoft.com/office/drawing/2014/main" xmlns="" id="{7F2B1BD7-0FDF-4BD9-834C-72911F99D650}"/>
+                <a16:creationId xmlns:a16="http://schemas.microsoft.com/office/drawing/2014/main" id="{7F2B1BD7-0FDF-4BD9-834C-72911F99D650}"/>
               </a:ext>
             </a:extLst>
           </p:cNvPr>
@@ -13312,7 +13075,7 @@
           <p:cNvPr id="218" name="Соединительная линия уступом 903">
             <a:extLst>
               <a:ext uri="{FF2B5EF4-FFF2-40B4-BE49-F238E27FC236}">
-                <a16:creationId xmlns:a16="http://schemas.microsoft.com/office/drawing/2014/main" xmlns="" id="{7F2B1BD7-0FDF-4BD9-834C-72911F99D650}"/>
+                <a16:creationId xmlns:a16="http://schemas.microsoft.com/office/drawing/2014/main" id="{7F2B1BD7-0FDF-4BD9-834C-72911F99D650}"/>
               </a:ext>
             </a:extLst>
           </p:cNvPr>
@@ -13357,7 +13120,7 @@
           <p:cNvPr id="222" name="Соединительная линия уступом 903">
             <a:extLst>
               <a:ext uri="{FF2B5EF4-FFF2-40B4-BE49-F238E27FC236}">
-                <a16:creationId xmlns:a16="http://schemas.microsoft.com/office/drawing/2014/main" xmlns="" id="{7F2B1BD7-0FDF-4BD9-834C-72911F99D650}"/>
+                <a16:creationId xmlns:a16="http://schemas.microsoft.com/office/drawing/2014/main" id="{7F2B1BD7-0FDF-4BD9-834C-72911F99D650}"/>
               </a:ext>
             </a:extLst>
           </p:cNvPr>
@@ -13403,7 +13166,7 @@
           <p:cNvPr id="224" name="Соединительная линия уступом 903">
             <a:extLst>
               <a:ext uri="{FF2B5EF4-FFF2-40B4-BE49-F238E27FC236}">
-                <a16:creationId xmlns:a16="http://schemas.microsoft.com/office/drawing/2014/main" xmlns="" id="{7F2B1BD7-0FDF-4BD9-834C-72911F99D650}"/>
+                <a16:creationId xmlns:a16="http://schemas.microsoft.com/office/drawing/2014/main" id="{7F2B1BD7-0FDF-4BD9-834C-72911F99D650}"/>
               </a:ext>
             </a:extLst>
           </p:cNvPr>
@@ -13448,7 +13211,7 @@
           <p:cNvPr id="228" name="Прямая со стрелкой 227">
             <a:extLst>
               <a:ext uri="{FF2B5EF4-FFF2-40B4-BE49-F238E27FC236}">
-                <a16:creationId xmlns:a16="http://schemas.microsoft.com/office/drawing/2014/main" xmlns="" id="{AFD4E665-A61D-46C2-A133-3412690F30F3}"/>
+                <a16:creationId xmlns:a16="http://schemas.microsoft.com/office/drawing/2014/main" id="{AFD4E665-A61D-46C2-A133-3412690F30F3}"/>
               </a:ext>
             </a:extLst>
           </p:cNvPr>
@@ -13491,7 +13254,7 @@
           <p:cNvPr id="233" name="Прямоугольник 232">
             <a:extLst>
               <a:ext uri="{FF2B5EF4-FFF2-40B4-BE49-F238E27FC236}">
-                <a16:creationId xmlns:a16="http://schemas.microsoft.com/office/drawing/2014/main" xmlns="" id="{CA07F76D-4941-4BBE-8B5A-F0348C4D0FB6}"/>
+                <a16:creationId xmlns:a16="http://schemas.microsoft.com/office/drawing/2014/main" id="{CA07F76D-4941-4BBE-8B5A-F0348C4D0FB6}"/>
               </a:ext>
             </a:extLst>
           </p:cNvPr>
@@ -13541,7 +13304,7 @@
           <a:p>
             <a:pPr algn="ctr"/>
             <a:r>
-              <a:rPr lang="ru-RU" sz="700" dirty="0" smtClean="0"/>
+              <a:rPr lang="ru-RU" sz="700" dirty="0"/>
               <a:t>Ликвидация национальной гвардии</a:t>
             </a:r>
             <a:endParaRPr lang="ru-RU" sz="400" dirty="0"/>
@@ -13553,7 +13316,7 @@
           <p:cNvPr id="234" name="Прямоугольник 233">
             <a:extLst>
               <a:ext uri="{FF2B5EF4-FFF2-40B4-BE49-F238E27FC236}">
-                <a16:creationId xmlns:a16="http://schemas.microsoft.com/office/drawing/2014/main" xmlns="" id="{9C02A14C-DE5F-49AD-A4EE-A27966D0EFDC}"/>
+                <a16:creationId xmlns:a16="http://schemas.microsoft.com/office/drawing/2014/main" id="{9C02A14C-DE5F-49AD-A4EE-A27966D0EFDC}"/>
               </a:ext>
             </a:extLst>
           </p:cNvPr>
@@ -13595,7 +13358,7 @@
           <a:p>
             <a:pPr algn="ctr"/>
             <a:r>
-              <a:rPr lang="ru-RU" sz="700" dirty="0" smtClean="0"/>
+              <a:rPr lang="ru-RU" sz="700" dirty="0"/>
               <a:t>Аграрная реформа</a:t>
             </a:r>
             <a:endParaRPr lang="ru-RU" sz="400" dirty="0"/>
@@ -13607,7 +13370,7 @@
           <p:cNvPr id="235" name="Прямоугольник 234">
             <a:extLst>
               <a:ext uri="{FF2B5EF4-FFF2-40B4-BE49-F238E27FC236}">
-                <a16:creationId xmlns:a16="http://schemas.microsoft.com/office/drawing/2014/main" xmlns="" id="{9C02A14C-DE5F-49AD-A4EE-A27966D0EFDC}"/>
+                <a16:creationId xmlns:a16="http://schemas.microsoft.com/office/drawing/2014/main" id="{9C02A14C-DE5F-49AD-A4EE-A27966D0EFDC}"/>
               </a:ext>
             </a:extLst>
           </p:cNvPr>
@@ -13649,7 +13412,7 @@
           <a:p>
             <a:pPr algn="ctr"/>
             <a:r>
-              <a:rPr lang="ru-RU" sz="700" dirty="0" smtClean="0"/>
+              <a:rPr lang="ru-RU" sz="700" dirty="0"/>
               <a:t>Сандинистская революция</a:t>
             </a:r>
             <a:endParaRPr lang="ru-RU" sz="400" dirty="0"/>
@@ -13661,7 +13424,7 @@
           <p:cNvPr id="236" name="Прямоугольник 235">
             <a:extLst>
               <a:ext uri="{FF2B5EF4-FFF2-40B4-BE49-F238E27FC236}">
-                <a16:creationId xmlns:a16="http://schemas.microsoft.com/office/drawing/2014/main" xmlns="" id="{9C02A14C-DE5F-49AD-A4EE-A27966D0EFDC}"/>
+                <a16:creationId xmlns:a16="http://schemas.microsoft.com/office/drawing/2014/main" id="{9C02A14C-DE5F-49AD-A4EE-A27966D0EFDC}"/>
               </a:ext>
             </a:extLst>
           </p:cNvPr>
@@ -13703,7 +13466,7 @@
           <a:p>
             <a:pPr algn="ctr"/>
             <a:r>
-              <a:rPr lang="ru-RU" sz="700" dirty="0" smtClean="0"/>
+              <a:rPr lang="ru-RU" sz="700" dirty="0"/>
               <a:t>Защита общинного землевладения</a:t>
             </a:r>
             <a:endParaRPr lang="ru-RU" sz="400" dirty="0"/>
@@ -13715,7 +13478,7 @@
           <p:cNvPr id="237" name="Прямоугольник 236">
             <a:extLst>
               <a:ext uri="{FF2B5EF4-FFF2-40B4-BE49-F238E27FC236}">
-                <a16:creationId xmlns:a16="http://schemas.microsoft.com/office/drawing/2014/main" xmlns="" id="{D80463F0-008D-4836-8F9E-3D2D6E66AB47}"/>
+                <a16:creationId xmlns:a16="http://schemas.microsoft.com/office/drawing/2014/main" id="{D80463F0-008D-4836-8F9E-3D2D6E66AB47}"/>
               </a:ext>
             </a:extLst>
           </p:cNvPr>
@@ -13758,16 +13521,8 @@
           <a:p>
             <a:pPr algn="ctr"/>
             <a:r>
-              <a:rPr lang="ru-RU" sz="700" dirty="0" smtClean="0"/>
-              <a:t>Демократический </a:t>
-            </a:r>
-            <a:r>
               <a:rPr lang="ru-RU" sz="700" dirty="0"/>
-              <a:t>молодёжный </a:t>
-            </a:r>
-            <a:r>
-              <a:rPr lang="ru-RU" sz="700" dirty="0" smtClean="0"/>
-              <a:t>фронт</a:t>
+              <a:t>Демократический молодёжный фронт</a:t>
             </a:r>
             <a:endParaRPr lang="ru-RU" sz="100" dirty="0"/>
           </a:p>
@@ -13778,7 +13533,7 @@
           <p:cNvPr id="239" name="Прямоугольник 238">
             <a:extLst>
               <a:ext uri="{FF2B5EF4-FFF2-40B4-BE49-F238E27FC236}">
-                <a16:creationId xmlns:a16="http://schemas.microsoft.com/office/drawing/2014/main" xmlns="" id="{9C02A14C-DE5F-49AD-A4EE-A27966D0EFDC}"/>
+                <a16:creationId xmlns:a16="http://schemas.microsoft.com/office/drawing/2014/main" id="{9C02A14C-DE5F-49AD-A4EE-A27966D0EFDC}"/>
               </a:ext>
             </a:extLst>
           </p:cNvPr>
@@ -13824,7 +13579,7 @@
               <a:t>Pedro </a:t>
             </a:r>
             <a:r>
-              <a:rPr lang="en-US" sz="700" dirty="0" err="1" smtClean="0"/>
+              <a:rPr lang="en-US" sz="700" dirty="0" err="1"/>
               <a:t>Altamirano</a:t>
             </a:r>
             <a:r>
@@ -13891,7 +13646,7 @@
           <p:cNvPr id="240" name="Прямоугольник 239">
             <a:extLst>
               <a:ext uri="{FF2B5EF4-FFF2-40B4-BE49-F238E27FC236}">
-                <a16:creationId xmlns:a16="http://schemas.microsoft.com/office/drawing/2014/main" xmlns="" id="{9C02A14C-DE5F-49AD-A4EE-A27966D0EFDC}"/>
+                <a16:creationId xmlns:a16="http://schemas.microsoft.com/office/drawing/2014/main" id="{9C02A14C-DE5F-49AD-A4EE-A27966D0EFDC}"/>
               </a:ext>
             </a:extLst>
           </p:cNvPr>
@@ -13941,7 +13696,7 @@
           <a:p>
             <a:pPr algn="ctr"/>
             <a:r>
-              <a:rPr lang="ru-RU" sz="700" dirty="0" err="1" smtClean="0"/>
+              <a:rPr lang="ru-RU" sz="700" dirty="0" err="1"/>
               <a:t>Антиимперализм</a:t>
             </a:r>
             <a:endParaRPr lang="ru-RU" sz="400" dirty="0"/>
@@ -13953,7 +13708,7 @@
           <p:cNvPr id="241" name="Прямоугольник 240">
             <a:extLst>
               <a:ext uri="{FF2B5EF4-FFF2-40B4-BE49-F238E27FC236}">
-                <a16:creationId xmlns:a16="http://schemas.microsoft.com/office/drawing/2014/main" xmlns="" id="{9C02A14C-DE5F-49AD-A4EE-A27966D0EFDC}"/>
+                <a16:creationId xmlns:a16="http://schemas.microsoft.com/office/drawing/2014/main" id="{9C02A14C-DE5F-49AD-A4EE-A27966D0EFDC}"/>
               </a:ext>
             </a:extLst>
           </p:cNvPr>
@@ -14058,7 +13813,7 @@
           <p:cNvPr id="242" name="Прямоугольник 241">
             <a:extLst>
               <a:ext uri="{FF2B5EF4-FFF2-40B4-BE49-F238E27FC236}">
-                <a16:creationId xmlns:a16="http://schemas.microsoft.com/office/drawing/2014/main" xmlns="" id="{9C02A14C-DE5F-49AD-A4EE-A27966D0EFDC}"/>
+                <a16:creationId xmlns:a16="http://schemas.microsoft.com/office/drawing/2014/main" id="{9C02A14C-DE5F-49AD-A4EE-A27966D0EFDC}"/>
               </a:ext>
             </a:extLst>
           </p:cNvPr>
@@ -14100,12 +13855,8 @@
           <a:p>
             <a:pPr algn="ctr"/>
             <a:r>
-              <a:rPr lang="ru-RU" sz="700" dirty="0" smtClean="0"/>
-              <a:t>Война </a:t>
-            </a:r>
-            <a:r>
               <a:rPr lang="ru-RU" sz="700" dirty="0"/>
-              <a:t>в джунглях </a:t>
+              <a:t>Война в джунглях </a:t>
             </a:r>
             <a:r>
               <a:rPr lang="ru-RU" sz="200" dirty="0"/>
@@ -14120,7 +13871,7 @@
           <p:cNvPr id="244" name="Прямоугольник 243">
             <a:extLst>
               <a:ext uri="{FF2B5EF4-FFF2-40B4-BE49-F238E27FC236}">
-                <a16:creationId xmlns:a16="http://schemas.microsoft.com/office/drawing/2014/main" xmlns="" id="{9C02A14C-DE5F-49AD-A4EE-A27966D0EFDC}"/>
+                <a16:creationId xmlns:a16="http://schemas.microsoft.com/office/drawing/2014/main" id="{9C02A14C-DE5F-49AD-A4EE-A27966D0EFDC}"/>
               </a:ext>
             </a:extLst>
           </p:cNvPr>
@@ -14174,7 +13925,7 @@
           <p:cNvPr id="245" name="Прямоугольник 244">
             <a:extLst>
               <a:ext uri="{FF2B5EF4-FFF2-40B4-BE49-F238E27FC236}">
-                <a16:creationId xmlns:a16="http://schemas.microsoft.com/office/drawing/2014/main" xmlns="" id="{9C02A14C-DE5F-49AD-A4EE-A27966D0EFDC}"/>
+                <a16:creationId xmlns:a16="http://schemas.microsoft.com/office/drawing/2014/main" id="{9C02A14C-DE5F-49AD-A4EE-A27966D0EFDC}"/>
               </a:ext>
             </a:extLst>
           </p:cNvPr>
@@ -14255,7 +14006,7 @@
           <p:cNvPr id="246" name="Прямоугольник 245">
             <a:extLst>
               <a:ext uri="{FF2B5EF4-FFF2-40B4-BE49-F238E27FC236}">
-                <a16:creationId xmlns:a16="http://schemas.microsoft.com/office/drawing/2014/main" xmlns="" id="{9C02A14C-DE5F-49AD-A4EE-A27966D0EFDC}"/>
+                <a16:creationId xmlns:a16="http://schemas.microsoft.com/office/drawing/2014/main" id="{9C02A14C-DE5F-49AD-A4EE-A27966D0EFDC}"/>
               </a:ext>
             </a:extLst>
           </p:cNvPr>
@@ -14302,11 +14053,7 @@
             </a:r>
             <a:r>
               <a:rPr lang="ru-RU" sz="300" dirty="0"/>
-              <a:t>(в сфере труда предусматривалось создание Трудового кодекса , защищающего права рабочих и </a:t>
-            </a:r>
-            <a:r>
-              <a:rPr lang="ru-RU" sz="300" dirty="0" smtClean="0"/>
-              <a:t>ремесленников)</a:t>
+              <a:t>(в сфере труда предусматривалось создание Трудового кодекса , защищающего права рабочих и ремесленников)</a:t>
             </a:r>
             <a:endParaRPr lang="ru-RU" sz="100" dirty="0"/>
           </a:p>
@@ -14317,7 +14064,7 @@
           <p:cNvPr id="247" name="Прямоугольник 246">
             <a:extLst>
               <a:ext uri="{FF2B5EF4-FFF2-40B4-BE49-F238E27FC236}">
-                <a16:creationId xmlns:a16="http://schemas.microsoft.com/office/drawing/2014/main" xmlns="" id="{9C02A14C-DE5F-49AD-A4EE-A27966D0EFDC}"/>
+                <a16:creationId xmlns:a16="http://schemas.microsoft.com/office/drawing/2014/main" id="{9C02A14C-DE5F-49AD-A4EE-A27966D0EFDC}"/>
               </a:ext>
             </a:extLst>
           </p:cNvPr>
@@ -14359,7 +14106,7 @@
           <a:p>
             <a:pPr algn="ctr"/>
             <a:r>
-              <a:rPr lang="ru-RU" sz="700" dirty="0" smtClean="0"/>
+              <a:rPr lang="ru-RU" sz="700" dirty="0"/>
               <a:t>Политика массовой грамотности</a:t>
             </a:r>
             <a:endParaRPr lang="ru-RU" sz="400" dirty="0"/>
@@ -14371,7 +14118,7 @@
           <p:cNvPr id="248" name="Прямоугольник 247">
             <a:extLst>
               <a:ext uri="{FF2B5EF4-FFF2-40B4-BE49-F238E27FC236}">
-                <a16:creationId xmlns:a16="http://schemas.microsoft.com/office/drawing/2014/main" xmlns="" id="{9C02A14C-DE5F-49AD-A4EE-A27966D0EFDC}"/>
+                <a16:creationId xmlns:a16="http://schemas.microsoft.com/office/drawing/2014/main" id="{9C02A14C-DE5F-49AD-A4EE-A27966D0EFDC}"/>
               </a:ext>
             </a:extLst>
           </p:cNvPr>
@@ -14413,7 +14160,7 @@
           <a:p>
             <a:pPr algn="ctr"/>
             <a:r>
-              <a:rPr lang="ru-RU" sz="700" dirty="0" smtClean="0"/>
+              <a:rPr lang="ru-RU" sz="700" dirty="0"/>
               <a:t>Установка равенства полов</a:t>
             </a:r>
             <a:endParaRPr lang="ru-RU" sz="400" dirty="0"/>
@@ -14425,7 +14172,7 @@
           <p:cNvPr id="250" name="Прямоугольник 249">
             <a:extLst>
               <a:ext uri="{FF2B5EF4-FFF2-40B4-BE49-F238E27FC236}">
-                <a16:creationId xmlns:a16="http://schemas.microsoft.com/office/drawing/2014/main" xmlns="" id="{9C02A14C-DE5F-49AD-A4EE-A27966D0EFDC}"/>
+                <a16:creationId xmlns:a16="http://schemas.microsoft.com/office/drawing/2014/main" id="{9C02A14C-DE5F-49AD-A4EE-A27966D0EFDC}"/>
               </a:ext>
             </a:extLst>
           </p:cNvPr>
@@ -14467,11 +14214,11 @@
           <a:p>
             <a:pPr algn="ctr"/>
             <a:r>
-              <a:rPr lang="ru-RU" sz="700" dirty="0" err="1" smtClean="0"/>
+              <a:rPr lang="ru-RU" sz="700" dirty="0" err="1"/>
               <a:t>Реинкорпорация</a:t>
             </a:r>
             <a:r>
-              <a:rPr lang="ru-RU" sz="700" dirty="0" smtClean="0"/>
+              <a:rPr lang="ru-RU" sz="700" dirty="0"/>
               <a:t> Атлантического побережья</a:t>
             </a:r>
             <a:endParaRPr lang="ru-RU" sz="400" dirty="0"/>
@@ -14483,7 +14230,7 @@
           <p:cNvPr id="251" name="Соединительная линия уступом 903">
             <a:extLst>
               <a:ext uri="{FF2B5EF4-FFF2-40B4-BE49-F238E27FC236}">
-                <a16:creationId xmlns:a16="http://schemas.microsoft.com/office/drawing/2014/main" xmlns="" id="{7F2B1BD7-0FDF-4BD9-834C-72911F99D650}"/>
+                <a16:creationId xmlns:a16="http://schemas.microsoft.com/office/drawing/2014/main" id="{7F2B1BD7-0FDF-4BD9-834C-72911F99D650}"/>
               </a:ext>
             </a:extLst>
           </p:cNvPr>
@@ -14529,7 +14276,7 @@
           <p:cNvPr id="252" name="Соединительная линия уступом 903">
             <a:extLst>
               <a:ext uri="{FF2B5EF4-FFF2-40B4-BE49-F238E27FC236}">
-                <a16:creationId xmlns:a16="http://schemas.microsoft.com/office/drawing/2014/main" xmlns="" id="{7F2B1BD7-0FDF-4BD9-834C-72911F99D650}"/>
+                <a16:creationId xmlns:a16="http://schemas.microsoft.com/office/drawing/2014/main" id="{7F2B1BD7-0FDF-4BD9-834C-72911F99D650}"/>
               </a:ext>
             </a:extLst>
           </p:cNvPr>
@@ -14574,7 +14321,7 @@
           <p:cNvPr id="255" name="Соединительная линия уступом 903">
             <a:extLst>
               <a:ext uri="{FF2B5EF4-FFF2-40B4-BE49-F238E27FC236}">
-                <a16:creationId xmlns:a16="http://schemas.microsoft.com/office/drawing/2014/main" xmlns="" id="{7F2B1BD7-0FDF-4BD9-834C-72911F99D650}"/>
+                <a16:creationId xmlns:a16="http://schemas.microsoft.com/office/drawing/2014/main" id="{7F2B1BD7-0FDF-4BD9-834C-72911F99D650}"/>
               </a:ext>
             </a:extLst>
           </p:cNvPr>
@@ -14620,7 +14367,7 @@
           <p:cNvPr id="258" name="Соединительная линия уступом 903">
             <a:extLst>
               <a:ext uri="{FF2B5EF4-FFF2-40B4-BE49-F238E27FC236}">
-                <a16:creationId xmlns:a16="http://schemas.microsoft.com/office/drawing/2014/main" xmlns="" id="{7F2B1BD7-0FDF-4BD9-834C-72911F99D650}"/>
+                <a16:creationId xmlns:a16="http://schemas.microsoft.com/office/drawing/2014/main" id="{7F2B1BD7-0FDF-4BD9-834C-72911F99D650}"/>
               </a:ext>
             </a:extLst>
           </p:cNvPr>
@@ -14666,7 +14413,7 @@
           <p:cNvPr id="262" name="Прямая соединительная линия 261">
             <a:extLst>
               <a:ext uri="{FF2B5EF4-FFF2-40B4-BE49-F238E27FC236}">
-                <a16:creationId xmlns:a16="http://schemas.microsoft.com/office/drawing/2014/main" xmlns="" id="{FD347516-2278-4B85-B9D1-D49EF200F440}"/>
+                <a16:creationId xmlns:a16="http://schemas.microsoft.com/office/drawing/2014/main" id="{FD347516-2278-4B85-B9D1-D49EF200F440}"/>
               </a:ext>
             </a:extLst>
           </p:cNvPr>
@@ -14711,7 +14458,7 @@
           <p:cNvPr id="265" name="Прямоугольник 264">
             <a:extLst>
               <a:ext uri="{FF2B5EF4-FFF2-40B4-BE49-F238E27FC236}">
-                <a16:creationId xmlns:a16="http://schemas.microsoft.com/office/drawing/2014/main" xmlns="" id="{9C02A14C-DE5F-49AD-A4EE-A27966D0EFDC}"/>
+                <a16:creationId xmlns:a16="http://schemas.microsoft.com/office/drawing/2014/main" id="{9C02A14C-DE5F-49AD-A4EE-A27966D0EFDC}"/>
               </a:ext>
             </a:extLst>
           </p:cNvPr>
@@ -14753,7 +14500,7 @@
           <a:p>
             <a:pPr algn="ctr"/>
             <a:r>
-              <a:rPr lang="ru-RU" sz="700" dirty="0" smtClean="0"/>
+              <a:rPr lang="ru-RU" sz="700" dirty="0"/>
               <a:t>Увеличить финансирование медицинской сферы</a:t>
             </a:r>
             <a:endParaRPr lang="ru-RU" sz="400" dirty="0"/>
@@ -14765,7 +14512,7 @@
           <p:cNvPr id="267" name="Соединительная линия уступом 903">
             <a:extLst>
               <a:ext uri="{FF2B5EF4-FFF2-40B4-BE49-F238E27FC236}">
-                <a16:creationId xmlns:a16="http://schemas.microsoft.com/office/drawing/2014/main" xmlns="" id="{7F2B1BD7-0FDF-4BD9-834C-72911F99D650}"/>
+                <a16:creationId xmlns:a16="http://schemas.microsoft.com/office/drawing/2014/main" id="{7F2B1BD7-0FDF-4BD9-834C-72911F99D650}"/>
               </a:ext>
             </a:extLst>
           </p:cNvPr>
@@ -14810,7 +14557,7 @@
           <p:cNvPr id="269" name="Соединительная линия уступом 903">
             <a:extLst>
               <a:ext uri="{FF2B5EF4-FFF2-40B4-BE49-F238E27FC236}">
-                <a16:creationId xmlns:a16="http://schemas.microsoft.com/office/drawing/2014/main" xmlns="" id="{7F2B1BD7-0FDF-4BD9-834C-72911F99D650}"/>
+                <a16:creationId xmlns:a16="http://schemas.microsoft.com/office/drawing/2014/main" id="{7F2B1BD7-0FDF-4BD9-834C-72911F99D650}"/>
               </a:ext>
             </a:extLst>
           </p:cNvPr>
@@ -14855,7 +14602,7 @@
           <p:cNvPr id="272" name="Соединительная линия уступом 903">
             <a:extLst>
               <a:ext uri="{FF2B5EF4-FFF2-40B4-BE49-F238E27FC236}">
-                <a16:creationId xmlns:a16="http://schemas.microsoft.com/office/drawing/2014/main" xmlns="" id="{7F2B1BD7-0FDF-4BD9-834C-72911F99D650}"/>
+                <a16:creationId xmlns:a16="http://schemas.microsoft.com/office/drawing/2014/main" id="{7F2B1BD7-0FDF-4BD9-834C-72911F99D650}"/>
               </a:ext>
             </a:extLst>
           </p:cNvPr>
@@ -14900,7 +14647,7 @@
           <p:cNvPr id="275" name="Прямая со стрелкой 274">
             <a:extLst>
               <a:ext uri="{FF2B5EF4-FFF2-40B4-BE49-F238E27FC236}">
-                <a16:creationId xmlns:a16="http://schemas.microsoft.com/office/drawing/2014/main" xmlns="" id="{AFD4E665-A61D-46C2-A133-3412690F30F3}"/>
+                <a16:creationId xmlns:a16="http://schemas.microsoft.com/office/drawing/2014/main" id="{AFD4E665-A61D-46C2-A133-3412690F30F3}"/>
               </a:ext>
             </a:extLst>
           </p:cNvPr>
@@ -14943,7 +14690,7 @@
           <p:cNvPr id="278" name="Прямая со стрелкой 277">
             <a:extLst>
               <a:ext uri="{FF2B5EF4-FFF2-40B4-BE49-F238E27FC236}">
-                <a16:creationId xmlns:a16="http://schemas.microsoft.com/office/drawing/2014/main" xmlns="" id="{AFD4E665-A61D-46C2-A133-3412690F30F3}"/>
+                <a16:creationId xmlns:a16="http://schemas.microsoft.com/office/drawing/2014/main" id="{AFD4E665-A61D-46C2-A133-3412690F30F3}"/>
               </a:ext>
             </a:extLst>
           </p:cNvPr>
@@ -14986,7 +14733,7 @@
           <p:cNvPr id="283" name="Соединительная линия уступом 903">
             <a:extLst>
               <a:ext uri="{FF2B5EF4-FFF2-40B4-BE49-F238E27FC236}">
-                <a16:creationId xmlns:a16="http://schemas.microsoft.com/office/drawing/2014/main" xmlns="" id="{7F2B1BD7-0FDF-4BD9-834C-72911F99D650}"/>
+                <a16:creationId xmlns:a16="http://schemas.microsoft.com/office/drawing/2014/main" id="{7F2B1BD7-0FDF-4BD9-834C-72911F99D650}"/>
               </a:ext>
             </a:extLst>
           </p:cNvPr>
@@ -15031,7 +14778,7 @@
           <p:cNvPr id="289" name="Прямая со стрелкой 288">
             <a:extLst>
               <a:ext uri="{FF2B5EF4-FFF2-40B4-BE49-F238E27FC236}">
-                <a16:creationId xmlns:a16="http://schemas.microsoft.com/office/drawing/2014/main" xmlns="" id="{AFD4E665-A61D-46C2-A133-3412690F30F3}"/>
+                <a16:creationId xmlns:a16="http://schemas.microsoft.com/office/drawing/2014/main" id="{AFD4E665-A61D-46C2-A133-3412690F30F3}"/>
               </a:ext>
             </a:extLst>
           </p:cNvPr>
@@ -15074,7 +14821,7 @@
           <p:cNvPr id="292" name="Прямоугольник 291">
             <a:extLst>
               <a:ext uri="{FF2B5EF4-FFF2-40B4-BE49-F238E27FC236}">
-                <a16:creationId xmlns:a16="http://schemas.microsoft.com/office/drawing/2014/main" xmlns="" id="{9C02A14C-DE5F-49AD-A4EE-A27966D0EFDC}"/>
+                <a16:creationId xmlns:a16="http://schemas.microsoft.com/office/drawing/2014/main" id="{9C02A14C-DE5F-49AD-A4EE-A27966D0EFDC}"/>
               </a:ext>
             </a:extLst>
           </p:cNvPr>
@@ -15116,7 +14863,7 @@
           <a:p>
             <a:pPr algn="ctr"/>
             <a:r>
-              <a:rPr lang="ru-RU" sz="700" dirty="0" smtClean="0"/>
+              <a:rPr lang="ru-RU" sz="700" dirty="0"/>
               <a:t>Уважение религиозных убеждений</a:t>
             </a:r>
             <a:endParaRPr lang="ru-RU" sz="400" dirty="0"/>
@@ -15128,7 +14875,7 @@
           <p:cNvPr id="296" name="Соединительная линия уступом 903">
             <a:extLst>
               <a:ext uri="{FF2B5EF4-FFF2-40B4-BE49-F238E27FC236}">
-                <a16:creationId xmlns:a16="http://schemas.microsoft.com/office/drawing/2014/main" xmlns="" id="{7F2B1BD7-0FDF-4BD9-834C-72911F99D650}"/>
+                <a16:creationId xmlns:a16="http://schemas.microsoft.com/office/drawing/2014/main" id="{7F2B1BD7-0FDF-4BD9-834C-72911F99D650}"/>
               </a:ext>
             </a:extLst>
           </p:cNvPr>
@@ -15173,7 +14920,7 @@
           <p:cNvPr id="302" name="Прямоугольник 301">
             <a:extLst>
               <a:ext uri="{FF2B5EF4-FFF2-40B4-BE49-F238E27FC236}">
-                <a16:creationId xmlns:a16="http://schemas.microsoft.com/office/drawing/2014/main" xmlns="" id="{9C02A14C-DE5F-49AD-A4EE-A27966D0EFDC}"/>
+                <a16:creationId xmlns:a16="http://schemas.microsoft.com/office/drawing/2014/main" id="{9C02A14C-DE5F-49AD-A4EE-A27966D0EFDC}"/>
               </a:ext>
             </a:extLst>
           </p:cNvPr>
@@ -15215,7 +14962,7 @@
           <a:p>
             <a:pPr algn="ctr"/>
             <a:r>
-              <a:rPr lang="ru-RU" sz="700" dirty="0" smtClean="0"/>
+              <a:rPr lang="ru-RU" sz="700" dirty="0"/>
               <a:t>Национализация банков</a:t>
             </a:r>
             <a:endParaRPr lang="ru-RU" sz="400" dirty="0"/>
@@ -15227,7 +14974,7 @@
           <p:cNvPr id="303" name="Соединительная линия уступом 903">
             <a:extLst>
               <a:ext uri="{FF2B5EF4-FFF2-40B4-BE49-F238E27FC236}">
-                <a16:creationId xmlns:a16="http://schemas.microsoft.com/office/drawing/2014/main" xmlns="" id="{7F2B1BD7-0FDF-4BD9-834C-72911F99D650}"/>
+                <a16:creationId xmlns:a16="http://schemas.microsoft.com/office/drawing/2014/main" id="{7F2B1BD7-0FDF-4BD9-834C-72911F99D650}"/>
               </a:ext>
             </a:extLst>
           </p:cNvPr>
@@ -15272,7 +15019,7 @@
           <p:cNvPr id="309" name="Прямоугольник 308">
             <a:extLst>
               <a:ext uri="{FF2B5EF4-FFF2-40B4-BE49-F238E27FC236}">
-                <a16:creationId xmlns:a16="http://schemas.microsoft.com/office/drawing/2014/main" xmlns="" id="{9C02A14C-DE5F-49AD-A4EE-A27966D0EFDC}"/>
+                <a16:creationId xmlns:a16="http://schemas.microsoft.com/office/drawing/2014/main" id="{9C02A14C-DE5F-49AD-A4EE-A27966D0EFDC}"/>
               </a:ext>
             </a:extLst>
           </p:cNvPr>
@@ -15322,7 +15069,7 @@
           <a:p>
             <a:pPr algn="ctr"/>
             <a:r>
-              <a:rPr lang="ru-RU" sz="700" dirty="0" smtClean="0"/>
+              <a:rPr lang="ru-RU" sz="700" dirty="0"/>
               <a:t>Начать сотрудничество с СССР</a:t>
             </a:r>
             <a:endParaRPr lang="ru-RU" sz="400" dirty="0"/>
@@ -15334,7 +15081,7 @@
           <p:cNvPr id="313" name="Прямоугольник 312">
             <a:extLst>
               <a:ext uri="{FF2B5EF4-FFF2-40B4-BE49-F238E27FC236}">
-                <a16:creationId xmlns:a16="http://schemas.microsoft.com/office/drawing/2014/main" xmlns="" id="{9C02A14C-DE5F-49AD-A4EE-A27966D0EFDC}"/>
+                <a16:creationId xmlns:a16="http://schemas.microsoft.com/office/drawing/2014/main" id="{9C02A14C-DE5F-49AD-A4EE-A27966D0EFDC}"/>
               </a:ext>
             </a:extLst>
           </p:cNvPr>
@@ -15400,7 +15147,7 @@
           <p:cNvPr id="314" name="Прямоугольник 313">
             <a:extLst>
               <a:ext uri="{FF2B5EF4-FFF2-40B4-BE49-F238E27FC236}">
-                <a16:creationId xmlns:a16="http://schemas.microsoft.com/office/drawing/2014/main" xmlns="" id="{9C02A14C-DE5F-49AD-A4EE-A27966D0EFDC}"/>
+                <a16:creationId xmlns:a16="http://schemas.microsoft.com/office/drawing/2014/main" id="{9C02A14C-DE5F-49AD-A4EE-A27966D0EFDC}"/>
               </a:ext>
             </a:extLst>
           </p:cNvPr>
@@ -15451,11 +15198,7 @@
             <a:pPr algn="ctr"/>
             <a:r>
               <a:rPr lang="ru-RU" sz="700" dirty="0"/>
-              <a:t>Военная </a:t>
-            </a:r>
-            <a:r>
-              <a:rPr lang="ru-RU" sz="700" dirty="0" smtClean="0"/>
-              <a:t>поддержка</a:t>
+              <a:t>Военная поддержка</a:t>
             </a:r>
             <a:endParaRPr lang="ru-RU" sz="400" dirty="0"/>
           </a:p>
@@ -15466,7 +15209,7 @@
           <p:cNvPr id="315" name="Прямоугольник 314">
             <a:extLst>
               <a:ext uri="{FF2B5EF4-FFF2-40B4-BE49-F238E27FC236}">
-                <a16:creationId xmlns:a16="http://schemas.microsoft.com/office/drawing/2014/main" xmlns="" id="{CA07F76D-4941-4BBE-8B5A-F0348C4D0FB6}"/>
+                <a16:creationId xmlns:a16="http://schemas.microsoft.com/office/drawing/2014/main" id="{CA07F76D-4941-4BBE-8B5A-F0348C4D0FB6}"/>
               </a:ext>
             </a:extLst>
           </p:cNvPr>
@@ -15506,16 +15249,8 @@
           <a:p>
             <a:pPr algn="ctr"/>
             <a:r>
-              <a:rPr lang="ru-RU" sz="700" dirty="0" smtClean="0"/>
-              <a:t>Курс на укрепление рабочих в </a:t>
-            </a:r>
-            <a:r>
-              <a:rPr lang="ru-RU" sz="700" dirty="0" smtClean="0"/>
-              <a:t>Центральной </a:t>
-            </a:r>
-            <a:r>
-              <a:rPr lang="ru-RU" sz="700" dirty="0" smtClean="0"/>
-              <a:t>Америке</a:t>
+              <a:rPr lang="ru-RU" sz="700" dirty="0"/>
+              <a:t>Курс на укрепление рабочих в Центральной Америке</a:t>
             </a:r>
             <a:endParaRPr lang="ru-RU" sz="400" dirty="0"/>
           </a:p>
@@ -15526,7 +15261,7 @@
           <p:cNvPr id="317" name="Соединительная линия уступом 903">
             <a:extLst>
               <a:ext uri="{FF2B5EF4-FFF2-40B4-BE49-F238E27FC236}">
-                <a16:creationId xmlns:a16="http://schemas.microsoft.com/office/drawing/2014/main" xmlns="" id="{7F2B1BD7-0FDF-4BD9-834C-72911F99D650}"/>
+                <a16:creationId xmlns:a16="http://schemas.microsoft.com/office/drawing/2014/main" id="{7F2B1BD7-0FDF-4BD9-834C-72911F99D650}"/>
               </a:ext>
             </a:extLst>
           </p:cNvPr>
@@ -15571,7 +15306,7 @@
           <p:cNvPr id="320" name="Прямоугольник 319">
             <a:extLst>
               <a:ext uri="{FF2B5EF4-FFF2-40B4-BE49-F238E27FC236}">
-                <a16:creationId xmlns:a16="http://schemas.microsoft.com/office/drawing/2014/main" xmlns="" id="{CA07F76D-4941-4BBE-8B5A-F0348C4D0FB6}"/>
+                <a16:creationId xmlns:a16="http://schemas.microsoft.com/office/drawing/2014/main" id="{CA07F76D-4941-4BBE-8B5A-F0348C4D0FB6}"/>
               </a:ext>
             </a:extLst>
           </p:cNvPr>
@@ -15611,7 +15346,7 @@
           <a:p>
             <a:pPr algn="ctr"/>
             <a:r>
-              <a:rPr lang="ru-RU" sz="700" dirty="0" smtClean="0"/>
+              <a:rPr lang="ru-RU" sz="700" dirty="0"/>
               <a:t>Центральноамериканский союз рабочих</a:t>
             </a:r>
             <a:endParaRPr lang="ru-RU" sz="400" dirty="0"/>
@@ -15623,7 +15358,7 @@
           <p:cNvPr id="321" name="Прямоугольник 320">
             <a:extLst>
               <a:ext uri="{FF2B5EF4-FFF2-40B4-BE49-F238E27FC236}">
-                <a16:creationId xmlns:a16="http://schemas.microsoft.com/office/drawing/2014/main" xmlns="" id="{9C02A14C-DE5F-49AD-A4EE-A27966D0EFDC}"/>
+                <a16:creationId xmlns:a16="http://schemas.microsoft.com/office/drawing/2014/main" id="{9C02A14C-DE5F-49AD-A4EE-A27966D0EFDC}"/>
               </a:ext>
             </a:extLst>
           </p:cNvPr>
@@ -15673,7 +15408,7 @@
           <a:p>
             <a:pPr algn="ctr"/>
             <a:r>
-              <a:rPr lang="ru-RU" sz="700" dirty="0" smtClean="0"/>
+              <a:rPr lang="ru-RU" sz="700" dirty="0"/>
               <a:t>Вступить в Коминтерн</a:t>
             </a:r>
             <a:endParaRPr lang="ru-RU" sz="400" dirty="0"/>
@@ -15685,7 +15420,7 @@
           <p:cNvPr id="322" name="Прямоугольник 321">
             <a:extLst>
               <a:ext uri="{FF2B5EF4-FFF2-40B4-BE49-F238E27FC236}">
-                <a16:creationId xmlns:a16="http://schemas.microsoft.com/office/drawing/2014/main" xmlns="" id="{9C02A14C-DE5F-49AD-A4EE-A27966D0EFDC}"/>
+                <a16:creationId xmlns:a16="http://schemas.microsoft.com/office/drawing/2014/main" id="{9C02A14C-DE5F-49AD-A4EE-A27966D0EFDC}"/>
               </a:ext>
             </a:extLst>
           </p:cNvPr>
@@ -15735,15 +15470,15 @@
           <a:p>
             <a:pPr algn="ctr"/>
             <a:r>
-              <a:rPr lang="ru-RU" sz="700" dirty="0" smtClean="0"/>
+              <a:rPr lang="ru-RU" sz="700" dirty="0"/>
               <a:t>Морские базы для С</a:t>
             </a:r>
             <a:r>
-              <a:rPr lang="en-US" sz="700" dirty="0" smtClean="0"/>
+              <a:rPr lang="en-US" sz="700" dirty="0"/>
               <a:t>C</a:t>
             </a:r>
             <a:r>
-              <a:rPr lang="ru-RU" sz="700" dirty="0" smtClean="0"/>
+              <a:rPr lang="ru-RU" sz="700" dirty="0"/>
               <a:t>СР</a:t>
             </a:r>
             <a:endParaRPr lang="ru-RU" sz="400" dirty="0"/>
@@ -15755,7 +15490,7 @@
           <p:cNvPr id="323" name="Прямая соединительная линия 322">
             <a:extLst>
               <a:ext uri="{FF2B5EF4-FFF2-40B4-BE49-F238E27FC236}">
-                <a16:creationId xmlns:a16="http://schemas.microsoft.com/office/drawing/2014/main" xmlns="" id="{FD347516-2278-4B85-B9D1-D49EF200F440}"/>
+                <a16:creationId xmlns:a16="http://schemas.microsoft.com/office/drawing/2014/main" id="{FD347516-2278-4B85-B9D1-D49EF200F440}"/>
               </a:ext>
             </a:extLst>
           </p:cNvPr>
@@ -15800,7 +15535,7 @@
           <p:cNvPr id="326" name="Соединительная линия уступом 903">
             <a:extLst>
               <a:ext uri="{FF2B5EF4-FFF2-40B4-BE49-F238E27FC236}">
-                <a16:creationId xmlns:a16="http://schemas.microsoft.com/office/drawing/2014/main" xmlns="" id="{7F2B1BD7-0FDF-4BD9-834C-72911F99D650}"/>
+                <a16:creationId xmlns:a16="http://schemas.microsoft.com/office/drawing/2014/main" id="{7F2B1BD7-0FDF-4BD9-834C-72911F99D650}"/>
               </a:ext>
             </a:extLst>
           </p:cNvPr>
@@ -15845,7 +15580,7 @@
           <p:cNvPr id="329" name="Соединительная линия уступом 903">
             <a:extLst>
               <a:ext uri="{FF2B5EF4-FFF2-40B4-BE49-F238E27FC236}">
-                <a16:creationId xmlns:a16="http://schemas.microsoft.com/office/drawing/2014/main" xmlns="" id="{7F2B1BD7-0FDF-4BD9-834C-72911F99D650}"/>
+                <a16:creationId xmlns:a16="http://schemas.microsoft.com/office/drawing/2014/main" id="{7F2B1BD7-0FDF-4BD9-834C-72911F99D650}"/>
               </a:ext>
             </a:extLst>
           </p:cNvPr>
@@ -15890,7 +15625,7 @@
           <p:cNvPr id="332" name="Прямая со стрелкой 331">
             <a:extLst>
               <a:ext uri="{FF2B5EF4-FFF2-40B4-BE49-F238E27FC236}">
-                <a16:creationId xmlns:a16="http://schemas.microsoft.com/office/drawing/2014/main" xmlns="" id="{AFD4E665-A61D-46C2-A133-3412690F30F3}"/>
+                <a16:creationId xmlns:a16="http://schemas.microsoft.com/office/drawing/2014/main" id="{AFD4E665-A61D-46C2-A133-3412690F30F3}"/>
               </a:ext>
             </a:extLst>
           </p:cNvPr>
@@ -15933,7 +15668,7 @@
           <p:cNvPr id="335" name="Прямая со стрелкой 334">
             <a:extLst>
               <a:ext uri="{FF2B5EF4-FFF2-40B4-BE49-F238E27FC236}">
-                <a16:creationId xmlns:a16="http://schemas.microsoft.com/office/drawing/2014/main" xmlns="" id="{AFD4E665-A61D-46C2-A133-3412690F30F3}"/>
+                <a16:creationId xmlns:a16="http://schemas.microsoft.com/office/drawing/2014/main" id="{AFD4E665-A61D-46C2-A133-3412690F30F3}"/>
               </a:ext>
             </a:extLst>
           </p:cNvPr>
@@ -15976,7 +15711,7 @@
           <p:cNvPr id="338" name="Соединительная линия уступом 903">
             <a:extLst>
               <a:ext uri="{FF2B5EF4-FFF2-40B4-BE49-F238E27FC236}">
-                <a16:creationId xmlns:a16="http://schemas.microsoft.com/office/drawing/2014/main" xmlns="" id="{7F2B1BD7-0FDF-4BD9-834C-72911F99D650}"/>
+                <a16:creationId xmlns:a16="http://schemas.microsoft.com/office/drawing/2014/main" id="{7F2B1BD7-0FDF-4BD9-834C-72911F99D650}"/>
               </a:ext>
             </a:extLst>
           </p:cNvPr>
@@ -16021,7 +15756,7 @@
           <p:cNvPr id="341" name="Соединительная линия уступом 903">
             <a:extLst>
               <a:ext uri="{FF2B5EF4-FFF2-40B4-BE49-F238E27FC236}">
-                <a16:creationId xmlns:a16="http://schemas.microsoft.com/office/drawing/2014/main" xmlns="" id="{7F2B1BD7-0FDF-4BD9-834C-72911F99D650}"/>
+                <a16:creationId xmlns:a16="http://schemas.microsoft.com/office/drawing/2014/main" id="{7F2B1BD7-0FDF-4BD9-834C-72911F99D650}"/>
               </a:ext>
             </a:extLst>
           </p:cNvPr>
@@ -16066,7 +15801,7 @@
           <p:cNvPr id="344" name="Прямоугольник 343">
             <a:extLst>
               <a:ext uri="{FF2B5EF4-FFF2-40B4-BE49-F238E27FC236}">
-                <a16:creationId xmlns:a16="http://schemas.microsoft.com/office/drawing/2014/main" xmlns="" id="{CA07F76D-4941-4BBE-8B5A-F0348C4D0FB6}"/>
+                <a16:creationId xmlns:a16="http://schemas.microsoft.com/office/drawing/2014/main" id="{CA07F76D-4941-4BBE-8B5A-F0348C4D0FB6}"/>
               </a:ext>
             </a:extLst>
           </p:cNvPr>
@@ -16106,7 +15841,7 @@
           <a:p>
             <a:pPr algn="ctr"/>
             <a:r>
-              <a:rPr lang="ru-RU" sz="700" dirty="0" smtClean="0"/>
+              <a:rPr lang="ru-RU" sz="700" dirty="0"/>
               <a:t>Оплот коммунизма в Центральной Америке</a:t>
             </a:r>
             <a:endParaRPr lang="ru-RU" sz="400" dirty="0"/>
@@ -16118,7 +15853,7 @@
           <p:cNvPr id="352" name="Соединительная линия уступом 903">
             <a:extLst>
               <a:ext uri="{FF2B5EF4-FFF2-40B4-BE49-F238E27FC236}">
-                <a16:creationId xmlns:a16="http://schemas.microsoft.com/office/drawing/2014/main" xmlns="" id="{7F2B1BD7-0FDF-4BD9-834C-72911F99D650}"/>
+                <a16:creationId xmlns:a16="http://schemas.microsoft.com/office/drawing/2014/main" id="{7F2B1BD7-0FDF-4BD9-834C-72911F99D650}"/>
               </a:ext>
             </a:extLst>
           </p:cNvPr>
@@ -16164,7 +15899,7 @@
           <p:cNvPr id="355" name="Соединительная линия уступом 903">
             <a:extLst>
               <a:ext uri="{FF2B5EF4-FFF2-40B4-BE49-F238E27FC236}">
-                <a16:creationId xmlns:a16="http://schemas.microsoft.com/office/drawing/2014/main" xmlns="" id="{7F2B1BD7-0FDF-4BD9-834C-72911F99D650}"/>
+                <a16:creationId xmlns:a16="http://schemas.microsoft.com/office/drawing/2014/main" id="{7F2B1BD7-0FDF-4BD9-834C-72911F99D650}"/>
               </a:ext>
             </a:extLst>
           </p:cNvPr>
@@ -16210,7 +15945,7 @@
           <p:cNvPr id="358" name="Прямая со стрелкой 357">
             <a:extLst>
               <a:ext uri="{FF2B5EF4-FFF2-40B4-BE49-F238E27FC236}">
-                <a16:creationId xmlns:a16="http://schemas.microsoft.com/office/drawing/2014/main" xmlns="" id="{AFD4E665-A61D-46C2-A133-3412690F30F3}"/>
+                <a16:creationId xmlns:a16="http://schemas.microsoft.com/office/drawing/2014/main" id="{AFD4E665-A61D-46C2-A133-3412690F30F3}"/>
               </a:ext>
             </a:extLst>
           </p:cNvPr>
@@ -16253,7 +15988,7 @@
           <p:cNvPr id="361" name="Прямоугольник 360">
             <a:extLst>
               <a:ext uri="{FF2B5EF4-FFF2-40B4-BE49-F238E27FC236}">
-                <a16:creationId xmlns:a16="http://schemas.microsoft.com/office/drawing/2014/main" xmlns="" id="{CA07F76D-4941-4BBE-8B5A-F0348C4D0FB6}"/>
+                <a16:creationId xmlns:a16="http://schemas.microsoft.com/office/drawing/2014/main" id="{CA07F76D-4941-4BBE-8B5A-F0348C4D0FB6}"/>
               </a:ext>
             </a:extLst>
           </p:cNvPr>
@@ -16293,7 +16028,7 @@
           <a:p>
             <a:pPr algn="ctr"/>
             <a:r>
-              <a:rPr lang="ru-RU" sz="700" dirty="0" smtClean="0"/>
+              <a:rPr lang="ru-RU" sz="700" dirty="0"/>
               <a:t>Расширение на Карибское море</a:t>
             </a:r>
             <a:endParaRPr lang="ru-RU" sz="400" dirty="0"/>
@@ -16305,7 +16040,7 @@
           <p:cNvPr id="362" name="Соединительная линия уступом 903">
             <a:extLst>
               <a:ext uri="{FF2B5EF4-FFF2-40B4-BE49-F238E27FC236}">
-                <a16:creationId xmlns:a16="http://schemas.microsoft.com/office/drawing/2014/main" xmlns="" id="{7F2B1BD7-0FDF-4BD9-834C-72911F99D650}"/>
+                <a16:creationId xmlns:a16="http://schemas.microsoft.com/office/drawing/2014/main" id="{7F2B1BD7-0FDF-4BD9-834C-72911F99D650}"/>
               </a:ext>
             </a:extLst>
           </p:cNvPr>
@@ -16350,7 +16085,7 @@
           <p:cNvPr id="365" name="Прямоугольник 364">
             <a:extLst>
               <a:ext uri="{FF2B5EF4-FFF2-40B4-BE49-F238E27FC236}">
-                <a16:creationId xmlns:a16="http://schemas.microsoft.com/office/drawing/2014/main" xmlns="" id="{CA07F76D-4941-4BBE-8B5A-F0348C4D0FB6}"/>
+                <a16:creationId xmlns:a16="http://schemas.microsoft.com/office/drawing/2014/main" id="{CA07F76D-4941-4BBE-8B5A-F0348C4D0FB6}"/>
               </a:ext>
             </a:extLst>
           </p:cNvPr>
@@ -16390,7 +16125,7 @@
           <a:p>
             <a:pPr algn="ctr"/>
             <a:r>
-              <a:rPr lang="ru-RU" sz="700" dirty="0" smtClean="0"/>
+              <a:rPr lang="ru-RU" sz="700" dirty="0"/>
               <a:t>Охватить все страны центральной Америки</a:t>
             </a:r>
             <a:endParaRPr lang="ru-RU" sz="400" dirty="0"/>
@@ -16402,7 +16137,7 @@
           <p:cNvPr id="366" name="Прямая со стрелкой 365">
             <a:extLst>
               <a:ext uri="{FF2B5EF4-FFF2-40B4-BE49-F238E27FC236}">
-                <a16:creationId xmlns:a16="http://schemas.microsoft.com/office/drawing/2014/main" xmlns="" id="{AFD4E665-A61D-46C2-A133-3412690F30F3}"/>
+                <a16:creationId xmlns:a16="http://schemas.microsoft.com/office/drawing/2014/main" id="{AFD4E665-A61D-46C2-A133-3412690F30F3}"/>
               </a:ext>
             </a:extLst>
           </p:cNvPr>
@@ -16445,7 +16180,7 @@
           <p:cNvPr id="371" name="Прямоугольник 370">
             <a:extLst>
               <a:ext uri="{FF2B5EF4-FFF2-40B4-BE49-F238E27FC236}">
-                <a16:creationId xmlns:a16="http://schemas.microsoft.com/office/drawing/2014/main" xmlns="" id="{9C02A14C-DE5F-49AD-A4EE-A27966D0EFDC}"/>
+                <a16:creationId xmlns:a16="http://schemas.microsoft.com/office/drawing/2014/main" id="{9C02A14C-DE5F-49AD-A4EE-A27966D0EFDC}"/>
               </a:ext>
             </a:extLst>
           </p:cNvPr>
@@ -16495,7 +16230,7 @@
           <a:p>
             <a:pPr algn="ctr"/>
             <a:r>
-              <a:rPr lang="ru-RU" sz="700" dirty="0" smtClean="0"/>
+              <a:rPr lang="ru-RU" sz="700" dirty="0"/>
               <a:t>Военные для Никарагуанской академии</a:t>
             </a:r>
             <a:endParaRPr lang="ru-RU" sz="400" dirty="0"/>
@@ -16507,7 +16242,7 @@
           <p:cNvPr id="372" name="Соединительная линия уступом 903">
             <a:extLst>
               <a:ext uri="{FF2B5EF4-FFF2-40B4-BE49-F238E27FC236}">
-                <a16:creationId xmlns:a16="http://schemas.microsoft.com/office/drawing/2014/main" xmlns="" id="{7F2B1BD7-0FDF-4BD9-834C-72911F99D650}"/>
+                <a16:creationId xmlns:a16="http://schemas.microsoft.com/office/drawing/2014/main" id="{7F2B1BD7-0FDF-4BD9-834C-72911F99D650}"/>
               </a:ext>
             </a:extLst>
           </p:cNvPr>
@@ -16552,7 +16287,7 @@
           <p:cNvPr id="378" name="Прямоугольник 377">
             <a:extLst>
               <a:ext uri="{FF2B5EF4-FFF2-40B4-BE49-F238E27FC236}">
-                <a16:creationId xmlns:a16="http://schemas.microsoft.com/office/drawing/2014/main" xmlns="" id="{CA07F76D-4941-4BBE-8B5A-F0348C4D0FB6}"/>
+                <a16:creationId xmlns:a16="http://schemas.microsoft.com/office/drawing/2014/main" id="{CA07F76D-4941-4BBE-8B5A-F0348C4D0FB6}"/>
               </a:ext>
             </a:extLst>
           </p:cNvPr>
@@ -16592,7 +16327,7 @@
           <a:p>
             <a:pPr algn="ctr"/>
             <a:r>
-              <a:rPr lang="ru-RU" sz="700" dirty="0" smtClean="0"/>
+              <a:rPr lang="ru-RU" sz="700" dirty="0"/>
               <a:t>Централизация союза латинских республик</a:t>
             </a:r>
             <a:endParaRPr lang="ru-RU" sz="400" dirty="0"/>
@@ -16604,7 +16339,7 @@
           <p:cNvPr id="379" name="Соединительная линия уступом 903">
             <a:extLst>
               <a:ext uri="{FF2B5EF4-FFF2-40B4-BE49-F238E27FC236}">
-                <a16:creationId xmlns:a16="http://schemas.microsoft.com/office/drawing/2014/main" xmlns="" id="{7F2B1BD7-0FDF-4BD9-834C-72911F99D650}"/>
+                <a16:creationId xmlns:a16="http://schemas.microsoft.com/office/drawing/2014/main" id="{7F2B1BD7-0FDF-4BD9-834C-72911F99D650}"/>
               </a:ext>
             </a:extLst>
           </p:cNvPr>
@@ -16649,7 +16384,7 @@
           <p:cNvPr id="382" name="Прямоугольник 381">
             <a:extLst>
               <a:ext uri="{FF2B5EF4-FFF2-40B4-BE49-F238E27FC236}">
-                <a16:creationId xmlns:a16="http://schemas.microsoft.com/office/drawing/2014/main" xmlns="" id="{CA07F76D-4941-4BBE-8B5A-F0348C4D0FB6}"/>
+                <a16:creationId xmlns:a16="http://schemas.microsoft.com/office/drawing/2014/main" id="{CA07F76D-4941-4BBE-8B5A-F0348C4D0FB6}"/>
               </a:ext>
             </a:extLst>
           </p:cNvPr>
@@ -16689,7 +16424,7 @@
           <a:p>
             <a:pPr algn="ctr"/>
             <a:r>
-              <a:rPr lang="ru-RU" sz="700" dirty="0" smtClean="0"/>
+              <a:rPr lang="ru-RU" sz="700" dirty="0"/>
               <a:t>Создание Народно-патриотической армии</a:t>
             </a:r>
             <a:endParaRPr lang="ru-RU" sz="400" dirty="0"/>
@@ -16701,7 +16436,7 @@
           <p:cNvPr id="389" name="Прямая со стрелкой 388">
             <a:extLst>
               <a:ext uri="{FF2B5EF4-FFF2-40B4-BE49-F238E27FC236}">
-                <a16:creationId xmlns:a16="http://schemas.microsoft.com/office/drawing/2014/main" xmlns="" id="{6FF1BA7F-812C-44A5-BEC2-31F4B6F55538}"/>
+                <a16:creationId xmlns:a16="http://schemas.microsoft.com/office/drawing/2014/main" id="{6FF1BA7F-812C-44A5-BEC2-31F4B6F55538}"/>
               </a:ext>
             </a:extLst>
           </p:cNvPr>
@@ -16783,7 +16518,7 @@
           <p:cNvPr id="398" name="Соединительная линия уступом 903">
             <a:extLst>
               <a:ext uri="{FF2B5EF4-FFF2-40B4-BE49-F238E27FC236}">
-                <a16:creationId xmlns:a16="http://schemas.microsoft.com/office/drawing/2014/main" xmlns="" id="{BDC7F8CB-0052-4FAE-993D-F1332955CF43}"/>
+                <a16:creationId xmlns:a16="http://schemas.microsoft.com/office/drawing/2014/main" id="{BDC7F8CB-0052-4FAE-993D-F1332955CF43}"/>
               </a:ext>
             </a:extLst>
           </p:cNvPr>
@@ -16828,7 +16563,7 @@
           <p:cNvPr id="401" name="Соединительная линия уступом 903">
             <a:extLst>
               <a:ext uri="{FF2B5EF4-FFF2-40B4-BE49-F238E27FC236}">
-                <a16:creationId xmlns:a16="http://schemas.microsoft.com/office/drawing/2014/main" xmlns="" id="{BDC7F8CB-0052-4FAE-993D-F1332955CF43}"/>
+                <a16:creationId xmlns:a16="http://schemas.microsoft.com/office/drawing/2014/main" id="{BDC7F8CB-0052-4FAE-993D-F1332955CF43}"/>
               </a:ext>
             </a:extLst>
           </p:cNvPr>
@@ -16873,7 +16608,7 @@
           <p:cNvPr id="404" name="Соединительная линия уступом 903">
             <a:extLst>
               <a:ext uri="{FF2B5EF4-FFF2-40B4-BE49-F238E27FC236}">
-                <a16:creationId xmlns:a16="http://schemas.microsoft.com/office/drawing/2014/main" xmlns="" id="{BDC7F8CB-0052-4FAE-993D-F1332955CF43}"/>
+                <a16:creationId xmlns:a16="http://schemas.microsoft.com/office/drawing/2014/main" id="{BDC7F8CB-0052-4FAE-993D-F1332955CF43}"/>
               </a:ext>
             </a:extLst>
           </p:cNvPr>
@@ -16918,7 +16653,7 @@
           <p:cNvPr id="410" name="Прямоугольник 409">
             <a:extLst>
               <a:ext uri="{FF2B5EF4-FFF2-40B4-BE49-F238E27FC236}">
-                <a16:creationId xmlns:a16="http://schemas.microsoft.com/office/drawing/2014/main" xmlns="" id="{CA07F76D-4941-4BBE-8B5A-F0348C4D0FB6}"/>
+                <a16:creationId xmlns:a16="http://schemas.microsoft.com/office/drawing/2014/main" id="{CA07F76D-4941-4BBE-8B5A-F0348C4D0FB6}"/>
               </a:ext>
             </a:extLst>
           </p:cNvPr>
@@ -16958,7 +16693,7 @@
           <a:p>
             <a:pPr algn="ctr"/>
             <a:r>
-              <a:rPr lang="ru-RU" sz="700" dirty="0" smtClean="0"/>
+              <a:rPr lang="ru-RU" sz="700" dirty="0"/>
               <a:t>Подготовить молодёжные организации</a:t>
             </a:r>
             <a:endParaRPr lang="ru-RU" sz="400" dirty="0"/>
@@ -16970,7 +16705,7 @@
           <p:cNvPr id="411" name="Прямая со стрелкой 410">
             <a:extLst>
               <a:ext uri="{FF2B5EF4-FFF2-40B4-BE49-F238E27FC236}">
-                <a16:creationId xmlns:a16="http://schemas.microsoft.com/office/drawing/2014/main" xmlns="" id="{6FF1BA7F-812C-44A5-BEC2-31F4B6F55538}"/>
+                <a16:creationId xmlns:a16="http://schemas.microsoft.com/office/drawing/2014/main" id="{6FF1BA7F-812C-44A5-BEC2-31F4B6F55538}"/>
               </a:ext>
             </a:extLst>
           </p:cNvPr>
@@ -17013,7 +16748,7 @@
           <p:cNvPr id="414" name="Прямая со стрелкой 413">
             <a:extLst>
               <a:ext uri="{FF2B5EF4-FFF2-40B4-BE49-F238E27FC236}">
-                <a16:creationId xmlns:a16="http://schemas.microsoft.com/office/drawing/2014/main" xmlns="" id="{6FF1BA7F-812C-44A5-BEC2-31F4B6F55538}"/>
+                <a16:creationId xmlns:a16="http://schemas.microsoft.com/office/drawing/2014/main" id="{6FF1BA7F-812C-44A5-BEC2-31F4B6F55538}"/>
               </a:ext>
             </a:extLst>
           </p:cNvPr>
@@ -17056,7 +16791,7 @@
           <p:cNvPr id="418" name="Прямоугольник 417">
             <a:extLst>
               <a:ext uri="{FF2B5EF4-FFF2-40B4-BE49-F238E27FC236}">
-                <a16:creationId xmlns:a16="http://schemas.microsoft.com/office/drawing/2014/main" xmlns="" id="{CA07F76D-4941-4BBE-8B5A-F0348C4D0FB6}"/>
+                <a16:creationId xmlns:a16="http://schemas.microsoft.com/office/drawing/2014/main" id="{CA07F76D-4941-4BBE-8B5A-F0348C4D0FB6}"/>
               </a:ext>
             </a:extLst>
           </p:cNvPr>
@@ -17096,7 +16831,7 @@
           <a:p>
             <a:pPr algn="ctr"/>
             <a:r>
-              <a:rPr lang="ru-RU" sz="700" dirty="0" smtClean="0"/>
+              <a:rPr lang="ru-RU" sz="700" dirty="0"/>
               <a:t>Война на улицах</a:t>
             </a:r>
             <a:endParaRPr lang="ru-RU" sz="400" dirty="0"/>
@@ -17108,7 +16843,7 @@
           <p:cNvPr id="419" name="Прямая со стрелкой 418">
             <a:extLst>
               <a:ext uri="{FF2B5EF4-FFF2-40B4-BE49-F238E27FC236}">
-                <a16:creationId xmlns:a16="http://schemas.microsoft.com/office/drawing/2014/main" xmlns="" id="{6FF1BA7F-812C-44A5-BEC2-31F4B6F55538}"/>
+                <a16:creationId xmlns:a16="http://schemas.microsoft.com/office/drawing/2014/main" id="{6FF1BA7F-812C-44A5-BEC2-31F4B6F55538}"/>
               </a:ext>
             </a:extLst>
           </p:cNvPr>
@@ -17151,7 +16886,7 @@
           <p:cNvPr id="429" name="Прямоугольник 428">
             <a:extLst>
               <a:ext uri="{FF2B5EF4-FFF2-40B4-BE49-F238E27FC236}">
-                <a16:creationId xmlns:a16="http://schemas.microsoft.com/office/drawing/2014/main" xmlns="" id="{9C02A14C-DE5F-49AD-A4EE-A27966D0EFDC}"/>
+                <a16:creationId xmlns:a16="http://schemas.microsoft.com/office/drawing/2014/main" id="{9C02A14C-DE5F-49AD-A4EE-A27966D0EFDC}"/>
               </a:ext>
             </a:extLst>
           </p:cNvPr>
@@ -17193,15 +16928,15 @@
           <a:p>
             <a:pPr algn="ctr"/>
             <a:r>
-              <a:rPr lang="ru-RU" sz="700" dirty="0" smtClean="0"/>
+              <a:rPr lang="ru-RU" sz="700" dirty="0"/>
               <a:t>Распространить </a:t>
             </a:r>
             <a:r>
-              <a:rPr lang="ru-RU" sz="700" dirty="0" err="1" smtClean="0"/>
+              <a:rPr lang="ru-RU" sz="700" dirty="0" err="1"/>
               <a:t>противодиктаторские</a:t>
             </a:r>
             <a:r>
-              <a:rPr lang="ru-RU" sz="700" dirty="0" smtClean="0"/>
+              <a:rPr lang="ru-RU" sz="700" dirty="0"/>
               <a:t> настроения в ЦА</a:t>
             </a:r>
             <a:endParaRPr lang="ru-RU" sz="400" dirty="0"/>
@@ -17213,7 +16948,7 @@
           <p:cNvPr id="430" name="Соединительная линия уступом 903">
             <a:extLst>
               <a:ext uri="{FF2B5EF4-FFF2-40B4-BE49-F238E27FC236}">
-                <a16:creationId xmlns:a16="http://schemas.microsoft.com/office/drawing/2014/main" xmlns="" id="{7F2B1BD7-0FDF-4BD9-834C-72911F99D650}"/>
+                <a16:creationId xmlns:a16="http://schemas.microsoft.com/office/drawing/2014/main" id="{7F2B1BD7-0FDF-4BD9-834C-72911F99D650}"/>
               </a:ext>
             </a:extLst>
           </p:cNvPr>
@@ -17258,7 +16993,7 @@
           <p:cNvPr id="445" name="Прямоугольник 444">
             <a:extLst>
               <a:ext uri="{FF2B5EF4-FFF2-40B4-BE49-F238E27FC236}">
-                <a16:creationId xmlns:a16="http://schemas.microsoft.com/office/drawing/2014/main" xmlns="" id="{9C02A14C-DE5F-49AD-A4EE-A27966D0EFDC}"/>
+                <a16:creationId xmlns:a16="http://schemas.microsoft.com/office/drawing/2014/main" id="{9C02A14C-DE5F-49AD-A4EE-A27966D0EFDC}"/>
               </a:ext>
             </a:extLst>
           </p:cNvPr>
@@ -17300,7 +17035,7 @@
           <a:p>
             <a:pPr algn="ctr"/>
             <a:r>
-              <a:rPr lang="ru-RU" sz="700" dirty="0" smtClean="0"/>
+              <a:rPr lang="ru-RU" sz="700" dirty="0"/>
               <a:t>Приватизация средств правящего клана</a:t>
             </a:r>
             <a:endParaRPr lang="ru-RU" sz="400" dirty="0"/>
@@ -17312,7 +17047,7 @@
           <p:cNvPr id="453" name="Прямая со стрелкой 452">
             <a:extLst>
               <a:ext uri="{FF2B5EF4-FFF2-40B4-BE49-F238E27FC236}">
-                <a16:creationId xmlns:a16="http://schemas.microsoft.com/office/drawing/2014/main" xmlns="" id="{AFD4E665-A61D-46C2-A133-3412690F30F3}"/>
+                <a16:creationId xmlns:a16="http://schemas.microsoft.com/office/drawing/2014/main" id="{AFD4E665-A61D-46C2-A133-3412690F30F3}"/>
               </a:ext>
             </a:extLst>
           </p:cNvPr>
@@ -17355,7 +17090,7 @@
           <p:cNvPr id="463" name="Прямая со стрелкой 462">
             <a:extLst>
               <a:ext uri="{FF2B5EF4-FFF2-40B4-BE49-F238E27FC236}">
-                <a16:creationId xmlns:a16="http://schemas.microsoft.com/office/drawing/2014/main" xmlns="" id="{AFD4E665-A61D-46C2-A133-3412690F30F3}"/>
+                <a16:creationId xmlns:a16="http://schemas.microsoft.com/office/drawing/2014/main" id="{AFD4E665-A61D-46C2-A133-3412690F30F3}"/>
               </a:ext>
             </a:extLst>
           </p:cNvPr>
@@ -17398,7 +17133,7 @@
           <p:cNvPr id="467" name="Прямоугольник 466">
             <a:extLst>
               <a:ext uri="{FF2B5EF4-FFF2-40B4-BE49-F238E27FC236}">
-                <a16:creationId xmlns:a16="http://schemas.microsoft.com/office/drawing/2014/main" xmlns="" id="{9C02A14C-DE5F-49AD-A4EE-A27966D0EFDC}"/>
+                <a16:creationId xmlns:a16="http://schemas.microsoft.com/office/drawing/2014/main" id="{9C02A14C-DE5F-49AD-A4EE-A27966D0EFDC}"/>
               </a:ext>
             </a:extLst>
           </p:cNvPr>
@@ -17440,7 +17175,7 @@
           <a:p>
             <a:pPr algn="ctr"/>
             <a:r>
-              <a:rPr lang="ru-RU" sz="700" dirty="0" smtClean="0"/>
+              <a:rPr lang="ru-RU" sz="700" dirty="0"/>
               <a:t>Оказать ответную помощь Гондурасу</a:t>
             </a:r>
             <a:endParaRPr lang="ru-RU" sz="400" dirty="0"/>
@@ -17452,7 +17187,7 @@
           <p:cNvPr id="468" name="Прямоугольник 467">
             <a:extLst>
               <a:ext uri="{FF2B5EF4-FFF2-40B4-BE49-F238E27FC236}">
-                <a16:creationId xmlns:a16="http://schemas.microsoft.com/office/drawing/2014/main" xmlns="" id="{9C02A14C-DE5F-49AD-A4EE-A27966D0EFDC}"/>
+                <a16:creationId xmlns:a16="http://schemas.microsoft.com/office/drawing/2014/main" id="{9C02A14C-DE5F-49AD-A4EE-A27966D0EFDC}"/>
               </a:ext>
             </a:extLst>
           </p:cNvPr>
@@ -17494,7 +17229,7 @@
           <a:p>
             <a:pPr algn="ctr"/>
             <a:r>
-              <a:rPr lang="ru-RU" sz="700" dirty="0" smtClean="0"/>
+              <a:rPr lang="ru-RU" sz="700" dirty="0"/>
               <a:t>Спасти ЦА от колдуна</a:t>
             </a:r>
             <a:endParaRPr lang="ru-RU" sz="400" dirty="0"/>
@@ -17506,7 +17241,7 @@
           <p:cNvPr id="469" name="Соединительная линия уступом 903">
             <a:extLst>
               <a:ext uri="{FF2B5EF4-FFF2-40B4-BE49-F238E27FC236}">
-                <a16:creationId xmlns:a16="http://schemas.microsoft.com/office/drawing/2014/main" xmlns="" id="{7F2B1BD7-0FDF-4BD9-834C-72911F99D650}"/>
+                <a16:creationId xmlns:a16="http://schemas.microsoft.com/office/drawing/2014/main" id="{7F2B1BD7-0FDF-4BD9-834C-72911F99D650}"/>
               </a:ext>
             </a:extLst>
           </p:cNvPr>
@@ -17551,7 +17286,7 @@
           <p:cNvPr id="472" name="Соединительная линия уступом 903">
             <a:extLst>
               <a:ext uri="{FF2B5EF4-FFF2-40B4-BE49-F238E27FC236}">
-                <a16:creationId xmlns:a16="http://schemas.microsoft.com/office/drawing/2014/main" xmlns="" id="{7F2B1BD7-0FDF-4BD9-834C-72911F99D650}"/>
+                <a16:creationId xmlns:a16="http://schemas.microsoft.com/office/drawing/2014/main" id="{7F2B1BD7-0FDF-4BD9-834C-72911F99D650}"/>
               </a:ext>
             </a:extLst>
           </p:cNvPr>
@@ -17596,7 +17331,7 @@
           <p:cNvPr id="475" name="Прямоугольник 474">
             <a:extLst>
               <a:ext uri="{FF2B5EF4-FFF2-40B4-BE49-F238E27FC236}">
-                <a16:creationId xmlns:a16="http://schemas.microsoft.com/office/drawing/2014/main" xmlns="" id="{9C02A14C-DE5F-49AD-A4EE-A27966D0EFDC}"/>
+                <a16:creationId xmlns:a16="http://schemas.microsoft.com/office/drawing/2014/main" id="{9C02A14C-DE5F-49AD-A4EE-A27966D0EFDC}"/>
               </a:ext>
             </a:extLst>
           </p:cNvPr>
@@ -17638,7 +17373,7 @@
           <a:p>
             <a:pPr algn="ctr"/>
             <a:r>
-              <a:rPr lang="ru-RU" sz="700" dirty="0" smtClean="0"/>
+              <a:rPr lang="ru-RU" sz="700" dirty="0"/>
               <a:t>Искать союза в Мексике</a:t>
             </a:r>
             <a:endParaRPr lang="ru-RU" sz="400" dirty="0"/>
@@ -17650,7 +17385,7 @@
           <p:cNvPr id="476" name="Прямая со стрелкой 475">
             <a:extLst>
               <a:ext uri="{FF2B5EF4-FFF2-40B4-BE49-F238E27FC236}">
-                <a16:creationId xmlns:a16="http://schemas.microsoft.com/office/drawing/2014/main" xmlns="" id="{AFD4E665-A61D-46C2-A133-3412690F30F3}"/>
+                <a16:creationId xmlns:a16="http://schemas.microsoft.com/office/drawing/2014/main" id="{AFD4E665-A61D-46C2-A133-3412690F30F3}"/>
               </a:ext>
             </a:extLst>
           </p:cNvPr>
@@ -17693,7 +17428,7 @@
           <p:cNvPr id="479" name="Прямая соединительная линия 478">
             <a:extLst>
               <a:ext uri="{FF2B5EF4-FFF2-40B4-BE49-F238E27FC236}">
-                <a16:creationId xmlns:a16="http://schemas.microsoft.com/office/drawing/2014/main" xmlns="" id="{FD347516-2278-4B85-B9D1-D49EF200F440}"/>
+                <a16:creationId xmlns:a16="http://schemas.microsoft.com/office/drawing/2014/main" id="{FD347516-2278-4B85-B9D1-D49EF200F440}"/>
               </a:ext>
             </a:extLst>
           </p:cNvPr>
@@ -17738,7 +17473,7 @@
           <p:cNvPr id="482" name="Прямоугольник 481">
             <a:extLst>
               <a:ext uri="{FF2B5EF4-FFF2-40B4-BE49-F238E27FC236}">
-                <a16:creationId xmlns:a16="http://schemas.microsoft.com/office/drawing/2014/main" xmlns="" id="{9C02A14C-DE5F-49AD-A4EE-A27966D0EFDC}"/>
+                <a16:creationId xmlns:a16="http://schemas.microsoft.com/office/drawing/2014/main" id="{9C02A14C-DE5F-49AD-A4EE-A27966D0EFDC}"/>
               </a:ext>
             </a:extLst>
           </p:cNvPr>
@@ -17780,7 +17515,7 @@
           <a:p>
             <a:pPr algn="ctr"/>
             <a:r>
-              <a:rPr lang="ru-RU" sz="700" dirty="0" smtClean="0"/>
+              <a:rPr lang="ru-RU" sz="700" dirty="0"/>
               <a:t>Отправить Наполеона в новую ссылку</a:t>
             </a:r>
             <a:endParaRPr lang="ru-RU" sz="400" dirty="0"/>
@@ -17792,7 +17527,7 @@
           <p:cNvPr id="483" name="Соединительная линия уступом 903">
             <a:extLst>
               <a:ext uri="{FF2B5EF4-FFF2-40B4-BE49-F238E27FC236}">
-                <a16:creationId xmlns:a16="http://schemas.microsoft.com/office/drawing/2014/main" xmlns="" id="{7F2B1BD7-0FDF-4BD9-834C-72911F99D650}"/>
+                <a16:creationId xmlns:a16="http://schemas.microsoft.com/office/drawing/2014/main" id="{7F2B1BD7-0FDF-4BD9-834C-72911F99D650}"/>
               </a:ext>
             </a:extLst>
           </p:cNvPr>
@@ -17837,7 +17572,7 @@
           <p:cNvPr id="488" name="Прямоугольник 487">
             <a:extLst>
               <a:ext uri="{FF2B5EF4-FFF2-40B4-BE49-F238E27FC236}">
-                <a16:creationId xmlns:a16="http://schemas.microsoft.com/office/drawing/2014/main" xmlns="" id="{9C02A14C-DE5F-49AD-A4EE-A27966D0EFDC}"/>
+                <a16:creationId xmlns:a16="http://schemas.microsoft.com/office/drawing/2014/main" id="{9C02A14C-DE5F-49AD-A4EE-A27966D0EFDC}"/>
               </a:ext>
             </a:extLst>
           </p:cNvPr>
@@ -17879,7 +17614,7 @@
           <a:p>
             <a:pPr algn="ctr"/>
             <a:r>
-              <a:rPr lang="ru-RU" sz="700" dirty="0" smtClean="0"/>
+              <a:rPr lang="ru-RU" sz="700" dirty="0"/>
               <a:t>Морской коридор с Мексикой</a:t>
             </a:r>
             <a:endParaRPr lang="ru-RU" sz="400" dirty="0"/>
@@ -17891,7 +17626,7 @@
           <p:cNvPr id="489" name="Прямоугольник 488">
             <a:extLst>
               <a:ext uri="{FF2B5EF4-FFF2-40B4-BE49-F238E27FC236}">
-                <a16:creationId xmlns:a16="http://schemas.microsoft.com/office/drawing/2014/main" xmlns="" id="{9C02A14C-DE5F-49AD-A4EE-A27966D0EFDC}"/>
+                <a16:creationId xmlns:a16="http://schemas.microsoft.com/office/drawing/2014/main" id="{9C02A14C-DE5F-49AD-A4EE-A27966D0EFDC}"/>
               </a:ext>
             </a:extLst>
           </p:cNvPr>
@@ -17933,7 +17668,7 @@
           <a:p>
             <a:pPr algn="ctr"/>
             <a:r>
-              <a:rPr lang="ru-RU" sz="700" dirty="0" smtClean="0"/>
+              <a:rPr lang="ru-RU" sz="700" dirty="0"/>
               <a:t>Оплот свободы в Центральной Америке</a:t>
             </a:r>
             <a:endParaRPr lang="ru-RU" sz="400" dirty="0"/>
@@ -17945,7 +17680,7 @@
           <p:cNvPr id="490" name="Соединительная линия уступом 903">
             <a:extLst>
               <a:ext uri="{FF2B5EF4-FFF2-40B4-BE49-F238E27FC236}">
-                <a16:creationId xmlns:a16="http://schemas.microsoft.com/office/drawing/2014/main" xmlns="" id="{7F2B1BD7-0FDF-4BD9-834C-72911F99D650}"/>
+                <a16:creationId xmlns:a16="http://schemas.microsoft.com/office/drawing/2014/main" id="{7F2B1BD7-0FDF-4BD9-834C-72911F99D650}"/>
               </a:ext>
             </a:extLst>
           </p:cNvPr>
@@ -17991,7 +17726,7 @@
           <p:cNvPr id="493" name="Соединительная линия уступом 903">
             <a:extLst>
               <a:ext uri="{FF2B5EF4-FFF2-40B4-BE49-F238E27FC236}">
-                <a16:creationId xmlns:a16="http://schemas.microsoft.com/office/drawing/2014/main" xmlns="" id="{7F2B1BD7-0FDF-4BD9-834C-72911F99D650}"/>
+                <a16:creationId xmlns:a16="http://schemas.microsoft.com/office/drawing/2014/main" id="{7F2B1BD7-0FDF-4BD9-834C-72911F99D650}"/>
               </a:ext>
             </a:extLst>
           </p:cNvPr>
@@ -18037,7 +17772,7 @@
           <p:cNvPr id="496" name="Прямоугольник 495">
             <a:extLst>
               <a:ext uri="{FF2B5EF4-FFF2-40B4-BE49-F238E27FC236}">
-                <a16:creationId xmlns:a16="http://schemas.microsoft.com/office/drawing/2014/main" xmlns="" id="{9C02A14C-DE5F-49AD-A4EE-A27966D0EFDC}"/>
+                <a16:creationId xmlns:a16="http://schemas.microsoft.com/office/drawing/2014/main" id="{9C02A14C-DE5F-49AD-A4EE-A27966D0EFDC}"/>
               </a:ext>
             </a:extLst>
           </p:cNvPr>
@@ -18079,7 +17814,7 @@
           <a:p>
             <a:pPr algn="ctr"/>
             <a:r>
-              <a:rPr lang="ru-RU" sz="700" dirty="0" smtClean="0"/>
+              <a:rPr lang="ru-RU" sz="700" dirty="0"/>
               <a:t>Взаимовыгодное сотрудничество в промышленности</a:t>
             </a:r>
             <a:endParaRPr lang="ru-RU" sz="400" dirty="0"/>
@@ -18091,7 +17826,7 @@
           <p:cNvPr id="497" name="Прямоугольник 496">
             <a:extLst>
               <a:ext uri="{FF2B5EF4-FFF2-40B4-BE49-F238E27FC236}">
-                <a16:creationId xmlns:a16="http://schemas.microsoft.com/office/drawing/2014/main" xmlns="" id="{9C02A14C-DE5F-49AD-A4EE-A27966D0EFDC}"/>
+                <a16:creationId xmlns:a16="http://schemas.microsoft.com/office/drawing/2014/main" id="{9C02A14C-DE5F-49AD-A4EE-A27966D0EFDC}"/>
               </a:ext>
             </a:extLst>
           </p:cNvPr>
@@ -18133,7 +17868,7 @@
           <a:p>
             <a:pPr algn="ctr"/>
             <a:r>
-              <a:rPr lang="ru-RU" sz="700" dirty="0" smtClean="0"/>
+              <a:rPr lang="ru-RU" sz="700" dirty="0"/>
               <a:t>Общее научное дело</a:t>
             </a:r>
             <a:endParaRPr lang="ru-RU" sz="400" dirty="0"/>
@@ -18145,7 +17880,7 @@
           <p:cNvPr id="498" name="Прямая со стрелкой 497">
             <a:extLst>
               <a:ext uri="{FF2B5EF4-FFF2-40B4-BE49-F238E27FC236}">
-                <a16:creationId xmlns:a16="http://schemas.microsoft.com/office/drawing/2014/main" xmlns="" id="{AFD4E665-A61D-46C2-A133-3412690F30F3}"/>
+                <a16:creationId xmlns:a16="http://schemas.microsoft.com/office/drawing/2014/main" id="{AFD4E665-A61D-46C2-A133-3412690F30F3}"/>
               </a:ext>
             </a:extLst>
           </p:cNvPr>
@@ -18188,7 +17923,7 @@
           <p:cNvPr id="501" name="Прямая со стрелкой 500">
             <a:extLst>
               <a:ext uri="{FF2B5EF4-FFF2-40B4-BE49-F238E27FC236}">
-                <a16:creationId xmlns:a16="http://schemas.microsoft.com/office/drawing/2014/main" xmlns="" id="{AFD4E665-A61D-46C2-A133-3412690F30F3}"/>
+                <a16:creationId xmlns:a16="http://schemas.microsoft.com/office/drawing/2014/main" id="{AFD4E665-A61D-46C2-A133-3412690F30F3}"/>
               </a:ext>
             </a:extLst>
           </p:cNvPr>
@@ -18231,7 +17966,7 @@
           <p:cNvPr id="504" name="Соединительная линия уступом 903">
             <a:extLst>
               <a:ext uri="{FF2B5EF4-FFF2-40B4-BE49-F238E27FC236}">
-                <a16:creationId xmlns:a16="http://schemas.microsoft.com/office/drawing/2014/main" xmlns="" id="{7F2B1BD7-0FDF-4BD9-834C-72911F99D650}"/>
+                <a16:creationId xmlns:a16="http://schemas.microsoft.com/office/drawing/2014/main" id="{7F2B1BD7-0FDF-4BD9-834C-72911F99D650}"/>
               </a:ext>
             </a:extLst>
           </p:cNvPr>
@@ -18276,7 +18011,7 @@
           <p:cNvPr id="508" name="Соединительная линия уступом 903">
             <a:extLst>
               <a:ext uri="{FF2B5EF4-FFF2-40B4-BE49-F238E27FC236}">
-                <a16:creationId xmlns:a16="http://schemas.microsoft.com/office/drawing/2014/main" xmlns="" id="{7F2B1BD7-0FDF-4BD9-834C-72911F99D650}"/>
+                <a16:creationId xmlns:a16="http://schemas.microsoft.com/office/drawing/2014/main" id="{7F2B1BD7-0FDF-4BD9-834C-72911F99D650}"/>
               </a:ext>
             </a:extLst>
           </p:cNvPr>
@@ -18321,7 +18056,7 @@
           <p:cNvPr id="516" name="Соединительная линия уступом 903">
             <a:extLst>
               <a:ext uri="{FF2B5EF4-FFF2-40B4-BE49-F238E27FC236}">
-                <a16:creationId xmlns:a16="http://schemas.microsoft.com/office/drawing/2014/main" xmlns="" id="{8BEF26C8-19FF-4ACF-94F5-4225C4EB8246}"/>
+                <a16:creationId xmlns:a16="http://schemas.microsoft.com/office/drawing/2014/main" id="{8BEF26C8-19FF-4ACF-94F5-4225C4EB8246}"/>
               </a:ext>
             </a:extLst>
           </p:cNvPr>
@@ -18366,7 +18101,7 @@
           <p:cNvPr id="519" name="Соединительная линия уступом 903">
             <a:extLst>
               <a:ext uri="{FF2B5EF4-FFF2-40B4-BE49-F238E27FC236}">
-                <a16:creationId xmlns:a16="http://schemas.microsoft.com/office/drawing/2014/main" xmlns="" id="{8BEF26C8-19FF-4ACF-94F5-4225C4EB8246}"/>
+                <a16:creationId xmlns:a16="http://schemas.microsoft.com/office/drawing/2014/main" id="{8BEF26C8-19FF-4ACF-94F5-4225C4EB8246}"/>
               </a:ext>
             </a:extLst>
           </p:cNvPr>
@@ -18411,7 +18146,7 @@
           <p:cNvPr id="522" name="Соединительная линия уступом 903">
             <a:extLst>
               <a:ext uri="{FF2B5EF4-FFF2-40B4-BE49-F238E27FC236}">
-                <a16:creationId xmlns:a16="http://schemas.microsoft.com/office/drawing/2014/main" xmlns="" id="{8BEF26C8-19FF-4ACF-94F5-4225C4EB8246}"/>
+                <a16:creationId xmlns:a16="http://schemas.microsoft.com/office/drawing/2014/main" id="{8BEF26C8-19FF-4ACF-94F5-4225C4EB8246}"/>
               </a:ext>
             </a:extLst>
           </p:cNvPr>
@@ -18456,7 +18191,7 @@
           <p:cNvPr id="525" name="Соединительная линия уступом 903">
             <a:extLst>
               <a:ext uri="{FF2B5EF4-FFF2-40B4-BE49-F238E27FC236}">
-                <a16:creationId xmlns:a16="http://schemas.microsoft.com/office/drawing/2014/main" xmlns="" id="{8BEF26C8-19FF-4ACF-94F5-4225C4EB8246}"/>
+                <a16:creationId xmlns:a16="http://schemas.microsoft.com/office/drawing/2014/main" id="{8BEF26C8-19FF-4ACF-94F5-4225C4EB8246}"/>
               </a:ext>
             </a:extLst>
           </p:cNvPr>
@@ -18501,7 +18236,7 @@
           <p:cNvPr id="528" name="Прямая со стрелкой 527">
             <a:extLst>
               <a:ext uri="{FF2B5EF4-FFF2-40B4-BE49-F238E27FC236}">
-                <a16:creationId xmlns:a16="http://schemas.microsoft.com/office/drawing/2014/main" xmlns="" id="{6DB489FB-B7F5-4424-8C73-6D37DF418426}"/>
+                <a16:creationId xmlns:a16="http://schemas.microsoft.com/office/drawing/2014/main" id="{6DB489FB-B7F5-4424-8C73-6D37DF418426}"/>
               </a:ext>
             </a:extLst>
           </p:cNvPr>
@@ -18544,7 +18279,7 @@
           <p:cNvPr id="531" name="Прямая со стрелкой 530">
             <a:extLst>
               <a:ext uri="{FF2B5EF4-FFF2-40B4-BE49-F238E27FC236}">
-                <a16:creationId xmlns:a16="http://schemas.microsoft.com/office/drawing/2014/main" xmlns="" id="{6DB489FB-B7F5-4424-8C73-6D37DF418426}"/>
+                <a16:creationId xmlns:a16="http://schemas.microsoft.com/office/drawing/2014/main" id="{6DB489FB-B7F5-4424-8C73-6D37DF418426}"/>
               </a:ext>
             </a:extLst>
           </p:cNvPr>
@@ -18587,7 +18322,7 @@
           <p:cNvPr id="534" name="Прямая соединительная линия 533">
             <a:extLst>
               <a:ext uri="{FF2B5EF4-FFF2-40B4-BE49-F238E27FC236}">
-                <a16:creationId xmlns:a16="http://schemas.microsoft.com/office/drawing/2014/main" xmlns="" id="{FD347516-2278-4B85-B9D1-D49EF200F440}"/>
+                <a16:creationId xmlns:a16="http://schemas.microsoft.com/office/drawing/2014/main" id="{FD347516-2278-4B85-B9D1-D49EF200F440}"/>
               </a:ext>
             </a:extLst>
           </p:cNvPr>
@@ -18632,7 +18367,7 @@
           <p:cNvPr id="537" name="Прямая со стрелкой 536">
             <a:extLst>
               <a:ext uri="{FF2B5EF4-FFF2-40B4-BE49-F238E27FC236}">
-                <a16:creationId xmlns:a16="http://schemas.microsoft.com/office/drawing/2014/main" xmlns="" id="{6DB489FB-B7F5-4424-8C73-6D37DF418426}"/>
+                <a16:creationId xmlns:a16="http://schemas.microsoft.com/office/drawing/2014/main" id="{6DB489FB-B7F5-4424-8C73-6D37DF418426}"/>
               </a:ext>
             </a:extLst>
           </p:cNvPr>
@@ -18675,7 +18410,7 @@
           <p:cNvPr id="539" name="Прямоугольник 538">
             <a:extLst>
               <a:ext uri="{FF2B5EF4-FFF2-40B4-BE49-F238E27FC236}">
-                <a16:creationId xmlns:a16="http://schemas.microsoft.com/office/drawing/2014/main" xmlns="" id="{D80463F0-008D-4836-8F9E-3D2D6E66AB47}"/>
+                <a16:creationId xmlns:a16="http://schemas.microsoft.com/office/drawing/2014/main" id="{D80463F0-008D-4836-8F9E-3D2D6E66AB47}"/>
               </a:ext>
             </a:extLst>
           </p:cNvPr>
@@ -18718,7 +18453,7 @@
           <a:p>
             <a:pPr algn="ctr"/>
             <a:r>
-              <a:rPr lang="ru-RU" sz="700" dirty="0" smtClean="0"/>
+              <a:rPr lang="ru-RU" sz="700" dirty="0"/>
               <a:t>Научная интеграция</a:t>
             </a:r>
             <a:endParaRPr lang="ru-RU" sz="400" dirty="0"/>
@@ -18730,7 +18465,7 @@
           <p:cNvPr id="540" name="Прямоугольник 539">
             <a:extLst>
               <a:ext uri="{FF2B5EF4-FFF2-40B4-BE49-F238E27FC236}">
-                <a16:creationId xmlns:a16="http://schemas.microsoft.com/office/drawing/2014/main" xmlns="" id="{D80463F0-008D-4836-8F9E-3D2D6E66AB47}"/>
+                <a16:creationId xmlns:a16="http://schemas.microsoft.com/office/drawing/2014/main" id="{D80463F0-008D-4836-8F9E-3D2D6E66AB47}"/>
               </a:ext>
             </a:extLst>
           </p:cNvPr>
@@ -18773,7 +18508,7 @@
           <a:p>
             <a:pPr algn="ctr"/>
             <a:r>
-              <a:rPr lang="ru-RU" sz="700" dirty="0" smtClean="0"/>
+              <a:rPr lang="ru-RU" sz="700" dirty="0"/>
               <a:t>Промышленная интеграция</a:t>
             </a:r>
             <a:endParaRPr lang="ru-RU" sz="400" dirty="0"/>
@@ -18785,7 +18520,7 @@
           <p:cNvPr id="541" name="Соединительная линия уступом 903">
             <a:extLst>
               <a:ext uri="{FF2B5EF4-FFF2-40B4-BE49-F238E27FC236}">
-                <a16:creationId xmlns:a16="http://schemas.microsoft.com/office/drawing/2014/main" xmlns="" id="{8BEF26C8-19FF-4ACF-94F5-4225C4EB8246}"/>
+                <a16:creationId xmlns:a16="http://schemas.microsoft.com/office/drawing/2014/main" id="{8BEF26C8-19FF-4ACF-94F5-4225C4EB8246}"/>
               </a:ext>
             </a:extLst>
           </p:cNvPr>
@@ -18830,7 +18565,7 @@
           <p:cNvPr id="544" name="Соединительная линия уступом 903">
             <a:extLst>
               <a:ext uri="{FF2B5EF4-FFF2-40B4-BE49-F238E27FC236}">
-                <a16:creationId xmlns:a16="http://schemas.microsoft.com/office/drawing/2014/main" xmlns="" id="{8BEF26C8-19FF-4ACF-94F5-4225C4EB8246}"/>
+                <a16:creationId xmlns:a16="http://schemas.microsoft.com/office/drawing/2014/main" id="{8BEF26C8-19FF-4ACF-94F5-4225C4EB8246}"/>
               </a:ext>
             </a:extLst>
           </p:cNvPr>
@@ -18875,7 +18610,7 @@
           <p:cNvPr id="550" name="Соединительная линия уступом 903">
             <a:extLst>
               <a:ext uri="{FF2B5EF4-FFF2-40B4-BE49-F238E27FC236}">
-                <a16:creationId xmlns:a16="http://schemas.microsoft.com/office/drawing/2014/main" xmlns="" id="{8BEF26C8-19FF-4ACF-94F5-4225C4EB8246}"/>
+                <a16:creationId xmlns:a16="http://schemas.microsoft.com/office/drawing/2014/main" id="{8BEF26C8-19FF-4ACF-94F5-4225C4EB8246}"/>
               </a:ext>
             </a:extLst>
           </p:cNvPr>
@@ -18920,7 +18655,7 @@
           <p:cNvPr id="553" name="Соединительная линия уступом 903">
             <a:extLst>
               <a:ext uri="{FF2B5EF4-FFF2-40B4-BE49-F238E27FC236}">
-                <a16:creationId xmlns:a16="http://schemas.microsoft.com/office/drawing/2014/main" xmlns="" id="{8BEF26C8-19FF-4ACF-94F5-4225C4EB8246}"/>
+                <a16:creationId xmlns:a16="http://schemas.microsoft.com/office/drawing/2014/main" id="{8BEF26C8-19FF-4ACF-94F5-4225C4EB8246}"/>
               </a:ext>
             </a:extLst>
           </p:cNvPr>
@@ -18965,7 +18700,7 @@
           <p:cNvPr id="307" name="Прямоугольник 306">
             <a:extLst>
               <a:ext uri="{FF2B5EF4-FFF2-40B4-BE49-F238E27FC236}">
-                <a16:creationId xmlns:a16="http://schemas.microsoft.com/office/drawing/2014/main" xmlns="" id="{D80463F0-008D-4836-8F9E-3D2D6E66AB47}"/>
+                <a16:creationId xmlns:a16="http://schemas.microsoft.com/office/drawing/2014/main" id="{D80463F0-008D-4836-8F9E-3D2D6E66AB47}"/>
               </a:ext>
             </a:extLst>
           </p:cNvPr>
@@ -19008,7 +18743,7 @@
           <a:p>
             <a:pPr algn="ctr"/>
             <a:r>
-              <a:rPr lang="ru-RU" sz="700" dirty="0" smtClean="0"/>
+              <a:rPr lang="ru-RU" sz="700" dirty="0"/>
               <a:t>Декларация вооружённого нейтралитета</a:t>
             </a:r>
             <a:endParaRPr lang="ru-RU" sz="400" dirty="0"/>
@@ -19020,7 +18755,7 @@
           <p:cNvPr id="308" name="Прямая соединительная линия 307">
             <a:extLst>
               <a:ext uri="{FF2B5EF4-FFF2-40B4-BE49-F238E27FC236}">
-                <a16:creationId xmlns:a16="http://schemas.microsoft.com/office/drawing/2014/main" xmlns="" id="{FD347516-2278-4B85-B9D1-D49EF200F440}"/>
+                <a16:creationId xmlns:a16="http://schemas.microsoft.com/office/drawing/2014/main" id="{FD347516-2278-4B85-B9D1-D49EF200F440}"/>
               </a:ext>
             </a:extLst>
           </p:cNvPr>
@@ -19065,7 +18800,7 @@
           <p:cNvPr id="310" name="Соединительная линия уступом 903">
             <a:extLst>
               <a:ext uri="{FF2B5EF4-FFF2-40B4-BE49-F238E27FC236}">
-                <a16:creationId xmlns:a16="http://schemas.microsoft.com/office/drawing/2014/main" xmlns="" id="{8BEF26C8-19FF-4ACF-94F5-4225C4EB8246}"/>
+                <a16:creationId xmlns:a16="http://schemas.microsoft.com/office/drawing/2014/main" id="{8BEF26C8-19FF-4ACF-94F5-4225C4EB8246}"/>
               </a:ext>
             </a:extLst>
           </p:cNvPr>
@@ -19110,7 +18845,7 @@
           <p:cNvPr id="316" name="Прямоугольник 315">
             <a:extLst>
               <a:ext uri="{FF2B5EF4-FFF2-40B4-BE49-F238E27FC236}">
-                <a16:creationId xmlns:a16="http://schemas.microsoft.com/office/drawing/2014/main" xmlns="" id="{FFDF3200-07AF-4F88-9AFA-E895A9EB463F}"/>
+                <a16:creationId xmlns:a16="http://schemas.microsoft.com/office/drawing/2014/main" id="{FFDF3200-07AF-4F88-9AFA-E895A9EB463F}"/>
               </a:ext>
             </a:extLst>
           </p:cNvPr>
@@ -19150,7 +18885,7 @@
           <a:p>
             <a:pPr algn="ctr"/>
             <a:r>
-              <a:rPr lang="ru-RU" sz="700" dirty="0" smtClean="0"/>
+              <a:rPr lang="ru-RU" sz="700" dirty="0"/>
               <a:t>Социализация сельскохозяйственных предприятий</a:t>
             </a:r>
             <a:endParaRPr lang="ru-RU" sz="400" dirty="0"/>
@@ -19162,7 +18897,7 @@
           <p:cNvPr id="318" name="Прямая со стрелкой 317">
             <a:extLst>
               <a:ext uri="{FF2B5EF4-FFF2-40B4-BE49-F238E27FC236}">
-                <a16:creationId xmlns:a16="http://schemas.microsoft.com/office/drawing/2014/main" xmlns="" id="{AFD4E665-A61D-46C2-A133-3412690F30F3}"/>
+                <a16:creationId xmlns:a16="http://schemas.microsoft.com/office/drawing/2014/main" id="{AFD4E665-A61D-46C2-A133-3412690F30F3}"/>
               </a:ext>
             </a:extLst>
           </p:cNvPr>
@@ -19205,7 +18940,7 @@
           <p:cNvPr id="319" name="Соединительная линия уступом 903">
             <a:extLst>
               <a:ext uri="{FF2B5EF4-FFF2-40B4-BE49-F238E27FC236}">
-                <a16:creationId xmlns:a16="http://schemas.microsoft.com/office/drawing/2014/main" xmlns="" id="{7F2B1BD7-0FDF-4BD9-834C-72911F99D650}"/>
+                <a16:creationId xmlns:a16="http://schemas.microsoft.com/office/drawing/2014/main" id="{7F2B1BD7-0FDF-4BD9-834C-72911F99D650}"/>
               </a:ext>
             </a:extLst>
           </p:cNvPr>
@@ -19250,7 +18985,7 @@
           <p:cNvPr id="325" name="Прямоугольник 324">
             <a:extLst>
               <a:ext uri="{FF2B5EF4-FFF2-40B4-BE49-F238E27FC236}">
-                <a16:creationId xmlns:a16="http://schemas.microsoft.com/office/drawing/2014/main" xmlns="" id="{5A90479D-BFEC-4250-A8B4-175610005B0C}"/>
+                <a16:creationId xmlns:a16="http://schemas.microsoft.com/office/drawing/2014/main" id="{5A90479D-BFEC-4250-A8B4-175610005B0C}"/>
               </a:ext>
             </a:extLst>
           </p:cNvPr>
@@ -19293,7 +19028,7 @@
           <a:p>
             <a:pPr algn="ctr"/>
             <a:r>
-              <a:rPr lang="ru-RU" sz="700" dirty="0" smtClean="0"/>
+              <a:rPr lang="ru-RU" sz="700" dirty="0"/>
               <a:t>Расширить образование</a:t>
             </a:r>
             <a:endParaRPr lang="ru-RU" sz="400" dirty="0"/>
@@ -19305,7 +19040,7 @@
           <p:cNvPr id="327" name="Соединительная линия уступом 903">
             <a:extLst>
               <a:ext uri="{FF2B5EF4-FFF2-40B4-BE49-F238E27FC236}">
-                <a16:creationId xmlns:a16="http://schemas.microsoft.com/office/drawing/2014/main" xmlns="" id="{8BEF26C8-19FF-4ACF-94F5-4225C4EB8246}"/>
+                <a16:creationId xmlns:a16="http://schemas.microsoft.com/office/drawing/2014/main" id="{8BEF26C8-19FF-4ACF-94F5-4225C4EB8246}"/>
               </a:ext>
             </a:extLst>
           </p:cNvPr>
@@ -19350,7 +19085,7 @@
           <p:cNvPr id="330" name="Прямоугольник 329">
             <a:extLst>
               <a:ext uri="{FF2B5EF4-FFF2-40B4-BE49-F238E27FC236}">
-                <a16:creationId xmlns:a16="http://schemas.microsoft.com/office/drawing/2014/main" xmlns="" id="{5A90479D-BFEC-4250-A8B4-175610005B0C}"/>
+                <a16:creationId xmlns:a16="http://schemas.microsoft.com/office/drawing/2014/main" id="{5A90479D-BFEC-4250-A8B4-175610005B0C}"/>
               </a:ext>
             </a:extLst>
           </p:cNvPr>
@@ -19393,15 +19128,15 @@
           <a:p>
             <a:pPr algn="ctr"/>
             <a:r>
-              <a:rPr lang="ru-RU" sz="700" dirty="0" smtClean="0"/>
+              <a:rPr lang="ru-RU" sz="700" dirty="0"/>
               <a:t>Поставить </a:t>
             </a:r>
             <a:r>
-              <a:rPr lang="ru-RU" sz="700" dirty="0" err="1" smtClean="0"/>
+              <a:rPr lang="ru-RU" sz="700" dirty="0" err="1"/>
               <a:t>Сандинистов</a:t>
             </a:r>
             <a:r>
-              <a:rPr lang="ru-RU" sz="700" dirty="0" smtClean="0"/>
+              <a:rPr lang="ru-RU" sz="700" dirty="0"/>
               <a:t> на военную службу</a:t>
             </a:r>
             <a:endParaRPr lang="ru-RU" sz="400" dirty="0"/>
@@ -19413,7 +19148,7 @@
           <p:cNvPr id="331" name="Соединительная линия уступом 903">
             <a:extLst>
               <a:ext uri="{FF2B5EF4-FFF2-40B4-BE49-F238E27FC236}">
-                <a16:creationId xmlns:a16="http://schemas.microsoft.com/office/drawing/2014/main" xmlns="" id="{8BEF26C8-19FF-4ACF-94F5-4225C4EB8246}"/>
+                <a16:creationId xmlns:a16="http://schemas.microsoft.com/office/drawing/2014/main" id="{8BEF26C8-19FF-4ACF-94F5-4225C4EB8246}"/>
               </a:ext>
             </a:extLst>
           </p:cNvPr>
@@ -19458,7 +19193,7 @@
           <p:cNvPr id="333" name="Соединительная линия уступом 903">
             <a:extLst>
               <a:ext uri="{FF2B5EF4-FFF2-40B4-BE49-F238E27FC236}">
-                <a16:creationId xmlns:a16="http://schemas.microsoft.com/office/drawing/2014/main" xmlns="" id="{8BEF26C8-19FF-4ACF-94F5-4225C4EB8246}"/>
+                <a16:creationId xmlns:a16="http://schemas.microsoft.com/office/drawing/2014/main" id="{8BEF26C8-19FF-4ACF-94F5-4225C4EB8246}"/>
               </a:ext>
             </a:extLst>
           </p:cNvPr>
@@ -19503,7 +19238,7 @@
           <p:cNvPr id="354" name="Прямоугольник 353">
             <a:extLst>
               <a:ext uri="{FF2B5EF4-FFF2-40B4-BE49-F238E27FC236}">
-                <a16:creationId xmlns:a16="http://schemas.microsoft.com/office/drawing/2014/main" xmlns="" id="{5A90479D-BFEC-4250-A8B4-175610005B0C}"/>
+                <a16:creationId xmlns:a16="http://schemas.microsoft.com/office/drawing/2014/main" id="{5A90479D-BFEC-4250-A8B4-175610005B0C}"/>
               </a:ext>
             </a:extLst>
           </p:cNvPr>
@@ -19546,7 +19281,7 @@
           <a:p>
             <a:pPr algn="ctr"/>
             <a:r>
-              <a:rPr lang="ru-RU" sz="700" dirty="0" smtClean="0"/>
+              <a:rPr lang="ru-RU" sz="700" dirty="0"/>
               <a:t>Взять профсоюзы под контроль</a:t>
             </a:r>
             <a:endParaRPr lang="ru-RU" sz="400" dirty="0"/>
@@ -19558,7 +19293,7 @@
           <p:cNvPr id="356" name="Соединительная линия уступом 903">
             <a:extLst>
               <a:ext uri="{FF2B5EF4-FFF2-40B4-BE49-F238E27FC236}">
-                <a16:creationId xmlns:a16="http://schemas.microsoft.com/office/drawing/2014/main" xmlns="" id="{8BEF26C8-19FF-4ACF-94F5-4225C4EB8246}"/>
+                <a16:creationId xmlns:a16="http://schemas.microsoft.com/office/drawing/2014/main" id="{8BEF26C8-19FF-4ACF-94F5-4225C4EB8246}"/>
               </a:ext>
             </a:extLst>
           </p:cNvPr>
@@ -19603,7 +19338,7 @@
           <p:cNvPr id="359" name="Прямоугольник 358">
             <a:extLst>
               <a:ext uri="{FF2B5EF4-FFF2-40B4-BE49-F238E27FC236}">
-                <a16:creationId xmlns:a16="http://schemas.microsoft.com/office/drawing/2014/main" xmlns="" id="{D21D4960-F203-4755-9FED-7CFC800F902A}"/>
+                <a16:creationId xmlns:a16="http://schemas.microsoft.com/office/drawing/2014/main" id="{D21D4960-F203-4755-9FED-7CFC800F902A}"/>
               </a:ext>
             </a:extLst>
           </p:cNvPr>
@@ -19649,7 +19384,7 @@
               <a:t>Вернуть </a:t>
             </a:r>
             <a:r>
-              <a:rPr lang="ru-RU" sz="700" dirty="0" err="1" smtClean="0"/>
+              <a:rPr lang="ru-RU" sz="700" dirty="0" err="1"/>
               <a:t>Гуанакасте</a:t>
             </a:r>
             <a:endParaRPr lang="ru-RU" sz="400" dirty="0"/>
@@ -19661,7 +19396,7 @@
           <p:cNvPr id="360" name="Соединительная линия уступом 903">
             <a:extLst>
               <a:ext uri="{FF2B5EF4-FFF2-40B4-BE49-F238E27FC236}">
-                <a16:creationId xmlns:a16="http://schemas.microsoft.com/office/drawing/2014/main" xmlns="" id="{7F2B1BD7-0FDF-4BD9-834C-72911F99D650}"/>
+                <a16:creationId xmlns:a16="http://schemas.microsoft.com/office/drawing/2014/main" id="{7F2B1BD7-0FDF-4BD9-834C-72911F99D650}"/>
               </a:ext>
             </a:extLst>
           </p:cNvPr>
@@ -19706,7 +19441,7 @@
           <p:cNvPr id="363" name="Прямоугольник 362">
             <a:extLst>
               <a:ext uri="{FF2B5EF4-FFF2-40B4-BE49-F238E27FC236}">
-                <a16:creationId xmlns:a16="http://schemas.microsoft.com/office/drawing/2014/main" xmlns="" id="{D8560F03-D7E5-4EAE-8AB6-25DD52B13299}"/>
+                <a16:creationId xmlns:a16="http://schemas.microsoft.com/office/drawing/2014/main" id="{D8560F03-D7E5-4EAE-8AB6-25DD52B13299}"/>
               </a:ext>
             </a:extLst>
           </p:cNvPr>
@@ -19750,11 +19485,7 @@
             <a:pPr algn="ctr"/>
             <a:r>
               <a:rPr lang="en-US" sz="800" dirty="0"/>
-              <a:t>El </a:t>
-            </a:r>
-            <a:r>
-              <a:rPr lang="en-US" sz="800" dirty="0" smtClean="0"/>
-              <a:t>Liberal</a:t>
+              <a:t>El Liberal</a:t>
             </a:r>
             <a:endParaRPr lang="ru-RU" sz="200" dirty="0"/>
           </a:p>
@@ -19765,7 +19496,7 @@
           <p:cNvPr id="364" name="Соединительная линия уступом 903">
             <a:extLst>
               <a:ext uri="{FF2B5EF4-FFF2-40B4-BE49-F238E27FC236}">
-                <a16:creationId xmlns:a16="http://schemas.microsoft.com/office/drawing/2014/main" xmlns="" id="{8BEF26C8-19FF-4ACF-94F5-4225C4EB8246}"/>
+                <a16:creationId xmlns:a16="http://schemas.microsoft.com/office/drawing/2014/main" id="{8BEF26C8-19FF-4ACF-94F5-4225C4EB8246}"/>
               </a:ext>
             </a:extLst>
           </p:cNvPr>
@@ -19810,7 +19541,7 @@
           <p:cNvPr id="370" name="Прямоугольник 369">
             <a:extLst>
               <a:ext uri="{FF2B5EF4-FFF2-40B4-BE49-F238E27FC236}">
-                <a16:creationId xmlns:a16="http://schemas.microsoft.com/office/drawing/2014/main" xmlns="" id="{FFDF3200-07AF-4F88-9AFA-E895A9EB463F}"/>
+                <a16:creationId xmlns:a16="http://schemas.microsoft.com/office/drawing/2014/main" id="{FFDF3200-07AF-4F88-9AFA-E895A9EB463F}"/>
               </a:ext>
             </a:extLst>
           </p:cNvPr>
@@ -19850,11 +19581,11 @@
           <a:p>
             <a:pPr algn="ctr"/>
             <a:r>
-              <a:rPr lang="ru-RU" sz="700" dirty="0" smtClean="0"/>
+              <a:rPr lang="ru-RU" sz="700" dirty="0"/>
               <a:t>Заключить мир с </a:t>
             </a:r>
             <a:r>
-              <a:rPr lang="ru-RU" sz="700" dirty="0" err="1" smtClean="0"/>
+              <a:rPr lang="ru-RU" sz="700" dirty="0" err="1"/>
               <a:t>Сандинистами</a:t>
             </a:r>
             <a:endParaRPr lang="ru-RU" sz="400" dirty="0"/>
@@ -19866,7 +19597,7 @@
           <p:cNvPr id="380" name="Прямая со стрелкой 379">
             <a:extLst>
               <a:ext uri="{FF2B5EF4-FFF2-40B4-BE49-F238E27FC236}">
-                <a16:creationId xmlns:a16="http://schemas.microsoft.com/office/drawing/2014/main" xmlns="" id="{AFD4E665-A61D-46C2-A133-3412690F30F3}"/>
+                <a16:creationId xmlns:a16="http://schemas.microsoft.com/office/drawing/2014/main" id="{AFD4E665-A61D-46C2-A133-3412690F30F3}"/>
               </a:ext>
             </a:extLst>
           </p:cNvPr>
@@ -19909,7 +19640,7 @@
           <p:cNvPr id="388" name="Прямоугольник 387">
             <a:extLst>
               <a:ext uri="{FF2B5EF4-FFF2-40B4-BE49-F238E27FC236}">
-                <a16:creationId xmlns:a16="http://schemas.microsoft.com/office/drawing/2014/main" xmlns="" id="{9C02A14C-DE5F-49AD-A4EE-A27966D0EFDC}"/>
+                <a16:creationId xmlns:a16="http://schemas.microsoft.com/office/drawing/2014/main" id="{9C02A14C-DE5F-49AD-A4EE-A27966D0EFDC}"/>
               </a:ext>
             </a:extLst>
           </p:cNvPr>
@@ -19951,7 +19682,7 @@
           <a:p>
             <a:pPr algn="ctr"/>
             <a:r>
-              <a:rPr lang="ru-RU" sz="700" dirty="0" smtClean="0"/>
+              <a:rPr lang="ru-RU" sz="700" dirty="0"/>
               <a:t>Привлечь коммунистов на свою сторону</a:t>
             </a:r>
             <a:endParaRPr lang="ru-RU" sz="400" dirty="0"/>
@@ -19963,7 +19694,7 @@
           <p:cNvPr id="390" name="Прямая со стрелкой 389">
             <a:extLst>
               <a:ext uri="{FF2B5EF4-FFF2-40B4-BE49-F238E27FC236}">
-                <a16:creationId xmlns:a16="http://schemas.microsoft.com/office/drawing/2014/main" xmlns="" id="{AFD4E665-A61D-46C2-A133-3412690F30F3}"/>
+                <a16:creationId xmlns:a16="http://schemas.microsoft.com/office/drawing/2014/main" id="{AFD4E665-A61D-46C2-A133-3412690F30F3}"/>
               </a:ext>
             </a:extLst>
           </p:cNvPr>
@@ -20006,7 +19737,7 @@
           <p:cNvPr id="393" name="Соединительная линия уступом 903">
             <a:extLst>
               <a:ext uri="{FF2B5EF4-FFF2-40B4-BE49-F238E27FC236}">
-                <a16:creationId xmlns:a16="http://schemas.microsoft.com/office/drawing/2014/main" xmlns="" id="{7F2B1BD7-0FDF-4BD9-834C-72911F99D650}"/>
+                <a16:creationId xmlns:a16="http://schemas.microsoft.com/office/drawing/2014/main" id="{7F2B1BD7-0FDF-4BD9-834C-72911F99D650}"/>
               </a:ext>
             </a:extLst>
           </p:cNvPr>
@@ -20051,7 +19782,7 @@
           <p:cNvPr id="396" name="Соединительная линия уступом 903">
             <a:extLst>
               <a:ext uri="{FF2B5EF4-FFF2-40B4-BE49-F238E27FC236}">
-                <a16:creationId xmlns:a16="http://schemas.microsoft.com/office/drawing/2014/main" xmlns="" id="{7F2B1BD7-0FDF-4BD9-834C-72911F99D650}"/>
+                <a16:creationId xmlns:a16="http://schemas.microsoft.com/office/drawing/2014/main" id="{7F2B1BD7-0FDF-4BD9-834C-72911F99D650}"/>
               </a:ext>
             </a:extLst>
           </p:cNvPr>
@@ -20359,7 +20090,7 @@
   <a:extraClrSchemeLst/>
   <a:extLst>
     <a:ext uri="{05A4C25C-085E-4340-85A3-A5531E510DB2}">
-      <thm15:themeFamily xmlns:thm15="http://schemas.microsoft.com/office/thememl/2012/main" xmlns="" name="Office Theme" id="{62F939B6-93AF-4DB8-9C6B-D6C7DFDC589F}" vid="{4A3C46E8-61CC-4603-A589-7422A47A8E4A}"/>
+      <thm15:themeFamily xmlns:thm15="http://schemas.microsoft.com/office/thememl/2012/main" name="Office Theme" id="{62F939B6-93AF-4DB8-9C6B-D6C7DFDC589F}" vid="{4A3C46E8-61CC-4603-A589-7422A47A8E4A}"/>
     </a:ext>
   </a:extLst>
 </a:theme>
@@ -20620,7 +20351,7 @@
   <a:extraClrSchemeLst/>
   <a:extLst>
     <a:ext uri="{05A4C25C-085E-4340-85A3-A5531E510DB2}">
-      <thm15:themeFamily xmlns:thm15="http://schemas.microsoft.com/office/thememl/2012/main" xmlns="" name="Office Theme" id="{62F939B6-93AF-4DB8-9C6B-D6C7DFDC589F}" vid="{4A3C46E8-61CC-4603-A589-7422A47A8E4A}"/>
+      <thm15:themeFamily xmlns:thm15="http://schemas.microsoft.com/office/thememl/2012/main" name="Office Theme" id="{62F939B6-93AF-4DB8-9C6B-D6C7DFDC589F}" vid="{4A3C46E8-61CC-4603-A589-7422A47A8E4A}"/>
     </a:ext>
   </a:extLst>
 </a:theme>

--- a/Наработки/диздоки/Никарагуа/Никарагуа.pptx
+++ b/Наработки/диздоки/Никарагуа/Никарагуа.pptx
@@ -109,7 +109,7 @@
   </p:defaultTextStyle>
   <p:extLst>
     <p:ext uri="{EFAFB233-063F-42B5-8137-9DF3F51BA10A}">
-      <p15:sldGuideLst xmlns:p15="http://schemas.microsoft.com/office/powerpoint/2012/main">
+      <p15:sldGuideLst xmlns="" xmlns:p15="http://schemas.microsoft.com/office/powerpoint/2012/main">
         <p15:guide id="1" orient="horz" pos="11344">
           <p15:clr>
             <a:srgbClr val="A4A3A4"/>
@@ -3575,7 +3575,7 @@
           <p:cNvPr id="860" name="Прямоугольник 859">
             <a:extLst>
               <a:ext uri="{FF2B5EF4-FFF2-40B4-BE49-F238E27FC236}">
-                <a16:creationId xmlns:a16="http://schemas.microsoft.com/office/drawing/2014/main" id="{6192B7C6-55FD-4881-A7C8-B46143BFCF64}"/>
+                <a16:creationId xmlns="" xmlns:a16="http://schemas.microsoft.com/office/drawing/2014/main" id="{6192B7C6-55FD-4881-A7C8-B46143BFCF64}"/>
               </a:ext>
             </a:extLst>
           </p:cNvPr>
@@ -3625,7 +3625,7 @@
           <p:cNvPr id="987" name="Прямоугольник 986">
             <a:extLst>
               <a:ext uri="{FF2B5EF4-FFF2-40B4-BE49-F238E27FC236}">
-                <a16:creationId xmlns:a16="http://schemas.microsoft.com/office/drawing/2014/main" id="{67193EE9-417B-43C2-AB81-CA3693D3020C}"/>
+                <a16:creationId xmlns="" xmlns:a16="http://schemas.microsoft.com/office/drawing/2014/main" id="{67193EE9-417B-43C2-AB81-CA3693D3020C}"/>
               </a:ext>
             </a:extLst>
           </p:cNvPr>
@@ -3675,7 +3675,7 @@
           <p:cNvPr id="991" name="Прямоугольник 990">
             <a:extLst>
               <a:ext uri="{FF2B5EF4-FFF2-40B4-BE49-F238E27FC236}">
-                <a16:creationId xmlns:a16="http://schemas.microsoft.com/office/drawing/2014/main" id="{DF4FA738-4588-47B9-8CCD-BD1F596377F3}"/>
+                <a16:creationId xmlns="" xmlns:a16="http://schemas.microsoft.com/office/drawing/2014/main" id="{DF4FA738-4588-47B9-8CCD-BD1F596377F3}"/>
               </a:ext>
             </a:extLst>
           </p:cNvPr>
@@ -3732,7 +3732,7 @@
           <p:cNvPr id="994" name="Прямоугольник 993">
             <a:extLst>
               <a:ext uri="{FF2B5EF4-FFF2-40B4-BE49-F238E27FC236}">
-                <a16:creationId xmlns:a16="http://schemas.microsoft.com/office/drawing/2014/main" id="{2C61400B-484B-4957-B0B2-641DF530B9A0}"/>
+                <a16:creationId xmlns="" xmlns:a16="http://schemas.microsoft.com/office/drawing/2014/main" id="{2C61400B-484B-4957-B0B2-641DF530B9A0}"/>
               </a:ext>
             </a:extLst>
           </p:cNvPr>
@@ -3781,7 +3781,7 @@
           <p:cNvPr id="995" name="Прямоугольник 994">
             <a:extLst>
               <a:ext uri="{FF2B5EF4-FFF2-40B4-BE49-F238E27FC236}">
-                <a16:creationId xmlns:a16="http://schemas.microsoft.com/office/drawing/2014/main" id="{F18E07CC-8B9D-421A-926B-156E5FCEBD1B}"/>
+                <a16:creationId xmlns="" xmlns:a16="http://schemas.microsoft.com/office/drawing/2014/main" id="{F18E07CC-8B9D-421A-926B-156E5FCEBD1B}"/>
               </a:ext>
             </a:extLst>
           </p:cNvPr>
@@ -3835,7 +3835,7 @@
           <p:cNvPr id="996" name="Прямоугольник 995">
             <a:extLst>
               <a:ext uri="{FF2B5EF4-FFF2-40B4-BE49-F238E27FC236}">
-                <a16:creationId xmlns:a16="http://schemas.microsoft.com/office/drawing/2014/main" id="{0A3E31CE-1F95-493B-99B8-75E1E74691B0}"/>
+                <a16:creationId xmlns="" xmlns:a16="http://schemas.microsoft.com/office/drawing/2014/main" id="{0A3E31CE-1F95-493B-99B8-75E1E74691B0}"/>
               </a:ext>
             </a:extLst>
           </p:cNvPr>
@@ -3889,7 +3889,7 @@
           <p:cNvPr id="998" name="Прямоугольник 997">
             <a:extLst>
               <a:ext uri="{FF2B5EF4-FFF2-40B4-BE49-F238E27FC236}">
-                <a16:creationId xmlns:a16="http://schemas.microsoft.com/office/drawing/2014/main" id="{D1BF57CA-E69C-44E3-AAB9-85050AFD605D}"/>
+                <a16:creationId xmlns="" xmlns:a16="http://schemas.microsoft.com/office/drawing/2014/main" id="{D1BF57CA-E69C-44E3-AAB9-85050AFD605D}"/>
               </a:ext>
             </a:extLst>
           </p:cNvPr>
@@ -3939,7 +3939,7 @@
           <p:cNvPr id="999" name="Прямоугольник 998">
             <a:extLst>
               <a:ext uri="{FF2B5EF4-FFF2-40B4-BE49-F238E27FC236}">
-                <a16:creationId xmlns:a16="http://schemas.microsoft.com/office/drawing/2014/main" id="{ED20F934-4F09-47D0-A5C3-475497C89CA8}"/>
+                <a16:creationId xmlns="" xmlns:a16="http://schemas.microsoft.com/office/drawing/2014/main" id="{ED20F934-4F09-47D0-A5C3-475497C89CA8}"/>
               </a:ext>
             </a:extLst>
           </p:cNvPr>
@@ -3988,7 +3988,7 @@
           <p:cNvPr id="1000" name="Прямоугольник 999">
             <a:extLst>
               <a:ext uri="{FF2B5EF4-FFF2-40B4-BE49-F238E27FC236}">
-                <a16:creationId xmlns:a16="http://schemas.microsoft.com/office/drawing/2014/main" id="{3031F683-9F5E-4938-B59B-3FA74405AA5D}"/>
+                <a16:creationId xmlns="" xmlns:a16="http://schemas.microsoft.com/office/drawing/2014/main" id="{3031F683-9F5E-4938-B59B-3FA74405AA5D}"/>
               </a:ext>
             </a:extLst>
           </p:cNvPr>
@@ -4045,7 +4045,7 @@
           <p:cNvPr id="1003" name="Прямоугольник 1002">
             <a:extLst>
               <a:ext uri="{FF2B5EF4-FFF2-40B4-BE49-F238E27FC236}">
-                <a16:creationId xmlns:a16="http://schemas.microsoft.com/office/drawing/2014/main" id="{6902397C-BDFE-4DCF-A1A2-FAE0B2626BDA}"/>
+                <a16:creationId xmlns="" xmlns:a16="http://schemas.microsoft.com/office/drawing/2014/main" id="{6902397C-BDFE-4DCF-A1A2-FAE0B2626BDA}"/>
               </a:ext>
             </a:extLst>
           </p:cNvPr>
@@ -4098,7 +4098,7 @@
           <p:cNvPr id="1004" name="Прямоугольник 1003">
             <a:extLst>
               <a:ext uri="{FF2B5EF4-FFF2-40B4-BE49-F238E27FC236}">
-                <a16:creationId xmlns:a16="http://schemas.microsoft.com/office/drawing/2014/main" id="{69B79668-F64A-48E7-B6D8-046B42C5083A}"/>
+                <a16:creationId xmlns="" xmlns:a16="http://schemas.microsoft.com/office/drawing/2014/main" id="{69B79668-F64A-48E7-B6D8-046B42C5083A}"/>
               </a:ext>
             </a:extLst>
           </p:cNvPr>
@@ -4148,7 +4148,7 @@
           <p:cNvPr id="1006" name="Прямоугольник 1005">
             <a:extLst>
               <a:ext uri="{FF2B5EF4-FFF2-40B4-BE49-F238E27FC236}">
-                <a16:creationId xmlns:a16="http://schemas.microsoft.com/office/drawing/2014/main" id="{DBC3419A-22FA-43FF-B8B9-DD68FEBDCE02}"/>
+                <a16:creationId xmlns="" xmlns:a16="http://schemas.microsoft.com/office/drawing/2014/main" id="{DBC3419A-22FA-43FF-B8B9-DD68FEBDCE02}"/>
               </a:ext>
             </a:extLst>
           </p:cNvPr>
@@ -4202,7 +4202,7 @@
           <p:cNvPr id="1007" name="Прямоугольник 1006">
             <a:extLst>
               <a:ext uri="{FF2B5EF4-FFF2-40B4-BE49-F238E27FC236}">
-                <a16:creationId xmlns:a16="http://schemas.microsoft.com/office/drawing/2014/main" id="{16A1A0CD-EC27-4841-9CAC-A2951FA574D9}"/>
+                <a16:creationId xmlns="" xmlns:a16="http://schemas.microsoft.com/office/drawing/2014/main" id="{16A1A0CD-EC27-4841-9CAC-A2951FA574D9}"/>
               </a:ext>
             </a:extLst>
           </p:cNvPr>
@@ -4251,7 +4251,7 @@
           <p:cNvPr id="1009" name="Прямоугольник 1008">
             <a:extLst>
               <a:ext uri="{FF2B5EF4-FFF2-40B4-BE49-F238E27FC236}">
-                <a16:creationId xmlns:a16="http://schemas.microsoft.com/office/drawing/2014/main" id="{D6B9B13E-4EC1-48C5-9D81-8A7DC0201F74}"/>
+                <a16:creationId xmlns="" xmlns:a16="http://schemas.microsoft.com/office/drawing/2014/main" id="{D6B9B13E-4EC1-48C5-9D81-8A7DC0201F74}"/>
               </a:ext>
             </a:extLst>
           </p:cNvPr>
@@ -4301,7 +4301,7 @@
           <p:cNvPr id="1010" name="Прямоугольник 1009">
             <a:extLst>
               <a:ext uri="{FF2B5EF4-FFF2-40B4-BE49-F238E27FC236}">
-                <a16:creationId xmlns:a16="http://schemas.microsoft.com/office/drawing/2014/main" id="{EB093940-7B32-4F48-90D9-92C619CCC27C}"/>
+                <a16:creationId xmlns="" xmlns:a16="http://schemas.microsoft.com/office/drawing/2014/main" id="{EB093940-7B32-4F48-90D9-92C619CCC27C}"/>
               </a:ext>
             </a:extLst>
           </p:cNvPr>
@@ -4355,7 +4355,7 @@
           <p:cNvPr id="1011" name="Прямая со стрелкой 1010">
             <a:extLst>
               <a:ext uri="{FF2B5EF4-FFF2-40B4-BE49-F238E27FC236}">
-                <a16:creationId xmlns:a16="http: